--- a/trunk/Report/SUY LUẬN TỰ NHIÊN.pptx
+++ b/trunk/Report/SUY LUẬN TỰ NHIÊN.pptx
@@ -7948,7 +7948,21 @@
                 <a:latin typeface="Tahoma" pitchFamily="34" charset="0"/>
                 <a:cs typeface="Tahoma" pitchFamily="34" charset="0"/>
               </a:rPr>
-              <a:t>SUY LUẬN TỰ NHIÊN</a:t>
+              <a:t>SUY </a:t>
+            </a:r>
+            <a:r>
+              <a:rPr lang="en-US" smtClean="0">
+                <a:latin typeface="Tahoma" pitchFamily="34" charset="0"/>
+                <a:cs typeface="Tahoma" pitchFamily="34" charset="0"/>
+              </a:rPr>
+              <a:t>LUẬN </a:t>
+            </a:r>
+            <a:r>
+              <a:rPr lang="en-US" smtClean="0">
+                <a:latin typeface="Tahoma" pitchFamily="34" charset="0"/>
+                <a:cs typeface="Tahoma" pitchFamily="34" charset="0"/>
+              </a:rPr>
+              <a:t>HÊN XUI</a:t>
             </a:r>
             <a:endParaRPr lang="en-US">
               <a:latin typeface="Tahoma" pitchFamily="34" charset="0"/>
@@ -8435,12 +8449,15 @@
         </p:spPr>
         <p:txBody>
           <a:bodyPr>
-            <a:normAutofit fontScale="92500" lnSpcReduction="10000"/>
+            <a:normAutofit fontScale="92500" lnSpcReduction="20000"/>
           </a:bodyPr>
           <a:lstStyle/>
           <a:p>
             <a:r>
-              <a:rPr lang="en-US" smtClean="0"/>
+              <a:rPr lang="en-US" smtClean="0">
+                <a:latin typeface="Tahoma" pitchFamily="34" charset="0"/>
+                <a:cs typeface="Tahoma" pitchFamily="34" charset="0"/>
+              </a:rPr>
               <a:t>Chuyển các toán tử logic thành dạng hàm</a:t>
             </a:r>
           </a:p>
@@ -8450,7 +8467,10 @@
               <a:buChar char="o"/>
             </a:pPr>
             <a:r>
-              <a:rPr lang="en-US" smtClean="0"/>
+              <a:rPr lang="en-US" smtClean="0">
+                <a:latin typeface="Tahoma" pitchFamily="34" charset="0"/>
+                <a:cs typeface="Tahoma" pitchFamily="34" charset="0"/>
+              </a:rPr>
               <a:t>A ∨ B  	thành  	or(A,B)</a:t>
             </a:r>
           </a:p>
@@ -8460,8 +8480,25 @@
               <a:buChar char="o"/>
             </a:pPr>
             <a:r>
-              <a:rPr lang="en-US" smtClean="0"/>
-              <a:t>A ∧ B 	thành 		and(A,B)</a:t>
+              <a:rPr lang="en-US" smtClean="0">
+                <a:latin typeface="Tahoma" pitchFamily="34" charset="0"/>
+                <a:cs typeface="Tahoma" pitchFamily="34" charset="0"/>
+              </a:rPr>
+              <a:t>A ∧ B 	thành 	</a:t>
+            </a:r>
+            <a:r>
+              <a:rPr lang="en-US" smtClean="0">
+                <a:latin typeface="Tahoma" pitchFamily="34" charset="0"/>
+                <a:cs typeface="Tahoma" pitchFamily="34" charset="0"/>
+              </a:rPr>
+              <a:t>and(A,B</a:t>
+            </a:r>
+            <a:r>
+              <a:rPr lang="en-US" smtClean="0">
+                <a:latin typeface="Tahoma" pitchFamily="34" charset="0"/>
+                <a:cs typeface="Tahoma" pitchFamily="34" charset="0"/>
+              </a:rPr>
+              <a:t>)</a:t>
             </a:r>
           </a:p>
           <a:p>
@@ -8470,8 +8507,25 @@
               <a:buChar char="o"/>
             </a:pPr>
             <a:r>
-              <a:rPr lang="en-US" smtClean="0"/>
-              <a:t> A→B 	thành 		map(A,B)</a:t>
+              <a:rPr lang="en-US" smtClean="0">
+                <a:latin typeface="Tahoma" pitchFamily="34" charset="0"/>
+                <a:cs typeface="Tahoma" pitchFamily="34" charset="0"/>
+              </a:rPr>
+              <a:t> A→B 	thành 	</a:t>
+            </a:r>
+            <a:r>
+              <a:rPr lang="en-US" smtClean="0">
+                <a:latin typeface="Tahoma" pitchFamily="34" charset="0"/>
+                <a:cs typeface="Tahoma" pitchFamily="34" charset="0"/>
+              </a:rPr>
+              <a:t>map(A,B</a:t>
+            </a:r>
+            <a:r>
+              <a:rPr lang="en-US" smtClean="0">
+                <a:latin typeface="Tahoma" pitchFamily="34" charset="0"/>
+                <a:cs typeface="Tahoma" pitchFamily="34" charset="0"/>
+              </a:rPr>
+              <a:t>)</a:t>
             </a:r>
           </a:p>
           <a:p>
@@ -8480,17 +8534,26 @@
               <a:buChar char="o"/>
             </a:pPr>
             <a:r>
-              <a:rPr lang="en-US"/>
+              <a:rPr lang="en-US">
+                <a:latin typeface="Tahoma" pitchFamily="34" charset="0"/>
+                <a:cs typeface="Tahoma" pitchFamily="34" charset="0"/>
+              </a:rPr>
               <a:t> </a:t>
             </a:r>
             <a:r>
-              <a:rPr lang="en-US" smtClean="0"/>
+              <a:rPr lang="en-US" smtClean="0">
+                <a:latin typeface="Tahoma" pitchFamily="34" charset="0"/>
+                <a:cs typeface="Tahoma" pitchFamily="34" charset="0"/>
+              </a:rPr>
               <a:t>¬ A	thành		not(A)</a:t>
             </a:r>
           </a:p>
           <a:p>
             <a:r>
-              <a:rPr lang="en-US" smtClean="0"/>
+              <a:rPr lang="en-US" smtClean="0">
+                <a:latin typeface="Tahoma" pitchFamily="34" charset="0"/>
+                <a:cs typeface="Tahoma" pitchFamily="34" charset="0"/>
+              </a:rPr>
               <a:t>Xem xét độ ưu tiên của các toán tử</a:t>
             </a:r>
           </a:p>
@@ -8500,16 +8563,24 @@
               <a:buChar char="o"/>
             </a:pPr>
             <a:r>
-              <a:rPr lang="en-US" smtClean="0"/>
+              <a:rPr lang="en-US" smtClean="0">
+                <a:latin typeface="Tahoma" pitchFamily="34" charset="0"/>
+                <a:cs typeface="Tahoma" pitchFamily="34" charset="0"/>
+              </a:rPr>
               <a:t>( ) ¬ ∧ ∨ </a:t>
             </a:r>
             <a:r>
               <a:rPr lang="en-US" smtClean="0">
+                <a:latin typeface="Tahoma" pitchFamily="34" charset="0"/>
+                <a:cs typeface="Tahoma" pitchFamily="34" charset="0"/>
                 <a:sym typeface="Wingdings" pitchFamily="2" charset="2"/>
               </a:rPr>
               <a:t></a:t>
             </a:r>
-            <a:endParaRPr lang="en-US" smtClean="0"/>
+            <a:endParaRPr lang="en-US" smtClean="0">
+              <a:latin typeface="Tahoma" pitchFamily="34" charset="0"/>
+              <a:cs typeface="Tahoma" pitchFamily="34" charset="0"/>
+            </a:endParaRPr>
           </a:p>
           <a:p>
             <a:pPr lvl="1">
@@ -8517,7 +8588,10 @@
               <a:buChar char="o"/>
             </a:pPr>
             <a:r>
-              <a:rPr lang="en-US" smtClean="0"/>
+              <a:rPr lang="en-US" smtClean="0">
+                <a:latin typeface="Tahoma" pitchFamily="34" charset="0"/>
+                <a:cs typeface="Tahoma" pitchFamily="34" charset="0"/>
+              </a:rPr>
               <a:t>A → ¬B ∧ (¬C ∨ D) thành 						map ( A, and( not(B), or( not(C),D)))</a:t>
             </a:r>
           </a:p>
@@ -8600,11 +8674,17 @@
             <p:ph type="title"/>
           </p:nvPr>
         </p:nvSpPr>
-        <p:spPr/>
+        <p:spPr>
+          <a:xfrm>
+            <a:off x="457200" y="228865"/>
+            <a:ext cx="7315200" cy="952500"/>
+          </a:xfrm>
+        </p:spPr>
         <p:txBody>
           <a:bodyPr/>
           <a:lstStyle/>
           <a:p>
+            <a:pPr algn="r"/>
             <a:r>
               <a:rPr lang="en-US" smtClean="0">
                 <a:latin typeface="Times New Roman" pitchFamily="18" charset="0"/>
@@ -8676,7 +8756,7 @@
           <p:nvPr/>
         </p:nvGraphicFramePr>
         <p:xfrm>
-          <a:off x="685800" y="266700"/>
+          <a:off x="685800" y="416538"/>
           <a:ext cx="1797367" cy="4955562"/>
         </p:xfrm>
         <a:graphic>
@@ -18108,7 +18188,7 @@
         </p:nvSpPr>
         <p:spPr>
           <a:xfrm>
-            <a:off x="1143000" y="-114300"/>
+            <a:off x="1143000" y="0"/>
             <a:ext cx="838200" cy="369332"/>
           </a:xfrm>
           <a:prstGeom prst="rect">
@@ -18292,11 +18372,17 @@
             <p:ph type="title"/>
           </p:nvPr>
         </p:nvSpPr>
-        <p:spPr/>
+        <p:spPr>
+          <a:xfrm>
+            <a:off x="457200" y="228865"/>
+            <a:ext cx="7239000" cy="952500"/>
+          </a:xfrm>
+        </p:spPr>
         <p:txBody>
           <a:bodyPr/>
           <a:lstStyle/>
           <a:p>
+            <a:pPr algn="r"/>
             <a:r>
               <a:rPr lang="en-US" smtClean="0">
                 <a:latin typeface="Times New Roman" pitchFamily="18" charset="0"/>
@@ -25693,17 +25779,71 @@
         </p:spPr>
         <p:txBody>
           <a:bodyPr>
-            <a:normAutofit/>
+            <a:normAutofit fontScale="92500" lnSpcReduction="10000"/>
           </a:bodyPr>
           <a:lstStyle/>
           <a:p>
             <a:r>
               <a:rPr lang="en-US" smtClean="0"/>
-              <a:t>Áp dụng 		¬</a:t>
+              <a:t>B1:		A , B ├─ C, D</a:t>
+            </a:r>
+            <a:br>
+              <a:rPr lang="en-US" smtClean="0"/>
+            </a:br>
+            <a:r>
+              <a:rPr lang="en-US" smtClean="0"/>
+              <a:t>	c/m C  &amp; c/m A,B,C├─ D</a:t>
+            </a:r>
+          </a:p>
+          <a:p>
+            <a:r>
+              <a:rPr lang="en-US" smtClean="0"/>
+              <a:t>B2: goal</a:t>
+            </a:r>
+            <a:endParaRPr lang="en-US" smtClean="0"/>
+          </a:p>
+          <a:p>
+            <a:pPr lvl="1">
+              <a:buFont typeface="Courier New" pitchFamily="49" charset="0"/>
+              <a:buChar char="o"/>
+            </a:pPr>
+            <a:r>
+              <a:rPr lang="en-US" smtClean="0"/>
+              <a:t>Match (goal,condition) </a:t>
+            </a:r>
+          </a:p>
+          <a:p>
+            <a:pPr lvl="2">
+              <a:buFont typeface="Wingdings" pitchFamily="2" charset="2"/>
+              <a:buChar char="q"/>
+            </a:pPr>
+            <a:r>
+              <a:rPr lang="en-US" smtClean="0"/>
+              <a:t>If (success) return success; </a:t>
+            </a:r>
+          </a:p>
+          <a:p>
+            <a:pPr lvl="2">
+              <a:buFont typeface="Wingdings" pitchFamily="2" charset="2"/>
+              <a:buChar char="q"/>
+            </a:pPr>
+            <a:r>
+              <a:rPr lang="en-US" smtClean="0"/>
+              <a:t>Else </a:t>
+            </a:r>
+          </a:p>
+          <a:p>
+            <a:pPr lvl="3">
+              <a:buFont typeface="Arial" pitchFamily="34" charset="0"/>
+              <a:buChar char="•"/>
+            </a:pPr>
+            <a:r>
+              <a:rPr lang="en-US" smtClean="0"/>
+              <a:t>¬</a:t>
             </a:r>
             <a:r>
               <a:rPr lang="en-US" smtClean="0"/>
-              <a:t>∀x F </a:t>
+              <a:t>∀x F 	</a:t>
             </a:r>
             <a:r>
               <a:rPr lang="en-US" smtClean="0"/>
@@ -25715,50 +25855,21 @@
             </a:r>
             <a:r>
               <a:rPr lang="en-US" smtClean="0"/>
-              <a:t>	∃x </a:t>
+              <a:t>	∃x ¬F</a:t>
+            </a:r>
+          </a:p>
+          <a:p>
+            <a:pPr lvl="3">
+              <a:buFont typeface="Arial" pitchFamily="34" charset="0"/>
+              <a:buChar char="•"/>
+            </a:pPr>
+            <a:r>
+              <a:rPr lang="en-US" smtClean="0"/>
+              <a:t>∀x (G → F) 		≡ 	G →∀</a:t>
             </a:r>
             <a:r>
               <a:rPr lang="en-US" smtClean="0"/>
-              <a:t>¬</a:t>
-            </a:r>
-            <a:r>
-              <a:rPr lang="en-US" smtClean="0"/>
-              <a:t>F</a:t>
-            </a:r>
-            <a:r>
-              <a:rPr lang="en-US" sz="2800" smtClean="0"/>
-              <a:t/>
-            </a:r>
-            <a:br>
-              <a:rPr lang="en-US" sz="2800" smtClean="0"/>
-            </a:br>
-            <a:r>
-              <a:rPr lang="en-US" sz="2800" smtClean="0"/>
-              <a:t>			</a:t>
-            </a:r>
-            <a:r>
-              <a:rPr lang="en-US" smtClean="0"/>
-              <a:t>¬</a:t>
-            </a:r>
-            <a:r>
-              <a:rPr lang="en-US" smtClean="0"/>
-              <a:t>∃x F	</a:t>
-            </a:r>
-            <a:r>
-              <a:rPr lang="en-US" smtClean="0"/>
-              <a:t>	</a:t>
-            </a:r>
-            <a:r>
-              <a:rPr lang="en-US" smtClean="0"/>
-              <a:t>≡ </a:t>
-            </a:r>
-            <a:r>
-              <a:rPr lang="en-US" smtClean="0"/>
-              <a:t>	∀x </a:t>
-            </a:r>
-            <a:r>
-              <a:rPr lang="en-US" smtClean="0"/>
-              <a:t>¬</a:t>
+              <a:t>x </a:t>
             </a:r>
             <a:r>
               <a:rPr lang="en-US" smtClean="0"/>
@@ -25766,8 +25877,29 @@
             </a:r>
           </a:p>
           <a:p>
-            <a:pPr>
-              <a:buNone/>
+            <a:pPr lvl="3">
+              <a:buFont typeface="Arial" pitchFamily="34" charset="0"/>
+              <a:buChar char="•"/>
+            </a:pPr>
+            <a:r>
+              <a:rPr lang="en-US" smtClean="0"/>
+              <a:t>Deduct</a:t>
+            </a:r>
+          </a:p>
+          <a:p>
+            <a:pPr lvl="3">
+              <a:buFont typeface="Arial" pitchFamily="34" charset="0"/>
+              <a:buChar char="•"/>
+            </a:pPr>
+            <a:r>
+              <a:rPr lang="en-US" smtClean="0"/>
+              <a:t>Goto B2 </a:t>
+            </a:r>
+          </a:p>
+          <a:p>
+            <a:pPr lvl="1">
+              <a:buFont typeface="Courier New" pitchFamily="49" charset="0"/>
+              <a:buChar char="o"/>
             </a:pPr>
             <a:endParaRPr lang="en-US" smtClean="0"/>
           </a:p>
@@ -25784,32 +25916,6 @@
               <a:buChar char="o"/>
             </a:pPr>
             <a:endParaRPr lang="en-US"/>
-          </a:p>
-        </p:txBody>
-      </p:sp>
-      <p:sp>
-        <p:nvSpPr>
-          <p:cNvPr id="10" name="TextBox 9"/>
-          <p:cNvSpPr txBox="1"/>
-          <p:nvPr/>
-        </p:nvSpPr>
-        <p:spPr>
-          <a:xfrm>
-            <a:off x="3352800" y="4457700"/>
-            <a:ext cx="5257800" cy="369332"/>
-          </a:xfrm>
-          <a:prstGeom prst="rect">
-            <a:avLst/>
-          </a:prstGeom>
-          <a:noFill/>
-        </p:spPr>
-        <p:txBody>
-          <a:bodyPr wrap="square" rtlCol="0">
-            <a:spAutoFit/>
-          </a:bodyPr>
-          <a:lstStyle/>
-          <a:p>
-            <a:endParaRPr lang="en-US" smtClean="0"/>
           </a:p>
         </p:txBody>
       </p:sp>

--- a/trunk/Report/SUY LUẬN TỰ NHIÊN.pptx
+++ b/trunk/Report/SUY LUẬN TỰ NHIÊN.pptx
@@ -11,6 +11,11 @@
     <p:sldId id="259" r:id="rId5"/>
     <p:sldId id="261" r:id="rId6"/>
     <p:sldId id="262" r:id="rId7"/>
+    <p:sldId id="263" r:id="rId8"/>
+    <p:sldId id="264" r:id="rId9"/>
+    <p:sldId id="265" r:id="rId10"/>
+    <p:sldId id="266" r:id="rId11"/>
+    <p:sldId id="267" r:id="rId12"/>
   </p:sldIdLst>
   <p:sldSz cx="9144000" cy="5715000" type="screen16x10"/>
   <p:notesSz cx="6858000" cy="9144000"/>
@@ -7948,21 +7953,14 @@
                 <a:latin typeface="Tahoma" pitchFamily="34" charset="0"/>
                 <a:cs typeface="Tahoma" pitchFamily="34" charset="0"/>
               </a:rPr>
-              <a:t>SUY </a:t>
+              <a:t>SUY LUẬN </a:t>
             </a:r>
             <a:r>
               <a:rPr lang="en-US" smtClean="0">
                 <a:latin typeface="Tahoma" pitchFamily="34" charset="0"/>
                 <a:cs typeface="Tahoma" pitchFamily="34" charset="0"/>
               </a:rPr>
-              <a:t>LUẬN </a:t>
-            </a:r>
-            <a:r>
-              <a:rPr lang="en-US" smtClean="0">
-                <a:latin typeface="Tahoma" pitchFamily="34" charset="0"/>
-                <a:cs typeface="Tahoma" pitchFamily="34" charset="0"/>
-              </a:rPr>
-              <a:t>HÊN XUI</a:t>
+              <a:t>TỰ NHIÊN</a:t>
             </a:r>
             <a:endParaRPr lang="en-US">
               <a:latin typeface="Tahoma" pitchFamily="34" charset="0"/>
@@ -7986,6 +7984,381 @@
           <a:bodyPr/>
           <a:lstStyle/>
           <a:p>
+            <a:endParaRPr lang="en-US"/>
+          </a:p>
+        </p:txBody>
+      </p:sp>
+    </p:spTree>
+  </p:cSld>
+  <p:clrMapOvr>
+    <a:masterClrMapping/>
+  </p:clrMapOvr>
+  <p:timing>
+    <p:tnLst>
+      <p:par>
+        <p:cTn id="1" dur="indefinite" restart="never" nodeType="tmRoot"/>
+      </p:par>
+    </p:tnLst>
+  </p:timing>
+</p:sld>
+</file>
+
+<file path=ppt/slides/slide10.xml><?xml version="1.0" encoding="utf-8"?>
+<p:sld xmlns:a="http://schemas.openxmlformats.org/drawingml/2006/main" xmlns:r="http://schemas.openxmlformats.org/officeDocument/2006/relationships" xmlns:p="http://schemas.openxmlformats.org/presentationml/2006/main">
+  <p:cSld>
+    <p:spTree>
+      <p:nvGrpSpPr>
+        <p:cNvPr id="1" name=""/>
+        <p:cNvGrpSpPr/>
+        <p:nvPr/>
+      </p:nvGrpSpPr>
+      <p:grpSpPr>
+        <a:xfrm>
+          <a:off x="0" y="0"/>
+          <a:ext cx="0" cy="0"/>
+          <a:chOff x="0" y="0"/>
+          <a:chExt cx="0" cy="0"/>
+        </a:xfrm>
+      </p:grpSpPr>
+      <p:sp>
+        <p:nvSpPr>
+          <p:cNvPr id="2" name="Title 1"/>
+          <p:cNvSpPr>
+            <a:spLocks noGrp="1"/>
+          </p:cNvSpPr>
+          <p:nvPr>
+            <p:ph type="title"/>
+          </p:nvPr>
+        </p:nvSpPr>
+        <p:spPr/>
+        <p:txBody>
+          <a:bodyPr/>
+          <a:lstStyle/>
+          <a:p>
+            <a:r>
+              <a:rPr lang="en-US" smtClean="0">
+                <a:latin typeface="Times New Roman" pitchFamily="18" charset="0"/>
+              </a:rPr>
+              <a:t>EXAMPLE</a:t>
+            </a:r>
+            <a:endParaRPr lang="en-US">
+              <a:latin typeface="Times New Roman" pitchFamily="18" charset="0"/>
+            </a:endParaRPr>
+          </a:p>
+        </p:txBody>
+      </p:sp>
+      <p:sp>
+        <p:nvSpPr>
+          <p:cNvPr id="15" name="Content Placeholder 14"/>
+          <p:cNvSpPr>
+            <a:spLocks noGrp="1"/>
+          </p:cNvSpPr>
+          <p:nvPr>
+            <p:ph idx="1"/>
+          </p:nvPr>
+        </p:nvSpPr>
+        <p:spPr>
+          <a:xfrm>
+            <a:off x="457200" y="1333500"/>
+            <a:ext cx="8229600" cy="4114800"/>
+          </a:xfrm>
+        </p:spPr>
+        <p:txBody>
+          <a:bodyPr>
+            <a:normAutofit/>
+          </a:bodyPr>
+          <a:lstStyle/>
+          <a:p>
+            <a:pPr lvl="1">
+              <a:buFont typeface="Courier New" pitchFamily="49" charset="0"/>
+              <a:buChar char="o"/>
+            </a:pPr>
+            <a:r>
+              <a:rPr lang="en-US" smtClean="0"/>
+              <a:t>F </a:t>
+            </a:r>
+            <a:r>
+              <a:rPr lang="en-US" smtClean="0"/>
+              <a:t>→ (G→H), F, ¬H├─ </a:t>
+            </a:r>
+            <a:r>
+              <a:rPr lang="en-US" smtClean="0"/>
+              <a:t>¬</a:t>
+            </a:r>
+            <a:r>
+              <a:rPr lang="en-US" smtClean="0"/>
+              <a:t>G</a:t>
+            </a:r>
+          </a:p>
+          <a:p>
+            <a:pPr lvl="1">
+              <a:buFont typeface="Courier New" pitchFamily="49" charset="0"/>
+              <a:buChar char="o"/>
+            </a:pPr>
+            <a:r>
+              <a:rPr lang="en-US" smtClean="0"/>
+              <a:t>Goal : ¬G</a:t>
+            </a:r>
+          </a:p>
+          <a:p>
+            <a:pPr lvl="1">
+              <a:buFont typeface="Courier New" pitchFamily="49" charset="0"/>
+              <a:buChar char="o"/>
+            </a:pPr>
+            <a:r>
+              <a:rPr lang="en-US" smtClean="0"/>
+              <a:t>Match(¬G,condition) → failed;</a:t>
+            </a:r>
+            <a:endParaRPr lang="en-US"/>
+          </a:p>
+          <a:p>
+            <a:pPr lvl="1">
+              <a:buFont typeface="Courier New" pitchFamily="49" charset="0"/>
+              <a:buChar char="o"/>
+            </a:pPr>
+            <a:r>
+              <a:rPr lang="en-US" smtClean="0"/>
+              <a:t>Search(¬G,condition)→ failed;</a:t>
+            </a:r>
+          </a:p>
+          <a:p>
+            <a:pPr lvl="1">
+              <a:buFont typeface="Courier New" pitchFamily="49" charset="0"/>
+              <a:buChar char="o"/>
+            </a:pPr>
+            <a:r>
+              <a:rPr lang="en-US" smtClean="0"/>
+              <a:t>Deduct(¬G): goal: G→H, ¬H apply rule_MT;</a:t>
+            </a:r>
+          </a:p>
+          <a:p>
+            <a:pPr lvl="2">
+              <a:buFont typeface="Courier New" pitchFamily="49" charset="0"/>
+              <a:buChar char="o"/>
+            </a:pPr>
+            <a:r>
+              <a:rPr lang="en-US" smtClean="0"/>
+              <a:t>Search(G→H) → goal: F apply rule_MP;</a:t>
+            </a:r>
+          </a:p>
+          <a:p>
+            <a:pPr lvl="2">
+              <a:buFont typeface="Courier New" pitchFamily="49" charset="0"/>
+              <a:buChar char="o"/>
+            </a:pPr>
+            <a:r>
+              <a:rPr lang="en-US" smtClean="0"/>
+              <a:t>Match(F) →success;</a:t>
+            </a:r>
+          </a:p>
+          <a:p>
+            <a:pPr lvl="2">
+              <a:buFont typeface="Courier New" pitchFamily="49" charset="0"/>
+              <a:buChar char="o"/>
+            </a:pPr>
+            <a:r>
+              <a:rPr lang="en-US" smtClean="0"/>
+              <a:t>Match(¬H) →success;</a:t>
+            </a:r>
+          </a:p>
+          <a:p>
+            <a:pPr lvl="4">
+              <a:buNone/>
+            </a:pPr>
+            <a:endParaRPr lang="en-US" smtClean="0"/>
+          </a:p>
+        </p:txBody>
+      </p:sp>
+    </p:spTree>
+  </p:cSld>
+  <p:clrMapOvr>
+    <a:masterClrMapping/>
+  </p:clrMapOvr>
+  <p:timing>
+    <p:tnLst>
+      <p:par>
+        <p:cTn id="1" dur="indefinite" restart="never" nodeType="tmRoot"/>
+      </p:par>
+    </p:tnLst>
+  </p:timing>
+</p:sld>
+</file>
+
+<file path=ppt/slides/slide11.xml><?xml version="1.0" encoding="utf-8"?>
+<p:sld xmlns:a="http://schemas.openxmlformats.org/drawingml/2006/main" xmlns:r="http://schemas.openxmlformats.org/officeDocument/2006/relationships" xmlns:p="http://schemas.openxmlformats.org/presentationml/2006/main">
+  <p:cSld>
+    <p:spTree>
+      <p:nvGrpSpPr>
+        <p:cNvPr id="1" name=""/>
+        <p:cNvGrpSpPr/>
+        <p:nvPr/>
+      </p:nvGrpSpPr>
+      <p:grpSpPr>
+        <a:xfrm>
+          <a:off x="0" y="0"/>
+          <a:ext cx="0" cy="0"/>
+          <a:chOff x="0" y="0"/>
+          <a:chExt cx="0" cy="0"/>
+        </a:xfrm>
+      </p:grpSpPr>
+      <p:sp>
+        <p:nvSpPr>
+          <p:cNvPr id="2" name="Title 1"/>
+          <p:cNvSpPr>
+            <a:spLocks noGrp="1"/>
+          </p:cNvSpPr>
+          <p:nvPr>
+            <p:ph type="title"/>
+          </p:nvPr>
+        </p:nvSpPr>
+        <p:spPr/>
+        <p:txBody>
+          <a:bodyPr/>
+          <a:lstStyle/>
+          <a:p>
+            <a:r>
+              <a:rPr lang="en-US" smtClean="0">
+                <a:latin typeface="Times New Roman" pitchFamily="18" charset="0"/>
+              </a:rPr>
+              <a:t>EXAMPLE</a:t>
+            </a:r>
+            <a:endParaRPr lang="en-US">
+              <a:latin typeface="Times New Roman" pitchFamily="18" charset="0"/>
+            </a:endParaRPr>
+          </a:p>
+        </p:txBody>
+      </p:sp>
+      <p:sp>
+        <p:nvSpPr>
+          <p:cNvPr id="15" name="Content Placeholder 14"/>
+          <p:cNvSpPr>
+            <a:spLocks noGrp="1"/>
+          </p:cNvSpPr>
+          <p:nvPr>
+            <p:ph idx="1"/>
+          </p:nvPr>
+        </p:nvSpPr>
+        <p:spPr>
+          <a:xfrm>
+            <a:off x="457200" y="1333500"/>
+            <a:ext cx="8229600" cy="4114800"/>
+          </a:xfrm>
+        </p:spPr>
+        <p:txBody>
+          <a:bodyPr>
+            <a:normAutofit/>
+          </a:bodyPr>
+          <a:lstStyle/>
+          <a:p>
+            <a:pPr lvl="1">
+              <a:buFont typeface="Courier New" pitchFamily="49" charset="0"/>
+              <a:buChar char="o"/>
+            </a:pPr>
+            <a:r>
+              <a:rPr lang="en-US" smtClean="0"/>
+              <a:t>F → G├─ ¬F </a:t>
+            </a:r>
+            <a:r>
+              <a:rPr lang="en-US" smtClean="0"/>
+              <a:t>∨ </a:t>
+            </a:r>
+            <a:r>
+              <a:rPr lang="en-US" smtClean="0"/>
+              <a:t>G</a:t>
+            </a:r>
+          </a:p>
+          <a:p>
+            <a:pPr lvl="1">
+              <a:buFont typeface="Courier New" pitchFamily="49" charset="0"/>
+              <a:buChar char="o"/>
+            </a:pPr>
+            <a:r>
+              <a:rPr lang="en-US" smtClean="0"/>
+              <a:t>Match() → failed;</a:t>
+            </a:r>
+          </a:p>
+          <a:p>
+            <a:pPr lvl="1">
+              <a:buFont typeface="Courier New" pitchFamily="49" charset="0"/>
+              <a:buChar char="o"/>
+            </a:pPr>
+            <a:r>
+              <a:rPr lang="en-US" smtClean="0"/>
+              <a:t>Search() → failed;</a:t>
+            </a:r>
+          </a:p>
+          <a:p>
+            <a:pPr lvl="1">
+              <a:buFont typeface="Courier New" pitchFamily="49" charset="0"/>
+              <a:buChar char="o"/>
+            </a:pPr>
+            <a:r>
+              <a:rPr lang="en-US" smtClean="0"/>
+              <a:t>Deduct: goal ¬F → pending (at ¬G)</a:t>
+            </a:r>
+            <a:br>
+              <a:rPr lang="en-US" smtClean="0"/>
+            </a:br>
+            <a:r>
+              <a:rPr lang="en-US" smtClean="0"/>
+              <a:t>		goal G → pending (at F)</a:t>
+            </a:r>
+          </a:p>
+          <a:p>
+            <a:pPr lvl="3">
+              <a:buFont typeface="Courier New" pitchFamily="49" charset="0"/>
+              <a:buChar char="o"/>
+            </a:pPr>
+            <a:r>
+              <a:rPr lang="en-US" smtClean="0"/>
+              <a:t>Insert( F ∨ ¬F) </a:t>
+            </a:r>
+          </a:p>
+          <a:p>
+            <a:pPr lvl="3">
+              <a:buFont typeface="Courier New" pitchFamily="49" charset="0"/>
+              <a:buChar char="o"/>
+            </a:pPr>
+            <a:r>
+              <a:rPr lang="en-US" smtClean="0"/>
+              <a:t>Apply rule_ ∨e </a:t>
+            </a:r>
+          </a:p>
+          <a:p>
+            <a:pPr lvl="1">
+              <a:buNone/>
+            </a:pPr>
+            <a:endParaRPr lang="en-US" smtClean="0"/>
+          </a:p>
+        </p:txBody>
+      </p:sp>
+      <p:sp>
+        <p:nvSpPr>
+          <p:cNvPr id="4" name="TextBox 3"/>
+          <p:cNvSpPr txBox="1"/>
+          <p:nvPr/>
+        </p:nvSpPr>
+        <p:spPr>
+          <a:xfrm>
+            <a:off x="6096000" y="3162300"/>
+            <a:ext cx="2133600" cy="381000"/>
+          </a:xfrm>
+          <a:prstGeom prst="rect">
+            <a:avLst/>
+          </a:prstGeom>
+          <a:noFill/>
+        </p:spPr>
+        <p:txBody>
+          <a:bodyPr wrap="square" rtlCol="0">
+            <a:spAutoFit/>
+          </a:bodyPr>
+          <a:lstStyle/>
+          <a:p>
+            <a:pPr algn="r"/>
+            <a:r>
+              <a:rPr lang="en-US" smtClean="0"/>
+              <a:t>→Not found a pair</a:t>
+            </a:r>
             <a:endParaRPr lang="en-US"/>
           </a:p>
         </p:txBody>
@@ -8484,21 +8857,7 @@
                 <a:latin typeface="Tahoma" pitchFamily="34" charset="0"/>
                 <a:cs typeface="Tahoma" pitchFamily="34" charset="0"/>
               </a:rPr>
-              <a:t>A ∧ B 	thành 	</a:t>
-            </a:r>
-            <a:r>
-              <a:rPr lang="en-US" smtClean="0">
-                <a:latin typeface="Tahoma" pitchFamily="34" charset="0"/>
-                <a:cs typeface="Tahoma" pitchFamily="34" charset="0"/>
-              </a:rPr>
-              <a:t>and(A,B</a:t>
-            </a:r>
-            <a:r>
-              <a:rPr lang="en-US" smtClean="0">
-                <a:latin typeface="Tahoma" pitchFamily="34" charset="0"/>
-                <a:cs typeface="Tahoma" pitchFamily="34" charset="0"/>
-              </a:rPr>
-              <a:t>)</a:t>
+              <a:t>A ∧ B 	thành 	and(A,B)</a:t>
             </a:r>
           </a:p>
           <a:p>
@@ -8511,21 +8870,7 @@
                 <a:latin typeface="Tahoma" pitchFamily="34" charset="0"/>
                 <a:cs typeface="Tahoma" pitchFamily="34" charset="0"/>
               </a:rPr>
-              <a:t> A→B 	thành 	</a:t>
-            </a:r>
-            <a:r>
-              <a:rPr lang="en-US" smtClean="0">
-                <a:latin typeface="Tahoma" pitchFamily="34" charset="0"/>
-                <a:cs typeface="Tahoma" pitchFamily="34" charset="0"/>
-              </a:rPr>
-              <a:t>map(A,B</a:t>
-            </a:r>
-            <a:r>
-              <a:rPr lang="en-US" smtClean="0">
-                <a:latin typeface="Tahoma" pitchFamily="34" charset="0"/>
-                <a:cs typeface="Tahoma" pitchFamily="34" charset="0"/>
-              </a:rPr>
-              <a:t>)</a:t>
+              <a:t> A→B 	thành 	map(A,B)</a:t>
             </a:r>
           </a:p>
           <a:p>
@@ -25800,7 +26145,6 @@
               <a:rPr lang="en-US" smtClean="0"/>
               <a:t>B2: goal</a:t>
             </a:r>
-            <a:endParaRPr lang="en-US" smtClean="0"/>
           </a:p>
           <a:p>
             <a:pPr lvl="1">
@@ -25839,23 +26183,7 @@
             </a:pPr>
             <a:r>
               <a:rPr lang="en-US" smtClean="0"/>
-              <a:t>¬</a:t>
-            </a:r>
-            <a:r>
-              <a:rPr lang="en-US" smtClean="0"/>
-              <a:t>∀x F 	</a:t>
-            </a:r>
-            <a:r>
-              <a:rPr lang="en-US" smtClean="0"/>
-              <a:t>	</a:t>
-            </a:r>
-            <a:r>
-              <a:rPr lang="en-US" smtClean="0"/>
-              <a:t>≡ </a:t>
-            </a:r>
-            <a:r>
-              <a:rPr lang="en-US" smtClean="0"/>
-              <a:t>	∃x ¬F</a:t>
+              <a:t>¬∀x F 		≡ 	∃x ¬F</a:t>
             </a:r>
           </a:p>
           <a:p>
@@ -25865,15 +26193,7 @@
             </a:pPr>
             <a:r>
               <a:rPr lang="en-US" smtClean="0"/>
-              <a:t>∀x (G → F) 		≡ 	G →∀</a:t>
-            </a:r>
-            <a:r>
-              <a:rPr lang="en-US" smtClean="0"/>
-              <a:t>x </a:t>
-            </a:r>
-            <a:r>
-              <a:rPr lang="en-US" smtClean="0"/>
-              <a:t>F</a:t>
+              <a:t>∀x (G → F) 		≡ 	G →∀x F</a:t>
             </a:r>
           </a:p>
           <a:p>
@@ -25915,6 +26235,804 @@
               <a:buFont typeface="Courier New" pitchFamily="49" charset="0"/>
               <a:buChar char="o"/>
             </a:pPr>
+            <a:endParaRPr lang="en-US"/>
+          </a:p>
+        </p:txBody>
+      </p:sp>
+    </p:spTree>
+  </p:cSld>
+  <p:clrMapOvr>
+    <a:masterClrMapping/>
+  </p:clrMapOvr>
+  <p:timing>
+    <p:tnLst>
+      <p:par>
+        <p:cTn id="1" dur="indefinite" restart="never" nodeType="tmRoot"/>
+      </p:par>
+    </p:tnLst>
+  </p:timing>
+</p:sld>
+</file>
+
+<file path=ppt/slides/slide7.xml><?xml version="1.0" encoding="utf-8"?>
+<p:sld xmlns:a="http://schemas.openxmlformats.org/drawingml/2006/main" xmlns:r="http://schemas.openxmlformats.org/officeDocument/2006/relationships" xmlns:p="http://schemas.openxmlformats.org/presentationml/2006/main">
+  <p:cSld>
+    <p:spTree>
+      <p:nvGrpSpPr>
+        <p:cNvPr id="1" name=""/>
+        <p:cNvGrpSpPr/>
+        <p:nvPr/>
+      </p:nvGrpSpPr>
+      <p:grpSpPr>
+        <a:xfrm>
+          <a:off x="0" y="0"/>
+          <a:ext cx="0" cy="0"/>
+          <a:chOff x="0" y="0"/>
+          <a:chExt cx="0" cy="0"/>
+        </a:xfrm>
+      </p:grpSpPr>
+      <p:sp>
+        <p:nvSpPr>
+          <p:cNvPr id="2" name="Title 1"/>
+          <p:cNvSpPr>
+            <a:spLocks noGrp="1"/>
+          </p:cNvSpPr>
+          <p:nvPr>
+            <p:ph type="title"/>
+          </p:nvPr>
+        </p:nvSpPr>
+        <p:spPr/>
+        <p:txBody>
+          <a:bodyPr/>
+          <a:lstStyle/>
+          <a:p>
+            <a:r>
+              <a:rPr lang="en-US" smtClean="0">
+                <a:latin typeface="Times New Roman" pitchFamily="18" charset="0"/>
+              </a:rPr>
+              <a:t>INFERENCER</a:t>
+            </a:r>
+            <a:endParaRPr lang="en-US">
+              <a:latin typeface="Times New Roman" pitchFamily="18" charset="0"/>
+            </a:endParaRPr>
+          </a:p>
+        </p:txBody>
+      </p:sp>
+      <p:sp>
+        <p:nvSpPr>
+          <p:cNvPr id="15" name="Content Placeholder 14"/>
+          <p:cNvSpPr>
+            <a:spLocks noGrp="1"/>
+          </p:cNvSpPr>
+          <p:nvPr>
+            <p:ph idx="1"/>
+          </p:nvPr>
+        </p:nvSpPr>
+        <p:spPr>
+          <a:xfrm>
+            <a:off x="457200" y="1333500"/>
+            <a:ext cx="8229600" cy="4114800"/>
+          </a:xfrm>
+        </p:spPr>
+        <p:txBody>
+          <a:bodyPr>
+            <a:normAutofit fontScale="92500" lnSpcReduction="10000"/>
+          </a:bodyPr>
+          <a:lstStyle/>
+          <a:p>
+            <a:r>
+              <a:rPr lang="en-US" smtClean="0"/>
+              <a:t>Match(full_goal,full_condition)</a:t>
+            </a:r>
+          </a:p>
+          <a:p>
+            <a:pPr lvl="2"/>
+            <a:r>
+              <a:rPr lang="en-US" smtClean="0"/>
+              <a:t>If (success) apply rule_id;</a:t>
+            </a:r>
+          </a:p>
+          <a:p>
+            <a:r>
+              <a:rPr lang="en-US" smtClean="0"/>
+              <a:t>Search(full_goal , full_condition)</a:t>
+            </a:r>
+          </a:p>
+          <a:p>
+            <a:pPr lvl="2"/>
+            <a:r>
+              <a:rPr lang="en-US" smtClean="0"/>
+              <a:t>And(A,</a:t>
+            </a:r>
+            <a:r>
+              <a:rPr lang="en-US" b="1" smtClean="0"/>
+              <a:t>B</a:t>
+            </a:r>
+            <a:r>
+              <a:rPr lang="en-US" smtClean="0"/>
+              <a:t>) → goal: A ∧ B apply rule_∧e;</a:t>
+            </a:r>
+          </a:p>
+          <a:p>
+            <a:pPr lvl="2"/>
+            <a:r>
+              <a:rPr lang="en-US" smtClean="0"/>
+              <a:t>Map(A,</a:t>
+            </a:r>
+            <a:r>
+              <a:rPr lang="en-US" b="1" smtClean="0"/>
+              <a:t>B</a:t>
+            </a:r>
+            <a:r>
+              <a:rPr lang="en-US" smtClean="0"/>
+              <a:t>) → goal: map(A,B) , A apply rule_MP;</a:t>
+            </a:r>
+          </a:p>
+          <a:p>
+            <a:pPr lvl="2"/>
+            <a:r>
+              <a:rPr lang="en-US" smtClean="0"/>
+              <a:t>Or(A,</a:t>
+            </a:r>
+            <a:r>
+              <a:rPr lang="en-US" b="1" smtClean="0"/>
+              <a:t>B</a:t>
+            </a:r>
+            <a:r>
+              <a:rPr lang="en-US" smtClean="0"/>
+              <a:t>) → goal: A ∨ B , ¬ A apply rule_∨e;</a:t>
+            </a:r>
+          </a:p>
+          <a:p>
+            <a:pPr lvl="2"/>
+            <a:r>
+              <a:rPr lang="en-US" smtClean="0"/>
+              <a:t>Not(</a:t>
+            </a:r>
+            <a:r>
+              <a:rPr lang="en-US" b="1" smtClean="0"/>
+              <a:t>B</a:t>
+            </a:r>
+            <a:r>
+              <a:rPr lang="en-US" smtClean="0"/>
+              <a:t>) → goal</a:t>
+            </a:r>
+            <a:r>
+              <a:rPr lang="en-US" smtClean="0"/>
+              <a:t>: </a:t>
+            </a:r>
+            <a:r>
+              <a:rPr lang="en-US" smtClean="0"/>
+              <a:t>⊥ </a:t>
+            </a:r>
+            <a:r>
+              <a:rPr lang="en-US" smtClean="0"/>
+              <a:t>apply </a:t>
+            </a:r>
+            <a:r>
+              <a:rPr lang="en-US" smtClean="0"/>
+              <a:t>rule_⊥e;</a:t>
+            </a:r>
+          </a:p>
+          <a:p>
+            <a:pPr lvl="2"/>
+            <a:r>
+              <a:rPr lang="en-US" smtClean="0"/>
+              <a:t>And(A, ¬</a:t>
+            </a:r>
+            <a:r>
+              <a:rPr lang="en-US" b="1" smtClean="0"/>
+              <a:t>B</a:t>
+            </a:r>
+            <a:r>
+              <a:rPr lang="en-US" smtClean="0"/>
+              <a:t>) →goal: </a:t>
+            </a:r>
+            <a:r>
+              <a:rPr lang="en-US" smtClean="0"/>
+              <a:t>⊥ apply rule_⊥</a:t>
+            </a:r>
+            <a:r>
+              <a:rPr lang="en-US" smtClean="0"/>
+              <a:t>e</a:t>
+            </a:r>
+            <a:r>
+              <a:rPr lang="en-US" smtClean="0"/>
+              <a:t>;</a:t>
+            </a:r>
+          </a:p>
+          <a:p>
+            <a:pPr lvl="2"/>
+            <a:r>
+              <a:rPr lang="en-US" smtClean="0"/>
+              <a:t>Map(A, ¬</a:t>
+            </a:r>
+            <a:r>
+              <a:rPr lang="en-US" b="1" smtClean="0"/>
+              <a:t>B</a:t>
+            </a:r>
+            <a:r>
+              <a:rPr lang="en-US" smtClean="0"/>
+              <a:t>) →goal: ⊥ apply rule_⊥</a:t>
+            </a:r>
+            <a:r>
+              <a:rPr lang="en-US" smtClean="0"/>
+              <a:t>e</a:t>
+            </a:r>
+            <a:r>
+              <a:rPr lang="en-US" smtClean="0"/>
+              <a:t>;</a:t>
+            </a:r>
+          </a:p>
+          <a:p>
+            <a:pPr lvl="2"/>
+            <a:r>
+              <a:rPr lang="en-US" smtClean="0"/>
+              <a:t>Or(A, ¬</a:t>
+            </a:r>
+            <a:r>
+              <a:rPr lang="en-US" b="1" smtClean="0"/>
+              <a:t>B</a:t>
+            </a:r>
+            <a:r>
+              <a:rPr lang="en-US" smtClean="0"/>
+              <a:t>) →goal: ⊥ apply rule_⊥e;</a:t>
+            </a:r>
+            <a:endParaRPr lang="en-US" b="1" smtClean="0"/>
+          </a:p>
+          <a:p>
+            <a:pPr lvl="1">
+              <a:buFont typeface="Courier New" pitchFamily="49" charset="0"/>
+              <a:buChar char="o"/>
+            </a:pPr>
+            <a:endParaRPr lang="en-US" smtClean="0"/>
+          </a:p>
+          <a:p>
+            <a:pPr lvl="1">
+              <a:buFont typeface="Courier New" pitchFamily="49" charset="0"/>
+              <a:buChar char="o"/>
+            </a:pPr>
+            <a:endParaRPr lang="en-US" smtClean="0"/>
+          </a:p>
+          <a:p>
+            <a:pPr lvl="1">
+              <a:buFont typeface="Courier New" pitchFamily="49" charset="0"/>
+              <a:buChar char="o"/>
+            </a:pPr>
+            <a:endParaRPr lang="en-US"/>
+          </a:p>
+        </p:txBody>
+      </p:sp>
+    </p:spTree>
+  </p:cSld>
+  <p:clrMapOvr>
+    <a:masterClrMapping/>
+  </p:clrMapOvr>
+  <p:timing>
+    <p:tnLst>
+      <p:par>
+        <p:cTn id="1" dur="indefinite" restart="never" nodeType="tmRoot"/>
+      </p:par>
+    </p:tnLst>
+  </p:timing>
+</p:sld>
+</file>
+
+<file path=ppt/slides/slide8.xml><?xml version="1.0" encoding="utf-8"?>
+<p:sld xmlns:a="http://schemas.openxmlformats.org/drawingml/2006/main" xmlns:r="http://schemas.openxmlformats.org/officeDocument/2006/relationships" xmlns:p="http://schemas.openxmlformats.org/presentationml/2006/main">
+  <p:cSld>
+    <p:spTree>
+      <p:nvGrpSpPr>
+        <p:cNvPr id="1" name=""/>
+        <p:cNvGrpSpPr/>
+        <p:nvPr/>
+      </p:nvGrpSpPr>
+      <p:grpSpPr>
+        <a:xfrm>
+          <a:off x="0" y="0"/>
+          <a:ext cx="0" cy="0"/>
+          <a:chOff x="0" y="0"/>
+          <a:chExt cx="0" cy="0"/>
+        </a:xfrm>
+      </p:grpSpPr>
+      <p:sp>
+        <p:nvSpPr>
+          <p:cNvPr id="2" name="Title 1"/>
+          <p:cNvSpPr>
+            <a:spLocks noGrp="1"/>
+          </p:cNvSpPr>
+          <p:nvPr>
+            <p:ph type="title"/>
+          </p:nvPr>
+        </p:nvSpPr>
+        <p:spPr/>
+        <p:txBody>
+          <a:bodyPr/>
+          <a:lstStyle/>
+          <a:p>
+            <a:r>
+              <a:rPr lang="en-US" smtClean="0">
+                <a:latin typeface="Times New Roman" pitchFamily="18" charset="0"/>
+              </a:rPr>
+              <a:t>INFERENCER</a:t>
+            </a:r>
+            <a:endParaRPr lang="en-US">
+              <a:latin typeface="Times New Roman" pitchFamily="18" charset="0"/>
+            </a:endParaRPr>
+          </a:p>
+        </p:txBody>
+      </p:sp>
+      <p:sp>
+        <p:nvSpPr>
+          <p:cNvPr id="15" name="Content Placeholder 14"/>
+          <p:cNvSpPr>
+            <a:spLocks noGrp="1"/>
+          </p:cNvSpPr>
+          <p:nvPr>
+            <p:ph idx="1"/>
+          </p:nvPr>
+        </p:nvSpPr>
+        <p:spPr>
+          <a:xfrm>
+            <a:off x="457200" y="1333500"/>
+            <a:ext cx="8229600" cy="4114800"/>
+          </a:xfrm>
+        </p:spPr>
+        <p:txBody>
+          <a:bodyPr>
+            <a:normAutofit/>
+          </a:bodyPr>
+          <a:lstStyle/>
+          <a:p>
+            <a:r>
+              <a:rPr lang="en-US" smtClean="0"/>
+              <a:t>Search(full_goal , full_condition)</a:t>
+            </a:r>
+          </a:p>
+          <a:p>
+            <a:pPr lvl="2"/>
+            <a:r>
+              <a:rPr lang="en-US" smtClean="0"/>
+              <a:t>And(</a:t>
+            </a:r>
+            <a:r>
+              <a:rPr lang="en-US" b="1" smtClean="0"/>
+              <a:t>A</a:t>
+            </a:r>
+            <a:r>
+              <a:rPr lang="en-US" smtClean="0"/>
+              <a:t>,B) → goal: A ∧ B apply rule_∧e;</a:t>
+            </a:r>
+          </a:p>
+          <a:p>
+            <a:pPr lvl="2"/>
+            <a:r>
+              <a:rPr lang="en-US" smtClean="0"/>
+              <a:t>Map(</a:t>
+            </a:r>
+            <a:r>
+              <a:rPr lang="en-US" b="1" smtClean="0"/>
+              <a:t>A</a:t>
+            </a:r>
+            <a:r>
+              <a:rPr lang="en-US" smtClean="0"/>
+              <a:t>,B) → goal: </a:t>
+            </a:r>
+            <a:r>
+              <a:rPr lang="en-US" smtClean="0"/>
+              <a:t>⊥ apply rule_⊥e;</a:t>
+            </a:r>
+            <a:endParaRPr lang="en-US" smtClean="0"/>
+          </a:p>
+          <a:p>
+            <a:pPr lvl="2"/>
+            <a:r>
+              <a:rPr lang="en-US" smtClean="0"/>
+              <a:t>Or(</a:t>
+            </a:r>
+            <a:r>
+              <a:rPr lang="en-US" b="1" smtClean="0"/>
+              <a:t>A</a:t>
+            </a:r>
+            <a:r>
+              <a:rPr lang="en-US" smtClean="0"/>
+              <a:t>,B) → goal: A ∨ B , ¬ B apply rule_∨e;</a:t>
+            </a:r>
+          </a:p>
+          <a:p>
+            <a:pPr lvl="2"/>
+            <a:r>
+              <a:rPr lang="en-US" smtClean="0"/>
+              <a:t>Not(</a:t>
+            </a:r>
+            <a:r>
+              <a:rPr lang="en-US" b="1" smtClean="0"/>
+              <a:t>A</a:t>
+            </a:r>
+            <a:r>
+              <a:rPr lang="en-US" smtClean="0"/>
+              <a:t>) </a:t>
+            </a:r>
+            <a:r>
+              <a:rPr lang="en-US" smtClean="0"/>
+              <a:t>→ goal</a:t>
+            </a:r>
+            <a:r>
+              <a:rPr lang="en-US" smtClean="0"/>
+              <a:t>: </a:t>
+            </a:r>
+            <a:r>
+              <a:rPr lang="en-US" smtClean="0"/>
+              <a:t>⊥ </a:t>
+            </a:r>
+            <a:r>
+              <a:rPr lang="en-US" smtClean="0"/>
+              <a:t>apply </a:t>
+            </a:r>
+            <a:r>
+              <a:rPr lang="en-US" smtClean="0"/>
+              <a:t>rule_⊥e;</a:t>
+            </a:r>
+          </a:p>
+          <a:p>
+            <a:pPr lvl="2"/>
+            <a:r>
+              <a:rPr lang="en-US" smtClean="0"/>
+              <a:t>And(¬ </a:t>
+            </a:r>
+            <a:r>
+              <a:rPr lang="en-US" b="1" smtClean="0"/>
+              <a:t>A</a:t>
+            </a:r>
+            <a:r>
+              <a:rPr lang="en-US" smtClean="0"/>
+              <a:t>, B) →goal: </a:t>
+            </a:r>
+            <a:r>
+              <a:rPr lang="en-US" smtClean="0"/>
+              <a:t>⊥ apply rule_⊥</a:t>
+            </a:r>
+            <a:r>
+              <a:rPr lang="en-US" smtClean="0"/>
+              <a:t>e</a:t>
+            </a:r>
+            <a:r>
+              <a:rPr lang="en-US" smtClean="0"/>
+              <a:t>;</a:t>
+            </a:r>
+          </a:p>
+          <a:p>
+            <a:pPr lvl="2"/>
+            <a:r>
+              <a:rPr lang="en-US" smtClean="0"/>
+              <a:t>Map(¬</a:t>
+            </a:r>
+            <a:r>
+              <a:rPr lang="en-US" b="1" smtClean="0"/>
+              <a:t>A</a:t>
+            </a:r>
+            <a:r>
+              <a:rPr lang="en-US" smtClean="0"/>
+              <a:t>, B</a:t>
+            </a:r>
+            <a:r>
+              <a:rPr lang="en-US" smtClean="0"/>
+              <a:t>) →goal</a:t>
+            </a:r>
+            <a:r>
+              <a:rPr lang="en-US" smtClean="0"/>
+              <a:t>: </a:t>
+            </a:r>
+            <a:r>
+              <a:rPr lang="en-US" smtClean="0"/>
+              <a:t>¬A → B, ¬B apply rule_MT;</a:t>
+            </a:r>
+          </a:p>
+          <a:p>
+            <a:pPr lvl="2"/>
+            <a:r>
+              <a:rPr lang="en-US" smtClean="0"/>
+              <a:t>Or(¬</a:t>
+            </a:r>
+            <a:r>
+              <a:rPr lang="en-US" b="1" smtClean="0"/>
+              <a:t>A</a:t>
+            </a:r>
+            <a:r>
+              <a:rPr lang="en-US" smtClean="0"/>
+              <a:t>, B</a:t>
+            </a:r>
+            <a:r>
+              <a:rPr lang="en-US" smtClean="0"/>
+              <a:t>) →goal: ⊥ apply rule_⊥e;</a:t>
+            </a:r>
+            <a:endParaRPr lang="en-US" smtClean="0"/>
+          </a:p>
+          <a:p>
+            <a:pPr lvl="1">
+              <a:buFont typeface="Courier New" pitchFamily="49" charset="0"/>
+              <a:buChar char="o"/>
+            </a:pPr>
+            <a:endParaRPr lang="en-US" smtClean="0"/>
+          </a:p>
+          <a:p>
+            <a:pPr lvl="1">
+              <a:buFont typeface="Courier New" pitchFamily="49" charset="0"/>
+              <a:buChar char="o"/>
+            </a:pPr>
+            <a:endParaRPr lang="en-US" smtClean="0"/>
+          </a:p>
+          <a:p>
+            <a:pPr lvl="1">
+              <a:buFont typeface="Courier New" pitchFamily="49" charset="0"/>
+              <a:buChar char="o"/>
+            </a:pPr>
+            <a:endParaRPr lang="en-US"/>
+          </a:p>
+        </p:txBody>
+      </p:sp>
+    </p:spTree>
+  </p:cSld>
+  <p:clrMapOvr>
+    <a:masterClrMapping/>
+  </p:clrMapOvr>
+  <p:timing>
+    <p:tnLst>
+      <p:par>
+        <p:cTn id="1" dur="indefinite" restart="never" nodeType="tmRoot"/>
+      </p:par>
+    </p:tnLst>
+  </p:timing>
+</p:sld>
+</file>
+
+<file path=ppt/slides/slide9.xml><?xml version="1.0" encoding="utf-8"?>
+<p:sld xmlns:a="http://schemas.openxmlformats.org/drawingml/2006/main" xmlns:r="http://schemas.openxmlformats.org/officeDocument/2006/relationships" xmlns:p="http://schemas.openxmlformats.org/presentationml/2006/main">
+  <p:cSld>
+    <p:spTree>
+      <p:nvGrpSpPr>
+        <p:cNvPr id="1" name=""/>
+        <p:cNvGrpSpPr/>
+        <p:nvPr/>
+      </p:nvGrpSpPr>
+      <p:grpSpPr>
+        <a:xfrm>
+          <a:off x="0" y="0"/>
+          <a:ext cx="0" cy="0"/>
+          <a:chOff x="0" y="0"/>
+          <a:chExt cx="0" cy="0"/>
+        </a:xfrm>
+      </p:grpSpPr>
+      <p:sp>
+        <p:nvSpPr>
+          <p:cNvPr id="2" name="Title 1"/>
+          <p:cNvSpPr>
+            <a:spLocks noGrp="1"/>
+          </p:cNvSpPr>
+          <p:nvPr>
+            <p:ph type="title"/>
+          </p:nvPr>
+        </p:nvSpPr>
+        <p:spPr/>
+        <p:txBody>
+          <a:bodyPr/>
+          <a:lstStyle/>
+          <a:p>
+            <a:r>
+              <a:rPr lang="en-US" smtClean="0">
+                <a:latin typeface="Times New Roman" pitchFamily="18" charset="0"/>
+              </a:rPr>
+              <a:t>INFERENCER</a:t>
+            </a:r>
+            <a:endParaRPr lang="en-US">
+              <a:latin typeface="Times New Roman" pitchFamily="18" charset="0"/>
+            </a:endParaRPr>
+          </a:p>
+        </p:txBody>
+      </p:sp>
+      <p:sp>
+        <p:nvSpPr>
+          <p:cNvPr id="15" name="Content Placeholder 14"/>
+          <p:cNvSpPr>
+            <a:spLocks noGrp="1"/>
+          </p:cNvSpPr>
+          <p:nvPr>
+            <p:ph idx="1"/>
+          </p:nvPr>
+        </p:nvSpPr>
+        <p:spPr>
+          <a:xfrm>
+            <a:off x="457200" y="1333500"/>
+            <a:ext cx="8229600" cy="4114800"/>
+          </a:xfrm>
+        </p:spPr>
+        <p:txBody>
+          <a:bodyPr>
+            <a:normAutofit fontScale="92500" lnSpcReduction="10000"/>
+          </a:bodyPr>
+          <a:lstStyle/>
+          <a:p>
+            <a:r>
+              <a:rPr lang="en-US" smtClean="0"/>
+              <a:t>Deduct (goal)</a:t>
+            </a:r>
+          </a:p>
+          <a:p>
+            <a:pPr lvl="2"/>
+            <a:r>
+              <a:rPr lang="en-US" smtClean="0"/>
+              <a:t>If (no operator) return failed;</a:t>
+            </a:r>
+          </a:p>
+          <a:p>
+            <a:pPr lvl="2"/>
+            <a:r>
+              <a:rPr lang="en-US" smtClean="0"/>
+              <a:t>And(A,B) → goal : A , B apply rule_∧i;</a:t>
+            </a:r>
+          </a:p>
+          <a:p>
+            <a:pPr lvl="2"/>
+            <a:r>
+              <a:rPr lang="en-US" smtClean="0"/>
+              <a:t>Map(A,B) → apply rule_→i goal: B;</a:t>
+            </a:r>
+          </a:p>
+          <a:p>
+            <a:pPr lvl="2"/>
+            <a:r>
+              <a:rPr lang="en-US" smtClean="0"/>
+              <a:t>Not(B) → goal: B→X, ¬X apply rule_MT; </a:t>
+            </a:r>
+            <a:br>
+              <a:rPr lang="en-US" smtClean="0"/>
+            </a:br>
+            <a:r>
+              <a:rPr lang="en-US" smtClean="0"/>
+              <a:t>		apply DeMorgan_rule;</a:t>
+            </a:r>
+            <a:br>
+              <a:rPr lang="en-US" smtClean="0"/>
+            </a:br>
+            <a:r>
+              <a:rPr lang="en-US" smtClean="0"/>
+              <a:t>		or apply rule_¬i ;		</a:t>
+            </a:r>
+          </a:p>
+          <a:p>
+            <a:pPr lvl="2"/>
+            <a:r>
+              <a:rPr lang="en-US" smtClean="0"/>
+              <a:t>Or(A,B) → goal: A apply_∨ i ;</a:t>
+            </a:r>
+            <a:br>
+              <a:rPr lang="en-US" smtClean="0"/>
+            </a:br>
+            <a:r>
+              <a:rPr lang="en-US" smtClean="0"/>
+              <a:t>		or:  B </a:t>
+            </a:r>
+            <a:r>
+              <a:rPr lang="en-US" smtClean="0"/>
+              <a:t>apply_∨ </a:t>
+            </a:r>
+            <a:r>
+              <a:rPr lang="en-US" smtClean="0"/>
+              <a:t>i </a:t>
+            </a:r>
+            <a:r>
+              <a:rPr lang="en-US" smtClean="0"/>
+              <a:t>;</a:t>
+            </a:r>
+            <a:br>
+              <a:rPr lang="en-US" smtClean="0"/>
+            </a:br>
+            <a:r>
+              <a:rPr lang="en-US" smtClean="0"/>
+              <a:t>		if goal:A pending</a:t>
+            </a:r>
+            <a:br>
+              <a:rPr lang="en-US" smtClean="0"/>
+            </a:br>
+            <a:r>
+              <a:rPr lang="en-US" smtClean="0"/>
+              <a:t>		    goal:B pending	</a:t>
+            </a:r>
+            <a:endParaRPr lang="en-US" smtClean="0"/>
+          </a:p>
+          <a:p>
+            <a:pPr lvl="1">
+              <a:buFont typeface="Courier New" pitchFamily="49" charset="0"/>
+              <a:buChar char="o"/>
+            </a:pPr>
+            <a:endParaRPr lang="en-US" smtClean="0"/>
+          </a:p>
+          <a:p>
+            <a:pPr lvl="1">
+              <a:buFont typeface="Courier New" pitchFamily="49" charset="0"/>
+              <a:buChar char="o"/>
+            </a:pPr>
+            <a:endParaRPr lang="en-US"/>
+          </a:p>
+        </p:txBody>
+      </p:sp>
+      <p:sp>
+        <p:nvSpPr>
+          <p:cNvPr id="4" name="Right Brace 3"/>
+          <p:cNvSpPr/>
+          <p:nvPr/>
+        </p:nvSpPr>
+        <p:spPr>
+          <a:xfrm>
+            <a:off x="5486400" y="4610100"/>
+            <a:ext cx="152400" cy="457200"/>
+          </a:xfrm>
+          <a:prstGeom prst="rightBrace">
+            <a:avLst/>
+          </a:prstGeom>
+        </p:spPr>
+        <p:style>
+          <a:lnRef idx="1">
+            <a:schemeClr val="accent1"/>
+          </a:lnRef>
+          <a:fillRef idx="0">
+            <a:schemeClr val="accent1"/>
+          </a:fillRef>
+          <a:effectRef idx="0">
+            <a:schemeClr val="accent1"/>
+          </a:effectRef>
+          <a:fontRef idx="minor">
+            <a:schemeClr val="tx1"/>
+          </a:fontRef>
+        </p:style>
+        <p:txBody>
+          <a:bodyPr rtlCol="0" anchor="ctr"/>
+          <a:lstStyle/>
+          <a:p>
+            <a:pPr algn="ctr"/>
+            <a:endParaRPr lang="en-US"/>
+          </a:p>
+        </p:txBody>
+      </p:sp>
+      <p:sp>
+        <p:nvSpPr>
+          <p:cNvPr id="6" name="TextBox 5"/>
+          <p:cNvSpPr txBox="1"/>
+          <p:nvPr/>
+        </p:nvSpPr>
+        <p:spPr>
+          <a:xfrm>
+            <a:off x="5410200" y="4533900"/>
+            <a:ext cx="3352800" cy="646331"/>
+          </a:xfrm>
+          <a:prstGeom prst="rect">
+            <a:avLst/>
+          </a:prstGeom>
+          <a:noFill/>
+        </p:spPr>
+        <p:txBody>
+          <a:bodyPr wrap="square" rtlCol="0">
+            <a:spAutoFit/>
+          </a:bodyPr>
+          <a:lstStyle/>
+          <a:p>
+            <a:pPr algn="r"/>
+            <a:r>
+              <a:rPr lang="en-US" smtClean="0"/>
+              <a:t>→   Found a pair : apply rule</a:t>
+            </a:r>
+            <a:r>
+              <a:rPr lang="en-US" smtClean="0"/>
+              <a:t>_∨e</a:t>
+            </a:r>
+            <a:endParaRPr lang="en-US" smtClean="0"/>
+          </a:p>
+          <a:p>
+            <a:pPr algn="r"/>
+            <a:r>
+              <a:rPr lang="en-US" smtClean="0"/>
+              <a:t>Or found Ť : apply rule_∨e</a:t>
+            </a:r>
             <a:endParaRPr lang="en-US"/>
           </a:p>
         </p:txBody>

--- a/trunk/Report/SUY LUẬN TỰ NHIÊN.pptx
+++ b/trunk/Report/SUY LUẬN TỰ NHIÊN.pptx
@@ -2648,22 +2648,22 @@
     </dgm:pt>
   </dgm:ptLst>
   <dgm:cxnLst>
-    <dgm:cxn modelId="{881EDF34-4632-4E98-814A-233F459BBD7C}" srcId="{EC5A0C0E-3AD5-427B-A5C8-AD297B876851}" destId="{A73B1429-D178-408C-B2E1-D10931D810A8}" srcOrd="3" destOrd="0" parTransId="{F5A8069A-5D96-41FB-AA4B-4F7D0A13F371}" sibTransId="{87D1C3C1-57B1-40A5-AB4A-4449921DFE7B}"/>
-    <dgm:cxn modelId="{53E5CA06-B629-45AB-B3A0-53322D08ED6E}" srcId="{EC5A0C0E-3AD5-427B-A5C8-AD297B876851}" destId="{4A7B9B07-385E-4BE3-BF0C-73747AD7DE59}" srcOrd="0" destOrd="0" parTransId="{18146A55-85A8-4968-884F-F4F3A27E0C66}" sibTransId="{2E13EA71-5905-45F8-8759-A51C31EC3307}"/>
-    <dgm:cxn modelId="{8DAB721E-4B1C-49AA-ABEC-E2BBD3B0CD7F}" srcId="{EC5A0C0E-3AD5-427B-A5C8-AD297B876851}" destId="{0770CEDB-9A51-422A-B74D-751FD637E787}" srcOrd="2" destOrd="0" parTransId="{9286A2A9-4026-4089-BE68-F0DAADD070C9}" sibTransId="{C49FF7A1-CCCB-4A7E-96AE-AC673592A468}"/>
+    <dgm:cxn modelId="{8D4072C6-EA99-4053-95F7-9D81019FD9B2}" type="presOf" srcId="{0770CEDB-9A51-422A-B74D-751FD637E787}" destId="{6F946749-39B5-4ED8-8DD6-C18A26CD0A1C}" srcOrd="1" destOrd="0" presId="urn:microsoft.com/office/officeart/2005/8/layout/matrix1"/>
     <dgm:cxn modelId="{29207394-86E9-488F-B43D-77CEDE7844ED}" type="presOf" srcId="{4A7B9B07-385E-4BE3-BF0C-73747AD7DE59}" destId="{5D94B0BE-1942-4536-913E-0EFFD3BDBF8E}" srcOrd="1" destOrd="0" presId="urn:microsoft.com/office/officeart/2005/8/layout/matrix1"/>
+    <dgm:cxn modelId="{81F08451-E383-4B4A-A70D-B9737FC2E494}" srcId="{56C78558-64EA-4989-B237-3830C383172D}" destId="{A89D6E11-50D2-4F92-AA9E-A1EF1DC82E36}" srcOrd="1" destOrd="0" parTransId="{C5B0C13E-8A90-49C1-88DC-F57D3E00D4EE}" sibTransId="{F3C369EA-684F-4161-ADDD-9C5280F62D5E}"/>
+    <dgm:cxn modelId="{671884F4-20C3-4E99-9086-F0EA7D15A13E}" type="presOf" srcId="{0770CEDB-9A51-422A-B74D-751FD637E787}" destId="{42788221-292B-4B6E-BA36-26A13D127A6B}" srcOrd="0" destOrd="0" presId="urn:microsoft.com/office/officeart/2005/8/layout/matrix1"/>
+    <dgm:cxn modelId="{18A7A0E1-8370-4B64-AB43-4537F23507C6}" type="presOf" srcId="{A73B1429-D178-408C-B2E1-D10931D810A8}" destId="{A1E26B10-A3C4-4327-BD2E-3B8294A200EC}" srcOrd="0" destOrd="0" presId="urn:microsoft.com/office/officeart/2005/8/layout/matrix1"/>
+    <dgm:cxn modelId="{51D3142C-C986-42B1-859C-A46760843E9B}" type="presOf" srcId="{4A7B9B07-385E-4BE3-BF0C-73747AD7DE59}" destId="{641D7713-4989-451E-83D5-EAEC226CA13A}" srcOrd="0" destOrd="0" presId="urn:microsoft.com/office/officeart/2005/8/layout/matrix1"/>
     <dgm:cxn modelId="{A543EB3E-316A-4CA0-8500-3097EF219EB0}" type="presOf" srcId="{EC5A0C0E-3AD5-427B-A5C8-AD297B876851}" destId="{63A56F8D-4BE1-42AF-A149-225D37D3626B}" srcOrd="0" destOrd="0" presId="urn:microsoft.com/office/officeart/2005/8/layout/matrix1"/>
     <dgm:cxn modelId="{B31BC83B-E112-4CEA-B48D-4076B21C83BC}" type="presOf" srcId="{9FAC88E1-7FFE-4E80-912F-039068943E20}" destId="{AF337CC3-E908-48FF-AFD1-BFE309ED5496}" srcOrd="1" destOrd="0" presId="urn:microsoft.com/office/officeart/2005/8/layout/matrix1"/>
-    <dgm:cxn modelId="{671884F4-20C3-4E99-9086-F0EA7D15A13E}" type="presOf" srcId="{0770CEDB-9A51-422A-B74D-751FD637E787}" destId="{42788221-292B-4B6E-BA36-26A13D127A6B}" srcOrd="0" destOrd="0" presId="urn:microsoft.com/office/officeart/2005/8/layout/matrix1"/>
     <dgm:cxn modelId="{181F0C97-8B07-464A-BE2D-7D6CBEB30487}" type="presOf" srcId="{56C78558-64EA-4989-B237-3830C383172D}" destId="{8C5D6D6B-5B90-429B-95C5-4910A0063901}" srcOrd="0" destOrd="0" presId="urn:microsoft.com/office/officeart/2005/8/layout/matrix1"/>
+    <dgm:cxn modelId="{3236AB37-729B-4A04-BEFD-3A9202F3869C}" type="presOf" srcId="{9FAC88E1-7FFE-4E80-912F-039068943E20}" destId="{1A368806-A1B8-498C-9168-A8C861100270}" srcOrd="0" destOrd="0" presId="urn:microsoft.com/office/officeart/2005/8/layout/matrix1"/>
+    <dgm:cxn modelId="{8DAB721E-4B1C-49AA-ABEC-E2BBD3B0CD7F}" srcId="{EC5A0C0E-3AD5-427B-A5C8-AD297B876851}" destId="{0770CEDB-9A51-422A-B74D-751FD637E787}" srcOrd="2" destOrd="0" parTransId="{9286A2A9-4026-4089-BE68-F0DAADD070C9}" sibTransId="{C49FF7A1-CCCB-4A7E-96AE-AC673592A468}"/>
+    <dgm:cxn modelId="{53E5CA06-B629-45AB-B3A0-53322D08ED6E}" srcId="{EC5A0C0E-3AD5-427B-A5C8-AD297B876851}" destId="{4A7B9B07-385E-4BE3-BF0C-73747AD7DE59}" srcOrd="0" destOrd="0" parTransId="{18146A55-85A8-4968-884F-F4F3A27E0C66}" sibTransId="{2E13EA71-5905-45F8-8759-A51C31EC3307}"/>
+    <dgm:cxn modelId="{881EDF34-4632-4E98-814A-233F459BBD7C}" srcId="{EC5A0C0E-3AD5-427B-A5C8-AD297B876851}" destId="{A73B1429-D178-408C-B2E1-D10931D810A8}" srcOrd="3" destOrd="0" parTransId="{F5A8069A-5D96-41FB-AA4B-4F7D0A13F371}" sibTransId="{87D1C3C1-57B1-40A5-AB4A-4449921DFE7B}"/>
+    <dgm:cxn modelId="{613EDC5A-DDAA-499B-8D10-5239B6A3BC0C}" srcId="{EC5A0C0E-3AD5-427B-A5C8-AD297B876851}" destId="{9FAC88E1-7FFE-4E80-912F-039068943E20}" srcOrd="1" destOrd="0" parTransId="{26CDA7D8-CA3F-4A7D-B1DF-C1871D6D25B0}" sibTransId="{8FAE2D47-64E4-4216-A3D2-C6CD9B5728CC}"/>
     <dgm:cxn modelId="{B8CE0A87-9AC8-4196-9004-1A0148F1C222}" type="presOf" srcId="{A73B1429-D178-408C-B2E1-D10931D810A8}" destId="{8EDE5929-B42A-469B-98DF-22542729B5BA}" srcOrd="1" destOrd="0" presId="urn:microsoft.com/office/officeart/2005/8/layout/matrix1"/>
     <dgm:cxn modelId="{A3D4B687-08E2-4745-8E2B-C8BB8891C332}" srcId="{56C78558-64EA-4989-B237-3830C383172D}" destId="{EC5A0C0E-3AD5-427B-A5C8-AD297B876851}" srcOrd="0" destOrd="0" parTransId="{D79D69E2-F431-4157-A598-06D4727854F2}" sibTransId="{4AEF6959-A179-4D3E-835A-92E3EB73A064}"/>
-    <dgm:cxn modelId="{3236AB37-729B-4A04-BEFD-3A9202F3869C}" type="presOf" srcId="{9FAC88E1-7FFE-4E80-912F-039068943E20}" destId="{1A368806-A1B8-498C-9168-A8C861100270}" srcOrd="0" destOrd="0" presId="urn:microsoft.com/office/officeart/2005/8/layout/matrix1"/>
-    <dgm:cxn modelId="{613EDC5A-DDAA-499B-8D10-5239B6A3BC0C}" srcId="{EC5A0C0E-3AD5-427B-A5C8-AD297B876851}" destId="{9FAC88E1-7FFE-4E80-912F-039068943E20}" srcOrd="1" destOrd="0" parTransId="{26CDA7D8-CA3F-4A7D-B1DF-C1871D6D25B0}" sibTransId="{8FAE2D47-64E4-4216-A3D2-C6CD9B5728CC}"/>
-    <dgm:cxn modelId="{8D4072C6-EA99-4053-95F7-9D81019FD9B2}" type="presOf" srcId="{0770CEDB-9A51-422A-B74D-751FD637E787}" destId="{6F946749-39B5-4ED8-8DD6-C18A26CD0A1C}" srcOrd="1" destOrd="0" presId="urn:microsoft.com/office/officeart/2005/8/layout/matrix1"/>
-    <dgm:cxn modelId="{18A7A0E1-8370-4B64-AB43-4537F23507C6}" type="presOf" srcId="{A73B1429-D178-408C-B2E1-D10931D810A8}" destId="{A1E26B10-A3C4-4327-BD2E-3B8294A200EC}" srcOrd="0" destOrd="0" presId="urn:microsoft.com/office/officeart/2005/8/layout/matrix1"/>
-    <dgm:cxn modelId="{51D3142C-C986-42B1-859C-A46760843E9B}" type="presOf" srcId="{4A7B9B07-385E-4BE3-BF0C-73747AD7DE59}" destId="{641D7713-4989-451E-83D5-EAEC226CA13A}" srcOrd="0" destOrd="0" presId="urn:microsoft.com/office/officeart/2005/8/layout/matrix1"/>
-    <dgm:cxn modelId="{81F08451-E383-4B4A-A70D-B9737FC2E494}" srcId="{56C78558-64EA-4989-B237-3830C383172D}" destId="{A89D6E11-50D2-4F92-AA9E-A1EF1DC82E36}" srcOrd="1" destOrd="0" parTransId="{C5B0C13E-8A90-49C1-88DC-F57D3E00D4EE}" sibTransId="{F3C369EA-684F-4161-ADDD-9C5280F62D5E}"/>
     <dgm:cxn modelId="{DB4A93E0-5127-4E26-9F36-460F0A847427}" type="presParOf" srcId="{8C5D6D6B-5B90-429B-95C5-4910A0063901}" destId="{6D1F9EDF-DB54-40E1-938A-15CF27F0DEB1}" srcOrd="0" destOrd="0" presId="urn:microsoft.com/office/officeart/2005/8/layout/matrix1"/>
     <dgm:cxn modelId="{36D752E6-6AA5-4033-8B9F-4740D164B30E}" type="presParOf" srcId="{6D1F9EDF-DB54-40E1-938A-15CF27F0DEB1}" destId="{641D7713-4989-451E-83D5-EAEC226CA13A}" srcOrd="0" destOrd="0" presId="urn:microsoft.com/office/officeart/2005/8/layout/matrix1"/>
     <dgm:cxn modelId="{161E6654-CFA6-483D-A8F5-07A7CA067076}" type="presParOf" srcId="{6D1F9EDF-DB54-40E1-938A-15CF27F0DEB1}" destId="{5D94B0BE-1942-4536-913E-0EFFD3BDBF8E}" srcOrd="1" destOrd="0" presId="urn:microsoft.com/office/officeart/2005/8/layout/matrix1"/>
@@ -5453,7 +5453,7 @@
             <a:fld id="{993365B8-C071-4221-A39E-10773AB31212}" type="datetimeFigureOut">
               <a:rPr lang="en-US" smtClean="0"/>
               <a:pPr/>
-              <a:t>11/19/2008</a:t>
+              <a:t>11/23/2008</a:t>
             </a:fld>
             <a:endParaRPr lang="en-US"/>
           </a:p>
@@ -5620,7 +5620,7 @@
             <a:fld id="{993365B8-C071-4221-A39E-10773AB31212}" type="datetimeFigureOut">
               <a:rPr lang="en-US" smtClean="0"/>
               <a:pPr/>
-              <a:t>11/19/2008</a:t>
+              <a:t>11/23/2008</a:t>
             </a:fld>
             <a:endParaRPr lang="en-US"/>
           </a:p>
@@ -5797,7 +5797,7 @@
             <a:fld id="{993365B8-C071-4221-A39E-10773AB31212}" type="datetimeFigureOut">
               <a:rPr lang="en-US" smtClean="0"/>
               <a:pPr/>
-              <a:t>11/19/2008</a:t>
+              <a:t>11/23/2008</a:t>
             </a:fld>
             <a:endParaRPr lang="en-US"/>
           </a:p>
@@ -5964,7 +5964,7 @@
             <a:fld id="{993365B8-C071-4221-A39E-10773AB31212}" type="datetimeFigureOut">
               <a:rPr lang="en-US" smtClean="0"/>
               <a:pPr/>
-              <a:t>11/19/2008</a:t>
+              <a:t>11/23/2008</a:t>
             </a:fld>
             <a:endParaRPr lang="en-US"/>
           </a:p>
@@ -6207,7 +6207,7 @@
             <a:fld id="{993365B8-C071-4221-A39E-10773AB31212}" type="datetimeFigureOut">
               <a:rPr lang="en-US" smtClean="0"/>
               <a:pPr/>
-              <a:t>11/19/2008</a:t>
+              <a:t>11/23/2008</a:t>
             </a:fld>
             <a:endParaRPr lang="en-US"/>
           </a:p>
@@ -6492,7 +6492,7 @@
             <a:fld id="{993365B8-C071-4221-A39E-10773AB31212}" type="datetimeFigureOut">
               <a:rPr lang="en-US" smtClean="0"/>
               <a:pPr/>
-              <a:t>11/19/2008</a:t>
+              <a:t>11/23/2008</a:t>
             </a:fld>
             <a:endParaRPr lang="en-US"/>
           </a:p>
@@ -6916,7 +6916,7 @@
             <a:fld id="{993365B8-C071-4221-A39E-10773AB31212}" type="datetimeFigureOut">
               <a:rPr lang="en-US" smtClean="0"/>
               <a:pPr/>
-              <a:t>11/19/2008</a:t>
+              <a:t>11/23/2008</a:t>
             </a:fld>
             <a:endParaRPr lang="en-US"/>
           </a:p>
@@ -7031,7 +7031,7 @@
             <a:fld id="{993365B8-C071-4221-A39E-10773AB31212}" type="datetimeFigureOut">
               <a:rPr lang="en-US" smtClean="0"/>
               <a:pPr/>
-              <a:t>11/19/2008</a:t>
+              <a:t>11/23/2008</a:t>
             </a:fld>
             <a:endParaRPr lang="en-US"/>
           </a:p>
@@ -7123,7 +7123,7 @@
             <a:fld id="{993365B8-C071-4221-A39E-10773AB31212}" type="datetimeFigureOut">
               <a:rPr lang="en-US" smtClean="0"/>
               <a:pPr/>
-              <a:t>11/19/2008</a:t>
+              <a:t>11/23/2008</a:t>
             </a:fld>
             <a:endParaRPr lang="en-US"/>
           </a:p>
@@ -7397,7 +7397,7 @@
             <a:fld id="{993365B8-C071-4221-A39E-10773AB31212}" type="datetimeFigureOut">
               <a:rPr lang="en-US" smtClean="0"/>
               <a:pPr/>
-              <a:t>11/19/2008</a:t>
+              <a:t>11/23/2008</a:t>
             </a:fld>
             <a:endParaRPr lang="en-US"/>
           </a:p>
@@ -7647,7 +7647,7 @@
             <a:fld id="{993365B8-C071-4221-A39E-10773AB31212}" type="datetimeFigureOut">
               <a:rPr lang="en-US" smtClean="0"/>
               <a:pPr/>
-              <a:t>11/19/2008</a:t>
+              <a:t>11/23/2008</a:t>
             </a:fld>
             <a:endParaRPr lang="en-US"/>
           </a:p>
@@ -7857,7 +7857,7 @@
             <a:fld id="{993365B8-C071-4221-A39E-10773AB31212}" type="datetimeFigureOut">
               <a:rPr lang="en-US" smtClean="0"/>
               <a:pPr/>
-              <a:t>11/19/2008</a:t>
+              <a:t>11/23/2008</a:t>
             </a:fld>
             <a:endParaRPr lang="en-US"/>
           </a:p>
@@ -8453,11 +8453,7 @@
               <a:pPr algn="ctr"/>
               <a:r>
                 <a:rPr lang="en-US" smtClean="0"/>
-                <a:t>TERM </a:t>
-              </a:r>
-              <a:r>
-                <a:rPr lang="en-US" smtClean="0"/>
-                <a:t>VECTOR</a:t>
+                <a:t>TERM VECTOR</a:t>
               </a:r>
               <a:endParaRPr lang="en-US"/>
             </a:p>
@@ -8588,11 +8584,7 @@
               <a:pPr algn="ctr"/>
               <a:r>
                 <a:rPr lang="en-US" smtClean="0"/>
-                <a:t>Contradition </a:t>
-              </a:r>
-              <a:r>
-                <a:rPr lang="en-US" smtClean="0"/>
-                <a:t>deduction</a:t>
+                <a:t>Contradition deduction</a:t>
               </a:r>
               <a:endParaRPr lang="en-US"/>
             </a:p>
@@ -9168,7 +9160,22 @@
             </a:pPr>
             <a:r>
               <a:rPr lang="en-US" sz="3200" smtClean="0"/>
-              <a:t>Try to find formulae or pair of formulas that applicable eliminate rule in order &amp; | -&gt; NOT ALL exists.</a:t>
+              <a:t>Try to find formulae or pair of formulas that applicable eliminate rule in order &amp; | -&gt; NOT ALL </a:t>
+            </a:r>
+            <a:r>
+              <a:rPr lang="en-US" sz="3200" smtClean="0"/>
+              <a:t>EXISTS.</a:t>
+            </a:r>
+            <a:endParaRPr lang="en-US" sz="3200" smtClean="0"/>
+          </a:p>
+          <a:p>
+            <a:pPr marL="342900" lvl="4" indent="-342900">
+              <a:buFont typeface="Arial" pitchFamily="34" charset="0"/>
+              <a:buChar char="•"/>
+            </a:pPr>
+            <a:r>
+              <a:rPr lang="en-US" sz="3200" smtClean="0"/>
+              <a:t>Some premises must use addition technique</a:t>
             </a:r>
           </a:p>
           <a:p>
@@ -9178,35 +9185,8 @@
             </a:pPr>
             <a:r>
               <a:rPr lang="en-US" sz="3200" smtClean="0"/>
-              <a:t>Some premises must use </a:t>
+              <a:t>Update list proof  by adding conclusion</a:t>
             </a:r>
-            <a:r>
-              <a:rPr lang="en-US" sz="3200" smtClean="0"/>
-              <a:t>addition </a:t>
-            </a:r>
-            <a:r>
-              <a:rPr lang="en-US" sz="3200" smtClean="0"/>
-              <a:t>technique</a:t>
-            </a:r>
-          </a:p>
-          <a:p>
-            <a:pPr marL="342900" lvl="4" indent="-342900">
-              <a:buFont typeface="Arial" pitchFamily="34" charset="0"/>
-              <a:buChar char="•"/>
-            </a:pPr>
-            <a:r>
-              <a:rPr lang="en-US" sz="3200" smtClean="0"/>
-              <a:t>Update list proof  by </a:t>
-            </a:r>
-            <a:r>
-              <a:rPr lang="en-US" sz="3200" smtClean="0"/>
-              <a:t>adding </a:t>
-            </a:r>
-            <a:r>
-              <a:rPr lang="en-US" sz="3200" smtClean="0"/>
-              <a:t>conclusion</a:t>
-            </a:r>
-            <a:endParaRPr lang="en-US" sz="3200" smtClean="0"/>
           </a:p>
         </p:txBody>
       </p:sp>
@@ -9387,11 +9367,7 @@
               <a:pPr algn="ctr"/>
               <a:r>
                 <a:rPr lang="en-US" smtClean="0"/>
-                <a:t>TERM </a:t>
-              </a:r>
-              <a:r>
-                <a:rPr lang="en-US" smtClean="0"/>
-                <a:t>VECTOR</a:t>
+                <a:t>TERM VECTOR</a:t>
               </a:r>
               <a:endParaRPr lang="en-US"/>
             </a:p>
@@ -9501,11 +9477,7 @@
               <a:pPr algn="ctr"/>
               <a:r>
                 <a:rPr lang="en-US" smtClean="0"/>
-                <a:t>Contradition </a:t>
-              </a:r>
-              <a:r>
-                <a:rPr lang="en-US" smtClean="0"/>
-                <a:t>deduction</a:t>
+                <a:t>Contradition deduction</a:t>
               </a:r>
               <a:endParaRPr lang="en-US"/>
             </a:p>
@@ -10100,39 +10072,7 @@
             </a:pPr>
             <a:r>
               <a:rPr lang="en-US" smtClean="0"/>
-              <a:t>∑  </a:t>
-            </a:r>
-            <a:r>
-              <a:rPr lang="en-US" smtClean="0"/>
-              <a:t>⊢ Ω ,F      	=	∑ , ¬</a:t>
-            </a:r>
-            <a:r>
-              <a:rPr lang="en-US" smtClean="0"/>
-              <a:t>F  </a:t>
-            </a:r>
-            <a:r>
-              <a:rPr lang="en-US" smtClean="0"/>
-              <a:t>           ⊢</a:t>
-            </a:r>
-            <a:r>
-              <a:rPr lang="en-US" smtClean="0"/>
-              <a:t>Ω</a:t>
-            </a:r>
-            <a:r>
-              <a:rPr lang="en-US" smtClean="0"/>
-              <a:t> ,</a:t>
-            </a:r>
-            <a:r>
-              <a:rPr lang="en-US" smtClean="0"/>
-              <a:t>F</a:t>
-            </a:r>
-            <a:r>
-              <a:rPr lang="en-US" smtClean="0"/>
-              <a:t>, </a:t>
-            </a:r>
-            <a:r>
-              <a:rPr lang="en-US" smtClean="0"/>
-              <a:t>⊥</a:t>
+              <a:t>∑  ⊢ Ω ,F      	=	∑ , ¬F             ⊢Ω ,F, ⊥</a:t>
             </a:r>
             <a:endParaRPr lang="en-US" sz="2000" smtClean="0"/>
           </a:p>
@@ -10151,94 +10091,7 @@
             </a:r>
             <a:r>
               <a:rPr lang="en-US" smtClean="0"/>
-              <a:t>¬</a:t>
-            </a:r>
-            <a:r>
-              <a:rPr lang="en-US" smtClean="0"/>
-              <a:t>F  </a:t>
-            </a:r>
-            <a:r>
-              <a:rPr lang="en-US" smtClean="0"/>
-              <a:t>	= </a:t>
-            </a:r>
-            <a:r>
-              <a:rPr lang="en-US" smtClean="0"/>
-              <a:t>	∑ </a:t>
-            </a:r>
-            <a:r>
-              <a:rPr lang="en-US" smtClean="0"/>
-              <a:t>, </a:t>
-            </a:r>
-            <a:r>
-              <a:rPr lang="en-US" smtClean="0"/>
-              <a:t>F	        ⊢ </a:t>
-            </a:r>
-            <a:r>
-              <a:rPr lang="en-US" smtClean="0"/>
-              <a:t>Ω , ¬F</a:t>
-            </a:r>
-            <a:r>
-              <a:rPr lang="en-US" smtClean="0"/>
-              <a:t>, </a:t>
-            </a:r>
-            <a:r>
-              <a:rPr lang="en-US" smtClean="0"/>
-              <a:t>⊥ </a:t>
-            </a:r>
-            <a:endParaRPr lang="en-US" sz="2000" smtClean="0"/>
-          </a:p>
-          <a:p>
-            <a:pPr marL="744538" lvl="1" indent="-461963">
-              <a:buFont typeface="+mj-lt"/>
-              <a:buAutoNum type="arabicPeriod"/>
-            </a:pPr>
-            <a:r>
-              <a:rPr lang="en-US" smtClean="0"/>
-              <a:t>∑  ⊢ Ω </a:t>
-            </a:r>
-            <a:r>
-              <a:rPr lang="en-US" smtClean="0"/>
-              <a:t>,</a:t>
-            </a:r>
-            <a:r>
-              <a:rPr lang="en-US" sz="2000" smtClean="0"/>
-              <a:t> </a:t>
-            </a:r>
-            <a:r>
-              <a:rPr lang="en-US" smtClean="0"/>
-              <a:t>A ∧ B</a:t>
-            </a:r>
-            <a:r>
-              <a:rPr lang="en-US" smtClean="0"/>
-              <a:t>	=	</a:t>
-            </a:r>
-            <a:r>
-              <a:rPr lang="en-US" smtClean="0"/>
-              <a:t>∑ </a:t>
-            </a:r>
-            <a:r>
-              <a:rPr lang="en-US" smtClean="0"/>
-              <a:t>	        ⊢ </a:t>
-            </a:r>
-            <a:r>
-              <a:rPr lang="en-US" smtClean="0"/>
-              <a:t>Ω </a:t>
-            </a:r>
-            <a:r>
-              <a:rPr lang="en-US" smtClean="0"/>
-              <a:t>,</a:t>
-            </a:r>
-            <a:r>
-              <a:rPr lang="en-US" sz="2000" smtClean="0"/>
-              <a:t> </a:t>
-            </a:r>
-            <a:r>
-              <a:rPr lang="en-US" smtClean="0"/>
-              <a:t>A ∧ B</a:t>
-            </a:r>
-            <a:r>
-              <a:rPr lang="en-US" smtClean="0"/>
-              <a:t>, A, B</a:t>
+              <a:t>¬F  	= 	∑ , F	        ⊢ Ω , ¬F, ⊥ </a:t>
             </a:r>
             <a:endParaRPr lang="en-US" sz="2000" smtClean="0"/>
           </a:p>
@@ -10257,31 +10110,7 @@
             </a:r>
             <a:r>
               <a:rPr lang="en-US" smtClean="0"/>
-              <a:t>A </a:t>
-            </a:r>
-            <a:r>
-              <a:rPr lang="en-US" smtClean="0"/>
-              <a:t>∨ B</a:t>
-            </a:r>
-            <a:r>
-              <a:rPr lang="en-US" smtClean="0"/>
-              <a:t>	=	</a:t>
-            </a:r>
-            <a:r>
-              <a:rPr lang="en-US" smtClean="0"/>
-              <a:t>∑ </a:t>
-            </a:r>
-            <a:r>
-              <a:rPr lang="en-US" smtClean="0"/>
-              <a:t>	        ⊢ </a:t>
-            </a:r>
-            <a:r>
-              <a:rPr lang="en-US" smtClean="0"/>
-              <a:t>Ω </a:t>
-            </a:r>
-            <a:r>
-              <a:rPr lang="en-US" smtClean="0"/>
-              <a:t>,</a:t>
+              <a:t>A ∧ B	=	∑ 	        ⊢ Ω ,</a:t>
             </a:r>
             <a:r>
               <a:rPr lang="en-US" sz="2000" smtClean="0"/>
@@ -10289,23 +10118,7 @@
             </a:r>
             <a:r>
               <a:rPr lang="en-US" smtClean="0"/>
-              <a:t>A ∨ B</a:t>
-            </a:r>
-            <a:r>
-              <a:rPr lang="en-US" smtClean="0"/>
-              <a:t>, A (</a:t>
-            </a:r>
-            <a:r>
-              <a:rPr lang="en-US" smtClean="0"/>
-              <a:t>failed </a:t>
-            </a:r>
-            <a:r>
-              <a:rPr lang="en-US" smtClean="0"/>
-              <a:t>5</a:t>
-            </a:r>
-            <a:r>
-              <a:rPr lang="en-US" smtClean="0"/>
-              <a:t>)</a:t>
+              <a:t>A ∧ B, A, B</a:t>
             </a:r>
             <a:endParaRPr lang="en-US" sz="2000" smtClean="0"/>
           </a:p>
@@ -10316,11 +10129,7 @@
             </a:pPr>
             <a:r>
               <a:rPr lang="en-US" smtClean="0"/>
-              <a:t>∑  ⊢ Ω </a:t>
-            </a:r>
-            <a:r>
-              <a:rPr lang="en-US" smtClean="0"/>
-              <a:t>,</a:t>
+              <a:t>∑  ⊢ Ω ,</a:t>
             </a:r>
             <a:r>
               <a:rPr lang="en-US" sz="2000" smtClean="0"/>
@@ -10328,27 +10137,7 @@
             </a:r>
             <a:r>
               <a:rPr lang="en-US" smtClean="0"/>
-              <a:t>A ∨ B</a:t>
-            </a:r>
-            <a:r>
-              <a:rPr lang="en-US" smtClean="0"/>
-              <a:t>	=	</a:t>
-            </a:r>
-            <a:r>
-              <a:rPr lang="en-US" smtClean="0"/>
-              <a:t>∑ </a:t>
-            </a:r>
-            <a:r>
-              <a:rPr lang="en-US" smtClean="0"/>
-              <a:t>	        ⊢ </a:t>
-            </a:r>
-            <a:r>
-              <a:rPr lang="en-US" smtClean="0"/>
-              <a:t>Ω </a:t>
-            </a:r>
-            <a:r>
-              <a:rPr lang="en-US" smtClean="0"/>
-              <a:t>,</a:t>
+              <a:t>A ∨ B	=	∑ 	        ⊢ Ω ,</a:t>
             </a:r>
             <a:r>
               <a:rPr lang="en-US" sz="2000" smtClean="0"/>
@@ -10356,23 +10145,7 @@
             </a:r>
             <a:r>
               <a:rPr lang="en-US" smtClean="0"/>
-              <a:t>A ∨ B</a:t>
-            </a:r>
-            <a:r>
-              <a:rPr lang="en-US" smtClean="0"/>
-              <a:t>, B (</a:t>
-            </a:r>
-            <a:r>
-              <a:rPr lang="en-US" smtClean="0"/>
-              <a:t>failed </a:t>
-            </a:r>
-            <a:r>
-              <a:rPr lang="en-US" smtClean="0"/>
-              <a:t>6</a:t>
-            </a:r>
-            <a:r>
-              <a:rPr lang="en-US" smtClean="0"/>
-              <a:t>)</a:t>
+              <a:t>A ∨ B, A (failed 5)</a:t>
             </a:r>
             <a:endParaRPr lang="en-US" sz="2000" smtClean="0"/>
           </a:p>
@@ -10383,11 +10156,7 @@
             </a:pPr>
             <a:r>
               <a:rPr lang="en-US" smtClean="0"/>
-              <a:t>∑  ⊢ Ω </a:t>
-            </a:r>
-            <a:r>
-              <a:rPr lang="en-US" smtClean="0"/>
-              <a:t>,</a:t>
+              <a:t>∑  ⊢ Ω ,</a:t>
             </a:r>
             <a:r>
               <a:rPr lang="en-US" sz="2000" smtClean="0"/>
@@ -10395,35 +10164,7 @@
             </a:r>
             <a:r>
               <a:rPr lang="en-US" smtClean="0"/>
-              <a:t>A ∨ B</a:t>
-            </a:r>
-            <a:r>
-              <a:rPr lang="en-US" smtClean="0"/>
-              <a:t>	=	∑ , ¬ (</a:t>
-            </a:r>
-            <a:r>
-              <a:rPr lang="en-US" smtClean="0"/>
-              <a:t>A </a:t>
-            </a:r>
-            <a:r>
-              <a:rPr lang="en-US" smtClean="0"/>
-              <a:t>∨ B</a:t>
-            </a:r>
-            <a:r>
-              <a:rPr lang="en-US" smtClean="0"/>
-              <a:t>) </a:t>
-            </a:r>
-            <a:r>
-              <a:rPr lang="en-US" smtClean="0"/>
-              <a:t> ⊢ </a:t>
-            </a:r>
-            <a:r>
-              <a:rPr lang="en-US" smtClean="0"/>
-              <a:t>Ω </a:t>
-            </a:r>
-            <a:r>
-              <a:rPr lang="en-US" smtClean="0"/>
-              <a:t>,</a:t>
+              <a:t>A ∨ B	=	∑ 	        ⊢ Ω ,</a:t>
             </a:r>
             <a:r>
               <a:rPr lang="en-US" sz="2000" smtClean="0"/>
@@ -10431,15 +10172,7 @@
             </a:r>
             <a:r>
               <a:rPr lang="en-US" smtClean="0"/>
-              <a:t>A ∨ B</a:t>
-            </a:r>
-            <a:r>
-              <a:rPr lang="en-US" smtClean="0"/>
-              <a:t>, </a:t>
-            </a:r>
-            <a:r>
-              <a:rPr lang="en-US" smtClean="0"/>
-              <a:t>⊥ </a:t>
+              <a:t>A ∨ B, B (failed 6)</a:t>
             </a:r>
             <a:endParaRPr lang="en-US" sz="2000" smtClean="0"/>
           </a:p>
@@ -10450,11 +10183,7 @@
             </a:pPr>
             <a:r>
               <a:rPr lang="en-US" smtClean="0"/>
-              <a:t>∑  ⊢ Ω </a:t>
-            </a:r>
-            <a:r>
-              <a:rPr lang="en-US" smtClean="0"/>
-              <a:t>,</a:t>
+              <a:t>∑  ⊢ Ω ,</a:t>
             </a:r>
             <a:r>
               <a:rPr lang="en-US" sz="2000" smtClean="0"/>
@@ -10462,27 +10191,7 @@
             </a:r>
             <a:r>
               <a:rPr lang="en-US" smtClean="0"/>
-              <a:t>A →B	=</a:t>
-            </a:r>
-            <a:r>
-              <a:rPr lang="en-US" smtClean="0"/>
-              <a:t>	∑ ,</a:t>
-            </a:r>
-            <a:r>
-              <a:rPr lang="en-US" smtClean="0"/>
-              <a:t>A  </a:t>
-            </a:r>
-            <a:r>
-              <a:rPr lang="en-US" smtClean="0"/>
-              <a:t>	        ⊢ </a:t>
-            </a:r>
-            <a:r>
-              <a:rPr lang="en-US" smtClean="0"/>
-              <a:t>Ω </a:t>
-            </a:r>
-            <a:r>
-              <a:rPr lang="en-US" smtClean="0"/>
-              <a:t>,</a:t>
+              <a:t>A ∨ B	=	∑ , ¬ (A ∨ B)  ⊢ Ω ,</a:t>
             </a:r>
             <a:r>
               <a:rPr lang="en-US" sz="2000" smtClean="0"/>
@@ -10490,11 +10199,7 @@
             </a:r>
             <a:r>
               <a:rPr lang="en-US" smtClean="0"/>
-              <a:t>A→B</a:t>
-            </a:r>
-            <a:r>
-              <a:rPr lang="en-US" smtClean="0"/>
-              <a:t>, B</a:t>
+              <a:t>A ∨ B, ⊥ </a:t>
             </a:r>
             <a:endParaRPr lang="en-US" sz="2000" smtClean="0"/>
           </a:p>
@@ -10505,71 +10210,50 @@
             </a:pPr>
             <a:r>
               <a:rPr lang="en-US" smtClean="0"/>
-              <a:t>∑  ⊢ Ω </a:t>
-            </a:r>
-            <a:r>
-              <a:rPr lang="en-US" smtClean="0"/>
-              <a:t>,</a:t>
+              <a:t>∑  ⊢ Ω ,</a:t>
             </a:r>
             <a:r>
               <a:rPr lang="en-US" sz="2000" smtClean="0"/>
               <a:t> </a:t>
             </a:r>
             <a:r>
-              <a:rPr lang="en-US" sz="2000" smtClean="0"/>
-              <a:t>∀</a:t>
-            </a:r>
-            <a:r>
               <a:rPr lang="en-US" smtClean="0"/>
-              <a:t>x A(x)	=</a:t>
-            </a:r>
-            <a:r>
-              <a:rPr lang="en-US" smtClean="0"/>
-              <a:t>	</a:t>
-            </a:r>
-            <a:r>
-              <a:rPr lang="en-US" smtClean="0"/>
-              <a:t>∑  </a:t>
-            </a:r>
-            <a:r>
-              <a:rPr lang="en-US" smtClean="0"/>
-              <a:t>	        ⊢ </a:t>
-            </a:r>
-            <a:r>
-              <a:rPr lang="en-US" smtClean="0"/>
-              <a:t>Ω </a:t>
-            </a:r>
-            <a:r>
-              <a:rPr lang="en-US" smtClean="0"/>
-              <a:t>,</a:t>
+              <a:t>A →B	=	∑ ,A  	        ⊢ Ω ,</a:t>
             </a:r>
             <a:r>
               <a:rPr lang="en-US" sz="2000" smtClean="0"/>
               <a:t> </a:t>
             </a:r>
             <a:r>
+              <a:rPr lang="en-US" smtClean="0"/>
+              <a:t>A→B, B</a:t>
+            </a:r>
+            <a:endParaRPr lang="en-US" sz="2000" smtClean="0"/>
+          </a:p>
+          <a:p>
+            <a:pPr marL="744538" lvl="1" indent="-461963">
+              <a:buFont typeface="+mj-lt"/>
+              <a:buAutoNum type="arabicPeriod"/>
+            </a:pPr>
+            <a:r>
+              <a:rPr lang="en-US" smtClean="0"/>
+              <a:t>∑  ⊢ Ω ,</a:t>
+            </a:r>
+            <a:r>
               <a:rPr lang="en-US" sz="2000" smtClean="0"/>
-              <a:t>∀ </a:t>
+              <a:t> ∀</a:t>
             </a:r>
             <a:r>
               <a:rPr lang="en-US" smtClean="0"/>
-              <a:t>x A(x) </a:t>
+              <a:t>x A(x)	=	∑  	        ⊢ Ω ,</a:t>
+            </a:r>
+            <a:r>
+              <a:rPr lang="en-US" sz="2000" smtClean="0"/>
+              <a:t> ∀ </a:t>
             </a:r>
             <a:r>
               <a:rPr lang="en-US" smtClean="0"/>
-              <a:t>, A</a:t>
-            </a:r>
-            <a:r>
-              <a:rPr lang="en-US" smtClean="0"/>
-              <a:t>( </a:t>
-            </a:r>
-            <a:r>
-              <a:rPr lang="en-US" smtClean="0"/>
-              <a:t>xo/x) </a:t>
-            </a:r>
-            <a:r>
-              <a:rPr lang="en-US" smtClean="0"/>
-              <a:t>(any x</a:t>
+              <a:t>x A(x) , A( xo/x) (any x</a:t>
             </a:r>
             <a:r>
               <a:rPr lang="en-US" baseline="-25000" smtClean="0"/>
@@ -10588,79 +10272,23 @@
             </a:pPr>
             <a:r>
               <a:rPr lang="en-US" smtClean="0"/>
-              <a:t>∑  ⊢ Ω </a:t>
+              <a:t>∑  ⊢ Ω ,</a:t>
+            </a:r>
+            <a:r>
+              <a:rPr lang="en-US" sz="2000" smtClean="0"/>
+              <a:t> ∃</a:t>
             </a:r>
             <a:r>
               <a:rPr lang="en-US" smtClean="0"/>
-              <a:t>,</a:t>
+              <a:t>x A(x)	=	∑  	        ⊢ Ω ,</a:t>
             </a:r>
             <a:r>
               <a:rPr lang="en-US" sz="2000" smtClean="0"/>
-              <a:t> </a:t>
-            </a:r>
-            <a:r>
-              <a:rPr lang="en-US" sz="2000" smtClean="0"/>
-              <a:t>∃</a:t>
+              <a:t> ∃</a:t>
             </a:r>
             <a:r>
               <a:rPr lang="en-US" smtClean="0"/>
-              <a:t>x A(x)</a:t>
-            </a:r>
-            <a:r>
-              <a:rPr lang="en-US" smtClean="0"/>
-              <a:t>	</a:t>
-            </a:r>
-            <a:r>
-              <a:rPr lang="en-US" smtClean="0"/>
-              <a:t>=</a:t>
-            </a:r>
-            <a:r>
-              <a:rPr lang="en-US" smtClean="0"/>
-              <a:t>	</a:t>
-            </a:r>
-            <a:r>
-              <a:rPr lang="en-US" smtClean="0"/>
-              <a:t>∑  </a:t>
-            </a:r>
-            <a:r>
-              <a:rPr lang="en-US" smtClean="0"/>
-              <a:t>	        ⊢ </a:t>
-            </a:r>
-            <a:r>
-              <a:rPr lang="en-US" smtClean="0"/>
-              <a:t>Ω </a:t>
-            </a:r>
-            <a:r>
-              <a:rPr lang="en-US" smtClean="0"/>
-              <a:t>,</a:t>
-            </a:r>
-            <a:r>
-              <a:rPr lang="en-US" sz="2000" smtClean="0"/>
-              <a:t> </a:t>
-            </a:r>
-            <a:r>
-              <a:rPr lang="en-US" sz="2000" smtClean="0"/>
-              <a:t>∃</a:t>
-            </a:r>
-            <a:r>
-              <a:rPr lang="en-US" smtClean="0"/>
-              <a:t>x A(x) </a:t>
-            </a:r>
-            <a:r>
-              <a:rPr lang="en-US" smtClean="0"/>
-              <a:t>, A</a:t>
-            </a:r>
-            <a:r>
-              <a:rPr lang="en-US" smtClean="0"/>
-              <a:t>( </a:t>
-            </a:r>
-            <a:r>
-              <a:rPr lang="en-US" smtClean="0"/>
-              <a:t>xo/x) </a:t>
-            </a:r>
-            <a:r>
-              <a:rPr lang="en-US" smtClean="0"/>
-              <a:t>(relative x</a:t>
+              <a:t>x A(x) , A( xo/x) (relative x</a:t>
             </a:r>
             <a:r>
               <a:rPr lang="en-US" baseline="-25000" smtClean="0"/>
@@ -10851,11 +10479,7 @@
               <a:pPr algn="ctr"/>
               <a:r>
                 <a:rPr lang="en-US" smtClean="0"/>
-                <a:t>TERM </a:t>
-              </a:r>
-              <a:r>
-                <a:rPr lang="en-US" smtClean="0"/>
-                <a:t>VECTOR</a:t>
+                <a:t>TERM VECTOR</a:t>
               </a:r>
               <a:endParaRPr lang="en-US"/>
             </a:p>
@@ -10965,11 +10589,7 @@
               <a:pPr algn="ctr"/>
               <a:r>
                 <a:rPr lang="en-US" smtClean="0"/>
-                <a:t>Contradition </a:t>
-              </a:r>
-              <a:r>
-                <a:rPr lang="en-US" smtClean="0"/>
-                <a:t>deduction</a:t>
+                <a:t>Contradition deduction</a:t>
               </a:r>
               <a:endParaRPr lang="en-US"/>
             </a:p>
@@ -11559,39 +11179,7 @@
             </a:pPr>
             <a:r>
               <a:rPr lang="en-US" smtClean="0"/>
-              <a:t>∑ </a:t>
-            </a:r>
-            <a:r>
-              <a:rPr lang="en-US" smtClean="0"/>
-              <a:t>,¬F  ⊢ Ω </a:t>
-            </a:r>
-            <a:r>
-              <a:rPr lang="en-US" smtClean="0"/>
-              <a:t>, </a:t>
-            </a:r>
-            <a:r>
-              <a:rPr lang="en-US" smtClean="0"/>
-              <a:t>⊥ </a:t>
-            </a:r>
-            <a:r>
-              <a:rPr lang="en-US" smtClean="0"/>
-              <a:t>	</a:t>
-            </a:r>
-            <a:r>
-              <a:rPr lang="en-US" smtClean="0"/>
-              <a:t> =   ∑ ,¬F </a:t>
-            </a:r>
-            <a:r>
-              <a:rPr lang="en-US" smtClean="0"/>
-              <a:t>⊢ Ω</a:t>
-            </a:r>
-            <a:r>
-              <a:rPr lang="en-US" smtClean="0"/>
-              <a:t>, </a:t>
-            </a:r>
-            <a:r>
-              <a:rPr lang="en-US" smtClean="0"/>
-              <a:t>⊥, F </a:t>
+              <a:t>∑ ,¬F  ⊢ Ω , ⊥ 	 =   ∑ ,¬F ⊢ Ω, ⊥, F </a:t>
             </a:r>
           </a:p>
           <a:p>
@@ -11601,59 +11189,7 @@
             </a:pPr>
             <a:r>
               <a:rPr lang="en-US" smtClean="0"/>
-              <a:t>∑ </a:t>
-            </a:r>
-            <a:r>
-              <a:rPr lang="en-US" smtClean="0"/>
-              <a:t>,</a:t>
-            </a:r>
-            <a:r>
-              <a:rPr lang="en-US" smtClean="0"/>
-              <a:t>A </a:t>
-            </a:r>
-            <a:r>
-              <a:rPr lang="en-US" smtClean="0"/>
-              <a:t>∨ B  </a:t>
-            </a:r>
-            <a:r>
-              <a:rPr lang="en-US" smtClean="0"/>
-              <a:t>⊢ Ω </a:t>
-            </a:r>
-            <a:r>
-              <a:rPr lang="en-US" smtClean="0"/>
-              <a:t>, </a:t>
-            </a:r>
-            <a:r>
-              <a:rPr lang="en-US" smtClean="0"/>
-              <a:t>⊥     =   </a:t>
-            </a:r>
-            <a:r>
-              <a:rPr lang="en-US" smtClean="0"/>
-              <a:t>∑ </a:t>
-            </a:r>
-            <a:r>
-              <a:rPr lang="en-US" smtClean="0"/>
-              <a:t>,</a:t>
-            </a:r>
-            <a:r>
-              <a:rPr lang="en-US" smtClean="0"/>
-              <a:t>A ∨ B </a:t>
-            </a:r>
-            <a:r>
-              <a:rPr lang="en-US" smtClean="0"/>
-              <a:t>⊢ Ω</a:t>
-            </a:r>
-            <a:r>
-              <a:rPr lang="en-US" smtClean="0"/>
-              <a:t>, </a:t>
-            </a:r>
-            <a:r>
-              <a:rPr lang="en-US" smtClean="0"/>
-              <a:t>⊥, </a:t>
-            </a:r>
-            <a:r>
-              <a:rPr lang="en-US" smtClean="0"/>
-              <a:t>¬ A</a:t>
+              <a:t>∑ ,A ∨ B  ⊢ Ω , ⊥     =   ∑ ,A ∨ B ⊢ Ω, ⊥, ¬ A</a:t>
             </a:r>
           </a:p>
           <a:p>
@@ -11663,31 +11199,7 @@
             </a:pPr>
             <a:r>
               <a:rPr lang="en-US" smtClean="0"/>
-              <a:t>∑ ,A  → B  ⊢ Ω </a:t>
-            </a:r>
-            <a:r>
-              <a:rPr lang="en-US" smtClean="0"/>
-              <a:t>, </a:t>
-            </a:r>
-            <a:r>
-              <a:rPr lang="en-US" smtClean="0"/>
-              <a:t>⊥   =   </a:t>
-            </a:r>
-            <a:r>
-              <a:rPr lang="en-US" smtClean="0"/>
-              <a:t>∑ ,A → B ⊢ Ω</a:t>
-            </a:r>
-            <a:r>
-              <a:rPr lang="en-US" smtClean="0"/>
-              <a:t>, </a:t>
-            </a:r>
-            <a:r>
-              <a:rPr lang="en-US" smtClean="0"/>
-              <a:t>⊥,  </a:t>
-            </a:r>
-            <a:r>
-              <a:rPr lang="en-US" smtClean="0"/>
-              <a:t>A</a:t>
+              <a:t>∑ ,A  → B  ⊢ Ω , ⊥   =   ∑ ,A → B ⊢ Ω, ⊥,  A</a:t>
             </a:r>
             <a:endParaRPr lang="en-US"/>
           </a:p>
@@ -11870,11 +11382,7 @@
               <a:pPr algn="ctr"/>
               <a:r>
                 <a:rPr lang="en-US" smtClean="0"/>
-                <a:t>TERM </a:t>
-              </a:r>
-              <a:r>
-                <a:rPr lang="en-US" smtClean="0"/>
-                <a:t>VECTOR</a:t>
+                <a:t>TERM VECTOR</a:t>
               </a:r>
               <a:endParaRPr lang="en-US"/>
             </a:p>
@@ -11982,11 +11490,7 @@
               <a:pPr algn="ctr"/>
               <a:r>
                 <a:rPr lang="en-US" smtClean="0"/>
-                <a:t>Contradition </a:t>
-              </a:r>
-              <a:r>
-                <a:rPr lang="en-US" smtClean="0"/>
-                <a:t>deduction</a:t>
+                <a:t>Contradition deduction</a:t>
               </a:r>
               <a:endParaRPr lang="en-US"/>
             </a:p>
@@ -12571,13 +12075,8 @@
             </a:pPr>
             <a:r>
               <a:rPr lang="en-US" sz="3600" smtClean="0"/>
-              <a:t>If goal is a term</a:t>
+              <a:t>If goal is a term: </a:t>
             </a:r>
-            <a:r>
-              <a:rPr lang="en-US" sz="3600" smtClean="0"/>
-              <a:t>: </a:t>
-            </a:r>
-            <a:endParaRPr lang="en-US" sz="3600" smtClean="0"/>
           </a:p>
           <a:p>
             <a:pPr lvl="1">
@@ -12592,17 +12091,8 @@
           <a:p>
             <a:r>
               <a:rPr lang="en-US" smtClean="0"/>
-              <a:t>If goal is </a:t>
+              <a:t>If goal is a contradiction:</a:t>
             </a:r>
-            <a:r>
-              <a:rPr lang="en-US" smtClean="0"/>
-              <a:t>a </a:t>
-            </a:r>
-            <a:r>
-              <a:rPr lang="en-US" smtClean="0"/>
-              <a:t>contradiction:</a:t>
-            </a:r>
-            <a:endParaRPr lang="en-US" smtClean="0"/>
           </a:p>
           <a:p>
             <a:pPr lvl="1">
@@ -12611,17 +12101,8 @@
             </a:pPr>
             <a:r>
               <a:rPr lang="en-US" smtClean="0"/>
-              <a:t>Unification  ( A</a:t>
+              <a:t>Unification  ( A, ¬ A)</a:t>
             </a:r>
-            <a:r>
-              <a:rPr lang="en-US" smtClean="0"/>
-              <a:t>, </a:t>
-            </a:r>
-            <a:r>
-              <a:rPr lang="en-US" smtClean="0"/>
-              <a:t>¬ A)</a:t>
-            </a:r>
-            <a:endParaRPr lang="en-US" smtClean="0"/>
           </a:p>
         </p:txBody>
       </p:sp>
@@ -12802,11 +12283,7 @@
               <a:pPr algn="ctr"/>
               <a:r>
                 <a:rPr lang="en-US" smtClean="0"/>
-                <a:t>TERM </a:t>
-              </a:r>
-              <a:r>
-                <a:rPr lang="en-US" smtClean="0"/>
-                <a:t>VECTOR</a:t>
+                <a:t>TERM VECTOR</a:t>
               </a:r>
               <a:endParaRPr lang="en-US"/>
             </a:p>
@@ -12914,11 +12391,7 @@
               <a:pPr algn="ctr"/>
               <a:r>
                 <a:rPr lang="en-US" smtClean="0"/>
-                <a:t>Contradition </a:t>
-              </a:r>
-              <a:r>
-                <a:rPr lang="en-US" smtClean="0"/>
-                <a:t>deduction</a:t>
+                <a:t>Contradition deduction</a:t>
               </a:r>
               <a:endParaRPr lang="en-US"/>
             </a:p>
@@ -13505,17 +12978,8 @@
           <a:p>
             <a:r>
               <a:rPr lang="en-US" smtClean="0"/>
-              <a:t>Update Goal_list </a:t>
+              <a:t>Update Goal_list and Proof_list</a:t>
             </a:r>
-            <a:r>
-              <a:rPr lang="en-US" smtClean="0"/>
-              <a:t>and </a:t>
-            </a:r>
-            <a:r>
-              <a:rPr lang="en-US" smtClean="0"/>
-              <a:t>Proof_list</a:t>
-            </a:r>
-            <a:endParaRPr lang="en-US" smtClean="0"/>
           </a:p>
           <a:p>
             <a:pPr lvl="1">
@@ -13536,7 +13000,6 @@
               <a:rPr lang="en-US" smtClean="0"/>
               <a:t>Delete all assumption </a:t>
             </a:r>
-            <a:endParaRPr lang="en-US" smtClean="0"/>
           </a:p>
         </p:txBody>
       </p:sp>
@@ -14147,11 +13610,7 @@
               <a:pPr algn="ctr"/>
               <a:r>
                 <a:rPr lang="en-US" smtClean="0"/>
-                <a:t>TERM </a:t>
-              </a:r>
-              <a:r>
-                <a:rPr lang="en-US" smtClean="0"/>
-                <a:t>VECTOR</a:t>
+                <a:t>TERM VECTOR</a:t>
               </a:r>
               <a:endParaRPr lang="en-US"/>
             </a:p>
@@ -14259,11 +13718,7 @@
               <a:pPr algn="ctr"/>
               <a:r>
                 <a:rPr lang="en-US" smtClean="0"/>
-                <a:t>Contradition </a:t>
-              </a:r>
-              <a:r>
-                <a:rPr lang="en-US" smtClean="0"/>
-                <a:t>deduction</a:t>
+                <a:t>Contradition deduction</a:t>
               </a:r>
               <a:endParaRPr lang="en-US"/>
             </a:p>
@@ -14826,19 +14281,7 @@
             </a:pPr>
             <a:r>
               <a:rPr lang="en-US" smtClean="0"/>
-              <a:t>Introduction </a:t>
-            </a:r>
-            <a:r>
-              <a:rPr lang="en-US" smtClean="0"/>
-              <a:t>or </a:t>
-            </a:r>
-            <a:r>
-              <a:rPr lang="en-US" smtClean="0"/>
-              <a:t>⊥ </a:t>
-            </a:r>
-            <a:r>
-              <a:rPr lang="en-US" smtClean="0"/>
-              <a:t>deduction </a:t>
+              <a:t>Introduction or ⊥ deduction </a:t>
             </a:r>
           </a:p>
           <a:p>
@@ -14878,15 +14321,7 @@
             </a:pPr>
             <a:r>
               <a:rPr lang="en-US" smtClean="0"/>
-              <a:t>Else </a:t>
-            </a:r>
-            <a:r>
-              <a:rPr lang="en-US" smtClean="0"/>
-              <a:t>call </a:t>
-            </a:r>
-            <a:r>
-              <a:rPr lang="en-US" smtClean="0"/>
-              <a:t>Rule Apply , go to 2</a:t>
+              <a:t>Else call Rule Apply , go to 2</a:t>
             </a:r>
             <a:endParaRPr lang="en-US"/>
           </a:p>
@@ -14975,23 +14410,14 @@
           <a:p>
             <a:r>
               <a:rPr lang="en-US" smtClean="0"/>
-              <a:t>Quantifier  </a:t>
-            </a:r>
-            <a:r>
-              <a:rPr lang="en-US" smtClean="0"/>
-              <a:t>(variable depend or not)</a:t>
+              <a:t>Quantifier  (variable depend or not)</a:t>
             </a:r>
           </a:p>
           <a:p>
             <a:r>
               <a:rPr lang="en-US" smtClean="0"/>
-              <a:t>Rule </a:t>
+              <a:t>Rule Order</a:t>
             </a:r>
-            <a:r>
-              <a:rPr lang="en-US" smtClean="0"/>
-              <a:t>Order</a:t>
-            </a:r>
-            <a:endParaRPr lang="en-US" smtClean="0"/>
           </a:p>
           <a:p>
             <a:r>
@@ -15121,35 +14547,7 @@
             </a:pPr>
             <a:r>
               <a:rPr lang="en-US" smtClean="0"/>
-              <a:t>{ F </a:t>
-            </a:r>
-            <a:r>
-              <a:rPr lang="en-US" smtClean="0"/>
-              <a:t>→ </a:t>
-            </a:r>
-            <a:r>
-              <a:rPr lang="en-US" smtClean="0"/>
-              <a:t>G , </a:t>
-            </a:r>
-            <a:r>
-              <a:rPr lang="en-US" smtClean="0"/>
-              <a:t>F→ </a:t>
-            </a:r>
-            <a:r>
-              <a:rPr lang="en-US" smtClean="0"/>
-              <a:t>¬</a:t>
-            </a:r>
-            <a:r>
-              <a:rPr lang="en-US" smtClean="0"/>
-              <a:t>G , F}</a:t>
-            </a:r>
-            <a:r>
-              <a:rPr lang="en-US" smtClean="0"/>
-              <a:t>	</a:t>
-            </a:r>
-            <a:r>
-              <a:rPr lang="en-US" smtClean="0"/>
-              <a:t>		{¬F , ⊥}  	(⊥)</a:t>
+              <a:t>{ F → G , F→ ¬G , F}			{¬F , ⊥}  	(⊥)</a:t>
             </a:r>
           </a:p>
           <a:p>
@@ -15160,7 +14558,6 @@
               <a:rPr lang="en-US" smtClean="0"/>
               <a:t>{ F → G , F→ ¬G , F , G , ¬G , ⊥}	{¬F , ⊥}  	(e)</a:t>
             </a:r>
-            <a:endParaRPr lang="en-US" smtClean="0"/>
           </a:p>
           <a:p>
             <a:pPr lvl="1">
@@ -15168,31 +14565,7 @@
             </a:pPr>
             <a:r>
               <a:rPr lang="en-US" smtClean="0"/>
-              <a:t>{ F → G , F→ ¬G , F , G , </a:t>
-            </a:r>
-            <a:r>
-              <a:rPr lang="en-US" smtClean="0"/>
-              <a:t>¬</a:t>
-            </a:r>
-            <a:r>
-              <a:rPr lang="en-US" smtClean="0"/>
-              <a:t>G , ⊥}</a:t>
-            </a:r>
-            <a:r>
-              <a:rPr lang="en-US" smtClean="0"/>
-              <a:t>	</a:t>
-            </a:r>
-            <a:r>
-              <a:rPr lang="en-US" smtClean="0"/>
-              <a:t>{¬</a:t>
-            </a:r>
-            <a:r>
-              <a:rPr lang="en-US" smtClean="0"/>
-              <a:t>F </a:t>
-            </a:r>
-            <a:r>
-              <a:rPr lang="en-US" smtClean="0"/>
-              <a:t>}		(m)</a:t>
+              <a:t>{ F → G , F→ ¬G , F , G , ¬G , ⊥}	{¬F }		(m)</a:t>
             </a:r>
           </a:p>
           <a:p>
@@ -15201,39 +14574,7 @@
             </a:pPr>
             <a:r>
               <a:rPr lang="en-US" smtClean="0"/>
-              <a:t>{ F → G , F→ </a:t>
-            </a:r>
-            <a:r>
-              <a:rPr lang="en-US" smtClean="0"/>
-              <a:t>¬</a:t>
-            </a:r>
-            <a:r>
-              <a:rPr lang="en-US" smtClean="0"/>
-              <a:t>G}</a:t>
-            </a:r>
-            <a:r>
-              <a:rPr lang="en-US" smtClean="0"/>
-              <a:t>	</a:t>
-            </a:r>
-            <a:r>
-              <a:rPr lang="en-US" smtClean="0"/>
-              <a:t> </a:t>
-            </a:r>
-            <a:r>
-              <a:rPr lang="en-US" smtClean="0"/>
-              <a:t>		{¬</a:t>
-            </a:r>
-            <a:r>
-              <a:rPr lang="en-US" smtClean="0"/>
-              <a:t>F }</a:t>
-            </a:r>
-            <a:r>
-              <a:rPr lang="en-US" smtClean="0"/>
-              <a:t>	</a:t>
-            </a:r>
-            <a:r>
-              <a:rPr lang="en-US" smtClean="0"/>
-              <a:t>	(i)</a:t>
+              <a:t>{ F → G , F→ ¬G}	 		{¬F }		(i)</a:t>
             </a:r>
             <a:endParaRPr lang="en-US"/>
           </a:p>
@@ -15322,15 +14663,7 @@
           <a:p>
             <a:r>
               <a:rPr lang="en-US" smtClean="0"/>
-              <a:t>∀x (p(x)→q(x)), ∃x p(x)├─ ∃x </a:t>
-            </a:r>
-            <a:r>
-              <a:rPr lang="en-US" smtClean="0"/>
-              <a:t>q(x</a:t>
-            </a:r>
-            <a:r>
-              <a:rPr lang="en-US" smtClean="0"/>
-              <a:t>)</a:t>
+              <a:t>∀x (p(x)→q(x)), ∃x p(x)├─ ∃x q(x)</a:t>
             </a:r>
           </a:p>
           <a:p>
@@ -15339,35 +14672,7 @@
             </a:pPr>
             <a:r>
               <a:rPr lang="en-US" smtClean="0"/>
-              <a:t>	</a:t>
-            </a:r>
-            <a:r>
-              <a:rPr lang="en-US" smtClean="0"/>
-              <a:t>{</a:t>
-            </a:r>
-            <a:r>
-              <a:rPr lang="en-US" smtClean="0"/>
-              <a:t>∀x (p(x)→q(x)), ∃x </a:t>
-            </a:r>
-            <a:r>
-              <a:rPr lang="en-US" smtClean="0"/>
-              <a:t>p(x</a:t>
-            </a:r>
-            <a:r>
-              <a:rPr lang="en-US" smtClean="0"/>
-              <a:t>)}	{</a:t>
-            </a:r>
-            <a:r>
-              <a:rPr lang="en-US" smtClean="0"/>
-              <a:t>∃x </a:t>
-            </a:r>
-            <a:r>
-              <a:rPr lang="en-US" smtClean="0"/>
-              <a:t>q(x</a:t>
-            </a:r>
-            <a:r>
-              <a:rPr lang="en-US" smtClean="0"/>
-              <a:t>)}</a:t>
+              <a:t>	{∀x (p(x)→q(x)), ∃x p(x)}	{∃x q(x)}</a:t>
             </a:r>
           </a:p>
           <a:p>
@@ -15376,23 +14681,7 @@
             </a:pPr>
             <a:r>
               <a:rPr lang="en-US" smtClean="0"/>
-              <a:t>	</a:t>
-            </a:r>
-            <a:r>
-              <a:rPr lang="en-US" smtClean="0"/>
-              <a:t>{p(x1) → q(x1) , p(x1*), q(x1*)}</a:t>
-            </a:r>
-            <a:r>
-              <a:rPr lang="en-US" smtClean="0"/>
-              <a:t> {∃x </a:t>
-            </a:r>
-            <a:r>
-              <a:rPr lang="en-US" smtClean="0"/>
-              <a:t>q(x</a:t>
-            </a:r>
-            <a:r>
-              <a:rPr lang="en-US" smtClean="0"/>
-              <a:t>)}	(e)</a:t>
+              <a:t>	{p(x1) → q(x1) , p(x1*), q(x1*)} {∃x q(x)}	(e)</a:t>
             </a:r>
           </a:p>
           <a:p>
@@ -15401,29 +14690,8 @@
             </a:pPr>
             <a:r>
               <a:rPr lang="en-US" smtClean="0"/>
-              <a:t>	{p(x1) → q(x1) , p(x1*), q(x1</a:t>
+              <a:t>	{p(x1) → q(x1) , p(x1*), q(x1*)} {q(x2)} 	(m)</a:t>
             </a:r>
-            <a:r>
-              <a:rPr lang="en-US" smtClean="0"/>
-              <a:t>*)} </a:t>
-            </a:r>
-            <a:r>
-              <a:rPr lang="en-US" smtClean="0"/>
-              <a:t>{q(x2)}</a:t>
-            </a:r>
-            <a:r>
-              <a:rPr lang="en-US" smtClean="0"/>
-              <a:t> </a:t>
-            </a:r>
-            <a:r>
-              <a:rPr lang="en-US" smtClean="0"/>
-              <a:t>	(</a:t>
-            </a:r>
-            <a:r>
-              <a:rPr lang="en-US" smtClean="0"/>
-              <a:t>m)</a:t>
-            </a:r>
-            <a:endParaRPr lang="en-US" smtClean="0"/>
           </a:p>
           <a:p>
             <a:pPr>
@@ -15431,25 +14699,8 @@
             </a:pPr>
             <a:r>
               <a:rPr lang="en-US" smtClean="0"/>
-              <a:t>	{p(x1) → q(x1) , p(x1*), q(x1</a:t>
+              <a:t>	{p(x1) → q(x1) , p(x1*), q(x1*)} {∃x q(x)}	(i)</a:t>
             </a:r>
-            <a:r>
-              <a:rPr lang="en-US" smtClean="0"/>
-              <a:t>*)} </a:t>
-            </a:r>
-            <a:r>
-              <a:rPr lang="en-US" smtClean="0"/>
-              <a:t>{</a:t>
-            </a:r>
-            <a:r>
-              <a:rPr lang="en-US" smtClean="0"/>
-              <a:t>∃x q(x)}</a:t>
-            </a:r>
-            <a:r>
-              <a:rPr lang="en-US" smtClean="0"/>
-              <a:t>	(i)</a:t>
-            </a:r>
-            <a:endParaRPr lang="en-US" smtClean="0"/>
           </a:p>
           <a:p>
             <a:pPr>
@@ -15530,7 +14781,7 @@
         </p:nvSpPr>
         <p:spPr>
           <a:xfrm>
-            <a:off x="457200" y="1104900"/>
+            <a:off x="457200" y="952500"/>
             <a:ext cx="8229600" cy="4419600"/>
           </a:xfrm>
         </p:spPr>
@@ -15552,79 +14803,29 @@
           <a:p>
             <a:pPr lvl="2"/>
             <a:r>
-              <a:rPr lang="en-US" sz="4800" smtClean="0"/>
-              <a:t>var	</a:t>
-            </a:r>
-            <a:r>
-              <a:rPr lang="en-US" sz="4800" smtClean="0"/>
-              <a:t>	</a:t>
-            </a:r>
-            <a:r>
-              <a:rPr lang="en-US" sz="4800" smtClean="0"/>
-              <a:t>= </a:t>
-            </a:r>
-            <a:r>
-              <a:rPr lang="en-US" sz="4800" smtClean="0"/>
-              <a:t>	[abcdefghijklmnopqrstuvwxyz] {Alphanumeric}*</a:t>
+              <a:rPr lang="en-US" sz="4400" smtClean="0"/>
+              <a:t>var		= 	[abcdefghijklmnopqrstuvwxyz] {Alphanumeric}*</a:t>
             </a:r>
           </a:p>
           <a:p>
             <a:pPr lvl="2"/>
             <a:r>
-              <a:rPr lang="en-US" sz="4800" smtClean="0"/>
-              <a:t>const		= 	[ABCDEFGHIJKLMNOPQRSTUVWXYZ] {</a:t>
+              <a:rPr lang="en-US" sz="4400" smtClean="0"/>
+              <a:t>const		= 	[ABCDEFGHIJKLMNOPQRSTUVWXYZ] {Alphanumeric}*</a:t>
             </a:r>
-            <a:r>
-              <a:rPr lang="en-US" sz="4800" smtClean="0"/>
-              <a:t>Alphanumeric</a:t>
-            </a:r>
-            <a:r>
-              <a:rPr lang="en-US" sz="4800" smtClean="0"/>
-              <a:t>}*</a:t>
-            </a:r>
-            <a:endParaRPr lang="en-US" sz="4800" smtClean="0"/>
           </a:p>
           <a:p>
             <a:pPr lvl="2"/>
             <a:r>
-              <a:rPr lang="en-US" sz="4800" smtClean="0"/>
-              <a:t>&lt;source&gt;	</a:t>
+              <a:rPr lang="en-US" sz="4400" smtClean="0"/>
+              <a:t>&lt;source&gt;		::= 	&lt;formula&gt; &lt;tail&gt;  </a:t>
             </a:r>
-            <a:r>
-              <a:rPr lang="en-US" sz="4800" smtClean="0"/>
-              <a:t>	</a:t>
-            </a:r>
-            <a:r>
-              <a:rPr lang="en-US" sz="4800" smtClean="0"/>
-              <a:t>::= 	&lt;</a:t>
-            </a:r>
-            <a:r>
-              <a:rPr lang="en-US" sz="4800" smtClean="0"/>
-              <a:t>formula&gt; &lt;tail</a:t>
-            </a:r>
-            <a:r>
-              <a:rPr lang="en-US" sz="4800" smtClean="0"/>
-              <a:t>&gt;  </a:t>
-            </a:r>
-            <a:endParaRPr lang="en-US" sz="4800" smtClean="0"/>
           </a:p>
           <a:p>
             <a:pPr lvl="2"/>
             <a:r>
-              <a:rPr lang="en-US" sz="4800" smtClean="0"/>
-              <a:t>&lt;tail&gt;	</a:t>
-            </a:r>
-            <a:r>
-              <a:rPr lang="en-US" sz="4800" smtClean="0"/>
-              <a:t>	</a:t>
-            </a:r>
-            <a:r>
-              <a:rPr lang="en-US" sz="4800" smtClean="0"/>
-              <a:t>::= 	',' </a:t>
-            </a:r>
-            <a:r>
-              <a:rPr lang="en-US" sz="4800" smtClean="0"/>
-              <a:t>&lt;source&gt;  </a:t>
+              <a:rPr lang="en-US" sz="4400" smtClean="0"/>
+              <a:t>&lt;tail&gt;		::= 	',' &lt;source&gt;  </a:t>
             </a:r>
           </a:p>
           <a:p>
@@ -15632,20 +14833,8 @@
               <a:buNone/>
             </a:pPr>
             <a:r>
-              <a:rPr lang="en-US" sz="4800" smtClean="0"/>
-              <a:t>	</a:t>
-            </a:r>
-            <a:r>
-              <a:rPr lang="en-US" sz="4800" smtClean="0"/>
-              <a:t>	</a:t>
-            </a:r>
-            <a:r>
-              <a:rPr lang="en-US" sz="4800" smtClean="0"/>
-              <a:t>	|  	&lt;</a:t>
-            </a:r>
-            <a:r>
-              <a:rPr lang="en-US" sz="4800" smtClean="0"/>
-              <a:t>binary-operator&gt;&lt;source&gt;  </a:t>
+              <a:rPr lang="en-US" sz="4400" smtClean="0"/>
+              <a:t>			|  	&lt;binary-operator&gt;&lt;source&gt;  </a:t>
             </a:r>
           </a:p>
           <a:p>
@@ -15653,54 +14842,20 @@
               <a:buNone/>
             </a:pPr>
             <a:r>
-              <a:rPr lang="en-US" sz="4800" smtClean="0"/>
-              <a:t>	</a:t>
+              <a:rPr lang="en-US" sz="4400" smtClean="0"/>
+              <a:t>			|	</a:t>
             </a:r>
             <a:r>
-              <a:rPr lang="en-US" sz="4800" smtClean="0"/>
-              <a:t>	</a:t>
+              <a:rPr lang="en-US" sz="4400" smtClean="0"/>
+              <a:t>&lt;empty&gt;</a:t>
             </a:r>
-            <a:r>
-              <a:rPr lang="en-US" sz="4800" smtClean="0"/>
-              <a:t>	|	eof</a:t>
-            </a:r>
-            <a:endParaRPr lang="en-US" sz="4800" smtClean="0"/>
+            <a:endParaRPr lang="en-US" sz="4400" smtClean="0"/>
           </a:p>
           <a:p>
             <a:pPr lvl="2"/>
             <a:r>
-              <a:rPr lang="en-US" sz="4800" smtClean="0"/>
-              <a:t>&lt;formula&gt;	</a:t>
-            </a:r>
-            <a:r>
-              <a:rPr lang="en-US" sz="4800" smtClean="0"/>
-              <a:t>	</a:t>
-            </a:r>
-            <a:r>
-              <a:rPr lang="en-US" sz="4800" smtClean="0"/>
-              <a:t>::= 	const</a:t>
-            </a:r>
-            <a:endParaRPr lang="en-US" sz="4800" smtClean="0"/>
-          </a:p>
-          <a:p>
-            <a:pPr lvl="2">
-              <a:buNone/>
-            </a:pPr>
-            <a:r>
-              <a:rPr lang="en-US" sz="4800" smtClean="0"/>
-              <a:t>	</a:t>
-            </a:r>
-            <a:r>
-              <a:rPr lang="en-US" sz="4800" smtClean="0"/>
-              <a:t>	</a:t>
-            </a:r>
-            <a:r>
-              <a:rPr lang="en-US" sz="4800" smtClean="0"/>
-              <a:t>	|  	'not</a:t>
-            </a:r>
-            <a:r>
-              <a:rPr lang="en-US" sz="4800" smtClean="0"/>
-              <a:t>' &lt;formula&gt;  </a:t>
+              <a:rPr lang="en-US" sz="4400" smtClean="0"/>
+              <a:t>&lt;formula&gt;		::= 	const</a:t>
             </a:r>
           </a:p>
           <a:p>
@@ -15708,20 +14863,8 @@
               <a:buNone/>
             </a:pPr>
             <a:r>
-              <a:rPr lang="en-US" sz="4800" smtClean="0"/>
-              <a:t>	</a:t>
-            </a:r>
-            <a:r>
-              <a:rPr lang="en-US" sz="4800" smtClean="0"/>
-              <a:t>	</a:t>
-            </a:r>
-            <a:r>
-              <a:rPr lang="en-US" sz="4800" smtClean="0"/>
-              <a:t>	| 	 </a:t>
-            </a:r>
-            <a:r>
-              <a:rPr lang="en-US" sz="4800" smtClean="0"/>
-              <a:t>&lt;quantifier&gt; &lt;formula&gt; </a:t>
+              <a:rPr lang="en-US" sz="4400" smtClean="0"/>
+              <a:t>			|  	'not' &lt;formula&gt;  </a:t>
             </a:r>
           </a:p>
           <a:p>
@@ -15729,20 +14872,8 @@
               <a:buNone/>
             </a:pPr>
             <a:r>
-              <a:rPr lang="en-US" sz="4800" smtClean="0"/>
-              <a:t>	</a:t>
-            </a:r>
-            <a:r>
-              <a:rPr lang="en-US" sz="4800" smtClean="0"/>
-              <a:t>	</a:t>
-            </a:r>
-            <a:r>
-              <a:rPr lang="en-US" sz="4800" smtClean="0"/>
-              <a:t>	| 	con </a:t>
-            </a:r>
-            <a:r>
-              <a:rPr lang="en-US" sz="4800" smtClean="0"/>
-              <a:t>&lt;argument-list&gt; </a:t>
+              <a:rPr lang="en-US" sz="4400" smtClean="0"/>
+              <a:t>			| 	 &lt;quantifier&gt; &lt;formula&gt; </a:t>
             </a:r>
           </a:p>
           <a:p>
@@ -15750,20 +14881,8 @@
               <a:buNone/>
             </a:pPr>
             <a:r>
-              <a:rPr lang="en-US" sz="4800" smtClean="0"/>
-              <a:t>	</a:t>
-            </a:r>
-            <a:r>
-              <a:rPr lang="en-US" sz="4800" smtClean="0"/>
-              <a:t>	</a:t>
-            </a:r>
-            <a:r>
-              <a:rPr lang="en-US" sz="4800" smtClean="0"/>
-              <a:t>	| 	var </a:t>
-            </a:r>
-            <a:r>
-              <a:rPr lang="en-US" sz="4800" smtClean="0"/>
-              <a:t>&lt;argument-list&gt;</a:t>
+              <a:rPr lang="en-US" sz="4400" smtClean="0"/>
+              <a:t>			| 	con &lt;argument-list&gt; </a:t>
             </a:r>
           </a:p>
           <a:p>
@@ -15771,140 +14890,8 @@
               <a:buNone/>
             </a:pPr>
             <a:r>
-              <a:rPr lang="en-US" sz="4800" smtClean="0"/>
-              <a:t>	</a:t>
-            </a:r>
-            <a:r>
-              <a:rPr lang="en-US" sz="4800" smtClean="0"/>
-              <a:t>	</a:t>
-            </a:r>
-            <a:r>
-              <a:rPr lang="en-US" sz="4800" smtClean="0"/>
-              <a:t>	|	'(' </a:t>
-            </a:r>
-            <a:r>
-              <a:rPr lang="en-US" sz="4800" smtClean="0"/>
-              <a:t>&lt;source</a:t>
-            </a:r>
-            <a:r>
-              <a:rPr lang="en-US" sz="4800" smtClean="0"/>
-              <a:t>&gt; </a:t>
-            </a:r>
-            <a:r>
-              <a:rPr lang="en-US" sz="4800" smtClean="0"/>
-              <a:t>')’</a:t>
-            </a:r>
-            <a:endParaRPr lang="en-US" sz="4800" smtClean="0"/>
-          </a:p>
-          <a:p>
-            <a:pPr lvl="2"/>
-            <a:r>
-              <a:rPr lang="en-US" sz="4800" smtClean="0"/>
-              <a:t>&lt;argument-list&gt;</a:t>
-            </a:r>
-            <a:r>
-              <a:rPr lang="en-US" sz="4800" smtClean="0"/>
-              <a:t>	</a:t>
-            </a:r>
-            <a:r>
-              <a:rPr lang="en-US" sz="4800" smtClean="0"/>
-              <a:t>::=	'(' </a:t>
-            </a:r>
-            <a:r>
-              <a:rPr lang="en-US" sz="4800" smtClean="0"/>
-              <a:t>&lt;arg&gt; &lt;arg-tail</a:t>
-            </a:r>
-            <a:r>
-              <a:rPr lang="en-US" sz="4800" smtClean="0"/>
-              <a:t>&gt; </a:t>
-            </a:r>
-            <a:endParaRPr lang="en-US" sz="4800" smtClean="0"/>
-          </a:p>
-          <a:p>
-            <a:pPr lvl="2"/>
-            <a:r>
-              <a:rPr lang="en-US" sz="4800" smtClean="0"/>
-              <a:t>&lt;arg-tail&gt; 	</a:t>
-            </a:r>
-            <a:r>
-              <a:rPr lang="en-US" sz="4800" smtClean="0"/>
-              <a:t>	</a:t>
-            </a:r>
-            <a:r>
-              <a:rPr lang="en-US" sz="4800" smtClean="0"/>
-              <a:t>::= 	‘,'&lt;</a:t>
-            </a:r>
-            <a:r>
-              <a:rPr lang="en-US" sz="4800" smtClean="0"/>
-              <a:t>arg&gt;&lt;arg-tail</a:t>
-            </a:r>
-            <a:r>
-              <a:rPr lang="en-US" sz="4800" smtClean="0"/>
-              <a:t>&gt; </a:t>
-            </a:r>
-            <a:endParaRPr lang="en-US" sz="4800" smtClean="0"/>
-          </a:p>
-          <a:p>
-            <a:pPr lvl="2">
-              <a:buNone/>
-            </a:pPr>
-            <a:r>
-              <a:rPr lang="en-US" sz="4800" smtClean="0"/>
-              <a:t>			| 	 ')’</a:t>
-            </a:r>
-            <a:endParaRPr lang="en-US" sz="4800" smtClean="0"/>
-          </a:p>
-          <a:p>
-            <a:pPr lvl="2"/>
-            <a:r>
-              <a:rPr lang="en-US" sz="4800" smtClean="0"/>
-              <a:t>&lt;arg&gt; 	</a:t>
-            </a:r>
-            <a:r>
-              <a:rPr lang="en-US" sz="4800" smtClean="0"/>
-              <a:t>	</a:t>
-            </a:r>
-            <a:r>
-              <a:rPr lang="en-US" sz="4800" smtClean="0"/>
-              <a:t>::= 	var</a:t>
-            </a:r>
-            <a:endParaRPr lang="en-US" sz="4800" smtClean="0"/>
-          </a:p>
-          <a:p>
-            <a:pPr lvl="2">
-              <a:buNone/>
-            </a:pPr>
-            <a:r>
-              <a:rPr lang="en-US" sz="4800" smtClean="0"/>
-              <a:t>	</a:t>
-            </a:r>
-            <a:r>
-              <a:rPr lang="en-US" sz="4800" smtClean="0"/>
-              <a:t>	</a:t>
-            </a:r>
-            <a:r>
-              <a:rPr lang="en-US" sz="4800" smtClean="0"/>
-              <a:t>	|	 con</a:t>
-            </a:r>
-            <a:endParaRPr lang="en-US" sz="4800" smtClean="0"/>
-          </a:p>
-          <a:p>
-            <a:pPr lvl="2"/>
-            <a:r>
-              <a:rPr lang="en-US" sz="4800" smtClean="0"/>
-              <a:t>&lt;binary-operator&gt; 	</a:t>
-            </a:r>
-            <a:r>
-              <a:rPr lang="en-US" sz="4800" smtClean="0"/>
-              <a:t>::= </a:t>
-            </a:r>
-            <a:r>
-              <a:rPr lang="en-US" sz="4800" smtClean="0"/>
-              <a:t>	'and</a:t>
-            </a:r>
-            <a:r>
-              <a:rPr lang="en-US" sz="4800" smtClean="0"/>
-              <a:t>' </a:t>
+              <a:rPr lang="en-US" sz="4400" smtClean="0"/>
+              <a:t>			| 	var &lt;argument-list&gt;</a:t>
             </a:r>
           </a:p>
           <a:p>
@@ -15912,20 +14899,22 @@
               <a:buNone/>
             </a:pPr>
             <a:r>
-              <a:rPr lang="en-US" sz="4800" smtClean="0"/>
-              <a:t>	</a:t>
+              <a:rPr lang="en-US" sz="4400" smtClean="0"/>
+              <a:t>			|	'(' &lt;source&gt; ')’</a:t>
             </a:r>
+          </a:p>
+          <a:p>
+            <a:pPr lvl="2"/>
             <a:r>
-              <a:rPr lang="en-US" sz="4800" smtClean="0"/>
-              <a:t>	</a:t>
+              <a:rPr lang="en-US" sz="4400" smtClean="0"/>
+              <a:t>&lt;argument-list&gt;	::=	'(' &lt;arg&gt; &lt;arg-tail&gt; </a:t>
             </a:r>
+          </a:p>
+          <a:p>
+            <a:pPr lvl="2"/>
             <a:r>
-              <a:rPr lang="en-US" sz="4800" smtClean="0"/>
-              <a:t>	| 	'or</a:t>
-            </a:r>
-            <a:r>
-              <a:rPr lang="en-US" sz="4800" smtClean="0"/>
-              <a:t>' </a:t>
+              <a:rPr lang="en-US" sz="4400" smtClean="0"/>
+              <a:t>&lt;arg-tail&gt; 		::= 	‘,'&lt;arg&gt;&lt;arg-tail&gt; </a:t>
             </a:r>
           </a:p>
           <a:p>
@@ -15933,36 +14922,15 @@
               <a:buNone/>
             </a:pPr>
             <a:r>
-              <a:rPr lang="en-US" sz="4800" smtClean="0"/>
-              <a:t>	</a:t>
+              <a:rPr lang="en-US" sz="4400" smtClean="0"/>
+              <a:t>			| 	 ')’</a:t>
             </a:r>
-            <a:r>
-              <a:rPr lang="en-US" sz="4800" smtClean="0"/>
-              <a:t>	</a:t>
-            </a:r>
-            <a:r>
-              <a:rPr lang="en-US" sz="4800" smtClean="0"/>
-              <a:t>	| 	'modus’</a:t>
-            </a:r>
-            <a:endParaRPr lang="en-US" sz="4800" smtClean="0"/>
           </a:p>
           <a:p>
             <a:pPr lvl="2"/>
             <a:r>
-              <a:rPr lang="en-US" sz="4800" smtClean="0"/>
-              <a:t>&lt;quantifier&gt; </a:t>
-            </a:r>
-            <a:r>
-              <a:rPr lang="en-US" sz="4800" smtClean="0"/>
-              <a:t>	</a:t>
-            </a:r>
-            <a:r>
-              <a:rPr lang="en-US" sz="4800" smtClean="0"/>
-              <a:t>::=   	'all</a:t>
-            </a:r>
-            <a:r>
-              <a:rPr lang="en-US" sz="4800" smtClean="0"/>
-              <a:t>' var  </a:t>
+              <a:rPr lang="en-US" sz="4400" smtClean="0"/>
+              <a:t>&lt;arg&gt; 		::= 	var</a:t>
             </a:r>
           </a:p>
           <a:p>
@@ -15970,22 +14938,130 @@
               <a:buNone/>
             </a:pPr>
             <a:r>
-              <a:rPr lang="en-US" sz="4800" smtClean="0"/>
+              <a:rPr lang="en-US" sz="4400" smtClean="0"/>
+              <a:t>			|	 </a:t>
+            </a:r>
+            <a:r>
+              <a:rPr lang="en-US" sz="4400" smtClean="0"/>
+              <a:t>con</a:t>
+            </a:r>
+          </a:p>
+          <a:p>
+            <a:pPr lvl="2">
+              <a:buNone/>
+            </a:pPr>
+            <a:r>
+              <a:rPr lang="en-US" sz="4400" smtClean="0"/>
               <a:t>	</a:t>
             </a:r>
             <a:r>
-              <a:rPr lang="en-US" sz="4800" smtClean="0"/>
+              <a:rPr lang="en-US" sz="4400" smtClean="0"/>
               <a:t>	</a:t>
             </a:r>
             <a:r>
-              <a:rPr lang="en-US" sz="4800" smtClean="0"/>
-              <a:t>	| 	 </a:t>
+              <a:rPr lang="en-US" sz="4400" smtClean="0"/>
+              <a:t>	</a:t>
             </a:r>
             <a:r>
-              <a:rPr lang="en-US" sz="4800" smtClean="0"/>
-              <a:t>'exists' var</a:t>
+              <a:rPr lang="en-US" sz="4400" smtClean="0"/>
+              <a:t>|	var </a:t>
             </a:r>
-            <a:endParaRPr lang="en-US" sz="4800" smtClean="0"/>
+            <a:r>
+              <a:rPr lang="en-US" sz="4400" smtClean="0"/>
+              <a:t>&lt;</a:t>
+            </a:r>
+            <a:r>
+              <a:rPr lang="en-US" sz="4400" smtClean="0"/>
+              <a:t>argument-list</a:t>
+            </a:r>
+            <a:r>
+              <a:rPr lang="en-US" sz="4400" smtClean="0"/>
+              <a:t>&gt;</a:t>
+            </a:r>
+          </a:p>
+          <a:p>
+            <a:pPr lvl="2">
+              <a:buNone/>
+            </a:pPr>
+            <a:r>
+              <a:rPr lang="en-US" sz="4400" smtClean="0"/>
+              <a:t>	</a:t>
+            </a:r>
+            <a:r>
+              <a:rPr lang="en-US" sz="4400" smtClean="0"/>
+              <a:t>		|	'not</a:t>
+            </a:r>
+            <a:r>
+              <a:rPr lang="en-US" sz="4400" smtClean="0"/>
+              <a:t>' &lt;</a:t>
+            </a:r>
+            <a:r>
+              <a:rPr lang="en-US" sz="4400" smtClean="0"/>
+              <a:t>formula</a:t>
+            </a:r>
+            <a:r>
+              <a:rPr lang="en-US" sz="4400" smtClean="0"/>
+              <a:t>&gt;</a:t>
+            </a:r>
+          </a:p>
+          <a:p>
+            <a:pPr lvl="2">
+              <a:buNone/>
+            </a:pPr>
+            <a:r>
+              <a:rPr lang="en-US" sz="4400" smtClean="0"/>
+              <a:t>	</a:t>
+            </a:r>
+            <a:r>
+              <a:rPr lang="en-US" sz="4400" smtClean="0"/>
+              <a:t>		 |	&lt;</a:t>
+            </a:r>
+            <a:r>
+              <a:rPr lang="en-US" sz="4400" smtClean="0"/>
+              <a:t>quantifier&gt; &lt;formula&gt;</a:t>
+            </a:r>
+            <a:endParaRPr lang="en-US" sz="4400" smtClean="0"/>
+          </a:p>
+          <a:p>
+            <a:pPr lvl="2"/>
+            <a:r>
+              <a:rPr lang="en-US" sz="4400" smtClean="0"/>
+              <a:t>&lt;binary-operator&gt; 	::= 	'and' </a:t>
+            </a:r>
+          </a:p>
+          <a:p>
+            <a:pPr lvl="2">
+              <a:buNone/>
+            </a:pPr>
+            <a:r>
+              <a:rPr lang="en-US" sz="4400" smtClean="0"/>
+              <a:t>			| 	'or' </a:t>
+            </a:r>
+          </a:p>
+          <a:p>
+            <a:pPr lvl="2">
+              <a:buNone/>
+            </a:pPr>
+            <a:r>
+              <a:rPr lang="en-US" sz="4400" smtClean="0"/>
+              <a:t>			| 	'modus’</a:t>
+            </a:r>
+          </a:p>
+          <a:p>
+            <a:pPr lvl="2"/>
+            <a:r>
+              <a:rPr lang="en-US" sz="4400" smtClean="0"/>
+              <a:t>&lt;quantifier&gt; 	::=   	'all' var  </a:t>
+            </a:r>
+          </a:p>
+          <a:p>
+            <a:pPr lvl="2">
+              <a:buNone/>
+            </a:pPr>
+            <a:r>
+              <a:rPr lang="en-US" sz="4400" smtClean="0"/>
+              <a:t>			| 	 'exists' var</a:t>
+            </a:r>
           </a:p>
           <a:p>
             <a:pPr lvl="1">
@@ -16106,15 +15182,7 @@
             </a:pPr>
             <a:r>
               <a:rPr lang="en-US" smtClean="0"/>
-              <a:t>P(T) , all x  ( P(x) → Q(x) ) </a:t>
-            </a:r>
-            <a:r>
-              <a:rPr lang="en-US" smtClean="0"/>
-              <a:t> </a:t>
-            </a:r>
-            <a:r>
-              <a:rPr lang="en-US" smtClean="0"/>
-              <a:t>├─ Q(T)</a:t>
+              <a:t>P(T) , all x  ( P(x) → Q(x) )  ├─ Q(T)</a:t>
             </a:r>
           </a:p>
           <a:p>
@@ -16169,7 +15237,7 @@
         </p:nvSpPr>
         <p:spPr>
           <a:xfrm>
-            <a:off x="2667000" y="3009900"/>
+            <a:off x="2667000" y="2933700"/>
             <a:ext cx="457200" cy="369332"/>
           </a:xfrm>
           <a:prstGeom prst="rect">
@@ -16449,13 +15517,15 @@
       <p:cxnSp>
         <p:nvCxnSpPr>
           <p:cNvPr id="26" name="Straight Arrow Connector 25"/>
-          <p:cNvCxnSpPr/>
+          <p:cNvCxnSpPr>
+            <a:endCxn id="7" idx="0"/>
+          </p:cNvCxnSpPr>
           <p:nvPr/>
         </p:nvCxnSpPr>
         <p:spPr>
           <a:xfrm rot="10800000" flipV="1">
-            <a:off x="1676400" y="3314700"/>
-            <a:ext cx="990600" cy="228600"/>
+            <a:off x="1905000" y="3314700"/>
+            <a:ext cx="762000" cy="304800"/>
           </a:xfrm>
           <a:prstGeom prst="straightConnector1">
             <a:avLst/>
@@ -16482,13 +15552,15 @@
       <p:cxnSp>
         <p:nvCxnSpPr>
           <p:cNvPr id="27" name="Straight Arrow Connector 26"/>
-          <p:cNvCxnSpPr/>
+          <p:cNvCxnSpPr>
+            <a:endCxn id="8" idx="0"/>
+          </p:cNvCxnSpPr>
           <p:nvPr/>
         </p:nvCxnSpPr>
         <p:spPr>
           <a:xfrm rot="10800000" flipV="1">
-            <a:off x="2438400" y="3390900"/>
-            <a:ext cx="381000" cy="228600"/>
+            <a:off x="2514600" y="3314700"/>
+            <a:ext cx="381000" cy="304800"/>
           </a:xfrm>
           <a:prstGeom prst="straightConnector1">
             <a:avLst/>
@@ -16520,8 +15592,8 @@
         </p:nvCxnSpPr>
         <p:spPr>
           <a:xfrm rot="16200000" flipH="1">
-            <a:off x="3009900" y="3429000"/>
-            <a:ext cx="228600" cy="152400"/>
+            <a:off x="2971800" y="3390900"/>
+            <a:ext cx="304800" cy="152400"/>
           </a:xfrm>
           <a:prstGeom prst="straightConnector1">
             <a:avLst/>
@@ -16587,39 +15659,6 @@
         <p:spPr>
           <a:xfrm rot="5400000">
             <a:off x="3925094" y="4190206"/>
-            <a:ext cx="228600" cy="1588"/>
-          </a:xfrm>
-          <a:prstGeom prst="straightConnector1">
-            <a:avLst/>
-          </a:prstGeom>
-          <a:ln>
-            <a:tailEnd type="arrow"/>
-          </a:ln>
-        </p:spPr>
-        <p:style>
-          <a:lnRef idx="1">
-            <a:schemeClr val="accent1"/>
-          </a:lnRef>
-          <a:fillRef idx="0">
-            <a:schemeClr val="accent1"/>
-          </a:fillRef>
-          <a:effectRef idx="0">
-            <a:schemeClr val="accent1"/>
-          </a:effectRef>
-          <a:fontRef idx="minor">
-            <a:schemeClr val="tx1"/>
-          </a:fontRef>
-        </p:style>
-      </p:cxnSp>
-      <p:cxnSp>
-        <p:nvCxnSpPr>
-          <p:cNvPr id="35" name="Straight Arrow Connector 34"/>
-          <p:cNvCxnSpPr/>
-          <p:nvPr/>
-        </p:nvCxnSpPr>
-        <p:spPr>
-          <a:xfrm rot="5400000">
-            <a:off x="5677694" y="3961606"/>
             <a:ext cx="228600" cy="1588"/>
           </a:xfrm>
           <a:prstGeom prst="straightConnector1">
@@ -17439,14 +16478,7 @@
                 <a:latin typeface="Tahoma" pitchFamily="34" charset="0"/>
                 <a:cs typeface="Tahoma" pitchFamily="34" charset="0"/>
               </a:rPr>
-              <a:t>A</a:t>
-            </a:r>
-            <a:r>
-              <a:rPr lang="en-US" smtClean="0">
-                <a:latin typeface="Tahoma" pitchFamily="34" charset="0"/>
-                <a:cs typeface="Tahoma" pitchFamily="34" charset="0"/>
-              </a:rPr>
-              <a:t>→B 	thành 	map(A,B)</a:t>
+              <a:t>A→B 	thành 	map(A,B)</a:t>
             </a:r>
           </a:p>
           <a:p>
@@ -17459,14 +16491,7 @@
                 <a:latin typeface="Tahoma" pitchFamily="34" charset="0"/>
                 <a:cs typeface="Tahoma" pitchFamily="34" charset="0"/>
               </a:rPr>
-              <a:t>¬ </a:t>
-            </a:r>
-            <a:r>
-              <a:rPr lang="en-US" smtClean="0">
-                <a:latin typeface="Tahoma" pitchFamily="34" charset="0"/>
-                <a:cs typeface="Tahoma" pitchFamily="34" charset="0"/>
-              </a:rPr>
-              <a:t>A	thành		not(A)</a:t>
+              <a:t>¬ A	thành		not(A)</a:t>
             </a:r>
           </a:p>
           <a:p>
@@ -17513,21 +16538,7 @@
                 <a:latin typeface="Tahoma" pitchFamily="34" charset="0"/>
                 <a:cs typeface="Tahoma" pitchFamily="34" charset="0"/>
               </a:rPr>
-              <a:t>A → ¬B ∧ (¬C ∨ D) thành 						map ( A, and( not(B), or( </a:t>
-            </a:r>
-            <a:r>
-              <a:rPr lang="en-US" smtClean="0">
-                <a:latin typeface="Tahoma" pitchFamily="34" charset="0"/>
-                <a:cs typeface="Tahoma" pitchFamily="34" charset="0"/>
-              </a:rPr>
-              <a:t>not(C</a:t>
-            </a:r>
-            <a:r>
-              <a:rPr lang="en-US" smtClean="0">
-                <a:latin typeface="Tahoma" pitchFamily="34" charset="0"/>
-                <a:cs typeface="Tahoma" pitchFamily="34" charset="0"/>
-              </a:rPr>
-              <a:t>),D)))</a:t>
+              <a:t>A → ¬B ∧ (¬C ∨ D) thành 						map ( A, and( not(B), or( not(C),D)))</a:t>
             </a:r>
           </a:p>
           <a:p>
@@ -34729,19 +33740,7 @@
             <a:pPr lvl="1"/>
             <a:r>
               <a:rPr lang="en-US" smtClean="0"/>
-              <a:t>Elimination </a:t>
-            </a:r>
-            <a:r>
-              <a:rPr lang="en-US" smtClean="0"/>
-              <a:t>rules</a:t>
-            </a:r>
-            <a:r>
-              <a:rPr lang="en-US" smtClean="0"/>
-              <a:t> </a:t>
-            </a:r>
-            <a:r>
-              <a:rPr lang="en-US" smtClean="0"/>
-              <a:t>(deduct term to its sub-term)</a:t>
+              <a:t>Elimination rules (deduct term to its sub-term)</a:t>
             </a:r>
           </a:p>
           <a:p>
@@ -34758,17 +33757,12 @@
               <a:rPr lang="en-US" sz="2000" smtClean="0"/>
               <a:t>)</a:t>
             </a:r>
-            <a:endParaRPr lang="en-US" sz="2000" smtClean="0"/>
           </a:p>
           <a:p>
             <a:pPr lvl="1"/>
             <a:r>
               <a:rPr lang="en-US" smtClean="0"/>
-              <a:t>Introduction </a:t>
-            </a:r>
-            <a:r>
-              <a:rPr lang="en-US" smtClean="0"/>
-              <a:t>rules (produce new term from exist terms)</a:t>
+              <a:t>Introduction rules (produce new term from exist terms)</a:t>
             </a:r>
           </a:p>
           <a:p>
@@ -34777,7 +33771,6 @@
               <a:rPr lang="en-US" sz="2000" smtClean="0"/>
               <a:t>A , A→ B 	├─ B 	( i→)</a:t>
             </a:r>
-            <a:endParaRPr lang="en-US" sz="2000" smtClean="0"/>
           </a:p>
           <a:p>
             <a:pPr lvl="1">
@@ -34951,11 +33944,7 @@
             <a:pPr algn="ctr"/>
             <a:r>
               <a:rPr lang="en-US" smtClean="0"/>
-              <a:t>TERM </a:t>
-            </a:r>
-            <a:r>
-              <a:rPr lang="en-US" smtClean="0"/>
-              <a:t>VECTOR</a:t>
+              <a:t>TERM VECTOR</a:t>
             </a:r>
             <a:endParaRPr lang="en-US"/>
           </a:p>
@@ -35063,11 +34052,7 @@
             <a:pPr algn="ctr"/>
             <a:r>
               <a:rPr lang="en-US" smtClean="0"/>
-              <a:t>Contradition </a:t>
-            </a:r>
-            <a:r>
-              <a:rPr lang="en-US" smtClean="0"/>
-              <a:t>deduction</a:t>
+              <a:t>Contradition deduction</a:t>
             </a:r>
             <a:endParaRPr lang="en-US"/>
           </a:p>
@@ -35303,7 +34288,7 @@
         </p:nvCxnSpPr>
         <p:spPr>
           <a:xfrm rot="5400000">
-            <a:off x="4420394" y="3237706"/>
+            <a:off x="4420394" y="3085306"/>
             <a:ext cx="457200" cy="1588"/>
           </a:xfrm>
           <a:prstGeom prst="straightConnector1">

--- a/trunk/Report/SUY LUẬN TỰ NHIÊN.pptx
+++ b/trunk/Report/SUY LUẬN TỰ NHIÊN.pptx
@@ -16,21 +16,22 @@
     <p:sldId id="261" r:id="rId10"/>
     <p:sldId id="268" r:id="rId11"/>
     <p:sldId id="270" r:id="rId12"/>
-    <p:sldId id="278" r:id="rId13"/>
-    <p:sldId id="271" r:id="rId14"/>
-    <p:sldId id="286" r:id="rId15"/>
-    <p:sldId id="272" r:id="rId16"/>
-    <p:sldId id="280" r:id="rId17"/>
-    <p:sldId id="273" r:id="rId18"/>
-    <p:sldId id="281" r:id="rId19"/>
-    <p:sldId id="274" r:id="rId20"/>
-    <p:sldId id="282" r:id="rId21"/>
-    <p:sldId id="275" r:id="rId22"/>
-    <p:sldId id="283" r:id="rId23"/>
-    <p:sldId id="276" r:id="rId24"/>
-    <p:sldId id="277" r:id="rId25"/>
-    <p:sldId id="287" r:id="rId26"/>
-    <p:sldId id="288" r:id="rId27"/>
+    <p:sldId id="291" r:id="rId13"/>
+    <p:sldId id="278" r:id="rId14"/>
+    <p:sldId id="271" r:id="rId15"/>
+    <p:sldId id="286" r:id="rId16"/>
+    <p:sldId id="272" r:id="rId17"/>
+    <p:sldId id="280" r:id="rId18"/>
+    <p:sldId id="273" r:id="rId19"/>
+    <p:sldId id="281" r:id="rId20"/>
+    <p:sldId id="274" r:id="rId21"/>
+    <p:sldId id="282" r:id="rId22"/>
+    <p:sldId id="275" r:id="rId23"/>
+    <p:sldId id="283" r:id="rId24"/>
+    <p:sldId id="276" r:id="rId25"/>
+    <p:sldId id="277" r:id="rId26"/>
+    <p:sldId id="287" r:id="rId27"/>
+    <p:sldId id="288" r:id="rId28"/>
   </p:sldIdLst>
   <p:sldSz cx="9144000" cy="5715000" type="screen16x10"/>
   <p:notesSz cx="6858000" cy="9144000"/>
@@ -1833,6 +1834,925 @@
 </dgm:colorsDef>
 </file>
 
+<file path=ppt/diagrams/colors3.xml><?xml version="1.0" encoding="utf-8"?>
+<dgm:colorsDef xmlns:dgm="http://schemas.openxmlformats.org/drawingml/2006/diagram" xmlns:a="http://schemas.openxmlformats.org/drawingml/2006/main" uniqueId="urn:microsoft.com/office/officeart/2005/8/colors/colorful1">
+  <dgm:title val=""/>
+  <dgm:desc val=""/>
+  <dgm:catLst>
+    <dgm:cat type="colorful" pri="10100"/>
+  </dgm:catLst>
+  <dgm:styleLbl name="node0">
+    <dgm:fillClrLst meth="repeat">
+      <a:schemeClr val="accent1"/>
+    </dgm:fillClrLst>
+    <dgm:linClrLst meth="repeat">
+      <a:schemeClr val="lt1"/>
+    </dgm:linClrLst>
+    <dgm:effectClrLst/>
+    <dgm:txLinClrLst/>
+    <dgm:txFillClrLst/>
+    <dgm:txEffectClrLst/>
+  </dgm:styleLbl>
+  <dgm:styleLbl name="node1">
+    <dgm:fillClrLst meth="repeat">
+      <a:schemeClr val="accent2"/>
+      <a:schemeClr val="accent3"/>
+      <a:schemeClr val="accent4"/>
+      <a:schemeClr val="accent5"/>
+      <a:schemeClr val="accent6"/>
+    </dgm:fillClrLst>
+    <dgm:linClrLst meth="repeat">
+      <a:schemeClr val="lt1"/>
+    </dgm:linClrLst>
+    <dgm:effectClrLst/>
+    <dgm:txLinClrLst/>
+    <dgm:txFillClrLst/>
+    <dgm:txEffectClrLst/>
+  </dgm:styleLbl>
+  <dgm:styleLbl name="alignNode1">
+    <dgm:fillClrLst meth="repeat">
+      <a:schemeClr val="accent2"/>
+      <a:schemeClr val="accent3"/>
+      <a:schemeClr val="accent4"/>
+      <a:schemeClr val="accent5"/>
+      <a:schemeClr val="accent6"/>
+    </dgm:fillClrLst>
+    <dgm:linClrLst meth="repeat">
+      <a:schemeClr val="accent2"/>
+      <a:schemeClr val="accent3"/>
+      <a:schemeClr val="accent4"/>
+      <a:schemeClr val="accent5"/>
+      <a:schemeClr val="accent6"/>
+    </dgm:linClrLst>
+    <dgm:effectClrLst/>
+    <dgm:txLinClrLst/>
+    <dgm:txFillClrLst/>
+    <dgm:txEffectClrLst/>
+  </dgm:styleLbl>
+  <dgm:styleLbl name="lnNode1">
+    <dgm:fillClrLst meth="repeat">
+      <a:schemeClr val="accent2"/>
+      <a:schemeClr val="accent3"/>
+      <a:schemeClr val="accent4"/>
+      <a:schemeClr val="accent5"/>
+      <a:schemeClr val="accent6"/>
+    </dgm:fillClrLst>
+    <dgm:linClrLst meth="repeat">
+      <a:schemeClr val="lt1"/>
+    </dgm:linClrLst>
+    <dgm:effectClrLst/>
+    <dgm:txLinClrLst/>
+    <dgm:txFillClrLst/>
+    <dgm:txEffectClrLst/>
+  </dgm:styleLbl>
+  <dgm:styleLbl name="vennNode1">
+    <dgm:fillClrLst meth="repeat">
+      <a:schemeClr val="accent2">
+        <a:alpha val="50000"/>
+      </a:schemeClr>
+      <a:schemeClr val="accent3">
+        <a:alpha val="50000"/>
+      </a:schemeClr>
+      <a:schemeClr val="accent4">
+        <a:alpha val="50000"/>
+      </a:schemeClr>
+      <a:schemeClr val="accent5">
+        <a:alpha val="50000"/>
+      </a:schemeClr>
+      <a:schemeClr val="accent6">
+        <a:alpha val="50000"/>
+      </a:schemeClr>
+    </dgm:fillClrLst>
+    <dgm:linClrLst meth="repeat">
+      <a:schemeClr val="lt1"/>
+    </dgm:linClrLst>
+    <dgm:effectClrLst/>
+    <dgm:txLinClrLst/>
+    <dgm:txFillClrLst/>
+    <dgm:txEffectClrLst/>
+  </dgm:styleLbl>
+  <dgm:styleLbl name="node2">
+    <dgm:fillClrLst>
+      <a:schemeClr val="accent2"/>
+    </dgm:fillClrLst>
+    <dgm:linClrLst meth="repeat">
+      <a:schemeClr val="lt1"/>
+    </dgm:linClrLst>
+    <dgm:effectClrLst/>
+    <dgm:txLinClrLst/>
+    <dgm:txFillClrLst/>
+    <dgm:txEffectClrLst/>
+  </dgm:styleLbl>
+  <dgm:styleLbl name="node3">
+    <dgm:fillClrLst>
+      <a:schemeClr val="accent3"/>
+    </dgm:fillClrLst>
+    <dgm:linClrLst meth="repeat">
+      <a:schemeClr val="lt1"/>
+    </dgm:linClrLst>
+    <dgm:effectClrLst/>
+    <dgm:txLinClrLst/>
+    <dgm:txFillClrLst/>
+    <dgm:txEffectClrLst/>
+  </dgm:styleLbl>
+  <dgm:styleLbl name="node4">
+    <dgm:fillClrLst>
+      <a:schemeClr val="accent4"/>
+    </dgm:fillClrLst>
+    <dgm:linClrLst meth="repeat">
+      <a:schemeClr val="lt1"/>
+    </dgm:linClrLst>
+    <dgm:effectClrLst/>
+    <dgm:txLinClrLst/>
+    <dgm:txFillClrLst/>
+    <dgm:txEffectClrLst/>
+  </dgm:styleLbl>
+  <dgm:styleLbl name="fgImgPlace1">
+    <dgm:fillClrLst meth="repeat">
+      <a:schemeClr val="accent2">
+        <a:tint val="50000"/>
+      </a:schemeClr>
+      <a:schemeClr val="accent3">
+        <a:tint val="50000"/>
+      </a:schemeClr>
+      <a:schemeClr val="accent4">
+        <a:tint val="50000"/>
+      </a:schemeClr>
+      <a:schemeClr val="accent5">
+        <a:tint val="50000"/>
+      </a:schemeClr>
+      <a:schemeClr val="accent6">
+        <a:tint val="50000"/>
+      </a:schemeClr>
+    </dgm:fillClrLst>
+    <dgm:linClrLst meth="repeat">
+      <a:schemeClr val="lt1"/>
+    </dgm:linClrLst>
+    <dgm:effectClrLst/>
+    <dgm:txLinClrLst/>
+    <dgm:txFillClrLst meth="repeat">
+      <a:schemeClr val="lt1"/>
+    </dgm:txFillClrLst>
+    <dgm:txEffectClrLst/>
+  </dgm:styleLbl>
+  <dgm:styleLbl name="alignImgPlace1">
+    <dgm:fillClrLst>
+      <a:schemeClr val="accent1">
+        <a:tint val="50000"/>
+      </a:schemeClr>
+      <a:schemeClr val="accent1">
+        <a:tint val="20000"/>
+      </a:schemeClr>
+    </dgm:fillClrLst>
+    <dgm:linClrLst meth="repeat">
+      <a:schemeClr val="lt1"/>
+    </dgm:linClrLst>
+    <dgm:effectClrLst/>
+    <dgm:txLinClrLst/>
+    <dgm:txFillClrLst meth="repeat">
+      <a:schemeClr val="lt1"/>
+    </dgm:txFillClrLst>
+    <dgm:txEffectClrLst/>
+  </dgm:styleLbl>
+  <dgm:styleLbl name="bgImgPlace1">
+    <dgm:fillClrLst>
+      <a:schemeClr val="accent1">
+        <a:tint val="50000"/>
+      </a:schemeClr>
+      <a:schemeClr val="accent1">
+        <a:tint val="20000"/>
+      </a:schemeClr>
+    </dgm:fillClrLst>
+    <dgm:linClrLst meth="repeat">
+      <a:schemeClr val="lt1"/>
+    </dgm:linClrLst>
+    <dgm:effectClrLst/>
+    <dgm:txLinClrLst/>
+    <dgm:txFillClrLst meth="repeat">
+      <a:schemeClr val="lt1"/>
+    </dgm:txFillClrLst>
+    <dgm:txEffectClrLst/>
+  </dgm:styleLbl>
+  <dgm:styleLbl name="sibTrans2D1">
+    <dgm:fillClrLst meth="repeat">
+      <a:schemeClr val="accent2"/>
+      <a:schemeClr val="accent3"/>
+      <a:schemeClr val="accent4"/>
+      <a:schemeClr val="accent5"/>
+      <a:schemeClr val="accent6"/>
+    </dgm:fillClrLst>
+    <dgm:linClrLst meth="cycle">
+      <a:schemeClr val="lt1"/>
+    </dgm:linClrLst>
+    <dgm:effectClrLst/>
+    <dgm:txLinClrLst/>
+    <dgm:txFillClrLst/>
+    <dgm:txEffectClrLst/>
+  </dgm:styleLbl>
+  <dgm:styleLbl name="fgSibTrans2D1">
+    <dgm:fillClrLst meth="repeat">
+      <a:schemeClr val="accent2"/>
+      <a:schemeClr val="accent3"/>
+      <a:schemeClr val="accent4"/>
+      <a:schemeClr val="accent5"/>
+      <a:schemeClr val="accent6"/>
+    </dgm:fillClrLst>
+    <dgm:linClrLst meth="cycle">
+      <a:schemeClr val="lt1"/>
+    </dgm:linClrLst>
+    <dgm:effectClrLst/>
+    <dgm:txLinClrLst/>
+    <dgm:txFillClrLst meth="repeat">
+      <a:schemeClr val="lt1"/>
+    </dgm:txFillClrLst>
+    <dgm:txEffectClrLst/>
+  </dgm:styleLbl>
+  <dgm:styleLbl name="bgSibTrans2D1">
+    <dgm:fillClrLst meth="repeat">
+      <a:schemeClr val="accent2"/>
+      <a:schemeClr val="accent3"/>
+      <a:schemeClr val="accent4"/>
+      <a:schemeClr val="accent5"/>
+      <a:schemeClr val="accent6"/>
+    </dgm:fillClrLst>
+    <dgm:linClrLst meth="cycle">
+      <a:schemeClr val="lt1"/>
+    </dgm:linClrLst>
+    <dgm:effectClrLst/>
+    <dgm:txLinClrLst/>
+    <dgm:txFillClrLst meth="repeat">
+      <a:schemeClr val="lt1"/>
+    </dgm:txFillClrLst>
+    <dgm:txEffectClrLst/>
+  </dgm:styleLbl>
+  <dgm:styleLbl name="sibTrans1D1">
+    <dgm:fillClrLst meth="repeat">
+      <a:schemeClr val="accent2"/>
+      <a:schemeClr val="accent3"/>
+      <a:schemeClr val="accent4"/>
+      <a:schemeClr val="accent5"/>
+      <a:schemeClr val="accent6"/>
+    </dgm:fillClrLst>
+    <dgm:linClrLst meth="repeat">
+      <a:schemeClr val="accent2"/>
+      <a:schemeClr val="accent3"/>
+      <a:schemeClr val="accent4"/>
+      <a:schemeClr val="accent5"/>
+      <a:schemeClr val="accent6"/>
+    </dgm:linClrLst>
+    <dgm:effectClrLst/>
+    <dgm:txLinClrLst/>
+    <dgm:txFillClrLst meth="repeat">
+      <a:schemeClr val="tx1"/>
+    </dgm:txFillClrLst>
+    <dgm:txEffectClrLst/>
+  </dgm:styleLbl>
+  <dgm:styleLbl name="callout">
+    <dgm:fillClrLst meth="repeat">
+      <a:schemeClr val="accent2"/>
+    </dgm:fillClrLst>
+    <dgm:linClrLst meth="repeat">
+      <a:schemeClr val="accent2">
+        <a:tint val="50000"/>
+      </a:schemeClr>
+    </dgm:linClrLst>
+    <dgm:effectClrLst/>
+    <dgm:txLinClrLst/>
+    <dgm:txFillClrLst meth="repeat">
+      <a:schemeClr val="tx1"/>
+    </dgm:txFillClrLst>
+    <dgm:txEffectClrLst/>
+  </dgm:styleLbl>
+  <dgm:styleLbl name="asst0">
+    <dgm:fillClrLst meth="repeat">
+      <a:schemeClr val="accent1"/>
+    </dgm:fillClrLst>
+    <dgm:linClrLst meth="repeat">
+      <a:schemeClr val="lt1"/>
+    </dgm:linClrLst>
+    <dgm:effectClrLst/>
+    <dgm:txLinClrLst/>
+    <dgm:txFillClrLst/>
+    <dgm:txEffectClrLst/>
+  </dgm:styleLbl>
+  <dgm:styleLbl name="asst1">
+    <dgm:fillClrLst meth="repeat">
+      <a:schemeClr val="accent2"/>
+    </dgm:fillClrLst>
+    <dgm:linClrLst meth="repeat">
+      <a:schemeClr val="lt1"/>
+    </dgm:linClrLst>
+    <dgm:effectClrLst/>
+    <dgm:txLinClrLst/>
+    <dgm:txFillClrLst/>
+    <dgm:txEffectClrLst/>
+  </dgm:styleLbl>
+  <dgm:styleLbl name="asst2">
+    <dgm:fillClrLst>
+      <a:schemeClr val="accent3"/>
+    </dgm:fillClrLst>
+    <dgm:linClrLst meth="repeat">
+      <a:schemeClr val="lt1"/>
+    </dgm:linClrLst>
+    <dgm:effectClrLst/>
+    <dgm:txLinClrLst/>
+    <dgm:txFillClrLst/>
+    <dgm:txEffectClrLst/>
+  </dgm:styleLbl>
+  <dgm:styleLbl name="asst3">
+    <dgm:fillClrLst>
+      <a:schemeClr val="accent4"/>
+    </dgm:fillClrLst>
+    <dgm:linClrLst meth="repeat">
+      <a:schemeClr val="lt1"/>
+    </dgm:linClrLst>
+    <dgm:effectClrLst/>
+    <dgm:txLinClrLst/>
+    <dgm:txFillClrLst/>
+    <dgm:txEffectClrLst/>
+  </dgm:styleLbl>
+  <dgm:styleLbl name="asst4">
+    <dgm:fillClrLst>
+      <a:schemeClr val="accent5"/>
+    </dgm:fillClrLst>
+    <dgm:linClrLst meth="repeat">
+      <a:schemeClr val="lt1"/>
+    </dgm:linClrLst>
+    <dgm:effectClrLst/>
+    <dgm:txLinClrLst/>
+    <dgm:txFillClrLst/>
+    <dgm:txEffectClrLst/>
+  </dgm:styleLbl>
+  <dgm:styleLbl name="parChTrans2D1">
+    <dgm:fillClrLst meth="repeat">
+      <a:schemeClr val="accent2"/>
+    </dgm:fillClrLst>
+    <dgm:linClrLst meth="repeat">
+      <a:schemeClr val="lt1"/>
+    </dgm:linClrLst>
+    <dgm:effectClrLst/>
+    <dgm:txLinClrLst/>
+    <dgm:txFillClrLst meth="repeat">
+      <a:schemeClr val="lt1"/>
+    </dgm:txFillClrLst>
+    <dgm:txEffectClrLst/>
+  </dgm:styleLbl>
+  <dgm:styleLbl name="parChTrans2D2">
+    <dgm:fillClrLst meth="repeat">
+      <a:schemeClr val="accent3"/>
+    </dgm:fillClrLst>
+    <dgm:linClrLst meth="repeat">
+      <a:schemeClr val="lt1"/>
+    </dgm:linClrLst>
+    <dgm:effectClrLst/>
+    <dgm:txLinClrLst/>
+    <dgm:txFillClrLst/>
+    <dgm:txEffectClrLst/>
+  </dgm:styleLbl>
+  <dgm:styleLbl name="parChTrans2D3">
+    <dgm:fillClrLst meth="repeat">
+      <a:schemeClr val="accent4"/>
+    </dgm:fillClrLst>
+    <dgm:linClrLst meth="repeat">
+      <a:schemeClr val="lt1"/>
+    </dgm:linClrLst>
+    <dgm:effectClrLst/>
+    <dgm:txLinClrLst/>
+    <dgm:txFillClrLst/>
+    <dgm:txEffectClrLst/>
+  </dgm:styleLbl>
+  <dgm:styleLbl name="parChTrans2D4">
+    <dgm:fillClrLst meth="repeat">
+      <a:schemeClr val="accent5"/>
+    </dgm:fillClrLst>
+    <dgm:linClrLst meth="repeat">
+      <a:schemeClr val="lt1"/>
+    </dgm:linClrLst>
+    <dgm:effectClrLst/>
+    <dgm:txLinClrLst/>
+    <dgm:txFillClrLst meth="repeat">
+      <a:schemeClr val="lt1"/>
+    </dgm:txFillClrLst>
+    <dgm:txEffectClrLst/>
+  </dgm:styleLbl>
+  <dgm:styleLbl name="parChTrans1D1">
+    <dgm:fillClrLst meth="repeat">
+      <a:schemeClr val="accent2"/>
+    </dgm:fillClrLst>
+    <dgm:linClrLst meth="repeat">
+      <a:schemeClr val="accent1"/>
+    </dgm:linClrLst>
+    <dgm:effectClrLst/>
+    <dgm:txLinClrLst/>
+    <dgm:txFillClrLst meth="repeat">
+      <a:schemeClr val="tx1"/>
+    </dgm:txFillClrLst>
+    <dgm:txEffectClrLst/>
+  </dgm:styleLbl>
+  <dgm:styleLbl name="parChTrans1D2">
+    <dgm:fillClrLst meth="repeat">
+      <a:schemeClr val="accent3">
+        <a:tint val="90000"/>
+      </a:schemeClr>
+    </dgm:fillClrLst>
+    <dgm:linClrLst meth="repeat">
+      <a:schemeClr val="accent2"/>
+    </dgm:linClrLst>
+    <dgm:effectClrLst/>
+    <dgm:txLinClrLst/>
+    <dgm:txFillClrLst meth="repeat">
+      <a:schemeClr val="tx1"/>
+    </dgm:txFillClrLst>
+    <dgm:txEffectClrLst/>
+  </dgm:styleLbl>
+  <dgm:styleLbl name="parChTrans1D3">
+    <dgm:fillClrLst meth="repeat">
+      <a:schemeClr val="accent4">
+        <a:tint val="70000"/>
+      </a:schemeClr>
+    </dgm:fillClrLst>
+    <dgm:linClrLst meth="repeat">
+      <a:schemeClr val="accent3"/>
+    </dgm:linClrLst>
+    <dgm:effectClrLst/>
+    <dgm:txLinClrLst/>
+    <dgm:txFillClrLst meth="repeat">
+      <a:schemeClr val="tx1"/>
+    </dgm:txFillClrLst>
+    <dgm:txEffectClrLst/>
+  </dgm:styleLbl>
+  <dgm:styleLbl name="parChTrans1D4">
+    <dgm:fillClrLst meth="repeat">
+      <a:schemeClr val="accent5">
+        <a:tint val="50000"/>
+      </a:schemeClr>
+    </dgm:fillClrLst>
+    <dgm:linClrLst meth="repeat">
+      <a:schemeClr val="accent4"/>
+    </dgm:linClrLst>
+    <dgm:effectClrLst/>
+    <dgm:txLinClrLst/>
+    <dgm:txFillClrLst meth="repeat">
+      <a:schemeClr val="tx1"/>
+    </dgm:txFillClrLst>
+    <dgm:txEffectClrLst/>
+  </dgm:styleLbl>
+  <dgm:styleLbl name="fgAcc1">
+    <dgm:fillClrLst meth="repeat">
+      <a:schemeClr val="lt1">
+        <a:alpha val="90000"/>
+      </a:schemeClr>
+    </dgm:fillClrLst>
+    <dgm:linClrLst meth="repeat">
+      <a:schemeClr val="accent2"/>
+      <a:schemeClr val="accent3"/>
+      <a:schemeClr val="accent4"/>
+      <a:schemeClr val="accent5"/>
+      <a:schemeClr val="accent6"/>
+    </dgm:linClrLst>
+    <dgm:effectClrLst/>
+    <dgm:txLinClrLst/>
+    <dgm:txFillClrLst meth="repeat">
+      <a:schemeClr val="dk1"/>
+    </dgm:txFillClrLst>
+    <dgm:txEffectClrLst/>
+  </dgm:styleLbl>
+  <dgm:styleLbl name="conFgAcc1">
+    <dgm:fillClrLst meth="repeat">
+      <a:schemeClr val="lt1">
+        <a:alpha val="90000"/>
+      </a:schemeClr>
+    </dgm:fillClrLst>
+    <dgm:linClrLst meth="repeat">
+      <a:schemeClr val="accent2"/>
+      <a:schemeClr val="accent3"/>
+      <a:schemeClr val="accent4"/>
+      <a:schemeClr val="accent5"/>
+      <a:schemeClr val="accent6"/>
+    </dgm:linClrLst>
+    <dgm:effectClrLst/>
+    <dgm:txLinClrLst/>
+    <dgm:txFillClrLst meth="repeat">
+      <a:schemeClr val="dk1"/>
+    </dgm:txFillClrLst>
+    <dgm:txEffectClrLst/>
+  </dgm:styleLbl>
+  <dgm:styleLbl name="alignAcc1">
+    <dgm:fillClrLst meth="repeat">
+      <a:schemeClr val="lt1">
+        <a:alpha val="90000"/>
+      </a:schemeClr>
+    </dgm:fillClrLst>
+    <dgm:linClrLst meth="repeat">
+      <a:schemeClr val="accent2"/>
+      <a:schemeClr val="accent3"/>
+      <a:schemeClr val="accent4"/>
+      <a:schemeClr val="accent5"/>
+      <a:schemeClr val="accent6"/>
+    </dgm:linClrLst>
+    <dgm:effectClrLst/>
+    <dgm:txLinClrLst/>
+    <dgm:txFillClrLst meth="repeat">
+      <a:schemeClr val="dk1"/>
+    </dgm:txFillClrLst>
+    <dgm:txEffectClrLst/>
+  </dgm:styleLbl>
+  <dgm:styleLbl name="trAlignAcc1">
+    <dgm:fillClrLst meth="repeat">
+      <a:schemeClr val="lt1">
+        <a:alpha val="40000"/>
+      </a:schemeClr>
+    </dgm:fillClrLst>
+    <dgm:linClrLst meth="repeat">
+      <a:schemeClr val="accent1"/>
+    </dgm:linClrLst>
+    <dgm:effectClrLst/>
+    <dgm:txLinClrLst/>
+    <dgm:txFillClrLst meth="repeat">
+      <a:schemeClr val="dk1"/>
+    </dgm:txFillClrLst>
+    <dgm:txEffectClrLst/>
+  </dgm:styleLbl>
+  <dgm:styleLbl name="bgAcc1">
+    <dgm:fillClrLst meth="repeat">
+      <a:schemeClr val="lt1">
+        <a:alpha val="90000"/>
+      </a:schemeClr>
+    </dgm:fillClrLst>
+    <dgm:linClrLst meth="repeat">
+      <a:schemeClr val="accent2"/>
+      <a:schemeClr val="accent3"/>
+      <a:schemeClr val="accent4"/>
+      <a:schemeClr val="accent5"/>
+      <a:schemeClr val="accent6"/>
+    </dgm:linClrLst>
+    <dgm:effectClrLst/>
+    <dgm:txLinClrLst/>
+    <dgm:txFillClrLst meth="repeat">
+      <a:schemeClr val="dk1"/>
+    </dgm:txFillClrLst>
+    <dgm:txEffectClrLst/>
+  </dgm:styleLbl>
+  <dgm:styleLbl name="solidFgAcc1">
+    <dgm:fillClrLst meth="repeat">
+      <a:schemeClr val="lt1"/>
+    </dgm:fillClrLst>
+    <dgm:linClrLst meth="repeat">
+      <a:schemeClr val="accent2"/>
+      <a:schemeClr val="accent3"/>
+      <a:schemeClr val="accent4"/>
+      <a:schemeClr val="accent5"/>
+      <a:schemeClr val="accent6"/>
+    </dgm:linClrLst>
+    <dgm:effectClrLst/>
+    <dgm:txLinClrLst/>
+    <dgm:txFillClrLst meth="repeat">
+      <a:schemeClr val="dk1"/>
+    </dgm:txFillClrLst>
+    <dgm:txEffectClrLst/>
+  </dgm:styleLbl>
+  <dgm:styleLbl name="solidAlignAcc1">
+    <dgm:fillClrLst meth="repeat">
+      <a:schemeClr val="lt1"/>
+    </dgm:fillClrLst>
+    <dgm:linClrLst meth="repeat">
+      <a:schemeClr val="accent2"/>
+      <a:schemeClr val="accent3"/>
+      <a:schemeClr val="accent4"/>
+      <a:schemeClr val="accent5"/>
+      <a:schemeClr val="accent6"/>
+    </dgm:linClrLst>
+    <dgm:effectClrLst/>
+    <dgm:txLinClrLst/>
+    <dgm:txFillClrLst meth="repeat">
+      <a:schemeClr val="dk1"/>
+    </dgm:txFillClrLst>
+    <dgm:txEffectClrLst/>
+  </dgm:styleLbl>
+  <dgm:styleLbl name="solidBgAcc1">
+    <dgm:fillClrLst meth="repeat">
+      <a:schemeClr val="lt1"/>
+    </dgm:fillClrLst>
+    <dgm:linClrLst meth="repeat">
+      <a:schemeClr val="accent2"/>
+      <a:schemeClr val="accent3"/>
+      <a:schemeClr val="accent4"/>
+      <a:schemeClr val="accent5"/>
+      <a:schemeClr val="accent6"/>
+    </dgm:linClrLst>
+    <dgm:effectClrLst/>
+    <dgm:txLinClrLst/>
+    <dgm:txFillClrLst meth="repeat">
+      <a:schemeClr val="dk1"/>
+    </dgm:txFillClrLst>
+    <dgm:txEffectClrLst/>
+  </dgm:styleLbl>
+  <dgm:styleLbl name="fgAccFollowNode1">
+    <dgm:fillClrLst meth="repeat">
+      <a:schemeClr val="accent2">
+        <a:tint val="40000"/>
+        <a:alpha val="90000"/>
+      </a:schemeClr>
+      <a:schemeClr val="accent3">
+        <a:tint val="40000"/>
+        <a:alpha val="90000"/>
+      </a:schemeClr>
+      <a:schemeClr val="accent4">
+        <a:tint val="40000"/>
+        <a:alpha val="90000"/>
+      </a:schemeClr>
+      <a:schemeClr val="accent5">
+        <a:tint val="40000"/>
+        <a:alpha val="90000"/>
+      </a:schemeClr>
+      <a:schemeClr val="accent6">
+        <a:tint val="40000"/>
+        <a:alpha val="90000"/>
+      </a:schemeClr>
+    </dgm:fillClrLst>
+    <dgm:linClrLst meth="repeat">
+      <a:schemeClr val="accent2">
+        <a:tint val="40000"/>
+        <a:alpha val="90000"/>
+      </a:schemeClr>
+      <a:schemeClr val="accent3">
+        <a:tint val="40000"/>
+        <a:alpha val="90000"/>
+      </a:schemeClr>
+      <a:schemeClr val="accent4">
+        <a:tint val="40000"/>
+        <a:alpha val="90000"/>
+      </a:schemeClr>
+      <a:schemeClr val="accent5">
+        <a:tint val="40000"/>
+        <a:alpha val="90000"/>
+      </a:schemeClr>
+      <a:schemeClr val="accent6">
+        <a:tint val="40000"/>
+        <a:alpha val="90000"/>
+      </a:schemeClr>
+    </dgm:linClrLst>
+    <dgm:effectClrLst/>
+    <dgm:txLinClrLst/>
+    <dgm:txFillClrLst meth="repeat">
+      <a:schemeClr val="dk1"/>
+    </dgm:txFillClrLst>
+    <dgm:txEffectClrLst/>
+  </dgm:styleLbl>
+  <dgm:styleLbl name="alignAccFollowNode1">
+    <dgm:fillClrLst meth="repeat">
+      <a:schemeClr val="accent2">
+        <a:tint val="40000"/>
+        <a:alpha val="90000"/>
+      </a:schemeClr>
+      <a:schemeClr val="accent3">
+        <a:tint val="40000"/>
+        <a:alpha val="90000"/>
+      </a:schemeClr>
+      <a:schemeClr val="accent4">
+        <a:tint val="40000"/>
+        <a:alpha val="90000"/>
+      </a:schemeClr>
+      <a:schemeClr val="accent5">
+        <a:tint val="40000"/>
+        <a:alpha val="90000"/>
+      </a:schemeClr>
+      <a:schemeClr val="accent6">
+        <a:tint val="40000"/>
+        <a:alpha val="90000"/>
+      </a:schemeClr>
+    </dgm:fillClrLst>
+    <dgm:linClrLst meth="repeat">
+      <a:schemeClr val="accent2">
+        <a:tint val="40000"/>
+        <a:alpha val="90000"/>
+      </a:schemeClr>
+      <a:schemeClr val="accent3">
+        <a:tint val="40000"/>
+        <a:alpha val="90000"/>
+      </a:schemeClr>
+      <a:schemeClr val="accent4">
+        <a:tint val="40000"/>
+        <a:alpha val="90000"/>
+      </a:schemeClr>
+      <a:schemeClr val="accent5">
+        <a:tint val="40000"/>
+        <a:alpha val="90000"/>
+      </a:schemeClr>
+      <a:schemeClr val="accent6">
+        <a:tint val="40000"/>
+        <a:alpha val="90000"/>
+      </a:schemeClr>
+    </dgm:linClrLst>
+    <dgm:effectClrLst/>
+    <dgm:txLinClrLst/>
+    <dgm:txFillClrLst meth="repeat">
+      <a:schemeClr val="dk1"/>
+    </dgm:txFillClrLst>
+    <dgm:txEffectClrLst/>
+  </dgm:styleLbl>
+  <dgm:styleLbl name="bgAccFollowNode1">
+    <dgm:fillClrLst meth="repeat">
+      <a:schemeClr val="accent2">
+        <a:tint val="40000"/>
+        <a:alpha val="90000"/>
+      </a:schemeClr>
+      <a:schemeClr val="accent3">
+        <a:tint val="40000"/>
+        <a:alpha val="90000"/>
+      </a:schemeClr>
+      <a:schemeClr val="accent4">
+        <a:tint val="40000"/>
+        <a:alpha val="90000"/>
+      </a:schemeClr>
+      <a:schemeClr val="accent5">
+        <a:tint val="40000"/>
+        <a:alpha val="90000"/>
+      </a:schemeClr>
+      <a:schemeClr val="accent6">
+        <a:tint val="40000"/>
+        <a:alpha val="90000"/>
+      </a:schemeClr>
+    </dgm:fillClrLst>
+    <dgm:linClrLst meth="repeat">
+      <a:schemeClr val="accent2">
+        <a:tint val="40000"/>
+        <a:alpha val="90000"/>
+      </a:schemeClr>
+      <a:schemeClr val="accent3">
+        <a:tint val="40000"/>
+        <a:alpha val="90000"/>
+      </a:schemeClr>
+      <a:schemeClr val="accent4">
+        <a:tint val="40000"/>
+        <a:alpha val="90000"/>
+      </a:schemeClr>
+      <a:schemeClr val="accent5">
+        <a:tint val="40000"/>
+        <a:alpha val="90000"/>
+      </a:schemeClr>
+      <a:schemeClr val="accent6">
+        <a:tint val="40000"/>
+        <a:alpha val="90000"/>
+      </a:schemeClr>
+    </dgm:linClrLst>
+    <dgm:effectClrLst/>
+    <dgm:txLinClrLst/>
+    <dgm:txFillClrLst meth="repeat">
+      <a:schemeClr val="dk1"/>
+    </dgm:txFillClrLst>
+    <dgm:txEffectClrLst/>
+  </dgm:styleLbl>
+  <dgm:styleLbl name="fgAcc0">
+    <dgm:fillClrLst meth="repeat">
+      <a:schemeClr val="lt1">
+        <a:alpha val="90000"/>
+      </a:schemeClr>
+    </dgm:fillClrLst>
+    <dgm:linClrLst>
+      <a:schemeClr val="accent1"/>
+    </dgm:linClrLst>
+    <dgm:effectClrLst/>
+    <dgm:txLinClrLst/>
+    <dgm:txFillClrLst meth="repeat">
+      <a:schemeClr val="dk1"/>
+    </dgm:txFillClrLst>
+    <dgm:txEffectClrLst/>
+  </dgm:styleLbl>
+  <dgm:styleLbl name="fgAcc2">
+    <dgm:fillClrLst meth="repeat">
+      <a:schemeClr val="lt1">
+        <a:alpha val="90000"/>
+      </a:schemeClr>
+    </dgm:fillClrLst>
+    <dgm:linClrLst>
+      <a:schemeClr val="accent2"/>
+    </dgm:linClrLst>
+    <dgm:effectClrLst/>
+    <dgm:txLinClrLst/>
+    <dgm:txFillClrLst meth="repeat">
+      <a:schemeClr val="dk1"/>
+    </dgm:txFillClrLst>
+    <dgm:txEffectClrLst/>
+  </dgm:styleLbl>
+  <dgm:styleLbl name="fgAcc3">
+    <dgm:fillClrLst meth="repeat">
+      <a:schemeClr val="lt1">
+        <a:alpha val="90000"/>
+      </a:schemeClr>
+    </dgm:fillClrLst>
+    <dgm:linClrLst>
+      <a:schemeClr val="accent3"/>
+    </dgm:linClrLst>
+    <dgm:effectClrLst/>
+    <dgm:txLinClrLst/>
+    <dgm:txFillClrLst meth="repeat">
+      <a:schemeClr val="dk1"/>
+    </dgm:txFillClrLst>
+    <dgm:txEffectClrLst/>
+  </dgm:styleLbl>
+  <dgm:styleLbl name="fgAcc4">
+    <dgm:fillClrLst meth="repeat">
+      <a:schemeClr val="lt1">
+        <a:alpha val="90000"/>
+      </a:schemeClr>
+    </dgm:fillClrLst>
+    <dgm:linClrLst>
+      <a:schemeClr val="accent4"/>
+    </dgm:linClrLst>
+    <dgm:effectClrLst/>
+    <dgm:txLinClrLst/>
+    <dgm:txFillClrLst meth="repeat">
+      <a:schemeClr val="dk1"/>
+    </dgm:txFillClrLst>
+    <dgm:txEffectClrLst/>
+  </dgm:styleLbl>
+  <dgm:styleLbl name="bgShp">
+    <dgm:fillClrLst meth="repeat">
+      <a:schemeClr val="accent2">
+        <a:tint val="40000"/>
+      </a:schemeClr>
+    </dgm:fillClrLst>
+    <dgm:linClrLst meth="repeat">
+      <a:schemeClr val="dk1"/>
+    </dgm:linClrLst>
+    <dgm:effectClrLst/>
+    <dgm:txLinClrLst/>
+    <dgm:txFillClrLst meth="repeat">
+      <a:schemeClr val="dk1"/>
+    </dgm:txFillClrLst>
+    <dgm:txEffectClrLst/>
+  </dgm:styleLbl>
+  <dgm:styleLbl name="dkBgShp">
+    <dgm:fillClrLst meth="repeat">
+      <a:schemeClr val="accent2">
+        <a:shade val="90000"/>
+      </a:schemeClr>
+    </dgm:fillClrLst>
+    <dgm:linClrLst meth="repeat">
+      <a:schemeClr val="dk1"/>
+    </dgm:linClrLst>
+    <dgm:effectClrLst/>
+    <dgm:txLinClrLst/>
+    <dgm:txFillClrLst meth="repeat">
+      <a:schemeClr val="lt1"/>
+    </dgm:txFillClrLst>
+    <dgm:txEffectClrLst/>
+  </dgm:styleLbl>
+  <dgm:styleLbl name="trBgShp">
+    <dgm:fillClrLst meth="repeat">
+      <a:schemeClr val="accent1">
+        <a:tint val="50000"/>
+        <a:alpha val="40000"/>
+      </a:schemeClr>
+    </dgm:fillClrLst>
+    <dgm:linClrLst meth="repeat">
+      <a:schemeClr val="accent2"/>
+    </dgm:linClrLst>
+    <dgm:effectClrLst/>
+    <dgm:txLinClrLst/>
+    <dgm:txFillClrLst meth="repeat">
+      <a:schemeClr val="lt1"/>
+    </dgm:txFillClrLst>
+    <dgm:txEffectClrLst/>
+  </dgm:styleLbl>
+  <dgm:styleLbl name="fgShp">
+    <dgm:fillClrLst meth="repeat">
+      <a:schemeClr val="accent2">
+        <a:tint val="40000"/>
+      </a:schemeClr>
+    </dgm:fillClrLst>
+    <dgm:linClrLst meth="repeat">
+      <a:schemeClr val="lt1"/>
+    </dgm:linClrLst>
+    <dgm:effectClrLst/>
+    <dgm:txLinClrLst/>
+    <dgm:txFillClrLst meth="repeat">
+      <a:schemeClr val="dk1"/>
+    </dgm:txFillClrLst>
+    <dgm:txEffectClrLst/>
+  </dgm:styleLbl>
+  <dgm:styleLbl name="revTx">
+    <dgm:fillClrLst meth="repeat">
+      <a:schemeClr val="lt1">
+        <a:alpha val="0"/>
+      </a:schemeClr>
+    </dgm:fillClrLst>
+    <dgm:linClrLst meth="repeat">
+      <a:schemeClr val="dk1">
+        <a:alpha val="0"/>
+      </a:schemeClr>
+    </dgm:linClrLst>
+    <dgm:effectClrLst/>
+    <dgm:txLinClrLst/>
+    <dgm:txFillClrLst meth="repeat">
+      <a:schemeClr val="tx1"/>
+    </dgm:txFillClrLst>
+    <dgm:txEffectClrLst/>
+  </dgm:styleLbl>
+</dgm:colorsDef>
+</file>
+
 <file path=ppt/diagrams/data1.xml><?xml version="1.0" encoding="utf-8"?>
 <dgm:dataModel xmlns:dgm="http://schemas.openxmlformats.org/drawingml/2006/diagram" xmlns:a="http://schemas.openxmlformats.org/drawingml/2006/main">
   <dgm:ptLst>
@@ -2682,6 +3602,486 @@
 </dgm:dataModel>
 </file>
 
+<file path=ppt/diagrams/data3.xml><?xml version="1.0" encoding="utf-8"?>
+<dgm:dataModel xmlns:dgm="http://schemas.openxmlformats.org/drawingml/2006/diagram" xmlns:a="http://schemas.openxmlformats.org/drawingml/2006/main">
+  <dgm:ptLst>
+    <dgm:pt modelId="{F2C478DF-C240-4FB1-BF51-481D74C285AB}" type="doc">
+      <dgm:prSet loTypeId="urn:microsoft.com/office/officeart/2005/8/layout/radial4" loCatId="relationship" qsTypeId="urn:microsoft.com/office/officeart/2005/8/quickstyle/simple1" qsCatId="simple" csTypeId="urn:microsoft.com/office/officeart/2005/8/colors/colorful1" csCatId="colorful" phldr="1"/>
+      <dgm:spPr/>
+      <dgm:t>
+        <a:bodyPr/>
+        <a:lstStyle/>
+        <a:p>
+          <a:endParaRPr lang="en-US"/>
+        </a:p>
+      </dgm:t>
+    </dgm:pt>
+    <dgm:pt modelId="{593248D9-0442-439F-9C3C-E048354EC003}">
+      <dgm:prSet phldrT="[Text]"/>
+      <dgm:spPr/>
+      <dgm:t>
+        <a:bodyPr anchor="t" anchorCtr="0"/>
+        <a:lstStyle/>
+        <a:p>
+          <a:r>
+            <a:rPr lang="en-US" smtClean="0"/>
+            <a:t>CONTROLLER</a:t>
+          </a:r>
+          <a:endParaRPr lang="en-US"/>
+        </a:p>
+      </dgm:t>
+    </dgm:pt>
+    <dgm:pt modelId="{C9663CAE-1E4C-4879-8164-D96695D44B79}" type="parTrans" cxnId="{C2784118-A29F-41DD-AFDD-7F6BC4D38BF2}">
+      <dgm:prSet/>
+      <dgm:spPr/>
+      <dgm:t>
+        <a:bodyPr/>
+        <a:lstStyle/>
+        <a:p>
+          <a:endParaRPr lang="en-US"/>
+        </a:p>
+      </dgm:t>
+    </dgm:pt>
+    <dgm:pt modelId="{DDB5602A-9787-48E4-B3C2-E075E5331ECD}" type="sibTrans" cxnId="{C2784118-A29F-41DD-AFDD-7F6BC4D38BF2}">
+      <dgm:prSet/>
+      <dgm:spPr/>
+      <dgm:t>
+        <a:bodyPr/>
+        <a:lstStyle/>
+        <a:p>
+          <a:endParaRPr lang="en-US"/>
+        </a:p>
+      </dgm:t>
+    </dgm:pt>
+    <dgm:pt modelId="{04464A21-A846-4CD4-B1B0-6D14CFC82206}">
+      <dgm:prSet phldrT="[Text]"/>
+      <dgm:spPr/>
+      <dgm:t>
+        <a:bodyPr/>
+        <a:lstStyle/>
+        <a:p>
+          <a:r>
+            <a:rPr lang="en-US" smtClean="0"/>
+            <a:t>Elimination</a:t>
+          </a:r>
+          <a:endParaRPr lang="en-US"/>
+        </a:p>
+      </dgm:t>
+    </dgm:pt>
+    <dgm:pt modelId="{FB22D5B5-1963-42CA-BEEC-CC6B5EEE6D75}" type="parTrans" cxnId="{C7D06D7D-C0D7-4519-9443-C0967A3E1780}">
+      <dgm:prSet/>
+      <dgm:spPr/>
+      <dgm:t>
+        <a:bodyPr/>
+        <a:lstStyle/>
+        <a:p>
+          <a:endParaRPr lang="en-US"/>
+        </a:p>
+      </dgm:t>
+    </dgm:pt>
+    <dgm:pt modelId="{8D4B8B69-349A-4134-8B00-24038360D8AB}" type="sibTrans" cxnId="{C7D06D7D-C0D7-4519-9443-C0967A3E1780}">
+      <dgm:prSet/>
+      <dgm:spPr/>
+      <dgm:t>
+        <a:bodyPr/>
+        <a:lstStyle/>
+        <a:p>
+          <a:endParaRPr lang="en-US"/>
+        </a:p>
+      </dgm:t>
+    </dgm:pt>
+    <dgm:pt modelId="{68187428-F245-4903-B920-C789A68C8D3C}">
+      <dgm:prSet phldrT="[Text]"/>
+      <dgm:spPr/>
+      <dgm:t>
+        <a:bodyPr/>
+        <a:lstStyle/>
+        <a:p>
+          <a:r>
+            <a:rPr lang="en-US" smtClean="0"/>
+            <a:t>Matching</a:t>
+          </a:r>
+          <a:endParaRPr lang="en-US"/>
+        </a:p>
+      </dgm:t>
+    </dgm:pt>
+    <dgm:pt modelId="{5160E2D1-F6F4-46C6-9C6A-1C02B231075E}" type="parTrans" cxnId="{1EDCDCD6-A433-4B55-9723-EB2528846CF4}">
+      <dgm:prSet/>
+      <dgm:spPr/>
+      <dgm:t>
+        <a:bodyPr/>
+        <a:lstStyle/>
+        <a:p>
+          <a:endParaRPr lang="en-US"/>
+        </a:p>
+      </dgm:t>
+    </dgm:pt>
+    <dgm:pt modelId="{F6FC4D53-703A-4BD0-9E95-E34E162CBACE}" type="sibTrans" cxnId="{1EDCDCD6-A433-4B55-9723-EB2528846CF4}">
+      <dgm:prSet/>
+      <dgm:spPr/>
+      <dgm:t>
+        <a:bodyPr/>
+        <a:lstStyle/>
+        <a:p>
+          <a:endParaRPr lang="en-US"/>
+        </a:p>
+      </dgm:t>
+    </dgm:pt>
+    <dgm:pt modelId="{B409067E-00CC-447A-8AB8-0EA02B5C1FC7}">
+      <dgm:prSet phldrT="[Text]"/>
+      <dgm:spPr/>
+      <dgm:t>
+        <a:bodyPr/>
+        <a:lstStyle/>
+        <a:p>
+          <a:r>
+            <a:rPr lang="en-US" smtClean="0"/>
+            <a:t>Rule apply</a:t>
+          </a:r>
+          <a:endParaRPr lang="en-US"/>
+        </a:p>
+      </dgm:t>
+    </dgm:pt>
+    <dgm:pt modelId="{44B12766-F157-4951-81B3-0EAD7001E2B3}" type="parTrans" cxnId="{733A9B13-03A2-4840-BFA3-1916EA3FD95F}">
+      <dgm:prSet/>
+      <dgm:spPr/>
+      <dgm:t>
+        <a:bodyPr/>
+        <a:lstStyle/>
+        <a:p>
+          <a:endParaRPr lang="en-US"/>
+        </a:p>
+      </dgm:t>
+    </dgm:pt>
+    <dgm:pt modelId="{C0A2A8A9-0C50-421A-9160-4138A65EEB05}" type="sibTrans" cxnId="{733A9B13-03A2-4840-BFA3-1916EA3FD95F}">
+      <dgm:prSet/>
+      <dgm:spPr/>
+      <dgm:t>
+        <a:bodyPr/>
+        <a:lstStyle/>
+        <a:p>
+          <a:endParaRPr lang="en-US"/>
+        </a:p>
+      </dgm:t>
+    </dgm:pt>
+    <dgm:pt modelId="{D37D2FC7-415B-4072-86E8-C83D32EA50E4}">
+      <dgm:prSet/>
+      <dgm:spPr/>
+      <dgm:t>
+        <a:bodyPr/>
+        <a:lstStyle/>
+        <a:p>
+          <a:r>
+            <a:rPr lang="en-US" smtClean="0"/>
+            <a:t>Contradition deduction</a:t>
+          </a:r>
+          <a:endParaRPr lang="en-US"/>
+        </a:p>
+      </dgm:t>
+    </dgm:pt>
+    <dgm:pt modelId="{427FAEEA-455B-413B-9851-06C6ECB1DF94}" type="parTrans" cxnId="{971BE77F-02C4-4BA1-8ADA-547442B159F5}">
+      <dgm:prSet/>
+      <dgm:spPr/>
+      <dgm:t>
+        <a:bodyPr/>
+        <a:lstStyle/>
+        <a:p>
+          <a:endParaRPr lang="en-US"/>
+        </a:p>
+      </dgm:t>
+    </dgm:pt>
+    <dgm:pt modelId="{E9E9BD89-3898-4512-8C34-9AC2619F21B3}" type="sibTrans" cxnId="{971BE77F-02C4-4BA1-8ADA-547442B159F5}">
+      <dgm:prSet/>
+      <dgm:spPr/>
+      <dgm:t>
+        <a:bodyPr/>
+        <a:lstStyle/>
+        <a:p>
+          <a:endParaRPr lang="en-US"/>
+        </a:p>
+      </dgm:t>
+    </dgm:pt>
+    <dgm:pt modelId="{4D82A73A-5CB8-4E5B-914C-8BF23F96D1E9}">
+      <dgm:prSet/>
+      <dgm:spPr/>
+      <dgm:t>
+        <a:bodyPr/>
+        <a:lstStyle/>
+        <a:p>
+          <a:r>
+            <a:rPr lang="en-US" smtClean="0"/>
+            <a:t>Introduction</a:t>
+          </a:r>
+          <a:endParaRPr lang="en-US"/>
+        </a:p>
+      </dgm:t>
+    </dgm:pt>
+    <dgm:pt modelId="{B5FE8334-692B-4ECE-86D0-9F015CD99653}" type="parTrans" cxnId="{49D21B49-C2B6-4950-B970-B3A7369FCFEC}">
+      <dgm:prSet/>
+      <dgm:spPr/>
+      <dgm:t>
+        <a:bodyPr/>
+        <a:lstStyle/>
+        <a:p>
+          <a:endParaRPr lang="en-US"/>
+        </a:p>
+      </dgm:t>
+    </dgm:pt>
+    <dgm:pt modelId="{D7858A6F-660A-4D76-8196-45C4096415AF}" type="sibTrans" cxnId="{49D21B49-C2B6-4950-B970-B3A7369FCFEC}">
+      <dgm:prSet/>
+      <dgm:spPr/>
+      <dgm:t>
+        <a:bodyPr/>
+        <a:lstStyle/>
+        <a:p>
+          <a:endParaRPr lang="en-US"/>
+        </a:p>
+      </dgm:t>
+    </dgm:pt>
+    <dgm:pt modelId="{E1E64C65-5E15-4481-ACE4-5AD35F0A91CA}">
+      <dgm:prSet custScaleX="60860" custScaleY="30218" custRadScaleRad="133953" custRadScaleInc="68604"/>
+      <dgm:spPr/>
+      <dgm:t>
+        <a:bodyPr/>
+        <a:lstStyle/>
+        <a:p>
+          <a:endParaRPr lang="en-US"/>
+        </a:p>
+      </dgm:t>
+    </dgm:pt>
+    <dgm:pt modelId="{78A20770-3546-44F6-9749-1085968B3626}" type="parTrans" cxnId="{EEDE7422-3D2D-4E06-B969-C396DBE5E04F}">
+      <dgm:prSet/>
+      <dgm:spPr/>
+      <dgm:t>
+        <a:bodyPr/>
+        <a:lstStyle/>
+        <a:p>
+          <a:endParaRPr lang="en-US"/>
+        </a:p>
+      </dgm:t>
+    </dgm:pt>
+    <dgm:pt modelId="{DC0048F6-D630-47B1-A0D4-514DD9288F59}" type="sibTrans" cxnId="{EEDE7422-3D2D-4E06-B969-C396DBE5E04F}">
+      <dgm:prSet/>
+      <dgm:spPr/>
+      <dgm:t>
+        <a:bodyPr/>
+        <a:lstStyle/>
+        <a:p>
+          <a:endParaRPr lang="en-US"/>
+        </a:p>
+      </dgm:t>
+    </dgm:pt>
+    <dgm:pt modelId="{7C7B77A0-F8EF-4AB3-8E21-762440CD670D}">
+      <dgm:prSet custScaleX="57698" custScaleY="49977" custRadScaleRad="67901" custRadScaleInc="-31558"/>
+      <dgm:spPr/>
+      <dgm:t>
+        <a:bodyPr/>
+        <a:lstStyle/>
+        <a:p>
+          <a:endParaRPr lang="en-US"/>
+        </a:p>
+      </dgm:t>
+    </dgm:pt>
+    <dgm:pt modelId="{CFD9E4CA-C06B-4FEB-85B5-37ED3E21B688}" type="parTrans" cxnId="{A81BBCF7-EF39-4C78-942B-D01768698B8F}">
+      <dgm:prSet custScaleY="58432"/>
+      <dgm:spPr/>
+      <dgm:t>
+        <a:bodyPr/>
+        <a:lstStyle/>
+        <a:p>
+          <a:endParaRPr lang="en-US"/>
+        </a:p>
+      </dgm:t>
+    </dgm:pt>
+    <dgm:pt modelId="{B9171FC6-571A-4057-BEE8-06B1FC26BC9E}" type="sibTrans" cxnId="{A81BBCF7-EF39-4C78-942B-D01768698B8F}">
+      <dgm:prSet/>
+      <dgm:spPr/>
+      <dgm:t>
+        <a:bodyPr/>
+        <a:lstStyle/>
+        <a:p>
+          <a:endParaRPr lang="en-US"/>
+        </a:p>
+      </dgm:t>
+    </dgm:pt>
+    <dgm:pt modelId="{7AAAE1C6-1A04-41DB-8770-FE2780B3470F}" type="pres">
+      <dgm:prSet presAssocID="{F2C478DF-C240-4FB1-BF51-481D74C285AB}" presName="cycle" presStyleCnt="0">
+        <dgm:presLayoutVars>
+          <dgm:chMax val="1"/>
+          <dgm:dir/>
+          <dgm:animLvl val="ctr"/>
+          <dgm:resizeHandles val="exact"/>
+        </dgm:presLayoutVars>
+      </dgm:prSet>
+      <dgm:spPr/>
+    </dgm:pt>
+    <dgm:pt modelId="{8E8D42DD-88F7-4F99-B601-10FA49CDF0D6}" type="pres">
+      <dgm:prSet presAssocID="{593248D9-0442-439F-9C3C-E048354EC003}" presName="centerShape" presStyleLbl="node0" presStyleIdx="0" presStyleCnt="1" custScaleX="187432" custScaleY="100000" custLinFactNeighborX="-289" custLinFactNeighborY="5381"/>
+      <dgm:spPr/>
+      <dgm:t>
+        <a:bodyPr/>
+        <a:lstStyle/>
+        <a:p>
+          <a:endParaRPr lang="en-US"/>
+        </a:p>
+      </dgm:t>
+    </dgm:pt>
+    <dgm:pt modelId="{090C4A32-0438-4880-B679-3F8DBEEB9D7D}" type="pres">
+      <dgm:prSet presAssocID="{FB22D5B5-1963-42CA-BEEC-CC6B5EEE6D75}" presName="parTrans" presStyleLbl="bgSibTrans2D1" presStyleIdx="0" presStyleCnt="5" custScaleX="83705" custScaleY="42984" custLinFactNeighborX="1435" custLinFactNeighborY="41137"/>
+      <dgm:spPr>
+        <a:prstGeom prst="leftRightArrow">
+          <a:avLst/>
+        </a:prstGeom>
+      </dgm:spPr>
+    </dgm:pt>
+    <dgm:pt modelId="{C2B24967-2BCE-4C04-B5A1-9563A4CEA370}" type="pres">
+      <dgm:prSet presAssocID="{04464A21-A846-4CD4-B1B0-6D14CFC82206}" presName="node" presStyleLbl="node1" presStyleIdx="0" presStyleCnt="5" custScaleX="60860" custScaleY="30218" custRadScaleRad="128533" custRadScaleInc="63232">
+        <dgm:presLayoutVars>
+          <dgm:bulletEnabled val="1"/>
+        </dgm:presLayoutVars>
+      </dgm:prSet>
+      <dgm:spPr/>
+      <dgm:t>
+        <a:bodyPr/>
+        <a:lstStyle/>
+        <a:p>
+          <a:endParaRPr lang="en-US"/>
+        </a:p>
+      </dgm:t>
+    </dgm:pt>
+    <dgm:pt modelId="{CB09604B-62D1-439F-AA56-E998CA0704BB}" type="pres">
+      <dgm:prSet presAssocID="{B5FE8334-692B-4ECE-86D0-9F015CD99653}" presName="parTrans" presStyleLbl="bgSibTrans2D1" presStyleIdx="1" presStyleCnt="5" custScaleX="64140" custScaleY="41101" custLinFactNeighborX="10064" custLinFactNeighborY="27191"/>
+      <dgm:spPr>
+        <a:prstGeom prst="leftRightArrow">
+          <a:avLst/>
+        </a:prstGeom>
+      </dgm:spPr>
+    </dgm:pt>
+    <dgm:pt modelId="{4A2BDC32-2E74-4B01-AF15-A2789B36062D}" type="pres">
+      <dgm:prSet presAssocID="{4D82A73A-5CB8-4E5B-914C-8BF23F96D1E9}" presName="node" presStyleLbl="node1" presStyleIdx="1" presStyleCnt="5" custScaleX="61833" custScaleY="34181" custRadScaleRad="77431" custRadScaleInc="-16723">
+        <dgm:presLayoutVars>
+          <dgm:bulletEnabled val="1"/>
+        </dgm:presLayoutVars>
+      </dgm:prSet>
+      <dgm:spPr/>
+      <dgm:t>
+        <a:bodyPr/>
+        <a:lstStyle/>
+        <a:p>
+          <a:endParaRPr lang="en-US"/>
+        </a:p>
+      </dgm:t>
+    </dgm:pt>
+    <dgm:pt modelId="{CB49FDFE-CD01-4549-BECC-F643BDA4AC32}" type="pres">
+      <dgm:prSet presAssocID="{427FAEEA-455B-413B-9851-06C6ECB1DF94}" presName="parTrans" presStyleLbl="bgSibTrans2D1" presStyleIdx="2" presStyleCnt="5" custScaleX="75462" custScaleY="47067" custLinFactNeighborX="-8372" custLinFactNeighborY="31088"/>
+      <dgm:spPr>
+        <a:prstGeom prst="leftRightArrow">
+          <a:avLst/>
+        </a:prstGeom>
+      </dgm:spPr>
+    </dgm:pt>
+    <dgm:pt modelId="{28E6711B-2FCE-46DC-BC44-D63E2DC94367}" type="pres">
+      <dgm:prSet presAssocID="{D37D2FC7-415B-4072-86E8-C83D32EA50E4}" presName="node" presStyleLbl="node1" presStyleIdx="2" presStyleCnt="5" custScaleX="70641" custScaleY="33602" custRadScaleRad="48897" custRadScaleInc="-6406">
+        <dgm:presLayoutVars>
+          <dgm:bulletEnabled val="1"/>
+        </dgm:presLayoutVars>
+      </dgm:prSet>
+      <dgm:spPr/>
+      <dgm:t>
+        <a:bodyPr/>
+        <a:lstStyle/>
+        <a:p>
+          <a:endParaRPr lang="en-US"/>
+        </a:p>
+      </dgm:t>
+    </dgm:pt>
+    <dgm:pt modelId="{17E27A50-C6E0-41F1-AB68-E0B2682F3C46}" type="pres">
+      <dgm:prSet presAssocID="{5160E2D1-F6F4-46C6-9C6A-1C02B231075E}" presName="parTrans" presStyleLbl="bgSibTrans2D1" presStyleIdx="3" presStyleCnt="5" custScaleX="64833" custScaleY="46072" custLinFactNeighborX="-19447" custLinFactNeighborY="31238" custRadScaleRad="211716"/>
+      <dgm:spPr>
+        <a:prstGeom prst="leftRightArrow">
+          <a:avLst/>
+        </a:prstGeom>
+      </dgm:spPr>
+    </dgm:pt>
+    <dgm:pt modelId="{4E3C4A2E-0BC9-470D-A6A5-902BC3D09A15}" type="pres">
+      <dgm:prSet presAssocID="{68187428-F245-4903-B920-C789A68C8D3C}" presName="node" presStyleLbl="node1" presStyleIdx="3" presStyleCnt="5" custScaleX="49067" custScaleY="32352" custRadScaleRad="75272" custRadScaleInc="11676">
+        <dgm:presLayoutVars>
+          <dgm:bulletEnabled val="1"/>
+        </dgm:presLayoutVars>
+      </dgm:prSet>
+      <dgm:spPr/>
+      <dgm:t>
+        <a:bodyPr/>
+        <a:lstStyle/>
+        <a:p>
+          <a:endParaRPr lang="en-US"/>
+        </a:p>
+      </dgm:t>
+    </dgm:pt>
+    <dgm:pt modelId="{5EAB83D3-FB3F-4DB5-B4CE-4575C90C3FD3}" type="pres">
+      <dgm:prSet presAssocID="{44B12766-F157-4951-81B3-0EAD7001E2B3}" presName="parTrans" presStyleLbl="bgSibTrans2D1" presStyleIdx="4" presStyleCnt="5" custScaleX="74730" custScaleY="50082" custLinFactNeighborX="-9318" custLinFactNeighborY="30829"/>
+      <dgm:spPr>
+        <a:prstGeom prst="leftRightArrow">
+          <a:avLst/>
+        </a:prstGeom>
+      </dgm:spPr>
+    </dgm:pt>
+    <dgm:pt modelId="{A2643D6B-763A-4E5A-8D2D-E9722B78B84F}" type="pres">
+      <dgm:prSet presAssocID="{B409067E-00CC-447A-8AB8-0EA02B5C1FC7}" presName="node" presStyleLbl="node1" presStyleIdx="4" presStyleCnt="5" custScaleX="46077" custScaleY="32596" custRadScaleRad="124575" custRadScaleInc="-65949">
+        <dgm:presLayoutVars>
+          <dgm:bulletEnabled val="1"/>
+        </dgm:presLayoutVars>
+      </dgm:prSet>
+      <dgm:spPr/>
+      <dgm:t>
+        <a:bodyPr/>
+        <a:lstStyle/>
+        <a:p>
+          <a:endParaRPr lang="en-US"/>
+        </a:p>
+      </dgm:t>
+    </dgm:pt>
+  </dgm:ptLst>
+  <dgm:cxnLst>
+    <dgm:cxn modelId="{7F8AA4A0-D909-4DF8-A4F6-D01FB482AC80}" type="presOf" srcId="{44B12766-F157-4951-81B3-0EAD7001E2B3}" destId="{5EAB83D3-FB3F-4DB5-B4CE-4575C90C3FD3}" srcOrd="0" destOrd="0" presId="urn:microsoft.com/office/officeart/2005/8/layout/radial4"/>
+    <dgm:cxn modelId="{49D21B49-C2B6-4950-B970-B3A7369FCFEC}" srcId="{593248D9-0442-439F-9C3C-E048354EC003}" destId="{4D82A73A-5CB8-4E5B-914C-8BF23F96D1E9}" srcOrd="1" destOrd="0" parTransId="{B5FE8334-692B-4ECE-86D0-9F015CD99653}" sibTransId="{D7858A6F-660A-4D76-8196-45C4096415AF}"/>
+    <dgm:cxn modelId="{48ADCE4B-31F4-4895-B6EF-BAEBEFA3FA24}" type="presOf" srcId="{B409067E-00CC-447A-8AB8-0EA02B5C1FC7}" destId="{A2643D6B-763A-4E5A-8D2D-E9722B78B84F}" srcOrd="0" destOrd="0" presId="urn:microsoft.com/office/officeart/2005/8/layout/radial4"/>
+    <dgm:cxn modelId="{89567E82-6319-4DA2-9474-1BD3A8697C19}" type="presOf" srcId="{593248D9-0442-439F-9C3C-E048354EC003}" destId="{8E8D42DD-88F7-4F99-B601-10FA49CDF0D6}" srcOrd="0" destOrd="0" presId="urn:microsoft.com/office/officeart/2005/8/layout/radial4"/>
+    <dgm:cxn modelId="{1EDCDCD6-A433-4B55-9723-EB2528846CF4}" srcId="{593248D9-0442-439F-9C3C-E048354EC003}" destId="{68187428-F245-4903-B920-C789A68C8D3C}" srcOrd="3" destOrd="0" parTransId="{5160E2D1-F6F4-46C6-9C6A-1C02B231075E}" sibTransId="{F6FC4D53-703A-4BD0-9E95-E34E162CBACE}"/>
+    <dgm:cxn modelId="{126267F6-A5C7-4884-ADC2-F614F6FC5395}" type="presOf" srcId="{FB22D5B5-1963-42CA-BEEC-CC6B5EEE6D75}" destId="{090C4A32-0438-4880-B679-3F8DBEEB9D7D}" srcOrd="0" destOrd="0" presId="urn:microsoft.com/office/officeart/2005/8/layout/radial4"/>
+    <dgm:cxn modelId="{25282130-ACEF-4605-A5BE-61520CAB9A7C}" type="presOf" srcId="{68187428-F245-4903-B920-C789A68C8D3C}" destId="{4E3C4A2E-0BC9-470D-A6A5-902BC3D09A15}" srcOrd="0" destOrd="0" presId="urn:microsoft.com/office/officeart/2005/8/layout/radial4"/>
+    <dgm:cxn modelId="{971BE77F-02C4-4BA1-8ADA-547442B159F5}" srcId="{593248D9-0442-439F-9C3C-E048354EC003}" destId="{D37D2FC7-415B-4072-86E8-C83D32EA50E4}" srcOrd="2" destOrd="0" parTransId="{427FAEEA-455B-413B-9851-06C6ECB1DF94}" sibTransId="{E9E9BD89-3898-4512-8C34-9AC2619F21B3}"/>
+    <dgm:cxn modelId="{A81BBCF7-EF39-4C78-942B-D01768698B8F}" srcId="{F2C478DF-C240-4FB1-BF51-481D74C285AB}" destId="{7C7B77A0-F8EF-4AB3-8E21-762440CD670D}" srcOrd="2" destOrd="0" parTransId="{CFD9E4CA-C06B-4FEB-85B5-37ED3E21B688}" sibTransId="{B9171FC6-571A-4057-BEE8-06B1FC26BC9E}"/>
+    <dgm:cxn modelId="{87E7894E-E234-462A-A4E7-D24935567897}" type="presOf" srcId="{D37D2FC7-415B-4072-86E8-C83D32EA50E4}" destId="{28E6711B-2FCE-46DC-BC44-D63E2DC94367}" srcOrd="0" destOrd="0" presId="urn:microsoft.com/office/officeart/2005/8/layout/radial4"/>
+    <dgm:cxn modelId="{EEDE7422-3D2D-4E06-B969-C396DBE5E04F}" srcId="{F2C478DF-C240-4FB1-BF51-481D74C285AB}" destId="{E1E64C65-5E15-4481-ACE4-5AD35F0A91CA}" srcOrd="1" destOrd="0" parTransId="{78A20770-3546-44F6-9749-1085968B3626}" sibTransId="{DC0048F6-D630-47B1-A0D4-514DD9288F59}"/>
+    <dgm:cxn modelId="{23D461D1-DDC6-4E72-A3F0-FE295ACA9184}" type="presOf" srcId="{427FAEEA-455B-413B-9851-06C6ECB1DF94}" destId="{CB49FDFE-CD01-4549-BECC-F643BDA4AC32}" srcOrd="0" destOrd="0" presId="urn:microsoft.com/office/officeart/2005/8/layout/radial4"/>
+    <dgm:cxn modelId="{C7D06D7D-C0D7-4519-9443-C0967A3E1780}" srcId="{593248D9-0442-439F-9C3C-E048354EC003}" destId="{04464A21-A846-4CD4-B1B0-6D14CFC82206}" srcOrd="0" destOrd="0" parTransId="{FB22D5B5-1963-42CA-BEEC-CC6B5EEE6D75}" sibTransId="{8D4B8B69-349A-4134-8B00-24038360D8AB}"/>
+    <dgm:cxn modelId="{733A9B13-03A2-4840-BFA3-1916EA3FD95F}" srcId="{593248D9-0442-439F-9C3C-E048354EC003}" destId="{B409067E-00CC-447A-8AB8-0EA02B5C1FC7}" srcOrd="4" destOrd="0" parTransId="{44B12766-F157-4951-81B3-0EAD7001E2B3}" sibTransId="{C0A2A8A9-0C50-421A-9160-4138A65EEB05}"/>
+    <dgm:cxn modelId="{B2B0CDA5-D590-4457-B294-15B79F04697A}" type="presOf" srcId="{B5FE8334-692B-4ECE-86D0-9F015CD99653}" destId="{CB09604B-62D1-439F-AA56-E998CA0704BB}" srcOrd="0" destOrd="0" presId="urn:microsoft.com/office/officeart/2005/8/layout/radial4"/>
+    <dgm:cxn modelId="{7928C26F-6D49-43FA-8EBC-DE1993D306B1}" type="presOf" srcId="{5160E2D1-F6F4-46C6-9C6A-1C02B231075E}" destId="{17E27A50-C6E0-41F1-AB68-E0B2682F3C46}" srcOrd="0" destOrd="0" presId="urn:microsoft.com/office/officeart/2005/8/layout/radial4"/>
+    <dgm:cxn modelId="{2770E235-9557-40E7-A6A2-C5F12EC54951}" type="presOf" srcId="{F2C478DF-C240-4FB1-BF51-481D74C285AB}" destId="{7AAAE1C6-1A04-41DB-8770-FE2780B3470F}" srcOrd="0" destOrd="0" presId="urn:microsoft.com/office/officeart/2005/8/layout/radial4"/>
+    <dgm:cxn modelId="{C2784118-A29F-41DD-AFDD-7F6BC4D38BF2}" srcId="{F2C478DF-C240-4FB1-BF51-481D74C285AB}" destId="{593248D9-0442-439F-9C3C-E048354EC003}" srcOrd="0" destOrd="0" parTransId="{C9663CAE-1E4C-4879-8164-D96695D44B79}" sibTransId="{DDB5602A-9787-48E4-B3C2-E075E5331ECD}"/>
+    <dgm:cxn modelId="{0CE32472-297E-478A-BB0B-153F9F614278}" type="presOf" srcId="{04464A21-A846-4CD4-B1B0-6D14CFC82206}" destId="{C2B24967-2BCE-4C04-B5A1-9563A4CEA370}" srcOrd="0" destOrd="0" presId="urn:microsoft.com/office/officeart/2005/8/layout/radial4"/>
+    <dgm:cxn modelId="{65DA74BA-8E49-424A-AF8B-AAE30038E2EE}" type="presOf" srcId="{4D82A73A-5CB8-4E5B-914C-8BF23F96D1E9}" destId="{4A2BDC32-2E74-4B01-AF15-A2789B36062D}" srcOrd="0" destOrd="0" presId="urn:microsoft.com/office/officeart/2005/8/layout/radial4"/>
+    <dgm:cxn modelId="{5A1ADD25-8BE6-4815-9F0E-6C7CC8E0FC35}" type="presParOf" srcId="{7AAAE1C6-1A04-41DB-8770-FE2780B3470F}" destId="{8E8D42DD-88F7-4F99-B601-10FA49CDF0D6}" srcOrd="0" destOrd="0" presId="urn:microsoft.com/office/officeart/2005/8/layout/radial4"/>
+    <dgm:cxn modelId="{1BAA1A4F-2B66-425E-8694-147917B1A7A2}" type="presParOf" srcId="{7AAAE1C6-1A04-41DB-8770-FE2780B3470F}" destId="{090C4A32-0438-4880-B679-3F8DBEEB9D7D}" srcOrd="1" destOrd="0" presId="urn:microsoft.com/office/officeart/2005/8/layout/radial4"/>
+    <dgm:cxn modelId="{A21C9C4F-1A83-4472-9A8C-F9C160C7563D}" type="presParOf" srcId="{7AAAE1C6-1A04-41DB-8770-FE2780B3470F}" destId="{C2B24967-2BCE-4C04-B5A1-9563A4CEA370}" srcOrd="2" destOrd="0" presId="urn:microsoft.com/office/officeart/2005/8/layout/radial4"/>
+    <dgm:cxn modelId="{C02A24E9-03C9-407D-9B2B-C33995205527}" type="presParOf" srcId="{7AAAE1C6-1A04-41DB-8770-FE2780B3470F}" destId="{CB09604B-62D1-439F-AA56-E998CA0704BB}" srcOrd="3" destOrd="0" presId="urn:microsoft.com/office/officeart/2005/8/layout/radial4"/>
+    <dgm:cxn modelId="{01E48C77-9AD7-459C-AF08-D14722407BA5}" type="presParOf" srcId="{7AAAE1C6-1A04-41DB-8770-FE2780B3470F}" destId="{4A2BDC32-2E74-4B01-AF15-A2789B36062D}" srcOrd="4" destOrd="0" presId="urn:microsoft.com/office/officeart/2005/8/layout/radial4"/>
+    <dgm:cxn modelId="{955D8413-F3A5-4A0D-BF5B-3FF5528D1A0E}" type="presParOf" srcId="{7AAAE1C6-1A04-41DB-8770-FE2780B3470F}" destId="{CB49FDFE-CD01-4549-BECC-F643BDA4AC32}" srcOrd="5" destOrd="0" presId="urn:microsoft.com/office/officeart/2005/8/layout/radial4"/>
+    <dgm:cxn modelId="{85AB918E-F5C9-4B21-A49A-CB9E6D152C06}" type="presParOf" srcId="{7AAAE1C6-1A04-41DB-8770-FE2780B3470F}" destId="{28E6711B-2FCE-46DC-BC44-D63E2DC94367}" srcOrd="6" destOrd="0" presId="urn:microsoft.com/office/officeart/2005/8/layout/radial4"/>
+    <dgm:cxn modelId="{00B6E603-0FFD-48C6-9700-B374B48C9098}" type="presParOf" srcId="{7AAAE1C6-1A04-41DB-8770-FE2780B3470F}" destId="{17E27A50-C6E0-41F1-AB68-E0B2682F3C46}" srcOrd="7" destOrd="0" presId="urn:microsoft.com/office/officeart/2005/8/layout/radial4"/>
+    <dgm:cxn modelId="{A5EFDA26-F7C8-475D-9CCC-D6EC965BDE9F}" type="presParOf" srcId="{7AAAE1C6-1A04-41DB-8770-FE2780B3470F}" destId="{4E3C4A2E-0BC9-470D-A6A5-902BC3D09A15}" srcOrd="8" destOrd="0" presId="urn:microsoft.com/office/officeart/2005/8/layout/radial4"/>
+    <dgm:cxn modelId="{1B7E24E3-099D-46FD-9515-EC4826125E35}" type="presParOf" srcId="{7AAAE1C6-1A04-41DB-8770-FE2780B3470F}" destId="{5EAB83D3-FB3F-4DB5-B4CE-4575C90C3FD3}" srcOrd="9" destOrd="0" presId="urn:microsoft.com/office/officeart/2005/8/layout/radial4"/>
+    <dgm:cxn modelId="{A9CEB41E-381B-4BC5-9DC4-26D0D58FEE14}" type="presParOf" srcId="{7AAAE1C6-1A04-41DB-8770-FE2780B3470F}" destId="{A2643D6B-763A-4E5A-8D2D-E9722B78B84F}" srcOrd="10" destOrd="0" presId="urn:microsoft.com/office/officeart/2005/8/layout/radial4"/>
+  </dgm:cxnLst>
+  <dgm:bg>
+    <a:noFill/>
+  </dgm:bg>
+  <dgm:whole/>
+</dgm:dataModel>
+</file>
+
 <file path=ppt/diagrams/layout1.xml><?xml version="1.0" encoding="utf-8"?>
 <dgm:layoutDef xmlns:dgm="http://schemas.openxmlformats.org/drawingml/2006/diagram" xmlns:a="http://schemas.openxmlformats.org/drawingml/2006/main" uniqueId="urn:microsoft.com/office/officeart/2005/8/layout/process1">
   <dgm:title val=""/>
@@ -3201,6 +4601,266 @@
       </dgm:if>
       <dgm:else name="Name38"/>
     </dgm:choose>
+  </dgm:layoutNode>
+</dgm:layoutDef>
+</file>
+
+<file path=ppt/diagrams/layout3.xml><?xml version="1.0" encoding="utf-8"?>
+<dgm:layoutDef xmlns:dgm="http://schemas.openxmlformats.org/drawingml/2006/diagram" xmlns:a="http://schemas.openxmlformats.org/drawingml/2006/main" uniqueId="urn:microsoft.com/office/officeart/2005/8/layout/radial4">
+  <dgm:title val=""/>
+  <dgm:desc val=""/>
+  <dgm:catLst>
+    <dgm:cat type="relationship" pri="19000"/>
+  </dgm:catLst>
+  <dgm:sampData>
+    <dgm:dataModel>
+      <dgm:ptLst>
+        <dgm:pt modelId="0" type="doc"/>
+        <dgm:pt modelId="1">
+          <dgm:prSet phldr="1"/>
+        </dgm:pt>
+        <dgm:pt modelId="11">
+          <dgm:prSet phldr="1"/>
+        </dgm:pt>
+        <dgm:pt modelId="12">
+          <dgm:prSet phldr="1"/>
+        </dgm:pt>
+        <dgm:pt modelId="13">
+          <dgm:prSet phldr="1"/>
+        </dgm:pt>
+      </dgm:ptLst>
+      <dgm:cxnLst>
+        <dgm:cxn modelId="2" srcId="0" destId="1" srcOrd="0" destOrd="0"/>
+        <dgm:cxn modelId="3" srcId="1" destId="11" srcOrd="0" destOrd="0"/>
+        <dgm:cxn modelId="4" srcId="1" destId="12" srcOrd="1" destOrd="0"/>
+        <dgm:cxn modelId="5" srcId="1" destId="13" srcOrd="2" destOrd="0"/>
+      </dgm:cxnLst>
+      <dgm:bg/>
+      <dgm:whole/>
+    </dgm:dataModel>
+  </dgm:sampData>
+  <dgm:styleData>
+    <dgm:dataModel>
+      <dgm:ptLst>
+        <dgm:pt modelId="0" type="doc"/>
+        <dgm:pt modelId="1"/>
+        <dgm:pt modelId="11"/>
+        <dgm:pt modelId="12"/>
+      </dgm:ptLst>
+      <dgm:cxnLst>
+        <dgm:cxn modelId="2" srcId="0" destId="1" srcOrd="0" destOrd="0"/>
+        <dgm:cxn modelId="15" srcId="1" destId="11" srcOrd="0" destOrd="0"/>
+        <dgm:cxn modelId="16" srcId="1" destId="12" srcOrd="1" destOrd="0"/>
+      </dgm:cxnLst>
+      <dgm:bg/>
+      <dgm:whole/>
+    </dgm:dataModel>
+  </dgm:styleData>
+  <dgm:clrData>
+    <dgm:dataModel>
+      <dgm:ptLst>
+        <dgm:pt modelId="0" type="doc"/>
+        <dgm:pt modelId="1"/>
+        <dgm:pt modelId="11"/>
+        <dgm:pt modelId="12"/>
+        <dgm:pt modelId="13"/>
+        <dgm:pt modelId="14"/>
+        <dgm:pt modelId="15"/>
+        <dgm:pt modelId="16"/>
+      </dgm:ptLst>
+      <dgm:cxnLst>
+        <dgm:cxn modelId="2" srcId="0" destId="1" srcOrd="0" destOrd="0"/>
+        <dgm:cxn modelId="16" srcId="1" destId="11" srcOrd="0" destOrd="0"/>
+        <dgm:cxn modelId="17" srcId="1" destId="12" srcOrd="1" destOrd="0"/>
+        <dgm:cxn modelId="18" srcId="1" destId="13" srcOrd="2" destOrd="0"/>
+        <dgm:cxn modelId="19" srcId="1" destId="14" srcOrd="3" destOrd="0"/>
+        <dgm:cxn modelId="20" srcId="1" destId="15" srcOrd="4" destOrd="0"/>
+        <dgm:cxn modelId="21" srcId="1" destId="16" srcOrd="5" destOrd="0"/>
+      </dgm:cxnLst>
+      <dgm:bg/>
+      <dgm:whole/>
+    </dgm:dataModel>
+  </dgm:clrData>
+  <dgm:layoutNode name="cycle">
+    <dgm:varLst>
+      <dgm:chMax val="1"/>
+      <dgm:dir/>
+      <dgm:animLvl val="ctr"/>
+      <dgm:resizeHandles val="exact"/>
+    </dgm:varLst>
+    <dgm:choose name="Name0">
+      <dgm:if name="Name1" func="var" arg="dir" op="equ" val="norm">
+        <dgm:choose name="Name2">
+          <dgm:if name="Name3" axis="ch ch" ptType="node node" st="1 1" cnt="1 0" func="cnt" op="lte" val="1">
+            <dgm:alg type="cycle">
+              <dgm:param type="stAng" val="0"/>
+              <dgm:param type="spanAng" val="360"/>
+              <dgm:param type="ctrShpMap" val="fNode"/>
+            </dgm:alg>
+          </dgm:if>
+          <dgm:else name="Name4">
+            <dgm:choose name="Name5">
+              <dgm:if name="Name6" axis="ch ch" ptType="node node" st="1 1" cnt="1 0" func="cnt" op="lte" val="3">
+                <dgm:alg type="cycle">
+                  <dgm:param type="stAng" val="-55"/>
+                  <dgm:param type="spanAng" val="110"/>
+                  <dgm:param type="ctrShpMap" val="fNode"/>
+                </dgm:alg>
+              </dgm:if>
+              <dgm:else name="Name7">
+                <dgm:choose name="Name8">
+                  <dgm:if name="Name9" axis="ch ch" ptType="node node" st="1 1" cnt="1 0" func="cnt" op="equ" val="4">
+                    <dgm:alg type="cycle">
+                      <dgm:param type="stAng" val="-75"/>
+                      <dgm:param type="spanAng" val="150"/>
+                      <dgm:param type="ctrShpMap" val="fNode"/>
+                    </dgm:alg>
+                  </dgm:if>
+                  <dgm:else name="Name10">
+                    <dgm:alg type="cycle">
+                      <dgm:param type="stAng" val="-90"/>
+                      <dgm:param type="spanAng" val="180"/>
+                      <dgm:param type="ctrShpMap" val="fNode"/>
+                    </dgm:alg>
+                  </dgm:else>
+                </dgm:choose>
+              </dgm:else>
+            </dgm:choose>
+          </dgm:else>
+        </dgm:choose>
+      </dgm:if>
+      <dgm:else name="Name11">
+        <dgm:choose name="Name12">
+          <dgm:if name="Name13" axis="ch ch" ptType="node node" st="1 1" cnt="1 0" func="cnt" op="lte" val="1">
+            <dgm:alg type="cycle">
+              <dgm:param type="stAng" val="0"/>
+              <dgm:param type="spanAng" val="-360"/>
+              <dgm:param type="ctrShpMap" val="fNode"/>
+            </dgm:alg>
+          </dgm:if>
+          <dgm:else name="Name14">
+            <dgm:choose name="Name15">
+              <dgm:if name="Name16" axis="ch ch" ptType="node node" st="1 1" cnt="1 0" func="cnt" op="lte" val="3">
+                <dgm:alg type="cycle">
+                  <dgm:param type="stAng" val="55"/>
+                  <dgm:param type="spanAng" val="-110"/>
+                  <dgm:param type="ctrShpMap" val="fNode"/>
+                </dgm:alg>
+              </dgm:if>
+              <dgm:else name="Name17">
+                <dgm:choose name="Name18">
+                  <dgm:if name="Name19" axis="ch ch" ptType="node node" st="1 1" cnt="1 0" func="cnt" op="equ" val="4">
+                    <dgm:alg type="cycle">
+                      <dgm:param type="stAng" val="75"/>
+                      <dgm:param type="spanAng" val="-150"/>
+                      <dgm:param type="ctrShpMap" val="fNode"/>
+                    </dgm:alg>
+                  </dgm:if>
+                  <dgm:else name="Name20">
+                    <dgm:alg type="cycle">
+                      <dgm:param type="stAng" val="90"/>
+                      <dgm:param type="spanAng" val="-180"/>
+                      <dgm:param type="ctrShpMap" val="fNode"/>
+                    </dgm:alg>
+                  </dgm:else>
+                </dgm:choose>
+              </dgm:else>
+            </dgm:choose>
+          </dgm:else>
+        </dgm:choose>
+      </dgm:else>
+    </dgm:choose>
+    <dgm:shape xmlns:r="http://schemas.openxmlformats.org/officeDocument/2006/relationships" r:blip="">
+      <dgm:adjLst/>
+    </dgm:shape>
+    <dgm:presOf/>
+    <dgm:constrLst>
+      <dgm:constr type="w" for="ch" forName="centerShape" refType="w"/>
+      <dgm:constr type="w" for="ch" forName="node" refType="w" refFor="ch" refForName="centerShape" fact="0.95"/>
+      <dgm:constr type="h" for="ch" forName="parTrans" refType="w" refFor="ch" refForName="centerShape" fact="0.285"/>
+      <dgm:constr type="sp" refType="w" refFor="ch" refForName="centerShape" op="equ" fact="0.23"/>
+      <dgm:constr type="sibSp" refType="w" refFor="ch" refForName="node" fact="0.1"/>
+      <dgm:constr type="primFontSz" for="ch" forName="node" op="equ"/>
+    </dgm:constrLst>
+    <dgm:choose name="Name21">
+      <dgm:if name="Name22" axis="ch ch" ptType="node node" st="1 1" cnt="1 0" func="cnt" op="lte" val="5">
+        <dgm:ruleLst>
+          <dgm:rule type="w" for="ch" forName="centerShape" val="NaN" fact="0.27" max="NaN"/>
+        </dgm:ruleLst>
+      </dgm:if>
+      <dgm:else name="Name23">
+        <dgm:ruleLst>
+          <dgm:rule type="w" for="ch" forName="centerShape" val="NaN" fact="0.27" max="NaN"/>
+          <dgm:rule type="w" for="ch" forName="node" val="NaN" fact="0.7" max="NaN"/>
+        </dgm:ruleLst>
+      </dgm:else>
+    </dgm:choose>
+    <dgm:forEach name="Name24" axis="ch" ptType="node" cnt="1">
+      <dgm:layoutNode name="centerShape" styleLbl="node0">
+        <dgm:alg type="tx"/>
+        <dgm:shape xmlns:r="http://schemas.openxmlformats.org/officeDocument/2006/relationships" type="ellipse" r:blip="">
+          <dgm:adjLst/>
+        </dgm:shape>
+        <dgm:presOf axis="self"/>
+        <dgm:constrLst>
+          <dgm:constr type="tMarg" refType="primFontSz" fact="0.05"/>
+          <dgm:constr type="bMarg" refType="primFontSz" fact="0.05"/>
+          <dgm:constr type="lMarg" refType="primFontSz" fact="0.05"/>
+          <dgm:constr type="rMarg" refType="primFontSz" fact="0.05"/>
+          <dgm:constr type="primFontSz" val="65"/>
+          <dgm:constr type="h" refType="w"/>
+        </dgm:constrLst>
+        <dgm:ruleLst>
+          <dgm:rule type="primFontSz" val="5" fact="NaN" max="NaN"/>
+        </dgm:ruleLst>
+      </dgm:layoutNode>
+      <dgm:forEach name="Name25" axis="ch">
+        <dgm:forEach name="Name26" axis="self" ptType="parTrans">
+          <dgm:layoutNode name="parTrans" styleLbl="bgSibTrans2D1">
+            <dgm:alg type="conn">
+              <dgm:param type="begPts" val="auto"/>
+              <dgm:param type="endPts" val="ctr"/>
+              <dgm:param type="endSty" val="noArr"/>
+              <dgm:param type="begSty" val="arr"/>
+            </dgm:alg>
+            <dgm:shape xmlns:r="http://schemas.openxmlformats.org/officeDocument/2006/relationships" type="conn" r:blip="">
+              <dgm:adjLst/>
+            </dgm:shape>
+            <dgm:presOf axis="self"/>
+            <dgm:constrLst>
+              <dgm:constr type="begPad" refType="connDist" fact="0.055"/>
+              <dgm:constr type="endPad"/>
+            </dgm:constrLst>
+            <dgm:ruleLst/>
+          </dgm:layoutNode>
+        </dgm:forEach>
+        <dgm:forEach name="Name27" axis="self" ptType="node">
+          <dgm:layoutNode name="node" styleLbl="node1">
+            <dgm:varLst>
+              <dgm:bulletEnabled val="1"/>
+            </dgm:varLst>
+            <dgm:alg type="tx"/>
+            <dgm:shape xmlns:r="http://schemas.openxmlformats.org/officeDocument/2006/relationships" type="roundRect" r:blip="">
+              <dgm:adjLst>
+                <dgm:adj idx="1" val="0.1"/>
+              </dgm:adjLst>
+            </dgm:shape>
+            <dgm:presOf axis="desOrSelf" ptType="node"/>
+            <dgm:constrLst>
+              <dgm:constr type="primFontSz" val="65"/>
+              <dgm:constr type="h" refType="w" fact="0.8"/>
+              <dgm:constr type="tMarg" refType="primFontSz" fact="0.15"/>
+              <dgm:constr type="bMarg" refType="primFontSz" fact="0.15"/>
+              <dgm:constr type="lMarg" refType="primFontSz" fact="0.15"/>
+              <dgm:constr type="rMarg" refType="primFontSz" fact="0.15"/>
+            </dgm:constrLst>
+            <dgm:ruleLst>
+              <dgm:rule type="primFontSz" val="5" fact="NaN" max="NaN"/>
+            </dgm:ruleLst>
+          </dgm:layoutNode>
+        </dgm:forEach>
+      </dgm:forEach>
+    </dgm:forEach>
   </dgm:layoutNode>
 </dgm:layoutDef>
 </file>
@@ -5273,6 +6933,1040 @@
 </dgm:styleDef>
 </file>
 
+<file path=ppt/diagrams/quickStyle3.xml><?xml version="1.0" encoding="utf-8"?>
+<dgm:styleDef xmlns:dgm="http://schemas.openxmlformats.org/drawingml/2006/diagram" xmlns:a="http://schemas.openxmlformats.org/drawingml/2006/main" uniqueId="urn:microsoft.com/office/officeart/2005/8/quickstyle/simple1">
+  <dgm:title val=""/>
+  <dgm:desc val=""/>
+  <dgm:catLst>
+    <dgm:cat type="simple" pri="10100"/>
+  </dgm:catLst>
+  <dgm:scene3d>
+    <a:camera prst="orthographicFront"/>
+    <a:lightRig rig="threePt" dir="t"/>
+  </dgm:scene3d>
+  <dgm:styleLbl name="node0">
+    <dgm:scene3d>
+      <a:camera prst="orthographicFront"/>
+      <a:lightRig rig="threePt" dir="t"/>
+    </dgm:scene3d>
+    <dgm:sp3d/>
+    <dgm:txPr/>
+    <dgm:style>
+      <a:lnRef idx="2">
+        <a:scrgbClr r="0" g="0" b="0"/>
+      </a:lnRef>
+      <a:fillRef idx="1">
+        <a:scrgbClr r="0" g="0" b="0"/>
+      </a:fillRef>
+      <a:effectRef idx="0">
+        <a:scrgbClr r="0" g="0" b="0"/>
+      </a:effectRef>
+      <a:fontRef idx="minor">
+        <a:schemeClr val="lt1"/>
+      </a:fontRef>
+    </dgm:style>
+  </dgm:styleLbl>
+  <dgm:styleLbl name="lnNode1">
+    <dgm:scene3d>
+      <a:camera prst="orthographicFront"/>
+      <a:lightRig rig="threePt" dir="t"/>
+    </dgm:scene3d>
+    <dgm:sp3d/>
+    <dgm:txPr/>
+    <dgm:style>
+      <a:lnRef idx="2">
+        <a:scrgbClr r="0" g="0" b="0"/>
+      </a:lnRef>
+      <a:fillRef idx="1">
+        <a:scrgbClr r="0" g="0" b="0"/>
+      </a:fillRef>
+      <a:effectRef idx="0">
+        <a:scrgbClr r="0" g="0" b="0"/>
+      </a:effectRef>
+      <a:fontRef idx="minor">
+        <a:schemeClr val="lt1"/>
+      </a:fontRef>
+    </dgm:style>
+  </dgm:styleLbl>
+  <dgm:styleLbl name="vennNode1">
+    <dgm:scene3d>
+      <a:camera prst="orthographicFront"/>
+      <a:lightRig rig="threePt" dir="t"/>
+    </dgm:scene3d>
+    <dgm:sp3d/>
+    <dgm:txPr/>
+    <dgm:style>
+      <a:lnRef idx="2">
+        <a:scrgbClr r="0" g="0" b="0"/>
+      </a:lnRef>
+      <a:fillRef idx="1">
+        <a:scrgbClr r="0" g="0" b="0"/>
+      </a:fillRef>
+      <a:effectRef idx="0">
+        <a:scrgbClr r="0" g="0" b="0"/>
+      </a:effectRef>
+      <a:fontRef idx="minor">
+        <a:schemeClr val="tx1"/>
+      </a:fontRef>
+    </dgm:style>
+  </dgm:styleLbl>
+  <dgm:styleLbl name="alignNode1">
+    <dgm:scene3d>
+      <a:camera prst="orthographicFront"/>
+      <a:lightRig rig="threePt" dir="t"/>
+    </dgm:scene3d>
+    <dgm:sp3d/>
+    <dgm:txPr/>
+    <dgm:style>
+      <a:lnRef idx="2">
+        <a:scrgbClr r="0" g="0" b="0"/>
+      </a:lnRef>
+      <a:fillRef idx="1">
+        <a:scrgbClr r="0" g="0" b="0"/>
+      </a:fillRef>
+      <a:effectRef idx="0">
+        <a:scrgbClr r="0" g="0" b="0"/>
+      </a:effectRef>
+      <a:fontRef idx="minor">
+        <a:schemeClr val="lt1"/>
+      </a:fontRef>
+    </dgm:style>
+  </dgm:styleLbl>
+  <dgm:styleLbl name="node1">
+    <dgm:scene3d>
+      <a:camera prst="orthographicFront"/>
+      <a:lightRig rig="threePt" dir="t"/>
+    </dgm:scene3d>
+    <dgm:sp3d/>
+    <dgm:txPr/>
+    <dgm:style>
+      <a:lnRef idx="2">
+        <a:scrgbClr r="0" g="0" b="0"/>
+      </a:lnRef>
+      <a:fillRef idx="1">
+        <a:scrgbClr r="0" g="0" b="0"/>
+      </a:fillRef>
+      <a:effectRef idx="0">
+        <a:scrgbClr r="0" g="0" b="0"/>
+      </a:effectRef>
+      <a:fontRef idx="minor">
+        <a:schemeClr val="lt1"/>
+      </a:fontRef>
+    </dgm:style>
+  </dgm:styleLbl>
+  <dgm:styleLbl name="node2">
+    <dgm:scene3d>
+      <a:camera prst="orthographicFront"/>
+      <a:lightRig rig="threePt" dir="t"/>
+    </dgm:scene3d>
+    <dgm:sp3d/>
+    <dgm:txPr/>
+    <dgm:style>
+      <a:lnRef idx="2">
+        <a:scrgbClr r="0" g="0" b="0"/>
+      </a:lnRef>
+      <a:fillRef idx="1">
+        <a:scrgbClr r="0" g="0" b="0"/>
+      </a:fillRef>
+      <a:effectRef idx="0">
+        <a:scrgbClr r="0" g="0" b="0"/>
+      </a:effectRef>
+      <a:fontRef idx="minor">
+        <a:schemeClr val="lt1"/>
+      </a:fontRef>
+    </dgm:style>
+  </dgm:styleLbl>
+  <dgm:styleLbl name="node3">
+    <dgm:scene3d>
+      <a:camera prst="orthographicFront"/>
+      <a:lightRig rig="threePt" dir="t"/>
+    </dgm:scene3d>
+    <dgm:sp3d/>
+    <dgm:txPr/>
+    <dgm:style>
+      <a:lnRef idx="2">
+        <a:scrgbClr r="0" g="0" b="0"/>
+      </a:lnRef>
+      <a:fillRef idx="1">
+        <a:scrgbClr r="0" g="0" b="0"/>
+      </a:fillRef>
+      <a:effectRef idx="0">
+        <a:scrgbClr r="0" g="0" b="0"/>
+      </a:effectRef>
+      <a:fontRef idx="minor">
+        <a:schemeClr val="lt1"/>
+      </a:fontRef>
+    </dgm:style>
+  </dgm:styleLbl>
+  <dgm:styleLbl name="node4">
+    <dgm:scene3d>
+      <a:camera prst="orthographicFront"/>
+      <a:lightRig rig="threePt" dir="t"/>
+    </dgm:scene3d>
+    <dgm:sp3d/>
+    <dgm:txPr/>
+    <dgm:style>
+      <a:lnRef idx="2">
+        <a:scrgbClr r="0" g="0" b="0"/>
+      </a:lnRef>
+      <a:fillRef idx="1">
+        <a:scrgbClr r="0" g="0" b="0"/>
+      </a:fillRef>
+      <a:effectRef idx="0">
+        <a:scrgbClr r="0" g="0" b="0"/>
+      </a:effectRef>
+      <a:fontRef idx="minor">
+        <a:schemeClr val="lt1"/>
+      </a:fontRef>
+    </dgm:style>
+  </dgm:styleLbl>
+  <dgm:styleLbl name="fgImgPlace1">
+    <dgm:scene3d>
+      <a:camera prst="orthographicFront"/>
+      <a:lightRig rig="threePt" dir="t"/>
+    </dgm:scene3d>
+    <dgm:sp3d/>
+    <dgm:txPr/>
+    <dgm:style>
+      <a:lnRef idx="2">
+        <a:scrgbClr r="0" g="0" b="0"/>
+      </a:lnRef>
+      <a:fillRef idx="1">
+        <a:scrgbClr r="0" g="0" b="0"/>
+      </a:fillRef>
+      <a:effectRef idx="0">
+        <a:scrgbClr r="0" g="0" b="0"/>
+      </a:effectRef>
+      <a:fontRef idx="minor"/>
+    </dgm:style>
+  </dgm:styleLbl>
+  <dgm:styleLbl name="alignImgPlace1">
+    <dgm:scene3d>
+      <a:camera prst="orthographicFront"/>
+      <a:lightRig rig="threePt" dir="t"/>
+    </dgm:scene3d>
+    <dgm:sp3d/>
+    <dgm:txPr/>
+    <dgm:style>
+      <a:lnRef idx="2">
+        <a:scrgbClr r="0" g="0" b="0"/>
+      </a:lnRef>
+      <a:fillRef idx="1">
+        <a:scrgbClr r="0" g="0" b="0"/>
+      </a:fillRef>
+      <a:effectRef idx="0">
+        <a:scrgbClr r="0" g="0" b="0"/>
+      </a:effectRef>
+      <a:fontRef idx="minor"/>
+    </dgm:style>
+  </dgm:styleLbl>
+  <dgm:styleLbl name="bgImgPlace1">
+    <dgm:scene3d>
+      <a:camera prst="orthographicFront"/>
+      <a:lightRig rig="threePt" dir="t"/>
+    </dgm:scene3d>
+    <dgm:sp3d/>
+    <dgm:txPr/>
+    <dgm:style>
+      <a:lnRef idx="2">
+        <a:scrgbClr r="0" g="0" b="0"/>
+      </a:lnRef>
+      <a:fillRef idx="1">
+        <a:scrgbClr r="0" g="0" b="0"/>
+      </a:fillRef>
+      <a:effectRef idx="0">
+        <a:scrgbClr r="0" g="0" b="0"/>
+      </a:effectRef>
+      <a:fontRef idx="minor"/>
+    </dgm:style>
+  </dgm:styleLbl>
+  <dgm:styleLbl name="sibTrans2D1">
+    <dgm:scene3d>
+      <a:camera prst="orthographicFront"/>
+      <a:lightRig rig="threePt" dir="t"/>
+    </dgm:scene3d>
+    <dgm:sp3d/>
+    <dgm:txPr/>
+    <dgm:style>
+      <a:lnRef idx="0">
+        <a:scrgbClr r="0" g="0" b="0"/>
+      </a:lnRef>
+      <a:fillRef idx="1">
+        <a:scrgbClr r="0" g="0" b="0"/>
+      </a:fillRef>
+      <a:effectRef idx="0">
+        <a:scrgbClr r="0" g="0" b="0"/>
+      </a:effectRef>
+      <a:fontRef idx="minor">
+        <a:schemeClr val="lt1"/>
+      </a:fontRef>
+    </dgm:style>
+  </dgm:styleLbl>
+  <dgm:styleLbl name="fgSibTrans2D1">
+    <dgm:scene3d>
+      <a:camera prst="orthographicFront"/>
+      <a:lightRig rig="threePt" dir="t"/>
+    </dgm:scene3d>
+    <dgm:sp3d/>
+    <dgm:txPr/>
+    <dgm:style>
+      <a:lnRef idx="0">
+        <a:scrgbClr r="0" g="0" b="0"/>
+      </a:lnRef>
+      <a:fillRef idx="1">
+        <a:scrgbClr r="0" g="0" b="0"/>
+      </a:fillRef>
+      <a:effectRef idx="0">
+        <a:scrgbClr r="0" g="0" b="0"/>
+      </a:effectRef>
+      <a:fontRef idx="minor">
+        <a:schemeClr val="lt1"/>
+      </a:fontRef>
+    </dgm:style>
+  </dgm:styleLbl>
+  <dgm:styleLbl name="bgSibTrans2D1">
+    <dgm:scene3d>
+      <a:camera prst="orthographicFront"/>
+      <a:lightRig rig="threePt" dir="t"/>
+    </dgm:scene3d>
+    <dgm:sp3d/>
+    <dgm:txPr/>
+    <dgm:style>
+      <a:lnRef idx="0">
+        <a:scrgbClr r="0" g="0" b="0"/>
+      </a:lnRef>
+      <a:fillRef idx="1">
+        <a:scrgbClr r="0" g="0" b="0"/>
+      </a:fillRef>
+      <a:effectRef idx="0">
+        <a:scrgbClr r="0" g="0" b="0"/>
+      </a:effectRef>
+      <a:fontRef idx="minor">
+        <a:schemeClr val="lt1"/>
+      </a:fontRef>
+    </dgm:style>
+  </dgm:styleLbl>
+  <dgm:styleLbl name="sibTrans1D1">
+    <dgm:scene3d>
+      <a:camera prst="orthographicFront"/>
+      <a:lightRig rig="threePt" dir="t"/>
+    </dgm:scene3d>
+    <dgm:sp3d/>
+    <dgm:txPr/>
+    <dgm:style>
+      <a:lnRef idx="1">
+        <a:scrgbClr r="0" g="0" b="0"/>
+      </a:lnRef>
+      <a:fillRef idx="0">
+        <a:scrgbClr r="0" g="0" b="0"/>
+      </a:fillRef>
+      <a:effectRef idx="0">
+        <a:scrgbClr r="0" g="0" b="0"/>
+      </a:effectRef>
+      <a:fontRef idx="minor"/>
+    </dgm:style>
+  </dgm:styleLbl>
+  <dgm:styleLbl name="callout">
+    <dgm:scene3d>
+      <a:camera prst="orthographicFront"/>
+      <a:lightRig rig="threePt" dir="t"/>
+    </dgm:scene3d>
+    <dgm:sp3d/>
+    <dgm:txPr/>
+    <dgm:style>
+      <a:lnRef idx="2">
+        <a:scrgbClr r="0" g="0" b="0"/>
+      </a:lnRef>
+      <a:fillRef idx="1">
+        <a:scrgbClr r="0" g="0" b="0"/>
+      </a:fillRef>
+      <a:effectRef idx="0">
+        <a:scrgbClr r="0" g="0" b="0"/>
+      </a:effectRef>
+      <a:fontRef idx="minor"/>
+    </dgm:style>
+  </dgm:styleLbl>
+  <dgm:styleLbl name="asst0">
+    <dgm:scene3d>
+      <a:camera prst="orthographicFront"/>
+      <a:lightRig rig="threePt" dir="t"/>
+    </dgm:scene3d>
+    <dgm:sp3d/>
+    <dgm:txPr/>
+    <dgm:style>
+      <a:lnRef idx="2">
+        <a:scrgbClr r="0" g="0" b="0"/>
+      </a:lnRef>
+      <a:fillRef idx="1">
+        <a:scrgbClr r="0" g="0" b="0"/>
+      </a:fillRef>
+      <a:effectRef idx="0">
+        <a:scrgbClr r="0" g="0" b="0"/>
+      </a:effectRef>
+      <a:fontRef idx="minor">
+        <a:schemeClr val="lt1"/>
+      </a:fontRef>
+    </dgm:style>
+  </dgm:styleLbl>
+  <dgm:styleLbl name="asst1">
+    <dgm:scene3d>
+      <a:camera prst="orthographicFront"/>
+      <a:lightRig rig="threePt" dir="t"/>
+    </dgm:scene3d>
+    <dgm:sp3d/>
+    <dgm:txPr/>
+    <dgm:style>
+      <a:lnRef idx="2">
+        <a:scrgbClr r="0" g="0" b="0"/>
+      </a:lnRef>
+      <a:fillRef idx="1">
+        <a:scrgbClr r="0" g="0" b="0"/>
+      </a:fillRef>
+      <a:effectRef idx="0">
+        <a:scrgbClr r="0" g="0" b="0"/>
+      </a:effectRef>
+      <a:fontRef idx="minor">
+        <a:schemeClr val="lt1"/>
+      </a:fontRef>
+    </dgm:style>
+  </dgm:styleLbl>
+  <dgm:styleLbl name="asst2">
+    <dgm:scene3d>
+      <a:camera prst="orthographicFront"/>
+      <a:lightRig rig="threePt" dir="t"/>
+    </dgm:scene3d>
+    <dgm:sp3d/>
+    <dgm:txPr/>
+    <dgm:style>
+      <a:lnRef idx="2">
+        <a:scrgbClr r="0" g="0" b="0"/>
+      </a:lnRef>
+      <a:fillRef idx="1">
+        <a:scrgbClr r="0" g="0" b="0"/>
+      </a:fillRef>
+      <a:effectRef idx="0">
+        <a:scrgbClr r="0" g="0" b="0"/>
+      </a:effectRef>
+      <a:fontRef idx="minor">
+        <a:schemeClr val="lt1"/>
+      </a:fontRef>
+    </dgm:style>
+  </dgm:styleLbl>
+  <dgm:styleLbl name="asst3">
+    <dgm:scene3d>
+      <a:camera prst="orthographicFront"/>
+      <a:lightRig rig="threePt" dir="t"/>
+    </dgm:scene3d>
+    <dgm:sp3d/>
+    <dgm:txPr/>
+    <dgm:style>
+      <a:lnRef idx="2">
+        <a:scrgbClr r="0" g="0" b="0"/>
+      </a:lnRef>
+      <a:fillRef idx="1">
+        <a:scrgbClr r="0" g="0" b="0"/>
+      </a:fillRef>
+      <a:effectRef idx="0">
+        <a:scrgbClr r="0" g="0" b="0"/>
+      </a:effectRef>
+      <a:fontRef idx="minor">
+        <a:schemeClr val="lt1"/>
+      </a:fontRef>
+    </dgm:style>
+  </dgm:styleLbl>
+  <dgm:styleLbl name="asst4">
+    <dgm:scene3d>
+      <a:camera prst="orthographicFront"/>
+      <a:lightRig rig="threePt" dir="t"/>
+    </dgm:scene3d>
+    <dgm:sp3d/>
+    <dgm:txPr/>
+    <dgm:style>
+      <a:lnRef idx="2">
+        <a:scrgbClr r="0" g="0" b="0"/>
+      </a:lnRef>
+      <a:fillRef idx="1">
+        <a:scrgbClr r="0" g="0" b="0"/>
+      </a:fillRef>
+      <a:effectRef idx="0">
+        <a:scrgbClr r="0" g="0" b="0"/>
+      </a:effectRef>
+      <a:fontRef idx="minor">
+        <a:schemeClr val="lt1"/>
+      </a:fontRef>
+    </dgm:style>
+  </dgm:styleLbl>
+  <dgm:styleLbl name="parChTrans2D1">
+    <dgm:scene3d>
+      <a:camera prst="orthographicFront"/>
+      <a:lightRig rig="threePt" dir="t"/>
+    </dgm:scene3d>
+    <dgm:sp3d/>
+    <dgm:txPr/>
+    <dgm:style>
+      <a:lnRef idx="2">
+        <a:scrgbClr r="0" g="0" b="0"/>
+      </a:lnRef>
+      <a:fillRef idx="1">
+        <a:scrgbClr r="0" g="0" b="0"/>
+      </a:fillRef>
+      <a:effectRef idx="0">
+        <a:scrgbClr r="0" g="0" b="0"/>
+      </a:effectRef>
+      <a:fontRef idx="minor">
+        <a:schemeClr val="lt1"/>
+      </a:fontRef>
+    </dgm:style>
+  </dgm:styleLbl>
+  <dgm:styleLbl name="parChTrans2D2">
+    <dgm:scene3d>
+      <a:camera prst="orthographicFront"/>
+      <a:lightRig rig="threePt" dir="t"/>
+    </dgm:scene3d>
+    <dgm:sp3d/>
+    <dgm:txPr/>
+    <dgm:style>
+      <a:lnRef idx="2">
+        <a:scrgbClr r="0" g="0" b="0"/>
+      </a:lnRef>
+      <a:fillRef idx="1">
+        <a:scrgbClr r="0" g="0" b="0"/>
+      </a:fillRef>
+      <a:effectRef idx="0">
+        <a:scrgbClr r="0" g="0" b="0"/>
+      </a:effectRef>
+      <a:fontRef idx="minor">
+        <a:schemeClr val="lt1"/>
+      </a:fontRef>
+    </dgm:style>
+  </dgm:styleLbl>
+  <dgm:styleLbl name="parChTrans2D3">
+    <dgm:scene3d>
+      <a:camera prst="orthographicFront"/>
+      <a:lightRig rig="threePt" dir="t"/>
+    </dgm:scene3d>
+    <dgm:sp3d/>
+    <dgm:txPr/>
+    <dgm:style>
+      <a:lnRef idx="2">
+        <a:scrgbClr r="0" g="0" b="0"/>
+      </a:lnRef>
+      <a:fillRef idx="1">
+        <a:scrgbClr r="0" g="0" b="0"/>
+      </a:fillRef>
+      <a:effectRef idx="0">
+        <a:scrgbClr r="0" g="0" b="0"/>
+      </a:effectRef>
+      <a:fontRef idx="minor">
+        <a:schemeClr val="lt1"/>
+      </a:fontRef>
+    </dgm:style>
+  </dgm:styleLbl>
+  <dgm:styleLbl name="parChTrans2D4">
+    <dgm:scene3d>
+      <a:camera prst="orthographicFront"/>
+      <a:lightRig rig="threePt" dir="t"/>
+    </dgm:scene3d>
+    <dgm:sp3d/>
+    <dgm:txPr/>
+    <dgm:style>
+      <a:lnRef idx="2">
+        <a:scrgbClr r="0" g="0" b="0"/>
+      </a:lnRef>
+      <a:fillRef idx="1">
+        <a:scrgbClr r="0" g="0" b="0"/>
+      </a:fillRef>
+      <a:effectRef idx="0">
+        <a:scrgbClr r="0" g="0" b="0"/>
+      </a:effectRef>
+      <a:fontRef idx="minor">
+        <a:schemeClr val="lt1"/>
+      </a:fontRef>
+    </dgm:style>
+  </dgm:styleLbl>
+  <dgm:styleLbl name="parChTrans1D1">
+    <dgm:scene3d>
+      <a:camera prst="orthographicFront"/>
+      <a:lightRig rig="threePt" dir="t"/>
+    </dgm:scene3d>
+    <dgm:sp3d/>
+    <dgm:txPr/>
+    <dgm:style>
+      <a:lnRef idx="2">
+        <a:scrgbClr r="0" g="0" b="0"/>
+      </a:lnRef>
+      <a:fillRef idx="0">
+        <a:scrgbClr r="0" g="0" b="0"/>
+      </a:fillRef>
+      <a:effectRef idx="0">
+        <a:scrgbClr r="0" g="0" b="0"/>
+      </a:effectRef>
+      <a:fontRef idx="minor"/>
+    </dgm:style>
+  </dgm:styleLbl>
+  <dgm:styleLbl name="parChTrans1D2">
+    <dgm:scene3d>
+      <a:camera prst="orthographicFront"/>
+      <a:lightRig rig="threePt" dir="t"/>
+    </dgm:scene3d>
+    <dgm:sp3d/>
+    <dgm:txPr/>
+    <dgm:style>
+      <a:lnRef idx="2">
+        <a:scrgbClr r="0" g="0" b="0"/>
+      </a:lnRef>
+      <a:fillRef idx="0">
+        <a:scrgbClr r="0" g="0" b="0"/>
+      </a:fillRef>
+      <a:effectRef idx="0">
+        <a:scrgbClr r="0" g="0" b="0"/>
+      </a:effectRef>
+      <a:fontRef idx="minor"/>
+    </dgm:style>
+  </dgm:styleLbl>
+  <dgm:styleLbl name="parChTrans1D3">
+    <dgm:scene3d>
+      <a:camera prst="orthographicFront"/>
+      <a:lightRig rig="threePt" dir="t"/>
+    </dgm:scene3d>
+    <dgm:sp3d/>
+    <dgm:txPr/>
+    <dgm:style>
+      <a:lnRef idx="2">
+        <a:scrgbClr r="0" g="0" b="0"/>
+      </a:lnRef>
+      <a:fillRef idx="0">
+        <a:scrgbClr r="0" g="0" b="0"/>
+      </a:fillRef>
+      <a:effectRef idx="0">
+        <a:scrgbClr r="0" g="0" b="0"/>
+      </a:effectRef>
+      <a:fontRef idx="minor"/>
+    </dgm:style>
+  </dgm:styleLbl>
+  <dgm:styleLbl name="parChTrans1D4">
+    <dgm:scene3d>
+      <a:camera prst="orthographicFront"/>
+      <a:lightRig rig="threePt" dir="t"/>
+    </dgm:scene3d>
+    <dgm:sp3d/>
+    <dgm:txPr/>
+    <dgm:style>
+      <a:lnRef idx="2">
+        <a:scrgbClr r="0" g="0" b="0"/>
+      </a:lnRef>
+      <a:fillRef idx="0">
+        <a:scrgbClr r="0" g="0" b="0"/>
+      </a:fillRef>
+      <a:effectRef idx="0">
+        <a:scrgbClr r="0" g="0" b="0"/>
+      </a:effectRef>
+      <a:fontRef idx="minor"/>
+    </dgm:style>
+  </dgm:styleLbl>
+  <dgm:styleLbl name="fgAcc1">
+    <dgm:scene3d>
+      <a:camera prst="orthographicFront"/>
+      <a:lightRig rig="threePt" dir="t"/>
+    </dgm:scene3d>
+    <dgm:sp3d/>
+    <dgm:txPr/>
+    <dgm:style>
+      <a:lnRef idx="2">
+        <a:scrgbClr r="0" g="0" b="0"/>
+      </a:lnRef>
+      <a:fillRef idx="1">
+        <a:scrgbClr r="0" g="0" b="0"/>
+      </a:fillRef>
+      <a:effectRef idx="0">
+        <a:scrgbClr r="0" g="0" b="0"/>
+      </a:effectRef>
+      <a:fontRef idx="minor"/>
+    </dgm:style>
+  </dgm:styleLbl>
+  <dgm:styleLbl name="conFgAcc1">
+    <dgm:scene3d>
+      <a:camera prst="orthographicFront"/>
+      <a:lightRig rig="threePt" dir="t"/>
+    </dgm:scene3d>
+    <dgm:sp3d/>
+    <dgm:txPr/>
+    <dgm:style>
+      <a:lnRef idx="2">
+        <a:scrgbClr r="0" g="0" b="0"/>
+      </a:lnRef>
+      <a:fillRef idx="1">
+        <a:scrgbClr r="0" g="0" b="0"/>
+      </a:fillRef>
+      <a:effectRef idx="0">
+        <a:scrgbClr r="0" g="0" b="0"/>
+      </a:effectRef>
+      <a:fontRef idx="minor"/>
+    </dgm:style>
+  </dgm:styleLbl>
+  <dgm:styleLbl name="alignAcc1">
+    <dgm:scene3d>
+      <a:camera prst="orthographicFront"/>
+      <a:lightRig rig="threePt" dir="t"/>
+    </dgm:scene3d>
+    <dgm:sp3d/>
+    <dgm:txPr/>
+    <dgm:style>
+      <a:lnRef idx="2">
+        <a:scrgbClr r="0" g="0" b="0"/>
+      </a:lnRef>
+      <a:fillRef idx="1">
+        <a:scrgbClr r="0" g="0" b="0"/>
+      </a:fillRef>
+      <a:effectRef idx="0">
+        <a:scrgbClr r="0" g="0" b="0"/>
+      </a:effectRef>
+      <a:fontRef idx="minor"/>
+    </dgm:style>
+  </dgm:styleLbl>
+  <dgm:styleLbl name="trAlignAcc1">
+    <dgm:scene3d>
+      <a:camera prst="orthographicFront"/>
+      <a:lightRig rig="threePt" dir="t"/>
+    </dgm:scene3d>
+    <dgm:sp3d/>
+    <dgm:txPr/>
+    <dgm:style>
+      <a:lnRef idx="1">
+        <a:scrgbClr r="0" g="0" b="0"/>
+      </a:lnRef>
+      <a:fillRef idx="1">
+        <a:scrgbClr r="0" g="0" b="0"/>
+      </a:fillRef>
+      <a:effectRef idx="0">
+        <a:scrgbClr r="0" g="0" b="0"/>
+      </a:effectRef>
+      <a:fontRef idx="minor"/>
+    </dgm:style>
+  </dgm:styleLbl>
+  <dgm:styleLbl name="bgAcc1">
+    <dgm:scene3d>
+      <a:camera prst="orthographicFront"/>
+      <a:lightRig rig="threePt" dir="t"/>
+    </dgm:scene3d>
+    <dgm:sp3d/>
+    <dgm:txPr/>
+    <dgm:style>
+      <a:lnRef idx="2">
+        <a:scrgbClr r="0" g="0" b="0"/>
+      </a:lnRef>
+      <a:fillRef idx="1">
+        <a:scrgbClr r="0" g="0" b="0"/>
+      </a:fillRef>
+      <a:effectRef idx="0">
+        <a:scrgbClr r="0" g="0" b="0"/>
+      </a:effectRef>
+      <a:fontRef idx="minor"/>
+    </dgm:style>
+  </dgm:styleLbl>
+  <dgm:styleLbl name="solidFgAcc1">
+    <dgm:scene3d>
+      <a:camera prst="orthographicFront"/>
+      <a:lightRig rig="threePt" dir="t"/>
+    </dgm:scene3d>
+    <dgm:sp3d/>
+    <dgm:txPr/>
+    <dgm:style>
+      <a:lnRef idx="2">
+        <a:scrgbClr r="0" g="0" b="0"/>
+      </a:lnRef>
+      <a:fillRef idx="1">
+        <a:scrgbClr r="0" g="0" b="0"/>
+      </a:fillRef>
+      <a:effectRef idx="0">
+        <a:scrgbClr r="0" g="0" b="0"/>
+      </a:effectRef>
+      <a:fontRef idx="minor"/>
+    </dgm:style>
+  </dgm:styleLbl>
+  <dgm:styleLbl name="solidAlignAcc1">
+    <dgm:scene3d>
+      <a:camera prst="orthographicFront"/>
+      <a:lightRig rig="threePt" dir="t"/>
+    </dgm:scene3d>
+    <dgm:sp3d/>
+    <dgm:txPr/>
+    <dgm:style>
+      <a:lnRef idx="2">
+        <a:scrgbClr r="0" g="0" b="0"/>
+      </a:lnRef>
+      <a:fillRef idx="1">
+        <a:scrgbClr r="0" g="0" b="0"/>
+      </a:fillRef>
+      <a:effectRef idx="0">
+        <a:scrgbClr r="0" g="0" b="0"/>
+      </a:effectRef>
+      <a:fontRef idx="minor"/>
+    </dgm:style>
+  </dgm:styleLbl>
+  <dgm:styleLbl name="solidBgAcc1">
+    <dgm:scene3d>
+      <a:camera prst="orthographicFront"/>
+      <a:lightRig rig="threePt" dir="t"/>
+    </dgm:scene3d>
+    <dgm:sp3d/>
+    <dgm:txPr/>
+    <dgm:style>
+      <a:lnRef idx="2">
+        <a:scrgbClr r="0" g="0" b="0"/>
+      </a:lnRef>
+      <a:fillRef idx="1">
+        <a:scrgbClr r="0" g="0" b="0"/>
+      </a:fillRef>
+      <a:effectRef idx="0">
+        <a:scrgbClr r="0" g="0" b="0"/>
+      </a:effectRef>
+      <a:fontRef idx="minor"/>
+    </dgm:style>
+  </dgm:styleLbl>
+  <dgm:styleLbl name="fgAccFollowNode1">
+    <dgm:scene3d>
+      <a:camera prst="orthographicFront"/>
+      <a:lightRig rig="threePt" dir="t"/>
+    </dgm:scene3d>
+    <dgm:sp3d/>
+    <dgm:txPr/>
+    <dgm:style>
+      <a:lnRef idx="2">
+        <a:scrgbClr r="0" g="0" b="0"/>
+      </a:lnRef>
+      <a:fillRef idx="1">
+        <a:scrgbClr r="0" g="0" b="0"/>
+      </a:fillRef>
+      <a:effectRef idx="0">
+        <a:scrgbClr r="0" g="0" b="0"/>
+      </a:effectRef>
+      <a:fontRef idx="minor"/>
+    </dgm:style>
+  </dgm:styleLbl>
+  <dgm:styleLbl name="alignAccFollowNode1">
+    <dgm:scene3d>
+      <a:camera prst="orthographicFront"/>
+      <a:lightRig rig="threePt" dir="t"/>
+    </dgm:scene3d>
+    <dgm:sp3d/>
+    <dgm:txPr/>
+    <dgm:style>
+      <a:lnRef idx="2">
+        <a:scrgbClr r="0" g="0" b="0"/>
+      </a:lnRef>
+      <a:fillRef idx="1">
+        <a:scrgbClr r="0" g="0" b="0"/>
+      </a:fillRef>
+      <a:effectRef idx="0">
+        <a:scrgbClr r="0" g="0" b="0"/>
+      </a:effectRef>
+      <a:fontRef idx="minor"/>
+    </dgm:style>
+  </dgm:styleLbl>
+  <dgm:styleLbl name="bgAccFollowNode1">
+    <dgm:scene3d>
+      <a:camera prst="orthographicFront"/>
+      <a:lightRig rig="threePt" dir="t"/>
+    </dgm:scene3d>
+    <dgm:sp3d/>
+    <dgm:txPr/>
+    <dgm:style>
+      <a:lnRef idx="2">
+        <a:scrgbClr r="0" g="0" b="0"/>
+      </a:lnRef>
+      <a:fillRef idx="1">
+        <a:scrgbClr r="0" g="0" b="0"/>
+      </a:fillRef>
+      <a:effectRef idx="0">
+        <a:scrgbClr r="0" g="0" b="0"/>
+      </a:effectRef>
+      <a:fontRef idx="minor"/>
+    </dgm:style>
+  </dgm:styleLbl>
+  <dgm:styleLbl name="fgAcc0">
+    <dgm:scene3d>
+      <a:camera prst="orthographicFront"/>
+      <a:lightRig rig="threePt" dir="t"/>
+    </dgm:scene3d>
+    <dgm:sp3d/>
+    <dgm:txPr/>
+    <dgm:style>
+      <a:lnRef idx="2">
+        <a:scrgbClr r="0" g="0" b="0"/>
+      </a:lnRef>
+      <a:fillRef idx="1">
+        <a:scrgbClr r="0" g="0" b="0"/>
+      </a:fillRef>
+      <a:effectRef idx="0">
+        <a:scrgbClr r="0" g="0" b="0"/>
+      </a:effectRef>
+      <a:fontRef idx="minor"/>
+    </dgm:style>
+  </dgm:styleLbl>
+  <dgm:styleLbl name="fgAcc2">
+    <dgm:scene3d>
+      <a:camera prst="orthographicFront"/>
+      <a:lightRig rig="threePt" dir="t"/>
+    </dgm:scene3d>
+    <dgm:sp3d/>
+    <dgm:txPr/>
+    <dgm:style>
+      <a:lnRef idx="2">
+        <a:scrgbClr r="0" g="0" b="0"/>
+      </a:lnRef>
+      <a:fillRef idx="1">
+        <a:scrgbClr r="0" g="0" b="0"/>
+      </a:fillRef>
+      <a:effectRef idx="0">
+        <a:scrgbClr r="0" g="0" b="0"/>
+      </a:effectRef>
+      <a:fontRef idx="minor"/>
+    </dgm:style>
+  </dgm:styleLbl>
+  <dgm:styleLbl name="fgAcc3">
+    <dgm:scene3d>
+      <a:camera prst="orthographicFront"/>
+      <a:lightRig rig="threePt" dir="t"/>
+    </dgm:scene3d>
+    <dgm:sp3d/>
+    <dgm:txPr/>
+    <dgm:style>
+      <a:lnRef idx="2">
+        <a:scrgbClr r="0" g="0" b="0"/>
+      </a:lnRef>
+      <a:fillRef idx="1">
+        <a:scrgbClr r="0" g="0" b="0"/>
+      </a:fillRef>
+      <a:effectRef idx="0">
+        <a:scrgbClr r="0" g="0" b="0"/>
+      </a:effectRef>
+      <a:fontRef idx="minor"/>
+    </dgm:style>
+  </dgm:styleLbl>
+  <dgm:styleLbl name="fgAcc4">
+    <dgm:scene3d>
+      <a:camera prst="orthographicFront"/>
+      <a:lightRig rig="threePt" dir="t"/>
+    </dgm:scene3d>
+    <dgm:sp3d/>
+    <dgm:txPr/>
+    <dgm:style>
+      <a:lnRef idx="2">
+        <a:scrgbClr r="0" g="0" b="0"/>
+      </a:lnRef>
+      <a:fillRef idx="1">
+        <a:scrgbClr r="0" g="0" b="0"/>
+      </a:fillRef>
+      <a:effectRef idx="0">
+        <a:scrgbClr r="0" g="0" b="0"/>
+      </a:effectRef>
+      <a:fontRef idx="minor"/>
+    </dgm:style>
+  </dgm:styleLbl>
+  <dgm:styleLbl name="bgShp">
+    <dgm:scene3d>
+      <a:camera prst="orthographicFront"/>
+      <a:lightRig rig="threePt" dir="t"/>
+    </dgm:scene3d>
+    <dgm:sp3d/>
+    <dgm:txPr/>
+    <dgm:style>
+      <a:lnRef idx="0">
+        <a:scrgbClr r="0" g="0" b="0"/>
+      </a:lnRef>
+      <a:fillRef idx="1">
+        <a:scrgbClr r="0" g="0" b="0"/>
+      </a:fillRef>
+      <a:effectRef idx="0">
+        <a:scrgbClr r="0" g="0" b="0"/>
+      </a:effectRef>
+      <a:fontRef idx="minor"/>
+    </dgm:style>
+  </dgm:styleLbl>
+  <dgm:styleLbl name="dkBgShp">
+    <dgm:scene3d>
+      <a:camera prst="orthographicFront"/>
+      <a:lightRig rig="threePt" dir="t"/>
+    </dgm:scene3d>
+    <dgm:sp3d/>
+    <dgm:txPr/>
+    <dgm:style>
+      <a:lnRef idx="0">
+        <a:scrgbClr r="0" g="0" b="0"/>
+      </a:lnRef>
+      <a:fillRef idx="1">
+        <a:scrgbClr r="0" g="0" b="0"/>
+      </a:fillRef>
+      <a:effectRef idx="0">
+        <a:scrgbClr r="0" g="0" b="0"/>
+      </a:effectRef>
+      <a:fontRef idx="minor"/>
+    </dgm:style>
+  </dgm:styleLbl>
+  <dgm:styleLbl name="trBgShp">
+    <dgm:scene3d>
+      <a:camera prst="orthographicFront"/>
+      <a:lightRig rig="threePt" dir="t"/>
+    </dgm:scene3d>
+    <dgm:sp3d/>
+    <dgm:txPr/>
+    <dgm:style>
+      <a:lnRef idx="0">
+        <a:scrgbClr r="0" g="0" b="0"/>
+      </a:lnRef>
+      <a:fillRef idx="1">
+        <a:scrgbClr r="0" g="0" b="0"/>
+      </a:fillRef>
+      <a:effectRef idx="0">
+        <a:scrgbClr r="0" g="0" b="0"/>
+      </a:effectRef>
+      <a:fontRef idx="minor"/>
+    </dgm:style>
+  </dgm:styleLbl>
+  <dgm:styleLbl name="fgShp">
+    <dgm:scene3d>
+      <a:camera prst="orthographicFront"/>
+      <a:lightRig rig="threePt" dir="t"/>
+    </dgm:scene3d>
+    <dgm:sp3d/>
+    <dgm:txPr/>
+    <dgm:style>
+      <a:lnRef idx="2">
+        <a:scrgbClr r="0" g="0" b="0"/>
+      </a:lnRef>
+      <a:fillRef idx="1">
+        <a:scrgbClr r="0" g="0" b="0"/>
+      </a:fillRef>
+      <a:effectRef idx="0">
+        <a:scrgbClr r="0" g="0" b="0"/>
+      </a:effectRef>
+      <a:fontRef idx="minor"/>
+    </dgm:style>
+  </dgm:styleLbl>
+  <dgm:styleLbl name="revTx">
+    <dgm:scene3d>
+      <a:camera prst="orthographicFront"/>
+      <a:lightRig rig="threePt" dir="t"/>
+    </dgm:scene3d>
+    <dgm:sp3d/>
+    <dgm:txPr/>
+    <dgm:style>
+      <a:lnRef idx="0">
+        <a:scrgbClr r="0" g="0" b="0"/>
+      </a:lnRef>
+      <a:fillRef idx="0">
+        <a:scrgbClr r="0" g="0" b="0"/>
+      </a:fillRef>
+      <a:effectRef idx="0">
+        <a:scrgbClr r="0" g="0" b="0"/>
+      </a:effectRef>
+      <a:fontRef idx="minor"/>
+    </dgm:style>
+  </dgm:styleLbl>
+</dgm:styleDef>
+</file>
+
 <file path=ppt/slideLayouts/slideLayout1.xml><?xml version="1.0" encoding="utf-8"?>
 <p:sldLayout xmlns:a="http://schemas.openxmlformats.org/drawingml/2006/main" xmlns:r="http://schemas.openxmlformats.org/officeDocument/2006/relationships" xmlns:p="http://schemas.openxmlformats.org/presentationml/2006/main" type="title" preserve="1">
   <p:cSld name="Title Slide">
@@ -5455,7 +8149,7 @@
             <a:fld id="{993365B8-C071-4221-A39E-10773AB31212}" type="datetimeFigureOut">
               <a:rPr lang="en-US" smtClean="0"/>
               <a:pPr/>
-              <a:t>11/24/2008</a:t>
+              <a:t>11/29/2008</a:t>
             </a:fld>
             <a:endParaRPr lang="en-US"/>
           </a:p>
@@ -5622,7 +8316,7 @@
             <a:fld id="{993365B8-C071-4221-A39E-10773AB31212}" type="datetimeFigureOut">
               <a:rPr lang="en-US" smtClean="0"/>
               <a:pPr/>
-              <a:t>11/24/2008</a:t>
+              <a:t>11/29/2008</a:t>
             </a:fld>
             <a:endParaRPr lang="en-US"/>
           </a:p>
@@ -5799,7 +8493,7 @@
             <a:fld id="{993365B8-C071-4221-A39E-10773AB31212}" type="datetimeFigureOut">
               <a:rPr lang="en-US" smtClean="0"/>
               <a:pPr/>
-              <a:t>11/24/2008</a:t>
+              <a:t>11/29/2008</a:t>
             </a:fld>
             <a:endParaRPr lang="en-US"/>
           </a:p>
@@ -5966,7 +8660,7 @@
             <a:fld id="{993365B8-C071-4221-A39E-10773AB31212}" type="datetimeFigureOut">
               <a:rPr lang="en-US" smtClean="0"/>
               <a:pPr/>
-              <a:t>11/24/2008</a:t>
+              <a:t>11/29/2008</a:t>
             </a:fld>
             <a:endParaRPr lang="en-US"/>
           </a:p>
@@ -6209,7 +8903,7 @@
             <a:fld id="{993365B8-C071-4221-A39E-10773AB31212}" type="datetimeFigureOut">
               <a:rPr lang="en-US" smtClean="0"/>
               <a:pPr/>
-              <a:t>11/24/2008</a:t>
+              <a:t>11/29/2008</a:t>
             </a:fld>
             <a:endParaRPr lang="en-US"/>
           </a:p>
@@ -6494,7 +9188,7 @@
             <a:fld id="{993365B8-C071-4221-A39E-10773AB31212}" type="datetimeFigureOut">
               <a:rPr lang="en-US" smtClean="0"/>
               <a:pPr/>
-              <a:t>11/24/2008</a:t>
+              <a:t>11/29/2008</a:t>
             </a:fld>
             <a:endParaRPr lang="en-US"/>
           </a:p>
@@ -6918,7 +9612,7 @@
             <a:fld id="{993365B8-C071-4221-A39E-10773AB31212}" type="datetimeFigureOut">
               <a:rPr lang="en-US" smtClean="0"/>
               <a:pPr/>
-              <a:t>11/24/2008</a:t>
+              <a:t>11/29/2008</a:t>
             </a:fld>
             <a:endParaRPr lang="en-US"/>
           </a:p>
@@ -7033,7 +9727,7 @@
             <a:fld id="{993365B8-C071-4221-A39E-10773AB31212}" type="datetimeFigureOut">
               <a:rPr lang="en-US" smtClean="0"/>
               <a:pPr/>
-              <a:t>11/24/2008</a:t>
+              <a:t>11/29/2008</a:t>
             </a:fld>
             <a:endParaRPr lang="en-US"/>
           </a:p>
@@ -7125,7 +9819,7 @@
             <a:fld id="{993365B8-C071-4221-A39E-10773AB31212}" type="datetimeFigureOut">
               <a:rPr lang="en-US" smtClean="0"/>
               <a:pPr/>
-              <a:t>11/24/2008</a:t>
+              <a:t>11/29/2008</a:t>
             </a:fld>
             <a:endParaRPr lang="en-US"/>
           </a:p>
@@ -7399,7 +10093,7 @@
             <a:fld id="{993365B8-C071-4221-A39E-10773AB31212}" type="datetimeFigureOut">
               <a:rPr lang="en-US" smtClean="0"/>
               <a:pPr/>
-              <a:t>11/24/2008</a:t>
+              <a:t>11/29/2008</a:t>
             </a:fld>
             <a:endParaRPr lang="en-US"/>
           </a:p>
@@ -7649,7 +10343,7 @@
             <a:fld id="{993365B8-C071-4221-A39E-10773AB31212}" type="datetimeFigureOut">
               <a:rPr lang="en-US" smtClean="0"/>
               <a:pPr/>
-              <a:t>11/24/2008</a:t>
+              <a:t>11/29/2008</a:t>
             </a:fld>
             <a:endParaRPr lang="en-US"/>
           </a:p>
@@ -7859,7 +10553,7 @@
             <a:fld id="{993365B8-C071-4221-A39E-10773AB31212}" type="datetimeFigureOut">
               <a:rPr lang="en-US" smtClean="0"/>
               <a:pPr/>
-              <a:t>11/24/2008</a:t>
+              <a:t>11/29/2008</a:t>
             </a:fld>
             <a:endParaRPr lang="en-US"/>
           </a:p>
@@ -8399,15 +11093,13 @@
             <a:pPr lvl="2"/>
             <a:r>
               <a:rPr lang="en-US" sz="2000" smtClean="0"/>
-              <a:t>A , A→ B 	├─ B 	( i→)</a:t>
+              <a:t>A , A→ B 	├─ B 	( i→</a:t>
             </a:r>
-          </a:p>
-          <a:p>
-            <a:pPr lvl="1">
-              <a:buFont typeface="Courier New" pitchFamily="49" charset="0"/>
-              <a:buChar char="o"/>
-            </a:pPr>
-            <a:endParaRPr lang="en-US" smtClean="0"/>
+            <a:r>
+              <a:rPr lang="en-US" sz="2000" smtClean="0"/>
+              <a:t>)</a:t>
+            </a:r>
+            <a:endParaRPr lang="en-US" sz="2000" smtClean="0"/>
           </a:p>
         </p:txBody>
       </p:sp>
@@ -8427,6 +11119,546 @@
 </file>
 
 <file path=ppt/slides/slide11.xml><?xml version="1.0" encoding="utf-8"?>
+<p:sld xmlns:a="http://schemas.openxmlformats.org/drawingml/2006/main" xmlns:r="http://schemas.openxmlformats.org/officeDocument/2006/relationships" xmlns:p="http://schemas.openxmlformats.org/presentationml/2006/main">
+  <p:cSld>
+    <p:spTree>
+      <p:nvGrpSpPr>
+        <p:cNvPr id="1" name=""/>
+        <p:cNvGrpSpPr/>
+        <p:nvPr/>
+      </p:nvGrpSpPr>
+      <p:grpSpPr>
+        <a:xfrm>
+          <a:off x="0" y="0"/>
+          <a:ext cx="0" cy="0"/>
+          <a:chOff x="0" y="0"/>
+          <a:chExt cx="0" cy="0"/>
+        </a:xfrm>
+      </p:grpSpPr>
+      <p:sp>
+        <p:nvSpPr>
+          <p:cNvPr id="60" name="Left Arrow 59"/>
+          <p:cNvSpPr/>
+          <p:nvPr/>
+        </p:nvSpPr>
+        <p:spPr>
+          <a:xfrm rot="1390502">
+            <a:off x="5535178" y="2013502"/>
+            <a:ext cx="2451314" cy="236340"/>
+          </a:xfrm>
+          <a:prstGeom prst="leftArrow">
+            <a:avLst>
+              <a:gd name="adj1" fmla="val 60002"/>
+              <a:gd name="adj2" fmla="val 50000"/>
+            </a:avLst>
+          </a:prstGeom>
+        </p:spPr>
+        <p:style>
+          <a:lnRef idx="0">
+            <a:schemeClr val="accent1">
+              <a:tint val="60000"/>
+              <a:hueOff val="0"/>
+              <a:satOff val="0"/>
+              <a:lumOff val="0"/>
+              <a:alphaOff val="0"/>
+            </a:schemeClr>
+          </a:lnRef>
+          <a:fillRef idx="1">
+            <a:schemeClr val="accent1">
+              <a:tint val="60000"/>
+              <a:hueOff val="0"/>
+              <a:satOff val="0"/>
+              <a:lumOff val="0"/>
+              <a:alphaOff val="0"/>
+            </a:schemeClr>
+          </a:fillRef>
+          <a:effectRef idx="0">
+            <a:schemeClr val="accent1">
+              <a:tint val="60000"/>
+              <a:hueOff val="0"/>
+              <a:satOff val="0"/>
+              <a:lumOff val="0"/>
+              <a:alphaOff val="0"/>
+            </a:schemeClr>
+          </a:effectRef>
+          <a:fontRef idx="minor">
+            <a:schemeClr val="lt1"/>
+          </a:fontRef>
+        </p:style>
+      </p:sp>
+      <p:sp>
+        <p:nvSpPr>
+          <p:cNvPr id="58" name="Left Arrow 57"/>
+          <p:cNvSpPr/>
+          <p:nvPr/>
+        </p:nvSpPr>
+        <p:spPr>
+          <a:xfrm rot="3039154">
+            <a:off x="5248409" y="2197599"/>
+            <a:ext cx="967128" cy="236340"/>
+          </a:xfrm>
+          <a:prstGeom prst="leftArrow">
+            <a:avLst>
+              <a:gd name="adj1" fmla="val 60002"/>
+              <a:gd name="adj2" fmla="val 50000"/>
+            </a:avLst>
+          </a:prstGeom>
+        </p:spPr>
+        <p:style>
+          <a:lnRef idx="0">
+            <a:schemeClr val="accent1">
+              <a:tint val="60000"/>
+              <a:hueOff val="0"/>
+              <a:satOff val="0"/>
+              <a:lumOff val="0"/>
+              <a:alphaOff val="0"/>
+            </a:schemeClr>
+          </a:lnRef>
+          <a:fillRef idx="1">
+            <a:schemeClr val="accent1">
+              <a:tint val="60000"/>
+              <a:hueOff val="0"/>
+              <a:satOff val="0"/>
+              <a:lumOff val="0"/>
+              <a:alphaOff val="0"/>
+            </a:schemeClr>
+          </a:fillRef>
+          <a:effectRef idx="0">
+            <a:schemeClr val="accent1">
+              <a:tint val="60000"/>
+              <a:hueOff val="0"/>
+              <a:satOff val="0"/>
+              <a:lumOff val="0"/>
+              <a:alphaOff val="0"/>
+            </a:schemeClr>
+          </a:effectRef>
+          <a:fontRef idx="minor">
+            <a:schemeClr val="lt1"/>
+          </a:fontRef>
+        </p:style>
+      </p:sp>
+      <p:sp>
+        <p:nvSpPr>
+          <p:cNvPr id="54" name="Left Arrow 53"/>
+          <p:cNvSpPr/>
+          <p:nvPr/>
+        </p:nvSpPr>
+        <p:spPr>
+          <a:xfrm rot="5400000">
+            <a:off x="4118669" y="2167831"/>
+            <a:ext cx="685801" cy="236340"/>
+          </a:xfrm>
+          <a:prstGeom prst="leftArrow">
+            <a:avLst>
+              <a:gd name="adj1" fmla="val 60002"/>
+              <a:gd name="adj2" fmla="val 50000"/>
+            </a:avLst>
+          </a:prstGeom>
+        </p:spPr>
+        <p:style>
+          <a:lnRef idx="0">
+            <a:schemeClr val="accent1">
+              <a:tint val="60000"/>
+              <a:hueOff val="0"/>
+              <a:satOff val="0"/>
+              <a:lumOff val="0"/>
+              <a:alphaOff val="0"/>
+            </a:schemeClr>
+          </a:lnRef>
+          <a:fillRef idx="1">
+            <a:schemeClr val="accent1">
+              <a:tint val="60000"/>
+              <a:hueOff val="0"/>
+              <a:satOff val="0"/>
+              <a:lumOff val="0"/>
+              <a:alphaOff val="0"/>
+            </a:schemeClr>
+          </a:fillRef>
+          <a:effectRef idx="0">
+            <a:schemeClr val="accent1">
+              <a:tint val="60000"/>
+              <a:hueOff val="0"/>
+              <a:satOff val="0"/>
+              <a:lumOff val="0"/>
+              <a:alphaOff val="0"/>
+            </a:schemeClr>
+          </a:effectRef>
+          <a:fontRef idx="minor">
+            <a:schemeClr val="lt1"/>
+          </a:fontRef>
+        </p:style>
+      </p:sp>
+      <p:sp>
+        <p:nvSpPr>
+          <p:cNvPr id="27" name="Left Arrow 26"/>
+          <p:cNvSpPr/>
+          <p:nvPr/>
+        </p:nvSpPr>
+        <p:spPr>
+          <a:xfrm rot="9520280">
+            <a:off x="672296" y="2007006"/>
+            <a:ext cx="2909956" cy="236340"/>
+          </a:xfrm>
+          <a:prstGeom prst="leftArrow">
+            <a:avLst>
+              <a:gd name="adj1" fmla="val 60000"/>
+              <a:gd name="adj2" fmla="val 50000"/>
+            </a:avLst>
+          </a:prstGeom>
+        </p:spPr>
+        <p:style>
+          <a:lnRef idx="0">
+            <a:schemeClr val="accent1">
+              <a:tint val="60000"/>
+              <a:hueOff val="0"/>
+              <a:satOff val="0"/>
+              <a:lumOff val="0"/>
+              <a:alphaOff val="0"/>
+            </a:schemeClr>
+          </a:lnRef>
+          <a:fillRef idx="1">
+            <a:schemeClr val="accent1">
+              <a:tint val="60000"/>
+              <a:hueOff val="0"/>
+              <a:satOff val="0"/>
+              <a:lumOff val="0"/>
+              <a:alphaOff val="0"/>
+            </a:schemeClr>
+          </a:fillRef>
+          <a:effectRef idx="0">
+            <a:schemeClr val="accent1">
+              <a:tint val="60000"/>
+              <a:hueOff val="0"/>
+              <a:satOff val="0"/>
+              <a:lumOff val="0"/>
+              <a:alphaOff val="0"/>
+            </a:schemeClr>
+          </a:effectRef>
+          <a:fontRef idx="minor">
+            <a:schemeClr val="lt1"/>
+          </a:fontRef>
+        </p:style>
+      </p:sp>
+      <p:sp>
+        <p:nvSpPr>
+          <p:cNvPr id="52" name="Left Arrow 51"/>
+          <p:cNvSpPr/>
+          <p:nvPr/>
+        </p:nvSpPr>
+        <p:spPr>
+          <a:xfrm rot="8229608">
+            <a:off x="2740434" y="2219596"/>
+            <a:ext cx="1019650" cy="236340"/>
+          </a:xfrm>
+          <a:prstGeom prst="leftArrow">
+            <a:avLst>
+              <a:gd name="adj1" fmla="val 60000"/>
+              <a:gd name="adj2" fmla="val 50000"/>
+            </a:avLst>
+          </a:prstGeom>
+        </p:spPr>
+        <p:style>
+          <a:lnRef idx="0">
+            <a:schemeClr val="accent1">
+              <a:tint val="60000"/>
+              <a:hueOff val="0"/>
+              <a:satOff val="0"/>
+              <a:lumOff val="0"/>
+              <a:alphaOff val="0"/>
+            </a:schemeClr>
+          </a:lnRef>
+          <a:fillRef idx="1">
+            <a:schemeClr val="accent1">
+              <a:tint val="60000"/>
+              <a:hueOff val="0"/>
+              <a:satOff val="0"/>
+              <a:lumOff val="0"/>
+              <a:alphaOff val="0"/>
+            </a:schemeClr>
+          </a:fillRef>
+          <a:effectRef idx="0">
+            <a:schemeClr val="accent1">
+              <a:tint val="60000"/>
+              <a:hueOff val="0"/>
+              <a:satOff val="0"/>
+              <a:lumOff val="0"/>
+              <a:alphaOff val="0"/>
+            </a:schemeClr>
+          </a:effectRef>
+          <a:fontRef idx="minor">
+            <a:schemeClr val="lt1"/>
+          </a:fontRef>
+        </p:style>
+      </p:sp>
+      <p:graphicFrame>
+        <p:nvGraphicFramePr>
+          <p:cNvPr id="26" name="Diagram 25"/>
+          <p:cNvGraphicFramePr/>
+          <p:nvPr/>
+        </p:nvGraphicFramePr>
+        <p:xfrm>
+          <a:off x="304800" y="825500"/>
+          <a:ext cx="8305800" cy="4622800"/>
+        </p:xfrm>
+        <a:graphic>
+          <a:graphicData uri="http://schemas.openxmlformats.org/drawingml/2006/diagram">
+            <dgm:relIds xmlns:dgm="http://schemas.openxmlformats.org/drawingml/2006/diagram" xmlns:r="http://schemas.openxmlformats.org/officeDocument/2006/relationships" r:dm="rId2" r:lo="rId3" r:qs="rId4" r:cs="rId5"/>
+          </a:graphicData>
+        </a:graphic>
+      </p:graphicFrame>
+      <p:sp>
+        <p:nvSpPr>
+          <p:cNvPr id="2" name="Title 1"/>
+          <p:cNvSpPr>
+            <a:spLocks noGrp="1"/>
+          </p:cNvSpPr>
+          <p:nvPr>
+            <p:ph type="title"/>
+          </p:nvPr>
+        </p:nvSpPr>
+        <p:spPr/>
+        <p:txBody>
+          <a:bodyPr/>
+          <a:lstStyle/>
+          <a:p>
+            <a:r>
+              <a:rPr lang="en-US" smtClean="0">
+                <a:latin typeface="Times New Roman" pitchFamily="18" charset="0"/>
+              </a:rPr>
+              <a:t>GOAL DRIVEN STRAGEDY</a:t>
+            </a:r>
+            <a:endParaRPr lang="en-US">
+              <a:latin typeface="Times New Roman" pitchFamily="18" charset="0"/>
+            </a:endParaRPr>
+          </a:p>
+        </p:txBody>
+      </p:sp>
+      <p:grpSp>
+        <p:nvGrpSpPr>
+          <p:cNvPr id="43" name="Group 42"/>
+          <p:cNvGrpSpPr/>
+          <p:nvPr/>
+        </p:nvGrpSpPr>
+        <p:grpSpPr>
+          <a:xfrm>
+            <a:off x="3526872" y="1028700"/>
+            <a:ext cx="2035728" cy="824452"/>
+            <a:chOff x="810937" y="348725"/>
+            <a:chExt cx="1883328" cy="748252"/>
+          </a:xfrm>
+          <a:solidFill>
+            <a:schemeClr val="tx1"/>
+          </a:solidFill>
+        </p:grpSpPr>
+        <p:sp>
+          <p:nvSpPr>
+            <p:cNvPr id="44" name="Rounded Rectangle 43"/>
+            <p:cNvSpPr/>
+            <p:nvPr/>
+          </p:nvSpPr>
+          <p:spPr>
+            <a:xfrm>
+              <a:off x="810937" y="348725"/>
+              <a:ext cx="1883328" cy="748252"/>
+            </a:xfrm>
+            <a:prstGeom prst="roundRect">
+              <a:avLst>
+                <a:gd name="adj" fmla="val 10000"/>
+              </a:avLst>
+            </a:prstGeom>
+            <a:grpFill/>
+          </p:spPr>
+          <p:style>
+            <a:lnRef idx="2">
+              <a:schemeClr val="lt1">
+                <a:hueOff val="0"/>
+                <a:satOff val="0"/>
+                <a:lumOff val="0"/>
+                <a:alphaOff val="0"/>
+              </a:schemeClr>
+            </a:lnRef>
+            <a:fillRef idx="1">
+              <a:schemeClr val="accent1">
+                <a:hueOff val="0"/>
+                <a:satOff val="0"/>
+                <a:lumOff val="0"/>
+                <a:alphaOff val="0"/>
+              </a:schemeClr>
+            </a:fillRef>
+            <a:effectRef idx="0">
+              <a:schemeClr val="accent1">
+                <a:hueOff val="0"/>
+                <a:satOff val="0"/>
+                <a:lumOff val="0"/>
+                <a:alphaOff val="0"/>
+              </a:schemeClr>
+            </a:effectRef>
+            <a:fontRef idx="minor">
+              <a:schemeClr val="lt1"/>
+            </a:fontRef>
+          </p:style>
+        </p:sp>
+        <p:sp>
+          <p:nvSpPr>
+            <p:cNvPr id="46" name="Rounded Rectangle 4"/>
+            <p:cNvSpPr/>
+            <p:nvPr/>
+          </p:nvSpPr>
+          <p:spPr>
+            <a:xfrm>
+              <a:off x="881432" y="380079"/>
+              <a:ext cx="1769000" cy="647740"/>
+            </a:xfrm>
+            <a:prstGeom prst="rect">
+              <a:avLst/>
+            </a:prstGeom>
+            <a:grpFill/>
+          </p:spPr>
+          <p:style>
+            <a:lnRef idx="0">
+              <a:scrgbClr r="0" g="0" b="0"/>
+            </a:lnRef>
+            <a:fillRef idx="0">
+              <a:scrgbClr r="0" g="0" b="0"/>
+            </a:fillRef>
+            <a:effectRef idx="0">
+              <a:scrgbClr r="0" g="0" b="0"/>
+            </a:effectRef>
+            <a:fontRef idx="minor">
+              <a:schemeClr val="lt1"/>
+            </a:fontRef>
+          </p:style>
+          <p:txBody>
+            <a:bodyPr spcFirstLastPara="0" vert="horz" wrap="square" lIns="43815" tIns="43815" rIns="43815" bIns="43815" numCol="1" spcCol="1270" anchor="ctr" anchorCtr="0">
+              <a:noAutofit/>
+            </a:bodyPr>
+            <a:lstStyle/>
+            <a:p>
+              <a:pPr lvl="0" algn="ctr" defTabSz="1022350">
+                <a:lnSpc>
+                  <a:spcPct val="90000"/>
+                </a:lnSpc>
+                <a:spcBef>
+                  <a:spcPct val="0"/>
+                </a:spcBef>
+                <a:spcAft>
+                  <a:spcPct val="35000"/>
+                </a:spcAft>
+              </a:pPr>
+              <a:r>
+                <a:rPr lang="en-US" sz="2300" kern="1200" smtClean="0"/>
+                <a:t>TERM VECTOR</a:t>
+              </a:r>
+              <a:endParaRPr lang="en-US" sz="2300" kern="1200"/>
+            </a:p>
+          </p:txBody>
+        </p:sp>
+      </p:grpSp>
+      <p:grpSp>
+        <p:nvGrpSpPr>
+          <p:cNvPr id="64" name="Group 63"/>
+          <p:cNvGrpSpPr/>
+          <p:nvPr/>
+        </p:nvGrpSpPr>
+        <p:grpSpPr>
+          <a:xfrm>
+            <a:off x="3429000" y="4316968"/>
+            <a:ext cx="2438400" cy="750332"/>
+            <a:chOff x="3429000" y="4316968"/>
+            <a:chExt cx="2438400" cy="750332"/>
+          </a:xfrm>
+        </p:grpSpPr>
+        <p:sp>
+          <p:nvSpPr>
+            <p:cNvPr id="62" name="TextBox 61"/>
+            <p:cNvSpPr txBox="1"/>
+            <p:nvPr/>
+          </p:nvSpPr>
+          <p:spPr>
+            <a:xfrm>
+              <a:off x="3429000" y="4316968"/>
+              <a:ext cx="2438400" cy="369332"/>
+            </a:xfrm>
+            <a:prstGeom prst="rect">
+              <a:avLst/>
+            </a:prstGeom>
+            <a:noFill/>
+            <a:ln>
+              <a:solidFill>
+                <a:schemeClr val="accent1">
+                  <a:shade val="50000"/>
+                </a:schemeClr>
+              </a:solidFill>
+            </a:ln>
+          </p:spPr>
+          <p:txBody>
+            <a:bodyPr wrap="square" rtlCol="0">
+              <a:spAutoFit/>
+            </a:bodyPr>
+            <a:lstStyle/>
+            <a:p>
+              <a:r>
+                <a:rPr lang="en-US" smtClean="0"/>
+                <a:t>Goal_list={G0,…,Gn}</a:t>
+              </a:r>
+              <a:endParaRPr lang="en-US"/>
+            </a:p>
+          </p:txBody>
+        </p:sp>
+        <p:sp>
+          <p:nvSpPr>
+            <p:cNvPr id="63" name="TextBox 62"/>
+            <p:cNvSpPr txBox="1"/>
+            <p:nvPr/>
+          </p:nvSpPr>
+          <p:spPr>
+            <a:xfrm>
+              <a:off x="3429000" y="4697968"/>
+              <a:ext cx="2438400" cy="369332"/>
+            </a:xfrm>
+            <a:prstGeom prst="rect">
+              <a:avLst/>
+            </a:prstGeom>
+            <a:noFill/>
+            <a:ln>
+              <a:solidFill>
+                <a:schemeClr val="accent1">
+                  <a:shade val="50000"/>
+                </a:schemeClr>
+              </a:solidFill>
+            </a:ln>
+          </p:spPr>
+          <p:txBody>
+            <a:bodyPr wrap="square" rtlCol="0">
+              <a:spAutoFit/>
+            </a:bodyPr>
+            <a:lstStyle/>
+            <a:p>
+              <a:r>
+                <a:rPr lang="en-US" smtClean="0"/>
+                <a:t>Proof_list={P0,…,Pn}</a:t>
+              </a:r>
+              <a:endParaRPr lang="en-US"/>
+            </a:p>
+          </p:txBody>
+        </p:sp>
+      </p:grpSp>
+    </p:spTree>
+  </p:cSld>
+  <p:clrMapOvr>
+    <a:masterClrMapping/>
+  </p:clrMapOvr>
+  <p:timing>
+    <p:tnLst>
+      <p:par>
+        <p:cTn id="1" dur="indefinite" restart="never" nodeType="tmRoot"/>
+      </p:par>
+    </p:tnLst>
+  </p:timing>
+</p:sld>
+</file>
+
+<file path=ppt/slides/slide12.xml><?xml version="1.0" encoding="utf-8"?>
 <p:sld xmlns:a="http://schemas.openxmlformats.org/drawingml/2006/main" xmlns:r="http://schemas.openxmlformats.org/officeDocument/2006/relationships" xmlns:p="http://schemas.openxmlformats.org/presentationml/2006/main">
   <p:cSld>
     <p:spTree>
@@ -8768,7 +12000,7 @@
         </p:nvSpPr>
         <p:spPr>
           <a:xfrm>
-            <a:off x="2438400" y="3390900"/>
+            <a:off x="2362200" y="3543300"/>
             <a:ext cx="4267200" cy="1905000"/>
           </a:xfrm>
           <a:prstGeom prst="ellipse">
@@ -8918,7 +12150,7 @@
         </p:nvCxnSpPr>
         <p:spPr>
           <a:xfrm rot="5400000">
-            <a:off x="4420394" y="3085306"/>
+            <a:off x="4344194" y="3237706"/>
             <a:ext cx="457200" cy="1588"/>
           </a:xfrm>
           <a:prstGeom prst="straightConnector1">
@@ -9192,7 +12424,7 @@
 </p:sld>
 </file>
 
-<file path=ppt/slides/slide12.xml><?xml version="1.0" encoding="utf-8"?>
+<file path=ppt/slides/slide13.xml><?xml version="1.0" encoding="utf-8"?>
 <p:sld xmlns:a="http://schemas.openxmlformats.org/drawingml/2006/main" xmlns:r="http://schemas.openxmlformats.org/officeDocument/2006/relationships" xmlns:p="http://schemas.openxmlformats.org/presentationml/2006/main">
   <p:cSld>
     <p:spTree>
@@ -9996,7 +13228,7 @@
 </p:sld>
 </file>
 
-<file path=ppt/slides/slide13.xml><?xml version="1.0" encoding="utf-8"?>
+<file path=ppt/slides/slide14.xml><?xml version="1.0" encoding="utf-8"?>
 <p:sld xmlns:a="http://schemas.openxmlformats.org/drawingml/2006/main" xmlns:r="http://schemas.openxmlformats.org/officeDocument/2006/relationships" xmlns:p="http://schemas.openxmlformats.org/presentationml/2006/main">
   <p:cSld>
     <p:spTree>
@@ -10101,7 +13333,7 @@
 </p:sld>
 </file>
 
-<file path=ppt/slides/slide14.xml><?xml version="1.0" encoding="utf-8"?>
+<file path=ppt/slides/slide15.xml><?xml version="1.0" encoding="utf-8"?>
 <p:sld xmlns:a="http://schemas.openxmlformats.org/drawingml/2006/main" xmlns:r="http://schemas.openxmlformats.org/officeDocument/2006/relationships" xmlns:p="http://schemas.openxmlformats.org/presentationml/2006/main">
   <p:cSld>
     <p:spTree>
@@ -10145,730 +13377,715 @@
           </a:p>
         </p:txBody>
       </p:sp>
-      <p:grpSp>
-        <p:nvGrpSpPr>
-          <p:cNvPr id="3" name="Group 62"/>
-          <p:cNvGrpSpPr/>
+      <p:sp>
+        <p:nvSpPr>
+          <p:cNvPr id="56" name="TextBox 55"/>
+          <p:cNvSpPr txBox="1"/>
           <p:nvPr/>
-        </p:nvGrpSpPr>
-        <p:grpSpPr>
+        </p:nvSpPr>
+        <p:spPr>
           <a:xfrm>
-            <a:off x="304800" y="1562100"/>
-            <a:ext cx="8686800" cy="3733800"/>
-            <a:chOff x="304800" y="1562100"/>
-            <a:chExt cx="8686800" cy="3733800"/>
+            <a:off x="3429000" y="4316968"/>
+            <a:ext cx="2438400" cy="369332"/>
           </a:xfrm>
-        </p:grpSpPr>
-        <p:sp>
-          <p:nvSpPr>
-            <p:cNvPr id="56" name="TextBox 55"/>
-            <p:cNvSpPr txBox="1"/>
-            <p:nvPr/>
-          </p:nvSpPr>
-          <p:spPr>
-            <a:xfrm>
-              <a:off x="3429000" y="4316968"/>
-              <a:ext cx="2438400" cy="369332"/>
-            </a:xfrm>
-            <a:prstGeom prst="rect">
-              <a:avLst/>
-            </a:prstGeom>
-            <a:noFill/>
-            <a:ln>
-              <a:solidFill>
-                <a:schemeClr val="accent1">
-                  <a:shade val="50000"/>
-                </a:schemeClr>
-              </a:solidFill>
-            </a:ln>
-          </p:spPr>
-          <p:txBody>
-            <a:bodyPr wrap="square" rtlCol="0">
-              <a:spAutoFit/>
-            </a:bodyPr>
-            <a:lstStyle/>
-            <a:p>
-              <a:r>
-                <a:rPr lang="en-US" smtClean="0"/>
-                <a:t>Goal_list={G0,…,Gn}</a:t>
-              </a:r>
-              <a:endParaRPr lang="en-US"/>
-            </a:p>
-          </p:txBody>
-        </p:sp>
-        <p:sp>
-          <p:nvSpPr>
-            <p:cNvPr id="57" name="TextBox 56"/>
-            <p:cNvSpPr txBox="1"/>
-            <p:nvPr/>
-          </p:nvSpPr>
-          <p:spPr>
-            <a:xfrm>
-              <a:off x="3429000" y="4697968"/>
-              <a:ext cx="2438400" cy="369332"/>
-            </a:xfrm>
-            <a:prstGeom prst="rect">
-              <a:avLst/>
-            </a:prstGeom>
-            <a:noFill/>
-            <a:ln>
-              <a:solidFill>
-                <a:schemeClr val="accent1">
-                  <a:shade val="50000"/>
-                </a:schemeClr>
-              </a:solidFill>
-            </a:ln>
-          </p:spPr>
-          <p:txBody>
-            <a:bodyPr wrap="square" rtlCol="0">
-              <a:spAutoFit/>
-            </a:bodyPr>
-            <a:lstStyle/>
-            <a:p>
-              <a:r>
-                <a:rPr lang="en-US" smtClean="0"/>
-                <a:t>Proof_list={P0,…,Pn}</a:t>
-              </a:r>
-              <a:endParaRPr lang="en-US"/>
-            </a:p>
-          </p:txBody>
-        </p:sp>
-        <p:sp>
-          <p:nvSpPr>
-            <p:cNvPr id="24" name="TextBox 23"/>
-            <p:cNvSpPr txBox="1"/>
-            <p:nvPr/>
-          </p:nvSpPr>
-          <p:spPr>
-            <a:xfrm>
-              <a:off x="3429000" y="1562100"/>
-              <a:ext cx="1981200" cy="369332"/>
-            </a:xfrm>
-            <a:prstGeom prst="rect">
-              <a:avLst/>
-            </a:prstGeom>
-            <a:noFill/>
-            <a:ln>
+          <a:prstGeom prst="rect">
+            <a:avLst/>
+          </a:prstGeom>
+          <a:noFill/>
+          <a:ln>
+            <a:solidFill>
+              <a:schemeClr val="accent1">
+                <a:shade val="50000"/>
+              </a:schemeClr>
+            </a:solidFill>
+          </a:ln>
+        </p:spPr>
+        <p:txBody>
+          <a:bodyPr wrap="square" rtlCol="0">
+            <a:spAutoFit/>
+          </a:bodyPr>
+          <a:lstStyle/>
+          <a:p>
+            <a:r>
+              <a:rPr lang="en-US" smtClean="0"/>
+              <a:t>Goal_list={G0,…,Gn}</a:t>
+            </a:r>
+            <a:endParaRPr lang="en-US"/>
+          </a:p>
+        </p:txBody>
+      </p:sp>
+      <p:sp>
+        <p:nvSpPr>
+          <p:cNvPr id="57" name="TextBox 56"/>
+          <p:cNvSpPr txBox="1"/>
+          <p:nvPr/>
+        </p:nvSpPr>
+        <p:spPr>
+          <a:xfrm>
+            <a:off x="3429000" y="4697968"/>
+            <a:ext cx="2438400" cy="369332"/>
+          </a:xfrm>
+          <a:prstGeom prst="rect">
+            <a:avLst/>
+          </a:prstGeom>
+          <a:noFill/>
+          <a:ln>
+            <a:solidFill>
+              <a:schemeClr val="accent1">
+                <a:shade val="50000"/>
+              </a:schemeClr>
+            </a:solidFill>
+          </a:ln>
+        </p:spPr>
+        <p:txBody>
+          <a:bodyPr wrap="square" rtlCol="0">
+            <a:spAutoFit/>
+          </a:bodyPr>
+          <a:lstStyle/>
+          <a:p>
+            <a:r>
+              <a:rPr lang="en-US" smtClean="0"/>
+              <a:t>Proof_list={P0,…,Pn}</a:t>
+            </a:r>
+            <a:endParaRPr lang="en-US"/>
+          </a:p>
+        </p:txBody>
+      </p:sp>
+      <p:sp>
+        <p:nvSpPr>
+          <p:cNvPr id="24" name="TextBox 23"/>
+          <p:cNvSpPr txBox="1"/>
+          <p:nvPr/>
+        </p:nvSpPr>
+        <p:spPr>
+          <a:xfrm>
+            <a:off x="3429000" y="1562100"/>
+            <a:ext cx="1981200" cy="369332"/>
+          </a:xfrm>
+          <a:prstGeom prst="rect">
+            <a:avLst/>
+          </a:prstGeom>
+          <a:noFill/>
+          <a:ln>
+            <a:solidFill>
+              <a:schemeClr val="tx1"/>
+            </a:solidFill>
+          </a:ln>
+        </p:spPr>
+        <p:txBody>
+          <a:bodyPr wrap="square" rtlCol="0">
+            <a:spAutoFit/>
+          </a:bodyPr>
+          <a:lstStyle/>
+          <a:p>
+            <a:pPr algn="ctr"/>
+            <a:r>
+              <a:rPr lang="en-US" smtClean="0"/>
+              <a:t>TERM VECTOR</a:t>
+            </a:r>
+            <a:endParaRPr lang="en-US"/>
+          </a:p>
+        </p:txBody>
+      </p:sp>
+      <p:sp>
+        <p:nvSpPr>
+          <p:cNvPr id="29" name="TextBox 28"/>
+          <p:cNvSpPr txBox="1"/>
+          <p:nvPr/>
+        </p:nvSpPr>
+        <p:spPr>
+          <a:xfrm>
+            <a:off x="304800" y="2400300"/>
+            <a:ext cx="1447800" cy="369332"/>
+          </a:xfrm>
+          <a:prstGeom prst="rect">
+            <a:avLst/>
+          </a:prstGeom>
+          <a:noFill/>
+          <a:ln>
+            <a:solidFill>
+              <a:schemeClr val="tx1"/>
+            </a:solidFill>
+          </a:ln>
+        </p:spPr>
+        <p:txBody>
+          <a:bodyPr wrap="square" rtlCol="0">
+            <a:spAutoFit/>
+          </a:bodyPr>
+          <a:lstStyle/>
+          <a:p>
+            <a:pPr algn="ctr"/>
+            <a:r>
+              <a:rPr lang="en-US" smtClean="0"/>
+              <a:t>Elimination</a:t>
+            </a:r>
+            <a:endParaRPr lang="en-US"/>
+          </a:p>
+        </p:txBody>
+      </p:sp>
+      <p:sp>
+        <p:nvSpPr>
+          <p:cNvPr id="30" name="TextBox 29"/>
+          <p:cNvSpPr txBox="1"/>
+          <p:nvPr/>
+        </p:nvSpPr>
+        <p:spPr>
+          <a:xfrm>
+            <a:off x="2057400" y="2400300"/>
+            <a:ext cx="1447800" cy="369332"/>
+          </a:xfrm>
+          <a:prstGeom prst="rect">
+            <a:avLst/>
+          </a:prstGeom>
+          <a:solidFill>
+            <a:srgbClr val="00B0F0"/>
+          </a:solidFill>
+          <a:ln>
+            <a:solidFill>
+              <a:schemeClr val="tx1"/>
+            </a:solidFill>
+          </a:ln>
+        </p:spPr>
+        <p:txBody>
+          <a:bodyPr wrap="square" rtlCol="0">
+            <a:spAutoFit/>
+          </a:bodyPr>
+          <a:lstStyle/>
+          <a:p>
+            <a:pPr algn="ctr"/>
+            <a:r>
+              <a:rPr lang="en-US" smtClean="0"/>
+              <a:t>Introduction</a:t>
+            </a:r>
+            <a:endParaRPr lang="en-US"/>
+          </a:p>
+        </p:txBody>
+      </p:sp>
+      <p:sp>
+        <p:nvSpPr>
+          <p:cNvPr id="31" name="TextBox 30"/>
+          <p:cNvSpPr txBox="1"/>
+          <p:nvPr/>
+        </p:nvSpPr>
+        <p:spPr>
+          <a:xfrm>
+            <a:off x="3810000" y="2400300"/>
+            <a:ext cx="1676400" cy="646331"/>
+          </a:xfrm>
+          <a:prstGeom prst="rect">
+            <a:avLst/>
+          </a:prstGeom>
+          <a:noFill/>
+          <a:ln>
+            <a:solidFill>
+              <a:schemeClr val="tx1"/>
+            </a:solidFill>
+          </a:ln>
+        </p:spPr>
+        <p:txBody>
+          <a:bodyPr wrap="square" rtlCol="0">
+            <a:spAutoFit/>
+          </a:bodyPr>
+          <a:lstStyle/>
+          <a:p>
+            <a:pPr algn="ctr"/>
+            <a:r>
+              <a:rPr lang="en-US" smtClean="0"/>
+              <a:t>Contradition deduction</a:t>
+            </a:r>
+            <a:endParaRPr lang="en-US"/>
+          </a:p>
+        </p:txBody>
+      </p:sp>
+      <p:sp>
+        <p:nvSpPr>
+          <p:cNvPr id="32" name="TextBox 31"/>
+          <p:cNvSpPr txBox="1"/>
+          <p:nvPr/>
+        </p:nvSpPr>
+        <p:spPr>
+          <a:xfrm>
+            <a:off x="5791200" y="2400300"/>
+            <a:ext cx="1447800" cy="369332"/>
+          </a:xfrm>
+          <a:prstGeom prst="rect">
+            <a:avLst/>
+          </a:prstGeom>
+          <a:noFill/>
+          <a:ln>
+            <a:solidFill>
+              <a:schemeClr val="tx1"/>
+            </a:solidFill>
+          </a:ln>
+        </p:spPr>
+        <p:txBody>
+          <a:bodyPr wrap="square" rtlCol="0">
+            <a:spAutoFit/>
+          </a:bodyPr>
+          <a:lstStyle/>
+          <a:p>
+            <a:pPr algn="ctr"/>
+            <a:r>
+              <a:rPr lang="en-US" smtClean="0"/>
+              <a:t>Matching</a:t>
+            </a:r>
+            <a:endParaRPr lang="en-US"/>
+          </a:p>
+        </p:txBody>
+      </p:sp>
+      <p:sp>
+        <p:nvSpPr>
+          <p:cNvPr id="33" name="TextBox 32"/>
+          <p:cNvSpPr txBox="1"/>
+          <p:nvPr/>
+        </p:nvSpPr>
+        <p:spPr>
+          <a:xfrm>
+            <a:off x="7543800" y="2400300"/>
+            <a:ext cx="1447800" cy="369332"/>
+          </a:xfrm>
+          <a:prstGeom prst="rect">
+            <a:avLst/>
+          </a:prstGeom>
+          <a:noFill/>
+          <a:ln>
+            <a:solidFill>
+              <a:schemeClr val="tx1"/>
+            </a:solidFill>
+          </a:ln>
+        </p:spPr>
+        <p:txBody>
+          <a:bodyPr wrap="square" rtlCol="0">
+            <a:spAutoFit/>
+          </a:bodyPr>
+          <a:lstStyle/>
+          <a:p>
+            <a:pPr algn="ctr"/>
+            <a:r>
+              <a:rPr lang="en-US" smtClean="0"/>
+              <a:t>Rule apply</a:t>
+            </a:r>
+            <a:endParaRPr lang="en-US"/>
+          </a:p>
+        </p:txBody>
+      </p:sp>
+      <p:sp>
+        <p:nvSpPr>
+          <p:cNvPr id="36" name="Oval 35"/>
+          <p:cNvSpPr/>
+          <p:nvPr/>
+        </p:nvSpPr>
+        <p:spPr>
+          <a:xfrm>
+            <a:off x="2438400" y="3390900"/>
+            <a:ext cx="4267200" cy="1905000"/>
+          </a:xfrm>
+          <a:prstGeom prst="ellipse">
+            <a:avLst/>
+          </a:prstGeom>
+          <a:noFill/>
+          <a:ln w="3175">
+            <a:solidFill>
+              <a:schemeClr val="tx1"/>
+            </a:solidFill>
+          </a:ln>
+        </p:spPr>
+        <p:style>
+          <a:lnRef idx="2">
+            <a:schemeClr val="accent1">
+              <a:shade val="50000"/>
+            </a:schemeClr>
+          </a:lnRef>
+          <a:fillRef idx="1">
+            <a:schemeClr val="accent1"/>
+          </a:fillRef>
+          <a:effectRef idx="0">
+            <a:schemeClr val="accent1"/>
+          </a:effectRef>
+          <a:fontRef idx="minor">
+            <a:schemeClr val="lt1"/>
+          </a:fontRef>
+        </p:style>
+        <p:txBody>
+          <a:bodyPr tIns="0" rtlCol="0" anchor="ctr"/>
+          <a:lstStyle/>
+          <a:p>
+            <a:pPr algn="ctr"/>
+            <a:endParaRPr lang="en-US">
               <a:solidFill>
                 <a:schemeClr val="tx1"/>
               </a:solidFill>
-            </a:ln>
-          </p:spPr>
-          <p:txBody>
-            <a:bodyPr wrap="square" rtlCol="0">
-              <a:spAutoFit/>
-            </a:bodyPr>
-            <a:lstStyle/>
-            <a:p>
-              <a:pPr algn="ctr"/>
-              <a:r>
-                <a:rPr lang="en-US" smtClean="0"/>
-                <a:t>TERM VECTOR</a:t>
-              </a:r>
-              <a:endParaRPr lang="en-US"/>
-            </a:p>
-          </p:txBody>
-        </p:sp>
-        <p:sp>
-          <p:nvSpPr>
-            <p:cNvPr id="29" name="TextBox 28"/>
-            <p:cNvSpPr txBox="1"/>
-            <p:nvPr/>
-          </p:nvSpPr>
-          <p:spPr>
-            <a:xfrm>
-              <a:off x="304800" y="2400300"/>
-              <a:ext cx="1447800" cy="369332"/>
-            </a:xfrm>
-            <a:prstGeom prst="rect">
-              <a:avLst/>
-            </a:prstGeom>
-            <a:noFill/>
-            <a:ln>
-              <a:solidFill>
-                <a:schemeClr val="tx1"/>
-              </a:solidFill>
-            </a:ln>
-          </p:spPr>
-          <p:txBody>
-            <a:bodyPr wrap="square" rtlCol="0">
-              <a:spAutoFit/>
-            </a:bodyPr>
-            <a:lstStyle/>
-            <a:p>
-              <a:pPr algn="ctr"/>
-              <a:r>
-                <a:rPr lang="en-US" smtClean="0"/>
-                <a:t>Elimination</a:t>
-              </a:r>
-              <a:endParaRPr lang="en-US"/>
-            </a:p>
-          </p:txBody>
-        </p:sp>
-        <p:sp>
-          <p:nvSpPr>
-            <p:cNvPr id="30" name="TextBox 29"/>
-            <p:cNvSpPr txBox="1"/>
-            <p:nvPr/>
-          </p:nvSpPr>
-          <p:spPr>
-            <a:xfrm>
-              <a:off x="2057400" y="2400300"/>
-              <a:ext cx="1447800" cy="369332"/>
-            </a:xfrm>
-            <a:prstGeom prst="rect">
-              <a:avLst/>
-            </a:prstGeom>
-            <a:solidFill>
-              <a:srgbClr val="00B0F0"/>
-            </a:solidFill>
-            <a:ln>
-              <a:solidFill>
-                <a:schemeClr val="tx1"/>
-              </a:solidFill>
-            </a:ln>
-          </p:spPr>
-          <p:txBody>
-            <a:bodyPr wrap="square" rtlCol="0">
-              <a:spAutoFit/>
-            </a:bodyPr>
-            <a:lstStyle/>
-            <a:p>
-              <a:pPr algn="ctr"/>
-              <a:r>
-                <a:rPr lang="en-US" smtClean="0"/>
-                <a:t>Introduction</a:t>
-              </a:r>
-              <a:endParaRPr lang="en-US"/>
-            </a:p>
-          </p:txBody>
-        </p:sp>
-        <p:sp>
-          <p:nvSpPr>
-            <p:cNvPr id="31" name="TextBox 30"/>
-            <p:cNvSpPr txBox="1"/>
-            <p:nvPr/>
-          </p:nvSpPr>
-          <p:spPr>
-            <a:xfrm>
-              <a:off x="3810000" y="2400300"/>
-              <a:ext cx="1676400" cy="646331"/>
-            </a:xfrm>
-            <a:prstGeom prst="rect">
-              <a:avLst/>
-            </a:prstGeom>
-            <a:noFill/>
-            <a:ln>
-              <a:solidFill>
-                <a:schemeClr val="tx1"/>
-              </a:solidFill>
-            </a:ln>
-          </p:spPr>
-          <p:txBody>
-            <a:bodyPr wrap="square" rtlCol="0">
-              <a:spAutoFit/>
-            </a:bodyPr>
-            <a:lstStyle/>
-            <a:p>
-              <a:pPr algn="ctr"/>
-              <a:r>
-                <a:rPr lang="en-US" smtClean="0"/>
-                <a:t>Contradition deduction</a:t>
-              </a:r>
-              <a:endParaRPr lang="en-US"/>
-            </a:p>
-          </p:txBody>
-        </p:sp>
-        <p:sp>
-          <p:nvSpPr>
-            <p:cNvPr id="32" name="TextBox 31"/>
-            <p:cNvSpPr txBox="1"/>
-            <p:nvPr/>
-          </p:nvSpPr>
-          <p:spPr>
-            <a:xfrm>
-              <a:off x="5791200" y="2400300"/>
-              <a:ext cx="1447800" cy="369332"/>
-            </a:xfrm>
-            <a:prstGeom prst="rect">
-              <a:avLst/>
-            </a:prstGeom>
-            <a:noFill/>
-            <a:ln>
-              <a:solidFill>
-                <a:schemeClr val="tx1"/>
-              </a:solidFill>
-            </a:ln>
-          </p:spPr>
-          <p:txBody>
-            <a:bodyPr wrap="square" rtlCol="0">
-              <a:spAutoFit/>
-            </a:bodyPr>
-            <a:lstStyle/>
-            <a:p>
-              <a:pPr algn="ctr"/>
-              <a:r>
-                <a:rPr lang="en-US" smtClean="0"/>
-                <a:t>Matching</a:t>
-              </a:r>
-              <a:endParaRPr lang="en-US"/>
-            </a:p>
-          </p:txBody>
-        </p:sp>
-        <p:sp>
-          <p:nvSpPr>
-            <p:cNvPr id="33" name="TextBox 32"/>
-            <p:cNvSpPr txBox="1"/>
-            <p:nvPr/>
-          </p:nvSpPr>
-          <p:spPr>
-            <a:xfrm>
-              <a:off x="7543800" y="2400300"/>
-              <a:ext cx="1447800" cy="369332"/>
-            </a:xfrm>
-            <a:prstGeom prst="rect">
-              <a:avLst/>
-            </a:prstGeom>
-            <a:noFill/>
-            <a:ln>
-              <a:solidFill>
-                <a:schemeClr val="tx1"/>
-              </a:solidFill>
-            </a:ln>
-          </p:spPr>
-          <p:txBody>
-            <a:bodyPr wrap="square" rtlCol="0">
-              <a:spAutoFit/>
-            </a:bodyPr>
-            <a:lstStyle/>
-            <a:p>
-              <a:pPr algn="ctr"/>
-              <a:r>
-                <a:rPr lang="en-US" smtClean="0"/>
-                <a:t>Rule apply</a:t>
-              </a:r>
-              <a:endParaRPr lang="en-US"/>
-            </a:p>
-          </p:txBody>
-        </p:sp>
-        <p:sp>
-          <p:nvSpPr>
-            <p:cNvPr id="36" name="Oval 35"/>
-            <p:cNvSpPr/>
-            <p:nvPr/>
-          </p:nvSpPr>
-          <p:spPr>
-            <a:xfrm>
-              <a:off x="2438400" y="3390900"/>
-              <a:ext cx="4267200" cy="1905000"/>
-            </a:xfrm>
-            <a:prstGeom prst="ellipse">
-              <a:avLst/>
-            </a:prstGeom>
-            <a:noFill/>
-            <a:ln w="3175">
-              <a:solidFill>
-                <a:schemeClr val="tx1"/>
-              </a:solidFill>
-            </a:ln>
-          </p:spPr>
-          <p:style>
-            <a:lnRef idx="2">
-              <a:schemeClr val="accent1">
-                <a:shade val="50000"/>
-              </a:schemeClr>
-            </a:lnRef>
-            <a:fillRef idx="1">
-              <a:schemeClr val="accent1"/>
-            </a:fillRef>
-            <a:effectRef idx="0">
-              <a:schemeClr val="accent1"/>
-            </a:effectRef>
-            <a:fontRef idx="minor">
-              <a:schemeClr val="lt1"/>
-            </a:fontRef>
-          </p:style>
-          <p:txBody>
-            <a:bodyPr tIns="0" rtlCol="0" anchor="ctr"/>
-            <a:lstStyle/>
-            <a:p>
-              <a:pPr algn="ctr"/>
-              <a:endParaRPr lang="en-US">
-                <a:solidFill>
-                  <a:schemeClr val="tx1"/>
-                </a:solidFill>
-              </a:endParaRPr>
-            </a:p>
-          </p:txBody>
-        </p:sp>
-        <p:sp>
-          <p:nvSpPr>
-            <p:cNvPr id="37" name="TextBox 36"/>
-            <p:cNvSpPr txBox="1"/>
-            <p:nvPr/>
-          </p:nvSpPr>
-          <p:spPr>
-            <a:xfrm>
-              <a:off x="3810000" y="3619500"/>
-              <a:ext cx="1600200" cy="369332"/>
-            </a:xfrm>
-            <a:prstGeom prst="rect">
-              <a:avLst/>
-            </a:prstGeom>
-            <a:noFill/>
-          </p:spPr>
-          <p:txBody>
-            <a:bodyPr wrap="square" rtlCol="0">
-              <a:spAutoFit/>
-            </a:bodyPr>
-            <a:lstStyle/>
-            <a:p>
-              <a:r>
-                <a:rPr lang="en-US" smtClean="0"/>
-                <a:t>CONTROLLER</a:t>
-              </a:r>
-              <a:endParaRPr lang="en-US"/>
-            </a:p>
-          </p:txBody>
-        </p:sp>
-        <p:cxnSp>
-          <p:nvCxnSpPr>
-            <p:cNvPr id="39" name="Straight Arrow Connector 38"/>
-            <p:cNvCxnSpPr/>
-            <p:nvPr/>
-          </p:nvCxnSpPr>
-          <p:spPr>
-            <a:xfrm>
-              <a:off x="1219200" y="2857500"/>
-              <a:ext cx="1295400" cy="1066800"/>
-            </a:xfrm>
-            <a:prstGeom prst="straightConnector1">
-              <a:avLst/>
-            </a:prstGeom>
-            <a:ln>
-              <a:headEnd type="arrow"/>
-              <a:tailEnd type="arrow"/>
-            </a:ln>
-          </p:spPr>
-          <p:style>
-            <a:lnRef idx="1">
-              <a:schemeClr val="accent1"/>
-            </a:lnRef>
-            <a:fillRef idx="0">
-              <a:schemeClr val="accent1"/>
-            </a:fillRef>
-            <a:effectRef idx="0">
-              <a:schemeClr val="accent1"/>
-            </a:effectRef>
-            <a:fontRef idx="minor">
-              <a:schemeClr val="tx1"/>
-            </a:fontRef>
-          </p:style>
-        </p:cxnSp>
-        <p:cxnSp>
-          <p:nvCxnSpPr>
-            <p:cNvPr id="41" name="Straight Arrow Connector 40"/>
-            <p:cNvCxnSpPr>
-              <a:stCxn id="30" idx="2"/>
-            </p:cNvCxnSpPr>
-            <p:nvPr/>
-          </p:nvCxnSpPr>
-          <p:spPr>
-            <a:xfrm rot="16200000" flipH="1">
-              <a:off x="2756416" y="2794516"/>
-              <a:ext cx="697468" cy="647700"/>
-            </a:xfrm>
-            <a:prstGeom prst="straightConnector1">
-              <a:avLst/>
-            </a:prstGeom>
-            <a:ln>
-              <a:headEnd type="arrow"/>
-              <a:tailEnd type="arrow"/>
-            </a:ln>
-          </p:spPr>
-          <p:style>
-            <a:lnRef idx="1">
-              <a:schemeClr val="accent1"/>
-            </a:lnRef>
-            <a:fillRef idx="0">
-              <a:schemeClr val="accent1"/>
-            </a:fillRef>
-            <a:effectRef idx="0">
-              <a:schemeClr val="accent1"/>
-            </a:effectRef>
-            <a:fontRef idx="minor">
-              <a:schemeClr val="tx1"/>
-            </a:fontRef>
-          </p:style>
-        </p:cxnSp>
-        <p:cxnSp>
-          <p:nvCxnSpPr>
-            <p:cNvPr id="45" name="Straight Arrow Connector 44"/>
-            <p:cNvCxnSpPr/>
-            <p:nvPr/>
-          </p:nvCxnSpPr>
-          <p:spPr>
-            <a:xfrm rot="5400000">
-              <a:off x="4419600" y="3086100"/>
-              <a:ext cx="457200" cy="1588"/>
-            </a:xfrm>
-            <a:prstGeom prst="straightConnector1">
-              <a:avLst/>
-            </a:prstGeom>
-            <a:ln>
-              <a:headEnd type="arrow"/>
-              <a:tailEnd type="arrow"/>
-            </a:ln>
-          </p:spPr>
-          <p:style>
-            <a:lnRef idx="1">
-              <a:schemeClr val="accent1"/>
-            </a:lnRef>
-            <a:fillRef idx="0">
-              <a:schemeClr val="accent1"/>
-            </a:fillRef>
-            <a:effectRef idx="0">
-              <a:schemeClr val="accent1"/>
-            </a:effectRef>
-            <a:fontRef idx="minor">
-              <a:schemeClr val="tx1"/>
-            </a:fontRef>
-          </p:style>
-        </p:cxnSp>
-        <p:cxnSp>
-          <p:nvCxnSpPr>
-            <p:cNvPr id="47" name="Straight Arrow Connector 46"/>
-            <p:cNvCxnSpPr/>
-            <p:nvPr/>
-          </p:nvCxnSpPr>
-          <p:spPr>
-            <a:xfrm rot="5400000">
-              <a:off x="5791200" y="2857500"/>
-              <a:ext cx="609600" cy="609600"/>
-            </a:xfrm>
-            <a:prstGeom prst="straightConnector1">
-              <a:avLst/>
-            </a:prstGeom>
-            <a:ln>
-              <a:headEnd type="arrow"/>
-              <a:tailEnd type="arrow"/>
-            </a:ln>
-          </p:spPr>
-          <p:style>
-            <a:lnRef idx="1">
-              <a:schemeClr val="accent1"/>
-            </a:lnRef>
-            <a:fillRef idx="0">
-              <a:schemeClr val="accent1"/>
-            </a:fillRef>
-            <a:effectRef idx="0">
-              <a:schemeClr val="accent1"/>
-            </a:effectRef>
-            <a:fontRef idx="minor">
-              <a:schemeClr val="tx1"/>
-            </a:fontRef>
-          </p:style>
-        </p:cxnSp>
-        <p:cxnSp>
-          <p:nvCxnSpPr>
-            <p:cNvPr id="49" name="Straight Arrow Connector 48"/>
-            <p:cNvCxnSpPr/>
-            <p:nvPr/>
-          </p:nvCxnSpPr>
-          <p:spPr>
-            <a:xfrm rot="10800000" flipV="1">
-              <a:off x="6629400" y="2857500"/>
-              <a:ext cx="1524000" cy="1143000"/>
-            </a:xfrm>
-            <a:prstGeom prst="straightConnector1">
-              <a:avLst/>
-            </a:prstGeom>
-            <a:ln>
-              <a:headEnd type="arrow"/>
-              <a:tailEnd type="arrow"/>
-            </a:ln>
-          </p:spPr>
-          <p:style>
-            <a:lnRef idx="1">
-              <a:schemeClr val="accent1"/>
-            </a:lnRef>
-            <a:fillRef idx="0">
-              <a:schemeClr val="accent1"/>
-            </a:fillRef>
-            <a:effectRef idx="0">
-              <a:schemeClr val="accent1"/>
-            </a:effectRef>
-            <a:fontRef idx="minor">
-              <a:schemeClr val="tx1"/>
-            </a:fontRef>
-          </p:style>
-        </p:cxnSp>
-        <p:cxnSp>
-          <p:nvCxnSpPr>
-            <p:cNvPr id="51" name="Straight Arrow Connector 50"/>
-            <p:cNvCxnSpPr/>
-            <p:nvPr/>
-          </p:nvCxnSpPr>
-          <p:spPr>
-            <a:xfrm flipV="1">
-              <a:off x="1295400" y="1790700"/>
-              <a:ext cx="1828800" cy="533400"/>
-            </a:xfrm>
-            <a:prstGeom prst="straightConnector1">
-              <a:avLst/>
-            </a:prstGeom>
-            <a:ln>
-              <a:tailEnd type="arrow"/>
-            </a:ln>
-          </p:spPr>
-          <p:style>
-            <a:lnRef idx="1">
-              <a:schemeClr val="accent1"/>
-            </a:lnRef>
-            <a:fillRef idx="0">
-              <a:schemeClr val="accent1"/>
-            </a:fillRef>
-            <a:effectRef idx="0">
-              <a:schemeClr val="accent1"/>
-            </a:effectRef>
-            <a:fontRef idx="minor">
-              <a:schemeClr val="tx1"/>
-            </a:fontRef>
-          </p:style>
-        </p:cxnSp>
-        <p:cxnSp>
-          <p:nvCxnSpPr>
-            <p:cNvPr id="53" name="Straight Arrow Connector 52"/>
-            <p:cNvCxnSpPr/>
-            <p:nvPr/>
-          </p:nvCxnSpPr>
-          <p:spPr>
-            <a:xfrm flipV="1">
-              <a:off x="2895600" y="1943100"/>
-              <a:ext cx="533400" cy="381000"/>
-            </a:xfrm>
-            <a:prstGeom prst="straightConnector1">
-              <a:avLst/>
-            </a:prstGeom>
-            <a:ln>
-              <a:tailEnd type="arrow"/>
-            </a:ln>
-          </p:spPr>
-          <p:style>
-            <a:lnRef idx="1">
-              <a:schemeClr val="accent1"/>
-            </a:lnRef>
-            <a:fillRef idx="0">
-              <a:schemeClr val="accent1"/>
-            </a:fillRef>
-            <a:effectRef idx="0">
-              <a:schemeClr val="accent1"/>
-            </a:effectRef>
-            <a:fontRef idx="minor">
-              <a:schemeClr val="tx1"/>
-            </a:fontRef>
-          </p:style>
-        </p:cxnSp>
-        <p:cxnSp>
-          <p:nvCxnSpPr>
-            <p:cNvPr id="55" name="Straight Arrow Connector 54"/>
-            <p:cNvCxnSpPr/>
-            <p:nvPr/>
-          </p:nvCxnSpPr>
-          <p:spPr>
-            <a:xfrm rot="5400000" flipH="1" flipV="1">
-              <a:off x="4306094" y="2132806"/>
-              <a:ext cx="381000" cy="1588"/>
-            </a:xfrm>
-            <a:prstGeom prst="straightConnector1">
-              <a:avLst/>
-            </a:prstGeom>
-            <a:ln>
-              <a:tailEnd type="arrow"/>
-            </a:ln>
-          </p:spPr>
-          <p:style>
-            <a:lnRef idx="1">
-              <a:schemeClr val="accent1"/>
-            </a:lnRef>
-            <a:fillRef idx="0">
-              <a:schemeClr val="accent1"/>
-            </a:fillRef>
-            <a:effectRef idx="0">
-              <a:schemeClr val="accent1"/>
-            </a:effectRef>
-            <a:fontRef idx="minor">
-              <a:schemeClr val="tx1"/>
-            </a:fontRef>
-          </p:style>
-        </p:cxnSp>
-        <p:cxnSp>
-          <p:nvCxnSpPr>
-            <p:cNvPr id="59" name="Straight Arrow Connector 58"/>
-            <p:cNvCxnSpPr/>
-            <p:nvPr/>
-          </p:nvCxnSpPr>
-          <p:spPr>
-            <a:xfrm rot="10800000">
-              <a:off x="5486400" y="1943100"/>
-              <a:ext cx="457200" cy="381000"/>
-            </a:xfrm>
-            <a:prstGeom prst="straightConnector1">
-              <a:avLst/>
-            </a:prstGeom>
-            <a:ln>
-              <a:tailEnd type="arrow"/>
-            </a:ln>
-          </p:spPr>
-          <p:style>
-            <a:lnRef idx="1">
-              <a:schemeClr val="accent1"/>
-            </a:lnRef>
-            <a:fillRef idx="0">
-              <a:schemeClr val="accent1"/>
-            </a:fillRef>
-            <a:effectRef idx="0">
-              <a:schemeClr val="accent1"/>
-            </a:effectRef>
-            <a:fontRef idx="minor">
-              <a:schemeClr val="tx1"/>
-            </a:fontRef>
-          </p:style>
-        </p:cxnSp>
-        <p:cxnSp>
-          <p:nvCxnSpPr>
-            <p:cNvPr id="61" name="Straight Arrow Connector 60"/>
-            <p:cNvCxnSpPr/>
-            <p:nvPr/>
-          </p:nvCxnSpPr>
-          <p:spPr>
-            <a:xfrm rot="10800000">
-              <a:off x="5486400" y="1714500"/>
-              <a:ext cx="2286000" cy="609600"/>
-            </a:xfrm>
-            <a:prstGeom prst="straightConnector1">
-              <a:avLst/>
-            </a:prstGeom>
-            <a:ln>
-              <a:tailEnd type="arrow"/>
-            </a:ln>
-          </p:spPr>
-          <p:style>
-            <a:lnRef idx="1">
-              <a:schemeClr val="accent1"/>
-            </a:lnRef>
-            <a:fillRef idx="0">
-              <a:schemeClr val="accent1"/>
-            </a:fillRef>
-            <a:effectRef idx="0">
-              <a:schemeClr val="accent1"/>
-            </a:effectRef>
-            <a:fontRef idx="minor">
-              <a:schemeClr val="tx1"/>
-            </a:fontRef>
-          </p:style>
-        </p:cxnSp>
-      </p:grpSp>
+            </a:endParaRPr>
+          </a:p>
+        </p:txBody>
+      </p:sp>
+      <p:sp>
+        <p:nvSpPr>
+          <p:cNvPr id="37" name="TextBox 36"/>
+          <p:cNvSpPr txBox="1"/>
+          <p:nvPr/>
+        </p:nvSpPr>
+        <p:spPr>
+          <a:xfrm>
+            <a:off x="3810000" y="3619500"/>
+            <a:ext cx="1600200" cy="369332"/>
+          </a:xfrm>
+          <a:prstGeom prst="rect">
+            <a:avLst/>
+          </a:prstGeom>
+          <a:noFill/>
+        </p:spPr>
+        <p:txBody>
+          <a:bodyPr wrap="square" rtlCol="0">
+            <a:spAutoFit/>
+          </a:bodyPr>
+          <a:lstStyle/>
+          <a:p>
+            <a:r>
+              <a:rPr lang="en-US" smtClean="0"/>
+              <a:t>CONTROLLER</a:t>
+            </a:r>
+            <a:endParaRPr lang="en-US"/>
+          </a:p>
+        </p:txBody>
+      </p:sp>
+      <p:cxnSp>
+        <p:nvCxnSpPr>
+          <p:cNvPr id="39" name="Straight Arrow Connector 38"/>
+          <p:cNvCxnSpPr/>
+          <p:nvPr/>
+        </p:nvCxnSpPr>
+        <p:spPr>
+          <a:xfrm>
+            <a:off x="1219200" y="2857500"/>
+            <a:ext cx="1295400" cy="1066800"/>
+          </a:xfrm>
+          <a:prstGeom prst="straightConnector1">
+            <a:avLst/>
+          </a:prstGeom>
+          <a:ln>
+            <a:headEnd type="arrow"/>
+            <a:tailEnd type="arrow"/>
+          </a:ln>
+        </p:spPr>
+        <p:style>
+          <a:lnRef idx="1">
+            <a:schemeClr val="accent1"/>
+          </a:lnRef>
+          <a:fillRef idx="0">
+            <a:schemeClr val="accent1"/>
+          </a:fillRef>
+          <a:effectRef idx="0">
+            <a:schemeClr val="accent1"/>
+          </a:effectRef>
+          <a:fontRef idx="minor">
+            <a:schemeClr val="tx1"/>
+          </a:fontRef>
+        </p:style>
+      </p:cxnSp>
+      <p:cxnSp>
+        <p:nvCxnSpPr>
+          <p:cNvPr id="41" name="Straight Arrow Connector 40"/>
+          <p:cNvCxnSpPr>
+            <a:stCxn id="30" idx="2"/>
+          </p:cNvCxnSpPr>
+          <p:nvPr/>
+        </p:nvCxnSpPr>
+        <p:spPr>
+          <a:xfrm rot="16200000" flipH="1">
+            <a:off x="2756416" y="2794516"/>
+            <a:ext cx="697468" cy="647700"/>
+          </a:xfrm>
+          <a:prstGeom prst="straightConnector1">
+            <a:avLst/>
+          </a:prstGeom>
+          <a:ln>
+            <a:headEnd type="arrow"/>
+            <a:tailEnd type="arrow"/>
+          </a:ln>
+        </p:spPr>
+        <p:style>
+          <a:lnRef idx="1">
+            <a:schemeClr val="accent1"/>
+          </a:lnRef>
+          <a:fillRef idx="0">
+            <a:schemeClr val="accent1"/>
+          </a:fillRef>
+          <a:effectRef idx="0">
+            <a:schemeClr val="accent1"/>
+          </a:effectRef>
+          <a:fontRef idx="minor">
+            <a:schemeClr val="tx1"/>
+          </a:fontRef>
+        </p:style>
+      </p:cxnSp>
+      <p:cxnSp>
+        <p:nvCxnSpPr>
+          <p:cNvPr id="45" name="Straight Arrow Connector 44"/>
+          <p:cNvCxnSpPr/>
+          <p:nvPr/>
+        </p:nvCxnSpPr>
+        <p:spPr>
+          <a:xfrm rot="5400000">
+            <a:off x="4419600" y="3086100"/>
+            <a:ext cx="457200" cy="1588"/>
+          </a:xfrm>
+          <a:prstGeom prst="straightConnector1">
+            <a:avLst/>
+          </a:prstGeom>
+          <a:ln>
+            <a:headEnd type="arrow"/>
+            <a:tailEnd type="arrow"/>
+          </a:ln>
+        </p:spPr>
+        <p:style>
+          <a:lnRef idx="1">
+            <a:schemeClr val="accent1"/>
+          </a:lnRef>
+          <a:fillRef idx="0">
+            <a:schemeClr val="accent1"/>
+          </a:fillRef>
+          <a:effectRef idx="0">
+            <a:schemeClr val="accent1"/>
+          </a:effectRef>
+          <a:fontRef idx="minor">
+            <a:schemeClr val="tx1"/>
+          </a:fontRef>
+        </p:style>
+      </p:cxnSp>
+      <p:cxnSp>
+        <p:nvCxnSpPr>
+          <p:cNvPr id="47" name="Straight Arrow Connector 46"/>
+          <p:cNvCxnSpPr/>
+          <p:nvPr/>
+        </p:nvCxnSpPr>
+        <p:spPr>
+          <a:xfrm rot="5400000">
+            <a:off x="5791200" y="2857500"/>
+            <a:ext cx="609600" cy="609600"/>
+          </a:xfrm>
+          <a:prstGeom prst="straightConnector1">
+            <a:avLst/>
+          </a:prstGeom>
+          <a:ln>
+            <a:headEnd type="arrow"/>
+            <a:tailEnd type="arrow"/>
+          </a:ln>
+        </p:spPr>
+        <p:style>
+          <a:lnRef idx="1">
+            <a:schemeClr val="accent1"/>
+          </a:lnRef>
+          <a:fillRef idx="0">
+            <a:schemeClr val="accent1"/>
+          </a:fillRef>
+          <a:effectRef idx="0">
+            <a:schemeClr val="accent1"/>
+          </a:effectRef>
+          <a:fontRef idx="minor">
+            <a:schemeClr val="tx1"/>
+          </a:fontRef>
+        </p:style>
+      </p:cxnSp>
+      <p:cxnSp>
+        <p:nvCxnSpPr>
+          <p:cNvPr id="49" name="Straight Arrow Connector 48"/>
+          <p:cNvCxnSpPr/>
+          <p:nvPr/>
+        </p:nvCxnSpPr>
+        <p:spPr>
+          <a:xfrm rot="10800000" flipV="1">
+            <a:off x="6629400" y="2857500"/>
+            <a:ext cx="1524000" cy="1143000"/>
+          </a:xfrm>
+          <a:prstGeom prst="straightConnector1">
+            <a:avLst/>
+          </a:prstGeom>
+          <a:ln>
+            <a:headEnd type="arrow"/>
+            <a:tailEnd type="arrow"/>
+          </a:ln>
+        </p:spPr>
+        <p:style>
+          <a:lnRef idx="1">
+            <a:schemeClr val="accent1"/>
+          </a:lnRef>
+          <a:fillRef idx="0">
+            <a:schemeClr val="accent1"/>
+          </a:fillRef>
+          <a:effectRef idx="0">
+            <a:schemeClr val="accent1"/>
+          </a:effectRef>
+          <a:fontRef idx="minor">
+            <a:schemeClr val="tx1"/>
+          </a:fontRef>
+        </p:style>
+      </p:cxnSp>
+      <p:cxnSp>
+        <p:nvCxnSpPr>
+          <p:cNvPr id="51" name="Straight Arrow Connector 50"/>
+          <p:cNvCxnSpPr/>
+          <p:nvPr/>
+        </p:nvCxnSpPr>
+        <p:spPr>
+          <a:xfrm flipV="1">
+            <a:off x="1295400" y="1790700"/>
+            <a:ext cx="1828800" cy="533400"/>
+          </a:xfrm>
+          <a:prstGeom prst="straightConnector1">
+            <a:avLst/>
+          </a:prstGeom>
+          <a:ln>
+            <a:tailEnd type="arrow"/>
+          </a:ln>
+        </p:spPr>
+        <p:style>
+          <a:lnRef idx="1">
+            <a:schemeClr val="accent1"/>
+          </a:lnRef>
+          <a:fillRef idx="0">
+            <a:schemeClr val="accent1"/>
+          </a:fillRef>
+          <a:effectRef idx="0">
+            <a:schemeClr val="accent1"/>
+          </a:effectRef>
+          <a:fontRef idx="minor">
+            <a:schemeClr val="tx1"/>
+          </a:fontRef>
+        </p:style>
+      </p:cxnSp>
+      <p:cxnSp>
+        <p:nvCxnSpPr>
+          <p:cNvPr id="53" name="Straight Arrow Connector 52"/>
+          <p:cNvCxnSpPr/>
+          <p:nvPr/>
+        </p:nvCxnSpPr>
+        <p:spPr>
+          <a:xfrm flipV="1">
+            <a:off x="2895600" y="1943100"/>
+            <a:ext cx="533400" cy="381000"/>
+          </a:xfrm>
+          <a:prstGeom prst="straightConnector1">
+            <a:avLst/>
+          </a:prstGeom>
+          <a:ln>
+            <a:tailEnd type="arrow"/>
+          </a:ln>
+        </p:spPr>
+        <p:style>
+          <a:lnRef idx="1">
+            <a:schemeClr val="accent1"/>
+          </a:lnRef>
+          <a:fillRef idx="0">
+            <a:schemeClr val="accent1"/>
+          </a:fillRef>
+          <a:effectRef idx="0">
+            <a:schemeClr val="accent1"/>
+          </a:effectRef>
+          <a:fontRef idx="minor">
+            <a:schemeClr val="tx1"/>
+          </a:fontRef>
+        </p:style>
+      </p:cxnSp>
+      <p:cxnSp>
+        <p:nvCxnSpPr>
+          <p:cNvPr id="55" name="Straight Arrow Connector 54"/>
+          <p:cNvCxnSpPr/>
+          <p:nvPr/>
+        </p:nvCxnSpPr>
+        <p:spPr>
+          <a:xfrm rot="5400000" flipH="1" flipV="1">
+            <a:off x="4306094" y="2132806"/>
+            <a:ext cx="381000" cy="1588"/>
+          </a:xfrm>
+          <a:prstGeom prst="straightConnector1">
+            <a:avLst/>
+          </a:prstGeom>
+          <a:ln>
+            <a:tailEnd type="arrow"/>
+          </a:ln>
+        </p:spPr>
+        <p:style>
+          <a:lnRef idx="1">
+            <a:schemeClr val="accent1"/>
+          </a:lnRef>
+          <a:fillRef idx="0">
+            <a:schemeClr val="accent1"/>
+          </a:fillRef>
+          <a:effectRef idx="0">
+            <a:schemeClr val="accent1"/>
+          </a:effectRef>
+          <a:fontRef idx="minor">
+            <a:schemeClr val="tx1"/>
+          </a:fontRef>
+        </p:style>
+      </p:cxnSp>
+      <p:cxnSp>
+        <p:nvCxnSpPr>
+          <p:cNvPr id="59" name="Straight Arrow Connector 58"/>
+          <p:cNvCxnSpPr/>
+          <p:nvPr/>
+        </p:nvCxnSpPr>
+        <p:spPr>
+          <a:xfrm rot="10800000">
+            <a:off x="5486400" y="1943100"/>
+            <a:ext cx="457200" cy="381000"/>
+          </a:xfrm>
+          <a:prstGeom prst="straightConnector1">
+            <a:avLst/>
+          </a:prstGeom>
+          <a:ln>
+            <a:tailEnd type="arrow"/>
+          </a:ln>
+        </p:spPr>
+        <p:style>
+          <a:lnRef idx="1">
+            <a:schemeClr val="accent1"/>
+          </a:lnRef>
+          <a:fillRef idx="0">
+            <a:schemeClr val="accent1"/>
+          </a:fillRef>
+          <a:effectRef idx="0">
+            <a:schemeClr val="accent1"/>
+          </a:effectRef>
+          <a:fontRef idx="minor">
+            <a:schemeClr val="tx1"/>
+          </a:fontRef>
+        </p:style>
+      </p:cxnSp>
+      <p:cxnSp>
+        <p:nvCxnSpPr>
+          <p:cNvPr id="61" name="Straight Arrow Connector 60"/>
+          <p:cNvCxnSpPr/>
+          <p:nvPr/>
+        </p:nvCxnSpPr>
+        <p:spPr>
+          <a:xfrm rot="10800000">
+            <a:off x="5486400" y="1714500"/>
+            <a:ext cx="2286000" cy="609600"/>
+          </a:xfrm>
+          <a:prstGeom prst="straightConnector1">
+            <a:avLst/>
+          </a:prstGeom>
+          <a:ln>
+            <a:tailEnd type="arrow"/>
+          </a:ln>
+        </p:spPr>
+        <p:style>
+          <a:lnRef idx="1">
+            <a:schemeClr val="accent1"/>
+          </a:lnRef>
+          <a:fillRef idx="0">
+            <a:schemeClr val="accent1"/>
+          </a:fillRef>
+          <a:effectRef idx="0">
+            <a:schemeClr val="accent1"/>
+          </a:effectRef>
+          <a:fontRef idx="minor">
+            <a:schemeClr val="tx1"/>
+          </a:fontRef>
+        </p:style>
+      </p:cxnSp>
     </p:spTree>
   </p:cSld>
   <p:clrMapOvr>
@@ -10884,7 +14101,7 @@
 </p:sld>
 </file>
 
-<file path=ppt/slides/slide15.xml><?xml version="1.0" encoding="utf-8"?>
+<file path=ppt/slides/slide16.xml><?xml version="1.0" encoding="utf-8"?>
 <p:sld xmlns:a="http://schemas.openxmlformats.org/drawingml/2006/main" xmlns:r="http://schemas.openxmlformats.org/officeDocument/2006/relationships" xmlns:p="http://schemas.openxmlformats.org/presentationml/2006/main">
   <p:cSld>
     <p:spTree>
@@ -11213,7 +14430,7 @@
 </p:sld>
 </file>
 
-<file path=ppt/slides/slide16.xml><?xml version="1.0" encoding="utf-8"?>
+<file path=ppt/slides/slide17.xml><?xml version="1.0" encoding="utf-8"?>
 <p:sld xmlns:a="http://schemas.openxmlformats.org/drawingml/2006/main" xmlns:r="http://schemas.openxmlformats.org/officeDocument/2006/relationships" xmlns:p="http://schemas.openxmlformats.org/presentationml/2006/main">
   <p:cSld>
     <p:spTree>
@@ -11996,7 +15213,7 @@
 </p:sld>
 </file>
 
-<file path=ppt/slides/slide17.xml><?xml version="1.0" encoding="utf-8"?>
+<file path=ppt/slides/slide18.xml><?xml version="1.0" encoding="utf-8"?>
 <p:sld xmlns:a="http://schemas.openxmlformats.org/drawingml/2006/main" xmlns:r="http://schemas.openxmlformats.org/officeDocument/2006/relationships" xmlns:p="http://schemas.openxmlformats.org/presentationml/2006/main">
   <p:cSld>
     <p:spTree>
@@ -12116,7 +15333,7 @@
 </p:sld>
 </file>
 
-<file path=ppt/slides/slide18.xml><?xml version="1.0" encoding="utf-8"?>
+<file path=ppt/slides/slide19.xml><?xml version="1.0" encoding="utf-8"?>
 <p:sld xmlns:a="http://schemas.openxmlformats.org/drawingml/2006/main" xmlns:r="http://schemas.openxmlformats.org/officeDocument/2006/relationships" xmlns:p="http://schemas.openxmlformats.org/presentationml/2006/main">
   <p:cSld>
     <p:spTree>
@@ -12899,124 +16116,6 @@
 </p:sld>
 </file>
 
-<file path=ppt/slides/slide19.xml><?xml version="1.0" encoding="utf-8"?>
-<p:sld xmlns:a="http://schemas.openxmlformats.org/drawingml/2006/main" xmlns:r="http://schemas.openxmlformats.org/officeDocument/2006/relationships" xmlns:p="http://schemas.openxmlformats.org/presentationml/2006/main">
-  <p:cSld>
-    <p:spTree>
-      <p:nvGrpSpPr>
-        <p:cNvPr id="1" name=""/>
-        <p:cNvGrpSpPr/>
-        <p:nvPr/>
-      </p:nvGrpSpPr>
-      <p:grpSpPr>
-        <a:xfrm>
-          <a:off x="0" y="0"/>
-          <a:ext cx="0" cy="0"/>
-          <a:chOff x="0" y="0"/>
-          <a:chExt cx="0" cy="0"/>
-        </a:xfrm>
-      </p:grpSpPr>
-      <p:sp>
-        <p:nvSpPr>
-          <p:cNvPr id="2" name="Title 1"/>
-          <p:cNvSpPr>
-            <a:spLocks noGrp="1"/>
-          </p:cNvSpPr>
-          <p:nvPr>
-            <p:ph type="title"/>
-          </p:nvPr>
-        </p:nvSpPr>
-        <p:spPr/>
-        <p:txBody>
-          <a:bodyPr/>
-          <a:lstStyle/>
-          <a:p>
-            <a:r>
-              <a:rPr lang="en-US" smtClean="0">
-                <a:latin typeface="Times New Roman" pitchFamily="18" charset="0"/>
-              </a:rPr>
-              <a:t>MATCHING</a:t>
-            </a:r>
-            <a:endParaRPr lang="en-US">
-              <a:latin typeface="Times New Roman" pitchFamily="18" charset="0"/>
-            </a:endParaRPr>
-          </a:p>
-        </p:txBody>
-      </p:sp>
-      <p:sp>
-        <p:nvSpPr>
-          <p:cNvPr id="23" name="Content Placeholder 22"/>
-          <p:cNvSpPr>
-            <a:spLocks noGrp="1"/>
-          </p:cNvSpPr>
-          <p:nvPr>
-            <p:ph idx="1"/>
-          </p:nvPr>
-        </p:nvSpPr>
-        <p:spPr>
-          <a:xfrm>
-            <a:off x="457200" y="1181100"/>
-            <a:ext cx="8382000" cy="3924036"/>
-          </a:xfrm>
-        </p:spPr>
-        <p:txBody>
-          <a:bodyPr>
-            <a:normAutofit/>
-          </a:bodyPr>
-          <a:lstStyle/>
-          <a:p>
-            <a:pPr marL="342900" lvl="1" indent="-342900">
-              <a:buFont typeface="Arial" pitchFamily="34" charset="0"/>
-              <a:buChar char="•"/>
-            </a:pPr>
-            <a:r>
-              <a:rPr lang="en-US" sz="3600" smtClean="0"/>
-              <a:t>If goal is a term: </a:t>
-            </a:r>
-          </a:p>
-          <a:p>
-            <a:pPr lvl="1">
-              <a:buFont typeface="Wingdings" pitchFamily="2" charset="2"/>
-              <a:buChar char="§"/>
-            </a:pPr>
-            <a:r>
-              <a:rPr lang="en-US" smtClean="0"/>
-              <a:t>Unification  ( A, A)</a:t>
-            </a:r>
-          </a:p>
-          <a:p>
-            <a:r>
-              <a:rPr lang="en-US" smtClean="0"/>
-              <a:t>If goal is a contradiction:</a:t>
-            </a:r>
-          </a:p>
-          <a:p>
-            <a:pPr lvl="1">
-              <a:buFont typeface="Wingdings" pitchFamily="2" charset="2"/>
-              <a:buChar char="§"/>
-            </a:pPr>
-            <a:r>
-              <a:rPr lang="en-US" smtClean="0"/>
-              <a:t>Unification  ( A, ¬ A)</a:t>
-            </a:r>
-          </a:p>
-        </p:txBody>
-      </p:sp>
-    </p:spTree>
-  </p:cSld>
-  <p:clrMapOvr>
-    <a:masterClrMapping/>
-  </p:clrMapOvr>
-  <p:timing>
-    <p:tnLst>
-      <p:par>
-        <p:cTn id="1" dur="indefinite" restart="never" nodeType="tmRoot"/>
-      </p:par>
-    </p:tnLst>
-  </p:timing>
-</p:sld>
-</file>
-
 <file path=ppt/slides/slide2.xml><?xml version="1.0" encoding="utf-8"?>
 <p:sld xmlns:a="http://schemas.openxmlformats.org/drawingml/2006/main" xmlns:r="http://schemas.openxmlformats.org/officeDocument/2006/relationships" xmlns:p="http://schemas.openxmlformats.org/presentationml/2006/main">
   <p:cSld>
@@ -13345,13 +16444,13 @@
         <p:spPr>
           <a:xfrm>
             <a:off x="7086600" y="2705100"/>
-            <a:ext cx="990600" cy="1447800"/>
+            <a:ext cx="914400" cy="1447800"/>
           </a:xfrm>
           <a:prstGeom prst="leftUpArrow">
             <a:avLst>
-              <a:gd name="adj1" fmla="val 25000"/>
-              <a:gd name="adj2" fmla="val 21543"/>
-              <a:gd name="adj3" fmla="val 25000"/>
+              <a:gd name="adj1" fmla="val 22959"/>
+              <a:gd name="adj2" fmla="val 19502"/>
+              <a:gd name="adj3" fmla="val 27041"/>
             </a:avLst>
           </a:prstGeom>
         </p:spPr>
@@ -13396,6 +16495,124 @@
 </file>
 
 <file path=ppt/slides/slide20.xml><?xml version="1.0" encoding="utf-8"?>
+<p:sld xmlns:a="http://schemas.openxmlformats.org/drawingml/2006/main" xmlns:r="http://schemas.openxmlformats.org/officeDocument/2006/relationships" xmlns:p="http://schemas.openxmlformats.org/presentationml/2006/main">
+  <p:cSld>
+    <p:spTree>
+      <p:nvGrpSpPr>
+        <p:cNvPr id="1" name=""/>
+        <p:cNvGrpSpPr/>
+        <p:nvPr/>
+      </p:nvGrpSpPr>
+      <p:grpSpPr>
+        <a:xfrm>
+          <a:off x="0" y="0"/>
+          <a:ext cx="0" cy="0"/>
+          <a:chOff x="0" y="0"/>
+          <a:chExt cx="0" cy="0"/>
+        </a:xfrm>
+      </p:grpSpPr>
+      <p:sp>
+        <p:nvSpPr>
+          <p:cNvPr id="2" name="Title 1"/>
+          <p:cNvSpPr>
+            <a:spLocks noGrp="1"/>
+          </p:cNvSpPr>
+          <p:nvPr>
+            <p:ph type="title"/>
+          </p:nvPr>
+        </p:nvSpPr>
+        <p:spPr/>
+        <p:txBody>
+          <a:bodyPr/>
+          <a:lstStyle/>
+          <a:p>
+            <a:r>
+              <a:rPr lang="en-US" smtClean="0">
+                <a:latin typeface="Times New Roman" pitchFamily="18" charset="0"/>
+              </a:rPr>
+              <a:t>MATCHING</a:t>
+            </a:r>
+            <a:endParaRPr lang="en-US">
+              <a:latin typeface="Times New Roman" pitchFamily="18" charset="0"/>
+            </a:endParaRPr>
+          </a:p>
+        </p:txBody>
+      </p:sp>
+      <p:sp>
+        <p:nvSpPr>
+          <p:cNvPr id="23" name="Content Placeholder 22"/>
+          <p:cNvSpPr>
+            <a:spLocks noGrp="1"/>
+          </p:cNvSpPr>
+          <p:nvPr>
+            <p:ph idx="1"/>
+          </p:nvPr>
+        </p:nvSpPr>
+        <p:spPr>
+          <a:xfrm>
+            <a:off x="457200" y="1181100"/>
+            <a:ext cx="8382000" cy="3924036"/>
+          </a:xfrm>
+        </p:spPr>
+        <p:txBody>
+          <a:bodyPr>
+            <a:normAutofit/>
+          </a:bodyPr>
+          <a:lstStyle/>
+          <a:p>
+            <a:pPr marL="342900" lvl="1" indent="-342900">
+              <a:buFont typeface="Arial" pitchFamily="34" charset="0"/>
+              <a:buChar char="•"/>
+            </a:pPr>
+            <a:r>
+              <a:rPr lang="en-US" sz="3600" smtClean="0"/>
+              <a:t>If goal is a term: </a:t>
+            </a:r>
+          </a:p>
+          <a:p>
+            <a:pPr lvl="1">
+              <a:buFont typeface="Wingdings" pitchFamily="2" charset="2"/>
+              <a:buChar char="§"/>
+            </a:pPr>
+            <a:r>
+              <a:rPr lang="en-US" smtClean="0"/>
+              <a:t>Unification  ( A, A)</a:t>
+            </a:r>
+          </a:p>
+          <a:p>
+            <a:r>
+              <a:rPr lang="en-US" smtClean="0"/>
+              <a:t>If goal is a contradiction:</a:t>
+            </a:r>
+          </a:p>
+          <a:p>
+            <a:pPr lvl="1">
+              <a:buFont typeface="Wingdings" pitchFamily="2" charset="2"/>
+              <a:buChar char="§"/>
+            </a:pPr>
+            <a:r>
+              <a:rPr lang="en-US" smtClean="0"/>
+              <a:t>Unification  ( A, ¬ A)</a:t>
+            </a:r>
+          </a:p>
+        </p:txBody>
+      </p:sp>
+    </p:spTree>
+  </p:cSld>
+  <p:clrMapOvr>
+    <a:masterClrMapping/>
+  </p:clrMapOvr>
+  <p:timing>
+    <p:tnLst>
+      <p:par>
+        <p:cTn id="1" dur="indefinite" restart="never" nodeType="tmRoot"/>
+      </p:par>
+    </p:tnLst>
+  </p:timing>
+</p:sld>
+</file>
+
+<file path=ppt/slides/slide21.xml><?xml version="1.0" encoding="utf-8"?>
 <p:sld xmlns:a="http://schemas.openxmlformats.org/drawingml/2006/main" xmlns:r="http://schemas.openxmlformats.org/officeDocument/2006/relationships" xmlns:p="http://schemas.openxmlformats.org/presentationml/2006/main">
   <p:cSld>
     <p:spTree>
@@ -14178,7 +17395,7 @@
 </p:sld>
 </file>
 
-<file path=ppt/slides/slide21.xml><?xml version="1.0" encoding="utf-8"?>
+<file path=ppt/slides/slide22.xml><?xml version="1.0" encoding="utf-8"?>
 <p:sld xmlns:a="http://schemas.openxmlformats.org/drawingml/2006/main" xmlns:r="http://schemas.openxmlformats.org/officeDocument/2006/relationships" xmlns:p="http://schemas.openxmlformats.org/presentationml/2006/main">
   <p:cSld>
     <p:spTree>
@@ -14292,7 +17509,7 @@
 </p:sld>
 </file>
 
-<file path=ppt/slides/slide22.xml><?xml version="1.0" encoding="utf-8"?>
+<file path=ppt/slides/slide23.xml><?xml version="1.0" encoding="utf-8"?>
 <p:sld xmlns:a="http://schemas.openxmlformats.org/drawingml/2006/main" xmlns:r="http://schemas.openxmlformats.org/officeDocument/2006/relationships" xmlns:p="http://schemas.openxmlformats.org/presentationml/2006/main">
   <p:cSld>
     <p:spTree>
@@ -15075,7 +18292,7 @@
 </p:sld>
 </file>
 
-<file path=ppt/slides/slide23.xml><?xml version="1.0" encoding="utf-8"?>
+<file path=ppt/slides/slide24.xml><?xml version="1.0" encoding="utf-8"?>
 <p:sld xmlns:a="http://schemas.openxmlformats.org/drawingml/2006/main" xmlns:r="http://schemas.openxmlformats.org/officeDocument/2006/relationships" xmlns:p="http://schemas.openxmlformats.org/presentationml/2006/main">
   <p:cSld>
     <p:spTree>
@@ -15238,7 +18455,7 @@
 </p:sld>
 </file>
 
-<file path=ppt/slides/slide24.xml><?xml version="1.0" encoding="utf-8"?>
+<file path=ppt/slides/slide25.xml><?xml version="1.0" encoding="utf-8"?>
 <p:sld xmlns:a="http://schemas.openxmlformats.org/drawingml/2006/main" xmlns:r="http://schemas.openxmlformats.org/officeDocument/2006/relationships" xmlns:p="http://schemas.openxmlformats.org/presentationml/2006/main">
   <p:cSld>
     <p:spTree>
@@ -15357,7 +18574,7 @@
 </p:sld>
 </file>
 
-<file path=ppt/slides/slide25.xml><?xml version="1.0" encoding="utf-8"?>
+<file path=ppt/slides/slide26.xml><?xml version="1.0" encoding="utf-8"?>
 <p:sld xmlns:a="http://schemas.openxmlformats.org/drawingml/2006/main" xmlns:r="http://schemas.openxmlformats.org/officeDocument/2006/relationships" xmlns:p="http://schemas.openxmlformats.org/presentationml/2006/main">
   <p:cSld>
     <p:spTree>
@@ -15491,7 +18708,7 @@
 </p:sld>
 </file>
 
-<file path=ppt/slides/slide26.xml><?xml version="1.0" encoding="utf-8"?>
+<file path=ppt/slides/slide27.xml><?xml version="1.0" encoding="utf-8"?>
 <p:sld xmlns:a="http://schemas.openxmlformats.org/drawingml/2006/main" xmlns:r="http://schemas.openxmlformats.org/officeDocument/2006/relationships" xmlns:p="http://schemas.openxmlformats.org/presentationml/2006/main">
   <p:cSld>
     <p:spTree>
@@ -17513,15 +20730,7 @@
             </a:pPr>
             <a:r>
               <a:rPr lang="en-US" sz="1600" smtClean="0"/>
-              <a:t>Kind:	→</a:t>
-            </a:r>
-            <a:r>
-              <a:rPr lang="en-US" sz="1600" smtClean="0"/>
-              <a:t> </a:t>
-            </a:r>
-            <a:r>
-              <a:rPr lang="en-US" sz="1600" smtClean="0"/>
-              <a:t>Function definition</a:t>
+              <a:t>Kind:	→ Function definition</a:t>
             </a:r>
           </a:p>
           <a:p>
@@ -17530,11 +20739,7 @@
             </a:pPr>
             <a:r>
               <a:rPr lang="en-US" sz="1800" smtClean="0"/>
-              <a:t>	</a:t>
-            </a:r>
-            <a:r>
-              <a:rPr lang="en-US" sz="1800" smtClean="0"/>
-              <a:t>	→  Function Call</a:t>
+              <a:t>		→  Function Call</a:t>
             </a:r>
           </a:p>
           <a:p>
@@ -17552,15 +20757,7 @@
             </a:pPr>
             <a:r>
               <a:rPr lang="en-US" sz="1800" smtClean="0"/>
-              <a:t>	</a:t>
-            </a:r>
-            <a:r>
-              <a:rPr lang="en-US" sz="1800" smtClean="0"/>
-              <a:t>	</a:t>
-            </a:r>
-            <a:r>
-              <a:rPr lang="en-US" sz="1800" smtClean="0"/>
-              <a:t>→ Var Ref</a:t>
+              <a:t>		→ Var Ref</a:t>
             </a:r>
           </a:p>
           <a:p>
@@ -17570,17 +20767,8 @@
             </a:pPr>
             <a:r>
               <a:rPr lang="en-US" sz="1800" smtClean="0"/>
-              <a:t>Ref</a:t>
+              <a:t>Ref: Index</a:t>
             </a:r>
-            <a:r>
-              <a:rPr lang="en-US" sz="1800" smtClean="0"/>
-              <a:t>: </a:t>
-            </a:r>
-            <a:r>
-              <a:rPr lang="en-US" sz="1800" smtClean="0"/>
-              <a:t>Index</a:t>
-            </a:r>
-            <a:endParaRPr lang="en-US" sz="1800" smtClean="0"/>
           </a:p>
           <a:p>
             <a:pPr lvl="2">
@@ -17589,15 +20777,7 @@
             </a:pPr>
             <a:r>
               <a:rPr lang="en-US" sz="1800" smtClean="0"/>
-              <a:t>Info : Arg</a:t>
-            </a:r>
-            <a:r>
-              <a:rPr lang="en-US" sz="1800" smtClean="0"/>
-              <a:t>, </a:t>
-            </a:r>
-            <a:r>
-              <a:rPr lang="en-US" sz="1800" smtClean="0"/>
-              <a:t>quan</a:t>
+              <a:t>Info : Arg, quan</a:t>
             </a:r>
           </a:p>
           <a:p>
@@ -17608,7 +20788,6 @@
               <a:rPr lang="en-US" sz="1800" smtClean="0"/>
               <a:t>P(X,Y) </a:t>
             </a:r>
-            <a:endParaRPr lang="en-US" sz="1800" smtClean="0"/>
           </a:p>
         </p:txBody>
       </p:sp>

--- a/trunk/Report/SUY LUẬN TỰ NHIÊN.pptx
+++ b/trunk/Report/SUY LUẬN TỰ NHIÊN.pptx
@@ -12,23 +12,25 @@
     <p:sldId id="296" r:id="rId6"/>
     <p:sldId id="257" r:id="rId7"/>
     <p:sldId id="258" r:id="rId8"/>
-    <p:sldId id="285" r:id="rId9"/>
-    <p:sldId id="284" r:id="rId10"/>
-    <p:sldId id="289" r:id="rId11"/>
-    <p:sldId id="292" r:id="rId12"/>
-    <p:sldId id="298" r:id="rId13"/>
-    <p:sldId id="299" r:id="rId14"/>
-    <p:sldId id="259" r:id="rId15"/>
-    <p:sldId id="270" r:id="rId16"/>
-    <p:sldId id="268" r:id="rId17"/>
-    <p:sldId id="271" r:id="rId18"/>
-    <p:sldId id="272" r:id="rId19"/>
-    <p:sldId id="300" r:id="rId20"/>
-    <p:sldId id="273" r:id="rId21"/>
-    <p:sldId id="301" r:id="rId22"/>
-    <p:sldId id="274" r:id="rId23"/>
-    <p:sldId id="302" r:id="rId24"/>
-    <p:sldId id="276" r:id="rId25"/>
+    <p:sldId id="303" r:id="rId9"/>
+    <p:sldId id="285" r:id="rId10"/>
+    <p:sldId id="284" r:id="rId11"/>
+    <p:sldId id="289" r:id="rId12"/>
+    <p:sldId id="292" r:id="rId13"/>
+    <p:sldId id="298" r:id="rId14"/>
+    <p:sldId id="299" r:id="rId15"/>
+    <p:sldId id="259" r:id="rId16"/>
+    <p:sldId id="270" r:id="rId17"/>
+    <p:sldId id="268" r:id="rId18"/>
+    <p:sldId id="271" r:id="rId19"/>
+    <p:sldId id="272" r:id="rId20"/>
+    <p:sldId id="300" r:id="rId21"/>
+    <p:sldId id="273" r:id="rId22"/>
+    <p:sldId id="301" r:id="rId23"/>
+    <p:sldId id="274" r:id="rId24"/>
+    <p:sldId id="302" r:id="rId25"/>
+    <p:sldId id="305" r:id="rId26"/>
+    <p:sldId id="307" r:id="rId27"/>
   </p:sldIdLst>
   <p:sldSz cx="9144000" cy="5715000" type="screen16x10"/>
   <p:notesSz cx="6858000" cy="9144000"/>
@@ -4082,26 +4084,26 @@
     </dgm:pt>
   </dgm:ptLst>
   <dgm:cxnLst>
+    <dgm:cxn modelId="{7F8AA4A0-D909-4DF8-A4F6-D01FB482AC80}" type="presOf" srcId="{44B12766-F157-4951-81B3-0EAD7001E2B3}" destId="{5EAB83D3-FB3F-4DB5-B4CE-4575C90C3FD3}" srcOrd="0" destOrd="0" presId="urn:microsoft.com/office/officeart/2005/8/layout/radial4"/>
+    <dgm:cxn modelId="{49D21B49-C2B6-4950-B970-B3A7369FCFEC}" srcId="{593248D9-0442-439F-9C3C-E048354EC003}" destId="{4D82A73A-5CB8-4E5B-914C-8BF23F96D1E9}" srcOrd="1" destOrd="0" parTransId="{B5FE8334-692B-4ECE-86D0-9F015CD99653}" sibTransId="{D7858A6F-660A-4D76-8196-45C4096415AF}"/>
+    <dgm:cxn modelId="{48ADCE4B-31F4-4895-B6EF-BAEBEFA3FA24}" type="presOf" srcId="{B409067E-00CC-447A-8AB8-0EA02B5C1FC7}" destId="{A2643D6B-763A-4E5A-8D2D-E9722B78B84F}" srcOrd="0" destOrd="0" presId="urn:microsoft.com/office/officeart/2005/8/layout/radial4"/>
+    <dgm:cxn modelId="{89567E82-6319-4DA2-9474-1BD3A8697C19}" type="presOf" srcId="{593248D9-0442-439F-9C3C-E048354EC003}" destId="{8E8D42DD-88F7-4F99-B601-10FA49CDF0D6}" srcOrd="0" destOrd="0" presId="urn:microsoft.com/office/officeart/2005/8/layout/radial4"/>
+    <dgm:cxn modelId="{1EDCDCD6-A433-4B55-9723-EB2528846CF4}" srcId="{593248D9-0442-439F-9C3C-E048354EC003}" destId="{68187428-F245-4903-B920-C789A68C8D3C}" srcOrd="3" destOrd="0" parTransId="{5160E2D1-F6F4-46C6-9C6A-1C02B231075E}" sibTransId="{F6FC4D53-703A-4BD0-9E95-E34E162CBACE}"/>
+    <dgm:cxn modelId="{126267F6-A5C7-4884-ADC2-F614F6FC5395}" type="presOf" srcId="{FB22D5B5-1963-42CA-BEEC-CC6B5EEE6D75}" destId="{090C4A32-0438-4880-B679-3F8DBEEB9D7D}" srcOrd="0" destOrd="0" presId="urn:microsoft.com/office/officeart/2005/8/layout/radial4"/>
+    <dgm:cxn modelId="{971BE77F-02C4-4BA1-8ADA-547442B159F5}" srcId="{593248D9-0442-439F-9C3C-E048354EC003}" destId="{D37D2FC7-415B-4072-86E8-C83D32EA50E4}" srcOrd="2" destOrd="0" parTransId="{427FAEEA-455B-413B-9851-06C6ECB1DF94}" sibTransId="{E9E9BD89-3898-4512-8C34-9AC2619F21B3}"/>
+    <dgm:cxn modelId="{25282130-ACEF-4605-A5BE-61520CAB9A7C}" type="presOf" srcId="{68187428-F245-4903-B920-C789A68C8D3C}" destId="{4E3C4A2E-0BC9-470D-A6A5-902BC3D09A15}" srcOrd="0" destOrd="0" presId="urn:microsoft.com/office/officeart/2005/8/layout/radial4"/>
+    <dgm:cxn modelId="{A81BBCF7-EF39-4C78-942B-D01768698B8F}" srcId="{F2C478DF-C240-4FB1-BF51-481D74C285AB}" destId="{7C7B77A0-F8EF-4AB3-8E21-762440CD670D}" srcOrd="2" destOrd="0" parTransId="{CFD9E4CA-C06B-4FEB-85B5-37ED3E21B688}" sibTransId="{B9171FC6-571A-4057-BEE8-06B1FC26BC9E}"/>
+    <dgm:cxn modelId="{87E7894E-E234-462A-A4E7-D24935567897}" type="presOf" srcId="{D37D2FC7-415B-4072-86E8-C83D32EA50E4}" destId="{28E6711B-2FCE-46DC-BC44-D63E2DC94367}" srcOrd="0" destOrd="0" presId="urn:microsoft.com/office/officeart/2005/8/layout/radial4"/>
+    <dgm:cxn modelId="{EEDE7422-3D2D-4E06-B969-C396DBE5E04F}" srcId="{F2C478DF-C240-4FB1-BF51-481D74C285AB}" destId="{E1E64C65-5E15-4481-ACE4-5AD35F0A91CA}" srcOrd="1" destOrd="0" parTransId="{78A20770-3546-44F6-9749-1085968B3626}" sibTransId="{DC0048F6-D630-47B1-A0D4-514DD9288F59}"/>
+    <dgm:cxn modelId="{23D461D1-DDC6-4E72-A3F0-FE295ACA9184}" type="presOf" srcId="{427FAEEA-455B-413B-9851-06C6ECB1DF94}" destId="{CB49FDFE-CD01-4549-BECC-F643BDA4AC32}" srcOrd="0" destOrd="0" presId="urn:microsoft.com/office/officeart/2005/8/layout/radial4"/>
+    <dgm:cxn modelId="{C7D06D7D-C0D7-4519-9443-C0967A3E1780}" srcId="{593248D9-0442-439F-9C3C-E048354EC003}" destId="{04464A21-A846-4CD4-B1B0-6D14CFC82206}" srcOrd="0" destOrd="0" parTransId="{FB22D5B5-1963-42CA-BEEC-CC6B5EEE6D75}" sibTransId="{8D4B8B69-349A-4134-8B00-24038360D8AB}"/>
+    <dgm:cxn modelId="{733A9B13-03A2-4840-BFA3-1916EA3FD95F}" srcId="{593248D9-0442-439F-9C3C-E048354EC003}" destId="{B409067E-00CC-447A-8AB8-0EA02B5C1FC7}" srcOrd="4" destOrd="0" parTransId="{44B12766-F157-4951-81B3-0EAD7001E2B3}" sibTransId="{C0A2A8A9-0C50-421A-9160-4138A65EEB05}"/>
+    <dgm:cxn modelId="{B2B0CDA5-D590-4457-B294-15B79F04697A}" type="presOf" srcId="{B5FE8334-692B-4ECE-86D0-9F015CD99653}" destId="{CB09604B-62D1-439F-AA56-E998CA0704BB}" srcOrd="0" destOrd="0" presId="urn:microsoft.com/office/officeart/2005/8/layout/radial4"/>
+    <dgm:cxn modelId="{7928C26F-6D49-43FA-8EBC-DE1993D306B1}" type="presOf" srcId="{5160E2D1-F6F4-46C6-9C6A-1C02B231075E}" destId="{17E27A50-C6E0-41F1-AB68-E0B2682F3C46}" srcOrd="0" destOrd="0" presId="urn:microsoft.com/office/officeart/2005/8/layout/radial4"/>
+    <dgm:cxn modelId="{2770E235-9557-40E7-A6A2-C5F12EC54951}" type="presOf" srcId="{F2C478DF-C240-4FB1-BF51-481D74C285AB}" destId="{7AAAE1C6-1A04-41DB-8770-FE2780B3470F}" srcOrd="0" destOrd="0" presId="urn:microsoft.com/office/officeart/2005/8/layout/radial4"/>
+    <dgm:cxn modelId="{C2784118-A29F-41DD-AFDD-7F6BC4D38BF2}" srcId="{F2C478DF-C240-4FB1-BF51-481D74C285AB}" destId="{593248D9-0442-439F-9C3C-E048354EC003}" srcOrd="0" destOrd="0" parTransId="{C9663CAE-1E4C-4879-8164-D96695D44B79}" sibTransId="{DDB5602A-9787-48E4-B3C2-E075E5331ECD}"/>
+    <dgm:cxn modelId="{0CE32472-297E-478A-BB0B-153F9F614278}" type="presOf" srcId="{04464A21-A846-4CD4-B1B0-6D14CFC82206}" destId="{C2B24967-2BCE-4C04-B5A1-9563A4CEA370}" srcOrd="0" destOrd="0" presId="urn:microsoft.com/office/officeart/2005/8/layout/radial4"/>
     <dgm:cxn modelId="{65DA74BA-8E49-424A-AF8B-AAE30038E2EE}" type="presOf" srcId="{4D82A73A-5CB8-4E5B-914C-8BF23F96D1E9}" destId="{4A2BDC32-2E74-4B01-AF15-A2789B36062D}" srcOrd="0" destOrd="0" presId="urn:microsoft.com/office/officeart/2005/8/layout/radial4"/>
-    <dgm:cxn modelId="{C7D06D7D-C0D7-4519-9443-C0967A3E1780}" srcId="{593248D9-0442-439F-9C3C-E048354EC003}" destId="{04464A21-A846-4CD4-B1B0-6D14CFC82206}" srcOrd="0" destOrd="0" parTransId="{FB22D5B5-1963-42CA-BEEC-CC6B5EEE6D75}" sibTransId="{8D4B8B69-349A-4134-8B00-24038360D8AB}"/>
-    <dgm:cxn modelId="{49D21B49-C2B6-4950-B970-B3A7369FCFEC}" srcId="{593248D9-0442-439F-9C3C-E048354EC003}" destId="{4D82A73A-5CB8-4E5B-914C-8BF23F96D1E9}" srcOrd="1" destOrd="0" parTransId="{B5FE8334-692B-4ECE-86D0-9F015CD99653}" sibTransId="{D7858A6F-660A-4D76-8196-45C4096415AF}"/>
-    <dgm:cxn modelId="{733A9B13-03A2-4840-BFA3-1916EA3FD95F}" srcId="{593248D9-0442-439F-9C3C-E048354EC003}" destId="{B409067E-00CC-447A-8AB8-0EA02B5C1FC7}" srcOrd="4" destOrd="0" parTransId="{44B12766-F157-4951-81B3-0EAD7001E2B3}" sibTransId="{C0A2A8A9-0C50-421A-9160-4138A65EEB05}"/>
-    <dgm:cxn modelId="{A81BBCF7-EF39-4C78-942B-D01768698B8F}" srcId="{F2C478DF-C240-4FB1-BF51-481D74C285AB}" destId="{7C7B77A0-F8EF-4AB3-8E21-762440CD670D}" srcOrd="2" destOrd="0" parTransId="{CFD9E4CA-C06B-4FEB-85B5-37ED3E21B688}" sibTransId="{B9171FC6-571A-4057-BEE8-06B1FC26BC9E}"/>
-    <dgm:cxn modelId="{2770E235-9557-40E7-A6A2-C5F12EC54951}" type="presOf" srcId="{F2C478DF-C240-4FB1-BF51-481D74C285AB}" destId="{7AAAE1C6-1A04-41DB-8770-FE2780B3470F}" srcOrd="0" destOrd="0" presId="urn:microsoft.com/office/officeart/2005/8/layout/radial4"/>
-    <dgm:cxn modelId="{87E7894E-E234-462A-A4E7-D24935567897}" type="presOf" srcId="{D37D2FC7-415B-4072-86E8-C83D32EA50E4}" destId="{28E6711B-2FCE-46DC-BC44-D63E2DC94367}" srcOrd="0" destOrd="0" presId="urn:microsoft.com/office/officeart/2005/8/layout/radial4"/>
-    <dgm:cxn modelId="{7928C26F-6D49-43FA-8EBC-DE1993D306B1}" type="presOf" srcId="{5160E2D1-F6F4-46C6-9C6A-1C02B231075E}" destId="{17E27A50-C6E0-41F1-AB68-E0B2682F3C46}" srcOrd="0" destOrd="0" presId="urn:microsoft.com/office/officeart/2005/8/layout/radial4"/>
-    <dgm:cxn modelId="{89567E82-6319-4DA2-9474-1BD3A8697C19}" type="presOf" srcId="{593248D9-0442-439F-9C3C-E048354EC003}" destId="{8E8D42DD-88F7-4F99-B601-10FA49CDF0D6}" srcOrd="0" destOrd="0" presId="urn:microsoft.com/office/officeart/2005/8/layout/radial4"/>
-    <dgm:cxn modelId="{23D461D1-DDC6-4E72-A3F0-FE295ACA9184}" type="presOf" srcId="{427FAEEA-455B-413B-9851-06C6ECB1DF94}" destId="{CB49FDFE-CD01-4549-BECC-F643BDA4AC32}" srcOrd="0" destOrd="0" presId="urn:microsoft.com/office/officeart/2005/8/layout/radial4"/>
-    <dgm:cxn modelId="{126267F6-A5C7-4884-ADC2-F614F6FC5395}" type="presOf" srcId="{FB22D5B5-1963-42CA-BEEC-CC6B5EEE6D75}" destId="{090C4A32-0438-4880-B679-3F8DBEEB9D7D}" srcOrd="0" destOrd="0" presId="urn:microsoft.com/office/officeart/2005/8/layout/radial4"/>
-    <dgm:cxn modelId="{EEDE7422-3D2D-4E06-B969-C396DBE5E04F}" srcId="{F2C478DF-C240-4FB1-BF51-481D74C285AB}" destId="{E1E64C65-5E15-4481-ACE4-5AD35F0A91CA}" srcOrd="1" destOrd="0" parTransId="{78A20770-3546-44F6-9749-1085968B3626}" sibTransId="{DC0048F6-D630-47B1-A0D4-514DD9288F59}"/>
-    <dgm:cxn modelId="{0CE32472-297E-478A-BB0B-153F9F614278}" type="presOf" srcId="{04464A21-A846-4CD4-B1B0-6D14CFC82206}" destId="{C2B24967-2BCE-4C04-B5A1-9563A4CEA370}" srcOrd="0" destOrd="0" presId="urn:microsoft.com/office/officeart/2005/8/layout/radial4"/>
-    <dgm:cxn modelId="{1EDCDCD6-A433-4B55-9723-EB2528846CF4}" srcId="{593248D9-0442-439F-9C3C-E048354EC003}" destId="{68187428-F245-4903-B920-C789A68C8D3C}" srcOrd="3" destOrd="0" parTransId="{5160E2D1-F6F4-46C6-9C6A-1C02B231075E}" sibTransId="{F6FC4D53-703A-4BD0-9E95-E34E162CBACE}"/>
-    <dgm:cxn modelId="{7F8AA4A0-D909-4DF8-A4F6-D01FB482AC80}" type="presOf" srcId="{44B12766-F157-4951-81B3-0EAD7001E2B3}" destId="{5EAB83D3-FB3F-4DB5-B4CE-4575C90C3FD3}" srcOrd="0" destOrd="0" presId="urn:microsoft.com/office/officeart/2005/8/layout/radial4"/>
-    <dgm:cxn modelId="{B2B0CDA5-D590-4457-B294-15B79F04697A}" type="presOf" srcId="{B5FE8334-692B-4ECE-86D0-9F015CD99653}" destId="{CB09604B-62D1-439F-AA56-E998CA0704BB}" srcOrd="0" destOrd="0" presId="urn:microsoft.com/office/officeart/2005/8/layout/radial4"/>
-    <dgm:cxn modelId="{C2784118-A29F-41DD-AFDD-7F6BC4D38BF2}" srcId="{F2C478DF-C240-4FB1-BF51-481D74C285AB}" destId="{593248D9-0442-439F-9C3C-E048354EC003}" srcOrd="0" destOrd="0" parTransId="{C9663CAE-1E4C-4879-8164-D96695D44B79}" sibTransId="{DDB5602A-9787-48E4-B3C2-E075E5331ECD}"/>
-    <dgm:cxn modelId="{48ADCE4B-31F4-4895-B6EF-BAEBEFA3FA24}" type="presOf" srcId="{B409067E-00CC-447A-8AB8-0EA02B5C1FC7}" destId="{A2643D6B-763A-4E5A-8D2D-E9722B78B84F}" srcOrd="0" destOrd="0" presId="urn:microsoft.com/office/officeart/2005/8/layout/radial4"/>
-    <dgm:cxn modelId="{25282130-ACEF-4605-A5BE-61520CAB9A7C}" type="presOf" srcId="{68187428-F245-4903-B920-C789A68C8D3C}" destId="{4E3C4A2E-0BC9-470D-A6A5-902BC3D09A15}" srcOrd="0" destOrd="0" presId="urn:microsoft.com/office/officeart/2005/8/layout/radial4"/>
-    <dgm:cxn modelId="{971BE77F-02C4-4BA1-8ADA-547442B159F5}" srcId="{593248D9-0442-439F-9C3C-E048354EC003}" destId="{D37D2FC7-415B-4072-86E8-C83D32EA50E4}" srcOrd="2" destOrd="0" parTransId="{427FAEEA-455B-413B-9851-06C6ECB1DF94}" sibTransId="{E9E9BD89-3898-4512-8C34-9AC2619F21B3}"/>
     <dgm:cxn modelId="{5A1ADD25-8BE6-4815-9F0E-6C7CC8E0FC35}" type="presParOf" srcId="{7AAAE1C6-1A04-41DB-8770-FE2780B3470F}" destId="{8E8D42DD-88F7-4F99-B601-10FA49CDF0D6}" srcOrd="0" destOrd="0" presId="urn:microsoft.com/office/officeart/2005/8/layout/radial4"/>
     <dgm:cxn modelId="{1BAA1A4F-2B66-425E-8694-147917B1A7A2}" type="presParOf" srcId="{7AAAE1C6-1A04-41DB-8770-FE2780B3470F}" destId="{090C4A32-0438-4880-B679-3F8DBEEB9D7D}" srcOrd="1" destOrd="0" presId="urn:microsoft.com/office/officeart/2005/8/layout/radial4"/>
     <dgm:cxn modelId="{A21C9C4F-1A83-4472-9A8C-F9C160C7563D}" type="presParOf" srcId="{7AAAE1C6-1A04-41DB-8770-FE2780B3470F}" destId="{C2B24967-2BCE-4C04-B5A1-9563A4CEA370}" srcOrd="2" destOrd="0" presId="urn:microsoft.com/office/officeart/2005/8/layout/radial4"/>
@@ -8188,7 +8190,7 @@
             <a:fld id="{993365B8-C071-4221-A39E-10773AB31212}" type="datetimeFigureOut">
               <a:rPr lang="en-US" smtClean="0"/>
               <a:pPr/>
-              <a:t>12/7/2008</a:t>
+              <a:t>12/8/2008</a:t>
             </a:fld>
             <a:endParaRPr lang="en-US"/>
           </a:p>
@@ -8355,7 +8357,7 @@
             <a:fld id="{993365B8-C071-4221-A39E-10773AB31212}" type="datetimeFigureOut">
               <a:rPr lang="en-US" smtClean="0"/>
               <a:pPr/>
-              <a:t>12/7/2008</a:t>
+              <a:t>12/8/2008</a:t>
             </a:fld>
             <a:endParaRPr lang="en-US"/>
           </a:p>
@@ -8532,7 +8534,7 @@
             <a:fld id="{993365B8-C071-4221-A39E-10773AB31212}" type="datetimeFigureOut">
               <a:rPr lang="en-US" smtClean="0"/>
               <a:pPr/>
-              <a:t>12/7/2008</a:t>
+              <a:t>12/8/2008</a:t>
             </a:fld>
             <a:endParaRPr lang="en-US"/>
           </a:p>
@@ -8699,7 +8701,7 @@
             <a:fld id="{993365B8-C071-4221-A39E-10773AB31212}" type="datetimeFigureOut">
               <a:rPr lang="en-US" smtClean="0"/>
               <a:pPr/>
-              <a:t>12/7/2008</a:t>
+              <a:t>12/8/2008</a:t>
             </a:fld>
             <a:endParaRPr lang="en-US"/>
           </a:p>
@@ -8942,7 +8944,7 @@
             <a:fld id="{993365B8-C071-4221-A39E-10773AB31212}" type="datetimeFigureOut">
               <a:rPr lang="en-US" smtClean="0"/>
               <a:pPr/>
-              <a:t>12/7/2008</a:t>
+              <a:t>12/8/2008</a:t>
             </a:fld>
             <a:endParaRPr lang="en-US"/>
           </a:p>
@@ -9227,7 +9229,7 @@
             <a:fld id="{993365B8-C071-4221-A39E-10773AB31212}" type="datetimeFigureOut">
               <a:rPr lang="en-US" smtClean="0"/>
               <a:pPr/>
-              <a:t>12/7/2008</a:t>
+              <a:t>12/8/2008</a:t>
             </a:fld>
             <a:endParaRPr lang="en-US"/>
           </a:p>
@@ -9651,7 +9653,7 @@
             <a:fld id="{993365B8-C071-4221-A39E-10773AB31212}" type="datetimeFigureOut">
               <a:rPr lang="en-US" smtClean="0"/>
               <a:pPr/>
-              <a:t>12/7/2008</a:t>
+              <a:t>12/8/2008</a:t>
             </a:fld>
             <a:endParaRPr lang="en-US"/>
           </a:p>
@@ -9766,7 +9768,7 @@
             <a:fld id="{993365B8-C071-4221-A39E-10773AB31212}" type="datetimeFigureOut">
               <a:rPr lang="en-US" smtClean="0"/>
               <a:pPr/>
-              <a:t>12/7/2008</a:t>
+              <a:t>12/8/2008</a:t>
             </a:fld>
             <a:endParaRPr lang="en-US"/>
           </a:p>
@@ -9858,7 +9860,7 @@
             <a:fld id="{993365B8-C071-4221-A39E-10773AB31212}" type="datetimeFigureOut">
               <a:rPr lang="en-US" smtClean="0"/>
               <a:pPr/>
-              <a:t>12/7/2008</a:t>
+              <a:t>12/8/2008</a:t>
             </a:fld>
             <a:endParaRPr lang="en-US"/>
           </a:p>
@@ -10132,7 +10134,7 @@
             <a:fld id="{993365B8-C071-4221-A39E-10773AB31212}" type="datetimeFigureOut">
               <a:rPr lang="en-US" smtClean="0"/>
               <a:pPr/>
-              <a:t>12/7/2008</a:t>
+              <a:t>12/8/2008</a:t>
             </a:fld>
             <a:endParaRPr lang="en-US"/>
           </a:p>
@@ -10382,7 +10384,7 @@
             <a:fld id="{993365B8-C071-4221-A39E-10773AB31212}" type="datetimeFigureOut">
               <a:rPr lang="en-US" smtClean="0"/>
               <a:pPr/>
-              <a:t>12/7/2008</a:t>
+              <a:t>12/8/2008</a:t>
             </a:fld>
             <a:endParaRPr lang="en-US"/>
           </a:p>
@@ -10592,7 +10594,7 @@
             <a:fld id="{993365B8-C071-4221-A39E-10773AB31212}" type="datetimeFigureOut">
               <a:rPr lang="en-US" smtClean="0"/>
               <a:pPr/>
-              <a:t>12/7/2008</a:t>
+              <a:t>12/8/2008</a:t>
             </a:fld>
             <a:endParaRPr lang="en-US"/>
           </a:p>
@@ -10975,8 +10977,8 @@
         </p:nvSpPr>
         <p:spPr>
           <a:xfrm>
-            <a:off x="685800" y="952500"/>
-            <a:ext cx="7772400" cy="2895600"/>
+            <a:off x="609600" y="952500"/>
+            <a:ext cx="8077200" cy="2895600"/>
           </a:xfrm>
         </p:spPr>
         <p:txBody>
@@ -10985,22 +10987,50 @@
           </a:bodyPr>
           <a:lstStyle/>
           <a:p>
-            <a:r>
-              <a:rPr lang="en-US" sz="2400" u="sng" smtClean="0"/>
-              <a:t>ĐỀ TÀI</a:t>
-            </a:r>
-            <a:r>
-              <a:rPr lang="en-US" sz="2400" smtClean="0"/>
+            <a:pPr>
+              <a:lnSpc>
+                <a:spcPct val="150000"/>
+              </a:lnSpc>
+              <a:defRPr/>
+            </a:pPr>
+            <a:r>
+              <a:rPr lang="en-US" sz="2400" u="sng" smtClean="0">
+                <a:latin typeface="Times New Roman" pitchFamily="18" charset="0"/>
+                <a:cs typeface="Times New Roman" pitchFamily="18" charset="0"/>
+              </a:rPr>
+              <a:t>ĐỀ </a:t>
+            </a:r>
+            <a:r>
+              <a:rPr lang="en-US" sz="2400" u="sng" smtClean="0">
+                <a:latin typeface="Times New Roman" pitchFamily="18" charset="0"/>
+                <a:cs typeface="Times New Roman" pitchFamily="18" charset="0"/>
+              </a:rPr>
+              <a:t>TÀI</a:t>
+            </a:r>
+            <a:r>
+              <a:rPr lang="en-US" sz="3600" smtClean="0">
+                <a:latin typeface="Times New Roman" pitchFamily="18" charset="0"/>
+                <a:cs typeface="Times New Roman" pitchFamily="18" charset="0"/>
+              </a:rPr>
               <a:t/>
             </a:r>
             <a:br>
-              <a:rPr lang="en-US" sz="2400" smtClean="0"/>
+              <a:rPr lang="en-US" sz="3600" smtClean="0">
+                <a:latin typeface="Times New Roman" pitchFamily="18" charset="0"/>
+                <a:cs typeface="Times New Roman" pitchFamily="18" charset="0"/>
+              </a:rPr>
             </a:br>
             <a:r>
-              <a:rPr lang="en-US" sz="2400" smtClean="0"/>
+              <a:rPr lang="en-US" sz="3600" smtClean="0">
+                <a:latin typeface="Times New Roman" pitchFamily="18" charset="0"/>
+                <a:cs typeface="Times New Roman" pitchFamily="18" charset="0"/>
+              </a:rPr>
               <a:t>ĐỘNG LOGIC VỊ TỪ BẰNG PHƯƠNG PHÁP SUY LUẬN TỰ NHIÊN</a:t>
             </a:r>
-            <a:endParaRPr lang="en-US" sz="2400"/>
+            <a:endParaRPr lang="en-US" sz="3600">
+              <a:latin typeface="Times New Roman" pitchFamily="18" charset="0"/>
+              <a:cs typeface="Times New Roman" pitchFamily="18" charset="0"/>
+            </a:endParaRPr>
           </a:p>
         </p:txBody>
       </p:sp>
@@ -11016,31 +11046,211 @@
         </p:nvSpPr>
         <p:spPr>
           <a:xfrm>
-            <a:off x="838200" y="3390900"/>
-            <a:ext cx="6400800" cy="2057400"/>
+            <a:off x="2133600" y="3848100"/>
+            <a:ext cx="6781800" cy="2057400"/>
           </a:xfrm>
         </p:spPr>
         <p:txBody>
           <a:bodyPr/>
           <a:lstStyle/>
           <a:p>
-            <a:r>
-              <a:rPr lang="en-US" smtClean="0"/>
-              <a:t>HĐ CNPM</a:t>
-            </a:r>
-          </a:p>
-          <a:p>
-            <a:r>
-              <a:rPr lang="en-US" smtClean="0"/>
-              <a:t>GVHD: ABC</a:t>
-            </a:r>
-          </a:p>
-          <a:p>
-            <a:r>
-              <a:rPr lang="en-US" smtClean="0"/>
-              <a:t>SVTH: XYZ</a:t>
-            </a:r>
-            <a:endParaRPr lang="en-US"/>
+            <a:pPr algn="l">
+              <a:spcBef>
+                <a:spcPct val="0"/>
+              </a:spcBef>
+              <a:tabLst>
+                <a:tab pos="1320800" algn="l"/>
+                <a:tab pos="2463800" algn="l"/>
+              </a:tabLst>
+              <a:defRPr/>
+            </a:pPr>
+            <a:r>
+              <a:rPr lang="en-US" sz="2400" smtClean="0">
+                <a:solidFill>
+                  <a:schemeClr val="tx1"/>
+                </a:solidFill>
+                <a:latin typeface="Times New Roman" pitchFamily="18" charset="0"/>
+                <a:ea typeface="+mj-ea"/>
+                <a:cs typeface="Times New Roman" pitchFamily="18" charset="0"/>
+              </a:rPr>
+              <a:t>	Hội Đồng </a:t>
+            </a:r>
+            <a:r>
+              <a:rPr lang="en-US" sz="2400" smtClean="0">
+                <a:solidFill>
+                  <a:schemeClr val="tx1"/>
+                </a:solidFill>
+                <a:latin typeface="Times New Roman" pitchFamily="18" charset="0"/>
+                <a:ea typeface="+mj-ea"/>
+                <a:cs typeface="Times New Roman" pitchFamily="18" charset="0"/>
+              </a:rPr>
+              <a:t>Công Nghệ Phần Mềm</a:t>
+            </a:r>
+          </a:p>
+          <a:p>
+            <a:pPr algn="l">
+              <a:spcBef>
+                <a:spcPct val="0"/>
+              </a:spcBef>
+              <a:tabLst>
+                <a:tab pos="1320800" algn="l"/>
+                <a:tab pos="2463800" algn="l"/>
+              </a:tabLst>
+              <a:defRPr/>
+            </a:pPr>
+            <a:r>
+              <a:rPr lang="en-US" sz="2400" smtClean="0">
+                <a:solidFill>
+                  <a:schemeClr val="tx1"/>
+                </a:solidFill>
+                <a:latin typeface="Times New Roman" pitchFamily="18" charset="0"/>
+                <a:ea typeface="+mj-ea"/>
+                <a:cs typeface="Times New Roman" pitchFamily="18" charset="0"/>
+              </a:rPr>
+              <a:t>	</a:t>
+            </a:r>
+            <a:r>
+              <a:rPr lang="en-US" sz="2400" smtClean="0">
+                <a:solidFill>
+                  <a:schemeClr val="tx1"/>
+                </a:solidFill>
+                <a:latin typeface="Times New Roman" pitchFamily="18" charset="0"/>
+                <a:ea typeface="+mj-ea"/>
+                <a:cs typeface="Times New Roman" pitchFamily="18" charset="0"/>
+              </a:rPr>
+              <a:t>GVHD</a:t>
+            </a:r>
+            <a:r>
+              <a:rPr lang="en-US" sz="2400" smtClean="0">
+                <a:solidFill>
+                  <a:schemeClr val="tx1"/>
+                </a:solidFill>
+                <a:latin typeface="Times New Roman" pitchFamily="18" charset="0"/>
+                <a:ea typeface="+mj-ea"/>
+                <a:cs typeface="Times New Roman" pitchFamily="18" charset="0"/>
+              </a:rPr>
+              <a:t>: </a:t>
+            </a:r>
+            <a:r>
+              <a:rPr lang="en-US" sz="2400" smtClean="0">
+                <a:solidFill>
+                  <a:schemeClr val="tx1"/>
+                </a:solidFill>
+                <a:latin typeface="Times New Roman" pitchFamily="18" charset="0"/>
+                <a:ea typeface="+mj-ea"/>
+                <a:cs typeface="Times New Roman" pitchFamily="18" charset="0"/>
+              </a:rPr>
+              <a:t>	Th.S </a:t>
+            </a:r>
+            <a:r>
+              <a:rPr lang="en-US" sz="2400" smtClean="0">
+                <a:solidFill>
+                  <a:schemeClr val="tx1"/>
+                </a:solidFill>
+                <a:latin typeface="Times New Roman" pitchFamily="18" charset="0"/>
+                <a:ea typeface="+mj-ea"/>
+                <a:cs typeface="Times New Roman" pitchFamily="18" charset="0"/>
+              </a:rPr>
+              <a:t>Nguyễn Thanh Sơn</a:t>
+            </a:r>
+          </a:p>
+          <a:p>
+            <a:pPr algn="l">
+              <a:spcBef>
+                <a:spcPct val="0"/>
+              </a:spcBef>
+              <a:tabLst>
+                <a:tab pos="1320800" algn="l"/>
+                <a:tab pos="2463800" algn="l"/>
+              </a:tabLst>
+              <a:defRPr/>
+            </a:pPr>
+            <a:r>
+              <a:rPr lang="en-US" sz="2400" smtClean="0">
+                <a:solidFill>
+                  <a:schemeClr val="tx1"/>
+                </a:solidFill>
+                <a:latin typeface="Times New Roman" pitchFamily="18" charset="0"/>
+                <a:ea typeface="+mj-ea"/>
+                <a:cs typeface="Times New Roman" pitchFamily="18" charset="0"/>
+              </a:rPr>
+              <a:t>	SVTH</a:t>
+            </a:r>
+            <a:r>
+              <a:rPr lang="en-US" sz="2400" smtClean="0">
+                <a:solidFill>
+                  <a:schemeClr val="tx1"/>
+                </a:solidFill>
+                <a:latin typeface="Times New Roman" pitchFamily="18" charset="0"/>
+                <a:ea typeface="+mj-ea"/>
+                <a:cs typeface="Times New Roman" pitchFamily="18" charset="0"/>
+              </a:rPr>
+              <a:t>: </a:t>
+            </a:r>
+            <a:r>
+              <a:rPr lang="en-US" sz="2400" smtClean="0">
+                <a:solidFill>
+                  <a:schemeClr val="tx1"/>
+                </a:solidFill>
+                <a:latin typeface="Times New Roman" pitchFamily="18" charset="0"/>
+                <a:ea typeface="+mj-ea"/>
+                <a:cs typeface="Times New Roman" pitchFamily="18" charset="0"/>
+              </a:rPr>
+              <a:t>	Nguyễn </a:t>
+            </a:r>
+            <a:r>
+              <a:rPr lang="en-US" sz="2400" smtClean="0">
+                <a:solidFill>
+                  <a:schemeClr val="tx1"/>
+                </a:solidFill>
+                <a:latin typeface="Times New Roman" pitchFamily="18" charset="0"/>
+                <a:ea typeface="+mj-ea"/>
+                <a:cs typeface="Times New Roman" pitchFamily="18" charset="0"/>
+              </a:rPr>
+              <a:t>Duy Nhất – 50301940</a:t>
+            </a:r>
+          </a:p>
+          <a:p>
+            <a:pPr algn="l">
+              <a:spcBef>
+                <a:spcPct val="0"/>
+              </a:spcBef>
+              <a:tabLst>
+                <a:tab pos="1320800" algn="l"/>
+                <a:tab pos="2463800" algn="l"/>
+              </a:tabLst>
+              <a:defRPr/>
+            </a:pPr>
+            <a:r>
+              <a:rPr lang="en-US" sz="2400" smtClean="0">
+                <a:solidFill>
+                  <a:schemeClr val="tx1"/>
+                </a:solidFill>
+                <a:latin typeface="Times New Roman" pitchFamily="18" charset="0"/>
+                <a:ea typeface="+mj-ea"/>
+                <a:cs typeface="Times New Roman" pitchFamily="18" charset="0"/>
+              </a:rPr>
+              <a:t>		Nguyễn </a:t>
+            </a:r>
+            <a:r>
+              <a:rPr lang="en-US" sz="2400" smtClean="0">
+                <a:solidFill>
+                  <a:schemeClr val="tx1"/>
+                </a:solidFill>
+                <a:latin typeface="Times New Roman" pitchFamily="18" charset="0"/>
+                <a:ea typeface="+mj-ea"/>
+                <a:cs typeface="Times New Roman" pitchFamily="18" charset="0"/>
+              </a:rPr>
+              <a:t>Ngọc Phước - 50302178</a:t>
+            </a:r>
+            <a:endParaRPr lang="en-US" sz="2400">
+              <a:solidFill>
+                <a:schemeClr val="tx1"/>
+              </a:solidFill>
+              <a:latin typeface="Times New Roman" pitchFamily="18" charset="0"/>
+              <a:ea typeface="+mj-ea"/>
+              <a:cs typeface="Times New Roman" pitchFamily="18" charset="0"/>
+            </a:endParaRPr>
           </a:p>
         </p:txBody>
       </p:sp>
@@ -11054,7 +11264,7 @@
         </p:nvSpPr>
         <p:spPr>
           <a:xfrm>
-            <a:off x="304800" y="190500"/>
+            <a:off x="838200" y="266700"/>
             <a:ext cx="7772400" cy="1225021"/>
           </a:xfrm>
           <a:prstGeom prst="rect">
@@ -11086,11 +11296,11 @@
             </a:pPr>
             <a:r>
               <a:rPr lang="en-US" sz="2400" smtClean="0">
-                <a:latin typeface="Tahoma" pitchFamily="34" charset="0"/>
+                <a:latin typeface="Times New Roman" pitchFamily="18" charset="0"/>
                 <a:ea typeface="+mj-ea"/>
-                <a:cs typeface="Tahoma" pitchFamily="34" charset="0"/>
-              </a:rPr>
-              <a:t>BÁO CÁO LuẬN VĂN TỐT NGHIỆP</a:t>
+                <a:cs typeface="Times New Roman" pitchFamily="18" charset="0"/>
+              </a:rPr>
+              <a:t>BÁO CÁO LUẬN VĂN TỐT NGHIỆP</a:t>
             </a:r>
             <a:endParaRPr kumimoji="0" lang="en-US" sz="2400" b="0" i="0" u="none" strike="noStrike" kern="1200" cap="none" spc="0" normalizeH="0" baseline="0" noProof="0">
               <a:ln>
@@ -11102,9 +11312,9 @@
               <a:effectLst/>
               <a:uLnTx/>
               <a:uFillTx/>
-              <a:latin typeface="Tahoma" pitchFamily="34" charset="0"/>
+              <a:latin typeface="Times New Roman" pitchFamily="18" charset="0"/>
               <a:ea typeface="+mj-ea"/>
-              <a:cs typeface="Tahoma" pitchFamily="34" charset="0"/>
+              <a:cs typeface="Times New Roman" pitchFamily="18" charset="0"/>
             </a:endParaRPr>
           </a:p>
         </p:txBody>
@@ -11160,7 +11370,7 @@
               <a:rPr lang="en-US" smtClean="0">
                 <a:latin typeface="Times New Roman" pitchFamily="18" charset="0"/>
               </a:rPr>
-              <a:t>WAM</a:t>
+              <a:t>CONVERTER</a:t>
             </a:r>
             <a:endParaRPr lang="en-US">
               <a:latin typeface="Times New Roman" pitchFamily="18" charset="0"/>
@@ -11186,20 +11396,43 @@
         </p:spPr>
         <p:txBody>
           <a:bodyPr>
-            <a:normAutofit/>
+            <a:normAutofit fontScale="92500" lnSpcReduction="10000"/>
           </a:bodyPr>
           <a:lstStyle/>
+          <a:p>
+            <a:r>
+              <a:rPr lang="en-US" smtClean="0">
+                <a:latin typeface="Times New Roman" pitchFamily="18" charset="0"/>
+                <a:cs typeface="Times New Roman" pitchFamily="18" charset="0"/>
+              </a:rPr>
+              <a:t>Chuyển các toán tử logic thành dạng hàm</a:t>
+            </a:r>
+          </a:p>
           <a:p>
             <a:pPr lvl="1">
               <a:buFont typeface="Courier New" pitchFamily="49" charset="0"/>
               <a:buChar char="o"/>
             </a:pPr>
             <a:r>
-              <a:rPr lang="en-US" sz="1800" smtClean="0">
-                <a:latin typeface="Times New Roman" pitchFamily="18" charset="0"/>
-                <a:cs typeface="Times New Roman" pitchFamily="18" charset="0"/>
-              </a:rPr>
-              <a:t>Warren Abstract Machine</a:t>
+              <a:rPr lang="en-US" smtClean="0">
+                <a:latin typeface="Times New Roman" pitchFamily="18" charset="0"/>
+                <a:cs typeface="Times New Roman" pitchFamily="18" charset="0"/>
+              </a:rPr>
+              <a:t>A ∨ B  	thành  	</a:t>
+            </a:r>
+            <a:r>
+              <a:rPr lang="en-US" smtClean="0">
+                <a:latin typeface="Times New Roman" pitchFamily="18" charset="0"/>
+                <a:cs typeface="Times New Roman" pitchFamily="18" charset="0"/>
+              </a:rPr>
+              <a:t>	or(A,B</a:t>
+            </a:r>
+            <a:r>
+              <a:rPr lang="en-US" smtClean="0">
+                <a:latin typeface="Times New Roman" pitchFamily="18" charset="0"/>
+                <a:cs typeface="Times New Roman" pitchFamily="18" charset="0"/>
+              </a:rPr>
+              <a:t>)</a:t>
             </a:r>
           </a:p>
           <a:p>
@@ -11208,11 +11441,25 @@
               <a:buChar char="o"/>
             </a:pPr>
             <a:r>
-              <a:rPr lang="en-US" sz="1800" smtClean="0">
-                <a:latin typeface="Times New Roman" pitchFamily="18" charset="0"/>
-                <a:cs typeface="Times New Roman" pitchFamily="18" charset="0"/>
-              </a:rPr>
-              <a:t>1983, David H. D. Warren </a:t>
+              <a:rPr lang="en-US" smtClean="0">
+                <a:latin typeface="Times New Roman" pitchFamily="18" charset="0"/>
+                <a:cs typeface="Times New Roman" pitchFamily="18" charset="0"/>
+              </a:rPr>
+              <a:t>A ∧ B 	thành 	</a:t>
+            </a:r>
+            <a:r>
+              <a:rPr lang="en-US" smtClean="0">
+                <a:latin typeface="Times New Roman" pitchFamily="18" charset="0"/>
+                <a:cs typeface="Times New Roman" pitchFamily="18" charset="0"/>
+              </a:rPr>
+              <a:t>	and(A,B</a:t>
+            </a:r>
+            <a:r>
+              <a:rPr lang="en-US" smtClean="0">
+                <a:latin typeface="Times New Roman" pitchFamily="18" charset="0"/>
+                <a:cs typeface="Times New Roman" pitchFamily="18" charset="0"/>
+              </a:rPr>
+              <a:t>)</a:t>
             </a:r>
           </a:p>
           <a:p>
@@ -11221,46 +11468,121 @@
               <a:buChar char="o"/>
             </a:pPr>
             <a:r>
-              <a:rPr lang="en-US" sz="1800" smtClean="0">
-                <a:latin typeface="Times New Roman" pitchFamily="18" charset="0"/>
-                <a:cs typeface="Times New Roman" pitchFamily="18" charset="0"/>
-              </a:rPr>
-              <a:t>Mô hình thực thi chương trình Prolog gồm: </a:t>
-            </a:r>
-          </a:p>
-          <a:p>
-            <a:pPr lvl="2"/>
-            <a:r>
-              <a:rPr lang="en-US" smtClean="0"/>
-              <a:t> Kiến trúc bộ nhớ ( WAM heap)</a:t>
-            </a:r>
-          </a:p>
-          <a:p>
-            <a:pPr lvl="2"/>
-            <a:r>
-              <a:rPr lang="en-US" smtClean="0"/>
-              <a:t> Tập lệnh</a:t>
-            </a:r>
-          </a:p>
-          <a:p>
-            <a:pPr lvl="2">
-              <a:buFont typeface="Courier New" pitchFamily="49" charset="0"/>
-              <a:buChar char="o"/>
-            </a:pPr>
-            <a:endParaRPr lang="en-US" sz="1400" smtClean="0">
-              <a:latin typeface="Times New Roman" pitchFamily="18" charset="0"/>
-              <a:cs typeface="Times New Roman" pitchFamily="18" charset="0"/>
-            </a:endParaRPr>
+              <a:rPr lang="en-US" smtClean="0">
+                <a:latin typeface="Times New Roman" pitchFamily="18" charset="0"/>
+                <a:cs typeface="Times New Roman" pitchFamily="18" charset="0"/>
+              </a:rPr>
+              <a:t>A→B 	thành 	</a:t>
+            </a:r>
+            <a:r>
+              <a:rPr lang="en-US" smtClean="0">
+                <a:latin typeface="Times New Roman" pitchFamily="18" charset="0"/>
+                <a:cs typeface="Times New Roman" pitchFamily="18" charset="0"/>
+              </a:rPr>
+              <a:t>	map(A,B</a:t>
+            </a:r>
+            <a:r>
+              <a:rPr lang="en-US" smtClean="0">
+                <a:latin typeface="Times New Roman" pitchFamily="18" charset="0"/>
+                <a:cs typeface="Times New Roman" pitchFamily="18" charset="0"/>
+              </a:rPr>
+              <a:t>)</a:t>
+            </a:r>
           </a:p>
           <a:p>
             <a:pPr lvl="1">
               <a:buFont typeface="Courier New" pitchFamily="49" charset="0"/>
               <a:buChar char="o"/>
             </a:pPr>
-            <a:endParaRPr lang="en-US" sz="1800" smtClean="0">
+            <a:r>
+              <a:rPr lang="en-US" smtClean="0">
+                <a:latin typeface="Times New Roman" pitchFamily="18" charset="0"/>
+                <a:cs typeface="Times New Roman" pitchFamily="18" charset="0"/>
+              </a:rPr>
+              <a:t>¬ A	thành		not(A)</a:t>
+            </a:r>
+          </a:p>
+          <a:p>
+            <a:r>
+              <a:rPr lang="en-US" smtClean="0">
+                <a:latin typeface="Times New Roman" pitchFamily="18" charset="0"/>
+                <a:cs typeface="Times New Roman" pitchFamily="18" charset="0"/>
+              </a:rPr>
+              <a:t>Xem xét độ ưu tiên của các toán tử</a:t>
+            </a:r>
+          </a:p>
+          <a:p>
+            <a:pPr lvl="1">
+              <a:buFont typeface="Courier New" pitchFamily="49" charset="0"/>
+              <a:buChar char="o"/>
+            </a:pPr>
+            <a:r>
+              <a:rPr lang="en-US" smtClean="0">
+                <a:latin typeface="Times New Roman" pitchFamily="18" charset="0"/>
+                <a:cs typeface="Times New Roman" pitchFamily="18" charset="0"/>
+              </a:rPr>
+              <a:t>( ) ¬ ∧ ∨ </a:t>
+            </a:r>
+            <a:r>
+              <a:rPr lang="en-US" smtClean="0">
+                <a:latin typeface="Times New Roman" pitchFamily="18" charset="0"/>
+                <a:cs typeface="Times New Roman" pitchFamily="18" charset="0"/>
+                <a:sym typeface="Wingdings" pitchFamily="2" charset="2"/>
+              </a:rPr>
+              <a:t></a:t>
+            </a:r>
+            <a:endParaRPr lang="en-US" smtClean="0">
               <a:latin typeface="Times New Roman" pitchFamily="18" charset="0"/>
               <a:cs typeface="Times New Roman" pitchFamily="18" charset="0"/>
             </a:endParaRPr>
+          </a:p>
+          <a:p>
+            <a:pPr lvl="1">
+              <a:buFont typeface="Courier New" pitchFamily="49" charset="0"/>
+              <a:buChar char="o"/>
+            </a:pPr>
+            <a:r>
+              <a:rPr lang="en-US" smtClean="0">
+                <a:latin typeface="Times New Roman" pitchFamily="18" charset="0"/>
+                <a:cs typeface="Times New Roman" pitchFamily="18" charset="0"/>
+              </a:rPr>
+              <a:t>A → ¬B ∧ (¬C ∨ D) thành 						map ( A, and( not(B), or( not(C),D)))</a:t>
+            </a:r>
+          </a:p>
+          <a:p>
+            <a:pPr lvl="1">
+              <a:buFont typeface="Courier New" pitchFamily="49" charset="0"/>
+              <a:buChar char="o"/>
+            </a:pPr>
+            <a:endParaRPr lang="en-US" smtClean="0"/>
+          </a:p>
+          <a:p>
+            <a:pPr lvl="1">
+              <a:buFont typeface="Courier New" pitchFamily="49" charset="0"/>
+              <a:buChar char="o"/>
+            </a:pPr>
+            <a:endParaRPr lang="en-US" smtClean="0"/>
+          </a:p>
+          <a:p>
+            <a:pPr lvl="1">
+              <a:buFont typeface="Courier New" pitchFamily="49" charset="0"/>
+              <a:buChar char="o"/>
+            </a:pPr>
+            <a:endParaRPr lang="en-US" smtClean="0"/>
+          </a:p>
+          <a:p>
+            <a:pPr lvl="1">
+              <a:buFont typeface="Courier New" pitchFamily="49" charset="0"/>
+              <a:buChar char="o"/>
+            </a:pPr>
+            <a:endParaRPr lang="en-US" smtClean="0"/>
+          </a:p>
+          <a:p>
+            <a:pPr lvl="1">
+              <a:buFont typeface="Courier New" pitchFamily="49" charset="0"/>
+              <a:buChar char="o"/>
+            </a:pPr>
+            <a:endParaRPr lang="en-US"/>
           </a:p>
         </p:txBody>
       </p:sp>
@@ -11296,39 +11618,6 @@
           <a:chExt cx="0" cy="0"/>
         </a:xfrm>
       </p:grpSpPr>
-      <p:pic>
-        <p:nvPicPr>
-          <p:cNvPr id="1028" name="Picture 4"/>
-          <p:cNvPicPr>
-            <a:picLocks noChangeAspect="1" noChangeArrowheads="1"/>
-          </p:cNvPicPr>
-          <p:nvPr/>
-        </p:nvPicPr>
-        <p:blipFill>
-          <a:blip r:embed="rId2"/>
-          <a:srcRect/>
-          <a:stretch>
-            <a:fillRect/>
-          </a:stretch>
-        </p:blipFill>
-        <p:spPr bwMode="auto">
-          <a:xfrm>
-            <a:off x="5562600" y="3024872"/>
-            <a:ext cx="3862388" cy="2690128"/>
-          </a:xfrm>
-          <a:prstGeom prst="rect">
-            <a:avLst/>
-          </a:prstGeom>
-          <a:noFill/>
-          <a:ln w="9525">
-            <a:noFill/>
-            <a:miter lim="800000"/>
-            <a:headEnd/>
-            <a:tailEnd/>
-          </a:ln>
-          <a:effectLst/>
-        </p:spPr>
-      </p:pic>
       <p:sp>
         <p:nvSpPr>
           <p:cNvPr id="2" name="Title 1"/>
@@ -11348,7 +11637,7 @@
               <a:rPr lang="en-US" smtClean="0">
                 <a:latin typeface="Times New Roman" pitchFamily="18" charset="0"/>
               </a:rPr>
-              <a:t>WAM HEAP</a:t>
+              <a:t>WAM</a:t>
             </a:r>
             <a:endParaRPr lang="en-US">
               <a:latin typeface="Times New Roman" pitchFamily="18" charset="0"/>
@@ -11368,8 +11657,8 @@
         </p:nvSpPr>
         <p:spPr>
           <a:xfrm>
-            <a:off x="533400" y="1257300"/>
-            <a:ext cx="8458200" cy="3505200"/>
+            <a:off x="457200" y="1333500"/>
+            <a:ext cx="8458200" cy="4114800"/>
           </a:xfrm>
         </p:spPr>
         <p:txBody>
@@ -11383,11 +11672,11 @@
               <a:buChar char="o"/>
             </a:pPr>
             <a:r>
-              <a:rPr lang="en-US" sz="2400" smtClean="0">
-                <a:latin typeface="Times New Roman" pitchFamily="18" charset="0"/>
-                <a:cs typeface="Times New Roman" pitchFamily="18" charset="0"/>
-              </a:rPr>
-              <a:t>Là 1 array của các WAM cell</a:t>
+              <a:rPr lang="en-US" smtClean="0">
+                <a:latin typeface="Times New Roman" pitchFamily="18" charset="0"/>
+                <a:cs typeface="Times New Roman" pitchFamily="18" charset="0"/>
+              </a:rPr>
+              <a:t>Warren Abstract Machine</a:t>
             </a:r>
           </a:p>
           <a:p>
@@ -11396,110 +11685,80 @@
               <a:buChar char="o"/>
             </a:pPr>
             <a:r>
-              <a:rPr lang="en-US" sz="2400" smtClean="0">
-                <a:latin typeface="Times New Roman" pitchFamily="18" charset="0"/>
-                <a:cs typeface="Times New Roman" pitchFamily="18" charset="0"/>
-              </a:rPr>
-              <a:t>WAM cell: variable, structure</a:t>
-            </a:r>
+              <a:rPr lang="en-US" smtClean="0">
+                <a:latin typeface="Times New Roman" pitchFamily="18" charset="0"/>
+                <a:cs typeface="Times New Roman" pitchFamily="18" charset="0"/>
+              </a:rPr>
+              <a:t>1983, David H. D. Warren </a:t>
+            </a:r>
+          </a:p>
+          <a:p>
+            <a:pPr lvl="1">
+              <a:buFont typeface="Courier New" pitchFamily="49" charset="0"/>
+              <a:buChar char="o"/>
+            </a:pPr>
+            <a:r>
+              <a:rPr lang="en-US" smtClean="0">
+                <a:latin typeface="Times New Roman" pitchFamily="18" charset="0"/>
+                <a:cs typeface="Times New Roman" pitchFamily="18" charset="0"/>
+              </a:rPr>
+              <a:t>Mô hình thực thi chương trình Prolog</a:t>
+            </a:r>
+          </a:p>
+          <a:p>
+            <a:pPr lvl="2"/>
+            <a:r>
+              <a:rPr lang="en-US" sz="2800" smtClean="0">
+                <a:latin typeface="Times New Roman" pitchFamily="18" charset="0"/>
+                <a:cs typeface="Times New Roman" pitchFamily="18" charset="0"/>
+              </a:rPr>
+              <a:t> </a:t>
+            </a:r>
+            <a:r>
+              <a:rPr lang="en-US" sz="2000" smtClean="0">
+                <a:latin typeface="Times New Roman" pitchFamily="18" charset="0"/>
+                <a:cs typeface="Times New Roman" pitchFamily="18" charset="0"/>
+              </a:rPr>
+              <a:t>Kiến trúc bộ nhớ ( WAM heap)</a:t>
+            </a:r>
+          </a:p>
+          <a:p>
+            <a:pPr lvl="2"/>
+            <a:r>
+              <a:rPr lang="en-US" sz="2800" smtClean="0">
+                <a:latin typeface="Times New Roman" pitchFamily="18" charset="0"/>
+                <a:cs typeface="Times New Roman" pitchFamily="18" charset="0"/>
+              </a:rPr>
+              <a:t> </a:t>
+            </a:r>
+            <a:r>
+              <a:rPr lang="en-US" sz="2000" smtClean="0">
+                <a:latin typeface="Times New Roman" pitchFamily="18" charset="0"/>
+                <a:cs typeface="Times New Roman" pitchFamily="18" charset="0"/>
+              </a:rPr>
+              <a:t>Tập lệnh</a:t>
+            </a:r>
+            <a:endParaRPr lang="en-US" sz="2800" smtClean="0">
+              <a:latin typeface="Times New Roman" pitchFamily="18" charset="0"/>
+              <a:cs typeface="Times New Roman" pitchFamily="18" charset="0"/>
+            </a:endParaRPr>
           </a:p>
           <a:p>
             <a:pPr lvl="2">
               <a:buFont typeface="Courier New" pitchFamily="49" charset="0"/>
               <a:buChar char="o"/>
             </a:pPr>
-            <a:r>
-              <a:rPr lang="en-US" sz="1800" smtClean="0">
-                <a:latin typeface="Times New Roman" pitchFamily="18" charset="0"/>
-                <a:cs typeface="Times New Roman" pitchFamily="18" charset="0"/>
-              </a:rPr>
-              <a:t>Variable : sử dụng 1 phần tử của WAM heap để lưu trữ tham chiếu đến var bank, được gọi là Variable cell.</a:t>
-            </a:r>
-          </a:p>
-          <a:p>
-            <a:pPr lvl="2">
+            <a:endParaRPr lang="en-US" sz="1400" smtClean="0">
+              <a:latin typeface="Times New Roman" pitchFamily="18" charset="0"/>
+              <a:cs typeface="Times New Roman" pitchFamily="18" charset="0"/>
+            </a:endParaRPr>
+          </a:p>
+          <a:p>
+            <a:pPr lvl="1">
               <a:buFont typeface="Courier New" pitchFamily="49" charset="0"/>
               <a:buChar char="o"/>
             </a:pPr>
-            <a:r>
-              <a:rPr lang="en-US" sz="1800" smtClean="0">
-                <a:latin typeface="Times New Roman" pitchFamily="18" charset="0"/>
-                <a:cs typeface="Times New Roman" pitchFamily="18" charset="0"/>
-              </a:rPr>
-              <a:t>Structure: f(x1,x2,…,xn) : dùng n+2 phần tử của WAM heap để lưu trữ</a:t>
-            </a:r>
-          </a:p>
-          <a:p>
-            <a:pPr lvl="3">
-              <a:buFont typeface="Courier New" pitchFamily="49" charset="0"/>
-              <a:buChar char="o"/>
-            </a:pPr>
-            <a:r>
-              <a:rPr lang="en-US" sz="1600" smtClean="0">
-                <a:latin typeface="Times New Roman" pitchFamily="18" charset="0"/>
-                <a:cs typeface="Times New Roman" pitchFamily="18" charset="0"/>
-              </a:rPr>
-              <a:t>Phần tử số 1: đánh dấu kiểu structure và địa chỉ lưu trữ của nó</a:t>
-            </a:r>
-          </a:p>
-          <a:p>
-            <a:pPr lvl="3">
-              <a:buFont typeface="Courier New" pitchFamily="49" charset="0"/>
-              <a:buChar char="o"/>
-            </a:pPr>
-            <a:r>
-              <a:rPr lang="en-US" sz="1600" smtClean="0">
-                <a:latin typeface="Times New Roman" pitchFamily="18" charset="0"/>
-                <a:cs typeface="Times New Roman" pitchFamily="18" charset="0"/>
-              </a:rPr>
-              <a:t>Phần tử số 2: định nghĩa structure: → Tên &amp; thông số</a:t>
-            </a:r>
-          </a:p>
-          <a:p>
-            <a:pPr lvl="3">
-              <a:buFont typeface="Courier New" pitchFamily="49" charset="0"/>
-              <a:buChar char="o"/>
-            </a:pPr>
-            <a:r>
-              <a:rPr lang="en-US" sz="1600" smtClean="0">
-                <a:latin typeface="Times New Roman" pitchFamily="18" charset="0"/>
-                <a:cs typeface="Times New Roman" pitchFamily="18" charset="0"/>
-              </a:rPr>
-              <a:t>Phần tử (k+2): chứa cell con k.</a:t>
-            </a:r>
-          </a:p>
-          <a:p>
-            <a:pPr lvl="3">
-              <a:buFont typeface="Courier New" pitchFamily="49" charset="0"/>
-              <a:buChar char="o"/>
-            </a:pPr>
-            <a:r>
-              <a:rPr lang="en-US" sz="1600" smtClean="0">
-                <a:latin typeface="Times New Roman" pitchFamily="18" charset="0"/>
-                <a:cs typeface="Times New Roman" pitchFamily="18" charset="0"/>
-              </a:rPr>
-              <a:t>Phần tử 1, 2 không nhất thiết phải liên tiếp</a:t>
-            </a:r>
-          </a:p>
-          <a:p>
-            <a:pPr lvl="3">
-              <a:buFont typeface="Courier New" pitchFamily="49" charset="0"/>
-              <a:buChar char="o"/>
-            </a:pPr>
-            <a:r>
-              <a:rPr lang="en-US" sz="1600" smtClean="0">
-                <a:latin typeface="Times New Roman" pitchFamily="18" charset="0"/>
-                <a:cs typeface="Times New Roman" pitchFamily="18" charset="0"/>
-              </a:rPr>
-              <a:t>Phần tử 2→n+1 phải liên tiếp</a:t>
-            </a:r>
-          </a:p>
-          <a:p>
-            <a:pPr lvl="3">
-              <a:buFont typeface="Courier New" pitchFamily="49" charset="0"/>
-              <a:buChar char="o"/>
-            </a:pPr>
-            <a:endParaRPr lang="en-US" sz="1000" smtClean="0">
+            <a:endParaRPr lang="en-US" sz="1800" smtClean="0">
               <a:latin typeface="Times New Roman" pitchFamily="18" charset="0"/>
               <a:cs typeface="Times New Roman" pitchFamily="18" charset="0"/>
             </a:endParaRPr>
@@ -11538,6 +11797,243 @@
           <a:chExt cx="0" cy="0"/>
         </a:xfrm>
       </p:grpSpPr>
+      <p:sp>
+        <p:nvSpPr>
+          <p:cNvPr id="2" name="Title 1"/>
+          <p:cNvSpPr>
+            <a:spLocks noGrp="1"/>
+          </p:cNvSpPr>
+          <p:nvPr>
+            <p:ph type="title"/>
+          </p:nvPr>
+        </p:nvSpPr>
+        <p:spPr/>
+        <p:txBody>
+          <a:bodyPr/>
+          <a:lstStyle/>
+          <a:p>
+            <a:r>
+              <a:rPr lang="en-US" smtClean="0">
+                <a:latin typeface="Times New Roman" pitchFamily="18" charset="0"/>
+              </a:rPr>
+              <a:t>WAM HEAP</a:t>
+            </a:r>
+            <a:endParaRPr lang="en-US">
+              <a:latin typeface="Times New Roman" pitchFamily="18" charset="0"/>
+            </a:endParaRPr>
+          </a:p>
+        </p:txBody>
+      </p:sp>
+      <p:sp>
+        <p:nvSpPr>
+          <p:cNvPr id="15" name="Content Placeholder 14"/>
+          <p:cNvSpPr>
+            <a:spLocks noGrp="1"/>
+          </p:cNvSpPr>
+          <p:nvPr>
+            <p:ph idx="1"/>
+          </p:nvPr>
+        </p:nvSpPr>
+        <p:spPr>
+          <a:xfrm>
+            <a:off x="228600" y="1257300"/>
+            <a:ext cx="8686800" cy="4038600"/>
+          </a:xfrm>
+        </p:spPr>
+        <p:txBody>
+          <a:bodyPr>
+            <a:normAutofit/>
+          </a:bodyPr>
+          <a:lstStyle/>
+          <a:p>
+            <a:pPr lvl="1">
+              <a:buFont typeface="Courier New" pitchFamily="49" charset="0"/>
+              <a:buChar char="o"/>
+            </a:pPr>
+            <a:r>
+              <a:rPr lang="en-US" smtClean="0">
+                <a:latin typeface="Times New Roman" pitchFamily="18" charset="0"/>
+                <a:cs typeface="Times New Roman" pitchFamily="18" charset="0"/>
+              </a:rPr>
+              <a:t>Là 1 array của các WAM cell</a:t>
+            </a:r>
+          </a:p>
+          <a:p>
+            <a:pPr lvl="1">
+              <a:buFont typeface="Courier New" pitchFamily="49" charset="0"/>
+              <a:buChar char="o"/>
+            </a:pPr>
+            <a:r>
+              <a:rPr lang="en-US" smtClean="0">
+                <a:latin typeface="Times New Roman" pitchFamily="18" charset="0"/>
+                <a:cs typeface="Times New Roman" pitchFamily="18" charset="0"/>
+              </a:rPr>
+              <a:t>WAM cell: variable, structure</a:t>
+            </a:r>
+          </a:p>
+          <a:p>
+            <a:pPr lvl="2">
+              <a:buFont typeface="Wingdings" pitchFamily="2" charset="2"/>
+              <a:buChar char="q"/>
+            </a:pPr>
+            <a:r>
+              <a:rPr lang="en-US" sz="2000" smtClean="0">
+                <a:latin typeface="Times New Roman" pitchFamily="18" charset="0"/>
+                <a:cs typeface="Times New Roman" pitchFamily="18" charset="0"/>
+              </a:rPr>
+              <a:t>Variable : sử dụng 1 phần tử của WAM heap để lưu trữ tham chiếu đến </a:t>
+            </a:r>
+            <a:r>
+              <a:rPr lang="en-US" sz="2000" smtClean="0">
+                <a:latin typeface="Times New Roman" pitchFamily="18" charset="0"/>
+                <a:cs typeface="Times New Roman" pitchFamily="18" charset="0"/>
+              </a:rPr>
+              <a:t>	bảng </a:t>
+            </a:r>
+            <a:r>
+              <a:rPr lang="en-US" sz="2000" smtClean="0">
+                <a:latin typeface="Times New Roman" pitchFamily="18" charset="0"/>
+                <a:cs typeface="Times New Roman" pitchFamily="18" charset="0"/>
+              </a:rPr>
+              <a:t>VAR</a:t>
+            </a:r>
+            <a:r>
+              <a:rPr lang="en-US" sz="2000" smtClean="0">
+                <a:latin typeface="Times New Roman" pitchFamily="18" charset="0"/>
+                <a:cs typeface="Times New Roman" pitchFamily="18" charset="0"/>
+              </a:rPr>
+              <a:t>, </a:t>
+            </a:r>
+            <a:r>
+              <a:rPr lang="en-US" sz="2000" smtClean="0">
+                <a:latin typeface="Times New Roman" pitchFamily="18" charset="0"/>
+                <a:cs typeface="Times New Roman" pitchFamily="18" charset="0"/>
+              </a:rPr>
+              <a:t>được gọi là Variable cell.</a:t>
+            </a:r>
+          </a:p>
+          <a:p>
+            <a:pPr lvl="2">
+              <a:buFont typeface="Wingdings" pitchFamily="2" charset="2"/>
+              <a:buChar char="q"/>
+            </a:pPr>
+            <a:r>
+              <a:rPr lang="en-US" sz="2000" smtClean="0">
+                <a:latin typeface="Times New Roman" pitchFamily="18" charset="0"/>
+                <a:cs typeface="Times New Roman" pitchFamily="18" charset="0"/>
+              </a:rPr>
+              <a:t>Structure: f(x1,x2,…,xn) : dùng n+2 phần tử của WAM heap để lưu trữ</a:t>
+            </a:r>
+          </a:p>
+          <a:p>
+            <a:pPr lvl="3">
+              <a:buFont typeface="Wingdings" pitchFamily="2" charset="2"/>
+              <a:buChar char="§"/>
+            </a:pPr>
+            <a:r>
+              <a:rPr lang="en-US" smtClean="0">
+                <a:latin typeface="Times New Roman" pitchFamily="18" charset="0"/>
+                <a:cs typeface="Times New Roman" pitchFamily="18" charset="0"/>
+              </a:rPr>
+              <a:t>Phần tử số 1: đánh dấu kiểu structure và địa chỉ lưu trữ của nó</a:t>
+            </a:r>
+          </a:p>
+          <a:p>
+            <a:pPr lvl="3">
+              <a:buFont typeface="Wingdings" pitchFamily="2" charset="2"/>
+              <a:buChar char="§"/>
+            </a:pPr>
+            <a:r>
+              <a:rPr lang="en-US" smtClean="0">
+                <a:latin typeface="Times New Roman" pitchFamily="18" charset="0"/>
+                <a:cs typeface="Times New Roman" pitchFamily="18" charset="0"/>
+              </a:rPr>
+              <a:t>Phần tử số 2: định nghĩa structure: → Tên &amp; thông số</a:t>
+            </a:r>
+          </a:p>
+          <a:p>
+            <a:pPr lvl="3">
+              <a:buFont typeface="Wingdings" pitchFamily="2" charset="2"/>
+              <a:buChar char="§"/>
+            </a:pPr>
+            <a:r>
+              <a:rPr lang="en-US" smtClean="0">
+                <a:latin typeface="Times New Roman" pitchFamily="18" charset="0"/>
+                <a:cs typeface="Times New Roman" pitchFamily="18" charset="0"/>
+              </a:rPr>
+              <a:t>Phần tử (k+2): chứa cell con k.</a:t>
+            </a:r>
+          </a:p>
+          <a:p>
+            <a:pPr lvl="3">
+              <a:buFont typeface="Wingdings" pitchFamily="2" charset="2"/>
+              <a:buChar char="§"/>
+            </a:pPr>
+            <a:r>
+              <a:rPr lang="en-US" smtClean="0">
+                <a:latin typeface="Times New Roman" pitchFamily="18" charset="0"/>
+                <a:cs typeface="Times New Roman" pitchFamily="18" charset="0"/>
+              </a:rPr>
+              <a:t>Phần tử 1, 2 không nhất thiết phải liên tiếp</a:t>
+            </a:r>
+          </a:p>
+          <a:p>
+            <a:pPr lvl="3">
+              <a:buFont typeface="Wingdings" pitchFamily="2" charset="2"/>
+              <a:buChar char="§"/>
+            </a:pPr>
+            <a:r>
+              <a:rPr lang="en-US" smtClean="0">
+                <a:latin typeface="Times New Roman" pitchFamily="18" charset="0"/>
+                <a:cs typeface="Times New Roman" pitchFamily="18" charset="0"/>
+              </a:rPr>
+              <a:t>Phần tử 2→n+1 phải liên tiếp</a:t>
+            </a:r>
+          </a:p>
+          <a:p>
+            <a:pPr lvl="3">
+              <a:buFont typeface="Courier New" pitchFamily="49" charset="0"/>
+              <a:buChar char="o"/>
+            </a:pPr>
+            <a:endParaRPr lang="en-US" sz="1000" smtClean="0">
+              <a:latin typeface="Times New Roman" pitchFamily="18" charset="0"/>
+              <a:cs typeface="Times New Roman" pitchFamily="18" charset="0"/>
+            </a:endParaRPr>
+          </a:p>
+        </p:txBody>
+      </p:sp>
+    </p:spTree>
+  </p:cSld>
+  <p:clrMapOvr>
+    <a:masterClrMapping/>
+  </p:clrMapOvr>
+  <p:timing>
+    <p:tnLst>
+      <p:par>
+        <p:cTn id="1" dur="indefinite" restart="never" nodeType="tmRoot"/>
+      </p:par>
+    </p:tnLst>
+  </p:timing>
+</p:sld>
+</file>
+
+<file path=ppt/slides/slide13.xml><?xml version="1.0" encoding="utf-8"?>
+<p:sld xmlns:a="http://schemas.openxmlformats.org/drawingml/2006/main" xmlns:r="http://schemas.openxmlformats.org/officeDocument/2006/relationships" xmlns:p="http://schemas.openxmlformats.org/presentationml/2006/main">
+  <p:cSld>
+    <p:spTree>
+      <p:nvGrpSpPr>
+        <p:cNvPr id="1" name=""/>
+        <p:cNvGrpSpPr/>
+        <p:nvPr/>
+      </p:nvGrpSpPr>
+      <p:grpSpPr>
+        <a:xfrm>
+          <a:off x="0" y="0"/>
+          <a:ext cx="0" cy="0"/>
+          <a:chOff x="0" y="0"/>
+          <a:chExt cx="0" cy="0"/>
+        </a:xfrm>
+      </p:grpSpPr>
       <p:pic>
         <p:nvPicPr>
           <p:cNvPr id="1028" name="Picture 4"/>
@@ -11555,8 +12051,8 @@
         </p:blipFill>
         <p:spPr bwMode="auto">
           <a:xfrm>
-            <a:off x="1066800" y="1409700"/>
-            <a:ext cx="3862388" cy="2690128"/>
+            <a:off x="381000" y="1181100"/>
+            <a:ext cx="4800600" cy="3886200"/>
           </a:xfrm>
           <a:prstGeom prst="rect">
             <a:avLst/>
@@ -11590,43 +12086,16 @@
               <a:rPr lang="en-US" smtClean="0">
                 <a:latin typeface="Times New Roman" pitchFamily="18" charset="0"/>
               </a:rPr>
-              <a:t>WAM HEAP (tt)</a:t>
+              <a:t>WAM HEAP </a:t>
+            </a:r>
+            <a:r>
+              <a:rPr lang="en-US" smtClean="0">
+                <a:latin typeface="Times New Roman" pitchFamily="18" charset="0"/>
+              </a:rPr>
+              <a:t>(2)</a:t>
             </a:r>
             <a:endParaRPr lang="en-US">
               <a:latin typeface="Times New Roman" pitchFamily="18" charset="0"/>
-            </a:endParaRPr>
-          </a:p>
-        </p:txBody>
-      </p:sp>
-      <p:sp>
-        <p:nvSpPr>
-          <p:cNvPr id="15" name="Content Placeholder 14"/>
-          <p:cNvSpPr>
-            <a:spLocks noGrp="1"/>
-          </p:cNvSpPr>
-          <p:nvPr>
-            <p:ph idx="1"/>
-          </p:nvPr>
-        </p:nvSpPr>
-        <p:spPr>
-          <a:xfrm>
-            <a:off x="533400" y="1257300"/>
-            <a:ext cx="8458200" cy="3505200"/>
-          </a:xfrm>
-        </p:spPr>
-        <p:txBody>
-          <a:bodyPr>
-            <a:normAutofit/>
-          </a:bodyPr>
-          <a:lstStyle/>
-          <a:p>
-            <a:pPr lvl="3">
-              <a:buFont typeface="Courier New" pitchFamily="49" charset="0"/>
-              <a:buChar char="o"/>
-            </a:pPr>
-            <a:endParaRPr lang="en-US" sz="1000" smtClean="0">
-              <a:latin typeface="Times New Roman" pitchFamily="18" charset="0"/>
-              <a:cs typeface="Times New Roman" pitchFamily="18" charset="0"/>
             </a:endParaRPr>
           </a:p>
         </p:txBody>
@@ -11640,7 +12109,7 @@
           <p:nvPr/>
         </p:nvGraphicFramePr>
         <p:xfrm>
-          <a:off x="5334000" y="1771650"/>
+          <a:off x="5638800" y="2933700"/>
           <a:ext cx="812800" cy="830379"/>
         </p:xfrm>
         <a:graphic>
@@ -11909,108 +12378,33 @@
           </a:graphicData>
         </a:graphic>
       </p:graphicFrame>
-    </p:spTree>
-  </p:cSld>
-  <p:clrMapOvr>
-    <a:masterClrMapping/>
-  </p:clrMapOvr>
-  <p:timing>
-    <p:tnLst>
-      <p:par>
-        <p:cTn id="1" dur="indefinite" restart="never" nodeType="tmRoot"/>
-      </p:par>
-    </p:tnLst>
-  </p:timing>
-</p:sld>
-</file>
-
-<file path=ppt/slides/slide13.xml><?xml version="1.0" encoding="utf-8"?>
-<p:sld xmlns:a="http://schemas.openxmlformats.org/drawingml/2006/main" xmlns:r="http://schemas.openxmlformats.org/officeDocument/2006/relationships" xmlns:p="http://schemas.openxmlformats.org/presentationml/2006/main">
-  <p:cSld>
-    <p:spTree>
-      <p:nvGrpSpPr>
-        <p:cNvPr id="1" name=""/>
-        <p:cNvGrpSpPr/>
-        <p:nvPr/>
-      </p:nvGrpSpPr>
-      <p:grpSpPr>
-        <a:xfrm>
-          <a:off x="0" y="0"/>
-          <a:ext cx="0" cy="0"/>
-          <a:chOff x="0" y="0"/>
-          <a:chExt cx="0" cy="0"/>
-        </a:xfrm>
-      </p:grpSpPr>
       <p:sp>
         <p:nvSpPr>
-          <p:cNvPr id="2" name="Title 1"/>
-          <p:cNvSpPr>
-            <a:spLocks noGrp="1"/>
-          </p:cNvSpPr>
-          <p:nvPr>
-            <p:ph type="title"/>
-          </p:nvPr>
+          <p:cNvPr id="6" name="TextBox 5"/>
+          <p:cNvSpPr txBox="1"/>
+          <p:nvPr/>
         </p:nvSpPr>
-        <p:spPr/>
+        <p:spPr>
+          <a:xfrm>
+            <a:off x="5715000" y="2552700"/>
+            <a:ext cx="685800" cy="369332"/>
+          </a:xfrm>
+          <a:prstGeom prst="rect">
+            <a:avLst/>
+          </a:prstGeom>
+          <a:noFill/>
+        </p:spPr>
         <p:txBody>
-          <a:bodyPr/>
+          <a:bodyPr wrap="square" rtlCol="0">
+            <a:spAutoFit/>
+          </a:bodyPr>
           <a:lstStyle/>
           <a:p>
             <a:r>
-              <a:rPr lang="en-US" smtClean="0">
-                <a:latin typeface="Times New Roman" pitchFamily="18" charset="0"/>
-              </a:rPr>
-              <a:t>xWAM HEAP (tt)</a:t>
-            </a:r>
-            <a:endParaRPr lang="en-US">
-              <a:latin typeface="Times New Roman" pitchFamily="18" charset="0"/>
-            </a:endParaRPr>
-          </a:p>
-        </p:txBody>
-      </p:sp>
-      <p:sp>
-        <p:nvSpPr>
-          <p:cNvPr id="6" name="Content Placeholder 5"/>
-          <p:cNvSpPr>
-            <a:spLocks noGrp="1"/>
-          </p:cNvSpPr>
-          <p:nvPr>
-            <p:ph idx="1"/>
-          </p:nvPr>
-        </p:nvSpPr>
-        <p:spPr/>
-        <p:txBody>
-          <a:bodyPr/>
-          <a:lstStyle/>
-          <a:p>
-            <a:r>
               <a:rPr lang="en-US" smtClean="0"/>
-              <a:t>Mở rộng WAM Heap</a:t>
-            </a:r>
-          </a:p>
-          <a:p>
-            <a:r>
-              <a:rPr lang="en-US" smtClean="0"/>
-              <a:t>Có lượng từ ∀ ∃</a:t>
-            </a:r>
-          </a:p>
-          <a:p>
-            <a:r>
-              <a:rPr lang="en-US" smtClean="0"/>
-              <a:t>Var cell giống WAM Heap</a:t>
-            </a:r>
-          </a:p>
-          <a:p>
-            <a:r>
-              <a:rPr lang="en-US" smtClean="0"/>
-              <a:t>Structure cell thêm phần tử q tham chiếu đến bank quant</a:t>
-            </a:r>
-          </a:p>
-          <a:p>
-            <a:r>
-              <a:rPr lang="en-US" smtClean="0"/>
-              <a:t>Bank quant: Chứa các lượng từ</a:t>
-            </a:r>
+              <a:t>VAR</a:t>
+            </a:r>
+            <a:endParaRPr lang="en-US"/>
           </a:p>
         </p:txBody>
       </p:sp>
@@ -12056,10 +12450,182 @@
             <p:ph type="title"/>
           </p:nvPr>
         </p:nvSpPr>
+        <p:spPr/>
+        <p:txBody>
+          <a:bodyPr/>
+          <a:lstStyle/>
+          <a:p>
+            <a:r>
+              <a:rPr lang="en-US" smtClean="0">
+                <a:latin typeface="Times New Roman" pitchFamily="18" charset="0"/>
+              </a:rPr>
+              <a:t>xWAM </a:t>
+            </a:r>
+            <a:r>
+              <a:rPr lang="en-US" smtClean="0">
+                <a:latin typeface="Times New Roman" pitchFamily="18" charset="0"/>
+              </a:rPr>
+              <a:t>HEAP</a:t>
+            </a:r>
+            <a:endParaRPr lang="en-US">
+              <a:latin typeface="Times New Roman" pitchFamily="18" charset="0"/>
+            </a:endParaRPr>
+          </a:p>
+        </p:txBody>
+      </p:sp>
+      <p:sp>
+        <p:nvSpPr>
+          <p:cNvPr id="6" name="Content Placeholder 5"/>
+          <p:cNvSpPr>
+            <a:spLocks noGrp="1"/>
+          </p:cNvSpPr>
+          <p:nvPr>
+            <p:ph idx="1"/>
+          </p:nvPr>
+        </p:nvSpPr>
+        <p:spPr/>
+        <p:txBody>
+          <a:bodyPr/>
+          <a:lstStyle/>
+          <a:p>
+            <a:r>
+              <a:rPr lang="en-US" smtClean="0">
+                <a:latin typeface="Times New Roman" pitchFamily="18" charset="0"/>
+                <a:cs typeface="Times New Roman" pitchFamily="18" charset="0"/>
+              </a:rPr>
+              <a:t>Mở rộng WAM Heap</a:t>
+            </a:r>
+          </a:p>
+          <a:p>
+            <a:r>
+              <a:rPr lang="en-US" smtClean="0">
+                <a:latin typeface="Times New Roman" pitchFamily="18" charset="0"/>
+                <a:cs typeface="Times New Roman" pitchFamily="18" charset="0"/>
+              </a:rPr>
+              <a:t>Chứa được </a:t>
+            </a:r>
+            <a:r>
+              <a:rPr lang="en-US" smtClean="0">
+                <a:latin typeface="Times New Roman" pitchFamily="18" charset="0"/>
+                <a:cs typeface="Times New Roman" pitchFamily="18" charset="0"/>
+              </a:rPr>
+              <a:t>lượng </a:t>
+            </a:r>
+            <a:r>
+              <a:rPr lang="en-US" smtClean="0">
+                <a:latin typeface="Times New Roman" pitchFamily="18" charset="0"/>
+                <a:cs typeface="Times New Roman" pitchFamily="18" charset="0"/>
+              </a:rPr>
+              <a:t>từ: </a:t>
+            </a:r>
+            <a:r>
+              <a:rPr lang="en-US" smtClean="0">
+                <a:latin typeface="Times New Roman" pitchFamily="18" charset="0"/>
+                <a:cs typeface="Times New Roman" pitchFamily="18" charset="0"/>
+              </a:rPr>
+              <a:t>∀ ∃</a:t>
+            </a:r>
+          </a:p>
+          <a:p>
+            <a:r>
+              <a:rPr lang="en-US" smtClean="0">
+                <a:latin typeface="Times New Roman" pitchFamily="18" charset="0"/>
+                <a:cs typeface="Times New Roman" pitchFamily="18" charset="0"/>
+              </a:rPr>
+              <a:t>VAR cell </a:t>
+            </a:r>
+            <a:r>
+              <a:rPr lang="en-US" smtClean="0">
+                <a:latin typeface="Times New Roman" pitchFamily="18" charset="0"/>
+                <a:cs typeface="Times New Roman" pitchFamily="18" charset="0"/>
+              </a:rPr>
+              <a:t>giống WAM Heap</a:t>
+            </a:r>
+          </a:p>
+          <a:p>
+            <a:r>
+              <a:rPr lang="en-US" smtClean="0">
+                <a:latin typeface="Times New Roman" pitchFamily="18" charset="0"/>
+                <a:cs typeface="Times New Roman" pitchFamily="18" charset="0"/>
+              </a:rPr>
+              <a:t>Structure cell thêm phần tử q tham chiếu đến </a:t>
+            </a:r>
+            <a:r>
+              <a:rPr lang="en-US" smtClean="0">
+                <a:latin typeface="Times New Roman" pitchFamily="18" charset="0"/>
+                <a:cs typeface="Times New Roman" pitchFamily="18" charset="0"/>
+              </a:rPr>
+              <a:t>bảng QUANT</a:t>
+            </a:r>
+            <a:endParaRPr lang="en-US" smtClean="0">
+              <a:latin typeface="Times New Roman" pitchFamily="18" charset="0"/>
+              <a:cs typeface="Times New Roman" pitchFamily="18" charset="0"/>
+            </a:endParaRPr>
+          </a:p>
+          <a:p>
+            <a:r>
+              <a:rPr lang="en-US" smtClean="0">
+                <a:latin typeface="Times New Roman" pitchFamily="18" charset="0"/>
+                <a:cs typeface="Times New Roman" pitchFamily="18" charset="0"/>
+              </a:rPr>
+              <a:t>Bảng QUANT: </a:t>
+            </a:r>
+            <a:r>
+              <a:rPr lang="en-US" smtClean="0">
+                <a:latin typeface="Times New Roman" pitchFamily="18" charset="0"/>
+                <a:cs typeface="Times New Roman" pitchFamily="18" charset="0"/>
+              </a:rPr>
+              <a:t>Chứa các lượng từ</a:t>
+            </a:r>
+          </a:p>
+        </p:txBody>
+      </p:sp>
+    </p:spTree>
+  </p:cSld>
+  <p:clrMapOvr>
+    <a:masterClrMapping/>
+  </p:clrMapOvr>
+  <p:timing>
+    <p:tnLst>
+      <p:par>
+        <p:cTn id="1" dur="indefinite" restart="never" nodeType="tmRoot"/>
+      </p:par>
+    </p:tnLst>
+  </p:timing>
+</p:sld>
+</file>
+
+<file path=ppt/slides/slide15.xml><?xml version="1.0" encoding="utf-8"?>
+<p:sld xmlns:a="http://schemas.openxmlformats.org/drawingml/2006/main" xmlns:r="http://schemas.openxmlformats.org/officeDocument/2006/relationships" xmlns:p="http://schemas.openxmlformats.org/presentationml/2006/main">
+  <p:cSld>
+    <p:spTree>
+      <p:nvGrpSpPr>
+        <p:cNvPr id="1" name=""/>
+        <p:cNvGrpSpPr/>
+        <p:nvPr/>
+      </p:nvGrpSpPr>
+      <p:grpSpPr>
+        <a:xfrm>
+          <a:off x="0" y="0"/>
+          <a:ext cx="0" cy="0"/>
+          <a:chOff x="0" y="0"/>
+          <a:chExt cx="0" cy="0"/>
+        </a:xfrm>
+      </p:grpSpPr>
+      <p:sp>
+        <p:nvSpPr>
+          <p:cNvPr id="2" name="Title 1"/>
+          <p:cNvSpPr>
+            <a:spLocks noGrp="1"/>
+          </p:cNvSpPr>
+          <p:nvPr>
+            <p:ph type="title"/>
+          </p:nvPr>
+        </p:nvSpPr>
         <p:spPr>
           <a:xfrm>
-            <a:off x="457200" y="228865"/>
-            <a:ext cx="7315200" cy="952500"/>
+            <a:off x="3124200" y="266700"/>
+            <a:ext cx="4495800" cy="952500"/>
           </a:xfrm>
         </p:spPr>
         <p:txBody>
@@ -12071,7 +12637,13 @@
               <a:rPr lang="en-US" smtClean="0">
                 <a:latin typeface="Times New Roman" pitchFamily="18" charset="0"/>
               </a:rPr>
-              <a:t>xWAM HEAP</a:t>
+              <a:t>xWAM </a:t>
+            </a:r>
+            <a:r>
+              <a:rPr lang="en-US" smtClean="0">
+                <a:latin typeface="Times New Roman" pitchFamily="18" charset="0"/>
+              </a:rPr>
+              <a:t>HEAP (2)</a:t>
             </a:r>
             <a:endParaRPr lang="en-US">
               <a:latin typeface="Times New Roman" pitchFamily="18" charset="0"/>
@@ -12138,8 +12710,8 @@
           <p:nvPr/>
         </p:nvGraphicFramePr>
         <p:xfrm>
-          <a:off x="685800" y="495300"/>
-          <a:ext cx="1569457" cy="4320537"/>
+          <a:off x="457200" y="647705"/>
+          <a:ext cx="2286000" cy="4800599"/>
         </p:xfrm>
         <a:graphic>
           <a:graphicData uri="http://schemas.openxmlformats.org/drawingml/2006/table">
@@ -12148,11 +12720,11 @@
                 <a:tableStyleId>{073A0DAA-6AF3-43AB-8588-CEC1D06C72B9}</a:tableStyleId>
               </a:tblPr>
               <a:tblGrid>
-                <a:gridCol w="523345"/>
-                <a:gridCol w="452540"/>
-                <a:gridCol w="593572"/>
+                <a:gridCol w="762280"/>
+                <a:gridCol w="659150"/>
+                <a:gridCol w="864570"/>
               </a:tblGrid>
-              <a:tr h="240044">
+              <a:tr h="266716">
                 <a:tc>
                   <a:txBody>
                     <a:bodyPr/>
@@ -12160,7 +12732,7 @@
                     <a:p>
                       <a:pPr algn="r" fontAlgn="b"/>
                       <a:r>
-                        <a:rPr lang="en-US" sz="800" b="0" i="0" u="none" strike="noStrike">
+                        <a:rPr lang="en-US" sz="1600" b="0" i="0" u="none" strike="noStrike">
                           <a:solidFill>
                             <a:srgbClr val="000000"/>
                           </a:solidFill>
@@ -12226,14 +12798,14 @@
                     <a:lstStyle/>
                     <a:p>
                       <a:r>
-                        <a:rPr lang="en-US" sz="1200" b="0" smtClean="0">
+                        <a:rPr lang="en-US" sz="1600" b="0" smtClean="0">
                           <a:solidFill>
                             <a:schemeClr val="tx1"/>
                           </a:solidFill>
                         </a:rPr>
                         <a:t>STR</a:t>
                       </a:r>
-                      <a:endParaRPr lang="en-US" sz="1200" b="0">
+                      <a:endParaRPr lang="en-US" sz="1600" b="0">
                         <a:solidFill>
                           <a:schemeClr val="tx1"/>
                         </a:solidFill>
@@ -12296,14 +12868,14 @@
                     <a:lstStyle/>
                     <a:p>
                       <a:r>
-                        <a:rPr lang="en-US" sz="1200" b="0" smtClean="0">
+                        <a:rPr lang="en-US" sz="1600" b="0" smtClean="0">
                           <a:solidFill>
                             <a:schemeClr val="tx1"/>
                           </a:solidFill>
                         </a:rPr>
                         <a:t>14</a:t>
                       </a:r>
-                      <a:endParaRPr lang="en-US" sz="1200" b="0">
+                      <a:endParaRPr lang="en-US" sz="1600" b="0">
                         <a:solidFill>
                           <a:schemeClr val="tx1"/>
                         </a:solidFill>
@@ -12361,7 +12933,7 @@
                   </a:tcPr>
                 </a:tc>
               </a:tr>
-              <a:tr h="240029">
+              <a:tr h="266699">
                 <a:tc>
                   <a:txBody>
                     <a:bodyPr/>
@@ -12369,7 +12941,7 @@
                     <a:p>
                       <a:pPr algn="r" fontAlgn="b"/>
                       <a:r>
-                        <a:rPr lang="en-US" sz="800" b="0" i="0" u="none" strike="noStrike">
+                        <a:rPr lang="en-US" sz="1600" b="0" i="0" u="none" strike="noStrike">
                           <a:solidFill>
                             <a:srgbClr val="000000"/>
                           </a:solidFill>
@@ -12435,14 +13007,14 @@
                     <a:lstStyle/>
                     <a:p>
                       <a:r>
-                        <a:rPr lang="en-US" sz="1200" b="0" smtClean="0">
+                        <a:rPr lang="en-US" sz="1600" b="0" smtClean="0">
                           <a:solidFill>
                             <a:schemeClr val="tx1"/>
                           </a:solidFill>
                         </a:rPr>
                         <a:t>STR</a:t>
                       </a:r>
-                      <a:endParaRPr lang="en-US" sz="1200" b="0">
+                      <a:endParaRPr lang="en-US" sz="1600" b="0">
                         <a:solidFill>
                           <a:schemeClr val="tx1"/>
                         </a:solidFill>
@@ -12522,18 +13094,13 @@
                         <a:defRPr/>
                       </a:pPr>
                       <a:r>
-                        <a:rPr lang="en-US" sz="1200" b="0" smtClean="0">
+                        <a:rPr lang="en-US" sz="1600" b="0" smtClean="0">
                           <a:solidFill>
                             <a:schemeClr val="tx1"/>
                           </a:solidFill>
                         </a:rPr>
                         <a:t>2</a:t>
                       </a:r>
-                      <a:endParaRPr lang="en-US" sz="1200" b="0" smtClean="0">
-                        <a:solidFill>
-                          <a:schemeClr val="tx1"/>
-                        </a:solidFill>
-                      </a:endParaRPr>
                     </a:p>
                   </a:txBody>
                   <a:tcPr marL="0" marR="0" marT="0" marB="0" anchor="ctr" anchorCtr="1">
@@ -12587,7 +13154,7 @@
                   </a:tcPr>
                 </a:tc>
               </a:tr>
-              <a:tr h="240029">
+              <a:tr h="266699">
                 <a:tc>
                   <a:txBody>
                     <a:bodyPr/>
@@ -12595,7 +13162,7 @@
                     <a:p>
                       <a:pPr algn="r" fontAlgn="b"/>
                       <a:r>
-                        <a:rPr lang="en-US" sz="800" b="0" i="0" u="none" strike="noStrike">
+                        <a:rPr lang="en-US" sz="1600" b="0" i="0" u="none" strike="noStrike">
                           <a:solidFill>
                             <a:srgbClr val="000000"/>
                           </a:solidFill>
@@ -12661,14 +13228,14 @@
                     <a:lstStyle/>
                     <a:p>
                       <a:r>
-                        <a:rPr lang="en-US" sz="1200" b="0" smtClean="0">
+                        <a:rPr lang="en-US" sz="1600" b="0" smtClean="0">
                           <a:solidFill>
                             <a:schemeClr val="tx1"/>
                           </a:solidFill>
                         </a:rPr>
                         <a:t>P/2</a:t>
                       </a:r>
-                      <a:endParaRPr lang="en-US" sz="1200" b="0">
+                      <a:endParaRPr lang="en-US" sz="1600" b="0">
                         <a:solidFill>
                           <a:schemeClr val="tx1"/>
                         </a:solidFill>
@@ -12805,7 +13372,7 @@
                   </a:tcPr>
                 </a:tc>
               </a:tr>
-              <a:tr h="240029">
+              <a:tr h="266699">
                 <a:tc>
                   <a:txBody>
                     <a:bodyPr/>
@@ -12813,7 +13380,7 @@
                     <a:p>
                       <a:pPr algn="r" fontAlgn="b"/>
                       <a:r>
-                        <a:rPr lang="en-US" sz="800" b="0" i="0" u="none" strike="noStrike">
+                        <a:rPr lang="en-US" sz="1600" b="0" i="0" u="none" strike="noStrike">
                           <a:solidFill>
                             <a:srgbClr val="000000"/>
                           </a:solidFill>
@@ -12879,14 +13446,14 @@
                     <a:lstStyle/>
                     <a:p>
                       <a:r>
-                        <a:rPr lang="en-US" sz="1200" b="0" smtClean="0">
+                        <a:rPr lang="en-US" sz="1600" b="0" smtClean="0">
                           <a:solidFill>
                             <a:schemeClr val="tx1"/>
                           </a:solidFill>
                         </a:rPr>
                         <a:t>QUAN</a:t>
                       </a:r>
-                      <a:endParaRPr lang="en-US" sz="1200" b="0">
+                      <a:endParaRPr lang="en-US" sz="1600" b="0">
                         <a:solidFill>
                           <a:schemeClr val="tx1"/>
                         </a:solidFill>
@@ -12966,14 +13533,14 @@
                         <a:defRPr/>
                       </a:pPr>
                       <a:r>
-                        <a:rPr lang="en-US" sz="1200" b="0" smtClean="0">
+                        <a:rPr lang="en-US" sz="1600" b="0" smtClean="0">
                           <a:solidFill>
                             <a:schemeClr val="tx1"/>
                           </a:solidFill>
                         </a:rPr>
                         <a:t>MAP</a:t>
                       </a:r>
-                      <a:endParaRPr lang="en-US" sz="1200" b="0">
+                      <a:endParaRPr lang="en-US" sz="1600" b="0">
                         <a:solidFill>
                           <a:schemeClr val="tx1"/>
                         </a:solidFill>
@@ -13031,7 +13598,7 @@
                   </a:tcPr>
                 </a:tc>
               </a:tr>
-              <a:tr h="240029">
+              <a:tr h="266699">
                 <a:tc>
                   <a:txBody>
                     <a:bodyPr/>
@@ -13039,7 +13606,7 @@
                     <a:p>
                       <a:pPr algn="r" fontAlgn="b"/>
                       <a:r>
-                        <a:rPr lang="en-US" sz="800" b="0" i="0" u="none" strike="noStrike">
+                        <a:rPr lang="en-US" sz="1600" b="0" i="0" u="none" strike="noStrike">
                           <a:solidFill>
                             <a:srgbClr val="000000"/>
                           </a:solidFill>
@@ -13105,14 +13672,14 @@
                     <a:lstStyle/>
                     <a:p>
                       <a:r>
-                        <a:rPr lang="en-US" sz="1200" b="0" smtClean="0">
+                        <a:rPr lang="en-US" sz="1600" b="0" smtClean="0">
                           <a:solidFill>
                             <a:schemeClr val="tx1"/>
                           </a:solidFill>
                         </a:rPr>
                         <a:t>REF</a:t>
                       </a:r>
-                      <a:endParaRPr lang="en-US" sz="1200" b="0">
+                      <a:endParaRPr lang="en-US" sz="1600" b="0">
                         <a:solidFill>
                           <a:schemeClr val="tx1"/>
                         </a:solidFill>
@@ -13175,14 +13742,14 @@
                     <a:lstStyle/>
                     <a:p>
                       <a:r>
-                        <a:rPr lang="en-US" sz="1200" b="0" smtClean="0">
+                        <a:rPr lang="en-US" sz="1600" b="0" smtClean="0">
                           <a:solidFill>
                             <a:schemeClr val="tx1"/>
                           </a:solidFill>
                         </a:rPr>
                         <a:t>7</a:t>
                       </a:r>
-                      <a:endParaRPr lang="en-US" sz="1200" b="0">
+                      <a:endParaRPr lang="en-US" sz="1600" b="0">
                         <a:solidFill>
                           <a:schemeClr val="tx1"/>
                         </a:solidFill>
@@ -13240,7 +13807,7 @@
                   </a:tcPr>
                 </a:tc>
               </a:tr>
-              <a:tr h="240029">
+              <a:tr h="266699">
                 <a:tc>
                   <a:txBody>
                     <a:bodyPr/>
@@ -13248,7 +13815,7 @@
                     <a:p>
                       <a:pPr algn="r" fontAlgn="b"/>
                       <a:r>
-                        <a:rPr lang="en-US" sz="800" b="1" i="0" u="none" strike="noStrike">
+                        <a:rPr lang="en-US" sz="1600" b="0" i="0" u="none" strike="noStrike">
                           <a:solidFill>
                             <a:srgbClr val="000000"/>
                           </a:solidFill>
@@ -13312,14 +13879,14 @@
                     <a:lstStyle/>
                     <a:p>
                       <a:r>
-                        <a:rPr lang="en-US" sz="1200" b="1" smtClean="0">
+                        <a:rPr lang="en-US" sz="1600" b="0" smtClean="0">
                           <a:solidFill>
                             <a:schemeClr val="tx1"/>
                           </a:solidFill>
                         </a:rPr>
                         <a:t>REF</a:t>
                       </a:r>
-                      <a:endParaRPr lang="en-US" sz="1200" b="1">
+                      <a:endParaRPr lang="en-US" sz="1600" b="0">
                         <a:solidFill>
                           <a:schemeClr val="tx1"/>
                         </a:solidFill>
@@ -13380,14 +13947,14 @@
                     <a:lstStyle/>
                     <a:p>
                       <a:r>
-                        <a:rPr lang="en-US" sz="1200" b="1" smtClean="0">
+                        <a:rPr lang="en-US" sz="1600" b="0" smtClean="0">
                           <a:solidFill>
                             <a:schemeClr val="tx1"/>
                           </a:solidFill>
                         </a:rPr>
                         <a:t>8</a:t>
                       </a:r>
-                      <a:endParaRPr lang="en-US" sz="1200" b="1">
+                      <a:endParaRPr lang="en-US" sz="1600" b="0">
                         <a:solidFill>
                           <a:schemeClr val="tx1"/>
                         </a:solidFill>
@@ -13443,7 +14010,7 @@
                   </a:tcPr>
                 </a:tc>
               </a:tr>
-              <a:tr h="240029">
+              <a:tr h="266699">
                 <a:tc>
                   <a:txBody>
                     <a:bodyPr/>
@@ -13451,7 +14018,7 @@
                     <a:p>
                       <a:pPr algn="r" fontAlgn="b"/>
                       <a:r>
-                        <a:rPr lang="en-US" sz="800" b="0" i="0" u="none" strike="noStrike">
+                        <a:rPr lang="en-US" sz="1600" b="0" i="0" u="none" strike="noStrike">
                           <a:solidFill>
                             <a:srgbClr val="000000"/>
                           </a:solidFill>
@@ -13517,14 +14084,14 @@
                     <a:lstStyle/>
                     <a:p>
                       <a:r>
-                        <a:rPr lang="en-US" sz="1200" b="0" smtClean="0">
+                        <a:rPr lang="en-US" sz="1600" b="0" smtClean="0">
                           <a:solidFill>
                             <a:schemeClr val="tx1"/>
                           </a:solidFill>
                         </a:rPr>
                         <a:t>STR</a:t>
                       </a:r>
-                      <a:endParaRPr lang="en-US" sz="1200" b="0">
+                      <a:endParaRPr lang="en-US" sz="1600" b="0">
                         <a:solidFill>
                           <a:schemeClr val="tx1"/>
                         </a:solidFill>
@@ -13587,10 +14154,10 @@
                     <a:lstStyle/>
                     <a:p>
                       <a:r>
-                        <a:rPr lang="en-US" sz="1200" smtClean="0"/>
+                        <a:rPr lang="en-US" sz="1600" smtClean="0"/>
                         <a:t>7</a:t>
                       </a:r>
-                      <a:endParaRPr lang="en-US" sz="1200"/>
+                      <a:endParaRPr lang="en-US" sz="1600"/>
                     </a:p>
                   </a:txBody>
                   <a:tcPr marL="0" marR="0" marT="0" marB="0" anchor="ctr" anchorCtr="1">
@@ -13644,7 +14211,7 @@
                   </a:tcPr>
                 </a:tc>
               </a:tr>
-              <a:tr h="240029">
+              <a:tr h="266699">
                 <a:tc>
                   <a:txBody>
                     <a:bodyPr/>
@@ -13652,7 +14219,7 @@
                     <a:p>
                       <a:pPr algn="r" fontAlgn="b"/>
                       <a:r>
-                        <a:rPr lang="en-US" sz="800" b="0" i="0" u="none" strike="noStrike">
+                        <a:rPr lang="en-US" sz="1600" b="0" i="0" u="none" strike="noStrike">
                           <a:solidFill>
                             <a:srgbClr val="000000"/>
                           </a:solidFill>
@@ -13718,14 +14285,14 @@
                     <a:lstStyle/>
                     <a:p>
                       <a:r>
-                        <a:rPr lang="en-US" sz="1200" b="0" smtClean="0">
+                        <a:rPr lang="en-US" sz="1600" b="0" smtClean="0">
                           <a:solidFill>
                             <a:schemeClr val="tx1"/>
                           </a:solidFill>
                         </a:rPr>
                         <a:t>Q/2</a:t>
                       </a:r>
-                      <a:endParaRPr lang="en-US" sz="1200" b="0">
+                      <a:endParaRPr lang="en-US" sz="1600" b="0">
                         <a:solidFill>
                           <a:schemeClr val="tx1"/>
                         </a:solidFill>
@@ -13845,7 +14412,7 @@
                   </a:tcPr>
                 </a:tc>
               </a:tr>
-              <a:tr h="240029">
+              <a:tr h="266699">
                 <a:tc>
                   <a:txBody>
                     <a:bodyPr/>
@@ -13853,7 +14420,7 @@
                     <a:p>
                       <a:pPr algn="r" fontAlgn="b"/>
                       <a:r>
-                        <a:rPr lang="en-US" sz="800" b="0" i="0" u="none" strike="noStrike">
+                        <a:rPr lang="en-US" sz="1600" b="0" i="0" u="none" strike="noStrike">
                           <a:solidFill>
                             <a:srgbClr val="000000"/>
                           </a:solidFill>
@@ -13919,14 +14486,14 @@
                     <a:lstStyle/>
                     <a:p>
                       <a:r>
-                        <a:rPr lang="en-US" sz="1200" b="0" smtClean="0">
+                        <a:rPr lang="en-US" sz="1600" b="0" smtClean="0">
                           <a:solidFill>
                             <a:schemeClr val="tx1"/>
                           </a:solidFill>
                         </a:rPr>
                         <a:t>REF</a:t>
                       </a:r>
-                      <a:endParaRPr lang="en-US" sz="1200" b="0">
+                      <a:endParaRPr lang="en-US" sz="1600" b="0">
                         <a:solidFill>
                           <a:schemeClr val="tx1"/>
                         </a:solidFill>
@@ -13989,14 +14556,14 @@
                     <a:lstStyle/>
                     <a:p>
                       <a:r>
-                        <a:rPr lang="en-US" sz="1200" b="0" smtClean="0">
+                        <a:rPr lang="en-US" sz="1600" b="0" smtClean="0">
                           <a:solidFill>
                             <a:schemeClr val="tx1"/>
                           </a:solidFill>
                         </a:rPr>
                         <a:t>7</a:t>
                       </a:r>
-                      <a:endParaRPr lang="en-US" sz="1200" b="0">
+                      <a:endParaRPr lang="en-US" sz="1600" b="0">
                         <a:solidFill>
                           <a:schemeClr val="tx1"/>
                         </a:solidFill>
@@ -14054,7 +14621,7 @@
                   </a:tcPr>
                 </a:tc>
               </a:tr>
-              <a:tr h="240029">
+              <a:tr h="266699">
                 <a:tc>
                   <a:txBody>
                     <a:bodyPr/>
@@ -14062,7 +14629,7 @@
                     <a:p>
                       <a:pPr algn="r" fontAlgn="b"/>
                       <a:r>
-                        <a:rPr lang="en-US" sz="800" b="0" i="0" u="none" strike="noStrike">
+                        <a:rPr lang="en-US" sz="1600" b="0" i="0" u="none" strike="noStrike">
                           <a:solidFill>
                             <a:srgbClr val="000000"/>
                           </a:solidFill>
@@ -14128,14 +14695,14 @@
                     <a:lstStyle/>
                     <a:p>
                       <a:r>
-                        <a:rPr lang="en-US" sz="1200" b="0" smtClean="0">
+                        <a:rPr lang="en-US" sz="1600" b="0" smtClean="0">
                           <a:solidFill>
                             <a:schemeClr val="tx1"/>
                           </a:solidFill>
                         </a:rPr>
                         <a:t>REF</a:t>
                       </a:r>
-                      <a:endParaRPr lang="en-US" sz="1200" b="0">
+                      <a:endParaRPr lang="en-US" sz="1600" b="0">
                         <a:solidFill>
                           <a:schemeClr val="tx1"/>
                         </a:solidFill>
@@ -14198,14 +14765,14 @@
                     <a:lstStyle/>
                     <a:p>
                       <a:r>
-                        <a:rPr lang="en-US" sz="1200" b="0" smtClean="0">
+                        <a:rPr lang="en-US" sz="1600" b="0" smtClean="0">
                           <a:solidFill>
                             <a:schemeClr val="tx1"/>
                           </a:solidFill>
                         </a:rPr>
                         <a:t>8</a:t>
                       </a:r>
-                      <a:endParaRPr lang="en-US" sz="1200" b="0">
+                      <a:endParaRPr lang="en-US" sz="1600" b="0">
                         <a:solidFill>
                           <a:schemeClr val="tx1"/>
                         </a:solidFill>
@@ -14263,7 +14830,7 @@
                   </a:tcPr>
                 </a:tc>
               </a:tr>
-              <a:tr h="240029">
+              <a:tr h="266699">
                 <a:tc>
                   <a:txBody>
                     <a:bodyPr/>
@@ -14271,7 +14838,7 @@
                     <a:p>
                       <a:pPr algn="r" fontAlgn="b"/>
                       <a:r>
-                        <a:rPr lang="en-US" sz="800" b="0" i="0" u="none" strike="noStrike">
+                        <a:rPr lang="en-US" sz="1600" b="0" i="0" u="none" strike="noStrike">
                           <a:solidFill>
                             <a:srgbClr val="000000"/>
                           </a:solidFill>
@@ -14337,14 +14904,14 @@
                     <a:lstStyle/>
                     <a:p>
                       <a:r>
-                        <a:rPr lang="en-US" sz="1200" b="0" smtClean="0">
+                        <a:rPr lang="en-US" sz="1600" b="0" smtClean="0">
                           <a:solidFill>
                             <a:schemeClr val="tx1"/>
                           </a:solidFill>
                         </a:rPr>
                         <a:t>STR</a:t>
                       </a:r>
-                      <a:endParaRPr lang="en-US" sz="1200" b="0">
+                      <a:endParaRPr lang="en-US" sz="1600" b="0">
                         <a:solidFill>
                           <a:schemeClr val="tx1"/>
                         </a:solidFill>
@@ -14407,14 +14974,14 @@
                     <a:lstStyle/>
                     <a:p>
                       <a:r>
-                        <a:rPr lang="en-US" sz="1200" b="0" smtClean="0">
+                        <a:rPr lang="en-US" sz="1600" b="0" smtClean="0">
                           <a:solidFill>
                             <a:schemeClr val="tx1"/>
                           </a:solidFill>
                         </a:rPr>
                         <a:t>11</a:t>
                       </a:r>
-                      <a:endParaRPr lang="en-US" sz="1200" b="0">
+                      <a:endParaRPr lang="en-US" sz="1600" b="0">
                         <a:solidFill>
                           <a:schemeClr val="tx1"/>
                         </a:solidFill>
@@ -14472,7 +15039,7 @@
                   </a:tcPr>
                 </a:tc>
               </a:tr>
-              <a:tr h="240029">
+              <a:tr h="266699">
                 <a:tc>
                   <a:txBody>
                     <a:bodyPr/>
@@ -14480,7 +15047,7 @@
                     <a:p>
                       <a:pPr algn="r" fontAlgn="b"/>
                       <a:r>
-                        <a:rPr lang="en-US" sz="800" b="0" i="0" u="none" strike="noStrike">
+                        <a:rPr lang="en-US" sz="1600" b="0" i="0" u="none" strike="noStrike">
                           <a:solidFill>
                             <a:srgbClr val="000000"/>
                           </a:solidFill>
@@ -14546,14 +15113,14 @@
                     <a:lstStyle/>
                     <a:p>
                       <a:r>
-                        <a:rPr lang="en-US" sz="1200" b="0" smtClean="0">
+                        <a:rPr lang="en-US" sz="1600" b="0" smtClean="0">
                           <a:solidFill>
                             <a:schemeClr val="tx1"/>
                           </a:solidFill>
                         </a:rPr>
                         <a:t>¬ /1</a:t>
                       </a:r>
-                      <a:endParaRPr lang="en-US" sz="1200" b="0">
+                      <a:endParaRPr lang="en-US" sz="1600" b="0">
                         <a:solidFill>
                           <a:schemeClr val="tx1"/>
                         </a:solidFill>
@@ -14673,7 +15240,7 @@
                   </a:tcPr>
                 </a:tc>
               </a:tr>
-              <a:tr h="240029">
+              <a:tr h="266699">
                 <a:tc>
                   <a:txBody>
                     <a:bodyPr/>
@@ -14681,7 +15248,7 @@
                     <a:p>
                       <a:pPr algn="r" fontAlgn="b"/>
                       <a:r>
-                        <a:rPr lang="en-US" sz="800" b="0" i="0" u="none" strike="noStrike">
+                        <a:rPr lang="en-US" sz="1600" b="0" i="0" u="none" strike="noStrike">
                           <a:solidFill>
                             <a:srgbClr val="000000"/>
                           </a:solidFill>
@@ -14747,14 +15314,14 @@
                     <a:lstStyle/>
                     <a:p>
                       <a:r>
-                        <a:rPr lang="en-US" sz="1200" b="0" smtClean="0">
+                        <a:rPr lang="en-US" sz="1600" b="0" smtClean="0">
                           <a:solidFill>
                             <a:schemeClr val="tx1"/>
                           </a:solidFill>
                         </a:rPr>
                         <a:t>QUAN</a:t>
                       </a:r>
-                      <a:endParaRPr lang="en-US" sz="1200" b="0">
+                      <a:endParaRPr lang="en-US" sz="1600" b="0">
                         <a:solidFill>
                           <a:schemeClr val="tx1"/>
                         </a:solidFill>
@@ -14817,14 +15384,14 @@
                     <a:lstStyle/>
                     <a:p>
                       <a:r>
-                        <a:rPr lang="en-US" sz="1200" b="0" smtClean="0">
+                        <a:rPr lang="en-US" sz="1600" b="0" smtClean="0">
                           <a:solidFill>
                             <a:schemeClr val="tx1"/>
                           </a:solidFill>
                         </a:rPr>
                         <a:t>11</a:t>
                       </a:r>
-                      <a:endParaRPr lang="en-US" sz="1200" b="0">
+                      <a:endParaRPr lang="en-US" sz="1600" b="0">
                         <a:solidFill>
                           <a:schemeClr val="tx1"/>
                         </a:solidFill>
@@ -14882,7 +15449,7 @@
                   </a:tcPr>
                 </a:tc>
               </a:tr>
-              <a:tr h="240029">
+              <a:tr h="266699">
                 <a:tc>
                   <a:txBody>
                     <a:bodyPr/>
@@ -14890,7 +15457,7 @@
                     <a:p>
                       <a:pPr algn="r" fontAlgn="b"/>
                       <a:r>
-                        <a:rPr lang="en-US" sz="800" b="0" i="0" u="none" strike="noStrike">
+                        <a:rPr lang="en-US" sz="1600" b="0" i="0" u="none" strike="noStrike">
                           <a:solidFill>
                             <a:srgbClr val="000000"/>
                           </a:solidFill>
@@ -14956,14 +15523,14 @@
                     <a:lstStyle/>
                     <a:p>
                       <a:r>
-                        <a:rPr lang="en-US" sz="1200" b="0" smtClean="0">
+                        <a:rPr lang="en-US" sz="1600" b="0" smtClean="0">
                           <a:solidFill>
                             <a:schemeClr val="tx1"/>
                           </a:solidFill>
                         </a:rPr>
                         <a:t>STR</a:t>
                       </a:r>
-                      <a:endParaRPr lang="en-US" sz="1200" b="0">
+                      <a:endParaRPr lang="en-US" sz="1600" b="0">
                         <a:solidFill>
                           <a:schemeClr val="tx1"/>
                         </a:solidFill>
@@ -15026,14 +15593,14 @@
                     <a:lstStyle/>
                     <a:p>
                       <a:r>
-                        <a:rPr lang="en-US" sz="1200" b="0" smtClean="0">
+                        <a:rPr lang="en-US" sz="1600" b="0" smtClean="0">
                           <a:solidFill>
                             <a:schemeClr val="tx1"/>
                           </a:solidFill>
                         </a:rPr>
                         <a:t>6</a:t>
                       </a:r>
-                      <a:endParaRPr lang="en-US" sz="1200" b="0">
+                      <a:endParaRPr lang="en-US" sz="1600" b="0">
                         <a:solidFill>
                           <a:schemeClr val="tx1"/>
                         </a:solidFill>
@@ -15091,7 +15658,7 @@
                   </a:tcPr>
                 </a:tc>
               </a:tr>
-              <a:tr h="240029">
+              <a:tr h="266699">
                 <a:tc>
                   <a:txBody>
                     <a:bodyPr/>
@@ -15099,7 +15666,7 @@
                     <a:p>
                       <a:pPr algn="r" fontAlgn="b"/>
                       <a:r>
-                        <a:rPr lang="en-US" sz="800" b="0" i="0" u="none" strike="noStrike">
+                        <a:rPr lang="en-US" sz="1600" b="0" i="0" u="none" strike="noStrike">
                           <a:solidFill>
                             <a:srgbClr val="000000"/>
                           </a:solidFill>
@@ -15165,14 +15732,14 @@
                     <a:lstStyle/>
                     <a:p>
                       <a:r>
-                        <a:rPr lang="en-US" sz="1200" b="0" smtClean="0">
+                        <a:rPr lang="en-US" sz="1600" b="0" smtClean="0">
                           <a:solidFill>
                             <a:schemeClr val="tx1"/>
                           </a:solidFill>
                         </a:rPr>
                         <a:t>→/2</a:t>
                       </a:r>
-                      <a:endParaRPr lang="en-US" sz="1200" b="0">
+                      <a:endParaRPr lang="en-US" sz="1600" b="0">
                         <a:solidFill>
                           <a:schemeClr val="tx1"/>
                         </a:solidFill>
@@ -15292,7 +15859,7 @@
                   </a:tcPr>
                 </a:tc>
               </a:tr>
-              <a:tr h="240029">
+              <a:tr h="266699">
                 <a:tc>
                   <a:txBody>
                     <a:bodyPr/>
@@ -15300,7 +15867,7 @@
                     <a:p>
                       <a:pPr algn="r" fontAlgn="b"/>
                       <a:r>
-                        <a:rPr lang="en-US" sz="800" b="0" i="0" u="none" strike="noStrike">
+                        <a:rPr lang="en-US" sz="1600" b="0" i="0" u="none" strike="noStrike">
                           <a:solidFill>
                             <a:srgbClr val="000000"/>
                           </a:solidFill>
@@ -15366,14 +15933,14 @@
                     <a:lstStyle/>
                     <a:p>
                       <a:r>
-                        <a:rPr lang="en-US" sz="1200" b="0" smtClean="0">
+                        <a:rPr lang="en-US" sz="1600" b="0" smtClean="0">
                           <a:solidFill>
                             <a:schemeClr val="tx1"/>
                           </a:solidFill>
                         </a:rPr>
                         <a:t>QUAN</a:t>
                       </a:r>
-                      <a:endParaRPr lang="en-US" sz="1200" b="0">
+                      <a:endParaRPr lang="en-US" sz="1600" b="0">
                         <a:solidFill>
                           <a:schemeClr val="tx1"/>
                         </a:solidFill>
@@ -15436,14 +16003,14 @@
                     <a:lstStyle/>
                     <a:p>
                       <a:r>
-                        <a:rPr lang="en-US" sz="1200" b="0" smtClean="0">
+                        <a:rPr lang="en-US" sz="1600" b="0" smtClean="0">
                           <a:solidFill>
                             <a:schemeClr val="tx1"/>
                           </a:solidFill>
                         </a:rPr>
                         <a:t>0</a:t>
                       </a:r>
-                      <a:endParaRPr lang="en-US" sz="1200" b="0">
+                      <a:endParaRPr lang="en-US" sz="1600" b="0">
                         <a:solidFill>
                           <a:schemeClr val="tx1"/>
                         </a:solidFill>
@@ -15501,7 +16068,7 @@
                   </a:tcPr>
                 </a:tc>
               </a:tr>
-              <a:tr h="240029">
+              <a:tr h="266699">
                 <a:tc>
                   <a:txBody>
                     <a:bodyPr/>
@@ -15509,7 +16076,7 @@
                     <a:p>
                       <a:pPr algn="r" fontAlgn="b"/>
                       <a:r>
-                        <a:rPr lang="en-US" sz="800" b="0" i="0" u="none" strike="noStrike">
+                        <a:rPr lang="en-US" sz="1600" b="0" i="0" u="none" strike="noStrike">
                           <a:solidFill>
                             <a:srgbClr val="000000"/>
                           </a:solidFill>
@@ -15575,14 +16142,14 @@
                     <a:lstStyle/>
                     <a:p>
                       <a:r>
-                        <a:rPr lang="en-US" sz="1200" b="0" smtClean="0">
+                        <a:rPr lang="en-US" sz="1600" b="0" smtClean="0">
                           <a:solidFill>
                             <a:schemeClr val="tx1"/>
                           </a:solidFill>
                         </a:rPr>
                         <a:t>STR</a:t>
                       </a:r>
-                      <a:endParaRPr lang="en-US" sz="1200" b="0">
+                      <a:endParaRPr lang="en-US" sz="1600" b="0">
                         <a:solidFill>
                           <a:schemeClr val="tx1"/>
                         </a:solidFill>
@@ -15645,14 +16212,14 @@
                     <a:lstStyle/>
                     <a:p>
                       <a:r>
-                        <a:rPr lang="en-US" sz="1200" b="0" smtClean="0">
+                        <a:rPr lang="en-US" sz="1600" b="0" smtClean="0">
                           <a:solidFill>
                             <a:schemeClr val="tx1"/>
                           </a:solidFill>
                         </a:rPr>
                         <a:t>1</a:t>
                       </a:r>
-                      <a:endParaRPr lang="en-US" sz="1200" b="0">
+                      <a:endParaRPr lang="en-US" sz="1600" b="0">
                         <a:solidFill>
                           <a:schemeClr val="tx1"/>
                         </a:solidFill>
@@ -15710,7 +16277,7 @@
                   </a:tcPr>
                 </a:tc>
               </a:tr>
-              <a:tr h="240029">
+              <a:tr h="266699">
                 <a:tc>
                   <a:txBody>
                     <a:bodyPr/>
@@ -15718,7 +16285,7 @@
                     <a:p>
                       <a:pPr algn="r" fontAlgn="b"/>
                       <a:r>
-                        <a:rPr lang="en-US" sz="800" b="1" i="0" u="none" strike="noStrike">
+                        <a:rPr lang="en-US" sz="1600" b="0" i="0" u="none" strike="noStrike">
                           <a:solidFill>
                             <a:srgbClr val="000000"/>
                           </a:solidFill>
@@ -15782,14 +16349,14 @@
                     <a:lstStyle/>
                     <a:p>
                       <a:r>
-                        <a:rPr lang="en-US" sz="1200" b="1" smtClean="0">
+                        <a:rPr lang="en-US" sz="1600" b="0" smtClean="0">
                           <a:solidFill>
                             <a:schemeClr val="tx1"/>
                           </a:solidFill>
                         </a:rPr>
                         <a:t>STR</a:t>
                       </a:r>
-                      <a:endParaRPr lang="en-US" sz="1200" b="1">
+                      <a:endParaRPr lang="en-US" sz="1600" b="0">
                         <a:solidFill>
                           <a:schemeClr val="tx1"/>
                         </a:solidFill>
@@ -15850,14 +16417,14 @@
                     <a:lstStyle/>
                     <a:p>
                       <a:r>
-                        <a:rPr lang="en-US" sz="1200" b="1" smtClean="0">
+                        <a:rPr lang="en-US" sz="1600" b="0" smtClean="0">
                           <a:solidFill>
                             <a:schemeClr val="tx1"/>
                           </a:solidFill>
                         </a:rPr>
                         <a:t>10</a:t>
                       </a:r>
-                      <a:endParaRPr lang="en-US" sz="1200" b="1">
+                      <a:endParaRPr lang="en-US" sz="1600" b="0">
                         <a:solidFill>
                           <a:schemeClr val="tx1"/>
                         </a:solidFill>
@@ -15926,7 +16493,7 @@
           <p:nvPr/>
         </p:nvGraphicFramePr>
         <p:xfrm>
-          <a:off x="4876800" y="1790700"/>
+          <a:off x="5334000" y="1790700"/>
           <a:ext cx="1447800" cy="1097280"/>
         </p:xfrm>
         <a:graphic>
@@ -16330,7 +16897,7 @@
           <p:nvPr/>
         </p:nvGraphicFramePr>
         <p:xfrm>
-          <a:off x="7924800" y="1181100"/>
+          <a:off x="7162800" y="1714500"/>
           <a:ext cx="838200" cy="3657600"/>
         </p:xfrm>
         <a:graphic>
@@ -17615,8 +18182,8 @@
         </p:nvSpPr>
         <p:spPr>
           <a:xfrm>
-            <a:off x="2971800" y="4457700"/>
-            <a:ext cx="5257800" cy="923330"/>
+            <a:off x="2819400" y="5067300"/>
+            <a:ext cx="3505200" cy="369332"/>
           </a:xfrm>
           <a:prstGeom prst="rect">
             <a:avLst/>
@@ -17631,11 +18198,7 @@
           <a:p>
             <a:r>
               <a:rPr lang="en-US" smtClean="0"/>
-              <a:t>∀ </a:t>
-            </a:r>
-            <a:r>
-              <a:rPr lang="en-US" smtClean="0"/>
-              <a:t>x ∃ y (p (x,y) </a:t>
+              <a:t>∀ x ∃ y (p (x,y) </a:t>
             </a:r>
             <a:r>
               <a:rPr lang="en-US" smtClean="0">
@@ -17650,18 +18213,6 @@
               <a:t>)</a:t>
             </a:r>
             <a:endParaRPr lang="en-US" smtClean="0"/>
-          </a:p>
-          <a:p>
-            <a:r>
-              <a:rPr lang="en-US" smtClean="0"/>
-              <a:t>Condition = { 5 , 17 }</a:t>
-            </a:r>
-          </a:p>
-          <a:p>
-            <a:r>
-              <a:rPr lang="en-US" smtClean="0"/>
-              <a:t>Goal = { 25 }</a:t>
-            </a:r>
           </a:p>
         </p:txBody>
       </p:sp>
@@ -17673,7 +18224,7 @@
         </p:nvSpPr>
         <p:spPr>
           <a:xfrm>
-            <a:off x="1143000" y="0"/>
+            <a:off x="1143000" y="266700"/>
             <a:ext cx="838200" cy="369332"/>
           </a:xfrm>
           <a:prstGeom prst="rect">
@@ -17703,8 +18254,8 @@
         </p:nvSpPr>
         <p:spPr>
           <a:xfrm>
-            <a:off x="8001000" y="723900"/>
-            <a:ext cx="533400" cy="369332"/>
+            <a:off x="7239000" y="1333500"/>
+            <a:ext cx="685800" cy="369332"/>
           </a:xfrm>
           <a:prstGeom prst="rect">
             <a:avLst/>
@@ -17719,7 +18270,7 @@
           <a:p>
             <a:r>
               <a:rPr lang="en-US" smtClean="0"/>
-              <a:t>Var</a:t>
+              <a:t>VAR</a:t>
             </a:r>
             <a:endParaRPr lang="en-US"/>
           </a:p>
@@ -17733,7 +18284,7 @@
         </p:nvSpPr>
         <p:spPr>
           <a:xfrm>
-            <a:off x="5486400" y="1257300"/>
+            <a:off x="5715000" y="1409700"/>
             <a:ext cx="914400" cy="369332"/>
           </a:xfrm>
           <a:prstGeom prst="rect">
@@ -17749,7 +18300,7 @@
           <a:p>
             <a:r>
               <a:rPr lang="en-US" smtClean="0"/>
-              <a:t>Quant</a:t>
+              <a:t>QUANT</a:t>
             </a:r>
             <a:endParaRPr lang="en-US"/>
           </a:p>
@@ -17770,7 +18321,7 @@
 </p:sld>
 </file>
 
-<file path=ppt/slides/slide15.xml><?xml version="1.0" encoding="utf-8"?>
+<file path=ppt/slides/slide16.xml><?xml version="1.0" encoding="utf-8"?>
 <p:sld xmlns:a="http://schemas.openxmlformats.org/drawingml/2006/main" xmlns:r="http://schemas.openxmlformats.org/officeDocument/2006/relationships" xmlns:p="http://schemas.openxmlformats.org/presentationml/2006/main">
   <p:cSld>
     <p:spTree>
@@ -18068,7 +18619,12 @@
             <p:ph type="title"/>
           </p:nvPr>
         </p:nvSpPr>
-        <p:spPr/>
+        <p:spPr>
+          <a:xfrm>
+            <a:off x="533400" y="0"/>
+            <a:ext cx="8229600" cy="952500"/>
+          </a:xfrm>
+        </p:spPr>
         <p:txBody>
           <a:bodyPr/>
           <a:lstStyle/>
@@ -18251,7 +18807,11 @@
             <a:p>
               <a:r>
                 <a:rPr lang="en-US" smtClean="0"/>
-                <a:t>Goal_list={G0,…,Gn}</a:t>
+                <a:t>list_goal ={</a:t>
+              </a:r>
+              <a:r>
+                <a:rPr lang="en-US" smtClean="0"/>
+                <a:t>G0,…,Gn}</a:t>
               </a:r>
               <a:endParaRPr lang="en-US"/>
             </a:p>
@@ -18288,160 +18848,17 @@
             <a:p>
               <a:r>
                 <a:rPr lang="en-US" smtClean="0"/>
-                <a:t>Proof_list={P0,…,Pn}</a:t>
+                <a:t>list_proof ={</a:t>
+              </a:r>
+              <a:r>
+                <a:rPr lang="en-US" smtClean="0"/>
+                <a:t>P0,…,Pn}</a:t>
               </a:r>
               <a:endParaRPr lang="en-US"/>
             </a:p>
           </p:txBody>
         </p:sp>
       </p:grpSp>
-    </p:spTree>
-  </p:cSld>
-  <p:clrMapOvr>
-    <a:masterClrMapping/>
-  </p:clrMapOvr>
-  <p:timing>
-    <p:tnLst>
-      <p:par>
-        <p:cTn id="1" dur="indefinite" restart="never" nodeType="tmRoot"/>
-      </p:par>
-    </p:tnLst>
-  </p:timing>
-</p:sld>
-</file>
-
-<file path=ppt/slides/slide16.xml><?xml version="1.0" encoding="utf-8"?>
-<p:sld xmlns:a="http://schemas.openxmlformats.org/drawingml/2006/main" xmlns:r="http://schemas.openxmlformats.org/officeDocument/2006/relationships" xmlns:p="http://schemas.openxmlformats.org/presentationml/2006/main">
-  <p:cSld>
-    <p:spTree>
-      <p:nvGrpSpPr>
-        <p:cNvPr id="1" name=""/>
-        <p:cNvGrpSpPr/>
-        <p:nvPr/>
-      </p:nvGrpSpPr>
-      <p:grpSpPr>
-        <a:xfrm>
-          <a:off x="0" y="0"/>
-          <a:ext cx="0" cy="0"/>
-          <a:chOff x="0" y="0"/>
-          <a:chExt cx="0" cy="0"/>
-        </a:xfrm>
-      </p:grpSpPr>
-      <p:sp>
-        <p:nvSpPr>
-          <p:cNvPr id="2" name="Title 1"/>
-          <p:cNvSpPr>
-            <a:spLocks noGrp="1"/>
-          </p:cNvSpPr>
-          <p:nvPr>
-            <p:ph type="title"/>
-          </p:nvPr>
-        </p:nvSpPr>
-        <p:spPr/>
-        <p:txBody>
-          <a:bodyPr>
-            <a:normAutofit/>
-          </a:bodyPr>
-          <a:lstStyle/>
-          <a:p>
-            <a:r>
-              <a:rPr lang="en-US" smtClean="0">
-                <a:latin typeface="Times New Roman" pitchFamily="18" charset="0"/>
-              </a:rPr>
-              <a:t>TẬP LuẬT </a:t>
-            </a:r>
-            <a:endParaRPr lang="en-US">
-              <a:latin typeface="Times New Roman" pitchFamily="18" charset="0"/>
-            </a:endParaRPr>
-          </a:p>
-        </p:txBody>
-      </p:sp>
-      <p:sp>
-        <p:nvSpPr>
-          <p:cNvPr id="15" name="Content Placeholder 14"/>
-          <p:cNvSpPr>
-            <a:spLocks noGrp="1"/>
-          </p:cNvSpPr>
-          <p:nvPr>
-            <p:ph idx="1"/>
-          </p:nvPr>
-        </p:nvSpPr>
-        <p:spPr>
-          <a:xfrm>
-            <a:off x="457200" y="1333500"/>
-            <a:ext cx="8229600" cy="4114800"/>
-          </a:xfrm>
-        </p:spPr>
-        <p:txBody>
-          <a:bodyPr>
-            <a:normAutofit/>
-          </a:bodyPr>
-          <a:lstStyle/>
-          <a:p>
-            <a:pPr lvl="0"/>
-            <a:r>
-              <a:rPr lang="en-US" u="sng" smtClean="0"/>
-              <a:t>Tập luật suy diễn tự nhiên trong logic vị từ:</a:t>
-            </a:r>
-            <a:endParaRPr lang="en-US" sz="2400" smtClean="0"/>
-          </a:p>
-          <a:p>
-            <a:pPr lvl="1"/>
-            <a:r>
-              <a:rPr lang="en-US" smtClean="0"/>
-              <a:t>Luật </a:t>
-            </a:r>
-            <a:r>
-              <a:rPr lang="en-US" smtClean="0"/>
-              <a:t>Elimination (phân rã công thức thành các công thức con )</a:t>
-            </a:r>
-            <a:endParaRPr lang="en-US" smtClean="0"/>
-          </a:p>
-          <a:p>
-            <a:pPr lvl="2"/>
-            <a:r>
-              <a:rPr lang="en-US" sz="2000" smtClean="0"/>
-              <a:t>A ∧ B		├─  A 	(e ∧ </a:t>
-            </a:r>
-            <a:r>
-              <a:rPr lang="en-US" sz="2000" baseline="-25000" smtClean="0"/>
-              <a:t>1</a:t>
-            </a:r>
-            <a:r>
-              <a:rPr lang="en-US" sz="2000" smtClean="0"/>
-              <a:t>)</a:t>
-            </a:r>
-          </a:p>
-          <a:p>
-            <a:pPr lvl="1"/>
-            <a:r>
-              <a:rPr lang="en-US" smtClean="0"/>
-              <a:t>Luật Introduction (sinh ra công thức mới từ các công thức)</a:t>
-            </a:r>
-            <a:endParaRPr lang="en-US" smtClean="0"/>
-          </a:p>
-          <a:p>
-            <a:pPr lvl="2"/>
-            <a:r>
-              <a:rPr lang="en-US" sz="2000" smtClean="0"/>
-              <a:t>A 	├─ </a:t>
-            </a:r>
-            <a:r>
-              <a:rPr lang="en-US" sz="2000" smtClean="0"/>
-              <a:t> A ∨  B </a:t>
-            </a:r>
-            <a:r>
-              <a:rPr lang="en-US" sz="2000" smtClean="0"/>
-              <a:t>	( </a:t>
-            </a:r>
-            <a:r>
-              <a:rPr lang="en-US" sz="2000" smtClean="0"/>
-              <a:t>i ∨  1)</a:t>
-            </a:r>
-            <a:endParaRPr lang="en-US" sz="2000" smtClean="0"/>
-          </a:p>
-        </p:txBody>
-      </p:sp>
     </p:spTree>
   </p:cSld>
   <p:clrMapOvr>
@@ -18486,14 +18903,22 @@
         </p:nvSpPr>
         <p:spPr/>
         <p:txBody>
-          <a:bodyPr/>
+          <a:bodyPr>
+            <a:normAutofit/>
+          </a:bodyPr>
           <a:lstStyle/>
           <a:p>
             <a:r>
               <a:rPr lang="en-US" smtClean="0">
                 <a:latin typeface="Times New Roman" pitchFamily="18" charset="0"/>
               </a:rPr>
-              <a:t>ELIMINATION</a:t>
+              <a:t>TẬP </a:t>
+            </a:r>
+            <a:r>
+              <a:rPr lang="en-US" smtClean="0">
+                <a:latin typeface="Times New Roman" pitchFamily="18" charset="0"/>
+              </a:rPr>
+              <a:t>LUẬT </a:t>
             </a:r>
             <a:endParaRPr lang="en-US">
               <a:latin typeface="Times New Roman" pitchFamily="18" charset="0"/>
@@ -18503,7 +18928,7 @@
       </p:sp>
       <p:sp>
         <p:nvSpPr>
-          <p:cNvPr id="23" name="Content Placeholder 22"/>
+          <p:cNvPr id="15" name="Content Placeholder 14"/>
           <p:cNvSpPr>
             <a:spLocks noGrp="1"/>
           </p:cNvSpPr>
@@ -18511,46 +18936,105 @@
             <p:ph idx="1"/>
           </p:nvPr>
         </p:nvSpPr>
-        <p:spPr/>
+        <p:spPr>
+          <a:xfrm>
+            <a:off x="457200" y="1333500"/>
+            <a:ext cx="8229600" cy="4114800"/>
+          </a:xfrm>
+        </p:spPr>
         <p:txBody>
           <a:bodyPr>
             <a:normAutofit/>
           </a:bodyPr>
           <a:lstStyle/>
           <a:p>
-            <a:pPr marL="342900" lvl="4" indent="-342900">
-              <a:buFont typeface="Arial" pitchFamily="34" charset="0"/>
-              <a:buChar char="•"/>
-            </a:pPr>
-            <a:r>
-              <a:rPr lang="en-US" sz="3200" smtClean="0"/>
-              <a:t>Tìm 1 công thức hoặc 1 cặp công thức trong list_proof mà có thể áp dụng luật eliminate </a:t>
-            </a:r>
-          </a:p>
-          <a:p>
-            <a:pPr marL="342900" lvl="4" indent="-342900">
-              <a:buFont typeface="Arial" pitchFamily="34" charset="0"/>
-              <a:buChar char="•"/>
-            </a:pPr>
-            <a:r>
-              <a:rPr lang="en-US" sz="3200" smtClean="0"/>
-              <a:t>Cập nhật list_proof </a:t>
-            </a:r>
-          </a:p>
-          <a:p>
-            <a:pPr marL="800100" lvl="5" indent="-342900"/>
-            <a:r>
-              <a:rPr lang="en-US" sz="3200" smtClean="0"/>
-              <a:t>Vd: list_proof = { A ∧ B, A→C, D}</a:t>
-            </a:r>
-          </a:p>
-          <a:p>
-            <a:pPr marL="800100" lvl="5" indent="-342900"/>
-            <a:r>
-              <a:rPr lang="en-US" sz="3200" smtClean="0"/>
-              <a:t>→ {A ∧ B, A→ C, D , A, B, C}</a:t>
-            </a:r>
-            <a:endParaRPr lang="en-US" sz="3200" smtClean="0"/>
+            <a:pPr lvl="0"/>
+            <a:r>
+              <a:rPr lang="en-US" u="sng" smtClean="0">
+                <a:latin typeface="Times New Roman" pitchFamily="18" charset="0"/>
+                <a:cs typeface="Times New Roman" pitchFamily="18" charset="0"/>
+              </a:rPr>
+              <a:t>Tập luật suy diễn tự nhiên trong logic vị từ:</a:t>
+            </a:r>
+            <a:endParaRPr lang="en-US" sz="2400" smtClean="0">
+              <a:latin typeface="Times New Roman" pitchFamily="18" charset="0"/>
+              <a:cs typeface="Times New Roman" pitchFamily="18" charset="0"/>
+            </a:endParaRPr>
+          </a:p>
+          <a:p>
+            <a:pPr lvl="1"/>
+            <a:r>
+              <a:rPr lang="en-US" smtClean="0">
+                <a:latin typeface="Times New Roman" pitchFamily="18" charset="0"/>
+                <a:cs typeface="Times New Roman" pitchFamily="18" charset="0"/>
+              </a:rPr>
+              <a:t>Luật Elimination (phân rã công thức thành các công thức con )</a:t>
+            </a:r>
+          </a:p>
+          <a:p>
+            <a:pPr lvl="2"/>
+            <a:r>
+              <a:rPr lang="en-US" sz="2000" smtClean="0">
+                <a:latin typeface="Times New Roman" pitchFamily="18" charset="0"/>
+                <a:cs typeface="Times New Roman" pitchFamily="18" charset="0"/>
+              </a:rPr>
+              <a:t>A ∧ B		├─  A 	(e ∧ </a:t>
+            </a:r>
+            <a:r>
+              <a:rPr lang="en-US" sz="2000" baseline="-25000" smtClean="0">
+                <a:latin typeface="Times New Roman" pitchFamily="18" charset="0"/>
+                <a:cs typeface="Times New Roman" pitchFamily="18" charset="0"/>
+              </a:rPr>
+              <a:t>1</a:t>
+            </a:r>
+            <a:r>
+              <a:rPr lang="en-US" sz="2000" smtClean="0">
+                <a:latin typeface="Times New Roman" pitchFamily="18" charset="0"/>
+                <a:cs typeface="Times New Roman" pitchFamily="18" charset="0"/>
+              </a:rPr>
+              <a:t>)</a:t>
+            </a:r>
+          </a:p>
+          <a:p>
+            <a:pPr lvl="1"/>
+            <a:r>
+              <a:rPr lang="en-US" smtClean="0">
+                <a:latin typeface="Times New Roman" pitchFamily="18" charset="0"/>
+                <a:cs typeface="Times New Roman" pitchFamily="18" charset="0"/>
+              </a:rPr>
+              <a:t>Luật Introduction (sinh ra công thức mới từ các công thức)</a:t>
+            </a:r>
+          </a:p>
+          <a:p>
+            <a:pPr lvl="2"/>
+            <a:r>
+              <a:rPr lang="en-US" sz="2000" smtClean="0">
+                <a:latin typeface="Times New Roman" pitchFamily="18" charset="0"/>
+                <a:cs typeface="Times New Roman" pitchFamily="18" charset="0"/>
+              </a:rPr>
+              <a:t>A 	├─  A ∨  B 	( i ∨</a:t>
+            </a:r>
+            <a:r>
+              <a:rPr lang="en-US" sz="2000" baseline="-25000" smtClean="0">
+                <a:latin typeface="Times New Roman" pitchFamily="18" charset="0"/>
+                <a:cs typeface="Times New Roman" pitchFamily="18" charset="0"/>
+              </a:rPr>
+              <a:t> </a:t>
+            </a:r>
+            <a:r>
+              <a:rPr lang="en-US" sz="2000" baseline="-25000" smtClean="0">
+                <a:latin typeface="Times New Roman" pitchFamily="18" charset="0"/>
+                <a:cs typeface="Times New Roman" pitchFamily="18" charset="0"/>
+              </a:rPr>
+              <a:t>1</a:t>
+            </a:r>
+            <a:r>
+              <a:rPr lang="en-US" sz="2000" smtClean="0">
+                <a:latin typeface="Times New Roman" pitchFamily="18" charset="0"/>
+                <a:cs typeface="Times New Roman" pitchFamily="18" charset="0"/>
+              </a:rPr>
+              <a:t>)</a:t>
+            </a:r>
           </a:p>
         </p:txBody>
       </p:sp>
@@ -18605,7 +19089,7 @@
               <a:rPr lang="en-US" smtClean="0">
                 <a:latin typeface="Times New Roman" pitchFamily="18" charset="0"/>
               </a:rPr>
-              <a:t>INTRODUCTION</a:t>
+              <a:t>ELIMINATION</a:t>
             </a:r>
             <a:endParaRPr lang="en-US">
               <a:latin typeface="Times New Roman" pitchFamily="18" charset="0"/>
@@ -18623,258 +19107,100 @@
             <p:ph idx="1"/>
           </p:nvPr>
         </p:nvSpPr>
-        <p:spPr>
-          <a:xfrm>
-            <a:off x="152400" y="1181100"/>
-            <a:ext cx="9144000" cy="4267200"/>
-          </a:xfrm>
-        </p:spPr>
+        <p:spPr/>
         <p:txBody>
           <a:bodyPr>
-            <a:normAutofit fontScale="77500" lnSpcReduction="20000"/>
+            <a:normAutofit/>
           </a:bodyPr>
           <a:lstStyle/>
           <a:p>
-            <a:r>
-              <a:rPr lang="en-US" smtClean="0"/>
-              <a:t>Nếu goal không phải là ⊥ thì cập nhật list_proof và goal_proof theo qui tắc sau:</a:t>
-            </a:r>
-            <a:endParaRPr lang="en-US" smtClean="0"/>
-          </a:p>
-          <a:p>
-            <a:pPr marL="744538" lvl="1" indent="-461963">
-              <a:buFont typeface="+mj-lt"/>
-              <a:buAutoNum type="arabicPeriod"/>
+            <a:pPr marL="342900" lvl="4" indent="-342900">
+              <a:buFont typeface="Arial" pitchFamily="34" charset="0"/>
+              <a:buChar char="•"/>
             </a:pPr>
             <a:r>
-              <a:rPr lang="en-US" smtClean="0"/>
-              <a:t>∑  ⊢ Ω ,F      	=	∑ , ¬F             ⊢Ω ,F, ⊥</a:t>
-            </a:r>
-            <a:endParaRPr lang="en-US" sz="2000" smtClean="0"/>
-          </a:p>
-          <a:p>
-            <a:pPr marL="744538" lvl="1" indent="-461963">
-              <a:buFont typeface="+mj-lt"/>
-              <a:buAutoNum type="arabicPeriod"/>
+              <a:rPr lang="en-US" sz="3200" smtClean="0">
+                <a:latin typeface="Times New Roman" pitchFamily="18" charset="0"/>
+                <a:cs typeface="Times New Roman" pitchFamily="18" charset="0"/>
+              </a:rPr>
+              <a:t>Tìm 1 công thức hoặc 1 cặp công thức trong list_proof mà có thể áp dụng luật </a:t>
+            </a:r>
+            <a:r>
+              <a:rPr lang="en-US" sz="3200" smtClean="0">
+                <a:latin typeface="Times New Roman" pitchFamily="18" charset="0"/>
+                <a:cs typeface="Times New Roman" pitchFamily="18" charset="0"/>
+              </a:rPr>
+              <a:t>elimination </a:t>
+            </a:r>
+            <a:endParaRPr lang="en-US" sz="3200" smtClean="0">
+              <a:latin typeface="Times New Roman" pitchFamily="18" charset="0"/>
+              <a:cs typeface="Times New Roman" pitchFamily="18" charset="0"/>
+            </a:endParaRPr>
+          </a:p>
+          <a:p>
+            <a:pPr marL="342900" lvl="4" indent="-342900">
+              <a:buFont typeface="Arial" pitchFamily="34" charset="0"/>
+              <a:buChar char="•"/>
             </a:pPr>
             <a:r>
-              <a:rPr lang="en-US" smtClean="0"/>
-              <a:t>∑  ⊢ Ω ,</a:t>
-            </a:r>
-            <a:r>
-              <a:rPr lang="en-US" sz="2000" smtClean="0"/>
-              <a:t> </a:t>
-            </a:r>
-            <a:r>
-              <a:rPr lang="en-US" smtClean="0"/>
-              <a:t>¬F  	= 	∑ , F	        ⊢ Ω , ¬F, ⊥ </a:t>
-            </a:r>
-            <a:endParaRPr lang="en-US" sz="2000" smtClean="0"/>
-          </a:p>
-          <a:p>
-            <a:pPr marL="744538" lvl="1" indent="-461963">
-              <a:buFont typeface="+mj-lt"/>
-              <a:buAutoNum type="arabicPeriod"/>
+              <a:rPr lang="en-US" sz="3200" smtClean="0">
+                <a:latin typeface="Times New Roman" pitchFamily="18" charset="0"/>
+                <a:cs typeface="Times New Roman" pitchFamily="18" charset="0"/>
+              </a:rPr>
+              <a:t>Cập nhật list_proof </a:t>
+            </a:r>
+          </a:p>
+          <a:p>
+            <a:pPr marL="800100" lvl="5" indent="-342900">
+              <a:buFont typeface="Wingdings" pitchFamily="2" charset="2"/>
+              <a:buChar char="q"/>
             </a:pPr>
             <a:r>
-              <a:rPr lang="en-US" smtClean="0"/>
-              <a:t>∑  ⊢ Ω ,</a:t>
-            </a:r>
-            <a:r>
-              <a:rPr lang="en-US" sz="2000" smtClean="0"/>
-              <a:t> </a:t>
-            </a:r>
-            <a:r>
-              <a:rPr lang="en-US" smtClean="0"/>
-              <a:t>A ∧ B	=	∑ 	        ⊢ Ω ,</a:t>
-            </a:r>
-            <a:r>
-              <a:rPr lang="en-US" sz="2000" smtClean="0"/>
-              <a:t> </a:t>
-            </a:r>
-            <a:r>
-              <a:rPr lang="en-US" smtClean="0"/>
-              <a:t>A ∧ B, A, B</a:t>
-            </a:r>
-            <a:endParaRPr lang="en-US" sz="2000" smtClean="0"/>
-          </a:p>
-          <a:p>
-            <a:pPr marL="744538" lvl="1" indent="-461963">
-              <a:buFont typeface="+mj-lt"/>
-              <a:buAutoNum type="arabicPeriod"/>
+              <a:rPr lang="en-US" sz="3200" smtClean="0">
+                <a:latin typeface="Times New Roman" pitchFamily="18" charset="0"/>
+                <a:cs typeface="Times New Roman" pitchFamily="18" charset="0"/>
+              </a:rPr>
+              <a:t>Ví dụ: </a:t>
+            </a:r>
+            <a:br>
+              <a:rPr lang="en-US" sz="3200" smtClean="0">
+                <a:latin typeface="Times New Roman" pitchFamily="18" charset="0"/>
+                <a:cs typeface="Times New Roman" pitchFamily="18" charset="0"/>
+              </a:rPr>
+            </a:br>
+            <a:r>
+              <a:rPr lang="en-US" sz="3200" smtClean="0">
+                <a:latin typeface="Times New Roman" pitchFamily="18" charset="0"/>
+                <a:cs typeface="Times New Roman" pitchFamily="18" charset="0"/>
+              </a:rPr>
+              <a:t>	list_proof </a:t>
+            </a:r>
+            <a:r>
+              <a:rPr lang="en-US" sz="3200" smtClean="0">
+                <a:latin typeface="Times New Roman" pitchFamily="18" charset="0"/>
+                <a:cs typeface="Times New Roman" pitchFamily="18" charset="0"/>
+              </a:rPr>
+              <a:t>= { A ∧ B, A→C, D}</a:t>
+            </a:r>
+          </a:p>
+          <a:p>
+            <a:pPr marL="800100" lvl="5" indent="-342900">
+              <a:buNone/>
             </a:pPr>
             <a:r>
-              <a:rPr lang="en-US" smtClean="0"/>
-              <a:t>∑  ⊢ Ω ,</a:t>
-            </a:r>
-            <a:r>
-              <a:rPr lang="en-US" sz="2000" smtClean="0"/>
-              <a:t> </a:t>
-            </a:r>
-            <a:r>
-              <a:rPr lang="en-US" smtClean="0"/>
-              <a:t>A ∨ B	=	∑ 	        ⊢ Ω ,</a:t>
-            </a:r>
-            <a:r>
-              <a:rPr lang="en-US" sz="2000" smtClean="0"/>
-              <a:t> </a:t>
-            </a:r>
-            <a:r>
-              <a:rPr lang="en-US" smtClean="0"/>
-              <a:t>A ∨ B, A (failed 5)</a:t>
-            </a:r>
-            <a:endParaRPr lang="en-US" sz="2000" smtClean="0"/>
-          </a:p>
-          <a:p>
-            <a:pPr marL="744538" lvl="1" indent="-461963">
-              <a:buFont typeface="+mj-lt"/>
-              <a:buAutoNum type="arabicPeriod"/>
-            </a:pPr>
-            <a:r>
-              <a:rPr lang="en-US" smtClean="0"/>
-              <a:t>∑  ⊢ Ω ,</a:t>
-            </a:r>
-            <a:r>
-              <a:rPr lang="en-US" sz="2000" smtClean="0"/>
-              <a:t> </a:t>
-            </a:r>
-            <a:r>
-              <a:rPr lang="en-US" smtClean="0"/>
-              <a:t>A ∨ B	=	∑ 	        ⊢ Ω ,</a:t>
-            </a:r>
-            <a:r>
-              <a:rPr lang="en-US" sz="2000" smtClean="0"/>
-              <a:t> </a:t>
-            </a:r>
-            <a:r>
-              <a:rPr lang="en-US" smtClean="0"/>
-              <a:t>A ∨ B, B (failed 6)</a:t>
-            </a:r>
-            <a:endParaRPr lang="en-US" sz="2000" smtClean="0"/>
-          </a:p>
-          <a:p>
-            <a:pPr marL="744538" lvl="1" indent="-461963">
-              <a:buFont typeface="+mj-lt"/>
-              <a:buAutoNum type="arabicPeriod"/>
-            </a:pPr>
-            <a:r>
-              <a:rPr lang="en-US" smtClean="0"/>
-              <a:t>∑  ⊢ Ω ,</a:t>
-            </a:r>
-            <a:r>
-              <a:rPr lang="en-US" sz="2000" smtClean="0"/>
-              <a:t> </a:t>
-            </a:r>
-            <a:r>
-              <a:rPr lang="en-US" smtClean="0"/>
-              <a:t>A ∨ B	=	∑ , ¬ (A ∨ B)  ⊢ Ω ,</a:t>
-            </a:r>
-            <a:r>
-              <a:rPr lang="en-US" sz="2000" smtClean="0"/>
-              <a:t> </a:t>
-            </a:r>
-            <a:r>
-              <a:rPr lang="en-US" smtClean="0"/>
-              <a:t>A ∨ B, ⊥ </a:t>
-            </a:r>
-            <a:endParaRPr lang="en-US" sz="2000" smtClean="0"/>
-          </a:p>
-          <a:p>
-            <a:pPr marL="744538" lvl="1" indent="-461963">
-              <a:buFont typeface="+mj-lt"/>
-              <a:buAutoNum type="arabicPeriod"/>
-            </a:pPr>
-            <a:r>
-              <a:rPr lang="en-US" smtClean="0"/>
-              <a:t>∑  ⊢ Ω ,</a:t>
-            </a:r>
-            <a:r>
-              <a:rPr lang="en-US" sz="2000" smtClean="0"/>
-              <a:t> </a:t>
-            </a:r>
-            <a:r>
-              <a:rPr lang="en-US" smtClean="0"/>
-              <a:t>A →B	=	∑ ,A  	        ⊢ Ω ,</a:t>
-            </a:r>
-            <a:r>
-              <a:rPr lang="en-US" sz="2000" smtClean="0"/>
-              <a:t> </a:t>
-            </a:r>
-            <a:r>
-              <a:rPr lang="en-US" smtClean="0"/>
-              <a:t>A→B, B</a:t>
-            </a:r>
-            <a:endParaRPr lang="en-US" sz="2000" smtClean="0"/>
-          </a:p>
-          <a:p>
-            <a:pPr marL="744538" lvl="1" indent="-461963">
-              <a:buFont typeface="+mj-lt"/>
-              <a:buAutoNum type="arabicPeriod"/>
-            </a:pPr>
-            <a:r>
-              <a:rPr lang="en-US" smtClean="0"/>
-              <a:t>∑  ⊢ Ω ,</a:t>
-            </a:r>
-            <a:r>
-              <a:rPr lang="en-US" sz="2000" smtClean="0"/>
-              <a:t> ∀</a:t>
-            </a:r>
-            <a:r>
-              <a:rPr lang="en-US" smtClean="0"/>
-              <a:t>x A(x)	=	∑  	        ⊢ Ω ,</a:t>
-            </a:r>
-            <a:r>
-              <a:rPr lang="en-US" sz="2000" smtClean="0"/>
-              <a:t> ∀ </a:t>
-            </a:r>
-            <a:r>
-              <a:rPr lang="en-US" smtClean="0"/>
-              <a:t>x A(x) , A( xo/x) (any x</a:t>
-            </a:r>
-            <a:r>
-              <a:rPr lang="en-US" baseline="-25000" smtClean="0"/>
-              <a:t>o</a:t>
-            </a:r>
-            <a:r>
-              <a:rPr lang="en-US" smtClean="0"/>
-              <a:t>)</a:t>
-            </a:r>
-            <a:endParaRPr lang="en-US" sz="2000" smtClean="0"/>
-          </a:p>
-          <a:p>
-            <a:pPr marL="744538" lvl="1" indent="-461963">
-              <a:buFont typeface="+mj-lt"/>
-              <a:buAutoNum type="arabicPeriod"/>
-            </a:pPr>
-            <a:r>
-              <a:rPr lang="en-US" smtClean="0"/>
-              <a:t>∑  ⊢ Ω ,</a:t>
-            </a:r>
-            <a:r>
-              <a:rPr lang="en-US" sz="2000" smtClean="0"/>
-              <a:t> ∃</a:t>
-            </a:r>
-            <a:r>
-              <a:rPr lang="en-US" smtClean="0"/>
-              <a:t>x A(x)	=	∑  	        ⊢ Ω ,</a:t>
-            </a:r>
-            <a:r>
-              <a:rPr lang="en-US" sz="2000" smtClean="0"/>
-              <a:t> ∃</a:t>
-            </a:r>
-            <a:r>
-              <a:rPr lang="en-US" smtClean="0"/>
-              <a:t>x A(x) , A( xo/x) (relative x</a:t>
-            </a:r>
-            <a:r>
-              <a:rPr lang="en-US" baseline="-25000" smtClean="0"/>
-              <a:t>o</a:t>
-            </a:r>
-            <a:r>
-              <a:rPr lang="en-US" smtClean="0"/>
-              <a:t>)</a:t>
-            </a:r>
-            <a:endParaRPr lang="en-US" sz="2000"/>
+              <a:rPr lang="en-US" sz="4800" smtClean="0">
+                <a:latin typeface="Times New Roman" pitchFamily="18" charset="0"/>
+                <a:cs typeface="Times New Roman" pitchFamily="18" charset="0"/>
+              </a:rPr>
+              <a:t>→</a:t>
+            </a:r>
+            <a:r>
+              <a:rPr lang="en-US" sz="3200" smtClean="0">
+                <a:latin typeface="Times New Roman" pitchFamily="18" charset="0"/>
+                <a:cs typeface="Times New Roman" pitchFamily="18" charset="0"/>
+              </a:rPr>
+              <a:t> {A ∧ B, A→ C, D , A, B, C}</a:t>
+            </a:r>
           </a:p>
         </p:txBody>
       </p:sp>
@@ -18949,71 +19275,523 @@
         </p:nvSpPr>
         <p:spPr>
           <a:xfrm>
-            <a:off x="152400" y="1181100"/>
-            <a:ext cx="9144000" cy="4267200"/>
+            <a:off x="457200" y="1181100"/>
+            <a:ext cx="9372600" cy="4533900"/>
           </a:xfrm>
         </p:spPr>
         <p:txBody>
           <a:bodyPr>
-            <a:normAutofit/>
+            <a:normAutofit fontScale="77500" lnSpcReduction="20000"/>
           </a:bodyPr>
           <a:lstStyle/>
           <a:p>
-            <a:pPr>
-              <a:buNone/>
+            <a:r>
+              <a:rPr lang="en-US" smtClean="0">
+                <a:latin typeface="Times New Roman" pitchFamily="18" charset="0"/>
+                <a:cs typeface="Times New Roman" pitchFamily="18" charset="0"/>
+              </a:rPr>
+              <a:t>Nếu goal không phải là ⊥ thì cập nhật list_proof và </a:t>
+            </a:r>
+            <a:r>
+              <a:rPr lang="en-US" smtClean="0">
+                <a:latin typeface="Times New Roman" pitchFamily="18" charset="0"/>
+                <a:cs typeface="Times New Roman" pitchFamily="18" charset="0"/>
+              </a:rPr>
+              <a:t>list_goal</a:t>
+            </a:r>
+            <a:br>
+              <a:rPr lang="en-US" smtClean="0">
+                <a:latin typeface="Times New Roman" pitchFamily="18" charset="0"/>
+                <a:cs typeface="Times New Roman" pitchFamily="18" charset="0"/>
+              </a:rPr>
+            </a:br>
+            <a:r>
+              <a:rPr lang="en-US" smtClean="0">
+                <a:latin typeface="Times New Roman" pitchFamily="18" charset="0"/>
+                <a:cs typeface="Times New Roman" pitchFamily="18" charset="0"/>
+              </a:rPr>
+              <a:t> theo </a:t>
+            </a:r>
+            <a:r>
+              <a:rPr lang="en-US" smtClean="0">
+                <a:latin typeface="Times New Roman" pitchFamily="18" charset="0"/>
+                <a:cs typeface="Times New Roman" pitchFamily="18" charset="0"/>
+              </a:rPr>
+              <a:t>qui tắc sau:</a:t>
+            </a:r>
+          </a:p>
+          <a:p>
+            <a:pPr marL="744538" lvl="1" indent="-461963">
+              <a:buFont typeface="+mj-lt"/>
+              <a:buAutoNum type="arabicPeriod"/>
             </a:pPr>
             <a:r>
-              <a:rPr lang="en-US" sz="2000" smtClean="0"/>
-              <a:t>VD:</a:t>
-            </a:r>
-          </a:p>
-          <a:p>
-            <a:pPr>
-              <a:buNone/>
+              <a:rPr lang="en-US" smtClean="0">
+                <a:latin typeface="Times New Roman" pitchFamily="18" charset="0"/>
+                <a:cs typeface="Times New Roman" pitchFamily="18" charset="0"/>
+              </a:rPr>
+              <a:t>∑  ⊢ Ω ,F      	</a:t>
+            </a:r>
+            <a:r>
+              <a:rPr lang="en-US" smtClean="0">
+                <a:latin typeface="Times New Roman" pitchFamily="18" charset="0"/>
+                <a:cs typeface="Times New Roman" pitchFamily="18" charset="0"/>
+              </a:rPr>
+              <a:t>=	∑ </a:t>
+            </a:r>
+            <a:r>
+              <a:rPr lang="en-US" smtClean="0">
+                <a:latin typeface="Times New Roman" pitchFamily="18" charset="0"/>
+                <a:cs typeface="Times New Roman" pitchFamily="18" charset="0"/>
+              </a:rPr>
+              <a:t>, ¬F             ⊢Ω ,F, ⊥</a:t>
+            </a:r>
+            <a:endParaRPr lang="en-US" sz="2000" smtClean="0">
+              <a:latin typeface="Times New Roman" pitchFamily="18" charset="0"/>
+              <a:cs typeface="Times New Roman" pitchFamily="18" charset="0"/>
+            </a:endParaRPr>
+          </a:p>
+          <a:p>
+            <a:pPr marL="744538" lvl="1" indent="-461963">
+              <a:buFont typeface="+mj-lt"/>
+              <a:buAutoNum type="arabicPeriod"/>
             </a:pPr>
             <a:r>
-              <a:rPr lang="en-US" sz="2000" smtClean="0"/>
-              <a:t>	</a:t>
-            </a:r>
-            <a:r>
-              <a:rPr lang="en-US" sz="2000" smtClean="0"/>
-              <a:t>list_proof = { A , B}</a:t>
-            </a:r>
-          </a:p>
-          <a:p>
-            <a:pPr>
-              <a:buNone/>
+              <a:rPr lang="en-US" smtClean="0">
+                <a:latin typeface="Times New Roman" pitchFamily="18" charset="0"/>
+                <a:cs typeface="Times New Roman" pitchFamily="18" charset="0"/>
+              </a:rPr>
+              <a:t>∑  ⊢ Ω ,</a:t>
+            </a:r>
+            <a:r>
+              <a:rPr lang="en-US" sz="2000" smtClean="0">
+                <a:latin typeface="Times New Roman" pitchFamily="18" charset="0"/>
+                <a:cs typeface="Times New Roman" pitchFamily="18" charset="0"/>
+              </a:rPr>
+              <a:t> </a:t>
+            </a:r>
+            <a:r>
+              <a:rPr lang="en-US" smtClean="0">
+                <a:latin typeface="Times New Roman" pitchFamily="18" charset="0"/>
+                <a:cs typeface="Times New Roman" pitchFamily="18" charset="0"/>
+              </a:rPr>
+              <a:t>¬F  	= 	∑ , F	        ⊢ Ω , ¬F, ⊥ </a:t>
+            </a:r>
+            <a:endParaRPr lang="en-US" sz="2000" smtClean="0">
+              <a:latin typeface="Times New Roman" pitchFamily="18" charset="0"/>
+              <a:cs typeface="Times New Roman" pitchFamily="18" charset="0"/>
+            </a:endParaRPr>
+          </a:p>
+          <a:p>
+            <a:pPr marL="744538" lvl="1" indent="-461963">
+              <a:buFont typeface="+mj-lt"/>
+              <a:buAutoNum type="arabicPeriod"/>
             </a:pPr>
             <a:r>
-              <a:rPr lang="en-US" sz="2000" smtClean="0"/>
-              <a:t>	</a:t>
-            </a:r>
-            <a:r>
-              <a:rPr lang="en-US" sz="2000" smtClean="0"/>
-              <a:t>list_goal = { F→ A}</a:t>
-            </a:r>
-          </a:p>
-          <a:p>
-            <a:pPr>
-              <a:buNone/>
+              <a:rPr lang="en-US" smtClean="0">
+                <a:latin typeface="Times New Roman" pitchFamily="18" charset="0"/>
+                <a:cs typeface="Times New Roman" pitchFamily="18" charset="0"/>
+              </a:rPr>
+              <a:t>∑  ⊢ Ω ,</a:t>
+            </a:r>
+            <a:r>
+              <a:rPr lang="en-US" sz="2000" smtClean="0">
+                <a:latin typeface="Times New Roman" pitchFamily="18" charset="0"/>
+                <a:cs typeface="Times New Roman" pitchFamily="18" charset="0"/>
+              </a:rPr>
+              <a:t> </a:t>
+            </a:r>
+            <a:r>
+              <a:rPr lang="en-US" smtClean="0">
+                <a:latin typeface="Times New Roman" pitchFamily="18" charset="0"/>
+                <a:cs typeface="Times New Roman" pitchFamily="18" charset="0"/>
+              </a:rPr>
+              <a:t>A ∧ B	=	∑ 	        ⊢ Ω ,</a:t>
+            </a:r>
+            <a:r>
+              <a:rPr lang="en-US" sz="2000" smtClean="0">
+                <a:latin typeface="Times New Roman" pitchFamily="18" charset="0"/>
+                <a:cs typeface="Times New Roman" pitchFamily="18" charset="0"/>
+              </a:rPr>
+              <a:t> </a:t>
+            </a:r>
+            <a:r>
+              <a:rPr lang="en-US" smtClean="0">
+                <a:latin typeface="Times New Roman" pitchFamily="18" charset="0"/>
+                <a:cs typeface="Times New Roman" pitchFamily="18" charset="0"/>
+              </a:rPr>
+              <a:t>A ∧ B, A, B</a:t>
+            </a:r>
+            <a:endParaRPr lang="en-US" sz="2000" smtClean="0">
+              <a:latin typeface="Times New Roman" pitchFamily="18" charset="0"/>
+              <a:cs typeface="Times New Roman" pitchFamily="18" charset="0"/>
+            </a:endParaRPr>
+          </a:p>
+          <a:p>
+            <a:pPr marL="744538" lvl="1" indent="-461963">
+              <a:buFont typeface="+mj-lt"/>
+              <a:buAutoNum type="arabicPeriod"/>
             </a:pPr>
             <a:r>
-              <a:rPr lang="en-US" sz="2000" smtClean="0"/>
-              <a:t>→ list proof ={ A, B, F}</a:t>
-            </a:r>
-          </a:p>
-          <a:p>
-            <a:pPr>
-              <a:buNone/>
+              <a:rPr lang="en-US" smtClean="0">
+                <a:latin typeface="Times New Roman" pitchFamily="18" charset="0"/>
+                <a:cs typeface="Times New Roman" pitchFamily="18" charset="0"/>
+              </a:rPr>
+              <a:t>∑  ⊢ Ω ,</a:t>
+            </a:r>
+            <a:r>
+              <a:rPr lang="en-US" sz="2000" smtClean="0">
+                <a:latin typeface="Times New Roman" pitchFamily="18" charset="0"/>
+                <a:cs typeface="Times New Roman" pitchFamily="18" charset="0"/>
+              </a:rPr>
+              <a:t> </a:t>
+            </a:r>
+            <a:r>
+              <a:rPr lang="en-US" smtClean="0">
+                <a:latin typeface="Times New Roman" pitchFamily="18" charset="0"/>
+                <a:cs typeface="Times New Roman" pitchFamily="18" charset="0"/>
+              </a:rPr>
+              <a:t>A ∨ B	=	∑ 	        ⊢ Ω ,</a:t>
+            </a:r>
+            <a:r>
+              <a:rPr lang="en-US" sz="2000" smtClean="0">
+                <a:latin typeface="Times New Roman" pitchFamily="18" charset="0"/>
+                <a:cs typeface="Times New Roman" pitchFamily="18" charset="0"/>
+              </a:rPr>
+              <a:t> </a:t>
+            </a:r>
+            <a:r>
+              <a:rPr lang="en-US" smtClean="0">
+                <a:latin typeface="Times New Roman" pitchFamily="18" charset="0"/>
+                <a:cs typeface="Times New Roman" pitchFamily="18" charset="0"/>
+              </a:rPr>
+              <a:t>A ∨ B, A (failed 5)</a:t>
+            </a:r>
+            <a:endParaRPr lang="en-US" sz="2000" smtClean="0">
+              <a:latin typeface="Times New Roman" pitchFamily="18" charset="0"/>
+              <a:cs typeface="Times New Roman" pitchFamily="18" charset="0"/>
+            </a:endParaRPr>
+          </a:p>
+          <a:p>
+            <a:pPr marL="744538" lvl="1" indent="-461963">
+              <a:buFont typeface="+mj-lt"/>
+              <a:buAutoNum type="arabicPeriod"/>
             </a:pPr>
             <a:r>
-              <a:rPr lang="en-US" sz="2000" smtClean="0"/>
-              <a:t>	</a:t>
-            </a:r>
-            <a:r>
-              <a:rPr lang="en-US" sz="2000" smtClean="0"/>
-              <a:t>list_goal ={ F→A,A}</a:t>
-            </a:r>
+              <a:rPr lang="en-US" smtClean="0">
+                <a:latin typeface="Times New Roman" pitchFamily="18" charset="0"/>
+                <a:cs typeface="Times New Roman" pitchFamily="18" charset="0"/>
+              </a:rPr>
+              <a:t>∑  ⊢ Ω ,</a:t>
+            </a:r>
+            <a:r>
+              <a:rPr lang="en-US" sz="2000" smtClean="0">
+                <a:latin typeface="Times New Roman" pitchFamily="18" charset="0"/>
+                <a:cs typeface="Times New Roman" pitchFamily="18" charset="0"/>
+              </a:rPr>
+              <a:t> </a:t>
+            </a:r>
+            <a:r>
+              <a:rPr lang="en-US" smtClean="0">
+                <a:latin typeface="Times New Roman" pitchFamily="18" charset="0"/>
+                <a:cs typeface="Times New Roman" pitchFamily="18" charset="0"/>
+              </a:rPr>
+              <a:t>A ∨ B	=	∑ 	        ⊢ Ω ,</a:t>
+            </a:r>
+            <a:r>
+              <a:rPr lang="en-US" sz="2000" smtClean="0">
+                <a:latin typeface="Times New Roman" pitchFamily="18" charset="0"/>
+                <a:cs typeface="Times New Roman" pitchFamily="18" charset="0"/>
+              </a:rPr>
+              <a:t> </a:t>
+            </a:r>
+            <a:r>
+              <a:rPr lang="en-US" smtClean="0">
+                <a:latin typeface="Times New Roman" pitchFamily="18" charset="0"/>
+                <a:cs typeface="Times New Roman" pitchFamily="18" charset="0"/>
+              </a:rPr>
+              <a:t>A ∨ B, B (failed 6)</a:t>
+            </a:r>
+            <a:endParaRPr lang="en-US" sz="2000" smtClean="0">
+              <a:latin typeface="Times New Roman" pitchFamily="18" charset="0"/>
+              <a:cs typeface="Times New Roman" pitchFamily="18" charset="0"/>
+            </a:endParaRPr>
+          </a:p>
+          <a:p>
+            <a:pPr marL="744538" lvl="1" indent="-461963">
+              <a:buFont typeface="+mj-lt"/>
+              <a:buAutoNum type="arabicPeriod"/>
+            </a:pPr>
+            <a:r>
+              <a:rPr lang="en-US" smtClean="0">
+                <a:latin typeface="Times New Roman" pitchFamily="18" charset="0"/>
+                <a:cs typeface="Times New Roman" pitchFamily="18" charset="0"/>
+              </a:rPr>
+              <a:t>∑  ⊢ Ω ,</a:t>
+            </a:r>
+            <a:r>
+              <a:rPr lang="en-US" sz="2000" smtClean="0">
+                <a:latin typeface="Times New Roman" pitchFamily="18" charset="0"/>
+                <a:cs typeface="Times New Roman" pitchFamily="18" charset="0"/>
+              </a:rPr>
+              <a:t> </a:t>
+            </a:r>
+            <a:r>
+              <a:rPr lang="en-US" smtClean="0">
+                <a:latin typeface="Times New Roman" pitchFamily="18" charset="0"/>
+                <a:cs typeface="Times New Roman" pitchFamily="18" charset="0"/>
+              </a:rPr>
+              <a:t>A ∨ B	=	∑ , ¬ (A ∨ B)  ⊢ Ω ,</a:t>
+            </a:r>
+            <a:r>
+              <a:rPr lang="en-US" sz="2000" smtClean="0">
+                <a:latin typeface="Times New Roman" pitchFamily="18" charset="0"/>
+                <a:cs typeface="Times New Roman" pitchFamily="18" charset="0"/>
+              </a:rPr>
+              <a:t> </a:t>
+            </a:r>
+            <a:r>
+              <a:rPr lang="en-US" smtClean="0">
+                <a:latin typeface="Times New Roman" pitchFamily="18" charset="0"/>
+                <a:cs typeface="Times New Roman" pitchFamily="18" charset="0"/>
+              </a:rPr>
+              <a:t>A ∨ B, ⊥ </a:t>
+            </a:r>
+            <a:endParaRPr lang="en-US" sz="2000" smtClean="0">
+              <a:latin typeface="Times New Roman" pitchFamily="18" charset="0"/>
+              <a:cs typeface="Times New Roman" pitchFamily="18" charset="0"/>
+            </a:endParaRPr>
+          </a:p>
+          <a:p>
+            <a:pPr marL="744538" lvl="1" indent="-461963">
+              <a:buFont typeface="+mj-lt"/>
+              <a:buAutoNum type="arabicPeriod"/>
+            </a:pPr>
+            <a:r>
+              <a:rPr lang="en-US" smtClean="0">
+                <a:latin typeface="Times New Roman" pitchFamily="18" charset="0"/>
+                <a:cs typeface="Times New Roman" pitchFamily="18" charset="0"/>
+              </a:rPr>
+              <a:t>∑  ⊢ Ω ,</a:t>
+            </a:r>
+            <a:r>
+              <a:rPr lang="en-US" sz="2000" smtClean="0">
+                <a:latin typeface="Times New Roman" pitchFamily="18" charset="0"/>
+                <a:cs typeface="Times New Roman" pitchFamily="18" charset="0"/>
+              </a:rPr>
+              <a:t> </a:t>
+            </a:r>
+            <a:r>
+              <a:rPr lang="en-US" smtClean="0">
+                <a:latin typeface="Times New Roman" pitchFamily="18" charset="0"/>
+                <a:cs typeface="Times New Roman" pitchFamily="18" charset="0"/>
+              </a:rPr>
+              <a:t>A →B	=	∑ ,A  	        ⊢ Ω ,</a:t>
+            </a:r>
+            <a:r>
+              <a:rPr lang="en-US" sz="2000" smtClean="0">
+                <a:latin typeface="Times New Roman" pitchFamily="18" charset="0"/>
+                <a:cs typeface="Times New Roman" pitchFamily="18" charset="0"/>
+              </a:rPr>
+              <a:t> </a:t>
+            </a:r>
+            <a:r>
+              <a:rPr lang="en-US" smtClean="0">
+                <a:latin typeface="Times New Roman" pitchFamily="18" charset="0"/>
+                <a:cs typeface="Times New Roman" pitchFamily="18" charset="0"/>
+              </a:rPr>
+              <a:t>A→B, B</a:t>
+            </a:r>
+            <a:endParaRPr lang="en-US" sz="2000" smtClean="0">
+              <a:latin typeface="Times New Roman" pitchFamily="18" charset="0"/>
+              <a:cs typeface="Times New Roman" pitchFamily="18" charset="0"/>
+            </a:endParaRPr>
+          </a:p>
+          <a:p>
+            <a:pPr marL="744538" lvl="1" indent="-461963">
+              <a:buFont typeface="+mj-lt"/>
+              <a:buAutoNum type="arabicPeriod"/>
+            </a:pPr>
+            <a:r>
+              <a:rPr lang="en-US" smtClean="0">
+                <a:latin typeface="Times New Roman" pitchFamily="18" charset="0"/>
+                <a:cs typeface="Times New Roman" pitchFamily="18" charset="0"/>
+              </a:rPr>
+              <a:t>∑  ⊢ Ω ,</a:t>
+            </a:r>
+            <a:r>
+              <a:rPr lang="en-US" sz="2000" smtClean="0">
+                <a:latin typeface="Times New Roman" pitchFamily="18" charset="0"/>
+                <a:cs typeface="Times New Roman" pitchFamily="18" charset="0"/>
+              </a:rPr>
+              <a:t> ∀</a:t>
+            </a:r>
+            <a:r>
+              <a:rPr lang="en-US" smtClean="0">
+                <a:latin typeface="Times New Roman" pitchFamily="18" charset="0"/>
+                <a:cs typeface="Times New Roman" pitchFamily="18" charset="0"/>
+              </a:rPr>
+              <a:t>x A(x)	=	∑  	        ⊢ Ω ,</a:t>
+            </a:r>
+            <a:r>
+              <a:rPr lang="en-US" sz="2000" smtClean="0">
+                <a:latin typeface="Times New Roman" pitchFamily="18" charset="0"/>
+                <a:cs typeface="Times New Roman" pitchFamily="18" charset="0"/>
+              </a:rPr>
+              <a:t> ∀ </a:t>
+            </a:r>
+            <a:r>
+              <a:rPr lang="en-US" smtClean="0">
+                <a:latin typeface="Times New Roman" pitchFamily="18" charset="0"/>
+                <a:cs typeface="Times New Roman" pitchFamily="18" charset="0"/>
+              </a:rPr>
+              <a:t>x A(x) , A( xo/x) </a:t>
+            </a:r>
+            <a:r>
+              <a:rPr lang="en-US" smtClean="0">
+                <a:latin typeface="Times New Roman" pitchFamily="18" charset="0"/>
+                <a:cs typeface="Times New Roman" pitchFamily="18" charset="0"/>
+              </a:rPr>
+              <a:t/>
+            </a:r>
+            <a:br>
+              <a:rPr lang="en-US" smtClean="0">
+                <a:latin typeface="Times New Roman" pitchFamily="18" charset="0"/>
+                <a:cs typeface="Times New Roman" pitchFamily="18" charset="0"/>
+              </a:rPr>
+            </a:br>
+            <a:r>
+              <a:rPr lang="en-US" smtClean="0">
+                <a:latin typeface="Times New Roman" pitchFamily="18" charset="0"/>
+                <a:cs typeface="Times New Roman" pitchFamily="18" charset="0"/>
+              </a:rPr>
+              <a:t>								(</a:t>
+            </a:r>
+            <a:r>
+              <a:rPr lang="en-US" smtClean="0">
+                <a:latin typeface="Times New Roman" pitchFamily="18" charset="0"/>
+                <a:cs typeface="Times New Roman" pitchFamily="18" charset="0"/>
+              </a:rPr>
+              <a:t>any x</a:t>
+            </a:r>
+            <a:r>
+              <a:rPr lang="en-US" baseline="-25000" smtClean="0">
+                <a:latin typeface="Times New Roman" pitchFamily="18" charset="0"/>
+                <a:cs typeface="Times New Roman" pitchFamily="18" charset="0"/>
+              </a:rPr>
+              <a:t>o</a:t>
+            </a:r>
+            <a:r>
+              <a:rPr lang="en-US" smtClean="0">
+                <a:latin typeface="Times New Roman" pitchFamily="18" charset="0"/>
+                <a:cs typeface="Times New Roman" pitchFamily="18" charset="0"/>
+              </a:rPr>
+              <a:t>)</a:t>
+            </a:r>
+            <a:endParaRPr lang="en-US" sz="2000" smtClean="0">
+              <a:latin typeface="Times New Roman" pitchFamily="18" charset="0"/>
+              <a:cs typeface="Times New Roman" pitchFamily="18" charset="0"/>
+            </a:endParaRPr>
+          </a:p>
+          <a:p>
+            <a:pPr marL="744538" lvl="1" indent="-461963">
+              <a:buFont typeface="+mj-lt"/>
+              <a:buAutoNum type="arabicPeriod"/>
+            </a:pPr>
+            <a:r>
+              <a:rPr lang="en-US" smtClean="0">
+                <a:latin typeface="Times New Roman" pitchFamily="18" charset="0"/>
+                <a:cs typeface="Times New Roman" pitchFamily="18" charset="0"/>
+              </a:rPr>
+              <a:t>∑  ⊢ Ω ,</a:t>
+            </a:r>
+            <a:r>
+              <a:rPr lang="en-US" sz="2000" smtClean="0">
+                <a:latin typeface="Times New Roman" pitchFamily="18" charset="0"/>
+                <a:cs typeface="Times New Roman" pitchFamily="18" charset="0"/>
+              </a:rPr>
+              <a:t> ∃</a:t>
+            </a:r>
+            <a:r>
+              <a:rPr lang="en-US" smtClean="0">
+                <a:latin typeface="Times New Roman" pitchFamily="18" charset="0"/>
+                <a:cs typeface="Times New Roman" pitchFamily="18" charset="0"/>
+              </a:rPr>
+              <a:t>x A(x)	=	∑  	        ⊢ Ω ,</a:t>
+            </a:r>
+            <a:r>
+              <a:rPr lang="en-US" sz="2000" smtClean="0">
+                <a:latin typeface="Times New Roman" pitchFamily="18" charset="0"/>
+                <a:cs typeface="Times New Roman" pitchFamily="18" charset="0"/>
+              </a:rPr>
+              <a:t> ∃</a:t>
+            </a:r>
+            <a:r>
+              <a:rPr lang="en-US" smtClean="0">
+                <a:latin typeface="Times New Roman" pitchFamily="18" charset="0"/>
+                <a:cs typeface="Times New Roman" pitchFamily="18" charset="0"/>
+              </a:rPr>
+              <a:t>x A(x</a:t>
+            </a:r>
+            <a:r>
+              <a:rPr lang="en-US" smtClean="0">
+                <a:latin typeface="Times New Roman" pitchFamily="18" charset="0"/>
+                <a:cs typeface="Times New Roman" pitchFamily="18" charset="0"/>
+              </a:rPr>
+              <a:t>), </a:t>
+            </a:r>
+            <a:r>
+              <a:rPr lang="en-US" smtClean="0">
+                <a:latin typeface="Times New Roman" pitchFamily="18" charset="0"/>
+                <a:cs typeface="Times New Roman" pitchFamily="18" charset="0"/>
+              </a:rPr>
+              <a:t>A( xo/x</a:t>
+            </a:r>
+            <a:r>
+              <a:rPr lang="en-US" smtClean="0">
+                <a:latin typeface="Times New Roman" pitchFamily="18" charset="0"/>
+                <a:cs typeface="Times New Roman" pitchFamily="18" charset="0"/>
+              </a:rPr>
+              <a:t>)</a:t>
+            </a:r>
+            <a:br>
+              <a:rPr lang="en-US" smtClean="0">
+                <a:latin typeface="Times New Roman" pitchFamily="18" charset="0"/>
+                <a:cs typeface="Times New Roman" pitchFamily="18" charset="0"/>
+              </a:rPr>
+            </a:br>
+            <a:r>
+              <a:rPr lang="en-US" smtClean="0">
+                <a:latin typeface="Times New Roman" pitchFamily="18" charset="0"/>
+                <a:cs typeface="Times New Roman" pitchFamily="18" charset="0"/>
+              </a:rPr>
+              <a:t>							(</a:t>
+            </a:r>
+            <a:r>
+              <a:rPr lang="en-US" smtClean="0">
+                <a:latin typeface="Times New Roman" pitchFamily="18" charset="0"/>
+                <a:cs typeface="Times New Roman" pitchFamily="18" charset="0"/>
+              </a:rPr>
+              <a:t>relative x</a:t>
+            </a:r>
+            <a:r>
+              <a:rPr lang="en-US" baseline="-25000" smtClean="0">
+                <a:latin typeface="Times New Roman" pitchFamily="18" charset="0"/>
+                <a:cs typeface="Times New Roman" pitchFamily="18" charset="0"/>
+              </a:rPr>
+              <a:t>o</a:t>
+            </a:r>
+            <a:r>
+              <a:rPr lang="en-US" smtClean="0">
+                <a:latin typeface="Times New Roman" pitchFamily="18" charset="0"/>
+                <a:cs typeface="Times New Roman" pitchFamily="18" charset="0"/>
+              </a:rPr>
+              <a:t>)</a:t>
+            </a:r>
+            <a:endParaRPr lang="en-US" sz="2000">
+              <a:latin typeface="Times New Roman" pitchFamily="18" charset="0"/>
+              <a:cs typeface="Times New Roman" pitchFamily="18" charset="0"/>
+            </a:endParaRPr>
           </a:p>
         </p:txBody>
       </p:sp>
@@ -19088,28 +19866,73 @@
             <p:ph idx="1"/>
           </p:nvPr>
         </p:nvSpPr>
-        <p:spPr/>
+        <p:spPr>
+          <a:xfrm>
+            <a:off x="304800" y="1333500"/>
+            <a:ext cx="8382000" cy="3771636"/>
+          </a:xfrm>
+        </p:spPr>
         <p:txBody>
           <a:bodyPr/>
           <a:lstStyle/>
           <a:p>
             <a:r>
-              <a:rPr lang="en-US" smtClean="0"/>
-              <a:t>Xin cám ơn thầy cô Khoa CNTT- Trường ĐHBK HCM.</a:t>
-            </a:r>
-          </a:p>
-          <a:p>
-            <a:r>
-              <a:rPr lang="en-US" smtClean="0"/>
-              <a:t>Chân thành cám ơn thầy NTS đã tận tình hướng dẫn chúng em thực hiện đề tài.</a:t>
-            </a:r>
-          </a:p>
-          <a:p>
-            <a:r>
-              <a:rPr lang="en-US" smtClean="0"/>
+              <a:rPr lang="en-US" smtClean="0">
+                <a:latin typeface="Times New Roman" pitchFamily="18" charset="0"/>
+                <a:cs typeface="Times New Roman" pitchFamily="18" charset="0"/>
+              </a:rPr>
+              <a:t>Xin cám ơn </a:t>
+            </a:r>
+            <a:r>
+              <a:rPr lang="en-US" smtClean="0">
+                <a:latin typeface="Times New Roman" pitchFamily="18" charset="0"/>
+                <a:cs typeface="Times New Roman" pitchFamily="18" charset="0"/>
+              </a:rPr>
+              <a:t>các thầy </a:t>
+            </a:r>
+            <a:r>
+              <a:rPr lang="en-US" smtClean="0">
+                <a:latin typeface="Times New Roman" pitchFamily="18" charset="0"/>
+                <a:cs typeface="Times New Roman" pitchFamily="18" charset="0"/>
+              </a:rPr>
+              <a:t>cô Khoa CNTT- Trường ĐHBK HCM.</a:t>
+            </a:r>
+          </a:p>
+          <a:p>
+            <a:r>
+              <a:rPr lang="en-US" smtClean="0">
+                <a:latin typeface="Times New Roman" pitchFamily="18" charset="0"/>
+                <a:cs typeface="Times New Roman" pitchFamily="18" charset="0"/>
+              </a:rPr>
+              <a:t>Chân thành cám ơn thầy </a:t>
+            </a:r>
+            <a:r>
+              <a:rPr lang="en-US" smtClean="0">
+                <a:latin typeface="Times New Roman" pitchFamily="18" charset="0"/>
+                <a:cs typeface="Times New Roman" pitchFamily="18" charset="0"/>
+              </a:rPr>
+              <a:t>Nguyễn Thanh Sơn </a:t>
+            </a:r>
+            <a:r>
+              <a:rPr lang="en-US" smtClean="0">
+                <a:latin typeface="Times New Roman" pitchFamily="18" charset="0"/>
+                <a:cs typeface="Times New Roman" pitchFamily="18" charset="0"/>
+              </a:rPr>
+              <a:t>đã tận tình hướng dẫn chúng em thực hiện đề tài.</a:t>
+            </a:r>
+          </a:p>
+          <a:p>
+            <a:r>
+              <a:rPr lang="en-US" smtClean="0">
+                <a:latin typeface="Times New Roman" pitchFamily="18" charset="0"/>
+                <a:cs typeface="Times New Roman" pitchFamily="18" charset="0"/>
+              </a:rPr>
               <a:t>Cám ơn các bạn đã tham gia buổi bảo vệ đề tài hôm nay.</a:t>
             </a:r>
-            <a:endParaRPr lang="en-US"/>
+            <a:endParaRPr lang="en-US">
+              <a:latin typeface="Times New Roman" pitchFamily="18" charset="0"/>
+              <a:cs typeface="Times New Roman" pitchFamily="18" charset="0"/>
+            </a:endParaRPr>
           </a:p>
         </p:txBody>
       </p:sp>
@@ -19164,7 +19987,7 @@
               <a:rPr lang="en-US" smtClean="0">
                 <a:latin typeface="Times New Roman" pitchFamily="18" charset="0"/>
               </a:rPr>
-              <a:t>CONTRADICTION DEDUCTION</a:t>
+              <a:t>INTRODUCTION</a:t>
             </a:r>
             <a:endParaRPr lang="en-US">
               <a:latin typeface="Times New Roman" pitchFamily="18" charset="0"/>
@@ -19184,8 +20007,8 @@
         </p:nvSpPr>
         <p:spPr>
           <a:xfrm>
-            <a:off x="457200" y="1181100"/>
-            <a:ext cx="8382000" cy="3924036"/>
+            <a:off x="1143000" y="1181100"/>
+            <a:ext cx="7315200" cy="4267200"/>
           </a:xfrm>
         </p:spPr>
         <p:txBody>
@@ -19194,47 +20017,118 @@
           </a:bodyPr>
           <a:lstStyle/>
           <a:p>
-            <a:pPr lvl="0"/>
-            <a:r>
-              <a:rPr lang="en-US" smtClean="0"/>
-              <a:t>Khi luật eliminat không thực hiện được nữa và đồng thời goal hiện tại là ⊥ thì cập nhật list_proof theo qui tắc sau:</a:t>
-            </a:r>
-            <a:endParaRPr lang="en-US" smtClean="0"/>
-          </a:p>
-          <a:p>
-            <a:pPr marL="971550" lvl="1" indent="-514350">
-              <a:buFont typeface="+mj-lt"/>
-              <a:buAutoNum type="arabicPeriod"/>
+            <a:pPr>
+              <a:buFont typeface="Wingdings" pitchFamily="2" charset="2"/>
+              <a:buChar char="q"/>
             </a:pPr>
             <a:r>
-              <a:rPr lang="en-US" smtClean="0"/>
-              <a:t>∑ </a:t>
-            </a:r>
-            <a:r>
-              <a:rPr lang="en-US" smtClean="0"/>
-              <a:t>,¬F  ⊢ Ω , ⊥ 	 =   ∑ ,¬F ⊢ Ω, ⊥, F </a:t>
-            </a:r>
-          </a:p>
-          <a:p>
-            <a:pPr marL="971550" lvl="1" indent="-514350">
-              <a:buFont typeface="+mj-lt"/>
-              <a:buAutoNum type="arabicPeriod"/>
+              <a:rPr lang="en-US" sz="2800" smtClean="0">
+                <a:latin typeface="Times New Roman" pitchFamily="18" charset="0"/>
+                <a:cs typeface="Times New Roman" pitchFamily="18" charset="0"/>
+              </a:rPr>
+              <a:t>Ví dụ:</a:t>
+            </a:r>
+            <a:endParaRPr lang="en-US" sz="2800" smtClean="0">
+              <a:latin typeface="Times New Roman" pitchFamily="18" charset="0"/>
+              <a:cs typeface="Times New Roman" pitchFamily="18" charset="0"/>
+            </a:endParaRPr>
+          </a:p>
+          <a:p>
+            <a:pPr>
+              <a:buNone/>
             </a:pPr>
             <a:r>
-              <a:rPr lang="en-US" smtClean="0"/>
-              <a:t>∑ ,A ∨ B  ⊢ Ω , ⊥     =   ∑ ,A ∨ B ⊢ Ω, ⊥, ¬ A</a:t>
-            </a:r>
-          </a:p>
-          <a:p>
-            <a:pPr marL="971550" lvl="1" indent="-514350">
-              <a:buFont typeface="+mj-lt"/>
-              <a:buAutoNum type="arabicPeriod"/>
+              <a:rPr lang="en-US" sz="2800" smtClean="0">
+                <a:latin typeface="Times New Roman" pitchFamily="18" charset="0"/>
+                <a:cs typeface="Times New Roman" pitchFamily="18" charset="0"/>
+              </a:rPr>
+              <a:t>	list_proof = { A , B}</a:t>
+            </a:r>
+          </a:p>
+          <a:p>
+            <a:pPr>
+              <a:buNone/>
             </a:pPr>
             <a:r>
-              <a:rPr lang="en-US" smtClean="0"/>
-              <a:t>∑ ,A  → B  ⊢ Ω , ⊥   =   ∑ ,A → B ⊢ Ω, ⊥,  A</a:t>
-            </a:r>
-            <a:endParaRPr lang="en-US"/>
+              <a:rPr lang="en-US" sz="2800" smtClean="0">
+                <a:latin typeface="Times New Roman" pitchFamily="18" charset="0"/>
+                <a:cs typeface="Times New Roman" pitchFamily="18" charset="0"/>
+              </a:rPr>
+              <a:t>	list_goal = { F→ A}</a:t>
+            </a:r>
+          </a:p>
+          <a:p>
+            <a:pPr>
+              <a:buNone/>
+            </a:pPr>
+            <a:r>
+              <a:rPr lang="en-US" sz="4000" smtClean="0">
+                <a:latin typeface="Times New Roman" pitchFamily="18" charset="0"/>
+                <a:cs typeface="Times New Roman" pitchFamily="18" charset="0"/>
+              </a:rPr>
+              <a:t>→</a:t>
+            </a:r>
+            <a:r>
+              <a:rPr lang="en-US" sz="2800" smtClean="0">
+                <a:latin typeface="Times New Roman" pitchFamily="18" charset="0"/>
+                <a:cs typeface="Times New Roman" pitchFamily="18" charset="0"/>
+              </a:rPr>
+              <a:t> </a:t>
+            </a:r>
+            <a:r>
+              <a:rPr lang="en-US" sz="2800" smtClean="0">
+                <a:latin typeface="Times New Roman" pitchFamily="18" charset="0"/>
+                <a:cs typeface="Times New Roman" pitchFamily="18" charset="0"/>
+              </a:rPr>
+              <a:t>	list </a:t>
+            </a:r>
+            <a:r>
+              <a:rPr lang="en-US" sz="2800" smtClean="0">
+                <a:latin typeface="Times New Roman" pitchFamily="18" charset="0"/>
+                <a:cs typeface="Times New Roman" pitchFamily="18" charset="0"/>
+              </a:rPr>
+              <a:t>proof ={ A, B, F}</a:t>
+            </a:r>
+          </a:p>
+          <a:p>
+            <a:pPr>
+              <a:buNone/>
+            </a:pPr>
+            <a:r>
+              <a:rPr lang="en-US" sz="2800" smtClean="0">
+                <a:latin typeface="Times New Roman" pitchFamily="18" charset="0"/>
+                <a:cs typeface="Times New Roman" pitchFamily="18" charset="0"/>
+              </a:rPr>
+              <a:t>	</a:t>
+            </a:r>
+            <a:r>
+              <a:rPr lang="en-US" sz="2800" smtClean="0">
+                <a:latin typeface="Times New Roman" pitchFamily="18" charset="0"/>
+                <a:cs typeface="Times New Roman" pitchFamily="18" charset="0"/>
+              </a:rPr>
+              <a:t>	list_goal </a:t>
+            </a:r>
+            <a:r>
+              <a:rPr lang="en-US" sz="2800" smtClean="0">
+                <a:latin typeface="Times New Roman" pitchFamily="18" charset="0"/>
+                <a:cs typeface="Times New Roman" pitchFamily="18" charset="0"/>
+              </a:rPr>
+              <a:t>={ F→A</a:t>
+            </a:r>
+            <a:r>
+              <a:rPr lang="en-US" sz="2800" smtClean="0">
+                <a:latin typeface="Times New Roman" pitchFamily="18" charset="0"/>
+                <a:cs typeface="Times New Roman" pitchFamily="18" charset="0"/>
+              </a:rPr>
+              <a:t>, A</a:t>
+            </a:r>
+            <a:r>
+              <a:rPr lang="en-US" sz="2800" smtClean="0">
+                <a:latin typeface="Times New Roman" pitchFamily="18" charset="0"/>
+                <a:cs typeface="Times New Roman" pitchFamily="18" charset="0"/>
+              </a:rPr>
+              <a:t>}</a:t>
+            </a:r>
           </a:p>
         </p:txBody>
       </p:sp>
@@ -19321,51 +20215,69 @@
           <a:p>
             <a:pPr lvl="0"/>
             <a:r>
-              <a:rPr lang="en-US" smtClean="0"/>
-              <a:t>Vd:</a:t>
-            </a:r>
-          </a:p>
-          <a:p>
-            <a:pPr lvl="1"/>
-            <a:r>
-              <a:rPr lang="en-US" smtClean="0"/>
-              <a:t>List_proof = {A, B, (A ∧ B) → F}</a:t>
-            </a:r>
-          </a:p>
-          <a:p>
-            <a:pPr lvl="1"/>
-            <a:r>
-              <a:rPr lang="en-US" smtClean="0"/>
-              <a:t>List_goal = { …,⊥}</a:t>
-            </a:r>
-          </a:p>
-          <a:p>
-            <a:pPr lvl="1">
-              <a:buNone/>
+              <a:rPr lang="en-US" smtClean="0">
+                <a:latin typeface="Times New Roman" pitchFamily="18" charset="0"/>
+                <a:cs typeface="Times New Roman" pitchFamily="18" charset="0"/>
+              </a:rPr>
+              <a:t>Khi luật </a:t>
+            </a:r>
+            <a:r>
+              <a:rPr lang="en-US" smtClean="0">
+                <a:latin typeface="Times New Roman" pitchFamily="18" charset="0"/>
+                <a:cs typeface="Times New Roman" pitchFamily="18" charset="0"/>
+              </a:rPr>
+              <a:t>elimination </a:t>
+            </a:r>
+            <a:r>
+              <a:rPr lang="en-US" smtClean="0">
+                <a:latin typeface="Times New Roman" pitchFamily="18" charset="0"/>
+                <a:cs typeface="Times New Roman" pitchFamily="18" charset="0"/>
+              </a:rPr>
+              <a:t>không thực hiện được nữa và đồng thời goal hiện tại là ⊥ thì cập nhật list_proof theo qui tắc sau:</a:t>
+            </a:r>
+          </a:p>
+          <a:p>
+            <a:pPr marL="971550" lvl="1" indent="-514350">
+              <a:buFont typeface="+mj-lt"/>
+              <a:buAutoNum type="arabicPeriod"/>
             </a:pPr>
             <a:r>
-              <a:rPr lang="en-US" smtClean="0"/>
-              <a:t>→ List_proof = {A, B, (A ∧ B) → </a:t>
-            </a:r>
-            <a:r>
-              <a:rPr lang="en-US" smtClean="0"/>
-              <a:t>F</a:t>
-            </a:r>
-            <a:r>
-              <a:rPr lang="en-US" smtClean="0"/>
-              <a:t>}</a:t>
-            </a:r>
-            <a:endParaRPr lang="en-US" smtClean="0"/>
-          </a:p>
-          <a:p>
-            <a:pPr lvl="1">
-              <a:buNone/>
+              <a:rPr lang="en-US" smtClean="0">
+                <a:latin typeface="Times New Roman" pitchFamily="18" charset="0"/>
+                <a:cs typeface="Times New Roman" pitchFamily="18" charset="0"/>
+              </a:rPr>
+              <a:t>∑ ,¬F  ⊢ Ω , ⊥ 	 =   ∑ ,¬F ⊢ Ω, ⊥, F </a:t>
+            </a:r>
+          </a:p>
+          <a:p>
+            <a:pPr marL="971550" lvl="1" indent="-514350">
+              <a:buFont typeface="+mj-lt"/>
+              <a:buAutoNum type="arabicPeriod"/>
             </a:pPr>
             <a:r>
-              <a:rPr lang="en-US" smtClean="0"/>
-              <a:t>list_goal ={ …, ⊥ , A ∧ B }</a:t>
-            </a:r>
-            <a:endParaRPr lang="en-US"/>
+              <a:rPr lang="en-US" smtClean="0">
+                <a:latin typeface="Times New Roman" pitchFamily="18" charset="0"/>
+                <a:cs typeface="Times New Roman" pitchFamily="18" charset="0"/>
+              </a:rPr>
+              <a:t>∑ ,A ∨ B  ⊢ Ω , ⊥     =   ∑ ,A ∨ B ⊢ Ω, ⊥, ¬ A</a:t>
+            </a:r>
+          </a:p>
+          <a:p>
+            <a:pPr marL="971550" lvl="1" indent="-514350">
+              <a:buFont typeface="+mj-lt"/>
+              <a:buAutoNum type="arabicPeriod"/>
+            </a:pPr>
+            <a:r>
+              <a:rPr lang="en-US" smtClean="0">
+                <a:latin typeface="Times New Roman" pitchFamily="18" charset="0"/>
+                <a:cs typeface="Times New Roman" pitchFamily="18" charset="0"/>
+              </a:rPr>
+              <a:t>∑ ,A  → B  ⊢ Ω , ⊥   =   ∑ ,A → B ⊢ Ω, ⊥,  A</a:t>
+            </a:r>
+            <a:endParaRPr lang="en-US">
+              <a:latin typeface="Times New Roman" pitchFamily="18" charset="0"/>
+              <a:cs typeface="Times New Roman" pitchFamily="18" charset="0"/>
+            </a:endParaRPr>
           </a:p>
         </p:txBody>
       </p:sp>
@@ -19420,7 +20332,7 @@
               <a:rPr lang="en-US" smtClean="0">
                 <a:latin typeface="Times New Roman" pitchFamily="18" charset="0"/>
               </a:rPr>
-              <a:t>MATCHING</a:t>
+              <a:t>CONTRADICTION DEDUCTION</a:t>
             </a:r>
             <a:endParaRPr lang="en-US">
               <a:latin typeface="Times New Roman" pitchFamily="18" charset="0"/>
@@ -19440,7 +20352,7 @@
         </p:nvSpPr>
         <p:spPr>
           <a:xfrm>
-            <a:off x="457200" y="1104900"/>
+            <a:off x="457200" y="1181100"/>
             <a:ext cx="8382000" cy="3924036"/>
           </a:xfrm>
         </p:spPr>
@@ -19450,59 +20362,122 @@
           </a:bodyPr>
           <a:lstStyle/>
           <a:p>
-            <a:pPr marL="342900" lvl="1" indent="-342900">
-              <a:buFont typeface="Arial" pitchFamily="34" charset="0"/>
-              <a:buChar char="•"/>
+            <a:pPr lvl="0">
+              <a:buFont typeface="Wingdings" pitchFamily="2" charset="2"/>
+              <a:buChar char="q"/>
             </a:pPr>
             <a:r>
-              <a:rPr lang="en-US" sz="3600" smtClean="0"/>
-              <a:t>Nếu goal là công thức thì thực hiện đồng nhất giữa goal và 1 công thức trong list_proof</a:t>
-            </a:r>
-            <a:endParaRPr lang="en-US" sz="3600" smtClean="0"/>
+              <a:rPr lang="en-US" smtClean="0">
+                <a:latin typeface="Times New Roman" pitchFamily="18" charset="0"/>
+                <a:cs typeface="Times New Roman" pitchFamily="18" charset="0"/>
+              </a:rPr>
+              <a:t>Ví dụ:</a:t>
+            </a:r>
+            <a:endParaRPr lang="en-US" smtClean="0">
+              <a:latin typeface="Times New Roman" pitchFamily="18" charset="0"/>
+              <a:cs typeface="Times New Roman" pitchFamily="18" charset="0"/>
+            </a:endParaRPr>
           </a:p>
           <a:p>
             <a:pPr lvl="1">
-              <a:buFont typeface="Wingdings" pitchFamily="2" charset="2"/>
-              <a:buChar char="§"/>
+              <a:buNone/>
             </a:pPr>
             <a:r>
-              <a:rPr lang="en-US" smtClean="0"/>
-              <a:t>Unification  ( </a:t>
-            </a:r>
-            <a:r>
-              <a:rPr lang="en-US" smtClean="0"/>
-              <a:t>goal, </a:t>
-            </a:r>
-            <a:r>
-              <a:rPr lang="en-US" smtClean="0"/>
-              <a:t>A)</a:t>
-            </a:r>
-          </a:p>
-          <a:p>
-            <a:r>
-              <a:rPr lang="en-US" smtClean="0"/>
-              <a:t>Nếu goal là ⊥ thì tìm 1 cặp công thức trong list_proof mà </a:t>
-            </a:r>
-            <a:endParaRPr lang="en-US" smtClean="0"/>
+              <a:rPr lang="en-US" smtClean="0">
+                <a:latin typeface="Times New Roman" pitchFamily="18" charset="0"/>
+                <a:cs typeface="Times New Roman" pitchFamily="18" charset="0"/>
+              </a:rPr>
+              <a:t>list_proof </a:t>
+            </a:r>
+            <a:r>
+              <a:rPr lang="en-US" smtClean="0">
+                <a:latin typeface="Times New Roman" pitchFamily="18" charset="0"/>
+                <a:cs typeface="Times New Roman" pitchFamily="18" charset="0"/>
+              </a:rPr>
+              <a:t>= {A, B, (A ∧ B) → F}</a:t>
+            </a:r>
           </a:p>
           <a:p>
             <a:pPr lvl="1">
-              <a:buFont typeface="Wingdings" pitchFamily="2" charset="2"/>
-              <a:buChar char="§"/>
+              <a:buNone/>
             </a:pPr>
             <a:r>
-              <a:rPr lang="en-US" smtClean="0"/>
-              <a:t>Unification  </a:t>
-            </a:r>
-            <a:r>
-              <a:rPr lang="en-US" smtClean="0"/>
-              <a:t>(¬</a:t>
-            </a:r>
-            <a:r>
-              <a:rPr lang="en-US" smtClean="0"/>
-              <a:t>B,A)</a:t>
-            </a:r>
-            <a:endParaRPr lang="en-US" smtClean="0"/>
+              <a:rPr lang="en-US" smtClean="0">
+                <a:latin typeface="Times New Roman" pitchFamily="18" charset="0"/>
+                <a:cs typeface="Times New Roman" pitchFamily="18" charset="0"/>
+              </a:rPr>
+              <a:t>list_goal </a:t>
+            </a:r>
+            <a:r>
+              <a:rPr lang="en-US" smtClean="0">
+                <a:latin typeface="Times New Roman" pitchFamily="18" charset="0"/>
+                <a:cs typeface="Times New Roman" pitchFamily="18" charset="0"/>
+              </a:rPr>
+              <a:t>= { …,⊥}</a:t>
+            </a:r>
+          </a:p>
+          <a:p>
+            <a:pPr lvl="1">
+              <a:buNone/>
+            </a:pPr>
+            <a:r>
+              <a:rPr lang="en-US" sz="4400" smtClean="0">
+                <a:latin typeface="Times New Roman" pitchFamily="18" charset="0"/>
+                <a:cs typeface="Times New Roman" pitchFamily="18" charset="0"/>
+              </a:rPr>
+              <a:t>→</a:t>
+            </a:r>
+            <a:r>
+              <a:rPr lang="en-US" sz="3200" smtClean="0">
+                <a:latin typeface="Times New Roman" pitchFamily="18" charset="0"/>
+                <a:cs typeface="Times New Roman" pitchFamily="18" charset="0"/>
+              </a:rPr>
+              <a:t> </a:t>
+            </a:r>
+            <a:r>
+              <a:rPr lang="en-US" sz="3200" smtClean="0">
+                <a:latin typeface="Times New Roman" pitchFamily="18" charset="0"/>
+                <a:cs typeface="Times New Roman" pitchFamily="18" charset="0"/>
+              </a:rPr>
+              <a:t>	</a:t>
+            </a:r>
+            <a:r>
+              <a:rPr lang="en-US" smtClean="0">
+                <a:latin typeface="Times New Roman" pitchFamily="18" charset="0"/>
+                <a:cs typeface="Times New Roman" pitchFamily="18" charset="0"/>
+              </a:rPr>
+              <a:t>list_proof </a:t>
+            </a:r>
+            <a:r>
+              <a:rPr lang="en-US" smtClean="0">
+                <a:latin typeface="Times New Roman" pitchFamily="18" charset="0"/>
+                <a:cs typeface="Times New Roman" pitchFamily="18" charset="0"/>
+              </a:rPr>
+              <a:t>= {A, B, (A ∧ B) → F}</a:t>
+            </a:r>
+          </a:p>
+          <a:p>
+            <a:pPr lvl="1">
+              <a:buNone/>
+            </a:pPr>
+            <a:r>
+              <a:rPr lang="en-US" smtClean="0">
+                <a:latin typeface="Times New Roman" pitchFamily="18" charset="0"/>
+                <a:cs typeface="Times New Roman" pitchFamily="18" charset="0"/>
+              </a:rPr>
+              <a:t>			list_goal </a:t>
+            </a:r>
+            <a:r>
+              <a:rPr lang="en-US" smtClean="0">
+                <a:latin typeface="Times New Roman" pitchFamily="18" charset="0"/>
+                <a:cs typeface="Times New Roman" pitchFamily="18" charset="0"/>
+              </a:rPr>
+              <a:t>={ …, ⊥ , A ∧ B }</a:t>
+            </a:r>
+            <a:endParaRPr lang="en-US">
+              <a:latin typeface="Times New Roman" pitchFamily="18" charset="0"/>
+              <a:cs typeface="Times New Roman" pitchFamily="18" charset="0"/>
+            </a:endParaRPr>
           </a:p>
         </p:txBody>
       </p:sp>
@@ -19557,7 +20532,7 @@
               <a:rPr lang="en-US" smtClean="0">
                 <a:latin typeface="Times New Roman" pitchFamily="18" charset="0"/>
               </a:rPr>
-              <a:t>ADDITION</a:t>
+              <a:t>MATCHING</a:t>
             </a:r>
             <a:endParaRPr lang="en-US">
               <a:latin typeface="Times New Roman" pitchFamily="18" charset="0"/>
@@ -19578,7 +20553,7 @@
         <p:spPr>
           <a:xfrm>
             <a:off x="457200" y="1104900"/>
-            <a:ext cx="8382000" cy="3924036"/>
+            <a:ext cx="8382000" cy="4114800"/>
           </a:xfrm>
         </p:spPr>
         <p:txBody>
@@ -19592,30 +20567,75 @@
               <a:buChar char="•"/>
             </a:pPr>
             <a:r>
-              <a:rPr lang="en-US" sz="3600" smtClean="0"/>
-              <a:t>Các công thức tương đương</a:t>
-            </a:r>
-          </a:p>
-          <a:p>
-            <a:pPr marL="342900" lvl="1" indent="-342900">
-              <a:buFont typeface="Arial" pitchFamily="34" charset="0"/>
-              <a:buChar char="•"/>
+              <a:rPr lang="en-US" sz="3600" smtClean="0">
+                <a:latin typeface="Times New Roman" pitchFamily="18" charset="0"/>
+                <a:cs typeface="Times New Roman" pitchFamily="18" charset="0"/>
+              </a:rPr>
+              <a:t>Nếu goal là công thức thì thực hiện đồng nhất giữa goal và 1 công thức trong list_proof</a:t>
+            </a:r>
+          </a:p>
+          <a:p>
+            <a:pPr lvl="1">
+              <a:buFont typeface="Wingdings" pitchFamily="2" charset="2"/>
+              <a:buChar char="§"/>
             </a:pPr>
             <a:r>
-              <a:rPr lang="en-US" sz="3600" smtClean="0"/>
-              <a:t>LEM</a:t>
-            </a:r>
-          </a:p>
-          <a:p>
-            <a:pPr marL="342900" lvl="1" indent="-342900">
-              <a:buFont typeface="Arial" pitchFamily="34" charset="0"/>
-              <a:buChar char="•"/>
+              <a:rPr lang="en-US" smtClean="0">
+                <a:latin typeface="Times New Roman" pitchFamily="18" charset="0"/>
+                <a:cs typeface="Times New Roman" pitchFamily="18" charset="0"/>
+              </a:rPr>
+              <a:t>Unification  ( </a:t>
+            </a:r>
+            <a:r>
+              <a:rPr lang="en-US" smtClean="0">
+                <a:latin typeface="Times New Roman" pitchFamily="18" charset="0"/>
+                <a:cs typeface="Times New Roman" pitchFamily="18" charset="0"/>
+              </a:rPr>
+              <a:t>goal ,  A</a:t>
+            </a:r>
+            <a:r>
+              <a:rPr lang="en-US" smtClean="0">
+                <a:latin typeface="Times New Roman" pitchFamily="18" charset="0"/>
+                <a:cs typeface="Times New Roman" pitchFamily="18" charset="0"/>
+              </a:rPr>
+              <a:t>)</a:t>
+            </a:r>
+          </a:p>
+          <a:p>
+            <a:r>
+              <a:rPr lang="en-US" smtClean="0">
+                <a:latin typeface="Times New Roman" pitchFamily="18" charset="0"/>
+                <a:cs typeface="Times New Roman" pitchFamily="18" charset="0"/>
+              </a:rPr>
+              <a:t>Nếu goal là ⊥ thì tìm 1 cặp công thức trong list_proof mà </a:t>
+            </a:r>
+          </a:p>
+          <a:p>
+            <a:pPr lvl="1">
+              <a:buFont typeface="Wingdings" pitchFamily="2" charset="2"/>
+              <a:buChar char="§"/>
             </a:pPr>
             <a:r>
-              <a:rPr lang="en-US" sz="3600" smtClean="0"/>
-              <a:t>DeMorgan</a:t>
-            </a:r>
-            <a:endParaRPr lang="en-US" sz="3600" smtClean="0"/>
+              <a:rPr lang="en-US" smtClean="0">
+                <a:latin typeface="Times New Roman" pitchFamily="18" charset="0"/>
+                <a:cs typeface="Times New Roman" pitchFamily="18" charset="0"/>
+              </a:rPr>
+              <a:t>Unification  </a:t>
+            </a:r>
+            <a:r>
+              <a:rPr lang="en-US" smtClean="0">
+                <a:latin typeface="Times New Roman" pitchFamily="18" charset="0"/>
+                <a:cs typeface="Times New Roman" pitchFamily="18" charset="0"/>
+              </a:rPr>
+              <a:t>( ¬B , A</a:t>
+            </a:r>
+            <a:r>
+              <a:rPr lang="en-US" smtClean="0">
+                <a:latin typeface="Times New Roman" pitchFamily="18" charset="0"/>
+                <a:cs typeface="Times New Roman" pitchFamily="18" charset="0"/>
+              </a:rPr>
+              <a:t>)</a:t>
+            </a:r>
           </a:p>
         </p:txBody>
       </p:sp>
@@ -19670,7 +20690,7 @@
               <a:rPr lang="en-US" smtClean="0">
                 <a:latin typeface="Times New Roman" pitchFamily="18" charset="0"/>
               </a:rPr>
-              <a:t>CONTROLLER</a:t>
+              <a:t>ADDITION</a:t>
             </a:r>
             <a:endParaRPr lang="en-US">
               <a:latin typeface="Times New Roman" pitchFamily="18" charset="0"/>
@@ -19690,233 +20710,565 @@
         </p:nvSpPr>
         <p:spPr>
           <a:xfrm>
-            <a:off x="457200" y="1181100"/>
-            <a:ext cx="8382000" cy="4191000"/>
+            <a:off x="457200" y="1104900"/>
+            <a:ext cx="8382000" cy="3924036"/>
           </a:xfrm>
         </p:spPr>
         <p:txBody>
           <a:bodyPr>
-            <a:normAutofit fontScale="55000" lnSpcReduction="20000"/>
+            <a:normAutofit/>
           </a:bodyPr>
           <a:lstStyle/>
           <a:p>
-            <a:pPr marL="514350" indent="-514350">
+            <a:pPr marL="342900" lvl="1" indent="-342900">
+              <a:buFont typeface="Wingdings" pitchFamily="2" charset="2"/>
+              <a:buChar char="ü"/>
+            </a:pPr>
+            <a:r>
+              <a:rPr lang="en-US" sz="3600" smtClean="0">
+                <a:latin typeface="Times New Roman" pitchFamily="18" charset="0"/>
+                <a:cs typeface="Times New Roman" pitchFamily="18" charset="0"/>
+              </a:rPr>
+              <a:t>Các công thức tương đương</a:t>
+            </a:r>
+          </a:p>
+          <a:p>
+            <a:pPr marL="342900" lvl="1" indent="-342900">
+              <a:buFont typeface="Wingdings" pitchFamily="2" charset="2"/>
+              <a:buChar char="ü"/>
+            </a:pPr>
+            <a:r>
+              <a:rPr lang="en-US" sz="3600" smtClean="0">
+                <a:latin typeface="Times New Roman" pitchFamily="18" charset="0"/>
+                <a:cs typeface="Times New Roman" pitchFamily="18" charset="0"/>
+              </a:rPr>
+              <a:t>LEM</a:t>
+            </a:r>
+          </a:p>
+          <a:p>
+            <a:pPr marL="342900" lvl="1" indent="-342900">
+              <a:buFont typeface="Wingdings" pitchFamily="2" charset="2"/>
+              <a:buChar char="ü"/>
+            </a:pPr>
+            <a:r>
+              <a:rPr lang="en-US" sz="3600" smtClean="0">
+                <a:latin typeface="Times New Roman" pitchFamily="18" charset="0"/>
+                <a:cs typeface="Times New Roman" pitchFamily="18" charset="0"/>
+              </a:rPr>
+              <a:t>DeMorgan</a:t>
+            </a:r>
+          </a:p>
+        </p:txBody>
+      </p:sp>
+    </p:spTree>
+  </p:cSld>
+  <p:clrMapOvr>
+    <a:masterClrMapping/>
+  </p:clrMapOvr>
+  <p:timing>
+    <p:tnLst>
+      <p:par>
+        <p:cTn id="1" dur="indefinite" restart="never" nodeType="tmRoot"/>
+      </p:par>
+    </p:tnLst>
+  </p:timing>
+</p:sld>
+</file>
+
+<file path=ppt/slides/slide25.xml><?xml version="1.0" encoding="utf-8"?>
+<p:sld xmlns:a="http://schemas.openxmlformats.org/drawingml/2006/main" xmlns:r="http://schemas.openxmlformats.org/officeDocument/2006/relationships" xmlns:p="http://schemas.openxmlformats.org/presentationml/2006/main">
+  <p:cSld>
+    <p:spTree>
+      <p:nvGrpSpPr>
+        <p:cNvPr id="1" name=""/>
+        <p:cNvGrpSpPr/>
+        <p:nvPr/>
+      </p:nvGrpSpPr>
+      <p:grpSpPr>
+        <a:xfrm>
+          <a:off x="0" y="0"/>
+          <a:ext cx="0" cy="0"/>
+          <a:chOff x="0" y="0"/>
+          <a:chExt cx="0" cy="0"/>
+        </a:xfrm>
+      </p:grpSpPr>
+      <p:sp>
+        <p:nvSpPr>
+          <p:cNvPr id="2" name="Title 1"/>
+          <p:cNvSpPr>
+            <a:spLocks noGrp="1"/>
+          </p:cNvSpPr>
+          <p:nvPr>
+            <p:ph type="title"/>
+          </p:nvPr>
+        </p:nvSpPr>
+        <p:spPr>
+          <a:xfrm>
+            <a:off x="457200" y="0"/>
+            <a:ext cx="8229600" cy="952500"/>
+          </a:xfrm>
+        </p:spPr>
+        <p:txBody>
+          <a:bodyPr/>
+          <a:lstStyle/>
+          <a:p>
+            <a:r>
+              <a:rPr lang="en-US" smtClean="0">
+                <a:latin typeface="Times New Roman" pitchFamily="18" charset="0"/>
+                <a:cs typeface="Times New Roman" pitchFamily="18" charset="0"/>
+              </a:rPr>
+              <a:t>CONTROLLER</a:t>
+            </a:r>
+            <a:endParaRPr lang="en-US">
+              <a:latin typeface="Times New Roman" pitchFamily="18" charset="0"/>
+              <a:cs typeface="Times New Roman" pitchFamily="18" charset="0"/>
+            </a:endParaRPr>
+          </a:p>
+        </p:txBody>
+      </p:sp>
+      <p:sp>
+        <p:nvSpPr>
+          <p:cNvPr id="3" name="Content Placeholder 2"/>
+          <p:cNvSpPr>
+            <a:spLocks noGrp="1"/>
+          </p:cNvSpPr>
+          <p:nvPr>
+            <p:ph idx="1"/>
+          </p:nvPr>
+        </p:nvSpPr>
+        <p:spPr>
+          <a:xfrm>
+            <a:off x="457200" y="876300"/>
+            <a:ext cx="8229600" cy="4838700"/>
+          </a:xfrm>
+        </p:spPr>
+        <p:txBody>
+          <a:bodyPr>
+            <a:normAutofit fontScale="77500" lnSpcReduction="20000"/>
+          </a:bodyPr>
+          <a:lstStyle/>
+          <a:p>
+            <a:pPr>
               <a:buNone/>
             </a:pPr>
             <a:r>
-              <a:rPr lang="en-US" smtClean="0"/>
-              <a:t>Giải thuật chính:</a:t>
-            </a:r>
-          </a:p>
-          <a:p>
-            <a:pPr marL="514350" indent="-514350">
+              <a:rPr lang="en-US" u="sng" smtClean="0">
+                <a:latin typeface="Times New Roman" pitchFamily="18" charset="0"/>
+                <a:cs typeface="Times New Roman" pitchFamily="18" charset="0"/>
+              </a:rPr>
+              <a:t>Giải thuật chính</a:t>
+            </a:r>
+          </a:p>
+          <a:p>
+            <a:pPr marL="971550" lvl="1" indent="-514350">
               <a:buFont typeface="+mj-lt"/>
               <a:buAutoNum type="arabicPeriod"/>
             </a:pPr>
             <a:r>
-              <a:rPr lang="en-US" smtClean="0"/>
-              <a:t>Init list_goal &amp; list_proof</a:t>
-            </a:r>
-          </a:p>
-          <a:p>
-            <a:pPr marL="914400" lvl="1" indent="-514350">
+              <a:rPr lang="en-US" smtClean="0">
+                <a:latin typeface="Times New Roman" pitchFamily="18" charset="0"/>
+                <a:cs typeface="Times New Roman" pitchFamily="18" charset="0"/>
+              </a:rPr>
+              <a:t>Init </a:t>
+            </a:r>
+            <a:r>
+              <a:rPr lang="en-US" i="1" smtClean="0">
+                <a:latin typeface="Times New Roman" pitchFamily="18" charset="0"/>
+                <a:cs typeface="Times New Roman" pitchFamily="18" charset="0"/>
+              </a:rPr>
+              <a:t>list_proof</a:t>
+            </a:r>
+            <a:r>
+              <a:rPr lang="en-US" smtClean="0">
+                <a:latin typeface="Times New Roman" pitchFamily="18" charset="0"/>
+                <a:cs typeface="Times New Roman" pitchFamily="18" charset="0"/>
+              </a:rPr>
+              <a:t> and </a:t>
+            </a:r>
+            <a:r>
+              <a:rPr lang="en-US" i="1" smtClean="0">
+                <a:latin typeface="Times New Roman" pitchFamily="18" charset="0"/>
+                <a:cs typeface="Times New Roman" pitchFamily="18" charset="0"/>
+              </a:rPr>
+              <a:t>list_goal </a:t>
+            </a:r>
+          </a:p>
+          <a:p>
+            <a:pPr marL="971550" lvl="1" indent="-514350">
+              <a:buFont typeface="+mj-lt"/>
+              <a:buAutoNum type="arabicPeriod"/>
+            </a:pPr>
+            <a:r>
+              <a:rPr lang="en-US" smtClean="0">
+                <a:latin typeface="Times New Roman" pitchFamily="18" charset="0"/>
+                <a:cs typeface="Times New Roman" pitchFamily="18" charset="0"/>
+              </a:rPr>
+              <a:t> </a:t>
+            </a:r>
+            <a:r>
+              <a:rPr lang="en-US" b="1" smtClean="0">
+                <a:latin typeface="Times New Roman" pitchFamily="18" charset="0"/>
+                <a:cs typeface="Times New Roman" pitchFamily="18" charset="0"/>
+              </a:rPr>
+              <a:t>Matching</a:t>
+            </a:r>
+          </a:p>
+          <a:p>
+            <a:pPr marL="1371600" lvl="2" indent="-514350">
+              <a:buFont typeface="Wingdings" pitchFamily="2" charset="2"/>
+              <a:buChar char="q"/>
+            </a:pPr>
+            <a:r>
+              <a:rPr lang="en-US" smtClean="0">
+                <a:latin typeface="Times New Roman" pitchFamily="18" charset="0"/>
+                <a:cs typeface="Times New Roman" pitchFamily="18" charset="0"/>
+              </a:rPr>
+              <a:t>IF </a:t>
+            </a:r>
+            <a:r>
+              <a:rPr lang="en-US" i="1" smtClean="0">
+                <a:latin typeface="Times New Roman" pitchFamily="18" charset="0"/>
+                <a:cs typeface="Times New Roman" pitchFamily="18" charset="0"/>
+              </a:rPr>
+              <a:t>success</a:t>
+            </a:r>
+            <a:r>
+              <a:rPr lang="en-US" smtClean="0">
+                <a:latin typeface="Times New Roman" pitchFamily="18" charset="0"/>
+                <a:cs typeface="Times New Roman" pitchFamily="18" charset="0"/>
+              </a:rPr>
+              <a:t> GOTO 3</a:t>
+            </a:r>
+          </a:p>
+          <a:p>
+            <a:pPr marL="1371600" lvl="2" indent="-514350">
+              <a:buFont typeface="Wingdings" pitchFamily="2" charset="2"/>
+              <a:buChar char="q"/>
+            </a:pPr>
+            <a:r>
+              <a:rPr lang="en-US" smtClean="0">
+                <a:latin typeface="Times New Roman" pitchFamily="18" charset="0"/>
+                <a:cs typeface="Times New Roman" pitchFamily="18" charset="0"/>
+              </a:rPr>
+              <a:t>ELSE </a:t>
+            </a:r>
+          </a:p>
+          <a:p>
+            <a:pPr marL="1828800" lvl="3" indent="-514350">
               <a:buFont typeface="Wingdings" pitchFamily="2" charset="2"/>
               <a:buChar char="§"/>
             </a:pPr>
             <a:r>
-              <a:rPr lang="en-US" smtClean="0"/>
-              <a:t> Go to 2</a:t>
-            </a:r>
-            <a:endParaRPr lang="en-US" smtClean="0"/>
-          </a:p>
-          <a:p>
-            <a:pPr marL="514350" indent="-514350">
+              <a:rPr lang="en-US" b="1" smtClean="0">
+                <a:latin typeface="Times New Roman" pitchFamily="18" charset="0"/>
+                <a:cs typeface="Times New Roman" pitchFamily="18" charset="0"/>
+              </a:rPr>
+              <a:t>Elimination</a:t>
+            </a:r>
+          </a:p>
+          <a:p>
+            <a:pPr marL="2286000" lvl="4" indent="-514350">
+              <a:buNone/>
+            </a:pPr>
+            <a:r>
+              <a:rPr lang="en-US" smtClean="0">
+                <a:latin typeface="Times New Roman" pitchFamily="18" charset="0"/>
+                <a:cs typeface="Times New Roman" pitchFamily="18" charset="0"/>
+              </a:rPr>
+              <a:t>IF </a:t>
+            </a:r>
+            <a:r>
+              <a:rPr lang="en-US" i="1" smtClean="0">
+                <a:latin typeface="Times New Roman" pitchFamily="18" charset="0"/>
+                <a:cs typeface="Times New Roman" pitchFamily="18" charset="0"/>
+              </a:rPr>
+              <a:t>success</a:t>
+            </a:r>
+            <a:r>
+              <a:rPr lang="en-US" smtClean="0">
+                <a:latin typeface="Times New Roman" pitchFamily="18" charset="0"/>
+                <a:cs typeface="Times New Roman" pitchFamily="18" charset="0"/>
+              </a:rPr>
+              <a:t> GOTO 2</a:t>
+            </a:r>
+          </a:p>
+          <a:p>
+            <a:pPr marL="2286000" lvl="4" indent="-514350">
+              <a:buNone/>
+            </a:pPr>
+            <a:r>
+              <a:rPr lang="en-US" smtClean="0">
+                <a:latin typeface="Times New Roman" pitchFamily="18" charset="0"/>
+                <a:cs typeface="Times New Roman" pitchFamily="18" charset="0"/>
+              </a:rPr>
+              <a:t>ELSE</a:t>
+            </a:r>
+          </a:p>
+          <a:p>
+            <a:pPr marL="2743200" lvl="5" indent="-514350">
+              <a:buFont typeface="Wingdings" pitchFamily="2" charset="2"/>
+              <a:buChar char="§"/>
+            </a:pPr>
+            <a:r>
+              <a:rPr lang="en-US" b="1" smtClean="0">
+                <a:latin typeface="Times New Roman" pitchFamily="18" charset="0"/>
+                <a:cs typeface="Times New Roman" pitchFamily="18" charset="0"/>
+              </a:rPr>
+              <a:t>Introduction</a:t>
+            </a:r>
+            <a:r>
+              <a:rPr lang="en-US" smtClean="0">
+                <a:latin typeface="Times New Roman" pitchFamily="18" charset="0"/>
+                <a:cs typeface="Times New Roman" pitchFamily="18" charset="0"/>
+              </a:rPr>
+              <a:t> or </a:t>
+            </a:r>
+            <a:r>
+              <a:rPr lang="en-US" b="1" smtClean="0">
+                <a:latin typeface="Times New Roman" pitchFamily="18" charset="0"/>
+                <a:cs typeface="Times New Roman" pitchFamily="18" charset="0"/>
+              </a:rPr>
+              <a:t>Contradition Deduction</a:t>
+            </a:r>
+          </a:p>
+          <a:p>
+            <a:pPr marL="3200400" lvl="6" indent="-514350">
+              <a:buNone/>
+            </a:pPr>
+            <a:r>
+              <a:rPr lang="en-US" smtClean="0">
+                <a:latin typeface="Times New Roman" pitchFamily="18" charset="0"/>
+                <a:cs typeface="Times New Roman" pitchFamily="18" charset="0"/>
+              </a:rPr>
+              <a:t>IF </a:t>
+            </a:r>
+            <a:r>
+              <a:rPr lang="en-US" i="1" smtClean="0">
+                <a:latin typeface="Times New Roman" pitchFamily="18" charset="0"/>
+                <a:cs typeface="Times New Roman" pitchFamily="18" charset="0"/>
+              </a:rPr>
+              <a:t>success</a:t>
+            </a:r>
+            <a:r>
+              <a:rPr lang="en-US" smtClean="0">
+                <a:latin typeface="Times New Roman" pitchFamily="18" charset="0"/>
+                <a:cs typeface="Times New Roman" pitchFamily="18" charset="0"/>
+              </a:rPr>
+              <a:t> GOTO 2</a:t>
+            </a:r>
+          </a:p>
+          <a:p>
+            <a:pPr marL="3200400" lvl="6" indent="-514350">
+              <a:buNone/>
+            </a:pPr>
+            <a:r>
+              <a:rPr lang="en-US" smtClean="0">
+                <a:latin typeface="Times New Roman" pitchFamily="18" charset="0"/>
+                <a:cs typeface="Times New Roman" pitchFamily="18" charset="0"/>
+              </a:rPr>
+              <a:t>ELSE </a:t>
+            </a:r>
+            <a:r>
+              <a:rPr lang="en-US" i="1" smtClean="0">
+                <a:latin typeface="Times New Roman" pitchFamily="18" charset="0"/>
+                <a:cs typeface="Times New Roman" pitchFamily="18" charset="0"/>
+              </a:rPr>
+              <a:t>exit_failed</a:t>
+            </a:r>
+          </a:p>
+          <a:p>
+            <a:pPr marL="971550" lvl="1" indent="-514350">
               <a:buFont typeface="+mj-lt"/>
               <a:buAutoNum type="arabicPeriod"/>
             </a:pPr>
             <a:r>
-              <a:rPr lang="en-US" b="1" smtClean="0"/>
-              <a:t>Matching</a:t>
-            </a:r>
-            <a:endParaRPr lang="en-US" smtClean="0"/>
-          </a:p>
-          <a:p>
-            <a:pPr marL="914400" lvl="1" indent="-514350">
+              <a:rPr lang="en-US" smtClean="0">
+                <a:latin typeface="Times New Roman" pitchFamily="18" charset="0"/>
+                <a:cs typeface="Times New Roman" pitchFamily="18" charset="0"/>
+              </a:rPr>
+              <a:t>Goal reached</a:t>
+            </a:r>
+          </a:p>
+          <a:p>
+            <a:pPr marL="1371600" lvl="2" indent="-514350">
+              <a:buFont typeface="Wingdings" pitchFamily="2" charset="2"/>
+              <a:buChar char="q"/>
+            </a:pPr>
+            <a:r>
+              <a:rPr lang="en-US" smtClean="0">
+                <a:latin typeface="Times New Roman" pitchFamily="18" charset="0"/>
+                <a:cs typeface="Times New Roman" pitchFamily="18" charset="0"/>
+              </a:rPr>
+              <a:t>IF goal is initial goal</a:t>
+            </a:r>
+          </a:p>
+          <a:p>
+            <a:pPr marL="2286000" lvl="4" indent="-514350">
               <a:buNone/>
             </a:pPr>
             <a:r>
-              <a:rPr lang="en-US" smtClean="0"/>
-              <a:t>if </a:t>
-            </a:r>
-            <a:r>
-              <a:rPr lang="en-US" smtClean="0"/>
-              <a:t>success go to </a:t>
-            </a:r>
-            <a:r>
-              <a:rPr lang="en-US" smtClean="0"/>
-              <a:t>3</a:t>
-            </a:r>
-          </a:p>
-          <a:p>
-            <a:pPr marL="914400" lvl="1" indent="-514350">
+              <a:rPr lang="en-US" i="1" smtClean="0">
+                <a:latin typeface="Times New Roman" pitchFamily="18" charset="0"/>
+                <a:cs typeface="Times New Roman" pitchFamily="18" charset="0"/>
+              </a:rPr>
+              <a:t>exit_success</a:t>
+            </a:r>
+          </a:p>
+          <a:p>
+            <a:pPr marL="1371600" lvl="2" indent="-514350">
+              <a:buFont typeface="Wingdings" pitchFamily="2" charset="2"/>
+              <a:buChar char="q"/>
+            </a:pPr>
+            <a:r>
+              <a:rPr lang="en-US" smtClean="0">
+                <a:latin typeface="Times New Roman" pitchFamily="18" charset="0"/>
+                <a:cs typeface="Times New Roman" pitchFamily="18" charset="0"/>
+              </a:rPr>
+              <a:t>ELSE</a:t>
+            </a:r>
+          </a:p>
+          <a:p>
+            <a:pPr marL="2286000" lvl="4" indent="-514350">
               <a:buNone/>
             </a:pPr>
             <a:r>
-              <a:rPr lang="en-US" smtClean="0"/>
-              <a:t>Else</a:t>
-            </a:r>
-          </a:p>
-          <a:p>
-            <a:pPr lvl="2">
-              <a:buFont typeface="Wingdings" pitchFamily="2" charset="2"/>
-              <a:buChar char="§"/>
-            </a:pPr>
-            <a:r>
-              <a:rPr lang="en-US" b="1" smtClean="0"/>
-              <a:t>Eliminate</a:t>
-            </a:r>
-            <a:r>
-              <a:rPr lang="en-US" smtClean="0"/>
-              <a:t> </a:t>
-            </a:r>
-          </a:p>
-          <a:p>
-            <a:pPr lvl="2">
+              <a:rPr lang="en-US" smtClean="0">
+                <a:latin typeface="Times New Roman" pitchFamily="18" charset="0"/>
+                <a:cs typeface="Times New Roman" pitchFamily="18" charset="0"/>
+              </a:rPr>
+              <a:t>Update </a:t>
+            </a:r>
+            <a:r>
+              <a:rPr lang="en-US" i="1" smtClean="0">
+                <a:latin typeface="Times New Roman" pitchFamily="18" charset="0"/>
+                <a:cs typeface="Times New Roman" pitchFamily="18" charset="0"/>
+              </a:rPr>
+              <a:t>list_proof</a:t>
+            </a:r>
+            <a:r>
+              <a:rPr lang="en-US" smtClean="0">
+                <a:latin typeface="Times New Roman" pitchFamily="18" charset="0"/>
+                <a:cs typeface="Times New Roman" pitchFamily="18" charset="0"/>
+              </a:rPr>
+              <a:t> and </a:t>
+            </a:r>
+            <a:r>
+              <a:rPr lang="en-US" i="1" smtClean="0">
+                <a:latin typeface="Times New Roman" pitchFamily="18" charset="0"/>
+                <a:cs typeface="Times New Roman" pitchFamily="18" charset="0"/>
+              </a:rPr>
+              <a:t>list_goal</a:t>
+            </a:r>
+          </a:p>
+          <a:p>
+            <a:pPr marL="2286000" lvl="4" indent="-514350">
               <a:buNone/>
             </a:pPr>
             <a:r>
-              <a:rPr lang="en-US" smtClean="0"/>
-              <a:t> if success go </a:t>
-            </a:r>
-            <a:r>
-              <a:rPr lang="en-US" smtClean="0"/>
-              <a:t>to </a:t>
-            </a:r>
-            <a:r>
-              <a:rPr lang="en-US" smtClean="0"/>
-              <a:t>2</a:t>
-            </a:r>
-          </a:p>
-          <a:p>
-            <a:pPr lvl="2">
+              <a:rPr lang="en-US" smtClean="0">
+                <a:latin typeface="Times New Roman" pitchFamily="18" charset="0"/>
+                <a:cs typeface="Times New Roman" pitchFamily="18" charset="0"/>
+              </a:rPr>
+              <a:t>GOTO 2</a:t>
+            </a:r>
+          </a:p>
+        </p:txBody>
+      </p:sp>
+    </p:spTree>
+  </p:cSld>
+  <p:clrMapOvr>
+    <a:masterClrMapping/>
+  </p:clrMapOvr>
+  <p:timing>
+    <p:tnLst>
+      <p:par>
+        <p:cTn id="1" dur="indefinite" restart="never" nodeType="tmRoot"/>
+      </p:par>
+    </p:tnLst>
+  </p:timing>
+</p:sld>
+</file>
+
+<file path=ppt/slides/slide26.xml><?xml version="1.0" encoding="utf-8"?>
+<p:sld xmlns:a="http://schemas.openxmlformats.org/drawingml/2006/main" xmlns:r="http://schemas.openxmlformats.org/officeDocument/2006/relationships" xmlns:p="http://schemas.openxmlformats.org/presentationml/2006/main">
+  <p:cSld>
+    <p:spTree>
+      <p:nvGrpSpPr>
+        <p:cNvPr id="1" name=""/>
+        <p:cNvGrpSpPr/>
+        <p:nvPr/>
+      </p:nvGrpSpPr>
+      <p:grpSpPr>
+        <a:xfrm>
+          <a:off x="0" y="0"/>
+          <a:ext cx="0" cy="0"/>
+          <a:chOff x="0" y="0"/>
+          <a:chExt cx="0" cy="0"/>
+        </a:xfrm>
+      </p:grpSpPr>
+      <p:sp>
+        <p:nvSpPr>
+          <p:cNvPr id="2" name="Title 1"/>
+          <p:cNvSpPr>
+            <a:spLocks noGrp="1"/>
+          </p:cNvSpPr>
+          <p:nvPr>
+            <p:ph type="title"/>
+          </p:nvPr>
+        </p:nvSpPr>
+        <p:spPr>
+          <a:xfrm>
+            <a:off x="457200" y="0"/>
+            <a:ext cx="8229600" cy="952500"/>
+          </a:xfrm>
+        </p:spPr>
+        <p:txBody>
+          <a:bodyPr/>
+          <a:lstStyle/>
+          <a:p>
+            <a:r>
+              <a:rPr lang="en-US" smtClean="0">
+                <a:latin typeface="Times New Roman" pitchFamily="18" charset="0"/>
+                <a:cs typeface="Times New Roman" pitchFamily="18" charset="0"/>
+              </a:rPr>
+              <a:t>EXAMPLE</a:t>
+            </a:r>
+            <a:endParaRPr lang="en-US">
+              <a:latin typeface="Times New Roman" pitchFamily="18" charset="0"/>
+              <a:cs typeface="Times New Roman" pitchFamily="18" charset="0"/>
+            </a:endParaRPr>
+          </a:p>
+        </p:txBody>
+      </p:sp>
+      <p:sp>
+        <p:nvSpPr>
+          <p:cNvPr id="3" name="Content Placeholder 2"/>
+          <p:cNvSpPr>
+            <a:spLocks noGrp="1"/>
+          </p:cNvSpPr>
+          <p:nvPr>
+            <p:ph idx="1"/>
+          </p:nvPr>
+        </p:nvSpPr>
+        <p:spPr>
+          <a:xfrm>
+            <a:off x="457200" y="876300"/>
+            <a:ext cx="8229600" cy="4838700"/>
+          </a:xfrm>
+        </p:spPr>
+        <p:txBody>
+          <a:bodyPr>
+            <a:normAutofit/>
+          </a:bodyPr>
+          <a:lstStyle/>
+          <a:p>
+            <a:pPr>
               <a:buNone/>
             </a:pPr>
-            <a:r>
-              <a:rPr lang="en-US" smtClean="0"/>
-              <a:t>else</a:t>
-            </a:r>
-            <a:endParaRPr lang="en-US" smtClean="0"/>
-          </a:p>
-          <a:p>
-            <a:pPr lvl="3">
-              <a:buFont typeface="Wingdings" pitchFamily="2" charset="2"/>
-              <a:buChar char="§"/>
-            </a:pPr>
-            <a:r>
-              <a:rPr lang="en-US" b="1" smtClean="0"/>
-              <a:t>Introduction</a:t>
-            </a:r>
-            <a:r>
-              <a:rPr lang="en-US" smtClean="0"/>
-              <a:t> or </a:t>
-            </a:r>
-            <a:r>
-              <a:rPr lang="en-US" b="1" smtClean="0"/>
-              <a:t>⊥ deduction </a:t>
-            </a:r>
-            <a:endParaRPr lang="en-US" b="1" smtClean="0"/>
-          </a:p>
-          <a:p>
-            <a:pPr lvl="3">
-              <a:buNone/>
-            </a:pPr>
-            <a:r>
-              <a:rPr lang="en-US" b="1" smtClean="0"/>
-              <a:t>If success </a:t>
-            </a:r>
-            <a:r>
-              <a:rPr lang="en-US" smtClean="0"/>
-              <a:t>Goto 2</a:t>
-            </a:r>
-          </a:p>
-          <a:p>
-            <a:pPr lvl="2">
-              <a:buNone/>
-            </a:pPr>
-            <a:r>
-              <a:rPr lang="en-US" smtClean="0"/>
-              <a:t>	</a:t>
-            </a:r>
-            <a:r>
-              <a:rPr lang="en-US" smtClean="0"/>
-              <a:t>      else EXIT </a:t>
-            </a:r>
-            <a:r>
-              <a:rPr lang="en-US" smtClean="0"/>
-              <a:t>FAILED </a:t>
-            </a:r>
-          </a:p>
-          <a:p>
-            <a:pPr marL="514350" indent="-514350">
-              <a:buFont typeface="+mj-lt"/>
-              <a:buAutoNum type="arabicPeriod"/>
-            </a:pPr>
-            <a:r>
-              <a:rPr lang="en-US" smtClean="0"/>
-              <a:t>Goal reached</a:t>
-            </a:r>
-          </a:p>
-          <a:p>
-            <a:pPr lvl="1">
-              <a:buNone/>
-            </a:pPr>
-            <a:r>
-              <a:rPr lang="en-US" smtClean="0"/>
-              <a:t>If goal is initial </a:t>
-            </a:r>
-            <a:r>
-              <a:rPr lang="en-US" smtClean="0"/>
-              <a:t>goal </a:t>
-            </a:r>
-            <a:r>
-              <a:rPr lang="en-US" smtClean="0"/>
-              <a:t>EXIT with SUCC</a:t>
-            </a:r>
-          </a:p>
-          <a:p>
-            <a:pPr lvl="1">
-              <a:buNone/>
-            </a:pPr>
-            <a:r>
-              <a:rPr lang="en-US" smtClean="0"/>
-              <a:t>Else </a:t>
-            </a:r>
-            <a:endParaRPr lang="en-US" smtClean="0"/>
-          </a:p>
-          <a:p>
-            <a:pPr lvl="2">
-              <a:buFont typeface="Wingdings" pitchFamily="2" charset="2"/>
-              <a:buChar char="§"/>
-            </a:pPr>
-            <a:r>
-              <a:rPr lang="en-US" smtClean="0"/>
-              <a:t>update list_goal and list_proof </a:t>
-            </a:r>
-          </a:p>
-          <a:p>
-            <a:pPr lvl="2">
-              <a:buFont typeface="Wingdings" pitchFamily="2" charset="2"/>
-              <a:buChar char="§"/>
-            </a:pPr>
-            <a:r>
-              <a:rPr lang="en-US" smtClean="0"/>
-              <a:t>go </a:t>
-            </a:r>
-            <a:r>
-              <a:rPr lang="en-US" smtClean="0"/>
-              <a:t>to 2</a:t>
-            </a:r>
-            <a:endParaRPr lang="en-US"/>
+            <a:endParaRPr lang="en-US" smtClean="0">
+              <a:latin typeface="Times New Roman" pitchFamily="18" charset="0"/>
+              <a:cs typeface="Times New Roman" pitchFamily="18" charset="0"/>
+            </a:endParaRPr>
           </a:p>
         </p:txBody>
       </p:sp>
@@ -19994,76 +21346,146 @@
             <p:ph idx="1"/>
           </p:nvPr>
         </p:nvSpPr>
-        <p:spPr/>
+        <p:spPr>
+          <a:xfrm>
+            <a:off x="457200" y="1333500"/>
+            <a:ext cx="8382000" cy="4038600"/>
+          </a:xfrm>
+        </p:spPr>
         <p:txBody>
           <a:bodyPr>
             <a:normAutofit fontScale="85000" lnSpcReduction="10000"/>
           </a:bodyPr>
           <a:lstStyle/>
           <a:p>
-            <a:r>
-              <a:rPr lang="en-US" smtClean="0"/>
+            <a:pPr>
+              <a:buFont typeface="Wingdings" pitchFamily="2" charset="2"/>
+              <a:buChar char="§"/>
+            </a:pPr>
+            <a:r>
+              <a:rPr lang="en-US" smtClean="0">
+                <a:latin typeface="Times New Roman" pitchFamily="18" charset="0"/>
+                <a:cs typeface="Times New Roman" pitchFamily="18" charset="0"/>
+              </a:rPr>
               <a:t>Bài toán thực tế: </a:t>
             </a:r>
           </a:p>
           <a:p>
-            <a:pPr lvl="1"/>
-            <a:r>
-              <a:rPr lang="vi-VN" smtClean="0"/>
+            <a:pPr lvl="1">
+              <a:buFont typeface="Arial" pitchFamily="34" charset="0"/>
+              <a:buChar char="•"/>
+            </a:pPr>
+            <a:r>
+              <a:rPr lang="vi-VN" smtClean="0">
+                <a:latin typeface="Times New Roman" pitchFamily="18" charset="0"/>
+                <a:cs typeface="Times New Roman" pitchFamily="18" charset="0"/>
+              </a:rPr>
               <a:t>Trẻ con nói chuyện không biết lý luận.</a:t>
             </a:r>
           </a:p>
           <a:p>
-            <a:pPr lvl="1"/>
-            <a:r>
-              <a:rPr lang="vi-VN" smtClean="0"/>
+            <a:pPr lvl="1">
+              <a:buFont typeface="Arial" pitchFamily="34" charset="0"/>
+              <a:buChar char="•"/>
+            </a:pPr>
+            <a:r>
+              <a:rPr lang="vi-VN" smtClean="0">
+                <a:latin typeface="Times New Roman" pitchFamily="18" charset="0"/>
+                <a:cs typeface="Times New Roman" pitchFamily="18" charset="0"/>
+              </a:rPr>
               <a:t>Không ai làm việc chăm chỉ lại bị chế nhạo.</a:t>
             </a:r>
           </a:p>
           <a:p>
-            <a:pPr lvl="1"/>
-            <a:r>
-              <a:rPr lang="vi-VN" smtClean="0"/>
+            <a:pPr lvl="1">
+              <a:buFont typeface="Arial" pitchFamily="34" charset="0"/>
+              <a:buChar char="•"/>
+            </a:pPr>
+            <a:r>
+              <a:rPr lang="vi-VN" smtClean="0">
+                <a:latin typeface="Times New Roman" pitchFamily="18" charset="0"/>
+                <a:cs typeface="Times New Roman" pitchFamily="18" charset="0"/>
+              </a:rPr>
               <a:t>Ai nói chuyện không biết lý luận thì bị chế nh</a:t>
             </a:r>
             <a:r>
-              <a:rPr lang="en-US" smtClean="0"/>
+              <a:rPr lang="en-US" smtClean="0">
+                <a:latin typeface="Times New Roman" pitchFamily="18" charset="0"/>
+                <a:cs typeface="Times New Roman" pitchFamily="18" charset="0"/>
+              </a:rPr>
               <a:t>ạo</a:t>
             </a:r>
-            <a:endParaRPr lang="vi-VN" smtClean="0"/>
+            <a:endParaRPr lang="vi-VN" smtClean="0">
+              <a:latin typeface="Times New Roman" pitchFamily="18" charset="0"/>
+              <a:cs typeface="Times New Roman" pitchFamily="18" charset="0"/>
+            </a:endParaRPr>
           </a:p>
           <a:p>
             <a:pPr lvl="1">
               <a:buNone/>
             </a:pPr>
             <a:r>
-              <a:rPr lang="en-US" smtClean="0"/>
-              <a:t>→</a:t>
-            </a:r>
-            <a:r>
-              <a:rPr lang="vi-VN" smtClean="0"/>
-              <a:t>Vì vậy trẻ con không thể làm việc chăm chỉ</a:t>
-            </a:r>
-            <a:r>
-              <a:rPr lang="en-US" smtClean="0"/>
+              <a:rPr lang="en-US" sz="3900" b="1" smtClean="0">
+                <a:latin typeface="Times New Roman" pitchFamily="18" charset="0"/>
+                <a:cs typeface="Times New Roman" pitchFamily="18" charset="0"/>
+              </a:rPr>
+              <a:t>→ </a:t>
+            </a:r>
+            <a:r>
+              <a:rPr lang="vi-VN" i="1" smtClean="0">
+                <a:latin typeface="Times New Roman" pitchFamily="18" charset="0"/>
+                <a:cs typeface="Times New Roman" pitchFamily="18" charset="0"/>
+              </a:rPr>
+              <a:t>Vì </a:t>
+            </a:r>
+            <a:r>
+              <a:rPr lang="vi-VN" i="1" smtClean="0">
+                <a:latin typeface="Times New Roman" pitchFamily="18" charset="0"/>
+                <a:cs typeface="Times New Roman" pitchFamily="18" charset="0"/>
+              </a:rPr>
+              <a:t>vậy trẻ con không thể làm việc chăm chỉ</a:t>
+            </a:r>
+            <a:r>
+              <a:rPr lang="en-US" i="1" smtClean="0">
+                <a:latin typeface="Times New Roman" pitchFamily="18" charset="0"/>
+                <a:cs typeface="Times New Roman" pitchFamily="18" charset="0"/>
+              </a:rPr>
               <a:t> ?</a:t>
             </a:r>
           </a:p>
           <a:p>
-            <a:pPr lvl="1">
-              <a:buNone/>
+            <a:pPr>
+              <a:buFont typeface="Wingdings" pitchFamily="2" charset="2"/>
+              <a:buChar char="§"/>
             </a:pPr>
             <a:r>
-              <a:rPr lang="en-US" smtClean="0"/>
-              <a:t>Để chứng minh ta phải vận dụng logic vị từ theo 3 bước:</a:t>
-            </a:r>
+              <a:rPr lang="en-US" smtClean="0">
+                <a:latin typeface="Times New Roman" pitchFamily="18" charset="0"/>
+                <a:cs typeface="Times New Roman" pitchFamily="18" charset="0"/>
+              </a:rPr>
+              <a:t>Để chứng minh ta phải vận dụng logic vị từ theo 3 </a:t>
+            </a:r>
+            <a:r>
+              <a:rPr lang="en-US" smtClean="0">
+                <a:latin typeface="Times New Roman" pitchFamily="18" charset="0"/>
+                <a:cs typeface="Times New Roman" pitchFamily="18" charset="0"/>
+              </a:rPr>
+              <a:t>bước</a:t>
+            </a:r>
+            <a:endParaRPr lang="en-US" smtClean="0">
+              <a:latin typeface="Times New Roman" pitchFamily="18" charset="0"/>
+              <a:cs typeface="Times New Roman" pitchFamily="18" charset="0"/>
+            </a:endParaRPr>
           </a:p>
           <a:p>
             <a:pPr marL="971550" lvl="1" indent="-514350">
               <a:buAutoNum type="arabicPeriod"/>
             </a:pPr>
             <a:r>
-              <a:rPr lang="en-US" smtClean="0"/>
+              <a:rPr lang="en-US" smtClean="0">
+                <a:latin typeface="Times New Roman" pitchFamily="18" charset="0"/>
+                <a:cs typeface="Times New Roman" pitchFamily="18" charset="0"/>
+              </a:rPr>
               <a:t>Chuyển bài toán thành logic vị từ</a:t>
             </a:r>
           </a:p>
@@ -20072,7 +21494,10 @@
               <a:buAutoNum type="arabicPeriod"/>
             </a:pPr>
             <a:r>
-              <a:rPr lang="en-US" smtClean="0"/>
+              <a:rPr lang="en-US" smtClean="0">
+                <a:latin typeface="Times New Roman" pitchFamily="18" charset="0"/>
+                <a:cs typeface="Times New Roman" pitchFamily="18" charset="0"/>
+              </a:rPr>
               <a:t>Dùng các luật suy diễn để suy luận</a:t>
             </a:r>
           </a:p>
@@ -20081,10 +21506,16 @@
               <a:buAutoNum type="arabicPeriod"/>
             </a:pPr>
             <a:r>
-              <a:rPr lang="en-US" smtClean="0"/>
+              <a:rPr lang="en-US" smtClean="0">
+                <a:latin typeface="Times New Roman" pitchFamily="18" charset="0"/>
+                <a:cs typeface="Times New Roman" pitchFamily="18" charset="0"/>
+              </a:rPr>
               <a:t>Chuyển các suy luận thành ngôn ngữ tự nhiên</a:t>
             </a:r>
-            <a:endParaRPr lang="en-US"/>
+            <a:endParaRPr lang="en-US">
+              <a:latin typeface="Times New Roman" pitchFamily="18" charset="0"/>
+              <a:cs typeface="Times New Roman" pitchFamily="18" charset="0"/>
+            </a:endParaRPr>
           </a:p>
         </p:txBody>
       </p:sp>
@@ -20143,12 +21574,30 @@
           <a:lstStyle/>
           <a:p>
             <a:r>
-              <a:rPr lang="en-US" sz="3600" smtClean="0">
-                <a:latin typeface="Times New Roman" pitchFamily="18" charset="0"/>
-              </a:rPr>
-              <a:t>DẪN NHẬP (2)</a:t>
-            </a:r>
-            <a:endParaRPr lang="en-US" sz="3600">
+              <a:rPr lang="en-US" smtClean="0">
+                <a:latin typeface="Times New Roman" pitchFamily="18" charset="0"/>
+              </a:rPr>
+              <a:t>DẪN </a:t>
+            </a:r>
+            <a:r>
+              <a:rPr lang="en-US" smtClean="0">
+                <a:latin typeface="Times New Roman" pitchFamily="18" charset="0"/>
+              </a:rPr>
+              <a:t>NHẬP (</a:t>
+            </a:r>
+            <a:r>
+              <a:rPr lang="en-US" smtClean="0">
+                <a:latin typeface="Times New Roman" pitchFamily="18" charset="0"/>
+              </a:rPr>
+              <a:t>2</a:t>
+            </a:r>
+            <a:r>
+              <a:rPr lang="en-US" smtClean="0">
+                <a:latin typeface="Times New Roman" pitchFamily="18" charset="0"/>
+              </a:rPr>
+              <a:t>)</a:t>
+            </a:r>
+            <a:endParaRPr lang="en-US">
               <a:latin typeface="Times New Roman" pitchFamily="18" charset="0"/>
             </a:endParaRPr>
           </a:p>
@@ -20172,24 +21621,36 @@
           <a:lstStyle/>
           <a:p>
             <a:r>
-              <a:rPr lang="en-US" smtClean="0"/>
+              <a:rPr lang="en-US" smtClean="0">
+                <a:latin typeface="Times New Roman" pitchFamily="18" charset="0"/>
+                <a:cs typeface="Times New Roman" pitchFamily="18" charset="0"/>
+              </a:rPr>
               <a:t>Có 2 phương pháp chứng minh chính</a:t>
             </a:r>
           </a:p>
           <a:p>
             <a:pPr lvl="1"/>
             <a:r>
-              <a:rPr lang="en-US" smtClean="0"/>
+              <a:rPr lang="en-US" smtClean="0">
+                <a:latin typeface="Times New Roman" pitchFamily="18" charset="0"/>
+                <a:cs typeface="Times New Roman" pitchFamily="18" charset="0"/>
+              </a:rPr>
               <a:t>Suy luận tự nhiên</a:t>
             </a:r>
           </a:p>
           <a:p>
             <a:pPr lvl="1"/>
             <a:r>
-              <a:rPr lang="en-US" smtClean="0"/>
+              <a:rPr lang="en-US" smtClean="0">
+                <a:latin typeface="Times New Roman" pitchFamily="18" charset="0"/>
+                <a:cs typeface="Times New Roman" pitchFamily="18" charset="0"/>
+              </a:rPr>
               <a:t>Phân giải</a:t>
             </a:r>
-            <a:endParaRPr lang="en-US"/>
+            <a:endParaRPr lang="en-US">
+              <a:latin typeface="Times New Roman" pitchFamily="18" charset="0"/>
+              <a:cs typeface="Times New Roman" pitchFamily="18" charset="0"/>
+            </a:endParaRPr>
           </a:p>
         </p:txBody>
       </p:sp>
@@ -20249,7 +21710,13 @@
               <a:rPr lang="en-US" smtClean="0">
                 <a:latin typeface="Times New Roman" pitchFamily="18" charset="0"/>
               </a:rPr>
-              <a:t>GiỚI THIỆU ĐỀ TÀI</a:t>
+              <a:t>GIỚI </a:t>
+            </a:r>
+            <a:r>
+              <a:rPr lang="en-US" smtClean="0">
+                <a:latin typeface="Times New Roman" pitchFamily="18" charset="0"/>
+              </a:rPr>
+              <a:t>THIỆU ĐỀ TÀI</a:t>
             </a:r>
             <a:endParaRPr lang="en-US">
               <a:latin typeface="Times New Roman" pitchFamily="18" charset="0"/>
@@ -20275,50 +21742,74 @@
           <a:lstStyle/>
           <a:p>
             <a:r>
-              <a:rPr lang="en-US" smtClean="0"/>
+              <a:rPr lang="en-US" smtClean="0">
+                <a:latin typeface="Times New Roman" pitchFamily="18" charset="0"/>
+                <a:cs typeface="Times New Roman" pitchFamily="18" charset="0"/>
+              </a:rPr>
               <a:t>Chứng minh tự động logic vị từ theo phương pháp suy luận tự nhiên</a:t>
             </a:r>
           </a:p>
           <a:p>
             <a:r>
-              <a:rPr lang="en-US" smtClean="0"/>
+              <a:rPr lang="en-US" b="1" smtClean="0">
+                <a:latin typeface="Times New Roman" pitchFamily="18" charset="0"/>
+                <a:cs typeface="Times New Roman" pitchFamily="18" charset="0"/>
+              </a:rPr>
               <a:t>Ưu điểm:</a:t>
             </a:r>
           </a:p>
           <a:p>
             <a:pPr lvl="1"/>
             <a:r>
-              <a:rPr lang="en-US" smtClean="0"/>
+              <a:rPr lang="en-US" smtClean="0">
+                <a:latin typeface="Times New Roman" pitchFamily="18" charset="0"/>
+                <a:cs typeface="Times New Roman" pitchFamily="18" charset="0"/>
+              </a:rPr>
               <a:t>Gần gũi với người dùng</a:t>
             </a:r>
           </a:p>
           <a:p>
             <a:pPr lvl="1"/>
             <a:r>
-              <a:rPr lang="en-US" smtClean="0"/>
+              <a:rPr lang="en-US" smtClean="0">
+                <a:latin typeface="Times New Roman" pitchFamily="18" charset="0"/>
+                <a:cs typeface="Times New Roman" pitchFamily="18" charset="0"/>
+              </a:rPr>
               <a:t>Dễ chuyển đổi thành ngôn ngữ tự nhiên</a:t>
             </a:r>
           </a:p>
           <a:p>
             <a:r>
-              <a:rPr lang="en-US" smtClean="0"/>
+              <a:rPr lang="en-US" b="1" smtClean="0">
+                <a:latin typeface="Times New Roman" pitchFamily="18" charset="0"/>
+                <a:cs typeface="Times New Roman" pitchFamily="18" charset="0"/>
+              </a:rPr>
               <a:t>Nhược điểm:</a:t>
             </a:r>
           </a:p>
           <a:p>
             <a:pPr lvl="1"/>
             <a:r>
-              <a:rPr lang="en-US" smtClean="0"/>
+              <a:rPr lang="en-US" smtClean="0">
+                <a:latin typeface="Times New Roman" pitchFamily="18" charset="0"/>
+                <a:cs typeface="Times New Roman" pitchFamily="18" charset="0"/>
+              </a:rPr>
               <a:t>Không có giải thuật chính qui</a:t>
             </a:r>
           </a:p>
           <a:p>
             <a:pPr lvl="1"/>
             <a:r>
-              <a:rPr lang="en-US" smtClean="0"/>
+              <a:rPr lang="en-US" smtClean="0">
+                <a:latin typeface="Times New Roman" pitchFamily="18" charset="0"/>
+                <a:cs typeface="Times New Roman" pitchFamily="18" charset="0"/>
+              </a:rPr>
               <a:t>Khó hiện thực </a:t>
             </a:r>
-            <a:endParaRPr lang="en-US"/>
+            <a:endParaRPr lang="en-US">
+              <a:latin typeface="Times New Roman" pitchFamily="18" charset="0"/>
+              <a:cs typeface="Times New Roman" pitchFamily="18" charset="0"/>
+            </a:endParaRPr>
           </a:p>
         </p:txBody>
       </p:sp>
@@ -20742,7 +22233,12 @@
             <p:ph type="title"/>
           </p:nvPr>
         </p:nvSpPr>
-        <p:spPr/>
+        <p:spPr>
+          <a:xfrm>
+            <a:off x="457200" y="0"/>
+            <a:ext cx="8229600" cy="952500"/>
+          </a:xfrm>
+        </p:spPr>
         <p:txBody>
           <a:bodyPr/>
           <a:lstStyle/>
@@ -20771,8 +22267,8 @@
         </p:nvSpPr>
         <p:spPr>
           <a:xfrm>
-            <a:off x="457200" y="952500"/>
-            <a:ext cx="8229600" cy="4419600"/>
+            <a:off x="304800" y="876300"/>
+            <a:ext cx="8229600" cy="4838700"/>
           </a:xfrm>
         </p:spPr>
         <p:txBody>
@@ -20786,35 +22282,50 @@
               <a:buChar char="o"/>
             </a:pPr>
             <a:r>
-              <a:rPr lang="en-US" sz="7200" smtClean="0"/>
+              <a:rPr lang="en-US" sz="7200" smtClean="0">
+                <a:latin typeface="Times New Roman" pitchFamily="18" charset="0"/>
+                <a:cs typeface="Times New Roman" pitchFamily="18" charset="0"/>
+              </a:rPr>
               <a:t>Theo BNF sau:</a:t>
             </a:r>
           </a:p>
           <a:p>
             <a:pPr lvl="2"/>
             <a:r>
-              <a:rPr lang="en-US" sz="4400" smtClean="0"/>
+              <a:rPr lang="en-US" sz="4400" smtClean="0">
+                <a:latin typeface="Times New Roman" pitchFamily="18" charset="0"/>
+                <a:cs typeface="Times New Roman" pitchFamily="18" charset="0"/>
+              </a:rPr>
               <a:t>var		= 	[abcdefghijklmnopqrstuvwxyz] {Alphanumeric}*</a:t>
             </a:r>
           </a:p>
           <a:p>
             <a:pPr lvl="2"/>
             <a:r>
-              <a:rPr lang="en-US" sz="4400" smtClean="0"/>
+              <a:rPr lang="en-US" sz="4400" smtClean="0">
+                <a:latin typeface="Times New Roman" pitchFamily="18" charset="0"/>
+                <a:cs typeface="Times New Roman" pitchFamily="18" charset="0"/>
+              </a:rPr>
               <a:t>const		= 	[ABCDEFGHIJKLMNOPQRSTUVWXYZ] {Alphanumeric}*</a:t>
             </a:r>
           </a:p>
           <a:p>
             <a:pPr lvl="2"/>
             <a:r>
-              <a:rPr lang="en-US" sz="4400" smtClean="0"/>
+              <a:rPr lang="en-US" sz="4400" smtClean="0">
+                <a:latin typeface="Times New Roman" pitchFamily="18" charset="0"/>
+                <a:cs typeface="Times New Roman" pitchFamily="18" charset="0"/>
+              </a:rPr>
               <a:t>&lt;source&gt;		::= 	&lt;formula&gt; &lt;tail&gt;  </a:t>
             </a:r>
           </a:p>
           <a:p>
             <a:pPr lvl="2"/>
             <a:r>
-              <a:rPr lang="en-US" sz="4400" smtClean="0"/>
+              <a:rPr lang="en-US" sz="4400" smtClean="0">
+                <a:latin typeface="Times New Roman" pitchFamily="18" charset="0"/>
+                <a:cs typeface="Times New Roman" pitchFamily="18" charset="0"/>
+              </a:rPr>
               <a:t>&lt;tail&gt;		::= 	',' &lt;source&gt;  </a:t>
             </a:r>
           </a:p>
@@ -20823,7 +22334,10 @@
               <a:buNone/>
             </a:pPr>
             <a:r>
-              <a:rPr lang="en-US" sz="4400" smtClean="0"/>
+              <a:rPr lang="en-US" sz="4400" smtClean="0">
+                <a:latin typeface="Times New Roman" pitchFamily="18" charset="0"/>
+                <a:cs typeface="Times New Roman" pitchFamily="18" charset="0"/>
+              </a:rPr>
               <a:t>			|  	&lt;binary-operator&gt;&lt;source&gt;  </a:t>
             </a:r>
           </a:p>
@@ -20832,14 +22346,20 @@
               <a:buNone/>
             </a:pPr>
             <a:r>
-              <a:rPr lang="en-US" sz="4400" smtClean="0"/>
+              <a:rPr lang="en-US" sz="4400" smtClean="0">
+                <a:latin typeface="Times New Roman" pitchFamily="18" charset="0"/>
+                <a:cs typeface="Times New Roman" pitchFamily="18" charset="0"/>
+              </a:rPr>
               <a:t>			|	&lt;empty&gt;</a:t>
             </a:r>
           </a:p>
           <a:p>
             <a:pPr lvl="2"/>
             <a:r>
-              <a:rPr lang="en-US" sz="4400" smtClean="0"/>
+              <a:rPr lang="en-US" sz="4400" smtClean="0">
+                <a:latin typeface="Times New Roman" pitchFamily="18" charset="0"/>
+                <a:cs typeface="Times New Roman" pitchFamily="18" charset="0"/>
+              </a:rPr>
               <a:t>&lt;formula&gt;		::= 	const</a:t>
             </a:r>
           </a:p>
@@ -20848,7 +22368,10 @@
               <a:buNone/>
             </a:pPr>
             <a:r>
-              <a:rPr lang="en-US" sz="4400" smtClean="0"/>
+              <a:rPr lang="en-US" sz="4400" smtClean="0">
+                <a:latin typeface="Times New Roman" pitchFamily="18" charset="0"/>
+                <a:cs typeface="Times New Roman" pitchFamily="18" charset="0"/>
+              </a:rPr>
               <a:t>			|  	'not' &lt;formula&gt;  </a:t>
             </a:r>
           </a:p>
@@ -20857,7 +22380,10 @@
               <a:buNone/>
             </a:pPr>
             <a:r>
-              <a:rPr lang="en-US" sz="4400" smtClean="0"/>
+              <a:rPr lang="en-US" sz="4400" smtClean="0">
+                <a:latin typeface="Times New Roman" pitchFamily="18" charset="0"/>
+                <a:cs typeface="Times New Roman" pitchFamily="18" charset="0"/>
+              </a:rPr>
               <a:t>			| 	 &lt;quantifier&gt; &lt;formula&gt; </a:t>
             </a:r>
           </a:p>
@@ -20866,7 +22392,10 @@
               <a:buNone/>
             </a:pPr>
             <a:r>
-              <a:rPr lang="en-US" sz="4400" smtClean="0"/>
+              <a:rPr lang="en-US" sz="4400" smtClean="0">
+                <a:latin typeface="Times New Roman" pitchFamily="18" charset="0"/>
+                <a:cs typeface="Times New Roman" pitchFamily="18" charset="0"/>
+              </a:rPr>
               <a:t>			| 	con &lt;argument-list&gt; </a:t>
             </a:r>
           </a:p>
@@ -20875,7 +22404,10 @@
               <a:buNone/>
             </a:pPr>
             <a:r>
-              <a:rPr lang="en-US" sz="4400" smtClean="0"/>
+              <a:rPr lang="en-US" sz="4400" smtClean="0">
+                <a:latin typeface="Times New Roman" pitchFamily="18" charset="0"/>
+                <a:cs typeface="Times New Roman" pitchFamily="18" charset="0"/>
+              </a:rPr>
               <a:t>			| 	var &lt;argument-list&gt;</a:t>
             </a:r>
           </a:p>
@@ -20884,21 +22416,30 @@
               <a:buNone/>
             </a:pPr>
             <a:r>
-              <a:rPr lang="en-US" sz="4400" smtClean="0"/>
+              <a:rPr lang="en-US" sz="4400" smtClean="0">
+                <a:latin typeface="Times New Roman" pitchFamily="18" charset="0"/>
+                <a:cs typeface="Times New Roman" pitchFamily="18" charset="0"/>
+              </a:rPr>
               <a:t>			|	'(' &lt;source&gt; ')’</a:t>
             </a:r>
           </a:p>
           <a:p>
             <a:pPr lvl="2"/>
             <a:r>
-              <a:rPr lang="en-US" sz="4400" smtClean="0"/>
+              <a:rPr lang="en-US" sz="4400" smtClean="0">
+                <a:latin typeface="Times New Roman" pitchFamily="18" charset="0"/>
+                <a:cs typeface="Times New Roman" pitchFamily="18" charset="0"/>
+              </a:rPr>
               <a:t>&lt;argument-list&gt;	::=	'(' &lt;arg&gt; &lt;arg-tail&gt; </a:t>
             </a:r>
           </a:p>
           <a:p>
             <a:pPr lvl="2"/>
             <a:r>
-              <a:rPr lang="en-US" sz="4400" smtClean="0"/>
+              <a:rPr lang="en-US" sz="4400" smtClean="0">
+                <a:latin typeface="Times New Roman" pitchFamily="18" charset="0"/>
+                <a:cs typeface="Times New Roman" pitchFamily="18" charset="0"/>
+              </a:rPr>
               <a:t>&lt;arg-tail&gt; 		::= 	‘,'&lt;arg&gt;&lt;arg-tail&gt; </a:t>
             </a:r>
           </a:p>
@@ -20907,14 +22448,20 @@
               <a:buNone/>
             </a:pPr>
             <a:r>
-              <a:rPr lang="en-US" sz="4400" smtClean="0"/>
+              <a:rPr lang="en-US" sz="4400" smtClean="0">
+                <a:latin typeface="Times New Roman" pitchFamily="18" charset="0"/>
+                <a:cs typeface="Times New Roman" pitchFamily="18" charset="0"/>
+              </a:rPr>
               <a:t>			| 	 ')’</a:t>
             </a:r>
           </a:p>
           <a:p>
             <a:pPr lvl="2"/>
             <a:r>
-              <a:rPr lang="en-US" sz="4400" smtClean="0"/>
+              <a:rPr lang="en-US" sz="4400" smtClean="0">
+                <a:latin typeface="Times New Roman" pitchFamily="18" charset="0"/>
+                <a:cs typeface="Times New Roman" pitchFamily="18" charset="0"/>
+              </a:rPr>
               <a:t>&lt;arg&gt; 		::= 	var</a:t>
             </a:r>
           </a:p>
@@ -20923,7 +22470,10 @@
               <a:buNone/>
             </a:pPr>
             <a:r>
-              <a:rPr lang="en-US" sz="4400" smtClean="0"/>
+              <a:rPr lang="en-US" sz="4400" smtClean="0">
+                <a:latin typeface="Times New Roman" pitchFamily="18" charset="0"/>
+                <a:cs typeface="Times New Roman" pitchFamily="18" charset="0"/>
+              </a:rPr>
               <a:t>			|	 con</a:t>
             </a:r>
           </a:p>
@@ -20932,7 +22482,10 @@
               <a:buNone/>
             </a:pPr>
             <a:r>
-              <a:rPr lang="en-US" sz="4400" smtClean="0"/>
+              <a:rPr lang="en-US" sz="4400" smtClean="0">
+                <a:latin typeface="Times New Roman" pitchFamily="18" charset="0"/>
+                <a:cs typeface="Times New Roman" pitchFamily="18" charset="0"/>
+              </a:rPr>
               <a:t>			|	var &lt;argument-list&gt;</a:t>
             </a:r>
           </a:p>
@@ -20941,7 +22494,10 @@
               <a:buNone/>
             </a:pPr>
             <a:r>
-              <a:rPr lang="en-US" sz="4400" smtClean="0"/>
+              <a:rPr lang="en-US" sz="4400" smtClean="0">
+                <a:latin typeface="Times New Roman" pitchFamily="18" charset="0"/>
+                <a:cs typeface="Times New Roman" pitchFamily="18" charset="0"/>
+              </a:rPr>
               <a:t>			|	'not' &lt;formula&gt;</a:t>
             </a:r>
           </a:p>
@@ -20950,14 +22506,20 @@
               <a:buNone/>
             </a:pPr>
             <a:r>
-              <a:rPr lang="en-US" sz="4400" smtClean="0"/>
+              <a:rPr lang="en-US" sz="4400" smtClean="0">
+                <a:latin typeface="Times New Roman" pitchFamily="18" charset="0"/>
+                <a:cs typeface="Times New Roman" pitchFamily="18" charset="0"/>
+              </a:rPr>
               <a:t>			 |	&lt;quantifier&gt; &lt;formula&gt;</a:t>
             </a:r>
           </a:p>
           <a:p>
             <a:pPr lvl="2"/>
             <a:r>
-              <a:rPr lang="en-US" sz="4400" smtClean="0"/>
+              <a:rPr lang="en-US" sz="4400" smtClean="0">
+                <a:latin typeface="Times New Roman" pitchFamily="18" charset="0"/>
+                <a:cs typeface="Times New Roman" pitchFamily="18" charset="0"/>
+              </a:rPr>
               <a:t>&lt;binary-operator&gt; 	::= 	'and' </a:t>
             </a:r>
           </a:p>
@@ -20966,7 +22528,10 @@
               <a:buNone/>
             </a:pPr>
             <a:r>
-              <a:rPr lang="en-US" sz="4400" smtClean="0"/>
+              <a:rPr lang="en-US" sz="4400" smtClean="0">
+                <a:latin typeface="Times New Roman" pitchFamily="18" charset="0"/>
+                <a:cs typeface="Times New Roman" pitchFamily="18" charset="0"/>
+              </a:rPr>
               <a:t>			| 	'or' </a:t>
             </a:r>
           </a:p>
@@ -20975,14 +22540,20 @@
               <a:buNone/>
             </a:pPr>
             <a:r>
-              <a:rPr lang="en-US" sz="4400" smtClean="0"/>
+              <a:rPr lang="en-US" sz="4400" smtClean="0">
+                <a:latin typeface="Times New Roman" pitchFamily="18" charset="0"/>
+                <a:cs typeface="Times New Roman" pitchFamily="18" charset="0"/>
+              </a:rPr>
               <a:t>			| 	'modus’</a:t>
             </a:r>
           </a:p>
           <a:p>
             <a:pPr lvl="2"/>
             <a:r>
-              <a:rPr lang="en-US" sz="4400" smtClean="0"/>
+              <a:rPr lang="en-US" sz="4400" smtClean="0">
+                <a:latin typeface="Times New Roman" pitchFamily="18" charset="0"/>
+                <a:cs typeface="Times New Roman" pitchFamily="18" charset="0"/>
+              </a:rPr>
               <a:t>&lt;quantifier&gt; 	::=   	'all' var  </a:t>
             </a:r>
           </a:p>
@@ -20991,7 +22562,10 @@
               <a:buNone/>
             </a:pPr>
             <a:r>
-              <a:rPr lang="en-US" sz="4400" smtClean="0"/>
+              <a:rPr lang="en-US" sz="4400" smtClean="0">
+                <a:latin typeface="Times New Roman" pitchFamily="18" charset="0"/>
+                <a:cs typeface="Times New Roman" pitchFamily="18" charset="0"/>
+              </a:rPr>
               <a:t>			| 	 'exists' var</a:t>
             </a:r>
           </a:p>
@@ -21000,7 +22574,10 @@
               <a:buFont typeface="Courier New" pitchFamily="49" charset="0"/>
               <a:buChar char="o"/>
             </a:pPr>
-            <a:endParaRPr lang="en-US" smtClean="0"/>
+            <a:endParaRPr lang="en-US" smtClean="0">
+              <a:latin typeface="Times New Roman" pitchFamily="18" charset="0"/>
+              <a:cs typeface="Times New Roman" pitchFamily="18" charset="0"/>
+            </a:endParaRPr>
           </a:p>
           <a:p>
             <a:pPr lvl="1">
@@ -21069,6 +22646,298 @@
               <a:rPr lang="en-US" smtClean="0">
                 <a:latin typeface="Times New Roman" pitchFamily="18" charset="0"/>
               </a:rPr>
+              <a:t>INPUT (2)</a:t>
+            </a:r>
+            <a:endParaRPr lang="en-US">
+              <a:latin typeface="Times New Roman" pitchFamily="18" charset="0"/>
+            </a:endParaRPr>
+          </a:p>
+        </p:txBody>
+      </p:sp>
+      <p:sp>
+        <p:nvSpPr>
+          <p:cNvPr id="15" name="Content Placeholder 14"/>
+          <p:cNvSpPr>
+            <a:spLocks noGrp="1"/>
+          </p:cNvSpPr>
+          <p:nvPr>
+            <p:ph idx="1"/>
+          </p:nvPr>
+        </p:nvSpPr>
+        <p:spPr>
+          <a:xfrm>
+            <a:off x="304800" y="952500"/>
+            <a:ext cx="8229600" cy="4572000"/>
+          </a:xfrm>
+        </p:spPr>
+        <p:txBody>
+          <a:bodyPr>
+            <a:normAutofit/>
+          </a:bodyPr>
+          <a:lstStyle/>
+          <a:p>
+            <a:pPr lvl="1">
+              <a:buFont typeface="Courier New" pitchFamily="49" charset="0"/>
+              <a:buChar char="o"/>
+            </a:pPr>
+            <a:endParaRPr lang="en-US" smtClean="0">
+              <a:latin typeface="Times New Roman" pitchFamily="18" charset="0"/>
+              <a:cs typeface="Times New Roman" pitchFamily="18" charset="0"/>
+            </a:endParaRPr>
+          </a:p>
+          <a:p>
+            <a:pPr lvl="1">
+              <a:buFont typeface="Courier New" pitchFamily="49" charset="0"/>
+              <a:buChar char="o"/>
+            </a:pPr>
+            <a:r>
+              <a:rPr lang="en-US" smtClean="0">
+                <a:latin typeface="Times New Roman" pitchFamily="18" charset="0"/>
+                <a:cs typeface="Times New Roman" pitchFamily="18" charset="0"/>
+              </a:rPr>
+              <a:t>Ví dụ</a:t>
+            </a:r>
+          </a:p>
+          <a:p>
+            <a:pPr lvl="2"/>
+            <a:r>
+              <a:rPr lang="pt-BR" smtClean="0">
+                <a:latin typeface="Times New Roman" pitchFamily="18" charset="0"/>
+                <a:cs typeface="Times New Roman" pitchFamily="18" charset="0"/>
+              </a:rPr>
+              <a:t>P</a:t>
+            </a:r>
+            <a:r>
+              <a:rPr lang="pt-BR" smtClean="0">
+                <a:latin typeface="Times New Roman" pitchFamily="18" charset="0"/>
+                <a:cs typeface="Times New Roman" pitchFamily="18" charset="0"/>
+              </a:rPr>
+              <a:t>, </a:t>
+            </a:r>
+            <a:r>
+              <a:rPr lang="pt-BR" smtClean="0">
+                <a:latin typeface="Times New Roman" pitchFamily="18" charset="0"/>
+                <a:cs typeface="Times New Roman" pitchFamily="18" charset="0"/>
+              </a:rPr>
+              <a:t> Q</a:t>
+            </a:r>
+            <a:r>
+              <a:rPr lang="pt-BR" smtClean="0">
+                <a:latin typeface="Times New Roman" pitchFamily="18" charset="0"/>
+                <a:cs typeface="Times New Roman" pitchFamily="18" charset="0"/>
+              </a:rPr>
+              <a:t>, (</a:t>
+            </a:r>
+            <a:r>
+              <a:rPr lang="pt-BR" smtClean="0">
+                <a:latin typeface="Times New Roman" pitchFamily="18" charset="0"/>
+                <a:cs typeface="Times New Roman" pitchFamily="18" charset="0"/>
+              </a:rPr>
+              <a:t>P </a:t>
+            </a:r>
+            <a:r>
+              <a:rPr lang="en-US" smtClean="0">
+                <a:latin typeface="Tahoma" pitchFamily="34" charset="0"/>
+                <a:cs typeface="Tahoma" pitchFamily="34" charset="0"/>
+              </a:rPr>
+              <a:t>∧</a:t>
+            </a:r>
+            <a:r>
+              <a:rPr lang="pt-BR" smtClean="0">
+                <a:latin typeface="Times New Roman" pitchFamily="18" charset="0"/>
+                <a:cs typeface="Times New Roman" pitchFamily="18" charset="0"/>
+              </a:rPr>
+              <a:t> </a:t>
+            </a:r>
+            <a:r>
+              <a:rPr lang="pt-BR" smtClean="0">
+                <a:latin typeface="Times New Roman" pitchFamily="18" charset="0"/>
+                <a:cs typeface="Times New Roman" pitchFamily="18" charset="0"/>
+              </a:rPr>
+              <a:t>Q) -&gt; (</a:t>
+            </a:r>
+            <a:r>
+              <a:rPr lang="pt-BR" smtClean="0">
+                <a:latin typeface="Times New Roman" pitchFamily="18" charset="0"/>
+                <a:cs typeface="Times New Roman" pitchFamily="18" charset="0"/>
+              </a:rPr>
+              <a:t>R </a:t>
+            </a:r>
+            <a:r>
+              <a:rPr lang="en-US" smtClean="0">
+                <a:latin typeface="Tahoma" pitchFamily="34" charset="0"/>
+                <a:cs typeface="Tahoma" pitchFamily="34" charset="0"/>
+              </a:rPr>
+              <a:t>∧</a:t>
+            </a:r>
+            <a:r>
+              <a:rPr lang="pt-BR" smtClean="0">
+                <a:latin typeface="Times New Roman" pitchFamily="18" charset="0"/>
+                <a:cs typeface="Times New Roman" pitchFamily="18" charset="0"/>
+              </a:rPr>
+              <a:t> </a:t>
+            </a:r>
+            <a:r>
+              <a:rPr lang="pt-BR" smtClean="0">
+                <a:latin typeface="Times New Roman" pitchFamily="18" charset="0"/>
+                <a:cs typeface="Times New Roman" pitchFamily="18" charset="0"/>
+              </a:rPr>
+              <a:t>S</a:t>
+            </a:r>
+            <a:r>
+              <a:rPr lang="pt-BR" smtClean="0">
+                <a:latin typeface="Times New Roman" pitchFamily="18" charset="0"/>
+                <a:cs typeface="Times New Roman" pitchFamily="18" charset="0"/>
+              </a:rPr>
+              <a:t>)  |-  S</a:t>
+            </a:r>
+          </a:p>
+          <a:p>
+            <a:pPr lvl="2"/>
+            <a:r>
+              <a:rPr lang="en-US" smtClean="0">
+                <a:latin typeface="Times New Roman" pitchFamily="18" charset="0"/>
+                <a:cs typeface="Times New Roman" pitchFamily="18" charset="0"/>
+              </a:rPr>
+              <a:t>P(T) </a:t>
+            </a:r>
+            <a:r>
+              <a:rPr lang="en-US" smtClean="0">
+                <a:latin typeface="Times New Roman" pitchFamily="18" charset="0"/>
+                <a:cs typeface="Times New Roman" pitchFamily="18" charset="0"/>
+              </a:rPr>
+              <a:t>, </a:t>
+            </a:r>
+            <a:r>
+              <a:rPr lang="en-US" smtClean="0">
+                <a:latin typeface="Times New Roman" pitchFamily="18" charset="0"/>
+                <a:cs typeface="Times New Roman" pitchFamily="18" charset="0"/>
+              </a:rPr>
+              <a:t>all </a:t>
+            </a:r>
+            <a:r>
+              <a:rPr lang="en-US" smtClean="0">
+                <a:latin typeface="Times New Roman" pitchFamily="18" charset="0"/>
+                <a:cs typeface="Times New Roman" pitchFamily="18" charset="0"/>
+              </a:rPr>
+              <a:t>x  ( P(x</a:t>
+            </a:r>
+            <a:r>
+              <a:rPr lang="en-US" smtClean="0">
+                <a:latin typeface="Times New Roman" pitchFamily="18" charset="0"/>
+                <a:cs typeface="Times New Roman" pitchFamily="18" charset="0"/>
+              </a:rPr>
+              <a:t>) </a:t>
+            </a:r>
+            <a:r>
+              <a:rPr lang="en-US" smtClean="0">
+                <a:latin typeface="Times New Roman" pitchFamily="18" charset="0"/>
+                <a:cs typeface="Times New Roman" pitchFamily="18" charset="0"/>
+              </a:rPr>
+              <a:t>-&gt; </a:t>
+            </a:r>
+            <a:r>
+              <a:rPr lang="en-US" smtClean="0">
+                <a:latin typeface="Times New Roman" pitchFamily="18" charset="0"/>
+                <a:cs typeface="Times New Roman" pitchFamily="18" charset="0"/>
+              </a:rPr>
+              <a:t>Q(x) </a:t>
+            </a:r>
+            <a:r>
+              <a:rPr lang="en-US" smtClean="0">
+                <a:latin typeface="Times New Roman" pitchFamily="18" charset="0"/>
+                <a:cs typeface="Times New Roman" pitchFamily="18" charset="0"/>
+              </a:rPr>
+              <a:t>)  </a:t>
+            </a:r>
+            <a:r>
+              <a:rPr lang="en-US" smtClean="0">
+                <a:latin typeface="Times New Roman" pitchFamily="18" charset="0"/>
+                <a:cs typeface="Times New Roman" pitchFamily="18" charset="0"/>
+              </a:rPr>
+              <a:t>|- </a:t>
+            </a:r>
+            <a:r>
+              <a:rPr lang="en-US" smtClean="0">
+                <a:latin typeface="Times New Roman" pitchFamily="18" charset="0"/>
+                <a:cs typeface="Times New Roman" pitchFamily="18" charset="0"/>
+              </a:rPr>
+              <a:t>Q(T)</a:t>
+            </a:r>
+          </a:p>
+          <a:p>
+            <a:pPr lvl="2">
+              <a:buFont typeface="Courier New" pitchFamily="49" charset="0"/>
+              <a:buChar char="o"/>
+            </a:pPr>
+            <a:endParaRPr lang="pt-BR" smtClean="0">
+              <a:latin typeface="Times New Roman" pitchFamily="18" charset="0"/>
+              <a:cs typeface="Times New Roman" pitchFamily="18" charset="0"/>
+            </a:endParaRPr>
+          </a:p>
+          <a:p>
+            <a:pPr lvl="2">
+              <a:buFont typeface="Courier New" pitchFamily="49" charset="0"/>
+              <a:buChar char="o"/>
+            </a:pPr>
+            <a:endParaRPr lang="en-US">
+              <a:latin typeface="Times New Roman" pitchFamily="18" charset="0"/>
+              <a:cs typeface="Times New Roman" pitchFamily="18" charset="0"/>
+            </a:endParaRPr>
+          </a:p>
+        </p:txBody>
+      </p:sp>
+    </p:spTree>
+  </p:cSld>
+  <p:clrMapOvr>
+    <a:masterClrMapping/>
+  </p:clrMapOvr>
+  <p:timing>
+    <p:tnLst>
+      <p:par>
+        <p:cTn id="1" dur="indefinite" restart="never" nodeType="tmRoot"/>
+      </p:par>
+    </p:tnLst>
+  </p:timing>
+</p:sld>
+</file>
+
+<file path=ppt/slides/slide9.xml><?xml version="1.0" encoding="utf-8"?>
+<p:sld xmlns:a="http://schemas.openxmlformats.org/drawingml/2006/main" xmlns:r="http://schemas.openxmlformats.org/officeDocument/2006/relationships" xmlns:p="http://schemas.openxmlformats.org/presentationml/2006/main">
+  <p:cSld>
+    <p:spTree>
+      <p:nvGrpSpPr>
+        <p:cNvPr id="1" name=""/>
+        <p:cNvGrpSpPr/>
+        <p:nvPr/>
+      </p:nvGrpSpPr>
+      <p:grpSpPr>
+        <a:xfrm>
+          <a:off x="0" y="0"/>
+          <a:ext cx="0" cy="0"/>
+          <a:chOff x="0" y="0"/>
+          <a:chExt cx="0" cy="0"/>
+        </a:xfrm>
+      </p:grpSpPr>
+      <p:sp>
+        <p:nvSpPr>
+          <p:cNvPr id="2" name="Title 1"/>
+          <p:cNvSpPr>
+            <a:spLocks noGrp="1"/>
+          </p:cNvSpPr>
+          <p:nvPr>
+            <p:ph type="title"/>
+          </p:nvPr>
+        </p:nvSpPr>
+        <p:spPr/>
+        <p:txBody>
+          <a:bodyPr/>
+          <a:lstStyle/>
+          <a:p>
+            <a:r>
+              <a:rPr lang="en-US" smtClean="0">
+                <a:latin typeface="Times New Roman" pitchFamily="18" charset="0"/>
+              </a:rPr>
               <a:t>SCANNER &amp; PARSER</a:t>
             </a:r>
             <a:endParaRPr lang="en-US">
@@ -21104,16 +22973,33 @@
               <a:buChar char="o"/>
             </a:pPr>
             <a:r>
-              <a:rPr lang="en-US" smtClean="0"/>
-              <a:t>Sinh ra các Token từ input</a:t>
-            </a:r>
+              <a:rPr lang="en-US" smtClean="0">
+                <a:latin typeface="Times New Roman" pitchFamily="18" charset="0"/>
+                <a:cs typeface="Times New Roman" pitchFamily="18" charset="0"/>
+              </a:rPr>
+              <a:t>Sinh ra các Token từ </a:t>
+            </a:r>
+            <a:r>
+              <a:rPr lang="en-US" smtClean="0">
+                <a:latin typeface="Times New Roman" pitchFamily="18" charset="0"/>
+                <a:cs typeface="Times New Roman" pitchFamily="18" charset="0"/>
+              </a:rPr>
+              <a:t>Input</a:t>
+            </a:r>
+            <a:endParaRPr lang="en-US" smtClean="0">
+              <a:latin typeface="Times New Roman" pitchFamily="18" charset="0"/>
+              <a:cs typeface="Times New Roman" pitchFamily="18" charset="0"/>
+            </a:endParaRPr>
           </a:p>
           <a:p>
             <a:pPr lvl="1">
               <a:buNone/>
             </a:pPr>
             <a:r>
-              <a:rPr lang="en-US" smtClean="0"/>
+              <a:rPr lang="en-US" smtClean="0">
+                <a:latin typeface="Times New Roman" pitchFamily="18" charset="0"/>
+                <a:cs typeface="Times New Roman" pitchFamily="18" charset="0"/>
+              </a:rPr>
               <a:t>P(T) , all x  ( P(x) → Q(x) )  ├─ Q(T)</a:t>
             </a:r>
           </a:p>
@@ -21121,7 +23007,10 @@
             <a:pPr lvl="1">
               <a:buNone/>
             </a:pPr>
-            <a:endParaRPr lang="en-US" smtClean="0"/>
+            <a:endParaRPr lang="en-US" smtClean="0">
+              <a:latin typeface="Times New Roman" pitchFamily="18" charset="0"/>
+              <a:cs typeface="Times New Roman" pitchFamily="18" charset="0"/>
+            </a:endParaRPr>
           </a:p>
         </p:txBody>
       </p:sp>
@@ -22300,231 +24189,6 @@
 </p:sld>
 </file>
 
-<file path=ppt/slides/slide9.xml><?xml version="1.0" encoding="utf-8"?>
-<p:sld xmlns:a="http://schemas.openxmlformats.org/drawingml/2006/main" xmlns:r="http://schemas.openxmlformats.org/officeDocument/2006/relationships" xmlns:p="http://schemas.openxmlformats.org/presentationml/2006/main">
-  <p:cSld>
-    <p:spTree>
-      <p:nvGrpSpPr>
-        <p:cNvPr id="1" name=""/>
-        <p:cNvGrpSpPr/>
-        <p:nvPr/>
-      </p:nvGrpSpPr>
-      <p:grpSpPr>
-        <a:xfrm>
-          <a:off x="0" y="0"/>
-          <a:ext cx="0" cy="0"/>
-          <a:chOff x="0" y="0"/>
-          <a:chExt cx="0" cy="0"/>
-        </a:xfrm>
-      </p:grpSpPr>
-      <p:sp>
-        <p:nvSpPr>
-          <p:cNvPr id="2" name="Title 1"/>
-          <p:cNvSpPr>
-            <a:spLocks noGrp="1"/>
-          </p:cNvSpPr>
-          <p:nvPr>
-            <p:ph type="title"/>
-          </p:nvPr>
-        </p:nvSpPr>
-        <p:spPr/>
-        <p:txBody>
-          <a:bodyPr/>
-          <a:lstStyle/>
-          <a:p>
-            <a:r>
-              <a:rPr lang="en-US" smtClean="0">
-                <a:latin typeface="Times New Roman" pitchFamily="18" charset="0"/>
-              </a:rPr>
-              <a:t>CONVERTER</a:t>
-            </a:r>
-            <a:endParaRPr lang="en-US">
-              <a:latin typeface="Times New Roman" pitchFamily="18" charset="0"/>
-            </a:endParaRPr>
-          </a:p>
-        </p:txBody>
-      </p:sp>
-      <p:sp>
-        <p:nvSpPr>
-          <p:cNvPr id="15" name="Content Placeholder 14"/>
-          <p:cNvSpPr>
-            <a:spLocks noGrp="1"/>
-          </p:cNvSpPr>
-          <p:nvPr>
-            <p:ph idx="1"/>
-          </p:nvPr>
-        </p:nvSpPr>
-        <p:spPr>
-          <a:xfrm>
-            <a:off x="457200" y="1333500"/>
-            <a:ext cx="8458200" cy="4114800"/>
-          </a:xfrm>
-        </p:spPr>
-        <p:txBody>
-          <a:bodyPr>
-            <a:normAutofit fontScale="92500" lnSpcReduction="10000"/>
-          </a:bodyPr>
-          <a:lstStyle/>
-          <a:p>
-            <a:r>
-              <a:rPr lang="en-US" smtClean="0">
-                <a:latin typeface="Tahoma" pitchFamily="34" charset="0"/>
-                <a:cs typeface="Tahoma" pitchFamily="34" charset="0"/>
-              </a:rPr>
-              <a:t>Chuyển các toán tử logic thành dạng hàm</a:t>
-            </a:r>
-          </a:p>
-          <a:p>
-            <a:pPr lvl="1">
-              <a:buFont typeface="Courier New" pitchFamily="49" charset="0"/>
-              <a:buChar char="o"/>
-            </a:pPr>
-            <a:r>
-              <a:rPr lang="en-US" smtClean="0">
-                <a:latin typeface="Tahoma" pitchFamily="34" charset="0"/>
-                <a:cs typeface="Tahoma" pitchFamily="34" charset="0"/>
-              </a:rPr>
-              <a:t>A ∨ B  	thành  	or(A,B)</a:t>
-            </a:r>
-          </a:p>
-          <a:p>
-            <a:pPr lvl="1">
-              <a:buFont typeface="Courier New" pitchFamily="49" charset="0"/>
-              <a:buChar char="o"/>
-            </a:pPr>
-            <a:r>
-              <a:rPr lang="en-US" smtClean="0">
-                <a:latin typeface="Tahoma" pitchFamily="34" charset="0"/>
-                <a:cs typeface="Tahoma" pitchFamily="34" charset="0"/>
-              </a:rPr>
-              <a:t>A ∧ B 	thành 	and(A,B)</a:t>
-            </a:r>
-          </a:p>
-          <a:p>
-            <a:pPr lvl="1">
-              <a:buFont typeface="Courier New" pitchFamily="49" charset="0"/>
-              <a:buChar char="o"/>
-            </a:pPr>
-            <a:r>
-              <a:rPr lang="en-US" smtClean="0">
-                <a:latin typeface="Tahoma" pitchFamily="34" charset="0"/>
-                <a:cs typeface="Tahoma" pitchFamily="34" charset="0"/>
-              </a:rPr>
-              <a:t>A→B 	thành 	map(A,B)</a:t>
-            </a:r>
-          </a:p>
-          <a:p>
-            <a:pPr lvl="1">
-              <a:buFont typeface="Courier New" pitchFamily="49" charset="0"/>
-              <a:buChar char="o"/>
-            </a:pPr>
-            <a:r>
-              <a:rPr lang="en-US" smtClean="0">
-                <a:latin typeface="Tahoma" pitchFamily="34" charset="0"/>
-                <a:cs typeface="Tahoma" pitchFamily="34" charset="0"/>
-              </a:rPr>
-              <a:t>¬ A	thành		not(A)</a:t>
-            </a:r>
-          </a:p>
-          <a:p>
-            <a:r>
-              <a:rPr lang="en-US" smtClean="0">
-                <a:latin typeface="Tahoma" pitchFamily="34" charset="0"/>
-                <a:cs typeface="Tahoma" pitchFamily="34" charset="0"/>
-              </a:rPr>
-              <a:t>Xem xét độ ưu tiên của các toán tử</a:t>
-            </a:r>
-          </a:p>
-          <a:p>
-            <a:pPr lvl="1">
-              <a:buFont typeface="Courier New" pitchFamily="49" charset="0"/>
-              <a:buChar char="o"/>
-            </a:pPr>
-            <a:r>
-              <a:rPr lang="en-US" smtClean="0">
-                <a:latin typeface="Tahoma" pitchFamily="34" charset="0"/>
-                <a:cs typeface="Tahoma" pitchFamily="34" charset="0"/>
-              </a:rPr>
-              <a:t>( ) ¬ ∧ ∨ </a:t>
-            </a:r>
-            <a:r>
-              <a:rPr lang="en-US" smtClean="0">
-                <a:latin typeface="Tahoma" pitchFamily="34" charset="0"/>
-                <a:cs typeface="Tahoma" pitchFamily="34" charset="0"/>
-                <a:sym typeface="Wingdings" pitchFamily="2" charset="2"/>
-              </a:rPr>
-              <a:t></a:t>
-            </a:r>
-            <a:endParaRPr lang="en-US" smtClean="0">
-              <a:latin typeface="Tahoma" pitchFamily="34" charset="0"/>
-              <a:cs typeface="Tahoma" pitchFamily="34" charset="0"/>
-            </a:endParaRPr>
-          </a:p>
-          <a:p>
-            <a:pPr lvl="1">
-              <a:buFont typeface="Courier New" pitchFamily="49" charset="0"/>
-              <a:buChar char="o"/>
-            </a:pPr>
-            <a:r>
-              <a:rPr lang="en-US" smtClean="0">
-                <a:latin typeface="Tahoma" pitchFamily="34" charset="0"/>
-                <a:cs typeface="Tahoma" pitchFamily="34" charset="0"/>
-              </a:rPr>
-              <a:t>A → ¬B ∧ (¬C ∨ D) thành 						map ( A, and( not(B), or( not(C),D)))</a:t>
-            </a:r>
-          </a:p>
-          <a:p>
-            <a:pPr lvl="1">
-              <a:buFont typeface="Courier New" pitchFamily="49" charset="0"/>
-              <a:buChar char="o"/>
-            </a:pPr>
-            <a:endParaRPr lang="en-US" smtClean="0"/>
-          </a:p>
-          <a:p>
-            <a:pPr lvl="1">
-              <a:buFont typeface="Courier New" pitchFamily="49" charset="0"/>
-              <a:buChar char="o"/>
-            </a:pPr>
-            <a:endParaRPr lang="en-US" smtClean="0"/>
-          </a:p>
-          <a:p>
-            <a:pPr lvl="1">
-              <a:buFont typeface="Courier New" pitchFamily="49" charset="0"/>
-              <a:buChar char="o"/>
-            </a:pPr>
-            <a:endParaRPr lang="en-US" smtClean="0"/>
-          </a:p>
-          <a:p>
-            <a:pPr lvl="1">
-              <a:buFont typeface="Courier New" pitchFamily="49" charset="0"/>
-              <a:buChar char="o"/>
-            </a:pPr>
-            <a:endParaRPr lang="en-US" smtClean="0"/>
-          </a:p>
-          <a:p>
-            <a:pPr lvl="1">
-              <a:buFont typeface="Courier New" pitchFamily="49" charset="0"/>
-              <a:buChar char="o"/>
-            </a:pPr>
-            <a:endParaRPr lang="en-US"/>
-          </a:p>
-        </p:txBody>
-      </p:sp>
-    </p:spTree>
-  </p:cSld>
-  <p:clrMapOvr>
-    <a:masterClrMapping/>
-  </p:clrMapOvr>
-  <p:timing>
-    <p:tnLst>
-      <p:par>
-        <p:cTn id="1" dur="indefinite" restart="never" nodeType="tmRoot"/>
-      </p:par>
-    </p:tnLst>
-  </p:timing>
-</p:sld>
-</file>
-
 <file path=ppt/theme/theme1.xml><?xml version="1.0" encoding="utf-8"?>
 <a:theme xmlns:a="http://schemas.openxmlformats.org/drawingml/2006/main" name="Office Theme">
   <a:themeElements>

--- a/trunk/Report/SUY LUẬN TỰ NHIÊN.pptx
+++ b/trunk/Report/SUY LUẬN TỰ NHIÊN.pptx
@@ -6,31 +6,31 @@
   </p:sldMasterIdLst>
   <p:sldIdLst>
     <p:sldId id="256" r:id="rId2"/>
-    <p:sldId id="295" r:id="rId3"/>
-    <p:sldId id="294" r:id="rId4"/>
-    <p:sldId id="297" r:id="rId5"/>
-    <p:sldId id="296" r:id="rId6"/>
-    <p:sldId id="257" r:id="rId7"/>
-    <p:sldId id="258" r:id="rId8"/>
-    <p:sldId id="303" r:id="rId9"/>
-    <p:sldId id="285" r:id="rId10"/>
-    <p:sldId id="284" r:id="rId11"/>
-    <p:sldId id="289" r:id="rId12"/>
-    <p:sldId id="292" r:id="rId13"/>
-    <p:sldId id="298" r:id="rId14"/>
-    <p:sldId id="299" r:id="rId15"/>
-    <p:sldId id="259" r:id="rId16"/>
-    <p:sldId id="270" r:id="rId17"/>
-    <p:sldId id="268" r:id="rId18"/>
-    <p:sldId id="271" r:id="rId19"/>
-    <p:sldId id="272" r:id="rId20"/>
-    <p:sldId id="300" r:id="rId21"/>
-    <p:sldId id="273" r:id="rId22"/>
-    <p:sldId id="301" r:id="rId23"/>
-    <p:sldId id="274" r:id="rId24"/>
-    <p:sldId id="302" r:id="rId25"/>
-    <p:sldId id="305" r:id="rId26"/>
-    <p:sldId id="307" r:id="rId27"/>
+    <p:sldId id="294" r:id="rId3"/>
+    <p:sldId id="297" r:id="rId4"/>
+    <p:sldId id="296" r:id="rId5"/>
+    <p:sldId id="257" r:id="rId6"/>
+    <p:sldId id="258" r:id="rId7"/>
+    <p:sldId id="303" r:id="rId8"/>
+    <p:sldId id="285" r:id="rId9"/>
+    <p:sldId id="284" r:id="rId10"/>
+    <p:sldId id="289" r:id="rId11"/>
+    <p:sldId id="292" r:id="rId12"/>
+    <p:sldId id="298" r:id="rId13"/>
+    <p:sldId id="299" r:id="rId14"/>
+    <p:sldId id="259" r:id="rId15"/>
+    <p:sldId id="270" r:id="rId16"/>
+    <p:sldId id="268" r:id="rId17"/>
+    <p:sldId id="271" r:id="rId18"/>
+    <p:sldId id="272" r:id="rId19"/>
+    <p:sldId id="300" r:id="rId20"/>
+    <p:sldId id="273" r:id="rId21"/>
+    <p:sldId id="301" r:id="rId22"/>
+    <p:sldId id="274" r:id="rId23"/>
+    <p:sldId id="302" r:id="rId24"/>
+    <p:sldId id="305" r:id="rId25"/>
+    <p:sldId id="307" r:id="rId26"/>
+    <p:sldId id="295" r:id="rId27"/>
   </p:sldIdLst>
   <p:sldSz cx="9144000" cy="5715000" type="screen16x10"/>
   <p:notesSz cx="6858000" cy="9144000"/>
@@ -4090,8 +4090,8 @@
     <dgm:cxn modelId="{89567E82-6319-4DA2-9474-1BD3A8697C19}" type="presOf" srcId="{593248D9-0442-439F-9C3C-E048354EC003}" destId="{8E8D42DD-88F7-4F99-B601-10FA49CDF0D6}" srcOrd="0" destOrd="0" presId="urn:microsoft.com/office/officeart/2005/8/layout/radial4"/>
     <dgm:cxn modelId="{1EDCDCD6-A433-4B55-9723-EB2528846CF4}" srcId="{593248D9-0442-439F-9C3C-E048354EC003}" destId="{68187428-F245-4903-B920-C789A68C8D3C}" srcOrd="3" destOrd="0" parTransId="{5160E2D1-F6F4-46C6-9C6A-1C02B231075E}" sibTransId="{F6FC4D53-703A-4BD0-9E95-E34E162CBACE}"/>
     <dgm:cxn modelId="{126267F6-A5C7-4884-ADC2-F614F6FC5395}" type="presOf" srcId="{FB22D5B5-1963-42CA-BEEC-CC6B5EEE6D75}" destId="{090C4A32-0438-4880-B679-3F8DBEEB9D7D}" srcOrd="0" destOrd="0" presId="urn:microsoft.com/office/officeart/2005/8/layout/radial4"/>
+    <dgm:cxn modelId="{25282130-ACEF-4605-A5BE-61520CAB9A7C}" type="presOf" srcId="{68187428-F245-4903-B920-C789A68C8D3C}" destId="{4E3C4A2E-0BC9-470D-A6A5-902BC3D09A15}" srcOrd="0" destOrd="0" presId="urn:microsoft.com/office/officeart/2005/8/layout/radial4"/>
     <dgm:cxn modelId="{971BE77F-02C4-4BA1-8ADA-547442B159F5}" srcId="{593248D9-0442-439F-9C3C-E048354EC003}" destId="{D37D2FC7-415B-4072-86E8-C83D32EA50E4}" srcOrd="2" destOrd="0" parTransId="{427FAEEA-455B-413B-9851-06C6ECB1DF94}" sibTransId="{E9E9BD89-3898-4512-8C34-9AC2619F21B3}"/>
-    <dgm:cxn modelId="{25282130-ACEF-4605-A5BE-61520CAB9A7C}" type="presOf" srcId="{68187428-F245-4903-B920-C789A68C8D3C}" destId="{4E3C4A2E-0BC9-470D-A6A5-902BC3D09A15}" srcOrd="0" destOrd="0" presId="urn:microsoft.com/office/officeart/2005/8/layout/radial4"/>
     <dgm:cxn modelId="{A81BBCF7-EF39-4C78-942B-D01768698B8F}" srcId="{F2C478DF-C240-4FB1-BF51-481D74C285AB}" destId="{7C7B77A0-F8EF-4AB3-8E21-762440CD670D}" srcOrd="2" destOrd="0" parTransId="{CFD9E4CA-C06B-4FEB-85B5-37ED3E21B688}" sibTransId="{B9171FC6-571A-4057-BEE8-06B1FC26BC9E}"/>
     <dgm:cxn modelId="{87E7894E-E234-462A-A4E7-D24935567897}" type="presOf" srcId="{D37D2FC7-415B-4072-86E8-C83D32EA50E4}" destId="{28E6711B-2FCE-46DC-BC44-D63E2DC94367}" srcOrd="0" destOrd="0" presId="urn:microsoft.com/office/officeart/2005/8/layout/radial4"/>
     <dgm:cxn modelId="{EEDE7422-3D2D-4E06-B969-C396DBE5E04F}" srcId="{F2C478DF-C240-4FB1-BF51-481D74C285AB}" destId="{E1E64C65-5E15-4481-ACE4-5AD35F0A91CA}" srcOrd="1" destOrd="0" parTransId="{78A20770-3546-44F6-9749-1085968B3626}" sibTransId="{DC0048F6-D630-47B1-A0D4-514DD9288F59}"/>
@@ -10977,13 +10977,13 @@
         </p:nvSpPr>
         <p:spPr>
           <a:xfrm>
-            <a:off x="609600" y="952500"/>
-            <a:ext cx="8077200" cy="2895600"/>
+            <a:off x="381000" y="952500"/>
+            <a:ext cx="8458200" cy="2895600"/>
           </a:xfrm>
         </p:spPr>
         <p:txBody>
           <a:bodyPr>
-            <a:normAutofit/>
+            <a:normAutofit fontScale="90000"/>
           </a:bodyPr>
           <a:lstStyle/>
           <a:p>
@@ -10998,14 +10998,7 @@
                 <a:latin typeface="Times New Roman" pitchFamily="18" charset="0"/>
                 <a:cs typeface="Times New Roman" pitchFamily="18" charset="0"/>
               </a:rPr>
-              <a:t>ĐỀ </a:t>
-            </a:r>
-            <a:r>
-              <a:rPr lang="en-US" sz="2400" u="sng" smtClean="0">
-                <a:latin typeface="Times New Roman" pitchFamily="18" charset="0"/>
-                <a:cs typeface="Times New Roman" pitchFamily="18" charset="0"/>
-              </a:rPr>
-              <a:t>TÀI</a:t>
+              <a:t>ĐỀ TÀI</a:t>
             </a:r>
             <a:r>
               <a:rPr lang="en-US" sz="3600" smtClean="0">
@@ -11025,7 +11018,14 @@
                 <a:latin typeface="Times New Roman" pitchFamily="18" charset="0"/>
                 <a:cs typeface="Times New Roman" pitchFamily="18" charset="0"/>
               </a:rPr>
-              <a:t>ĐỘNG LOGIC VỊ TỪ BẰNG PHƯƠNG PHÁP SUY LUẬN TỰ NHIÊN</a:t>
+              <a:t>CHỨNG MINH TỰ ĐỘNG </a:t>
+            </a:r>
+            <a:r>
+              <a:rPr lang="en-US" sz="3600" smtClean="0">
+                <a:latin typeface="Times New Roman" pitchFamily="18" charset="0"/>
+                <a:cs typeface="Times New Roman" pitchFamily="18" charset="0"/>
+              </a:rPr>
+              <a:t>LOGIC VỊ TỪ BẰNG PHƯƠNG PHÁP SUY LUẬN TỰ NHIÊN</a:t>
             </a:r>
             <a:endParaRPr lang="en-US" sz="3600">
               <a:latin typeface="Times New Roman" pitchFamily="18" charset="0"/>
@@ -11073,18 +11073,7 @@
                 <a:ea typeface="+mj-ea"/>
                 <a:cs typeface="Times New Roman" pitchFamily="18" charset="0"/>
               </a:rPr>
-              <a:t>	Hội Đồng </a:t>
-            </a:r>
-            <a:r>
-              <a:rPr lang="en-US" sz="2400" smtClean="0">
-                <a:solidFill>
-                  <a:schemeClr val="tx1"/>
-                </a:solidFill>
-                <a:latin typeface="Times New Roman" pitchFamily="18" charset="0"/>
-                <a:ea typeface="+mj-ea"/>
-                <a:cs typeface="Times New Roman" pitchFamily="18" charset="0"/>
-              </a:rPr>
-              <a:t>Công Nghệ Phần Mềm</a:t>
+              <a:t>	Hội Đồng Công Nghệ Phần Mềm</a:t>
             </a:r>
           </a:p>
           <a:p>
@@ -11107,51 +11096,7 @@
                 <a:ea typeface="+mj-ea"/>
                 <a:cs typeface="Times New Roman" pitchFamily="18" charset="0"/>
               </a:rPr>
-              <a:t>	</a:t>
-            </a:r>
-            <a:r>
-              <a:rPr lang="en-US" sz="2400" smtClean="0">
-                <a:solidFill>
-                  <a:schemeClr val="tx1"/>
-                </a:solidFill>
-                <a:latin typeface="Times New Roman" pitchFamily="18" charset="0"/>
-                <a:ea typeface="+mj-ea"/>
-                <a:cs typeface="Times New Roman" pitchFamily="18" charset="0"/>
-              </a:rPr>
-              <a:t>GVHD</a:t>
-            </a:r>
-            <a:r>
-              <a:rPr lang="en-US" sz="2400" smtClean="0">
-                <a:solidFill>
-                  <a:schemeClr val="tx1"/>
-                </a:solidFill>
-                <a:latin typeface="Times New Roman" pitchFamily="18" charset="0"/>
-                <a:ea typeface="+mj-ea"/>
-                <a:cs typeface="Times New Roman" pitchFamily="18" charset="0"/>
-              </a:rPr>
-              <a:t>: </a:t>
-            </a:r>
-            <a:r>
-              <a:rPr lang="en-US" sz="2400" smtClean="0">
-                <a:solidFill>
-                  <a:schemeClr val="tx1"/>
-                </a:solidFill>
-                <a:latin typeface="Times New Roman" pitchFamily="18" charset="0"/>
-                <a:ea typeface="+mj-ea"/>
-                <a:cs typeface="Times New Roman" pitchFamily="18" charset="0"/>
-              </a:rPr>
-              <a:t>	Th.S </a:t>
-            </a:r>
-            <a:r>
-              <a:rPr lang="en-US" sz="2400" smtClean="0">
-                <a:solidFill>
-                  <a:schemeClr val="tx1"/>
-                </a:solidFill>
-                <a:latin typeface="Times New Roman" pitchFamily="18" charset="0"/>
-                <a:ea typeface="+mj-ea"/>
-                <a:cs typeface="Times New Roman" pitchFamily="18" charset="0"/>
-              </a:rPr>
-              <a:t>Nguyễn Thanh Sơn</a:t>
+              <a:t>	GVHD: 	Th.S Nguyễn Thanh Sơn</a:t>
             </a:r>
           </a:p>
           <a:p>
@@ -11174,40 +11119,7 @@
                 <a:ea typeface="+mj-ea"/>
                 <a:cs typeface="Times New Roman" pitchFamily="18" charset="0"/>
               </a:rPr>
-              <a:t>	SVTH</a:t>
-            </a:r>
-            <a:r>
-              <a:rPr lang="en-US" sz="2400" smtClean="0">
-                <a:solidFill>
-                  <a:schemeClr val="tx1"/>
-                </a:solidFill>
-                <a:latin typeface="Times New Roman" pitchFamily="18" charset="0"/>
-                <a:ea typeface="+mj-ea"/>
-                <a:cs typeface="Times New Roman" pitchFamily="18" charset="0"/>
-              </a:rPr>
-              <a:t>: </a:t>
-            </a:r>
-            <a:r>
-              <a:rPr lang="en-US" sz="2400" smtClean="0">
-                <a:solidFill>
-                  <a:schemeClr val="tx1"/>
-                </a:solidFill>
-                <a:latin typeface="Times New Roman" pitchFamily="18" charset="0"/>
-                <a:ea typeface="+mj-ea"/>
-                <a:cs typeface="Times New Roman" pitchFamily="18" charset="0"/>
-              </a:rPr>
-              <a:t>	Nguyễn </a:t>
-            </a:r>
-            <a:r>
-              <a:rPr lang="en-US" sz="2400" smtClean="0">
-                <a:solidFill>
-                  <a:schemeClr val="tx1"/>
-                </a:solidFill>
-                <a:latin typeface="Times New Roman" pitchFamily="18" charset="0"/>
-                <a:ea typeface="+mj-ea"/>
-                <a:cs typeface="Times New Roman" pitchFamily="18" charset="0"/>
-              </a:rPr>
-              <a:t>Duy Nhất – 50301940</a:t>
+              <a:t>	SVTH: 	Nguyễn Duy Nhất – 50301940</a:t>
             </a:r>
           </a:p>
           <a:p>
@@ -11230,18 +11142,7 @@
                 <a:ea typeface="+mj-ea"/>
                 <a:cs typeface="Times New Roman" pitchFamily="18" charset="0"/>
               </a:rPr>
-              <a:t>		Nguyễn </a:t>
-            </a:r>
-            <a:r>
-              <a:rPr lang="en-US" sz="2400" smtClean="0">
-                <a:solidFill>
-                  <a:schemeClr val="tx1"/>
-                </a:solidFill>
-                <a:latin typeface="Times New Roman" pitchFamily="18" charset="0"/>
-                <a:ea typeface="+mj-ea"/>
-                <a:cs typeface="Times New Roman" pitchFamily="18" charset="0"/>
-              </a:rPr>
-              <a:t>Ngọc Phước - 50302178</a:t>
+              <a:t>		Nguyễn Ngọc Phước - 50302178</a:t>
             </a:r>
             <a:endParaRPr lang="en-US" sz="2400">
               <a:solidFill>
@@ -11370,7 +11271,7 @@
               <a:rPr lang="en-US" smtClean="0">
                 <a:latin typeface="Times New Roman" pitchFamily="18" charset="0"/>
               </a:rPr>
-              <a:t>CONVERTER</a:t>
+              <a:t>WAM</a:t>
             </a:r>
             <a:endParaRPr lang="en-US">
               <a:latin typeface="Times New Roman" pitchFamily="18" charset="0"/>
@@ -11396,18 +11297,9 @@
         </p:spPr>
         <p:txBody>
           <a:bodyPr>
-            <a:normAutofit fontScale="92500" lnSpcReduction="10000"/>
+            <a:normAutofit/>
           </a:bodyPr>
           <a:lstStyle/>
-          <a:p>
-            <a:r>
-              <a:rPr lang="en-US" smtClean="0">
-                <a:latin typeface="Times New Roman" pitchFamily="18" charset="0"/>
-                <a:cs typeface="Times New Roman" pitchFamily="18" charset="0"/>
-              </a:rPr>
-              <a:t>Chuyển các toán tử logic thành dạng hàm</a:t>
-            </a:r>
-          </a:p>
           <a:p>
             <a:pPr lvl="1">
               <a:buFont typeface="Courier New" pitchFamily="49" charset="0"/>
@@ -11418,21 +11310,7 @@
                 <a:latin typeface="Times New Roman" pitchFamily="18" charset="0"/>
                 <a:cs typeface="Times New Roman" pitchFamily="18" charset="0"/>
               </a:rPr>
-              <a:t>A ∨ B  	thành  	</a:t>
-            </a:r>
-            <a:r>
-              <a:rPr lang="en-US" smtClean="0">
-                <a:latin typeface="Times New Roman" pitchFamily="18" charset="0"/>
-                <a:cs typeface="Times New Roman" pitchFamily="18" charset="0"/>
-              </a:rPr>
-              <a:t>	or(A,B</a:t>
-            </a:r>
-            <a:r>
-              <a:rPr lang="en-US" smtClean="0">
-                <a:latin typeface="Times New Roman" pitchFamily="18" charset="0"/>
-                <a:cs typeface="Times New Roman" pitchFamily="18" charset="0"/>
-              </a:rPr>
-              <a:t>)</a:t>
+              <a:t>Warren Abstract Machine</a:t>
             </a:r>
           </a:p>
           <a:p>
@@ -11445,21 +11323,7 @@
                 <a:latin typeface="Times New Roman" pitchFamily="18" charset="0"/>
                 <a:cs typeface="Times New Roman" pitchFamily="18" charset="0"/>
               </a:rPr>
-              <a:t>A ∧ B 	thành 	</a:t>
-            </a:r>
-            <a:r>
-              <a:rPr lang="en-US" smtClean="0">
-                <a:latin typeface="Times New Roman" pitchFamily="18" charset="0"/>
-                <a:cs typeface="Times New Roman" pitchFamily="18" charset="0"/>
-              </a:rPr>
-              <a:t>	and(A,B</a:t>
-            </a:r>
-            <a:r>
-              <a:rPr lang="en-US" smtClean="0">
-                <a:latin typeface="Times New Roman" pitchFamily="18" charset="0"/>
-                <a:cs typeface="Times New Roman" pitchFamily="18" charset="0"/>
-              </a:rPr>
-              <a:t>)</a:t>
+              <a:t>1983, David H. D. Warren </a:t>
             </a:r>
           </a:p>
           <a:p>
@@ -11472,117 +11336,66 @@
                 <a:latin typeface="Times New Roman" pitchFamily="18" charset="0"/>
                 <a:cs typeface="Times New Roman" pitchFamily="18" charset="0"/>
               </a:rPr>
-              <a:t>A→B 	thành 	</a:t>
-            </a:r>
-            <a:r>
-              <a:rPr lang="en-US" smtClean="0">
+              <a:t>Mô hình thực thi chương trình Prolog</a:t>
+            </a:r>
+          </a:p>
+          <a:p>
+            <a:pPr lvl="2"/>
+            <a:r>
+              <a:rPr lang="en-US" sz="2800" smtClean="0">
                 <a:latin typeface="Times New Roman" pitchFamily="18" charset="0"/>
                 <a:cs typeface="Times New Roman" pitchFamily="18" charset="0"/>
               </a:rPr>
-              <a:t>	map(A,B</a:t>
-            </a:r>
-            <a:r>
-              <a:rPr lang="en-US" smtClean="0">
+              <a:t> </a:t>
+            </a:r>
+            <a:r>
+              <a:rPr lang="en-US" sz="2000" smtClean="0">
                 <a:latin typeface="Times New Roman" pitchFamily="18" charset="0"/>
                 <a:cs typeface="Times New Roman" pitchFamily="18" charset="0"/>
               </a:rPr>
-              <a:t>)</a:t>
-            </a:r>
+              <a:t>Kiến trúc bộ nhớ ( WAM heap)</a:t>
+            </a:r>
+          </a:p>
+          <a:p>
+            <a:pPr lvl="2"/>
+            <a:r>
+              <a:rPr lang="en-US" sz="2800" smtClean="0">
+                <a:latin typeface="Times New Roman" pitchFamily="18" charset="0"/>
+                <a:cs typeface="Times New Roman" pitchFamily="18" charset="0"/>
+              </a:rPr>
+              <a:t> </a:t>
+            </a:r>
+            <a:r>
+              <a:rPr lang="en-US" sz="2000" smtClean="0">
+                <a:latin typeface="Times New Roman" pitchFamily="18" charset="0"/>
+                <a:cs typeface="Times New Roman" pitchFamily="18" charset="0"/>
+              </a:rPr>
+              <a:t>Tập lệnh</a:t>
+            </a:r>
+            <a:endParaRPr lang="en-US" sz="2800" smtClean="0">
+              <a:latin typeface="Times New Roman" pitchFamily="18" charset="0"/>
+              <a:cs typeface="Times New Roman" pitchFamily="18" charset="0"/>
+            </a:endParaRPr>
+          </a:p>
+          <a:p>
+            <a:pPr lvl="2">
+              <a:buFont typeface="Courier New" pitchFamily="49" charset="0"/>
+              <a:buChar char="o"/>
+            </a:pPr>
+            <a:endParaRPr lang="en-US" sz="1400" smtClean="0">
+              <a:latin typeface="Times New Roman" pitchFamily="18" charset="0"/>
+              <a:cs typeface="Times New Roman" pitchFamily="18" charset="0"/>
+            </a:endParaRPr>
           </a:p>
           <a:p>
             <a:pPr lvl="1">
               <a:buFont typeface="Courier New" pitchFamily="49" charset="0"/>
               <a:buChar char="o"/>
             </a:pPr>
-            <a:r>
-              <a:rPr lang="en-US" smtClean="0">
-                <a:latin typeface="Times New Roman" pitchFamily="18" charset="0"/>
-                <a:cs typeface="Times New Roman" pitchFamily="18" charset="0"/>
-              </a:rPr>
-              <a:t>¬ A	thành		not(A)</a:t>
-            </a:r>
-          </a:p>
-          <a:p>
-            <a:r>
-              <a:rPr lang="en-US" smtClean="0">
-                <a:latin typeface="Times New Roman" pitchFamily="18" charset="0"/>
-                <a:cs typeface="Times New Roman" pitchFamily="18" charset="0"/>
-              </a:rPr>
-              <a:t>Xem xét độ ưu tiên của các toán tử</a:t>
-            </a:r>
-          </a:p>
-          <a:p>
-            <a:pPr lvl="1">
-              <a:buFont typeface="Courier New" pitchFamily="49" charset="0"/>
-              <a:buChar char="o"/>
-            </a:pPr>
-            <a:r>
-              <a:rPr lang="en-US" smtClean="0">
-                <a:latin typeface="Times New Roman" pitchFamily="18" charset="0"/>
-                <a:cs typeface="Times New Roman" pitchFamily="18" charset="0"/>
-              </a:rPr>
-              <a:t>( ) ¬ ∧ ∨ </a:t>
-            </a:r>
-            <a:r>
-              <a:rPr lang="en-US" smtClean="0">
-                <a:latin typeface="Times New Roman" pitchFamily="18" charset="0"/>
-                <a:cs typeface="Times New Roman" pitchFamily="18" charset="0"/>
-                <a:sym typeface="Wingdings" pitchFamily="2" charset="2"/>
-              </a:rPr>
-              <a:t></a:t>
-            </a:r>
-            <a:endParaRPr lang="en-US" smtClean="0">
+            <a:endParaRPr lang="en-US" sz="1800" smtClean="0">
               <a:latin typeface="Times New Roman" pitchFamily="18" charset="0"/>
               <a:cs typeface="Times New Roman" pitchFamily="18" charset="0"/>
             </a:endParaRPr>
-          </a:p>
-          <a:p>
-            <a:pPr lvl="1">
-              <a:buFont typeface="Courier New" pitchFamily="49" charset="0"/>
-              <a:buChar char="o"/>
-            </a:pPr>
-            <a:r>
-              <a:rPr lang="en-US" smtClean="0">
-                <a:latin typeface="Times New Roman" pitchFamily="18" charset="0"/>
-                <a:cs typeface="Times New Roman" pitchFamily="18" charset="0"/>
-              </a:rPr>
-              <a:t>A → ¬B ∧ (¬C ∨ D) thành 						map ( A, and( not(B), or( not(C),D)))</a:t>
-            </a:r>
-          </a:p>
-          <a:p>
-            <a:pPr lvl="1">
-              <a:buFont typeface="Courier New" pitchFamily="49" charset="0"/>
-              <a:buChar char="o"/>
-            </a:pPr>
-            <a:endParaRPr lang="en-US" smtClean="0"/>
-          </a:p>
-          <a:p>
-            <a:pPr lvl="1">
-              <a:buFont typeface="Courier New" pitchFamily="49" charset="0"/>
-              <a:buChar char="o"/>
-            </a:pPr>
-            <a:endParaRPr lang="en-US" smtClean="0"/>
-          </a:p>
-          <a:p>
-            <a:pPr lvl="1">
-              <a:buFont typeface="Courier New" pitchFamily="49" charset="0"/>
-              <a:buChar char="o"/>
-            </a:pPr>
-            <a:endParaRPr lang="en-US" smtClean="0"/>
-          </a:p>
-          <a:p>
-            <a:pPr lvl="1">
-              <a:buFont typeface="Courier New" pitchFamily="49" charset="0"/>
-              <a:buChar char="o"/>
-            </a:pPr>
-            <a:endParaRPr lang="en-US" smtClean="0"/>
-          </a:p>
-          <a:p>
-            <a:pPr lvl="1">
-              <a:buFont typeface="Courier New" pitchFamily="49" charset="0"/>
-              <a:buChar char="o"/>
-            </a:pPr>
-            <a:endParaRPr lang="en-US"/>
           </a:p>
         </p:txBody>
       </p:sp>
@@ -11637,185 +11450,6 @@
               <a:rPr lang="en-US" smtClean="0">
                 <a:latin typeface="Times New Roman" pitchFamily="18" charset="0"/>
               </a:rPr>
-              <a:t>WAM</a:t>
-            </a:r>
-            <a:endParaRPr lang="en-US">
-              <a:latin typeface="Times New Roman" pitchFamily="18" charset="0"/>
-            </a:endParaRPr>
-          </a:p>
-        </p:txBody>
-      </p:sp>
-      <p:sp>
-        <p:nvSpPr>
-          <p:cNvPr id="15" name="Content Placeholder 14"/>
-          <p:cNvSpPr>
-            <a:spLocks noGrp="1"/>
-          </p:cNvSpPr>
-          <p:nvPr>
-            <p:ph idx="1"/>
-          </p:nvPr>
-        </p:nvSpPr>
-        <p:spPr>
-          <a:xfrm>
-            <a:off x="457200" y="1333500"/>
-            <a:ext cx="8458200" cy="4114800"/>
-          </a:xfrm>
-        </p:spPr>
-        <p:txBody>
-          <a:bodyPr>
-            <a:normAutofit/>
-          </a:bodyPr>
-          <a:lstStyle/>
-          <a:p>
-            <a:pPr lvl="1">
-              <a:buFont typeface="Courier New" pitchFamily="49" charset="0"/>
-              <a:buChar char="o"/>
-            </a:pPr>
-            <a:r>
-              <a:rPr lang="en-US" smtClean="0">
-                <a:latin typeface="Times New Roman" pitchFamily="18" charset="0"/>
-                <a:cs typeface="Times New Roman" pitchFamily="18" charset="0"/>
-              </a:rPr>
-              <a:t>Warren Abstract Machine</a:t>
-            </a:r>
-          </a:p>
-          <a:p>
-            <a:pPr lvl="1">
-              <a:buFont typeface="Courier New" pitchFamily="49" charset="0"/>
-              <a:buChar char="o"/>
-            </a:pPr>
-            <a:r>
-              <a:rPr lang="en-US" smtClean="0">
-                <a:latin typeface="Times New Roman" pitchFamily="18" charset="0"/>
-                <a:cs typeface="Times New Roman" pitchFamily="18" charset="0"/>
-              </a:rPr>
-              <a:t>1983, David H. D. Warren </a:t>
-            </a:r>
-          </a:p>
-          <a:p>
-            <a:pPr lvl="1">
-              <a:buFont typeface="Courier New" pitchFamily="49" charset="0"/>
-              <a:buChar char="o"/>
-            </a:pPr>
-            <a:r>
-              <a:rPr lang="en-US" smtClean="0">
-                <a:latin typeface="Times New Roman" pitchFamily="18" charset="0"/>
-                <a:cs typeface="Times New Roman" pitchFamily="18" charset="0"/>
-              </a:rPr>
-              <a:t>Mô hình thực thi chương trình Prolog</a:t>
-            </a:r>
-          </a:p>
-          <a:p>
-            <a:pPr lvl="2"/>
-            <a:r>
-              <a:rPr lang="en-US" sz="2800" smtClean="0">
-                <a:latin typeface="Times New Roman" pitchFamily="18" charset="0"/>
-                <a:cs typeface="Times New Roman" pitchFamily="18" charset="0"/>
-              </a:rPr>
-              <a:t> </a:t>
-            </a:r>
-            <a:r>
-              <a:rPr lang="en-US" sz="2000" smtClean="0">
-                <a:latin typeface="Times New Roman" pitchFamily="18" charset="0"/>
-                <a:cs typeface="Times New Roman" pitchFamily="18" charset="0"/>
-              </a:rPr>
-              <a:t>Kiến trúc bộ nhớ ( WAM heap)</a:t>
-            </a:r>
-          </a:p>
-          <a:p>
-            <a:pPr lvl="2"/>
-            <a:r>
-              <a:rPr lang="en-US" sz="2800" smtClean="0">
-                <a:latin typeface="Times New Roman" pitchFamily="18" charset="0"/>
-                <a:cs typeface="Times New Roman" pitchFamily="18" charset="0"/>
-              </a:rPr>
-              <a:t> </a:t>
-            </a:r>
-            <a:r>
-              <a:rPr lang="en-US" sz="2000" smtClean="0">
-                <a:latin typeface="Times New Roman" pitchFamily="18" charset="0"/>
-                <a:cs typeface="Times New Roman" pitchFamily="18" charset="0"/>
-              </a:rPr>
-              <a:t>Tập lệnh</a:t>
-            </a:r>
-            <a:endParaRPr lang="en-US" sz="2800" smtClean="0">
-              <a:latin typeface="Times New Roman" pitchFamily="18" charset="0"/>
-              <a:cs typeface="Times New Roman" pitchFamily="18" charset="0"/>
-            </a:endParaRPr>
-          </a:p>
-          <a:p>
-            <a:pPr lvl="2">
-              <a:buFont typeface="Courier New" pitchFamily="49" charset="0"/>
-              <a:buChar char="o"/>
-            </a:pPr>
-            <a:endParaRPr lang="en-US" sz="1400" smtClean="0">
-              <a:latin typeface="Times New Roman" pitchFamily="18" charset="0"/>
-              <a:cs typeface="Times New Roman" pitchFamily="18" charset="0"/>
-            </a:endParaRPr>
-          </a:p>
-          <a:p>
-            <a:pPr lvl="1">
-              <a:buFont typeface="Courier New" pitchFamily="49" charset="0"/>
-              <a:buChar char="o"/>
-            </a:pPr>
-            <a:endParaRPr lang="en-US" sz="1800" smtClean="0">
-              <a:latin typeface="Times New Roman" pitchFamily="18" charset="0"/>
-              <a:cs typeface="Times New Roman" pitchFamily="18" charset="0"/>
-            </a:endParaRPr>
-          </a:p>
-        </p:txBody>
-      </p:sp>
-    </p:spTree>
-  </p:cSld>
-  <p:clrMapOvr>
-    <a:masterClrMapping/>
-  </p:clrMapOvr>
-  <p:timing>
-    <p:tnLst>
-      <p:par>
-        <p:cTn id="1" dur="indefinite" restart="never" nodeType="tmRoot"/>
-      </p:par>
-    </p:tnLst>
-  </p:timing>
-</p:sld>
-</file>
-
-<file path=ppt/slides/slide12.xml><?xml version="1.0" encoding="utf-8"?>
-<p:sld xmlns:a="http://schemas.openxmlformats.org/drawingml/2006/main" xmlns:r="http://schemas.openxmlformats.org/officeDocument/2006/relationships" xmlns:p="http://schemas.openxmlformats.org/presentationml/2006/main">
-  <p:cSld>
-    <p:spTree>
-      <p:nvGrpSpPr>
-        <p:cNvPr id="1" name=""/>
-        <p:cNvGrpSpPr/>
-        <p:nvPr/>
-      </p:nvGrpSpPr>
-      <p:grpSpPr>
-        <a:xfrm>
-          <a:off x="0" y="0"/>
-          <a:ext cx="0" cy="0"/>
-          <a:chOff x="0" y="0"/>
-          <a:chExt cx="0" cy="0"/>
-        </a:xfrm>
-      </p:grpSpPr>
-      <p:sp>
-        <p:nvSpPr>
-          <p:cNvPr id="2" name="Title 1"/>
-          <p:cNvSpPr>
-            <a:spLocks noGrp="1"/>
-          </p:cNvSpPr>
-          <p:nvPr>
-            <p:ph type="title"/>
-          </p:nvPr>
-        </p:nvSpPr>
-        <p:spPr/>
-        <p:txBody>
-          <a:bodyPr/>
-          <a:lstStyle/>
-          <a:p>
-            <a:r>
-              <a:rPr lang="en-US" smtClean="0">
-                <a:latin typeface="Times New Roman" pitchFamily="18" charset="0"/>
-              </a:rPr>
               <a:t>WAM HEAP</a:t>
             </a:r>
             <a:endParaRPr lang="en-US">
@@ -11881,35 +11515,7 @@
                 <a:latin typeface="Times New Roman" pitchFamily="18" charset="0"/>
                 <a:cs typeface="Times New Roman" pitchFamily="18" charset="0"/>
               </a:rPr>
-              <a:t>Variable : sử dụng 1 phần tử của WAM heap để lưu trữ tham chiếu đến </a:t>
-            </a:r>
-            <a:r>
-              <a:rPr lang="en-US" sz="2000" smtClean="0">
-                <a:latin typeface="Times New Roman" pitchFamily="18" charset="0"/>
-                <a:cs typeface="Times New Roman" pitchFamily="18" charset="0"/>
-              </a:rPr>
-              <a:t>	bảng </a:t>
-            </a:r>
-            <a:r>
-              <a:rPr lang="en-US" sz="2000" smtClean="0">
-                <a:latin typeface="Times New Roman" pitchFamily="18" charset="0"/>
-                <a:cs typeface="Times New Roman" pitchFamily="18" charset="0"/>
-              </a:rPr>
-              <a:t>VAR</a:t>
-            </a:r>
-            <a:r>
-              <a:rPr lang="en-US" sz="2000" smtClean="0">
-                <a:latin typeface="Times New Roman" pitchFamily="18" charset="0"/>
-                <a:cs typeface="Times New Roman" pitchFamily="18" charset="0"/>
-              </a:rPr>
-              <a:t>, </a:t>
-            </a:r>
-            <a:r>
-              <a:rPr lang="en-US" sz="2000" smtClean="0">
-                <a:latin typeface="Times New Roman" pitchFamily="18" charset="0"/>
-                <a:cs typeface="Times New Roman" pitchFamily="18" charset="0"/>
-              </a:rPr>
-              <a:t>được gọi là Variable cell.</a:t>
+              <a:t>Variable : sử dụng 1 phần tử của WAM heap để lưu trữ tham chiếu đến 	bảng VAR, được gọi là Variable cell.</a:t>
             </a:r>
           </a:p>
           <a:p>
@@ -12017,7 +11623,7 @@
 </p:sld>
 </file>
 
-<file path=ppt/slides/slide13.xml><?xml version="1.0" encoding="utf-8"?>
+<file path=ppt/slides/slide12.xml><?xml version="1.0" encoding="utf-8"?>
 <p:sld xmlns:a="http://schemas.openxmlformats.org/drawingml/2006/main" xmlns:r="http://schemas.openxmlformats.org/officeDocument/2006/relationships" xmlns:p="http://schemas.openxmlformats.org/presentationml/2006/main">
   <p:cSld>
     <p:spTree>
@@ -12086,13 +11692,7 @@
               <a:rPr lang="en-US" smtClean="0">
                 <a:latin typeface="Times New Roman" pitchFamily="18" charset="0"/>
               </a:rPr>
-              <a:t>WAM HEAP </a:t>
-            </a:r>
-            <a:r>
-              <a:rPr lang="en-US" smtClean="0">
-                <a:latin typeface="Times New Roman" pitchFamily="18" charset="0"/>
-              </a:rPr>
-              <a:t>(2)</a:t>
+              <a:t>WAM HEAP (2)</a:t>
             </a:r>
             <a:endParaRPr lang="en-US">
               <a:latin typeface="Times New Roman" pitchFamily="18" charset="0"/>
@@ -12423,7 +12023,7 @@
 </p:sld>
 </file>
 
-<file path=ppt/slides/slide14.xml><?xml version="1.0" encoding="utf-8"?>
+<file path=ppt/slides/slide13.xml><?xml version="1.0" encoding="utf-8"?>
 <p:sld xmlns:a="http://schemas.openxmlformats.org/drawingml/2006/main" xmlns:r="http://schemas.openxmlformats.org/officeDocument/2006/relationships" xmlns:p="http://schemas.openxmlformats.org/presentationml/2006/main">
   <p:cSld>
     <p:spTree>
@@ -12459,13 +12059,7 @@
               <a:rPr lang="en-US" smtClean="0">
                 <a:latin typeface="Times New Roman" pitchFamily="18" charset="0"/>
               </a:rPr>
-              <a:t>xWAM </a:t>
-            </a:r>
-            <a:r>
-              <a:rPr lang="en-US" smtClean="0">
-                <a:latin typeface="Times New Roman" pitchFamily="18" charset="0"/>
-              </a:rPr>
-              <a:t>HEAP</a:t>
+              <a:t>xWAM HEAP</a:t>
             </a:r>
             <a:endParaRPr lang="en-US">
               <a:latin typeface="Times New Roman" pitchFamily="18" charset="0"/>
@@ -12502,80 +12096,34 @@
                 <a:latin typeface="Times New Roman" pitchFamily="18" charset="0"/>
                 <a:cs typeface="Times New Roman" pitchFamily="18" charset="0"/>
               </a:rPr>
-              <a:t>Chứa được </a:t>
-            </a:r>
+              <a:t>Chứa được lượng từ: ∀ ∃</a:t>
+            </a:r>
+          </a:p>
+          <a:p>
             <a:r>
               <a:rPr lang="en-US" smtClean="0">
                 <a:latin typeface="Times New Roman" pitchFamily="18" charset="0"/>
                 <a:cs typeface="Times New Roman" pitchFamily="18" charset="0"/>
               </a:rPr>
-              <a:t>lượng </a:t>
-            </a:r>
+              <a:t>VAR cell giống WAM Heap</a:t>
+            </a:r>
+          </a:p>
+          <a:p>
             <a:r>
               <a:rPr lang="en-US" smtClean="0">
                 <a:latin typeface="Times New Roman" pitchFamily="18" charset="0"/>
                 <a:cs typeface="Times New Roman" pitchFamily="18" charset="0"/>
               </a:rPr>
-              <a:t>từ: </a:t>
-            </a:r>
+              <a:t>Structure cell thêm phần tử q tham chiếu đến bảng QUANT</a:t>
+            </a:r>
+          </a:p>
+          <a:p>
             <a:r>
               <a:rPr lang="en-US" smtClean="0">
                 <a:latin typeface="Times New Roman" pitchFamily="18" charset="0"/>
                 <a:cs typeface="Times New Roman" pitchFamily="18" charset="0"/>
               </a:rPr>
-              <a:t>∀ ∃</a:t>
-            </a:r>
-          </a:p>
-          <a:p>
-            <a:r>
-              <a:rPr lang="en-US" smtClean="0">
-                <a:latin typeface="Times New Roman" pitchFamily="18" charset="0"/>
-                <a:cs typeface="Times New Roman" pitchFamily="18" charset="0"/>
-              </a:rPr>
-              <a:t>VAR cell </a:t>
-            </a:r>
-            <a:r>
-              <a:rPr lang="en-US" smtClean="0">
-                <a:latin typeface="Times New Roman" pitchFamily="18" charset="0"/>
-                <a:cs typeface="Times New Roman" pitchFamily="18" charset="0"/>
-              </a:rPr>
-              <a:t>giống WAM Heap</a:t>
-            </a:r>
-          </a:p>
-          <a:p>
-            <a:r>
-              <a:rPr lang="en-US" smtClean="0">
-                <a:latin typeface="Times New Roman" pitchFamily="18" charset="0"/>
-                <a:cs typeface="Times New Roman" pitchFamily="18" charset="0"/>
-              </a:rPr>
-              <a:t>Structure cell thêm phần tử q tham chiếu đến </a:t>
-            </a:r>
-            <a:r>
-              <a:rPr lang="en-US" smtClean="0">
-                <a:latin typeface="Times New Roman" pitchFamily="18" charset="0"/>
-                <a:cs typeface="Times New Roman" pitchFamily="18" charset="0"/>
-              </a:rPr>
-              <a:t>bảng QUANT</a:t>
-            </a:r>
-            <a:endParaRPr lang="en-US" smtClean="0">
-              <a:latin typeface="Times New Roman" pitchFamily="18" charset="0"/>
-              <a:cs typeface="Times New Roman" pitchFamily="18" charset="0"/>
-            </a:endParaRPr>
-          </a:p>
-          <a:p>
-            <a:r>
-              <a:rPr lang="en-US" smtClean="0">
-                <a:latin typeface="Times New Roman" pitchFamily="18" charset="0"/>
-                <a:cs typeface="Times New Roman" pitchFamily="18" charset="0"/>
-              </a:rPr>
-              <a:t>Bảng QUANT: </a:t>
-            </a:r>
-            <a:r>
-              <a:rPr lang="en-US" smtClean="0">
-                <a:latin typeface="Times New Roman" pitchFamily="18" charset="0"/>
-                <a:cs typeface="Times New Roman" pitchFamily="18" charset="0"/>
-              </a:rPr>
-              <a:t>Chứa các lượng từ</a:t>
+              <a:t>Bảng QUANT: Chứa các lượng từ</a:t>
             </a:r>
           </a:p>
         </p:txBody>
@@ -12595,7 +12143,7 @@
 </p:sld>
 </file>
 
-<file path=ppt/slides/slide15.xml><?xml version="1.0" encoding="utf-8"?>
+<file path=ppt/slides/slide14.xml><?xml version="1.0" encoding="utf-8"?>
 <p:sld xmlns:a="http://schemas.openxmlformats.org/drawingml/2006/main" xmlns:r="http://schemas.openxmlformats.org/officeDocument/2006/relationships" xmlns:p="http://schemas.openxmlformats.org/presentationml/2006/main">
   <p:cSld>
     <p:spTree>
@@ -12637,13 +12185,7 @@
               <a:rPr lang="en-US" smtClean="0">
                 <a:latin typeface="Times New Roman" pitchFamily="18" charset="0"/>
               </a:rPr>
-              <a:t>xWAM </a:t>
-            </a:r>
-            <a:r>
-              <a:rPr lang="en-US" smtClean="0">
-                <a:latin typeface="Times New Roman" pitchFamily="18" charset="0"/>
-              </a:rPr>
-              <a:t>HEAP (2)</a:t>
+              <a:t>xWAM HEAP (2)</a:t>
             </a:r>
             <a:endParaRPr lang="en-US">
               <a:latin typeface="Times New Roman" pitchFamily="18" charset="0"/>
@@ -18204,13 +17746,7 @@
               <a:rPr lang="en-US" smtClean="0">
                 <a:sym typeface="Wingdings" pitchFamily="2" charset="2"/>
               </a:rPr>
-              <a:t>→ ¬ q(x,y) </a:t>
-            </a:r>
-            <a:r>
-              <a:rPr lang="en-US" smtClean="0">
-                <a:sym typeface="Wingdings" pitchFamily="2" charset="2"/>
-              </a:rPr>
-              <a:t>)</a:t>
+              <a:t>→ ¬ q(x,y) )</a:t>
             </a:r>
             <a:endParaRPr lang="en-US" smtClean="0"/>
           </a:p>
@@ -18321,7 +17857,7 @@
 </p:sld>
 </file>
 
-<file path=ppt/slides/slide16.xml><?xml version="1.0" encoding="utf-8"?>
+<file path=ppt/slides/slide15.xml><?xml version="1.0" encoding="utf-8"?>
 <p:sld xmlns:a="http://schemas.openxmlformats.org/drawingml/2006/main" xmlns:r="http://schemas.openxmlformats.org/officeDocument/2006/relationships" xmlns:p="http://schemas.openxmlformats.org/presentationml/2006/main">
   <p:cSld>
     <p:spTree>
@@ -18807,11 +18343,7 @@
             <a:p>
               <a:r>
                 <a:rPr lang="en-US" smtClean="0"/>
-                <a:t>list_goal ={</a:t>
-              </a:r>
-              <a:r>
-                <a:rPr lang="en-US" smtClean="0"/>
-                <a:t>G0,…,Gn}</a:t>
+                <a:t>list_goal ={G0,…,Gn}</a:t>
               </a:r>
               <a:endParaRPr lang="en-US"/>
             </a:p>
@@ -18848,17 +18380,179 @@
             <a:p>
               <a:r>
                 <a:rPr lang="en-US" smtClean="0"/>
-                <a:t>list_proof ={</a:t>
-              </a:r>
-              <a:r>
-                <a:rPr lang="en-US" smtClean="0"/>
-                <a:t>P0,…,Pn}</a:t>
+                <a:t>list_proof ={P0,…,Pn}</a:t>
               </a:r>
               <a:endParaRPr lang="en-US"/>
             </a:p>
           </p:txBody>
         </p:sp>
       </p:grpSp>
+    </p:spTree>
+  </p:cSld>
+  <p:clrMapOvr>
+    <a:masterClrMapping/>
+  </p:clrMapOvr>
+  <p:timing>
+    <p:tnLst>
+      <p:par>
+        <p:cTn id="1" dur="indefinite" restart="never" nodeType="tmRoot"/>
+      </p:par>
+    </p:tnLst>
+  </p:timing>
+</p:sld>
+</file>
+
+<file path=ppt/slides/slide16.xml><?xml version="1.0" encoding="utf-8"?>
+<p:sld xmlns:a="http://schemas.openxmlformats.org/drawingml/2006/main" xmlns:r="http://schemas.openxmlformats.org/officeDocument/2006/relationships" xmlns:p="http://schemas.openxmlformats.org/presentationml/2006/main">
+  <p:cSld>
+    <p:spTree>
+      <p:nvGrpSpPr>
+        <p:cNvPr id="1" name=""/>
+        <p:cNvGrpSpPr/>
+        <p:nvPr/>
+      </p:nvGrpSpPr>
+      <p:grpSpPr>
+        <a:xfrm>
+          <a:off x="0" y="0"/>
+          <a:ext cx="0" cy="0"/>
+          <a:chOff x="0" y="0"/>
+          <a:chExt cx="0" cy="0"/>
+        </a:xfrm>
+      </p:grpSpPr>
+      <p:sp>
+        <p:nvSpPr>
+          <p:cNvPr id="2" name="Title 1"/>
+          <p:cNvSpPr>
+            <a:spLocks noGrp="1"/>
+          </p:cNvSpPr>
+          <p:nvPr>
+            <p:ph type="title"/>
+          </p:nvPr>
+        </p:nvSpPr>
+        <p:spPr/>
+        <p:txBody>
+          <a:bodyPr>
+            <a:normAutofit/>
+          </a:bodyPr>
+          <a:lstStyle/>
+          <a:p>
+            <a:r>
+              <a:rPr lang="en-US" smtClean="0">
+                <a:latin typeface="Times New Roman" pitchFamily="18" charset="0"/>
+              </a:rPr>
+              <a:t>TẬP LUẬT </a:t>
+            </a:r>
+            <a:endParaRPr lang="en-US">
+              <a:latin typeface="Times New Roman" pitchFamily="18" charset="0"/>
+            </a:endParaRPr>
+          </a:p>
+        </p:txBody>
+      </p:sp>
+      <p:sp>
+        <p:nvSpPr>
+          <p:cNvPr id="15" name="Content Placeholder 14"/>
+          <p:cNvSpPr>
+            <a:spLocks noGrp="1"/>
+          </p:cNvSpPr>
+          <p:nvPr>
+            <p:ph idx="1"/>
+          </p:nvPr>
+        </p:nvSpPr>
+        <p:spPr>
+          <a:xfrm>
+            <a:off x="457200" y="1333500"/>
+            <a:ext cx="8229600" cy="4114800"/>
+          </a:xfrm>
+        </p:spPr>
+        <p:txBody>
+          <a:bodyPr>
+            <a:normAutofit/>
+          </a:bodyPr>
+          <a:lstStyle/>
+          <a:p>
+            <a:pPr lvl="0"/>
+            <a:r>
+              <a:rPr lang="en-US" u="sng" smtClean="0">
+                <a:latin typeface="Times New Roman" pitchFamily="18" charset="0"/>
+                <a:cs typeface="Times New Roman" pitchFamily="18" charset="0"/>
+              </a:rPr>
+              <a:t>Tập luật suy diễn tự nhiên trong logic vị từ:</a:t>
+            </a:r>
+            <a:endParaRPr lang="en-US" sz="2400" smtClean="0">
+              <a:latin typeface="Times New Roman" pitchFamily="18" charset="0"/>
+              <a:cs typeface="Times New Roman" pitchFamily="18" charset="0"/>
+            </a:endParaRPr>
+          </a:p>
+          <a:p>
+            <a:pPr lvl="1"/>
+            <a:r>
+              <a:rPr lang="en-US" smtClean="0">
+                <a:latin typeface="Times New Roman" pitchFamily="18" charset="0"/>
+                <a:cs typeface="Times New Roman" pitchFamily="18" charset="0"/>
+              </a:rPr>
+              <a:t>Luật Elimination (phân rã công thức thành các công thức con )</a:t>
+            </a:r>
+          </a:p>
+          <a:p>
+            <a:pPr lvl="2"/>
+            <a:r>
+              <a:rPr lang="en-US" sz="2000" smtClean="0">
+                <a:latin typeface="Times New Roman" pitchFamily="18" charset="0"/>
+                <a:cs typeface="Times New Roman" pitchFamily="18" charset="0"/>
+              </a:rPr>
+              <a:t>A ∧ B		├─  A 	(e ∧ </a:t>
+            </a:r>
+            <a:r>
+              <a:rPr lang="en-US" sz="2000" baseline="-25000" smtClean="0">
+                <a:latin typeface="Times New Roman" pitchFamily="18" charset="0"/>
+                <a:cs typeface="Times New Roman" pitchFamily="18" charset="0"/>
+              </a:rPr>
+              <a:t>1</a:t>
+            </a:r>
+            <a:r>
+              <a:rPr lang="en-US" sz="2000" smtClean="0">
+                <a:latin typeface="Times New Roman" pitchFamily="18" charset="0"/>
+                <a:cs typeface="Times New Roman" pitchFamily="18" charset="0"/>
+              </a:rPr>
+              <a:t>)</a:t>
+            </a:r>
+          </a:p>
+          <a:p>
+            <a:pPr lvl="1"/>
+            <a:r>
+              <a:rPr lang="en-US" smtClean="0">
+                <a:latin typeface="Times New Roman" pitchFamily="18" charset="0"/>
+                <a:cs typeface="Times New Roman" pitchFamily="18" charset="0"/>
+              </a:rPr>
+              <a:t>Luật Introduction (sinh ra công thức mới từ các công thức)</a:t>
+            </a:r>
+          </a:p>
+          <a:p>
+            <a:pPr lvl="2"/>
+            <a:r>
+              <a:rPr lang="en-US" sz="2000" smtClean="0">
+                <a:latin typeface="Times New Roman" pitchFamily="18" charset="0"/>
+                <a:cs typeface="Times New Roman" pitchFamily="18" charset="0"/>
+              </a:rPr>
+              <a:t>A 	├─  A ∨  B 	( i ∨</a:t>
+            </a:r>
+            <a:r>
+              <a:rPr lang="en-US" sz="2000" baseline="-25000" smtClean="0">
+                <a:latin typeface="Times New Roman" pitchFamily="18" charset="0"/>
+                <a:cs typeface="Times New Roman" pitchFamily="18" charset="0"/>
+              </a:rPr>
+              <a:t> 1</a:t>
+            </a:r>
+            <a:r>
+              <a:rPr lang="en-US" sz="2000" smtClean="0">
+                <a:latin typeface="Times New Roman" pitchFamily="18" charset="0"/>
+                <a:cs typeface="Times New Roman" pitchFamily="18" charset="0"/>
+              </a:rPr>
+              <a:t>)</a:t>
+            </a:r>
+          </a:p>
+        </p:txBody>
+      </p:sp>
     </p:spTree>
   </p:cSld>
   <p:clrMapOvr>
@@ -18903,22 +18597,14 @@
         </p:nvSpPr>
         <p:spPr/>
         <p:txBody>
-          <a:bodyPr>
-            <a:normAutofit/>
-          </a:bodyPr>
+          <a:bodyPr/>
           <a:lstStyle/>
           <a:p>
             <a:r>
               <a:rPr lang="en-US" smtClean="0">
                 <a:latin typeface="Times New Roman" pitchFamily="18" charset="0"/>
               </a:rPr>
-              <a:t>TẬP </a:t>
-            </a:r>
-            <a:r>
-              <a:rPr lang="en-US" smtClean="0">
-                <a:latin typeface="Times New Roman" pitchFamily="18" charset="0"/>
-              </a:rPr>
-              <a:t>LUẬT </a:t>
+              <a:t>ELIMINATION</a:t>
             </a:r>
             <a:endParaRPr lang="en-US">
               <a:latin typeface="Times New Roman" pitchFamily="18" charset="0"/>
@@ -18928,7 +18614,7 @@
       </p:sp>
       <p:sp>
         <p:nvSpPr>
-          <p:cNvPr id="15" name="Content Placeholder 14"/>
+          <p:cNvPr id="23" name="Content Placeholder 22"/>
           <p:cNvSpPr>
             <a:spLocks noGrp="1"/>
           </p:cNvSpPr>
@@ -18936,104 +18622,81 @@
             <p:ph idx="1"/>
           </p:nvPr>
         </p:nvSpPr>
-        <p:spPr>
-          <a:xfrm>
-            <a:off x="457200" y="1333500"/>
-            <a:ext cx="8229600" cy="4114800"/>
-          </a:xfrm>
-        </p:spPr>
+        <p:spPr/>
         <p:txBody>
           <a:bodyPr>
             <a:normAutofit/>
           </a:bodyPr>
           <a:lstStyle/>
           <a:p>
-            <a:pPr lvl="0"/>
-            <a:r>
-              <a:rPr lang="en-US" u="sng" smtClean="0">
+            <a:pPr marL="342900" lvl="4" indent="-342900">
+              <a:buFont typeface="Arial" pitchFamily="34" charset="0"/>
+              <a:buChar char="•"/>
+            </a:pPr>
+            <a:r>
+              <a:rPr lang="en-US" sz="3200" smtClean="0">
                 <a:latin typeface="Times New Roman" pitchFamily="18" charset="0"/>
                 <a:cs typeface="Times New Roman" pitchFamily="18" charset="0"/>
               </a:rPr>
-              <a:t>Tập luật suy diễn tự nhiên trong logic vị từ:</a:t>
-            </a:r>
-            <a:endParaRPr lang="en-US" sz="2400" smtClean="0">
-              <a:latin typeface="Times New Roman" pitchFamily="18" charset="0"/>
-              <a:cs typeface="Times New Roman" pitchFamily="18" charset="0"/>
-            </a:endParaRPr>
-          </a:p>
-          <a:p>
-            <a:pPr lvl="1"/>
-            <a:r>
-              <a:rPr lang="en-US" smtClean="0">
+              <a:t>Tìm 1 công thức hoặc 1 cặp công thức trong list_proof mà có thể áp dụng luật elimination </a:t>
+            </a:r>
+          </a:p>
+          <a:p>
+            <a:pPr marL="342900" lvl="4" indent="-342900">
+              <a:buFont typeface="Arial" pitchFamily="34" charset="0"/>
+              <a:buChar char="•"/>
+            </a:pPr>
+            <a:r>
+              <a:rPr lang="en-US" sz="3200" smtClean="0">
                 <a:latin typeface="Times New Roman" pitchFamily="18" charset="0"/>
                 <a:cs typeface="Times New Roman" pitchFamily="18" charset="0"/>
               </a:rPr>
-              <a:t>Luật Elimination (phân rã công thức thành các công thức con )</a:t>
-            </a:r>
-          </a:p>
-          <a:p>
-            <a:pPr lvl="2"/>
-            <a:r>
-              <a:rPr lang="en-US" sz="2000" smtClean="0">
+              <a:t>Cập nhật list_proof </a:t>
+            </a:r>
+          </a:p>
+          <a:p>
+            <a:pPr marL="800100" lvl="5" indent="-342900">
+              <a:buFont typeface="Wingdings" pitchFamily="2" charset="2"/>
+              <a:buChar char="q"/>
+            </a:pPr>
+            <a:r>
+              <a:rPr lang="en-US" sz="3200" smtClean="0">
                 <a:latin typeface="Times New Roman" pitchFamily="18" charset="0"/>
                 <a:cs typeface="Times New Roman" pitchFamily="18" charset="0"/>
               </a:rPr>
-              <a:t>A ∧ B		├─  A 	(e ∧ </a:t>
-            </a:r>
-            <a:r>
-              <a:rPr lang="en-US" sz="2000" baseline="-25000" smtClean="0">
+              <a:t>Ví dụ: </a:t>
+            </a:r>
+            <a:br>
+              <a:rPr lang="en-US" sz="3200" smtClean="0">
                 <a:latin typeface="Times New Roman" pitchFamily="18" charset="0"/>
                 <a:cs typeface="Times New Roman" pitchFamily="18" charset="0"/>
               </a:rPr>
-              <a:t>1</a:t>
-            </a:r>
-            <a:r>
-              <a:rPr lang="en-US" sz="2000" smtClean="0">
+            </a:br>
+            <a:r>
+              <a:rPr lang="en-US" sz="3200" smtClean="0">
                 <a:latin typeface="Times New Roman" pitchFamily="18" charset="0"/>
                 <a:cs typeface="Times New Roman" pitchFamily="18" charset="0"/>
               </a:rPr>
-              <a:t>)</a:t>
-            </a:r>
-          </a:p>
-          <a:p>
-            <a:pPr lvl="1"/>
-            <a:r>
-              <a:rPr lang="en-US" smtClean="0">
+              <a:t>	list_proof = { A ∧ B, A→C, D}</a:t>
+            </a:r>
+          </a:p>
+          <a:p>
+            <a:pPr marL="800100" lvl="5" indent="-342900">
+              <a:buNone/>
+            </a:pPr>
+            <a:r>
+              <a:rPr lang="en-US" sz="4800" smtClean="0">
                 <a:latin typeface="Times New Roman" pitchFamily="18" charset="0"/>
                 <a:cs typeface="Times New Roman" pitchFamily="18" charset="0"/>
               </a:rPr>
-              <a:t>Luật Introduction (sinh ra công thức mới từ các công thức)</a:t>
-            </a:r>
-          </a:p>
-          <a:p>
-            <a:pPr lvl="2"/>
-            <a:r>
-              <a:rPr lang="en-US" sz="2000" smtClean="0">
+              <a:t>→</a:t>
+            </a:r>
+            <a:r>
+              <a:rPr lang="en-US" sz="3200" smtClean="0">
                 <a:latin typeface="Times New Roman" pitchFamily="18" charset="0"/>
                 <a:cs typeface="Times New Roman" pitchFamily="18" charset="0"/>
               </a:rPr>
-              <a:t>A 	├─  A ∨  B 	( i ∨</a:t>
-            </a:r>
-            <a:r>
-              <a:rPr lang="en-US" sz="2000" baseline="-25000" smtClean="0">
-                <a:latin typeface="Times New Roman" pitchFamily="18" charset="0"/>
-                <a:cs typeface="Times New Roman" pitchFamily="18" charset="0"/>
-              </a:rPr>
-              <a:t> </a:t>
-            </a:r>
-            <a:r>
-              <a:rPr lang="en-US" sz="2000" baseline="-25000" smtClean="0">
-                <a:latin typeface="Times New Roman" pitchFamily="18" charset="0"/>
-                <a:cs typeface="Times New Roman" pitchFamily="18" charset="0"/>
-              </a:rPr>
-              <a:t>1</a:t>
-            </a:r>
-            <a:r>
-              <a:rPr lang="en-US" sz="2000" smtClean="0">
-                <a:latin typeface="Times New Roman" pitchFamily="18" charset="0"/>
-                <a:cs typeface="Times New Roman" pitchFamily="18" charset="0"/>
-              </a:rPr>
-              <a:t>)</a:t>
+              <a:t> {A ∧ B, A→ C, D , A, B, C}</a:t>
             </a:r>
           </a:p>
         </p:txBody>
@@ -19089,7 +18752,7 @@
               <a:rPr lang="en-US" smtClean="0">
                 <a:latin typeface="Times New Roman" pitchFamily="18" charset="0"/>
               </a:rPr>
-              <a:t>ELIMINATION</a:t>
+              <a:t>INTRODUCTION</a:t>
             </a:r>
             <a:endParaRPr lang="en-US">
               <a:latin typeface="Times New Roman" pitchFamily="18" charset="0"/>
@@ -19107,100 +18770,455 @@
             <p:ph idx="1"/>
           </p:nvPr>
         </p:nvSpPr>
-        <p:spPr/>
+        <p:spPr>
+          <a:xfrm>
+            <a:off x="457200" y="1181100"/>
+            <a:ext cx="9372600" cy="4533900"/>
+          </a:xfrm>
+        </p:spPr>
         <p:txBody>
           <a:bodyPr>
-            <a:normAutofit/>
+            <a:normAutofit fontScale="77500" lnSpcReduction="20000"/>
           </a:bodyPr>
           <a:lstStyle/>
           <a:p>
-            <a:pPr marL="342900" lvl="4" indent="-342900">
-              <a:buFont typeface="Arial" pitchFamily="34" charset="0"/>
-              <a:buChar char="•"/>
+            <a:r>
+              <a:rPr lang="en-US" smtClean="0">
+                <a:latin typeface="Times New Roman" pitchFamily="18" charset="0"/>
+                <a:cs typeface="Times New Roman" pitchFamily="18" charset="0"/>
+              </a:rPr>
+              <a:t>Nếu goal không phải là ⊥ thì cập nhật list_proof và list_goal</a:t>
+            </a:r>
+            <a:br>
+              <a:rPr lang="en-US" smtClean="0">
+                <a:latin typeface="Times New Roman" pitchFamily="18" charset="0"/>
+                <a:cs typeface="Times New Roman" pitchFamily="18" charset="0"/>
+              </a:rPr>
+            </a:br>
+            <a:r>
+              <a:rPr lang="en-US" smtClean="0">
+                <a:latin typeface="Times New Roman" pitchFamily="18" charset="0"/>
+                <a:cs typeface="Times New Roman" pitchFamily="18" charset="0"/>
+              </a:rPr>
+              <a:t> theo qui tắc sau:</a:t>
+            </a:r>
+          </a:p>
+          <a:p>
+            <a:pPr marL="744538" lvl="1" indent="-461963">
+              <a:buFont typeface="+mj-lt"/>
+              <a:buAutoNum type="arabicPeriod"/>
             </a:pPr>
             <a:r>
-              <a:rPr lang="en-US" sz="3200" smtClean="0">
+              <a:rPr lang="en-US" smtClean="0">
                 <a:latin typeface="Times New Roman" pitchFamily="18" charset="0"/>
                 <a:cs typeface="Times New Roman" pitchFamily="18" charset="0"/>
               </a:rPr>
-              <a:t>Tìm 1 công thức hoặc 1 cặp công thức trong list_proof mà có thể áp dụng luật </a:t>
-            </a:r>
-            <a:r>
-              <a:rPr lang="en-US" sz="3200" smtClean="0">
-                <a:latin typeface="Times New Roman" pitchFamily="18" charset="0"/>
-                <a:cs typeface="Times New Roman" pitchFamily="18" charset="0"/>
-              </a:rPr>
-              <a:t>elimination </a:t>
-            </a:r>
-            <a:endParaRPr lang="en-US" sz="3200" smtClean="0">
+              <a:t>∑  ⊢ Ω ,F      	=	∑ , ¬F             ⊢Ω ,F, ⊥</a:t>
+            </a:r>
+            <a:endParaRPr lang="en-US" sz="2000" smtClean="0">
               <a:latin typeface="Times New Roman" pitchFamily="18" charset="0"/>
               <a:cs typeface="Times New Roman" pitchFamily="18" charset="0"/>
             </a:endParaRPr>
           </a:p>
           <a:p>
-            <a:pPr marL="342900" lvl="4" indent="-342900">
-              <a:buFont typeface="Arial" pitchFamily="34" charset="0"/>
-              <a:buChar char="•"/>
+            <a:pPr marL="744538" lvl="1" indent="-461963">
+              <a:buFont typeface="+mj-lt"/>
+              <a:buAutoNum type="arabicPeriod"/>
             </a:pPr>
             <a:r>
-              <a:rPr lang="en-US" sz="3200" smtClean="0">
+              <a:rPr lang="en-US" smtClean="0">
                 <a:latin typeface="Times New Roman" pitchFamily="18" charset="0"/>
                 <a:cs typeface="Times New Roman" pitchFamily="18" charset="0"/>
               </a:rPr>
-              <a:t>Cập nhật list_proof </a:t>
-            </a:r>
-          </a:p>
-          <a:p>
-            <a:pPr marL="800100" lvl="5" indent="-342900">
-              <a:buFont typeface="Wingdings" pitchFamily="2" charset="2"/>
-              <a:buChar char="q"/>
+              <a:t>∑  ⊢ Ω ,</a:t>
+            </a:r>
+            <a:r>
+              <a:rPr lang="en-US" sz="2000" smtClean="0">
+                <a:latin typeface="Times New Roman" pitchFamily="18" charset="0"/>
+                <a:cs typeface="Times New Roman" pitchFamily="18" charset="0"/>
+              </a:rPr>
+              <a:t> </a:t>
+            </a:r>
+            <a:r>
+              <a:rPr lang="en-US" smtClean="0">
+                <a:latin typeface="Times New Roman" pitchFamily="18" charset="0"/>
+                <a:cs typeface="Times New Roman" pitchFamily="18" charset="0"/>
+              </a:rPr>
+              <a:t>¬F  	= 	∑ , F	        ⊢ Ω , ¬F, ⊥ </a:t>
+            </a:r>
+            <a:endParaRPr lang="en-US" sz="2000" smtClean="0">
+              <a:latin typeface="Times New Roman" pitchFamily="18" charset="0"/>
+              <a:cs typeface="Times New Roman" pitchFamily="18" charset="0"/>
+            </a:endParaRPr>
+          </a:p>
+          <a:p>
+            <a:pPr marL="744538" lvl="1" indent="-461963">
+              <a:buFont typeface="+mj-lt"/>
+              <a:buAutoNum type="arabicPeriod"/>
             </a:pPr>
             <a:r>
-              <a:rPr lang="en-US" sz="3200" smtClean="0">
+              <a:rPr lang="en-US" smtClean="0">
                 <a:latin typeface="Times New Roman" pitchFamily="18" charset="0"/>
                 <a:cs typeface="Times New Roman" pitchFamily="18" charset="0"/>
               </a:rPr>
-              <a:t>Ví dụ: </a:t>
+              <a:t>∑  ⊢ Ω ,</a:t>
+            </a:r>
+            <a:r>
+              <a:rPr lang="en-US" sz="2000" smtClean="0">
+                <a:latin typeface="Times New Roman" pitchFamily="18" charset="0"/>
+                <a:cs typeface="Times New Roman" pitchFamily="18" charset="0"/>
+              </a:rPr>
+              <a:t> </a:t>
+            </a:r>
+            <a:r>
+              <a:rPr lang="en-US" smtClean="0">
+                <a:latin typeface="Times New Roman" pitchFamily="18" charset="0"/>
+                <a:cs typeface="Times New Roman" pitchFamily="18" charset="0"/>
+              </a:rPr>
+              <a:t>A ∧ B	=	∑ 	        ⊢ Ω ,</a:t>
+            </a:r>
+            <a:r>
+              <a:rPr lang="en-US" sz="2000" smtClean="0">
+                <a:latin typeface="Times New Roman" pitchFamily="18" charset="0"/>
+                <a:cs typeface="Times New Roman" pitchFamily="18" charset="0"/>
+              </a:rPr>
+              <a:t> </a:t>
+            </a:r>
+            <a:r>
+              <a:rPr lang="en-US" smtClean="0">
+                <a:latin typeface="Times New Roman" pitchFamily="18" charset="0"/>
+                <a:cs typeface="Times New Roman" pitchFamily="18" charset="0"/>
+              </a:rPr>
+              <a:t>A ∧ B, A, B</a:t>
+            </a:r>
+            <a:endParaRPr lang="en-US" sz="2000" smtClean="0">
+              <a:latin typeface="Times New Roman" pitchFamily="18" charset="0"/>
+              <a:cs typeface="Times New Roman" pitchFamily="18" charset="0"/>
+            </a:endParaRPr>
+          </a:p>
+          <a:p>
+            <a:pPr marL="744538" lvl="1" indent="-461963">
+              <a:buFont typeface="+mj-lt"/>
+              <a:buAutoNum type="arabicPeriod"/>
+            </a:pPr>
+            <a:r>
+              <a:rPr lang="en-US" smtClean="0">
+                <a:latin typeface="Times New Roman" pitchFamily="18" charset="0"/>
+                <a:cs typeface="Times New Roman" pitchFamily="18" charset="0"/>
+              </a:rPr>
+              <a:t>∑  ⊢ Ω ,</a:t>
+            </a:r>
+            <a:r>
+              <a:rPr lang="en-US" sz="2000" smtClean="0">
+                <a:latin typeface="Times New Roman" pitchFamily="18" charset="0"/>
+                <a:cs typeface="Times New Roman" pitchFamily="18" charset="0"/>
+              </a:rPr>
+              <a:t> </a:t>
+            </a:r>
+            <a:r>
+              <a:rPr lang="en-US" smtClean="0">
+                <a:latin typeface="Times New Roman" pitchFamily="18" charset="0"/>
+                <a:cs typeface="Times New Roman" pitchFamily="18" charset="0"/>
+              </a:rPr>
+              <a:t>A ∨ B	=	∑ 	        ⊢ Ω ,</a:t>
+            </a:r>
+            <a:r>
+              <a:rPr lang="en-US" sz="2000" smtClean="0">
+                <a:latin typeface="Times New Roman" pitchFamily="18" charset="0"/>
+                <a:cs typeface="Times New Roman" pitchFamily="18" charset="0"/>
+              </a:rPr>
+              <a:t> </a:t>
+            </a:r>
+            <a:r>
+              <a:rPr lang="en-US" smtClean="0">
+                <a:latin typeface="Times New Roman" pitchFamily="18" charset="0"/>
+                <a:cs typeface="Times New Roman" pitchFamily="18" charset="0"/>
+              </a:rPr>
+              <a:t>A ∨ B, A (failed 5)</a:t>
+            </a:r>
+            <a:endParaRPr lang="en-US" sz="2000" smtClean="0">
+              <a:latin typeface="Times New Roman" pitchFamily="18" charset="0"/>
+              <a:cs typeface="Times New Roman" pitchFamily="18" charset="0"/>
+            </a:endParaRPr>
+          </a:p>
+          <a:p>
+            <a:pPr marL="744538" lvl="1" indent="-461963">
+              <a:buFont typeface="+mj-lt"/>
+              <a:buAutoNum type="arabicPeriod"/>
+            </a:pPr>
+            <a:r>
+              <a:rPr lang="en-US" smtClean="0">
+                <a:latin typeface="Times New Roman" pitchFamily="18" charset="0"/>
+                <a:cs typeface="Times New Roman" pitchFamily="18" charset="0"/>
+              </a:rPr>
+              <a:t>∑  ⊢ Ω ,</a:t>
+            </a:r>
+            <a:r>
+              <a:rPr lang="en-US" sz="2000" smtClean="0">
+                <a:latin typeface="Times New Roman" pitchFamily="18" charset="0"/>
+                <a:cs typeface="Times New Roman" pitchFamily="18" charset="0"/>
+              </a:rPr>
+              <a:t> </a:t>
+            </a:r>
+            <a:r>
+              <a:rPr lang="en-US" smtClean="0">
+                <a:latin typeface="Times New Roman" pitchFamily="18" charset="0"/>
+                <a:cs typeface="Times New Roman" pitchFamily="18" charset="0"/>
+              </a:rPr>
+              <a:t>A ∨ B	=	∑ 	        ⊢ Ω ,</a:t>
+            </a:r>
+            <a:r>
+              <a:rPr lang="en-US" sz="2000" smtClean="0">
+                <a:latin typeface="Times New Roman" pitchFamily="18" charset="0"/>
+                <a:cs typeface="Times New Roman" pitchFamily="18" charset="0"/>
+              </a:rPr>
+              <a:t> </a:t>
+            </a:r>
+            <a:r>
+              <a:rPr lang="en-US" smtClean="0">
+                <a:latin typeface="Times New Roman" pitchFamily="18" charset="0"/>
+                <a:cs typeface="Times New Roman" pitchFamily="18" charset="0"/>
+              </a:rPr>
+              <a:t>A ∨ B, B (failed 6)</a:t>
+            </a:r>
+            <a:endParaRPr lang="en-US" sz="2000" smtClean="0">
+              <a:latin typeface="Times New Roman" pitchFamily="18" charset="0"/>
+              <a:cs typeface="Times New Roman" pitchFamily="18" charset="0"/>
+            </a:endParaRPr>
+          </a:p>
+          <a:p>
+            <a:pPr marL="744538" lvl="1" indent="-461963">
+              <a:buFont typeface="+mj-lt"/>
+              <a:buAutoNum type="arabicPeriod"/>
+            </a:pPr>
+            <a:r>
+              <a:rPr lang="en-US" smtClean="0">
+                <a:latin typeface="Times New Roman" pitchFamily="18" charset="0"/>
+                <a:cs typeface="Times New Roman" pitchFamily="18" charset="0"/>
+              </a:rPr>
+              <a:t>∑  ⊢ Ω ,</a:t>
+            </a:r>
+            <a:r>
+              <a:rPr lang="en-US" sz="2000" smtClean="0">
+                <a:latin typeface="Times New Roman" pitchFamily="18" charset="0"/>
+                <a:cs typeface="Times New Roman" pitchFamily="18" charset="0"/>
+              </a:rPr>
+              <a:t> </a:t>
+            </a:r>
+            <a:r>
+              <a:rPr lang="en-US" smtClean="0">
+                <a:latin typeface="Times New Roman" pitchFamily="18" charset="0"/>
+                <a:cs typeface="Times New Roman" pitchFamily="18" charset="0"/>
+              </a:rPr>
+              <a:t>A ∨ B	=	∑ , ¬ (A ∨ B)  ⊢ Ω ,</a:t>
+            </a:r>
+            <a:r>
+              <a:rPr lang="en-US" sz="2000" smtClean="0">
+                <a:latin typeface="Times New Roman" pitchFamily="18" charset="0"/>
+                <a:cs typeface="Times New Roman" pitchFamily="18" charset="0"/>
+              </a:rPr>
+              <a:t> </a:t>
+            </a:r>
+            <a:r>
+              <a:rPr lang="en-US" smtClean="0">
+                <a:latin typeface="Times New Roman" pitchFamily="18" charset="0"/>
+                <a:cs typeface="Times New Roman" pitchFamily="18" charset="0"/>
+              </a:rPr>
+              <a:t>A ∨ B, ⊥ </a:t>
+            </a:r>
+            <a:endParaRPr lang="en-US" sz="2000" smtClean="0">
+              <a:latin typeface="Times New Roman" pitchFamily="18" charset="0"/>
+              <a:cs typeface="Times New Roman" pitchFamily="18" charset="0"/>
+            </a:endParaRPr>
+          </a:p>
+          <a:p>
+            <a:pPr marL="744538" lvl="1" indent="-461963">
+              <a:buFont typeface="+mj-lt"/>
+              <a:buAutoNum type="arabicPeriod"/>
+            </a:pPr>
+            <a:r>
+              <a:rPr lang="en-US" smtClean="0">
+                <a:latin typeface="Times New Roman" pitchFamily="18" charset="0"/>
+                <a:cs typeface="Times New Roman" pitchFamily="18" charset="0"/>
+              </a:rPr>
+              <a:t>∑  ⊢ Ω ,</a:t>
+            </a:r>
+            <a:r>
+              <a:rPr lang="en-US" sz="2000" smtClean="0">
+                <a:latin typeface="Times New Roman" pitchFamily="18" charset="0"/>
+                <a:cs typeface="Times New Roman" pitchFamily="18" charset="0"/>
+              </a:rPr>
+              <a:t> </a:t>
+            </a:r>
+            <a:r>
+              <a:rPr lang="en-US" smtClean="0">
+                <a:latin typeface="Times New Roman" pitchFamily="18" charset="0"/>
+                <a:cs typeface="Times New Roman" pitchFamily="18" charset="0"/>
+              </a:rPr>
+              <a:t>A →B	=	∑ ,A  	        ⊢ Ω ,</a:t>
+            </a:r>
+            <a:r>
+              <a:rPr lang="en-US" sz="2000" smtClean="0">
+                <a:latin typeface="Times New Roman" pitchFamily="18" charset="0"/>
+                <a:cs typeface="Times New Roman" pitchFamily="18" charset="0"/>
+              </a:rPr>
+              <a:t> </a:t>
+            </a:r>
+            <a:r>
+              <a:rPr lang="en-US" smtClean="0">
+                <a:latin typeface="Times New Roman" pitchFamily="18" charset="0"/>
+                <a:cs typeface="Times New Roman" pitchFamily="18" charset="0"/>
+              </a:rPr>
+              <a:t>A→B, B</a:t>
+            </a:r>
+            <a:endParaRPr lang="en-US" sz="2000" smtClean="0">
+              <a:latin typeface="Times New Roman" pitchFamily="18" charset="0"/>
+              <a:cs typeface="Times New Roman" pitchFamily="18" charset="0"/>
+            </a:endParaRPr>
+          </a:p>
+          <a:p>
+            <a:pPr marL="744538" lvl="1" indent="-461963">
+              <a:buFont typeface="+mj-lt"/>
+              <a:buAutoNum type="arabicPeriod"/>
+            </a:pPr>
+            <a:r>
+              <a:rPr lang="en-US" smtClean="0">
+                <a:latin typeface="Times New Roman" pitchFamily="18" charset="0"/>
+                <a:cs typeface="Times New Roman" pitchFamily="18" charset="0"/>
+              </a:rPr>
+              <a:t>∑  ⊢ Ω ,</a:t>
+            </a:r>
+            <a:r>
+              <a:rPr lang="en-US" sz="2000" smtClean="0">
+                <a:latin typeface="Times New Roman" pitchFamily="18" charset="0"/>
+                <a:cs typeface="Times New Roman" pitchFamily="18" charset="0"/>
+              </a:rPr>
+              <a:t> ∀</a:t>
+            </a:r>
+            <a:r>
+              <a:rPr lang="en-US" smtClean="0">
+                <a:latin typeface="Times New Roman" pitchFamily="18" charset="0"/>
+                <a:cs typeface="Times New Roman" pitchFamily="18" charset="0"/>
+              </a:rPr>
+              <a:t>x A(x)	=	∑  	        ⊢ Ω ,</a:t>
+            </a:r>
+            <a:r>
+              <a:rPr lang="en-US" sz="2000" smtClean="0">
+                <a:latin typeface="Times New Roman" pitchFamily="18" charset="0"/>
+                <a:cs typeface="Times New Roman" pitchFamily="18" charset="0"/>
+              </a:rPr>
+              <a:t> ∀ </a:t>
+            </a:r>
+            <a:r>
+              <a:rPr lang="en-US" smtClean="0">
+                <a:latin typeface="Times New Roman" pitchFamily="18" charset="0"/>
+                <a:cs typeface="Times New Roman" pitchFamily="18" charset="0"/>
+              </a:rPr>
+              <a:t>x A(x) , A( xo/x) </a:t>
             </a:r>
             <a:br>
-              <a:rPr lang="en-US" sz="3200" smtClean="0">
+              <a:rPr lang="en-US" smtClean="0">
                 <a:latin typeface="Times New Roman" pitchFamily="18" charset="0"/>
                 <a:cs typeface="Times New Roman" pitchFamily="18" charset="0"/>
               </a:rPr>
             </a:br>
             <a:r>
-              <a:rPr lang="en-US" sz="3200" smtClean="0">
+              <a:rPr lang="en-US" smtClean="0">
                 <a:latin typeface="Times New Roman" pitchFamily="18" charset="0"/>
                 <a:cs typeface="Times New Roman" pitchFamily="18" charset="0"/>
               </a:rPr>
-              <a:t>	list_proof </a:t>
-            </a:r>
-            <a:r>
-              <a:rPr lang="en-US" sz="3200" smtClean="0">
+              <a:t>								(any x</a:t>
+            </a:r>
+            <a:r>
+              <a:rPr lang="en-US" baseline="-25000" smtClean="0">
                 <a:latin typeface="Times New Roman" pitchFamily="18" charset="0"/>
                 <a:cs typeface="Times New Roman" pitchFamily="18" charset="0"/>
               </a:rPr>
-              <a:t>= { A ∧ B, A→C, D}</a:t>
-            </a:r>
-          </a:p>
-          <a:p>
-            <a:pPr marL="800100" lvl="5" indent="-342900">
-              <a:buNone/>
+              <a:t>o</a:t>
+            </a:r>
+            <a:r>
+              <a:rPr lang="en-US" smtClean="0">
+                <a:latin typeface="Times New Roman" pitchFamily="18" charset="0"/>
+                <a:cs typeface="Times New Roman" pitchFamily="18" charset="0"/>
+              </a:rPr>
+              <a:t>)</a:t>
+            </a:r>
+            <a:endParaRPr lang="en-US" sz="2000" smtClean="0">
+              <a:latin typeface="Times New Roman" pitchFamily="18" charset="0"/>
+              <a:cs typeface="Times New Roman" pitchFamily="18" charset="0"/>
+            </a:endParaRPr>
+          </a:p>
+          <a:p>
+            <a:pPr marL="744538" lvl="1" indent="-461963">
+              <a:buFont typeface="+mj-lt"/>
+              <a:buAutoNum type="arabicPeriod"/>
             </a:pPr>
             <a:r>
-              <a:rPr lang="en-US" sz="4800" smtClean="0">
+              <a:rPr lang="en-US" smtClean="0">
                 <a:latin typeface="Times New Roman" pitchFamily="18" charset="0"/>
                 <a:cs typeface="Times New Roman" pitchFamily="18" charset="0"/>
               </a:rPr>
-              <a:t>→</a:t>
-            </a:r>
-            <a:r>
-              <a:rPr lang="en-US" sz="3200" smtClean="0">
+              <a:t>∑  ⊢ Ω ,</a:t>
+            </a:r>
+            <a:r>
+              <a:rPr lang="en-US" sz="2000" smtClean="0">
                 <a:latin typeface="Times New Roman" pitchFamily="18" charset="0"/>
                 <a:cs typeface="Times New Roman" pitchFamily="18" charset="0"/>
               </a:rPr>
-              <a:t> {A ∧ B, A→ C, D , A, B, C}</a:t>
-            </a:r>
+              <a:t> ∃</a:t>
+            </a:r>
+            <a:r>
+              <a:rPr lang="en-US" smtClean="0">
+                <a:latin typeface="Times New Roman" pitchFamily="18" charset="0"/>
+                <a:cs typeface="Times New Roman" pitchFamily="18" charset="0"/>
+              </a:rPr>
+              <a:t>x A(x)	=	∑  	        ⊢ Ω ,</a:t>
+            </a:r>
+            <a:r>
+              <a:rPr lang="en-US" sz="2000" smtClean="0">
+                <a:latin typeface="Times New Roman" pitchFamily="18" charset="0"/>
+                <a:cs typeface="Times New Roman" pitchFamily="18" charset="0"/>
+              </a:rPr>
+              <a:t> ∃</a:t>
+            </a:r>
+            <a:r>
+              <a:rPr lang="en-US" smtClean="0">
+                <a:latin typeface="Times New Roman" pitchFamily="18" charset="0"/>
+                <a:cs typeface="Times New Roman" pitchFamily="18" charset="0"/>
+              </a:rPr>
+              <a:t>x A(x), A( xo/x)</a:t>
+            </a:r>
+            <a:br>
+              <a:rPr lang="en-US" smtClean="0">
+                <a:latin typeface="Times New Roman" pitchFamily="18" charset="0"/>
+                <a:cs typeface="Times New Roman" pitchFamily="18" charset="0"/>
+              </a:rPr>
+            </a:br>
+            <a:r>
+              <a:rPr lang="en-US" smtClean="0">
+                <a:latin typeface="Times New Roman" pitchFamily="18" charset="0"/>
+                <a:cs typeface="Times New Roman" pitchFamily="18" charset="0"/>
+              </a:rPr>
+              <a:t>							(relative x</a:t>
+            </a:r>
+            <a:r>
+              <a:rPr lang="en-US" baseline="-25000" smtClean="0">
+                <a:latin typeface="Times New Roman" pitchFamily="18" charset="0"/>
+                <a:cs typeface="Times New Roman" pitchFamily="18" charset="0"/>
+              </a:rPr>
+              <a:t>o</a:t>
+            </a:r>
+            <a:r>
+              <a:rPr lang="en-US" smtClean="0">
+                <a:latin typeface="Times New Roman" pitchFamily="18" charset="0"/>
+                <a:cs typeface="Times New Roman" pitchFamily="18" charset="0"/>
+              </a:rPr>
+              <a:t>)</a:t>
+            </a:r>
+            <a:endParaRPr lang="en-US" sz="2000">
+              <a:latin typeface="Times New Roman" pitchFamily="18" charset="0"/>
+              <a:cs typeface="Times New Roman" pitchFamily="18" charset="0"/>
+            </a:endParaRPr>
           </a:p>
         </p:txBody>
       </p:sp>
@@ -19275,523 +19293,82 @@
         </p:nvSpPr>
         <p:spPr>
           <a:xfrm>
-            <a:off x="457200" y="1181100"/>
-            <a:ext cx="9372600" cy="4533900"/>
+            <a:off x="1143000" y="1181100"/>
+            <a:ext cx="7315200" cy="4267200"/>
           </a:xfrm>
         </p:spPr>
         <p:txBody>
           <a:bodyPr>
-            <a:normAutofit fontScale="77500" lnSpcReduction="20000"/>
+            <a:normAutofit/>
           </a:bodyPr>
           <a:lstStyle/>
           <a:p>
-            <a:r>
-              <a:rPr lang="en-US" smtClean="0">
+            <a:pPr>
+              <a:buFont typeface="Wingdings" pitchFamily="2" charset="2"/>
+              <a:buChar char="q"/>
+            </a:pPr>
+            <a:r>
+              <a:rPr lang="en-US" sz="2800" smtClean="0">
                 <a:latin typeface="Times New Roman" pitchFamily="18" charset="0"/>
                 <a:cs typeface="Times New Roman" pitchFamily="18" charset="0"/>
               </a:rPr>
-              <a:t>Nếu goal không phải là ⊥ thì cập nhật list_proof và </a:t>
-            </a:r>
-            <a:r>
-              <a:rPr lang="en-US" smtClean="0">
+              <a:t>Ví dụ:</a:t>
+            </a:r>
+          </a:p>
+          <a:p>
+            <a:pPr>
+              <a:buNone/>
+            </a:pPr>
+            <a:r>
+              <a:rPr lang="en-US" sz="2800" smtClean="0">
                 <a:latin typeface="Times New Roman" pitchFamily="18" charset="0"/>
                 <a:cs typeface="Times New Roman" pitchFamily="18" charset="0"/>
               </a:rPr>
-              <a:t>list_goal</a:t>
-            </a:r>
-            <a:br>
-              <a:rPr lang="en-US" smtClean="0">
+              <a:t>	list_proof = { A , B}</a:t>
+            </a:r>
+          </a:p>
+          <a:p>
+            <a:pPr>
+              <a:buNone/>
+            </a:pPr>
+            <a:r>
+              <a:rPr lang="en-US" sz="2800" smtClean="0">
                 <a:latin typeface="Times New Roman" pitchFamily="18" charset="0"/>
                 <a:cs typeface="Times New Roman" pitchFamily="18" charset="0"/>
               </a:rPr>
-            </a:br>
-            <a:r>
-              <a:rPr lang="en-US" smtClean="0">
+              <a:t>	list_goal = { F→ A}</a:t>
+            </a:r>
+          </a:p>
+          <a:p>
+            <a:pPr>
+              <a:buNone/>
+            </a:pPr>
+            <a:r>
+              <a:rPr lang="en-US" sz="4000" smtClean="0">
                 <a:latin typeface="Times New Roman" pitchFamily="18" charset="0"/>
                 <a:cs typeface="Times New Roman" pitchFamily="18" charset="0"/>
               </a:rPr>
-              <a:t> theo </a:t>
-            </a:r>
-            <a:r>
-              <a:rPr lang="en-US" smtClean="0">
+              <a:t>→</a:t>
+            </a:r>
+            <a:r>
+              <a:rPr lang="en-US" sz="2800" smtClean="0">
                 <a:latin typeface="Times New Roman" pitchFamily="18" charset="0"/>
                 <a:cs typeface="Times New Roman" pitchFamily="18" charset="0"/>
               </a:rPr>
-              <a:t>qui tắc sau:</a:t>
-            </a:r>
-          </a:p>
-          <a:p>
-            <a:pPr marL="744538" lvl="1" indent="-461963">
-              <a:buFont typeface="+mj-lt"/>
-              <a:buAutoNum type="arabicPeriod"/>
+              <a:t> 	list proof ={ A, B, F}</a:t>
+            </a:r>
+          </a:p>
+          <a:p>
+            <a:pPr>
+              <a:buNone/>
             </a:pPr>
             <a:r>
-              <a:rPr lang="en-US" smtClean="0">
+              <a:rPr lang="en-US" sz="2800" smtClean="0">
                 <a:latin typeface="Times New Roman" pitchFamily="18" charset="0"/>
                 <a:cs typeface="Times New Roman" pitchFamily="18" charset="0"/>
               </a:rPr>
-              <a:t>∑  ⊢ Ω ,F      	</a:t>
-            </a:r>
-            <a:r>
-              <a:rPr lang="en-US" smtClean="0">
-                <a:latin typeface="Times New Roman" pitchFamily="18" charset="0"/>
-                <a:cs typeface="Times New Roman" pitchFamily="18" charset="0"/>
-              </a:rPr>
-              <a:t>=	∑ </a:t>
-            </a:r>
-            <a:r>
-              <a:rPr lang="en-US" smtClean="0">
-                <a:latin typeface="Times New Roman" pitchFamily="18" charset="0"/>
-                <a:cs typeface="Times New Roman" pitchFamily="18" charset="0"/>
-              </a:rPr>
-              <a:t>, ¬F             ⊢Ω ,F, ⊥</a:t>
-            </a:r>
-            <a:endParaRPr lang="en-US" sz="2000" smtClean="0">
-              <a:latin typeface="Times New Roman" pitchFamily="18" charset="0"/>
-              <a:cs typeface="Times New Roman" pitchFamily="18" charset="0"/>
-            </a:endParaRPr>
-          </a:p>
-          <a:p>
-            <a:pPr marL="744538" lvl="1" indent="-461963">
-              <a:buFont typeface="+mj-lt"/>
-              <a:buAutoNum type="arabicPeriod"/>
-            </a:pPr>
-            <a:r>
-              <a:rPr lang="en-US" smtClean="0">
-                <a:latin typeface="Times New Roman" pitchFamily="18" charset="0"/>
-                <a:cs typeface="Times New Roman" pitchFamily="18" charset="0"/>
-              </a:rPr>
-              <a:t>∑  ⊢ Ω ,</a:t>
-            </a:r>
-            <a:r>
-              <a:rPr lang="en-US" sz="2000" smtClean="0">
-                <a:latin typeface="Times New Roman" pitchFamily="18" charset="0"/>
-                <a:cs typeface="Times New Roman" pitchFamily="18" charset="0"/>
-              </a:rPr>
-              <a:t> </a:t>
-            </a:r>
-            <a:r>
-              <a:rPr lang="en-US" smtClean="0">
-                <a:latin typeface="Times New Roman" pitchFamily="18" charset="0"/>
-                <a:cs typeface="Times New Roman" pitchFamily="18" charset="0"/>
-              </a:rPr>
-              <a:t>¬F  	= 	∑ , F	        ⊢ Ω , ¬F, ⊥ </a:t>
-            </a:r>
-            <a:endParaRPr lang="en-US" sz="2000" smtClean="0">
-              <a:latin typeface="Times New Roman" pitchFamily="18" charset="0"/>
-              <a:cs typeface="Times New Roman" pitchFamily="18" charset="0"/>
-            </a:endParaRPr>
-          </a:p>
-          <a:p>
-            <a:pPr marL="744538" lvl="1" indent="-461963">
-              <a:buFont typeface="+mj-lt"/>
-              <a:buAutoNum type="arabicPeriod"/>
-            </a:pPr>
-            <a:r>
-              <a:rPr lang="en-US" smtClean="0">
-                <a:latin typeface="Times New Roman" pitchFamily="18" charset="0"/>
-                <a:cs typeface="Times New Roman" pitchFamily="18" charset="0"/>
-              </a:rPr>
-              <a:t>∑  ⊢ Ω ,</a:t>
-            </a:r>
-            <a:r>
-              <a:rPr lang="en-US" sz="2000" smtClean="0">
-                <a:latin typeface="Times New Roman" pitchFamily="18" charset="0"/>
-                <a:cs typeface="Times New Roman" pitchFamily="18" charset="0"/>
-              </a:rPr>
-              <a:t> </a:t>
-            </a:r>
-            <a:r>
-              <a:rPr lang="en-US" smtClean="0">
-                <a:latin typeface="Times New Roman" pitchFamily="18" charset="0"/>
-                <a:cs typeface="Times New Roman" pitchFamily="18" charset="0"/>
-              </a:rPr>
-              <a:t>A ∧ B	=	∑ 	        ⊢ Ω ,</a:t>
-            </a:r>
-            <a:r>
-              <a:rPr lang="en-US" sz="2000" smtClean="0">
-                <a:latin typeface="Times New Roman" pitchFamily="18" charset="0"/>
-                <a:cs typeface="Times New Roman" pitchFamily="18" charset="0"/>
-              </a:rPr>
-              <a:t> </a:t>
-            </a:r>
-            <a:r>
-              <a:rPr lang="en-US" smtClean="0">
-                <a:latin typeface="Times New Roman" pitchFamily="18" charset="0"/>
-                <a:cs typeface="Times New Roman" pitchFamily="18" charset="0"/>
-              </a:rPr>
-              <a:t>A ∧ B, A, B</a:t>
-            </a:r>
-            <a:endParaRPr lang="en-US" sz="2000" smtClean="0">
-              <a:latin typeface="Times New Roman" pitchFamily="18" charset="0"/>
-              <a:cs typeface="Times New Roman" pitchFamily="18" charset="0"/>
-            </a:endParaRPr>
-          </a:p>
-          <a:p>
-            <a:pPr marL="744538" lvl="1" indent="-461963">
-              <a:buFont typeface="+mj-lt"/>
-              <a:buAutoNum type="arabicPeriod"/>
-            </a:pPr>
-            <a:r>
-              <a:rPr lang="en-US" smtClean="0">
-                <a:latin typeface="Times New Roman" pitchFamily="18" charset="0"/>
-                <a:cs typeface="Times New Roman" pitchFamily="18" charset="0"/>
-              </a:rPr>
-              <a:t>∑  ⊢ Ω ,</a:t>
-            </a:r>
-            <a:r>
-              <a:rPr lang="en-US" sz="2000" smtClean="0">
-                <a:latin typeface="Times New Roman" pitchFamily="18" charset="0"/>
-                <a:cs typeface="Times New Roman" pitchFamily="18" charset="0"/>
-              </a:rPr>
-              <a:t> </a:t>
-            </a:r>
-            <a:r>
-              <a:rPr lang="en-US" smtClean="0">
-                <a:latin typeface="Times New Roman" pitchFamily="18" charset="0"/>
-                <a:cs typeface="Times New Roman" pitchFamily="18" charset="0"/>
-              </a:rPr>
-              <a:t>A ∨ B	=	∑ 	        ⊢ Ω ,</a:t>
-            </a:r>
-            <a:r>
-              <a:rPr lang="en-US" sz="2000" smtClean="0">
-                <a:latin typeface="Times New Roman" pitchFamily="18" charset="0"/>
-                <a:cs typeface="Times New Roman" pitchFamily="18" charset="0"/>
-              </a:rPr>
-              <a:t> </a:t>
-            </a:r>
-            <a:r>
-              <a:rPr lang="en-US" smtClean="0">
-                <a:latin typeface="Times New Roman" pitchFamily="18" charset="0"/>
-                <a:cs typeface="Times New Roman" pitchFamily="18" charset="0"/>
-              </a:rPr>
-              <a:t>A ∨ B, A (failed 5)</a:t>
-            </a:r>
-            <a:endParaRPr lang="en-US" sz="2000" smtClean="0">
-              <a:latin typeface="Times New Roman" pitchFamily="18" charset="0"/>
-              <a:cs typeface="Times New Roman" pitchFamily="18" charset="0"/>
-            </a:endParaRPr>
-          </a:p>
-          <a:p>
-            <a:pPr marL="744538" lvl="1" indent="-461963">
-              <a:buFont typeface="+mj-lt"/>
-              <a:buAutoNum type="arabicPeriod"/>
-            </a:pPr>
-            <a:r>
-              <a:rPr lang="en-US" smtClean="0">
-                <a:latin typeface="Times New Roman" pitchFamily="18" charset="0"/>
-                <a:cs typeface="Times New Roman" pitchFamily="18" charset="0"/>
-              </a:rPr>
-              <a:t>∑  ⊢ Ω ,</a:t>
-            </a:r>
-            <a:r>
-              <a:rPr lang="en-US" sz="2000" smtClean="0">
-                <a:latin typeface="Times New Roman" pitchFamily="18" charset="0"/>
-                <a:cs typeface="Times New Roman" pitchFamily="18" charset="0"/>
-              </a:rPr>
-              <a:t> </a:t>
-            </a:r>
-            <a:r>
-              <a:rPr lang="en-US" smtClean="0">
-                <a:latin typeface="Times New Roman" pitchFamily="18" charset="0"/>
-                <a:cs typeface="Times New Roman" pitchFamily="18" charset="0"/>
-              </a:rPr>
-              <a:t>A ∨ B	=	∑ 	        ⊢ Ω ,</a:t>
-            </a:r>
-            <a:r>
-              <a:rPr lang="en-US" sz="2000" smtClean="0">
-                <a:latin typeface="Times New Roman" pitchFamily="18" charset="0"/>
-                <a:cs typeface="Times New Roman" pitchFamily="18" charset="0"/>
-              </a:rPr>
-              <a:t> </a:t>
-            </a:r>
-            <a:r>
-              <a:rPr lang="en-US" smtClean="0">
-                <a:latin typeface="Times New Roman" pitchFamily="18" charset="0"/>
-                <a:cs typeface="Times New Roman" pitchFamily="18" charset="0"/>
-              </a:rPr>
-              <a:t>A ∨ B, B (failed 6)</a:t>
-            </a:r>
-            <a:endParaRPr lang="en-US" sz="2000" smtClean="0">
-              <a:latin typeface="Times New Roman" pitchFamily="18" charset="0"/>
-              <a:cs typeface="Times New Roman" pitchFamily="18" charset="0"/>
-            </a:endParaRPr>
-          </a:p>
-          <a:p>
-            <a:pPr marL="744538" lvl="1" indent="-461963">
-              <a:buFont typeface="+mj-lt"/>
-              <a:buAutoNum type="arabicPeriod"/>
-            </a:pPr>
-            <a:r>
-              <a:rPr lang="en-US" smtClean="0">
-                <a:latin typeface="Times New Roman" pitchFamily="18" charset="0"/>
-                <a:cs typeface="Times New Roman" pitchFamily="18" charset="0"/>
-              </a:rPr>
-              <a:t>∑  ⊢ Ω ,</a:t>
-            </a:r>
-            <a:r>
-              <a:rPr lang="en-US" sz="2000" smtClean="0">
-                <a:latin typeface="Times New Roman" pitchFamily="18" charset="0"/>
-                <a:cs typeface="Times New Roman" pitchFamily="18" charset="0"/>
-              </a:rPr>
-              <a:t> </a:t>
-            </a:r>
-            <a:r>
-              <a:rPr lang="en-US" smtClean="0">
-                <a:latin typeface="Times New Roman" pitchFamily="18" charset="0"/>
-                <a:cs typeface="Times New Roman" pitchFamily="18" charset="0"/>
-              </a:rPr>
-              <a:t>A ∨ B	=	∑ , ¬ (A ∨ B)  ⊢ Ω ,</a:t>
-            </a:r>
-            <a:r>
-              <a:rPr lang="en-US" sz="2000" smtClean="0">
-                <a:latin typeface="Times New Roman" pitchFamily="18" charset="0"/>
-                <a:cs typeface="Times New Roman" pitchFamily="18" charset="0"/>
-              </a:rPr>
-              <a:t> </a:t>
-            </a:r>
-            <a:r>
-              <a:rPr lang="en-US" smtClean="0">
-                <a:latin typeface="Times New Roman" pitchFamily="18" charset="0"/>
-                <a:cs typeface="Times New Roman" pitchFamily="18" charset="0"/>
-              </a:rPr>
-              <a:t>A ∨ B, ⊥ </a:t>
-            </a:r>
-            <a:endParaRPr lang="en-US" sz="2000" smtClean="0">
-              <a:latin typeface="Times New Roman" pitchFamily="18" charset="0"/>
-              <a:cs typeface="Times New Roman" pitchFamily="18" charset="0"/>
-            </a:endParaRPr>
-          </a:p>
-          <a:p>
-            <a:pPr marL="744538" lvl="1" indent="-461963">
-              <a:buFont typeface="+mj-lt"/>
-              <a:buAutoNum type="arabicPeriod"/>
-            </a:pPr>
-            <a:r>
-              <a:rPr lang="en-US" smtClean="0">
-                <a:latin typeface="Times New Roman" pitchFamily="18" charset="0"/>
-                <a:cs typeface="Times New Roman" pitchFamily="18" charset="0"/>
-              </a:rPr>
-              <a:t>∑  ⊢ Ω ,</a:t>
-            </a:r>
-            <a:r>
-              <a:rPr lang="en-US" sz="2000" smtClean="0">
-                <a:latin typeface="Times New Roman" pitchFamily="18" charset="0"/>
-                <a:cs typeface="Times New Roman" pitchFamily="18" charset="0"/>
-              </a:rPr>
-              <a:t> </a:t>
-            </a:r>
-            <a:r>
-              <a:rPr lang="en-US" smtClean="0">
-                <a:latin typeface="Times New Roman" pitchFamily="18" charset="0"/>
-                <a:cs typeface="Times New Roman" pitchFamily="18" charset="0"/>
-              </a:rPr>
-              <a:t>A →B	=	∑ ,A  	        ⊢ Ω ,</a:t>
-            </a:r>
-            <a:r>
-              <a:rPr lang="en-US" sz="2000" smtClean="0">
-                <a:latin typeface="Times New Roman" pitchFamily="18" charset="0"/>
-                <a:cs typeface="Times New Roman" pitchFamily="18" charset="0"/>
-              </a:rPr>
-              <a:t> </a:t>
-            </a:r>
-            <a:r>
-              <a:rPr lang="en-US" smtClean="0">
-                <a:latin typeface="Times New Roman" pitchFamily="18" charset="0"/>
-                <a:cs typeface="Times New Roman" pitchFamily="18" charset="0"/>
-              </a:rPr>
-              <a:t>A→B, B</a:t>
-            </a:r>
-            <a:endParaRPr lang="en-US" sz="2000" smtClean="0">
-              <a:latin typeface="Times New Roman" pitchFamily="18" charset="0"/>
-              <a:cs typeface="Times New Roman" pitchFamily="18" charset="0"/>
-            </a:endParaRPr>
-          </a:p>
-          <a:p>
-            <a:pPr marL="744538" lvl="1" indent="-461963">
-              <a:buFont typeface="+mj-lt"/>
-              <a:buAutoNum type="arabicPeriod"/>
-            </a:pPr>
-            <a:r>
-              <a:rPr lang="en-US" smtClean="0">
-                <a:latin typeface="Times New Roman" pitchFamily="18" charset="0"/>
-                <a:cs typeface="Times New Roman" pitchFamily="18" charset="0"/>
-              </a:rPr>
-              <a:t>∑  ⊢ Ω ,</a:t>
-            </a:r>
-            <a:r>
-              <a:rPr lang="en-US" sz="2000" smtClean="0">
-                <a:latin typeface="Times New Roman" pitchFamily="18" charset="0"/>
-                <a:cs typeface="Times New Roman" pitchFamily="18" charset="0"/>
-              </a:rPr>
-              <a:t> ∀</a:t>
-            </a:r>
-            <a:r>
-              <a:rPr lang="en-US" smtClean="0">
-                <a:latin typeface="Times New Roman" pitchFamily="18" charset="0"/>
-                <a:cs typeface="Times New Roman" pitchFamily="18" charset="0"/>
-              </a:rPr>
-              <a:t>x A(x)	=	∑  	        ⊢ Ω ,</a:t>
-            </a:r>
-            <a:r>
-              <a:rPr lang="en-US" sz="2000" smtClean="0">
-                <a:latin typeface="Times New Roman" pitchFamily="18" charset="0"/>
-                <a:cs typeface="Times New Roman" pitchFamily="18" charset="0"/>
-              </a:rPr>
-              <a:t> ∀ </a:t>
-            </a:r>
-            <a:r>
-              <a:rPr lang="en-US" smtClean="0">
-                <a:latin typeface="Times New Roman" pitchFamily="18" charset="0"/>
-                <a:cs typeface="Times New Roman" pitchFamily="18" charset="0"/>
-              </a:rPr>
-              <a:t>x A(x) , A( xo/x) </a:t>
-            </a:r>
-            <a:r>
-              <a:rPr lang="en-US" smtClean="0">
-                <a:latin typeface="Times New Roman" pitchFamily="18" charset="0"/>
-                <a:cs typeface="Times New Roman" pitchFamily="18" charset="0"/>
-              </a:rPr>
-              <a:t/>
-            </a:r>
-            <a:br>
-              <a:rPr lang="en-US" smtClean="0">
-                <a:latin typeface="Times New Roman" pitchFamily="18" charset="0"/>
-                <a:cs typeface="Times New Roman" pitchFamily="18" charset="0"/>
-              </a:rPr>
-            </a:br>
-            <a:r>
-              <a:rPr lang="en-US" smtClean="0">
-                <a:latin typeface="Times New Roman" pitchFamily="18" charset="0"/>
-                <a:cs typeface="Times New Roman" pitchFamily="18" charset="0"/>
-              </a:rPr>
-              <a:t>								(</a:t>
-            </a:r>
-            <a:r>
-              <a:rPr lang="en-US" smtClean="0">
-                <a:latin typeface="Times New Roman" pitchFamily="18" charset="0"/>
-                <a:cs typeface="Times New Roman" pitchFamily="18" charset="0"/>
-              </a:rPr>
-              <a:t>any x</a:t>
-            </a:r>
-            <a:r>
-              <a:rPr lang="en-US" baseline="-25000" smtClean="0">
-                <a:latin typeface="Times New Roman" pitchFamily="18" charset="0"/>
-                <a:cs typeface="Times New Roman" pitchFamily="18" charset="0"/>
-              </a:rPr>
-              <a:t>o</a:t>
-            </a:r>
-            <a:r>
-              <a:rPr lang="en-US" smtClean="0">
-                <a:latin typeface="Times New Roman" pitchFamily="18" charset="0"/>
-                <a:cs typeface="Times New Roman" pitchFamily="18" charset="0"/>
-              </a:rPr>
-              <a:t>)</a:t>
-            </a:r>
-            <a:endParaRPr lang="en-US" sz="2000" smtClean="0">
-              <a:latin typeface="Times New Roman" pitchFamily="18" charset="0"/>
-              <a:cs typeface="Times New Roman" pitchFamily="18" charset="0"/>
-            </a:endParaRPr>
-          </a:p>
-          <a:p>
-            <a:pPr marL="744538" lvl="1" indent="-461963">
-              <a:buFont typeface="+mj-lt"/>
-              <a:buAutoNum type="arabicPeriod"/>
-            </a:pPr>
-            <a:r>
-              <a:rPr lang="en-US" smtClean="0">
-                <a:latin typeface="Times New Roman" pitchFamily="18" charset="0"/>
-                <a:cs typeface="Times New Roman" pitchFamily="18" charset="0"/>
-              </a:rPr>
-              <a:t>∑  ⊢ Ω ,</a:t>
-            </a:r>
-            <a:r>
-              <a:rPr lang="en-US" sz="2000" smtClean="0">
-                <a:latin typeface="Times New Roman" pitchFamily="18" charset="0"/>
-                <a:cs typeface="Times New Roman" pitchFamily="18" charset="0"/>
-              </a:rPr>
-              <a:t> ∃</a:t>
-            </a:r>
-            <a:r>
-              <a:rPr lang="en-US" smtClean="0">
-                <a:latin typeface="Times New Roman" pitchFamily="18" charset="0"/>
-                <a:cs typeface="Times New Roman" pitchFamily="18" charset="0"/>
-              </a:rPr>
-              <a:t>x A(x)	=	∑  	        ⊢ Ω ,</a:t>
-            </a:r>
-            <a:r>
-              <a:rPr lang="en-US" sz="2000" smtClean="0">
-                <a:latin typeface="Times New Roman" pitchFamily="18" charset="0"/>
-                <a:cs typeface="Times New Roman" pitchFamily="18" charset="0"/>
-              </a:rPr>
-              <a:t> ∃</a:t>
-            </a:r>
-            <a:r>
-              <a:rPr lang="en-US" smtClean="0">
-                <a:latin typeface="Times New Roman" pitchFamily="18" charset="0"/>
-                <a:cs typeface="Times New Roman" pitchFamily="18" charset="0"/>
-              </a:rPr>
-              <a:t>x A(x</a:t>
-            </a:r>
-            <a:r>
-              <a:rPr lang="en-US" smtClean="0">
-                <a:latin typeface="Times New Roman" pitchFamily="18" charset="0"/>
-                <a:cs typeface="Times New Roman" pitchFamily="18" charset="0"/>
-              </a:rPr>
-              <a:t>), </a:t>
-            </a:r>
-            <a:r>
-              <a:rPr lang="en-US" smtClean="0">
-                <a:latin typeface="Times New Roman" pitchFamily="18" charset="0"/>
-                <a:cs typeface="Times New Roman" pitchFamily="18" charset="0"/>
-              </a:rPr>
-              <a:t>A( xo/x</a:t>
-            </a:r>
-            <a:r>
-              <a:rPr lang="en-US" smtClean="0">
-                <a:latin typeface="Times New Roman" pitchFamily="18" charset="0"/>
-                <a:cs typeface="Times New Roman" pitchFamily="18" charset="0"/>
-              </a:rPr>
-              <a:t>)</a:t>
-            </a:r>
-            <a:br>
-              <a:rPr lang="en-US" smtClean="0">
-                <a:latin typeface="Times New Roman" pitchFamily="18" charset="0"/>
-                <a:cs typeface="Times New Roman" pitchFamily="18" charset="0"/>
-              </a:rPr>
-            </a:br>
-            <a:r>
-              <a:rPr lang="en-US" smtClean="0">
-                <a:latin typeface="Times New Roman" pitchFamily="18" charset="0"/>
-                <a:cs typeface="Times New Roman" pitchFamily="18" charset="0"/>
-              </a:rPr>
-              <a:t>							(</a:t>
-            </a:r>
-            <a:r>
-              <a:rPr lang="en-US" smtClean="0">
-                <a:latin typeface="Times New Roman" pitchFamily="18" charset="0"/>
-                <a:cs typeface="Times New Roman" pitchFamily="18" charset="0"/>
-              </a:rPr>
-              <a:t>relative x</a:t>
-            </a:r>
-            <a:r>
-              <a:rPr lang="en-US" baseline="-25000" smtClean="0">
-                <a:latin typeface="Times New Roman" pitchFamily="18" charset="0"/>
-                <a:cs typeface="Times New Roman" pitchFamily="18" charset="0"/>
-              </a:rPr>
-              <a:t>o</a:t>
-            </a:r>
-            <a:r>
-              <a:rPr lang="en-US" smtClean="0">
-                <a:latin typeface="Times New Roman" pitchFamily="18" charset="0"/>
-                <a:cs typeface="Times New Roman" pitchFamily="18" charset="0"/>
-              </a:rPr>
-              <a:t>)</a:t>
-            </a:r>
-            <a:endParaRPr lang="en-US" sz="2000">
-              <a:latin typeface="Times New Roman" pitchFamily="18" charset="0"/>
-              <a:cs typeface="Times New Roman" pitchFamily="18" charset="0"/>
-            </a:endParaRPr>
+              <a:t>		list_goal ={ F→A, A}</a:t>
+            </a:r>
           </a:p>
         </p:txBody>
       </p:sp>
@@ -19837,18 +19414,21 @@
             <p:ph type="title"/>
           </p:nvPr>
         </p:nvSpPr>
-        <p:spPr/>
+        <p:spPr>
+          <a:xfrm>
+            <a:off x="762000" y="228865"/>
+            <a:ext cx="8229600" cy="952500"/>
+          </a:xfrm>
+        </p:spPr>
         <p:txBody>
-          <a:bodyPr>
-            <a:normAutofit/>
-          </a:bodyPr>
+          <a:bodyPr/>
           <a:lstStyle/>
           <a:p>
             <a:r>
               <a:rPr lang="en-US" smtClean="0">
                 <a:latin typeface="Times New Roman" pitchFamily="18" charset="0"/>
               </a:rPr>
-              <a:t>LỜI CẢM ƠN</a:t>
+              <a:t>DẪN NHẬP</a:t>
             </a:r>
             <a:endParaRPr lang="en-US">
               <a:latin typeface="Times New Roman" pitchFamily="18" charset="0"/>
@@ -19858,7 +19438,7 @@
       </p:sp>
       <p:sp>
         <p:nvSpPr>
-          <p:cNvPr id="3" name="Content Placeholder 2"/>
+          <p:cNvPr id="12" name="Content Placeholder 11"/>
           <p:cNvSpPr>
             <a:spLocks noGrp="1"/>
           </p:cNvSpPr>
@@ -19868,66 +19448,151 @@
         </p:nvSpPr>
         <p:spPr>
           <a:xfrm>
-            <a:off x="304800" y="1333500"/>
-            <a:ext cx="8382000" cy="3771636"/>
+            <a:off x="457200" y="1333500"/>
+            <a:ext cx="8382000" cy="4038600"/>
           </a:xfrm>
         </p:spPr>
         <p:txBody>
-          <a:bodyPr/>
+          <a:bodyPr>
+            <a:normAutofit fontScale="85000" lnSpcReduction="10000"/>
+          </a:bodyPr>
           <a:lstStyle/>
           <a:p>
+            <a:pPr>
+              <a:buFont typeface="Wingdings" pitchFamily="2" charset="2"/>
+              <a:buChar char="§"/>
+            </a:pPr>
             <a:r>
               <a:rPr lang="en-US" smtClean="0">
                 <a:latin typeface="Times New Roman" pitchFamily="18" charset="0"/>
                 <a:cs typeface="Times New Roman" pitchFamily="18" charset="0"/>
               </a:rPr>
-              <a:t>Xin cám ơn </a:t>
+              <a:t>Bài toán thực tế: </a:t>
+            </a:r>
+          </a:p>
+          <a:p>
+            <a:pPr lvl="1">
+              <a:buFont typeface="Arial" pitchFamily="34" charset="0"/>
+              <a:buChar char="•"/>
+            </a:pPr>
+            <a:r>
+              <a:rPr lang="vi-VN" smtClean="0">
+                <a:latin typeface="Times New Roman" pitchFamily="18" charset="0"/>
+                <a:cs typeface="Times New Roman" pitchFamily="18" charset="0"/>
+              </a:rPr>
+              <a:t>Trẻ con nói chuyện không biết lý luận.</a:t>
+            </a:r>
+          </a:p>
+          <a:p>
+            <a:pPr lvl="1">
+              <a:buFont typeface="Arial" pitchFamily="34" charset="0"/>
+              <a:buChar char="•"/>
+            </a:pPr>
+            <a:r>
+              <a:rPr lang="vi-VN" smtClean="0">
+                <a:latin typeface="Times New Roman" pitchFamily="18" charset="0"/>
+                <a:cs typeface="Times New Roman" pitchFamily="18" charset="0"/>
+              </a:rPr>
+              <a:t>Không ai làm việc chăm chỉ lại bị chế nhạo.</a:t>
+            </a:r>
+          </a:p>
+          <a:p>
+            <a:pPr lvl="1">
+              <a:buFont typeface="Arial" pitchFamily="34" charset="0"/>
+              <a:buChar char="•"/>
+            </a:pPr>
+            <a:r>
+              <a:rPr lang="vi-VN" smtClean="0">
+                <a:latin typeface="Times New Roman" pitchFamily="18" charset="0"/>
+                <a:cs typeface="Times New Roman" pitchFamily="18" charset="0"/>
+              </a:rPr>
+              <a:t>Ai nói chuyện không biết lý luận thì bị chế nh</a:t>
             </a:r>
             <a:r>
               <a:rPr lang="en-US" smtClean="0">
                 <a:latin typeface="Times New Roman" pitchFamily="18" charset="0"/>
                 <a:cs typeface="Times New Roman" pitchFamily="18" charset="0"/>
               </a:rPr>
-              <a:t>các thầy </a:t>
-            </a:r>
+              <a:t>ạo</a:t>
+            </a:r>
+            <a:endParaRPr lang="vi-VN" smtClean="0">
+              <a:latin typeface="Times New Roman" pitchFamily="18" charset="0"/>
+              <a:cs typeface="Times New Roman" pitchFamily="18" charset="0"/>
+            </a:endParaRPr>
+          </a:p>
+          <a:p>
+            <a:pPr lvl="1">
+              <a:buNone/>
+            </a:pPr>
+            <a:r>
+              <a:rPr lang="en-US" sz="3900" b="1" smtClean="0">
+                <a:latin typeface="Times New Roman" pitchFamily="18" charset="0"/>
+                <a:cs typeface="Times New Roman" pitchFamily="18" charset="0"/>
+              </a:rPr>
+              <a:t>→ </a:t>
+            </a:r>
+            <a:r>
+              <a:rPr lang="vi-VN" i="1" smtClean="0">
+                <a:latin typeface="Times New Roman" pitchFamily="18" charset="0"/>
+                <a:cs typeface="Times New Roman" pitchFamily="18" charset="0"/>
+              </a:rPr>
+              <a:t>Vì vậy trẻ con không thể làm việc chăm chỉ</a:t>
+            </a:r>
+            <a:r>
+              <a:rPr lang="en-US" i="1" smtClean="0">
+                <a:latin typeface="Times New Roman" pitchFamily="18" charset="0"/>
+                <a:cs typeface="Times New Roman" pitchFamily="18" charset="0"/>
+              </a:rPr>
+              <a:t> ?</a:t>
+            </a:r>
+          </a:p>
+          <a:p>
+            <a:pPr>
+              <a:buFont typeface="Wingdings" pitchFamily="2" charset="2"/>
+              <a:buChar char="§"/>
+            </a:pPr>
             <a:r>
               <a:rPr lang="en-US" smtClean="0">
                 <a:latin typeface="Times New Roman" pitchFamily="18" charset="0"/>
                 <a:cs typeface="Times New Roman" pitchFamily="18" charset="0"/>
               </a:rPr>
-              <a:t>cô Khoa CNTT- Trường ĐHBK HCM.</a:t>
-            </a:r>
-          </a:p>
-          <a:p>
+              <a:t>Để chứng minh ta phải vận dụng logic vị từ theo 3 bước</a:t>
+            </a:r>
+          </a:p>
+          <a:p>
+            <a:pPr marL="971550" lvl="1" indent="-514350">
+              <a:buAutoNum type="arabicPeriod"/>
+            </a:pPr>
             <a:r>
               <a:rPr lang="en-US" smtClean="0">
                 <a:latin typeface="Times New Roman" pitchFamily="18" charset="0"/>
                 <a:cs typeface="Times New Roman" pitchFamily="18" charset="0"/>
               </a:rPr>
-              <a:t>Chân thành cám ơn thầy </a:t>
-            </a:r>
+              <a:t>Chuyển bài toán thành logic vị từ</a:t>
+            </a:r>
+          </a:p>
+          <a:p>
+            <a:pPr marL="971550" lvl="1" indent="-514350">
+              <a:buAutoNum type="arabicPeriod"/>
+            </a:pPr>
             <a:r>
               <a:rPr lang="en-US" smtClean="0">
                 <a:latin typeface="Times New Roman" pitchFamily="18" charset="0"/>
                 <a:cs typeface="Times New Roman" pitchFamily="18" charset="0"/>
               </a:rPr>
-              <a:t>Nguyễn Thanh Sơn </a:t>
-            </a:r>
+              <a:t>Dùng các luật suy diễn để suy luận</a:t>
+            </a:r>
+          </a:p>
+          <a:p>
+            <a:pPr marL="971550" lvl="1" indent="-514350">
+              <a:buAutoNum type="arabicPeriod"/>
+            </a:pPr>
             <a:r>
               <a:rPr lang="en-US" smtClean="0">
                 <a:latin typeface="Times New Roman" pitchFamily="18" charset="0"/>
                 <a:cs typeface="Times New Roman" pitchFamily="18" charset="0"/>
               </a:rPr>
-              <a:t>đã tận tình hướng dẫn chúng em thực hiện đề tài.</a:t>
-            </a:r>
-          </a:p>
-          <a:p>
-            <a:r>
-              <a:rPr lang="en-US" smtClean="0">
-                <a:latin typeface="Times New Roman" pitchFamily="18" charset="0"/>
-                <a:cs typeface="Times New Roman" pitchFamily="18" charset="0"/>
-              </a:rPr>
-              <a:t>Cám ơn các bạn đã tham gia buổi bảo vệ đề tài hôm nay.</a:t>
+              <a:t>Chuyển các suy luận thành ngôn ngữ tự nhiên</a:t>
             </a:r>
             <a:endParaRPr lang="en-US">
               <a:latin typeface="Times New Roman" pitchFamily="18" charset="0"/>
@@ -19987,7 +19652,7 @@
               <a:rPr lang="en-US" smtClean="0">
                 <a:latin typeface="Times New Roman" pitchFamily="18" charset="0"/>
               </a:rPr>
-              <a:t>INTRODUCTION</a:t>
+              <a:t>CONTRADICTION DEDUCTION</a:t>
             </a:r>
             <a:endParaRPr lang="en-US">
               <a:latin typeface="Times New Roman" pitchFamily="18" charset="0"/>
@@ -20007,8 +19672,8 @@
         </p:nvSpPr>
         <p:spPr>
           <a:xfrm>
-            <a:off x="1143000" y="1181100"/>
-            <a:ext cx="7315200" cy="4267200"/>
+            <a:off x="457200" y="1181100"/>
+            <a:ext cx="8382000" cy="3924036"/>
           </a:xfrm>
         </p:spPr>
         <p:txBody>
@@ -20017,118 +19682,57 @@
           </a:bodyPr>
           <a:lstStyle/>
           <a:p>
-            <a:pPr>
-              <a:buFont typeface="Wingdings" pitchFamily="2" charset="2"/>
-              <a:buChar char="q"/>
+            <a:pPr lvl="0"/>
+            <a:r>
+              <a:rPr lang="en-US" smtClean="0">
+                <a:latin typeface="Times New Roman" pitchFamily="18" charset="0"/>
+                <a:cs typeface="Times New Roman" pitchFamily="18" charset="0"/>
+              </a:rPr>
+              <a:t>Khi luật elimination không thực hiện được nữa và đồng thời goal hiện tại là ⊥ thì cập nhật list_proof theo qui tắc sau:</a:t>
+            </a:r>
+          </a:p>
+          <a:p>
+            <a:pPr marL="971550" lvl="1" indent="-514350">
+              <a:buFont typeface="+mj-lt"/>
+              <a:buAutoNum type="arabicPeriod"/>
             </a:pPr>
             <a:r>
-              <a:rPr lang="en-US" sz="2800" smtClean="0">
+              <a:rPr lang="en-US" smtClean="0">
                 <a:latin typeface="Times New Roman" pitchFamily="18" charset="0"/>
                 <a:cs typeface="Times New Roman" pitchFamily="18" charset="0"/>
               </a:rPr>
-              <a:t>Ví dụ:</a:t>
-            </a:r>
-            <a:endParaRPr lang="en-US" sz="2800" smtClean="0">
+              <a:t>∑ ,¬F  ⊢ Ω , ⊥ 	 =   ∑ ,¬F ⊢ Ω, ⊥, F </a:t>
+            </a:r>
+          </a:p>
+          <a:p>
+            <a:pPr marL="971550" lvl="1" indent="-514350">
+              <a:buFont typeface="+mj-lt"/>
+              <a:buAutoNum type="arabicPeriod"/>
+            </a:pPr>
+            <a:r>
+              <a:rPr lang="en-US" smtClean="0">
+                <a:latin typeface="Times New Roman" pitchFamily="18" charset="0"/>
+                <a:cs typeface="Times New Roman" pitchFamily="18" charset="0"/>
+              </a:rPr>
+              <a:t>∑ ,A ∨ B  ⊢ Ω , ⊥     =   ∑ ,A ∨ B ⊢ Ω, ⊥, ¬ A</a:t>
+            </a:r>
+          </a:p>
+          <a:p>
+            <a:pPr marL="971550" lvl="1" indent="-514350">
+              <a:buFont typeface="+mj-lt"/>
+              <a:buAutoNum type="arabicPeriod"/>
+            </a:pPr>
+            <a:r>
+              <a:rPr lang="en-US" smtClean="0">
+                <a:latin typeface="Times New Roman" pitchFamily="18" charset="0"/>
+                <a:cs typeface="Times New Roman" pitchFamily="18" charset="0"/>
+              </a:rPr>
+              <a:t>∑ ,A  → B  ⊢ Ω , ⊥   =   ∑ ,A → B ⊢ Ω, ⊥,  A</a:t>
+            </a:r>
+            <a:endParaRPr lang="en-US">
               <a:latin typeface="Times New Roman" pitchFamily="18" charset="0"/>
               <a:cs typeface="Times New Roman" pitchFamily="18" charset="0"/>
             </a:endParaRPr>
-          </a:p>
-          <a:p>
-            <a:pPr>
-              <a:buNone/>
-            </a:pPr>
-            <a:r>
-              <a:rPr lang="en-US" sz="2800" smtClean="0">
-                <a:latin typeface="Times New Roman" pitchFamily="18" charset="0"/>
-                <a:cs typeface="Times New Roman" pitchFamily="18" charset="0"/>
-              </a:rPr>
-              <a:t>	list_proof = { A , B}</a:t>
-            </a:r>
-          </a:p>
-          <a:p>
-            <a:pPr>
-              <a:buNone/>
-            </a:pPr>
-            <a:r>
-              <a:rPr lang="en-US" sz="2800" smtClean="0">
-                <a:latin typeface="Times New Roman" pitchFamily="18" charset="0"/>
-                <a:cs typeface="Times New Roman" pitchFamily="18" charset="0"/>
-              </a:rPr>
-              <a:t>	list_goal = { F→ A}</a:t>
-            </a:r>
-          </a:p>
-          <a:p>
-            <a:pPr>
-              <a:buNone/>
-            </a:pPr>
-            <a:r>
-              <a:rPr lang="en-US" sz="4000" smtClean="0">
-                <a:latin typeface="Times New Roman" pitchFamily="18" charset="0"/>
-                <a:cs typeface="Times New Roman" pitchFamily="18" charset="0"/>
-              </a:rPr>
-              <a:t>→</a:t>
-            </a:r>
-            <a:r>
-              <a:rPr lang="en-US" sz="2800" smtClean="0">
-                <a:latin typeface="Times New Roman" pitchFamily="18" charset="0"/>
-                <a:cs typeface="Times New Roman" pitchFamily="18" charset="0"/>
-              </a:rPr>
-              <a:t> </a:t>
-            </a:r>
-            <a:r>
-              <a:rPr lang="en-US" sz="2800" smtClean="0">
-                <a:latin typeface="Times New Roman" pitchFamily="18" charset="0"/>
-                <a:cs typeface="Times New Roman" pitchFamily="18" charset="0"/>
-              </a:rPr>
-              <a:t>	list </a:t>
-            </a:r>
-            <a:r>
-              <a:rPr lang="en-US" sz="2800" smtClean="0">
-                <a:latin typeface="Times New Roman" pitchFamily="18" charset="0"/>
-                <a:cs typeface="Times New Roman" pitchFamily="18" charset="0"/>
-              </a:rPr>
-              <a:t>proof ={ A, B, F}</a:t>
-            </a:r>
-          </a:p>
-          <a:p>
-            <a:pPr>
-              <a:buNone/>
-            </a:pPr>
-            <a:r>
-              <a:rPr lang="en-US" sz="2800" smtClean="0">
-                <a:latin typeface="Times New Roman" pitchFamily="18" charset="0"/>
-                <a:cs typeface="Times New Roman" pitchFamily="18" charset="0"/>
-              </a:rPr>
-              <a:t>	</a:t>
-            </a:r>
-            <a:r>
-              <a:rPr lang="en-US" sz="2800" smtClean="0">
-                <a:latin typeface="Times New Roman" pitchFamily="18" charset="0"/>
-                <a:cs typeface="Times New Roman" pitchFamily="18" charset="0"/>
-              </a:rPr>
-              <a:t>	list_goal </a:t>
-            </a:r>
-            <a:r>
-              <a:rPr lang="en-US" sz="2800" smtClean="0">
-                <a:latin typeface="Times New Roman" pitchFamily="18" charset="0"/>
-                <a:cs typeface="Times New Roman" pitchFamily="18" charset="0"/>
-              </a:rPr>
-              <a:t>={ F→A</a:t>
-            </a:r>
-            <a:r>
-              <a:rPr lang="en-US" sz="2800" smtClean="0">
-                <a:latin typeface="Times New Roman" pitchFamily="18" charset="0"/>
-                <a:cs typeface="Times New Roman" pitchFamily="18" charset="0"/>
-              </a:rPr>
-              <a:t>, A</a:t>
-            </a:r>
-            <a:r>
-              <a:rPr lang="en-US" sz="2800" smtClean="0">
-                <a:latin typeface="Times New Roman" pitchFamily="18" charset="0"/>
-                <a:cs typeface="Times New Roman" pitchFamily="18" charset="0"/>
-              </a:rPr>
-              <a:t>}</a:t>
-            </a:r>
           </a:p>
         </p:txBody>
       </p:sp>
@@ -20213,66 +19817,78 @@
           </a:bodyPr>
           <a:lstStyle/>
           <a:p>
-            <a:pPr lvl="0"/>
+            <a:pPr lvl="0">
+              <a:buFont typeface="Wingdings" pitchFamily="2" charset="2"/>
+              <a:buChar char="q"/>
+            </a:pPr>
             <a:r>
               <a:rPr lang="en-US" smtClean="0">
                 <a:latin typeface="Times New Roman" pitchFamily="18" charset="0"/>
                 <a:cs typeface="Times New Roman" pitchFamily="18" charset="0"/>
               </a:rPr>
-              <a:t>Khi luật </a:t>
-            </a:r>
+              <a:t>Ví dụ:</a:t>
+            </a:r>
+          </a:p>
+          <a:p>
+            <a:pPr lvl="1">
+              <a:buNone/>
+            </a:pPr>
             <a:r>
               <a:rPr lang="en-US" smtClean="0">
                 <a:latin typeface="Times New Roman" pitchFamily="18" charset="0"/>
                 <a:cs typeface="Times New Roman" pitchFamily="18" charset="0"/>
               </a:rPr>
-              <a:t>elimination </a:t>
-            </a:r>
+              <a:t>list_proof = {A, B, (A ∧ B) → F}</a:t>
+            </a:r>
+          </a:p>
+          <a:p>
+            <a:pPr lvl="1">
+              <a:buNone/>
+            </a:pPr>
             <a:r>
               <a:rPr lang="en-US" smtClean="0">
                 <a:latin typeface="Times New Roman" pitchFamily="18" charset="0"/>
                 <a:cs typeface="Times New Roman" pitchFamily="18" charset="0"/>
               </a:rPr>
-              <a:t>không thực hiện được nữa và đồng thời goal hiện tại là ⊥ thì cập nhật list_proof theo qui tắc sau:</a:t>
-            </a:r>
-          </a:p>
-          <a:p>
-            <a:pPr marL="971550" lvl="1" indent="-514350">
-              <a:buFont typeface="+mj-lt"/>
-              <a:buAutoNum type="arabicPeriod"/>
+              <a:t>list_goal = { …,⊥}</a:t>
+            </a:r>
+          </a:p>
+          <a:p>
+            <a:pPr lvl="1">
+              <a:buNone/>
             </a:pPr>
             <a:r>
+              <a:rPr lang="en-US" sz="4400" smtClean="0">
+                <a:latin typeface="Times New Roman" pitchFamily="18" charset="0"/>
+                <a:cs typeface="Times New Roman" pitchFamily="18" charset="0"/>
+              </a:rPr>
+              <a:t>→</a:t>
+            </a:r>
+            <a:r>
+              <a:rPr lang="en-US" sz="3200" smtClean="0">
+                <a:latin typeface="Times New Roman" pitchFamily="18" charset="0"/>
+                <a:cs typeface="Times New Roman" pitchFamily="18" charset="0"/>
+              </a:rPr>
+              <a:t> 	</a:t>
+            </a:r>
+            <a:r>
               <a:rPr lang="en-US" smtClean="0">
                 <a:latin typeface="Times New Roman" pitchFamily="18" charset="0"/>
                 <a:cs typeface="Times New Roman" pitchFamily="18" charset="0"/>
               </a:rPr>
-              <a:t>∑ ,¬F  ⊢ Ω , ⊥ 	 =   ∑ ,¬F ⊢ Ω, ⊥, F </a:t>
-            </a:r>
-          </a:p>
-          <a:p>
-            <a:pPr marL="971550" lvl="1" indent="-514350">
-              <a:buFont typeface="+mj-lt"/>
-              <a:buAutoNum type="arabicPeriod"/>
+              <a:t>list_proof = {A, B, (A ∧ B) → F}</a:t>
+            </a:r>
+          </a:p>
+          <a:p>
+            <a:pPr lvl="1">
+              <a:buNone/>
             </a:pPr>
             <a:r>
               <a:rPr lang="en-US" smtClean="0">
                 <a:latin typeface="Times New Roman" pitchFamily="18" charset="0"/>
                 <a:cs typeface="Times New Roman" pitchFamily="18" charset="0"/>
               </a:rPr>
-              <a:t>∑ ,A ∨ B  ⊢ Ω , ⊥     =   ∑ ,A ∨ B ⊢ Ω, ⊥, ¬ A</a:t>
-            </a:r>
-          </a:p>
-          <a:p>
-            <a:pPr marL="971550" lvl="1" indent="-514350">
-              <a:buFont typeface="+mj-lt"/>
-              <a:buAutoNum type="arabicPeriod"/>
-            </a:pPr>
-            <a:r>
-              <a:rPr lang="en-US" smtClean="0">
-                <a:latin typeface="Times New Roman" pitchFamily="18" charset="0"/>
-                <a:cs typeface="Times New Roman" pitchFamily="18" charset="0"/>
-              </a:rPr>
-              <a:t>∑ ,A  → B  ⊢ Ω , ⊥   =   ∑ ,A → B ⊢ Ω, ⊥,  A</a:t>
+              <a:t>			list_goal ={ …, ⊥ , A ∧ B }</a:t>
             </a:r>
             <a:endParaRPr lang="en-US">
               <a:latin typeface="Times New Roman" pitchFamily="18" charset="0"/>
@@ -20332,7 +19948,7 @@
               <a:rPr lang="en-US" smtClean="0">
                 <a:latin typeface="Times New Roman" pitchFamily="18" charset="0"/>
               </a:rPr>
-              <a:t>CONTRADICTION DEDUCTION</a:t>
+              <a:t>MATCHING</a:t>
             </a:r>
             <a:endParaRPr lang="en-US">
               <a:latin typeface="Times New Roman" pitchFamily="18" charset="0"/>
@@ -20352,8 +19968,8 @@
         </p:nvSpPr>
         <p:spPr>
           <a:xfrm>
-            <a:off x="457200" y="1181100"/>
-            <a:ext cx="8382000" cy="3924036"/>
+            <a:off x="457200" y="1104900"/>
+            <a:ext cx="8382000" cy="4114800"/>
           </a:xfrm>
         </p:spPr>
         <p:txBody>
@@ -20362,122 +19978,52 @@
           </a:bodyPr>
           <a:lstStyle/>
           <a:p>
-            <a:pPr lvl="0">
+            <a:pPr marL="342900" lvl="1" indent="-342900">
+              <a:buFont typeface="Arial" pitchFamily="34" charset="0"/>
+              <a:buChar char="•"/>
+            </a:pPr>
+            <a:r>
+              <a:rPr lang="en-US" sz="3600" smtClean="0">
+                <a:latin typeface="Times New Roman" pitchFamily="18" charset="0"/>
+                <a:cs typeface="Times New Roman" pitchFamily="18" charset="0"/>
+              </a:rPr>
+              <a:t>Nếu goal là công thức thì thực hiện đồng nhất giữa goal và 1 công thức trong list_proof</a:t>
+            </a:r>
+          </a:p>
+          <a:p>
+            <a:pPr lvl="1">
               <a:buFont typeface="Wingdings" pitchFamily="2" charset="2"/>
-              <a:buChar char="q"/>
+              <a:buChar char="§"/>
             </a:pPr>
             <a:r>
               <a:rPr lang="en-US" smtClean="0">
                 <a:latin typeface="Times New Roman" pitchFamily="18" charset="0"/>
                 <a:cs typeface="Times New Roman" pitchFamily="18" charset="0"/>
               </a:rPr>
-              <a:t>Ví dụ:</a:t>
-            </a:r>
-            <a:endParaRPr lang="en-US" smtClean="0">
-              <a:latin typeface="Times New Roman" pitchFamily="18" charset="0"/>
-              <a:cs typeface="Times New Roman" pitchFamily="18" charset="0"/>
-            </a:endParaRPr>
+              <a:t>Unification  ( goal ,  A)</a:t>
+            </a:r>
+          </a:p>
+          <a:p>
+            <a:r>
+              <a:rPr lang="en-US" smtClean="0">
+                <a:latin typeface="Times New Roman" pitchFamily="18" charset="0"/>
+                <a:cs typeface="Times New Roman" pitchFamily="18" charset="0"/>
+              </a:rPr>
+              <a:t>Nếu goal là ⊥ thì tìm 1 cặp công thức trong list_proof mà </a:t>
+            </a:r>
           </a:p>
           <a:p>
             <a:pPr lvl="1">
-              <a:buNone/>
+              <a:buFont typeface="Wingdings" pitchFamily="2" charset="2"/>
+              <a:buChar char="§"/>
             </a:pPr>
             <a:r>
               <a:rPr lang="en-US" smtClean="0">
                 <a:latin typeface="Times New Roman" pitchFamily="18" charset="0"/>
                 <a:cs typeface="Times New Roman" pitchFamily="18" charset="0"/>
               </a:rPr>
-              <a:t>list_proof </a:t>
-            </a:r>
-            <a:r>
-              <a:rPr lang="en-US" smtClean="0">
-                <a:latin typeface="Times New Roman" pitchFamily="18" charset="0"/>
-                <a:cs typeface="Times New Roman" pitchFamily="18" charset="0"/>
-              </a:rPr>
-              <a:t>= {A, B, (A ∧ B) → F}</a:t>
-            </a:r>
-          </a:p>
-          <a:p>
-            <a:pPr lvl="1">
-              <a:buNone/>
-            </a:pPr>
-            <a:r>
-              <a:rPr lang="en-US" smtClean="0">
-                <a:latin typeface="Times New Roman" pitchFamily="18" charset="0"/>
-                <a:cs typeface="Times New Roman" pitchFamily="18" charset="0"/>
-              </a:rPr>
-              <a:t>list_goal </a:t>
-            </a:r>
-            <a:r>
-              <a:rPr lang="en-US" smtClean="0">
-                <a:latin typeface="Times New Roman" pitchFamily="18" charset="0"/>
-                <a:cs typeface="Times New Roman" pitchFamily="18" charset="0"/>
-              </a:rPr>
-              <a:t>= { …,⊥}</a:t>
-            </a:r>
-          </a:p>
-          <a:p>
-            <a:pPr lvl="1">
-              <a:buNone/>
-            </a:pPr>
-            <a:r>
-              <a:rPr lang="en-US" sz="4400" smtClean="0">
-                <a:latin typeface="Times New Roman" pitchFamily="18" charset="0"/>
-                <a:cs typeface="Times New Roman" pitchFamily="18" charset="0"/>
-              </a:rPr>
-              <a:t>→</a:t>
-            </a:r>
-            <a:r>
-              <a:rPr lang="en-US" sz="3200" smtClean="0">
-                <a:latin typeface="Times New Roman" pitchFamily="18" charset="0"/>
-                <a:cs typeface="Times New Roman" pitchFamily="18" charset="0"/>
-              </a:rPr>
-              <a:t> </a:t>
-            </a:r>
-            <a:r>
-              <a:rPr lang="en-US" sz="3200" smtClean="0">
-                <a:latin typeface="Times New Roman" pitchFamily="18" charset="0"/>
-                <a:cs typeface="Times New Roman" pitchFamily="18" charset="0"/>
-              </a:rPr>
-              <a:t>	</a:t>
-            </a:r>
-            <a:r>
-              <a:rPr lang="en-US" smtClean="0">
-                <a:latin typeface="Times New Roman" pitchFamily="18" charset="0"/>
-                <a:cs typeface="Times New Roman" pitchFamily="18" charset="0"/>
-              </a:rPr>
-              <a:t>list_proof </a:t>
-            </a:r>
-            <a:r>
-              <a:rPr lang="en-US" smtClean="0">
-                <a:latin typeface="Times New Roman" pitchFamily="18" charset="0"/>
-                <a:cs typeface="Times New Roman" pitchFamily="18" charset="0"/>
-              </a:rPr>
-              <a:t>= {A, B, (A ∧ B) → F}</a:t>
-            </a:r>
-          </a:p>
-          <a:p>
-            <a:pPr lvl="1">
-              <a:buNone/>
-            </a:pPr>
-            <a:r>
-              <a:rPr lang="en-US" smtClean="0">
-                <a:latin typeface="Times New Roman" pitchFamily="18" charset="0"/>
-                <a:cs typeface="Times New Roman" pitchFamily="18" charset="0"/>
-              </a:rPr>
-              <a:t>			list_goal </a:t>
-            </a:r>
-            <a:r>
-              <a:rPr lang="en-US" smtClean="0">
-                <a:latin typeface="Times New Roman" pitchFamily="18" charset="0"/>
-                <a:cs typeface="Times New Roman" pitchFamily="18" charset="0"/>
-              </a:rPr>
-              <a:t>={ …, ⊥ , A ∧ B }</a:t>
-            </a:r>
-            <a:endParaRPr lang="en-US">
-              <a:latin typeface="Times New Roman" pitchFamily="18" charset="0"/>
-              <a:cs typeface="Times New Roman" pitchFamily="18" charset="0"/>
-            </a:endParaRPr>
+              <a:t>Unification  ( ¬B , A)</a:t>
+            </a:r>
           </a:p>
         </p:txBody>
       </p:sp>
@@ -20532,7 +20078,7 @@
               <a:rPr lang="en-US" smtClean="0">
                 <a:latin typeface="Times New Roman" pitchFamily="18" charset="0"/>
               </a:rPr>
-              <a:t>MATCHING</a:t>
+              <a:t>ADDITION</a:t>
             </a:r>
             <a:endParaRPr lang="en-US">
               <a:latin typeface="Times New Roman" pitchFamily="18" charset="0"/>
@@ -20553,7 +20099,7 @@
         <p:spPr>
           <a:xfrm>
             <a:off x="457200" y="1104900"/>
-            <a:ext cx="8382000" cy="4114800"/>
+            <a:ext cx="8382000" cy="3924036"/>
           </a:xfrm>
         </p:spPr>
         <p:txBody>
@@ -20562,79 +20108,42 @@
           </a:bodyPr>
           <a:lstStyle/>
           <a:p>
-            <a:pPr marL="342900" lvl="1" indent="-342900">
-              <a:buFont typeface="Arial" pitchFamily="34" charset="0"/>
-              <a:buChar char="•"/>
+            <a:pPr marL="685800" lvl="1" indent="-685800">
+              <a:buFont typeface="Wingdings" pitchFamily="2" charset="2"/>
+              <a:buChar char="ü"/>
             </a:pPr>
             <a:r>
               <a:rPr lang="en-US" sz="3600" smtClean="0">
                 <a:latin typeface="Times New Roman" pitchFamily="18" charset="0"/>
                 <a:cs typeface="Times New Roman" pitchFamily="18" charset="0"/>
               </a:rPr>
-              <a:t>Nếu goal là công thức thì thực hiện đồng nhất giữa goal và 1 công thức trong list_proof</a:t>
-            </a:r>
-          </a:p>
-          <a:p>
-            <a:pPr lvl="1">
+              <a:t>Các công thức tương đương</a:t>
+            </a:r>
+          </a:p>
+          <a:p>
+            <a:pPr marL="685800" lvl="1" indent="-685800">
               <a:buFont typeface="Wingdings" pitchFamily="2" charset="2"/>
-              <a:buChar char="§"/>
+              <a:buChar char="ü"/>
             </a:pPr>
             <a:r>
-              <a:rPr lang="en-US" smtClean="0">
+              <a:rPr lang="en-US" sz="3600" smtClean="0">
                 <a:latin typeface="Times New Roman" pitchFamily="18" charset="0"/>
                 <a:cs typeface="Times New Roman" pitchFamily="18" charset="0"/>
               </a:rPr>
-              <a:t>Unification  ( </a:t>
-            </a:r>
-            <a:r>
-              <a:rPr lang="en-US" smtClean="0">
+              <a:t>LEM</a:t>
+            </a:r>
+          </a:p>
+          <a:p>
+            <a:pPr marL="685800" lvl="1" indent="-685800">
+              <a:buFont typeface="Wingdings" pitchFamily="2" charset="2"/>
+              <a:buChar char="ü"/>
+            </a:pPr>
+            <a:r>
+              <a:rPr lang="en-US" sz="3600" smtClean="0">
                 <a:latin typeface="Times New Roman" pitchFamily="18" charset="0"/>
                 <a:cs typeface="Times New Roman" pitchFamily="18" charset="0"/>
               </a:rPr>
-              <a:t>goal ,  A</a:t>
-            </a:r>
-            <a:r>
-              <a:rPr lang="en-US" smtClean="0">
-                <a:latin typeface="Times New Roman" pitchFamily="18" charset="0"/>
-                <a:cs typeface="Times New Roman" pitchFamily="18" charset="0"/>
-              </a:rPr>
-              <a:t>)</a:t>
-            </a:r>
-          </a:p>
-          <a:p>
-            <a:r>
-              <a:rPr lang="en-US" smtClean="0">
-                <a:latin typeface="Times New Roman" pitchFamily="18" charset="0"/>
-                <a:cs typeface="Times New Roman" pitchFamily="18" charset="0"/>
-              </a:rPr>
-              <a:t>Nếu goal là ⊥ thì tìm 1 cặp công thức trong list_proof mà </a:t>
-            </a:r>
-          </a:p>
-          <a:p>
-            <a:pPr lvl="1">
-              <a:buFont typeface="Wingdings" pitchFamily="2" charset="2"/>
-              <a:buChar char="§"/>
-            </a:pPr>
-            <a:r>
-              <a:rPr lang="en-US" smtClean="0">
-                <a:latin typeface="Times New Roman" pitchFamily="18" charset="0"/>
-                <a:cs typeface="Times New Roman" pitchFamily="18" charset="0"/>
-              </a:rPr>
-              <a:t>Unification  </a:t>
-            </a:r>
-            <a:r>
-              <a:rPr lang="en-US" smtClean="0">
-                <a:latin typeface="Times New Roman" pitchFamily="18" charset="0"/>
-                <a:cs typeface="Times New Roman" pitchFamily="18" charset="0"/>
-              </a:rPr>
-              <a:t>( ¬B , A</a:t>
-            </a:r>
-            <a:r>
-              <a:rPr lang="en-US" smtClean="0">
-                <a:latin typeface="Times New Roman" pitchFamily="18" charset="0"/>
-                <a:cs typeface="Times New Roman" pitchFamily="18" charset="0"/>
-              </a:rPr>
-              <a:t>)</a:t>
+              <a:t>DeMorgan</a:t>
             </a:r>
           </a:p>
         </p:txBody>
@@ -20681,7 +20190,12 @@
             <p:ph type="title"/>
           </p:nvPr>
         </p:nvSpPr>
-        <p:spPr/>
+        <p:spPr>
+          <a:xfrm>
+            <a:off x="457200" y="0"/>
+            <a:ext cx="8229600" cy="952500"/>
+          </a:xfrm>
+        </p:spPr>
         <p:txBody>
           <a:bodyPr/>
           <a:lstStyle/>
@@ -20689,18 +20203,20 @@
             <a:r>
               <a:rPr lang="en-US" smtClean="0">
                 <a:latin typeface="Times New Roman" pitchFamily="18" charset="0"/>
-              </a:rPr>
-              <a:t>ADDITION</a:t>
+                <a:cs typeface="Times New Roman" pitchFamily="18" charset="0"/>
+              </a:rPr>
+              <a:t>CONTROLLER</a:t>
             </a:r>
             <a:endParaRPr lang="en-US">
               <a:latin typeface="Times New Roman" pitchFamily="18" charset="0"/>
+              <a:cs typeface="Times New Roman" pitchFamily="18" charset="0"/>
             </a:endParaRPr>
           </a:p>
         </p:txBody>
       </p:sp>
       <p:sp>
         <p:nvSpPr>
-          <p:cNvPr id="23" name="Content Placeholder 22"/>
+          <p:cNvPr id="3" name="Content Placeholder 2"/>
           <p:cNvSpPr>
             <a:spLocks noGrp="1"/>
           </p:cNvSpPr>
@@ -20710,52 +20226,338 @@
         </p:nvSpPr>
         <p:spPr>
           <a:xfrm>
-            <a:off x="457200" y="1104900"/>
-            <a:ext cx="8382000" cy="3924036"/>
+            <a:off x="457200" y="876300"/>
+            <a:ext cx="8229600" cy="4838700"/>
           </a:xfrm>
         </p:spPr>
         <p:txBody>
           <a:bodyPr>
-            <a:normAutofit/>
+            <a:normAutofit fontScale="77500" lnSpcReduction="20000"/>
           </a:bodyPr>
           <a:lstStyle/>
           <a:p>
-            <a:pPr marL="342900" lvl="1" indent="-342900">
+            <a:pPr>
+              <a:buNone/>
+            </a:pPr>
+            <a:r>
+              <a:rPr lang="en-US" u="sng" smtClean="0">
+                <a:latin typeface="Times New Roman" pitchFamily="18" charset="0"/>
+                <a:cs typeface="Times New Roman" pitchFamily="18" charset="0"/>
+              </a:rPr>
+              <a:t>Giải thuật chính</a:t>
+            </a:r>
+          </a:p>
+          <a:p>
+            <a:pPr marL="971550" lvl="1" indent="-514350">
+              <a:buFont typeface="+mj-lt"/>
+              <a:buAutoNum type="arabicPeriod"/>
+            </a:pPr>
+            <a:r>
+              <a:rPr lang="en-US" smtClean="0">
+                <a:latin typeface="Times New Roman" pitchFamily="18" charset="0"/>
+                <a:cs typeface="Times New Roman" pitchFamily="18" charset="0"/>
+              </a:rPr>
+              <a:t>Init </a:t>
+            </a:r>
+            <a:r>
+              <a:rPr lang="en-US" i="1" smtClean="0">
+                <a:latin typeface="Times New Roman" pitchFamily="18" charset="0"/>
+                <a:cs typeface="Times New Roman" pitchFamily="18" charset="0"/>
+              </a:rPr>
+              <a:t>list_proof</a:t>
+            </a:r>
+            <a:r>
+              <a:rPr lang="en-US" smtClean="0">
+                <a:latin typeface="Times New Roman" pitchFamily="18" charset="0"/>
+                <a:cs typeface="Times New Roman" pitchFamily="18" charset="0"/>
+              </a:rPr>
+              <a:t> and </a:t>
+            </a:r>
+            <a:r>
+              <a:rPr lang="en-US" i="1" smtClean="0">
+                <a:latin typeface="Times New Roman" pitchFamily="18" charset="0"/>
+                <a:cs typeface="Times New Roman" pitchFamily="18" charset="0"/>
+              </a:rPr>
+              <a:t>list_goal </a:t>
+            </a:r>
+          </a:p>
+          <a:p>
+            <a:pPr marL="971550" lvl="1" indent="-514350">
+              <a:buFont typeface="+mj-lt"/>
+              <a:buAutoNum type="arabicPeriod"/>
+            </a:pPr>
+            <a:r>
+              <a:rPr lang="en-US" smtClean="0">
+                <a:latin typeface="Times New Roman" pitchFamily="18" charset="0"/>
+                <a:cs typeface="Times New Roman" pitchFamily="18" charset="0"/>
+              </a:rPr>
+              <a:t> </a:t>
+            </a:r>
+            <a:r>
+              <a:rPr lang="en-US" b="1" smtClean="0">
+                <a:latin typeface="Times New Roman" pitchFamily="18" charset="0"/>
+                <a:cs typeface="Times New Roman" pitchFamily="18" charset="0"/>
+              </a:rPr>
+              <a:t>Matching</a:t>
+            </a:r>
+          </a:p>
+          <a:p>
+            <a:pPr marL="1371600" lvl="2" indent="-514350">
               <a:buFont typeface="Wingdings" pitchFamily="2" charset="2"/>
-              <a:buChar char="ü"/>
+              <a:buChar char="q"/>
             </a:pPr>
             <a:r>
-              <a:rPr lang="en-US" sz="3600" smtClean="0">
+              <a:rPr lang="en-US" smtClean="0">
                 <a:latin typeface="Times New Roman" pitchFamily="18" charset="0"/>
                 <a:cs typeface="Times New Roman" pitchFamily="18" charset="0"/>
               </a:rPr>
-              <a:t>Các công thức tương đương</a:t>
-            </a:r>
-          </a:p>
-          <a:p>
-            <a:pPr marL="342900" lvl="1" indent="-342900">
+              <a:t>IF </a:t>
+            </a:r>
+            <a:r>
+              <a:rPr lang="en-US" i="1" smtClean="0">
+                <a:latin typeface="Times New Roman" pitchFamily="18" charset="0"/>
+                <a:cs typeface="Times New Roman" pitchFamily="18" charset="0"/>
+              </a:rPr>
+              <a:t>success</a:t>
+            </a:r>
+            <a:r>
+              <a:rPr lang="en-US" smtClean="0">
+                <a:latin typeface="Times New Roman" pitchFamily="18" charset="0"/>
+                <a:cs typeface="Times New Roman" pitchFamily="18" charset="0"/>
+              </a:rPr>
+              <a:t> GOTO 3</a:t>
+            </a:r>
+          </a:p>
+          <a:p>
+            <a:pPr marL="1371600" lvl="2" indent="-514350">
               <a:buFont typeface="Wingdings" pitchFamily="2" charset="2"/>
-              <a:buChar char="ü"/>
+              <a:buChar char="q"/>
             </a:pPr>
             <a:r>
-              <a:rPr lang="en-US" sz="3600" smtClean="0">
+              <a:rPr lang="en-US" smtClean="0">
                 <a:latin typeface="Times New Roman" pitchFamily="18" charset="0"/>
                 <a:cs typeface="Times New Roman" pitchFamily="18" charset="0"/>
               </a:rPr>
-              <a:t>LEM</a:t>
-            </a:r>
-          </a:p>
-          <a:p>
-            <a:pPr marL="342900" lvl="1" indent="-342900">
+              <a:t>ELSE </a:t>
+            </a:r>
+          </a:p>
+          <a:p>
+            <a:pPr marL="1828800" lvl="3" indent="-514350">
               <a:buFont typeface="Wingdings" pitchFamily="2" charset="2"/>
-              <a:buChar char="ü"/>
+              <a:buChar char="§"/>
             </a:pPr>
             <a:r>
-              <a:rPr lang="en-US" sz="3600" smtClean="0">
+              <a:rPr lang="en-US" b="1" smtClean="0">
                 <a:latin typeface="Times New Roman" pitchFamily="18" charset="0"/>
                 <a:cs typeface="Times New Roman" pitchFamily="18" charset="0"/>
               </a:rPr>
-              <a:t>DeMorgan</a:t>
+              <a:t>Elimination</a:t>
+            </a:r>
+          </a:p>
+          <a:p>
+            <a:pPr marL="2286000" lvl="4" indent="-514350">
+              <a:buNone/>
+            </a:pPr>
+            <a:r>
+              <a:rPr lang="en-US" smtClean="0">
+                <a:latin typeface="Times New Roman" pitchFamily="18" charset="0"/>
+                <a:cs typeface="Times New Roman" pitchFamily="18" charset="0"/>
+              </a:rPr>
+              <a:t>IF </a:t>
+            </a:r>
+            <a:r>
+              <a:rPr lang="en-US" i="1" smtClean="0">
+                <a:latin typeface="Times New Roman" pitchFamily="18" charset="0"/>
+                <a:cs typeface="Times New Roman" pitchFamily="18" charset="0"/>
+              </a:rPr>
+              <a:t>success</a:t>
+            </a:r>
+            <a:r>
+              <a:rPr lang="en-US" smtClean="0">
+                <a:latin typeface="Times New Roman" pitchFamily="18" charset="0"/>
+                <a:cs typeface="Times New Roman" pitchFamily="18" charset="0"/>
+              </a:rPr>
+              <a:t> GOTO 2</a:t>
+            </a:r>
+          </a:p>
+          <a:p>
+            <a:pPr marL="2286000" lvl="4" indent="-514350">
+              <a:buNone/>
+            </a:pPr>
+            <a:r>
+              <a:rPr lang="en-US" smtClean="0">
+                <a:latin typeface="Times New Roman" pitchFamily="18" charset="0"/>
+                <a:cs typeface="Times New Roman" pitchFamily="18" charset="0"/>
+              </a:rPr>
+              <a:t>ELSE</a:t>
+            </a:r>
+          </a:p>
+          <a:p>
+            <a:pPr marL="2743200" lvl="5" indent="-514350">
+              <a:buFont typeface="Wingdings" pitchFamily="2" charset="2"/>
+              <a:buChar char="§"/>
+            </a:pPr>
+            <a:r>
+              <a:rPr lang="en-US" b="1" smtClean="0">
+                <a:latin typeface="Times New Roman" pitchFamily="18" charset="0"/>
+                <a:cs typeface="Times New Roman" pitchFamily="18" charset="0"/>
+              </a:rPr>
+              <a:t>Introduction</a:t>
+            </a:r>
+            <a:r>
+              <a:rPr lang="en-US" smtClean="0">
+                <a:latin typeface="Times New Roman" pitchFamily="18" charset="0"/>
+                <a:cs typeface="Times New Roman" pitchFamily="18" charset="0"/>
+              </a:rPr>
+              <a:t> or </a:t>
+            </a:r>
+            <a:r>
+              <a:rPr lang="en-US" b="1" smtClean="0">
+                <a:latin typeface="Times New Roman" pitchFamily="18" charset="0"/>
+                <a:cs typeface="Times New Roman" pitchFamily="18" charset="0"/>
+              </a:rPr>
+              <a:t>Contradition Deduction</a:t>
+            </a:r>
+          </a:p>
+          <a:p>
+            <a:pPr marL="3200400" lvl="6" indent="-514350">
+              <a:buNone/>
+            </a:pPr>
+            <a:r>
+              <a:rPr lang="en-US" smtClean="0">
+                <a:latin typeface="Times New Roman" pitchFamily="18" charset="0"/>
+                <a:cs typeface="Times New Roman" pitchFamily="18" charset="0"/>
+              </a:rPr>
+              <a:t>IF </a:t>
+            </a:r>
+            <a:r>
+              <a:rPr lang="en-US" i="1" smtClean="0">
+                <a:latin typeface="Times New Roman" pitchFamily="18" charset="0"/>
+                <a:cs typeface="Times New Roman" pitchFamily="18" charset="0"/>
+              </a:rPr>
+              <a:t>success</a:t>
+            </a:r>
+            <a:r>
+              <a:rPr lang="en-US" smtClean="0">
+                <a:latin typeface="Times New Roman" pitchFamily="18" charset="0"/>
+                <a:cs typeface="Times New Roman" pitchFamily="18" charset="0"/>
+              </a:rPr>
+              <a:t> GOTO 2</a:t>
+            </a:r>
+          </a:p>
+          <a:p>
+            <a:pPr marL="3200400" lvl="6" indent="-514350">
+              <a:buNone/>
+            </a:pPr>
+            <a:r>
+              <a:rPr lang="en-US" smtClean="0">
+                <a:latin typeface="Times New Roman" pitchFamily="18" charset="0"/>
+                <a:cs typeface="Times New Roman" pitchFamily="18" charset="0"/>
+              </a:rPr>
+              <a:t>ELSE </a:t>
+            </a:r>
+            <a:r>
+              <a:rPr lang="en-US" i="1" smtClean="0">
+                <a:latin typeface="Times New Roman" pitchFamily="18" charset="0"/>
+                <a:cs typeface="Times New Roman" pitchFamily="18" charset="0"/>
+              </a:rPr>
+              <a:t>exit_failed</a:t>
+            </a:r>
+          </a:p>
+          <a:p>
+            <a:pPr marL="971550" lvl="1" indent="-514350">
+              <a:buFont typeface="+mj-lt"/>
+              <a:buAutoNum type="arabicPeriod"/>
+            </a:pPr>
+            <a:r>
+              <a:rPr lang="en-US" smtClean="0">
+                <a:latin typeface="Times New Roman" pitchFamily="18" charset="0"/>
+                <a:cs typeface="Times New Roman" pitchFamily="18" charset="0"/>
+              </a:rPr>
+              <a:t>Goal reached</a:t>
+            </a:r>
+          </a:p>
+          <a:p>
+            <a:pPr marL="1371600" lvl="2" indent="-514350">
+              <a:buFont typeface="Wingdings" pitchFamily="2" charset="2"/>
+              <a:buChar char="q"/>
+            </a:pPr>
+            <a:r>
+              <a:rPr lang="en-US" smtClean="0">
+                <a:latin typeface="Times New Roman" pitchFamily="18" charset="0"/>
+                <a:cs typeface="Times New Roman" pitchFamily="18" charset="0"/>
+              </a:rPr>
+              <a:t>IF goal is initial goal</a:t>
+            </a:r>
+          </a:p>
+          <a:p>
+            <a:pPr marL="2286000" lvl="4" indent="-514350">
+              <a:buNone/>
+            </a:pPr>
+            <a:r>
+              <a:rPr lang="en-US" i="1" smtClean="0">
+                <a:latin typeface="Times New Roman" pitchFamily="18" charset="0"/>
+                <a:cs typeface="Times New Roman" pitchFamily="18" charset="0"/>
+              </a:rPr>
+              <a:t>exit_success</a:t>
+            </a:r>
+          </a:p>
+          <a:p>
+            <a:pPr marL="1371600" lvl="2" indent="-514350">
+              <a:buFont typeface="Wingdings" pitchFamily="2" charset="2"/>
+              <a:buChar char="q"/>
+            </a:pPr>
+            <a:r>
+              <a:rPr lang="en-US" smtClean="0">
+                <a:latin typeface="Times New Roman" pitchFamily="18" charset="0"/>
+                <a:cs typeface="Times New Roman" pitchFamily="18" charset="0"/>
+              </a:rPr>
+              <a:t>ELSE</a:t>
+            </a:r>
+          </a:p>
+          <a:p>
+            <a:pPr marL="2286000" lvl="4" indent="-514350">
+              <a:buNone/>
+            </a:pPr>
+            <a:r>
+              <a:rPr lang="en-US" smtClean="0">
+                <a:latin typeface="Times New Roman" pitchFamily="18" charset="0"/>
+                <a:cs typeface="Times New Roman" pitchFamily="18" charset="0"/>
+              </a:rPr>
+              <a:t>Update </a:t>
+            </a:r>
+            <a:r>
+              <a:rPr lang="en-US" i="1" smtClean="0">
+                <a:latin typeface="Times New Roman" pitchFamily="18" charset="0"/>
+                <a:cs typeface="Times New Roman" pitchFamily="18" charset="0"/>
+              </a:rPr>
+              <a:t>list_proof</a:t>
+            </a:r>
+            <a:r>
+              <a:rPr lang="en-US" smtClean="0">
+                <a:latin typeface="Times New Roman" pitchFamily="18" charset="0"/>
+                <a:cs typeface="Times New Roman" pitchFamily="18" charset="0"/>
+              </a:rPr>
+              <a:t> and </a:t>
+            </a:r>
+            <a:r>
+              <a:rPr lang="en-US" i="1" smtClean="0">
+                <a:latin typeface="Times New Roman" pitchFamily="18" charset="0"/>
+                <a:cs typeface="Times New Roman" pitchFamily="18" charset="0"/>
+              </a:rPr>
+              <a:t>list_goal</a:t>
+            </a:r>
+          </a:p>
+          <a:p>
+            <a:pPr marL="2286000" lvl="4" indent="-514350">
+              <a:buNone/>
+            </a:pPr>
+            <a:r>
+              <a:rPr lang="en-US" smtClean="0">
+                <a:latin typeface="Times New Roman" pitchFamily="18" charset="0"/>
+                <a:cs typeface="Times New Roman" pitchFamily="18" charset="0"/>
+              </a:rPr>
+              <a:t>GOTO 2</a:t>
             </a:r>
           </a:p>
         </p:txBody>
@@ -20817,7 +20619,7 @@
                 <a:latin typeface="Times New Roman" pitchFamily="18" charset="0"/>
                 <a:cs typeface="Times New Roman" pitchFamily="18" charset="0"/>
               </a:rPr>
-              <a:t>CONTROLLER</a:t>
+              <a:t>EXAMPLE</a:t>
             </a:r>
             <a:endParaRPr lang="en-US">
               <a:latin typeface="Times New Roman" pitchFamily="18" charset="0"/>
@@ -20844,333 +20646,17 @@
         </p:spPr>
         <p:txBody>
           <a:bodyPr>
-            <a:normAutofit fontScale="77500" lnSpcReduction="20000"/>
+            <a:normAutofit/>
           </a:bodyPr>
           <a:lstStyle/>
           <a:p>
             <a:pPr>
               <a:buNone/>
             </a:pPr>
-            <a:r>
-              <a:rPr lang="en-US" u="sng" smtClean="0">
-                <a:latin typeface="Times New Roman" pitchFamily="18" charset="0"/>
-                <a:cs typeface="Times New Roman" pitchFamily="18" charset="0"/>
-              </a:rPr>
-              <a:t>Giải thuật chính</a:t>
-            </a:r>
-          </a:p>
-          <a:p>
-            <a:pPr marL="971550" lvl="1" indent="-514350">
-              <a:buFont typeface="+mj-lt"/>
-              <a:buAutoNum type="arabicPeriod"/>
-            </a:pPr>
-            <a:r>
-              <a:rPr lang="en-US" smtClean="0">
-                <a:latin typeface="Times New Roman" pitchFamily="18" charset="0"/>
-                <a:cs typeface="Times New Roman" pitchFamily="18" charset="0"/>
-              </a:rPr>
-              <a:t>Init </a:t>
-            </a:r>
-            <a:r>
-              <a:rPr lang="en-US" i="1" smtClean="0">
-                <a:latin typeface="Times New Roman" pitchFamily="18" charset="0"/>
-                <a:cs typeface="Times New Roman" pitchFamily="18" charset="0"/>
-              </a:rPr>
-              <a:t>list_proof</a:t>
-            </a:r>
-            <a:r>
-              <a:rPr lang="en-US" smtClean="0">
-                <a:latin typeface="Times New Roman" pitchFamily="18" charset="0"/>
-                <a:cs typeface="Times New Roman" pitchFamily="18" charset="0"/>
-              </a:rPr>
-              <a:t> and </a:t>
-            </a:r>
-            <a:r>
-              <a:rPr lang="en-US" i="1" smtClean="0">
-                <a:latin typeface="Times New Roman" pitchFamily="18" charset="0"/>
-                <a:cs typeface="Times New Roman" pitchFamily="18" charset="0"/>
-              </a:rPr>
-              <a:t>list_goal </a:t>
-            </a:r>
-          </a:p>
-          <a:p>
-            <a:pPr marL="971550" lvl="1" indent="-514350">
-              <a:buFont typeface="+mj-lt"/>
-              <a:buAutoNum type="arabicPeriod"/>
-            </a:pPr>
-            <a:r>
-              <a:rPr lang="en-US" smtClean="0">
-                <a:latin typeface="Times New Roman" pitchFamily="18" charset="0"/>
-                <a:cs typeface="Times New Roman" pitchFamily="18" charset="0"/>
-              </a:rPr>
-              <a:t> </a:t>
-            </a:r>
-            <a:r>
-              <a:rPr lang="en-US" b="1" smtClean="0">
-                <a:latin typeface="Times New Roman" pitchFamily="18" charset="0"/>
-                <a:cs typeface="Times New Roman" pitchFamily="18" charset="0"/>
-              </a:rPr>
-              <a:t>Matching</a:t>
-            </a:r>
-          </a:p>
-          <a:p>
-            <a:pPr marL="1371600" lvl="2" indent="-514350">
-              <a:buFont typeface="Wingdings" pitchFamily="2" charset="2"/>
-              <a:buChar char="q"/>
-            </a:pPr>
-            <a:r>
-              <a:rPr lang="en-US" smtClean="0">
-                <a:latin typeface="Times New Roman" pitchFamily="18" charset="0"/>
-                <a:cs typeface="Times New Roman" pitchFamily="18" charset="0"/>
-              </a:rPr>
-              <a:t>IF </a:t>
-            </a:r>
-            <a:r>
-              <a:rPr lang="en-US" i="1" smtClean="0">
-                <a:latin typeface="Times New Roman" pitchFamily="18" charset="0"/>
-                <a:cs typeface="Times New Roman" pitchFamily="18" charset="0"/>
-              </a:rPr>
-              <a:t>success</a:t>
-            </a:r>
-            <a:r>
-              <a:rPr lang="en-US" smtClean="0">
-                <a:latin typeface="Times New Roman" pitchFamily="18" charset="0"/>
-                <a:cs typeface="Times New Roman" pitchFamily="18" charset="0"/>
-              </a:rPr>
-              <a:t> GOTO 3</a:t>
-            </a:r>
-          </a:p>
-          <a:p>
-            <a:pPr marL="1371600" lvl="2" indent="-514350">
-              <a:buFont typeface="Wingdings" pitchFamily="2" charset="2"/>
-              <a:buChar char="q"/>
-            </a:pPr>
-            <a:r>
-              <a:rPr lang="en-US" smtClean="0">
-                <a:latin typeface="Times New Roman" pitchFamily="18" charset="0"/>
-                <a:cs typeface="Times New Roman" pitchFamily="18" charset="0"/>
-              </a:rPr>
-              <a:t>ELSE </a:t>
-            </a:r>
-          </a:p>
-          <a:p>
-            <a:pPr marL="1828800" lvl="3" indent="-514350">
-              <a:buFont typeface="Wingdings" pitchFamily="2" charset="2"/>
-              <a:buChar char="§"/>
-            </a:pPr>
-            <a:r>
-              <a:rPr lang="en-US" b="1" smtClean="0">
-                <a:latin typeface="Times New Roman" pitchFamily="18" charset="0"/>
-                <a:cs typeface="Times New Roman" pitchFamily="18" charset="0"/>
-              </a:rPr>
-              <a:t>Elimination</a:t>
-            </a:r>
-          </a:p>
-          <a:p>
-            <a:pPr marL="2286000" lvl="4" indent="-514350">
-              <a:buNone/>
-            </a:pPr>
-            <a:r>
-              <a:rPr lang="en-US" smtClean="0">
-                <a:latin typeface="Times New Roman" pitchFamily="18" charset="0"/>
-                <a:cs typeface="Times New Roman" pitchFamily="18" charset="0"/>
-              </a:rPr>
-              <a:t>IF </a:t>
-            </a:r>
-            <a:r>
-              <a:rPr lang="en-US" i="1" smtClean="0">
-                <a:latin typeface="Times New Roman" pitchFamily="18" charset="0"/>
-                <a:cs typeface="Times New Roman" pitchFamily="18" charset="0"/>
-              </a:rPr>
-              <a:t>success</a:t>
-            </a:r>
-            <a:r>
-              <a:rPr lang="en-US" smtClean="0">
-                <a:latin typeface="Times New Roman" pitchFamily="18" charset="0"/>
-                <a:cs typeface="Times New Roman" pitchFamily="18" charset="0"/>
-              </a:rPr>
-              <a:t> GOTO 2</a:t>
-            </a:r>
-          </a:p>
-          <a:p>
-            <a:pPr marL="2286000" lvl="4" indent="-514350">
-              <a:buNone/>
-            </a:pPr>
-            <a:r>
-              <a:rPr lang="en-US" smtClean="0">
-                <a:latin typeface="Times New Roman" pitchFamily="18" charset="0"/>
-                <a:cs typeface="Times New Roman" pitchFamily="18" charset="0"/>
-              </a:rPr>
-              <a:t>ELSE</a:t>
-            </a:r>
-          </a:p>
-          <a:p>
-            <a:pPr marL="2743200" lvl="5" indent="-514350">
-              <a:buFont typeface="Wingdings" pitchFamily="2" charset="2"/>
-              <a:buChar char="§"/>
-            </a:pPr>
-            <a:r>
-              <a:rPr lang="en-US" b="1" smtClean="0">
-                <a:latin typeface="Times New Roman" pitchFamily="18" charset="0"/>
-                <a:cs typeface="Times New Roman" pitchFamily="18" charset="0"/>
-              </a:rPr>
-              <a:t>Introduction</a:t>
-            </a:r>
-            <a:r>
-              <a:rPr lang="en-US" smtClean="0">
-                <a:latin typeface="Times New Roman" pitchFamily="18" charset="0"/>
-                <a:cs typeface="Times New Roman" pitchFamily="18" charset="0"/>
-              </a:rPr>
-              <a:t> or </a:t>
-            </a:r>
-            <a:r>
-              <a:rPr lang="en-US" b="1" smtClean="0">
-                <a:latin typeface="Times New Roman" pitchFamily="18" charset="0"/>
-                <a:cs typeface="Times New Roman" pitchFamily="18" charset="0"/>
-              </a:rPr>
-              <a:t>Contradition Deduction</a:t>
-            </a:r>
-          </a:p>
-          <a:p>
-            <a:pPr marL="3200400" lvl="6" indent="-514350">
-              <a:buNone/>
-            </a:pPr>
-            <a:r>
-              <a:rPr lang="en-US" smtClean="0">
-                <a:latin typeface="Times New Roman" pitchFamily="18" charset="0"/>
-                <a:cs typeface="Times New Roman" pitchFamily="18" charset="0"/>
-              </a:rPr>
-              <a:t>IF </a:t>
-            </a:r>
-            <a:r>
-              <a:rPr lang="en-US" i="1" smtClean="0">
-                <a:latin typeface="Times New Roman" pitchFamily="18" charset="0"/>
-                <a:cs typeface="Times New Roman" pitchFamily="18" charset="0"/>
-              </a:rPr>
-              <a:t>success</a:t>
-            </a:r>
-            <a:r>
-              <a:rPr lang="en-US" smtClean="0">
-                <a:latin typeface="Times New Roman" pitchFamily="18" charset="0"/>
-                <a:cs typeface="Times New Roman" pitchFamily="18" charset="0"/>
-              </a:rPr>
-              <a:t> GOTO 2</a:t>
-            </a:r>
-          </a:p>
-          <a:p>
-            <a:pPr marL="3200400" lvl="6" indent="-514350">
-              <a:buNone/>
-            </a:pPr>
-            <a:r>
-              <a:rPr lang="en-US" smtClean="0">
-                <a:latin typeface="Times New Roman" pitchFamily="18" charset="0"/>
-                <a:cs typeface="Times New Roman" pitchFamily="18" charset="0"/>
-              </a:rPr>
-              <a:t>ELSE </a:t>
-            </a:r>
-            <a:r>
-              <a:rPr lang="en-US" i="1" smtClean="0">
-                <a:latin typeface="Times New Roman" pitchFamily="18" charset="0"/>
-                <a:cs typeface="Times New Roman" pitchFamily="18" charset="0"/>
-              </a:rPr>
-              <a:t>exit_failed</a:t>
-            </a:r>
-          </a:p>
-          <a:p>
-            <a:pPr marL="971550" lvl="1" indent="-514350">
-              <a:buFont typeface="+mj-lt"/>
-              <a:buAutoNum type="arabicPeriod"/>
-            </a:pPr>
-            <a:r>
-              <a:rPr lang="en-US" smtClean="0">
-                <a:latin typeface="Times New Roman" pitchFamily="18" charset="0"/>
-                <a:cs typeface="Times New Roman" pitchFamily="18" charset="0"/>
-              </a:rPr>
-              <a:t>Goal reached</a:t>
-            </a:r>
-          </a:p>
-          <a:p>
-            <a:pPr marL="1371600" lvl="2" indent="-514350">
-              <a:buFont typeface="Wingdings" pitchFamily="2" charset="2"/>
-              <a:buChar char="q"/>
-            </a:pPr>
-            <a:r>
-              <a:rPr lang="en-US" smtClean="0">
-                <a:latin typeface="Times New Roman" pitchFamily="18" charset="0"/>
-                <a:cs typeface="Times New Roman" pitchFamily="18" charset="0"/>
-              </a:rPr>
-              <a:t>IF goal is initial goal</a:t>
-            </a:r>
-          </a:p>
-          <a:p>
-            <a:pPr marL="2286000" lvl="4" indent="-514350">
-              <a:buNone/>
-            </a:pPr>
-            <a:r>
-              <a:rPr lang="en-US" i="1" smtClean="0">
-                <a:latin typeface="Times New Roman" pitchFamily="18" charset="0"/>
-                <a:cs typeface="Times New Roman" pitchFamily="18" charset="0"/>
-              </a:rPr>
-              <a:t>exit_success</a:t>
-            </a:r>
-          </a:p>
-          <a:p>
-            <a:pPr marL="1371600" lvl="2" indent="-514350">
-              <a:buFont typeface="Wingdings" pitchFamily="2" charset="2"/>
-              <a:buChar char="q"/>
-            </a:pPr>
-            <a:r>
-              <a:rPr lang="en-US" smtClean="0">
-                <a:latin typeface="Times New Roman" pitchFamily="18" charset="0"/>
-                <a:cs typeface="Times New Roman" pitchFamily="18" charset="0"/>
-              </a:rPr>
-              <a:t>ELSE</a:t>
-            </a:r>
-          </a:p>
-          <a:p>
-            <a:pPr marL="2286000" lvl="4" indent="-514350">
-              <a:buNone/>
-            </a:pPr>
-            <a:r>
-              <a:rPr lang="en-US" smtClean="0">
-                <a:latin typeface="Times New Roman" pitchFamily="18" charset="0"/>
-                <a:cs typeface="Times New Roman" pitchFamily="18" charset="0"/>
-              </a:rPr>
-              <a:t>Update </a:t>
-            </a:r>
-            <a:r>
-              <a:rPr lang="en-US" i="1" smtClean="0">
-                <a:latin typeface="Times New Roman" pitchFamily="18" charset="0"/>
-                <a:cs typeface="Times New Roman" pitchFamily="18" charset="0"/>
-              </a:rPr>
-              <a:t>list_proof</a:t>
-            </a:r>
-            <a:r>
-              <a:rPr lang="en-US" smtClean="0">
-                <a:latin typeface="Times New Roman" pitchFamily="18" charset="0"/>
-                <a:cs typeface="Times New Roman" pitchFamily="18" charset="0"/>
-              </a:rPr>
-              <a:t> and </a:t>
-            </a:r>
-            <a:r>
-              <a:rPr lang="en-US" i="1" smtClean="0">
-                <a:latin typeface="Times New Roman" pitchFamily="18" charset="0"/>
-                <a:cs typeface="Times New Roman" pitchFamily="18" charset="0"/>
-              </a:rPr>
-              <a:t>list_goal</a:t>
-            </a:r>
-          </a:p>
-          <a:p>
-            <a:pPr marL="2286000" lvl="4" indent="-514350">
-              <a:buNone/>
-            </a:pPr>
-            <a:r>
-              <a:rPr lang="en-US" smtClean="0">
-                <a:latin typeface="Times New Roman" pitchFamily="18" charset="0"/>
-                <a:cs typeface="Times New Roman" pitchFamily="18" charset="0"/>
-              </a:rPr>
-              <a:t>GOTO 2</a:t>
-            </a:r>
+            <a:endParaRPr lang="en-US" smtClean="0">
+              <a:latin typeface="Times New Roman" pitchFamily="18" charset="0"/>
+              <a:cs typeface="Times New Roman" pitchFamily="18" charset="0"/>
+            </a:endParaRPr>
           </a:p>
         </p:txBody>
       </p:sp>
@@ -21216,26 +20702,21 @@
             <p:ph type="title"/>
           </p:nvPr>
         </p:nvSpPr>
-        <p:spPr>
-          <a:xfrm>
-            <a:off x="457200" y="0"/>
-            <a:ext cx="8229600" cy="952500"/>
-          </a:xfrm>
-        </p:spPr>
+        <p:spPr/>
         <p:txBody>
-          <a:bodyPr/>
+          <a:bodyPr>
+            <a:normAutofit/>
+          </a:bodyPr>
           <a:lstStyle/>
           <a:p>
             <a:r>
               <a:rPr lang="en-US" smtClean="0">
                 <a:latin typeface="Times New Roman" pitchFamily="18" charset="0"/>
-                <a:cs typeface="Times New Roman" pitchFamily="18" charset="0"/>
-              </a:rPr>
-              <a:t>EXAMPLE</a:t>
+              </a:rPr>
+              <a:t>LỜI CẢM ƠN</a:t>
             </a:r>
             <a:endParaRPr lang="en-US">
               <a:latin typeface="Times New Roman" pitchFamily="18" charset="0"/>
-              <a:cs typeface="Times New Roman" pitchFamily="18" charset="0"/>
             </a:endParaRPr>
           </a:p>
         </p:txBody>
@@ -21252,20 +20733,40 @@
         </p:nvSpPr>
         <p:spPr>
           <a:xfrm>
-            <a:off x="457200" y="876300"/>
-            <a:ext cx="8229600" cy="4838700"/>
+            <a:off x="304800" y="1333500"/>
+            <a:ext cx="8382000" cy="3771636"/>
           </a:xfrm>
         </p:spPr>
         <p:txBody>
-          <a:bodyPr>
-            <a:normAutofit/>
-          </a:bodyPr>
+          <a:bodyPr/>
           <a:lstStyle/>
           <a:p>
-            <a:pPr>
-              <a:buNone/>
-            </a:pPr>
-            <a:endParaRPr lang="en-US" smtClean="0">
+            <a:r>
+              <a:rPr lang="en-US" smtClean="0">
+                <a:latin typeface="Times New Roman" pitchFamily="18" charset="0"/>
+                <a:cs typeface="Times New Roman" pitchFamily="18" charset="0"/>
+              </a:rPr>
+              <a:t>Xin cám ơn các thầy cô Khoa CNTT- Trường ĐHBK HCM.</a:t>
+            </a:r>
+          </a:p>
+          <a:p>
+            <a:r>
+              <a:rPr lang="en-US" smtClean="0">
+                <a:latin typeface="Times New Roman" pitchFamily="18" charset="0"/>
+                <a:cs typeface="Times New Roman" pitchFamily="18" charset="0"/>
+              </a:rPr>
+              <a:t>Chân thành cám ơn thầy Nguyễn Thanh Sơn đã tận tình hướng dẫn chúng em thực hiện đề tài.</a:t>
+            </a:r>
+          </a:p>
+          <a:p>
+            <a:r>
+              <a:rPr lang="en-US" smtClean="0">
+                <a:latin typeface="Times New Roman" pitchFamily="18" charset="0"/>
+                <a:cs typeface="Times New Roman" pitchFamily="18" charset="0"/>
+              </a:rPr>
+              <a:t>Cám ơn các bạn đã tham gia buổi bảo vệ đề tài hôm nay.</a:t>
+            </a:r>
+            <a:endParaRPr lang="en-US">
               <a:latin typeface="Times New Roman" pitchFamily="18" charset="0"/>
               <a:cs typeface="Times New Roman" pitchFamily="18" charset="0"/>
             </a:endParaRPr>
@@ -21321,14 +20822,16 @@
           </a:xfrm>
         </p:spPr>
         <p:txBody>
-          <a:bodyPr/>
+          <a:bodyPr>
+            <a:normAutofit/>
+          </a:bodyPr>
           <a:lstStyle/>
           <a:p>
             <a:r>
               <a:rPr lang="en-US" smtClean="0">
                 <a:latin typeface="Times New Roman" pitchFamily="18" charset="0"/>
               </a:rPr>
-              <a:t>DẪN NHẬP</a:t>
+              <a:t>DẪN NHẬP (2)</a:t>
             </a:r>
             <a:endParaRPr lang="en-US">
               <a:latin typeface="Times New Roman" pitchFamily="18" charset="0"/>
@@ -21346,171 +20849,39 @@
             <p:ph idx="1"/>
           </p:nvPr>
         </p:nvSpPr>
-        <p:spPr>
-          <a:xfrm>
-            <a:off x="457200" y="1333500"/>
-            <a:ext cx="8382000" cy="4038600"/>
-          </a:xfrm>
-        </p:spPr>
+        <p:spPr/>
         <p:txBody>
           <a:bodyPr>
-            <a:normAutofit fontScale="85000" lnSpcReduction="10000"/>
+            <a:normAutofit/>
           </a:bodyPr>
           <a:lstStyle/>
           <a:p>
-            <a:pPr>
-              <a:buFont typeface="Wingdings" pitchFamily="2" charset="2"/>
-              <a:buChar char="§"/>
-            </a:pPr>
             <a:r>
               <a:rPr lang="en-US" smtClean="0">
                 <a:latin typeface="Times New Roman" pitchFamily="18" charset="0"/>
                 <a:cs typeface="Times New Roman" pitchFamily="18" charset="0"/>
               </a:rPr>
-              <a:t>Bài toán thực tế: </a:t>
-            </a:r>
-          </a:p>
-          <a:p>
-            <a:pPr lvl="1">
-              <a:buFont typeface="Arial" pitchFamily="34" charset="0"/>
-              <a:buChar char="•"/>
-            </a:pPr>
-            <a:r>
-              <a:rPr lang="vi-VN" smtClean="0">
+              <a:t>Có 2 phương pháp chứng minh chính</a:t>
+            </a:r>
+          </a:p>
+          <a:p>
+            <a:pPr lvl="1"/>
+            <a:r>
+              <a:rPr lang="en-US" smtClean="0">
                 <a:latin typeface="Times New Roman" pitchFamily="18" charset="0"/>
                 <a:cs typeface="Times New Roman" pitchFamily="18" charset="0"/>
               </a:rPr>
-              <a:t>Trẻ con nói chuyện không biết lý luận.</a:t>
-            </a:r>
-          </a:p>
-          <a:p>
-            <a:pPr lvl="1">
-              <a:buFont typeface="Arial" pitchFamily="34" charset="0"/>
-              <a:buChar char="•"/>
-            </a:pPr>
-            <a:r>
-              <a:rPr lang="vi-VN" smtClean="0">
+              <a:t>Suy luận tự nhiên</a:t>
+            </a:r>
+          </a:p>
+          <a:p>
+            <a:pPr lvl="1"/>
+            <a:r>
+              <a:rPr lang="en-US" smtClean="0">
                 <a:latin typeface="Times New Roman" pitchFamily="18" charset="0"/>
                 <a:cs typeface="Times New Roman" pitchFamily="18" charset="0"/>
               </a:rPr>
-              <a:t>Không ai làm việc chăm chỉ lại bị chế nhạo.</a:t>
-            </a:r>
-          </a:p>
-          <a:p>
-            <a:pPr lvl="1">
-              <a:buFont typeface="Arial" pitchFamily="34" charset="0"/>
-              <a:buChar char="•"/>
-            </a:pPr>
-            <a:r>
-              <a:rPr lang="vi-VN" smtClean="0">
-                <a:latin typeface="Times New Roman" pitchFamily="18" charset="0"/>
-                <a:cs typeface="Times New Roman" pitchFamily="18" charset="0"/>
-              </a:rPr>
-              <a:t>Ai nói chuyện không biết lý luận thì bị chế nh</a:t>
-            </a:r>
-            <a:r>
-              <a:rPr lang="en-US" smtClean="0">
-                <a:latin typeface="Times New Roman" pitchFamily="18" charset="0"/>
-                <a:cs typeface="Times New Roman" pitchFamily="18" charset="0"/>
-              </a:rPr>
-              <a:t>ạo</a:t>
-            </a:r>
-            <a:endParaRPr lang="vi-VN" smtClean="0">
-              <a:latin typeface="Times New Roman" pitchFamily="18" charset="0"/>
-              <a:cs typeface="Times New Roman" pitchFamily="18" charset="0"/>
-            </a:endParaRPr>
-          </a:p>
-          <a:p>
-            <a:pPr lvl="1">
-              <a:buNone/>
-            </a:pPr>
-            <a:r>
-              <a:rPr lang="en-US" sz="3900" b="1" smtClean="0">
-                <a:latin typeface="Times New Roman" pitchFamily="18" charset="0"/>
-                <a:cs typeface="Times New Roman" pitchFamily="18" charset="0"/>
-              </a:rPr>
-              <a:t>→ </a:t>
-            </a:r>
-            <a:r>
-              <a:rPr lang="vi-VN" i="1" smtClean="0">
-                <a:latin typeface="Times New Roman" pitchFamily="18" charset="0"/>
-                <a:cs typeface="Times New Roman" pitchFamily="18" charset="0"/>
-              </a:rPr>
-              <a:t>Vì </a:t>
-            </a:r>
-            <a:r>
-              <a:rPr lang="vi-VN" i="1" smtClean="0">
-                <a:latin typeface="Times New Roman" pitchFamily="18" charset="0"/>
-                <a:cs typeface="Times New Roman" pitchFamily="18" charset="0"/>
-              </a:rPr>
-              <a:t>vậy trẻ con không thể làm việc chăm chỉ</a:t>
-            </a:r>
-            <a:r>
-              <a:rPr lang="en-US" i="1" smtClean="0">
-                <a:latin typeface="Times New Roman" pitchFamily="18" charset="0"/>
-                <a:cs typeface="Times New Roman" pitchFamily="18" charset="0"/>
-              </a:rPr>
-              <a:t> ?</a:t>
-            </a:r>
-          </a:p>
-          <a:p>
-            <a:pPr>
-              <a:buFont typeface="Wingdings" pitchFamily="2" charset="2"/>
-              <a:buChar char="§"/>
-            </a:pPr>
-            <a:r>
-              <a:rPr lang="en-US" smtClean="0">
-                <a:latin typeface="Times New Roman" pitchFamily="18" charset="0"/>
-                <a:cs typeface="Times New Roman" pitchFamily="18" charset="0"/>
-              </a:rPr>
-              <a:t>Để chứng minh ta phải vận dụng logic vị từ theo 3 </a:t>
-            </a:r>
-            <a:r>
-              <a:rPr lang="en-US" smtClean="0">
-                <a:latin typeface="Times New Roman" pitchFamily="18" charset="0"/>
-                <a:cs typeface="Times New Roman" pitchFamily="18" charset="0"/>
-              </a:rPr>
-              <a:t>bước</a:t>
-            </a:r>
-            <a:endParaRPr lang="en-US" smtClean="0">
-              <a:latin typeface="Times New Roman" pitchFamily="18" charset="0"/>
-              <a:cs typeface="Times New Roman" pitchFamily="18" charset="0"/>
-            </a:endParaRPr>
-          </a:p>
-          <a:p>
-            <a:pPr marL="971550" lvl="1" indent="-514350">
-              <a:buAutoNum type="arabicPeriod"/>
-            </a:pPr>
-            <a:r>
-              <a:rPr lang="en-US" smtClean="0">
-                <a:latin typeface="Times New Roman" pitchFamily="18" charset="0"/>
-                <a:cs typeface="Times New Roman" pitchFamily="18" charset="0"/>
-              </a:rPr>
-              <a:t>Chuyển bài toán thành logic vị từ</a:t>
-            </a:r>
-          </a:p>
-          <a:p>
-            <a:pPr marL="971550" lvl="1" indent="-514350">
-              <a:buAutoNum type="arabicPeriod"/>
-            </a:pPr>
-            <a:r>
-              <a:rPr lang="en-US" smtClean="0">
-                <a:latin typeface="Times New Roman" pitchFamily="18" charset="0"/>
-                <a:cs typeface="Times New Roman" pitchFamily="18" charset="0"/>
-              </a:rPr>
-              <a:t>Dùng các luật suy diễn để suy luận</a:t>
-            </a:r>
-          </a:p>
-          <a:p>
-            <a:pPr marL="971550" lvl="1" indent="-514350">
-              <a:buAutoNum type="arabicPeriod"/>
-            </a:pPr>
-            <a:r>
-              <a:rPr lang="en-US" smtClean="0">
-                <a:latin typeface="Times New Roman" pitchFamily="18" charset="0"/>
-                <a:cs typeface="Times New Roman" pitchFamily="18" charset="0"/>
-              </a:rPr>
-              <a:t>Chuyển các suy luận thành ngôn ngữ tự nhiên</a:t>
+              <a:t>Phân giải</a:t>
             </a:r>
             <a:endParaRPr lang="en-US">
               <a:latin typeface="Times New Roman" pitchFamily="18" charset="0"/>
@@ -21568,34 +20939,14 @@
           </a:xfrm>
         </p:spPr>
         <p:txBody>
-          <a:bodyPr>
-            <a:normAutofit/>
-          </a:bodyPr>
+          <a:bodyPr/>
           <a:lstStyle/>
           <a:p>
             <a:r>
               <a:rPr lang="en-US" smtClean="0">
                 <a:latin typeface="Times New Roman" pitchFamily="18" charset="0"/>
               </a:rPr>
-              <a:t>DẪN </a:t>
-            </a:r>
-            <a:r>
-              <a:rPr lang="en-US" smtClean="0">
-                <a:latin typeface="Times New Roman" pitchFamily="18" charset="0"/>
-              </a:rPr>
-              <a:t>NHẬP (</a:t>
-            </a:r>
-            <a:r>
-              <a:rPr lang="en-US" smtClean="0">
-                <a:latin typeface="Times New Roman" pitchFamily="18" charset="0"/>
-              </a:rPr>
-              <a:t>2</a:t>
-            </a:r>
-            <a:r>
-              <a:rPr lang="en-US" smtClean="0">
-                <a:latin typeface="Times New Roman" pitchFamily="18" charset="0"/>
-              </a:rPr>
-              <a:t>)</a:t>
+              <a:t>GIỚI THIỆU ĐỀ TÀI</a:t>
             </a:r>
             <a:endParaRPr lang="en-US">
               <a:latin typeface="Times New Roman" pitchFamily="18" charset="0"/>
@@ -21616,7 +20967,7 @@
         <p:spPr/>
         <p:txBody>
           <a:bodyPr>
-            <a:normAutofit/>
+            <a:normAutofit fontScale="92500" lnSpcReduction="10000"/>
           </a:bodyPr>
           <a:lstStyle/>
           <a:p>
@@ -21625,7 +20976,16 @@
                 <a:latin typeface="Times New Roman" pitchFamily="18" charset="0"/>
                 <a:cs typeface="Times New Roman" pitchFamily="18" charset="0"/>
               </a:rPr>
-              <a:t>Có 2 phương pháp chứng minh chính</a:t>
+              <a:t>Chứng minh tự động logic vị từ theo phương pháp suy luận tự nhiên</a:t>
+            </a:r>
+          </a:p>
+          <a:p>
+            <a:r>
+              <a:rPr lang="en-US" b="1" smtClean="0">
+                <a:latin typeface="Times New Roman" pitchFamily="18" charset="0"/>
+                <a:cs typeface="Times New Roman" pitchFamily="18" charset="0"/>
+              </a:rPr>
+              <a:t>Ưu điểm:</a:t>
             </a:r>
           </a:p>
           <a:p>
@@ -21635,7 +20995,7 @@
                 <a:latin typeface="Times New Roman" pitchFamily="18" charset="0"/>
                 <a:cs typeface="Times New Roman" pitchFamily="18" charset="0"/>
               </a:rPr>
-              <a:t>Suy luận tự nhiên</a:t>
+              <a:t>Gần gũi với người dùng</a:t>
             </a:r>
           </a:p>
           <a:p>
@@ -21645,7 +21005,36 @@
                 <a:latin typeface="Times New Roman" pitchFamily="18" charset="0"/>
                 <a:cs typeface="Times New Roman" pitchFamily="18" charset="0"/>
               </a:rPr>
-              <a:t>Phân giải</a:t>
+              <a:t>Dễ chuyển đổi thành ngôn ngữ tự nhiên</a:t>
+            </a:r>
+          </a:p>
+          <a:p>
+            <a:r>
+              <a:rPr lang="en-US" b="1" smtClean="0">
+                <a:latin typeface="Times New Roman" pitchFamily="18" charset="0"/>
+                <a:cs typeface="Times New Roman" pitchFamily="18" charset="0"/>
+              </a:rPr>
+              <a:t>Nhược điểm:</a:t>
+            </a:r>
+          </a:p>
+          <a:p>
+            <a:pPr lvl="1"/>
+            <a:r>
+              <a:rPr lang="en-US" smtClean="0">
+                <a:latin typeface="Times New Roman" pitchFamily="18" charset="0"/>
+                <a:cs typeface="Times New Roman" pitchFamily="18" charset="0"/>
+              </a:rPr>
+              <a:t>Không có giải thuật chính qui</a:t>
+            </a:r>
+          </a:p>
+          <a:p>
+            <a:pPr lvl="1"/>
+            <a:r>
+              <a:rPr lang="en-US" smtClean="0">
+                <a:latin typeface="Times New Roman" pitchFamily="18" charset="0"/>
+                <a:cs typeface="Times New Roman" pitchFamily="18" charset="0"/>
+              </a:rPr>
+              <a:t>Khó hiện thực </a:t>
             </a:r>
             <a:endParaRPr lang="en-US">
               <a:latin typeface="Times New Roman" pitchFamily="18" charset="0"/>
@@ -21670,165 +21059,6 @@
 </file>
 
 <file path=ppt/slides/slide5.xml><?xml version="1.0" encoding="utf-8"?>
-<p:sld xmlns:a="http://schemas.openxmlformats.org/drawingml/2006/main" xmlns:r="http://schemas.openxmlformats.org/officeDocument/2006/relationships" xmlns:p="http://schemas.openxmlformats.org/presentationml/2006/main">
-  <p:cSld>
-    <p:spTree>
-      <p:nvGrpSpPr>
-        <p:cNvPr id="1" name=""/>
-        <p:cNvGrpSpPr/>
-        <p:nvPr/>
-      </p:nvGrpSpPr>
-      <p:grpSpPr>
-        <a:xfrm>
-          <a:off x="0" y="0"/>
-          <a:ext cx="0" cy="0"/>
-          <a:chOff x="0" y="0"/>
-          <a:chExt cx="0" cy="0"/>
-        </a:xfrm>
-      </p:grpSpPr>
-      <p:sp>
-        <p:nvSpPr>
-          <p:cNvPr id="2" name="Title 1"/>
-          <p:cNvSpPr>
-            <a:spLocks noGrp="1"/>
-          </p:cNvSpPr>
-          <p:nvPr>
-            <p:ph type="title"/>
-          </p:nvPr>
-        </p:nvSpPr>
-        <p:spPr>
-          <a:xfrm>
-            <a:off x="762000" y="228865"/>
-            <a:ext cx="8229600" cy="952500"/>
-          </a:xfrm>
-        </p:spPr>
-        <p:txBody>
-          <a:bodyPr/>
-          <a:lstStyle/>
-          <a:p>
-            <a:r>
-              <a:rPr lang="en-US" smtClean="0">
-                <a:latin typeface="Times New Roman" pitchFamily="18" charset="0"/>
-              </a:rPr>
-              <a:t>GIỚI </a:t>
-            </a:r>
-            <a:r>
-              <a:rPr lang="en-US" smtClean="0">
-                <a:latin typeface="Times New Roman" pitchFamily="18" charset="0"/>
-              </a:rPr>
-              <a:t>THIỆU ĐỀ TÀI</a:t>
-            </a:r>
-            <a:endParaRPr lang="en-US">
-              <a:latin typeface="Times New Roman" pitchFamily="18" charset="0"/>
-            </a:endParaRPr>
-          </a:p>
-        </p:txBody>
-      </p:sp>
-      <p:sp>
-        <p:nvSpPr>
-          <p:cNvPr id="12" name="Content Placeholder 11"/>
-          <p:cNvSpPr>
-            <a:spLocks noGrp="1"/>
-          </p:cNvSpPr>
-          <p:nvPr>
-            <p:ph idx="1"/>
-          </p:nvPr>
-        </p:nvSpPr>
-        <p:spPr/>
-        <p:txBody>
-          <a:bodyPr>
-            <a:normAutofit fontScale="92500" lnSpcReduction="10000"/>
-          </a:bodyPr>
-          <a:lstStyle/>
-          <a:p>
-            <a:r>
-              <a:rPr lang="en-US" smtClean="0">
-                <a:latin typeface="Times New Roman" pitchFamily="18" charset="0"/>
-                <a:cs typeface="Times New Roman" pitchFamily="18" charset="0"/>
-              </a:rPr>
-              <a:t>Chứng minh tự động logic vị từ theo phương pháp suy luận tự nhiên</a:t>
-            </a:r>
-          </a:p>
-          <a:p>
-            <a:r>
-              <a:rPr lang="en-US" b="1" smtClean="0">
-                <a:latin typeface="Times New Roman" pitchFamily="18" charset="0"/>
-                <a:cs typeface="Times New Roman" pitchFamily="18" charset="0"/>
-              </a:rPr>
-              <a:t>Ưu điểm:</a:t>
-            </a:r>
-          </a:p>
-          <a:p>
-            <a:pPr lvl="1"/>
-            <a:r>
-              <a:rPr lang="en-US" smtClean="0">
-                <a:latin typeface="Times New Roman" pitchFamily="18" charset="0"/>
-                <a:cs typeface="Times New Roman" pitchFamily="18" charset="0"/>
-              </a:rPr>
-              <a:t>Gần gũi với người dùng</a:t>
-            </a:r>
-          </a:p>
-          <a:p>
-            <a:pPr lvl="1"/>
-            <a:r>
-              <a:rPr lang="en-US" smtClean="0">
-                <a:latin typeface="Times New Roman" pitchFamily="18" charset="0"/>
-                <a:cs typeface="Times New Roman" pitchFamily="18" charset="0"/>
-              </a:rPr>
-              <a:t>Dễ chuyển đổi thành ngôn ngữ tự nhiên</a:t>
-            </a:r>
-          </a:p>
-          <a:p>
-            <a:r>
-              <a:rPr lang="en-US" b="1" smtClean="0">
-                <a:latin typeface="Times New Roman" pitchFamily="18" charset="0"/>
-                <a:cs typeface="Times New Roman" pitchFamily="18" charset="0"/>
-              </a:rPr>
-              <a:t>Nhược điểm:</a:t>
-            </a:r>
-          </a:p>
-          <a:p>
-            <a:pPr lvl="1"/>
-            <a:r>
-              <a:rPr lang="en-US" smtClean="0">
-                <a:latin typeface="Times New Roman" pitchFamily="18" charset="0"/>
-                <a:cs typeface="Times New Roman" pitchFamily="18" charset="0"/>
-              </a:rPr>
-              <a:t>Không có giải thuật chính qui</a:t>
-            </a:r>
-          </a:p>
-          <a:p>
-            <a:pPr lvl="1"/>
-            <a:r>
-              <a:rPr lang="en-US" smtClean="0">
-                <a:latin typeface="Times New Roman" pitchFamily="18" charset="0"/>
-                <a:cs typeface="Times New Roman" pitchFamily="18" charset="0"/>
-              </a:rPr>
-              <a:t>Khó hiện thực </a:t>
-            </a:r>
-            <a:endParaRPr lang="en-US">
-              <a:latin typeface="Times New Roman" pitchFamily="18" charset="0"/>
-              <a:cs typeface="Times New Roman" pitchFamily="18" charset="0"/>
-            </a:endParaRPr>
-          </a:p>
-        </p:txBody>
-      </p:sp>
-    </p:spTree>
-  </p:cSld>
-  <p:clrMapOvr>
-    <a:masterClrMapping/>
-  </p:clrMapOvr>
-  <p:timing>
-    <p:tnLst>
-      <p:par>
-        <p:cTn id="1" dur="indefinite" restart="never" nodeType="tmRoot"/>
-      </p:par>
-    </p:tnLst>
-  </p:timing>
-</p:sld>
-</file>
-
-<file path=ppt/slides/slide6.xml><?xml version="1.0" encoding="utf-8"?>
 <p:sld xmlns:a="http://schemas.openxmlformats.org/drawingml/2006/main" xmlns:r="http://schemas.openxmlformats.org/officeDocument/2006/relationships" xmlns:p="http://schemas.openxmlformats.org/presentationml/2006/main">
   <p:cSld>
     <p:spTree>
@@ -22206,7 +21436,7 @@
 </p:sld>
 </file>
 
-<file path=ppt/slides/slide7.xml><?xml version="1.0" encoding="utf-8"?>
+<file path=ppt/slides/slide6.xml><?xml version="1.0" encoding="utf-8"?>
 <p:sld xmlns:a="http://schemas.openxmlformats.org/drawingml/2006/main" xmlns:r="http://schemas.openxmlformats.org/officeDocument/2006/relationships" xmlns:p="http://schemas.openxmlformats.org/presentationml/2006/main">
   <p:cSld>
     <p:spTree>
@@ -22592,6 +21822,179 @@
               <a:buChar char="o"/>
             </a:pPr>
             <a:endParaRPr lang="en-US"/>
+          </a:p>
+        </p:txBody>
+      </p:sp>
+    </p:spTree>
+  </p:cSld>
+  <p:clrMapOvr>
+    <a:masterClrMapping/>
+  </p:clrMapOvr>
+  <p:timing>
+    <p:tnLst>
+      <p:par>
+        <p:cTn id="1" dur="indefinite" restart="never" nodeType="tmRoot"/>
+      </p:par>
+    </p:tnLst>
+  </p:timing>
+</p:sld>
+</file>
+
+<file path=ppt/slides/slide7.xml><?xml version="1.0" encoding="utf-8"?>
+<p:sld xmlns:a="http://schemas.openxmlformats.org/drawingml/2006/main" xmlns:r="http://schemas.openxmlformats.org/officeDocument/2006/relationships" xmlns:p="http://schemas.openxmlformats.org/presentationml/2006/main">
+  <p:cSld>
+    <p:spTree>
+      <p:nvGrpSpPr>
+        <p:cNvPr id="1" name=""/>
+        <p:cNvGrpSpPr/>
+        <p:nvPr/>
+      </p:nvGrpSpPr>
+      <p:grpSpPr>
+        <a:xfrm>
+          <a:off x="0" y="0"/>
+          <a:ext cx="0" cy="0"/>
+          <a:chOff x="0" y="0"/>
+          <a:chExt cx="0" cy="0"/>
+        </a:xfrm>
+      </p:grpSpPr>
+      <p:sp>
+        <p:nvSpPr>
+          <p:cNvPr id="2" name="Title 1"/>
+          <p:cNvSpPr>
+            <a:spLocks noGrp="1"/>
+          </p:cNvSpPr>
+          <p:nvPr>
+            <p:ph type="title"/>
+          </p:nvPr>
+        </p:nvSpPr>
+        <p:spPr/>
+        <p:txBody>
+          <a:bodyPr/>
+          <a:lstStyle/>
+          <a:p>
+            <a:r>
+              <a:rPr lang="en-US" smtClean="0">
+                <a:latin typeface="Times New Roman" pitchFamily="18" charset="0"/>
+              </a:rPr>
+              <a:t>INPUT (2)</a:t>
+            </a:r>
+            <a:endParaRPr lang="en-US">
+              <a:latin typeface="Times New Roman" pitchFamily="18" charset="0"/>
+            </a:endParaRPr>
+          </a:p>
+        </p:txBody>
+      </p:sp>
+      <p:sp>
+        <p:nvSpPr>
+          <p:cNvPr id="15" name="Content Placeholder 14"/>
+          <p:cNvSpPr>
+            <a:spLocks noGrp="1"/>
+          </p:cNvSpPr>
+          <p:nvPr>
+            <p:ph idx="1"/>
+          </p:nvPr>
+        </p:nvSpPr>
+        <p:spPr>
+          <a:xfrm>
+            <a:off x="304800" y="952500"/>
+            <a:ext cx="8229600" cy="4572000"/>
+          </a:xfrm>
+        </p:spPr>
+        <p:txBody>
+          <a:bodyPr>
+            <a:normAutofit/>
+          </a:bodyPr>
+          <a:lstStyle/>
+          <a:p>
+            <a:pPr lvl="1">
+              <a:buFont typeface="Courier New" pitchFamily="49" charset="0"/>
+              <a:buChar char="o"/>
+            </a:pPr>
+            <a:endParaRPr lang="en-US" smtClean="0">
+              <a:latin typeface="Times New Roman" pitchFamily="18" charset="0"/>
+              <a:cs typeface="Times New Roman" pitchFamily="18" charset="0"/>
+            </a:endParaRPr>
+          </a:p>
+          <a:p>
+            <a:pPr lvl="1">
+              <a:buFont typeface="Courier New" pitchFamily="49" charset="0"/>
+              <a:buChar char="o"/>
+            </a:pPr>
+            <a:r>
+              <a:rPr lang="en-US" smtClean="0">
+                <a:latin typeface="Times New Roman" pitchFamily="18" charset="0"/>
+                <a:cs typeface="Times New Roman" pitchFamily="18" charset="0"/>
+              </a:rPr>
+              <a:t>Ví dụ</a:t>
+            </a:r>
+          </a:p>
+          <a:p>
+            <a:pPr lvl="2"/>
+            <a:r>
+              <a:rPr lang="pt-BR" smtClean="0">
+                <a:latin typeface="Times New Roman" pitchFamily="18" charset="0"/>
+                <a:cs typeface="Times New Roman" pitchFamily="18" charset="0"/>
+              </a:rPr>
+              <a:t>P,  Q, (P </a:t>
+            </a:r>
+            <a:r>
+              <a:rPr lang="en-US" smtClean="0">
+                <a:latin typeface="Tahoma" pitchFamily="34" charset="0"/>
+                <a:cs typeface="Tahoma" pitchFamily="34" charset="0"/>
+              </a:rPr>
+              <a:t>∧</a:t>
+            </a:r>
+            <a:r>
+              <a:rPr lang="pt-BR" smtClean="0">
+                <a:latin typeface="Times New Roman" pitchFamily="18" charset="0"/>
+                <a:cs typeface="Times New Roman" pitchFamily="18" charset="0"/>
+              </a:rPr>
+              <a:t> Q) -&gt; (R </a:t>
+            </a:r>
+            <a:r>
+              <a:rPr lang="en-US" smtClean="0">
+                <a:latin typeface="Tahoma" pitchFamily="34" charset="0"/>
+                <a:cs typeface="Tahoma" pitchFamily="34" charset="0"/>
+              </a:rPr>
+              <a:t>∧</a:t>
+            </a:r>
+            <a:r>
+              <a:rPr lang="pt-BR" smtClean="0">
+                <a:latin typeface="Times New Roman" pitchFamily="18" charset="0"/>
+                <a:cs typeface="Times New Roman" pitchFamily="18" charset="0"/>
+              </a:rPr>
+              <a:t> S)  |-  S</a:t>
+            </a:r>
+          </a:p>
+          <a:p>
+            <a:pPr lvl="2"/>
+            <a:r>
+              <a:rPr lang="en-US" smtClean="0">
+                <a:latin typeface="Times New Roman" pitchFamily="18" charset="0"/>
+                <a:cs typeface="Times New Roman" pitchFamily="18" charset="0"/>
+              </a:rPr>
+              <a:t>P(T) , all x  ( P(x) -&gt; Q(x) )  |- Q(T)</a:t>
+            </a:r>
+          </a:p>
+          <a:p>
+            <a:pPr lvl="2">
+              <a:buFont typeface="Courier New" pitchFamily="49" charset="0"/>
+              <a:buChar char="o"/>
+            </a:pPr>
+            <a:endParaRPr lang="pt-BR" smtClean="0">
+              <a:latin typeface="Times New Roman" pitchFamily="18" charset="0"/>
+              <a:cs typeface="Times New Roman" pitchFamily="18" charset="0"/>
+            </a:endParaRPr>
+          </a:p>
+          <a:p>
+            <a:pPr lvl="2">
+              <a:buFont typeface="Courier New" pitchFamily="49" charset="0"/>
+              <a:buChar char="o"/>
+            </a:pPr>
+            <a:endParaRPr lang="en-US">
+              <a:latin typeface="Times New Roman" pitchFamily="18" charset="0"/>
+              <a:cs typeface="Times New Roman" pitchFamily="18" charset="0"/>
+            </a:endParaRPr>
           </a:p>
         </p:txBody>
       </p:sp>
@@ -22646,298 +22049,6 @@
               <a:rPr lang="en-US" smtClean="0">
                 <a:latin typeface="Times New Roman" pitchFamily="18" charset="0"/>
               </a:rPr>
-              <a:t>INPUT (2)</a:t>
-            </a:r>
-            <a:endParaRPr lang="en-US">
-              <a:latin typeface="Times New Roman" pitchFamily="18" charset="0"/>
-            </a:endParaRPr>
-          </a:p>
-        </p:txBody>
-      </p:sp>
-      <p:sp>
-        <p:nvSpPr>
-          <p:cNvPr id="15" name="Content Placeholder 14"/>
-          <p:cNvSpPr>
-            <a:spLocks noGrp="1"/>
-          </p:cNvSpPr>
-          <p:nvPr>
-            <p:ph idx="1"/>
-          </p:nvPr>
-        </p:nvSpPr>
-        <p:spPr>
-          <a:xfrm>
-            <a:off x="304800" y="952500"/>
-            <a:ext cx="8229600" cy="4572000"/>
-          </a:xfrm>
-        </p:spPr>
-        <p:txBody>
-          <a:bodyPr>
-            <a:normAutofit/>
-          </a:bodyPr>
-          <a:lstStyle/>
-          <a:p>
-            <a:pPr lvl="1">
-              <a:buFont typeface="Courier New" pitchFamily="49" charset="0"/>
-              <a:buChar char="o"/>
-            </a:pPr>
-            <a:endParaRPr lang="en-US" smtClean="0">
-              <a:latin typeface="Times New Roman" pitchFamily="18" charset="0"/>
-              <a:cs typeface="Times New Roman" pitchFamily="18" charset="0"/>
-            </a:endParaRPr>
-          </a:p>
-          <a:p>
-            <a:pPr lvl="1">
-              <a:buFont typeface="Courier New" pitchFamily="49" charset="0"/>
-              <a:buChar char="o"/>
-            </a:pPr>
-            <a:r>
-              <a:rPr lang="en-US" smtClean="0">
-                <a:latin typeface="Times New Roman" pitchFamily="18" charset="0"/>
-                <a:cs typeface="Times New Roman" pitchFamily="18" charset="0"/>
-              </a:rPr>
-              <a:t>Ví dụ</a:t>
-            </a:r>
-          </a:p>
-          <a:p>
-            <a:pPr lvl="2"/>
-            <a:r>
-              <a:rPr lang="pt-BR" smtClean="0">
-                <a:latin typeface="Times New Roman" pitchFamily="18" charset="0"/>
-                <a:cs typeface="Times New Roman" pitchFamily="18" charset="0"/>
-              </a:rPr>
-              <a:t>P</a:t>
-            </a:r>
-            <a:r>
-              <a:rPr lang="pt-BR" smtClean="0">
-                <a:latin typeface="Times New Roman" pitchFamily="18" charset="0"/>
-                <a:cs typeface="Times New Roman" pitchFamily="18" charset="0"/>
-              </a:rPr>
-              <a:t>, </a:t>
-            </a:r>
-            <a:r>
-              <a:rPr lang="pt-BR" smtClean="0">
-                <a:latin typeface="Times New Roman" pitchFamily="18" charset="0"/>
-                <a:cs typeface="Times New Roman" pitchFamily="18" charset="0"/>
-              </a:rPr>
-              <a:t> Q</a:t>
-            </a:r>
-            <a:r>
-              <a:rPr lang="pt-BR" smtClean="0">
-                <a:latin typeface="Times New Roman" pitchFamily="18" charset="0"/>
-                <a:cs typeface="Times New Roman" pitchFamily="18" charset="0"/>
-              </a:rPr>
-              <a:t>, (</a:t>
-            </a:r>
-            <a:r>
-              <a:rPr lang="pt-BR" smtClean="0">
-                <a:latin typeface="Times New Roman" pitchFamily="18" charset="0"/>
-                <a:cs typeface="Times New Roman" pitchFamily="18" charset="0"/>
-              </a:rPr>
-              <a:t>P </a:t>
-            </a:r>
-            <a:r>
-              <a:rPr lang="en-US" smtClean="0">
-                <a:latin typeface="Tahoma" pitchFamily="34" charset="0"/>
-                <a:cs typeface="Tahoma" pitchFamily="34" charset="0"/>
-              </a:rPr>
-              <a:t>∧</a:t>
-            </a:r>
-            <a:r>
-              <a:rPr lang="pt-BR" smtClean="0">
-                <a:latin typeface="Times New Roman" pitchFamily="18" charset="0"/>
-                <a:cs typeface="Times New Roman" pitchFamily="18" charset="0"/>
-              </a:rPr>
-              <a:t> </a:t>
-            </a:r>
-            <a:r>
-              <a:rPr lang="pt-BR" smtClean="0">
-                <a:latin typeface="Times New Roman" pitchFamily="18" charset="0"/>
-                <a:cs typeface="Times New Roman" pitchFamily="18" charset="0"/>
-              </a:rPr>
-              <a:t>Q) -&gt; (</a:t>
-            </a:r>
-            <a:r>
-              <a:rPr lang="pt-BR" smtClean="0">
-                <a:latin typeface="Times New Roman" pitchFamily="18" charset="0"/>
-                <a:cs typeface="Times New Roman" pitchFamily="18" charset="0"/>
-              </a:rPr>
-              <a:t>R </a:t>
-            </a:r>
-            <a:r>
-              <a:rPr lang="en-US" smtClean="0">
-                <a:latin typeface="Tahoma" pitchFamily="34" charset="0"/>
-                <a:cs typeface="Tahoma" pitchFamily="34" charset="0"/>
-              </a:rPr>
-              <a:t>∧</a:t>
-            </a:r>
-            <a:r>
-              <a:rPr lang="pt-BR" smtClean="0">
-                <a:latin typeface="Times New Roman" pitchFamily="18" charset="0"/>
-                <a:cs typeface="Times New Roman" pitchFamily="18" charset="0"/>
-              </a:rPr>
-              <a:t> </a:t>
-            </a:r>
-            <a:r>
-              <a:rPr lang="pt-BR" smtClean="0">
-                <a:latin typeface="Times New Roman" pitchFamily="18" charset="0"/>
-                <a:cs typeface="Times New Roman" pitchFamily="18" charset="0"/>
-              </a:rPr>
-              <a:t>S</a:t>
-            </a:r>
-            <a:r>
-              <a:rPr lang="pt-BR" smtClean="0">
-                <a:latin typeface="Times New Roman" pitchFamily="18" charset="0"/>
-                <a:cs typeface="Times New Roman" pitchFamily="18" charset="0"/>
-              </a:rPr>
-              <a:t>)  |-  S</a:t>
-            </a:r>
-          </a:p>
-          <a:p>
-            <a:pPr lvl="2"/>
-            <a:r>
-              <a:rPr lang="en-US" smtClean="0">
-                <a:latin typeface="Times New Roman" pitchFamily="18" charset="0"/>
-                <a:cs typeface="Times New Roman" pitchFamily="18" charset="0"/>
-              </a:rPr>
-              <a:t>P(T) </a:t>
-            </a:r>
-            <a:r>
-              <a:rPr lang="en-US" smtClean="0">
-                <a:latin typeface="Times New Roman" pitchFamily="18" charset="0"/>
-                <a:cs typeface="Times New Roman" pitchFamily="18" charset="0"/>
-              </a:rPr>
-              <a:t>, </a:t>
-            </a:r>
-            <a:r>
-              <a:rPr lang="en-US" smtClean="0">
-                <a:latin typeface="Times New Roman" pitchFamily="18" charset="0"/>
-                <a:cs typeface="Times New Roman" pitchFamily="18" charset="0"/>
-              </a:rPr>
-              <a:t>all </a:t>
-            </a:r>
-            <a:r>
-              <a:rPr lang="en-US" smtClean="0">
-                <a:latin typeface="Times New Roman" pitchFamily="18" charset="0"/>
-                <a:cs typeface="Times New Roman" pitchFamily="18" charset="0"/>
-              </a:rPr>
-              <a:t>x  ( P(x</a:t>
-            </a:r>
-            <a:r>
-              <a:rPr lang="en-US" smtClean="0">
-                <a:latin typeface="Times New Roman" pitchFamily="18" charset="0"/>
-                <a:cs typeface="Times New Roman" pitchFamily="18" charset="0"/>
-              </a:rPr>
-              <a:t>) </a:t>
-            </a:r>
-            <a:r>
-              <a:rPr lang="en-US" smtClean="0">
-                <a:latin typeface="Times New Roman" pitchFamily="18" charset="0"/>
-                <a:cs typeface="Times New Roman" pitchFamily="18" charset="0"/>
-              </a:rPr>
-              <a:t>-&gt; </a:t>
-            </a:r>
-            <a:r>
-              <a:rPr lang="en-US" smtClean="0">
-                <a:latin typeface="Times New Roman" pitchFamily="18" charset="0"/>
-                <a:cs typeface="Times New Roman" pitchFamily="18" charset="0"/>
-              </a:rPr>
-              <a:t>Q(x) </a:t>
-            </a:r>
-            <a:r>
-              <a:rPr lang="en-US" smtClean="0">
-                <a:latin typeface="Times New Roman" pitchFamily="18" charset="0"/>
-                <a:cs typeface="Times New Roman" pitchFamily="18" charset="0"/>
-              </a:rPr>
-              <a:t>)  </a:t>
-            </a:r>
-            <a:r>
-              <a:rPr lang="en-US" smtClean="0">
-                <a:latin typeface="Times New Roman" pitchFamily="18" charset="0"/>
-                <a:cs typeface="Times New Roman" pitchFamily="18" charset="0"/>
-              </a:rPr>
-              <a:t>|- </a:t>
-            </a:r>
-            <a:r>
-              <a:rPr lang="en-US" smtClean="0">
-                <a:latin typeface="Times New Roman" pitchFamily="18" charset="0"/>
-                <a:cs typeface="Times New Roman" pitchFamily="18" charset="0"/>
-              </a:rPr>
-              <a:t>Q(T)</a:t>
-            </a:r>
-          </a:p>
-          <a:p>
-            <a:pPr lvl="2">
-              <a:buFont typeface="Courier New" pitchFamily="49" charset="0"/>
-              <a:buChar char="o"/>
-            </a:pPr>
-            <a:endParaRPr lang="pt-BR" smtClean="0">
-              <a:latin typeface="Times New Roman" pitchFamily="18" charset="0"/>
-              <a:cs typeface="Times New Roman" pitchFamily="18" charset="0"/>
-            </a:endParaRPr>
-          </a:p>
-          <a:p>
-            <a:pPr lvl="2">
-              <a:buFont typeface="Courier New" pitchFamily="49" charset="0"/>
-              <a:buChar char="o"/>
-            </a:pPr>
-            <a:endParaRPr lang="en-US">
-              <a:latin typeface="Times New Roman" pitchFamily="18" charset="0"/>
-              <a:cs typeface="Times New Roman" pitchFamily="18" charset="0"/>
-            </a:endParaRPr>
-          </a:p>
-        </p:txBody>
-      </p:sp>
-    </p:spTree>
-  </p:cSld>
-  <p:clrMapOvr>
-    <a:masterClrMapping/>
-  </p:clrMapOvr>
-  <p:timing>
-    <p:tnLst>
-      <p:par>
-        <p:cTn id="1" dur="indefinite" restart="never" nodeType="tmRoot"/>
-      </p:par>
-    </p:tnLst>
-  </p:timing>
-</p:sld>
-</file>
-
-<file path=ppt/slides/slide9.xml><?xml version="1.0" encoding="utf-8"?>
-<p:sld xmlns:a="http://schemas.openxmlformats.org/drawingml/2006/main" xmlns:r="http://schemas.openxmlformats.org/officeDocument/2006/relationships" xmlns:p="http://schemas.openxmlformats.org/presentationml/2006/main">
-  <p:cSld>
-    <p:spTree>
-      <p:nvGrpSpPr>
-        <p:cNvPr id="1" name=""/>
-        <p:cNvGrpSpPr/>
-        <p:nvPr/>
-      </p:nvGrpSpPr>
-      <p:grpSpPr>
-        <a:xfrm>
-          <a:off x="0" y="0"/>
-          <a:ext cx="0" cy="0"/>
-          <a:chOff x="0" y="0"/>
-          <a:chExt cx="0" cy="0"/>
-        </a:xfrm>
-      </p:grpSpPr>
-      <p:sp>
-        <p:nvSpPr>
-          <p:cNvPr id="2" name="Title 1"/>
-          <p:cNvSpPr>
-            <a:spLocks noGrp="1"/>
-          </p:cNvSpPr>
-          <p:nvPr>
-            <p:ph type="title"/>
-          </p:nvPr>
-        </p:nvSpPr>
-        <p:spPr/>
-        <p:txBody>
-          <a:bodyPr/>
-          <a:lstStyle/>
-          <a:p>
-            <a:r>
-              <a:rPr lang="en-US" smtClean="0">
-                <a:latin typeface="Times New Roman" pitchFamily="18" charset="0"/>
-              </a:rPr>
               <a:t>SCANNER &amp; PARSER</a:t>
             </a:r>
             <a:endParaRPr lang="en-US">
@@ -22977,19 +22088,8 @@
                 <a:latin typeface="Times New Roman" pitchFamily="18" charset="0"/>
                 <a:cs typeface="Times New Roman" pitchFamily="18" charset="0"/>
               </a:rPr>
-              <a:t>Sinh ra các Token từ </a:t>
-            </a:r>
-            <a:r>
-              <a:rPr lang="en-US" smtClean="0">
-                <a:latin typeface="Times New Roman" pitchFamily="18" charset="0"/>
-                <a:cs typeface="Times New Roman" pitchFamily="18" charset="0"/>
-              </a:rPr>
-              <a:t>Input</a:t>
-            </a:r>
-            <a:endParaRPr lang="en-US" smtClean="0">
-              <a:latin typeface="Times New Roman" pitchFamily="18" charset="0"/>
-              <a:cs typeface="Times New Roman" pitchFamily="18" charset="0"/>
-            </a:endParaRPr>
+              <a:t>Sinh ra các Token từ Input</a:t>
+            </a:r>
           </a:p>
           <a:p>
             <a:pPr lvl="1">
@@ -24189,6 +23289,231 @@
 </p:sld>
 </file>
 
+<file path=ppt/slides/slide9.xml><?xml version="1.0" encoding="utf-8"?>
+<p:sld xmlns:a="http://schemas.openxmlformats.org/drawingml/2006/main" xmlns:r="http://schemas.openxmlformats.org/officeDocument/2006/relationships" xmlns:p="http://schemas.openxmlformats.org/presentationml/2006/main">
+  <p:cSld>
+    <p:spTree>
+      <p:nvGrpSpPr>
+        <p:cNvPr id="1" name=""/>
+        <p:cNvGrpSpPr/>
+        <p:nvPr/>
+      </p:nvGrpSpPr>
+      <p:grpSpPr>
+        <a:xfrm>
+          <a:off x="0" y="0"/>
+          <a:ext cx="0" cy="0"/>
+          <a:chOff x="0" y="0"/>
+          <a:chExt cx="0" cy="0"/>
+        </a:xfrm>
+      </p:grpSpPr>
+      <p:sp>
+        <p:nvSpPr>
+          <p:cNvPr id="2" name="Title 1"/>
+          <p:cNvSpPr>
+            <a:spLocks noGrp="1"/>
+          </p:cNvSpPr>
+          <p:nvPr>
+            <p:ph type="title"/>
+          </p:nvPr>
+        </p:nvSpPr>
+        <p:spPr/>
+        <p:txBody>
+          <a:bodyPr/>
+          <a:lstStyle/>
+          <a:p>
+            <a:r>
+              <a:rPr lang="en-US" smtClean="0">
+                <a:latin typeface="Times New Roman" pitchFamily="18" charset="0"/>
+              </a:rPr>
+              <a:t>CONVERTER</a:t>
+            </a:r>
+            <a:endParaRPr lang="en-US">
+              <a:latin typeface="Times New Roman" pitchFamily="18" charset="0"/>
+            </a:endParaRPr>
+          </a:p>
+        </p:txBody>
+      </p:sp>
+      <p:sp>
+        <p:nvSpPr>
+          <p:cNvPr id="15" name="Content Placeholder 14"/>
+          <p:cNvSpPr>
+            <a:spLocks noGrp="1"/>
+          </p:cNvSpPr>
+          <p:nvPr>
+            <p:ph idx="1"/>
+          </p:nvPr>
+        </p:nvSpPr>
+        <p:spPr>
+          <a:xfrm>
+            <a:off x="457200" y="1333500"/>
+            <a:ext cx="8458200" cy="4114800"/>
+          </a:xfrm>
+        </p:spPr>
+        <p:txBody>
+          <a:bodyPr>
+            <a:normAutofit fontScale="92500" lnSpcReduction="10000"/>
+          </a:bodyPr>
+          <a:lstStyle/>
+          <a:p>
+            <a:r>
+              <a:rPr lang="en-US" smtClean="0">
+                <a:latin typeface="Times New Roman" pitchFamily="18" charset="0"/>
+                <a:cs typeface="Times New Roman" pitchFamily="18" charset="0"/>
+              </a:rPr>
+              <a:t>Chuyển các toán tử logic thành dạng hàm</a:t>
+            </a:r>
+          </a:p>
+          <a:p>
+            <a:pPr lvl="1">
+              <a:buFont typeface="Courier New" pitchFamily="49" charset="0"/>
+              <a:buChar char="o"/>
+            </a:pPr>
+            <a:r>
+              <a:rPr lang="en-US" smtClean="0">
+                <a:latin typeface="Times New Roman" pitchFamily="18" charset="0"/>
+                <a:cs typeface="Times New Roman" pitchFamily="18" charset="0"/>
+              </a:rPr>
+              <a:t>A ∨ B  	thành  		or(A,B)</a:t>
+            </a:r>
+          </a:p>
+          <a:p>
+            <a:pPr lvl="1">
+              <a:buFont typeface="Courier New" pitchFamily="49" charset="0"/>
+              <a:buChar char="o"/>
+            </a:pPr>
+            <a:r>
+              <a:rPr lang="en-US" smtClean="0">
+                <a:latin typeface="Times New Roman" pitchFamily="18" charset="0"/>
+                <a:cs typeface="Times New Roman" pitchFamily="18" charset="0"/>
+              </a:rPr>
+              <a:t>A ∧ B 	thành 		and(A,B)</a:t>
+            </a:r>
+          </a:p>
+          <a:p>
+            <a:pPr lvl="1">
+              <a:buFont typeface="Courier New" pitchFamily="49" charset="0"/>
+              <a:buChar char="o"/>
+            </a:pPr>
+            <a:r>
+              <a:rPr lang="en-US" smtClean="0">
+                <a:latin typeface="Times New Roman" pitchFamily="18" charset="0"/>
+                <a:cs typeface="Times New Roman" pitchFamily="18" charset="0"/>
+              </a:rPr>
+              <a:t>A→B 	thành 		map(A,B)</a:t>
+            </a:r>
+          </a:p>
+          <a:p>
+            <a:pPr lvl="1">
+              <a:buFont typeface="Courier New" pitchFamily="49" charset="0"/>
+              <a:buChar char="o"/>
+            </a:pPr>
+            <a:r>
+              <a:rPr lang="en-US" smtClean="0">
+                <a:latin typeface="Times New Roman" pitchFamily="18" charset="0"/>
+                <a:cs typeface="Times New Roman" pitchFamily="18" charset="0"/>
+              </a:rPr>
+              <a:t>¬ A	thành		not(A)</a:t>
+            </a:r>
+          </a:p>
+          <a:p>
+            <a:r>
+              <a:rPr lang="en-US" smtClean="0">
+                <a:latin typeface="Times New Roman" pitchFamily="18" charset="0"/>
+                <a:cs typeface="Times New Roman" pitchFamily="18" charset="0"/>
+              </a:rPr>
+              <a:t>Xem xét độ ưu tiên của các toán tử</a:t>
+            </a:r>
+          </a:p>
+          <a:p>
+            <a:pPr lvl="1">
+              <a:buFont typeface="Courier New" pitchFamily="49" charset="0"/>
+              <a:buChar char="o"/>
+            </a:pPr>
+            <a:r>
+              <a:rPr lang="en-US" smtClean="0">
+                <a:latin typeface="Times New Roman" pitchFamily="18" charset="0"/>
+                <a:cs typeface="Times New Roman" pitchFamily="18" charset="0"/>
+              </a:rPr>
+              <a:t>( ) ¬ ∧ ∨ </a:t>
+            </a:r>
+            <a:r>
+              <a:rPr lang="en-US" smtClean="0">
+                <a:latin typeface="Times New Roman" pitchFamily="18" charset="0"/>
+                <a:cs typeface="Times New Roman" pitchFamily="18" charset="0"/>
+                <a:sym typeface="Wingdings" pitchFamily="2" charset="2"/>
+              </a:rPr>
+              <a:t></a:t>
+            </a:r>
+            <a:endParaRPr lang="en-US" smtClean="0">
+              <a:latin typeface="Times New Roman" pitchFamily="18" charset="0"/>
+              <a:cs typeface="Times New Roman" pitchFamily="18" charset="0"/>
+            </a:endParaRPr>
+          </a:p>
+          <a:p>
+            <a:pPr lvl="1">
+              <a:buFont typeface="Courier New" pitchFamily="49" charset="0"/>
+              <a:buChar char="o"/>
+            </a:pPr>
+            <a:r>
+              <a:rPr lang="en-US" smtClean="0">
+                <a:latin typeface="Times New Roman" pitchFamily="18" charset="0"/>
+                <a:cs typeface="Times New Roman" pitchFamily="18" charset="0"/>
+              </a:rPr>
+              <a:t>A → ¬B ∧ (¬C ∨ D) thành 						map ( A, and( not(B), or( not(C),D)))</a:t>
+            </a:r>
+          </a:p>
+          <a:p>
+            <a:pPr lvl="1">
+              <a:buFont typeface="Courier New" pitchFamily="49" charset="0"/>
+              <a:buChar char="o"/>
+            </a:pPr>
+            <a:endParaRPr lang="en-US" smtClean="0"/>
+          </a:p>
+          <a:p>
+            <a:pPr lvl="1">
+              <a:buFont typeface="Courier New" pitchFamily="49" charset="0"/>
+              <a:buChar char="o"/>
+            </a:pPr>
+            <a:endParaRPr lang="en-US" smtClean="0"/>
+          </a:p>
+          <a:p>
+            <a:pPr lvl="1">
+              <a:buFont typeface="Courier New" pitchFamily="49" charset="0"/>
+              <a:buChar char="o"/>
+            </a:pPr>
+            <a:endParaRPr lang="en-US" smtClean="0"/>
+          </a:p>
+          <a:p>
+            <a:pPr lvl="1">
+              <a:buFont typeface="Courier New" pitchFamily="49" charset="0"/>
+              <a:buChar char="o"/>
+            </a:pPr>
+            <a:endParaRPr lang="en-US" smtClean="0"/>
+          </a:p>
+          <a:p>
+            <a:pPr lvl="1">
+              <a:buFont typeface="Courier New" pitchFamily="49" charset="0"/>
+              <a:buChar char="o"/>
+            </a:pPr>
+            <a:endParaRPr lang="en-US"/>
+          </a:p>
+        </p:txBody>
+      </p:sp>
+    </p:spTree>
+  </p:cSld>
+  <p:clrMapOvr>
+    <a:masterClrMapping/>
+  </p:clrMapOvr>
+  <p:timing>
+    <p:tnLst>
+      <p:par>
+        <p:cTn id="1" dur="indefinite" restart="never" nodeType="tmRoot"/>
+      </p:par>
+    </p:tnLst>
+  </p:timing>
+</p:sld>
+</file>
+
 <file path=ppt/theme/theme1.xml><?xml version="1.0" encoding="utf-8"?>
 <a:theme xmlns:a="http://schemas.openxmlformats.org/drawingml/2006/main" name="Office Theme">
   <a:themeElements>

--- a/trunk/Report/SUY LUẬN TỰ NHIÊN.pptx
+++ b/trunk/Report/SUY LUẬN TỰ NHIÊN.pptx
@@ -6,8 +6,8 @@
   </p:sldMasterIdLst>
   <p:sldIdLst>
     <p:sldId id="256" r:id="rId2"/>
-    <p:sldId id="294" r:id="rId3"/>
-    <p:sldId id="297" r:id="rId4"/>
+    <p:sldId id="308" r:id="rId3"/>
+    <p:sldId id="294" r:id="rId4"/>
     <p:sldId id="296" r:id="rId5"/>
     <p:sldId id="257" r:id="rId6"/>
     <p:sldId id="258" r:id="rId7"/>
@@ -133,6 +133,753 @@
 </file>
 
 <file path=ppt/diagrams/colors1.xml><?xml version="1.0" encoding="utf-8"?>
+<dgm:colorsDef xmlns:dgm="http://schemas.openxmlformats.org/drawingml/2006/diagram" xmlns:a="http://schemas.openxmlformats.org/drawingml/2006/main" uniqueId="urn:microsoft.com/office/officeart/2005/8/colors/accent1_2">
+  <dgm:title val=""/>
+  <dgm:desc val=""/>
+  <dgm:catLst>
+    <dgm:cat type="accent1" pri="11200"/>
+  </dgm:catLst>
+  <dgm:styleLbl name="node0">
+    <dgm:fillClrLst meth="repeat">
+      <a:schemeClr val="accent1"/>
+    </dgm:fillClrLst>
+    <dgm:linClrLst meth="repeat">
+      <a:schemeClr val="lt1"/>
+    </dgm:linClrLst>
+    <dgm:effectClrLst/>
+    <dgm:txLinClrLst/>
+    <dgm:txFillClrLst/>
+    <dgm:txEffectClrLst/>
+  </dgm:styleLbl>
+  <dgm:styleLbl name="alignNode1">
+    <dgm:fillClrLst meth="repeat">
+      <a:schemeClr val="accent1"/>
+    </dgm:fillClrLst>
+    <dgm:linClrLst meth="repeat">
+      <a:schemeClr val="accent1"/>
+    </dgm:linClrLst>
+    <dgm:effectClrLst/>
+    <dgm:txLinClrLst/>
+    <dgm:txFillClrLst/>
+    <dgm:txEffectClrLst/>
+  </dgm:styleLbl>
+  <dgm:styleLbl name="node1">
+    <dgm:fillClrLst meth="repeat">
+      <a:schemeClr val="accent1"/>
+    </dgm:fillClrLst>
+    <dgm:linClrLst meth="repeat">
+      <a:schemeClr val="lt1"/>
+    </dgm:linClrLst>
+    <dgm:effectClrLst/>
+    <dgm:txLinClrLst/>
+    <dgm:txFillClrLst/>
+    <dgm:txEffectClrLst/>
+  </dgm:styleLbl>
+  <dgm:styleLbl name="lnNode1">
+    <dgm:fillClrLst meth="repeat">
+      <a:schemeClr val="accent1"/>
+    </dgm:fillClrLst>
+    <dgm:linClrLst meth="repeat">
+      <a:schemeClr val="lt1"/>
+    </dgm:linClrLst>
+    <dgm:effectClrLst/>
+    <dgm:txLinClrLst/>
+    <dgm:txFillClrLst/>
+    <dgm:txEffectClrLst/>
+  </dgm:styleLbl>
+  <dgm:styleLbl name="vennNode1">
+    <dgm:fillClrLst meth="repeat">
+      <a:schemeClr val="accent1">
+        <a:alpha val="50000"/>
+      </a:schemeClr>
+    </dgm:fillClrLst>
+    <dgm:linClrLst meth="repeat">
+      <a:schemeClr val="lt1"/>
+    </dgm:linClrLst>
+    <dgm:effectClrLst/>
+    <dgm:txLinClrLst/>
+    <dgm:txFillClrLst/>
+    <dgm:txEffectClrLst/>
+  </dgm:styleLbl>
+  <dgm:styleLbl name="node2">
+    <dgm:fillClrLst meth="repeat">
+      <a:schemeClr val="accent1"/>
+    </dgm:fillClrLst>
+    <dgm:linClrLst meth="repeat">
+      <a:schemeClr val="lt1"/>
+    </dgm:linClrLst>
+    <dgm:effectClrLst/>
+    <dgm:txLinClrLst/>
+    <dgm:txFillClrLst/>
+    <dgm:txEffectClrLst/>
+  </dgm:styleLbl>
+  <dgm:styleLbl name="node3">
+    <dgm:fillClrLst meth="repeat">
+      <a:schemeClr val="accent1"/>
+    </dgm:fillClrLst>
+    <dgm:linClrLst meth="repeat">
+      <a:schemeClr val="lt1"/>
+    </dgm:linClrLst>
+    <dgm:effectClrLst/>
+    <dgm:txLinClrLst/>
+    <dgm:txFillClrLst/>
+    <dgm:txEffectClrLst/>
+  </dgm:styleLbl>
+  <dgm:styleLbl name="node4">
+    <dgm:fillClrLst meth="repeat">
+      <a:schemeClr val="accent1"/>
+    </dgm:fillClrLst>
+    <dgm:linClrLst meth="repeat">
+      <a:schemeClr val="lt1"/>
+    </dgm:linClrLst>
+    <dgm:effectClrLst/>
+    <dgm:txLinClrLst/>
+    <dgm:txFillClrLst/>
+    <dgm:txEffectClrLst/>
+  </dgm:styleLbl>
+  <dgm:styleLbl name="fgImgPlace1">
+    <dgm:fillClrLst meth="repeat">
+      <a:schemeClr val="accent1">
+        <a:tint val="50000"/>
+      </a:schemeClr>
+    </dgm:fillClrLst>
+    <dgm:linClrLst meth="repeat">
+      <a:schemeClr val="lt1"/>
+    </dgm:linClrLst>
+    <dgm:effectClrLst/>
+    <dgm:txLinClrLst/>
+    <dgm:txFillClrLst meth="repeat">
+      <a:schemeClr val="lt1"/>
+    </dgm:txFillClrLst>
+    <dgm:txEffectClrLst/>
+  </dgm:styleLbl>
+  <dgm:styleLbl name="alignImgPlace1">
+    <dgm:fillClrLst meth="repeat">
+      <a:schemeClr val="accent1">
+        <a:tint val="50000"/>
+      </a:schemeClr>
+    </dgm:fillClrLst>
+    <dgm:linClrLst meth="repeat">
+      <a:schemeClr val="lt1"/>
+    </dgm:linClrLst>
+    <dgm:effectClrLst/>
+    <dgm:txLinClrLst/>
+    <dgm:txFillClrLst meth="repeat">
+      <a:schemeClr val="lt1"/>
+    </dgm:txFillClrLst>
+    <dgm:txEffectClrLst/>
+  </dgm:styleLbl>
+  <dgm:styleLbl name="bgImgPlace1">
+    <dgm:fillClrLst meth="repeat">
+      <a:schemeClr val="accent1">
+        <a:tint val="50000"/>
+      </a:schemeClr>
+    </dgm:fillClrLst>
+    <dgm:linClrLst meth="repeat">
+      <a:schemeClr val="lt1"/>
+    </dgm:linClrLst>
+    <dgm:effectClrLst/>
+    <dgm:txLinClrLst/>
+    <dgm:txFillClrLst meth="repeat">
+      <a:schemeClr val="lt1"/>
+    </dgm:txFillClrLst>
+    <dgm:txEffectClrLst/>
+  </dgm:styleLbl>
+  <dgm:styleLbl name="sibTrans2D1">
+    <dgm:fillClrLst meth="repeat">
+      <a:schemeClr val="accent1">
+        <a:tint val="60000"/>
+      </a:schemeClr>
+    </dgm:fillClrLst>
+    <dgm:linClrLst meth="repeat">
+      <a:schemeClr val="accent1">
+        <a:tint val="60000"/>
+      </a:schemeClr>
+    </dgm:linClrLst>
+    <dgm:effectClrLst/>
+    <dgm:txLinClrLst/>
+    <dgm:txFillClrLst/>
+    <dgm:txEffectClrLst/>
+  </dgm:styleLbl>
+  <dgm:styleLbl name="fgSibTrans2D1">
+    <dgm:fillClrLst meth="repeat">
+      <a:schemeClr val="accent1">
+        <a:tint val="60000"/>
+      </a:schemeClr>
+    </dgm:fillClrLst>
+    <dgm:linClrLst meth="repeat">
+      <a:schemeClr val="accent1">
+        <a:tint val="60000"/>
+      </a:schemeClr>
+    </dgm:linClrLst>
+    <dgm:effectClrLst/>
+    <dgm:txLinClrLst/>
+    <dgm:txFillClrLst/>
+    <dgm:txEffectClrLst/>
+  </dgm:styleLbl>
+  <dgm:styleLbl name="bgSibTrans2D1">
+    <dgm:fillClrLst meth="repeat">
+      <a:schemeClr val="accent1">
+        <a:tint val="60000"/>
+      </a:schemeClr>
+    </dgm:fillClrLst>
+    <dgm:linClrLst meth="repeat">
+      <a:schemeClr val="accent1">
+        <a:tint val="60000"/>
+      </a:schemeClr>
+    </dgm:linClrLst>
+    <dgm:effectClrLst/>
+    <dgm:txLinClrLst/>
+    <dgm:txFillClrLst/>
+    <dgm:txEffectClrLst/>
+  </dgm:styleLbl>
+  <dgm:styleLbl name="sibTrans1D1">
+    <dgm:fillClrLst meth="repeat">
+      <a:schemeClr val="accent1"/>
+    </dgm:fillClrLst>
+    <dgm:linClrLst meth="repeat">
+      <a:schemeClr val="accent1"/>
+    </dgm:linClrLst>
+    <dgm:effectClrLst/>
+    <dgm:txLinClrLst/>
+    <dgm:txFillClrLst meth="repeat">
+      <a:schemeClr val="tx1"/>
+    </dgm:txFillClrLst>
+    <dgm:txEffectClrLst/>
+  </dgm:styleLbl>
+  <dgm:styleLbl name="callout">
+    <dgm:fillClrLst meth="repeat">
+      <a:schemeClr val="accent1"/>
+    </dgm:fillClrLst>
+    <dgm:linClrLst meth="repeat">
+      <a:schemeClr val="accent1">
+        <a:tint val="50000"/>
+      </a:schemeClr>
+    </dgm:linClrLst>
+    <dgm:effectClrLst/>
+    <dgm:txLinClrLst/>
+    <dgm:txFillClrLst meth="repeat">
+      <a:schemeClr val="tx1"/>
+    </dgm:txFillClrLst>
+    <dgm:txEffectClrLst/>
+  </dgm:styleLbl>
+  <dgm:styleLbl name="asst0">
+    <dgm:fillClrLst meth="repeat">
+      <a:schemeClr val="accent1"/>
+    </dgm:fillClrLst>
+    <dgm:linClrLst meth="repeat">
+      <a:schemeClr val="lt1"/>
+    </dgm:linClrLst>
+    <dgm:effectClrLst/>
+    <dgm:txLinClrLst/>
+    <dgm:txFillClrLst/>
+    <dgm:txEffectClrLst/>
+  </dgm:styleLbl>
+  <dgm:styleLbl name="asst1">
+    <dgm:fillClrLst meth="repeat">
+      <a:schemeClr val="accent1"/>
+    </dgm:fillClrLst>
+    <dgm:linClrLst meth="repeat">
+      <a:schemeClr val="lt1"/>
+    </dgm:linClrLst>
+    <dgm:effectClrLst/>
+    <dgm:txLinClrLst/>
+    <dgm:txFillClrLst/>
+    <dgm:txEffectClrLst/>
+  </dgm:styleLbl>
+  <dgm:styleLbl name="asst2">
+    <dgm:fillClrLst meth="repeat">
+      <a:schemeClr val="accent1"/>
+    </dgm:fillClrLst>
+    <dgm:linClrLst meth="repeat">
+      <a:schemeClr val="lt1"/>
+    </dgm:linClrLst>
+    <dgm:effectClrLst/>
+    <dgm:txLinClrLst/>
+    <dgm:txFillClrLst/>
+    <dgm:txEffectClrLst/>
+  </dgm:styleLbl>
+  <dgm:styleLbl name="asst3">
+    <dgm:fillClrLst meth="repeat">
+      <a:schemeClr val="accent1"/>
+    </dgm:fillClrLst>
+    <dgm:linClrLst meth="repeat">
+      <a:schemeClr val="lt1"/>
+    </dgm:linClrLst>
+    <dgm:effectClrLst/>
+    <dgm:txLinClrLst/>
+    <dgm:txFillClrLst/>
+    <dgm:txEffectClrLst/>
+  </dgm:styleLbl>
+  <dgm:styleLbl name="asst4">
+    <dgm:fillClrLst meth="repeat">
+      <a:schemeClr val="accent1"/>
+    </dgm:fillClrLst>
+    <dgm:linClrLst meth="repeat">
+      <a:schemeClr val="lt1"/>
+    </dgm:linClrLst>
+    <dgm:effectClrLst/>
+    <dgm:txLinClrLst/>
+    <dgm:txFillClrLst/>
+    <dgm:txEffectClrLst/>
+  </dgm:styleLbl>
+  <dgm:styleLbl name="parChTrans2D1">
+    <dgm:fillClrLst meth="repeat">
+      <a:schemeClr val="accent1">
+        <a:tint val="60000"/>
+      </a:schemeClr>
+    </dgm:fillClrLst>
+    <dgm:linClrLst meth="repeat">
+      <a:schemeClr val="accent1">
+        <a:tint val="60000"/>
+      </a:schemeClr>
+    </dgm:linClrLst>
+    <dgm:effectClrLst/>
+    <dgm:txLinClrLst/>
+    <dgm:txFillClrLst meth="repeat">
+      <a:schemeClr val="lt1"/>
+    </dgm:txFillClrLst>
+    <dgm:txEffectClrLst/>
+  </dgm:styleLbl>
+  <dgm:styleLbl name="parChTrans2D2">
+    <dgm:fillClrLst meth="repeat">
+      <a:schemeClr val="accent1"/>
+    </dgm:fillClrLst>
+    <dgm:linClrLst meth="repeat">
+      <a:schemeClr val="accent1"/>
+    </dgm:linClrLst>
+    <dgm:effectClrLst/>
+    <dgm:txLinClrLst/>
+    <dgm:txFillClrLst meth="repeat">
+      <a:schemeClr val="lt1"/>
+    </dgm:txFillClrLst>
+    <dgm:txEffectClrLst/>
+  </dgm:styleLbl>
+  <dgm:styleLbl name="parChTrans2D3">
+    <dgm:fillClrLst meth="repeat">
+      <a:schemeClr val="accent1"/>
+    </dgm:fillClrLst>
+    <dgm:linClrLst meth="repeat">
+      <a:schemeClr val="accent1"/>
+    </dgm:linClrLst>
+    <dgm:effectClrLst/>
+    <dgm:txLinClrLst/>
+    <dgm:txFillClrLst meth="repeat">
+      <a:schemeClr val="lt1"/>
+    </dgm:txFillClrLst>
+    <dgm:txEffectClrLst/>
+  </dgm:styleLbl>
+  <dgm:styleLbl name="parChTrans2D4">
+    <dgm:fillClrLst meth="repeat">
+      <a:schemeClr val="accent1"/>
+    </dgm:fillClrLst>
+    <dgm:linClrLst meth="repeat">
+      <a:schemeClr val="accent1"/>
+    </dgm:linClrLst>
+    <dgm:effectClrLst/>
+    <dgm:txLinClrLst/>
+    <dgm:txFillClrLst meth="repeat">
+      <a:schemeClr val="lt1"/>
+    </dgm:txFillClrLst>
+    <dgm:txEffectClrLst/>
+  </dgm:styleLbl>
+  <dgm:styleLbl name="parChTrans1D1">
+    <dgm:fillClrLst meth="repeat">
+      <a:schemeClr val="accent1"/>
+    </dgm:fillClrLst>
+    <dgm:linClrLst meth="repeat">
+      <a:schemeClr val="accent1">
+        <a:shade val="60000"/>
+      </a:schemeClr>
+    </dgm:linClrLst>
+    <dgm:effectClrLst/>
+    <dgm:txLinClrLst/>
+    <dgm:txFillClrLst meth="repeat">
+      <a:schemeClr val="tx1"/>
+    </dgm:txFillClrLst>
+    <dgm:txEffectClrLst/>
+  </dgm:styleLbl>
+  <dgm:styleLbl name="parChTrans1D2">
+    <dgm:fillClrLst meth="repeat">
+      <a:schemeClr val="accent1"/>
+    </dgm:fillClrLst>
+    <dgm:linClrLst meth="repeat">
+      <a:schemeClr val="accent1">
+        <a:shade val="60000"/>
+      </a:schemeClr>
+    </dgm:linClrLst>
+    <dgm:effectClrLst/>
+    <dgm:txLinClrLst/>
+    <dgm:txFillClrLst meth="repeat">
+      <a:schemeClr val="tx1"/>
+    </dgm:txFillClrLst>
+    <dgm:txEffectClrLst/>
+  </dgm:styleLbl>
+  <dgm:styleLbl name="parChTrans1D3">
+    <dgm:fillClrLst meth="repeat">
+      <a:schemeClr val="accent1"/>
+    </dgm:fillClrLst>
+    <dgm:linClrLst meth="repeat">
+      <a:schemeClr val="accent1">
+        <a:shade val="80000"/>
+      </a:schemeClr>
+    </dgm:linClrLst>
+    <dgm:effectClrLst/>
+    <dgm:txLinClrLst/>
+    <dgm:txFillClrLst meth="repeat">
+      <a:schemeClr val="tx1"/>
+    </dgm:txFillClrLst>
+    <dgm:txEffectClrLst/>
+  </dgm:styleLbl>
+  <dgm:styleLbl name="parChTrans1D4">
+    <dgm:fillClrLst meth="repeat">
+      <a:schemeClr val="accent1"/>
+    </dgm:fillClrLst>
+    <dgm:linClrLst meth="repeat">
+      <a:schemeClr val="accent1">
+        <a:shade val="80000"/>
+      </a:schemeClr>
+    </dgm:linClrLst>
+    <dgm:effectClrLst/>
+    <dgm:txLinClrLst/>
+    <dgm:txFillClrLst meth="repeat">
+      <a:schemeClr val="tx1"/>
+    </dgm:txFillClrLst>
+    <dgm:txEffectClrLst/>
+  </dgm:styleLbl>
+  <dgm:styleLbl name="fgAcc1">
+    <dgm:fillClrLst meth="repeat">
+      <a:schemeClr val="lt1">
+        <a:alpha val="90000"/>
+      </a:schemeClr>
+    </dgm:fillClrLst>
+    <dgm:linClrLst meth="repeat">
+      <a:schemeClr val="accent1"/>
+    </dgm:linClrLst>
+    <dgm:effectClrLst/>
+    <dgm:txLinClrLst/>
+    <dgm:txFillClrLst meth="repeat">
+      <a:schemeClr val="dk1"/>
+    </dgm:txFillClrLst>
+    <dgm:txEffectClrLst/>
+  </dgm:styleLbl>
+  <dgm:styleLbl name="conFgAcc1">
+    <dgm:fillClrLst meth="repeat">
+      <a:schemeClr val="lt1">
+        <a:alpha val="90000"/>
+      </a:schemeClr>
+    </dgm:fillClrLst>
+    <dgm:linClrLst meth="repeat">
+      <a:schemeClr val="accent1"/>
+    </dgm:linClrLst>
+    <dgm:effectClrLst/>
+    <dgm:txLinClrLst/>
+    <dgm:txFillClrLst meth="repeat">
+      <a:schemeClr val="dk1"/>
+    </dgm:txFillClrLst>
+    <dgm:txEffectClrLst/>
+  </dgm:styleLbl>
+  <dgm:styleLbl name="alignAcc1">
+    <dgm:fillClrLst meth="repeat">
+      <a:schemeClr val="lt1">
+        <a:alpha val="90000"/>
+      </a:schemeClr>
+    </dgm:fillClrLst>
+    <dgm:linClrLst meth="repeat">
+      <a:schemeClr val="accent1"/>
+    </dgm:linClrLst>
+    <dgm:effectClrLst/>
+    <dgm:txLinClrLst/>
+    <dgm:txFillClrLst meth="repeat">
+      <a:schemeClr val="dk1"/>
+    </dgm:txFillClrLst>
+    <dgm:txEffectClrLst/>
+  </dgm:styleLbl>
+  <dgm:styleLbl name="trAlignAcc1">
+    <dgm:fillClrLst meth="repeat">
+      <a:schemeClr val="lt1">
+        <a:alpha val="40000"/>
+      </a:schemeClr>
+    </dgm:fillClrLst>
+    <dgm:linClrLst meth="repeat">
+      <a:schemeClr val="accent1"/>
+    </dgm:linClrLst>
+    <dgm:effectClrLst/>
+    <dgm:txLinClrLst/>
+    <dgm:txFillClrLst meth="repeat">
+      <a:schemeClr val="dk1"/>
+    </dgm:txFillClrLst>
+    <dgm:txEffectClrLst/>
+  </dgm:styleLbl>
+  <dgm:styleLbl name="bgAcc1">
+    <dgm:fillClrLst meth="repeat">
+      <a:schemeClr val="lt1">
+        <a:alpha val="90000"/>
+      </a:schemeClr>
+    </dgm:fillClrLst>
+    <dgm:linClrLst meth="repeat">
+      <a:schemeClr val="accent1"/>
+    </dgm:linClrLst>
+    <dgm:effectClrLst/>
+    <dgm:txLinClrLst/>
+    <dgm:txFillClrLst meth="repeat">
+      <a:schemeClr val="dk1"/>
+    </dgm:txFillClrLst>
+    <dgm:txEffectClrLst/>
+  </dgm:styleLbl>
+  <dgm:styleLbl name="solidFgAcc1">
+    <dgm:fillClrLst meth="repeat">
+      <a:schemeClr val="lt1"/>
+    </dgm:fillClrLst>
+    <dgm:linClrLst meth="repeat">
+      <a:schemeClr val="accent1"/>
+    </dgm:linClrLst>
+    <dgm:effectClrLst/>
+    <dgm:txLinClrLst/>
+    <dgm:txFillClrLst meth="repeat">
+      <a:schemeClr val="dk1"/>
+    </dgm:txFillClrLst>
+    <dgm:txEffectClrLst/>
+  </dgm:styleLbl>
+  <dgm:styleLbl name="solidAlignAcc1">
+    <dgm:fillClrLst meth="repeat">
+      <a:schemeClr val="lt1"/>
+    </dgm:fillClrLst>
+    <dgm:linClrLst meth="repeat">
+      <a:schemeClr val="accent1"/>
+    </dgm:linClrLst>
+    <dgm:effectClrLst/>
+    <dgm:txLinClrLst/>
+    <dgm:txFillClrLst meth="repeat">
+      <a:schemeClr val="dk1"/>
+    </dgm:txFillClrLst>
+    <dgm:txEffectClrLst/>
+  </dgm:styleLbl>
+  <dgm:styleLbl name="solidBgAcc1">
+    <dgm:fillClrLst meth="repeat">
+      <a:schemeClr val="lt1"/>
+    </dgm:fillClrLst>
+    <dgm:linClrLst meth="repeat">
+      <a:schemeClr val="accent1"/>
+    </dgm:linClrLst>
+    <dgm:effectClrLst/>
+    <dgm:txLinClrLst/>
+    <dgm:txFillClrLst meth="repeat">
+      <a:schemeClr val="dk1"/>
+    </dgm:txFillClrLst>
+    <dgm:txEffectClrLst/>
+  </dgm:styleLbl>
+  <dgm:styleLbl name="fgAccFollowNode1">
+    <dgm:fillClrLst meth="repeat">
+      <a:schemeClr val="accent1">
+        <a:alpha val="90000"/>
+        <a:tint val="40000"/>
+      </a:schemeClr>
+    </dgm:fillClrLst>
+    <dgm:linClrLst meth="repeat">
+      <a:schemeClr val="accent1">
+        <a:alpha val="90000"/>
+        <a:tint val="40000"/>
+      </a:schemeClr>
+    </dgm:linClrLst>
+    <dgm:effectClrLst/>
+    <dgm:txLinClrLst/>
+    <dgm:txFillClrLst meth="repeat">
+      <a:schemeClr val="dk1"/>
+    </dgm:txFillClrLst>
+    <dgm:txEffectClrLst/>
+  </dgm:styleLbl>
+  <dgm:styleLbl name="alignAccFollowNode1">
+    <dgm:fillClrLst meth="repeat">
+      <a:schemeClr val="accent1">
+        <a:alpha val="90000"/>
+        <a:tint val="40000"/>
+      </a:schemeClr>
+    </dgm:fillClrLst>
+    <dgm:linClrLst meth="repeat">
+      <a:schemeClr val="accent1">
+        <a:alpha val="90000"/>
+        <a:tint val="40000"/>
+      </a:schemeClr>
+    </dgm:linClrLst>
+    <dgm:effectClrLst/>
+    <dgm:txLinClrLst/>
+    <dgm:txFillClrLst meth="repeat">
+      <a:schemeClr val="dk1"/>
+    </dgm:txFillClrLst>
+    <dgm:txEffectClrLst/>
+  </dgm:styleLbl>
+  <dgm:styleLbl name="bgAccFollowNode1">
+    <dgm:fillClrLst meth="repeat">
+      <a:schemeClr val="accent1">
+        <a:alpha val="90000"/>
+        <a:tint val="40000"/>
+      </a:schemeClr>
+    </dgm:fillClrLst>
+    <dgm:linClrLst meth="repeat">
+      <a:schemeClr val="accent1">
+        <a:alpha val="90000"/>
+        <a:tint val="40000"/>
+      </a:schemeClr>
+    </dgm:linClrLst>
+    <dgm:effectClrLst/>
+    <dgm:txLinClrLst/>
+    <dgm:txFillClrLst meth="repeat">
+      <a:schemeClr val="dk1"/>
+    </dgm:txFillClrLst>
+    <dgm:txEffectClrLst/>
+  </dgm:styleLbl>
+  <dgm:styleLbl name="fgAcc0">
+    <dgm:fillClrLst meth="repeat">
+      <a:schemeClr val="lt1">
+        <a:alpha val="90000"/>
+      </a:schemeClr>
+    </dgm:fillClrLst>
+    <dgm:linClrLst meth="repeat">
+      <a:schemeClr val="accent1"/>
+    </dgm:linClrLst>
+    <dgm:effectClrLst/>
+    <dgm:txLinClrLst/>
+    <dgm:txFillClrLst meth="repeat">
+      <a:schemeClr val="dk1"/>
+    </dgm:txFillClrLst>
+    <dgm:txEffectClrLst/>
+  </dgm:styleLbl>
+  <dgm:styleLbl name="fgAcc2">
+    <dgm:fillClrLst meth="repeat">
+      <a:schemeClr val="lt1">
+        <a:alpha val="90000"/>
+      </a:schemeClr>
+    </dgm:fillClrLst>
+    <dgm:linClrLst meth="repeat">
+      <a:schemeClr val="accent1"/>
+    </dgm:linClrLst>
+    <dgm:effectClrLst/>
+    <dgm:txLinClrLst/>
+    <dgm:txFillClrLst meth="repeat">
+      <a:schemeClr val="dk1"/>
+    </dgm:txFillClrLst>
+    <dgm:txEffectClrLst/>
+  </dgm:styleLbl>
+  <dgm:styleLbl name="fgAcc3">
+    <dgm:fillClrLst meth="repeat">
+      <a:schemeClr val="lt1">
+        <a:alpha val="90000"/>
+      </a:schemeClr>
+    </dgm:fillClrLst>
+    <dgm:linClrLst meth="repeat">
+      <a:schemeClr val="accent1"/>
+    </dgm:linClrLst>
+    <dgm:effectClrLst/>
+    <dgm:txLinClrLst/>
+    <dgm:txFillClrLst meth="repeat">
+      <a:schemeClr val="dk1"/>
+    </dgm:txFillClrLst>
+    <dgm:txEffectClrLst/>
+  </dgm:styleLbl>
+  <dgm:styleLbl name="fgAcc4">
+    <dgm:fillClrLst meth="repeat">
+      <a:schemeClr val="lt1">
+        <a:alpha val="90000"/>
+      </a:schemeClr>
+    </dgm:fillClrLst>
+    <dgm:linClrLst meth="repeat">
+      <a:schemeClr val="accent1"/>
+    </dgm:linClrLst>
+    <dgm:effectClrLst/>
+    <dgm:txLinClrLst/>
+    <dgm:txFillClrLst meth="repeat">
+      <a:schemeClr val="dk1"/>
+    </dgm:txFillClrLst>
+    <dgm:txEffectClrLst/>
+  </dgm:styleLbl>
+  <dgm:styleLbl name="bgShp">
+    <dgm:fillClrLst meth="repeat">
+      <a:schemeClr val="accent1">
+        <a:tint val="40000"/>
+      </a:schemeClr>
+    </dgm:fillClrLst>
+    <dgm:linClrLst meth="repeat">
+      <a:schemeClr val="accent1"/>
+    </dgm:linClrLst>
+    <dgm:effectClrLst/>
+    <dgm:txLinClrLst/>
+    <dgm:txFillClrLst meth="repeat">
+      <a:schemeClr val="dk1"/>
+    </dgm:txFillClrLst>
+    <dgm:txEffectClrLst/>
+  </dgm:styleLbl>
+  <dgm:styleLbl name="dkBgShp">
+    <dgm:fillClrLst meth="repeat">
+      <a:schemeClr val="accent1">
+        <a:shade val="80000"/>
+      </a:schemeClr>
+    </dgm:fillClrLst>
+    <dgm:linClrLst meth="repeat">
+      <a:schemeClr val="accent1"/>
+    </dgm:linClrLst>
+    <dgm:effectClrLst/>
+    <dgm:txLinClrLst/>
+    <dgm:txFillClrLst meth="repeat">
+      <a:schemeClr val="lt1"/>
+    </dgm:txFillClrLst>
+    <dgm:txEffectClrLst/>
+  </dgm:styleLbl>
+  <dgm:styleLbl name="trBgShp">
+    <dgm:fillClrLst meth="repeat">
+      <a:schemeClr val="accent1">
+        <a:tint val="50000"/>
+        <a:alpha val="40000"/>
+      </a:schemeClr>
+    </dgm:fillClrLst>
+    <dgm:linClrLst meth="repeat">
+      <a:schemeClr val="accent1"/>
+    </dgm:linClrLst>
+    <dgm:effectClrLst/>
+    <dgm:txLinClrLst/>
+    <dgm:txFillClrLst meth="repeat">
+      <a:schemeClr val="lt1"/>
+    </dgm:txFillClrLst>
+    <dgm:txEffectClrLst/>
+  </dgm:styleLbl>
+  <dgm:styleLbl name="fgShp">
+    <dgm:fillClrLst meth="repeat">
+      <a:schemeClr val="accent1">
+        <a:tint val="60000"/>
+      </a:schemeClr>
+    </dgm:fillClrLst>
+    <dgm:linClrLst meth="repeat">
+      <a:schemeClr val="lt1"/>
+    </dgm:linClrLst>
+    <dgm:effectClrLst/>
+    <dgm:txLinClrLst/>
+    <dgm:txFillClrLst meth="repeat">
+      <a:schemeClr val="dk1"/>
+    </dgm:txFillClrLst>
+    <dgm:txEffectClrLst/>
+  </dgm:styleLbl>
+  <dgm:styleLbl name="revTx">
+    <dgm:fillClrLst meth="repeat">
+      <a:schemeClr val="lt1">
+        <a:alpha val="0"/>
+      </a:schemeClr>
+    </dgm:fillClrLst>
+    <dgm:linClrLst meth="repeat">
+      <a:schemeClr val="dk1">
+        <a:alpha val="0"/>
+      </a:schemeClr>
+    </dgm:linClrLst>
+    <dgm:effectClrLst/>
+    <dgm:txLinClrLst/>
+    <dgm:txFillClrLst meth="repeat">
+      <a:schemeClr val="tx1"/>
+    </dgm:txFillClrLst>
+    <dgm:txEffectClrLst/>
+  </dgm:styleLbl>
+</dgm:colorsDef>
+</file>
+
+<file path=ppt/diagrams/colors2.xml><?xml version="1.0" encoding="utf-8"?>
 <dgm:colorsDef xmlns:dgm="http://schemas.openxmlformats.org/drawingml/2006/diagram" xmlns:a="http://schemas.openxmlformats.org/drawingml/2006/main" uniqueId="urn:microsoft.com/office/officeart/2005/8/colors/colorful1">
   <dgm:title val=""/>
   <dgm:desc val=""/>
@@ -1051,7 +1798,7 @@
 </dgm:colorsDef>
 </file>
 
-<file path=ppt/diagrams/colors2.xml><?xml version="1.0" encoding="utf-8"?>
+<file path=ppt/diagrams/colors3.xml><?xml version="1.0" encoding="utf-8"?>
 <dgm:colorsDef xmlns:dgm="http://schemas.openxmlformats.org/drawingml/2006/diagram" xmlns:a="http://schemas.openxmlformats.org/drawingml/2006/main" uniqueId="urn:microsoft.com/office/officeart/2005/8/colors/colorful2">
   <dgm:title val=""/>
   <dgm:desc val=""/>
@@ -1833,7 +2580,7 @@
 </dgm:colorsDef>
 </file>
 
-<file path=ppt/diagrams/colors3.xml><?xml version="1.0" encoding="utf-8"?>
+<file path=ppt/diagrams/colors4.xml><?xml version="1.0" encoding="utf-8"?>
 <dgm:colorsDef xmlns:dgm="http://schemas.openxmlformats.org/drawingml/2006/diagram" xmlns:a="http://schemas.openxmlformats.org/drawingml/2006/main" uniqueId="urn:microsoft.com/office/officeart/2005/8/colors/colorful1">
   <dgm:title val=""/>
   <dgm:desc val=""/>
@@ -2753,6 +3500,582 @@
 </file>
 
 <file path=ppt/diagrams/data1.xml><?xml version="1.0" encoding="utf-8"?>
+<dgm:dataModel xmlns:dgm="http://schemas.openxmlformats.org/drawingml/2006/diagram" xmlns:a="http://schemas.openxmlformats.org/drawingml/2006/main">
+  <dgm:ptLst>
+    <dgm:pt modelId="{C46E3B23-37F5-4E40-B62D-B22E3BE8C6B4}" type="doc">
+      <dgm:prSet loTypeId="urn:microsoft.com/office/officeart/2005/8/layout/process4" loCatId="process" qsTypeId="urn:microsoft.com/office/officeart/2005/8/quickstyle/simple1" qsCatId="simple" csTypeId="urn:microsoft.com/office/officeart/2005/8/colors/accent1_2" csCatId="accent1" phldr="1"/>
+      <dgm:spPr/>
+      <dgm:t>
+        <a:bodyPr/>
+        <a:lstStyle/>
+        <a:p>
+          <a:endParaRPr lang="en-US"/>
+        </a:p>
+      </dgm:t>
+    </dgm:pt>
+    <dgm:pt modelId="{5CDDF1C4-9AFB-4042-963D-1291AE1430C5}">
+      <dgm:prSet phldrT="[Text]" phldr="1"/>
+      <dgm:spPr/>
+      <dgm:t>
+        <a:bodyPr/>
+        <a:lstStyle/>
+        <a:p>
+          <a:endParaRPr lang="en-US">
+            <a:latin typeface="Times New Roman" pitchFamily="18" charset="0"/>
+            <a:cs typeface="Times New Roman" pitchFamily="18" charset="0"/>
+          </a:endParaRPr>
+        </a:p>
+      </dgm:t>
+    </dgm:pt>
+    <dgm:pt modelId="{939D595A-EBDF-42EB-A5B6-408068E1D931}" type="parTrans" cxnId="{97BA8856-2B8C-422D-AF16-C14C11B82367}">
+      <dgm:prSet/>
+      <dgm:spPr/>
+      <dgm:t>
+        <a:bodyPr/>
+        <a:lstStyle/>
+        <a:p>
+          <a:endParaRPr lang="en-US"/>
+        </a:p>
+      </dgm:t>
+    </dgm:pt>
+    <dgm:pt modelId="{2A937C2D-0EF6-4EC5-A6C7-174F53E14B88}" type="sibTrans" cxnId="{97BA8856-2B8C-422D-AF16-C14C11B82367}">
+      <dgm:prSet/>
+      <dgm:spPr/>
+      <dgm:t>
+        <a:bodyPr/>
+        <a:lstStyle/>
+        <a:p>
+          <a:endParaRPr lang="en-US"/>
+        </a:p>
+      </dgm:t>
+    </dgm:pt>
+    <dgm:pt modelId="{AEFA19DB-315B-4810-8A4B-6B0A54ED6E60}">
+      <dgm:prSet phldrT="[Text]"/>
+      <dgm:spPr/>
+      <dgm:t>
+        <a:bodyPr/>
+        <a:lstStyle/>
+        <a:p>
+          <a:r>
+            <a:rPr lang="en-US" smtClean="0">
+              <a:latin typeface="Times New Roman" pitchFamily="18" charset="0"/>
+              <a:cs typeface="Times New Roman" pitchFamily="18" charset="0"/>
+            </a:rPr>
+            <a:t>Bài toán thực tế</a:t>
+          </a:r>
+          <a:endParaRPr lang="en-US">
+            <a:latin typeface="Times New Roman" pitchFamily="18" charset="0"/>
+            <a:cs typeface="Times New Roman" pitchFamily="18" charset="0"/>
+          </a:endParaRPr>
+        </a:p>
+      </dgm:t>
+    </dgm:pt>
+    <dgm:pt modelId="{592A452E-9AD2-43D4-9BC3-79594FDB3D4F}" type="parTrans" cxnId="{72B9E984-FEBB-4C23-9D9B-6B46BA3497F7}">
+      <dgm:prSet/>
+      <dgm:spPr/>
+      <dgm:t>
+        <a:bodyPr/>
+        <a:lstStyle/>
+        <a:p>
+          <a:endParaRPr lang="en-US"/>
+        </a:p>
+      </dgm:t>
+    </dgm:pt>
+    <dgm:pt modelId="{4C24AF1D-91F5-45BB-B79D-CD9D3199C36B}" type="sibTrans" cxnId="{72B9E984-FEBB-4C23-9D9B-6B46BA3497F7}">
+      <dgm:prSet/>
+      <dgm:spPr/>
+      <dgm:t>
+        <a:bodyPr/>
+        <a:lstStyle/>
+        <a:p>
+          <a:endParaRPr lang="en-US"/>
+        </a:p>
+      </dgm:t>
+    </dgm:pt>
+    <dgm:pt modelId="{F276DBA9-9E09-4987-9D55-BA19D82A70EA}">
+      <dgm:prSet phldrT="[Text]"/>
+      <dgm:spPr/>
+      <dgm:t>
+        <a:bodyPr/>
+        <a:lstStyle/>
+        <a:p>
+          <a:endParaRPr lang="en-US">
+            <a:latin typeface="Times New Roman" pitchFamily="18" charset="0"/>
+            <a:cs typeface="Times New Roman" pitchFamily="18" charset="0"/>
+          </a:endParaRPr>
+        </a:p>
+      </dgm:t>
+    </dgm:pt>
+    <dgm:pt modelId="{1FA56E5D-D2AE-43ED-A903-03E44AD2BD54}" type="parTrans" cxnId="{5BCCDE01-97DB-4F4E-A9AE-330BD84B42DE}">
+      <dgm:prSet/>
+      <dgm:spPr/>
+      <dgm:t>
+        <a:bodyPr/>
+        <a:lstStyle/>
+        <a:p>
+          <a:endParaRPr lang="en-US"/>
+        </a:p>
+      </dgm:t>
+    </dgm:pt>
+    <dgm:pt modelId="{972D0BD0-F5D6-43F6-9AB6-41AD5F709072}" type="sibTrans" cxnId="{5BCCDE01-97DB-4F4E-A9AE-330BD84B42DE}">
+      <dgm:prSet/>
+      <dgm:spPr/>
+      <dgm:t>
+        <a:bodyPr/>
+        <a:lstStyle/>
+        <a:p>
+          <a:endParaRPr lang="en-US"/>
+        </a:p>
+      </dgm:t>
+    </dgm:pt>
+    <dgm:pt modelId="{C7D96092-C9CC-4847-8F80-8F5854197C80}">
+      <dgm:prSet phldrT="[Text]" phldr="1"/>
+      <dgm:spPr>
+        <a:solidFill>
+          <a:schemeClr val="accent1">
+            <a:hueOff val="0"/>
+            <a:satOff val="0"/>
+            <a:lumOff val="0"/>
+          </a:schemeClr>
+        </a:solidFill>
+        <a:ln>
+          <a:noFill/>
+        </a:ln>
+      </dgm:spPr>
+      <dgm:t>
+        <a:bodyPr/>
+        <a:lstStyle/>
+        <a:p>
+          <a:endParaRPr lang="en-US">
+            <a:latin typeface="Times New Roman" pitchFamily="18" charset="0"/>
+            <a:cs typeface="Times New Roman" pitchFamily="18" charset="0"/>
+          </a:endParaRPr>
+        </a:p>
+      </dgm:t>
+    </dgm:pt>
+    <dgm:pt modelId="{05D58761-AE90-49AE-A256-8C77838AD5B0}" type="parTrans" cxnId="{57E66614-9487-49DA-AC52-1F5ACCD73350}">
+      <dgm:prSet/>
+      <dgm:spPr/>
+      <dgm:t>
+        <a:bodyPr/>
+        <a:lstStyle/>
+        <a:p>
+          <a:endParaRPr lang="en-US"/>
+        </a:p>
+      </dgm:t>
+    </dgm:pt>
+    <dgm:pt modelId="{9B6AB31B-02DF-498F-BF10-D835EED21712}" type="sibTrans" cxnId="{57E66614-9487-49DA-AC52-1F5ACCD73350}">
+      <dgm:prSet/>
+      <dgm:spPr/>
+      <dgm:t>
+        <a:bodyPr/>
+        <a:lstStyle/>
+        <a:p>
+          <a:endParaRPr lang="en-US"/>
+        </a:p>
+      </dgm:t>
+    </dgm:pt>
+    <dgm:pt modelId="{DA8337A8-48FF-48A3-99FB-DC9A8E473CD1}">
+      <dgm:prSet phldrT="[Text]"/>
+      <dgm:spPr/>
+      <dgm:t>
+        <a:bodyPr/>
+        <a:lstStyle/>
+        <a:p>
+          <a:r>
+            <a:rPr lang="en-US" smtClean="0">
+              <a:latin typeface="Times New Roman" pitchFamily="18" charset="0"/>
+              <a:cs typeface="Times New Roman" pitchFamily="18" charset="0"/>
+            </a:rPr>
+            <a:t>Lý luận thực tế</a:t>
+          </a:r>
+          <a:endParaRPr lang="en-US">
+            <a:latin typeface="Times New Roman" pitchFamily="18" charset="0"/>
+            <a:cs typeface="Times New Roman" pitchFamily="18" charset="0"/>
+          </a:endParaRPr>
+        </a:p>
+      </dgm:t>
+    </dgm:pt>
+    <dgm:pt modelId="{02D0F167-A495-4A60-A29F-E16030AEA6E1}" type="parTrans" cxnId="{09A01E5C-AE42-46E0-95C5-868C6771B479}">
+      <dgm:prSet/>
+      <dgm:spPr/>
+      <dgm:t>
+        <a:bodyPr/>
+        <a:lstStyle/>
+        <a:p>
+          <a:endParaRPr lang="en-US"/>
+        </a:p>
+      </dgm:t>
+    </dgm:pt>
+    <dgm:pt modelId="{D1A8701F-7133-46BC-8EC3-AE851527F60A}" type="sibTrans" cxnId="{09A01E5C-AE42-46E0-95C5-868C6771B479}">
+      <dgm:prSet/>
+      <dgm:spPr/>
+      <dgm:t>
+        <a:bodyPr/>
+        <a:lstStyle/>
+        <a:p>
+          <a:endParaRPr lang="en-US"/>
+        </a:p>
+      </dgm:t>
+    </dgm:pt>
+    <dgm:pt modelId="{0D82ADBE-AD71-43D1-9895-7AEBA1E2D471}">
+      <dgm:prSet phldrT="[Text]" phldr="1"/>
+      <dgm:spPr/>
+      <dgm:t>
+        <a:bodyPr/>
+        <a:lstStyle/>
+        <a:p>
+          <a:endParaRPr lang="en-US">
+            <a:latin typeface="Times New Roman" pitchFamily="18" charset="0"/>
+            <a:cs typeface="Times New Roman" pitchFamily="18" charset="0"/>
+          </a:endParaRPr>
+        </a:p>
+      </dgm:t>
+    </dgm:pt>
+    <dgm:pt modelId="{29F09F5B-36C7-4025-82CE-0C2179AFC00E}" type="parTrans" cxnId="{633756EC-C16A-4D24-8BD7-6D0A3FF8F206}">
+      <dgm:prSet/>
+      <dgm:spPr/>
+      <dgm:t>
+        <a:bodyPr/>
+        <a:lstStyle/>
+        <a:p>
+          <a:endParaRPr lang="en-US"/>
+        </a:p>
+      </dgm:t>
+    </dgm:pt>
+    <dgm:pt modelId="{B6429B72-DB06-4D6F-BC8A-5E128B15557B}" type="sibTrans" cxnId="{633756EC-C16A-4D24-8BD7-6D0A3FF8F206}">
+      <dgm:prSet/>
+      <dgm:spPr/>
+      <dgm:t>
+        <a:bodyPr/>
+        <a:lstStyle/>
+        <a:p>
+          <a:endParaRPr lang="en-US"/>
+        </a:p>
+      </dgm:t>
+    </dgm:pt>
+    <dgm:pt modelId="{A2BCF052-5B15-47D7-96E3-3B78716A3608}">
+      <dgm:prSet phldrT="[Text]"/>
+      <dgm:spPr/>
+      <dgm:t>
+        <a:bodyPr/>
+        <a:lstStyle/>
+        <a:p>
+          <a:r>
+            <a:rPr lang="en-US" smtClean="0">
+              <a:latin typeface="Times New Roman" pitchFamily="18" charset="0"/>
+              <a:cs typeface="Times New Roman" pitchFamily="18" charset="0"/>
+            </a:rPr>
+            <a:t>Kết luận thực tế</a:t>
+          </a:r>
+          <a:endParaRPr lang="en-US">
+            <a:latin typeface="Times New Roman" pitchFamily="18" charset="0"/>
+            <a:cs typeface="Times New Roman" pitchFamily="18" charset="0"/>
+          </a:endParaRPr>
+        </a:p>
+      </dgm:t>
+    </dgm:pt>
+    <dgm:pt modelId="{4249E3DD-F08B-4A18-B75C-356E53DA374C}" type="parTrans" cxnId="{95DBEF08-B840-4799-B95B-A14C82A2A484}">
+      <dgm:prSet/>
+      <dgm:spPr/>
+      <dgm:t>
+        <a:bodyPr/>
+        <a:lstStyle/>
+        <a:p>
+          <a:endParaRPr lang="en-US"/>
+        </a:p>
+      </dgm:t>
+    </dgm:pt>
+    <dgm:pt modelId="{DAC082F6-07C4-45E9-8EAC-C1F37DFB8FC7}" type="sibTrans" cxnId="{95DBEF08-B840-4799-B95B-A14C82A2A484}">
+      <dgm:prSet/>
+      <dgm:spPr/>
+      <dgm:t>
+        <a:bodyPr/>
+        <a:lstStyle/>
+        <a:p>
+          <a:endParaRPr lang="en-US"/>
+        </a:p>
+      </dgm:t>
+    </dgm:pt>
+    <dgm:pt modelId="{8A591725-89DC-48E7-8C0E-F3C8DA527DFB}">
+      <dgm:prSet phldrT="[Text]"/>
+      <dgm:spPr/>
+      <dgm:t>
+        <a:bodyPr/>
+        <a:lstStyle/>
+        <a:p>
+          <a:endParaRPr lang="en-US">
+            <a:latin typeface="Times New Roman" pitchFamily="18" charset="0"/>
+            <a:cs typeface="Times New Roman" pitchFamily="18" charset="0"/>
+          </a:endParaRPr>
+        </a:p>
+      </dgm:t>
+    </dgm:pt>
+    <dgm:pt modelId="{DE069864-82AD-4B54-8876-85736CCEECAB}" type="sibTrans" cxnId="{DD96CFD1-1C80-4532-A603-51BA15CA3933}">
+      <dgm:prSet/>
+      <dgm:spPr/>
+      <dgm:t>
+        <a:bodyPr/>
+        <a:lstStyle/>
+        <a:p>
+          <a:endParaRPr lang="en-US"/>
+        </a:p>
+      </dgm:t>
+    </dgm:pt>
+    <dgm:pt modelId="{41D27E07-2360-4BB8-BC55-80B564368238}" type="parTrans" cxnId="{DD96CFD1-1C80-4532-A603-51BA15CA3933}">
+      <dgm:prSet/>
+      <dgm:spPr/>
+      <dgm:t>
+        <a:bodyPr/>
+        <a:lstStyle/>
+        <a:p>
+          <a:endParaRPr lang="en-US"/>
+        </a:p>
+      </dgm:t>
+    </dgm:pt>
+    <dgm:pt modelId="{C02219E7-799E-4A3F-8420-9B37AE333B70}">
+      <dgm:prSet phldrT="[Text]"/>
+      <dgm:spPr/>
+      <dgm:t>
+        <a:bodyPr/>
+        <a:lstStyle/>
+        <a:p>
+          <a:endParaRPr lang="en-US">
+            <a:latin typeface="Times New Roman" pitchFamily="18" charset="0"/>
+            <a:cs typeface="Times New Roman" pitchFamily="18" charset="0"/>
+          </a:endParaRPr>
+        </a:p>
+      </dgm:t>
+    </dgm:pt>
+    <dgm:pt modelId="{3F319160-C5EB-4934-82E1-D41A4AB714B6}" type="sibTrans" cxnId="{C4671D42-D535-4C94-9939-E5FF5B8D7C7C}">
+      <dgm:prSet/>
+      <dgm:spPr/>
+      <dgm:t>
+        <a:bodyPr/>
+        <a:lstStyle/>
+        <a:p>
+          <a:endParaRPr lang="en-US"/>
+        </a:p>
+      </dgm:t>
+    </dgm:pt>
+    <dgm:pt modelId="{360B77E7-7C9B-42B1-B51D-0673CB54C5F0}" type="parTrans" cxnId="{C4671D42-D535-4C94-9939-E5FF5B8D7C7C}">
+      <dgm:prSet/>
+      <dgm:spPr/>
+      <dgm:t>
+        <a:bodyPr/>
+        <a:lstStyle/>
+        <a:p>
+          <a:endParaRPr lang="en-US"/>
+        </a:p>
+      </dgm:t>
+    </dgm:pt>
+    <dgm:pt modelId="{86C4D985-079A-4348-B1CC-CFA9D049317E}" type="pres">
+      <dgm:prSet presAssocID="{C46E3B23-37F5-4E40-B62D-B22E3BE8C6B4}" presName="Name0" presStyleCnt="0">
+        <dgm:presLayoutVars>
+          <dgm:dir/>
+          <dgm:animLvl val="lvl"/>
+          <dgm:resizeHandles val="exact"/>
+        </dgm:presLayoutVars>
+      </dgm:prSet>
+      <dgm:spPr/>
+    </dgm:pt>
+    <dgm:pt modelId="{32F0C31D-E29B-464C-A529-BCFA2865A97F}" type="pres">
+      <dgm:prSet presAssocID="{0D82ADBE-AD71-43D1-9895-7AEBA1E2D471}" presName="boxAndChildren" presStyleCnt="0"/>
+      <dgm:spPr/>
+    </dgm:pt>
+    <dgm:pt modelId="{9967EC3C-0F0A-4447-8387-54458C99AD6D}" type="pres">
+      <dgm:prSet presAssocID="{0D82ADBE-AD71-43D1-9895-7AEBA1E2D471}" presName="parentTextBox" presStyleLbl="node1" presStyleIdx="0" presStyleCnt="3"/>
+      <dgm:spPr/>
+    </dgm:pt>
+    <dgm:pt modelId="{83EA94AA-9E23-4666-AF4C-5D608163783E}" type="pres">
+      <dgm:prSet presAssocID="{0D82ADBE-AD71-43D1-9895-7AEBA1E2D471}" presName="entireBox" presStyleLbl="node1" presStyleIdx="0" presStyleCnt="3"/>
+      <dgm:spPr/>
+    </dgm:pt>
+    <dgm:pt modelId="{C46F5EFD-88DF-4C8C-9E7B-DFBDDC1F77F1}" type="pres">
+      <dgm:prSet presAssocID="{0D82ADBE-AD71-43D1-9895-7AEBA1E2D471}" presName="descendantBox" presStyleCnt="0"/>
+      <dgm:spPr/>
+    </dgm:pt>
+    <dgm:pt modelId="{2EED397A-F081-498C-AAB0-3C762E691037}" type="pres">
+      <dgm:prSet presAssocID="{A2BCF052-5B15-47D7-96E3-3B78716A3608}" presName="childTextBox" presStyleLbl="fgAccFollowNode1" presStyleIdx="0" presStyleCnt="6">
+        <dgm:presLayoutVars>
+          <dgm:bulletEnabled val="1"/>
+        </dgm:presLayoutVars>
+      </dgm:prSet>
+      <dgm:spPr/>
+      <dgm:t>
+        <a:bodyPr/>
+        <a:lstStyle/>
+        <a:p>
+          <a:endParaRPr lang="en-US"/>
+        </a:p>
+      </dgm:t>
+    </dgm:pt>
+    <dgm:pt modelId="{71C2EB9F-3616-44D6-A872-0C76D2D3BB94}" type="pres">
+      <dgm:prSet presAssocID="{8A591725-89DC-48E7-8C0E-F3C8DA527DFB}" presName="childTextBox" presStyleLbl="fgAccFollowNode1" presStyleIdx="1" presStyleCnt="6">
+        <dgm:presLayoutVars>
+          <dgm:bulletEnabled val="1"/>
+        </dgm:presLayoutVars>
+      </dgm:prSet>
+      <dgm:spPr/>
+      <dgm:t>
+        <a:bodyPr/>
+        <a:lstStyle/>
+        <a:p>
+          <a:endParaRPr lang="en-US"/>
+        </a:p>
+      </dgm:t>
+    </dgm:pt>
+    <dgm:pt modelId="{546D226E-75FC-4324-B7ED-639997D1AFA1}" type="pres">
+      <dgm:prSet presAssocID="{9B6AB31B-02DF-498F-BF10-D835EED21712}" presName="sp" presStyleCnt="0"/>
+      <dgm:spPr/>
+    </dgm:pt>
+    <dgm:pt modelId="{AED21809-634D-44F6-98FF-EB262ED6A622}" type="pres">
+      <dgm:prSet presAssocID="{C7D96092-C9CC-4847-8F80-8F5854197C80}" presName="arrowAndChildren" presStyleCnt="0"/>
+      <dgm:spPr/>
+    </dgm:pt>
+    <dgm:pt modelId="{C5575A1B-9188-41F9-8B93-7A5BD45F67D5}" type="pres">
+      <dgm:prSet presAssocID="{C7D96092-C9CC-4847-8F80-8F5854197C80}" presName="parentTextArrow" presStyleLbl="node1" presStyleIdx="0" presStyleCnt="3"/>
+      <dgm:spPr/>
+    </dgm:pt>
+    <dgm:pt modelId="{7CC2DD4A-8848-45DC-9ADF-C4C57007FE05}" type="pres">
+      <dgm:prSet presAssocID="{C7D96092-C9CC-4847-8F80-8F5854197C80}" presName="arrow" presStyleLbl="node1" presStyleIdx="1" presStyleCnt="3" custLinFactNeighborX="-2727" custLinFactNeighborY="1409"/>
+      <dgm:spPr/>
+    </dgm:pt>
+    <dgm:pt modelId="{21351546-252C-48FA-A196-F3D65969728F}" type="pres">
+      <dgm:prSet presAssocID="{C7D96092-C9CC-4847-8F80-8F5854197C80}" presName="descendantArrow" presStyleCnt="0"/>
+      <dgm:spPr/>
+    </dgm:pt>
+    <dgm:pt modelId="{36316B91-3939-40AB-AB30-ED5B01B4D2A2}" type="pres">
+      <dgm:prSet presAssocID="{DA8337A8-48FF-48A3-99FB-DC9A8E473CD1}" presName="childTextArrow" presStyleLbl="fgAccFollowNode1" presStyleIdx="2" presStyleCnt="6">
+        <dgm:presLayoutVars>
+          <dgm:bulletEnabled val="1"/>
+        </dgm:presLayoutVars>
+      </dgm:prSet>
+      <dgm:spPr/>
+      <dgm:t>
+        <a:bodyPr/>
+        <a:lstStyle/>
+        <a:p>
+          <a:endParaRPr lang="en-US"/>
+        </a:p>
+      </dgm:t>
+    </dgm:pt>
+    <dgm:pt modelId="{1E155ADF-6FD1-4B3F-8711-7D6AC94A5210}" type="pres">
+      <dgm:prSet presAssocID="{C02219E7-799E-4A3F-8420-9B37AE333B70}" presName="childTextArrow" presStyleLbl="fgAccFollowNode1" presStyleIdx="3" presStyleCnt="6">
+        <dgm:presLayoutVars>
+          <dgm:bulletEnabled val="1"/>
+        </dgm:presLayoutVars>
+      </dgm:prSet>
+      <dgm:spPr/>
+      <dgm:t>
+        <a:bodyPr/>
+        <a:lstStyle/>
+        <a:p>
+          <a:endParaRPr lang="en-US"/>
+        </a:p>
+      </dgm:t>
+    </dgm:pt>
+    <dgm:pt modelId="{D337A012-AB96-431E-88F8-88D403FA9770}" type="pres">
+      <dgm:prSet presAssocID="{2A937C2D-0EF6-4EC5-A6C7-174F53E14B88}" presName="sp" presStyleCnt="0"/>
+      <dgm:spPr/>
+    </dgm:pt>
+    <dgm:pt modelId="{842C9665-AC26-47EB-9068-15E22A3F8863}" type="pres">
+      <dgm:prSet presAssocID="{5CDDF1C4-9AFB-4042-963D-1291AE1430C5}" presName="arrowAndChildren" presStyleCnt="0"/>
+      <dgm:spPr/>
+    </dgm:pt>
+    <dgm:pt modelId="{CC2F6706-0B0D-4BD2-9579-AF5125330E37}" type="pres">
+      <dgm:prSet presAssocID="{5CDDF1C4-9AFB-4042-963D-1291AE1430C5}" presName="parentTextArrow" presStyleLbl="node1" presStyleIdx="1" presStyleCnt="3"/>
+      <dgm:spPr/>
+    </dgm:pt>
+    <dgm:pt modelId="{B1769589-6C28-4F5F-ACA4-F43AEAACC227}" type="pres">
+      <dgm:prSet presAssocID="{5CDDF1C4-9AFB-4042-963D-1291AE1430C5}" presName="arrow" presStyleLbl="node1" presStyleIdx="2" presStyleCnt="3" custLinFactNeighborX="-3636" custLinFactNeighborY="-47"/>
+      <dgm:spPr/>
+    </dgm:pt>
+    <dgm:pt modelId="{D3C8F46D-9F2B-4400-8B7B-EDA1DD56A4EB}" type="pres">
+      <dgm:prSet presAssocID="{5CDDF1C4-9AFB-4042-963D-1291AE1430C5}" presName="descendantArrow" presStyleCnt="0"/>
+      <dgm:spPr/>
+    </dgm:pt>
+    <dgm:pt modelId="{0D830561-A091-409F-91AE-7C001C305F81}" type="pres">
+      <dgm:prSet presAssocID="{AEFA19DB-315B-4810-8A4B-6B0A54ED6E60}" presName="childTextArrow" presStyleLbl="fgAccFollowNode1" presStyleIdx="4" presStyleCnt="6">
+        <dgm:presLayoutVars>
+          <dgm:bulletEnabled val="1"/>
+        </dgm:presLayoutVars>
+      </dgm:prSet>
+      <dgm:spPr/>
+      <dgm:t>
+        <a:bodyPr/>
+        <a:lstStyle/>
+        <a:p>
+          <a:endParaRPr lang="en-US"/>
+        </a:p>
+      </dgm:t>
+    </dgm:pt>
+    <dgm:pt modelId="{4C0DD5A3-70BA-479F-B6B5-1D040C7CB1B6}" type="pres">
+      <dgm:prSet presAssocID="{F276DBA9-9E09-4987-9D55-BA19D82A70EA}" presName="childTextArrow" presStyleLbl="fgAccFollowNode1" presStyleIdx="5" presStyleCnt="6">
+        <dgm:presLayoutVars>
+          <dgm:bulletEnabled val="1"/>
+        </dgm:presLayoutVars>
+      </dgm:prSet>
+      <dgm:spPr/>
+      <dgm:t>
+        <a:bodyPr/>
+        <a:lstStyle/>
+        <a:p>
+          <a:endParaRPr lang="en-US"/>
+        </a:p>
+      </dgm:t>
+    </dgm:pt>
+  </dgm:ptLst>
+  <dgm:cxnLst>
+    <dgm:cxn modelId="{69F0D05E-DBCE-4EA4-92DB-4D284436483C}" type="presOf" srcId="{C46E3B23-37F5-4E40-B62D-B22E3BE8C6B4}" destId="{86C4D985-079A-4348-B1CC-CFA9D049317E}" srcOrd="0" destOrd="0" presId="urn:microsoft.com/office/officeart/2005/8/layout/process4"/>
+    <dgm:cxn modelId="{4B238FED-F0A8-4595-81F2-5FE99F92E3AD}" type="presOf" srcId="{C7D96092-C9CC-4847-8F80-8F5854197C80}" destId="{7CC2DD4A-8848-45DC-9ADF-C4C57007FE05}" srcOrd="1" destOrd="0" presId="urn:microsoft.com/office/officeart/2005/8/layout/process4"/>
+    <dgm:cxn modelId="{633756EC-C16A-4D24-8BD7-6D0A3FF8F206}" srcId="{C46E3B23-37F5-4E40-B62D-B22E3BE8C6B4}" destId="{0D82ADBE-AD71-43D1-9895-7AEBA1E2D471}" srcOrd="2" destOrd="0" parTransId="{29F09F5B-36C7-4025-82CE-0C2179AFC00E}" sibTransId="{B6429B72-DB06-4D6F-BC8A-5E128B15557B}"/>
+    <dgm:cxn modelId="{9CDCBE9D-E23F-42EA-BDE9-C22457AFB185}" type="presOf" srcId="{0D82ADBE-AD71-43D1-9895-7AEBA1E2D471}" destId="{9967EC3C-0F0A-4447-8387-54458C99AD6D}" srcOrd="0" destOrd="0" presId="urn:microsoft.com/office/officeart/2005/8/layout/process4"/>
+    <dgm:cxn modelId="{DD96CFD1-1C80-4532-A603-51BA15CA3933}" srcId="{0D82ADBE-AD71-43D1-9895-7AEBA1E2D471}" destId="{8A591725-89DC-48E7-8C0E-F3C8DA527DFB}" srcOrd="1" destOrd="0" parTransId="{41D27E07-2360-4BB8-BC55-80B564368238}" sibTransId="{DE069864-82AD-4B54-8876-85736CCEECAB}"/>
+    <dgm:cxn modelId="{6083B155-6655-42C7-971D-3C15E45DD660}" type="presOf" srcId="{C02219E7-799E-4A3F-8420-9B37AE333B70}" destId="{1E155ADF-6FD1-4B3F-8711-7D6AC94A5210}" srcOrd="0" destOrd="0" presId="urn:microsoft.com/office/officeart/2005/8/layout/process4"/>
+    <dgm:cxn modelId="{AEA99EAA-D964-4ADC-A684-A50A7EB82984}" type="presOf" srcId="{C7D96092-C9CC-4847-8F80-8F5854197C80}" destId="{C5575A1B-9188-41F9-8B93-7A5BD45F67D5}" srcOrd="0" destOrd="0" presId="urn:microsoft.com/office/officeart/2005/8/layout/process4"/>
+    <dgm:cxn modelId="{09A01E5C-AE42-46E0-95C5-868C6771B479}" srcId="{C7D96092-C9CC-4847-8F80-8F5854197C80}" destId="{DA8337A8-48FF-48A3-99FB-DC9A8E473CD1}" srcOrd="0" destOrd="0" parTransId="{02D0F167-A495-4A60-A29F-E16030AEA6E1}" sibTransId="{D1A8701F-7133-46BC-8EC3-AE851527F60A}"/>
+    <dgm:cxn modelId="{5BCCDE01-97DB-4F4E-A9AE-330BD84B42DE}" srcId="{5CDDF1C4-9AFB-4042-963D-1291AE1430C5}" destId="{F276DBA9-9E09-4987-9D55-BA19D82A70EA}" srcOrd="1" destOrd="0" parTransId="{1FA56E5D-D2AE-43ED-A903-03E44AD2BD54}" sibTransId="{972D0BD0-F5D6-43F6-9AB6-41AD5F709072}"/>
+    <dgm:cxn modelId="{61FD5A11-C92F-4C62-A076-E343369641A1}" type="presOf" srcId="{0D82ADBE-AD71-43D1-9895-7AEBA1E2D471}" destId="{83EA94AA-9E23-4666-AF4C-5D608163783E}" srcOrd="1" destOrd="0" presId="urn:microsoft.com/office/officeart/2005/8/layout/process4"/>
+    <dgm:cxn modelId="{79896734-3353-4C6F-9764-D12AE5FFD8D0}" type="presOf" srcId="{A2BCF052-5B15-47D7-96E3-3B78716A3608}" destId="{2EED397A-F081-498C-AAB0-3C762E691037}" srcOrd="0" destOrd="0" presId="urn:microsoft.com/office/officeart/2005/8/layout/process4"/>
+    <dgm:cxn modelId="{FBD11222-9C1B-499F-BD2B-4C59F62F26EA}" type="presOf" srcId="{5CDDF1C4-9AFB-4042-963D-1291AE1430C5}" destId="{B1769589-6C28-4F5F-ACA4-F43AEAACC227}" srcOrd="1" destOrd="0" presId="urn:microsoft.com/office/officeart/2005/8/layout/process4"/>
+    <dgm:cxn modelId="{D9B2E07C-3D14-433C-905C-FA251ACF41C6}" type="presOf" srcId="{5CDDF1C4-9AFB-4042-963D-1291AE1430C5}" destId="{CC2F6706-0B0D-4BD2-9579-AF5125330E37}" srcOrd="0" destOrd="0" presId="urn:microsoft.com/office/officeart/2005/8/layout/process4"/>
+    <dgm:cxn modelId="{72B9E984-FEBB-4C23-9D9B-6B46BA3497F7}" srcId="{5CDDF1C4-9AFB-4042-963D-1291AE1430C5}" destId="{AEFA19DB-315B-4810-8A4B-6B0A54ED6E60}" srcOrd="0" destOrd="0" parTransId="{592A452E-9AD2-43D4-9BC3-79594FDB3D4F}" sibTransId="{4C24AF1D-91F5-45BB-B79D-CD9D3199C36B}"/>
+    <dgm:cxn modelId="{3F12765C-393E-4C88-B51E-570ADCA4F2AF}" type="presOf" srcId="{DA8337A8-48FF-48A3-99FB-DC9A8E473CD1}" destId="{36316B91-3939-40AB-AB30-ED5B01B4D2A2}" srcOrd="0" destOrd="0" presId="urn:microsoft.com/office/officeart/2005/8/layout/process4"/>
+    <dgm:cxn modelId="{95DBEF08-B840-4799-B95B-A14C82A2A484}" srcId="{0D82ADBE-AD71-43D1-9895-7AEBA1E2D471}" destId="{A2BCF052-5B15-47D7-96E3-3B78716A3608}" srcOrd="0" destOrd="0" parTransId="{4249E3DD-F08B-4A18-B75C-356E53DA374C}" sibTransId="{DAC082F6-07C4-45E9-8EAC-C1F37DFB8FC7}"/>
+    <dgm:cxn modelId="{C4671D42-D535-4C94-9939-E5FF5B8D7C7C}" srcId="{C7D96092-C9CC-4847-8F80-8F5854197C80}" destId="{C02219E7-799E-4A3F-8420-9B37AE333B70}" srcOrd="1" destOrd="0" parTransId="{360B77E7-7C9B-42B1-B51D-0673CB54C5F0}" sibTransId="{3F319160-C5EB-4934-82E1-D41A4AB714B6}"/>
+    <dgm:cxn modelId="{8CBE8C2F-10B0-4AC3-B514-3D2C9F140B6B}" type="presOf" srcId="{AEFA19DB-315B-4810-8A4B-6B0A54ED6E60}" destId="{0D830561-A091-409F-91AE-7C001C305F81}" srcOrd="0" destOrd="0" presId="urn:microsoft.com/office/officeart/2005/8/layout/process4"/>
+    <dgm:cxn modelId="{97BA8856-2B8C-422D-AF16-C14C11B82367}" srcId="{C46E3B23-37F5-4E40-B62D-B22E3BE8C6B4}" destId="{5CDDF1C4-9AFB-4042-963D-1291AE1430C5}" srcOrd="0" destOrd="0" parTransId="{939D595A-EBDF-42EB-A5B6-408068E1D931}" sibTransId="{2A937C2D-0EF6-4EC5-A6C7-174F53E14B88}"/>
+    <dgm:cxn modelId="{C5DC2026-E90E-4C39-90A3-666E249B7A65}" type="presOf" srcId="{8A591725-89DC-48E7-8C0E-F3C8DA527DFB}" destId="{71C2EB9F-3616-44D6-A872-0C76D2D3BB94}" srcOrd="0" destOrd="0" presId="urn:microsoft.com/office/officeart/2005/8/layout/process4"/>
+    <dgm:cxn modelId="{C0F1D19D-0CAC-429A-972D-A213D8712EB0}" type="presOf" srcId="{F276DBA9-9E09-4987-9D55-BA19D82A70EA}" destId="{4C0DD5A3-70BA-479F-B6B5-1D040C7CB1B6}" srcOrd="0" destOrd="0" presId="urn:microsoft.com/office/officeart/2005/8/layout/process4"/>
+    <dgm:cxn modelId="{57E66614-9487-49DA-AC52-1F5ACCD73350}" srcId="{C46E3B23-37F5-4E40-B62D-B22E3BE8C6B4}" destId="{C7D96092-C9CC-4847-8F80-8F5854197C80}" srcOrd="1" destOrd="0" parTransId="{05D58761-AE90-49AE-A256-8C77838AD5B0}" sibTransId="{9B6AB31B-02DF-498F-BF10-D835EED21712}"/>
+    <dgm:cxn modelId="{E7156007-9EE8-496D-8E5C-175AEB2A945B}" type="presParOf" srcId="{86C4D985-079A-4348-B1CC-CFA9D049317E}" destId="{32F0C31D-E29B-464C-A529-BCFA2865A97F}" srcOrd="0" destOrd="0" presId="urn:microsoft.com/office/officeart/2005/8/layout/process4"/>
+    <dgm:cxn modelId="{7FB292C2-9365-483E-8FE1-63E37C16422C}" type="presParOf" srcId="{32F0C31D-E29B-464C-A529-BCFA2865A97F}" destId="{9967EC3C-0F0A-4447-8387-54458C99AD6D}" srcOrd="0" destOrd="0" presId="urn:microsoft.com/office/officeart/2005/8/layout/process4"/>
+    <dgm:cxn modelId="{99A23E4A-E74D-4AB3-B119-DDAE11C6B32B}" type="presParOf" srcId="{32F0C31D-E29B-464C-A529-BCFA2865A97F}" destId="{83EA94AA-9E23-4666-AF4C-5D608163783E}" srcOrd="1" destOrd="0" presId="urn:microsoft.com/office/officeart/2005/8/layout/process4"/>
+    <dgm:cxn modelId="{3A5DD172-668C-4DCC-A6DD-2AB7A0298903}" type="presParOf" srcId="{32F0C31D-E29B-464C-A529-BCFA2865A97F}" destId="{C46F5EFD-88DF-4C8C-9E7B-DFBDDC1F77F1}" srcOrd="2" destOrd="0" presId="urn:microsoft.com/office/officeart/2005/8/layout/process4"/>
+    <dgm:cxn modelId="{26D0441C-7EE7-4016-BA62-93B8EBE0CAA8}" type="presParOf" srcId="{C46F5EFD-88DF-4C8C-9E7B-DFBDDC1F77F1}" destId="{2EED397A-F081-498C-AAB0-3C762E691037}" srcOrd="0" destOrd="0" presId="urn:microsoft.com/office/officeart/2005/8/layout/process4"/>
+    <dgm:cxn modelId="{ABEAF4F9-A8E4-4F3E-BE52-E5B6D96B3989}" type="presParOf" srcId="{C46F5EFD-88DF-4C8C-9E7B-DFBDDC1F77F1}" destId="{71C2EB9F-3616-44D6-A872-0C76D2D3BB94}" srcOrd="1" destOrd="0" presId="urn:microsoft.com/office/officeart/2005/8/layout/process4"/>
+    <dgm:cxn modelId="{3AD7FCDA-2496-46A2-B623-8B8B2527168D}" type="presParOf" srcId="{86C4D985-079A-4348-B1CC-CFA9D049317E}" destId="{546D226E-75FC-4324-B7ED-639997D1AFA1}" srcOrd="1" destOrd="0" presId="urn:microsoft.com/office/officeart/2005/8/layout/process4"/>
+    <dgm:cxn modelId="{FF2A62FD-A2C6-456D-9C0C-FA97B3D46CF3}" type="presParOf" srcId="{86C4D985-079A-4348-B1CC-CFA9D049317E}" destId="{AED21809-634D-44F6-98FF-EB262ED6A622}" srcOrd="2" destOrd="0" presId="urn:microsoft.com/office/officeart/2005/8/layout/process4"/>
+    <dgm:cxn modelId="{7E0C4CAC-4EFB-465E-BF7D-100E744D5412}" type="presParOf" srcId="{AED21809-634D-44F6-98FF-EB262ED6A622}" destId="{C5575A1B-9188-41F9-8B93-7A5BD45F67D5}" srcOrd="0" destOrd="0" presId="urn:microsoft.com/office/officeart/2005/8/layout/process4"/>
+    <dgm:cxn modelId="{1DCA8B50-B64D-4FB7-AE6B-C752D14D52FA}" type="presParOf" srcId="{AED21809-634D-44F6-98FF-EB262ED6A622}" destId="{7CC2DD4A-8848-45DC-9ADF-C4C57007FE05}" srcOrd="1" destOrd="0" presId="urn:microsoft.com/office/officeart/2005/8/layout/process4"/>
+    <dgm:cxn modelId="{F19CFFD6-06C9-46CF-902D-1C5BE35778E3}" type="presParOf" srcId="{AED21809-634D-44F6-98FF-EB262ED6A622}" destId="{21351546-252C-48FA-A196-F3D65969728F}" srcOrd="2" destOrd="0" presId="urn:microsoft.com/office/officeart/2005/8/layout/process4"/>
+    <dgm:cxn modelId="{F15C8AAF-5322-4A03-800D-A8E31029EDD5}" type="presParOf" srcId="{21351546-252C-48FA-A196-F3D65969728F}" destId="{36316B91-3939-40AB-AB30-ED5B01B4D2A2}" srcOrd="0" destOrd="0" presId="urn:microsoft.com/office/officeart/2005/8/layout/process4"/>
+    <dgm:cxn modelId="{CA28702A-EA7A-4DD7-A6A4-7A7921E0C014}" type="presParOf" srcId="{21351546-252C-48FA-A196-F3D65969728F}" destId="{1E155ADF-6FD1-4B3F-8711-7D6AC94A5210}" srcOrd="1" destOrd="0" presId="urn:microsoft.com/office/officeart/2005/8/layout/process4"/>
+    <dgm:cxn modelId="{BF241765-F87A-46E2-946C-804B1E231B20}" type="presParOf" srcId="{86C4D985-079A-4348-B1CC-CFA9D049317E}" destId="{D337A012-AB96-431E-88F8-88D403FA9770}" srcOrd="3" destOrd="0" presId="urn:microsoft.com/office/officeart/2005/8/layout/process4"/>
+    <dgm:cxn modelId="{5CD46E3F-8BEC-4993-A037-F43F719C8D7F}" type="presParOf" srcId="{86C4D985-079A-4348-B1CC-CFA9D049317E}" destId="{842C9665-AC26-47EB-9068-15E22A3F8863}" srcOrd="4" destOrd="0" presId="urn:microsoft.com/office/officeart/2005/8/layout/process4"/>
+    <dgm:cxn modelId="{9950434E-90A5-4F39-9463-9A973E43E1BC}" type="presParOf" srcId="{842C9665-AC26-47EB-9068-15E22A3F8863}" destId="{CC2F6706-0B0D-4BD2-9579-AF5125330E37}" srcOrd="0" destOrd="0" presId="urn:microsoft.com/office/officeart/2005/8/layout/process4"/>
+    <dgm:cxn modelId="{D5A1B941-5398-463F-AFA5-333F5DB999B2}" type="presParOf" srcId="{842C9665-AC26-47EB-9068-15E22A3F8863}" destId="{B1769589-6C28-4F5F-ACA4-F43AEAACC227}" srcOrd="1" destOrd="0" presId="urn:microsoft.com/office/officeart/2005/8/layout/process4"/>
+    <dgm:cxn modelId="{112CAF3B-70FF-4534-9602-7DC51B239277}" type="presParOf" srcId="{842C9665-AC26-47EB-9068-15E22A3F8863}" destId="{D3C8F46D-9F2B-4400-8B7B-EDA1DD56A4EB}" srcOrd="2" destOrd="0" presId="urn:microsoft.com/office/officeart/2005/8/layout/process4"/>
+    <dgm:cxn modelId="{6E05B69F-50B2-4BB2-88A7-2ACC72072446}" type="presParOf" srcId="{D3C8F46D-9F2B-4400-8B7B-EDA1DD56A4EB}" destId="{0D830561-A091-409F-91AE-7C001C305F81}" srcOrd="0" destOrd="0" presId="urn:microsoft.com/office/officeart/2005/8/layout/process4"/>
+    <dgm:cxn modelId="{63158F86-99D8-4EDE-873E-016ADB169F18}" type="presParOf" srcId="{D3C8F46D-9F2B-4400-8B7B-EDA1DD56A4EB}" destId="{4C0DD5A3-70BA-479F-B6B5-1D040C7CB1B6}" srcOrd="1" destOrd="0" presId="urn:microsoft.com/office/officeart/2005/8/layout/process4"/>
+  </dgm:cxnLst>
+  <dgm:bg/>
+  <dgm:whole/>
+</dgm:dataModel>
+</file>
+
+<file path=ppt/diagrams/data2.xml><?xml version="1.0" encoding="utf-8"?>
 <dgm:dataModel xmlns:dgm="http://schemas.openxmlformats.org/drawingml/2006/diagram" xmlns:a="http://schemas.openxmlformats.org/drawingml/2006/main">
   <dgm:ptLst>
     <dgm:pt modelId="{38BFA7D5-001E-4F3F-BDEB-C0D7E9219072}" type="doc">
@@ -3174,7 +4497,7 @@
 </dgm:dataModel>
 </file>
 
-<file path=ppt/diagrams/data2.xml><?xml version="1.0" encoding="utf-8"?>
+<file path=ppt/diagrams/data3.xml><?xml version="1.0" encoding="utf-8"?>
 <dgm:dataModel xmlns:dgm="http://schemas.openxmlformats.org/drawingml/2006/diagram" xmlns:a="http://schemas.openxmlformats.org/drawingml/2006/main">
   <dgm:ptLst>
     <dgm:pt modelId="{56C78558-64EA-4989-B237-3830C383172D}" type="doc">
@@ -3601,7 +4924,7 @@
 </dgm:dataModel>
 </file>
 
-<file path=ppt/diagrams/data3.xml><?xml version="1.0" encoding="utf-8"?>
+<file path=ppt/diagrams/data4.xml><?xml version="1.0" encoding="utf-8"?>
 <dgm:dataModel xmlns:dgm="http://schemas.openxmlformats.org/drawingml/2006/diagram" xmlns:a="http://schemas.openxmlformats.org/drawingml/2006/main">
   <dgm:ptLst>
     <dgm:pt modelId="{F2C478DF-C240-4FB1-BF51-481D74C285AB}" type="doc">
@@ -4090,8 +5413,8 @@
     <dgm:cxn modelId="{89567E82-6319-4DA2-9474-1BD3A8697C19}" type="presOf" srcId="{593248D9-0442-439F-9C3C-E048354EC003}" destId="{8E8D42DD-88F7-4F99-B601-10FA49CDF0D6}" srcOrd="0" destOrd="0" presId="urn:microsoft.com/office/officeart/2005/8/layout/radial4"/>
     <dgm:cxn modelId="{1EDCDCD6-A433-4B55-9723-EB2528846CF4}" srcId="{593248D9-0442-439F-9C3C-E048354EC003}" destId="{68187428-F245-4903-B920-C789A68C8D3C}" srcOrd="3" destOrd="0" parTransId="{5160E2D1-F6F4-46C6-9C6A-1C02B231075E}" sibTransId="{F6FC4D53-703A-4BD0-9E95-E34E162CBACE}"/>
     <dgm:cxn modelId="{126267F6-A5C7-4884-ADC2-F614F6FC5395}" type="presOf" srcId="{FB22D5B5-1963-42CA-BEEC-CC6B5EEE6D75}" destId="{090C4A32-0438-4880-B679-3F8DBEEB9D7D}" srcOrd="0" destOrd="0" presId="urn:microsoft.com/office/officeart/2005/8/layout/radial4"/>
+    <dgm:cxn modelId="{971BE77F-02C4-4BA1-8ADA-547442B159F5}" srcId="{593248D9-0442-439F-9C3C-E048354EC003}" destId="{D37D2FC7-415B-4072-86E8-C83D32EA50E4}" srcOrd="2" destOrd="0" parTransId="{427FAEEA-455B-413B-9851-06C6ECB1DF94}" sibTransId="{E9E9BD89-3898-4512-8C34-9AC2619F21B3}"/>
     <dgm:cxn modelId="{25282130-ACEF-4605-A5BE-61520CAB9A7C}" type="presOf" srcId="{68187428-F245-4903-B920-C789A68C8D3C}" destId="{4E3C4A2E-0BC9-470D-A6A5-902BC3D09A15}" srcOrd="0" destOrd="0" presId="urn:microsoft.com/office/officeart/2005/8/layout/radial4"/>
-    <dgm:cxn modelId="{971BE77F-02C4-4BA1-8ADA-547442B159F5}" srcId="{593248D9-0442-439F-9C3C-E048354EC003}" destId="{D37D2FC7-415B-4072-86E8-C83D32EA50E4}" srcOrd="2" destOrd="0" parTransId="{427FAEEA-455B-413B-9851-06C6ECB1DF94}" sibTransId="{E9E9BD89-3898-4512-8C34-9AC2619F21B3}"/>
     <dgm:cxn modelId="{A81BBCF7-EF39-4C78-942B-D01768698B8F}" srcId="{F2C478DF-C240-4FB1-BF51-481D74C285AB}" destId="{7C7B77A0-F8EF-4AB3-8E21-762440CD670D}" srcOrd="2" destOrd="0" parTransId="{CFD9E4CA-C06B-4FEB-85B5-37ED3E21B688}" sibTransId="{B9171FC6-571A-4057-BEE8-06B1FC26BC9E}"/>
     <dgm:cxn modelId="{87E7894E-E234-462A-A4E7-D24935567897}" type="presOf" srcId="{D37D2FC7-415B-4072-86E8-C83D32EA50E4}" destId="{28E6711B-2FCE-46DC-BC44-D63E2DC94367}" srcOrd="0" destOrd="0" presId="urn:microsoft.com/office/officeart/2005/8/layout/radial4"/>
     <dgm:cxn modelId="{EEDE7422-3D2D-4E06-B969-C396DBE5E04F}" srcId="{F2C478DF-C240-4FB1-BF51-481D74C285AB}" destId="{E1E64C65-5E15-4481-ACE4-5AD35F0A91CA}" srcOrd="1" destOrd="0" parTransId="{78A20770-3546-44F6-9749-1085968B3626}" sibTransId="{DC0048F6-D630-47B1-A0D4-514DD9288F59}"/>
@@ -4124,6 +5447,359 @@
 </file>
 
 <file path=ppt/diagrams/layout1.xml><?xml version="1.0" encoding="utf-8"?>
+<dgm:layoutDef xmlns:dgm="http://schemas.openxmlformats.org/drawingml/2006/diagram" xmlns:a="http://schemas.openxmlformats.org/drawingml/2006/main" uniqueId="urn:microsoft.com/office/officeart/2005/8/layout/process4">
+  <dgm:title val=""/>
+  <dgm:desc val=""/>
+  <dgm:catLst>
+    <dgm:cat type="process" pri="16000"/>
+    <dgm:cat type="list" pri="20000"/>
+  </dgm:catLst>
+  <dgm:sampData>
+    <dgm:dataModel>
+      <dgm:ptLst>
+        <dgm:pt modelId="0" type="doc"/>
+        <dgm:pt modelId="1">
+          <dgm:prSet phldr="1"/>
+        </dgm:pt>
+        <dgm:pt modelId="11">
+          <dgm:prSet phldr="1"/>
+        </dgm:pt>
+        <dgm:pt modelId="12">
+          <dgm:prSet phldr="1"/>
+        </dgm:pt>
+        <dgm:pt modelId="2">
+          <dgm:prSet phldr="1"/>
+        </dgm:pt>
+        <dgm:pt modelId="21">
+          <dgm:prSet phldr="1"/>
+        </dgm:pt>
+        <dgm:pt modelId="22">
+          <dgm:prSet phldr="1"/>
+        </dgm:pt>
+        <dgm:pt modelId="3">
+          <dgm:prSet phldr="1"/>
+        </dgm:pt>
+        <dgm:pt modelId="31">
+          <dgm:prSet phldr="1"/>
+        </dgm:pt>
+        <dgm:pt modelId="32">
+          <dgm:prSet phldr="1"/>
+        </dgm:pt>
+      </dgm:ptLst>
+      <dgm:cxnLst>
+        <dgm:cxn modelId="4" srcId="0" destId="1" srcOrd="0" destOrd="0"/>
+        <dgm:cxn modelId="5" srcId="0" destId="2" srcOrd="1" destOrd="0"/>
+        <dgm:cxn modelId="6" srcId="0" destId="3" srcOrd="2" destOrd="0"/>
+        <dgm:cxn modelId="13" srcId="1" destId="11" srcOrd="0" destOrd="0"/>
+        <dgm:cxn modelId="14" srcId="1" destId="12" srcOrd="1" destOrd="0"/>
+        <dgm:cxn modelId="23" srcId="2" destId="21" srcOrd="0" destOrd="0"/>
+        <dgm:cxn modelId="24" srcId="2" destId="22" srcOrd="1" destOrd="0"/>
+        <dgm:cxn modelId="33" srcId="3" destId="31" srcOrd="0" destOrd="0"/>
+        <dgm:cxn modelId="34" srcId="3" destId="32" srcOrd="1" destOrd="0"/>
+      </dgm:cxnLst>
+      <dgm:bg/>
+      <dgm:whole/>
+    </dgm:dataModel>
+  </dgm:sampData>
+  <dgm:styleData>
+    <dgm:dataModel>
+      <dgm:ptLst>
+        <dgm:pt modelId="0" type="doc"/>
+        <dgm:pt modelId="1"/>
+        <dgm:pt modelId="11"/>
+        <dgm:pt modelId="2"/>
+        <dgm:pt modelId="21"/>
+      </dgm:ptLst>
+      <dgm:cxnLst>
+        <dgm:cxn modelId="4" srcId="0" destId="1" srcOrd="0" destOrd="0"/>
+        <dgm:cxn modelId="5" srcId="0" destId="2" srcOrd="1" destOrd="0"/>
+        <dgm:cxn modelId="13" srcId="1" destId="11" srcOrd="0" destOrd="0"/>
+        <dgm:cxn modelId="23" srcId="2" destId="21" srcOrd="0" destOrd="0"/>
+      </dgm:cxnLst>
+      <dgm:bg/>
+      <dgm:whole/>
+    </dgm:dataModel>
+  </dgm:styleData>
+  <dgm:clrData>
+    <dgm:dataModel>
+      <dgm:ptLst>
+        <dgm:pt modelId="0" type="doc"/>
+        <dgm:pt modelId="1"/>
+        <dgm:pt modelId="11"/>
+        <dgm:pt modelId="2"/>
+        <dgm:pt modelId="21"/>
+        <dgm:pt modelId="3"/>
+        <dgm:pt modelId="31"/>
+        <dgm:pt modelId="4"/>
+        <dgm:pt modelId="41"/>
+      </dgm:ptLst>
+      <dgm:cxnLst>
+        <dgm:cxn modelId="5" srcId="0" destId="1" srcOrd="0" destOrd="0"/>
+        <dgm:cxn modelId="6" srcId="0" destId="2" srcOrd="1" destOrd="0"/>
+        <dgm:cxn modelId="7" srcId="0" destId="3" srcOrd="2" destOrd="0"/>
+        <dgm:cxn modelId="8" srcId="0" destId="4" srcOrd="3" destOrd="0"/>
+        <dgm:cxn modelId="13" srcId="1" destId="11" srcOrd="0" destOrd="0"/>
+        <dgm:cxn modelId="23" srcId="2" destId="21" srcOrd="0" destOrd="0"/>
+        <dgm:cxn modelId="33" srcId="3" destId="31" srcOrd="0" destOrd="0"/>
+        <dgm:cxn modelId="43" srcId="4" destId="41" srcOrd="0" destOrd="0"/>
+      </dgm:cxnLst>
+      <dgm:bg/>
+      <dgm:whole/>
+    </dgm:dataModel>
+  </dgm:clrData>
+  <dgm:layoutNode name="Name0">
+    <dgm:varLst>
+      <dgm:dir/>
+      <dgm:animLvl val="lvl"/>
+      <dgm:resizeHandles val="exact"/>
+    </dgm:varLst>
+    <dgm:alg type="lin">
+      <dgm:param type="linDir" val="fromB"/>
+    </dgm:alg>
+    <dgm:shape xmlns:r="http://schemas.openxmlformats.org/officeDocument/2006/relationships" r:blip="">
+      <dgm:adjLst/>
+    </dgm:shape>
+    <dgm:presOf/>
+    <dgm:constrLst>
+      <dgm:constr type="h" for="ch" forName="boxAndChildren" refType="h"/>
+      <dgm:constr type="h" for="ch" forName="arrowAndChildren" refType="h" refFor="ch" refForName="boxAndChildren" op="equ" fact="1.538"/>
+      <dgm:constr type="w" for="ch" forName="arrowAndChildren" refType="w"/>
+      <dgm:constr type="w" for="ch" forName="boxAndChildren" refType="w"/>
+      <dgm:constr type="h" for="ch" forName="sp" refType="h" fact="-0.015"/>
+      <dgm:constr type="primFontSz" for="des" forName="parentTextBox" val="65"/>
+      <dgm:constr type="primFontSz" for="des" forName="parentTextArrow" refType="primFontSz" refFor="des" refForName="parentTextBox" op="equ"/>
+      <dgm:constr type="primFontSz" for="des" forName="childTextArrow" val="65"/>
+      <dgm:constr type="primFontSz" for="des" forName="childTextBox" refType="primFontSz" refFor="des" refForName="childTextArrow" op="equ"/>
+    </dgm:constrLst>
+    <dgm:ruleLst/>
+    <dgm:forEach name="Name1" axis="ch" ptType="node" st="-1" step="-1">
+      <dgm:choose name="Name2">
+        <dgm:if name="Name3" axis="self" ptType="node" func="revPos" op="equ" val="1">
+          <dgm:layoutNode name="boxAndChildren">
+            <dgm:alg type="composite"/>
+            <dgm:shape xmlns:r="http://schemas.openxmlformats.org/officeDocument/2006/relationships" r:blip="">
+              <dgm:adjLst/>
+            </dgm:shape>
+            <dgm:presOf/>
+            <dgm:choose name="Name4">
+              <dgm:if name="Name5" axis="ch" ptType="node" func="cnt" op="gte" val="1">
+                <dgm:constrLst>
+                  <dgm:constr type="w" for="ch" forName="parentTextBox" refType="w"/>
+                  <dgm:constr type="h" for="ch" forName="parentTextBox" refType="h" fact="0.54"/>
+                  <dgm:constr type="t" for="ch" forName="parentTextBox"/>
+                  <dgm:constr type="w" for="ch" forName="entireBox" refType="w"/>
+                  <dgm:constr type="h" for="ch" forName="entireBox" refType="h"/>
+                  <dgm:constr type="w" for="ch" forName="descendantBox" refType="w"/>
+                  <dgm:constr type="b" for="ch" forName="descendantBox" refType="h" fact="0.98"/>
+                  <dgm:constr type="h" for="ch" forName="descendantBox" refType="h" fact="0.46"/>
+                </dgm:constrLst>
+              </dgm:if>
+              <dgm:else name="Name6">
+                <dgm:constrLst>
+                  <dgm:constr type="w" for="ch" forName="parentTextBox" refType="w"/>
+                  <dgm:constr type="h" for="ch" forName="parentTextBox" refType="h"/>
+                </dgm:constrLst>
+              </dgm:else>
+            </dgm:choose>
+            <dgm:ruleLst/>
+            <dgm:layoutNode name="parentTextBox">
+              <dgm:alg type="tx"/>
+              <dgm:choose name="Name7">
+                <dgm:if name="Name8" axis="ch" ptType="node" func="cnt" op="gte" val="1">
+                  <dgm:shape xmlns:r="http://schemas.openxmlformats.org/officeDocument/2006/relationships" type="rect" r:blip="" zOrderOff="1" hideGeom="1">
+                    <dgm:adjLst/>
+                  </dgm:shape>
+                </dgm:if>
+                <dgm:else name="Name9">
+                  <dgm:shape xmlns:r="http://schemas.openxmlformats.org/officeDocument/2006/relationships" type="rect" r:blip="">
+                    <dgm:adjLst/>
+                  </dgm:shape>
+                </dgm:else>
+              </dgm:choose>
+              <dgm:presOf axis="self"/>
+              <dgm:constrLst/>
+              <dgm:ruleLst>
+                <dgm:rule type="primFontSz" val="5" fact="NaN" max="NaN"/>
+              </dgm:ruleLst>
+            </dgm:layoutNode>
+            <dgm:choose name="Name10">
+              <dgm:if name="Name11" axis="ch" ptType="node" func="cnt" op="gte" val="1">
+                <dgm:layoutNode name="entireBox">
+                  <dgm:alg type="sp"/>
+                  <dgm:shape xmlns:r="http://schemas.openxmlformats.org/officeDocument/2006/relationships" type="rect" r:blip="">
+                    <dgm:adjLst/>
+                  </dgm:shape>
+                  <dgm:presOf axis="self"/>
+                  <dgm:constrLst/>
+                  <dgm:ruleLst/>
+                </dgm:layoutNode>
+                <dgm:layoutNode name="descendantBox" styleLbl="fgAccFollowNode1">
+                  <dgm:choose name="Name12">
+                    <dgm:if name="Name13" func="var" arg="dir" op="equ" val="norm">
+                      <dgm:alg type="lin"/>
+                    </dgm:if>
+                    <dgm:else name="Name14">
+                      <dgm:alg type="lin">
+                        <dgm:param type="linDir" val="fromR"/>
+                      </dgm:alg>
+                    </dgm:else>
+                  </dgm:choose>
+                  <dgm:shape xmlns:r="http://schemas.openxmlformats.org/officeDocument/2006/relationships" r:blip="">
+                    <dgm:adjLst/>
+                  </dgm:shape>
+                  <dgm:presOf/>
+                  <dgm:constrLst>
+                    <dgm:constr type="w" for="ch" forName="childTextBox" refType="w"/>
+                    <dgm:constr type="h" for="ch" forName="childTextBox" refType="h"/>
+                  </dgm:constrLst>
+                  <dgm:ruleLst/>
+                  <dgm:forEach name="Name15" axis="ch" ptType="node">
+                    <dgm:layoutNode name="childTextBox" styleLbl="fgAccFollowNode1">
+                      <dgm:varLst>
+                        <dgm:bulletEnabled val="1"/>
+                      </dgm:varLst>
+                      <dgm:alg type="tx"/>
+                      <dgm:shape xmlns:r="http://schemas.openxmlformats.org/officeDocument/2006/relationships" type="rect" r:blip="">
+                        <dgm:adjLst/>
+                      </dgm:shape>
+                      <dgm:presOf axis="desOrSelf" ptType="node"/>
+                      <dgm:constrLst>
+                        <dgm:constr type="tMarg" refType="primFontSz" fact="0.1"/>
+                        <dgm:constr type="bMarg" refType="primFontSz" fact="0.1"/>
+                      </dgm:constrLst>
+                      <dgm:ruleLst>
+                        <dgm:rule type="primFontSz" val="5" fact="NaN" max="NaN"/>
+                      </dgm:ruleLst>
+                    </dgm:layoutNode>
+                  </dgm:forEach>
+                </dgm:layoutNode>
+              </dgm:if>
+              <dgm:else name="Name16"/>
+            </dgm:choose>
+          </dgm:layoutNode>
+        </dgm:if>
+        <dgm:else name="Name17">
+          <dgm:layoutNode name="arrowAndChildren">
+            <dgm:alg type="composite"/>
+            <dgm:shape xmlns:r="http://schemas.openxmlformats.org/officeDocument/2006/relationships" r:blip="">
+              <dgm:adjLst/>
+            </dgm:shape>
+            <dgm:presOf/>
+            <dgm:choose name="Name18">
+              <dgm:if name="Name19" axis="ch" ptType="node" func="cnt" op="gte" val="1">
+                <dgm:constrLst>
+                  <dgm:constr type="w" for="ch" forName="parentTextArrow" refType="w"/>
+                  <dgm:constr type="t" for="ch" forName="parentTextArrow"/>
+                  <dgm:constr type="h" for="ch" forName="parentTextArrow" refType="h" fact="0.351"/>
+                  <dgm:constr type="w" for="ch" forName="arrow" refType="w"/>
+                  <dgm:constr type="h" for="ch" forName="arrow" refType="h"/>
+                  <dgm:constr type="w" for="ch" forName="descendantArrow" refType="w"/>
+                  <dgm:constr type="b" for="ch" forName="descendantArrow" refType="h" fact="0.65"/>
+                  <dgm:constr type="h" for="ch" forName="descendantArrow" refType="h" fact="0.299"/>
+                </dgm:constrLst>
+              </dgm:if>
+              <dgm:else name="Name20">
+                <dgm:constrLst>
+                  <dgm:constr type="w" for="ch" forName="parentTextArrow" refType="w"/>
+                  <dgm:constr type="h" for="ch" forName="parentTextArrow" refType="h"/>
+                </dgm:constrLst>
+              </dgm:else>
+            </dgm:choose>
+            <dgm:ruleLst/>
+            <dgm:layoutNode name="parentTextArrow">
+              <dgm:alg type="tx"/>
+              <dgm:choose name="Name21">
+                <dgm:if name="Name22" axis="ch" ptType="node" func="cnt" op="gte" val="1">
+                  <dgm:shape xmlns:r="http://schemas.openxmlformats.org/officeDocument/2006/relationships" type="rect" r:blip="" zOrderOff="1" hideGeom="1">
+                    <dgm:adjLst/>
+                  </dgm:shape>
+                </dgm:if>
+                <dgm:else name="Name23">
+                  <dgm:shape xmlns:r="http://schemas.openxmlformats.org/officeDocument/2006/relationships" rot="180" type="upArrowCallout" r:blip="">
+                    <dgm:adjLst/>
+                  </dgm:shape>
+                </dgm:else>
+              </dgm:choose>
+              <dgm:presOf axis="self"/>
+              <dgm:constrLst/>
+              <dgm:ruleLst>
+                <dgm:rule type="primFontSz" val="5" fact="NaN" max="NaN"/>
+              </dgm:ruleLst>
+            </dgm:layoutNode>
+            <dgm:choose name="Name24">
+              <dgm:if name="Name25" axis="ch" ptType="node" func="cnt" op="gte" val="1">
+                <dgm:layoutNode name="arrow">
+                  <dgm:alg type="sp"/>
+                  <dgm:shape xmlns:r="http://schemas.openxmlformats.org/officeDocument/2006/relationships" rot="180" type="upArrowCallout" r:blip="">
+                    <dgm:adjLst/>
+                  </dgm:shape>
+                  <dgm:presOf axis="self"/>
+                  <dgm:constrLst/>
+                  <dgm:ruleLst/>
+                </dgm:layoutNode>
+                <dgm:layoutNode name="descendantArrow">
+                  <dgm:choose name="Name26">
+                    <dgm:if name="Name27" func="var" arg="dir" op="equ" val="norm">
+                      <dgm:alg type="lin"/>
+                    </dgm:if>
+                    <dgm:else name="Name28">
+                      <dgm:alg type="lin">
+                        <dgm:param type="linDir" val="fromR"/>
+                      </dgm:alg>
+                    </dgm:else>
+                  </dgm:choose>
+                  <dgm:shape xmlns:r="http://schemas.openxmlformats.org/officeDocument/2006/relationships" r:blip="">
+                    <dgm:adjLst/>
+                  </dgm:shape>
+                  <dgm:presOf/>
+                  <dgm:constrLst>
+                    <dgm:constr type="w" for="ch" forName="childTextArrow" refType="w"/>
+                    <dgm:constr type="h" for="ch" forName="childTextArrow" refType="h"/>
+                  </dgm:constrLst>
+                  <dgm:ruleLst/>
+                  <dgm:forEach name="Name29" axis="ch" ptType="node">
+                    <dgm:layoutNode name="childTextArrow" styleLbl="fgAccFollowNode1">
+                      <dgm:varLst>
+                        <dgm:bulletEnabled val="1"/>
+                      </dgm:varLst>
+                      <dgm:alg type="tx"/>
+                      <dgm:shape xmlns:r="http://schemas.openxmlformats.org/officeDocument/2006/relationships" type="rect" r:blip="">
+                        <dgm:adjLst/>
+                      </dgm:shape>
+                      <dgm:presOf axis="desOrSelf" ptType="node"/>
+                      <dgm:constrLst>
+                        <dgm:constr type="tMarg" refType="primFontSz" fact="0.1"/>
+                        <dgm:constr type="bMarg" refType="primFontSz" fact="0.1"/>
+                      </dgm:constrLst>
+                      <dgm:ruleLst>
+                        <dgm:rule type="primFontSz" val="5" fact="NaN" max="NaN"/>
+                      </dgm:ruleLst>
+                    </dgm:layoutNode>
+                  </dgm:forEach>
+                </dgm:layoutNode>
+              </dgm:if>
+              <dgm:else name="Name30"/>
+            </dgm:choose>
+          </dgm:layoutNode>
+        </dgm:else>
+      </dgm:choose>
+      <dgm:forEach name="Name31" axis="precedSib" ptType="sibTrans" st="-1" cnt="1">
+        <dgm:layoutNode name="sp">
+          <dgm:alg type="sp"/>
+          <dgm:shape xmlns:r="http://schemas.openxmlformats.org/officeDocument/2006/relationships" r:blip="">
+            <dgm:adjLst/>
+          </dgm:shape>
+          <dgm:presOf axis="self"/>
+          <dgm:constrLst/>
+          <dgm:ruleLst/>
+        </dgm:layoutNode>
+      </dgm:forEach>
+    </dgm:forEach>
+  </dgm:layoutNode>
+</dgm:layoutDef>
+</file>
+
+<file path=ppt/diagrams/layout2.xml><?xml version="1.0" encoding="utf-8"?>
 <dgm:layoutDef xmlns:dgm="http://schemas.openxmlformats.org/drawingml/2006/diagram" xmlns:a="http://schemas.openxmlformats.org/drawingml/2006/main" uniqueId="urn:microsoft.com/office/officeart/2005/8/layout/process1">
   <dgm:title val=""/>
   <dgm:desc val=""/>
@@ -4269,7 +5945,7 @@
 </dgm:layoutDef>
 </file>
 
-<file path=ppt/diagrams/layout2.xml><?xml version="1.0" encoding="utf-8"?>
+<file path=ppt/diagrams/layout3.xml><?xml version="1.0" encoding="utf-8"?>
 <dgm:layoutDef xmlns:dgm="http://schemas.openxmlformats.org/drawingml/2006/diagram" xmlns:a="http://schemas.openxmlformats.org/drawingml/2006/main" uniqueId="urn:microsoft.com/office/officeart/2005/8/layout/matrix1">
   <dgm:title val=""/>
   <dgm:desc val=""/>
@@ -4646,7 +6322,7 @@
 </dgm:layoutDef>
 </file>
 
-<file path=ppt/diagrams/layout3.xml><?xml version="1.0" encoding="utf-8"?>
+<file path=ppt/diagrams/layout4.xml><?xml version="1.0" encoding="utf-8"?>
 <dgm:layoutDef xmlns:dgm="http://schemas.openxmlformats.org/drawingml/2006/diagram" xmlns:a="http://schemas.openxmlformats.org/drawingml/2006/main" uniqueId="urn:microsoft.com/office/officeart/2005/8/layout/radial4">
   <dgm:title val=""/>
   <dgm:desc val=""/>
@@ -8008,6 +9684,1040 @@
 </dgm:styleDef>
 </file>
 
+<file path=ppt/diagrams/quickStyle4.xml><?xml version="1.0" encoding="utf-8"?>
+<dgm:styleDef xmlns:dgm="http://schemas.openxmlformats.org/drawingml/2006/diagram" xmlns:a="http://schemas.openxmlformats.org/drawingml/2006/main" uniqueId="urn:microsoft.com/office/officeart/2005/8/quickstyle/simple1">
+  <dgm:title val=""/>
+  <dgm:desc val=""/>
+  <dgm:catLst>
+    <dgm:cat type="simple" pri="10100"/>
+  </dgm:catLst>
+  <dgm:scene3d>
+    <a:camera prst="orthographicFront"/>
+    <a:lightRig rig="threePt" dir="t"/>
+  </dgm:scene3d>
+  <dgm:styleLbl name="node0">
+    <dgm:scene3d>
+      <a:camera prst="orthographicFront"/>
+      <a:lightRig rig="threePt" dir="t"/>
+    </dgm:scene3d>
+    <dgm:sp3d/>
+    <dgm:txPr/>
+    <dgm:style>
+      <a:lnRef idx="2">
+        <a:scrgbClr r="0" g="0" b="0"/>
+      </a:lnRef>
+      <a:fillRef idx="1">
+        <a:scrgbClr r="0" g="0" b="0"/>
+      </a:fillRef>
+      <a:effectRef idx="0">
+        <a:scrgbClr r="0" g="0" b="0"/>
+      </a:effectRef>
+      <a:fontRef idx="minor">
+        <a:schemeClr val="lt1"/>
+      </a:fontRef>
+    </dgm:style>
+  </dgm:styleLbl>
+  <dgm:styleLbl name="lnNode1">
+    <dgm:scene3d>
+      <a:camera prst="orthographicFront"/>
+      <a:lightRig rig="threePt" dir="t"/>
+    </dgm:scene3d>
+    <dgm:sp3d/>
+    <dgm:txPr/>
+    <dgm:style>
+      <a:lnRef idx="2">
+        <a:scrgbClr r="0" g="0" b="0"/>
+      </a:lnRef>
+      <a:fillRef idx="1">
+        <a:scrgbClr r="0" g="0" b="0"/>
+      </a:fillRef>
+      <a:effectRef idx="0">
+        <a:scrgbClr r="0" g="0" b="0"/>
+      </a:effectRef>
+      <a:fontRef idx="minor">
+        <a:schemeClr val="lt1"/>
+      </a:fontRef>
+    </dgm:style>
+  </dgm:styleLbl>
+  <dgm:styleLbl name="vennNode1">
+    <dgm:scene3d>
+      <a:camera prst="orthographicFront"/>
+      <a:lightRig rig="threePt" dir="t"/>
+    </dgm:scene3d>
+    <dgm:sp3d/>
+    <dgm:txPr/>
+    <dgm:style>
+      <a:lnRef idx="2">
+        <a:scrgbClr r="0" g="0" b="0"/>
+      </a:lnRef>
+      <a:fillRef idx="1">
+        <a:scrgbClr r="0" g="0" b="0"/>
+      </a:fillRef>
+      <a:effectRef idx="0">
+        <a:scrgbClr r="0" g="0" b="0"/>
+      </a:effectRef>
+      <a:fontRef idx="minor">
+        <a:schemeClr val="tx1"/>
+      </a:fontRef>
+    </dgm:style>
+  </dgm:styleLbl>
+  <dgm:styleLbl name="alignNode1">
+    <dgm:scene3d>
+      <a:camera prst="orthographicFront"/>
+      <a:lightRig rig="threePt" dir="t"/>
+    </dgm:scene3d>
+    <dgm:sp3d/>
+    <dgm:txPr/>
+    <dgm:style>
+      <a:lnRef idx="2">
+        <a:scrgbClr r="0" g="0" b="0"/>
+      </a:lnRef>
+      <a:fillRef idx="1">
+        <a:scrgbClr r="0" g="0" b="0"/>
+      </a:fillRef>
+      <a:effectRef idx="0">
+        <a:scrgbClr r="0" g="0" b="0"/>
+      </a:effectRef>
+      <a:fontRef idx="minor">
+        <a:schemeClr val="lt1"/>
+      </a:fontRef>
+    </dgm:style>
+  </dgm:styleLbl>
+  <dgm:styleLbl name="node1">
+    <dgm:scene3d>
+      <a:camera prst="orthographicFront"/>
+      <a:lightRig rig="threePt" dir="t"/>
+    </dgm:scene3d>
+    <dgm:sp3d/>
+    <dgm:txPr/>
+    <dgm:style>
+      <a:lnRef idx="2">
+        <a:scrgbClr r="0" g="0" b="0"/>
+      </a:lnRef>
+      <a:fillRef idx="1">
+        <a:scrgbClr r="0" g="0" b="0"/>
+      </a:fillRef>
+      <a:effectRef idx="0">
+        <a:scrgbClr r="0" g="0" b="0"/>
+      </a:effectRef>
+      <a:fontRef idx="minor">
+        <a:schemeClr val="lt1"/>
+      </a:fontRef>
+    </dgm:style>
+  </dgm:styleLbl>
+  <dgm:styleLbl name="node2">
+    <dgm:scene3d>
+      <a:camera prst="orthographicFront"/>
+      <a:lightRig rig="threePt" dir="t"/>
+    </dgm:scene3d>
+    <dgm:sp3d/>
+    <dgm:txPr/>
+    <dgm:style>
+      <a:lnRef idx="2">
+        <a:scrgbClr r="0" g="0" b="0"/>
+      </a:lnRef>
+      <a:fillRef idx="1">
+        <a:scrgbClr r="0" g="0" b="0"/>
+      </a:fillRef>
+      <a:effectRef idx="0">
+        <a:scrgbClr r="0" g="0" b="0"/>
+      </a:effectRef>
+      <a:fontRef idx="minor">
+        <a:schemeClr val="lt1"/>
+      </a:fontRef>
+    </dgm:style>
+  </dgm:styleLbl>
+  <dgm:styleLbl name="node3">
+    <dgm:scene3d>
+      <a:camera prst="orthographicFront"/>
+      <a:lightRig rig="threePt" dir="t"/>
+    </dgm:scene3d>
+    <dgm:sp3d/>
+    <dgm:txPr/>
+    <dgm:style>
+      <a:lnRef idx="2">
+        <a:scrgbClr r="0" g="0" b="0"/>
+      </a:lnRef>
+      <a:fillRef idx="1">
+        <a:scrgbClr r="0" g="0" b="0"/>
+      </a:fillRef>
+      <a:effectRef idx="0">
+        <a:scrgbClr r="0" g="0" b="0"/>
+      </a:effectRef>
+      <a:fontRef idx="minor">
+        <a:schemeClr val="lt1"/>
+      </a:fontRef>
+    </dgm:style>
+  </dgm:styleLbl>
+  <dgm:styleLbl name="node4">
+    <dgm:scene3d>
+      <a:camera prst="orthographicFront"/>
+      <a:lightRig rig="threePt" dir="t"/>
+    </dgm:scene3d>
+    <dgm:sp3d/>
+    <dgm:txPr/>
+    <dgm:style>
+      <a:lnRef idx="2">
+        <a:scrgbClr r="0" g="0" b="0"/>
+      </a:lnRef>
+      <a:fillRef idx="1">
+        <a:scrgbClr r="0" g="0" b="0"/>
+      </a:fillRef>
+      <a:effectRef idx="0">
+        <a:scrgbClr r="0" g="0" b="0"/>
+      </a:effectRef>
+      <a:fontRef idx="minor">
+        <a:schemeClr val="lt1"/>
+      </a:fontRef>
+    </dgm:style>
+  </dgm:styleLbl>
+  <dgm:styleLbl name="fgImgPlace1">
+    <dgm:scene3d>
+      <a:camera prst="orthographicFront"/>
+      <a:lightRig rig="threePt" dir="t"/>
+    </dgm:scene3d>
+    <dgm:sp3d/>
+    <dgm:txPr/>
+    <dgm:style>
+      <a:lnRef idx="2">
+        <a:scrgbClr r="0" g="0" b="0"/>
+      </a:lnRef>
+      <a:fillRef idx="1">
+        <a:scrgbClr r="0" g="0" b="0"/>
+      </a:fillRef>
+      <a:effectRef idx="0">
+        <a:scrgbClr r="0" g="0" b="0"/>
+      </a:effectRef>
+      <a:fontRef idx="minor"/>
+    </dgm:style>
+  </dgm:styleLbl>
+  <dgm:styleLbl name="alignImgPlace1">
+    <dgm:scene3d>
+      <a:camera prst="orthographicFront"/>
+      <a:lightRig rig="threePt" dir="t"/>
+    </dgm:scene3d>
+    <dgm:sp3d/>
+    <dgm:txPr/>
+    <dgm:style>
+      <a:lnRef idx="2">
+        <a:scrgbClr r="0" g="0" b="0"/>
+      </a:lnRef>
+      <a:fillRef idx="1">
+        <a:scrgbClr r="0" g="0" b="0"/>
+      </a:fillRef>
+      <a:effectRef idx="0">
+        <a:scrgbClr r="0" g="0" b="0"/>
+      </a:effectRef>
+      <a:fontRef idx="minor"/>
+    </dgm:style>
+  </dgm:styleLbl>
+  <dgm:styleLbl name="bgImgPlace1">
+    <dgm:scene3d>
+      <a:camera prst="orthographicFront"/>
+      <a:lightRig rig="threePt" dir="t"/>
+    </dgm:scene3d>
+    <dgm:sp3d/>
+    <dgm:txPr/>
+    <dgm:style>
+      <a:lnRef idx="2">
+        <a:scrgbClr r="0" g="0" b="0"/>
+      </a:lnRef>
+      <a:fillRef idx="1">
+        <a:scrgbClr r="0" g="0" b="0"/>
+      </a:fillRef>
+      <a:effectRef idx="0">
+        <a:scrgbClr r="0" g="0" b="0"/>
+      </a:effectRef>
+      <a:fontRef idx="minor"/>
+    </dgm:style>
+  </dgm:styleLbl>
+  <dgm:styleLbl name="sibTrans2D1">
+    <dgm:scene3d>
+      <a:camera prst="orthographicFront"/>
+      <a:lightRig rig="threePt" dir="t"/>
+    </dgm:scene3d>
+    <dgm:sp3d/>
+    <dgm:txPr/>
+    <dgm:style>
+      <a:lnRef idx="0">
+        <a:scrgbClr r="0" g="0" b="0"/>
+      </a:lnRef>
+      <a:fillRef idx="1">
+        <a:scrgbClr r="0" g="0" b="0"/>
+      </a:fillRef>
+      <a:effectRef idx="0">
+        <a:scrgbClr r="0" g="0" b="0"/>
+      </a:effectRef>
+      <a:fontRef idx="minor">
+        <a:schemeClr val="lt1"/>
+      </a:fontRef>
+    </dgm:style>
+  </dgm:styleLbl>
+  <dgm:styleLbl name="fgSibTrans2D1">
+    <dgm:scene3d>
+      <a:camera prst="orthographicFront"/>
+      <a:lightRig rig="threePt" dir="t"/>
+    </dgm:scene3d>
+    <dgm:sp3d/>
+    <dgm:txPr/>
+    <dgm:style>
+      <a:lnRef idx="0">
+        <a:scrgbClr r="0" g="0" b="0"/>
+      </a:lnRef>
+      <a:fillRef idx="1">
+        <a:scrgbClr r="0" g="0" b="0"/>
+      </a:fillRef>
+      <a:effectRef idx="0">
+        <a:scrgbClr r="0" g="0" b="0"/>
+      </a:effectRef>
+      <a:fontRef idx="minor">
+        <a:schemeClr val="lt1"/>
+      </a:fontRef>
+    </dgm:style>
+  </dgm:styleLbl>
+  <dgm:styleLbl name="bgSibTrans2D1">
+    <dgm:scene3d>
+      <a:camera prst="orthographicFront"/>
+      <a:lightRig rig="threePt" dir="t"/>
+    </dgm:scene3d>
+    <dgm:sp3d/>
+    <dgm:txPr/>
+    <dgm:style>
+      <a:lnRef idx="0">
+        <a:scrgbClr r="0" g="0" b="0"/>
+      </a:lnRef>
+      <a:fillRef idx="1">
+        <a:scrgbClr r="0" g="0" b="0"/>
+      </a:fillRef>
+      <a:effectRef idx="0">
+        <a:scrgbClr r="0" g="0" b="0"/>
+      </a:effectRef>
+      <a:fontRef idx="minor">
+        <a:schemeClr val="lt1"/>
+      </a:fontRef>
+    </dgm:style>
+  </dgm:styleLbl>
+  <dgm:styleLbl name="sibTrans1D1">
+    <dgm:scene3d>
+      <a:camera prst="orthographicFront"/>
+      <a:lightRig rig="threePt" dir="t"/>
+    </dgm:scene3d>
+    <dgm:sp3d/>
+    <dgm:txPr/>
+    <dgm:style>
+      <a:lnRef idx="1">
+        <a:scrgbClr r="0" g="0" b="0"/>
+      </a:lnRef>
+      <a:fillRef idx="0">
+        <a:scrgbClr r="0" g="0" b="0"/>
+      </a:fillRef>
+      <a:effectRef idx="0">
+        <a:scrgbClr r="0" g="0" b="0"/>
+      </a:effectRef>
+      <a:fontRef idx="minor"/>
+    </dgm:style>
+  </dgm:styleLbl>
+  <dgm:styleLbl name="callout">
+    <dgm:scene3d>
+      <a:camera prst="orthographicFront"/>
+      <a:lightRig rig="threePt" dir="t"/>
+    </dgm:scene3d>
+    <dgm:sp3d/>
+    <dgm:txPr/>
+    <dgm:style>
+      <a:lnRef idx="2">
+        <a:scrgbClr r="0" g="0" b="0"/>
+      </a:lnRef>
+      <a:fillRef idx="1">
+        <a:scrgbClr r="0" g="0" b="0"/>
+      </a:fillRef>
+      <a:effectRef idx="0">
+        <a:scrgbClr r="0" g="0" b="0"/>
+      </a:effectRef>
+      <a:fontRef idx="minor"/>
+    </dgm:style>
+  </dgm:styleLbl>
+  <dgm:styleLbl name="asst0">
+    <dgm:scene3d>
+      <a:camera prst="orthographicFront"/>
+      <a:lightRig rig="threePt" dir="t"/>
+    </dgm:scene3d>
+    <dgm:sp3d/>
+    <dgm:txPr/>
+    <dgm:style>
+      <a:lnRef idx="2">
+        <a:scrgbClr r="0" g="0" b="0"/>
+      </a:lnRef>
+      <a:fillRef idx="1">
+        <a:scrgbClr r="0" g="0" b="0"/>
+      </a:fillRef>
+      <a:effectRef idx="0">
+        <a:scrgbClr r="0" g="0" b="0"/>
+      </a:effectRef>
+      <a:fontRef idx="minor">
+        <a:schemeClr val="lt1"/>
+      </a:fontRef>
+    </dgm:style>
+  </dgm:styleLbl>
+  <dgm:styleLbl name="asst1">
+    <dgm:scene3d>
+      <a:camera prst="orthographicFront"/>
+      <a:lightRig rig="threePt" dir="t"/>
+    </dgm:scene3d>
+    <dgm:sp3d/>
+    <dgm:txPr/>
+    <dgm:style>
+      <a:lnRef idx="2">
+        <a:scrgbClr r="0" g="0" b="0"/>
+      </a:lnRef>
+      <a:fillRef idx="1">
+        <a:scrgbClr r="0" g="0" b="0"/>
+      </a:fillRef>
+      <a:effectRef idx="0">
+        <a:scrgbClr r="0" g="0" b="0"/>
+      </a:effectRef>
+      <a:fontRef idx="minor">
+        <a:schemeClr val="lt1"/>
+      </a:fontRef>
+    </dgm:style>
+  </dgm:styleLbl>
+  <dgm:styleLbl name="asst2">
+    <dgm:scene3d>
+      <a:camera prst="orthographicFront"/>
+      <a:lightRig rig="threePt" dir="t"/>
+    </dgm:scene3d>
+    <dgm:sp3d/>
+    <dgm:txPr/>
+    <dgm:style>
+      <a:lnRef idx="2">
+        <a:scrgbClr r="0" g="0" b="0"/>
+      </a:lnRef>
+      <a:fillRef idx="1">
+        <a:scrgbClr r="0" g="0" b="0"/>
+      </a:fillRef>
+      <a:effectRef idx="0">
+        <a:scrgbClr r="0" g="0" b="0"/>
+      </a:effectRef>
+      <a:fontRef idx="minor">
+        <a:schemeClr val="lt1"/>
+      </a:fontRef>
+    </dgm:style>
+  </dgm:styleLbl>
+  <dgm:styleLbl name="asst3">
+    <dgm:scene3d>
+      <a:camera prst="orthographicFront"/>
+      <a:lightRig rig="threePt" dir="t"/>
+    </dgm:scene3d>
+    <dgm:sp3d/>
+    <dgm:txPr/>
+    <dgm:style>
+      <a:lnRef idx="2">
+        <a:scrgbClr r="0" g="0" b="0"/>
+      </a:lnRef>
+      <a:fillRef idx="1">
+        <a:scrgbClr r="0" g="0" b="0"/>
+      </a:fillRef>
+      <a:effectRef idx="0">
+        <a:scrgbClr r="0" g="0" b="0"/>
+      </a:effectRef>
+      <a:fontRef idx="minor">
+        <a:schemeClr val="lt1"/>
+      </a:fontRef>
+    </dgm:style>
+  </dgm:styleLbl>
+  <dgm:styleLbl name="asst4">
+    <dgm:scene3d>
+      <a:camera prst="orthographicFront"/>
+      <a:lightRig rig="threePt" dir="t"/>
+    </dgm:scene3d>
+    <dgm:sp3d/>
+    <dgm:txPr/>
+    <dgm:style>
+      <a:lnRef idx="2">
+        <a:scrgbClr r="0" g="0" b="0"/>
+      </a:lnRef>
+      <a:fillRef idx="1">
+        <a:scrgbClr r="0" g="0" b="0"/>
+      </a:fillRef>
+      <a:effectRef idx="0">
+        <a:scrgbClr r="0" g="0" b="0"/>
+      </a:effectRef>
+      <a:fontRef idx="minor">
+        <a:schemeClr val="lt1"/>
+      </a:fontRef>
+    </dgm:style>
+  </dgm:styleLbl>
+  <dgm:styleLbl name="parChTrans2D1">
+    <dgm:scene3d>
+      <a:camera prst="orthographicFront"/>
+      <a:lightRig rig="threePt" dir="t"/>
+    </dgm:scene3d>
+    <dgm:sp3d/>
+    <dgm:txPr/>
+    <dgm:style>
+      <a:lnRef idx="2">
+        <a:scrgbClr r="0" g="0" b="0"/>
+      </a:lnRef>
+      <a:fillRef idx="1">
+        <a:scrgbClr r="0" g="0" b="0"/>
+      </a:fillRef>
+      <a:effectRef idx="0">
+        <a:scrgbClr r="0" g="0" b="0"/>
+      </a:effectRef>
+      <a:fontRef idx="minor">
+        <a:schemeClr val="lt1"/>
+      </a:fontRef>
+    </dgm:style>
+  </dgm:styleLbl>
+  <dgm:styleLbl name="parChTrans2D2">
+    <dgm:scene3d>
+      <a:camera prst="orthographicFront"/>
+      <a:lightRig rig="threePt" dir="t"/>
+    </dgm:scene3d>
+    <dgm:sp3d/>
+    <dgm:txPr/>
+    <dgm:style>
+      <a:lnRef idx="2">
+        <a:scrgbClr r="0" g="0" b="0"/>
+      </a:lnRef>
+      <a:fillRef idx="1">
+        <a:scrgbClr r="0" g="0" b="0"/>
+      </a:fillRef>
+      <a:effectRef idx="0">
+        <a:scrgbClr r="0" g="0" b="0"/>
+      </a:effectRef>
+      <a:fontRef idx="minor">
+        <a:schemeClr val="lt1"/>
+      </a:fontRef>
+    </dgm:style>
+  </dgm:styleLbl>
+  <dgm:styleLbl name="parChTrans2D3">
+    <dgm:scene3d>
+      <a:camera prst="orthographicFront"/>
+      <a:lightRig rig="threePt" dir="t"/>
+    </dgm:scene3d>
+    <dgm:sp3d/>
+    <dgm:txPr/>
+    <dgm:style>
+      <a:lnRef idx="2">
+        <a:scrgbClr r="0" g="0" b="0"/>
+      </a:lnRef>
+      <a:fillRef idx="1">
+        <a:scrgbClr r="0" g="0" b="0"/>
+      </a:fillRef>
+      <a:effectRef idx="0">
+        <a:scrgbClr r="0" g="0" b="0"/>
+      </a:effectRef>
+      <a:fontRef idx="minor">
+        <a:schemeClr val="lt1"/>
+      </a:fontRef>
+    </dgm:style>
+  </dgm:styleLbl>
+  <dgm:styleLbl name="parChTrans2D4">
+    <dgm:scene3d>
+      <a:camera prst="orthographicFront"/>
+      <a:lightRig rig="threePt" dir="t"/>
+    </dgm:scene3d>
+    <dgm:sp3d/>
+    <dgm:txPr/>
+    <dgm:style>
+      <a:lnRef idx="2">
+        <a:scrgbClr r="0" g="0" b="0"/>
+      </a:lnRef>
+      <a:fillRef idx="1">
+        <a:scrgbClr r="0" g="0" b="0"/>
+      </a:fillRef>
+      <a:effectRef idx="0">
+        <a:scrgbClr r="0" g="0" b="0"/>
+      </a:effectRef>
+      <a:fontRef idx="minor">
+        <a:schemeClr val="lt1"/>
+      </a:fontRef>
+    </dgm:style>
+  </dgm:styleLbl>
+  <dgm:styleLbl name="parChTrans1D1">
+    <dgm:scene3d>
+      <a:camera prst="orthographicFront"/>
+      <a:lightRig rig="threePt" dir="t"/>
+    </dgm:scene3d>
+    <dgm:sp3d/>
+    <dgm:txPr/>
+    <dgm:style>
+      <a:lnRef idx="2">
+        <a:scrgbClr r="0" g="0" b="0"/>
+      </a:lnRef>
+      <a:fillRef idx="0">
+        <a:scrgbClr r="0" g="0" b="0"/>
+      </a:fillRef>
+      <a:effectRef idx="0">
+        <a:scrgbClr r="0" g="0" b="0"/>
+      </a:effectRef>
+      <a:fontRef idx="minor"/>
+    </dgm:style>
+  </dgm:styleLbl>
+  <dgm:styleLbl name="parChTrans1D2">
+    <dgm:scene3d>
+      <a:camera prst="orthographicFront"/>
+      <a:lightRig rig="threePt" dir="t"/>
+    </dgm:scene3d>
+    <dgm:sp3d/>
+    <dgm:txPr/>
+    <dgm:style>
+      <a:lnRef idx="2">
+        <a:scrgbClr r="0" g="0" b="0"/>
+      </a:lnRef>
+      <a:fillRef idx="0">
+        <a:scrgbClr r="0" g="0" b="0"/>
+      </a:fillRef>
+      <a:effectRef idx="0">
+        <a:scrgbClr r="0" g="0" b="0"/>
+      </a:effectRef>
+      <a:fontRef idx="minor"/>
+    </dgm:style>
+  </dgm:styleLbl>
+  <dgm:styleLbl name="parChTrans1D3">
+    <dgm:scene3d>
+      <a:camera prst="orthographicFront"/>
+      <a:lightRig rig="threePt" dir="t"/>
+    </dgm:scene3d>
+    <dgm:sp3d/>
+    <dgm:txPr/>
+    <dgm:style>
+      <a:lnRef idx="2">
+        <a:scrgbClr r="0" g="0" b="0"/>
+      </a:lnRef>
+      <a:fillRef idx="0">
+        <a:scrgbClr r="0" g="0" b="0"/>
+      </a:fillRef>
+      <a:effectRef idx="0">
+        <a:scrgbClr r="0" g="0" b="0"/>
+      </a:effectRef>
+      <a:fontRef idx="minor"/>
+    </dgm:style>
+  </dgm:styleLbl>
+  <dgm:styleLbl name="parChTrans1D4">
+    <dgm:scene3d>
+      <a:camera prst="orthographicFront"/>
+      <a:lightRig rig="threePt" dir="t"/>
+    </dgm:scene3d>
+    <dgm:sp3d/>
+    <dgm:txPr/>
+    <dgm:style>
+      <a:lnRef idx="2">
+        <a:scrgbClr r="0" g="0" b="0"/>
+      </a:lnRef>
+      <a:fillRef idx="0">
+        <a:scrgbClr r="0" g="0" b="0"/>
+      </a:fillRef>
+      <a:effectRef idx="0">
+        <a:scrgbClr r="0" g="0" b="0"/>
+      </a:effectRef>
+      <a:fontRef idx="minor"/>
+    </dgm:style>
+  </dgm:styleLbl>
+  <dgm:styleLbl name="fgAcc1">
+    <dgm:scene3d>
+      <a:camera prst="orthographicFront"/>
+      <a:lightRig rig="threePt" dir="t"/>
+    </dgm:scene3d>
+    <dgm:sp3d/>
+    <dgm:txPr/>
+    <dgm:style>
+      <a:lnRef idx="2">
+        <a:scrgbClr r="0" g="0" b="0"/>
+      </a:lnRef>
+      <a:fillRef idx="1">
+        <a:scrgbClr r="0" g="0" b="0"/>
+      </a:fillRef>
+      <a:effectRef idx="0">
+        <a:scrgbClr r="0" g="0" b="0"/>
+      </a:effectRef>
+      <a:fontRef idx="minor"/>
+    </dgm:style>
+  </dgm:styleLbl>
+  <dgm:styleLbl name="conFgAcc1">
+    <dgm:scene3d>
+      <a:camera prst="orthographicFront"/>
+      <a:lightRig rig="threePt" dir="t"/>
+    </dgm:scene3d>
+    <dgm:sp3d/>
+    <dgm:txPr/>
+    <dgm:style>
+      <a:lnRef idx="2">
+        <a:scrgbClr r="0" g="0" b="0"/>
+      </a:lnRef>
+      <a:fillRef idx="1">
+        <a:scrgbClr r="0" g="0" b="0"/>
+      </a:fillRef>
+      <a:effectRef idx="0">
+        <a:scrgbClr r="0" g="0" b="0"/>
+      </a:effectRef>
+      <a:fontRef idx="minor"/>
+    </dgm:style>
+  </dgm:styleLbl>
+  <dgm:styleLbl name="alignAcc1">
+    <dgm:scene3d>
+      <a:camera prst="orthographicFront"/>
+      <a:lightRig rig="threePt" dir="t"/>
+    </dgm:scene3d>
+    <dgm:sp3d/>
+    <dgm:txPr/>
+    <dgm:style>
+      <a:lnRef idx="2">
+        <a:scrgbClr r="0" g="0" b="0"/>
+      </a:lnRef>
+      <a:fillRef idx="1">
+        <a:scrgbClr r="0" g="0" b="0"/>
+      </a:fillRef>
+      <a:effectRef idx="0">
+        <a:scrgbClr r="0" g="0" b="0"/>
+      </a:effectRef>
+      <a:fontRef idx="minor"/>
+    </dgm:style>
+  </dgm:styleLbl>
+  <dgm:styleLbl name="trAlignAcc1">
+    <dgm:scene3d>
+      <a:camera prst="orthographicFront"/>
+      <a:lightRig rig="threePt" dir="t"/>
+    </dgm:scene3d>
+    <dgm:sp3d/>
+    <dgm:txPr/>
+    <dgm:style>
+      <a:lnRef idx="1">
+        <a:scrgbClr r="0" g="0" b="0"/>
+      </a:lnRef>
+      <a:fillRef idx="1">
+        <a:scrgbClr r="0" g="0" b="0"/>
+      </a:fillRef>
+      <a:effectRef idx="0">
+        <a:scrgbClr r="0" g="0" b="0"/>
+      </a:effectRef>
+      <a:fontRef idx="minor"/>
+    </dgm:style>
+  </dgm:styleLbl>
+  <dgm:styleLbl name="bgAcc1">
+    <dgm:scene3d>
+      <a:camera prst="orthographicFront"/>
+      <a:lightRig rig="threePt" dir="t"/>
+    </dgm:scene3d>
+    <dgm:sp3d/>
+    <dgm:txPr/>
+    <dgm:style>
+      <a:lnRef idx="2">
+        <a:scrgbClr r="0" g="0" b="0"/>
+      </a:lnRef>
+      <a:fillRef idx="1">
+        <a:scrgbClr r="0" g="0" b="0"/>
+      </a:fillRef>
+      <a:effectRef idx="0">
+        <a:scrgbClr r="0" g="0" b="0"/>
+      </a:effectRef>
+      <a:fontRef idx="minor"/>
+    </dgm:style>
+  </dgm:styleLbl>
+  <dgm:styleLbl name="solidFgAcc1">
+    <dgm:scene3d>
+      <a:camera prst="orthographicFront"/>
+      <a:lightRig rig="threePt" dir="t"/>
+    </dgm:scene3d>
+    <dgm:sp3d/>
+    <dgm:txPr/>
+    <dgm:style>
+      <a:lnRef idx="2">
+        <a:scrgbClr r="0" g="0" b="0"/>
+      </a:lnRef>
+      <a:fillRef idx="1">
+        <a:scrgbClr r="0" g="0" b="0"/>
+      </a:fillRef>
+      <a:effectRef idx="0">
+        <a:scrgbClr r="0" g="0" b="0"/>
+      </a:effectRef>
+      <a:fontRef idx="minor"/>
+    </dgm:style>
+  </dgm:styleLbl>
+  <dgm:styleLbl name="solidAlignAcc1">
+    <dgm:scene3d>
+      <a:camera prst="orthographicFront"/>
+      <a:lightRig rig="threePt" dir="t"/>
+    </dgm:scene3d>
+    <dgm:sp3d/>
+    <dgm:txPr/>
+    <dgm:style>
+      <a:lnRef idx="2">
+        <a:scrgbClr r="0" g="0" b="0"/>
+      </a:lnRef>
+      <a:fillRef idx="1">
+        <a:scrgbClr r="0" g="0" b="0"/>
+      </a:fillRef>
+      <a:effectRef idx="0">
+        <a:scrgbClr r="0" g="0" b="0"/>
+      </a:effectRef>
+      <a:fontRef idx="minor"/>
+    </dgm:style>
+  </dgm:styleLbl>
+  <dgm:styleLbl name="solidBgAcc1">
+    <dgm:scene3d>
+      <a:camera prst="orthographicFront"/>
+      <a:lightRig rig="threePt" dir="t"/>
+    </dgm:scene3d>
+    <dgm:sp3d/>
+    <dgm:txPr/>
+    <dgm:style>
+      <a:lnRef idx="2">
+        <a:scrgbClr r="0" g="0" b="0"/>
+      </a:lnRef>
+      <a:fillRef idx="1">
+        <a:scrgbClr r="0" g="0" b="0"/>
+      </a:fillRef>
+      <a:effectRef idx="0">
+        <a:scrgbClr r="0" g="0" b="0"/>
+      </a:effectRef>
+      <a:fontRef idx="minor"/>
+    </dgm:style>
+  </dgm:styleLbl>
+  <dgm:styleLbl name="fgAccFollowNode1">
+    <dgm:scene3d>
+      <a:camera prst="orthographicFront"/>
+      <a:lightRig rig="threePt" dir="t"/>
+    </dgm:scene3d>
+    <dgm:sp3d/>
+    <dgm:txPr/>
+    <dgm:style>
+      <a:lnRef idx="2">
+        <a:scrgbClr r="0" g="0" b="0"/>
+      </a:lnRef>
+      <a:fillRef idx="1">
+        <a:scrgbClr r="0" g="0" b="0"/>
+      </a:fillRef>
+      <a:effectRef idx="0">
+        <a:scrgbClr r="0" g="0" b="0"/>
+      </a:effectRef>
+      <a:fontRef idx="minor"/>
+    </dgm:style>
+  </dgm:styleLbl>
+  <dgm:styleLbl name="alignAccFollowNode1">
+    <dgm:scene3d>
+      <a:camera prst="orthographicFront"/>
+      <a:lightRig rig="threePt" dir="t"/>
+    </dgm:scene3d>
+    <dgm:sp3d/>
+    <dgm:txPr/>
+    <dgm:style>
+      <a:lnRef idx="2">
+        <a:scrgbClr r="0" g="0" b="0"/>
+      </a:lnRef>
+      <a:fillRef idx="1">
+        <a:scrgbClr r="0" g="0" b="0"/>
+      </a:fillRef>
+      <a:effectRef idx="0">
+        <a:scrgbClr r="0" g="0" b="0"/>
+      </a:effectRef>
+      <a:fontRef idx="minor"/>
+    </dgm:style>
+  </dgm:styleLbl>
+  <dgm:styleLbl name="bgAccFollowNode1">
+    <dgm:scene3d>
+      <a:camera prst="orthographicFront"/>
+      <a:lightRig rig="threePt" dir="t"/>
+    </dgm:scene3d>
+    <dgm:sp3d/>
+    <dgm:txPr/>
+    <dgm:style>
+      <a:lnRef idx="2">
+        <a:scrgbClr r="0" g="0" b="0"/>
+      </a:lnRef>
+      <a:fillRef idx="1">
+        <a:scrgbClr r="0" g="0" b="0"/>
+      </a:fillRef>
+      <a:effectRef idx="0">
+        <a:scrgbClr r="0" g="0" b="0"/>
+      </a:effectRef>
+      <a:fontRef idx="minor"/>
+    </dgm:style>
+  </dgm:styleLbl>
+  <dgm:styleLbl name="fgAcc0">
+    <dgm:scene3d>
+      <a:camera prst="orthographicFront"/>
+      <a:lightRig rig="threePt" dir="t"/>
+    </dgm:scene3d>
+    <dgm:sp3d/>
+    <dgm:txPr/>
+    <dgm:style>
+      <a:lnRef idx="2">
+        <a:scrgbClr r="0" g="0" b="0"/>
+      </a:lnRef>
+      <a:fillRef idx="1">
+        <a:scrgbClr r="0" g="0" b="0"/>
+      </a:fillRef>
+      <a:effectRef idx="0">
+        <a:scrgbClr r="0" g="0" b="0"/>
+      </a:effectRef>
+      <a:fontRef idx="minor"/>
+    </dgm:style>
+  </dgm:styleLbl>
+  <dgm:styleLbl name="fgAcc2">
+    <dgm:scene3d>
+      <a:camera prst="orthographicFront"/>
+      <a:lightRig rig="threePt" dir="t"/>
+    </dgm:scene3d>
+    <dgm:sp3d/>
+    <dgm:txPr/>
+    <dgm:style>
+      <a:lnRef idx="2">
+        <a:scrgbClr r="0" g="0" b="0"/>
+      </a:lnRef>
+      <a:fillRef idx="1">
+        <a:scrgbClr r="0" g="0" b="0"/>
+      </a:fillRef>
+      <a:effectRef idx="0">
+        <a:scrgbClr r="0" g="0" b="0"/>
+      </a:effectRef>
+      <a:fontRef idx="minor"/>
+    </dgm:style>
+  </dgm:styleLbl>
+  <dgm:styleLbl name="fgAcc3">
+    <dgm:scene3d>
+      <a:camera prst="orthographicFront"/>
+      <a:lightRig rig="threePt" dir="t"/>
+    </dgm:scene3d>
+    <dgm:sp3d/>
+    <dgm:txPr/>
+    <dgm:style>
+      <a:lnRef idx="2">
+        <a:scrgbClr r="0" g="0" b="0"/>
+      </a:lnRef>
+      <a:fillRef idx="1">
+        <a:scrgbClr r="0" g="0" b="0"/>
+      </a:fillRef>
+      <a:effectRef idx="0">
+        <a:scrgbClr r="0" g="0" b="0"/>
+      </a:effectRef>
+      <a:fontRef idx="minor"/>
+    </dgm:style>
+  </dgm:styleLbl>
+  <dgm:styleLbl name="fgAcc4">
+    <dgm:scene3d>
+      <a:camera prst="orthographicFront"/>
+      <a:lightRig rig="threePt" dir="t"/>
+    </dgm:scene3d>
+    <dgm:sp3d/>
+    <dgm:txPr/>
+    <dgm:style>
+      <a:lnRef idx="2">
+        <a:scrgbClr r="0" g="0" b="0"/>
+      </a:lnRef>
+      <a:fillRef idx="1">
+        <a:scrgbClr r="0" g="0" b="0"/>
+      </a:fillRef>
+      <a:effectRef idx="0">
+        <a:scrgbClr r="0" g="0" b="0"/>
+      </a:effectRef>
+      <a:fontRef idx="minor"/>
+    </dgm:style>
+  </dgm:styleLbl>
+  <dgm:styleLbl name="bgShp">
+    <dgm:scene3d>
+      <a:camera prst="orthographicFront"/>
+      <a:lightRig rig="threePt" dir="t"/>
+    </dgm:scene3d>
+    <dgm:sp3d/>
+    <dgm:txPr/>
+    <dgm:style>
+      <a:lnRef idx="0">
+        <a:scrgbClr r="0" g="0" b="0"/>
+      </a:lnRef>
+      <a:fillRef idx="1">
+        <a:scrgbClr r="0" g="0" b="0"/>
+      </a:fillRef>
+      <a:effectRef idx="0">
+        <a:scrgbClr r="0" g="0" b="0"/>
+      </a:effectRef>
+      <a:fontRef idx="minor"/>
+    </dgm:style>
+  </dgm:styleLbl>
+  <dgm:styleLbl name="dkBgShp">
+    <dgm:scene3d>
+      <a:camera prst="orthographicFront"/>
+      <a:lightRig rig="threePt" dir="t"/>
+    </dgm:scene3d>
+    <dgm:sp3d/>
+    <dgm:txPr/>
+    <dgm:style>
+      <a:lnRef idx="0">
+        <a:scrgbClr r="0" g="0" b="0"/>
+      </a:lnRef>
+      <a:fillRef idx="1">
+        <a:scrgbClr r="0" g="0" b="0"/>
+      </a:fillRef>
+      <a:effectRef idx="0">
+        <a:scrgbClr r="0" g="0" b="0"/>
+      </a:effectRef>
+      <a:fontRef idx="minor"/>
+    </dgm:style>
+  </dgm:styleLbl>
+  <dgm:styleLbl name="trBgShp">
+    <dgm:scene3d>
+      <a:camera prst="orthographicFront"/>
+      <a:lightRig rig="threePt" dir="t"/>
+    </dgm:scene3d>
+    <dgm:sp3d/>
+    <dgm:txPr/>
+    <dgm:style>
+      <a:lnRef idx="0">
+        <a:scrgbClr r="0" g="0" b="0"/>
+      </a:lnRef>
+      <a:fillRef idx="1">
+        <a:scrgbClr r="0" g="0" b="0"/>
+      </a:fillRef>
+      <a:effectRef idx="0">
+        <a:scrgbClr r="0" g="0" b="0"/>
+      </a:effectRef>
+      <a:fontRef idx="minor"/>
+    </dgm:style>
+  </dgm:styleLbl>
+  <dgm:styleLbl name="fgShp">
+    <dgm:scene3d>
+      <a:camera prst="orthographicFront"/>
+      <a:lightRig rig="threePt" dir="t"/>
+    </dgm:scene3d>
+    <dgm:sp3d/>
+    <dgm:txPr/>
+    <dgm:style>
+      <a:lnRef idx="2">
+        <a:scrgbClr r="0" g="0" b="0"/>
+      </a:lnRef>
+      <a:fillRef idx="1">
+        <a:scrgbClr r="0" g="0" b="0"/>
+      </a:fillRef>
+      <a:effectRef idx="0">
+        <a:scrgbClr r="0" g="0" b="0"/>
+      </a:effectRef>
+      <a:fontRef idx="minor"/>
+    </dgm:style>
+  </dgm:styleLbl>
+  <dgm:styleLbl name="revTx">
+    <dgm:scene3d>
+      <a:camera prst="orthographicFront"/>
+      <a:lightRig rig="threePt" dir="t"/>
+    </dgm:scene3d>
+    <dgm:sp3d/>
+    <dgm:txPr/>
+    <dgm:style>
+      <a:lnRef idx="0">
+        <a:scrgbClr r="0" g="0" b="0"/>
+      </a:lnRef>
+      <a:fillRef idx="0">
+        <a:scrgbClr r="0" g="0" b="0"/>
+      </a:fillRef>
+      <a:effectRef idx="0">
+        <a:scrgbClr r="0" g="0" b="0"/>
+      </a:effectRef>
+      <a:fontRef idx="minor"/>
+    </dgm:style>
+  </dgm:styleLbl>
+</dgm:styleDef>
+</file>
+
 <file path=ppt/slideLayouts/slideLayout1.xml><?xml version="1.0" encoding="utf-8"?>
 <p:sldLayout xmlns:a="http://schemas.openxmlformats.org/drawingml/2006/main" xmlns:r="http://schemas.openxmlformats.org/officeDocument/2006/relationships" xmlns:p="http://schemas.openxmlformats.org/presentationml/2006/main" type="title" preserve="1">
   <p:cSld name="Title Slide">
@@ -8190,7 +10900,7 @@
             <a:fld id="{993365B8-C071-4221-A39E-10773AB31212}" type="datetimeFigureOut">
               <a:rPr lang="en-US" smtClean="0"/>
               <a:pPr/>
-              <a:t>12/8/2008</a:t>
+              <a:t>12/13/2008</a:t>
             </a:fld>
             <a:endParaRPr lang="en-US"/>
           </a:p>
@@ -8357,7 +11067,7 @@
             <a:fld id="{993365B8-C071-4221-A39E-10773AB31212}" type="datetimeFigureOut">
               <a:rPr lang="en-US" smtClean="0"/>
               <a:pPr/>
-              <a:t>12/8/2008</a:t>
+              <a:t>12/13/2008</a:t>
             </a:fld>
             <a:endParaRPr lang="en-US"/>
           </a:p>
@@ -8534,7 +11244,7 @@
             <a:fld id="{993365B8-C071-4221-A39E-10773AB31212}" type="datetimeFigureOut">
               <a:rPr lang="en-US" smtClean="0"/>
               <a:pPr/>
-              <a:t>12/8/2008</a:t>
+              <a:t>12/13/2008</a:t>
             </a:fld>
             <a:endParaRPr lang="en-US"/>
           </a:p>
@@ -8701,7 +11411,7 @@
             <a:fld id="{993365B8-C071-4221-A39E-10773AB31212}" type="datetimeFigureOut">
               <a:rPr lang="en-US" smtClean="0"/>
               <a:pPr/>
-              <a:t>12/8/2008</a:t>
+              <a:t>12/13/2008</a:t>
             </a:fld>
             <a:endParaRPr lang="en-US"/>
           </a:p>
@@ -8944,7 +11654,7 @@
             <a:fld id="{993365B8-C071-4221-A39E-10773AB31212}" type="datetimeFigureOut">
               <a:rPr lang="en-US" smtClean="0"/>
               <a:pPr/>
-              <a:t>12/8/2008</a:t>
+              <a:t>12/13/2008</a:t>
             </a:fld>
             <a:endParaRPr lang="en-US"/>
           </a:p>
@@ -9229,7 +11939,7 @@
             <a:fld id="{993365B8-C071-4221-A39E-10773AB31212}" type="datetimeFigureOut">
               <a:rPr lang="en-US" smtClean="0"/>
               <a:pPr/>
-              <a:t>12/8/2008</a:t>
+              <a:t>12/13/2008</a:t>
             </a:fld>
             <a:endParaRPr lang="en-US"/>
           </a:p>
@@ -9653,7 +12363,7 @@
             <a:fld id="{993365B8-C071-4221-A39E-10773AB31212}" type="datetimeFigureOut">
               <a:rPr lang="en-US" smtClean="0"/>
               <a:pPr/>
-              <a:t>12/8/2008</a:t>
+              <a:t>12/13/2008</a:t>
             </a:fld>
             <a:endParaRPr lang="en-US"/>
           </a:p>
@@ -9768,7 +12478,7 @@
             <a:fld id="{993365B8-C071-4221-A39E-10773AB31212}" type="datetimeFigureOut">
               <a:rPr lang="en-US" smtClean="0"/>
               <a:pPr/>
-              <a:t>12/8/2008</a:t>
+              <a:t>12/13/2008</a:t>
             </a:fld>
             <a:endParaRPr lang="en-US"/>
           </a:p>
@@ -9860,7 +12570,7 @@
             <a:fld id="{993365B8-C071-4221-A39E-10773AB31212}" type="datetimeFigureOut">
               <a:rPr lang="en-US" smtClean="0"/>
               <a:pPr/>
-              <a:t>12/8/2008</a:t>
+              <a:t>12/13/2008</a:t>
             </a:fld>
             <a:endParaRPr lang="en-US"/>
           </a:p>
@@ -10134,7 +12844,7 @@
             <a:fld id="{993365B8-C071-4221-A39E-10773AB31212}" type="datetimeFigureOut">
               <a:rPr lang="en-US" smtClean="0"/>
               <a:pPr/>
-              <a:t>12/8/2008</a:t>
+              <a:t>12/13/2008</a:t>
             </a:fld>
             <a:endParaRPr lang="en-US"/>
           </a:p>
@@ -10384,7 +13094,7 @@
             <a:fld id="{993365B8-C071-4221-A39E-10773AB31212}" type="datetimeFigureOut">
               <a:rPr lang="en-US" smtClean="0"/>
               <a:pPr/>
-              <a:t>12/8/2008</a:t>
+              <a:t>12/13/2008</a:t>
             </a:fld>
             <a:endParaRPr lang="en-US"/>
           </a:p>
@@ -10594,7 +13304,7 @@
             <a:fld id="{993365B8-C071-4221-A39E-10773AB31212}" type="datetimeFigureOut">
               <a:rPr lang="en-US" smtClean="0"/>
               <a:pPr/>
-              <a:t>12/8/2008</a:t>
+              <a:t>12/13/2008</a:t>
             </a:fld>
             <a:endParaRPr lang="en-US"/>
           </a:p>
@@ -11018,14 +13728,7 @@
                 <a:latin typeface="Times New Roman" pitchFamily="18" charset="0"/>
                 <a:cs typeface="Times New Roman" pitchFamily="18" charset="0"/>
               </a:rPr>
-              <a:t>CHỨNG MINH TỰ ĐỘNG </a:t>
-            </a:r>
-            <a:r>
-              <a:rPr lang="en-US" sz="3600" smtClean="0">
-                <a:latin typeface="Times New Roman" pitchFamily="18" charset="0"/>
-                <a:cs typeface="Times New Roman" pitchFamily="18" charset="0"/>
-              </a:rPr>
-              <a:t>LOGIC VỊ TỪ BẰNG PHƯƠNG PHÁP SUY LUẬN TỰ NHIÊN</a:t>
+              <a:t>CHỨNG MINH TỰ ĐỘNG LOGIC VỊ TỪ BẰNG PHƯƠNG PHÁP SUY LUẬN TỰ NHIÊN</a:t>
             </a:r>
             <a:endParaRPr lang="en-US" sz="3600">
               <a:latin typeface="Times New Roman" pitchFamily="18" charset="0"/>
@@ -19454,7 +22157,7 @@
         </p:spPr>
         <p:txBody>
           <a:bodyPr>
-            <a:normAutofit fontScale="85000" lnSpcReduction="10000"/>
+            <a:normAutofit/>
           </a:bodyPr>
           <a:lstStyle/>
           <a:p>
@@ -19480,8 +22183,19 @@
                 <a:latin typeface="Times New Roman" pitchFamily="18" charset="0"/>
                 <a:cs typeface="Times New Roman" pitchFamily="18" charset="0"/>
               </a:rPr>
-              <a:t>Trẻ con nói chuyện không biết lý luận.</a:t>
-            </a:r>
+              <a:t>Nếu là người thì phải chết</a:t>
+            </a:r>
+            <a:r>
+              <a:rPr lang="vi-VN" smtClean="0">
+                <a:latin typeface="Times New Roman" pitchFamily="18" charset="0"/>
+                <a:cs typeface="Times New Roman" pitchFamily="18" charset="0"/>
+              </a:rPr>
+              <a:t>. </a:t>
+            </a:r>
+            <a:endParaRPr lang="vi-VN" smtClean="0">
+              <a:latin typeface="Times New Roman" pitchFamily="18" charset="0"/>
+              <a:cs typeface="Times New Roman" pitchFamily="18" charset="0"/>
+            </a:endParaRPr>
           </a:p>
           <a:p>
             <a:pPr lvl="1">
@@ -19493,27 +22207,14 @@
                 <a:latin typeface="Times New Roman" pitchFamily="18" charset="0"/>
                 <a:cs typeface="Times New Roman" pitchFamily="18" charset="0"/>
               </a:rPr>
-              <a:t>Không ai làm việc chăm chỉ lại bị chế nhạo.</a:t>
-            </a:r>
-          </a:p>
-          <a:p>
-            <a:pPr lvl="1">
-              <a:buFont typeface="Arial" pitchFamily="34" charset="0"/>
-              <a:buChar char="•"/>
-            </a:pPr>
+              <a:t>Socrates là người</a:t>
+            </a:r>
             <a:r>
               <a:rPr lang="vi-VN" smtClean="0">
                 <a:latin typeface="Times New Roman" pitchFamily="18" charset="0"/>
                 <a:cs typeface="Times New Roman" pitchFamily="18" charset="0"/>
               </a:rPr>
-              <a:t>Ai nói chuyện không biết lý luận thì bị chế nh</a:t>
-            </a:r>
-            <a:r>
-              <a:rPr lang="en-US" smtClean="0">
-                <a:latin typeface="Times New Roman" pitchFamily="18" charset="0"/>
-                <a:cs typeface="Times New Roman" pitchFamily="18" charset="0"/>
-              </a:rPr>
-              <a:t>ạo</a:t>
+              <a:t>. </a:t>
             </a:r>
             <a:endParaRPr lang="vi-VN" smtClean="0">
               <a:latin typeface="Times New Roman" pitchFamily="18" charset="0"/>
@@ -19536,65 +22237,30 @@
                 <a:latin typeface="Times New Roman" pitchFamily="18" charset="0"/>
                 <a:cs typeface="Times New Roman" pitchFamily="18" charset="0"/>
               </a:rPr>
-              <a:t>Vì vậy trẻ con không thể làm việc chăm chỉ</a:t>
+              <a:t>Vậy Socrates </a:t>
+            </a:r>
+            <a:r>
+              <a:rPr lang="vi-VN" i="1" smtClean="0">
+                <a:latin typeface="Times New Roman" pitchFamily="18" charset="0"/>
+                <a:cs typeface="Times New Roman" pitchFamily="18" charset="0"/>
+              </a:rPr>
+              <a:t>phải </a:t>
+            </a:r>
+            <a:r>
+              <a:rPr lang="vi-VN" i="1" smtClean="0">
+                <a:latin typeface="Times New Roman" pitchFamily="18" charset="0"/>
+                <a:cs typeface="Times New Roman" pitchFamily="18" charset="0"/>
+              </a:rPr>
+              <a:t>chết</a:t>
             </a:r>
             <a:r>
               <a:rPr lang="en-US" i="1" smtClean="0">
                 <a:latin typeface="Times New Roman" pitchFamily="18" charset="0"/>
                 <a:cs typeface="Times New Roman" pitchFamily="18" charset="0"/>
               </a:rPr>
-              <a:t> ?</a:t>
-            </a:r>
-          </a:p>
-          <a:p>
-            <a:pPr>
-              <a:buFont typeface="Wingdings" pitchFamily="2" charset="2"/>
-              <a:buChar char="§"/>
-            </a:pPr>
-            <a:r>
-              <a:rPr lang="en-US" smtClean="0">
-                <a:latin typeface="Times New Roman" pitchFamily="18" charset="0"/>
-                <a:cs typeface="Times New Roman" pitchFamily="18" charset="0"/>
-              </a:rPr>
-              <a:t>Để chứng minh ta phải vận dụng logic vị từ theo 3 bước</a:t>
-            </a:r>
-          </a:p>
-          <a:p>
-            <a:pPr marL="971550" lvl="1" indent="-514350">
-              <a:buAutoNum type="arabicPeriod"/>
-            </a:pPr>
-            <a:r>
-              <a:rPr lang="en-US" smtClean="0">
-                <a:latin typeface="Times New Roman" pitchFamily="18" charset="0"/>
-                <a:cs typeface="Times New Roman" pitchFamily="18" charset="0"/>
-              </a:rPr>
-              <a:t>Chuyển bài toán thành logic vị từ</a:t>
-            </a:r>
-          </a:p>
-          <a:p>
-            <a:pPr marL="971550" lvl="1" indent="-514350">
-              <a:buAutoNum type="arabicPeriod"/>
-            </a:pPr>
-            <a:r>
-              <a:rPr lang="en-US" smtClean="0">
-                <a:latin typeface="Times New Roman" pitchFamily="18" charset="0"/>
-                <a:cs typeface="Times New Roman" pitchFamily="18" charset="0"/>
-              </a:rPr>
-              <a:t>Dùng các luật suy diễn để suy luận</a:t>
-            </a:r>
-          </a:p>
-          <a:p>
-            <a:pPr marL="971550" lvl="1" indent="-514350">
-              <a:buAutoNum type="arabicPeriod"/>
-            </a:pPr>
-            <a:r>
-              <a:rPr lang="en-US" smtClean="0">
-                <a:latin typeface="Times New Roman" pitchFamily="18" charset="0"/>
-                <a:cs typeface="Times New Roman" pitchFamily="18" charset="0"/>
-              </a:rPr>
-              <a:t>Chuyển các suy luận thành ngôn ngữ tự nhiên</a:t>
-            </a:r>
-            <a:endParaRPr lang="en-US">
+              <a:t>.</a:t>
+            </a:r>
+            <a:endParaRPr lang="en-US" i="1" smtClean="0">
               <a:latin typeface="Times New Roman" pitchFamily="18" charset="0"/>
               <a:cs typeface="Times New Roman" pitchFamily="18" charset="0"/>
             </a:endParaRPr>
@@ -20822,68 +23488,368 @@
           </a:xfrm>
         </p:spPr>
         <p:txBody>
-          <a:bodyPr>
-            <a:normAutofit/>
-          </a:bodyPr>
+          <a:bodyPr/>
           <a:lstStyle/>
           <a:p>
             <a:r>
               <a:rPr lang="en-US" smtClean="0">
                 <a:latin typeface="Times New Roman" pitchFamily="18" charset="0"/>
               </a:rPr>
-              <a:t>DẪN NHẬP (2)</a:t>
+              <a:t>DẪN </a:t>
+            </a:r>
+            <a:r>
+              <a:rPr lang="en-US" smtClean="0">
+                <a:latin typeface="Times New Roman" pitchFamily="18" charset="0"/>
+              </a:rPr>
+              <a:t>NHẬP (2)</a:t>
             </a:r>
             <a:endParaRPr lang="en-US">
               <a:latin typeface="Times New Roman" pitchFamily="18" charset="0"/>
             </a:endParaRPr>
+          </a:p>
+        </p:txBody>
+      </p:sp>
+      <p:graphicFrame>
+        <p:nvGraphicFramePr>
+          <p:cNvPr id="4" name="Content Placeholder 3"/>
+          <p:cNvGraphicFramePr>
+            <a:graphicFrameLocks noGrp="1"/>
+          </p:cNvGraphicFramePr>
+          <p:nvPr>
+            <p:ph idx="1"/>
+          </p:nvPr>
+        </p:nvGraphicFramePr>
+        <p:xfrm>
+          <a:off x="457200" y="1181100"/>
+          <a:ext cx="8382000" cy="4191000"/>
+        </p:xfrm>
+        <a:graphic>
+          <a:graphicData uri="http://schemas.openxmlformats.org/drawingml/2006/diagram">
+            <dgm:relIds xmlns:dgm="http://schemas.openxmlformats.org/drawingml/2006/diagram" xmlns:r="http://schemas.openxmlformats.org/officeDocument/2006/relationships" r:dm="rId2" r:lo="rId3" r:qs="rId4" r:cs="rId5"/>
+          </a:graphicData>
+        </a:graphic>
+      </p:graphicFrame>
+      <p:sp>
+        <p:nvSpPr>
+          <p:cNvPr id="8" name="Right Arrow 7"/>
+          <p:cNvSpPr/>
+          <p:nvPr/>
+        </p:nvSpPr>
+        <p:spPr>
+          <a:xfrm flipV="1">
+            <a:off x="4038600" y="3467100"/>
+            <a:ext cx="1295400" cy="152400"/>
+          </a:xfrm>
+          <a:prstGeom prst="rightArrow">
+            <a:avLst/>
+          </a:prstGeom>
+          <a:scene3d>
+            <a:camera prst="orthographicFront">
+              <a:rot lat="0" lon="10800000" rev="0"/>
+            </a:camera>
+            <a:lightRig rig="threePt" dir="t"/>
+          </a:scene3d>
+        </p:spPr>
+        <p:style>
+          <a:lnRef idx="2">
+            <a:schemeClr val="accent1">
+              <a:shade val="50000"/>
+            </a:schemeClr>
+          </a:lnRef>
+          <a:fillRef idx="1">
+            <a:schemeClr val="accent1"/>
+          </a:fillRef>
+          <a:effectRef idx="0">
+            <a:schemeClr val="accent1"/>
+          </a:effectRef>
+          <a:fontRef idx="minor">
+            <a:schemeClr val="lt1"/>
+          </a:fontRef>
+        </p:style>
+        <p:txBody>
+          <a:bodyPr rtlCol="0" anchor="ctr"/>
+          <a:lstStyle/>
+          <a:p>
+            <a:pPr algn="ctr"/>
+            <a:endParaRPr lang="en-US"/>
           </a:p>
         </p:txBody>
       </p:sp>
       <p:sp>
         <p:nvSpPr>
-          <p:cNvPr id="12" name="Content Placeholder 11"/>
-          <p:cNvSpPr>
-            <a:spLocks noGrp="1"/>
-          </p:cNvSpPr>
-          <p:nvPr>
-            <p:ph idx="1"/>
-          </p:nvPr>
+          <p:cNvPr id="9" name="Right Arrow 8"/>
+          <p:cNvSpPr/>
+          <p:nvPr/>
         </p:nvSpPr>
-        <p:spPr/>
+        <p:spPr>
+          <a:xfrm flipV="1">
+            <a:off x="4114800" y="5067300"/>
+            <a:ext cx="1295400" cy="152400"/>
+          </a:xfrm>
+          <a:prstGeom prst="rightArrow">
+            <a:avLst/>
+          </a:prstGeom>
+          <a:scene3d>
+            <a:camera prst="orthographicFront">
+              <a:rot lat="0" lon="10800000" rev="0"/>
+            </a:camera>
+            <a:lightRig rig="threePt" dir="t"/>
+          </a:scene3d>
+        </p:spPr>
+        <p:style>
+          <a:lnRef idx="2">
+            <a:schemeClr val="accent1">
+              <a:shade val="50000"/>
+            </a:schemeClr>
+          </a:lnRef>
+          <a:fillRef idx="1">
+            <a:schemeClr val="accent1"/>
+          </a:fillRef>
+          <a:effectRef idx="0">
+            <a:schemeClr val="accent1"/>
+          </a:effectRef>
+          <a:fontRef idx="minor">
+            <a:schemeClr val="lt1"/>
+          </a:fontRef>
+        </p:style>
         <p:txBody>
-          <a:bodyPr>
-            <a:normAutofit/>
+          <a:bodyPr rtlCol="0" anchor="ctr"/>
+          <a:lstStyle/>
+          <a:p>
+            <a:pPr algn="ctr"/>
+            <a:endParaRPr lang="en-US"/>
+          </a:p>
+        </p:txBody>
+      </p:sp>
+      <p:sp>
+        <p:nvSpPr>
+          <p:cNvPr id="25" name="Rectangle 24"/>
+          <p:cNvSpPr/>
+          <p:nvPr/>
+        </p:nvSpPr>
+        <p:spPr>
+          <a:xfrm>
+            <a:off x="4648200" y="4895784"/>
+            <a:ext cx="4191000" cy="476316"/>
+          </a:xfrm>
+          <a:prstGeom prst="rect">
+            <a:avLst/>
+          </a:prstGeom>
+        </p:spPr>
+        <p:style>
+          <a:lnRef idx="0">
+            <a:scrgbClr r="0" g="0" b="0"/>
+          </a:lnRef>
+          <a:fillRef idx="0">
+            <a:scrgbClr r="0" g="0" b="0"/>
+          </a:fillRef>
+          <a:effectRef idx="0">
+            <a:scrgbClr r="0" g="0" b="0"/>
+          </a:effectRef>
+          <a:fontRef idx="minor">
+            <a:schemeClr val="dk1">
+              <a:hueOff val="0"/>
+              <a:satOff val="0"/>
+              <a:lumOff val="0"/>
+              <a:alphaOff val="0"/>
+            </a:schemeClr>
+          </a:fontRef>
+        </p:style>
+        <p:txBody>
+          <a:bodyPr spcFirstLastPara="0" vert="horz" wrap="square" lIns="213360" tIns="38100" rIns="213360" bIns="38100" numCol="1" spcCol="1270" anchor="ctr" anchorCtr="0">
+            <a:noAutofit/>
           </a:bodyPr>
           <a:lstStyle/>
           <a:p>
-            <a:r>
-              <a:rPr lang="en-US" smtClean="0">
+            <a:pPr lvl="0" algn="ctr" defTabSz="1333500">
+              <a:lnSpc>
+                <a:spcPct val="90000"/>
+              </a:lnSpc>
+              <a:spcBef>
+                <a:spcPct val="0"/>
+              </a:spcBef>
+              <a:spcAft>
+                <a:spcPct val="35000"/>
+              </a:spcAft>
+            </a:pPr>
+            <a:r>
+              <a:rPr lang="en-US" sz="3000" kern="1200" smtClean="0">
                 <a:latin typeface="Times New Roman" pitchFamily="18" charset="0"/>
                 <a:cs typeface="Times New Roman" pitchFamily="18" charset="0"/>
               </a:rPr>
-              <a:t>Có 2 phương pháp chứng minh chính</a:t>
-            </a:r>
-          </a:p>
-          <a:p>
-            <a:pPr lvl="1"/>
-            <a:r>
-              <a:rPr lang="en-US" smtClean="0">
+              <a:t>Kết quả logic</a:t>
+            </a:r>
+            <a:endParaRPr lang="en-US" sz="3000" kern="1200">
+              <a:latin typeface="Times New Roman" pitchFamily="18" charset="0"/>
+              <a:cs typeface="Times New Roman" pitchFamily="18" charset="0"/>
+            </a:endParaRPr>
+          </a:p>
+        </p:txBody>
+      </p:sp>
+      <p:sp>
+        <p:nvSpPr>
+          <p:cNvPr id="5" name="Right Arrow 4"/>
+          <p:cNvSpPr/>
+          <p:nvPr/>
+        </p:nvSpPr>
+        <p:spPr>
+          <a:xfrm flipV="1">
+            <a:off x="4114800" y="1866900"/>
+            <a:ext cx="1295400" cy="152400"/>
+          </a:xfrm>
+          <a:prstGeom prst="rightArrow">
+            <a:avLst/>
+          </a:prstGeom>
+        </p:spPr>
+        <p:style>
+          <a:lnRef idx="2">
+            <a:schemeClr val="accent1">
+              <a:shade val="50000"/>
+            </a:schemeClr>
+          </a:lnRef>
+          <a:fillRef idx="1">
+            <a:schemeClr val="accent1"/>
+          </a:fillRef>
+          <a:effectRef idx="0">
+            <a:schemeClr val="accent1"/>
+          </a:effectRef>
+          <a:fontRef idx="minor">
+            <a:schemeClr val="lt1"/>
+          </a:fontRef>
+        </p:style>
+        <p:txBody>
+          <a:bodyPr rtlCol="0" anchor="ctr"/>
+          <a:lstStyle/>
+          <a:p>
+            <a:pPr algn="ctr"/>
+            <a:endParaRPr lang="en-US"/>
+          </a:p>
+        </p:txBody>
+      </p:sp>
+      <p:sp>
+        <p:nvSpPr>
+          <p:cNvPr id="27" name="Rectangle 26"/>
+          <p:cNvSpPr/>
+          <p:nvPr/>
+        </p:nvSpPr>
+        <p:spPr>
+          <a:xfrm>
+            <a:off x="4724400" y="3314700"/>
+            <a:ext cx="4191000" cy="476316"/>
+          </a:xfrm>
+          <a:prstGeom prst="rect">
+            <a:avLst/>
+          </a:prstGeom>
+        </p:spPr>
+        <p:style>
+          <a:lnRef idx="0">
+            <a:scrgbClr r="0" g="0" b="0"/>
+          </a:lnRef>
+          <a:fillRef idx="0">
+            <a:scrgbClr r="0" g="0" b="0"/>
+          </a:fillRef>
+          <a:effectRef idx="0">
+            <a:scrgbClr r="0" g="0" b="0"/>
+          </a:effectRef>
+          <a:fontRef idx="minor">
+            <a:schemeClr val="dk1">
+              <a:hueOff val="0"/>
+              <a:satOff val="0"/>
+              <a:lumOff val="0"/>
+              <a:alphaOff val="0"/>
+            </a:schemeClr>
+          </a:fontRef>
+        </p:style>
+        <p:txBody>
+          <a:bodyPr spcFirstLastPara="0" vert="horz" wrap="square" lIns="213360" tIns="38100" rIns="213360" bIns="38100" numCol="1" spcCol="1270" anchor="ctr" anchorCtr="0">
+            <a:noAutofit/>
+          </a:bodyPr>
+          <a:lstStyle/>
+          <a:p>
+            <a:pPr lvl="0" algn="ctr" defTabSz="1333500">
+              <a:lnSpc>
+                <a:spcPct val="90000"/>
+              </a:lnSpc>
+              <a:spcBef>
+                <a:spcPct val="0"/>
+              </a:spcBef>
+              <a:spcAft>
+                <a:spcPct val="35000"/>
+              </a:spcAft>
+            </a:pPr>
+            <a:r>
+              <a:rPr lang="en-US" sz="3000" kern="1200" smtClean="0">
                 <a:latin typeface="Times New Roman" pitchFamily="18" charset="0"/>
                 <a:cs typeface="Times New Roman" pitchFamily="18" charset="0"/>
               </a:rPr>
-              <a:t>Suy luận tự nhiên</a:t>
-            </a:r>
-          </a:p>
-          <a:p>
-            <a:pPr lvl="1"/>
-            <a:r>
-              <a:rPr lang="en-US" smtClean="0">
+              <a:t>Lý luận logic</a:t>
+            </a:r>
+            <a:endParaRPr lang="en-US" sz="3000" kern="1200">
+              <a:latin typeface="Times New Roman" pitchFamily="18" charset="0"/>
+              <a:cs typeface="Times New Roman" pitchFamily="18" charset="0"/>
+            </a:endParaRPr>
+          </a:p>
+        </p:txBody>
+      </p:sp>
+      <p:sp>
+        <p:nvSpPr>
+          <p:cNvPr id="28" name="Rectangle 27"/>
+          <p:cNvSpPr/>
+          <p:nvPr/>
+        </p:nvSpPr>
+        <p:spPr>
+          <a:xfrm>
+            <a:off x="4724400" y="1714500"/>
+            <a:ext cx="4191000" cy="476316"/>
+          </a:xfrm>
+          <a:prstGeom prst="rect">
+            <a:avLst/>
+          </a:prstGeom>
+        </p:spPr>
+        <p:style>
+          <a:lnRef idx="0">
+            <a:scrgbClr r="0" g="0" b="0"/>
+          </a:lnRef>
+          <a:fillRef idx="0">
+            <a:scrgbClr r="0" g="0" b="0"/>
+          </a:fillRef>
+          <a:effectRef idx="0">
+            <a:scrgbClr r="0" g="0" b="0"/>
+          </a:effectRef>
+          <a:fontRef idx="minor">
+            <a:schemeClr val="dk1">
+              <a:hueOff val="0"/>
+              <a:satOff val="0"/>
+              <a:lumOff val="0"/>
+              <a:alphaOff val="0"/>
+            </a:schemeClr>
+          </a:fontRef>
+        </p:style>
+        <p:txBody>
+          <a:bodyPr spcFirstLastPara="0" vert="horz" wrap="square" lIns="213360" tIns="38100" rIns="213360" bIns="38100" numCol="1" spcCol="1270" anchor="ctr" anchorCtr="0">
+            <a:noAutofit/>
+          </a:bodyPr>
+          <a:lstStyle/>
+          <a:p>
+            <a:pPr lvl="0" algn="ctr" defTabSz="1333500">
+              <a:lnSpc>
+                <a:spcPct val="90000"/>
+              </a:lnSpc>
+              <a:spcBef>
+                <a:spcPct val="0"/>
+              </a:spcBef>
+              <a:spcAft>
+                <a:spcPct val="35000"/>
+              </a:spcAft>
+            </a:pPr>
+            <a:r>
+              <a:rPr lang="en-US" sz="3000" kern="1200" smtClean="0">
                 <a:latin typeface="Times New Roman" pitchFamily="18" charset="0"/>
                 <a:cs typeface="Times New Roman" pitchFamily="18" charset="0"/>
               </a:rPr>
-              <a:t>Phân giải</a:t>
-            </a:r>
-            <a:endParaRPr lang="en-US">
+              <a:t>Bài toán logic</a:t>
+            </a:r>
+            <a:endParaRPr lang="en-US" sz="3000" kern="1200">
               <a:latin typeface="Times New Roman" pitchFamily="18" charset="0"/>
               <a:cs typeface="Times New Roman" pitchFamily="18" charset="0"/>
             </a:endParaRPr>
@@ -20898,9 +23864,251 @@
   <p:timing>
     <p:tnLst>
       <p:par>
-        <p:cTn id="1" dur="indefinite" restart="never" nodeType="tmRoot"/>
+        <p:cTn id="1" dur="indefinite" restart="never" nodeType="tmRoot">
+          <p:childTnLst>
+            <p:seq concurrent="1" nextAc="seek">
+              <p:cTn id="2" dur="indefinite" nodeType="mainSeq">
+                <p:childTnLst>
+                  <p:par>
+                    <p:cTn id="3" fill="hold">
+                      <p:stCondLst>
+                        <p:cond delay="indefinite"/>
+                      </p:stCondLst>
+                      <p:childTnLst>
+                        <p:par>
+                          <p:cTn id="4" fill="hold">
+                            <p:stCondLst>
+                              <p:cond delay="0"/>
+                            </p:stCondLst>
+                            <p:childTnLst>
+                              <p:par>
+                                <p:cTn id="5" presetID="20" presetClass="emph" presetSubtype="0" fill="hold" grpId="0" nodeType="clickEffect">
+                                  <p:stCondLst>
+                                    <p:cond delay="0"/>
+                                  </p:stCondLst>
+                                  <p:iterate type="lt">
+                                    <p:tmPct val="10000"/>
+                                  </p:iterate>
+                                  <p:childTnLst>
+                                    <p:set>
+                                      <p:cBhvr override="childStyle">
+                                        <p:cTn id="6" dur="500" autoRev="1" fill="hold"/>
+                                        <p:tgtEl>
+                                          <p:spTgt spid="25"/>
+                                        </p:tgtEl>
+                                        <p:attrNameLst>
+                                          <p:attrName>style.color</p:attrName>
+                                        </p:attrNameLst>
+                                      </p:cBhvr>
+                                      <p:to>
+                                        <p:clrVal>
+                                          <a:schemeClr val="accent2"/>
+                                        </p:clrVal>
+                                      </p:to>
+                                    </p:set>
+                                    <p:set>
+                                      <p:cBhvr>
+                                        <p:cTn id="7" dur="500" autoRev="1" fill="hold"/>
+                                        <p:tgtEl>
+                                          <p:spTgt spid="25"/>
+                                        </p:tgtEl>
+                                        <p:attrNameLst>
+                                          <p:attrName>fillcolor</p:attrName>
+                                        </p:attrNameLst>
+                                      </p:cBhvr>
+                                      <p:to>
+                                        <p:clrVal>
+                                          <a:schemeClr val="accent2"/>
+                                        </p:clrVal>
+                                      </p:to>
+                                    </p:set>
+                                    <p:set>
+                                      <p:cBhvr>
+                                        <p:cTn id="8" dur="500" autoRev="1" fill="hold"/>
+                                        <p:tgtEl>
+                                          <p:spTgt spid="25"/>
+                                        </p:tgtEl>
+                                        <p:attrNameLst>
+                                          <p:attrName>fill.type</p:attrName>
+                                        </p:attrNameLst>
+                                      </p:cBhvr>
+                                      <p:to>
+                                        <p:strVal val="solid"/>
+                                      </p:to>
+                                    </p:set>
+                                  </p:childTnLst>
+                                </p:cTn>
+                              </p:par>
+                              <p:par>
+                                <p:cTn id="9" presetID="20" presetClass="emph" presetSubtype="0" fill="hold" nodeType="withEffect">
+                                  <p:stCondLst>
+                                    <p:cond delay="0"/>
+                                  </p:stCondLst>
+                                  <p:iterate type="lt">
+                                    <p:tmPct val="10000"/>
+                                  </p:iterate>
+                                  <p:childTnLst>
+                                    <p:set>
+                                      <p:cBhvr override="childStyle">
+                                        <p:cTn id="10" dur="500" autoRev="1" fill="hold"/>
+                                        <p:tgtEl>
+                                          <p:spTgt spid="27">
+                                            <p:txEl>
+                                              <p:pRg st="0" end="0"/>
+                                            </p:txEl>
+                                          </p:spTgt>
+                                        </p:tgtEl>
+                                        <p:attrNameLst>
+                                          <p:attrName>style.color</p:attrName>
+                                        </p:attrNameLst>
+                                      </p:cBhvr>
+                                      <p:to>
+                                        <p:clrVal>
+                                          <a:schemeClr val="accent2"/>
+                                        </p:clrVal>
+                                      </p:to>
+                                    </p:set>
+                                    <p:set>
+                                      <p:cBhvr>
+                                        <p:cTn id="11" dur="500" autoRev="1" fill="hold"/>
+                                        <p:tgtEl>
+                                          <p:spTgt spid="27">
+                                            <p:txEl>
+                                              <p:pRg st="0" end="0"/>
+                                            </p:txEl>
+                                          </p:spTgt>
+                                        </p:tgtEl>
+                                        <p:attrNameLst>
+                                          <p:attrName>fillcolor</p:attrName>
+                                        </p:attrNameLst>
+                                      </p:cBhvr>
+                                      <p:to>
+                                        <p:clrVal>
+                                          <a:schemeClr val="accent2"/>
+                                        </p:clrVal>
+                                      </p:to>
+                                    </p:set>
+                                    <p:set>
+                                      <p:cBhvr>
+                                        <p:cTn id="12" dur="500" autoRev="1" fill="hold"/>
+                                        <p:tgtEl>
+                                          <p:spTgt spid="27">
+                                            <p:txEl>
+                                              <p:pRg st="0" end="0"/>
+                                            </p:txEl>
+                                          </p:spTgt>
+                                        </p:tgtEl>
+                                        <p:attrNameLst>
+                                          <p:attrName>fill.type</p:attrName>
+                                        </p:attrNameLst>
+                                      </p:cBhvr>
+                                      <p:to>
+                                        <p:strVal val="solid"/>
+                                      </p:to>
+                                    </p:set>
+                                  </p:childTnLst>
+                                </p:cTn>
+                              </p:par>
+                              <p:par>
+                                <p:cTn id="13" presetID="20" presetClass="emph" presetSubtype="0" fill="hold" nodeType="withEffect">
+                                  <p:stCondLst>
+                                    <p:cond delay="0"/>
+                                  </p:stCondLst>
+                                  <p:iterate type="lt">
+                                    <p:tmPct val="10000"/>
+                                  </p:iterate>
+                                  <p:childTnLst>
+                                    <p:set>
+                                      <p:cBhvr override="childStyle">
+                                        <p:cTn id="14" dur="500" autoRev="1" fill="hold"/>
+                                        <p:tgtEl>
+                                          <p:spTgt spid="28">
+                                            <p:txEl>
+                                              <p:pRg st="0" end="0"/>
+                                            </p:txEl>
+                                          </p:spTgt>
+                                        </p:tgtEl>
+                                        <p:attrNameLst>
+                                          <p:attrName>style.color</p:attrName>
+                                        </p:attrNameLst>
+                                      </p:cBhvr>
+                                      <p:to>
+                                        <p:clrVal>
+                                          <a:schemeClr val="accent2"/>
+                                        </p:clrVal>
+                                      </p:to>
+                                    </p:set>
+                                    <p:set>
+                                      <p:cBhvr>
+                                        <p:cTn id="15" dur="500" autoRev="1" fill="hold"/>
+                                        <p:tgtEl>
+                                          <p:spTgt spid="28">
+                                            <p:txEl>
+                                              <p:pRg st="0" end="0"/>
+                                            </p:txEl>
+                                          </p:spTgt>
+                                        </p:tgtEl>
+                                        <p:attrNameLst>
+                                          <p:attrName>fillcolor</p:attrName>
+                                        </p:attrNameLst>
+                                      </p:cBhvr>
+                                      <p:to>
+                                        <p:clrVal>
+                                          <a:schemeClr val="accent2"/>
+                                        </p:clrVal>
+                                      </p:to>
+                                    </p:set>
+                                    <p:set>
+                                      <p:cBhvr>
+                                        <p:cTn id="16" dur="500" autoRev="1" fill="hold"/>
+                                        <p:tgtEl>
+                                          <p:spTgt spid="28">
+                                            <p:txEl>
+                                              <p:pRg st="0" end="0"/>
+                                            </p:txEl>
+                                          </p:spTgt>
+                                        </p:tgtEl>
+                                        <p:attrNameLst>
+                                          <p:attrName>fill.type</p:attrName>
+                                        </p:attrNameLst>
+                                      </p:cBhvr>
+                                      <p:to>
+                                        <p:strVal val="solid"/>
+                                      </p:to>
+                                    </p:set>
+                                  </p:childTnLst>
+                                </p:cTn>
+                              </p:par>
+                            </p:childTnLst>
+                          </p:cTn>
+                        </p:par>
+                      </p:childTnLst>
+                    </p:cTn>
+                  </p:par>
+                </p:childTnLst>
+              </p:cTn>
+              <p:prevCondLst>
+                <p:cond evt="onPrev" delay="0">
+                  <p:tgtEl>
+                    <p:sldTgt/>
+                  </p:tgtEl>
+                </p:cond>
+              </p:prevCondLst>
+              <p:nextCondLst>
+                <p:cond evt="onNext" delay="0">
+                  <p:tgtEl>
+                    <p:sldTgt/>
+                  </p:tgtEl>
+                </p:cond>
+              </p:nextCondLst>
+            </p:seq>
+          </p:childTnLst>
+        </p:cTn>
       </p:par>
     </p:tnLst>
+    <p:bldLst>
+      <p:bldP spid="25" grpId="0"/>
+    </p:bldLst>
   </p:timing>
 </p:sld>
 </file>
@@ -20967,7 +24175,7 @@
         <p:spPr/>
         <p:txBody>
           <a:bodyPr>
-            <a:normAutofit fontScale="92500" lnSpcReduction="10000"/>
+            <a:normAutofit/>
           </a:bodyPr>
           <a:lstStyle/>
           <a:p>
@@ -20981,60 +24189,11 @@
           </a:p>
           <a:p>
             <a:r>
-              <a:rPr lang="en-US" b="1" smtClean="0">
-                <a:latin typeface="Times New Roman" pitchFamily="18" charset="0"/>
-                <a:cs typeface="Times New Roman" pitchFamily="18" charset="0"/>
-              </a:rPr>
-              <a:t>Ưu điểm:</a:t>
-            </a:r>
-          </a:p>
-          <a:p>
-            <a:pPr lvl="1"/>
-            <a:r>
               <a:rPr lang="en-US" smtClean="0">
                 <a:latin typeface="Times New Roman" pitchFamily="18" charset="0"/>
                 <a:cs typeface="Times New Roman" pitchFamily="18" charset="0"/>
               </a:rPr>
-              <a:t>Gần gũi với người dùng</a:t>
-            </a:r>
-          </a:p>
-          <a:p>
-            <a:pPr lvl="1"/>
-            <a:r>
-              <a:rPr lang="en-US" smtClean="0">
-                <a:latin typeface="Times New Roman" pitchFamily="18" charset="0"/>
-                <a:cs typeface="Times New Roman" pitchFamily="18" charset="0"/>
-              </a:rPr>
-              <a:t>Dễ chuyển đổi thành ngôn ngữ tự nhiên</a:t>
-            </a:r>
-          </a:p>
-          <a:p>
-            <a:r>
-              <a:rPr lang="en-US" b="1" smtClean="0">
-                <a:latin typeface="Times New Roman" pitchFamily="18" charset="0"/>
-                <a:cs typeface="Times New Roman" pitchFamily="18" charset="0"/>
-              </a:rPr>
-              <a:t>Nhược điểm:</a:t>
-            </a:r>
-          </a:p>
-          <a:p>
-            <a:pPr lvl="1"/>
-            <a:r>
-              <a:rPr lang="en-US" smtClean="0">
-                <a:latin typeface="Times New Roman" pitchFamily="18" charset="0"/>
-                <a:cs typeface="Times New Roman" pitchFamily="18" charset="0"/>
-              </a:rPr>
-              <a:t>Không có giải thuật chính qui</a:t>
-            </a:r>
-          </a:p>
-          <a:p>
-            <a:pPr lvl="1"/>
-            <a:r>
-              <a:rPr lang="en-US" smtClean="0">
-                <a:latin typeface="Times New Roman" pitchFamily="18" charset="0"/>
-                <a:cs typeface="Times New Roman" pitchFamily="18" charset="0"/>
-              </a:rPr>
-              <a:t>Khó hiện thực </a:t>
+              <a:t>Input là một bài toán logic, chương trình sẽ hiển thị các bước suy luận ra kết quả.</a:t>
             </a:r>
             <a:endParaRPr lang="en-US">
               <a:latin typeface="Times New Roman" pitchFamily="18" charset="0"/>

--- a/trunk/Report/SUY LUẬN TỰ NHIÊN.pptx
+++ b/trunk/Report/SUY LUẬN TỰ NHIÊN.pptx
@@ -3878,6 +3878,13 @@
         </dgm:presLayoutVars>
       </dgm:prSet>
       <dgm:spPr/>
+      <dgm:t>
+        <a:bodyPr/>
+        <a:lstStyle/>
+        <a:p>
+          <a:endParaRPr lang="en-US"/>
+        </a:p>
+      </dgm:t>
     </dgm:pt>
     <dgm:pt modelId="{32F0C31D-E29B-464C-A529-BCFA2865A97F}" type="pres">
       <dgm:prSet presAssocID="{0D82ADBE-AD71-43D1-9895-7AEBA1E2D471}" presName="boxAndChildren" presStyleCnt="0"/>
@@ -3886,10 +3893,24 @@
     <dgm:pt modelId="{9967EC3C-0F0A-4447-8387-54458C99AD6D}" type="pres">
       <dgm:prSet presAssocID="{0D82ADBE-AD71-43D1-9895-7AEBA1E2D471}" presName="parentTextBox" presStyleLbl="node1" presStyleIdx="0" presStyleCnt="3"/>
       <dgm:spPr/>
+      <dgm:t>
+        <a:bodyPr/>
+        <a:lstStyle/>
+        <a:p>
+          <a:endParaRPr lang="en-US"/>
+        </a:p>
+      </dgm:t>
     </dgm:pt>
     <dgm:pt modelId="{83EA94AA-9E23-4666-AF4C-5D608163783E}" type="pres">
       <dgm:prSet presAssocID="{0D82ADBE-AD71-43D1-9895-7AEBA1E2D471}" presName="entireBox" presStyleLbl="node1" presStyleIdx="0" presStyleCnt="3"/>
       <dgm:spPr/>
+      <dgm:t>
+        <a:bodyPr/>
+        <a:lstStyle/>
+        <a:p>
+          <a:endParaRPr lang="en-US"/>
+        </a:p>
+      </dgm:t>
     </dgm:pt>
     <dgm:pt modelId="{C46F5EFD-88DF-4C8C-9E7B-DFBDDC1F77F1}" type="pres">
       <dgm:prSet presAssocID="{0D82ADBE-AD71-43D1-9895-7AEBA1E2D471}" presName="descendantBox" presStyleCnt="0"/>
@@ -3936,10 +3957,24 @@
     <dgm:pt modelId="{C5575A1B-9188-41F9-8B93-7A5BD45F67D5}" type="pres">
       <dgm:prSet presAssocID="{C7D96092-C9CC-4847-8F80-8F5854197C80}" presName="parentTextArrow" presStyleLbl="node1" presStyleIdx="0" presStyleCnt="3"/>
       <dgm:spPr/>
+      <dgm:t>
+        <a:bodyPr/>
+        <a:lstStyle/>
+        <a:p>
+          <a:endParaRPr lang="en-US"/>
+        </a:p>
+      </dgm:t>
     </dgm:pt>
     <dgm:pt modelId="{7CC2DD4A-8848-45DC-9ADF-C4C57007FE05}" type="pres">
       <dgm:prSet presAssocID="{C7D96092-C9CC-4847-8F80-8F5854197C80}" presName="arrow" presStyleLbl="node1" presStyleIdx="1" presStyleCnt="3" custLinFactNeighborX="-2727" custLinFactNeighborY="1409"/>
       <dgm:spPr/>
+      <dgm:t>
+        <a:bodyPr/>
+        <a:lstStyle/>
+        <a:p>
+          <a:endParaRPr lang="en-US"/>
+        </a:p>
+      </dgm:t>
     </dgm:pt>
     <dgm:pt modelId="{21351546-252C-48FA-A196-F3D65969728F}" type="pres">
       <dgm:prSet presAssocID="{C7D96092-C9CC-4847-8F80-8F5854197C80}" presName="descendantArrow" presStyleCnt="0"/>
@@ -3986,10 +4021,24 @@
     <dgm:pt modelId="{CC2F6706-0B0D-4BD2-9579-AF5125330E37}" type="pres">
       <dgm:prSet presAssocID="{5CDDF1C4-9AFB-4042-963D-1291AE1430C5}" presName="parentTextArrow" presStyleLbl="node1" presStyleIdx="1" presStyleCnt="3"/>
       <dgm:spPr/>
+      <dgm:t>
+        <a:bodyPr/>
+        <a:lstStyle/>
+        <a:p>
+          <a:endParaRPr lang="en-US"/>
+        </a:p>
+      </dgm:t>
     </dgm:pt>
     <dgm:pt modelId="{B1769589-6C28-4F5F-ACA4-F43AEAACC227}" type="pres">
       <dgm:prSet presAssocID="{5CDDF1C4-9AFB-4042-963D-1291AE1430C5}" presName="arrow" presStyleLbl="node1" presStyleIdx="2" presStyleCnt="3" custLinFactNeighborX="-3636" custLinFactNeighborY="-47"/>
       <dgm:spPr/>
+      <dgm:t>
+        <a:bodyPr/>
+        <a:lstStyle/>
+        <a:p>
+          <a:endParaRPr lang="en-US"/>
+        </a:p>
+      </dgm:t>
     </dgm:pt>
     <dgm:pt modelId="{D3C8F46D-9F2B-4400-8B7B-EDA1DD56A4EB}" type="pres">
       <dgm:prSet presAssocID="{5CDDF1C4-9AFB-4042-963D-1291AE1430C5}" presName="descendantArrow" presStyleCnt="0"/>
@@ -4027,28 +4076,28 @@
     </dgm:pt>
   </dgm:ptLst>
   <dgm:cxnLst>
+    <dgm:cxn modelId="{C5DC2026-E90E-4C39-90A3-666E249B7A65}" type="presOf" srcId="{8A591725-89DC-48E7-8C0E-F3C8DA527DFB}" destId="{71C2EB9F-3616-44D6-A872-0C76D2D3BB94}" srcOrd="0" destOrd="0" presId="urn:microsoft.com/office/officeart/2005/8/layout/process4"/>
+    <dgm:cxn modelId="{6083B155-6655-42C7-971D-3C15E45DD660}" type="presOf" srcId="{C02219E7-799E-4A3F-8420-9B37AE333B70}" destId="{1E155ADF-6FD1-4B3F-8711-7D6AC94A5210}" srcOrd="0" destOrd="0" presId="urn:microsoft.com/office/officeart/2005/8/layout/process4"/>
+    <dgm:cxn modelId="{5BCCDE01-97DB-4F4E-A9AE-330BD84B42DE}" srcId="{5CDDF1C4-9AFB-4042-963D-1291AE1430C5}" destId="{F276DBA9-9E09-4987-9D55-BA19D82A70EA}" srcOrd="1" destOrd="0" parTransId="{1FA56E5D-D2AE-43ED-A903-03E44AD2BD54}" sibTransId="{972D0BD0-F5D6-43F6-9AB6-41AD5F709072}"/>
+    <dgm:cxn modelId="{57E66614-9487-49DA-AC52-1F5ACCD73350}" srcId="{C46E3B23-37F5-4E40-B62D-B22E3BE8C6B4}" destId="{C7D96092-C9CC-4847-8F80-8F5854197C80}" srcOrd="1" destOrd="0" parTransId="{05D58761-AE90-49AE-A256-8C77838AD5B0}" sibTransId="{9B6AB31B-02DF-498F-BF10-D835EED21712}"/>
+    <dgm:cxn modelId="{4B238FED-F0A8-4595-81F2-5FE99F92E3AD}" type="presOf" srcId="{C7D96092-C9CC-4847-8F80-8F5854197C80}" destId="{7CC2DD4A-8848-45DC-9ADF-C4C57007FE05}" srcOrd="1" destOrd="0" presId="urn:microsoft.com/office/officeart/2005/8/layout/process4"/>
+    <dgm:cxn modelId="{61FD5A11-C92F-4C62-A076-E343369641A1}" type="presOf" srcId="{0D82ADBE-AD71-43D1-9895-7AEBA1E2D471}" destId="{83EA94AA-9E23-4666-AF4C-5D608163783E}" srcOrd="1" destOrd="0" presId="urn:microsoft.com/office/officeart/2005/8/layout/process4"/>
+    <dgm:cxn modelId="{09A01E5C-AE42-46E0-95C5-868C6771B479}" srcId="{C7D96092-C9CC-4847-8F80-8F5854197C80}" destId="{DA8337A8-48FF-48A3-99FB-DC9A8E473CD1}" srcOrd="0" destOrd="0" parTransId="{02D0F167-A495-4A60-A29F-E16030AEA6E1}" sibTransId="{D1A8701F-7133-46BC-8EC3-AE851527F60A}"/>
+    <dgm:cxn modelId="{8CBE8C2F-10B0-4AC3-B514-3D2C9F140B6B}" type="presOf" srcId="{AEFA19DB-315B-4810-8A4B-6B0A54ED6E60}" destId="{0D830561-A091-409F-91AE-7C001C305F81}" srcOrd="0" destOrd="0" presId="urn:microsoft.com/office/officeart/2005/8/layout/process4"/>
     <dgm:cxn modelId="{69F0D05E-DBCE-4EA4-92DB-4D284436483C}" type="presOf" srcId="{C46E3B23-37F5-4E40-B62D-B22E3BE8C6B4}" destId="{86C4D985-079A-4348-B1CC-CFA9D049317E}" srcOrd="0" destOrd="0" presId="urn:microsoft.com/office/officeart/2005/8/layout/process4"/>
-    <dgm:cxn modelId="{4B238FED-F0A8-4595-81F2-5FE99F92E3AD}" type="presOf" srcId="{C7D96092-C9CC-4847-8F80-8F5854197C80}" destId="{7CC2DD4A-8848-45DC-9ADF-C4C57007FE05}" srcOrd="1" destOrd="0" presId="urn:microsoft.com/office/officeart/2005/8/layout/process4"/>
+    <dgm:cxn modelId="{C4671D42-D535-4C94-9939-E5FF5B8D7C7C}" srcId="{C7D96092-C9CC-4847-8F80-8F5854197C80}" destId="{C02219E7-799E-4A3F-8420-9B37AE333B70}" srcOrd="1" destOrd="0" parTransId="{360B77E7-7C9B-42B1-B51D-0673CB54C5F0}" sibTransId="{3F319160-C5EB-4934-82E1-D41A4AB714B6}"/>
+    <dgm:cxn modelId="{D9B2E07C-3D14-433C-905C-FA251ACF41C6}" type="presOf" srcId="{5CDDF1C4-9AFB-4042-963D-1291AE1430C5}" destId="{CC2F6706-0B0D-4BD2-9579-AF5125330E37}" srcOrd="0" destOrd="0" presId="urn:microsoft.com/office/officeart/2005/8/layout/process4"/>
     <dgm:cxn modelId="{633756EC-C16A-4D24-8BD7-6D0A3FF8F206}" srcId="{C46E3B23-37F5-4E40-B62D-B22E3BE8C6B4}" destId="{0D82ADBE-AD71-43D1-9895-7AEBA1E2D471}" srcOrd="2" destOrd="0" parTransId="{29F09F5B-36C7-4025-82CE-0C2179AFC00E}" sibTransId="{B6429B72-DB06-4D6F-BC8A-5E128B15557B}"/>
+    <dgm:cxn modelId="{3F12765C-393E-4C88-B51E-570ADCA4F2AF}" type="presOf" srcId="{DA8337A8-48FF-48A3-99FB-DC9A8E473CD1}" destId="{36316B91-3939-40AB-AB30-ED5B01B4D2A2}" srcOrd="0" destOrd="0" presId="urn:microsoft.com/office/officeart/2005/8/layout/process4"/>
+    <dgm:cxn modelId="{C0F1D19D-0CAC-429A-972D-A213D8712EB0}" type="presOf" srcId="{F276DBA9-9E09-4987-9D55-BA19D82A70EA}" destId="{4C0DD5A3-70BA-479F-B6B5-1D040C7CB1B6}" srcOrd="0" destOrd="0" presId="urn:microsoft.com/office/officeart/2005/8/layout/process4"/>
     <dgm:cxn modelId="{9CDCBE9D-E23F-42EA-BDE9-C22457AFB185}" type="presOf" srcId="{0D82ADBE-AD71-43D1-9895-7AEBA1E2D471}" destId="{9967EC3C-0F0A-4447-8387-54458C99AD6D}" srcOrd="0" destOrd="0" presId="urn:microsoft.com/office/officeart/2005/8/layout/process4"/>
     <dgm:cxn modelId="{DD96CFD1-1C80-4532-A603-51BA15CA3933}" srcId="{0D82ADBE-AD71-43D1-9895-7AEBA1E2D471}" destId="{8A591725-89DC-48E7-8C0E-F3C8DA527DFB}" srcOrd="1" destOrd="0" parTransId="{41D27E07-2360-4BB8-BC55-80B564368238}" sibTransId="{DE069864-82AD-4B54-8876-85736CCEECAB}"/>
-    <dgm:cxn modelId="{6083B155-6655-42C7-971D-3C15E45DD660}" type="presOf" srcId="{C02219E7-799E-4A3F-8420-9B37AE333B70}" destId="{1E155ADF-6FD1-4B3F-8711-7D6AC94A5210}" srcOrd="0" destOrd="0" presId="urn:microsoft.com/office/officeart/2005/8/layout/process4"/>
+    <dgm:cxn modelId="{79896734-3353-4C6F-9764-D12AE5FFD8D0}" type="presOf" srcId="{A2BCF052-5B15-47D7-96E3-3B78716A3608}" destId="{2EED397A-F081-498C-AAB0-3C762E691037}" srcOrd="0" destOrd="0" presId="urn:microsoft.com/office/officeart/2005/8/layout/process4"/>
+    <dgm:cxn modelId="{72B9E984-FEBB-4C23-9D9B-6B46BA3497F7}" srcId="{5CDDF1C4-9AFB-4042-963D-1291AE1430C5}" destId="{AEFA19DB-315B-4810-8A4B-6B0A54ED6E60}" srcOrd="0" destOrd="0" parTransId="{592A452E-9AD2-43D4-9BC3-79594FDB3D4F}" sibTransId="{4C24AF1D-91F5-45BB-B79D-CD9D3199C36B}"/>
+    <dgm:cxn modelId="{95DBEF08-B840-4799-B95B-A14C82A2A484}" srcId="{0D82ADBE-AD71-43D1-9895-7AEBA1E2D471}" destId="{A2BCF052-5B15-47D7-96E3-3B78716A3608}" srcOrd="0" destOrd="0" parTransId="{4249E3DD-F08B-4A18-B75C-356E53DA374C}" sibTransId="{DAC082F6-07C4-45E9-8EAC-C1F37DFB8FC7}"/>
     <dgm:cxn modelId="{AEA99EAA-D964-4ADC-A684-A50A7EB82984}" type="presOf" srcId="{C7D96092-C9CC-4847-8F80-8F5854197C80}" destId="{C5575A1B-9188-41F9-8B93-7A5BD45F67D5}" srcOrd="0" destOrd="0" presId="urn:microsoft.com/office/officeart/2005/8/layout/process4"/>
-    <dgm:cxn modelId="{09A01E5C-AE42-46E0-95C5-868C6771B479}" srcId="{C7D96092-C9CC-4847-8F80-8F5854197C80}" destId="{DA8337A8-48FF-48A3-99FB-DC9A8E473CD1}" srcOrd="0" destOrd="0" parTransId="{02D0F167-A495-4A60-A29F-E16030AEA6E1}" sibTransId="{D1A8701F-7133-46BC-8EC3-AE851527F60A}"/>
-    <dgm:cxn modelId="{5BCCDE01-97DB-4F4E-A9AE-330BD84B42DE}" srcId="{5CDDF1C4-9AFB-4042-963D-1291AE1430C5}" destId="{F276DBA9-9E09-4987-9D55-BA19D82A70EA}" srcOrd="1" destOrd="0" parTransId="{1FA56E5D-D2AE-43ED-A903-03E44AD2BD54}" sibTransId="{972D0BD0-F5D6-43F6-9AB6-41AD5F709072}"/>
-    <dgm:cxn modelId="{61FD5A11-C92F-4C62-A076-E343369641A1}" type="presOf" srcId="{0D82ADBE-AD71-43D1-9895-7AEBA1E2D471}" destId="{83EA94AA-9E23-4666-AF4C-5D608163783E}" srcOrd="1" destOrd="0" presId="urn:microsoft.com/office/officeart/2005/8/layout/process4"/>
-    <dgm:cxn modelId="{79896734-3353-4C6F-9764-D12AE5FFD8D0}" type="presOf" srcId="{A2BCF052-5B15-47D7-96E3-3B78716A3608}" destId="{2EED397A-F081-498C-AAB0-3C762E691037}" srcOrd="0" destOrd="0" presId="urn:microsoft.com/office/officeart/2005/8/layout/process4"/>
+    <dgm:cxn modelId="{97BA8856-2B8C-422D-AF16-C14C11B82367}" srcId="{C46E3B23-37F5-4E40-B62D-B22E3BE8C6B4}" destId="{5CDDF1C4-9AFB-4042-963D-1291AE1430C5}" srcOrd="0" destOrd="0" parTransId="{939D595A-EBDF-42EB-A5B6-408068E1D931}" sibTransId="{2A937C2D-0EF6-4EC5-A6C7-174F53E14B88}"/>
     <dgm:cxn modelId="{FBD11222-9C1B-499F-BD2B-4C59F62F26EA}" type="presOf" srcId="{5CDDF1C4-9AFB-4042-963D-1291AE1430C5}" destId="{B1769589-6C28-4F5F-ACA4-F43AEAACC227}" srcOrd="1" destOrd="0" presId="urn:microsoft.com/office/officeart/2005/8/layout/process4"/>
-    <dgm:cxn modelId="{D9B2E07C-3D14-433C-905C-FA251ACF41C6}" type="presOf" srcId="{5CDDF1C4-9AFB-4042-963D-1291AE1430C5}" destId="{CC2F6706-0B0D-4BD2-9579-AF5125330E37}" srcOrd="0" destOrd="0" presId="urn:microsoft.com/office/officeart/2005/8/layout/process4"/>
-    <dgm:cxn modelId="{72B9E984-FEBB-4C23-9D9B-6B46BA3497F7}" srcId="{5CDDF1C4-9AFB-4042-963D-1291AE1430C5}" destId="{AEFA19DB-315B-4810-8A4B-6B0A54ED6E60}" srcOrd="0" destOrd="0" parTransId="{592A452E-9AD2-43D4-9BC3-79594FDB3D4F}" sibTransId="{4C24AF1D-91F5-45BB-B79D-CD9D3199C36B}"/>
-    <dgm:cxn modelId="{3F12765C-393E-4C88-B51E-570ADCA4F2AF}" type="presOf" srcId="{DA8337A8-48FF-48A3-99FB-DC9A8E473CD1}" destId="{36316B91-3939-40AB-AB30-ED5B01B4D2A2}" srcOrd="0" destOrd="0" presId="urn:microsoft.com/office/officeart/2005/8/layout/process4"/>
-    <dgm:cxn modelId="{95DBEF08-B840-4799-B95B-A14C82A2A484}" srcId="{0D82ADBE-AD71-43D1-9895-7AEBA1E2D471}" destId="{A2BCF052-5B15-47D7-96E3-3B78716A3608}" srcOrd="0" destOrd="0" parTransId="{4249E3DD-F08B-4A18-B75C-356E53DA374C}" sibTransId="{DAC082F6-07C4-45E9-8EAC-C1F37DFB8FC7}"/>
-    <dgm:cxn modelId="{C4671D42-D535-4C94-9939-E5FF5B8D7C7C}" srcId="{C7D96092-C9CC-4847-8F80-8F5854197C80}" destId="{C02219E7-799E-4A3F-8420-9B37AE333B70}" srcOrd="1" destOrd="0" parTransId="{360B77E7-7C9B-42B1-B51D-0673CB54C5F0}" sibTransId="{3F319160-C5EB-4934-82E1-D41A4AB714B6}"/>
-    <dgm:cxn modelId="{8CBE8C2F-10B0-4AC3-B514-3D2C9F140B6B}" type="presOf" srcId="{AEFA19DB-315B-4810-8A4B-6B0A54ED6E60}" destId="{0D830561-A091-409F-91AE-7C001C305F81}" srcOrd="0" destOrd="0" presId="urn:microsoft.com/office/officeart/2005/8/layout/process4"/>
-    <dgm:cxn modelId="{97BA8856-2B8C-422D-AF16-C14C11B82367}" srcId="{C46E3B23-37F5-4E40-B62D-B22E3BE8C6B4}" destId="{5CDDF1C4-9AFB-4042-963D-1291AE1430C5}" srcOrd="0" destOrd="0" parTransId="{939D595A-EBDF-42EB-A5B6-408068E1D931}" sibTransId="{2A937C2D-0EF6-4EC5-A6C7-174F53E14B88}"/>
-    <dgm:cxn modelId="{C5DC2026-E90E-4C39-90A3-666E249B7A65}" type="presOf" srcId="{8A591725-89DC-48E7-8C0E-F3C8DA527DFB}" destId="{71C2EB9F-3616-44D6-A872-0C76D2D3BB94}" srcOrd="0" destOrd="0" presId="urn:microsoft.com/office/officeart/2005/8/layout/process4"/>
-    <dgm:cxn modelId="{C0F1D19D-0CAC-429A-972D-A213D8712EB0}" type="presOf" srcId="{F276DBA9-9E09-4987-9D55-BA19D82A70EA}" destId="{4C0DD5A3-70BA-479F-B6B5-1D040C7CB1B6}" srcOrd="0" destOrd="0" presId="urn:microsoft.com/office/officeart/2005/8/layout/process4"/>
-    <dgm:cxn modelId="{57E66614-9487-49DA-AC52-1F5ACCD73350}" srcId="{C46E3B23-37F5-4E40-B62D-B22E3BE8C6B4}" destId="{C7D96092-C9CC-4847-8F80-8F5854197C80}" srcOrd="1" destOrd="0" parTransId="{05D58761-AE90-49AE-A256-8C77838AD5B0}" sibTransId="{9B6AB31B-02DF-498F-BF10-D835EED21712}"/>
     <dgm:cxn modelId="{E7156007-9EE8-496D-8E5C-175AEB2A945B}" type="presParOf" srcId="{86C4D985-079A-4348-B1CC-CFA9D049317E}" destId="{32F0C31D-E29B-464C-A529-BCFA2865A97F}" srcOrd="0" destOrd="0" presId="urn:microsoft.com/office/officeart/2005/8/layout/process4"/>
     <dgm:cxn modelId="{7FB292C2-9365-483E-8FE1-63E37C16422C}" type="presParOf" srcId="{32F0C31D-E29B-464C-A529-BCFA2865A97F}" destId="{9967EC3C-0F0A-4447-8387-54458C99AD6D}" srcOrd="0" destOrd="0" presId="urn:microsoft.com/office/officeart/2005/8/layout/process4"/>
     <dgm:cxn modelId="{99A23E4A-E74D-4AB3-B119-DDAE11C6B32B}" type="presParOf" srcId="{32F0C31D-E29B-464C-A529-BCFA2865A97F}" destId="{83EA94AA-9E23-4666-AF4C-5D608163783E}" srcOrd="1" destOrd="0" presId="urn:microsoft.com/office/officeart/2005/8/layout/process4"/>
@@ -4237,43 +4286,6 @@
         </a:p>
       </dgm:t>
     </dgm:pt>
-    <dgm:pt modelId="{D0CD6936-6B96-4ED2-B96E-4ABC46CDDB57}">
-      <dgm:prSet/>
-      <dgm:spPr/>
-      <dgm:t>
-        <a:bodyPr/>
-        <a:lstStyle/>
-        <a:p>
-          <a:r>
-            <a:rPr lang="en-US" smtClean="0"/>
-            <a:t>xWAM HEAP</a:t>
-          </a:r>
-          <a:endParaRPr lang="en-US"/>
-        </a:p>
-      </dgm:t>
-    </dgm:pt>
-    <dgm:pt modelId="{A19B855A-3BB1-45CB-8BB9-7E52287F47B8}" type="parTrans" cxnId="{F7302A1A-8735-4103-B1D5-0B06B75FD0F1}">
-      <dgm:prSet/>
-      <dgm:spPr/>
-      <dgm:t>
-        <a:bodyPr/>
-        <a:lstStyle/>
-        <a:p>
-          <a:endParaRPr lang="en-US"/>
-        </a:p>
-      </dgm:t>
-    </dgm:pt>
-    <dgm:pt modelId="{A59AB8BF-A062-41A7-89B1-972D3D9DDAFB}" type="sibTrans" cxnId="{F7302A1A-8735-4103-B1D5-0B06B75FD0F1}">
-      <dgm:prSet/>
-      <dgm:spPr/>
-      <dgm:t>
-        <a:bodyPr/>
-        <a:lstStyle/>
-        <a:p>
-          <a:endParaRPr lang="en-US"/>
-        </a:p>
-      </dgm:t>
-    </dgm:pt>
     <dgm:pt modelId="{939CF2A2-E0FF-4E18-B3A9-FC83F64B8A27}" type="pres">
       <dgm:prSet presAssocID="{38BFA7D5-001E-4F3F-BDEB-C0D7E9219072}" presName="Name0" presStyleCnt="0">
         <dgm:presLayoutVars>
@@ -4291,7 +4303,7 @@
       </dgm:t>
     </dgm:pt>
     <dgm:pt modelId="{DD8572E5-0527-4B6D-BC49-D71FEE0439E5}" type="pres">
-      <dgm:prSet presAssocID="{3E5337C9-4E3F-4F68-AF66-347D7809D51B}" presName="node" presStyleLbl="node1" presStyleIdx="0" presStyleCnt="5">
+      <dgm:prSet presAssocID="{3E5337C9-4E3F-4F68-AF66-347D7809D51B}" presName="node" presStyleLbl="node1" presStyleIdx="0" presStyleCnt="4">
         <dgm:presLayoutVars>
           <dgm:bulletEnabled val="1"/>
         </dgm:presLayoutVars>
@@ -4306,7 +4318,7 @@
       </dgm:t>
     </dgm:pt>
     <dgm:pt modelId="{5050D266-9F8F-47E8-9EDA-0AE2C42C8E39}" type="pres">
-      <dgm:prSet presAssocID="{A1D63692-F149-4516-BF86-84FD8575ED2D}" presName="sibTrans" presStyleLbl="sibTrans2D1" presStyleIdx="0" presStyleCnt="4"/>
+      <dgm:prSet presAssocID="{A1D63692-F149-4516-BF86-84FD8575ED2D}" presName="sibTrans" presStyleLbl="sibTrans2D1" presStyleIdx="0" presStyleCnt="3"/>
       <dgm:spPr/>
       <dgm:t>
         <a:bodyPr/>
@@ -4317,7 +4329,7 @@
       </dgm:t>
     </dgm:pt>
     <dgm:pt modelId="{1F298B02-191D-4D52-B324-F51148975D58}" type="pres">
-      <dgm:prSet presAssocID="{A1D63692-F149-4516-BF86-84FD8575ED2D}" presName="connectorText" presStyleLbl="sibTrans2D1" presStyleIdx="0" presStyleCnt="4"/>
+      <dgm:prSet presAssocID="{A1D63692-F149-4516-BF86-84FD8575ED2D}" presName="connectorText" presStyleLbl="sibTrans2D1" presStyleIdx="0" presStyleCnt="3"/>
       <dgm:spPr/>
       <dgm:t>
         <a:bodyPr/>
@@ -4328,7 +4340,7 @@
       </dgm:t>
     </dgm:pt>
     <dgm:pt modelId="{A8BB122F-C08C-475F-98C7-6E4DACFDE527}" type="pres">
-      <dgm:prSet presAssocID="{AF908BB8-39C9-409E-A582-DFA378B72372}" presName="node" presStyleLbl="node1" presStyleIdx="1" presStyleCnt="5">
+      <dgm:prSet presAssocID="{AF908BB8-39C9-409E-A582-DFA378B72372}" presName="node" presStyleLbl="node1" presStyleIdx="1" presStyleCnt="4">
         <dgm:presLayoutVars>
           <dgm:bulletEnabled val="1"/>
         </dgm:presLayoutVars>
@@ -4343,7 +4355,7 @@
       </dgm:t>
     </dgm:pt>
     <dgm:pt modelId="{BD49FA8C-D7C0-440A-94D4-6A1975BB5665}" type="pres">
-      <dgm:prSet presAssocID="{012D20B2-9ED5-45A8-B938-08BBC60A90DB}" presName="sibTrans" presStyleLbl="sibTrans2D1" presStyleIdx="1" presStyleCnt="4"/>
+      <dgm:prSet presAssocID="{012D20B2-9ED5-45A8-B938-08BBC60A90DB}" presName="sibTrans" presStyleLbl="sibTrans2D1" presStyleIdx="1" presStyleCnt="3"/>
       <dgm:spPr/>
       <dgm:t>
         <a:bodyPr/>
@@ -4354,7 +4366,7 @@
       </dgm:t>
     </dgm:pt>
     <dgm:pt modelId="{9C8BFCCD-7A76-485D-B85D-A27D79729B32}" type="pres">
-      <dgm:prSet presAssocID="{012D20B2-9ED5-45A8-B938-08BBC60A90DB}" presName="connectorText" presStyleLbl="sibTrans2D1" presStyleIdx="1" presStyleCnt="4"/>
+      <dgm:prSet presAssocID="{012D20B2-9ED5-45A8-B938-08BBC60A90DB}" presName="connectorText" presStyleLbl="sibTrans2D1" presStyleIdx="1" presStyleCnt="3"/>
       <dgm:spPr/>
       <dgm:t>
         <a:bodyPr/>
@@ -4365,7 +4377,7 @@
       </dgm:t>
     </dgm:pt>
     <dgm:pt modelId="{8FC46696-FC18-4D51-903F-6CCF31C99BD9}" type="pres">
-      <dgm:prSet presAssocID="{E4E4B47F-12B6-4A67-8AC1-20E344511C73}" presName="node" presStyleLbl="node1" presStyleIdx="2" presStyleCnt="5">
+      <dgm:prSet presAssocID="{E4E4B47F-12B6-4A67-8AC1-20E344511C73}" presName="node" presStyleLbl="node1" presStyleIdx="2" presStyleCnt="4">
         <dgm:presLayoutVars>
           <dgm:bulletEnabled val="1"/>
         </dgm:presLayoutVars>
@@ -4380,7 +4392,7 @@
       </dgm:t>
     </dgm:pt>
     <dgm:pt modelId="{F2782188-5D8E-4A26-8AAF-BF26CB209294}" type="pres">
-      <dgm:prSet presAssocID="{E34F6AC9-CC0F-451D-B3E9-6AAB70A8AE49}" presName="sibTrans" presStyleLbl="sibTrans2D1" presStyleIdx="2" presStyleCnt="4"/>
+      <dgm:prSet presAssocID="{E34F6AC9-CC0F-451D-B3E9-6AAB70A8AE49}" presName="sibTrans" presStyleLbl="sibTrans2D1" presStyleIdx="2" presStyleCnt="3"/>
       <dgm:spPr/>
       <dgm:t>
         <a:bodyPr/>
@@ -4391,7 +4403,7 @@
       </dgm:t>
     </dgm:pt>
     <dgm:pt modelId="{FCF4A78A-D1D2-4255-A82F-5FF52191D574}" type="pres">
-      <dgm:prSet presAssocID="{E34F6AC9-CC0F-451D-B3E9-6AAB70A8AE49}" presName="connectorText" presStyleLbl="sibTrans2D1" presStyleIdx="2" presStyleCnt="4"/>
+      <dgm:prSet presAssocID="{E34F6AC9-CC0F-451D-B3E9-6AAB70A8AE49}" presName="connectorText" presStyleLbl="sibTrans2D1" presStyleIdx="2" presStyleCnt="3"/>
       <dgm:spPr/>
       <dgm:t>
         <a:bodyPr/>
@@ -4402,48 +4414,7 @@
       </dgm:t>
     </dgm:pt>
     <dgm:pt modelId="{61FA7C48-00DC-49EA-8DF7-BE9B6BDF5C2F}" type="pres">
-      <dgm:prSet presAssocID="{62C6B9C4-1C65-4F05-B4A6-CBA5F0EA9BFB}" presName="node" presStyleLbl="node1" presStyleIdx="3" presStyleCnt="5">
-        <dgm:presLayoutVars>
-          <dgm:bulletEnabled val="1"/>
-        </dgm:presLayoutVars>
-      </dgm:prSet>
-      <dgm:spPr/>
-      <dgm:t>
-        <a:bodyPr/>
-        <a:lstStyle/>
-        <a:p>
-          <a:endParaRPr lang="en-US"/>
-        </a:p>
-      </dgm:t>
-    </dgm:pt>
-    <dgm:pt modelId="{811331A2-DB0C-454B-A302-B5554ABB2115}" type="pres">
-      <dgm:prSet presAssocID="{AA0D2F3D-425C-4165-8D3C-D3644D6D0CD8}" presName="sibTrans" presStyleLbl="sibTrans2D1" presStyleIdx="3" presStyleCnt="4"/>
-      <dgm:spPr>
-        <a:prstGeom prst="rightArrow">
-          <a:avLst/>
-        </a:prstGeom>
-      </dgm:spPr>
-      <dgm:t>
-        <a:bodyPr/>
-        <a:lstStyle/>
-        <a:p>
-          <a:endParaRPr lang="en-US"/>
-        </a:p>
-      </dgm:t>
-    </dgm:pt>
-    <dgm:pt modelId="{9953220E-6EDE-4059-9197-58D6FD339174}" type="pres">
-      <dgm:prSet presAssocID="{AA0D2F3D-425C-4165-8D3C-D3644D6D0CD8}" presName="connectorText" presStyleLbl="sibTrans2D1" presStyleIdx="3" presStyleCnt="4"/>
-      <dgm:spPr/>
-      <dgm:t>
-        <a:bodyPr/>
-        <a:lstStyle/>
-        <a:p>
-          <a:endParaRPr lang="en-US"/>
-        </a:p>
-      </dgm:t>
-    </dgm:pt>
-    <dgm:pt modelId="{24E67784-9FF5-4B43-A775-7F0D0A3929D5}" type="pres">
-      <dgm:prSet presAssocID="{D0CD6936-6B96-4ED2-B96E-4ABC46CDDB57}" presName="node" presStyleLbl="node1" presStyleIdx="4" presStyleCnt="5">
+      <dgm:prSet presAssocID="{62C6B9C4-1C65-4F05-B4A6-CBA5F0EA9BFB}" presName="node" presStyleLbl="node1" presStyleIdx="3" presStyleCnt="4">
         <dgm:presLayoutVars>
           <dgm:bulletEnabled val="1"/>
         </dgm:presLayoutVars>
@@ -4459,25 +4430,21 @@
     </dgm:pt>
   </dgm:ptLst>
   <dgm:cxnLst>
+    <dgm:cxn modelId="{6E489177-0713-46DD-933F-5C8BE5877C9E}" srcId="{38BFA7D5-001E-4F3F-BDEB-C0D7E9219072}" destId="{AF908BB8-39C9-409E-A582-DFA378B72372}" srcOrd="1" destOrd="0" parTransId="{E9A72C01-26A8-4629-B6A8-92F4712C676F}" sibTransId="{012D20B2-9ED5-45A8-B938-08BBC60A90DB}"/>
+    <dgm:cxn modelId="{DD6E27A1-79A5-4051-B143-16E4EF12A0BD}" type="presOf" srcId="{E34F6AC9-CC0F-451D-B3E9-6AAB70A8AE49}" destId="{FCF4A78A-D1D2-4255-A82F-5FF52191D574}" srcOrd="1" destOrd="0" presId="urn:microsoft.com/office/officeart/2005/8/layout/process1"/>
+    <dgm:cxn modelId="{5E2926F6-A746-4055-8E9C-7A140C23DDEC}" type="presOf" srcId="{3E5337C9-4E3F-4F68-AF66-347D7809D51B}" destId="{DD8572E5-0527-4B6D-BC49-D71FEE0439E5}" srcOrd="0" destOrd="0" presId="urn:microsoft.com/office/officeart/2005/8/layout/process1"/>
+    <dgm:cxn modelId="{947E6AFD-F43D-46B7-A2EF-0C1A5BF8D974}" srcId="{38BFA7D5-001E-4F3F-BDEB-C0D7E9219072}" destId="{62C6B9C4-1C65-4F05-B4A6-CBA5F0EA9BFB}" srcOrd="3" destOrd="0" parTransId="{B00BE4D3-0CE0-45B4-870C-56F36824EC6D}" sibTransId="{AA0D2F3D-425C-4165-8D3C-D3644D6D0CD8}"/>
+    <dgm:cxn modelId="{2E31FD8E-4F28-42E2-9153-E80B419582E6}" srcId="{38BFA7D5-001E-4F3F-BDEB-C0D7E9219072}" destId="{E4E4B47F-12B6-4A67-8AC1-20E344511C73}" srcOrd="2" destOrd="0" parTransId="{4A002303-718B-40E1-966F-A766C674DCF6}" sibTransId="{E34F6AC9-CC0F-451D-B3E9-6AAB70A8AE49}"/>
+    <dgm:cxn modelId="{5443BE9C-7E61-4933-BD70-72F12765B9E0}" type="presOf" srcId="{012D20B2-9ED5-45A8-B938-08BBC60A90DB}" destId="{9C8BFCCD-7A76-485D-B85D-A27D79729B32}" srcOrd="1" destOrd="0" presId="urn:microsoft.com/office/officeart/2005/8/layout/process1"/>
+    <dgm:cxn modelId="{1E7EAC6A-1113-4D08-B83A-BC528865EC8E}" srcId="{38BFA7D5-001E-4F3F-BDEB-C0D7E9219072}" destId="{3E5337C9-4E3F-4F68-AF66-347D7809D51B}" srcOrd="0" destOrd="0" parTransId="{7A020096-D171-4B97-AC44-96E4811AA442}" sibTransId="{A1D63692-F149-4516-BF86-84FD8575ED2D}"/>
+    <dgm:cxn modelId="{379C34AB-CF58-479A-871C-034E3AF18896}" type="presOf" srcId="{A1D63692-F149-4516-BF86-84FD8575ED2D}" destId="{1F298B02-191D-4D52-B324-F51148975D58}" srcOrd="1" destOrd="0" presId="urn:microsoft.com/office/officeart/2005/8/layout/process1"/>
     <dgm:cxn modelId="{150F64F2-3D71-4D2C-88E0-740DF998A7C0}" type="presOf" srcId="{012D20B2-9ED5-45A8-B938-08BBC60A90DB}" destId="{BD49FA8C-D7C0-440A-94D4-6A1975BB5665}" srcOrd="0" destOrd="0" presId="urn:microsoft.com/office/officeart/2005/8/layout/process1"/>
-    <dgm:cxn modelId="{947E6AFD-F43D-46B7-A2EF-0C1A5BF8D974}" srcId="{38BFA7D5-001E-4F3F-BDEB-C0D7E9219072}" destId="{62C6B9C4-1C65-4F05-B4A6-CBA5F0EA9BFB}" srcOrd="3" destOrd="0" parTransId="{B00BE4D3-0CE0-45B4-870C-56F36824EC6D}" sibTransId="{AA0D2F3D-425C-4165-8D3C-D3644D6D0CD8}"/>
-    <dgm:cxn modelId="{6B5CB4D0-7A27-4F01-B63F-2C0F85FB13AF}" type="presOf" srcId="{D0CD6936-6B96-4ED2-B96E-4ABC46CDDB57}" destId="{24E67784-9FF5-4B43-A775-7F0D0A3929D5}" srcOrd="0" destOrd="0" presId="urn:microsoft.com/office/officeart/2005/8/layout/process1"/>
+    <dgm:cxn modelId="{E51F2EE4-E978-475E-B794-BCD65CA2E3F0}" type="presOf" srcId="{62C6B9C4-1C65-4F05-B4A6-CBA5F0EA9BFB}" destId="{61FA7C48-00DC-49EA-8DF7-BE9B6BDF5C2F}" srcOrd="0" destOrd="0" presId="urn:microsoft.com/office/officeart/2005/8/layout/process1"/>
+    <dgm:cxn modelId="{BEC25A8D-E41A-4B69-948C-16E186E16168}" type="presOf" srcId="{AF908BB8-39C9-409E-A582-DFA378B72372}" destId="{A8BB122F-C08C-475F-98C7-6E4DACFDE527}" srcOrd="0" destOrd="0" presId="urn:microsoft.com/office/officeart/2005/8/layout/process1"/>
+    <dgm:cxn modelId="{9EA1A290-6CF5-4F40-A8FE-72DBDB38B50A}" type="presOf" srcId="{A1D63692-F149-4516-BF86-84FD8575ED2D}" destId="{5050D266-9F8F-47E8-9EDA-0AE2C42C8E39}" srcOrd="0" destOrd="0" presId="urn:microsoft.com/office/officeart/2005/8/layout/process1"/>
+    <dgm:cxn modelId="{1D965212-76F1-43C6-A084-53F20CBF29BF}" type="presOf" srcId="{E4E4B47F-12B6-4A67-8AC1-20E344511C73}" destId="{8FC46696-FC18-4D51-903F-6CCF31C99BD9}" srcOrd="0" destOrd="0" presId="urn:microsoft.com/office/officeart/2005/8/layout/process1"/>
+    <dgm:cxn modelId="{6FC85F5E-9376-43A6-95B0-163088C55080}" type="presOf" srcId="{38BFA7D5-001E-4F3F-BDEB-C0D7E9219072}" destId="{939CF2A2-E0FF-4E18-B3A9-FC83F64B8A27}" srcOrd="0" destOrd="0" presId="urn:microsoft.com/office/officeart/2005/8/layout/process1"/>
     <dgm:cxn modelId="{A97F241F-29FC-4310-AC02-438BBD28C8F7}" type="presOf" srcId="{E34F6AC9-CC0F-451D-B3E9-6AAB70A8AE49}" destId="{F2782188-5D8E-4A26-8AAF-BF26CB209294}" srcOrd="0" destOrd="0" presId="urn:microsoft.com/office/officeart/2005/8/layout/process1"/>
-    <dgm:cxn modelId="{F7302A1A-8735-4103-B1D5-0B06B75FD0F1}" srcId="{38BFA7D5-001E-4F3F-BDEB-C0D7E9219072}" destId="{D0CD6936-6B96-4ED2-B96E-4ABC46CDDB57}" srcOrd="4" destOrd="0" parTransId="{A19B855A-3BB1-45CB-8BB9-7E52287F47B8}" sibTransId="{A59AB8BF-A062-41A7-89B1-972D3D9DDAFB}"/>
-    <dgm:cxn modelId="{5443BE9C-7E61-4933-BD70-72F12765B9E0}" type="presOf" srcId="{012D20B2-9ED5-45A8-B938-08BBC60A90DB}" destId="{9C8BFCCD-7A76-485D-B85D-A27D79729B32}" srcOrd="1" destOrd="0" presId="urn:microsoft.com/office/officeart/2005/8/layout/process1"/>
-    <dgm:cxn modelId="{4013273E-9E71-4F1F-9CF3-AAF0BBFB5400}" type="presOf" srcId="{AA0D2F3D-425C-4165-8D3C-D3644D6D0CD8}" destId="{9953220E-6EDE-4059-9197-58D6FD339174}" srcOrd="1" destOrd="0" presId="urn:microsoft.com/office/officeart/2005/8/layout/process1"/>
-    <dgm:cxn modelId="{9EA1A290-6CF5-4F40-A8FE-72DBDB38B50A}" type="presOf" srcId="{A1D63692-F149-4516-BF86-84FD8575ED2D}" destId="{5050D266-9F8F-47E8-9EDA-0AE2C42C8E39}" srcOrd="0" destOrd="0" presId="urn:microsoft.com/office/officeart/2005/8/layout/process1"/>
-    <dgm:cxn modelId="{25CC110D-724F-43A7-A970-CDADD62C4211}" type="presOf" srcId="{AA0D2F3D-425C-4165-8D3C-D3644D6D0CD8}" destId="{811331A2-DB0C-454B-A302-B5554ABB2115}" srcOrd="0" destOrd="0" presId="urn:microsoft.com/office/officeart/2005/8/layout/process1"/>
-    <dgm:cxn modelId="{1E7EAC6A-1113-4D08-B83A-BC528865EC8E}" srcId="{38BFA7D5-001E-4F3F-BDEB-C0D7E9219072}" destId="{3E5337C9-4E3F-4F68-AF66-347D7809D51B}" srcOrd="0" destOrd="0" parTransId="{7A020096-D171-4B97-AC44-96E4811AA442}" sibTransId="{A1D63692-F149-4516-BF86-84FD8575ED2D}"/>
-    <dgm:cxn modelId="{6FC85F5E-9376-43A6-95B0-163088C55080}" type="presOf" srcId="{38BFA7D5-001E-4F3F-BDEB-C0D7E9219072}" destId="{939CF2A2-E0FF-4E18-B3A9-FC83F64B8A27}" srcOrd="0" destOrd="0" presId="urn:microsoft.com/office/officeart/2005/8/layout/process1"/>
-    <dgm:cxn modelId="{1D965212-76F1-43C6-A084-53F20CBF29BF}" type="presOf" srcId="{E4E4B47F-12B6-4A67-8AC1-20E344511C73}" destId="{8FC46696-FC18-4D51-903F-6CCF31C99BD9}" srcOrd="0" destOrd="0" presId="urn:microsoft.com/office/officeart/2005/8/layout/process1"/>
-    <dgm:cxn modelId="{2E31FD8E-4F28-42E2-9153-E80B419582E6}" srcId="{38BFA7D5-001E-4F3F-BDEB-C0D7E9219072}" destId="{E4E4B47F-12B6-4A67-8AC1-20E344511C73}" srcOrd="2" destOrd="0" parTransId="{4A002303-718B-40E1-966F-A766C674DCF6}" sibTransId="{E34F6AC9-CC0F-451D-B3E9-6AAB70A8AE49}"/>
-    <dgm:cxn modelId="{BEC25A8D-E41A-4B69-948C-16E186E16168}" type="presOf" srcId="{AF908BB8-39C9-409E-A582-DFA378B72372}" destId="{A8BB122F-C08C-475F-98C7-6E4DACFDE527}" srcOrd="0" destOrd="0" presId="urn:microsoft.com/office/officeart/2005/8/layout/process1"/>
-    <dgm:cxn modelId="{E51F2EE4-E978-475E-B794-BCD65CA2E3F0}" type="presOf" srcId="{62C6B9C4-1C65-4F05-B4A6-CBA5F0EA9BFB}" destId="{61FA7C48-00DC-49EA-8DF7-BE9B6BDF5C2F}" srcOrd="0" destOrd="0" presId="urn:microsoft.com/office/officeart/2005/8/layout/process1"/>
-    <dgm:cxn modelId="{6E489177-0713-46DD-933F-5C8BE5877C9E}" srcId="{38BFA7D5-001E-4F3F-BDEB-C0D7E9219072}" destId="{AF908BB8-39C9-409E-A582-DFA378B72372}" srcOrd="1" destOrd="0" parTransId="{E9A72C01-26A8-4629-B6A8-92F4712C676F}" sibTransId="{012D20B2-9ED5-45A8-B938-08BBC60A90DB}"/>
-    <dgm:cxn modelId="{379C34AB-CF58-479A-871C-034E3AF18896}" type="presOf" srcId="{A1D63692-F149-4516-BF86-84FD8575ED2D}" destId="{1F298B02-191D-4D52-B324-F51148975D58}" srcOrd="1" destOrd="0" presId="urn:microsoft.com/office/officeart/2005/8/layout/process1"/>
-    <dgm:cxn modelId="{5E2926F6-A746-4055-8E9C-7A140C23DDEC}" type="presOf" srcId="{3E5337C9-4E3F-4F68-AF66-347D7809D51B}" destId="{DD8572E5-0527-4B6D-BC49-D71FEE0439E5}" srcOrd="0" destOrd="0" presId="urn:microsoft.com/office/officeart/2005/8/layout/process1"/>
-    <dgm:cxn modelId="{DD6E27A1-79A5-4051-B143-16E4EF12A0BD}" type="presOf" srcId="{E34F6AC9-CC0F-451D-B3E9-6AAB70A8AE49}" destId="{FCF4A78A-D1D2-4255-A82F-5FF52191D574}" srcOrd="1" destOrd="0" presId="urn:microsoft.com/office/officeart/2005/8/layout/process1"/>
     <dgm:cxn modelId="{BC4F08E8-6B94-45DB-8060-BD3BE10A83D3}" type="presParOf" srcId="{939CF2A2-E0FF-4E18-B3A9-FC83F64B8A27}" destId="{DD8572E5-0527-4B6D-BC49-D71FEE0439E5}" srcOrd="0" destOrd="0" presId="urn:microsoft.com/office/officeart/2005/8/layout/process1"/>
     <dgm:cxn modelId="{C8009258-CB81-4B49-8903-57B6BA9C3AD7}" type="presParOf" srcId="{939CF2A2-E0FF-4E18-B3A9-FC83F64B8A27}" destId="{5050D266-9F8F-47E8-9EDA-0AE2C42C8E39}" srcOrd="1" destOrd="0" presId="urn:microsoft.com/office/officeart/2005/8/layout/process1"/>
     <dgm:cxn modelId="{B9170E92-1B51-452C-A238-D538E438C80E}" type="presParOf" srcId="{5050D266-9F8F-47E8-9EDA-0AE2C42C8E39}" destId="{1F298B02-191D-4D52-B324-F51148975D58}" srcOrd="0" destOrd="0" presId="urn:microsoft.com/office/officeart/2005/8/layout/process1"/>
@@ -4488,9 +4455,6 @@
     <dgm:cxn modelId="{CB3B0533-4988-46A4-A9D6-C5480F3B4854}" type="presParOf" srcId="{939CF2A2-E0FF-4E18-B3A9-FC83F64B8A27}" destId="{F2782188-5D8E-4A26-8AAF-BF26CB209294}" srcOrd="5" destOrd="0" presId="urn:microsoft.com/office/officeart/2005/8/layout/process1"/>
     <dgm:cxn modelId="{82438E28-C27A-4247-8A44-F6A6C3C913A1}" type="presParOf" srcId="{F2782188-5D8E-4A26-8AAF-BF26CB209294}" destId="{FCF4A78A-D1D2-4255-A82F-5FF52191D574}" srcOrd="0" destOrd="0" presId="urn:microsoft.com/office/officeart/2005/8/layout/process1"/>
     <dgm:cxn modelId="{12A7CDD1-A90D-4F7C-B70F-E80E8E414A9F}" type="presParOf" srcId="{939CF2A2-E0FF-4E18-B3A9-FC83F64B8A27}" destId="{61FA7C48-00DC-49EA-8DF7-BE9B6BDF5C2F}" srcOrd="6" destOrd="0" presId="urn:microsoft.com/office/officeart/2005/8/layout/process1"/>
-    <dgm:cxn modelId="{2977B8B8-5D03-4A05-8BC2-7F9493E866D7}" type="presParOf" srcId="{939CF2A2-E0FF-4E18-B3A9-FC83F64B8A27}" destId="{811331A2-DB0C-454B-A302-B5554ABB2115}" srcOrd="7" destOrd="0" presId="urn:microsoft.com/office/officeart/2005/8/layout/process1"/>
-    <dgm:cxn modelId="{E8D8A383-FCC7-4A77-A1BE-1D4FCD357C3D}" type="presParOf" srcId="{811331A2-DB0C-454B-A302-B5554ABB2115}" destId="{9953220E-6EDE-4059-9197-58D6FD339174}" srcOrd="0" destOrd="0" presId="urn:microsoft.com/office/officeart/2005/8/layout/process1"/>
-    <dgm:cxn modelId="{2312BF53-C7A9-44A1-A478-8465E5992C3F}" type="presParOf" srcId="{939CF2A2-E0FF-4E18-B3A9-FC83F64B8A27}" destId="{24E67784-9FF5-4B43-A775-7F0D0A3929D5}" srcOrd="8" destOrd="0" presId="urn:microsoft.com/office/officeart/2005/8/layout/process1"/>
   </dgm:cxnLst>
   <dgm:bg/>
   <dgm:whole/>
@@ -4630,17 +4594,17 @@
       </dgm:t>
     </dgm:pt>
     <dgm:pt modelId="{9FAC88E1-7FFE-4E80-912F-039068943E20}">
-      <dgm:prSet/>
+      <dgm:prSet custT="1"/>
       <dgm:spPr/>
       <dgm:t>
         <a:bodyPr/>
         <a:lstStyle/>
         <a:p>
           <a:r>
-            <a:rPr lang="en-US" smtClean="0"/>
-            <a:t>EQUIVALENCY THEOREM</a:t>
+            <a:rPr lang="en-US" sz="2000" smtClean="0"/>
+            <a:t>xWAM HEAP</a:t>
           </a:r>
-          <a:endParaRPr lang="en-US"/>
+          <a:endParaRPr lang="en-US" sz="2000"/>
         </a:p>
       </dgm:t>
     </dgm:pt>
@@ -4675,7 +4639,7 @@
         <a:p>
           <a:r>
             <a:rPr lang="en-US" smtClean="0"/>
-            <a:t>DEMORGAN</a:t>
+            <a:t>DEMORGAN, LEM , MT</a:t>
           </a:r>
           <a:endParaRPr lang="en-US"/>
         </a:p>
@@ -4710,11 +4674,27 @@
         <a:bodyPr/>
         <a:lstStyle/>
         <a:p>
+          <a:pPr marL="0" marR="0" indent="0" defTabSz="914400" eaLnBrk="1" fontAlgn="auto" latinLnBrk="0" hangingPunct="1">
+            <a:lnSpc>
+              <a:spcPct val="100000"/>
+            </a:lnSpc>
+            <a:spcBef>
+              <a:spcPts val="0"/>
+            </a:spcBef>
+            <a:spcAft>
+              <a:spcPts val="0"/>
+            </a:spcAft>
+            <a:buClrTx/>
+            <a:buSzTx/>
+            <a:buFontTx/>
+            <a:buNone/>
+            <a:tabLst/>
+            <a:defRPr/>
+          </a:pPr>
           <a:r>
             <a:rPr lang="en-US" smtClean="0"/>
-            <a:t>LEM , MT</a:t>
+            <a:t>EQUIVALENCY THEOREM</a:t>
           </a:r>
-          <a:endParaRPr lang="en-US"/>
         </a:p>
       </dgm:t>
     </dgm:pt>
@@ -4791,7 +4771,7 @@
       </dgm:t>
     </dgm:pt>
     <dgm:pt modelId="{1A368806-A1B8-498C-9168-A8C861100270}" type="pres">
-      <dgm:prSet presAssocID="{56C78558-64EA-4989-B237-3830C383172D}" presName="tile2" presStyleLbl="node1" presStyleIdx="1" presStyleCnt="4"/>
+      <dgm:prSet presAssocID="{56C78558-64EA-4989-B237-3830C383172D}" presName="tile2" presStyleLbl="node1" presStyleIdx="1" presStyleCnt="4" custLinFactNeighborX="0"/>
       <dgm:spPr/>
       <dgm:t>
         <a:bodyPr/>
@@ -5413,8 +5393,8 @@
     <dgm:cxn modelId="{89567E82-6319-4DA2-9474-1BD3A8697C19}" type="presOf" srcId="{593248D9-0442-439F-9C3C-E048354EC003}" destId="{8E8D42DD-88F7-4F99-B601-10FA49CDF0D6}" srcOrd="0" destOrd="0" presId="urn:microsoft.com/office/officeart/2005/8/layout/radial4"/>
     <dgm:cxn modelId="{1EDCDCD6-A433-4B55-9723-EB2528846CF4}" srcId="{593248D9-0442-439F-9C3C-E048354EC003}" destId="{68187428-F245-4903-B920-C789A68C8D3C}" srcOrd="3" destOrd="0" parTransId="{5160E2D1-F6F4-46C6-9C6A-1C02B231075E}" sibTransId="{F6FC4D53-703A-4BD0-9E95-E34E162CBACE}"/>
     <dgm:cxn modelId="{126267F6-A5C7-4884-ADC2-F614F6FC5395}" type="presOf" srcId="{FB22D5B5-1963-42CA-BEEC-CC6B5EEE6D75}" destId="{090C4A32-0438-4880-B679-3F8DBEEB9D7D}" srcOrd="0" destOrd="0" presId="urn:microsoft.com/office/officeart/2005/8/layout/radial4"/>
+    <dgm:cxn modelId="{25282130-ACEF-4605-A5BE-61520CAB9A7C}" type="presOf" srcId="{68187428-F245-4903-B920-C789A68C8D3C}" destId="{4E3C4A2E-0BC9-470D-A6A5-902BC3D09A15}" srcOrd="0" destOrd="0" presId="urn:microsoft.com/office/officeart/2005/8/layout/radial4"/>
     <dgm:cxn modelId="{971BE77F-02C4-4BA1-8ADA-547442B159F5}" srcId="{593248D9-0442-439F-9C3C-E048354EC003}" destId="{D37D2FC7-415B-4072-86E8-C83D32EA50E4}" srcOrd="2" destOrd="0" parTransId="{427FAEEA-455B-413B-9851-06C6ECB1DF94}" sibTransId="{E9E9BD89-3898-4512-8C34-9AC2619F21B3}"/>
-    <dgm:cxn modelId="{25282130-ACEF-4605-A5BE-61520CAB9A7C}" type="presOf" srcId="{68187428-F245-4903-B920-C789A68C8D3C}" destId="{4E3C4A2E-0BC9-470D-A6A5-902BC3D09A15}" srcOrd="0" destOrd="0" presId="urn:microsoft.com/office/officeart/2005/8/layout/radial4"/>
     <dgm:cxn modelId="{A81BBCF7-EF39-4C78-942B-D01768698B8F}" srcId="{F2C478DF-C240-4FB1-BF51-481D74C285AB}" destId="{7C7B77A0-F8EF-4AB3-8E21-762440CD670D}" srcOrd="2" destOrd="0" parTransId="{CFD9E4CA-C06B-4FEB-85B5-37ED3E21B688}" sibTransId="{B9171FC6-571A-4057-BEE8-06B1FC26BC9E}"/>
     <dgm:cxn modelId="{87E7894E-E234-462A-A4E7-D24935567897}" type="presOf" srcId="{D37D2FC7-415B-4072-86E8-C83D32EA50E4}" destId="{28E6711B-2FCE-46DC-BC44-D63E2DC94367}" srcOrd="0" destOrd="0" presId="urn:microsoft.com/office/officeart/2005/8/layout/radial4"/>
     <dgm:cxn modelId="{EEDE7422-3D2D-4E06-B969-C396DBE5E04F}" srcId="{F2C478DF-C240-4FB1-BF51-481D74C285AB}" destId="{E1E64C65-5E15-4481-ACE4-5AD35F0A91CA}" srcOrd="1" destOrd="0" parTransId="{78A20770-3546-44F6-9749-1085968B3626}" sibTransId="{DC0048F6-D630-47B1-A0D4-514DD9288F59}"/>
@@ -10900,7 +10880,7 @@
             <a:fld id="{993365B8-C071-4221-A39E-10773AB31212}" type="datetimeFigureOut">
               <a:rPr lang="en-US" smtClean="0"/>
               <a:pPr/>
-              <a:t>12/13/2008</a:t>
+              <a:t>12/18/2008</a:t>
             </a:fld>
             <a:endParaRPr lang="en-US"/>
           </a:p>
@@ -11067,7 +11047,7 @@
             <a:fld id="{993365B8-C071-4221-A39E-10773AB31212}" type="datetimeFigureOut">
               <a:rPr lang="en-US" smtClean="0"/>
               <a:pPr/>
-              <a:t>12/13/2008</a:t>
+              <a:t>12/18/2008</a:t>
             </a:fld>
             <a:endParaRPr lang="en-US"/>
           </a:p>
@@ -11244,7 +11224,7 @@
             <a:fld id="{993365B8-C071-4221-A39E-10773AB31212}" type="datetimeFigureOut">
               <a:rPr lang="en-US" smtClean="0"/>
               <a:pPr/>
-              <a:t>12/13/2008</a:t>
+              <a:t>12/18/2008</a:t>
             </a:fld>
             <a:endParaRPr lang="en-US"/>
           </a:p>
@@ -11411,7 +11391,7 @@
             <a:fld id="{993365B8-C071-4221-A39E-10773AB31212}" type="datetimeFigureOut">
               <a:rPr lang="en-US" smtClean="0"/>
               <a:pPr/>
-              <a:t>12/13/2008</a:t>
+              <a:t>12/18/2008</a:t>
             </a:fld>
             <a:endParaRPr lang="en-US"/>
           </a:p>
@@ -11654,7 +11634,7 @@
             <a:fld id="{993365B8-C071-4221-A39E-10773AB31212}" type="datetimeFigureOut">
               <a:rPr lang="en-US" smtClean="0"/>
               <a:pPr/>
-              <a:t>12/13/2008</a:t>
+              <a:t>12/18/2008</a:t>
             </a:fld>
             <a:endParaRPr lang="en-US"/>
           </a:p>
@@ -11939,7 +11919,7 @@
             <a:fld id="{993365B8-C071-4221-A39E-10773AB31212}" type="datetimeFigureOut">
               <a:rPr lang="en-US" smtClean="0"/>
               <a:pPr/>
-              <a:t>12/13/2008</a:t>
+              <a:t>12/18/2008</a:t>
             </a:fld>
             <a:endParaRPr lang="en-US"/>
           </a:p>
@@ -12363,7 +12343,7 @@
             <a:fld id="{993365B8-C071-4221-A39E-10773AB31212}" type="datetimeFigureOut">
               <a:rPr lang="en-US" smtClean="0"/>
               <a:pPr/>
-              <a:t>12/13/2008</a:t>
+              <a:t>12/18/2008</a:t>
             </a:fld>
             <a:endParaRPr lang="en-US"/>
           </a:p>
@@ -12478,7 +12458,7 @@
             <a:fld id="{993365B8-C071-4221-A39E-10773AB31212}" type="datetimeFigureOut">
               <a:rPr lang="en-US" smtClean="0"/>
               <a:pPr/>
-              <a:t>12/13/2008</a:t>
+              <a:t>12/18/2008</a:t>
             </a:fld>
             <a:endParaRPr lang="en-US"/>
           </a:p>
@@ -12570,7 +12550,7 @@
             <a:fld id="{993365B8-C071-4221-A39E-10773AB31212}" type="datetimeFigureOut">
               <a:rPr lang="en-US" smtClean="0"/>
               <a:pPr/>
-              <a:t>12/13/2008</a:t>
+              <a:t>12/18/2008</a:t>
             </a:fld>
             <a:endParaRPr lang="en-US"/>
           </a:p>
@@ -12844,7 +12824,7 @@
             <a:fld id="{993365B8-C071-4221-A39E-10773AB31212}" type="datetimeFigureOut">
               <a:rPr lang="en-US" smtClean="0"/>
               <a:pPr/>
-              <a:t>12/13/2008</a:t>
+              <a:t>12/18/2008</a:t>
             </a:fld>
             <a:endParaRPr lang="en-US"/>
           </a:p>
@@ -13094,7 +13074,7 @@
             <a:fld id="{993365B8-C071-4221-A39E-10773AB31212}" type="datetimeFigureOut">
               <a:rPr lang="en-US" smtClean="0"/>
               <a:pPr/>
-              <a:t>12/13/2008</a:t>
+              <a:t>12/18/2008</a:t>
             </a:fld>
             <a:endParaRPr lang="en-US"/>
           </a:p>
@@ -13304,7 +13284,7 @@
             <a:fld id="{993365B8-C071-4221-A39E-10773AB31212}" type="datetimeFigureOut">
               <a:rPr lang="en-US" smtClean="0"/>
               <a:pPr/>
-              <a:t>12/13/2008</a:t>
+              <a:t>12/18/2008</a:t>
             </a:fld>
             <a:endParaRPr lang="en-US"/>
           </a:p>
@@ -22183,43 +22163,21 @@
                 <a:latin typeface="Times New Roman" pitchFamily="18" charset="0"/>
                 <a:cs typeface="Times New Roman" pitchFamily="18" charset="0"/>
               </a:rPr>
-              <a:t>Nếu là người thì phải chết</a:t>
-            </a:r>
+              <a:t>Nếu là người thì phải chết. </a:t>
+            </a:r>
+          </a:p>
+          <a:p>
+            <a:pPr lvl="1">
+              <a:buFont typeface="Arial" pitchFamily="34" charset="0"/>
+              <a:buChar char="•"/>
+            </a:pPr>
             <a:r>
               <a:rPr lang="vi-VN" smtClean="0">
                 <a:latin typeface="Times New Roman" pitchFamily="18" charset="0"/>
                 <a:cs typeface="Times New Roman" pitchFamily="18" charset="0"/>
               </a:rPr>
-              <a:t>. </a:t>
-            </a:r>
-            <a:endParaRPr lang="vi-VN" smtClean="0">
-              <a:latin typeface="Times New Roman" pitchFamily="18" charset="0"/>
-              <a:cs typeface="Times New Roman" pitchFamily="18" charset="0"/>
-            </a:endParaRPr>
-          </a:p>
-          <a:p>
-            <a:pPr lvl="1">
-              <a:buFont typeface="Arial" pitchFamily="34" charset="0"/>
-              <a:buChar char="•"/>
-            </a:pPr>
-            <a:r>
-              <a:rPr lang="vi-VN" smtClean="0">
-                <a:latin typeface="Times New Roman" pitchFamily="18" charset="0"/>
-                <a:cs typeface="Times New Roman" pitchFamily="18" charset="0"/>
-              </a:rPr>
-              <a:t>Socrates là người</a:t>
-            </a:r>
-            <a:r>
-              <a:rPr lang="vi-VN" smtClean="0">
-                <a:latin typeface="Times New Roman" pitchFamily="18" charset="0"/>
-                <a:cs typeface="Times New Roman" pitchFamily="18" charset="0"/>
-              </a:rPr>
-              <a:t>. </a:t>
-            </a:r>
-            <a:endParaRPr lang="vi-VN" smtClean="0">
-              <a:latin typeface="Times New Roman" pitchFamily="18" charset="0"/>
-              <a:cs typeface="Times New Roman" pitchFamily="18" charset="0"/>
-            </a:endParaRPr>
+              <a:t>Socrates là người. </a:t>
+            </a:r>
           </a:p>
           <a:p>
             <a:pPr lvl="1">
@@ -22237,21 +22195,7 @@
                 <a:latin typeface="Times New Roman" pitchFamily="18" charset="0"/>
                 <a:cs typeface="Times New Roman" pitchFamily="18" charset="0"/>
               </a:rPr>
-              <a:t>Vậy Socrates </a:t>
-            </a:r>
-            <a:r>
-              <a:rPr lang="vi-VN" i="1" smtClean="0">
-                <a:latin typeface="Times New Roman" pitchFamily="18" charset="0"/>
-                <a:cs typeface="Times New Roman" pitchFamily="18" charset="0"/>
-              </a:rPr>
-              <a:t>phải </a:t>
-            </a:r>
-            <a:r>
-              <a:rPr lang="vi-VN" i="1" smtClean="0">
-                <a:latin typeface="Times New Roman" pitchFamily="18" charset="0"/>
-                <a:cs typeface="Times New Roman" pitchFamily="18" charset="0"/>
-              </a:rPr>
-              <a:t>chết</a:t>
+              <a:t>Vậy Socrates phải chết</a:t>
             </a:r>
             <a:r>
               <a:rPr lang="en-US" i="1" smtClean="0">
@@ -22260,10 +22204,6 @@
               </a:rPr>
               <a:t>.</a:t>
             </a:r>
-            <a:endParaRPr lang="en-US" i="1" smtClean="0">
-              <a:latin typeface="Times New Roman" pitchFamily="18" charset="0"/>
-              <a:cs typeface="Times New Roman" pitchFamily="18" charset="0"/>
-            </a:endParaRPr>
           </a:p>
         </p:txBody>
       </p:sp>
@@ -23375,12 +23315,6 @@
           </a:bodyPr>
           <a:lstStyle/>
           <a:p>
-            <a:r>
-              <a:rPr lang="en-US" smtClean="0">
-                <a:latin typeface="Times New Roman" pitchFamily="18" charset="0"/>
-              </a:rPr>
-              <a:t>LỜI CẢM ƠN</a:t>
-            </a:r>
             <a:endParaRPr lang="en-US">
               <a:latin typeface="Times New Roman" pitchFamily="18" charset="0"/>
             </a:endParaRPr>
@@ -23407,31 +23341,20 @@
           <a:bodyPr/>
           <a:lstStyle/>
           <a:p>
+            <a:pPr algn="ctr">
+              <a:buNone/>
+            </a:pPr>
             <a:r>
               <a:rPr lang="en-US" smtClean="0">
                 <a:latin typeface="Times New Roman" pitchFamily="18" charset="0"/>
-                <a:cs typeface="Times New Roman" pitchFamily="18" charset="0"/>
               </a:rPr>
-              <a:t>Xin cám ơn các thầy cô Khoa CNTT- Trường ĐHBK HCM.</a:t>
-            </a:r>
-          </a:p>
-          <a:p>
-            <a:r>
-              <a:rPr lang="en-US" smtClean="0">
-                <a:latin typeface="Times New Roman" pitchFamily="18" charset="0"/>
-                <a:cs typeface="Times New Roman" pitchFamily="18" charset="0"/>
-              </a:rPr>
-              <a:t>Chân thành cám ơn thầy Nguyễn Thanh Sơn đã tận tình hướng dẫn chúng em thực hiện đề tài.</a:t>
-            </a:r>
-          </a:p>
-          <a:p>
-            <a:r>
-              <a:rPr lang="en-US" smtClean="0">
-                <a:latin typeface="Times New Roman" pitchFamily="18" charset="0"/>
-                <a:cs typeface="Times New Roman" pitchFamily="18" charset="0"/>
-              </a:rPr>
-              <a:t>Cám ơn các bạn đã tham gia buổi bảo vệ đề tài hôm nay.</a:t>
-            </a:r>
+              <a:t>LỜI CẢM ƠN</a:t>
+            </a:r>
+          </a:p>
+          <a:p>
+            <a:pPr>
+              <a:buNone/>
+            </a:pPr>
             <a:endParaRPr lang="en-US">
               <a:latin typeface="Times New Roman" pitchFamily="18" charset="0"/>
               <a:cs typeface="Times New Roman" pitchFamily="18" charset="0"/>
@@ -23495,13 +23418,7 @@
               <a:rPr lang="en-US" smtClean="0">
                 <a:latin typeface="Times New Roman" pitchFamily="18" charset="0"/>
               </a:rPr>
-              <a:t>DẪN </a:t>
-            </a:r>
-            <a:r>
-              <a:rPr lang="en-US" smtClean="0">
-                <a:latin typeface="Times New Roman" pitchFamily="18" charset="0"/>
-              </a:rPr>
-              <a:t>NHẬP (2)</a:t>
+              <a:t>DẪN NHẬP (2)</a:t>
             </a:r>
             <a:endParaRPr lang="en-US">
               <a:latin typeface="Times New Roman" pitchFamily="18" charset="0"/>
@@ -24538,22 +24455,24 @@
       </p:grpSp>
       <p:sp>
         <p:nvSpPr>
-          <p:cNvPr id="21" name="Left-Up Arrow 20"/>
+          <p:cNvPr id="18" name="Bent-Up Arrow 17"/>
           <p:cNvSpPr/>
           <p:nvPr/>
         </p:nvSpPr>
         <p:spPr>
           <a:xfrm>
-            <a:off x="7086600" y="2705100"/>
-            <a:ext cx="914400" cy="1447800"/>
+            <a:off x="6934200" y="2857500"/>
+            <a:ext cx="1066800" cy="762000"/>
           </a:xfrm>
-          <a:prstGeom prst="leftUpArrow">
-            <a:avLst>
-              <a:gd name="adj1" fmla="val 22959"/>
-              <a:gd name="adj2" fmla="val 19502"/>
-              <a:gd name="adj3" fmla="val 27041"/>
-            </a:avLst>
+          <a:prstGeom prst="bentUpArrow">
+            <a:avLst/>
           </a:prstGeom>
+          <a:scene3d>
+            <a:camera prst="orthographicFront">
+              <a:rot lat="0" lon="10800000" rev="5400000"/>
+            </a:camera>
+            <a:lightRig rig="threePt" dir="t"/>
+          </a:scene3d>
         </p:spPr>
         <p:style>
           <a:lnRef idx="2">
@@ -24579,6 +24498,57 @@
             <a:endParaRPr lang="en-US"/>
           </a:p>
         </p:txBody>
+      </p:sp>
+      <p:sp>
+        <p:nvSpPr>
+          <p:cNvPr id="20" name="Rounded Rectangle 19"/>
+          <p:cNvSpPr/>
+          <p:nvPr/>
+        </p:nvSpPr>
+        <p:spPr>
+          <a:xfrm>
+            <a:off x="5562600" y="2933700"/>
+            <a:ext cx="1524000" cy="764258"/>
+          </a:xfrm>
+          <a:prstGeom prst="roundRect">
+            <a:avLst>
+              <a:gd name="adj" fmla="val 10000"/>
+            </a:avLst>
+          </a:prstGeom>
+          <a:noFill/>
+          <a:ln>
+            <a:noFill/>
+          </a:ln>
+        </p:spPr>
+        <p:style>
+          <a:lnRef idx="2">
+            <a:schemeClr val="lt1">
+              <a:hueOff val="0"/>
+              <a:satOff val="0"/>
+              <a:lumOff val="0"/>
+              <a:alphaOff val="0"/>
+            </a:schemeClr>
+          </a:lnRef>
+          <a:fillRef idx="1">
+            <a:schemeClr val="accent3">
+              <a:hueOff val="0"/>
+              <a:satOff val="0"/>
+              <a:lumOff val="0"/>
+              <a:alphaOff val="0"/>
+            </a:schemeClr>
+          </a:fillRef>
+          <a:effectRef idx="0">
+            <a:schemeClr val="accent3">
+              <a:hueOff val="0"/>
+              <a:satOff val="0"/>
+              <a:lumOff val="0"/>
+              <a:alphaOff val="0"/>
+            </a:schemeClr>
+          </a:effectRef>
+          <a:fontRef idx="minor">
+            <a:schemeClr val="lt1"/>
+          </a:fontRef>
+        </p:style>
       </p:sp>
     </p:spTree>
   </p:cSld>

--- a/trunk/Report/SUY LUẬN TỰ NHIÊN.pptx
+++ b/trunk/Report/SUY LUẬN TỰ NHIÊN.pptx
@@ -4430,21 +4430,21 @@
     </dgm:pt>
   </dgm:ptLst>
   <dgm:cxnLst>
+    <dgm:cxn modelId="{150F64F2-3D71-4D2C-88E0-740DF998A7C0}" type="presOf" srcId="{012D20B2-9ED5-45A8-B938-08BBC60A90DB}" destId="{BD49FA8C-D7C0-440A-94D4-6A1975BB5665}" srcOrd="0" destOrd="0" presId="urn:microsoft.com/office/officeart/2005/8/layout/process1"/>
+    <dgm:cxn modelId="{947E6AFD-F43D-46B7-A2EF-0C1A5BF8D974}" srcId="{38BFA7D5-001E-4F3F-BDEB-C0D7E9219072}" destId="{62C6B9C4-1C65-4F05-B4A6-CBA5F0EA9BFB}" srcOrd="3" destOrd="0" parTransId="{B00BE4D3-0CE0-45B4-870C-56F36824EC6D}" sibTransId="{AA0D2F3D-425C-4165-8D3C-D3644D6D0CD8}"/>
+    <dgm:cxn modelId="{A97F241F-29FC-4310-AC02-438BBD28C8F7}" type="presOf" srcId="{E34F6AC9-CC0F-451D-B3E9-6AAB70A8AE49}" destId="{F2782188-5D8E-4A26-8AAF-BF26CB209294}" srcOrd="0" destOrd="0" presId="urn:microsoft.com/office/officeart/2005/8/layout/process1"/>
+    <dgm:cxn modelId="{5443BE9C-7E61-4933-BD70-72F12765B9E0}" type="presOf" srcId="{012D20B2-9ED5-45A8-B938-08BBC60A90DB}" destId="{9C8BFCCD-7A76-485D-B85D-A27D79729B32}" srcOrd="1" destOrd="0" presId="urn:microsoft.com/office/officeart/2005/8/layout/process1"/>
+    <dgm:cxn modelId="{9EA1A290-6CF5-4F40-A8FE-72DBDB38B50A}" type="presOf" srcId="{A1D63692-F149-4516-BF86-84FD8575ED2D}" destId="{5050D266-9F8F-47E8-9EDA-0AE2C42C8E39}" srcOrd="0" destOrd="0" presId="urn:microsoft.com/office/officeart/2005/8/layout/process1"/>
+    <dgm:cxn modelId="{1E7EAC6A-1113-4D08-B83A-BC528865EC8E}" srcId="{38BFA7D5-001E-4F3F-BDEB-C0D7E9219072}" destId="{3E5337C9-4E3F-4F68-AF66-347D7809D51B}" srcOrd="0" destOrd="0" parTransId="{7A020096-D171-4B97-AC44-96E4811AA442}" sibTransId="{A1D63692-F149-4516-BF86-84FD8575ED2D}"/>
+    <dgm:cxn modelId="{6FC85F5E-9376-43A6-95B0-163088C55080}" type="presOf" srcId="{38BFA7D5-001E-4F3F-BDEB-C0D7E9219072}" destId="{939CF2A2-E0FF-4E18-B3A9-FC83F64B8A27}" srcOrd="0" destOrd="0" presId="urn:microsoft.com/office/officeart/2005/8/layout/process1"/>
+    <dgm:cxn modelId="{1D965212-76F1-43C6-A084-53F20CBF29BF}" type="presOf" srcId="{E4E4B47F-12B6-4A67-8AC1-20E344511C73}" destId="{8FC46696-FC18-4D51-903F-6CCF31C99BD9}" srcOrd="0" destOrd="0" presId="urn:microsoft.com/office/officeart/2005/8/layout/process1"/>
+    <dgm:cxn modelId="{2E31FD8E-4F28-42E2-9153-E80B419582E6}" srcId="{38BFA7D5-001E-4F3F-BDEB-C0D7E9219072}" destId="{E4E4B47F-12B6-4A67-8AC1-20E344511C73}" srcOrd="2" destOrd="0" parTransId="{4A002303-718B-40E1-966F-A766C674DCF6}" sibTransId="{E34F6AC9-CC0F-451D-B3E9-6AAB70A8AE49}"/>
+    <dgm:cxn modelId="{BEC25A8D-E41A-4B69-948C-16E186E16168}" type="presOf" srcId="{AF908BB8-39C9-409E-A582-DFA378B72372}" destId="{A8BB122F-C08C-475F-98C7-6E4DACFDE527}" srcOrd="0" destOrd="0" presId="urn:microsoft.com/office/officeart/2005/8/layout/process1"/>
+    <dgm:cxn modelId="{E51F2EE4-E978-475E-B794-BCD65CA2E3F0}" type="presOf" srcId="{62C6B9C4-1C65-4F05-B4A6-CBA5F0EA9BFB}" destId="{61FA7C48-00DC-49EA-8DF7-BE9B6BDF5C2F}" srcOrd="0" destOrd="0" presId="urn:microsoft.com/office/officeart/2005/8/layout/process1"/>
     <dgm:cxn modelId="{6E489177-0713-46DD-933F-5C8BE5877C9E}" srcId="{38BFA7D5-001E-4F3F-BDEB-C0D7E9219072}" destId="{AF908BB8-39C9-409E-A582-DFA378B72372}" srcOrd="1" destOrd="0" parTransId="{E9A72C01-26A8-4629-B6A8-92F4712C676F}" sibTransId="{012D20B2-9ED5-45A8-B938-08BBC60A90DB}"/>
+    <dgm:cxn modelId="{379C34AB-CF58-479A-871C-034E3AF18896}" type="presOf" srcId="{A1D63692-F149-4516-BF86-84FD8575ED2D}" destId="{1F298B02-191D-4D52-B324-F51148975D58}" srcOrd="1" destOrd="0" presId="urn:microsoft.com/office/officeart/2005/8/layout/process1"/>
+    <dgm:cxn modelId="{5E2926F6-A746-4055-8E9C-7A140C23DDEC}" type="presOf" srcId="{3E5337C9-4E3F-4F68-AF66-347D7809D51B}" destId="{DD8572E5-0527-4B6D-BC49-D71FEE0439E5}" srcOrd="0" destOrd="0" presId="urn:microsoft.com/office/officeart/2005/8/layout/process1"/>
     <dgm:cxn modelId="{DD6E27A1-79A5-4051-B143-16E4EF12A0BD}" type="presOf" srcId="{E34F6AC9-CC0F-451D-B3E9-6AAB70A8AE49}" destId="{FCF4A78A-D1D2-4255-A82F-5FF52191D574}" srcOrd="1" destOrd="0" presId="urn:microsoft.com/office/officeart/2005/8/layout/process1"/>
-    <dgm:cxn modelId="{5E2926F6-A746-4055-8E9C-7A140C23DDEC}" type="presOf" srcId="{3E5337C9-4E3F-4F68-AF66-347D7809D51B}" destId="{DD8572E5-0527-4B6D-BC49-D71FEE0439E5}" srcOrd="0" destOrd="0" presId="urn:microsoft.com/office/officeart/2005/8/layout/process1"/>
-    <dgm:cxn modelId="{947E6AFD-F43D-46B7-A2EF-0C1A5BF8D974}" srcId="{38BFA7D5-001E-4F3F-BDEB-C0D7E9219072}" destId="{62C6B9C4-1C65-4F05-B4A6-CBA5F0EA9BFB}" srcOrd="3" destOrd="0" parTransId="{B00BE4D3-0CE0-45B4-870C-56F36824EC6D}" sibTransId="{AA0D2F3D-425C-4165-8D3C-D3644D6D0CD8}"/>
-    <dgm:cxn modelId="{2E31FD8E-4F28-42E2-9153-E80B419582E6}" srcId="{38BFA7D5-001E-4F3F-BDEB-C0D7E9219072}" destId="{E4E4B47F-12B6-4A67-8AC1-20E344511C73}" srcOrd="2" destOrd="0" parTransId="{4A002303-718B-40E1-966F-A766C674DCF6}" sibTransId="{E34F6AC9-CC0F-451D-B3E9-6AAB70A8AE49}"/>
-    <dgm:cxn modelId="{5443BE9C-7E61-4933-BD70-72F12765B9E0}" type="presOf" srcId="{012D20B2-9ED5-45A8-B938-08BBC60A90DB}" destId="{9C8BFCCD-7A76-485D-B85D-A27D79729B32}" srcOrd="1" destOrd="0" presId="urn:microsoft.com/office/officeart/2005/8/layout/process1"/>
-    <dgm:cxn modelId="{1E7EAC6A-1113-4D08-B83A-BC528865EC8E}" srcId="{38BFA7D5-001E-4F3F-BDEB-C0D7E9219072}" destId="{3E5337C9-4E3F-4F68-AF66-347D7809D51B}" srcOrd="0" destOrd="0" parTransId="{7A020096-D171-4B97-AC44-96E4811AA442}" sibTransId="{A1D63692-F149-4516-BF86-84FD8575ED2D}"/>
-    <dgm:cxn modelId="{379C34AB-CF58-479A-871C-034E3AF18896}" type="presOf" srcId="{A1D63692-F149-4516-BF86-84FD8575ED2D}" destId="{1F298B02-191D-4D52-B324-F51148975D58}" srcOrd="1" destOrd="0" presId="urn:microsoft.com/office/officeart/2005/8/layout/process1"/>
-    <dgm:cxn modelId="{150F64F2-3D71-4D2C-88E0-740DF998A7C0}" type="presOf" srcId="{012D20B2-9ED5-45A8-B938-08BBC60A90DB}" destId="{BD49FA8C-D7C0-440A-94D4-6A1975BB5665}" srcOrd="0" destOrd="0" presId="urn:microsoft.com/office/officeart/2005/8/layout/process1"/>
-    <dgm:cxn modelId="{E51F2EE4-E978-475E-B794-BCD65CA2E3F0}" type="presOf" srcId="{62C6B9C4-1C65-4F05-B4A6-CBA5F0EA9BFB}" destId="{61FA7C48-00DC-49EA-8DF7-BE9B6BDF5C2F}" srcOrd="0" destOrd="0" presId="urn:microsoft.com/office/officeart/2005/8/layout/process1"/>
-    <dgm:cxn modelId="{BEC25A8D-E41A-4B69-948C-16E186E16168}" type="presOf" srcId="{AF908BB8-39C9-409E-A582-DFA378B72372}" destId="{A8BB122F-C08C-475F-98C7-6E4DACFDE527}" srcOrd="0" destOrd="0" presId="urn:microsoft.com/office/officeart/2005/8/layout/process1"/>
-    <dgm:cxn modelId="{9EA1A290-6CF5-4F40-A8FE-72DBDB38B50A}" type="presOf" srcId="{A1D63692-F149-4516-BF86-84FD8575ED2D}" destId="{5050D266-9F8F-47E8-9EDA-0AE2C42C8E39}" srcOrd="0" destOrd="0" presId="urn:microsoft.com/office/officeart/2005/8/layout/process1"/>
-    <dgm:cxn modelId="{1D965212-76F1-43C6-A084-53F20CBF29BF}" type="presOf" srcId="{E4E4B47F-12B6-4A67-8AC1-20E344511C73}" destId="{8FC46696-FC18-4D51-903F-6CCF31C99BD9}" srcOrd="0" destOrd="0" presId="urn:microsoft.com/office/officeart/2005/8/layout/process1"/>
-    <dgm:cxn modelId="{6FC85F5E-9376-43A6-95B0-163088C55080}" type="presOf" srcId="{38BFA7D5-001E-4F3F-BDEB-C0D7E9219072}" destId="{939CF2A2-E0FF-4E18-B3A9-FC83F64B8A27}" srcOrd="0" destOrd="0" presId="urn:microsoft.com/office/officeart/2005/8/layout/process1"/>
-    <dgm:cxn modelId="{A97F241F-29FC-4310-AC02-438BBD28C8F7}" type="presOf" srcId="{E34F6AC9-CC0F-451D-B3E9-6AAB70A8AE49}" destId="{F2782188-5D8E-4A26-8AAF-BF26CB209294}" srcOrd="0" destOrd="0" presId="urn:microsoft.com/office/officeart/2005/8/layout/process1"/>
     <dgm:cxn modelId="{BC4F08E8-6B94-45DB-8060-BD3BE10A83D3}" type="presParOf" srcId="{939CF2A2-E0FF-4E18-B3A9-FC83F64B8A27}" destId="{DD8572E5-0527-4B6D-BC49-D71FEE0439E5}" srcOrd="0" destOrd="0" presId="urn:microsoft.com/office/officeart/2005/8/layout/process1"/>
     <dgm:cxn modelId="{C8009258-CB81-4B49-8903-57B6BA9C3AD7}" type="presParOf" srcId="{939CF2A2-E0FF-4E18-B3A9-FC83F64B8A27}" destId="{5050D266-9F8F-47E8-9EDA-0AE2C42C8E39}" srcOrd="1" destOrd="0" presId="urn:microsoft.com/office/officeart/2005/8/layout/process1"/>
     <dgm:cxn modelId="{B9170E92-1B51-452C-A238-D538E438C80E}" type="presParOf" srcId="{5050D266-9F8F-47E8-9EDA-0AE2C42C8E39}" destId="{1F298B02-191D-4D52-B324-F51148975D58}" srcOrd="0" destOrd="0" presId="urn:microsoft.com/office/officeart/2005/8/layout/process1"/>
@@ -5000,10 +5000,10 @@
         <a:lstStyle/>
         <a:p>
           <a:r>
-            <a:rPr lang="en-US" smtClean="0"/>
-            <a:t>Matching</a:t>
+            <a:rPr lang="en-US" u="none" smtClean="0"/>
+            <a:t>Unification</a:t>
           </a:r>
-          <a:endParaRPr lang="en-US"/>
+          <a:endParaRPr lang="en-US" u="none"/>
         </a:p>
       </dgm:t>
     </dgm:pt>
@@ -5393,8 +5393,8 @@
     <dgm:cxn modelId="{89567E82-6319-4DA2-9474-1BD3A8697C19}" type="presOf" srcId="{593248D9-0442-439F-9C3C-E048354EC003}" destId="{8E8D42DD-88F7-4F99-B601-10FA49CDF0D6}" srcOrd="0" destOrd="0" presId="urn:microsoft.com/office/officeart/2005/8/layout/radial4"/>
     <dgm:cxn modelId="{1EDCDCD6-A433-4B55-9723-EB2528846CF4}" srcId="{593248D9-0442-439F-9C3C-E048354EC003}" destId="{68187428-F245-4903-B920-C789A68C8D3C}" srcOrd="3" destOrd="0" parTransId="{5160E2D1-F6F4-46C6-9C6A-1C02B231075E}" sibTransId="{F6FC4D53-703A-4BD0-9E95-E34E162CBACE}"/>
     <dgm:cxn modelId="{126267F6-A5C7-4884-ADC2-F614F6FC5395}" type="presOf" srcId="{FB22D5B5-1963-42CA-BEEC-CC6B5EEE6D75}" destId="{090C4A32-0438-4880-B679-3F8DBEEB9D7D}" srcOrd="0" destOrd="0" presId="urn:microsoft.com/office/officeart/2005/8/layout/radial4"/>
+    <dgm:cxn modelId="{971BE77F-02C4-4BA1-8ADA-547442B159F5}" srcId="{593248D9-0442-439F-9C3C-E048354EC003}" destId="{D37D2FC7-415B-4072-86E8-C83D32EA50E4}" srcOrd="2" destOrd="0" parTransId="{427FAEEA-455B-413B-9851-06C6ECB1DF94}" sibTransId="{E9E9BD89-3898-4512-8C34-9AC2619F21B3}"/>
     <dgm:cxn modelId="{25282130-ACEF-4605-A5BE-61520CAB9A7C}" type="presOf" srcId="{68187428-F245-4903-B920-C789A68C8D3C}" destId="{4E3C4A2E-0BC9-470D-A6A5-902BC3D09A15}" srcOrd="0" destOrd="0" presId="urn:microsoft.com/office/officeart/2005/8/layout/radial4"/>
-    <dgm:cxn modelId="{971BE77F-02C4-4BA1-8ADA-547442B159F5}" srcId="{593248D9-0442-439F-9C3C-E048354EC003}" destId="{D37D2FC7-415B-4072-86E8-C83D32EA50E4}" srcOrd="2" destOrd="0" parTransId="{427FAEEA-455B-413B-9851-06C6ECB1DF94}" sibTransId="{E9E9BD89-3898-4512-8C34-9AC2619F21B3}"/>
     <dgm:cxn modelId="{A81BBCF7-EF39-4C78-942B-D01768698B8F}" srcId="{F2C478DF-C240-4FB1-BF51-481D74C285AB}" destId="{7C7B77A0-F8EF-4AB3-8E21-762440CD670D}" srcOrd="2" destOrd="0" parTransId="{CFD9E4CA-C06B-4FEB-85B5-37ED3E21B688}" sibTransId="{B9171FC6-571A-4057-BEE8-06B1FC26BC9E}"/>
     <dgm:cxn modelId="{87E7894E-E234-462A-A4E7-D24935567897}" type="presOf" srcId="{D37D2FC7-415B-4072-86E8-C83D32EA50E4}" destId="{28E6711B-2FCE-46DC-BC44-D63E2DC94367}" srcOrd="0" destOrd="0" presId="urn:microsoft.com/office/officeart/2005/8/layout/radial4"/>
     <dgm:cxn modelId="{EEDE7422-3D2D-4E06-B969-C396DBE5E04F}" srcId="{F2C478DF-C240-4FB1-BF51-481D74C285AB}" destId="{E1E64C65-5E15-4481-ACE4-5AD35F0A91CA}" srcOrd="1" destOrd="0" parTransId="{78A20770-3546-44F6-9749-1085968B3626}" sibTransId="{DC0048F6-D630-47B1-A0D4-514DD9288F59}"/>
@@ -10880,7 +10880,7 @@
             <a:fld id="{993365B8-C071-4221-A39E-10773AB31212}" type="datetimeFigureOut">
               <a:rPr lang="en-US" smtClean="0"/>
               <a:pPr/>
-              <a:t>12/18/2008</a:t>
+              <a:t>12/20/2008</a:t>
             </a:fld>
             <a:endParaRPr lang="en-US"/>
           </a:p>
@@ -11047,7 +11047,7 @@
             <a:fld id="{993365B8-C071-4221-A39E-10773AB31212}" type="datetimeFigureOut">
               <a:rPr lang="en-US" smtClean="0"/>
               <a:pPr/>
-              <a:t>12/18/2008</a:t>
+              <a:t>12/20/2008</a:t>
             </a:fld>
             <a:endParaRPr lang="en-US"/>
           </a:p>
@@ -11224,7 +11224,7 @@
             <a:fld id="{993365B8-C071-4221-A39E-10773AB31212}" type="datetimeFigureOut">
               <a:rPr lang="en-US" smtClean="0"/>
               <a:pPr/>
-              <a:t>12/18/2008</a:t>
+              <a:t>12/20/2008</a:t>
             </a:fld>
             <a:endParaRPr lang="en-US"/>
           </a:p>
@@ -11391,7 +11391,7 @@
             <a:fld id="{993365B8-C071-4221-A39E-10773AB31212}" type="datetimeFigureOut">
               <a:rPr lang="en-US" smtClean="0"/>
               <a:pPr/>
-              <a:t>12/18/2008</a:t>
+              <a:t>12/20/2008</a:t>
             </a:fld>
             <a:endParaRPr lang="en-US"/>
           </a:p>
@@ -11634,7 +11634,7 @@
             <a:fld id="{993365B8-C071-4221-A39E-10773AB31212}" type="datetimeFigureOut">
               <a:rPr lang="en-US" smtClean="0"/>
               <a:pPr/>
-              <a:t>12/18/2008</a:t>
+              <a:t>12/20/2008</a:t>
             </a:fld>
             <a:endParaRPr lang="en-US"/>
           </a:p>
@@ -11919,7 +11919,7 @@
             <a:fld id="{993365B8-C071-4221-A39E-10773AB31212}" type="datetimeFigureOut">
               <a:rPr lang="en-US" smtClean="0"/>
               <a:pPr/>
-              <a:t>12/18/2008</a:t>
+              <a:t>12/20/2008</a:t>
             </a:fld>
             <a:endParaRPr lang="en-US"/>
           </a:p>
@@ -12343,7 +12343,7 @@
             <a:fld id="{993365B8-C071-4221-A39E-10773AB31212}" type="datetimeFigureOut">
               <a:rPr lang="en-US" smtClean="0"/>
               <a:pPr/>
-              <a:t>12/18/2008</a:t>
+              <a:t>12/20/2008</a:t>
             </a:fld>
             <a:endParaRPr lang="en-US"/>
           </a:p>
@@ -12458,7 +12458,7 @@
             <a:fld id="{993365B8-C071-4221-A39E-10773AB31212}" type="datetimeFigureOut">
               <a:rPr lang="en-US" smtClean="0"/>
               <a:pPr/>
-              <a:t>12/18/2008</a:t>
+              <a:t>12/20/2008</a:t>
             </a:fld>
             <a:endParaRPr lang="en-US"/>
           </a:p>
@@ -12550,7 +12550,7 @@
             <a:fld id="{993365B8-C071-4221-A39E-10773AB31212}" type="datetimeFigureOut">
               <a:rPr lang="en-US" smtClean="0"/>
               <a:pPr/>
-              <a:t>12/18/2008</a:t>
+              <a:t>12/20/2008</a:t>
             </a:fld>
             <a:endParaRPr lang="en-US"/>
           </a:p>
@@ -12824,7 +12824,7 @@
             <a:fld id="{993365B8-C071-4221-A39E-10773AB31212}" type="datetimeFigureOut">
               <a:rPr lang="en-US" smtClean="0"/>
               <a:pPr/>
-              <a:t>12/18/2008</a:t>
+              <a:t>12/20/2008</a:t>
             </a:fld>
             <a:endParaRPr lang="en-US"/>
           </a:p>
@@ -13074,7 +13074,7 @@
             <a:fld id="{993365B8-C071-4221-A39E-10773AB31212}" type="datetimeFigureOut">
               <a:rPr lang="en-US" smtClean="0"/>
               <a:pPr/>
-              <a:t>12/18/2008</a:t>
+              <a:t>12/20/2008</a:t>
             </a:fld>
             <a:endParaRPr lang="en-US"/>
           </a:p>
@@ -13284,7 +13284,7 @@
             <a:fld id="{993365B8-C071-4221-A39E-10773AB31212}" type="datetimeFigureOut">
               <a:rPr lang="en-US" smtClean="0"/>
               <a:pPr/>
-              <a:t>12/18/2008</a:t>
+              <a:t>12/20/2008</a:t>
             </a:fld>
             <a:endParaRPr lang="en-US"/>
           </a:p>

--- a/trunk/Report/SUY LUẬN TỰ NHIÊN.pptx
+++ b/trunk/Report/SUY LUẬN TỰ NHIÊN.pptx
@@ -5069,13 +5069,6 @@
     <dgm:pt modelId="{E1E64C65-5E15-4481-ACE4-5AD35F0A91CA}">
       <dgm:prSet custScaleX="60860" custScaleY="30218" custRadScaleRad="133953" custRadScaleInc="68604"/>
       <dgm:spPr/>
-      <dgm:t>
-        <a:bodyPr/>
-        <a:lstStyle/>
-        <a:p>
-          <a:endParaRPr lang="en-US"/>
-        </a:p>
-      </dgm:t>
     </dgm:pt>
     <dgm:pt modelId="{78A20770-3546-44F6-9749-1085968B3626}" type="parTrans" cxnId="{EEDE7422-3D2D-4E06-B969-C396DBE5E04F}">
       <dgm:prSet/>
@@ -5178,7 +5171,7 @@
         <a:p>
           <a:r>
             <a:rPr lang="en-US" smtClean="0"/>
-            <a:t>Contradition deduction</a:t>
+            <a:t>Contradition</a:t>
           </a:r>
           <a:endParaRPr lang="en-US"/>
         </a:p>
@@ -5393,8 +5386,8 @@
     <dgm:cxn modelId="{89567E82-6319-4DA2-9474-1BD3A8697C19}" type="presOf" srcId="{593248D9-0442-439F-9C3C-E048354EC003}" destId="{8E8D42DD-88F7-4F99-B601-10FA49CDF0D6}" srcOrd="0" destOrd="0" presId="urn:microsoft.com/office/officeart/2005/8/layout/radial4"/>
     <dgm:cxn modelId="{1EDCDCD6-A433-4B55-9723-EB2528846CF4}" srcId="{593248D9-0442-439F-9C3C-E048354EC003}" destId="{68187428-F245-4903-B920-C789A68C8D3C}" srcOrd="3" destOrd="0" parTransId="{5160E2D1-F6F4-46C6-9C6A-1C02B231075E}" sibTransId="{F6FC4D53-703A-4BD0-9E95-E34E162CBACE}"/>
     <dgm:cxn modelId="{126267F6-A5C7-4884-ADC2-F614F6FC5395}" type="presOf" srcId="{FB22D5B5-1963-42CA-BEEC-CC6B5EEE6D75}" destId="{090C4A32-0438-4880-B679-3F8DBEEB9D7D}" srcOrd="0" destOrd="0" presId="urn:microsoft.com/office/officeart/2005/8/layout/radial4"/>
+    <dgm:cxn modelId="{25282130-ACEF-4605-A5BE-61520CAB9A7C}" type="presOf" srcId="{68187428-F245-4903-B920-C789A68C8D3C}" destId="{4E3C4A2E-0BC9-470D-A6A5-902BC3D09A15}" srcOrd="0" destOrd="0" presId="urn:microsoft.com/office/officeart/2005/8/layout/radial4"/>
     <dgm:cxn modelId="{971BE77F-02C4-4BA1-8ADA-547442B159F5}" srcId="{593248D9-0442-439F-9C3C-E048354EC003}" destId="{D37D2FC7-415B-4072-86E8-C83D32EA50E4}" srcOrd="2" destOrd="0" parTransId="{427FAEEA-455B-413B-9851-06C6ECB1DF94}" sibTransId="{E9E9BD89-3898-4512-8C34-9AC2619F21B3}"/>
-    <dgm:cxn modelId="{25282130-ACEF-4605-A5BE-61520CAB9A7C}" type="presOf" srcId="{68187428-F245-4903-B920-C789A68C8D3C}" destId="{4E3C4A2E-0BC9-470D-A6A5-902BC3D09A15}" srcOrd="0" destOrd="0" presId="urn:microsoft.com/office/officeart/2005/8/layout/radial4"/>
     <dgm:cxn modelId="{A81BBCF7-EF39-4C78-942B-D01768698B8F}" srcId="{F2C478DF-C240-4FB1-BF51-481D74C285AB}" destId="{7C7B77A0-F8EF-4AB3-8E21-762440CD670D}" srcOrd="2" destOrd="0" parTransId="{CFD9E4CA-C06B-4FEB-85B5-37ED3E21B688}" sibTransId="{B9171FC6-571A-4057-BEE8-06B1FC26BC9E}"/>
     <dgm:cxn modelId="{87E7894E-E234-462A-A4E7-D24935567897}" type="presOf" srcId="{D37D2FC7-415B-4072-86E8-C83D32EA50E4}" destId="{28E6711B-2FCE-46DC-BC44-D63E2DC94367}" srcOrd="0" destOrd="0" presId="urn:microsoft.com/office/officeart/2005/8/layout/radial4"/>
     <dgm:cxn modelId="{EEDE7422-3D2D-4E06-B969-C396DBE5E04F}" srcId="{F2C478DF-C240-4FB1-BF51-481D74C285AB}" destId="{E1E64C65-5E15-4481-ACE4-5AD35F0A91CA}" srcOrd="1" destOrd="0" parTransId="{78A20770-3546-44F6-9749-1085968B3626}" sibTransId="{DC0048F6-D630-47B1-A0D4-514DD9288F59}"/>
@@ -10880,7 +10873,7 @@
             <a:fld id="{993365B8-C071-4221-A39E-10773AB31212}" type="datetimeFigureOut">
               <a:rPr lang="en-US" smtClean="0"/>
               <a:pPr/>
-              <a:t>12/20/2008</a:t>
+              <a:t>12/21/2008</a:t>
             </a:fld>
             <a:endParaRPr lang="en-US"/>
           </a:p>
@@ -11047,7 +11040,7 @@
             <a:fld id="{993365B8-C071-4221-A39E-10773AB31212}" type="datetimeFigureOut">
               <a:rPr lang="en-US" smtClean="0"/>
               <a:pPr/>
-              <a:t>12/20/2008</a:t>
+              <a:t>12/21/2008</a:t>
             </a:fld>
             <a:endParaRPr lang="en-US"/>
           </a:p>
@@ -11224,7 +11217,7 @@
             <a:fld id="{993365B8-C071-4221-A39E-10773AB31212}" type="datetimeFigureOut">
               <a:rPr lang="en-US" smtClean="0"/>
               <a:pPr/>
-              <a:t>12/20/2008</a:t>
+              <a:t>12/21/2008</a:t>
             </a:fld>
             <a:endParaRPr lang="en-US"/>
           </a:p>
@@ -11391,7 +11384,7 @@
             <a:fld id="{993365B8-C071-4221-A39E-10773AB31212}" type="datetimeFigureOut">
               <a:rPr lang="en-US" smtClean="0"/>
               <a:pPr/>
-              <a:t>12/20/2008</a:t>
+              <a:t>12/21/2008</a:t>
             </a:fld>
             <a:endParaRPr lang="en-US"/>
           </a:p>
@@ -11634,7 +11627,7 @@
             <a:fld id="{993365B8-C071-4221-A39E-10773AB31212}" type="datetimeFigureOut">
               <a:rPr lang="en-US" smtClean="0"/>
               <a:pPr/>
-              <a:t>12/20/2008</a:t>
+              <a:t>12/21/2008</a:t>
             </a:fld>
             <a:endParaRPr lang="en-US"/>
           </a:p>
@@ -11919,7 +11912,7 @@
             <a:fld id="{993365B8-C071-4221-A39E-10773AB31212}" type="datetimeFigureOut">
               <a:rPr lang="en-US" smtClean="0"/>
               <a:pPr/>
-              <a:t>12/20/2008</a:t>
+              <a:t>12/21/2008</a:t>
             </a:fld>
             <a:endParaRPr lang="en-US"/>
           </a:p>
@@ -12343,7 +12336,7 @@
             <a:fld id="{993365B8-C071-4221-A39E-10773AB31212}" type="datetimeFigureOut">
               <a:rPr lang="en-US" smtClean="0"/>
               <a:pPr/>
-              <a:t>12/20/2008</a:t>
+              <a:t>12/21/2008</a:t>
             </a:fld>
             <a:endParaRPr lang="en-US"/>
           </a:p>
@@ -12458,7 +12451,7 @@
             <a:fld id="{993365B8-C071-4221-A39E-10773AB31212}" type="datetimeFigureOut">
               <a:rPr lang="en-US" smtClean="0"/>
               <a:pPr/>
-              <a:t>12/20/2008</a:t>
+              <a:t>12/21/2008</a:t>
             </a:fld>
             <a:endParaRPr lang="en-US"/>
           </a:p>
@@ -12550,7 +12543,7 @@
             <a:fld id="{993365B8-C071-4221-A39E-10773AB31212}" type="datetimeFigureOut">
               <a:rPr lang="en-US" smtClean="0"/>
               <a:pPr/>
-              <a:t>12/20/2008</a:t>
+              <a:t>12/21/2008</a:t>
             </a:fld>
             <a:endParaRPr lang="en-US"/>
           </a:p>
@@ -12824,7 +12817,7 @@
             <a:fld id="{993365B8-C071-4221-A39E-10773AB31212}" type="datetimeFigureOut">
               <a:rPr lang="en-US" smtClean="0"/>
               <a:pPr/>
-              <a:t>12/20/2008</a:t>
+              <a:t>12/21/2008</a:t>
             </a:fld>
             <a:endParaRPr lang="en-US"/>
           </a:p>
@@ -13074,7 +13067,7 @@
             <a:fld id="{993365B8-C071-4221-A39E-10773AB31212}" type="datetimeFigureOut">
               <a:rPr lang="en-US" smtClean="0"/>
               <a:pPr/>
-              <a:t>12/20/2008</a:t>
+              <a:t>12/21/2008</a:t>
             </a:fld>
             <a:endParaRPr lang="en-US"/>
           </a:p>
@@ -13284,7 +13277,7 @@
             <a:fld id="{993365B8-C071-4221-A39E-10773AB31212}" type="datetimeFigureOut">
               <a:rPr lang="en-US" smtClean="0"/>
               <a:pPr/>
-              <a:t>12/20/2008</a:t>
+              <a:t>12/21/2008</a:t>
             </a:fld>
             <a:endParaRPr lang="en-US"/>
           </a:p>
@@ -22258,7 +22251,7 @@
               <a:rPr lang="en-US" smtClean="0">
                 <a:latin typeface="Times New Roman" pitchFamily="18" charset="0"/>
               </a:rPr>
-              <a:t>CONTRADICTION DEDUCTION</a:t>
+              <a:t>CONTRADICTION</a:t>
             </a:r>
             <a:endParaRPr lang="en-US">
               <a:latin typeface="Times New Roman" pitchFamily="18" charset="0"/>
@@ -22393,7 +22386,7 @@
               <a:rPr lang="en-US" smtClean="0">
                 <a:latin typeface="Times New Roman" pitchFamily="18" charset="0"/>
               </a:rPr>
-              <a:t>CONTRADICTION DEDUCTION</a:t>
+              <a:t>CONTRADICTION</a:t>
             </a:r>
             <a:endParaRPr lang="en-US">
               <a:latin typeface="Times New Roman" pitchFamily="18" charset="0"/>
@@ -22554,7 +22547,7 @@
               <a:rPr lang="en-US" smtClean="0">
                 <a:latin typeface="Times New Roman" pitchFamily="18" charset="0"/>
               </a:rPr>
-              <a:t>MATCHING</a:t>
+              <a:t>UNIFICATION</a:t>
             </a:r>
             <a:endParaRPr lang="en-US">
               <a:latin typeface="Times New Roman" pitchFamily="18" charset="0"/>
@@ -22611,7 +22604,7 @@
           </a:p>
           <a:p>
             <a:r>
-              <a:rPr lang="en-US" smtClean="0">
+              <a:rPr lang="en-US" sz="3600" smtClean="0">
                 <a:latin typeface="Times New Roman" pitchFamily="18" charset="0"/>
                 <a:cs typeface="Times New Roman" pitchFamily="18" charset="0"/>
               </a:rPr>

--- a/trunk/Report/SUY LUẬN TỰ NHIÊN.pptx
+++ b/trunk/Report/SUY LUẬN TỰ NHIÊN.pptx
@@ -5,10 +5,10 @@
     <p:sldMasterId id="2147483648" r:id="rId1"/>
   </p:sldMasterIdLst>
   <p:notesMasterIdLst>
-    <p:notesMasterId r:id="rId37"/>
+    <p:notesMasterId r:id="rId36"/>
   </p:notesMasterIdLst>
   <p:handoutMasterIdLst>
-    <p:handoutMasterId r:id="rId38"/>
+    <p:handoutMasterId r:id="rId37"/>
   </p:handoutMasterIdLst>
   <p:sldIdLst>
     <p:sldId id="256" r:id="rId2"/>
@@ -28,24 +28,23 @@
     <p:sldId id="298" r:id="rId16"/>
     <p:sldId id="299" r:id="rId17"/>
     <p:sldId id="259" r:id="rId18"/>
-    <p:sldId id="323" r:id="rId19"/>
-    <p:sldId id="322" r:id="rId20"/>
-    <p:sldId id="270" r:id="rId21"/>
-    <p:sldId id="324" r:id="rId22"/>
-    <p:sldId id="307" r:id="rId23"/>
-    <p:sldId id="313" r:id="rId24"/>
-    <p:sldId id="316" r:id="rId25"/>
-    <p:sldId id="328" r:id="rId26"/>
-    <p:sldId id="329" r:id="rId27"/>
-    <p:sldId id="314" r:id="rId28"/>
-    <p:sldId id="315" r:id="rId29"/>
-    <p:sldId id="325" r:id="rId30"/>
-    <p:sldId id="326" r:id="rId31"/>
-    <p:sldId id="327" r:id="rId32"/>
-    <p:sldId id="330" r:id="rId33"/>
-    <p:sldId id="317" r:id="rId34"/>
-    <p:sldId id="318" r:id="rId35"/>
-    <p:sldId id="295" r:id="rId36"/>
+    <p:sldId id="322" r:id="rId19"/>
+    <p:sldId id="270" r:id="rId20"/>
+    <p:sldId id="324" r:id="rId21"/>
+    <p:sldId id="307" r:id="rId22"/>
+    <p:sldId id="313" r:id="rId23"/>
+    <p:sldId id="316" r:id="rId24"/>
+    <p:sldId id="328" r:id="rId25"/>
+    <p:sldId id="329" r:id="rId26"/>
+    <p:sldId id="314" r:id="rId27"/>
+    <p:sldId id="315" r:id="rId28"/>
+    <p:sldId id="325" r:id="rId29"/>
+    <p:sldId id="326" r:id="rId30"/>
+    <p:sldId id="327" r:id="rId31"/>
+    <p:sldId id="330" r:id="rId32"/>
+    <p:sldId id="317" r:id="rId33"/>
+    <p:sldId id="318" r:id="rId34"/>
+    <p:sldId id="295" r:id="rId35"/>
   </p:sldIdLst>
   <p:sldSz cx="9144000" cy="5715000" type="screen16x10"/>
   <p:notesSz cx="6858000" cy="9144000"/>
@@ -16744,7 +16743,7 @@
             <a:fld id="{D4449DB8-AEDA-4522-9FBD-29239527051E}" type="datetimeFigureOut">
               <a:rPr lang="en-US" smtClean="0"/>
               <a:pPr/>
-              <a:t>1/5/2009</a:t>
+              <a:t>1/8/2009</a:t>
             </a:fld>
             <a:endParaRPr lang="en-US"/>
           </a:p>
@@ -16911,7 +16910,7 @@
             <a:fld id="{7F395179-3BA3-4F92-B443-FE0887EE905B}" type="datetimeFigureOut">
               <a:rPr lang="en-US" smtClean="0"/>
               <a:pPr/>
-              <a:t>1/5/2009</a:t>
+              <a:t>1/8/2009</a:t>
             </a:fld>
             <a:endParaRPr lang="en-US"/>
           </a:p>
@@ -17484,7 +17483,7 @@
             <a:fld id="{3CD4B6AE-2830-475D-9D98-17A6242FC48F}" type="datetime1">
               <a:rPr lang="en-US" smtClean="0"/>
               <a:pPr/>
-              <a:t>1/5/2009</a:t>
+              <a:t>1/8/2009</a:t>
             </a:fld>
             <a:endParaRPr lang="en-US"/>
           </a:p>
@@ -17655,7 +17654,7 @@
             <a:fld id="{316CB1DA-C240-4815-9A2E-CEC8A3ED7ECF}" type="datetime1">
               <a:rPr lang="en-US" smtClean="0"/>
               <a:pPr/>
-              <a:t>1/5/2009</a:t>
+              <a:t>1/8/2009</a:t>
             </a:fld>
             <a:endParaRPr lang="en-US"/>
           </a:p>
@@ -17836,7 +17835,7 @@
             <a:fld id="{38B71921-738B-4E44-89D7-BFE7DF46746C}" type="datetime1">
               <a:rPr lang="en-US" smtClean="0"/>
               <a:pPr/>
-              <a:t>1/5/2009</a:t>
+              <a:t>1/8/2009</a:t>
             </a:fld>
             <a:endParaRPr lang="en-US"/>
           </a:p>
@@ -18007,7 +18006,7 @@
             <a:fld id="{D728E92B-1706-43BA-A268-C771A67E99FD}" type="datetime1">
               <a:rPr lang="en-US" smtClean="0"/>
               <a:pPr/>
-              <a:t>1/5/2009</a:t>
+              <a:t>1/8/2009</a:t>
             </a:fld>
             <a:endParaRPr lang="en-US"/>
           </a:p>
@@ -18254,7 +18253,7 @@
             <a:fld id="{1E69C015-586A-4098-BCEE-1380104B5EDD}" type="datetime1">
               <a:rPr lang="en-US" smtClean="0"/>
               <a:pPr/>
-              <a:t>1/5/2009</a:t>
+              <a:t>1/8/2009</a:t>
             </a:fld>
             <a:endParaRPr lang="en-US"/>
           </a:p>
@@ -18543,7 +18542,7 @@
             <a:fld id="{8DF7BD1E-742D-43EF-8F68-DEA63834DDDA}" type="datetime1">
               <a:rPr lang="en-US" smtClean="0"/>
               <a:pPr/>
-              <a:t>1/5/2009</a:t>
+              <a:t>1/8/2009</a:t>
             </a:fld>
             <a:endParaRPr lang="en-US"/>
           </a:p>
@@ -18971,7 +18970,7 @@
             <a:fld id="{67D44CE6-C892-4CA5-BE53-D68FC00EB7E1}" type="datetime1">
               <a:rPr lang="en-US" smtClean="0"/>
               <a:pPr/>
-              <a:t>1/5/2009</a:t>
+              <a:t>1/8/2009</a:t>
             </a:fld>
             <a:endParaRPr lang="en-US"/>
           </a:p>
@@ -19090,7 +19089,7 @@
             <a:fld id="{30BBAE5E-795C-4E17-A7A1-34A158665FD3}" type="datetime1">
               <a:rPr lang="en-US" smtClean="0"/>
               <a:pPr/>
-              <a:t>1/5/2009</a:t>
+              <a:t>1/8/2009</a:t>
             </a:fld>
             <a:endParaRPr lang="en-US"/>
           </a:p>
@@ -19186,7 +19185,7 @@
             <a:fld id="{C0DD6DD4-F208-4607-AAFB-5F3A6EB00A62}" type="datetime1">
               <a:rPr lang="en-US" smtClean="0"/>
               <a:pPr/>
-              <a:t>1/5/2009</a:t>
+              <a:t>1/8/2009</a:t>
             </a:fld>
             <a:endParaRPr lang="en-US"/>
           </a:p>
@@ -19464,7 +19463,7 @@
             <a:fld id="{4FFF9357-7351-4A1B-8A2A-DBC4729FF646}" type="datetime1">
               <a:rPr lang="en-US" smtClean="0"/>
               <a:pPr/>
-              <a:t>1/5/2009</a:t>
+              <a:t>1/8/2009</a:t>
             </a:fld>
             <a:endParaRPr lang="en-US"/>
           </a:p>
@@ -19718,7 +19717,7 @@
             <a:fld id="{5E0BE99E-A6C3-47EA-9DBA-C17BE2EBA77C}" type="datetime1">
               <a:rPr lang="en-US" smtClean="0"/>
               <a:pPr/>
-              <a:t>1/5/2009</a:t>
+              <a:t>1/8/2009</a:t>
             </a:fld>
             <a:endParaRPr lang="en-US"/>
           </a:p>
@@ -19932,7 +19931,7 @@
             <a:fld id="{E14BB709-10DD-41BE-9A16-B4BC3C7FE4D5}" type="datetime1">
               <a:rPr lang="en-US" smtClean="0"/>
               <a:pPr/>
-              <a:t>1/5/2009</a:t>
+              <a:t>1/8/2009</a:t>
             </a:fld>
             <a:endParaRPr lang="en-US"/>
           </a:p>
@@ -20662,14 +20661,7 @@
                 <a:latin typeface="Times New Roman" pitchFamily="18" charset="0"/>
                 <a:cs typeface="Times New Roman" pitchFamily="18" charset="0"/>
               </a:rPr>
-              <a:t>SCANNER &amp; </a:t>
-            </a:r>
-            <a:r>
-              <a:rPr lang="en-US" smtClean="0">
-                <a:latin typeface="Times New Roman" pitchFamily="18" charset="0"/>
-                <a:cs typeface="Times New Roman" pitchFamily="18" charset="0"/>
-              </a:rPr>
-              <a:t>PARSER (1)</a:t>
+              <a:t>SCANNER &amp; PARSER (1)</a:t>
             </a:r>
             <a:endParaRPr lang="en-US">
               <a:latin typeface="Times New Roman" pitchFamily="18" charset="0"/>
@@ -20818,13 +20810,7 @@
               <a:rPr lang="en-US" smtClean="0">
                 <a:latin typeface="Times New Roman" pitchFamily="18" charset="0"/>
               </a:rPr>
-              <a:t>SCANNER &amp; </a:t>
-            </a:r>
-            <a:r>
-              <a:rPr lang="en-US" smtClean="0">
-                <a:latin typeface="Times New Roman" pitchFamily="18" charset="0"/>
-              </a:rPr>
-              <a:t>PARSER (3)</a:t>
+              <a:t>SCANNER &amp; PARSER (3)</a:t>
             </a:r>
             <a:endParaRPr lang="en-US">
               <a:latin typeface="Times New Roman" pitchFamily="18" charset="0"/>
@@ -20865,15 +20851,7 @@
             </a:pPr>
             <a:r>
               <a:rPr lang="en-US" smtClean="0"/>
-              <a:t>P(T) , </a:t>
-            </a:r>
-            <a:r>
-              <a:rPr lang="en-US" smtClean="0"/>
-              <a:t>∀ x  </a:t>
-            </a:r>
-            <a:r>
-              <a:rPr lang="en-US" smtClean="0"/>
-              <a:t>( P(x) → Q(x) )  ├─ Q(T)</a:t>
+              <a:t>P(T) , ∀ x  ( P(x) → Q(x) )  </a:t>
             </a:r>
           </a:p>
           <a:p>
@@ -22842,7 +22820,7 @@
         </p:nvGraphicFramePr>
         <p:xfrm>
           <a:off x="5638800" y="2933700"/>
-          <a:ext cx="812800" cy="830379"/>
+          <a:ext cx="812800" cy="1759617"/>
         </p:xfrm>
         <a:graphic>
           <a:graphicData uri="http://schemas.openxmlformats.org/drawingml/2006/table">
@@ -22854,6 +22832,258 @@
                 <a:gridCol w="406400"/>
                 <a:gridCol w="406400"/>
               </a:tblGrid>
+              <a:tr h="464619">
+                <a:tc>
+                  <a:txBody>
+                    <a:bodyPr/>
+                    <a:lstStyle/>
+                    <a:p>
+                      <a:r>
+                        <a:rPr lang="en-US" b="0" smtClean="0">
+                          <a:solidFill>
+                            <a:schemeClr val="tx1"/>
+                          </a:solidFill>
+                        </a:rPr>
+                        <a:t>0</a:t>
+                      </a:r>
+                      <a:endParaRPr lang="en-US" b="0">
+                        <a:solidFill>
+                          <a:schemeClr val="tx1"/>
+                        </a:solidFill>
+                      </a:endParaRPr>
+                    </a:p>
+                  </a:txBody>
+                  <a:tcPr>
+                    <a:lnL w="12700" cap="flat" cmpd="sng" algn="ctr">
+                      <a:solidFill>
+                        <a:schemeClr val="tx1"/>
+                      </a:solidFill>
+                      <a:prstDash val="solid"/>
+                      <a:round/>
+                      <a:headEnd type="none" w="med" len="med"/>
+                      <a:tailEnd type="none" w="med" len="med"/>
+                    </a:lnL>
+                    <a:lnR w="12700" cap="flat" cmpd="sng" algn="ctr">
+                      <a:solidFill>
+                        <a:schemeClr val="tx1"/>
+                      </a:solidFill>
+                      <a:prstDash val="solid"/>
+                      <a:round/>
+                      <a:headEnd type="none" w="med" len="med"/>
+                      <a:tailEnd type="none" w="med" len="med"/>
+                    </a:lnR>
+                    <a:lnT w="12700" cap="flat" cmpd="sng" algn="ctr">
+                      <a:solidFill>
+                        <a:schemeClr val="tx1"/>
+                      </a:solidFill>
+                      <a:prstDash val="solid"/>
+                      <a:round/>
+                      <a:headEnd type="none" w="med" len="med"/>
+                      <a:tailEnd type="none" w="med" len="med"/>
+                    </a:lnT>
+                    <a:lnB w="12700" cap="flat" cmpd="sng" algn="ctr">
+                      <a:solidFill>
+                        <a:schemeClr val="tx1"/>
+                      </a:solidFill>
+                      <a:prstDash val="solid"/>
+                      <a:round/>
+                      <a:headEnd type="none" w="med" len="med"/>
+                      <a:tailEnd type="none" w="med" len="med"/>
+                    </a:lnB>
+                    <a:solidFill>
+                      <a:schemeClr val="bg1"/>
+                    </a:solidFill>
+                  </a:tcPr>
+                </a:tc>
+                <a:tc>
+                  <a:txBody>
+                    <a:bodyPr/>
+                    <a:lstStyle/>
+                    <a:p>
+                      <a:r>
+                        <a:rPr lang="en-US" b="0" smtClean="0">
+                          <a:solidFill>
+                            <a:schemeClr val="tx1"/>
+                          </a:solidFill>
+                        </a:rPr>
+                        <a:t>…</a:t>
+                      </a:r>
+                      <a:endParaRPr lang="en-US" b="0">
+                        <a:solidFill>
+                          <a:schemeClr val="tx1"/>
+                        </a:solidFill>
+                      </a:endParaRPr>
+                    </a:p>
+                  </a:txBody>
+                  <a:tcPr>
+                    <a:lnL w="12700" cap="flat" cmpd="sng" algn="ctr">
+                      <a:solidFill>
+                        <a:schemeClr val="tx1"/>
+                      </a:solidFill>
+                      <a:prstDash val="solid"/>
+                      <a:round/>
+                      <a:headEnd type="none" w="med" len="med"/>
+                      <a:tailEnd type="none" w="med" len="med"/>
+                    </a:lnL>
+                    <a:lnR w="12700" cap="flat" cmpd="sng" algn="ctr">
+                      <a:solidFill>
+                        <a:schemeClr val="tx1"/>
+                      </a:solidFill>
+                      <a:prstDash val="solid"/>
+                      <a:round/>
+                      <a:headEnd type="none" w="med" len="med"/>
+                      <a:tailEnd type="none" w="med" len="med"/>
+                    </a:lnR>
+                    <a:lnT w="12700" cap="flat" cmpd="sng" algn="ctr">
+                      <a:solidFill>
+                        <a:schemeClr val="tx1"/>
+                      </a:solidFill>
+                      <a:prstDash val="solid"/>
+                      <a:round/>
+                      <a:headEnd type="none" w="med" len="med"/>
+                      <a:tailEnd type="none" w="med" len="med"/>
+                    </a:lnT>
+                    <a:lnB w="12700" cap="flat" cmpd="sng" algn="ctr">
+                      <a:solidFill>
+                        <a:schemeClr val="tx1"/>
+                      </a:solidFill>
+                      <a:prstDash val="solid"/>
+                      <a:round/>
+                      <a:headEnd type="none" w="med" len="med"/>
+                      <a:tailEnd type="none" w="med" len="med"/>
+                    </a:lnB>
+                    <a:solidFill>
+                      <a:schemeClr val="bg1"/>
+                    </a:solidFill>
+                  </a:tcPr>
+                </a:tc>
+              </a:tr>
+              <a:tr h="464619">
+                <a:tc>
+                  <a:txBody>
+                    <a:bodyPr/>
+                    <a:lstStyle/>
+                    <a:p>
+                      <a:r>
+                        <a:rPr lang="en-US" b="0" smtClean="0">
+                          <a:solidFill>
+                            <a:schemeClr val="tx1"/>
+                          </a:solidFill>
+                        </a:rPr>
+                        <a:t>1</a:t>
+                      </a:r>
+                      <a:endParaRPr lang="en-US" b="0">
+                        <a:solidFill>
+                          <a:schemeClr val="tx1"/>
+                        </a:solidFill>
+                      </a:endParaRPr>
+                    </a:p>
+                  </a:txBody>
+                  <a:tcPr>
+                    <a:lnL w="12700" cap="flat" cmpd="sng" algn="ctr">
+                      <a:solidFill>
+                        <a:schemeClr val="tx1"/>
+                      </a:solidFill>
+                      <a:prstDash val="solid"/>
+                      <a:round/>
+                      <a:headEnd type="none" w="med" len="med"/>
+                      <a:tailEnd type="none" w="med" len="med"/>
+                    </a:lnL>
+                    <a:lnR w="12700" cap="flat" cmpd="sng" algn="ctr">
+                      <a:solidFill>
+                        <a:schemeClr val="tx1"/>
+                      </a:solidFill>
+                      <a:prstDash val="solid"/>
+                      <a:round/>
+                      <a:headEnd type="none" w="med" len="med"/>
+                      <a:tailEnd type="none" w="med" len="med"/>
+                    </a:lnR>
+                    <a:lnT w="12700" cap="flat" cmpd="sng" algn="ctr">
+                      <a:solidFill>
+                        <a:schemeClr val="tx1"/>
+                      </a:solidFill>
+                      <a:prstDash val="solid"/>
+                      <a:round/>
+                      <a:headEnd type="none" w="med" len="med"/>
+                      <a:tailEnd type="none" w="med" len="med"/>
+                    </a:lnT>
+                    <a:lnB w="12700" cap="flat" cmpd="sng" algn="ctr">
+                      <a:solidFill>
+                        <a:schemeClr val="tx1"/>
+                      </a:solidFill>
+                      <a:prstDash val="solid"/>
+                      <a:round/>
+                      <a:headEnd type="none" w="med" len="med"/>
+                      <a:tailEnd type="none" w="med" len="med"/>
+                    </a:lnB>
+                    <a:solidFill>
+                      <a:schemeClr val="bg1"/>
+                    </a:solidFill>
+                  </a:tcPr>
+                </a:tc>
+                <a:tc>
+                  <a:txBody>
+                    <a:bodyPr/>
+                    <a:lstStyle/>
+                    <a:p>
+                      <a:r>
+                        <a:rPr lang="en-US" b="0" smtClean="0">
+                          <a:solidFill>
+                            <a:schemeClr val="tx1"/>
+                          </a:solidFill>
+                        </a:rPr>
+                        <a:t>…</a:t>
+                      </a:r>
+                      <a:endParaRPr lang="en-US" b="0">
+                        <a:solidFill>
+                          <a:schemeClr val="tx1"/>
+                        </a:solidFill>
+                      </a:endParaRPr>
+                    </a:p>
+                  </a:txBody>
+                  <a:tcPr>
+                    <a:lnL w="12700" cap="flat" cmpd="sng" algn="ctr">
+                      <a:solidFill>
+                        <a:schemeClr val="tx1"/>
+                      </a:solidFill>
+                      <a:prstDash val="solid"/>
+                      <a:round/>
+                      <a:headEnd type="none" w="med" len="med"/>
+                      <a:tailEnd type="none" w="med" len="med"/>
+                    </a:lnL>
+                    <a:lnR w="12700" cap="flat" cmpd="sng" algn="ctr">
+                      <a:solidFill>
+                        <a:schemeClr val="tx1"/>
+                      </a:solidFill>
+                      <a:prstDash val="solid"/>
+                      <a:round/>
+                      <a:headEnd type="none" w="med" len="med"/>
+                      <a:tailEnd type="none" w="med" len="med"/>
+                    </a:lnR>
+                    <a:lnT w="12700" cap="flat" cmpd="sng" algn="ctr">
+                      <a:solidFill>
+                        <a:schemeClr val="tx1"/>
+                      </a:solidFill>
+                      <a:prstDash val="solid"/>
+                      <a:round/>
+                      <a:headEnd type="none" w="med" len="med"/>
+                      <a:tailEnd type="none" w="med" len="med"/>
+                    </a:lnT>
+                    <a:lnB w="12700" cap="flat" cmpd="sng" algn="ctr">
+                      <a:solidFill>
+                        <a:schemeClr val="tx1"/>
+                      </a:solidFill>
+                      <a:prstDash val="solid"/>
+                      <a:round/>
+                      <a:headEnd type="none" w="med" len="med"/>
+                      <a:tailEnd type="none" w="med" len="med"/>
+                    </a:lnB>
+                    <a:solidFill>
+                      <a:schemeClr val="bg1"/>
+                    </a:solidFill>
+                  </a:tcPr>
+                </a:tc>
+              </a:tr>
               <a:tr h="464619">
                 <a:tc>
                   <a:txBody>
@@ -28104,7 +28334,7 @@
                             <a:schemeClr val="tx1"/>
                           </a:solidFill>
                         </a:rPr>
-                        <a:t>x</a:t>
+                        <a:t>0</a:t>
                       </a:r>
                       <a:endParaRPr lang="en-US" b="0">
                         <a:solidFill>
@@ -28292,7 +28522,7 @@
                             <a:schemeClr val="tx1"/>
                           </a:solidFill>
                         </a:rPr>
-                        <a:t>y</a:t>
+                        <a:t>1</a:t>
                       </a:r>
                       <a:endParaRPr lang="en-US" b="0">
                         <a:solidFill>
@@ -28358,7 +28588,7 @@
         </p:nvGraphicFramePr>
         <p:xfrm>
           <a:off x="7162800" y="1714500"/>
-          <a:ext cx="838200" cy="731520"/>
+          <a:ext cx="1392619" cy="731520"/>
         </p:xfrm>
         <a:graphic>
           <a:graphicData uri="http://schemas.openxmlformats.org/drawingml/2006/table">
@@ -28367,8 +28597,9 @@
                 <a:tableStyleId>{5C22544A-7EE6-4342-B048-85BDC9FD1C3A}</a:tableStyleId>
               </a:tblPr>
               <a:tblGrid>
-                <a:gridCol w="304800"/>
-                <a:gridCol w="533400"/>
+                <a:gridCol w="284480"/>
+                <a:gridCol w="610299"/>
+                <a:gridCol w="497840"/>
               </a:tblGrid>
               <a:tr h="321733">
                 <a:tc>
@@ -28383,6 +28614,68 @@
                           </a:solidFill>
                         </a:rPr>
                         <a:t>0</a:t>
+                      </a:r>
+                      <a:endParaRPr lang="en-US" b="0">
+                        <a:solidFill>
+                          <a:schemeClr val="tx1"/>
+                        </a:solidFill>
+                      </a:endParaRPr>
+                    </a:p>
+                  </a:txBody>
+                  <a:tcPr>
+                    <a:lnL w="12700" cap="flat" cmpd="sng" algn="ctr">
+                      <a:solidFill>
+                        <a:schemeClr val="tx1"/>
+                      </a:solidFill>
+                      <a:prstDash val="solid"/>
+                      <a:round/>
+                      <a:headEnd type="none" w="med" len="med"/>
+                      <a:tailEnd type="none" w="med" len="med"/>
+                    </a:lnL>
+                    <a:lnR w="12700" cap="flat" cmpd="sng" algn="ctr">
+                      <a:solidFill>
+                        <a:schemeClr val="tx1"/>
+                      </a:solidFill>
+                      <a:prstDash val="solid"/>
+                      <a:round/>
+                      <a:headEnd type="none" w="med" len="med"/>
+                      <a:tailEnd type="none" w="med" len="med"/>
+                    </a:lnR>
+                    <a:lnT w="12700" cap="flat" cmpd="sng" algn="ctr">
+                      <a:solidFill>
+                        <a:schemeClr val="tx1"/>
+                      </a:solidFill>
+                      <a:prstDash val="solid"/>
+                      <a:round/>
+                      <a:headEnd type="none" w="med" len="med"/>
+                      <a:tailEnd type="none" w="med" len="med"/>
+                    </a:lnT>
+                    <a:lnB w="12700" cap="flat" cmpd="sng" algn="ctr">
+                      <a:solidFill>
+                        <a:schemeClr val="tx1"/>
+                      </a:solidFill>
+                      <a:prstDash val="solid"/>
+                      <a:round/>
+                      <a:headEnd type="none" w="med" len="med"/>
+                      <a:tailEnd type="none" w="med" len="med"/>
+                    </a:lnB>
+                    <a:solidFill>
+                      <a:schemeClr val="bg1"/>
+                    </a:solidFill>
+                  </a:tcPr>
+                </a:tc>
+                <a:tc>
+                  <a:txBody>
+                    <a:bodyPr/>
+                    <a:lstStyle/>
+                    <a:p>
+                      <a:r>
+                        <a:rPr lang="en-US" b="0" smtClean="0">
+                          <a:solidFill>
+                            <a:schemeClr val="tx1"/>
+                          </a:solidFill>
+                        </a:rPr>
+                        <a:t>VAR</a:t>
                       </a:r>
                       <a:endParaRPr lang="en-US" b="0">
                         <a:solidFill>
@@ -28509,6 +28802,68 @@
                           </a:solidFill>
                         </a:rPr>
                         <a:t>1</a:t>
+                      </a:r>
+                      <a:endParaRPr lang="en-US" b="0">
+                        <a:solidFill>
+                          <a:schemeClr val="tx1"/>
+                        </a:solidFill>
+                      </a:endParaRPr>
+                    </a:p>
+                  </a:txBody>
+                  <a:tcPr>
+                    <a:lnL w="12700" cap="flat" cmpd="sng" algn="ctr">
+                      <a:solidFill>
+                        <a:schemeClr val="tx1"/>
+                      </a:solidFill>
+                      <a:prstDash val="solid"/>
+                      <a:round/>
+                      <a:headEnd type="none" w="med" len="med"/>
+                      <a:tailEnd type="none" w="med" len="med"/>
+                    </a:lnL>
+                    <a:lnR w="12700" cap="flat" cmpd="sng" algn="ctr">
+                      <a:solidFill>
+                        <a:schemeClr val="tx1"/>
+                      </a:solidFill>
+                      <a:prstDash val="solid"/>
+                      <a:round/>
+                      <a:headEnd type="none" w="med" len="med"/>
+                      <a:tailEnd type="none" w="med" len="med"/>
+                    </a:lnR>
+                    <a:lnT w="12700" cap="flat" cmpd="sng" algn="ctr">
+                      <a:solidFill>
+                        <a:schemeClr val="tx1"/>
+                      </a:solidFill>
+                      <a:prstDash val="solid"/>
+                      <a:round/>
+                      <a:headEnd type="none" w="med" len="med"/>
+                      <a:tailEnd type="none" w="med" len="med"/>
+                    </a:lnT>
+                    <a:lnB w="12700" cap="flat" cmpd="sng" algn="ctr">
+                      <a:solidFill>
+                        <a:schemeClr val="tx1"/>
+                      </a:solidFill>
+                      <a:prstDash val="solid"/>
+                      <a:round/>
+                      <a:headEnd type="none" w="med" len="med"/>
+                      <a:tailEnd type="none" w="med" len="med"/>
+                    </a:lnB>
+                    <a:solidFill>
+                      <a:schemeClr val="bg1"/>
+                    </a:solidFill>
+                  </a:tcPr>
+                </a:tc>
+                <a:tc>
+                  <a:txBody>
+                    <a:bodyPr/>
+                    <a:lstStyle/>
+                    <a:p>
+                      <a:r>
+                        <a:rPr lang="en-US" b="0" smtClean="0">
+                          <a:solidFill>
+                            <a:schemeClr val="tx1"/>
+                          </a:solidFill>
+                        </a:rPr>
+                        <a:t>VAR</a:t>
                       </a:r>
                       <a:endParaRPr lang="en-US" b="0">
                         <a:solidFill>
@@ -28820,402 +29175,6 @@
         </p:nvSpPr>
         <p:spPr/>
         <p:txBody>
-          <a:bodyPr/>
-          <a:lstStyle/>
-          <a:p>
-            <a:r>
-              <a:rPr lang="en-US" smtClean="0">
-                <a:latin typeface="Times New Roman" pitchFamily="18" charset="0"/>
-                <a:cs typeface="Times New Roman" pitchFamily="18" charset="0"/>
-              </a:rPr>
-              <a:t>TẬP LUẬT</a:t>
-            </a:r>
-            <a:endParaRPr lang="en-US">
-              <a:latin typeface="Times New Roman" pitchFamily="18" charset="0"/>
-              <a:cs typeface="Times New Roman" pitchFamily="18" charset="0"/>
-            </a:endParaRPr>
-          </a:p>
-        </p:txBody>
-      </p:sp>
-      <p:sp>
-        <p:nvSpPr>
-          <p:cNvPr id="4" name="Slide Number Placeholder 3"/>
-          <p:cNvSpPr>
-            <a:spLocks noGrp="1"/>
-          </p:cNvSpPr>
-          <p:nvPr>
-            <p:ph type="sldNum" sz="quarter" idx="12"/>
-          </p:nvPr>
-        </p:nvSpPr>
-        <p:spPr/>
-        <p:txBody>
-          <a:bodyPr/>
-          <a:lstStyle/>
-          <a:p>
-            <a:fld id="{A664601A-62C5-4813-906E-C773A9392B48}" type="slidenum">
-              <a:rPr lang="en-US" smtClean="0"/>
-              <a:pPr/>
-              <a:t>18</a:t>
-            </a:fld>
-            <a:endParaRPr lang="en-US"/>
-          </a:p>
-        </p:txBody>
-      </p:sp>
-      <p:sp>
-        <p:nvSpPr>
-          <p:cNvPr id="5" name="Content Placeholder 14"/>
-          <p:cNvSpPr txBox="1">
-            <a:spLocks/>
-          </p:cNvSpPr>
-          <p:nvPr/>
-        </p:nvSpPr>
-        <p:spPr>
-          <a:xfrm>
-            <a:off x="533400" y="1409700"/>
-            <a:ext cx="8229600" cy="4114800"/>
-          </a:xfrm>
-          <a:prstGeom prst="rect">
-            <a:avLst/>
-          </a:prstGeom>
-        </p:spPr>
-        <p:txBody>
-          <a:bodyPr vert="horz" lIns="91440" tIns="45720" rIns="91440" bIns="45720" rtlCol="0">
-            <a:normAutofit/>
-          </a:bodyPr>
-          <a:lstStyle/>
-          <a:p>
-            <a:pPr marL="342900" marR="0" lvl="0" indent="-342900" algn="l" defTabSz="914400" rtl="0" eaLnBrk="1" fontAlgn="auto" latinLnBrk="0" hangingPunct="1">
-              <a:lnSpc>
-                <a:spcPct val="100000"/>
-              </a:lnSpc>
-              <a:spcBef>
-                <a:spcPct val="20000"/>
-              </a:spcBef>
-              <a:spcAft>
-                <a:spcPts val="0"/>
-              </a:spcAft>
-              <a:buClrTx/>
-              <a:buSzTx/>
-              <a:buFont typeface="Arial" pitchFamily="34" charset="0"/>
-              <a:buChar char="•"/>
-              <a:tabLst/>
-              <a:defRPr/>
-            </a:pPr>
-            <a:r>
-              <a:rPr kumimoji="0" lang="en-US" sz="3200" b="0" i="0" u="sng" strike="noStrike" kern="1200" cap="none" spc="0" normalizeH="0" baseline="0" noProof="0" smtClean="0">
-                <a:ln>
-                  <a:noFill/>
-                </a:ln>
-                <a:solidFill>
-                  <a:schemeClr val="tx1"/>
-                </a:solidFill>
-                <a:effectLst/>
-                <a:uLnTx/>
-                <a:uFillTx/>
-                <a:latin typeface="Times New Roman" pitchFamily="18" charset="0"/>
-                <a:cs typeface="Times New Roman" pitchFamily="18" charset="0"/>
-              </a:rPr>
-              <a:t>Set of inference rules:</a:t>
-            </a:r>
-            <a:endParaRPr kumimoji="0" lang="en-US" sz="2400" b="0" i="0" u="none" strike="noStrike" kern="1200" cap="none" spc="0" normalizeH="0" baseline="0" noProof="0" smtClean="0">
-              <a:ln>
-                <a:noFill/>
-              </a:ln>
-              <a:solidFill>
-                <a:schemeClr val="tx1"/>
-              </a:solidFill>
-              <a:effectLst/>
-              <a:uLnTx/>
-              <a:uFillTx/>
-              <a:latin typeface="Times New Roman" pitchFamily="18" charset="0"/>
-              <a:cs typeface="Times New Roman" pitchFamily="18" charset="0"/>
-            </a:endParaRPr>
-          </a:p>
-          <a:p>
-            <a:pPr marL="742950" marR="0" lvl="1" indent="-285750" algn="l" defTabSz="914400" rtl="0" eaLnBrk="1" fontAlgn="auto" latinLnBrk="0" hangingPunct="1">
-              <a:lnSpc>
-                <a:spcPct val="100000"/>
-              </a:lnSpc>
-              <a:spcBef>
-                <a:spcPct val="20000"/>
-              </a:spcBef>
-              <a:spcAft>
-                <a:spcPts val="0"/>
-              </a:spcAft>
-              <a:buClrTx/>
-              <a:buSzTx/>
-              <a:buFont typeface="Arial" pitchFamily="34" charset="0"/>
-              <a:buChar char="–"/>
-              <a:tabLst/>
-              <a:defRPr/>
-            </a:pPr>
-            <a:r>
-              <a:rPr kumimoji="0" lang="en-US" sz="2800" b="0" i="0" u="none" strike="noStrike" kern="1200" cap="none" spc="0" normalizeH="0" baseline="0" noProof="0" smtClean="0">
-                <a:ln>
-                  <a:noFill/>
-                </a:ln>
-                <a:solidFill>
-                  <a:schemeClr val="tx1"/>
-                </a:solidFill>
-                <a:effectLst/>
-                <a:uLnTx/>
-                <a:uFillTx/>
-                <a:latin typeface="Times New Roman" pitchFamily="18" charset="0"/>
-                <a:cs typeface="Times New Roman" pitchFamily="18" charset="0"/>
-              </a:rPr>
-              <a:t>Elimination rules (phân</a:t>
-            </a:r>
-            <a:r>
-              <a:rPr kumimoji="0" lang="en-US" sz="2800" b="0" i="0" u="none" strike="noStrike" kern="1200" cap="none" spc="0" normalizeH="0" noProof="0" smtClean="0">
-                <a:ln>
-                  <a:noFill/>
-                </a:ln>
-                <a:solidFill>
-                  <a:schemeClr val="tx1"/>
-                </a:solidFill>
-                <a:effectLst/>
-                <a:uLnTx/>
-                <a:uFillTx/>
-                <a:latin typeface="Times New Roman" pitchFamily="18" charset="0"/>
-                <a:cs typeface="Times New Roman" pitchFamily="18" charset="0"/>
-              </a:rPr>
-              <a:t> rã 1 tập công thức thành các công thức mới</a:t>
-            </a:r>
-            <a:r>
-              <a:rPr kumimoji="0" lang="en-US" sz="2800" b="0" i="0" u="none" strike="noStrike" kern="1200" cap="none" spc="0" normalizeH="0" baseline="0" noProof="0" smtClean="0">
-                <a:ln>
-                  <a:noFill/>
-                </a:ln>
-                <a:solidFill>
-                  <a:schemeClr val="tx1"/>
-                </a:solidFill>
-                <a:effectLst/>
-                <a:uLnTx/>
-                <a:uFillTx/>
-                <a:latin typeface="Times New Roman" pitchFamily="18" charset="0"/>
-                <a:cs typeface="Times New Roman" pitchFamily="18" charset="0"/>
-              </a:rPr>
-              <a:t>)</a:t>
-            </a:r>
-          </a:p>
-          <a:p>
-            <a:pPr marL="1143000" lvl="2" indent="-228600">
-              <a:spcBef>
-                <a:spcPct val="20000"/>
-              </a:spcBef>
-              <a:buFont typeface="Arial" pitchFamily="34" charset="0"/>
-              <a:buChar char="•"/>
-            </a:pPr>
-            <a:r>
-              <a:rPr lang="en-US" sz="2000" smtClean="0">
-                <a:latin typeface="Times New Roman" pitchFamily="18" charset="0"/>
-                <a:cs typeface="Times New Roman" pitchFamily="18" charset="0"/>
-              </a:rPr>
-              <a:t>A </a:t>
-            </a:r>
-            <a:r>
-              <a:rPr lang="en-US" sz="2000" smtClean="0">
-                <a:latin typeface="Times New Roman" pitchFamily="18" charset="0"/>
-                <a:cs typeface="Times New Roman" pitchFamily="18" charset="0"/>
-              </a:rPr>
-              <a:t>, A→ B 	├─ B 	</a:t>
-            </a:r>
-            <a:r>
-              <a:rPr lang="en-US" sz="2000" smtClean="0">
-                <a:latin typeface="Times New Roman" pitchFamily="18" charset="0"/>
-                <a:cs typeface="Times New Roman" pitchFamily="18" charset="0"/>
-              </a:rPr>
-              <a:t>( </a:t>
-            </a:r>
-            <a:r>
-              <a:rPr lang="en-US" sz="2000" smtClean="0">
-                <a:latin typeface="Times New Roman" pitchFamily="18" charset="0"/>
-                <a:cs typeface="Times New Roman" pitchFamily="18" charset="0"/>
-              </a:rPr>
-              <a:t>e→)</a:t>
-            </a:r>
-            <a:endParaRPr kumimoji="0" lang="en-US" sz="2000" b="0" i="0" u="none" strike="noStrike" kern="1200" cap="none" spc="0" normalizeH="0" baseline="0" noProof="0" smtClean="0">
-              <a:ln>
-                <a:noFill/>
-              </a:ln>
-              <a:solidFill>
-                <a:schemeClr val="tx1"/>
-              </a:solidFill>
-              <a:effectLst/>
-              <a:uLnTx/>
-              <a:uFillTx/>
-              <a:latin typeface="Times New Roman" pitchFamily="18" charset="0"/>
-              <a:cs typeface="Times New Roman" pitchFamily="18" charset="0"/>
-            </a:endParaRPr>
-          </a:p>
-          <a:p>
-            <a:pPr marL="742950" marR="0" lvl="1" indent="-285750" algn="l" defTabSz="914400" rtl="0" eaLnBrk="1" fontAlgn="auto" latinLnBrk="0" hangingPunct="1">
-              <a:lnSpc>
-                <a:spcPct val="100000"/>
-              </a:lnSpc>
-              <a:spcBef>
-                <a:spcPct val="20000"/>
-              </a:spcBef>
-              <a:spcAft>
-                <a:spcPts val="0"/>
-              </a:spcAft>
-              <a:buClrTx/>
-              <a:buSzTx/>
-              <a:buFont typeface="Arial" pitchFamily="34" charset="0"/>
-              <a:buChar char="–"/>
-              <a:tabLst/>
-              <a:defRPr/>
-            </a:pPr>
-            <a:r>
-              <a:rPr kumimoji="0" lang="en-US" sz="2800" b="0" i="0" u="none" strike="noStrike" kern="1200" cap="none" spc="0" normalizeH="0" baseline="0" noProof="0" smtClean="0">
-                <a:ln>
-                  <a:noFill/>
-                </a:ln>
-                <a:solidFill>
-                  <a:schemeClr val="tx1"/>
-                </a:solidFill>
-                <a:effectLst/>
-                <a:uLnTx/>
-                <a:uFillTx/>
-                <a:latin typeface="Times New Roman" pitchFamily="18" charset="0"/>
-                <a:cs typeface="Times New Roman" pitchFamily="18" charset="0"/>
-              </a:rPr>
-              <a:t>Introduction rules (xây</a:t>
-            </a:r>
-            <a:r>
-              <a:rPr kumimoji="0" lang="en-US" sz="2800" b="0" i="0" u="none" strike="noStrike" kern="1200" cap="none" spc="0" normalizeH="0" noProof="0" smtClean="0">
-                <a:ln>
-                  <a:noFill/>
-                </a:ln>
-                <a:solidFill>
-                  <a:schemeClr val="tx1"/>
-                </a:solidFill>
-                <a:effectLst/>
-                <a:uLnTx/>
-                <a:uFillTx/>
-                <a:latin typeface="Times New Roman" pitchFamily="18" charset="0"/>
-                <a:cs typeface="Times New Roman" pitchFamily="18" charset="0"/>
-              </a:rPr>
-              <a:t> dựng công thức mới từ các công thức có sẵn</a:t>
-            </a:r>
-            <a:r>
-              <a:rPr kumimoji="0" lang="en-US" sz="2800" b="0" i="0" u="none" strike="noStrike" kern="1200" cap="none" spc="0" normalizeH="0" baseline="0" noProof="0" smtClean="0">
-                <a:ln>
-                  <a:noFill/>
-                </a:ln>
-                <a:solidFill>
-                  <a:schemeClr val="tx1"/>
-                </a:solidFill>
-                <a:effectLst/>
-                <a:uLnTx/>
-                <a:uFillTx/>
-                <a:latin typeface="Times New Roman" pitchFamily="18" charset="0"/>
-                <a:cs typeface="Times New Roman" pitchFamily="18" charset="0"/>
-              </a:rPr>
-              <a:t>)</a:t>
-            </a:r>
-          </a:p>
-          <a:p>
-            <a:pPr marL="1200150" lvl="2" indent="-285750">
-              <a:spcBef>
-                <a:spcPct val="20000"/>
-              </a:spcBef>
-              <a:buFont typeface="Arial" pitchFamily="34" charset="0"/>
-              <a:buChar char="•"/>
-            </a:pPr>
-            <a:r>
-              <a:rPr lang="en-US" sz="2000" smtClean="0">
-                <a:latin typeface="Times New Roman" pitchFamily="18" charset="0"/>
-                <a:cs typeface="Times New Roman" pitchFamily="18" charset="0"/>
-              </a:rPr>
-              <a:t>A , B</a:t>
-            </a:r>
-            <a:r>
-              <a:rPr lang="en-US" sz="2000" smtClean="0">
-                <a:latin typeface="Times New Roman" pitchFamily="18" charset="0"/>
-                <a:cs typeface="Times New Roman" pitchFamily="18" charset="0"/>
-              </a:rPr>
-              <a:t>		</a:t>
-            </a:r>
-            <a:r>
-              <a:rPr lang="en-US" sz="2000" smtClean="0">
-                <a:latin typeface="Times New Roman" pitchFamily="18" charset="0"/>
-                <a:cs typeface="Times New Roman" pitchFamily="18" charset="0"/>
-              </a:rPr>
-              <a:t>├─  </a:t>
-            </a:r>
-            <a:r>
-              <a:rPr lang="en-US" sz="2000" smtClean="0">
-                <a:latin typeface="Times New Roman" pitchFamily="18" charset="0"/>
-                <a:cs typeface="Times New Roman" pitchFamily="18" charset="0"/>
-              </a:rPr>
-              <a:t>A ∧ B </a:t>
-            </a:r>
-            <a:r>
-              <a:rPr lang="en-US" sz="2000" smtClean="0">
-                <a:latin typeface="Times New Roman" pitchFamily="18" charset="0"/>
-                <a:cs typeface="Times New Roman" pitchFamily="18" charset="0"/>
-              </a:rPr>
-              <a:t>	</a:t>
-            </a:r>
-            <a:r>
-              <a:rPr lang="en-US" sz="2000" smtClean="0">
-                <a:latin typeface="Times New Roman" pitchFamily="18" charset="0"/>
-                <a:cs typeface="Times New Roman" pitchFamily="18" charset="0"/>
-              </a:rPr>
-              <a:t>(i ∧) </a:t>
-            </a:r>
-            <a:endParaRPr lang="en-US" sz="2000" smtClean="0">
-              <a:latin typeface="Times New Roman" pitchFamily="18" charset="0"/>
-              <a:cs typeface="Times New Roman" pitchFamily="18" charset="0"/>
-            </a:endParaRPr>
-          </a:p>
-        </p:txBody>
-      </p:sp>
-    </p:spTree>
-  </p:cSld>
-  <p:clrMapOvr>
-    <a:masterClrMapping/>
-  </p:clrMapOvr>
-  <p:timing>
-    <p:tnLst>
-      <p:par>
-        <p:cTn id="1" dur="indefinite" restart="never" nodeType="tmRoot"/>
-      </p:par>
-    </p:tnLst>
-  </p:timing>
-</p:sld>
-</file>
-
-<file path=ppt/slides/slide19.xml><?xml version="1.0" encoding="utf-8"?>
-<p:sld xmlns:a="http://schemas.openxmlformats.org/drawingml/2006/main" xmlns:r="http://schemas.openxmlformats.org/officeDocument/2006/relationships" xmlns:p="http://schemas.openxmlformats.org/presentationml/2006/main">
-  <p:cSld>
-    <p:spTree>
-      <p:nvGrpSpPr>
-        <p:cNvPr id="1" name=""/>
-        <p:cNvGrpSpPr/>
-        <p:nvPr/>
-      </p:nvGrpSpPr>
-      <p:grpSpPr>
-        <a:xfrm>
-          <a:off x="0" y="0"/>
-          <a:ext cx="0" cy="0"/>
-          <a:chOff x="0" y="0"/>
-          <a:chExt cx="0" cy="0"/>
-        </a:xfrm>
-      </p:grpSpPr>
-      <p:sp>
-        <p:nvSpPr>
-          <p:cNvPr id="2" name="Title 1"/>
-          <p:cNvSpPr>
-            <a:spLocks noGrp="1"/>
-          </p:cNvSpPr>
-          <p:nvPr>
-            <p:ph type="title"/>
-          </p:nvPr>
-        </p:nvSpPr>
-        <p:spPr/>
-        <p:txBody>
           <a:bodyPr>
             <a:normAutofit/>
           </a:bodyPr>
@@ -29283,7 +29242,7 @@
             <a:fld id="{A664601A-62C5-4813-906E-C773A9392B48}" type="slidenum">
               <a:rPr lang="en-US" smtClean="0"/>
               <a:pPr/>
-              <a:t>19</a:t>
+              <a:t>18</a:t>
             </a:fld>
             <a:endParaRPr lang="en-US"/>
           </a:p>
@@ -32441,199 +32400,7 @@
 </p:sld>
 </file>
 
-<file path=ppt/slides/slide2.xml><?xml version="1.0" encoding="utf-8"?>
-<p:sld xmlns:a="http://schemas.openxmlformats.org/drawingml/2006/main" xmlns:r="http://schemas.openxmlformats.org/officeDocument/2006/relationships" xmlns:p="http://schemas.openxmlformats.org/presentationml/2006/main">
-  <p:cSld>
-    <p:spTree>
-      <p:nvGrpSpPr>
-        <p:cNvPr id="1" name=""/>
-        <p:cNvGrpSpPr/>
-        <p:nvPr/>
-      </p:nvGrpSpPr>
-      <p:grpSpPr>
-        <a:xfrm>
-          <a:off x="0" y="0"/>
-          <a:ext cx="0" cy="0"/>
-          <a:chOff x="0" y="0"/>
-          <a:chExt cx="0" cy="0"/>
-        </a:xfrm>
-      </p:grpSpPr>
-      <p:sp>
-        <p:nvSpPr>
-          <p:cNvPr id="2" name="Title 1"/>
-          <p:cNvSpPr>
-            <a:spLocks noGrp="1"/>
-          </p:cNvSpPr>
-          <p:nvPr>
-            <p:ph type="title"/>
-          </p:nvPr>
-        </p:nvSpPr>
-        <p:spPr>
-          <a:xfrm>
-            <a:off x="762000" y="228865"/>
-            <a:ext cx="8229600" cy="952500"/>
-          </a:xfrm>
-        </p:spPr>
-        <p:txBody>
-          <a:bodyPr/>
-          <a:lstStyle/>
-          <a:p>
-            <a:r>
-              <a:rPr lang="en-US" smtClean="0">
-                <a:latin typeface="Times New Roman" pitchFamily="18" charset="0"/>
-              </a:rPr>
-              <a:t>DẪN NHẬP</a:t>
-            </a:r>
-            <a:endParaRPr lang="en-US">
-              <a:latin typeface="Times New Roman" pitchFamily="18" charset="0"/>
-            </a:endParaRPr>
-          </a:p>
-        </p:txBody>
-      </p:sp>
-      <p:sp>
-        <p:nvSpPr>
-          <p:cNvPr id="12" name="Content Placeholder 11"/>
-          <p:cNvSpPr>
-            <a:spLocks noGrp="1"/>
-          </p:cNvSpPr>
-          <p:nvPr>
-            <p:ph idx="1"/>
-          </p:nvPr>
-        </p:nvSpPr>
-        <p:spPr>
-          <a:xfrm>
-            <a:off x="457200" y="1333500"/>
-            <a:ext cx="8382000" cy="4038600"/>
-          </a:xfrm>
-        </p:spPr>
-        <p:txBody>
-          <a:bodyPr>
-            <a:normAutofit fontScale="92500" lnSpcReduction="20000"/>
-          </a:bodyPr>
-          <a:lstStyle/>
-          <a:p>
-            <a:pPr>
-              <a:buFont typeface="Wingdings" pitchFamily="2" charset="2"/>
-              <a:buChar char="§"/>
-            </a:pPr>
-            <a:r>
-              <a:rPr lang="en-US" smtClean="0">
-                <a:latin typeface="Times New Roman" pitchFamily="18" charset="0"/>
-                <a:cs typeface="Times New Roman" pitchFamily="18" charset="0"/>
-              </a:rPr>
-              <a:t>Bài toán thực tế: </a:t>
-            </a:r>
-            <a:endParaRPr lang="en-US" smtClean="0">
-              <a:latin typeface="Times New Roman" pitchFamily="18" charset="0"/>
-              <a:cs typeface="Times New Roman" pitchFamily="18" charset="0"/>
-            </a:endParaRPr>
-          </a:p>
-          <a:p>
-            <a:pPr lvl="1">
-              <a:buNone/>
-            </a:pPr>
-            <a:r>
-              <a:rPr lang="en-US" i="1" smtClean="0">
-                <a:latin typeface="Times New Roman" pitchFamily="18" charset="0"/>
-                <a:cs typeface="Times New Roman" pitchFamily="18" charset="0"/>
-              </a:rPr>
-              <a:t>Các cầu thủ đá cho đội tuyển Brazil thì được tham dự worldcup. Còn cầu thủ của câu lạc bộ Barcelona thì thi đấu ở cúp C1 châu Âu. Ronaldinho là cầu thủ  của đội tuyển Brazil và clb Barca. Chứng minh Ronaldinho tham dự cả wc và c1.</a:t>
-            </a:r>
-          </a:p>
-          <a:p>
-            <a:pPr marL="971550" lvl="1" indent="-514350">
-              <a:buAutoNum type="arabicPeriod"/>
-            </a:pPr>
-            <a:r>
-              <a:rPr lang="en-US" i="1" smtClean="0">
-                <a:solidFill>
-                  <a:schemeClr val="accent1"/>
-                </a:solidFill>
-                <a:latin typeface="Times New Roman" pitchFamily="18" charset="0"/>
-                <a:cs typeface="Times New Roman" pitchFamily="18" charset="0"/>
-              </a:rPr>
-              <a:t>Vì Ronaldinho là cầu thủ Brazil nên Ronaldinho tham dự wc </a:t>
-            </a:r>
-          </a:p>
-          <a:p>
-            <a:pPr marL="971550" lvl="1" indent="-514350">
-              <a:buAutoNum type="arabicPeriod"/>
-            </a:pPr>
-            <a:r>
-              <a:rPr lang="en-US" i="1" smtClean="0">
-                <a:solidFill>
-                  <a:schemeClr val="accent1"/>
-                </a:solidFill>
-                <a:latin typeface="Times New Roman" pitchFamily="18" charset="0"/>
-                <a:cs typeface="Times New Roman" pitchFamily="18" charset="0"/>
-              </a:rPr>
-              <a:t>Vì  Ronaldinho là cầu thủ clb Barcelona nên Ronaldinho đá C1</a:t>
-            </a:r>
-          </a:p>
-          <a:p>
-            <a:pPr marL="971550" lvl="1" indent="-514350">
-              <a:buAutoNum type="arabicPeriod"/>
-            </a:pPr>
-            <a:r>
-              <a:rPr lang="en-US" i="1" smtClean="0">
-                <a:solidFill>
-                  <a:schemeClr val="accent1"/>
-                </a:solidFill>
-                <a:latin typeface="Times New Roman" pitchFamily="18" charset="0"/>
-                <a:cs typeface="Times New Roman" pitchFamily="18" charset="0"/>
-              </a:rPr>
-              <a:t>Từ (1) &amp; (2) suy ra kết luận</a:t>
-            </a:r>
-            <a:endParaRPr lang="en-US" i="1" smtClean="0">
-              <a:solidFill>
-                <a:schemeClr val="accent1"/>
-              </a:solidFill>
-              <a:latin typeface="Times New Roman" pitchFamily="18" charset="0"/>
-              <a:cs typeface="Times New Roman" pitchFamily="18" charset="0"/>
-            </a:endParaRPr>
-          </a:p>
-        </p:txBody>
-      </p:sp>
-      <p:sp>
-        <p:nvSpPr>
-          <p:cNvPr id="7" name="Slide Number Placeholder 6"/>
-          <p:cNvSpPr>
-            <a:spLocks noGrp="1"/>
-          </p:cNvSpPr>
-          <p:nvPr>
-            <p:ph type="sldNum" sz="quarter" idx="12"/>
-          </p:nvPr>
-        </p:nvSpPr>
-        <p:spPr/>
-        <p:txBody>
-          <a:bodyPr/>
-          <a:lstStyle/>
-          <a:p>
-            <a:fld id="{A664601A-62C5-4813-906E-C773A9392B48}" type="slidenum">
-              <a:rPr lang="en-US" smtClean="0"/>
-              <a:pPr/>
-              <a:t>2</a:t>
-            </a:fld>
-            <a:endParaRPr lang="en-US"/>
-          </a:p>
-        </p:txBody>
-      </p:sp>
-    </p:spTree>
-  </p:cSld>
-  <p:clrMapOvr>
-    <a:masterClrMapping/>
-  </p:clrMapOvr>
-  <p:timing>
-    <p:tnLst>
-      <p:par>
-        <p:cTn id="1" dur="indefinite" restart="never" nodeType="tmRoot"/>
-      </p:par>
-    </p:tnLst>
-  </p:timing>
-</p:sld>
-</file>
-
-<file path=ppt/slides/slide20.xml><?xml version="1.0" encoding="utf-8"?>
+<file path=ppt/slides/slide19.xml><?xml version="1.0" encoding="utf-8"?>
 <p:sld xmlns:a="http://schemas.openxmlformats.org/drawingml/2006/main" xmlns:r="http://schemas.openxmlformats.org/officeDocument/2006/relationships" xmlns:p="http://schemas.openxmlformats.org/presentationml/2006/main">
   <p:cSld>
     <p:spTree>
@@ -33181,7 +32948,7 @@
             <a:fld id="{A664601A-62C5-4813-906E-C773A9392B48}" type="slidenum">
               <a:rPr lang="en-US" smtClean="0"/>
               <a:pPr/>
-              <a:t>20</a:t>
+              <a:t>19</a:t>
             </a:fld>
             <a:endParaRPr lang="en-US"/>
           </a:p>
@@ -33202,7 +32969,188 @@
 </p:sld>
 </file>
 
-<file path=ppt/slides/slide21.xml><?xml version="1.0" encoding="utf-8"?>
+<file path=ppt/slides/slide2.xml><?xml version="1.0" encoding="utf-8"?>
+<p:sld xmlns:a="http://schemas.openxmlformats.org/drawingml/2006/main" xmlns:r="http://schemas.openxmlformats.org/officeDocument/2006/relationships" xmlns:p="http://schemas.openxmlformats.org/presentationml/2006/main">
+  <p:cSld>
+    <p:spTree>
+      <p:nvGrpSpPr>
+        <p:cNvPr id="1" name=""/>
+        <p:cNvGrpSpPr/>
+        <p:nvPr/>
+      </p:nvGrpSpPr>
+      <p:grpSpPr>
+        <a:xfrm>
+          <a:off x="0" y="0"/>
+          <a:ext cx="0" cy="0"/>
+          <a:chOff x="0" y="0"/>
+          <a:chExt cx="0" cy="0"/>
+        </a:xfrm>
+      </p:grpSpPr>
+      <p:sp>
+        <p:nvSpPr>
+          <p:cNvPr id="2" name="Title 1"/>
+          <p:cNvSpPr>
+            <a:spLocks noGrp="1"/>
+          </p:cNvSpPr>
+          <p:nvPr>
+            <p:ph type="title"/>
+          </p:nvPr>
+        </p:nvSpPr>
+        <p:spPr>
+          <a:xfrm>
+            <a:off x="762000" y="228865"/>
+            <a:ext cx="8229600" cy="952500"/>
+          </a:xfrm>
+        </p:spPr>
+        <p:txBody>
+          <a:bodyPr/>
+          <a:lstStyle/>
+          <a:p>
+            <a:r>
+              <a:rPr lang="en-US" smtClean="0">
+                <a:latin typeface="Times New Roman" pitchFamily="18" charset="0"/>
+              </a:rPr>
+              <a:t>DẪN NHẬP</a:t>
+            </a:r>
+            <a:endParaRPr lang="en-US">
+              <a:latin typeface="Times New Roman" pitchFamily="18" charset="0"/>
+            </a:endParaRPr>
+          </a:p>
+        </p:txBody>
+      </p:sp>
+      <p:sp>
+        <p:nvSpPr>
+          <p:cNvPr id="12" name="Content Placeholder 11"/>
+          <p:cNvSpPr>
+            <a:spLocks noGrp="1"/>
+          </p:cNvSpPr>
+          <p:nvPr>
+            <p:ph idx="1"/>
+          </p:nvPr>
+        </p:nvSpPr>
+        <p:spPr>
+          <a:xfrm>
+            <a:off x="457200" y="1333500"/>
+            <a:ext cx="8382000" cy="4038600"/>
+          </a:xfrm>
+        </p:spPr>
+        <p:txBody>
+          <a:bodyPr>
+            <a:normAutofit fontScale="92500" lnSpcReduction="20000"/>
+          </a:bodyPr>
+          <a:lstStyle/>
+          <a:p>
+            <a:pPr>
+              <a:buFont typeface="Wingdings" pitchFamily="2" charset="2"/>
+              <a:buChar char="§"/>
+            </a:pPr>
+            <a:r>
+              <a:rPr lang="en-US" smtClean="0">
+                <a:latin typeface="Times New Roman" pitchFamily="18" charset="0"/>
+                <a:cs typeface="Times New Roman" pitchFamily="18" charset="0"/>
+              </a:rPr>
+              <a:t>Bài toán thực tế: </a:t>
+            </a:r>
+          </a:p>
+          <a:p>
+            <a:pPr lvl="1">
+              <a:buNone/>
+            </a:pPr>
+            <a:r>
+              <a:rPr lang="en-US" i="1" smtClean="0">
+                <a:latin typeface="Times New Roman" pitchFamily="18" charset="0"/>
+                <a:cs typeface="Times New Roman" pitchFamily="18" charset="0"/>
+              </a:rPr>
+              <a:t>Các cầu thủ đá cho đội tuyển Brazil thì được tham dự worldcup. Còn cầu thủ của câu lạc bộ Barcelona thì thi đấu ở cúp C1 châu Âu. Ronaldinho là cầu thủ  của đội tuyển Brazil và clb Barca. Chứng minh Ronaldinho tham dự cả wc và c1.</a:t>
+            </a:r>
+          </a:p>
+          <a:p>
+            <a:pPr marL="971550" lvl="1" indent="-514350">
+              <a:buAutoNum type="arabicPeriod"/>
+            </a:pPr>
+            <a:r>
+              <a:rPr lang="en-US" i="1" smtClean="0">
+                <a:solidFill>
+                  <a:schemeClr val="accent1"/>
+                </a:solidFill>
+                <a:latin typeface="Times New Roman" pitchFamily="18" charset="0"/>
+                <a:cs typeface="Times New Roman" pitchFamily="18" charset="0"/>
+              </a:rPr>
+              <a:t>Vì Ronaldinho là cầu thủ Brazil nên Ronaldinho tham dự wc </a:t>
+            </a:r>
+          </a:p>
+          <a:p>
+            <a:pPr marL="971550" lvl="1" indent="-514350">
+              <a:buAutoNum type="arabicPeriod"/>
+            </a:pPr>
+            <a:r>
+              <a:rPr lang="en-US" i="1" smtClean="0">
+                <a:solidFill>
+                  <a:schemeClr val="accent1"/>
+                </a:solidFill>
+                <a:latin typeface="Times New Roman" pitchFamily="18" charset="0"/>
+                <a:cs typeface="Times New Roman" pitchFamily="18" charset="0"/>
+              </a:rPr>
+              <a:t>Vì  Ronaldinho là cầu thủ clb Barcelona nên Ronaldinho đá C1</a:t>
+            </a:r>
+          </a:p>
+          <a:p>
+            <a:pPr marL="971550" lvl="1" indent="-514350">
+              <a:buAutoNum type="arabicPeriod"/>
+            </a:pPr>
+            <a:r>
+              <a:rPr lang="en-US" i="1" smtClean="0">
+                <a:solidFill>
+                  <a:schemeClr val="accent1"/>
+                </a:solidFill>
+                <a:latin typeface="Times New Roman" pitchFamily="18" charset="0"/>
+                <a:cs typeface="Times New Roman" pitchFamily="18" charset="0"/>
+              </a:rPr>
+              <a:t>Từ (1) &amp; (2) suy ra kết luận</a:t>
+            </a:r>
+          </a:p>
+        </p:txBody>
+      </p:sp>
+      <p:sp>
+        <p:nvSpPr>
+          <p:cNvPr id="7" name="Slide Number Placeholder 6"/>
+          <p:cNvSpPr>
+            <a:spLocks noGrp="1"/>
+          </p:cNvSpPr>
+          <p:nvPr>
+            <p:ph type="sldNum" sz="quarter" idx="12"/>
+          </p:nvPr>
+        </p:nvSpPr>
+        <p:spPr/>
+        <p:txBody>
+          <a:bodyPr/>
+          <a:lstStyle/>
+          <a:p>
+            <a:fld id="{A664601A-62C5-4813-906E-C773A9392B48}" type="slidenum">
+              <a:rPr lang="en-US" smtClean="0"/>
+              <a:pPr/>
+              <a:t>2</a:t>
+            </a:fld>
+            <a:endParaRPr lang="en-US"/>
+          </a:p>
+        </p:txBody>
+      </p:sp>
+    </p:spTree>
+  </p:cSld>
+  <p:clrMapOvr>
+    <a:masterClrMapping/>
+  </p:clrMapOvr>
+  <p:timing>
+    <p:tnLst>
+      <p:par>
+        <p:cTn id="1" dur="indefinite" restart="never" nodeType="tmRoot"/>
+      </p:par>
+    </p:tnLst>
+  </p:timing>
+</p:sld>
+</file>
+
+<file path=ppt/slides/slide20.xml><?xml version="1.0" encoding="utf-8"?>
 <p:sld xmlns:a="http://schemas.openxmlformats.org/drawingml/2006/main" xmlns:r="http://schemas.openxmlformats.org/officeDocument/2006/relationships" xmlns:p="http://schemas.openxmlformats.org/presentationml/2006/main">
   <p:cSld>
     <p:spTree>
@@ -33346,21 +33294,7 @@
                 <a:latin typeface="Times New Roman" pitchFamily="18" charset="0"/>
                 <a:cs typeface="Times New Roman" pitchFamily="18" charset="0"/>
               </a:rPr>
-              <a:t>A, B ,  A ∧ B → C , ¬ </a:t>
-            </a:r>
-            <a:r>
-              <a:rPr lang="en-US" smtClean="0">
-                <a:latin typeface="Times New Roman" pitchFamily="18" charset="0"/>
-                <a:cs typeface="Times New Roman" pitchFamily="18" charset="0"/>
-              </a:rPr>
-              <a:t>C </a:t>
-            </a:r>
-            <a:r>
-              <a:rPr lang="en-US" smtClean="0">
-                <a:latin typeface="Times New Roman" pitchFamily="18" charset="0"/>
-                <a:cs typeface="Times New Roman" pitchFamily="18" charset="0"/>
-              </a:rPr>
-              <a:t>	</a:t>
+              <a:t>A, B ,  A ∧ B → C , ¬ C 	</a:t>
             </a:r>
             <a:r>
               <a:rPr lang="en-US" sz="3600" smtClean="0">
@@ -33374,14 +33308,7 @@
                 <a:latin typeface="Times New Roman" pitchFamily="18" charset="0"/>
                 <a:cs typeface="Times New Roman" pitchFamily="18" charset="0"/>
               </a:rPr>
-              <a:t> 	C </a:t>
-            </a:r>
-            <a:r>
-              <a:rPr lang="en-US" smtClean="0">
-                <a:latin typeface="Times New Roman" pitchFamily="18" charset="0"/>
-                <a:cs typeface="Times New Roman" pitchFamily="18" charset="0"/>
-              </a:rPr>
-              <a:t>, </a:t>
+              <a:t> 	C , </a:t>
             </a:r>
             <a:r>
               <a:rPr lang="en-US" smtClean="0">
@@ -33400,10 +33327,6 @@
               </a:rPr>
               <a:t> , A ∧ B</a:t>
             </a:r>
-            <a:endParaRPr lang="en-US" smtClean="0">
-              <a:latin typeface="Times New Roman" pitchFamily="18" charset="0"/>
-              <a:cs typeface="Times New Roman" pitchFamily="18" charset="0"/>
-            </a:endParaRPr>
           </a:p>
           <a:p>
             <a:pPr lvl="1"/>
@@ -33432,7 +33355,7 @@
             <a:fld id="{A664601A-62C5-4813-906E-C773A9392B48}" type="slidenum">
               <a:rPr lang="en-US" smtClean="0"/>
               <a:pPr/>
-              <a:t>21</a:t>
+              <a:t>20</a:t>
             </a:fld>
             <a:endParaRPr lang="en-US"/>
           </a:p>
@@ -33453,7 +33376,7 @@
 </p:sld>
 </file>
 
-<file path=ppt/slides/slide22.xml><?xml version="1.0" encoding="utf-8"?>
+<file path=ppt/slides/slide21.xml><?xml version="1.0" encoding="utf-8"?>
 <p:sld xmlns:a="http://schemas.openxmlformats.org/drawingml/2006/main" xmlns:r="http://schemas.openxmlformats.org/officeDocument/2006/relationships" xmlns:p="http://schemas.openxmlformats.org/presentationml/2006/main">
   <p:cSld>
     <p:spTree>
@@ -33576,7 +33499,7 @@
             <a:fld id="{A664601A-62C5-4813-906E-C773A9392B48}" type="slidenum">
               <a:rPr lang="en-US" smtClean="0"/>
               <a:pPr/>
-              <a:t>22</a:t>
+              <a:t>21</a:t>
             </a:fld>
             <a:endParaRPr lang="en-US"/>
           </a:p>
@@ -33597,7 +33520,7 @@
 </p:sld>
 </file>
 
-<file path=ppt/slides/slide23.xml><?xml version="1.0" encoding="utf-8"?>
+<file path=ppt/slides/slide22.xml><?xml version="1.0" encoding="utf-8"?>
 <p:sld xmlns:a="http://schemas.openxmlformats.org/drawingml/2006/main" xmlns:r="http://schemas.openxmlformats.org/officeDocument/2006/relationships" xmlns:p="http://schemas.openxmlformats.org/presentationml/2006/main">
   <p:cSld>
     <p:spTree>
@@ -33671,61 +33594,8 @@
                 <a:latin typeface="Times New Roman" pitchFamily="18" charset="0"/>
                 <a:cs typeface="Times New Roman" pitchFamily="18" charset="0"/>
               </a:rPr>
-              <a:t>  ∀x </a:t>
+              <a:t>  ∀x (brazil(x)→wc(x)) ,∀ x (barca(x) → c1(x)), </a:t>
             </a:r>
-            <a:r>
-              <a:rPr lang="en-US" smtClean="0">
-                <a:latin typeface="Times New Roman" pitchFamily="18" charset="0"/>
-                <a:cs typeface="Times New Roman" pitchFamily="18" charset="0"/>
-              </a:rPr>
-              <a:t>(brazil(x</a:t>
-            </a:r>
-            <a:r>
-              <a:rPr lang="en-US" smtClean="0">
-                <a:latin typeface="Times New Roman" pitchFamily="18" charset="0"/>
-                <a:cs typeface="Times New Roman" pitchFamily="18" charset="0"/>
-              </a:rPr>
-              <a:t>)</a:t>
-            </a:r>
-            <a:r>
-              <a:rPr lang="en-US" smtClean="0">
-                <a:latin typeface="Times New Roman" pitchFamily="18" charset="0"/>
-                <a:cs typeface="Times New Roman" pitchFamily="18" charset="0"/>
-              </a:rPr>
-              <a:t>→wc(x</a:t>
-            </a:r>
-            <a:r>
-              <a:rPr lang="en-US" smtClean="0">
-                <a:latin typeface="Times New Roman" pitchFamily="18" charset="0"/>
-                <a:cs typeface="Times New Roman" pitchFamily="18" charset="0"/>
-              </a:rPr>
-              <a:t>)) </a:t>
-            </a:r>
-            <a:r>
-              <a:rPr lang="en-US" smtClean="0">
-                <a:latin typeface="Times New Roman" pitchFamily="18" charset="0"/>
-                <a:cs typeface="Times New Roman" pitchFamily="18" charset="0"/>
-              </a:rPr>
-              <a:t>,∀ </a:t>
-            </a:r>
-            <a:r>
-              <a:rPr lang="en-US" smtClean="0">
-                <a:latin typeface="Times New Roman" pitchFamily="18" charset="0"/>
-                <a:cs typeface="Times New Roman" pitchFamily="18" charset="0"/>
-              </a:rPr>
-              <a:t>x (barca(x) → c1(x</a:t>
-            </a:r>
-            <a:r>
-              <a:rPr lang="en-US" smtClean="0">
-                <a:latin typeface="Times New Roman" pitchFamily="18" charset="0"/>
-                <a:cs typeface="Times New Roman" pitchFamily="18" charset="0"/>
-              </a:rPr>
-              <a:t>)), </a:t>
-            </a:r>
-            <a:endParaRPr lang="en-US" smtClean="0">
-              <a:latin typeface="Times New Roman" pitchFamily="18" charset="0"/>
-              <a:cs typeface="Times New Roman" pitchFamily="18" charset="0"/>
-            </a:endParaRPr>
           </a:p>
           <a:p>
             <a:pPr>
@@ -33736,84 +33606,7 @@
                 <a:latin typeface="Times New Roman" pitchFamily="18" charset="0"/>
                 <a:cs typeface="Times New Roman" pitchFamily="18" charset="0"/>
               </a:rPr>
-              <a:t> </a:t>
-            </a:r>
-            <a:r>
-              <a:rPr lang="en-US" smtClean="0">
-                <a:latin typeface="Times New Roman" pitchFamily="18" charset="0"/>
-                <a:cs typeface="Times New Roman" pitchFamily="18" charset="0"/>
-              </a:rPr>
-              <a:t> ∃</a:t>
-            </a:r>
-            <a:r>
-              <a:rPr lang="en-US" smtClean="0">
-                <a:latin typeface="Times New Roman" pitchFamily="18" charset="0"/>
-                <a:cs typeface="Times New Roman" pitchFamily="18" charset="0"/>
-              </a:rPr>
-              <a:t>x </a:t>
-            </a:r>
-            <a:r>
-              <a:rPr lang="en-US" smtClean="0">
-                <a:latin typeface="Times New Roman" pitchFamily="18" charset="0"/>
-                <a:cs typeface="Times New Roman" pitchFamily="18" charset="0"/>
-              </a:rPr>
-              <a:t>(brazil(x</a:t>
-            </a:r>
-            <a:r>
-              <a:rPr lang="en-US" smtClean="0">
-                <a:latin typeface="Times New Roman" pitchFamily="18" charset="0"/>
-                <a:cs typeface="Times New Roman" pitchFamily="18" charset="0"/>
-              </a:rPr>
-              <a:t>) ∧ </a:t>
-            </a:r>
-            <a:r>
-              <a:rPr lang="en-US" smtClean="0">
-                <a:latin typeface="Times New Roman" pitchFamily="18" charset="0"/>
-                <a:cs typeface="Times New Roman" pitchFamily="18" charset="0"/>
-              </a:rPr>
-              <a:t>barca(x)) ├ </a:t>
-            </a:r>
-            <a:r>
-              <a:rPr lang="en-US" smtClean="0">
-                <a:latin typeface="Times New Roman" pitchFamily="18" charset="0"/>
-                <a:cs typeface="Times New Roman" pitchFamily="18" charset="0"/>
-              </a:rPr>
-              <a:t>∃x </a:t>
-            </a:r>
-            <a:r>
-              <a:rPr lang="en-US" smtClean="0">
-                <a:latin typeface="Times New Roman" pitchFamily="18" charset="0"/>
-                <a:cs typeface="Times New Roman" pitchFamily="18" charset="0"/>
-              </a:rPr>
-              <a:t>(wc(x</a:t>
-            </a:r>
-            <a:r>
-              <a:rPr lang="en-US" smtClean="0">
-                <a:latin typeface="Times New Roman" pitchFamily="18" charset="0"/>
-                <a:cs typeface="Times New Roman" pitchFamily="18" charset="0"/>
-              </a:rPr>
-              <a:t>) ∧ </a:t>
-            </a:r>
-            <a:r>
-              <a:rPr lang="en-US" smtClean="0">
-                <a:latin typeface="Times New Roman" pitchFamily="18" charset="0"/>
-                <a:cs typeface="Times New Roman" pitchFamily="18" charset="0"/>
-              </a:rPr>
-              <a:t>c1</a:t>
-            </a:r>
-            <a:r>
-              <a:rPr lang="en-US" smtClean="0">
-                <a:latin typeface="Times New Roman" pitchFamily="18" charset="0"/>
-                <a:cs typeface="Times New Roman" pitchFamily="18" charset="0"/>
-              </a:rPr>
-              <a:t>(x</a:t>
-            </a:r>
-            <a:r>
-              <a:rPr lang="en-US" smtClean="0">
-                <a:latin typeface="Times New Roman" pitchFamily="18" charset="0"/>
-                <a:cs typeface="Times New Roman" pitchFamily="18" charset="0"/>
-              </a:rPr>
-              <a:t>))</a:t>
+              <a:t>  ∃x (brazil(x) ∧ barca(x)) ├ ∃x (wc(x) ∧ c1(x))</a:t>
             </a:r>
           </a:p>
           <a:p>
@@ -33879,7 +33672,7 @@
         </p:nvGraphicFramePr>
         <p:xfrm>
           <a:off x="1219200" y="2476500"/>
-          <a:ext cx="6629400" cy="1780204"/>
+          <a:ext cx="6629400" cy="1835322"/>
         </p:xfrm>
         <a:graphic>
           <a:graphicData uri="http://schemas.openxmlformats.org/drawingml/2006/table">
@@ -34049,28 +33842,7 @@
                           <a:latin typeface="Times New Roman" pitchFamily="18" charset="0"/>
                           <a:cs typeface="Times New Roman" pitchFamily="18" charset="0"/>
                         </a:rPr>
-                        <a:t>∀x </a:t>
-                      </a:r>
-                      <a:r>
-                        <a:rPr lang="en-US" sz="2000" smtClean="0">
-                          <a:latin typeface="Times New Roman" pitchFamily="18" charset="0"/>
-                          <a:cs typeface="Times New Roman" pitchFamily="18" charset="0"/>
-                        </a:rPr>
-                        <a:t>(brazil(x</a:t>
-                      </a:r>
-                      <a:r>
-                        <a:rPr lang="en-US" sz="2000" smtClean="0">
-                          <a:latin typeface="Times New Roman" pitchFamily="18" charset="0"/>
-                          <a:cs typeface="Times New Roman" pitchFamily="18" charset="0"/>
-                        </a:rPr>
-                        <a:t>)</a:t>
-                      </a:r>
-                      <a:r>
-                        <a:rPr lang="en-US" sz="2000" smtClean="0">
-                          <a:latin typeface="Times New Roman" pitchFamily="18" charset="0"/>
-                          <a:cs typeface="Times New Roman" pitchFamily="18" charset="0"/>
-                        </a:rPr>
-                        <a:t>→wc(x))</a:t>
+                        <a:t>∀x (brazil(x)→wc(x))</a:t>
                       </a:r>
                     </a:p>
                     <a:p>
@@ -34092,10 +33864,6 @@
                         </a:rPr>
                         <a:t>∀x(barca(x)→c1(x))</a:t>
                       </a:r>
-                      <a:endParaRPr lang="en-US" sz="2000" smtClean="0">
-                        <a:latin typeface="Times New Roman" pitchFamily="18" charset="0"/>
-                        <a:cs typeface="Times New Roman" pitchFamily="18" charset="0"/>
-                      </a:endParaRPr>
                     </a:p>
                     <a:p>
                       <a:pPr marL="0" marR="0" algn="just">
@@ -34114,35 +33882,7 @@
                           <a:latin typeface="Times New Roman" pitchFamily="18" charset="0"/>
                           <a:cs typeface="Times New Roman" pitchFamily="18" charset="0"/>
                         </a:rPr>
-                        <a:t>∃x </a:t>
-                      </a:r>
-                      <a:r>
-                        <a:rPr lang="en-US" sz="2000" smtClean="0">
-                          <a:latin typeface="Times New Roman" pitchFamily="18" charset="0"/>
-                          <a:cs typeface="Times New Roman" pitchFamily="18" charset="0"/>
-                        </a:rPr>
-                        <a:t>(brazil(x</a:t>
-                      </a:r>
-                      <a:r>
-                        <a:rPr lang="en-US" sz="2000" smtClean="0">
-                          <a:latin typeface="Times New Roman" pitchFamily="18" charset="0"/>
-                          <a:cs typeface="Times New Roman" pitchFamily="18" charset="0"/>
-                        </a:rPr>
-                        <a:t>) ∧ </a:t>
-                      </a:r>
-                      <a:r>
-                        <a:rPr lang="en-US" sz="2000" smtClean="0">
-                          <a:latin typeface="Times New Roman" pitchFamily="18" charset="0"/>
-                          <a:cs typeface="Times New Roman" pitchFamily="18" charset="0"/>
-                        </a:rPr>
-                        <a:t>barca(x</a:t>
-                      </a:r>
-                      <a:r>
-                        <a:rPr lang="en-US" sz="2000" smtClean="0">
-                          <a:latin typeface="Times New Roman" pitchFamily="18" charset="0"/>
-                          <a:cs typeface="Times New Roman" pitchFamily="18" charset="0"/>
-                        </a:rPr>
-                        <a:t>))</a:t>
+                        <a:t>∃x (brazil(x) ∧ barca(x))</a:t>
                       </a:r>
                       <a:endParaRPr lang="en-US" sz="2000">
                         <a:latin typeface="Times New Roman" pitchFamily="18" charset="0"/>
@@ -34214,40 +33954,567 @@
                           <a:latin typeface="Times New Roman" pitchFamily="18" charset="0"/>
                           <a:cs typeface="Times New Roman" pitchFamily="18" charset="0"/>
                         </a:rPr>
-                        <a:t>∃x </a:t>
-                      </a:r>
-                      <a:r>
-                        <a:rPr lang="en-US" sz="2000" smtClean="0">
-                          <a:latin typeface="Times New Roman" pitchFamily="18" charset="0"/>
-                          <a:cs typeface="Times New Roman" pitchFamily="18" charset="0"/>
-                        </a:rPr>
-                        <a:t>(wc(x</a:t>
-                      </a:r>
-                      <a:r>
-                        <a:rPr lang="en-US" sz="2000" smtClean="0">
-                          <a:latin typeface="Times New Roman" pitchFamily="18" charset="0"/>
-                          <a:cs typeface="Times New Roman" pitchFamily="18" charset="0"/>
-                        </a:rPr>
-                        <a:t>) ∧ </a:t>
-                      </a:r>
-                      <a:r>
-                        <a:rPr lang="en-US" sz="2000" smtClean="0">
-                          <a:latin typeface="Times New Roman" pitchFamily="18" charset="0"/>
-                          <a:cs typeface="Times New Roman" pitchFamily="18" charset="0"/>
-                        </a:rPr>
-                        <a:t>c1(x</a:t>
-                      </a:r>
-                      <a:r>
-                        <a:rPr lang="en-US" sz="2000" smtClean="0">
-                          <a:latin typeface="Times New Roman" pitchFamily="18" charset="0"/>
-                          <a:cs typeface="Times New Roman" pitchFamily="18" charset="0"/>
-                        </a:rPr>
-                        <a:t>))</a:t>
+                        <a:t>∃x (wc(x) ∧ c1(x))</a:t>
                       </a:r>
                       <a:endParaRPr lang="en-US" sz="2000">
                         <a:latin typeface="Times New Roman" pitchFamily="18" charset="0"/>
                         <a:ea typeface="Calibri"/>
                         <a:cs typeface="Times New Roman" pitchFamily="18" charset="0"/>
+                      </a:endParaRPr>
+                    </a:p>
+                  </a:txBody>
+                  <a:tcPr marL="68580" marR="68580" marT="0" marB="0">
+                    <a:lnL w="12700" cap="flat" cmpd="sng" algn="ctr">
+                      <a:solidFill>
+                        <a:srgbClr val="000000"/>
+                      </a:solidFill>
+                      <a:prstDash val="solid"/>
+                      <a:round/>
+                      <a:headEnd type="none" w="med" len="med"/>
+                      <a:tailEnd type="none" w="med" len="med"/>
+                    </a:lnL>
+                    <a:lnR w="12700" cap="flat" cmpd="sng" algn="ctr">
+                      <a:solidFill>
+                        <a:srgbClr val="000000"/>
+                      </a:solidFill>
+                      <a:prstDash val="solid"/>
+                      <a:round/>
+                      <a:headEnd type="none" w="med" len="med"/>
+                      <a:tailEnd type="none" w="med" len="med"/>
+                    </a:lnR>
+                    <a:lnT w="12700" cap="flat" cmpd="sng" algn="ctr">
+                      <a:solidFill>
+                        <a:srgbClr val="000000"/>
+                      </a:solidFill>
+                      <a:prstDash val="solid"/>
+                      <a:round/>
+                      <a:headEnd type="none" w="med" len="med"/>
+                      <a:tailEnd type="none" w="med" len="med"/>
+                    </a:lnT>
+                    <a:lnB w="12700" cap="flat" cmpd="sng" algn="ctr">
+                      <a:solidFill>
+                        <a:srgbClr val="000000"/>
+                      </a:solidFill>
+                      <a:prstDash val="solid"/>
+                      <a:round/>
+                      <a:headEnd type="none" w="med" len="med"/>
+                      <a:tailEnd type="none" w="med" len="med"/>
+                    </a:lnB>
+                    <a:solidFill>
+                      <a:srgbClr val="FFFFFF"/>
+                    </a:solidFill>
+                  </a:tcPr>
+                </a:tc>
+              </a:tr>
+            </a:tbl>
+          </a:graphicData>
+        </a:graphic>
+      </p:graphicFrame>
+      <p:sp>
+        <p:nvSpPr>
+          <p:cNvPr id="8" name="Slide Number Placeholder 7"/>
+          <p:cNvSpPr>
+            <a:spLocks noGrp="1"/>
+          </p:cNvSpPr>
+          <p:nvPr>
+            <p:ph type="sldNum" sz="quarter" idx="12"/>
+          </p:nvPr>
+        </p:nvSpPr>
+        <p:spPr/>
+        <p:txBody>
+          <a:bodyPr/>
+          <a:lstStyle/>
+          <a:p>
+            <a:fld id="{A664601A-62C5-4813-906E-C773A9392B48}" type="slidenum">
+              <a:rPr lang="en-US" smtClean="0"/>
+              <a:pPr/>
+              <a:t>22</a:t>
+            </a:fld>
+            <a:endParaRPr lang="en-US"/>
+          </a:p>
+        </p:txBody>
+      </p:sp>
+    </p:spTree>
+  </p:cSld>
+  <p:clrMapOvr>
+    <a:masterClrMapping/>
+  </p:clrMapOvr>
+  <p:timing>
+    <p:tnLst>
+      <p:par>
+        <p:cTn id="1" dur="indefinite" restart="never" nodeType="tmRoot"/>
+      </p:par>
+    </p:tnLst>
+  </p:timing>
+</p:sld>
+</file>
+
+<file path=ppt/slides/slide23.xml><?xml version="1.0" encoding="utf-8"?>
+<p:sld xmlns:a="http://schemas.openxmlformats.org/drawingml/2006/main" xmlns:r="http://schemas.openxmlformats.org/officeDocument/2006/relationships" xmlns:p="http://schemas.openxmlformats.org/presentationml/2006/main">
+  <p:cSld>
+    <p:spTree>
+      <p:nvGrpSpPr>
+        <p:cNvPr id="1" name=""/>
+        <p:cNvGrpSpPr/>
+        <p:nvPr/>
+      </p:nvGrpSpPr>
+      <p:grpSpPr>
+        <a:xfrm>
+          <a:off x="0" y="0"/>
+          <a:ext cx="0" cy="0"/>
+          <a:chOff x="0" y="0"/>
+          <a:chExt cx="0" cy="0"/>
+        </a:xfrm>
+      </p:grpSpPr>
+      <p:sp>
+        <p:nvSpPr>
+          <p:cNvPr id="2" name="Title 1"/>
+          <p:cNvSpPr>
+            <a:spLocks noGrp="1"/>
+          </p:cNvSpPr>
+          <p:nvPr>
+            <p:ph type="title"/>
+          </p:nvPr>
+        </p:nvSpPr>
+        <p:spPr>
+          <a:xfrm>
+            <a:off x="457200" y="0"/>
+            <a:ext cx="8229600" cy="952500"/>
+          </a:xfrm>
+        </p:spPr>
+        <p:txBody>
+          <a:bodyPr/>
+          <a:lstStyle/>
+          <a:p>
+            <a:r>
+              <a:rPr lang="en-US" smtClean="0">
+                <a:latin typeface="Times New Roman" pitchFamily="18" charset="0"/>
+                <a:cs typeface="Times New Roman" pitchFamily="18" charset="0"/>
+              </a:rPr>
+              <a:t>Thí dụ</a:t>
+            </a:r>
+            <a:endParaRPr lang="en-US">
+              <a:latin typeface="Times New Roman" pitchFamily="18" charset="0"/>
+              <a:cs typeface="Times New Roman" pitchFamily="18" charset="0"/>
+            </a:endParaRPr>
+          </a:p>
+        </p:txBody>
+      </p:sp>
+      <p:sp>
+        <p:nvSpPr>
+          <p:cNvPr id="3" name="Content Placeholder 2"/>
+          <p:cNvSpPr>
+            <a:spLocks noGrp="1"/>
+          </p:cNvSpPr>
+          <p:nvPr>
+            <p:ph idx="1"/>
+          </p:nvPr>
+        </p:nvSpPr>
+        <p:spPr/>
+        <p:txBody>
+          <a:bodyPr/>
+          <a:lstStyle/>
+          <a:p>
+            <a:endParaRPr lang="en-US">
+              <a:latin typeface="Times New Roman" pitchFamily="18" charset="0"/>
+              <a:cs typeface="Times New Roman" pitchFamily="18" charset="0"/>
+            </a:endParaRPr>
+          </a:p>
+        </p:txBody>
+      </p:sp>
+      <p:graphicFrame>
+        <p:nvGraphicFramePr>
+          <p:cNvPr id="4" name="Table 3"/>
+          <p:cNvGraphicFramePr>
+            <a:graphicFrameLocks noGrp="1"/>
+          </p:cNvGraphicFramePr>
+          <p:nvPr/>
+        </p:nvGraphicFramePr>
+        <p:xfrm>
+          <a:off x="762000" y="734078"/>
+          <a:ext cx="7467600" cy="3206922"/>
+        </p:xfrm>
+        <a:graphic>
+          <a:graphicData uri="http://schemas.openxmlformats.org/drawingml/2006/table">
+            <a:tbl>
+              <a:tblPr/>
+              <a:tblGrid>
+                <a:gridCol w="4139648"/>
+                <a:gridCol w="3327952"/>
+              </a:tblGrid>
+              <a:tr h="463722">
+                <a:tc>
+                  <a:txBody>
+                    <a:bodyPr/>
+                    <a:lstStyle/>
+                    <a:p>
+                      <a:pPr marL="0" marR="0" algn="just">
+                        <a:lnSpc>
+                          <a:spcPct val="150000"/>
+                        </a:lnSpc>
+                        <a:spcBef>
+                          <a:spcPts val="0"/>
+                        </a:spcBef>
+                        <a:spcAft>
+                          <a:spcPts val="0"/>
+                        </a:spcAft>
+                      </a:pPr>
+                      <a:r>
+                        <a:rPr lang="en-US" sz="2000">
+                          <a:latin typeface="Times New Roman"/>
+                          <a:ea typeface="Calibri"/>
+                          <a:cs typeface="Times New Roman"/>
+                        </a:rPr>
+                        <a:t>List_proof</a:t>
+                      </a:r>
+                      <a:endParaRPr lang="en-US" sz="2000">
+                        <a:latin typeface="Times New Roman"/>
+                        <a:ea typeface="Calibri"/>
+                        <a:cs typeface="Arial"/>
+                      </a:endParaRPr>
+                    </a:p>
+                  </a:txBody>
+                  <a:tcPr marL="68580" marR="68580" marT="0" marB="0">
+                    <a:lnL w="12700" cap="flat" cmpd="sng" algn="ctr">
+                      <a:solidFill>
+                        <a:srgbClr val="000000"/>
+                      </a:solidFill>
+                      <a:prstDash val="solid"/>
+                      <a:round/>
+                      <a:headEnd type="none" w="med" len="med"/>
+                      <a:tailEnd type="none" w="med" len="med"/>
+                    </a:lnL>
+                    <a:lnR w="12700" cap="flat" cmpd="sng" algn="ctr">
+                      <a:solidFill>
+                        <a:srgbClr val="000000"/>
+                      </a:solidFill>
+                      <a:prstDash val="solid"/>
+                      <a:round/>
+                      <a:headEnd type="none" w="med" len="med"/>
+                      <a:tailEnd type="none" w="med" len="med"/>
+                    </a:lnR>
+                    <a:lnT w="12700" cap="flat" cmpd="sng" algn="ctr">
+                      <a:solidFill>
+                        <a:srgbClr val="000000"/>
+                      </a:solidFill>
+                      <a:prstDash val="solid"/>
+                      <a:round/>
+                      <a:headEnd type="none" w="med" len="med"/>
+                      <a:tailEnd type="none" w="med" len="med"/>
+                    </a:lnT>
+                    <a:lnB w="12700" cap="flat" cmpd="sng" algn="ctr">
+                      <a:solidFill>
+                        <a:srgbClr val="000000"/>
+                      </a:solidFill>
+                      <a:prstDash val="solid"/>
+                      <a:round/>
+                      <a:headEnd type="none" w="med" len="med"/>
+                      <a:tailEnd type="none" w="med" len="med"/>
+                    </a:lnB>
+                    <a:solidFill>
+                      <a:srgbClr val="FFFFFF"/>
+                    </a:solidFill>
+                  </a:tcPr>
+                </a:tc>
+                <a:tc>
+                  <a:txBody>
+                    <a:bodyPr/>
+                    <a:lstStyle/>
+                    <a:p>
+                      <a:pPr marL="0" marR="0" algn="just">
+                        <a:lnSpc>
+                          <a:spcPct val="150000"/>
+                        </a:lnSpc>
+                        <a:spcBef>
+                          <a:spcPts val="0"/>
+                        </a:spcBef>
+                        <a:spcAft>
+                          <a:spcPts val="0"/>
+                        </a:spcAft>
+                      </a:pPr>
+                      <a:r>
+                        <a:rPr lang="en-US" sz="2000">
+                          <a:latin typeface="Times New Roman"/>
+                          <a:ea typeface="Calibri"/>
+                          <a:cs typeface="Times New Roman"/>
+                        </a:rPr>
+                        <a:t>List_goal</a:t>
+                      </a:r>
+                      <a:endParaRPr lang="en-US" sz="2000">
+                        <a:latin typeface="Times New Roman"/>
+                        <a:ea typeface="Calibri"/>
+                        <a:cs typeface="Arial"/>
+                      </a:endParaRPr>
+                    </a:p>
+                  </a:txBody>
+                  <a:tcPr marL="68580" marR="68580" marT="0" marB="0">
+                    <a:lnL w="12700" cap="flat" cmpd="sng" algn="ctr">
+                      <a:solidFill>
+                        <a:srgbClr val="000000"/>
+                      </a:solidFill>
+                      <a:prstDash val="solid"/>
+                      <a:round/>
+                      <a:headEnd type="none" w="med" len="med"/>
+                      <a:tailEnd type="none" w="med" len="med"/>
+                    </a:lnL>
+                    <a:lnR w="12700" cap="flat" cmpd="sng" algn="ctr">
+                      <a:solidFill>
+                        <a:srgbClr val="000000"/>
+                      </a:solidFill>
+                      <a:prstDash val="solid"/>
+                      <a:round/>
+                      <a:headEnd type="none" w="med" len="med"/>
+                      <a:tailEnd type="none" w="med" len="med"/>
+                    </a:lnR>
+                    <a:lnT w="12700" cap="flat" cmpd="sng" algn="ctr">
+                      <a:solidFill>
+                        <a:srgbClr val="000000"/>
+                      </a:solidFill>
+                      <a:prstDash val="solid"/>
+                      <a:round/>
+                      <a:headEnd type="none" w="med" len="med"/>
+                      <a:tailEnd type="none" w="med" len="med"/>
+                    </a:lnT>
+                    <a:lnB w="12700" cap="flat" cmpd="sng" algn="ctr">
+                      <a:solidFill>
+                        <a:srgbClr val="000000"/>
+                      </a:solidFill>
+                      <a:prstDash val="solid"/>
+                      <a:round/>
+                      <a:headEnd type="none" w="med" len="med"/>
+                      <a:tailEnd type="none" w="med" len="med"/>
+                    </a:lnB>
+                    <a:solidFill>
+                      <a:srgbClr val="FFFFFF"/>
+                    </a:solidFill>
+                  </a:tcPr>
+                </a:tc>
+              </a:tr>
+              <a:tr h="526878">
+                <a:tc>
+                  <a:txBody>
+                    <a:bodyPr/>
+                    <a:lstStyle/>
+                    <a:p>
+                      <a:pPr marL="0" marR="0" algn="just">
+                        <a:lnSpc>
+                          <a:spcPct val="150000"/>
+                        </a:lnSpc>
+                        <a:spcBef>
+                          <a:spcPts val="0"/>
+                        </a:spcBef>
+                        <a:spcAft>
+                          <a:spcPts val="0"/>
+                        </a:spcAft>
+                      </a:pPr>
+                      <a:r>
+                        <a:rPr lang="en-US" sz="2000" smtClean="0"/>
+                        <a:t>∀x (brazil(x)→wc(x))</a:t>
+                      </a:r>
+                    </a:p>
+                    <a:p>
+                      <a:pPr marL="0" marR="0" algn="just">
+                        <a:lnSpc>
+                          <a:spcPct val="150000"/>
+                        </a:lnSpc>
+                        <a:spcBef>
+                          <a:spcPts val="0"/>
+                        </a:spcBef>
+                        <a:spcAft>
+                          <a:spcPts val="0"/>
+                        </a:spcAft>
+                      </a:pPr>
+                      <a:r>
+                        <a:rPr lang="en-US" sz="2000" smtClean="0"/>
+                        <a:t>∀ x(barca(x)→c1(x))</a:t>
+                      </a:r>
+                    </a:p>
+                    <a:p>
+                      <a:pPr marL="0" marR="0" algn="just">
+                        <a:lnSpc>
+                          <a:spcPct val="150000"/>
+                        </a:lnSpc>
+                        <a:spcBef>
+                          <a:spcPts val="0"/>
+                        </a:spcBef>
+                        <a:spcAft>
+                          <a:spcPts val="0"/>
+                        </a:spcAft>
+                      </a:pPr>
+                      <a:r>
+                        <a:rPr lang="en-US" sz="2000" smtClean="0"/>
+                        <a:t>∃x (brazil(x) ∧ barca((x))</a:t>
+                      </a:r>
+                    </a:p>
+                    <a:p>
+                      <a:pPr marL="0" marR="0" algn="just">
+                        <a:lnSpc>
+                          <a:spcPct val="150000"/>
+                        </a:lnSpc>
+                        <a:spcBef>
+                          <a:spcPts val="0"/>
+                        </a:spcBef>
+                        <a:spcAft>
+                          <a:spcPts val="0"/>
+                        </a:spcAft>
+                      </a:pPr>
+                      <a:r>
+                        <a:rPr lang="en-US" sz="2000" smtClean="0">
+                          <a:solidFill>
+                            <a:srgbClr val="C00000"/>
+                          </a:solidFill>
+                          <a:latin typeface="Times New Roman"/>
+                          <a:ea typeface="Calibri"/>
+                          <a:cs typeface="Arial"/>
+                        </a:rPr>
+                        <a:t>brazil(Ro)</a:t>
+                      </a:r>
+                      <a:r>
+                        <a:rPr lang="en-US" sz="2000" baseline="0" smtClean="0">
+                          <a:solidFill>
+                            <a:srgbClr val="C00000"/>
+                          </a:solidFill>
+                          <a:latin typeface="Times New Roman"/>
+                          <a:ea typeface="Calibri"/>
+                          <a:cs typeface="Arial"/>
+                        </a:rPr>
+                        <a:t>∧barca(Ro)    ∃e [Ro/x]</a:t>
+                      </a:r>
+                    </a:p>
+                    <a:p>
+                      <a:pPr marL="0" marR="0" algn="just">
+                        <a:lnSpc>
+                          <a:spcPct val="150000"/>
+                        </a:lnSpc>
+                        <a:spcBef>
+                          <a:spcPts val="0"/>
+                        </a:spcBef>
+                        <a:spcAft>
+                          <a:spcPts val="0"/>
+                        </a:spcAft>
+                      </a:pPr>
+                      <a:r>
+                        <a:rPr lang="en-US" sz="2000" smtClean="0">
+                          <a:solidFill>
+                            <a:srgbClr val="C00000"/>
+                          </a:solidFill>
+                          <a:latin typeface="Times New Roman"/>
+                          <a:ea typeface="Calibri"/>
+                          <a:cs typeface="Arial"/>
+                        </a:rPr>
+                        <a:t>brazil(Ro)                        ∧e</a:t>
+                      </a:r>
+                      <a:r>
+                        <a:rPr lang="en-US" sz="2000" baseline="0" smtClean="0">
+                          <a:solidFill>
+                            <a:srgbClr val="C00000"/>
+                          </a:solidFill>
+                          <a:latin typeface="Times New Roman"/>
+                          <a:ea typeface="Calibri"/>
+                          <a:cs typeface="Arial"/>
+                        </a:rPr>
+                        <a:t> </a:t>
+                      </a:r>
+                      <a:endParaRPr lang="en-US" sz="2000" smtClean="0">
+                        <a:solidFill>
+                          <a:srgbClr val="C00000"/>
+                        </a:solidFill>
+                        <a:latin typeface="Times New Roman"/>
+                        <a:ea typeface="Calibri"/>
+                        <a:cs typeface="Arial"/>
+                      </a:endParaRPr>
+                    </a:p>
+                    <a:p>
+                      <a:pPr marL="0" marR="0" algn="just">
+                        <a:lnSpc>
+                          <a:spcPct val="150000"/>
+                        </a:lnSpc>
+                        <a:spcBef>
+                          <a:spcPts val="0"/>
+                        </a:spcBef>
+                        <a:spcAft>
+                          <a:spcPts val="0"/>
+                        </a:spcAft>
+                      </a:pPr>
+                      <a:r>
+                        <a:rPr lang="en-US" sz="2000" smtClean="0">
+                          <a:solidFill>
+                            <a:srgbClr val="C00000"/>
+                          </a:solidFill>
+                          <a:latin typeface="Times New Roman"/>
+                          <a:ea typeface="Calibri"/>
+                          <a:cs typeface="Arial"/>
+                        </a:rPr>
+                        <a:t>barca(Ro)                       ∧e</a:t>
+                      </a:r>
+                    </a:p>
+                  </a:txBody>
+                  <a:tcPr marL="68580" marR="68580" marT="0" marB="0">
+                    <a:lnL w="12700" cap="flat" cmpd="sng" algn="ctr">
+                      <a:solidFill>
+                        <a:srgbClr val="000000"/>
+                      </a:solidFill>
+                      <a:prstDash val="solid"/>
+                      <a:round/>
+                      <a:headEnd type="none" w="med" len="med"/>
+                      <a:tailEnd type="none" w="med" len="med"/>
+                    </a:lnL>
+                    <a:lnR w="12700" cap="flat" cmpd="sng" algn="ctr">
+                      <a:solidFill>
+                        <a:srgbClr val="000000"/>
+                      </a:solidFill>
+                      <a:prstDash val="solid"/>
+                      <a:round/>
+                      <a:headEnd type="none" w="med" len="med"/>
+                      <a:tailEnd type="none" w="med" len="med"/>
+                    </a:lnR>
+                    <a:lnT w="12700" cap="flat" cmpd="sng" algn="ctr">
+                      <a:solidFill>
+                        <a:srgbClr val="000000"/>
+                      </a:solidFill>
+                      <a:prstDash val="solid"/>
+                      <a:round/>
+                      <a:headEnd type="none" w="med" len="med"/>
+                      <a:tailEnd type="none" w="med" len="med"/>
+                    </a:lnT>
+                    <a:lnB w="12700" cap="flat" cmpd="sng" algn="ctr">
+                      <a:solidFill>
+                        <a:srgbClr val="000000"/>
+                      </a:solidFill>
+                      <a:prstDash val="solid"/>
+                      <a:round/>
+                      <a:headEnd type="none" w="med" len="med"/>
+                      <a:tailEnd type="none" w="med" len="med"/>
+                    </a:lnB>
+                    <a:solidFill>
+                      <a:srgbClr val="FFFFFF"/>
+                    </a:solidFill>
+                  </a:tcPr>
+                </a:tc>
+                <a:tc>
+                  <a:txBody>
+                    <a:bodyPr/>
+                    <a:lstStyle/>
+                    <a:p>
+                      <a:pPr marL="0" marR="0" algn="just">
+                        <a:lnSpc>
+                          <a:spcPct val="150000"/>
+                        </a:lnSpc>
+                        <a:spcBef>
+                          <a:spcPts val="0"/>
+                        </a:spcBef>
+                        <a:spcAft>
+                          <a:spcPts val="0"/>
+                        </a:spcAft>
+                      </a:pPr>
+                      <a:r>
+                        <a:rPr lang="en-US" sz="2000" smtClean="0"/>
+                        <a:t>∃x (wc(x) ∧ c1(x))</a:t>
+                      </a:r>
+                      <a:endParaRPr lang="en-US" sz="2000">
+                        <a:latin typeface="Times New Roman"/>
+                        <a:ea typeface="Calibri"/>
+                        <a:cs typeface="Arial"/>
                       </a:endParaRPr>
                     </a:p>
                   </a:txBody>
@@ -34420,7 +34687,7 @@
         </p:nvGraphicFramePr>
         <p:xfrm>
           <a:off x="762000" y="734078"/>
-          <a:ext cx="7467600" cy="3151804"/>
+          <a:ext cx="7467600" cy="4121322"/>
         </p:xfrm>
         <a:graphic>
           <a:graphicData uri="http://schemas.openxmlformats.org/drawingml/2006/table">
@@ -34597,19 +34864,7 @@
                       </a:pPr>
                       <a:r>
                         <a:rPr lang="en-US" sz="2000" smtClean="0"/>
-                        <a:t>∀x </a:t>
-                      </a:r>
-                      <a:r>
-                        <a:rPr lang="en-US" sz="2000" smtClean="0"/>
-                        <a:t>(brazil(x</a:t>
-                      </a:r>
-                      <a:r>
-                        <a:rPr lang="en-US" sz="2000" smtClean="0"/>
-                        <a:t>)</a:t>
-                      </a:r>
-                      <a:r>
-                        <a:rPr lang="en-US" sz="2000" smtClean="0"/>
-                        <a:t>→wc(x))</a:t>
+                        <a:t>∀x (brazil(x)→wc(x))</a:t>
                       </a:r>
                     </a:p>
                     <a:p>
@@ -34628,7 +34883,6 @@
                         <a:rPr lang="en-US" sz="2000" smtClean="0"/>
                         <a:t>∀ x(barca(x)→c1(x))</a:t>
                       </a:r>
-                      <a:endParaRPr lang="en-US" sz="2000" smtClean="0"/>
                     </a:p>
                     <a:p>
                       <a:pPr marL="0" marR="0" algn="just">
@@ -34644,23 +34898,91 @@
                       </a:pPr>
                       <a:r>
                         <a:rPr lang="en-US" sz="2000" smtClean="0"/>
-                        <a:t>∃x </a:t>
+                        <a:t>∃x (brazil(x) ∧ barca((x))</a:t>
+                      </a:r>
+                    </a:p>
+                    <a:p>
+                      <a:pPr marL="0" marR="0" algn="just">
+                        <a:lnSpc>
+                          <a:spcPct val="150000"/>
+                        </a:lnSpc>
+                        <a:spcBef>
+                          <a:spcPts val="0"/>
+                        </a:spcBef>
+                        <a:spcAft>
+                          <a:spcPts val="0"/>
+                        </a:spcAft>
+                      </a:pPr>
+                      <a:r>
+                        <a:rPr lang="en-US" sz="2000" smtClean="0">
+                          <a:latin typeface="Times New Roman"/>
+                          <a:ea typeface="Calibri"/>
+                          <a:cs typeface="Arial"/>
+                        </a:rPr>
+                        <a:t>brazil(Ro)</a:t>
                       </a:r>
                       <a:r>
-                        <a:rPr lang="en-US" sz="2000" smtClean="0"/>
-                        <a:t>(brazil(x</a:t>
+                        <a:rPr lang="en-US" sz="2000" baseline="0" smtClean="0">
+                          <a:latin typeface="Times New Roman"/>
+                          <a:ea typeface="Calibri"/>
+                          <a:cs typeface="Arial"/>
+                        </a:rPr>
+                        <a:t>∧barca(Ro)    ∃e [Ro/x]</a:t>
+                      </a:r>
+                    </a:p>
+                    <a:p>
+                      <a:pPr marL="0" marR="0" algn="just">
+                        <a:lnSpc>
+                          <a:spcPct val="150000"/>
+                        </a:lnSpc>
+                        <a:spcBef>
+                          <a:spcPts val="0"/>
+                        </a:spcBef>
+                        <a:spcAft>
+                          <a:spcPts val="0"/>
+                        </a:spcAft>
+                      </a:pPr>
+                      <a:r>
+                        <a:rPr lang="en-US" sz="2000" smtClean="0">
+                          <a:latin typeface="Times New Roman"/>
+                          <a:ea typeface="Calibri"/>
+                          <a:cs typeface="Arial"/>
+                        </a:rPr>
+                        <a:t>brazil(Ro)                        ∧e</a:t>
                       </a:r>
                       <a:r>
-                        <a:rPr lang="en-US" sz="2000" smtClean="0"/>
-                        <a:t>) ∧ </a:t>
+                        <a:rPr lang="en-US" sz="2000" baseline="0" smtClean="0">
+                          <a:latin typeface="Times New Roman"/>
+                          <a:ea typeface="Calibri"/>
+                          <a:cs typeface="Arial"/>
+                        </a:rPr>
+                        <a:t> </a:t>
                       </a:r>
+                      <a:endParaRPr lang="en-US" sz="2000" smtClean="0">
+                        <a:latin typeface="Times New Roman"/>
+                        <a:ea typeface="Calibri"/>
+                        <a:cs typeface="Arial"/>
+                      </a:endParaRPr>
+                    </a:p>
+                    <a:p>
+                      <a:pPr marL="0" marR="0" algn="just">
+                        <a:lnSpc>
+                          <a:spcPct val="150000"/>
+                        </a:lnSpc>
+                        <a:spcBef>
+                          <a:spcPts val="0"/>
+                        </a:spcBef>
+                        <a:spcAft>
+                          <a:spcPts val="0"/>
+                        </a:spcAft>
+                      </a:pPr>
                       <a:r>
-                        <a:rPr lang="en-US" sz="2000" smtClean="0"/>
-                        <a:t>barca((</a:t>
-                      </a:r>
-                      <a:r>
-                        <a:rPr lang="en-US" sz="2000" smtClean="0"/>
-                        <a:t>x))</a:t>
+                        <a:rPr lang="en-US" sz="2000" smtClean="0">
+                          <a:latin typeface="Times New Roman"/>
+                          <a:ea typeface="Calibri"/>
+                          <a:cs typeface="Arial"/>
+                        </a:rPr>
+                        <a:t>barca(Ro)                       ∧e</a:t>
                       </a:r>
                     </a:p>
                     <a:p>
@@ -34684,7 +35006,7 @@
                           <a:ea typeface="Calibri"/>
                           <a:cs typeface="Arial"/>
                         </a:rPr>
-                        <a:t>brazil(Ro)</a:t>
+                        <a:t>barca(Ro) → c1(Ro)</a:t>
                       </a:r>
                       <a:r>
                         <a:rPr lang="en-US" sz="2000" baseline="0" smtClean="0">
@@ -34695,40 +35017,7 @@
                           <a:ea typeface="Calibri"/>
                           <a:cs typeface="Arial"/>
                         </a:rPr>
-                        <a:t>∧barca(Ro)    ∃</a:t>
-                      </a:r>
-                      <a:r>
-                        <a:rPr lang="en-US" sz="2000" baseline="0" smtClean="0">
-                          <a:solidFill>
-                            <a:srgbClr val="C00000"/>
-                          </a:solidFill>
-                          <a:latin typeface="Times New Roman"/>
-                          <a:ea typeface="Calibri"/>
-                          <a:cs typeface="Arial"/>
-                        </a:rPr>
-                        <a:t>e </a:t>
-                      </a:r>
-                      <a:r>
-                        <a:rPr lang="en-US" sz="2000" baseline="0" smtClean="0">
-                          <a:solidFill>
-                            <a:srgbClr val="C00000"/>
-                          </a:solidFill>
-                          <a:latin typeface="Times New Roman"/>
-                          <a:ea typeface="Calibri"/>
-                          <a:cs typeface="Arial"/>
-                        </a:rPr>
-                        <a:t>[Ro/x</a:t>
-                      </a:r>
-                      <a:r>
-                        <a:rPr lang="en-US" sz="2000" baseline="0" smtClean="0">
-                          <a:solidFill>
-                            <a:srgbClr val="C00000"/>
-                          </a:solidFill>
-                          <a:latin typeface="Times New Roman"/>
-                          <a:ea typeface="Calibri"/>
-                          <a:cs typeface="Arial"/>
-                        </a:rPr>
-                        <a:t>]</a:t>
+                        <a:t>    ∀e [Ro/x]</a:t>
                       </a:r>
                     </a:p>
                     <a:p>
@@ -34744,28 +35033,6 @@
                         </a:spcAft>
                       </a:pPr>
                       <a:r>
-                        <a:rPr lang="en-US" sz="2000" smtClean="0">
-                          <a:solidFill>
-                            <a:srgbClr val="C00000"/>
-                          </a:solidFill>
-                          <a:latin typeface="Times New Roman"/>
-                          <a:ea typeface="Calibri"/>
-                          <a:cs typeface="Arial"/>
-                        </a:rPr>
-                        <a:t>brazil(Ro)                        </a:t>
-                      </a:r>
-                      <a:r>
-                        <a:rPr lang="en-US" sz="2000" smtClean="0">
-                          <a:solidFill>
-                            <a:srgbClr val="C00000"/>
-                          </a:solidFill>
-                          <a:latin typeface="Times New Roman"/>
-                          <a:ea typeface="Calibri"/>
-                          <a:cs typeface="Arial"/>
-                        </a:rPr>
-                        <a:t>∧e</a:t>
-                      </a:r>
-                      <a:r>
                         <a:rPr lang="en-US" sz="2000" baseline="0" smtClean="0">
                           <a:solidFill>
                             <a:srgbClr val="C00000"/>
@@ -34774,70 +35041,8 @@
                           <a:ea typeface="Calibri"/>
                           <a:cs typeface="Arial"/>
                         </a:rPr>
-                        <a:t> </a:t>
+                        <a:t>c1(Ro)                           →e </a:t>
                       </a:r>
-                      <a:endParaRPr lang="en-US" sz="2000" smtClean="0">
-                        <a:solidFill>
-                          <a:srgbClr val="C00000"/>
-                        </a:solidFill>
-                        <a:latin typeface="Times New Roman"/>
-                        <a:ea typeface="Calibri"/>
-                        <a:cs typeface="Arial"/>
-                      </a:endParaRPr>
-                    </a:p>
-                    <a:p>
-                      <a:pPr marL="0" marR="0" algn="just">
-                        <a:lnSpc>
-                          <a:spcPct val="150000"/>
-                        </a:lnSpc>
-                        <a:spcBef>
-                          <a:spcPts val="0"/>
-                        </a:spcBef>
-                        <a:spcAft>
-                          <a:spcPts val="0"/>
-                        </a:spcAft>
-                      </a:pPr>
-                      <a:r>
-                        <a:rPr lang="en-US" sz="2000" smtClean="0">
-                          <a:solidFill>
-                            <a:srgbClr val="C00000"/>
-                          </a:solidFill>
-                          <a:latin typeface="Times New Roman"/>
-                          <a:ea typeface="Calibri"/>
-                          <a:cs typeface="Arial"/>
-                        </a:rPr>
-                        <a:t>barca(Ro)                       </a:t>
-                      </a:r>
-                      <a:r>
-                        <a:rPr lang="en-US" sz="2000" smtClean="0">
-                          <a:solidFill>
-                            <a:srgbClr val="C00000"/>
-                          </a:solidFill>
-                          <a:latin typeface="Times New Roman"/>
-                          <a:ea typeface="Calibri"/>
-                          <a:cs typeface="Arial"/>
-                        </a:rPr>
-                        <a:t>∧</a:t>
-                      </a:r>
-                      <a:r>
-                        <a:rPr lang="en-US" sz="2000" smtClean="0">
-                          <a:solidFill>
-                            <a:srgbClr val="C00000"/>
-                          </a:solidFill>
-                          <a:latin typeface="Times New Roman"/>
-                          <a:ea typeface="Calibri"/>
-                          <a:cs typeface="Arial"/>
-                        </a:rPr>
-                        <a:t>e</a:t>
-                      </a:r>
-                      <a:endParaRPr lang="en-US" sz="2000" smtClean="0">
-                        <a:solidFill>
-                          <a:srgbClr val="C00000"/>
-                        </a:solidFill>
-                        <a:latin typeface="Times New Roman"/>
-                        <a:ea typeface="Calibri"/>
-                        <a:cs typeface="Arial"/>
-                      </a:endParaRPr>
                     </a:p>
                   </a:txBody>
                   <a:tcPr marL="68580" marR="68580" marT="0" marB="0">
@@ -34900,19 +35105,7 @@
                       </a:pPr>
                       <a:r>
                         <a:rPr lang="en-US" sz="2000" smtClean="0"/>
-                        <a:t>∃x </a:t>
-                      </a:r>
-                      <a:r>
-                        <a:rPr lang="en-US" sz="2000" smtClean="0"/>
-                        <a:t>(wc(x</a:t>
-                      </a:r>
-                      <a:r>
-                        <a:rPr lang="en-US" sz="2000" smtClean="0"/>
-                        <a:t>) ∧ </a:t>
-                      </a:r>
-                      <a:r>
-                        <a:rPr lang="en-US" sz="2000" smtClean="0"/>
-                        <a:t>c1(x))</a:t>
+                        <a:t>∃x (wc(x) ∧ c1(x))</a:t>
                       </a:r>
                       <a:endParaRPr lang="en-US" sz="2000">
                         <a:latin typeface="Times New Roman"/>
@@ -35090,7 +35283,7 @@
         </p:nvGraphicFramePr>
         <p:xfrm>
           <a:off x="762000" y="734078"/>
-          <a:ext cx="7467600" cy="4066522"/>
+          <a:ext cx="7467600" cy="5035722"/>
         </p:xfrm>
         <a:graphic>
           <a:graphicData uri="http://schemas.openxmlformats.org/drawingml/2006/table">
@@ -35267,19 +35460,7 @@
                       </a:pPr>
                       <a:r>
                         <a:rPr lang="en-US" sz="2000" smtClean="0"/>
-                        <a:t>∀x </a:t>
-                      </a:r>
-                      <a:r>
-                        <a:rPr lang="en-US" sz="2000" smtClean="0"/>
-                        <a:t>(brazil(x</a:t>
-                      </a:r>
-                      <a:r>
-                        <a:rPr lang="en-US" sz="2000" smtClean="0"/>
-                        <a:t>)</a:t>
-                      </a:r>
-                      <a:r>
-                        <a:rPr lang="en-US" sz="2000" smtClean="0"/>
-                        <a:t>→wc(x))</a:t>
+                        <a:t>∀x (brazil(x)→wc(x))</a:t>
                       </a:r>
                     </a:p>
                     <a:p>
@@ -35298,7 +35479,6 @@
                         <a:rPr lang="en-US" sz="2000" smtClean="0"/>
                         <a:t>∀ x(barca(x)→c1(x))</a:t>
                       </a:r>
-                      <a:endParaRPr lang="en-US" sz="2000" smtClean="0"/>
                     </a:p>
                     <a:p>
                       <a:pPr marL="0" marR="0" algn="just">
@@ -35314,23 +35494,7 @@
                       </a:pPr>
                       <a:r>
                         <a:rPr lang="en-US" sz="2000" smtClean="0"/>
-                        <a:t>∃x </a:t>
-                      </a:r>
-                      <a:r>
-                        <a:rPr lang="en-US" sz="2000" smtClean="0"/>
-                        <a:t>(brazil(x</a:t>
-                      </a:r>
-                      <a:r>
-                        <a:rPr lang="en-US" sz="2000" smtClean="0"/>
-                        <a:t>) ∧ </a:t>
-                      </a:r>
-                      <a:r>
-                        <a:rPr lang="en-US" sz="2000" smtClean="0"/>
-                        <a:t>barca((</a:t>
-                      </a:r>
-                      <a:r>
-                        <a:rPr lang="en-US" sz="2000" smtClean="0"/>
-                        <a:t>x))</a:t>
+                        <a:t>∃x (brazil(x) ∧ barca((x))</a:t>
                       </a:r>
                     </a:p>
                     <a:p>
@@ -35359,31 +35523,7 @@
                           <a:ea typeface="Calibri"/>
                           <a:cs typeface="Arial"/>
                         </a:rPr>
-                        <a:t>∧barca(Ro)    ∃</a:t>
-                      </a:r>
-                      <a:r>
-                        <a:rPr lang="en-US" sz="2000" baseline="0" smtClean="0">
-                          <a:latin typeface="Times New Roman"/>
-                          <a:ea typeface="Calibri"/>
-                          <a:cs typeface="Arial"/>
-                        </a:rPr>
-                        <a:t>e </a:t>
-                      </a:r>
-                      <a:r>
-                        <a:rPr lang="en-US" sz="2000" baseline="0" smtClean="0">
-                          <a:latin typeface="Times New Roman"/>
-                          <a:ea typeface="Calibri"/>
-                          <a:cs typeface="Arial"/>
-                        </a:rPr>
-                        <a:t>[Ro/x</a:t>
-                      </a:r>
-                      <a:r>
-                        <a:rPr lang="en-US" sz="2000" baseline="0" smtClean="0">
-                          <a:latin typeface="Times New Roman"/>
-                          <a:ea typeface="Calibri"/>
-                          <a:cs typeface="Arial"/>
-                        </a:rPr>
-                        <a:t>]</a:t>
+                        <a:t>∧barca(Ro)    ∃e [Ro/x]</a:t>
                       </a:r>
                     </a:p>
                     <a:p>
@@ -35404,15 +35544,7 @@
                           <a:ea typeface="Calibri"/>
                           <a:cs typeface="Arial"/>
                         </a:rPr>
-                        <a:t>brazil(Ro)                        </a:t>
-                      </a:r>
-                      <a:r>
-                        <a:rPr lang="en-US" sz="2000" smtClean="0">
-                          <a:latin typeface="Times New Roman"/>
-                          <a:ea typeface="Calibri"/>
-                          <a:cs typeface="Arial"/>
-                        </a:rPr>
-                        <a:t>∧e</a:t>
+                        <a:t>brazil(Ro)                        ∧e</a:t>
                       </a:r>
                       <a:r>
                         <a:rPr lang="en-US" sz="2000" baseline="0" smtClean="0">
@@ -35446,15 +35578,7 @@
                           <a:ea typeface="Calibri"/>
                           <a:cs typeface="Arial"/>
                         </a:rPr>
-                        <a:t>barca(Ro)                       </a:t>
-                      </a:r>
-                      <a:r>
-                        <a:rPr lang="en-US" sz="2000" smtClean="0">
-                          <a:latin typeface="Times New Roman"/>
-                          <a:ea typeface="Calibri"/>
-                          <a:cs typeface="Arial"/>
-                        </a:rPr>
-                        <a:t>∧e</a:t>
+                        <a:t>barca(Ro)                       ∧e</a:t>
                       </a:r>
                     </a:p>
                     <a:p>
@@ -35472,68 +35596,48 @@
                       <a:r>
                         <a:rPr lang="en-US" sz="2000" smtClean="0">
                           <a:solidFill>
-                            <a:srgbClr val="C00000"/>
+                            <a:schemeClr val="tx1"/>
                           </a:solidFill>
                           <a:latin typeface="Times New Roman"/>
                           <a:ea typeface="Calibri"/>
                           <a:cs typeface="Arial"/>
                         </a:rPr>
-                        <a:t>barca(Ro) </a:t>
+                        <a:t>barca(Ro) → c1(Ro)</a:t>
                       </a:r>
                       <a:r>
-                        <a:rPr lang="en-US" sz="2000" smtClean="0">
+                        <a:rPr lang="en-US" sz="2000" baseline="0" smtClean="0">
                           <a:solidFill>
-                            <a:srgbClr val="C00000"/>
+                            <a:schemeClr val="tx1"/>
                           </a:solidFill>
                           <a:latin typeface="Times New Roman"/>
                           <a:ea typeface="Calibri"/>
                           <a:cs typeface="Arial"/>
                         </a:rPr>
-                        <a:t>→ </a:t>
+                        <a:t>    ∀e [Ro/x]</a:t>
                       </a:r>
+                    </a:p>
+                    <a:p>
+                      <a:pPr marL="0" marR="0" algn="just">
+                        <a:lnSpc>
+                          <a:spcPct val="150000"/>
+                        </a:lnSpc>
+                        <a:spcBef>
+                          <a:spcPts val="0"/>
+                        </a:spcBef>
+                        <a:spcAft>
+                          <a:spcPts val="0"/>
+                        </a:spcAft>
+                      </a:pPr>
                       <a:r>
-                        <a:rPr lang="en-US" sz="2000" smtClean="0">
+                        <a:rPr lang="en-US" sz="2000" baseline="0" smtClean="0">
                           <a:solidFill>
-                            <a:srgbClr val="C00000"/>
+                            <a:schemeClr val="tx1"/>
                           </a:solidFill>
                           <a:latin typeface="Times New Roman"/>
                           <a:ea typeface="Calibri"/>
                           <a:cs typeface="Arial"/>
                         </a:rPr>
-                        <a:t>c1(Ro)</a:t>
-                      </a:r>
-                      <a:r>
-                        <a:rPr lang="en-US" sz="2000" baseline="0" smtClean="0">
-                          <a:solidFill>
-                            <a:srgbClr val="C00000"/>
-                          </a:solidFill>
-                          <a:latin typeface="Times New Roman"/>
-                          <a:ea typeface="Calibri"/>
-                          <a:cs typeface="Arial"/>
-                        </a:rPr>
-                        <a:t>    ∀</a:t>
-                      </a:r>
-                      <a:r>
-                        <a:rPr lang="en-US" sz="2000" baseline="0" smtClean="0">
-                          <a:solidFill>
-                            <a:srgbClr val="C00000"/>
-                          </a:solidFill>
-                          <a:latin typeface="Times New Roman"/>
-                          <a:ea typeface="Calibri"/>
-                          <a:cs typeface="Arial"/>
-                        </a:rPr>
-                        <a:t>e </a:t>
-                      </a:r>
-                      <a:r>
-                        <a:rPr lang="en-US" sz="2000" baseline="0" smtClean="0">
-                          <a:solidFill>
-                            <a:srgbClr val="C00000"/>
-                          </a:solidFill>
-                          <a:latin typeface="Times New Roman"/>
-                          <a:ea typeface="Calibri"/>
-                          <a:cs typeface="Arial"/>
-                        </a:rPr>
-                        <a:t>[Ro/x]</a:t>
+                        <a:t>c1(Ro)                           →e </a:t>
                       </a:r>
                     </a:p>
                     <a:p>
@@ -35557,8 +35661,40 @@
                           <a:ea typeface="Calibri"/>
                           <a:cs typeface="Arial"/>
                         </a:rPr>
-                        <a:t>c1(Ro)                           →e </a:t>
+                        <a:t>Brazil(Ro)→wc(Ro)    ∀e [Ro/x]</a:t>
                       </a:r>
+                    </a:p>
+                    <a:p>
+                      <a:pPr marL="0" marR="0" algn="just">
+                        <a:lnSpc>
+                          <a:spcPct val="150000"/>
+                        </a:lnSpc>
+                        <a:spcBef>
+                          <a:spcPts val="0"/>
+                        </a:spcBef>
+                        <a:spcAft>
+                          <a:spcPts val="0"/>
+                        </a:spcAft>
+                      </a:pPr>
+                      <a:r>
+                        <a:rPr lang="en-US" sz="2000" baseline="0" smtClean="0">
+                          <a:solidFill>
+                            <a:srgbClr val="C00000"/>
+                          </a:solidFill>
+                          <a:latin typeface="Times New Roman"/>
+                          <a:ea typeface="Calibri"/>
+                          <a:cs typeface="Arial"/>
+                        </a:rPr>
+                        <a:t>wc(Ro)                     →e </a:t>
+                      </a:r>
+                      <a:endParaRPr lang="en-US" sz="2000">
+                        <a:solidFill>
+                          <a:srgbClr val="C00000"/>
+                        </a:solidFill>
+                        <a:latin typeface="Times New Roman"/>
+                        <a:ea typeface="Calibri"/>
+                        <a:cs typeface="Arial"/>
+                      </a:endParaRPr>
                     </a:p>
                   </a:txBody>
                   <a:tcPr marL="68580" marR="68580" marT="0" marB="0">
@@ -35621,19 +35757,7 @@
                       </a:pPr>
                       <a:r>
                         <a:rPr lang="en-US" sz="2000" smtClean="0"/>
-                        <a:t>∃x </a:t>
-                      </a:r>
-                      <a:r>
-                        <a:rPr lang="en-US" sz="2000" smtClean="0"/>
-                        <a:t>(wc(x</a:t>
-                      </a:r>
-                      <a:r>
-                        <a:rPr lang="en-US" sz="2000" smtClean="0"/>
-                        <a:t>) ∧ </a:t>
-                      </a:r>
-                      <a:r>
-                        <a:rPr lang="en-US" sz="2000" smtClean="0"/>
-                        <a:t>c1(x))</a:t>
+                        <a:t>∃x (wc(x) ∧ c1(x))</a:t>
                       </a:r>
                       <a:endParaRPr lang="en-US" sz="2000">
                         <a:latin typeface="Times New Roman"/>
@@ -35757,7 +35881,7 @@
         </p:nvSpPr>
         <p:spPr>
           <a:xfrm>
-            <a:off x="457200" y="0"/>
+            <a:off x="457200" y="-190500"/>
             <a:ext cx="8229600" cy="952500"/>
           </a:xfrm>
         </p:spPr>
@@ -35801,17 +35925,41 @@
           </a:p>
         </p:txBody>
       </p:sp>
+      <p:sp>
+        <p:nvSpPr>
+          <p:cNvPr id="8" name="Slide Number Placeholder 7"/>
+          <p:cNvSpPr>
+            <a:spLocks noGrp="1"/>
+          </p:cNvSpPr>
+          <p:nvPr>
+            <p:ph type="sldNum" sz="quarter" idx="12"/>
+          </p:nvPr>
+        </p:nvSpPr>
+        <p:spPr/>
+        <p:txBody>
+          <a:bodyPr/>
+          <a:lstStyle/>
+          <a:p>
+            <a:fld id="{A664601A-62C5-4813-906E-C773A9392B48}" type="slidenum">
+              <a:rPr lang="en-US" smtClean="0"/>
+              <a:pPr/>
+              <a:t>26</a:t>
+            </a:fld>
+            <a:endParaRPr lang="en-US"/>
+          </a:p>
+        </p:txBody>
+      </p:sp>
       <p:graphicFrame>
         <p:nvGraphicFramePr>
-          <p:cNvPr id="4" name="Table 3"/>
+          <p:cNvPr id="6" name="Table 5"/>
           <p:cNvGraphicFramePr>
             <a:graphicFrameLocks noGrp="1"/>
           </p:cNvGraphicFramePr>
           <p:nvPr/>
         </p:nvGraphicFramePr>
         <p:xfrm>
-          <a:off x="762000" y="734078"/>
-          <a:ext cx="7467600" cy="4980922"/>
+          <a:off x="838200" y="571500"/>
+          <a:ext cx="7467600" cy="5035722"/>
         </p:xfrm>
         <a:graphic>
           <a:graphicData uri="http://schemas.openxmlformats.org/drawingml/2006/table">
@@ -35988,19 +36136,7 @@
                       </a:pPr>
                       <a:r>
                         <a:rPr lang="en-US" sz="2000" smtClean="0"/>
-                        <a:t>∀x </a:t>
-                      </a:r>
-                      <a:r>
-                        <a:rPr lang="en-US" sz="2000" smtClean="0"/>
-                        <a:t>(brazil(x</a:t>
-                      </a:r>
-                      <a:r>
-                        <a:rPr lang="en-US" sz="2000" smtClean="0"/>
-                        <a:t>)</a:t>
-                      </a:r>
-                      <a:r>
-                        <a:rPr lang="en-US" sz="2000" smtClean="0"/>
-                        <a:t>→wc(x))</a:t>
+                        <a:t>∀x (brazil(x)→wc(x))</a:t>
                       </a:r>
                     </a:p>
                     <a:p>
@@ -36019,7 +36155,6 @@
                         <a:rPr lang="en-US" sz="2000" smtClean="0"/>
                         <a:t>∀ x(barca(x)→c1(x))</a:t>
                       </a:r>
-                      <a:endParaRPr lang="en-US" sz="2000" smtClean="0"/>
                     </a:p>
                     <a:p>
                       <a:pPr marL="0" marR="0" algn="just">
@@ -36035,23 +36170,7 @@
                       </a:pPr>
                       <a:r>
                         <a:rPr lang="en-US" sz="2000" smtClean="0"/>
-                        <a:t>∃x </a:t>
-                      </a:r>
-                      <a:r>
-                        <a:rPr lang="en-US" sz="2000" smtClean="0"/>
-                        <a:t>(brazil(x</a:t>
-                      </a:r>
-                      <a:r>
-                        <a:rPr lang="en-US" sz="2000" smtClean="0"/>
-                        <a:t>) ∧ </a:t>
-                      </a:r>
-                      <a:r>
-                        <a:rPr lang="en-US" sz="2000" smtClean="0"/>
-                        <a:t>barca((</a:t>
-                      </a:r>
-                      <a:r>
-                        <a:rPr lang="en-US" sz="2000" smtClean="0"/>
-                        <a:t>x))</a:t>
+                        <a:t>∃x (brazil(x) ∧ barca((x))</a:t>
                       </a:r>
                     </a:p>
                     <a:p>
@@ -36080,31 +36199,7 @@
                           <a:ea typeface="Calibri"/>
                           <a:cs typeface="Arial"/>
                         </a:rPr>
-                        <a:t>∧barca(Ro)    ∃</a:t>
-                      </a:r>
-                      <a:r>
-                        <a:rPr lang="en-US" sz="2000" baseline="0" smtClean="0">
-                          <a:latin typeface="Times New Roman"/>
-                          <a:ea typeface="Calibri"/>
-                          <a:cs typeface="Arial"/>
-                        </a:rPr>
-                        <a:t>e </a:t>
-                      </a:r>
-                      <a:r>
-                        <a:rPr lang="en-US" sz="2000" baseline="0" smtClean="0">
-                          <a:latin typeface="Times New Roman"/>
-                          <a:ea typeface="Calibri"/>
-                          <a:cs typeface="Arial"/>
-                        </a:rPr>
-                        <a:t>[Ro/x</a:t>
-                      </a:r>
-                      <a:r>
-                        <a:rPr lang="en-US" sz="2000" baseline="0" smtClean="0">
-                          <a:latin typeface="Times New Roman"/>
-                          <a:ea typeface="Calibri"/>
-                          <a:cs typeface="Arial"/>
-                        </a:rPr>
-                        <a:t>]</a:t>
+                        <a:t>∧barca(Ro)    ∃e [Ro/x]</a:t>
                       </a:r>
                     </a:p>
                     <a:p>
@@ -36125,15 +36220,7 @@
                           <a:ea typeface="Calibri"/>
                           <a:cs typeface="Arial"/>
                         </a:rPr>
-                        <a:t>brazil(Ro)                        </a:t>
-                      </a:r>
-                      <a:r>
-                        <a:rPr lang="en-US" sz="2000" smtClean="0">
-                          <a:latin typeface="Times New Roman"/>
-                          <a:ea typeface="Calibri"/>
-                          <a:cs typeface="Arial"/>
-                        </a:rPr>
-                        <a:t>∧e</a:t>
+                        <a:t>brazil(Ro)                        ∧e</a:t>
                       </a:r>
                       <a:r>
                         <a:rPr lang="en-US" sz="2000" baseline="0" smtClean="0">
@@ -36167,15 +36254,7 @@
                           <a:ea typeface="Calibri"/>
                           <a:cs typeface="Arial"/>
                         </a:rPr>
-                        <a:t>barca(Ro)                       </a:t>
-                      </a:r>
-                      <a:r>
-                        <a:rPr lang="en-US" sz="2000" smtClean="0">
-                          <a:latin typeface="Times New Roman"/>
-                          <a:ea typeface="Calibri"/>
-                          <a:cs typeface="Arial"/>
-                        </a:rPr>
-                        <a:t>∧e</a:t>
+                        <a:t>barca(Ro)                       ∧e</a:t>
                       </a:r>
                     </a:p>
                     <a:p>
@@ -36192,69 +36271,19 @@
                       </a:pPr>
                       <a:r>
                         <a:rPr lang="en-US" sz="2000" smtClean="0">
-                          <a:solidFill>
-                            <a:schemeClr val="tx1"/>
-                          </a:solidFill>
                           <a:latin typeface="Times New Roman"/>
                           <a:ea typeface="Calibri"/>
                           <a:cs typeface="Arial"/>
                         </a:rPr>
-                        <a:t>barca(Ro) </a:t>
+                        <a:t>barca(Ro) → c1(Ro)</a:t>
                       </a:r>
                       <a:r>
-                        <a:rPr lang="en-US" sz="2000" smtClean="0">
-                          <a:solidFill>
-                            <a:schemeClr val="tx1"/>
-                          </a:solidFill>
+                        <a:rPr lang="en-US" sz="2000" baseline="0" smtClean="0">
                           <a:latin typeface="Times New Roman"/>
                           <a:ea typeface="Calibri"/>
                           <a:cs typeface="Arial"/>
                         </a:rPr>
-                        <a:t>→ </a:t>
-                      </a:r>
-                      <a:r>
-                        <a:rPr lang="en-US" sz="2000" smtClean="0">
-                          <a:solidFill>
-                            <a:schemeClr val="tx1"/>
-                          </a:solidFill>
-                          <a:latin typeface="Times New Roman"/>
-                          <a:ea typeface="Calibri"/>
-                          <a:cs typeface="Arial"/>
-                        </a:rPr>
-                        <a:t>c1(Ro)</a:t>
-                      </a:r>
-                      <a:r>
-                        <a:rPr lang="en-US" sz="2000" baseline="0" smtClean="0">
-                          <a:solidFill>
-                            <a:schemeClr val="tx1"/>
-                          </a:solidFill>
-                          <a:latin typeface="Times New Roman"/>
-                          <a:ea typeface="Calibri"/>
-                          <a:cs typeface="Arial"/>
-                        </a:rPr>
-                        <a:t>    ∀</a:t>
-                      </a:r>
-                      <a:r>
-                        <a:rPr lang="en-US" sz="2000" baseline="0" smtClean="0">
-                          <a:solidFill>
-                            <a:schemeClr val="tx1"/>
-                          </a:solidFill>
-                          <a:latin typeface="Times New Roman"/>
-                          <a:ea typeface="Calibri"/>
-                          <a:cs typeface="Arial"/>
-                        </a:rPr>
-                        <a:t>e </a:t>
-                      </a:r>
-                      <a:r>
-                        <a:rPr lang="en-US" sz="2000" baseline="0" smtClean="0">
-                          <a:solidFill>
-                            <a:schemeClr val="tx1"/>
-                          </a:solidFill>
-                          <a:latin typeface="Times New Roman"/>
-                          <a:ea typeface="Calibri"/>
-                          <a:cs typeface="Arial"/>
-                        </a:rPr>
-                        <a:t>[Ro/x]</a:t>
+                        <a:t>    ∀e [Ro/x]</a:t>
                       </a:r>
                     </a:p>
                     <a:p>
@@ -36271,9 +36300,6 @@
                       </a:pPr>
                       <a:r>
                         <a:rPr lang="en-US" sz="2000" baseline="0" smtClean="0">
-                          <a:solidFill>
-                            <a:schemeClr val="tx1"/>
-                          </a:solidFill>
                           <a:latin typeface="Times New Roman"/>
                           <a:ea typeface="Calibri"/>
                           <a:cs typeface="Arial"/>
@@ -36295,23 +36321,12 @@
                       </a:pPr>
                       <a:r>
                         <a:rPr lang="en-US" sz="2000" baseline="0" smtClean="0">
-                          <a:solidFill>
-                            <a:srgbClr val="C00000"/>
-                          </a:solidFill>
                           <a:latin typeface="Times New Roman"/>
                           <a:ea typeface="Calibri"/>
                           <a:cs typeface="Arial"/>
                         </a:rPr>
                         <a:t>Brazil(Ro)→wc(Ro)    ∀e [Ro/x]</a:t>
                       </a:r>
-                      <a:endParaRPr lang="en-US" sz="2000" baseline="0" smtClean="0">
-                        <a:solidFill>
-                          <a:srgbClr val="C00000"/>
-                        </a:solidFill>
-                        <a:latin typeface="Times New Roman"/>
-                        <a:ea typeface="Calibri"/>
-                        <a:cs typeface="Arial"/>
-                      </a:endParaRPr>
                     </a:p>
                     <a:p>
                       <a:pPr marL="0" marR="0" algn="just">
@@ -36327,30 +36342,13 @@
                       </a:pPr>
                       <a:r>
                         <a:rPr lang="en-US" sz="2000" baseline="0" smtClean="0">
-                          <a:solidFill>
-                            <a:srgbClr val="C00000"/>
-                          </a:solidFill>
                           <a:latin typeface="Times New Roman"/>
                           <a:ea typeface="Calibri"/>
                           <a:cs typeface="Arial"/>
                         </a:rPr>
-                        <a:t>wc(Ro)                     </a:t>
-                      </a:r>
-                      <a:r>
-                        <a:rPr lang="en-US" sz="2000" baseline="0" smtClean="0">
-                          <a:solidFill>
-                            <a:srgbClr val="C00000"/>
-                          </a:solidFill>
-                          <a:latin typeface="Times New Roman"/>
-                          <a:ea typeface="Calibri"/>
-                          <a:cs typeface="Arial"/>
-                        </a:rPr>
-                        <a:t>→e </a:t>
+                        <a:t>wc(Ro)                     →e </a:t>
                       </a:r>
                       <a:endParaRPr lang="en-US" sz="2000">
-                        <a:solidFill>
-                          <a:srgbClr val="C00000"/>
-                        </a:solidFill>
                         <a:latin typeface="Times New Roman"/>
                         <a:ea typeface="Calibri"/>
                         <a:cs typeface="Arial"/>
@@ -36417,25 +36415,59 @@
                       </a:pPr>
                       <a:r>
                         <a:rPr lang="en-US" sz="2000" smtClean="0"/>
-                        <a:t>∃x </a:t>
+                        <a:t>∃x (wc(x) ∧ c1(x))</a:t>
+                      </a:r>
+                      <a:endParaRPr lang="en-US" sz="2000" smtClean="0">
+                        <a:latin typeface="Times New Roman"/>
+                        <a:cs typeface="Arial"/>
+                      </a:endParaRPr>
+                    </a:p>
+                    <a:p>
+                      <a:pPr marL="0" marR="0" algn="just">
+                        <a:lnSpc>
+                          <a:spcPct val="150000"/>
+                        </a:lnSpc>
+                        <a:spcBef>
+                          <a:spcPts val="0"/>
+                        </a:spcBef>
+                        <a:spcAft>
+                          <a:spcPts val="0"/>
+                        </a:spcAft>
+                      </a:pPr>
+                      <a:r>
+                        <a:rPr lang="en-US" sz="2000" smtClean="0">
+                          <a:solidFill>
+                            <a:srgbClr val="C00000"/>
+                          </a:solidFill>
+                          <a:latin typeface="Times New Roman"/>
+                          <a:cs typeface="Arial"/>
+                        </a:rPr>
+                        <a:t>wc(x1) ∧</a:t>
                       </a:r>
                       <a:r>
-                        <a:rPr lang="en-US" sz="2000" smtClean="0"/>
-                        <a:t>(wc(x</a:t>
+                        <a:rPr lang="en-US" sz="2000" baseline="0" smtClean="0">
+                          <a:solidFill>
+                            <a:srgbClr val="C00000"/>
+                          </a:solidFill>
+                          <a:latin typeface="Times New Roman"/>
+                          <a:cs typeface="Arial"/>
+                        </a:rPr>
+                        <a:t> c1(x1)</a:t>
                       </a:r>
-                      <a:r>
-                        <a:rPr lang="en-US" sz="2000" smtClean="0"/>
-                        <a:t>) ∧ </a:t>
-                      </a:r>
-                      <a:r>
-                        <a:rPr lang="en-US" sz="2000" smtClean="0"/>
-                        <a:t>c1(x))</a:t>
-                      </a:r>
-                      <a:endParaRPr lang="en-US" sz="2000">
-                        <a:latin typeface="Times New Roman"/>
-                        <a:ea typeface="Calibri"/>
-                        <a:cs typeface="Arial"/>
-                      </a:endParaRPr>
+                    </a:p>
+                    <a:p>
+                      <a:pPr marL="0" marR="0" algn="just">
+                        <a:lnSpc>
+                          <a:spcPct val="150000"/>
+                        </a:lnSpc>
+                        <a:spcBef>
+                          <a:spcPts val="0"/>
+                        </a:spcBef>
+                        <a:spcAft>
+                          <a:spcPts val="0"/>
+                        </a:spcAft>
+                      </a:pPr>
+                      <a:endParaRPr lang="en-US" sz="2000" smtClean="0"/>
                     </a:p>
                   </a:txBody>
                   <a:tcPr marL="68580" marR="68580" marT="0" marB="0">
@@ -36485,30 +36517,6 @@
           </a:graphicData>
         </a:graphic>
       </p:graphicFrame>
-      <p:sp>
-        <p:nvSpPr>
-          <p:cNvPr id="8" name="Slide Number Placeholder 7"/>
-          <p:cNvSpPr>
-            <a:spLocks noGrp="1"/>
-          </p:cNvSpPr>
-          <p:nvPr>
-            <p:ph type="sldNum" sz="quarter" idx="12"/>
-          </p:nvPr>
-        </p:nvSpPr>
-        <p:spPr/>
-        <p:txBody>
-          <a:bodyPr/>
-          <a:lstStyle/>
-          <a:p>
-            <a:fld id="{A664601A-62C5-4813-906E-C773A9392B48}" type="slidenum">
-              <a:rPr lang="en-US" smtClean="0"/>
-              <a:pPr/>
-              <a:t>26</a:t>
-            </a:fld>
-            <a:endParaRPr lang="en-US"/>
-          </a:p>
-        </p:txBody>
-      </p:sp>
     </p:spTree>
   </p:cSld>
   <p:clrMapOvr>
@@ -36808,19 +36816,7 @@
                       </a:pPr>
                       <a:r>
                         <a:rPr lang="en-US" sz="2000" smtClean="0"/>
-                        <a:t>∀x </a:t>
-                      </a:r>
-                      <a:r>
-                        <a:rPr lang="en-US" sz="2000" smtClean="0"/>
-                        <a:t>(brazil(x</a:t>
-                      </a:r>
-                      <a:r>
-                        <a:rPr lang="en-US" sz="2000" smtClean="0"/>
-                        <a:t>)</a:t>
-                      </a:r>
-                      <a:r>
-                        <a:rPr lang="en-US" sz="2000" smtClean="0"/>
-                        <a:t>→wc(x))</a:t>
+                        <a:t>∀x (brazil(x)→wc(x))</a:t>
                       </a:r>
                     </a:p>
                     <a:p>
@@ -36839,7 +36835,6 @@
                         <a:rPr lang="en-US" sz="2000" smtClean="0"/>
                         <a:t>∀ x(barca(x)→c1(x))</a:t>
                       </a:r>
-                      <a:endParaRPr lang="en-US" sz="2000" smtClean="0"/>
                     </a:p>
                     <a:p>
                       <a:pPr marL="0" marR="0" algn="just">
@@ -36855,23 +36850,7 @@
                       </a:pPr>
                       <a:r>
                         <a:rPr lang="en-US" sz="2000" smtClean="0"/>
-                        <a:t>∃x </a:t>
-                      </a:r>
-                      <a:r>
-                        <a:rPr lang="en-US" sz="2000" smtClean="0"/>
-                        <a:t>(brazil(x</a:t>
-                      </a:r>
-                      <a:r>
-                        <a:rPr lang="en-US" sz="2000" smtClean="0"/>
-                        <a:t>) ∧ </a:t>
-                      </a:r>
-                      <a:r>
-                        <a:rPr lang="en-US" sz="2000" smtClean="0"/>
-                        <a:t>barca((</a:t>
-                      </a:r>
-                      <a:r>
-                        <a:rPr lang="en-US" sz="2000" smtClean="0"/>
-                        <a:t>x))</a:t>
+                        <a:t>∃x (brazil(x) ∧ barca((x))</a:t>
                       </a:r>
                     </a:p>
                     <a:p>
@@ -36900,31 +36879,7 @@
                           <a:ea typeface="Calibri"/>
                           <a:cs typeface="Arial"/>
                         </a:rPr>
-                        <a:t>∧barca(Ro)    ∃</a:t>
-                      </a:r>
-                      <a:r>
-                        <a:rPr lang="en-US" sz="2000" baseline="0" smtClean="0">
-                          <a:latin typeface="Times New Roman"/>
-                          <a:ea typeface="Calibri"/>
-                          <a:cs typeface="Arial"/>
-                        </a:rPr>
-                        <a:t>e </a:t>
-                      </a:r>
-                      <a:r>
-                        <a:rPr lang="en-US" sz="2000" baseline="0" smtClean="0">
-                          <a:latin typeface="Times New Roman"/>
-                          <a:ea typeface="Calibri"/>
-                          <a:cs typeface="Arial"/>
-                        </a:rPr>
-                        <a:t>[Ro/x</a:t>
-                      </a:r>
-                      <a:r>
-                        <a:rPr lang="en-US" sz="2000" baseline="0" smtClean="0">
-                          <a:latin typeface="Times New Roman"/>
-                          <a:ea typeface="Calibri"/>
-                          <a:cs typeface="Arial"/>
-                        </a:rPr>
-                        <a:t>]</a:t>
+                        <a:t>∧barca(Ro)    ∃e [Ro/x]</a:t>
                       </a:r>
                     </a:p>
                     <a:p>
@@ -36945,15 +36900,7 @@
                           <a:ea typeface="Calibri"/>
                           <a:cs typeface="Arial"/>
                         </a:rPr>
-                        <a:t>brazil(Ro)                        </a:t>
-                      </a:r>
-                      <a:r>
-                        <a:rPr lang="en-US" sz="2000" smtClean="0">
-                          <a:latin typeface="Times New Roman"/>
-                          <a:ea typeface="Calibri"/>
-                          <a:cs typeface="Arial"/>
-                        </a:rPr>
-                        <a:t>∧e</a:t>
+                        <a:t>brazil(Ro)                        ∧e</a:t>
                       </a:r>
                       <a:r>
                         <a:rPr lang="en-US" sz="2000" baseline="0" smtClean="0">
@@ -36987,15 +36934,7 @@
                           <a:ea typeface="Calibri"/>
                           <a:cs typeface="Arial"/>
                         </a:rPr>
-                        <a:t>barca(Ro)                       </a:t>
-                      </a:r>
-                      <a:r>
-                        <a:rPr lang="en-US" sz="2000" smtClean="0">
-                          <a:latin typeface="Times New Roman"/>
-                          <a:ea typeface="Calibri"/>
-                          <a:cs typeface="Arial"/>
-                        </a:rPr>
-                        <a:t>∧e</a:t>
+                        <a:t>barca(Ro)                       ∧e</a:t>
                       </a:r>
                     </a:p>
                     <a:p>
@@ -37016,23 +36955,7 @@
                           <a:ea typeface="Calibri"/>
                           <a:cs typeface="Arial"/>
                         </a:rPr>
-                        <a:t>barca(Ro) </a:t>
-                      </a:r>
-                      <a:r>
-                        <a:rPr lang="en-US" sz="2000" smtClean="0">
-                          <a:latin typeface="Times New Roman"/>
-                          <a:ea typeface="Calibri"/>
-                          <a:cs typeface="Arial"/>
-                        </a:rPr>
-                        <a:t>→ </a:t>
-                      </a:r>
-                      <a:r>
-                        <a:rPr lang="en-US" sz="2000" smtClean="0">
-                          <a:latin typeface="Times New Roman"/>
-                          <a:ea typeface="Calibri"/>
-                          <a:cs typeface="Arial"/>
-                        </a:rPr>
-                        <a:t>c1(Ro)</a:t>
+                        <a:t>barca(Ro) → c1(Ro)</a:t>
                       </a:r>
                       <a:r>
                         <a:rPr lang="en-US" sz="2000" baseline="0" smtClean="0">
@@ -37040,23 +36963,7 @@
                           <a:ea typeface="Calibri"/>
                           <a:cs typeface="Arial"/>
                         </a:rPr>
-                        <a:t>    ∀</a:t>
-                      </a:r>
-                      <a:r>
-                        <a:rPr lang="en-US" sz="2000" baseline="0" smtClean="0">
-                          <a:latin typeface="Times New Roman"/>
-                          <a:ea typeface="Calibri"/>
-                          <a:cs typeface="Arial"/>
-                        </a:rPr>
-                        <a:t>e </a:t>
-                      </a:r>
-                      <a:r>
-                        <a:rPr lang="en-US" sz="2000" baseline="0" smtClean="0">
-                          <a:latin typeface="Times New Roman"/>
-                          <a:ea typeface="Calibri"/>
-                          <a:cs typeface="Arial"/>
-                        </a:rPr>
-                        <a:t>[Ro/x]</a:t>
+                        <a:t>    ∀e [Ro/x]</a:t>
                       </a:r>
                     </a:p>
                     <a:p>
@@ -37100,11 +37007,6 @@
                         </a:rPr>
                         <a:t>Brazil(Ro)→wc(Ro)    ∀e [Ro/x]</a:t>
                       </a:r>
-                      <a:endParaRPr lang="en-US" sz="2000" baseline="0" smtClean="0">
-                        <a:latin typeface="Times New Roman"/>
-                        <a:ea typeface="Calibri"/>
-                        <a:cs typeface="Arial"/>
-                      </a:endParaRPr>
                     </a:p>
                     <a:p>
                       <a:pPr marL="0" marR="0" algn="just">
@@ -37124,15 +37026,7 @@
                           <a:ea typeface="Calibri"/>
                           <a:cs typeface="Arial"/>
                         </a:rPr>
-                        <a:t>wc(Ro)                     </a:t>
-                      </a:r>
-                      <a:r>
-                        <a:rPr lang="en-US" sz="2000" baseline="0" smtClean="0">
-                          <a:latin typeface="Times New Roman"/>
-                          <a:ea typeface="Calibri"/>
-                          <a:cs typeface="Arial"/>
-                        </a:rPr>
-                        <a:t>→e </a:t>
+                        <a:t>wc(Ro)                     →e </a:t>
                       </a:r>
                       <a:endParaRPr lang="en-US" sz="2000">
                         <a:latin typeface="Times New Roman"/>
@@ -37201,19 +37095,7 @@
                       </a:pPr>
                       <a:r>
                         <a:rPr lang="en-US" sz="2000" smtClean="0"/>
-                        <a:t>∃x </a:t>
-                      </a:r>
-                      <a:r>
-                        <a:rPr lang="en-US" sz="2000" smtClean="0"/>
-                        <a:t>(wc(x</a:t>
-                      </a:r>
-                      <a:r>
-                        <a:rPr lang="en-US" sz="2000" smtClean="0"/>
-                        <a:t>) ∧ </a:t>
-                      </a:r>
-                      <a:r>
-                        <a:rPr lang="en-US" sz="2000" smtClean="0"/>
-                        <a:t>c1(x))</a:t>
+                        <a:t>∃x (wc(x) ∧ c1(x)) [1]</a:t>
                       </a:r>
                       <a:endParaRPr lang="en-US" sz="2000" smtClean="0">
                         <a:latin typeface="Times New Roman"/>
@@ -37234,14 +37116,31 @@
                       </a:pPr>
                       <a:r>
                         <a:rPr lang="en-US" sz="2000" smtClean="0">
-                          <a:solidFill>
-                            <a:srgbClr val="C00000"/>
-                          </a:solidFill>
                           <a:latin typeface="Times New Roman"/>
                           <a:cs typeface="Arial"/>
                         </a:rPr>
                         <a:t>wc(x1) ∧</a:t>
                       </a:r>
+                      <a:r>
+                        <a:rPr lang="en-US" sz="2000" baseline="0" smtClean="0">
+                          <a:latin typeface="Times New Roman"/>
+                          <a:cs typeface="Arial"/>
+                        </a:rPr>
+                        <a:t> c1(x1)   [2]</a:t>
+                      </a:r>
+                    </a:p>
+                    <a:p>
+                      <a:pPr marL="0" marR="0" algn="just">
+                        <a:lnSpc>
+                          <a:spcPct val="150000"/>
+                        </a:lnSpc>
+                        <a:spcBef>
+                          <a:spcPts val="0"/>
+                        </a:spcBef>
+                        <a:spcAft>
+                          <a:spcPts val="0"/>
+                        </a:spcAft>
+                      </a:pPr>
                       <a:r>
                         <a:rPr lang="en-US" sz="2000" baseline="0" smtClean="0">
                           <a:solidFill>
@@ -37250,7 +37149,30 @@
                           <a:latin typeface="Times New Roman"/>
                           <a:cs typeface="Arial"/>
                         </a:rPr>
-                        <a:t> c1(x1)</a:t>
+                        <a:t>c1(x1)</a:t>
+                      </a:r>
+                    </a:p>
+                    <a:p>
+                      <a:pPr marL="0" marR="0" algn="just">
+                        <a:lnSpc>
+                          <a:spcPct val="150000"/>
+                        </a:lnSpc>
+                        <a:spcBef>
+                          <a:spcPts val="0"/>
+                        </a:spcBef>
+                        <a:spcAft>
+                          <a:spcPts val="0"/>
+                        </a:spcAft>
+                      </a:pPr>
+                      <a:r>
+                        <a:rPr lang="en-US" sz="2000" baseline="0" smtClean="0">
+                          <a:solidFill>
+                            <a:srgbClr val="C00000"/>
+                          </a:solidFill>
+                          <a:latin typeface="Times New Roman"/>
+                          <a:cs typeface="Arial"/>
+                        </a:rPr>
+                        <a:t>wc(x1)</a:t>
                       </a:r>
                     </a:p>
                     <a:p>
@@ -37436,7 +37358,7 @@
           <p:nvPr/>
         </p:nvGraphicFramePr>
         <p:xfrm>
-          <a:off x="838200" y="571500"/>
+          <a:off x="838200" y="647700"/>
           <a:ext cx="7467600" cy="5035722"/>
         </p:xfrm>
         <a:graphic>
@@ -37614,19 +37536,7 @@
                       </a:pPr>
                       <a:r>
                         <a:rPr lang="en-US" sz="2000" smtClean="0"/>
-                        <a:t>∀x </a:t>
-                      </a:r>
-                      <a:r>
-                        <a:rPr lang="en-US" sz="2000" smtClean="0"/>
-                        <a:t>(brazil(x</a:t>
-                      </a:r>
-                      <a:r>
-                        <a:rPr lang="en-US" sz="2000" smtClean="0"/>
-                        <a:t>)</a:t>
-                      </a:r>
-                      <a:r>
-                        <a:rPr lang="en-US" sz="2000" smtClean="0"/>
-                        <a:t>→wc(x))</a:t>
+                        <a:t>∀x (brazil(x)→wc(x))</a:t>
                       </a:r>
                     </a:p>
                     <a:p>
@@ -37645,7 +37555,6 @@
                         <a:rPr lang="en-US" sz="2000" smtClean="0"/>
                         <a:t>∀ x(barca(x)→c1(x))</a:t>
                       </a:r>
-                      <a:endParaRPr lang="en-US" sz="2000" smtClean="0"/>
                     </a:p>
                     <a:p>
                       <a:pPr marL="0" marR="0" algn="just">
@@ -37661,23 +37570,7 @@
                       </a:pPr>
                       <a:r>
                         <a:rPr lang="en-US" sz="2000" smtClean="0"/>
-                        <a:t>∃x </a:t>
-                      </a:r>
-                      <a:r>
-                        <a:rPr lang="en-US" sz="2000" smtClean="0"/>
-                        <a:t>(brazil(x</a:t>
-                      </a:r>
-                      <a:r>
-                        <a:rPr lang="en-US" sz="2000" smtClean="0"/>
-                        <a:t>) ∧ </a:t>
-                      </a:r>
-                      <a:r>
-                        <a:rPr lang="en-US" sz="2000" smtClean="0"/>
-                        <a:t>barca((</a:t>
-                      </a:r>
-                      <a:r>
-                        <a:rPr lang="en-US" sz="2000" smtClean="0"/>
-                        <a:t>x))</a:t>
+                        <a:t>∃x (brazil(x) ∧ barca((x))</a:t>
                       </a:r>
                     </a:p>
                     <a:p>
@@ -37706,31 +37599,7 @@
                           <a:ea typeface="Calibri"/>
                           <a:cs typeface="Arial"/>
                         </a:rPr>
-                        <a:t>∧barca(Ro)    ∃</a:t>
-                      </a:r>
-                      <a:r>
-                        <a:rPr lang="en-US" sz="2000" baseline="0" smtClean="0">
-                          <a:latin typeface="Times New Roman"/>
-                          <a:ea typeface="Calibri"/>
-                          <a:cs typeface="Arial"/>
-                        </a:rPr>
-                        <a:t>e </a:t>
-                      </a:r>
-                      <a:r>
-                        <a:rPr lang="en-US" sz="2000" baseline="0" smtClean="0">
-                          <a:latin typeface="Times New Roman"/>
-                          <a:ea typeface="Calibri"/>
-                          <a:cs typeface="Arial"/>
-                        </a:rPr>
-                        <a:t>[Ro/x</a:t>
-                      </a:r>
-                      <a:r>
-                        <a:rPr lang="en-US" sz="2000" baseline="0" smtClean="0">
-                          <a:latin typeface="Times New Roman"/>
-                          <a:ea typeface="Calibri"/>
-                          <a:cs typeface="Arial"/>
-                        </a:rPr>
-                        <a:t>]</a:t>
+                        <a:t>∧barca(Ro)    ∃e [Ro/x]</a:t>
                       </a:r>
                     </a:p>
                     <a:p>
@@ -37751,15 +37620,7 @@
                           <a:ea typeface="Calibri"/>
                           <a:cs typeface="Arial"/>
                         </a:rPr>
-                        <a:t>brazil(Ro)                        </a:t>
-                      </a:r>
-                      <a:r>
-                        <a:rPr lang="en-US" sz="2000" smtClean="0">
-                          <a:latin typeface="Times New Roman"/>
-                          <a:ea typeface="Calibri"/>
-                          <a:cs typeface="Arial"/>
-                        </a:rPr>
-                        <a:t>∧e</a:t>
+                        <a:t>brazil(Ro)                        ∧e</a:t>
                       </a:r>
                       <a:r>
                         <a:rPr lang="en-US" sz="2000" baseline="0" smtClean="0">
@@ -37793,15 +37654,7 @@
                           <a:ea typeface="Calibri"/>
                           <a:cs typeface="Arial"/>
                         </a:rPr>
-                        <a:t>barca(Ro)                       </a:t>
-                      </a:r>
-                      <a:r>
-                        <a:rPr lang="en-US" sz="2000" smtClean="0">
-                          <a:latin typeface="Times New Roman"/>
-                          <a:ea typeface="Calibri"/>
-                          <a:cs typeface="Arial"/>
-                        </a:rPr>
-                        <a:t>∧e</a:t>
+                        <a:t>barca(Ro)                       ∧e</a:t>
                       </a:r>
                     </a:p>
                     <a:p>
@@ -37822,23 +37675,7 @@
                           <a:ea typeface="Calibri"/>
                           <a:cs typeface="Arial"/>
                         </a:rPr>
-                        <a:t>barca(Ro) </a:t>
-                      </a:r>
-                      <a:r>
-                        <a:rPr lang="en-US" sz="2000" smtClean="0">
-                          <a:latin typeface="Times New Roman"/>
-                          <a:ea typeface="Calibri"/>
-                          <a:cs typeface="Arial"/>
-                        </a:rPr>
-                        <a:t>→ </a:t>
-                      </a:r>
-                      <a:r>
-                        <a:rPr lang="en-US" sz="2000" smtClean="0">
-                          <a:latin typeface="Times New Roman"/>
-                          <a:ea typeface="Calibri"/>
-                          <a:cs typeface="Arial"/>
-                        </a:rPr>
-                        <a:t>c1(Ro)</a:t>
+                        <a:t>barca(Ro) → c1(Ro)</a:t>
                       </a:r>
                       <a:r>
                         <a:rPr lang="en-US" sz="2000" baseline="0" smtClean="0">
@@ -37846,23 +37683,7 @@
                           <a:ea typeface="Calibri"/>
                           <a:cs typeface="Arial"/>
                         </a:rPr>
-                        <a:t>    ∀</a:t>
-                      </a:r>
-                      <a:r>
-                        <a:rPr lang="en-US" sz="2000" baseline="0" smtClean="0">
-                          <a:latin typeface="Times New Roman"/>
-                          <a:ea typeface="Calibri"/>
-                          <a:cs typeface="Arial"/>
-                        </a:rPr>
-                        <a:t>e </a:t>
-                      </a:r>
-                      <a:r>
-                        <a:rPr lang="en-US" sz="2000" baseline="0" smtClean="0">
-                          <a:latin typeface="Times New Roman"/>
-                          <a:ea typeface="Calibri"/>
-                          <a:cs typeface="Arial"/>
-                        </a:rPr>
-                        <a:t>[Ro/x]</a:t>
+                        <a:t>    ∀e [Ro/x]</a:t>
                       </a:r>
                     </a:p>
                     <a:p>
@@ -37906,11 +37727,6 @@
                         </a:rPr>
                         <a:t>Brazil(Ro)→wc(Ro)    ∀e [Ro/x]</a:t>
                       </a:r>
-                      <a:endParaRPr lang="en-US" sz="2000" baseline="0" smtClean="0">
-                        <a:latin typeface="Times New Roman"/>
-                        <a:ea typeface="Calibri"/>
-                        <a:cs typeface="Arial"/>
-                      </a:endParaRPr>
                     </a:p>
                     <a:p>
                       <a:pPr marL="0" marR="0" algn="just">
@@ -37926,6 +37742,9 @@
                       </a:pPr>
                       <a:r>
                         <a:rPr lang="en-US" sz="2000" baseline="0" smtClean="0">
+                          <a:solidFill>
+                            <a:srgbClr val="FF0000"/>
+                          </a:solidFill>
                           <a:latin typeface="Times New Roman"/>
                           <a:ea typeface="Calibri"/>
                           <a:cs typeface="Arial"/>
@@ -38007,19 +37826,7 @@
                       </a:pPr>
                       <a:r>
                         <a:rPr lang="en-US" sz="2000" smtClean="0"/>
-                        <a:t>∃x </a:t>
-                      </a:r>
-                      <a:r>
-                        <a:rPr lang="en-US" sz="2000" smtClean="0"/>
-                        <a:t>(wc(x</a:t>
-                      </a:r>
-                      <a:r>
-                        <a:rPr lang="en-US" sz="2000" smtClean="0"/>
-                        <a:t>) ∧ </a:t>
-                      </a:r>
-                      <a:r>
-                        <a:rPr lang="en-US" sz="2000" smtClean="0"/>
-                        <a:t>c1(x)) [1]</a:t>
+                        <a:t>∃x (wc(x) ∧ c1(x)) [1]</a:t>
                       </a:r>
                       <a:endParaRPr lang="en-US" sz="2000" smtClean="0">
                         <a:latin typeface="Times New Roman"/>
@@ -38067,9 +37874,6 @@
                       </a:pPr>
                       <a:r>
                         <a:rPr lang="en-US" sz="2000" baseline="0" smtClean="0">
-                          <a:solidFill>
-                            <a:srgbClr val="C00000"/>
-                          </a:solidFill>
                           <a:latin typeface="Times New Roman"/>
                           <a:cs typeface="Arial"/>
                         </a:rPr>
@@ -38091,7 +37895,7 @@
                       <a:r>
                         <a:rPr lang="en-US" sz="2000" baseline="0" smtClean="0">
                           <a:solidFill>
-                            <a:srgbClr val="C00000"/>
+                            <a:srgbClr val="FF0000"/>
                           </a:solidFill>
                           <a:latin typeface="Times New Roman"/>
                           <a:cs typeface="Arial"/>
@@ -38282,8 +38086,8 @@
           <p:nvPr/>
         </p:nvGraphicFramePr>
         <p:xfrm>
-          <a:off x="838200" y="647700"/>
-          <a:ext cx="7467600" cy="4980922"/>
+          <a:off x="838200" y="543578"/>
+          <a:ext cx="7467600" cy="5035722"/>
         </p:xfrm>
         <a:graphic>
           <a:graphicData uri="http://schemas.openxmlformats.org/drawingml/2006/table">
@@ -38460,19 +38264,7 @@
                       </a:pPr>
                       <a:r>
                         <a:rPr lang="en-US" sz="2000" smtClean="0"/>
-                        <a:t>∀x </a:t>
-                      </a:r>
-                      <a:r>
-                        <a:rPr lang="en-US" sz="2000" smtClean="0"/>
-                        <a:t>(brazil(x</a:t>
-                      </a:r>
-                      <a:r>
-                        <a:rPr lang="en-US" sz="2000" smtClean="0"/>
-                        <a:t>)</a:t>
-                      </a:r>
-                      <a:r>
-                        <a:rPr lang="en-US" sz="2000" smtClean="0"/>
-                        <a:t>→wc(x))</a:t>
+                        <a:t>∀x (brazil(x)→wc(x))</a:t>
                       </a:r>
                     </a:p>
                     <a:p>
@@ -38491,7 +38283,6 @@
                         <a:rPr lang="en-US" sz="2000" smtClean="0"/>
                         <a:t>∀ x(barca(x)→c1(x))</a:t>
                       </a:r>
-                      <a:endParaRPr lang="en-US" sz="2000" smtClean="0"/>
                     </a:p>
                     <a:p>
                       <a:pPr marL="0" marR="0" algn="just">
@@ -38507,23 +38298,7 @@
                       </a:pPr>
                       <a:r>
                         <a:rPr lang="en-US" sz="2000" smtClean="0"/>
-                        <a:t>∃x </a:t>
-                      </a:r>
-                      <a:r>
-                        <a:rPr lang="en-US" sz="2000" smtClean="0"/>
-                        <a:t>(brazil(x</a:t>
-                      </a:r>
-                      <a:r>
-                        <a:rPr lang="en-US" sz="2000" smtClean="0"/>
-                        <a:t>) ∧ </a:t>
-                      </a:r>
-                      <a:r>
-                        <a:rPr lang="en-US" sz="2000" smtClean="0"/>
-                        <a:t>barca((</a:t>
-                      </a:r>
-                      <a:r>
-                        <a:rPr lang="en-US" sz="2000" smtClean="0"/>
-                        <a:t>x))</a:t>
+                        <a:t>∃x (brazil(x) ∧ barca((x))</a:t>
                       </a:r>
                     </a:p>
                     <a:p>
@@ -38552,31 +38327,7 @@
                           <a:ea typeface="Calibri"/>
                           <a:cs typeface="Arial"/>
                         </a:rPr>
-                        <a:t>∧barca(Ro)    ∃</a:t>
-                      </a:r>
-                      <a:r>
-                        <a:rPr lang="en-US" sz="2000" baseline="0" smtClean="0">
-                          <a:latin typeface="Times New Roman"/>
-                          <a:ea typeface="Calibri"/>
-                          <a:cs typeface="Arial"/>
-                        </a:rPr>
-                        <a:t>e </a:t>
-                      </a:r>
-                      <a:r>
-                        <a:rPr lang="en-US" sz="2000" baseline="0" smtClean="0">
-                          <a:latin typeface="Times New Roman"/>
-                          <a:ea typeface="Calibri"/>
-                          <a:cs typeface="Arial"/>
-                        </a:rPr>
-                        <a:t>[Ro/x</a:t>
-                      </a:r>
-                      <a:r>
-                        <a:rPr lang="en-US" sz="2000" baseline="0" smtClean="0">
-                          <a:latin typeface="Times New Roman"/>
-                          <a:ea typeface="Calibri"/>
-                          <a:cs typeface="Arial"/>
-                        </a:rPr>
-                        <a:t>]</a:t>
+                        <a:t>∧barca(Ro)    ∃e [Ro/x]</a:t>
                       </a:r>
                     </a:p>
                     <a:p>
@@ -38597,15 +38348,7 @@
                           <a:ea typeface="Calibri"/>
                           <a:cs typeface="Arial"/>
                         </a:rPr>
-                        <a:t>brazil(Ro)                        </a:t>
-                      </a:r>
-                      <a:r>
-                        <a:rPr lang="en-US" sz="2000" smtClean="0">
-                          <a:latin typeface="Times New Roman"/>
-                          <a:ea typeface="Calibri"/>
-                          <a:cs typeface="Arial"/>
-                        </a:rPr>
-                        <a:t>∧e</a:t>
+                        <a:t>brazil(Ro)                        ∧e</a:t>
                       </a:r>
                       <a:r>
                         <a:rPr lang="en-US" sz="2000" baseline="0" smtClean="0">
@@ -38639,15 +38382,7 @@
                           <a:ea typeface="Calibri"/>
                           <a:cs typeface="Arial"/>
                         </a:rPr>
-                        <a:t>barca(Ro)                       </a:t>
-                      </a:r>
-                      <a:r>
-                        <a:rPr lang="en-US" sz="2000" smtClean="0">
-                          <a:latin typeface="Times New Roman"/>
-                          <a:ea typeface="Calibri"/>
-                          <a:cs typeface="Arial"/>
-                        </a:rPr>
-                        <a:t>∧e</a:t>
+                        <a:t>barca(Ro)                       ∧e</a:t>
                       </a:r>
                     </a:p>
                     <a:p>
@@ -38668,23 +38403,7 @@
                           <a:ea typeface="Calibri"/>
                           <a:cs typeface="Arial"/>
                         </a:rPr>
-                        <a:t>barca(Ro) </a:t>
-                      </a:r>
-                      <a:r>
-                        <a:rPr lang="en-US" sz="2000" smtClean="0">
-                          <a:latin typeface="Times New Roman"/>
-                          <a:ea typeface="Calibri"/>
-                          <a:cs typeface="Arial"/>
-                        </a:rPr>
-                        <a:t>→ </a:t>
-                      </a:r>
-                      <a:r>
-                        <a:rPr lang="en-US" sz="2000" smtClean="0">
-                          <a:latin typeface="Times New Roman"/>
-                          <a:ea typeface="Calibri"/>
-                          <a:cs typeface="Arial"/>
-                        </a:rPr>
-                        <a:t>c1(Ro)</a:t>
+                        <a:t>barca(Ro) → c1(Ro)</a:t>
                       </a:r>
                       <a:r>
                         <a:rPr lang="en-US" sz="2000" baseline="0" smtClean="0">
@@ -38692,23 +38411,7 @@
                           <a:ea typeface="Calibri"/>
                           <a:cs typeface="Arial"/>
                         </a:rPr>
-                        <a:t>    ∀</a:t>
-                      </a:r>
-                      <a:r>
-                        <a:rPr lang="en-US" sz="2000" baseline="0" smtClean="0">
-                          <a:latin typeface="Times New Roman"/>
-                          <a:ea typeface="Calibri"/>
-                          <a:cs typeface="Arial"/>
-                        </a:rPr>
-                        <a:t>e </a:t>
-                      </a:r>
-                      <a:r>
-                        <a:rPr lang="en-US" sz="2000" baseline="0" smtClean="0">
-                          <a:latin typeface="Times New Roman"/>
-                          <a:ea typeface="Calibri"/>
-                          <a:cs typeface="Arial"/>
-                        </a:rPr>
-                        <a:t>[Ro/x]</a:t>
+                        <a:t>    ∀e [Ro/x]</a:t>
                       </a:r>
                     </a:p>
                     <a:p>
@@ -38725,11 +38428,22 @@
                       </a:pPr>
                       <a:r>
                         <a:rPr lang="en-US" sz="2000" baseline="0" smtClean="0">
+                          <a:solidFill>
+                            <a:srgbClr val="00B0F0"/>
+                          </a:solidFill>
                           <a:latin typeface="Times New Roman"/>
                           <a:ea typeface="Calibri"/>
                           <a:cs typeface="Arial"/>
                         </a:rPr>
-                        <a:t>c1(Ro)                           →e </a:t>
+                        <a:t>c1(Ro)                           </a:t>
+                      </a:r>
+                      <a:r>
+                        <a:rPr lang="en-US" sz="2000" baseline="0" smtClean="0">
+                          <a:latin typeface="Times New Roman"/>
+                          <a:ea typeface="Calibri"/>
+                          <a:cs typeface="Arial"/>
+                        </a:rPr>
+                        <a:t>→e </a:t>
                       </a:r>
                     </a:p>
                     <a:p>
@@ -38752,11 +38466,6 @@
                         </a:rPr>
                         <a:t>Brazil(Ro)→wc(Ro)    ∀e [Ro/x]</a:t>
                       </a:r>
-                      <a:endParaRPr lang="en-US" sz="2000" baseline="0" smtClean="0">
-                        <a:latin typeface="Times New Roman"/>
-                        <a:ea typeface="Calibri"/>
-                        <a:cs typeface="Arial"/>
-                      </a:endParaRPr>
                     </a:p>
                     <a:p>
                       <a:pPr marL="0" marR="0" algn="just">
@@ -38856,19 +38565,7 @@
                       </a:pPr>
                       <a:r>
                         <a:rPr lang="en-US" sz="2000" smtClean="0"/>
-                        <a:t>∃x </a:t>
-                      </a:r>
-                      <a:r>
-                        <a:rPr lang="en-US" sz="2000" smtClean="0"/>
-                        <a:t>(wc(x</a:t>
-                      </a:r>
-                      <a:r>
-                        <a:rPr lang="en-US" sz="2000" smtClean="0"/>
-                        <a:t>) ∧ </a:t>
-                      </a:r>
-                      <a:r>
-                        <a:rPr lang="en-US" sz="2000" smtClean="0"/>
-                        <a:t>c1(x)) [1]</a:t>
+                        <a:t>∃x (wc(x) ∧ c1(x)) [1]</a:t>
                       </a:r>
                       <a:endParaRPr lang="en-US" sz="2000" smtClean="0">
                         <a:latin typeface="Times New Roman"/>
@@ -38916,6 +38613,9 @@
                       </a:pPr>
                       <a:r>
                         <a:rPr lang="en-US" sz="2000" baseline="0" smtClean="0">
+                          <a:solidFill>
+                            <a:srgbClr val="00B0F0"/>
+                          </a:solidFill>
                           <a:latin typeface="Times New Roman"/>
                           <a:cs typeface="Arial"/>
                         </a:rPr>
@@ -39460,8 +39160,8 @@
           <p:nvPr/>
         </p:nvGraphicFramePr>
         <p:xfrm>
-          <a:off x="838200" y="543578"/>
-          <a:ext cx="7467600" cy="4980922"/>
+          <a:off x="838200" y="571500"/>
+          <a:ext cx="7467600" cy="5035722"/>
         </p:xfrm>
         <a:graphic>
           <a:graphicData uri="http://schemas.openxmlformats.org/drawingml/2006/table">
@@ -39638,19 +39338,7 @@
                       </a:pPr>
                       <a:r>
                         <a:rPr lang="en-US" sz="2000" smtClean="0"/>
-                        <a:t>∀x </a:t>
-                      </a:r>
-                      <a:r>
-                        <a:rPr lang="en-US" sz="2000" smtClean="0"/>
-                        <a:t>(brazil(x</a:t>
-                      </a:r>
-                      <a:r>
-                        <a:rPr lang="en-US" sz="2000" smtClean="0"/>
-                        <a:t>)</a:t>
-                      </a:r>
-                      <a:r>
-                        <a:rPr lang="en-US" sz="2000" smtClean="0"/>
-                        <a:t>→wc(x))</a:t>
+                        <a:t>∀x (brazil(x)→wc(x))</a:t>
                       </a:r>
                     </a:p>
                     <a:p>
@@ -39669,7 +39357,6 @@
                         <a:rPr lang="en-US" sz="2000" smtClean="0"/>
                         <a:t>∀ x(barca(x)→c1(x))</a:t>
                       </a:r>
-                      <a:endParaRPr lang="en-US" sz="2000" smtClean="0"/>
                     </a:p>
                     <a:p>
                       <a:pPr marL="0" marR="0" algn="just">
@@ -39685,23 +39372,7 @@
                       </a:pPr>
                       <a:r>
                         <a:rPr lang="en-US" sz="2000" smtClean="0"/>
-                        <a:t>∃x </a:t>
-                      </a:r>
-                      <a:r>
-                        <a:rPr lang="en-US" sz="2000" smtClean="0"/>
-                        <a:t>(brazil(x</a:t>
-                      </a:r>
-                      <a:r>
-                        <a:rPr lang="en-US" sz="2000" smtClean="0"/>
-                        <a:t>) ∧ </a:t>
-                      </a:r>
-                      <a:r>
-                        <a:rPr lang="en-US" sz="2000" smtClean="0"/>
-                        <a:t>barca((</a:t>
-                      </a:r>
-                      <a:r>
-                        <a:rPr lang="en-US" sz="2000" smtClean="0"/>
-                        <a:t>x))</a:t>
+                        <a:t>∃x (brazil(x) ∧ barca((x))</a:t>
                       </a:r>
                     </a:p>
                     <a:p>
@@ -39730,31 +39401,7 @@
                           <a:ea typeface="Calibri"/>
                           <a:cs typeface="Arial"/>
                         </a:rPr>
-                        <a:t>∧barca(Ro)    ∃</a:t>
-                      </a:r>
-                      <a:r>
-                        <a:rPr lang="en-US" sz="2000" baseline="0" smtClean="0">
-                          <a:latin typeface="Times New Roman"/>
-                          <a:ea typeface="Calibri"/>
-                          <a:cs typeface="Arial"/>
-                        </a:rPr>
-                        <a:t>e </a:t>
-                      </a:r>
-                      <a:r>
-                        <a:rPr lang="en-US" sz="2000" baseline="0" smtClean="0">
-                          <a:latin typeface="Times New Roman"/>
-                          <a:ea typeface="Calibri"/>
-                          <a:cs typeface="Arial"/>
-                        </a:rPr>
-                        <a:t>[Ro/x</a:t>
-                      </a:r>
-                      <a:r>
-                        <a:rPr lang="en-US" sz="2000" baseline="0" smtClean="0">
-                          <a:latin typeface="Times New Roman"/>
-                          <a:ea typeface="Calibri"/>
-                          <a:cs typeface="Arial"/>
-                        </a:rPr>
-                        <a:t>]</a:t>
+                        <a:t>∧barca(Ro)    ∃e [Ro/x]</a:t>
                       </a:r>
                     </a:p>
                     <a:p>
@@ -39775,15 +39422,7 @@
                           <a:ea typeface="Calibri"/>
                           <a:cs typeface="Arial"/>
                         </a:rPr>
-                        <a:t>brazil(Ro)                        </a:t>
-                      </a:r>
-                      <a:r>
-                        <a:rPr lang="en-US" sz="2000" smtClean="0">
-                          <a:latin typeface="Times New Roman"/>
-                          <a:ea typeface="Calibri"/>
-                          <a:cs typeface="Arial"/>
-                        </a:rPr>
-                        <a:t>∧e</a:t>
+                        <a:t>brazil(Ro)                        ∧e</a:t>
                       </a:r>
                       <a:r>
                         <a:rPr lang="en-US" sz="2000" baseline="0" smtClean="0">
@@ -39817,15 +39456,7 @@
                           <a:ea typeface="Calibri"/>
                           <a:cs typeface="Arial"/>
                         </a:rPr>
-                        <a:t>barca(Ro)                       </a:t>
-                      </a:r>
-                      <a:r>
-                        <a:rPr lang="en-US" sz="2000" smtClean="0">
-                          <a:latin typeface="Times New Roman"/>
-                          <a:ea typeface="Calibri"/>
-                          <a:cs typeface="Arial"/>
-                        </a:rPr>
-                        <a:t>∧e</a:t>
+                        <a:t>barca(Ro)                       ∧e</a:t>
                       </a:r>
                     </a:p>
                     <a:p>
@@ -39846,23 +39477,7 @@
                           <a:ea typeface="Calibri"/>
                           <a:cs typeface="Arial"/>
                         </a:rPr>
-                        <a:t>barca(Ro) </a:t>
-                      </a:r>
-                      <a:r>
-                        <a:rPr lang="en-US" sz="2000" smtClean="0">
-                          <a:latin typeface="Times New Roman"/>
-                          <a:ea typeface="Calibri"/>
-                          <a:cs typeface="Arial"/>
-                        </a:rPr>
-                        <a:t>→ </a:t>
-                      </a:r>
-                      <a:r>
-                        <a:rPr lang="en-US" sz="2000" smtClean="0">
-                          <a:latin typeface="Times New Roman"/>
-                          <a:ea typeface="Calibri"/>
-                          <a:cs typeface="Arial"/>
-                        </a:rPr>
-                        <a:t>c1(Ro)</a:t>
+                        <a:t>barca(Ro) → c1(Ro)</a:t>
                       </a:r>
                       <a:r>
                         <a:rPr lang="en-US" sz="2000" baseline="0" smtClean="0">
@@ -39870,23 +39485,7 @@
                           <a:ea typeface="Calibri"/>
                           <a:cs typeface="Arial"/>
                         </a:rPr>
-                        <a:t>    ∀</a:t>
-                      </a:r>
-                      <a:r>
-                        <a:rPr lang="en-US" sz="2000" baseline="0" smtClean="0">
-                          <a:latin typeface="Times New Roman"/>
-                          <a:ea typeface="Calibri"/>
-                          <a:cs typeface="Arial"/>
-                        </a:rPr>
-                        <a:t>e </a:t>
-                      </a:r>
-                      <a:r>
-                        <a:rPr lang="en-US" sz="2000" baseline="0" smtClean="0">
-                          <a:latin typeface="Times New Roman"/>
-                          <a:ea typeface="Calibri"/>
-                          <a:cs typeface="Arial"/>
-                        </a:rPr>
-                        <a:t>[Ro/x]</a:t>
+                        <a:t>    ∀e [Ro/x]</a:t>
                       </a:r>
                     </a:p>
                     <a:p>
@@ -39941,11 +39540,6 @@
                         </a:rPr>
                         <a:t>Brazil(Ro)→wc(Ro)    ∀e [Ro/x]</a:t>
                       </a:r>
-                      <a:endParaRPr lang="en-US" sz="2000" baseline="0" smtClean="0">
-                        <a:latin typeface="Times New Roman"/>
-                        <a:ea typeface="Calibri"/>
-                        <a:cs typeface="Arial"/>
-                      </a:endParaRPr>
                     </a:p>
                     <a:p>
                       <a:pPr marL="0" marR="0" algn="just">
@@ -40045,879 +39639,7 @@
                       </a:pPr>
                       <a:r>
                         <a:rPr lang="en-US" sz="2000" smtClean="0"/>
-                        <a:t>∃x </a:t>
-                      </a:r>
-                      <a:r>
-                        <a:rPr lang="en-US" sz="2000" smtClean="0"/>
-                        <a:t>(wc(x</a:t>
-                      </a:r>
-                      <a:r>
-                        <a:rPr lang="en-US" sz="2000" smtClean="0"/>
-                        <a:t>) ∧ </a:t>
-                      </a:r>
-                      <a:r>
-                        <a:rPr lang="en-US" sz="2000" smtClean="0"/>
-                        <a:t>c1(x)) [1]</a:t>
-                      </a:r>
-                      <a:endParaRPr lang="en-US" sz="2000" smtClean="0">
-                        <a:latin typeface="Times New Roman"/>
-                        <a:cs typeface="Arial"/>
-                      </a:endParaRPr>
-                    </a:p>
-                    <a:p>
-                      <a:pPr marL="0" marR="0" algn="just">
-                        <a:lnSpc>
-                          <a:spcPct val="150000"/>
-                        </a:lnSpc>
-                        <a:spcBef>
-                          <a:spcPts val="0"/>
-                        </a:spcBef>
-                        <a:spcAft>
-                          <a:spcPts val="0"/>
-                        </a:spcAft>
-                      </a:pPr>
-                      <a:r>
-                        <a:rPr lang="en-US" sz="2000" smtClean="0">
-                          <a:latin typeface="Times New Roman"/>
-                          <a:cs typeface="Arial"/>
-                        </a:rPr>
-                        <a:t>wc(x1) ∧</a:t>
-                      </a:r>
-                      <a:r>
-                        <a:rPr lang="en-US" sz="2000" baseline="0" smtClean="0">
-                          <a:latin typeface="Times New Roman"/>
-                          <a:cs typeface="Arial"/>
-                        </a:rPr>
-                        <a:t> c1(x1)   [2]</a:t>
-                      </a:r>
-                    </a:p>
-                    <a:p>
-                      <a:pPr marL="0" marR="0" algn="just">
-                        <a:lnSpc>
-                          <a:spcPct val="150000"/>
-                        </a:lnSpc>
-                        <a:spcBef>
-                          <a:spcPts val="0"/>
-                        </a:spcBef>
-                        <a:spcAft>
-                          <a:spcPts val="0"/>
-                        </a:spcAft>
-                      </a:pPr>
-                      <a:r>
-                        <a:rPr lang="en-US" sz="2000" baseline="0" smtClean="0">
-                          <a:solidFill>
-                            <a:srgbClr val="00B0F0"/>
-                          </a:solidFill>
-                          <a:latin typeface="Times New Roman"/>
-                          <a:cs typeface="Arial"/>
-                        </a:rPr>
-                        <a:t>c1(x1)</a:t>
-                      </a:r>
-                    </a:p>
-                    <a:p>
-                      <a:pPr marL="0" marR="0" algn="just">
-                        <a:lnSpc>
-                          <a:spcPct val="150000"/>
-                        </a:lnSpc>
-                        <a:spcBef>
-                          <a:spcPts val="0"/>
-                        </a:spcBef>
-                        <a:spcAft>
-                          <a:spcPts val="0"/>
-                        </a:spcAft>
-                      </a:pPr>
-                      <a:r>
-                        <a:rPr lang="en-US" sz="2000" baseline="0" smtClean="0">
-                          <a:solidFill>
-                            <a:srgbClr val="FF0000"/>
-                          </a:solidFill>
-                          <a:latin typeface="Times New Roman"/>
-                          <a:cs typeface="Arial"/>
-                        </a:rPr>
-                        <a:t>wc(x1)</a:t>
-                      </a:r>
-                    </a:p>
-                    <a:p>
-                      <a:pPr marL="0" marR="0" algn="just">
-                        <a:lnSpc>
-                          <a:spcPct val="150000"/>
-                        </a:lnSpc>
-                        <a:spcBef>
-                          <a:spcPts val="0"/>
-                        </a:spcBef>
-                        <a:spcAft>
-                          <a:spcPts val="0"/>
-                        </a:spcAft>
-                      </a:pPr>
-                      <a:endParaRPr lang="en-US" sz="2000" smtClean="0"/>
-                    </a:p>
-                  </a:txBody>
-                  <a:tcPr marL="68580" marR="68580" marT="0" marB="0">
-                    <a:lnL w="12700" cap="flat" cmpd="sng" algn="ctr">
-                      <a:solidFill>
-                        <a:srgbClr val="000000"/>
-                      </a:solidFill>
-                      <a:prstDash val="solid"/>
-                      <a:round/>
-                      <a:headEnd type="none" w="med" len="med"/>
-                      <a:tailEnd type="none" w="med" len="med"/>
-                    </a:lnL>
-                    <a:lnR w="12700" cap="flat" cmpd="sng" algn="ctr">
-                      <a:solidFill>
-                        <a:srgbClr val="000000"/>
-                      </a:solidFill>
-                      <a:prstDash val="solid"/>
-                      <a:round/>
-                      <a:headEnd type="none" w="med" len="med"/>
-                      <a:tailEnd type="none" w="med" len="med"/>
-                    </a:lnR>
-                    <a:lnT w="12700" cap="flat" cmpd="sng" algn="ctr">
-                      <a:solidFill>
-                        <a:srgbClr val="000000"/>
-                      </a:solidFill>
-                      <a:prstDash val="solid"/>
-                      <a:round/>
-                      <a:headEnd type="none" w="med" len="med"/>
-                      <a:tailEnd type="none" w="med" len="med"/>
-                    </a:lnT>
-                    <a:lnB w="12700" cap="flat" cmpd="sng" algn="ctr">
-                      <a:solidFill>
-                        <a:srgbClr val="000000"/>
-                      </a:solidFill>
-                      <a:prstDash val="solid"/>
-                      <a:round/>
-                      <a:headEnd type="none" w="med" len="med"/>
-                      <a:tailEnd type="none" w="med" len="med"/>
-                    </a:lnB>
-                    <a:solidFill>
-                      <a:srgbClr val="FFFFFF"/>
-                    </a:solidFill>
-                  </a:tcPr>
-                </a:tc>
-              </a:tr>
-            </a:tbl>
-          </a:graphicData>
-        </a:graphic>
-      </p:graphicFrame>
-    </p:spTree>
-  </p:cSld>
-  <p:clrMapOvr>
-    <a:masterClrMapping/>
-  </p:clrMapOvr>
-  <p:timing>
-    <p:tnLst>
-      <p:par>
-        <p:cTn id="1" dur="indefinite" restart="never" nodeType="tmRoot"/>
-      </p:par>
-    </p:tnLst>
-  </p:timing>
-</p:sld>
-</file>
-
-<file path=ppt/slides/slide31.xml><?xml version="1.0" encoding="utf-8"?>
-<p:sld xmlns:a="http://schemas.openxmlformats.org/drawingml/2006/main" xmlns:r="http://schemas.openxmlformats.org/officeDocument/2006/relationships" xmlns:p="http://schemas.openxmlformats.org/presentationml/2006/main">
-  <p:cSld>
-    <p:spTree>
-      <p:nvGrpSpPr>
-        <p:cNvPr id="1" name=""/>
-        <p:cNvGrpSpPr/>
-        <p:nvPr/>
-      </p:nvGrpSpPr>
-      <p:grpSpPr>
-        <a:xfrm>
-          <a:off x="0" y="0"/>
-          <a:ext cx="0" cy="0"/>
-          <a:chOff x="0" y="0"/>
-          <a:chExt cx="0" cy="0"/>
-        </a:xfrm>
-      </p:grpSpPr>
-      <p:sp>
-        <p:nvSpPr>
-          <p:cNvPr id="2" name="Title 1"/>
-          <p:cNvSpPr>
-            <a:spLocks noGrp="1"/>
-          </p:cNvSpPr>
-          <p:nvPr>
-            <p:ph type="title"/>
-          </p:nvPr>
-        </p:nvSpPr>
-        <p:spPr>
-          <a:xfrm>
-            <a:off x="457200" y="-190500"/>
-            <a:ext cx="8229600" cy="952500"/>
-          </a:xfrm>
-        </p:spPr>
-        <p:txBody>
-          <a:bodyPr/>
-          <a:lstStyle/>
-          <a:p>
-            <a:r>
-              <a:rPr lang="en-US" smtClean="0">
-                <a:latin typeface="Times New Roman" pitchFamily="18" charset="0"/>
-                <a:cs typeface="Times New Roman" pitchFamily="18" charset="0"/>
-              </a:rPr>
-              <a:t>Thí dụ</a:t>
-            </a:r>
-            <a:endParaRPr lang="en-US">
-              <a:latin typeface="Times New Roman" pitchFamily="18" charset="0"/>
-              <a:cs typeface="Times New Roman" pitchFamily="18" charset="0"/>
-            </a:endParaRPr>
-          </a:p>
-        </p:txBody>
-      </p:sp>
-      <p:sp>
-        <p:nvSpPr>
-          <p:cNvPr id="3" name="Content Placeholder 2"/>
-          <p:cNvSpPr>
-            <a:spLocks noGrp="1"/>
-          </p:cNvSpPr>
-          <p:nvPr>
-            <p:ph idx="1"/>
-          </p:nvPr>
-        </p:nvSpPr>
-        <p:spPr/>
-        <p:txBody>
-          <a:bodyPr/>
-          <a:lstStyle/>
-          <a:p>
-            <a:endParaRPr lang="en-US">
-              <a:latin typeface="Times New Roman" pitchFamily="18" charset="0"/>
-              <a:cs typeface="Times New Roman" pitchFamily="18" charset="0"/>
-            </a:endParaRPr>
-          </a:p>
-        </p:txBody>
-      </p:sp>
-      <p:sp>
-        <p:nvSpPr>
-          <p:cNvPr id="8" name="Slide Number Placeholder 7"/>
-          <p:cNvSpPr>
-            <a:spLocks noGrp="1"/>
-          </p:cNvSpPr>
-          <p:nvPr>
-            <p:ph type="sldNum" sz="quarter" idx="12"/>
-          </p:nvPr>
-        </p:nvSpPr>
-        <p:spPr/>
-        <p:txBody>
-          <a:bodyPr/>
-          <a:lstStyle/>
-          <a:p>
-            <a:fld id="{A664601A-62C5-4813-906E-C773A9392B48}" type="slidenum">
-              <a:rPr lang="en-US" smtClean="0"/>
-              <a:pPr/>
-              <a:t>31</a:t>
-            </a:fld>
-            <a:endParaRPr lang="en-US"/>
-          </a:p>
-        </p:txBody>
-      </p:sp>
-      <p:graphicFrame>
-        <p:nvGraphicFramePr>
-          <p:cNvPr id="6" name="Table 5"/>
-          <p:cNvGraphicFramePr>
-            <a:graphicFrameLocks noGrp="1"/>
-          </p:cNvGraphicFramePr>
-          <p:nvPr/>
-        </p:nvGraphicFramePr>
-        <p:xfrm>
-          <a:off x="838200" y="571500"/>
-          <a:ext cx="7467600" cy="4980922"/>
-        </p:xfrm>
-        <a:graphic>
-          <a:graphicData uri="http://schemas.openxmlformats.org/drawingml/2006/table">
-            <a:tbl>
-              <a:tblPr/>
-              <a:tblGrid>
-                <a:gridCol w="4139648"/>
-                <a:gridCol w="3327952"/>
-              </a:tblGrid>
-              <a:tr h="463722">
-                <a:tc>
-                  <a:txBody>
-                    <a:bodyPr/>
-                    <a:lstStyle/>
-                    <a:p>
-                      <a:pPr marL="0" marR="0" algn="just">
-                        <a:lnSpc>
-                          <a:spcPct val="150000"/>
-                        </a:lnSpc>
-                        <a:spcBef>
-                          <a:spcPts val="0"/>
-                        </a:spcBef>
-                        <a:spcAft>
-                          <a:spcPts val="0"/>
-                        </a:spcAft>
-                      </a:pPr>
-                      <a:r>
-                        <a:rPr lang="en-US" sz="2000">
-                          <a:latin typeface="Times New Roman"/>
-                          <a:ea typeface="Calibri"/>
-                          <a:cs typeface="Times New Roman"/>
-                        </a:rPr>
-                        <a:t>List_proof</a:t>
-                      </a:r>
-                      <a:endParaRPr lang="en-US" sz="2000">
-                        <a:latin typeface="Times New Roman"/>
-                        <a:ea typeface="Calibri"/>
-                        <a:cs typeface="Arial"/>
-                      </a:endParaRPr>
-                    </a:p>
-                  </a:txBody>
-                  <a:tcPr marL="68580" marR="68580" marT="0" marB="0">
-                    <a:lnL w="12700" cap="flat" cmpd="sng" algn="ctr">
-                      <a:solidFill>
-                        <a:srgbClr val="000000"/>
-                      </a:solidFill>
-                      <a:prstDash val="solid"/>
-                      <a:round/>
-                      <a:headEnd type="none" w="med" len="med"/>
-                      <a:tailEnd type="none" w="med" len="med"/>
-                    </a:lnL>
-                    <a:lnR w="12700" cap="flat" cmpd="sng" algn="ctr">
-                      <a:solidFill>
-                        <a:srgbClr val="000000"/>
-                      </a:solidFill>
-                      <a:prstDash val="solid"/>
-                      <a:round/>
-                      <a:headEnd type="none" w="med" len="med"/>
-                      <a:tailEnd type="none" w="med" len="med"/>
-                    </a:lnR>
-                    <a:lnT w="12700" cap="flat" cmpd="sng" algn="ctr">
-                      <a:solidFill>
-                        <a:srgbClr val="000000"/>
-                      </a:solidFill>
-                      <a:prstDash val="solid"/>
-                      <a:round/>
-                      <a:headEnd type="none" w="med" len="med"/>
-                      <a:tailEnd type="none" w="med" len="med"/>
-                    </a:lnT>
-                    <a:lnB w="12700" cap="flat" cmpd="sng" algn="ctr">
-                      <a:solidFill>
-                        <a:srgbClr val="000000"/>
-                      </a:solidFill>
-                      <a:prstDash val="solid"/>
-                      <a:round/>
-                      <a:headEnd type="none" w="med" len="med"/>
-                      <a:tailEnd type="none" w="med" len="med"/>
-                    </a:lnB>
-                    <a:solidFill>
-                      <a:srgbClr val="FFFFFF"/>
-                    </a:solidFill>
-                  </a:tcPr>
-                </a:tc>
-                <a:tc>
-                  <a:txBody>
-                    <a:bodyPr/>
-                    <a:lstStyle/>
-                    <a:p>
-                      <a:pPr marL="0" marR="0" algn="just">
-                        <a:lnSpc>
-                          <a:spcPct val="150000"/>
-                        </a:lnSpc>
-                        <a:spcBef>
-                          <a:spcPts val="0"/>
-                        </a:spcBef>
-                        <a:spcAft>
-                          <a:spcPts val="0"/>
-                        </a:spcAft>
-                      </a:pPr>
-                      <a:r>
-                        <a:rPr lang="en-US" sz="2000">
-                          <a:latin typeface="Times New Roman"/>
-                          <a:ea typeface="Calibri"/>
-                          <a:cs typeface="Times New Roman"/>
-                        </a:rPr>
-                        <a:t>List_goal</a:t>
-                      </a:r>
-                      <a:endParaRPr lang="en-US" sz="2000">
-                        <a:latin typeface="Times New Roman"/>
-                        <a:ea typeface="Calibri"/>
-                        <a:cs typeface="Arial"/>
-                      </a:endParaRPr>
-                    </a:p>
-                  </a:txBody>
-                  <a:tcPr marL="68580" marR="68580" marT="0" marB="0">
-                    <a:lnL w="12700" cap="flat" cmpd="sng" algn="ctr">
-                      <a:solidFill>
-                        <a:srgbClr val="000000"/>
-                      </a:solidFill>
-                      <a:prstDash val="solid"/>
-                      <a:round/>
-                      <a:headEnd type="none" w="med" len="med"/>
-                      <a:tailEnd type="none" w="med" len="med"/>
-                    </a:lnL>
-                    <a:lnR w="12700" cap="flat" cmpd="sng" algn="ctr">
-                      <a:solidFill>
-                        <a:srgbClr val="000000"/>
-                      </a:solidFill>
-                      <a:prstDash val="solid"/>
-                      <a:round/>
-                      <a:headEnd type="none" w="med" len="med"/>
-                      <a:tailEnd type="none" w="med" len="med"/>
-                    </a:lnR>
-                    <a:lnT w="12700" cap="flat" cmpd="sng" algn="ctr">
-                      <a:solidFill>
-                        <a:srgbClr val="000000"/>
-                      </a:solidFill>
-                      <a:prstDash val="solid"/>
-                      <a:round/>
-                      <a:headEnd type="none" w="med" len="med"/>
-                      <a:tailEnd type="none" w="med" len="med"/>
-                    </a:lnT>
-                    <a:lnB w="12700" cap="flat" cmpd="sng" algn="ctr">
-                      <a:solidFill>
-                        <a:srgbClr val="000000"/>
-                      </a:solidFill>
-                      <a:prstDash val="solid"/>
-                      <a:round/>
-                      <a:headEnd type="none" w="med" len="med"/>
-                      <a:tailEnd type="none" w="med" len="med"/>
-                    </a:lnB>
-                    <a:solidFill>
-                      <a:srgbClr val="FFFFFF"/>
-                    </a:solidFill>
-                  </a:tcPr>
-                </a:tc>
-              </a:tr>
-              <a:tr h="526878">
-                <a:tc>
-                  <a:txBody>
-                    <a:bodyPr/>
-                    <a:lstStyle/>
-                    <a:p>
-                      <a:pPr marL="0" marR="0" algn="just">
-                        <a:lnSpc>
-                          <a:spcPct val="150000"/>
-                        </a:lnSpc>
-                        <a:spcBef>
-                          <a:spcPts val="0"/>
-                        </a:spcBef>
-                        <a:spcAft>
-                          <a:spcPts val="0"/>
-                        </a:spcAft>
-                      </a:pPr>
-                      <a:r>
-                        <a:rPr lang="en-US" sz="2000" smtClean="0"/>
-                        <a:t>∀x </a:t>
-                      </a:r>
-                      <a:r>
-                        <a:rPr lang="en-US" sz="2000" smtClean="0"/>
-                        <a:t>(brazil(x</a:t>
-                      </a:r>
-                      <a:r>
-                        <a:rPr lang="en-US" sz="2000" smtClean="0"/>
-                        <a:t>)</a:t>
-                      </a:r>
-                      <a:r>
-                        <a:rPr lang="en-US" sz="2000" smtClean="0"/>
-                        <a:t>→wc(x))</a:t>
-                      </a:r>
-                    </a:p>
-                    <a:p>
-                      <a:pPr marL="0" marR="0" algn="just">
-                        <a:lnSpc>
-                          <a:spcPct val="150000"/>
-                        </a:lnSpc>
-                        <a:spcBef>
-                          <a:spcPts val="0"/>
-                        </a:spcBef>
-                        <a:spcAft>
-                          <a:spcPts val="0"/>
-                        </a:spcAft>
-                      </a:pPr>
-                      <a:r>
-                        <a:rPr lang="en-US" sz="2000" smtClean="0"/>
-                        <a:t>∀ x(barca(x)→c1(x))</a:t>
-                      </a:r>
-                      <a:endParaRPr lang="en-US" sz="2000" smtClean="0"/>
-                    </a:p>
-                    <a:p>
-                      <a:pPr marL="0" marR="0" algn="just">
-                        <a:lnSpc>
-                          <a:spcPct val="150000"/>
-                        </a:lnSpc>
-                        <a:spcBef>
-                          <a:spcPts val="0"/>
-                        </a:spcBef>
-                        <a:spcAft>
-                          <a:spcPts val="0"/>
-                        </a:spcAft>
-                      </a:pPr>
-                      <a:r>
-                        <a:rPr lang="en-US" sz="2000" smtClean="0"/>
-                        <a:t>∃x </a:t>
-                      </a:r>
-                      <a:r>
-                        <a:rPr lang="en-US" sz="2000" smtClean="0"/>
-                        <a:t>(brazil(x</a:t>
-                      </a:r>
-                      <a:r>
-                        <a:rPr lang="en-US" sz="2000" smtClean="0"/>
-                        <a:t>) ∧ </a:t>
-                      </a:r>
-                      <a:r>
-                        <a:rPr lang="en-US" sz="2000" smtClean="0"/>
-                        <a:t>barca((</a:t>
-                      </a:r>
-                      <a:r>
-                        <a:rPr lang="en-US" sz="2000" smtClean="0"/>
-                        <a:t>x))</a:t>
-                      </a:r>
-                    </a:p>
-                    <a:p>
-                      <a:pPr marL="0" marR="0" algn="just">
-                        <a:lnSpc>
-                          <a:spcPct val="150000"/>
-                        </a:lnSpc>
-                        <a:spcBef>
-                          <a:spcPts val="0"/>
-                        </a:spcBef>
-                        <a:spcAft>
-                          <a:spcPts val="0"/>
-                        </a:spcAft>
-                      </a:pPr>
-                      <a:r>
-                        <a:rPr lang="en-US" sz="2000" smtClean="0">
-                          <a:latin typeface="Times New Roman"/>
-                          <a:ea typeface="Calibri"/>
-                          <a:cs typeface="Arial"/>
-                        </a:rPr>
-                        <a:t>brazil(Ro)</a:t>
-                      </a:r>
-                      <a:r>
-                        <a:rPr lang="en-US" sz="2000" baseline="0" smtClean="0">
-                          <a:latin typeface="Times New Roman"/>
-                          <a:ea typeface="Calibri"/>
-                          <a:cs typeface="Arial"/>
-                        </a:rPr>
-                        <a:t>∧barca(Ro)    ∃</a:t>
-                      </a:r>
-                      <a:r>
-                        <a:rPr lang="en-US" sz="2000" baseline="0" smtClean="0">
-                          <a:latin typeface="Times New Roman"/>
-                          <a:ea typeface="Calibri"/>
-                          <a:cs typeface="Arial"/>
-                        </a:rPr>
-                        <a:t>e </a:t>
-                      </a:r>
-                      <a:r>
-                        <a:rPr lang="en-US" sz="2000" baseline="0" smtClean="0">
-                          <a:latin typeface="Times New Roman"/>
-                          <a:ea typeface="Calibri"/>
-                          <a:cs typeface="Arial"/>
-                        </a:rPr>
-                        <a:t>[Ro/x</a:t>
-                      </a:r>
-                      <a:r>
-                        <a:rPr lang="en-US" sz="2000" baseline="0" smtClean="0">
-                          <a:latin typeface="Times New Roman"/>
-                          <a:ea typeface="Calibri"/>
-                          <a:cs typeface="Arial"/>
-                        </a:rPr>
-                        <a:t>]</a:t>
-                      </a:r>
-                    </a:p>
-                    <a:p>
-                      <a:pPr marL="0" marR="0" algn="just">
-                        <a:lnSpc>
-                          <a:spcPct val="150000"/>
-                        </a:lnSpc>
-                        <a:spcBef>
-                          <a:spcPts val="0"/>
-                        </a:spcBef>
-                        <a:spcAft>
-                          <a:spcPts val="0"/>
-                        </a:spcAft>
-                      </a:pPr>
-                      <a:r>
-                        <a:rPr lang="en-US" sz="2000" smtClean="0">
-                          <a:latin typeface="Times New Roman"/>
-                          <a:ea typeface="Calibri"/>
-                          <a:cs typeface="Arial"/>
-                        </a:rPr>
-                        <a:t>brazil(Ro)                        </a:t>
-                      </a:r>
-                      <a:r>
-                        <a:rPr lang="en-US" sz="2000" smtClean="0">
-                          <a:latin typeface="Times New Roman"/>
-                          <a:ea typeface="Calibri"/>
-                          <a:cs typeface="Arial"/>
-                        </a:rPr>
-                        <a:t>∧e</a:t>
-                      </a:r>
-                      <a:r>
-                        <a:rPr lang="en-US" sz="2000" baseline="0" smtClean="0">
-                          <a:latin typeface="Times New Roman"/>
-                          <a:ea typeface="Calibri"/>
-                          <a:cs typeface="Arial"/>
-                        </a:rPr>
-                        <a:t> </a:t>
-                      </a:r>
-                      <a:endParaRPr lang="en-US" sz="2000" smtClean="0">
-                        <a:latin typeface="Times New Roman"/>
-                        <a:ea typeface="Calibri"/>
-                        <a:cs typeface="Arial"/>
-                      </a:endParaRPr>
-                    </a:p>
-                    <a:p>
-                      <a:pPr marL="0" marR="0" algn="just">
-                        <a:lnSpc>
-                          <a:spcPct val="150000"/>
-                        </a:lnSpc>
-                        <a:spcBef>
-                          <a:spcPts val="0"/>
-                        </a:spcBef>
-                        <a:spcAft>
-                          <a:spcPts val="0"/>
-                        </a:spcAft>
-                      </a:pPr>
-                      <a:r>
-                        <a:rPr lang="en-US" sz="2000" smtClean="0">
-                          <a:latin typeface="Times New Roman"/>
-                          <a:ea typeface="Calibri"/>
-                          <a:cs typeface="Arial"/>
-                        </a:rPr>
-                        <a:t>barca(Ro)                       </a:t>
-                      </a:r>
-                      <a:r>
-                        <a:rPr lang="en-US" sz="2000" smtClean="0">
-                          <a:latin typeface="Times New Roman"/>
-                          <a:ea typeface="Calibri"/>
-                          <a:cs typeface="Arial"/>
-                        </a:rPr>
-                        <a:t>∧e</a:t>
-                      </a:r>
-                    </a:p>
-                    <a:p>
-                      <a:pPr marL="0" marR="0" algn="just">
-                        <a:lnSpc>
-                          <a:spcPct val="150000"/>
-                        </a:lnSpc>
-                        <a:spcBef>
-                          <a:spcPts val="0"/>
-                        </a:spcBef>
-                        <a:spcAft>
-                          <a:spcPts val="0"/>
-                        </a:spcAft>
-                      </a:pPr>
-                      <a:r>
-                        <a:rPr lang="en-US" sz="2000" smtClean="0">
-                          <a:latin typeface="Times New Roman"/>
-                          <a:ea typeface="Calibri"/>
-                          <a:cs typeface="Arial"/>
-                        </a:rPr>
-                        <a:t>barca(Ro) </a:t>
-                      </a:r>
-                      <a:r>
-                        <a:rPr lang="en-US" sz="2000" smtClean="0">
-                          <a:latin typeface="Times New Roman"/>
-                          <a:ea typeface="Calibri"/>
-                          <a:cs typeface="Arial"/>
-                        </a:rPr>
-                        <a:t>→ </a:t>
-                      </a:r>
-                      <a:r>
-                        <a:rPr lang="en-US" sz="2000" smtClean="0">
-                          <a:latin typeface="Times New Roman"/>
-                          <a:ea typeface="Calibri"/>
-                          <a:cs typeface="Arial"/>
-                        </a:rPr>
-                        <a:t>c1(Ro)</a:t>
-                      </a:r>
-                      <a:r>
-                        <a:rPr lang="en-US" sz="2000" baseline="0" smtClean="0">
-                          <a:latin typeface="Times New Roman"/>
-                          <a:ea typeface="Calibri"/>
-                          <a:cs typeface="Arial"/>
-                        </a:rPr>
-                        <a:t>    ∀</a:t>
-                      </a:r>
-                      <a:r>
-                        <a:rPr lang="en-US" sz="2000" baseline="0" smtClean="0">
-                          <a:latin typeface="Times New Roman"/>
-                          <a:ea typeface="Calibri"/>
-                          <a:cs typeface="Arial"/>
-                        </a:rPr>
-                        <a:t>e </a:t>
-                      </a:r>
-                      <a:r>
-                        <a:rPr lang="en-US" sz="2000" baseline="0" smtClean="0">
-                          <a:latin typeface="Times New Roman"/>
-                          <a:ea typeface="Calibri"/>
-                          <a:cs typeface="Arial"/>
-                        </a:rPr>
-                        <a:t>[Ro/x]</a:t>
-                      </a:r>
-                    </a:p>
-                    <a:p>
-                      <a:pPr marL="0" marR="0" algn="just">
-                        <a:lnSpc>
-                          <a:spcPct val="150000"/>
-                        </a:lnSpc>
-                        <a:spcBef>
-                          <a:spcPts val="0"/>
-                        </a:spcBef>
-                        <a:spcAft>
-                          <a:spcPts val="0"/>
-                        </a:spcAft>
-                      </a:pPr>
-                      <a:r>
-                        <a:rPr lang="en-US" sz="2000" baseline="0" smtClean="0">
-                          <a:solidFill>
-                            <a:srgbClr val="00B0F0"/>
-                          </a:solidFill>
-                          <a:latin typeface="Times New Roman"/>
-                          <a:ea typeface="Calibri"/>
-                          <a:cs typeface="Arial"/>
-                        </a:rPr>
-                        <a:t>c1(Ro)                           </a:t>
-                      </a:r>
-                      <a:r>
-                        <a:rPr lang="en-US" sz="2000" baseline="0" smtClean="0">
-                          <a:latin typeface="Times New Roman"/>
-                          <a:ea typeface="Calibri"/>
-                          <a:cs typeface="Arial"/>
-                        </a:rPr>
-                        <a:t>→e </a:t>
-                      </a:r>
-                    </a:p>
-                    <a:p>
-                      <a:pPr marL="0" marR="0" algn="just">
-                        <a:lnSpc>
-                          <a:spcPct val="150000"/>
-                        </a:lnSpc>
-                        <a:spcBef>
-                          <a:spcPts val="0"/>
-                        </a:spcBef>
-                        <a:spcAft>
-                          <a:spcPts val="0"/>
-                        </a:spcAft>
-                      </a:pPr>
-                      <a:r>
-                        <a:rPr lang="en-US" sz="2000" baseline="0" smtClean="0">
-                          <a:latin typeface="Times New Roman"/>
-                          <a:ea typeface="Calibri"/>
-                          <a:cs typeface="Arial"/>
-                        </a:rPr>
-                        <a:t>Brazil(Ro)→wc(Ro)    ∀e [Ro/x]</a:t>
-                      </a:r>
-                      <a:endParaRPr lang="en-US" sz="2000" baseline="0" smtClean="0">
-                        <a:latin typeface="Times New Roman"/>
-                        <a:ea typeface="Calibri"/>
-                        <a:cs typeface="Arial"/>
-                      </a:endParaRPr>
-                    </a:p>
-                    <a:p>
-                      <a:pPr marL="0" marR="0" algn="just">
-                        <a:lnSpc>
-                          <a:spcPct val="150000"/>
-                        </a:lnSpc>
-                        <a:spcBef>
-                          <a:spcPts val="0"/>
-                        </a:spcBef>
-                        <a:spcAft>
-                          <a:spcPts val="0"/>
-                        </a:spcAft>
-                      </a:pPr>
-                      <a:r>
-                        <a:rPr lang="en-US" sz="2000" baseline="0" smtClean="0">
-                          <a:solidFill>
-                            <a:srgbClr val="FF0000"/>
-                          </a:solidFill>
-                          <a:latin typeface="Times New Roman"/>
-                          <a:ea typeface="Calibri"/>
-                          <a:cs typeface="Arial"/>
-                        </a:rPr>
-                        <a:t>wc(Ro)                     </a:t>
-                      </a:r>
-                      <a:r>
-                        <a:rPr lang="en-US" sz="2000" baseline="0" smtClean="0">
-                          <a:latin typeface="Times New Roman"/>
-                          <a:ea typeface="Calibri"/>
-                          <a:cs typeface="Arial"/>
-                        </a:rPr>
-                        <a:t>→e </a:t>
-                      </a:r>
-                      <a:endParaRPr lang="en-US" sz="2000">
-                        <a:latin typeface="Times New Roman"/>
-                        <a:ea typeface="Calibri"/>
-                        <a:cs typeface="Arial"/>
-                      </a:endParaRPr>
-                    </a:p>
-                  </a:txBody>
-                  <a:tcPr marL="68580" marR="68580" marT="0" marB="0">
-                    <a:lnL w="12700" cap="flat" cmpd="sng" algn="ctr">
-                      <a:solidFill>
-                        <a:srgbClr val="000000"/>
-                      </a:solidFill>
-                      <a:prstDash val="solid"/>
-                      <a:round/>
-                      <a:headEnd type="none" w="med" len="med"/>
-                      <a:tailEnd type="none" w="med" len="med"/>
-                    </a:lnL>
-                    <a:lnR w="12700" cap="flat" cmpd="sng" algn="ctr">
-                      <a:solidFill>
-                        <a:srgbClr val="000000"/>
-                      </a:solidFill>
-                      <a:prstDash val="solid"/>
-                      <a:round/>
-                      <a:headEnd type="none" w="med" len="med"/>
-                      <a:tailEnd type="none" w="med" len="med"/>
-                    </a:lnR>
-                    <a:lnT w="12700" cap="flat" cmpd="sng" algn="ctr">
-                      <a:solidFill>
-                        <a:srgbClr val="000000"/>
-                      </a:solidFill>
-                      <a:prstDash val="solid"/>
-                      <a:round/>
-                      <a:headEnd type="none" w="med" len="med"/>
-                      <a:tailEnd type="none" w="med" len="med"/>
-                    </a:lnT>
-                    <a:lnB w="12700" cap="flat" cmpd="sng" algn="ctr">
-                      <a:solidFill>
-                        <a:srgbClr val="000000"/>
-                      </a:solidFill>
-                      <a:prstDash val="solid"/>
-                      <a:round/>
-                      <a:headEnd type="none" w="med" len="med"/>
-                      <a:tailEnd type="none" w="med" len="med"/>
-                    </a:lnB>
-                    <a:solidFill>
-                      <a:srgbClr val="FFFFFF"/>
-                    </a:solidFill>
-                  </a:tcPr>
-                </a:tc>
-                <a:tc>
-                  <a:txBody>
-                    <a:bodyPr/>
-                    <a:lstStyle/>
-                    <a:p>
-                      <a:pPr marL="0" marR="0" algn="just">
-                        <a:lnSpc>
-                          <a:spcPct val="150000"/>
-                        </a:lnSpc>
-                        <a:spcBef>
-                          <a:spcPts val="0"/>
-                        </a:spcBef>
-                        <a:spcAft>
-                          <a:spcPts val="0"/>
-                        </a:spcAft>
-                      </a:pPr>
-                      <a:r>
-                        <a:rPr lang="en-US" sz="2000" smtClean="0"/>
-                        <a:t>∃x </a:t>
-                      </a:r>
-                      <a:r>
-                        <a:rPr lang="en-US" sz="2000" smtClean="0"/>
-                        <a:t>(wc(x</a:t>
-                      </a:r>
-                      <a:r>
-                        <a:rPr lang="en-US" sz="2000" smtClean="0"/>
-                        <a:t>) ∧ </a:t>
-                      </a:r>
-                      <a:r>
-                        <a:rPr lang="en-US" sz="2000" smtClean="0"/>
-                        <a:t>c1(x)) [1]</a:t>
+                        <a:t>∃x (wc(x) ∧ c1(x)) [1]</a:t>
                       </a:r>
                       <a:endParaRPr lang="en-US" sz="2000" smtClean="0">
                         <a:latin typeface="Times New Roman"/>
@@ -41028,7 +39750,7 @@
 </p:sld>
 </file>
 
-<file path=ppt/slides/slide32.xml><?xml version="1.0" encoding="utf-8"?>
+<file path=ppt/slides/slide31.xml><?xml version="1.0" encoding="utf-8"?>
 <p:sld xmlns:a="http://schemas.openxmlformats.org/drawingml/2006/main" xmlns:r="http://schemas.openxmlformats.org/officeDocument/2006/relationships" xmlns:p="http://schemas.openxmlformats.org/presentationml/2006/main">
   <p:cSld>
     <p:spTree>
@@ -41112,7 +39834,7 @@
             <a:fld id="{A664601A-62C5-4813-906E-C773A9392B48}" type="slidenum">
               <a:rPr lang="en-US" smtClean="0"/>
               <a:pPr/>
-              <a:t>32</a:t>
+              <a:t>31</a:t>
             </a:fld>
             <a:endParaRPr lang="en-US"/>
           </a:p>
@@ -41128,7 +39850,7 @@
         </p:nvGraphicFramePr>
         <p:xfrm>
           <a:off x="838200" y="114300"/>
-          <a:ext cx="7467600" cy="5437804"/>
+          <a:ext cx="7467600" cy="5492922"/>
         </p:xfrm>
         <a:graphic>
           <a:graphicData uri="http://schemas.openxmlformats.org/drawingml/2006/table">
@@ -41305,19 +40027,7 @@
                       </a:pPr>
                       <a:r>
                         <a:rPr lang="en-US" sz="2000" smtClean="0"/>
-                        <a:t>∀x </a:t>
-                      </a:r>
-                      <a:r>
-                        <a:rPr lang="en-US" sz="2000" smtClean="0"/>
-                        <a:t>(brazil(x</a:t>
-                      </a:r>
-                      <a:r>
-                        <a:rPr lang="en-US" sz="2000" smtClean="0"/>
-                        <a:t>)</a:t>
-                      </a:r>
-                      <a:r>
-                        <a:rPr lang="en-US" sz="2000" smtClean="0"/>
-                        <a:t>→wc(x))</a:t>
+                        <a:t>∀x (brazil(x)→wc(x))</a:t>
                       </a:r>
                     </a:p>
                     <a:p>
@@ -41336,7 +40046,6 @@
                         <a:rPr lang="en-US" sz="2000" smtClean="0"/>
                         <a:t>∀ x(barca(x)→c1(x))</a:t>
                       </a:r>
-                      <a:endParaRPr lang="en-US" sz="2000" smtClean="0"/>
                     </a:p>
                     <a:p>
                       <a:pPr marL="0" marR="0" algn="just">
@@ -41352,23 +40061,7 @@
                       </a:pPr>
                       <a:r>
                         <a:rPr lang="en-US" sz="2000" smtClean="0"/>
-                        <a:t>∃x </a:t>
-                      </a:r>
-                      <a:r>
-                        <a:rPr lang="en-US" sz="2000" smtClean="0"/>
-                        <a:t>(brazil(x</a:t>
-                      </a:r>
-                      <a:r>
-                        <a:rPr lang="en-US" sz="2000" smtClean="0"/>
-                        <a:t>) ∧ </a:t>
-                      </a:r>
-                      <a:r>
-                        <a:rPr lang="en-US" sz="2000" smtClean="0"/>
-                        <a:t>barca((</a:t>
-                      </a:r>
-                      <a:r>
-                        <a:rPr lang="en-US" sz="2000" smtClean="0"/>
-                        <a:t>x))</a:t>
+                        <a:t>∃x (brazil(x) ∧ barca((x))</a:t>
                       </a:r>
                     </a:p>
                     <a:p>
@@ -41397,31 +40090,7 @@
                           <a:ea typeface="Calibri"/>
                           <a:cs typeface="Arial"/>
                         </a:rPr>
-                        <a:t>∧barca(Ro)    ∃</a:t>
-                      </a:r>
-                      <a:r>
-                        <a:rPr lang="en-US" sz="2000" baseline="0" smtClean="0">
-                          <a:latin typeface="Times New Roman"/>
-                          <a:ea typeface="Calibri"/>
-                          <a:cs typeface="Arial"/>
-                        </a:rPr>
-                        <a:t>e </a:t>
-                      </a:r>
-                      <a:r>
-                        <a:rPr lang="en-US" sz="2000" baseline="0" smtClean="0">
-                          <a:latin typeface="Times New Roman"/>
-                          <a:ea typeface="Calibri"/>
-                          <a:cs typeface="Arial"/>
-                        </a:rPr>
-                        <a:t>[Ro/x</a:t>
-                      </a:r>
-                      <a:r>
-                        <a:rPr lang="en-US" sz="2000" baseline="0" smtClean="0">
-                          <a:latin typeface="Times New Roman"/>
-                          <a:ea typeface="Calibri"/>
-                          <a:cs typeface="Arial"/>
-                        </a:rPr>
-                        <a:t>]</a:t>
+                        <a:t>∧barca(Ro)    ∃e [Ro/x]</a:t>
                       </a:r>
                     </a:p>
                     <a:p>
@@ -41442,15 +40111,7 @@
                           <a:ea typeface="Calibri"/>
                           <a:cs typeface="Arial"/>
                         </a:rPr>
-                        <a:t>brazil(Ro)                        </a:t>
-                      </a:r>
-                      <a:r>
-                        <a:rPr lang="en-US" sz="2000" smtClean="0">
-                          <a:latin typeface="Times New Roman"/>
-                          <a:ea typeface="Calibri"/>
-                          <a:cs typeface="Arial"/>
-                        </a:rPr>
-                        <a:t>∧e</a:t>
+                        <a:t>brazil(Ro)                        ∧e</a:t>
                       </a:r>
                       <a:r>
                         <a:rPr lang="en-US" sz="2000" baseline="0" smtClean="0">
@@ -41484,15 +40145,7 @@
                           <a:ea typeface="Calibri"/>
                           <a:cs typeface="Arial"/>
                         </a:rPr>
-                        <a:t>barca(Ro)                       </a:t>
-                      </a:r>
-                      <a:r>
-                        <a:rPr lang="en-US" sz="2000" smtClean="0">
-                          <a:latin typeface="Times New Roman"/>
-                          <a:ea typeface="Calibri"/>
-                          <a:cs typeface="Arial"/>
-                        </a:rPr>
-                        <a:t>∧e</a:t>
+                        <a:t>barca(Ro)                       ∧e</a:t>
                       </a:r>
                     </a:p>
                     <a:p>
@@ -41513,23 +40166,7 @@
                           <a:ea typeface="Calibri"/>
                           <a:cs typeface="Arial"/>
                         </a:rPr>
-                        <a:t>barca(Ro) </a:t>
-                      </a:r>
-                      <a:r>
-                        <a:rPr lang="en-US" sz="2000" smtClean="0">
-                          <a:latin typeface="Times New Roman"/>
-                          <a:ea typeface="Calibri"/>
-                          <a:cs typeface="Arial"/>
-                        </a:rPr>
-                        <a:t>→ </a:t>
-                      </a:r>
-                      <a:r>
-                        <a:rPr lang="en-US" sz="2000" smtClean="0">
-                          <a:latin typeface="Times New Roman"/>
-                          <a:ea typeface="Calibri"/>
-                          <a:cs typeface="Arial"/>
-                        </a:rPr>
-                        <a:t>c1(Ro)</a:t>
+                        <a:t>barca(Ro) → c1(Ro)</a:t>
                       </a:r>
                       <a:r>
                         <a:rPr lang="en-US" sz="2000" baseline="0" smtClean="0">
@@ -41537,23 +40174,7 @@
                           <a:ea typeface="Calibri"/>
                           <a:cs typeface="Arial"/>
                         </a:rPr>
-                        <a:t>    ∀</a:t>
-                      </a:r>
-                      <a:r>
-                        <a:rPr lang="en-US" sz="2000" baseline="0" smtClean="0">
-                          <a:latin typeface="Times New Roman"/>
-                          <a:ea typeface="Calibri"/>
-                          <a:cs typeface="Arial"/>
-                        </a:rPr>
-                        <a:t>e </a:t>
-                      </a:r>
-                      <a:r>
-                        <a:rPr lang="en-US" sz="2000" baseline="0" smtClean="0">
-                          <a:latin typeface="Times New Roman"/>
-                          <a:ea typeface="Calibri"/>
-                          <a:cs typeface="Arial"/>
-                        </a:rPr>
-                        <a:t>[Ro/x]</a:t>
+                        <a:t>    ∀e [Ro/x]</a:t>
                       </a:r>
                     </a:p>
                     <a:p>
@@ -41608,11 +40229,6 @@
                         </a:rPr>
                         <a:t>Brazil(Ro)→wc(Ro)    ∀e [Ro/x]</a:t>
                       </a:r>
-                      <a:endParaRPr lang="en-US" sz="2000" baseline="0" smtClean="0">
-                        <a:latin typeface="Times New Roman"/>
-                        <a:ea typeface="Calibri"/>
-                        <a:cs typeface="Arial"/>
-                      </a:endParaRPr>
                     </a:p>
                     <a:p>
                       <a:pPr marL="0" marR="0" algn="just">
@@ -41645,11 +40261,6 @@
                         </a:rPr>
                         <a:t>→e </a:t>
                       </a:r>
-                      <a:endParaRPr lang="en-US" sz="2000" baseline="0" smtClean="0">
-                        <a:latin typeface="Times New Roman"/>
-                        <a:ea typeface="Calibri"/>
-                        <a:cs typeface="Arial"/>
-                      </a:endParaRPr>
                     </a:p>
                     <a:p>
                       <a:pPr marL="0" marR="0" indent="0" algn="just" defTabSz="914400" rtl="0" eaLnBrk="1" fontAlgn="auto" latinLnBrk="0" hangingPunct="1">
@@ -41745,19 +40356,7 @@
                       </a:pPr>
                       <a:r>
                         <a:rPr lang="en-US" sz="2000" smtClean="0"/>
-                        <a:t>∃x </a:t>
-                      </a:r>
-                      <a:r>
-                        <a:rPr lang="en-US" sz="2000" smtClean="0"/>
-                        <a:t>(wc(x</a:t>
-                      </a:r>
-                      <a:r>
-                        <a:rPr lang="en-US" sz="2000" smtClean="0"/>
-                        <a:t>) ∧ </a:t>
-                      </a:r>
-                      <a:r>
-                        <a:rPr lang="en-US" sz="2000" smtClean="0"/>
-                        <a:t>c1(x)) [1]</a:t>
+                        <a:t>∃x (wc(x) ∧ c1(x)) [1]</a:t>
                       </a:r>
                       <a:endParaRPr lang="en-US" sz="2000" smtClean="0">
                         <a:latin typeface="Times New Roman"/>
@@ -41841,7 +40440,7 @@
 </p:sld>
 </file>
 
-<file path=ppt/slides/slide33.xml><?xml version="1.0" encoding="utf-8"?>
+<file path=ppt/slides/slide32.xml><?xml version="1.0" encoding="utf-8"?>
 <p:sld xmlns:a="http://schemas.openxmlformats.org/drawingml/2006/main" xmlns:r="http://schemas.openxmlformats.org/officeDocument/2006/relationships" xmlns:p="http://schemas.openxmlformats.org/presentationml/2006/main">
   <p:cSld>
     <p:spTree>
@@ -41897,13 +40496,18 @@
             <p:ph idx="1"/>
           </p:nvPr>
         </p:nvSpPr>
-        <p:spPr/>
+        <p:spPr>
+          <a:xfrm>
+            <a:off x="457200" y="1028700"/>
+            <a:ext cx="8229600" cy="3771636"/>
+          </a:xfrm>
+        </p:spPr>
         <p:txBody>
           <a:bodyPr/>
           <a:lstStyle/>
           <a:p>
             <a:r>
-              <a:rPr lang="en-US" smtClean="0">
+              <a:rPr lang="en-US" sz="2400" smtClean="0">
                 <a:latin typeface="Times New Roman" pitchFamily="18" charset="0"/>
                 <a:cs typeface="Times New Roman" pitchFamily="18" charset="0"/>
               </a:rPr>
@@ -41913,18 +40517,20 @@
           <a:p>
             <a:pPr lvl="1"/>
             <a:r>
-              <a:rPr lang="en-US" smtClean="0">
+              <a:rPr lang="en-US" sz="2000" smtClean="0">
                 <a:latin typeface="Times New Roman" pitchFamily="18" charset="0"/>
                 <a:cs typeface="Times New Roman" pitchFamily="18" charset="0"/>
               </a:rPr>
-              <a:t>Hiệu quả hơn OOP</a:t>
+              <a:t>Hiệu quả hơn </a:t>
             </a:r>
-          </a:p>
-          <a:p>
-            <a:pPr lvl="1">
-              <a:buNone/>
-            </a:pPr>
-            <a:endParaRPr lang="en-US" smtClean="0">
+            <a:r>
+              <a:rPr lang="en-US" sz="2000" smtClean="0">
+                <a:latin typeface="Times New Roman" pitchFamily="18" charset="0"/>
+                <a:cs typeface="Times New Roman" pitchFamily="18" charset="0"/>
+              </a:rPr>
+              <a:t>OOP</a:t>
+            </a:r>
+            <a:endParaRPr lang="en-US" sz="2000" smtClean="0">
               <a:latin typeface="Times New Roman" pitchFamily="18" charset="0"/>
               <a:cs typeface="Times New Roman" pitchFamily="18" charset="0"/>
             </a:endParaRPr>
@@ -41940,7 +40546,7 @@
           <p:nvPr/>
         </p:nvGraphicFramePr>
         <p:xfrm>
-          <a:off x="533400" y="2476500"/>
+          <a:off x="533400" y="1790700"/>
           <a:ext cx="1905000" cy="2533650"/>
         </p:xfrm>
         <a:graphic>
@@ -41951,8 +40557,7 @@
               </a:tblPr>
               <a:tblGrid>
                 <a:gridCol w="635233"/>
-                <a:gridCol w="549292"/>
-                <a:gridCol w="85592"/>
+                <a:gridCol w="634884"/>
                 <a:gridCol w="634883"/>
               </a:tblGrid>
               <a:tr h="220993">
@@ -42093,7 +40698,7 @@
                     </a:solidFill>
                   </a:tcPr>
                 </a:tc>
-                <a:tc gridSpan="2">
+                <a:tc>
                   <a:txBody>
                     <a:bodyPr/>
                     <a:lstStyle/>
@@ -42162,16 +40767,6 @@
                       <a:srgbClr val="FF0000"/>
                     </a:solidFill>
                   </a:tcPr>
-                </a:tc>
-                <a:tc hMerge="1">
-                  <a:txBody>
-                    <a:bodyPr/>
-                    <a:lstStyle/>
-                    <a:p>
-                      <a:endParaRPr lang="en-US"/>
-                    </a:p>
-                  </a:txBody>
-                  <a:tcPr/>
                 </a:tc>
               </a:tr>
               <a:tr h="220979">
@@ -42312,7 +40907,7 @@
                     </a:solidFill>
                   </a:tcPr>
                 </a:tc>
-                <a:tc gridSpan="2">
+                <a:tc>
                   <a:txBody>
                     <a:bodyPr/>
                     <a:lstStyle/>
@@ -42394,16 +40989,6 @@
                     </a:solidFill>
                   </a:tcPr>
                 </a:tc>
-                <a:tc hMerge="1">
-                  <a:txBody>
-                    <a:bodyPr/>
-                    <a:lstStyle/>
-                    <a:p>
-                      <a:endParaRPr lang="en-US"/>
-                    </a:p>
-                  </a:txBody>
-                  <a:tcPr/>
-                </a:tc>
               </a:tr>
               <a:tr h="220979">
                 <a:tc>
@@ -42473,7 +41058,7 @@
                     </a:solidFill>
                   </a:tcPr>
                 </a:tc>
-                <a:tc gridSpan="3">
+                <a:tc gridSpan="2">
                   <a:txBody>
                     <a:bodyPr/>
                     <a:lstStyle/>
@@ -42487,85 +41072,6 @@
                         <a:t>f/2</a:t>
                       </a:r>
                       <a:endParaRPr lang="en-US" sz="1600" b="0">
-                        <a:solidFill>
-                          <a:schemeClr val="tx1"/>
-                        </a:solidFill>
-                      </a:endParaRPr>
-                    </a:p>
-                  </a:txBody>
-                  <a:tcPr marL="0" marR="0" marT="0" marB="0" anchor="ctr" anchorCtr="1">
-                    <a:lnL w="12700" cap="flat" cmpd="sng" algn="ctr">
-                      <a:solidFill>
-                        <a:schemeClr val="tx1"/>
-                      </a:solidFill>
-                      <a:prstDash val="solid"/>
-                      <a:round/>
-                      <a:headEnd type="none" w="med" len="med"/>
-                      <a:tailEnd type="none" w="med" len="med"/>
-                    </a:lnL>
-                    <a:lnR w="12700" cap="flat" cmpd="sng" algn="ctr">
-                      <a:solidFill>
-                        <a:schemeClr val="tx1"/>
-                      </a:solidFill>
-                      <a:prstDash val="solid"/>
-                      <a:round/>
-                      <a:headEnd type="none" w="med" len="med"/>
-                      <a:tailEnd type="none" w="med" len="med"/>
-                    </a:lnR>
-                    <a:lnT w="12700" cap="flat" cmpd="sng" algn="ctr">
-                      <a:solidFill>
-                        <a:schemeClr val="tx1"/>
-                      </a:solidFill>
-                      <a:prstDash val="solid"/>
-                      <a:round/>
-                      <a:headEnd type="none" w="med" len="med"/>
-                      <a:tailEnd type="none" w="med" len="med"/>
-                    </a:lnT>
-                    <a:lnB w="12700" cap="flat" cmpd="sng" algn="ctr">
-                      <a:solidFill>
-                        <a:schemeClr val="tx1"/>
-                      </a:solidFill>
-                      <a:prstDash val="solid"/>
-                      <a:round/>
-                      <a:headEnd type="none" w="med" len="med"/>
-                      <a:tailEnd type="none" w="med" len="med"/>
-                    </a:lnB>
-                    <a:lnTlToBr w="12700" cmpd="sng">
-                      <a:noFill/>
-                      <a:prstDash val="solid"/>
-                    </a:lnTlToBr>
-                    <a:lnBlToTr w="12700" cmpd="sng">
-                      <a:noFill/>
-                      <a:prstDash val="solid"/>
-                    </a:lnBlToTr>
-                    <a:solidFill>
-                      <a:schemeClr val="bg1"/>
-                    </a:solidFill>
-                  </a:tcPr>
-                </a:tc>
-                <a:tc hMerge="1">
-                  <a:txBody>
-                    <a:bodyPr/>
-                    <a:lstStyle/>
-                    <a:p>
-                      <a:pPr marL="0" marR="0" indent="0" algn="l" defTabSz="914400" rtl="0" eaLnBrk="1" fontAlgn="auto" latinLnBrk="0" hangingPunct="1">
-                        <a:lnSpc>
-                          <a:spcPct val="100000"/>
-                        </a:lnSpc>
-                        <a:spcBef>
-                          <a:spcPts val="0"/>
-                        </a:spcBef>
-                        <a:spcAft>
-                          <a:spcPts val="0"/>
-                        </a:spcAft>
-                        <a:buClrTx/>
-                        <a:buSzTx/>
-                        <a:buFontTx/>
-                        <a:buNone/>
-                        <a:tabLst/>
-                        <a:defRPr/>
-                      </a:pPr>
-                      <a:endParaRPr lang="en-US" sz="1200" b="0">
                         <a:solidFill>
                           <a:schemeClr val="tx1"/>
                         </a:solidFill>
@@ -42771,7 +41277,7 @@
                     </a:solidFill>
                   </a:tcPr>
                 </a:tc>
-                <a:tc gridSpan="2">
+                <a:tc>
                   <a:txBody>
                     <a:bodyPr/>
                     <a:lstStyle/>
@@ -42858,16 +41364,6 @@
                     </a:solidFill>
                   </a:tcPr>
                 </a:tc>
-                <a:tc hMerge="1">
-                  <a:txBody>
-                    <a:bodyPr/>
-                    <a:lstStyle/>
-                    <a:p>
-                      <a:endParaRPr lang="en-US"/>
-                    </a:p>
-                  </a:txBody>
-                  <a:tcPr/>
-                </a:tc>
               </a:tr>
               <a:tr h="220979">
                 <a:tc>
@@ -43013,7 +41509,7 @@
                     </a:solidFill>
                   </a:tcPr>
                 </a:tc>
-                <a:tc gridSpan="2">
+                <a:tc>
                   <a:txBody>
                     <a:bodyPr/>
                     <a:lstStyle/>
@@ -43100,16 +41596,6 @@
                     </a:solidFill>
                   </a:tcPr>
                 </a:tc>
-                <a:tc hMerge="1">
-                  <a:txBody>
-                    <a:bodyPr/>
-                    <a:lstStyle/>
-                    <a:p>
-                      <a:endParaRPr lang="en-US"/>
-                    </a:p>
-                  </a:txBody>
-                  <a:tcPr/>
-                </a:tc>
               </a:tr>
               <a:tr h="220979">
                 <a:tc>
@@ -43255,7 +41741,7 @@
                     </a:solidFill>
                   </a:tcPr>
                 </a:tc>
-                <a:tc gridSpan="2">
+                <a:tc>
                   <a:txBody>
                     <a:bodyPr/>
                     <a:lstStyle/>
@@ -43342,16 +41828,6 @@
                     </a:solidFill>
                   </a:tcPr>
                 </a:tc>
-                <a:tc hMerge="1">
-                  <a:txBody>
-                    <a:bodyPr/>
-                    <a:lstStyle/>
-                    <a:p>
-                      <a:endParaRPr lang="en-US"/>
-                    </a:p>
-                  </a:txBody>
-                  <a:tcPr/>
-                </a:tc>
               </a:tr>
               <a:tr h="220979">
                 <a:tc>
@@ -43497,7 +41973,7 @@
                     </a:solidFill>
                   </a:tcPr>
                 </a:tc>
-                <a:tc gridSpan="2">
+                <a:tc>
                   <a:txBody>
                     <a:bodyPr/>
                     <a:lstStyle/>
@@ -43584,16 +42060,6 @@
                     </a:solidFill>
                   </a:tcPr>
                 </a:tc>
-                <a:tc hMerge="1">
-                  <a:txBody>
-                    <a:bodyPr/>
-                    <a:lstStyle/>
-                    <a:p>
-                      <a:endParaRPr lang="en-US"/>
-                    </a:p>
-                  </a:txBody>
-                  <a:tcPr/>
-                </a:tc>
               </a:tr>
               <a:tr h="220979">
                 <a:tc>
@@ -43669,7 +42135,7 @@
                     </a:solidFill>
                   </a:tcPr>
                 </a:tc>
-                <a:tc gridSpan="3">
+                <a:tc gridSpan="2">
                   <a:txBody>
                     <a:bodyPr/>
                     <a:lstStyle/>
@@ -43682,85 +42148,6 @@
                         </a:rPr>
                         <a:t>¬ /1</a:t>
                       </a:r>
-                      <a:endParaRPr lang="en-US" sz="1600" b="0">
-                        <a:solidFill>
-                          <a:schemeClr val="tx1"/>
-                        </a:solidFill>
-                      </a:endParaRPr>
-                    </a:p>
-                  </a:txBody>
-                  <a:tcPr marL="0" marR="0" marT="0" marB="0" anchor="ctr" anchorCtr="1">
-                    <a:lnL w="12700" cap="flat" cmpd="sng" algn="ctr">
-                      <a:solidFill>
-                        <a:schemeClr val="tx1"/>
-                      </a:solidFill>
-                      <a:prstDash val="solid"/>
-                      <a:round/>
-                      <a:headEnd type="none" w="med" len="med"/>
-                      <a:tailEnd type="none" w="med" len="med"/>
-                    </a:lnL>
-                    <a:lnR w="12700" cap="flat" cmpd="sng" algn="ctr">
-                      <a:solidFill>
-                        <a:schemeClr val="tx1"/>
-                      </a:solidFill>
-                      <a:prstDash val="solid"/>
-                      <a:round/>
-                      <a:headEnd type="none" w="med" len="med"/>
-                      <a:tailEnd type="none" w="med" len="med"/>
-                    </a:lnR>
-                    <a:lnT w="12700" cap="flat" cmpd="sng" algn="ctr">
-                      <a:solidFill>
-                        <a:schemeClr val="tx1"/>
-                      </a:solidFill>
-                      <a:prstDash val="solid"/>
-                      <a:round/>
-                      <a:headEnd type="none" w="med" len="med"/>
-                      <a:tailEnd type="none" w="med" len="med"/>
-                    </a:lnT>
-                    <a:lnB w="12700" cap="flat" cmpd="sng" algn="ctr">
-                      <a:solidFill>
-                        <a:schemeClr val="tx1"/>
-                      </a:solidFill>
-                      <a:prstDash val="solid"/>
-                      <a:round/>
-                      <a:headEnd type="none" w="med" len="med"/>
-                      <a:tailEnd type="none" w="med" len="med"/>
-                    </a:lnB>
-                    <a:lnTlToBr w="12700" cmpd="sng">
-                      <a:noFill/>
-                      <a:prstDash val="solid"/>
-                    </a:lnTlToBr>
-                    <a:lnBlToTr w="12700" cmpd="sng">
-                      <a:noFill/>
-                      <a:prstDash val="solid"/>
-                    </a:lnBlToTr>
-                    <a:solidFill>
-                      <a:schemeClr val="bg1"/>
-                    </a:solidFill>
-                  </a:tcPr>
-                </a:tc>
-                <a:tc hMerge="1">
-                  <a:txBody>
-                    <a:bodyPr/>
-                    <a:lstStyle/>
-                    <a:p>
-                      <a:pPr marL="0" marR="0" indent="0" algn="l" defTabSz="914400" rtl="0" eaLnBrk="1" fontAlgn="auto" latinLnBrk="0" hangingPunct="1">
-                        <a:lnSpc>
-                          <a:spcPct val="100000"/>
-                        </a:lnSpc>
-                        <a:spcBef>
-                          <a:spcPts val="0"/>
-                        </a:spcBef>
-                        <a:spcAft>
-                          <a:spcPts val="0"/>
-                        </a:spcAft>
-                        <a:buClrTx/>
-                        <a:buSzTx/>
-                        <a:buFontTx/>
-                        <a:buNone/>
-                        <a:tabLst/>
-                        <a:defRPr/>
-                      </a:pPr>
                       <a:endParaRPr lang="en-US" sz="1600" b="0">
                         <a:solidFill>
                           <a:schemeClr val="tx1"/>
@@ -43903,7 +42290,7 @@
                     </a:solidFill>
                   </a:tcPr>
                 </a:tc>
-                <a:tc gridSpan="2">
+                <a:tc>
                   <a:txBody>
                     <a:bodyPr/>
                     <a:lstStyle/>
@@ -43972,16 +42359,6 @@
                       <a:schemeClr val="bg1"/>
                     </a:solidFill>
                   </a:tcPr>
-                </a:tc>
-                <a:tc hMerge="1">
-                  <a:txBody>
-                    <a:bodyPr/>
-                    <a:lstStyle/>
-                    <a:p>
-                      <a:endParaRPr lang="en-US"/>
-                    </a:p>
-                  </a:txBody>
-                  <a:tcPr/>
                 </a:tc>
                 <a:tc>
                   <a:txBody>
@@ -44120,7 +42497,7 @@
                     </a:solidFill>
                   </a:tcPr>
                 </a:tc>
-                <a:tc gridSpan="2">
+                <a:tc>
                   <a:txBody>
                     <a:bodyPr/>
                     <a:lstStyle/>
@@ -44189,16 +42566,6 @@
                       <a:schemeClr val="bg1"/>
                     </a:solidFill>
                   </a:tcPr>
-                </a:tc>
-                <a:tc hMerge="1">
-                  <a:txBody>
-                    <a:bodyPr/>
-                    <a:lstStyle/>
-                    <a:p>
-                      <a:endParaRPr lang="en-US"/>
-                    </a:p>
-                  </a:txBody>
-                  <a:tcPr/>
                 </a:tc>
                 <a:tc>
                   <a:txBody>
@@ -44909,8 +43276,8 @@
           <p:nvPr/>
         </p:nvGraphicFramePr>
         <p:xfrm>
-          <a:off x="7239000" y="2171700"/>
-          <a:ext cx="838200" cy="731520"/>
+          <a:off x="6858000" y="2171700"/>
+          <a:ext cx="1905000" cy="731520"/>
         </p:xfrm>
         <a:graphic>
           <a:graphicData uri="http://schemas.openxmlformats.org/drawingml/2006/table">
@@ -44919,10 +43286,11 @@
                 <a:tableStyleId>{5C22544A-7EE6-4342-B048-85BDC9FD1C3A}</a:tableStyleId>
               </a:tblPr>
               <a:tblGrid>
-                <a:gridCol w="304800"/>
+                <a:gridCol w="508000"/>
+                <a:gridCol w="863600"/>
                 <a:gridCol w="533400"/>
               </a:tblGrid>
-              <a:tr h="321733">
+              <a:tr h="342900">
                 <a:tc>
                   <a:txBody>
                     <a:bodyPr/>
@@ -44935,6 +43303,68 @@
                           </a:solidFill>
                         </a:rPr>
                         <a:t>0</a:t>
+                      </a:r>
+                      <a:endParaRPr lang="en-US" b="0">
+                        <a:solidFill>
+                          <a:schemeClr val="tx1"/>
+                        </a:solidFill>
+                      </a:endParaRPr>
+                    </a:p>
+                  </a:txBody>
+                  <a:tcPr>
+                    <a:lnL w="12700" cap="flat" cmpd="sng" algn="ctr">
+                      <a:solidFill>
+                        <a:schemeClr val="tx1"/>
+                      </a:solidFill>
+                      <a:prstDash val="solid"/>
+                      <a:round/>
+                      <a:headEnd type="none" w="med" len="med"/>
+                      <a:tailEnd type="none" w="med" len="med"/>
+                    </a:lnL>
+                    <a:lnR w="12700" cap="flat" cmpd="sng" algn="ctr">
+                      <a:solidFill>
+                        <a:schemeClr val="tx1"/>
+                      </a:solidFill>
+                      <a:prstDash val="solid"/>
+                      <a:round/>
+                      <a:headEnd type="none" w="med" len="med"/>
+                      <a:tailEnd type="none" w="med" len="med"/>
+                    </a:lnR>
+                    <a:lnT w="12700" cap="flat" cmpd="sng" algn="ctr">
+                      <a:solidFill>
+                        <a:schemeClr val="tx1"/>
+                      </a:solidFill>
+                      <a:prstDash val="solid"/>
+                      <a:round/>
+                      <a:headEnd type="none" w="med" len="med"/>
+                      <a:tailEnd type="none" w="med" len="med"/>
+                    </a:lnT>
+                    <a:lnB w="12700" cap="flat" cmpd="sng" algn="ctr">
+                      <a:solidFill>
+                        <a:schemeClr val="tx1"/>
+                      </a:solidFill>
+                      <a:prstDash val="solid"/>
+                      <a:round/>
+                      <a:headEnd type="none" w="med" len="med"/>
+                      <a:tailEnd type="none" w="med" len="med"/>
+                    </a:lnB>
+                    <a:solidFill>
+                      <a:schemeClr val="bg1"/>
+                    </a:solidFill>
+                  </a:tcPr>
+                </a:tc>
+                <a:tc>
+                  <a:txBody>
+                    <a:bodyPr/>
+                    <a:lstStyle/>
+                    <a:p>
+                      <a:r>
+                        <a:rPr lang="en-US" b="0" smtClean="0">
+                          <a:solidFill>
+                            <a:schemeClr val="tx1"/>
+                          </a:solidFill>
+                        </a:rPr>
+                        <a:t>VAR</a:t>
                       </a:r>
                       <a:endParaRPr lang="en-US" b="0">
                         <a:solidFill>
@@ -45048,7 +43478,7 @@
                   </a:tcPr>
                 </a:tc>
               </a:tr>
-              <a:tr h="321733">
+              <a:tr h="342900">
                 <a:tc>
                   <a:txBody>
                     <a:bodyPr/>
@@ -45061,6 +43491,68 @@
                           </a:solidFill>
                         </a:rPr>
                         <a:t>1</a:t>
+                      </a:r>
+                      <a:endParaRPr lang="en-US" b="0">
+                        <a:solidFill>
+                          <a:schemeClr val="tx1"/>
+                        </a:solidFill>
+                      </a:endParaRPr>
+                    </a:p>
+                  </a:txBody>
+                  <a:tcPr>
+                    <a:lnL w="12700" cap="flat" cmpd="sng" algn="ctr">
+                      <a:solidFill>
+                        <a:schemeClr val="tx1"/>
+                      </a:solidFill>
+                      <a:prstDash val="solid"/>
+                      <a:round/>
+                      <a:headEnd type="none" w="med" len="med"/>
+                      <a:tailEnd type="none" w="med" len="med"/>
+                    </a:lnL>
+                    <a:lnR w="12700" cap="flat" cmpd="sng" algn="ctr">
+                      <a:solidFill>
+                        <a:schemeClr val="tx1"/>
+                      </a:solidFill>
+                      <a:prstDash val="solid"/>
+                      <a:round/>
+                      <a:headEnd type="none" w="med" len="med"/>
+                      <a:tailEnd type="none" w="med" len="med"/>
+                    </a:lnR>
+                    <a:lnT w="12700" cap="flat" cmpd="sng" algn="ctr">
+                      <a:solidFill>
+                        <a:schemeClr val="tx1"/>
+                      </a:solidFill>
+                      <a:prstDash val="solid"/>
+                      <a:round/>
+                      <a:headEnd type="none" w="med" len="med"/>
+                      <a:tailEnd type="none" w="med" len="med"/>
+                    </a:lnT>
+                    <a:lnB w="12700" cap="flat" cmpd="sng" algn="ctr">
+                      <a:solidFill>
+                        <a:schemeClr val="tx1"/>
+                      </a:solidFill>
+                      <a:prstDash val="solid"/>
+                      <a:round/>
+                      <a:headEnd type="none" w="med" len="med"/>
+                      <a:tailEnd type="none" w="med" len="med"/>
+                    </a:lnB>
+                    <a:solidFill>
+                      <a:schemeClr val="bg1"/>
+                    </a:solidFill>
+                  </a:tcPr>
+                </a:tc>
+                <a:tc>
+                  <a:txBody>
+                    <a:bodyPr/>
+                    <a:lstStyle/>
+                    <a:p>
+                      <a:r>
+                        <a:rPr lang="en-US" b="0" smtClean="0">
+                          <a:solidFill>
+                            <a:schemeClr val="tx1"/>
+                          </a:solidFill>
+                        </a:rPr>
+                        <a:t>VAR</a:t>
                       </a:r>
                       <a:endParaRPr lang="en-US" b="0">
                         <a:solidFill>
@@ -45246,7 +43738,7 @@
         </p:nvSpPr>
         <p:spPr>
           <a:xfrm>
-            <a:off x="914400" y="5143500"/>
+            <a:off x="2819400" y="5143500"/>
             <a:ext cx="1371600" cy="369332"/>
           </a:xfrm>
           <a:prstGeom prst="rect">
@@ -45276,8 +43768,8 @@
           <p:nvPr/>
         </p:nvGraphicFramePr>
         <p:xfrm>
-          <a:off x="2743200" y="2476500"/>
-          <a:ext cx="1828800" cy="2533650"/>
+          <a:off x="533400" y="4337389"/>
+          <a:ext cx="1905000" cy="1032806"/>
         </p:xfrm>
         <a:graphic>
           <a:graphicData uri="http://schemas.openxmlformats.org/drawingml/2006/table">
@@ -45286,12 +43778,11 @@
                 <a:tableStyleId>{073A0DAA-6AF3-43AB-8588-CEC1D06C72B9}</a:tableStyleId>
               </a:tblPr>
               <a:tblGrid>
-                <a:gridCol w="609824"/>
-                <a:gridCol w="527320"/>
-                <a:gridCol w="82168"/>
-                <a:gridCol w="609488"/>
+                <a:gridCol w="635233"/>
+                <a:gridCol w="634884"/>
+                <a:gridCol w="634883"/>
               </a:tblGrid>
-              <a:tr h="220993">
+              <a:tr h="272711">
                 <a:tc>
                   <a:txBody>
                     <a:bodyPr/>
@@ -45299,14 +43790,20 @@
                     <a:p>
                       <a:pPr algn="r" fontAlgn="b"/>
                       <a:r>
-                        <a:rPr lang="en-US" sz="1600" b="0" i="0" u="none" strike="noStrike">
+                        <a:rPr lang="en-US" sz="1600" b="0" i="0" u="none" strike="noStrike" smtClean="0">
                           <a:solidFill>
                             <a:srgbClr val="000000"/>
                           </a:solidFill>
                           <a:latin typeface="Calibri"/>
                         </a:rPr>
-                        <a:t>0</a:t>
+                        <a:t>10</a:t>
                       </a:r>
+                      <a:endParaRPr lang="en-US" sz="1600" b="0" i="0" u="none" strike="noStrike">
+                        <a:solidFill>
+                          <a:srgbClr val="000000"/>
+                        </a:solidFill>
+                        <a:latin typeface="Calibri"/>
+                      </a:endParaRPr>
                     </a:p>
                   </a:txBody>
                   <a:tcPr marL="9525" marR="9525" marT="9525" marB="0" anchor="ctr" anchorCtr="1">
@@ -45355,7 +43852,7 @@
                       <a:prstDash val="solid"/>
                     </a:lnBlToTr>
                     <a:solidFill>
-                      <a:srgbClr val="FF0000"/>
+                      <a:srgbClr val="00B0F0"/>
                     </a:solidFill>
                   </a:tcPr>
                 </a:tc>
@@ -45425,230 +43922,11 @@
                       <a:prstDash val="solid"/>
                     </a:lnBlToTr>
                     <a:solidFill>
-                      <a:srgbClr val="FF0000"/>
-                    </a:solidFill>
-                  </a:tcPr>
-                </a:tc>
-                <a:tc gridSpan="2">
-                  <a:txBody>
-                    <a:bodyPr/>
-                    <a:lstStyle/>
-                    <a:p>
-                      <a:r>
-                        <a:rPr lang="en-US" sz="1600" b="0" smtClean="0">
-                          <a:solidFill>
-                            <a:schemeClr val="tx1"/>
-                          </a:solidFill>
-                        </a:rPr>
-                        <a:t>7</a:t>
-                      </a:r>
-                      <a:endParaRPr lang="en-US" sz="1600" b="0">
-                        <a:solidFill>
-                          <a:schemeClr val="tx1"/>
-                        </a:solidFill>
-                      </a:endParaRPr>
-                    </a:p>
-                  </a:txBody>
-                  <a:tcPr marL="0" marR="0" marT="0" marB="0" anchor="ctr" anchorCtr="1">
-                    <a:lnL w="12700" cap="flat" cmpd="sng" algn="ctr">
-                      <a:solidFill>
-                        <a:schemeClr val="tx1"/>
-                      </a:solidFill>
-                      <a:prstDash val="solid"/>
-                      <a:round/>
-                      <a:headEnd type="none" w="med" len="med"/>
-                      <a:tailEnd type="none" w="med" len="med"/>
-                    </a:lnL>
-                    <a:lnR w="12700" cap="flat" cmpd="sng" algn="ctr">
-                      <a:solidFill>
-                        <a:schemeClr val="tx1"/>
-                      </a:solidFill>
-                      <a:prstDash val="solid"/>
-                      <a:round/>
-                      <a:headEnd type="none" w="med" len="med"/>
-                      <a:tailEnd type="none" w="med" len="med"/>
-                    </a:lnR>
-                    <a:lnT w="12700" cap="flat" cmpd="sng" algn="ctr">
-                      <a:solidFill>
-                        <a:schemeClr val="tx1"/>
-                      </a:solidFill>
-                      <a:prstDash val="solid"/>
-                      <a:round/>
-                      <a:headEnd type="none" w="med" len="med"/>
-                      <a:tailEnd type="none" w="med" len="med"/>
-                    </a:lnT>
-                    <a:lnB w="12700" cap="flat" cmpd="sng" algn="ctr">
-                      <a:solidFill>
-                        <a:schemeClr val="tx1"/>
-                      </a:solidFill>
-                      <a:prstDash val="solid"/>
-                      <a:round/>
-                      <a:headEnd type="none" w="med" len="med"/>
-                      <a:tailEnd type="none" w="med" len="med"/>
-                    </a:lnB>
-                    <a:lnTlToBr w="12700" cmpd="sng">
-                      <a:noFill/>
-                      <a:prstDash val="solid"/>
-                    </a:lnTlToBr>
-                    <a:lnBlToTr w="12700" cmpd="sng">
-                      <a:noFill/>
-                      <a:prstDash val="solid"/>
-                    </a:lnBlToTr>
-                    <a:solidFill>
-                      <a:srgbClr val="FF0000"/>
-                    </a:solidFill>
-                  </a:tcPr>
-                </a:tc>
-                <a:tc hMerge="1">
-                  <a:txBody>
-                    <a:bodyPr/>
-                    <a:lstStyle/>
-                    <a:p>
-                      <a:endParaRPr lang="en-US"/>
-                    </a:p>
-                  </a:txBody>
-                  <a:tcPr/>
-                </a:tc>
-              </a:tr>
-              <a:tr h="220979">
-                <a:tc>
-                  <a:txBody>
-                    <a:bodyPr/>
-                    <a:lstStyle/>
-                    <a:p>
-                      <a:pPr algn="r" fontAlgn="b"/>
-                      <a:r>
-                        <a:rPr lang="en-US" sz="1600" b="0" i="0" u="none" strike="noStrike">
-                          <a:solidFill>
-                            <a:srgbClr val="000000"/>
-                          </a:solidFill>
-                          <a:latin typeface="Calibri"/>
-                        </a:rPr>
-                        <a:t>1</a:t>
-                      </a:r>
-                    </a:p>
-                  </a:txBody>
-                  <a:tcPr marL="9525" marR="9525" marT="9525" marB="0" anchor="ctr" anchorCtr="1">
-                    <a:lnL w="12700" cap="flat" cmpd="sng" algn="ctr">
-                      <a:solidFill>
-                        <a:schemeClr val="tx1"/>
-                      </a:solidFill>
-                      <a:prstDash val="solid"/>
-                      <a:round/>
-                      <a:headEnd type="none" w="med" len="med"/>
-                      <a:tailEnd type="none" w="med" len="med"/>
-                    </a:lnL>
-                    <a:lnR w="12700" cap="flat" cmpd="sng" algn="ctr">
-                      <a:solidFill>
-                        <a:schemeClr val="tx1"/>
-                      </a:solidFill>
-                      <a:prstDash val="solid"/>
-                      <a:round/>
-                      <a:headEnd type="none" w="med" len="med"/>
-                      <a:tailEnd type="none" w="med" len="med"/>
-                    </a:lnR>
-                    <a:lnT w="12700" cap="flat" cmpd="sng" algn="ctr">
-                      <a:solidFill>
-                        <a:schemeClr val="tx1"/>
-                      </a:solidFill>
-                      <a:prstDash val="solid"/>
-                      <a:round/>
-                      <a:headEnd type="none" w="med" len="med"/>
-                      <a:tailEnd type="none" w="med" len="med"/>
-                    </a:lnT>
-                    <a:lnB w="12700" cap="flat" cmpd="sng" algn="ctr">
-                      <a:solidFill>
-                        <a:schemeClr val="tx1"/>
-                      </a:solidFill>
-                      <a:prstDash val="solid"/>
-                      <a:round/>
-                      <a:headEnd type="none" w="med" len="med"/>
-                      <a:tailEnd type="none" w="med" len="med"/>
-                    </a:lnB>
-                    <a:lnTlToBr w="12700" cmpd="sng">
-                      <a:noFill/>
-                      <a:prstDash val="solid"/>
-                    </a:lnTlToBr>
-                    <a:lnBlToTr w="12700" cmpd="sng">
-                      <a:noFill/>
-                      <a:prstDash val="solid"/>
-                    </a:lnBlToTr>
-                    <a:solidFill>
-                      <a:schemeClr val="bg1"/>
+                      <a:srgbClr val="00B0F0"/>
                     </a:solidFill>
                   </a:tcPr>
                 </a:tc>
                 <a:tc>
-                  <a:txBody>
-                    <a:bodyPr/>
-                    <a:lstStyle/>
-                    <a:p>
-                      <a:r>
-                        <a:rPr lang="en-US" sz="1600" b="0" smtClean="0">
-                          <a:solidFill>
-                            <a:schemeClr val="tx1"/>
-                          </a:solidFill>
-                        </a:rPr>
-                        <a:t>STR</a:t>
-                      </a:r>
-                      <a:endParaRPr lang="en-US" sz="1600" b="0">
-                        <a:solidFill>
-                          <a:schemeClr val="tx1"/>
-                        </a:solidFill>
-                      </a:endParaRPr>
-                    </a:p>
-                  </a:txBody>
-                  <a:tcPr marL="0" marR="0" marT="0" marB="0" anchor="ctr" anchorCtr="1">
-                    <a:lnL w="12700" cap="flat" cmpd="sng" algn="ctr">
-                      <a:solidFill>
-                        <a:schemeClr val="tx1"/>
-                      </a:solidFill>
-                      <a:prstDash val="solid"/>
-                      <a:round/>
-                      <a:headEnd type="none" w="med" len="med"/>
-                      <a:tailEnd type="none" w="med" len="med"/>
-                    </a:lnL>
-                    <a:lnR w="12700" cap="flat" cmpd="sng" algn="ctr">
-                      <a:solidFill>
-                        <a:schemeClr val="tx1"/>
-                      </a:solidFill>
-                      <a:prstDash val="solid"/>
-                      <a:round/>
-                      <a:headEnd type="none" w="med" len="med"/>
-                      <a:tailEnd type="none" w="med" len="med"/>
-                    </a:lnR>
-                    <a:lnT w="12700" cap="flat" cmpd="sng" algn="ctr">
-                      <a:solidFill>
-                        <a:schemeClr val="tx1"/>
-                      </a:solidFill>
-                      <a:prstDash val="solid"/>
-                      <a:round/>
-                      <a:headEnd type="none" w="med" len="med"/>
-                      <a:tailEnd type="none" w="med" len="med"/>
-                    </a:lnT>
-                    <a:lnB w="12700" cap="flat" cmpd="sng" algn="ctr">
-                      <a:solidFill>
-                        <a:schemeClr val="tx1"/>
-                      </a:solidFill>
-                      <a:prstDash val="solid"/>
-                      <a:round/>
-                      <a:headEnd type="none" w="med" len="med"/>
-                      <a:tailEnd type="none" w="med" len="med"/>
-                    </a:lnB>
-                    <a:lnTlToBr w="12700" cmpd="sng">
-                      <a:noFill/>
-                      <a:prstDash val="solid"/>
-                    </a:lnTlToBr>
-                    <a:lnBlToTr w="12700" cmpd="sng">
-                      <a:noFill/>
-                      <a:prstDash val="solid"/>
-                    </a:lnBlToTr>
-                    <a:solidFill>
-                      <a:schemeClr val="bg1"/>
-                    </a:solidFill>
-                  </a:tcPr>
-                </a:tc>
-                <a:tc gridSpan="2">
                   <a:txBody>
                     <a:bodyPr/>
                     <a:lstStyle/>
@@ -45676,8 +43954,13 @@
                             <a:schemeClr val="tx1"/>
                           </a:solidFill>
                         </a:rPr>
-                        <a:t>2</a:t>
+                        <a:t>11</a:t>
                       </a:r>
+                      <a:endParaRPr lang="en-US" sz="1600" b="0">
+                        <a:solidFill>
+                          <a:schemeClr val="tx1"/>
+                        </a:solidFill>
+                      </a:endParaRPr>
                     </a:p>
                   </a:txBody>
                   <a:tcPr marL="0" marR="0" marT="0" marB="0" anchor="ctr" anchorCtr="1">
@@ -45726,7 +44009,152 @@
                       <a:prstDash val="solid"/>
                     </a:lnBlToTr>
                     <a:solidFill>
-                      <a:schemeClr val="bg1"/>
+                      <a:srgbClr val="00B0F0"/>
+                    </a:solidFill>
+                  </a:tcPr>
+                </a:tc>
+              </a:tr>
+              <a:tr h="170081">
+                <a:tc>
+                  <a:txBody>
+                    <a:bodyPr/>
+                    <a:lstStyle/>
+                    <a:p>
+                      <a:pPr algn="r" fontAlgn="b"/>
+                      <a:r>
+                        <a:rPr lang="en-US" sz="1600" b="0" i="0" u="none" strike="noStrike" smtClean="0">
+                          <a:solidFill>
+                            <a:srgbClr val="000000"/>
+                          </a:solidFill>
+                          <a:latin typeface="Calibri"/>
+                        </a:rPr>
+                        <a:t>11</a:t>
+                      </a:r>
+                      <a:endParaRPr lang="en-US" sz="1600" b="0" i="0" u="none" strike="noStrike">
+                        <a:solidFill>
+                          <a:srgbClr val="000000"/>
+                        </a:solidFill>
+                        <a:latin typeface="Calibri"/>
+                      </a:endParaRPr>
+                    </a:p>
+                  </a:txBody>
+                  <a:tcPr marL="9525" marR="9525" marT="9525" marB="0" anchor="ctr" anchorCtr="1">
+                    <a:lnL w="12700" cap="flat" cmpd="sng" algn="ctr">
+                      <a:solidFill>
+                        <a:schemeClr val="tx1"/>
+                      </a:solidFill>
+                      <a:prstDash val="solid"/>
+                      <a:round/>
+                      <a:headEnd type="none" w="med" len="med"/>
+                      <a:tailEnd type="none" w="med" len="med"/>
+                    </a:lnL>
+                    <a:lnR w="12700" cap="flat" cmpd="sng" algn="ctr">
+                      <a:solidFill>
+                        <a:schemeClr val="tx1"/>
+                      </a:solidFill>
+                      <a:prstDash val="solid"/>
+                      <a:round/>
+                      <a:headEnd type="none" w="med" len="med"/>
+                      <a:tailEnd type="none" w="med" len="med"/>
+                    </a:lnR>
+                    <a:lnT w="12700" cap="flat" cmpd="sng" algn="ctr">
+                      <a:solidFill>
+                        <a:schemeClr val="tx1"/>
+                      </a:solidFill>
+                      <a:prstDash val="solid"/>
+                      <a:round/>
+                      <a:headEnd type="none" w="med" len="med"/>
+                      <a:tailEnd type="none" w="med" len="med"/>
+                    </a:lnT>
+                    <a:lnB w="12700" cap="flat" cmpd="sng" algn="ctr">
+                      <a:solidFill>
+                        <a:schemeClr val="tx1"/>
+                      </a:solidFill>
+                      <a:prstDash val="solid"/>
+                      <a:round/>
+                      <a:headEnd type="none" w="med" len="med"/>
+                      <a:tailEnd type="none" w="med" len="med"/>
+                    </a:lnB>
+                    <a:lnTlToBr w="12700" cmpd="sng">
+                      <a:noFill/>
+                      <a:prstDash val="solid"/>
+                    </a:lnTlToBr>
+                    <a:lnBlToTr w="12700" cmpd="sng">
+                      <a:noFill/>
+                      <a:prstDash val="solid"/>
+                    </a:lnBlToTr>
+                    <a:solidFill>
+                      <a:srgbClr val="00B0F0"/>
+                    </a:solidFill>
+                  </a:tcPr>
+                </a:tc>
+                <a:tc gridSpan="2">
+                  <a:txBody>
+                    <a:bodyPr/>
+                    <a:lstStyle/>
+                    <a:p>
+                      <a:r>
+                        <a:rPr lang="en-US" sz="1600" b="0" smtClean="0">
+                          <a:solidFill>
+                            <a:schemeClr val="tx1"/>
+                          </a:solidFill>
+                        </a:rPr>
+                        <a:t>¬ /1</a:t>
+                      </a:r>
+                      <a:endParaRPr lang="en-US" sz="1600" b="0">
+                        <a:solidFill>
+                          <a:schemeClr val="tx1"/>
+                        </a:solidFill>
+                      </a:endParaRPr>
+                    </a:p>
+                  </a:txBody>
+                  <a:tcPr marL="0" marR="0" marT="0" marB="0" anchor="ctr" anchorCtr="1">
+                    <a:lnL w="12700" cap="flat" cmpd="sng" algn="ctr">
+                      <a:solidFill>
+                        <a:schemeClr val="tx1"/>
+                      </a:solidFill>
+                      <a:prstDash val="solid"/>
+                      <a:round/>
+                      <a:headEnd type="none" w="med" len="med"/>
+                      <a:tailEnd type="none" w="med" len="med"/>
+                    </a:lnL>
+                    <a:lnR w="12700" cap="flat" cmpd="sng" algn="ctr">
+                      <a:solidFill>
+                        <a:schemeClr val="tx1"/>
+                      </a:solidFill>
+                      <a:prstDash val="solid"/>
+                      <a:round/>
+                      <a:headEnd type="none" w="med" len="med"/>
+                      <a:tailEnd type="none" w="med" len="med"/>
+                    </a:lnR>
+                    <a:lnT w="12700" cap="flat" cmpd="sng" algn="ctr">
+                      <a:solidFill>
+                        <a:schemeClr val="tx1"/>
+                      </a:solidFill>
+                      <a:prstDash val="solid"/>
+                      <a:round/>
+                      <a:headEnd type="none" w="med" len="med"/>
+                      <a:tailEnd type="none" w="med" len="med"/>
+                    </a:lnT>
+                    <a:lnB w="12700" cap="flat" cmpd="sng" algn="ctr">
+                      <a:solidFill>
+                        <a:schemeClr val="tx1"/>
+                      </a:solidFill>
+                      <a:prstDash val="solid"/>
+                      <a:round/>
+                      <a:headEnd type="none" w="med" len="med"/>
+                      <a:tailEnd type="none" w="med" len="med"/>
+                    </a:lnB>
+                    <a:lnTlToBr w="12700" cmpd="sng">
+                      <a:noFill/>
+                      <a:prstDash val="solid"/>
+                    </a:lnTlToBr>
+                    <a:lnBlToTr w="12700" cmpd="sng">
+                      <a:noFill/>
+                      <a:prstDash val="solid"/>
+                    </a:lnBlToTr>
+                    <a:solidFill>
+                      <a:srgbClr val="00B0F0"/>
                     </a:solidFill>
                   </a:tcPr>
                 </a:tc>
@@ -45741,7 +44169,7 @@
                   <a:tcPr/>
                 </a:tc>
               </a:tr>
-              <a:tr h="220979">
+              <a:tr h="170081">
                 <a:tc>
                   <a:txBody>
                     <a:bodyPr/>
@@ -45749,14 +44177,20 @@
                     <a:p>
                       <a:pPr algn="r" fontAlgn="b"/>
                       <a:r>
-                        <a:rPr lang="en-US" sz="1600" b="0" i="0" u="none" strike="noStrike">
+                        <a:rPr lang="en-US" sz="1600" b="0" i="0" u="none" strike="noStrike" smtClean="0">
                           <a:solidFill>
                             <a:srgbClr val="000000"/>
                           </a:solidFill>
                           <a:latin typeface="Calibri"/>
                         </a:rPr>
-                        <a:t>2</a:t>
+                        <a:t>12</a:t>
                       </a:r>
+                      <a:endParaRPr lang="en-US" sz="1600" b="0" i="0" u="none" strike="noStrike">
+                        <a:solidFill>
+                          <a:srgbClr val="000000"/>
+                        </a:solidFill>
+                        <a:latin typeface="Calibri"/>
+                      </a:endParaRPr>
                     </a:p>
                   </a:txBody>
                   <a:tcPr marL="9525" marR="9525" marT="9525" marB="0" anchor="ctr" anchorCtr="1">
@@ -45805,235 +44239,7 @@
                       <a:prstDash val="solid"/>
                     </a:lnBlToTr>
                     <a:solidFill>
-                      <a:schemeClr val="bg1"/>
-                    </a:solidFill>
-                  </a:tcPr>
-                </a:tc>
-                <a:tc gridSpan="3">
-                  <a:txBody>
-                    <a:bodyPr/>
-                    <a:lstStyle/>
-                    <a:p>
-                      <a:r>
-                        <a:rPr lang="en-US" sz="1600" b="0" smtClean="0">
-                          <a:solidFill>
-                            <a:schemeClr val="tx1"/>
-                          </a:solidFill>
-                        </a:rPr>
-                        <a:t>f/2</a:t>
-                      </a:r>
-                      <a:endParaRPr lang="en-US" sz="1600" b="0">
-                        <a:solidFill>
-                          <a:schemeClr val="tx1"/>
-                        </a:solidFill>
-                      </a:endParaRPr>
-                    </a:p>
-                  </a:txBody>
-                  <a:tcPr marL="0" marR="0" marT="0" marB="0" anchor="ctr" anchorCtr="1">
-                    <a:lnL w="12700" cap="flat" cmpd="sng" algn="ctr">
-                      <a:solidFill>
-                        <a:schemeClr val="tx1"/>
-                      </a:solidFill>
-                      <a:prstDash val="solid"/>
-                      <a:round/>
-                      <a:headEnd type="none" w="med" len="med"/>
-                      <a:tailEnd type="none" w="med" len="med"/>
-                    </a:lnL>
-                    <a:lnR w="12700" cap="flat" cmpd="sng" algn="ctr">
-                      <a:solidFill>
-                        <a:schemeClr val="tx1"/>
-                      </a:solidFill>
-                      <a:prstDash val="solid"/>
-                      <a:round/>
-                      <a:headEnd type="none" w="med" len="med"/>
-                      <a:tailEnd type="none" w="med" len="med"/>
-                    </a:lnR>
-                    <a:lnT w="12700" cap="flat" cmpd="sng" algn="ctr">
-                      <a:solidFill>
-                        <a:schemeClr val="tx1"/>
-                      </a:solidFill>
-                      <a:prstDash val="solid"/>
-                      <a:round/>
-                      <a:headEnd type="none" w="med" len="med"/>
-                      <a:tailEnd type="none" w="med" len="med"/>
-                    </a:lnT>
-                    <a:lnB w="12700" cap="flat" cmpd="sng" algn="ctr">
-                      <a:solidFill>
-                        <a:schemeClr val="tx1"/>
-                      </a:solidFill>
-                      <a:prstDash val="solid"/>
-                      <a:round/>
-                      <a:headEnd type="none" w="med" len="med"/>
-                      <a:tailEnd type="none" w="med" len="med"/>
-                    </a:lnB>
-                    <a:lnTlToBr w="12700" cmpd="sng">
-                      <a:noFill/>
-                      <a:prstDash val="solid"/>
-                    </a:lnTlToBr>
-                    <a:lnBlToTr w="12700" cmpd="sng">
-                      <a:noFill/>
-                      <a:prstDash val="solid"/>
-                    </a:lnBlToTr>
-                    <a:solidFill>
-                      <a:schemeClr val="bg1"/>
-                    </a:solidFill>
-                  </a:tcPr>
-                </a:tc>
-                <a:tc hMerge="1">
-                  <a:txBody>
-                    <a:bodyPr/>
-                    <a:lstStyle/>
-                    <a:p>
-                      <a:pPr marL="0" marR="0" indent="0" algn="l" defTabSz="914400" rtl="0" eaLnBrk="1" fontAlgn="auto" latinLnBrk="0" hangingPunct="1">
-                        <a:lnSpc>
-                          <a:spcPct val="100000"/>
-                        </a:lnSpc>
-                        <a:spcBef>
-                          <a:spcPts val="0"/>
-                        </a:spcBef>
-                        <a:spcAft>
-                          <a:spcPts val="0"/>
-                        </a:spcAft>
-                        <a:buClrTx/>
-                        <a:buSzTx/>
-                        <a:buFontTx/>
-                        <a:buNone/>
-                        <a:tabLst/>
-                        <a:defRPr/>
-                      </a:pPr>
-                      <a:endParaRPr lang="en-US" sz="1200" b="0">
-                        <a:solidFill>
-                          <a:schemeClr val="tx1"/>
-                        </a:solidFill>
-                      </a:endParaRPr>
-                    </a:p>
-                  </a:txBody>
-                  <a:tcPr marL="0" marR="0" marT="0" marB="0" anchor="ctr" anchorCtr="1">
-                    <a:lnL w="12700" cap="flat" cmpd="sng" algn="ctr">
-                      <a:solidFill>
-                        <a:schemeClr val="tx1"/>
-                      </a:solidFill>
-                      <a:prstDash val="solid"/>
-                      <a:round/>
-                      <a:headEnd type="none" w="med" len="med"/>
-                      <a:tailEnd type="none" w="med" len="med"/>
-                    </a:lnL>
-                    <a:lnR w="12700" cap="flat" cmpd="sng" algn="ctr">
-                      <a:solidFill>
-                        <a:schemeClr val="tx1"/>
-                      </a:solidFill>
-                      <a:prstDash val="solid"/>
-                      <a:round/>
-                      <a:headEnd type="none" w="med" len="med"/>
-                      <a:tailEnd type="none" w="med" len="med"/>
-                    </a:lnR>
-                    <a:lnT w="12700" cap="flat" cmpd="sng" algn="ctr">
-                      <a:solidFill>
-                        <a:schemeClr val="tx1"/>
-                      </a:solidFill>
-                      <a:prstDash val="solid"/>
-                      <a:round/>
-                      <a:headEnd type="none" w="med" len="med"/>
-                      <a:tailEnd type="none" w="med" len="med"/>
-                    </a:lnT>
-                    <a:lnB w="12700" cap="flat" cmpd="sng" algn="ctr">
-                      <a:solidFill>
-                        <a:schemeClr val="tx1"/>
-                      </a:solidFill>
-                      <a:prstDash val="solid"/>
-                      <a:round/>
-                      <a:headEnd type="none" w="med" len="med"/>
-                      <a:tailEnd type="none" w="med" len="med"/>
-                    </a:lnB>
-                    <a:lnTlToBr w="12700" cmpd="sng">
-                      <a:noFill/>
-                      <a:prstDash val="solid"/>
-                    </a:lnTlToBr>
-                    <a:lnBlToTr w="12700" cmpd="sng">
-                      <a:noFill/>
-                      <a:prstDash val="solid"/>
-                    </a:lnBlToTr>
-                    <a:solidFill>
-                      <a:schemeClr val="bg1"/>
-                    </a:solidFill>
-                  </a:tcPr>
-                </a:tc>
-                <a:tc hMerge="1">
-                  <a:txBody>
-                    <a:bodyPr/>
-                    <a:lstStyle/>
-                    <a:p>
-                      <a:endParaRPr lang="en-US"/>
-                    </a:p>
-                  </a:txBody>
-                  <a:tcPr/>
-                </a:tc>
-              </a:tr>
-              <a:tr h="220979">
-                <a:tc>
-                  <a:txBody>
-                    <a:bodyPr/>
-                    <a:lstStyle/>
-                    <a:p>
-                      <a:pPr algn="r" fontAlgn="b"/>
-                      <a:r>
-                        <a:rPr lang="en-US" sz="1600" b="0" i="0" u="none" strike="noStrike">
-                          <a:solidFill>
-                            <a:srgbClr val="000000"/>
-                          </a:solidFill>
-                          <a:latin typeface="Calibri"/>
-                        </a:rPr>
-                        <a:t>3</a:t>
-                      </a:r>
-                    </a:p>
-                  </a:txBody>
-                  <a:tcPr marL="9525" marR="9525" marT="9525" marB="0" anchor="ctr" anchorCtr="1">
-                    <a:lnL w="12700" cap="flat" cmpd="sng" algn="ctr">
-                      <a:solidFill>
-                        <a:schemeClr val="tx1"/>
-                      </a:solidFill>
-                      <a:prstDash val="solid"/>
-                      <a:round/>
-                      <a:headEnd type="none" w="med" len="med"/>
-                      <a:tailEnd type="none" w="med" len="med"/>
-                    </a:lnL>
-                    <a:lnR w="12700" cap="flat" cmpd="sng" algn="ctr">
-                      <a:solidFill>
-                        <a:schemeClr val="tx1"/>
-                      </a:solidFill>
-                      <a:prstDash val="solid"/>
-                      <a:round/>
-                      <a:headEnd type="none" w="med" len="med"/>
-                      <a:tailEnd type="none" w="med" len="med"/>
-                    </a:lnR>
-                    <a:lnT w="12700" cap="flat" cmpd="sng" algn="ctr">
-                      <a:solidFill>
-                        <a:schemeClr val="tx1"/>
-                      </a:solidFill>
-                      <a:prstDash val="solid"/>
-                      <a:round/>
-                      <a:headEnd type="none" w="med" len="med"/>
-                      <a:tailEnd type="none" w="med" len="med"/>
-                    </a:lnT>
-                    <a:lnB w="12700" cap="flat" cmpd="sng" algn="ctr">
-                      <a:solidFill>
-                        <a:schemeClr val="tx1"/>
-                      </a:solidFill>
-                      <a:prstDash val="solid"/>
-                      <a:round/>
-                      <a:headEnd type="none" w="med" len="med"/>
-                      <a:tailEnd type="none" w="med" len="med"/>
-                    </a:lnB>
-                    <a:lnTlToBr w="12700" cmpd="sng">
-                      <a:noFill/>
-                      <a:prstDash val="solid"/>
-                    </a:lnTlToBr>
-                    <a:lnBlToTr w="12700" cmpd="sng">
-                      <a:noFill/>
-                      <a:prstDash val="solid"/>
-                    </a:lnBlToTr>
-                    <a:solidFill>
-                      <a:schemeClr val="accent2"/>
+                      <a:srgbClr val="00B0F0"/>
                     </a:solidFill>
                   </a:tcPr>
                 </a:tc>
@@ -46103,171 +44309,7 @@
                       <a:prstDash val="solid"/>
                     </a:lnBlToTr>
                     <a:solidFill>
-                      <a:schemeClr val="accent2"/>
-                    </a:solidFill>
-                  </a:tcPr>
-                </a:tc>
-                <a:tc gridSpan="2">
-                  <a:txBody>
-                    <a:bodyPr/>
-                    <a:lstStyle/>
-                    <a:p>
-                      <a:pPr marL="0" marR="0" indent="0" algn="l" defTabSz="914400" rtl="0" eaLnBrk="1" fontAlgn="auto" latinLnBrk="0" hangingPunct="1">
-                        <a:lnSpc>
-                          <a:spcPct val="100000"/>
-                        </a:lnSpc>
-                        <a:spcBef>
-                          <a:spcPts val="0"/>
-                        </a:spcBef>
-                        <a:spcAft>
-                          <a:spcPts val="0"/>
-                        </a:spcAft>
-                        <a:buClrTx/>
-                        <a:buSzTx/>
-                        <a:buFontTx/>
-                        <a:buNone/>
-                        <a:tabLst/>
-                        <a:defRPr/>
-                      </a:pPr>
-                      <a:endParaRPr lang="en-US" sz="1600" b="0">
-                        <a:solidFill>
-                          <a:schemeClr val="tx1"/>
-                        </a:solidFill>
-                      </a:endParaRPr>
-                    </a:p>
-                  </a:txBody>
-                  <a:tcPr marL="0" marR="0" marT="0" marB="0" anchor="ctr" anchorCtr="1">
-                    <a:lnL w="12700" cap="flat" cmpd="sng" algn="ctr">
-                      <a:solidFill>
-                        <a:schemeClr val="tx1"/>
-                      </a:solidFill>
-                      <a:prstDash val="solid"/>
-                      <a:round/>
-                      <a:headEnd type="none" w="med" len="med"/>
-                      <a:tailEnd type="none" w="med" len="med"/>
-                    </a:lnL>
-                    <a:lnR w="12700" cap="flat" cmpd="sng" algn="ctr">
-                      <a:solidFill>
-                        <a:schemeClr val="tx1"/>
-                      </a:solidFill>
-                      <a:prstDash val="solid"/>
-                      <a:round/>
-                      <a:headEnd type="none" w="med" len="med"/>
-                      <a:tailEnd type="none" w="med" len="med"/>
-                    </a:lnR>
-                    <a:lnT w="12700" cap="flat" cmpd="sng" algn="ctr">
-                      <a:solidFill>
-                        <a:schemeClr val="tx1"/>
-                      </a:solidFill>
-                      <a:prstDash val="solid"/>
-                      <a:round/>
-                      <a:headEnd type="none" w="med" len="med"/>
-                      <a:tailEnd type="none" w="med" len="med"/>
-                    </a:lnT>
-                    <a:lnB w="12700" cap="flat" cmpd="sng" algn="ctr">
-                      <a:solidFill>
-                        <a:schemeClr val="tx1"/>
-                      </a:solidFill>
-                      <a:prstDash val="solid"/>
-                      <a:round/>
-                      <a:headEnd type="none" w="med" len="med"/>
-                      <a:tailEnd type="none" w="med" len="med"/>
-                    </a:lnB>
-                    <a:lnTlToBr w="12700" cmpd="sng">
-                      <a:noFill/>
-                      <a:prstDash val="solid"/>
-                    </a:lnTlToBr>
-                    <a:lnBlToTr w="12700" cmpd="sng">
-                      <a:noFill/>
-                      <a:prstDash val="solid"/>
-                    </a:lnBlToTr>
-                    <a:solidFill>
-                      <a:schemeClr val="accent2"/>
-                    </a:solidFill>
-                  </a:tcPr>
-                </a:tc>
-                <a:tc hMerge="1">
-                  <a:txBody>
-                    <a:bodyPr/>
-                    <a:lstStyle/>
-                    <a:p>
-                      <a:endParaRPr lang="en-US"/>
-                    </a:p>
-                  </a:txBody>
-                  <a:tcPr/>
-                </a:tc>
-              </a:tr>
-              <a:tr h="220979">
-                <a:tc>
-                  <a:txBody>
-                    <a:bodyPr/>
-                    <a:lstStyle/>
-                    <a:p>
-                      <a:pPr algn="r" fontAlgn="b"/>
-                      <a:r>
-                        <a:rPr lang="en-US" sz="1600" b="0" i="0" u="none" strike="noStrike" smtClean="0">
-                          <a:solidFill>
-                            <a:srgbClr val="000000"/>
-                          </a:solidFill>
-                          <a:latin typeface="Calibri"/>
-                        </a:rPr>
-                        <a:t>4</a:t>
-                      </a:r>
-                      <a:endParaRPr lang="en-US" sz="1600" b="0" i="0" u="none" strike="noStrike">
-                        <a:solidFill>
-                          <a:srgbClr val="000000"/>
-                        </a:solidFill>
-                        <a:latin typeface="Calibri"/>
-                      </a:endParaRPr>
-                    </a:p>
-                  </a:txBody>
-                  <a:tcPr marL="9525" marR="9525" marT="9525" marB="0" anchor="ctr" anchorCtr="1">
-                    <a:lnL w="12700" cap="flat" cmpd="sng" algn="ctr">
-                      <a:solidFill>
-                        <a:schemeClr val="tx1"/>
-                      </a:solidFill>
-                      <a:prstDash val="solid"/>
-                      <a:round/>
-                      <a:headEnd type="none" w="med" len="med"/>
-                      <a:tailEnd type="none" w="med" len="med"/>
-                    </a:lnL>
-                    <a:lnR w="12700" cap="flat" cmpd="sng" algn="ctr">
-                      <a:solidFill>
-                        <a:schemeClr val="tx1"/>
-                      </a:solidFill>
-                      <a:prstDash val="solid"/>
-                      <a:round/>
-                      <a:headEnd type="none" w="med" len="med"/>
-                      <a:tailEnd type="none" w="med" len="med"/>
-                    </a:lnR>
-                    <a:lnT w="12700" cap="flat" cmpd="sng" algn="ctr">
-                      <a:solidFill>
-                        <a:schemeClr val="tx1"/>
-                      </a:solidFill>
-                      <a:prstDash val="solid"/>
-                      <a:round/>
-                      <a:headEnd type="none" w="med" len="med"/>
-                      <a:tailEnd type="none" w="med" len="med"/>
-                    </a:lnT>
-                    <a:lnB w="12700" cap="flat" cmpd="sng" algn="ctr">
-                      <a:solidFill>
-                        <a:schemeClr val="tx1"/>
-                      </a:solidFill>
-                      <a:prstDash val="solid"/>
-                      <a:round/>
-                      <a:headEnd type="none" w="med" len="med"/>
-                      <a:tailEnd type="none" w="med" len="med"/>
-                    </a:lnB>
-                    <a:lnTlToBr w="12700" cmpd="sng">
-                      <a:noFill/>
-                      <a:prstDash val="solid"/>
-                    </a:lnTlToBr>
-                    <a:lnBlToTr w="12700" cmpd="sng">
-                      <a:noFill/>
-                      <a:prstDash val="solid"/>
-                    </a:lnBlToTr>
-                    <a:solidFill>
-                      <a:schemeClr val="bg1"/>
+                      <a:srgbClr val="00B0F0"/>
                     </a:solidFill>
                   </a:tcPr>
                 </a:tc>
@@ -46282,7 +44324,7 @@
                             <a:schemeClr val="tx1"/>
                           </a:solidFill>
                         </a:rPr>
-                        <a:t>REF</a:t>
+                        <a:t>3</a:t>
                       </a:r>
                       <a:endParaRPr lang="en-US" sz="1600" b="0">
                         <a:solidFill>
@@ -46337,109 +44379,12 @@
                       <a:prstDash val="solid"/>
                     </a:lnBlToTr>
                     <a:solidFill>
-                      <a:schemeClr val="bg1"/>
+                      <a:srgbClr val="00B0F0"/>
                     </a:solidFill>
                   </a:tcPr>
                 </a:tc>
-                <a:tc gridSpan="2">
-                  <a:txBody>
-                    <a:bodyPr/>
-                    <a:lstStyle/>
-                    <a:p>
-                      <a:pPr marL="0" marR="0" indent="0" algn="l" defTabSz="914400" rtl="0" eaLnBrk="1" fontAlgn="auto" latinLnBrk="0" hangingPunct="1">
-                        <a:lnSpc>
-                          <a:spcPct val="100000"/>
-                        </a:lnSpc>
-                        <a:spcBef>
-                          <a:spcPts val="0"/>
-                        </a:spcBef>
-                        <a:spcAft>
-                          <a:spcPts val="0"/>
-                        </a:spcAft>
-                        <a:buClrTx/>
-                        <a:buSzTx/>
-                        <a:buFontTx/>
-                        <a:buNone/>
-                        <a:tabLst/>
-                        <a:defRPr/>
-                      </a:pPr>
-                      <a:r>
-                        <a:rPr lang="en-US" sz="1600" b="0" smtClean="0">
-                          <a:solidFill>
-                            <a:schemeClr val="tx1"/>
-                          </a:solidFill>
-                        </a:rPr>
-                        <a:t>0</a:t>
-                      </a:r>
-                      <a:endParaRPr lang="en-US" sz="1600" b="0">
-                        <a:solidFill>
-                          <a:schemeClr val="tx1"/>
-                        </a:solidFill>
-                      </a:endParaRPr>
-                    </a:p>
-                  </a:txBody>
-                  <a:tcPr marL="0" marR="0" marT="0" marB="0" anchor="ctr" anchorCtr="1">
-                    <a:lnL w="12700" cap="flat" cmpd="sng" algn="ctr">
-                      <a:solidFill>
-                        <a:schemeClr val="tx1"/>
-                      </a:solidFill>
-                      <a:prstDash val="solid"/>
-                      <a:round/>
-                      <a:headEnd type="none" w="med" len="med"/>
-                      <a:tailEnd type="none" w="med" len="med"/>
-                    </a:lnL>
-                    <a:lnR w="12700" cap="flat" cmpd="sng" algn="ctr">
-                      <a:solidFill>
-                        <a:schemeClr val="tx1"/>
-                      </a:solidFill>
-                      <a:prstDash val="solid"/>
-                      <a:round/>
-                      <a:headEnd type="none" w="med" len="med"/>
-                      <a:tailEnd type="none" w="med" len="med"/>
-                    </a:lnR>
-                    <a:lnT w="12700" cap="flat" cmpd="sng" algn="ctr">
-                      <a:solidFill>
-                        <a:schemeClr val="tx1"/>
-                      </a:solidFill>
-                      <a:prstDash val="solid"/>
-                      <a:round/>
-                      <a:headEnd type="none" w="med" len="med"/>
-                      <a:tailEnd type="none" w="med" len="med"/>
-                    </a:lnT>
-                    <a:lnB w="12700" cap="flat" cmpd="sng" algn="ctr">
-                      <a:solidFill>
-                        <a:schemeClr val="tx1"/>
-                      </a:solidFill>
-                      <a:prstDash val="solid"/>
-                      <a:round/>
-                      <a:headEnd type="none" w="med" len="med"/>
-                      <a:tailEnd type="none" w="med" len="med"/>
-                    </a:lnB>
-                    <a:lnTlToBr w="12700" cmpd="sng">
-                      <a:noFill/>
-                      <a:prstDash val="solid"/>
-                    </a:lnTlToBr>
-                    <a:lnBlToTr w="12700" cmpd="sng">
-                      <a:noFill/>
-                      <a:prstDash val="solid"/>
-                    </a:lnBlToTr>
-                    <a:solidFill>
-                      <a:schemeClr val="bg1"/>
-                    </a:solidFill>
-                  </a:tcPr>
-                </a:tc>
-                <a:tc hMerge="1">
-                  <a:txBody>
-                    <a:bodyPr/>
-                    <a:lstStyle/>
-                    <a:p>
-                      <a:endParaRPr lang="en-US"/>
-                    </a:p>
-                  </a:txBody>
-                  <a:tcPr/>
-                </a:tc>
               </a:tr>
-              <a:tr h="220979">
+              <a:tr h="170081">
                 <a:tc>
                   <a:txBody>
                     <a:bodyPr/>
@@ -46453,7 +44398,7 @@
                           </a:solidFill>
                           <a:latin typeface="Calibri"/>
                         </a:rPr>
-                        <a:t>5</a:t>
+                        <a:t>13</a:t>
                       </a:r>
                       <a:endParaRPr lang="en-US" sz="1600" b="0" i="0" u="none" strike="noStrike">
                         <a:solidFill>
@@ -46509,249 +44454,7 @@
                       <a:prstDash val="solid"/>
                     </a:lnBlToTr>
                     <a:solidFill>
-                      <a:schemeClr val="bg1"/>
-                    </a:solidFill>
-                  </a:tcPr>
-                </a:tc>
-                <a:tc>
-                  <a:txBody>
-                    <a:bodyPr/>
-                    <a:lstStyle/>
-                    <a:p>
-                      <a:r>
-                        <a:rPr lang="en-US" sz="1600" b="0" smtClean="0">
-                          <a:solidFill>
-                            <a:schemeClr val="tx1"/>
-                          </a:solidFill>
-                        </a:rPr>
-                        <a:t>REF </a:t>
-                      </a:r>
-                      <a:endParaRPr lang="en-US" sz="1600" b="0">
-                        <a:solidFill>
-                          <a:schemeClr val="tx1"/>
-                        </a:solidFill>
-                      </a:endParaRPr>
-                    </a:p>
-                  </a:txBody>
-                  <a:tcPr marL="0" marR="0" marT="0" marB="0" anchor="ctr" anchorCtr="1">
-                    <a:lnL w="12700" cap="flat" cmpd="sng" algn="ctr">
-                      <a:solidFill>
-                        <a:schemeClr val="tx1"/>
-                      </a:solidFill>
-                      <a:prstDash val="solid"/>
-                      <a:round/>
-                      <a:headEnd type="none" w="med" len="med"/>
-                      <a:tailEnd type="none" w="med" len="med"/>
-                    </a:lnL>
-                    <a:lnR w="12700" cap="flat" cmpd="sng" algn="ctr">
-                      <a:solidFill>
-                        <a:schemeClr val="tx1"/>
-                      </a:solidFill>
-                      <a:prstDash val="solid"/>
-                      <a:round/>
-                      <a:headEnd type="none" w="med" len="med"/>
-                      <a:tailEnd type="none" w="med" len="med"/>
-                    </a:lnR>
-                    <a:lnT w="12700" cap="flat" cmpd="sng" algn="ctr">
-                      <a:solidFill>
-                        <a:schemeClr val="tx1"/>
-                      </a:solidFill>
-                      <a:prstDash val="solid"/>
-                      <a:round/>
-                      <a:headEnd type="none" w="med" len="med"/>
-                      <a:tailEnd type="none" w="med" len="med"/>
-                    </a:lnT>
-                    <a:lnB w="12700" cap="flat" cmpd="sng" algn="ctr">
-                      <a:solidFill>
-                        <a:schemeClr val="tx1"/>
-                      </a:solidFill>
-                      <a:prstDash val="solid"/>
-                      <a:round/>
-                      <a:headEnd type="none" w="med" len="med"/>
-                      <a:tailEnd type="none" w="med" len="med"/>
-                    </a:lnB>
-                    <a:lnTlToBr w="12700" cmpd="sng">
-                      <a:noFill/>
-                      <a:prstDash val="solid"/>
-                    </a:lnTlToBr>
-                    <a:lnBlToTr w="12700" cmpd="sng">
-                      <a:noFill/>
-                      <a:prstDash val="solid"/>
-                    </a:lnBlToTr>
-                    <a:solidFill>
-                      <a:schemeClr val="bg1"/>
-                    </a:solidFill>
-                  </a:tcPr>
-                </a:tc>
-                <a:tc gridSpan="2">
-                  <a:txBody>
-                    <a:bodyPr/>
-                    <a:lstStyle/>
-                    <a:p>
-                      <a:pPr marL="0" marR="0" indent="0" algn="l" defTabSz="914400" rtl="0" eaLnBrk="1" fontAlgn="auto" latinLnBrk="0" hangingPunct="1">
-                        <a:lnSpc>
-                          <a:spcPct val="100000"/>
-                        </a:lnSpc>
-                        <a:spcBef>
-                          <a:spcPts val="0"/>
-                        </a:spcBef>
-                        <a:spcAft>
-                          <a:spcPts val="0"/>
-                        </a:spcAft>
-                        <a:buClrTx/>
-                        <a:buSzTx/>
-                        <a:buFontTx/>
-                        <a:buNone/>
-                        <a:tabLst/>
-                        <a:defRPr/>
-                      </a:pPr>
-                      <a:r>
-                        <a:rPr lang="en-US" sz="1600" b="0" smtClean="0">
-                          <a:solidFill>
-                            <a:schemeClr val="tx1"/>
-                          </a:solidFill>
-                        </a:rPr>
-                        <a:t>1</a:t>
-                      </a:r>
-                      <a:endParaRPr lang="en-US" sz="1600" b="0">
-                        <a:solidFill>
-                          <a:schemeClr val="tx1"/>
-                        </a:solidFill>
-                      </a:endParaRPr>
-                    </a:p>
-                  </a:txBody>
-                  <a:tcPr marL="0" marR="0" marT="0" marB="0" anchor="ctr" anchorCtr="1">
-                    <a:lnL w="12700" cap="flat" cmpd="sng" algn="ctr">
-                      <a:solidFill>
-                        <a:schemeClr val="tx1"/>
-                      </a:solidFill>
-                      <a:prstDash val="solid"/>
-                      <a:round/>
-                      <a:headEnd type="none" w="med" len="med"/>
-                      <a:tailEnd type="none" w="med" len="med"/>
-                    </a:lnL>
-                    <a:lnR w="12700" cap="flat" cmpd="sng" algn="ctr">
-                      <a:solidFill>
-                        <a:schemeClr val="tx1"/>
-                      </a:solidFill>
-                      <a:prstDash val="solid"/>
-                      <a:round/>
-                      <a:headEnd type="none" w="med" len="med"/>
-                      <a:tailEnd type="none" w="med" len="med"/>
-                    </a:lnR>
-                    <a:lnT w="12700" cap="flat" cmpd="sng" algn="ctr">
-                      <a:solidFill>
-                        <a:schemeClr val="tx1"/>
-                      </a:solidFill>
-                      <a:prstDash val="solid"/>
-                      <a:round/>
-                      <a:headEnd type="none" w="med" len="med"/>
-                      <a:tailEnd type="none" w="med" len="med"/>
-                    </a:lnT>
-                    <a:lnB w="12700" cap="flat" cmpd="sng" algn="ctr">
-                      <a:solidFill>
-                        <a:schemeClr val="tx1"/>
-                      </a:solidFill>
-                      <a:prstDash val="solid"/>
-                      <a:round/>
-                      <a:headEnd type="none" w="med" len="med"/>
-                      <a:tailEnd type="none" w="med" len="med"/>
-                    </a:lnB>
-                    <a:lnTlToBr w="12700" cmpd="sng">
-                      <a:noFill/>
-                      <a:prstDash val="solid"/>
-                    </a:lnTlToBr>
-                    <a:lnBlToTr w="12700" cmpd="sng">
-                      <a:noFill/>
-                      <a:prstDash val="solid"/>
-                    </a:lnBlToTr>
-                    <a:solidFill>
-                      <a:schemeClr val="bg1"/>
-                    </a:solidFill>
-                  </a:tcPr>
-                </a:tc>
-                <a:tc hMerge="1">
-                  <a:txBody>
-                    <a:bodyPr/>
-                    <a:lstStyle/>
-                    <a:p>
-                      <a:endParaRPr lang="en-US"/>
-                    </a:p>
-                  </a:txBody>
-                  <a:tcPr/>
-                </a:tc>
-              </a:tr>
-              <a:tr h="220979">
-                <a:tc>
-                  <a:txBody>
-                    <a:bodyPr/>
-                    <a:lstStyle/>
-                    <a:p>
-                      <a:pPr algn="r" fontAlgn="b"/>
-                      <a:r>
-                        <a:rPr lang="en-US" sz="1600" b="0" i="0" u="none" strike="noStrike" smtClean="0">
-                          <a:solidFill>
-                            <a:srgbClr val="000000"/>
-                          </a:solidFill>
-                          <a:latin typeface="Calibri"/>
-                        </a:rPr>
-                        <a:t>6</a:t>
-                      </a:r>
-                      <a:endParaRPr lang="en-US" sz="1600" b="0" i="0" u="none" strike="noStrike">
-                        <a:solidFill>
-                          <a:srgbClr val="000000"/>
-                        </a:solidFill>
-                        <a:latin typeface="Calibri"/>
-                      </a:endParaRPr>
-                    </a:p>
-                  </a:txBody>
-                  <a:tcPr marL="9525" marR="9525" marT="9525" marB="0" anchor="ctr" anchorCtr="1">
-                    <a:lnL w="12700" cap="flat" cmpd="sng" algn="ctr">
-                      <a:solidFill>
-                        <a:schemeClr val="tx1"/>
-                      </a:solidFill>
-                      <a:prstDash val="solid"/>
-                      <a:round/>
-                      <a:headEnd type="none" w="med" len="med"/>
-                      <a:tailEnd type="none" w="med" len="med"/>
-                    </a:lnL>
-                    <a:lnR w="12700" cap="flat" cmpd="sng" algn="ctr">
-                      <a:solidFill>
-                        <a:schemeClr val="tx1"/>
-                      </a:solidFill>
-                      <a:prstDash val="solid"/>
-                      <a:round/>
-                      <a:headEnd type="none" w="med" len="med"/>
-                      <a:tailEnd type="none" w="med" len="med"/>
-                    </a:lnR>
-                    <a:lnT w="12700" cap="flat" cmpd="sng" algn="ctr">
-                      <a:solidFill>
-                        <a:schemeClr val="tx1"/>
-                      </a:solidFill>
-                      <a:prstDash val="solid"/>
-                      <a:round/>
-                      <a:headEnd type="none" w="med" len="med"/>
-                      <a:tailEnd type="none" w="med" len="med"/>
-                    </a:lnT>
-                    <a:lnB w="12700" cap="flat" cmpd="sng" algn="ctr">
-                      <a:solidFill>
-                        <a:schemeClr val="tx1"/>
-                      </a:solidFill>
-                      <a:prstDash val="solid"/>
-                      <a:round/>
-                      <a:headEnd type="none" w="med" len="med"/>
-                      <a:tailEnd type="none" w="med" len="med"/>
-                    </a:lnB>
-                    <a:lnTlToBr w="12700" cmpd="sng">
-                      <a:noFill/>
-                      <a:prstDash val="solid"/>
-                    </a:lnTlToBr>
-                    <a:lnBlToTr w="12700" cmpd="sng">
-                      <a:noFill/>
-                      <a:prstDash val="solid"/>
-                    </a:lnBlToTr>
-                    <a:solidFill>
-                      <a:schemeClr val="bg1"/>
+                      <a:srgbClr val="00B0F0"/>
                     </a:solidFill>
                   </a:tcPr>
                 </a:tc>
@@ -46821,720 +44524,9 @@
                       <a:prstDash val="solid"/>
                     </a:lnBlToTr>
                     <a:solidFill>
-                      <a:schemeClr val="bg1"/>
+                      <a:srgbClr val="00B0F0"/>
                     </a:solidFill>
                   </a:tcPr>
-                </a:tc>
-                <a:tc gridSpan="2">
-                  <a:txBody>
-                    <a:bodyPr/>
-                    <a:lstStyle/>
-                    <a:p>
-                      <a:pPr marL="0" marR="0" indent="0" algn="l" defTabSz="914400" rtl="0" eaLnBrk="1" fontAlgn="auto" latinLnBrk="0" hangingPunct="1">
-                        <a:lnSpc>
-                          <a:spcPct val="100000"/>
-                        </a:lnSpc>
-                        <a:spcBef>
-                          <a:spcPts val="0"/>
-                        </a:spcBef>
-                        <a:spcAft>
-                          <a:spcPts val="0"/>
-                        </a:spcAft>
-                        <a:buClrTx/>
-                        <a:buSzTx/>
-                        <a:buFontTx/>
-                        <a:buNone/>
-                        <a:tabLst/>
-                        <a:defRPr/>
-                      </a:pPr>
-                      <a:r>
-                        <a:rPr lang="en-US" sz="1600" b="0" smtClean="0">
-                          <a:solidFill>
-                            <a:schemeClr val="tx1"/>
-                          </a:solidFill>
-                        </a:rPr>
-                        <a:t>7</a:t>
-                      </a:r>
-                      <a:endParaRPr lang="en-US" sz="1600" b="0">
-                        <a:solidFill>
-                          <a:schemeClr val="tx1"/>
-                        </a:solidFill>
-                      </a:endParaRPr>
-                    </a:p>
-                  </a:txBody>
-                  <a:tcPr marL="0" marR="0" marT="0" marB="0" anchor="ctr" anchorCtr="1">
-                    <a:lnL w="12700" cap="flat" cmpd="sng" algn="ctr">
-                      <a:solidFill>
-                        <a:schemeClr val="tx1"/>
-                      </a:solidFill>
-                      <a:prstDash val="solid"/>
-                      <a:round/>
-                      <a:headEnd type="none" w="med" len="med"/>
-                      <a:tailEnd type="none" w="med" len="med"/>
-                    </a:lnL>
-                    <a:lnR w="12700" cap="flat" cmpd="sng" algn="ctr">
-                      <a:solidFill>
-                        <a:schemeClr val="tx1"/>
-                      </a:solidFill>
-                      <a:prstDash val="solid"/>
-                      <a:round/>
-                      <a:headEnd type="none" w="med" len="med"/>
-                      <a:tailEnd type="none" w="med" len="med"/>
-                    </a:lnR>
-                    <a:lnT w="12700" cap="flat" cmpd="sng" algn="ctr">
-                      <a:solidFill>
-                        <a:schemeClr val="tx1"/>
-                      </a:solidFill>
-                      <a:prstDash val="solid"/>
-                      <a:round/>
-                      <a:headEnd type="none" w="med" len="med"/>
-                      <a:tailEnd type="none" w="med" len="med"/>
-                    </a:lnT>
-                    <a:lnB w="12700" cap="flat" cmpd="sng" algn="ctr">
-                      <a:solidFill>
-                        <a:schemeClr val="tx1"/>
-                      </a:solidFill>
-                      <a:prstDash val="solid"/>
-                      <a:round/>
-                      <a:headEnd type="none" w="med" len="med"/>
-                      <a:tailEnd type="none" w="med" len="med"/>
-                    </a:lnB>
-                    <a:lnTlToBr w="12700" cmpd="sng">
-                      <a:noFill/>
-                      <a:prstDash val="solid"/>
-                    </a:lnTlToBr>
-                    <a:lnBlToTr w="12700" cmpd="sng">
-                      <a:noFill/>
-                      <a:prstDash val="solid"/>
-                    </a:lnBlToTr>
-                    <a:solidFill>
-                      <a:schemeClr val="bg1"/>
-                    </a:solidFill>
-                  </a:tcPr>
-                </a:tc>
-                <a:tc hMerge="1">
-                  <a:txBody>
-                    <a:bodyPr/>
-                    <a:lstStyle/>
-                    <a:p>
-                      <a:endParaRPr lang="en-US"/>
-                    </a:p>
-                  </a:txBody>
-                  <a:tcPr/>
-                </a:tc>
-              </a:tr>
-              <a:tr h="220979">
-                <a:tc>
-                  <a:txBody>
-                    <a:bodyPr/>
-                    <a:lstStyle/>
-                    <a:p>
-                      <a:pPr algn="r" fontAlgn="b"/>
-                      <a:r>
-                        <a:rPr lang="en-US" sz="1600" b="0" i="0" u="none" strike="noStrike" smtClean="0">
-                          <a:solidFill>
-                            <a:srgbClr val="000000"/>
-                          </a:solidFill>
-                          <a:latin typeface="Calibri"/>
-                        </a:rPr>
-                        <a:t>7</a:t>
-                      </a:r>
-                      <a:endParaRPr lang="en-US" sz="1600" b="0" i="0" u="none" strike="noStrike">
-                        <a:solidFill>
-                          <a:srgbClr val="000000"/>
-                        </a:solidFill>
-                        <a:latin typeface="Calibri"/>
-                      </a:endParaRPr>
-                    </a:p>
-                  </a:txBody>
-                  <a:tcPr marL="9525" marR="9525" marT="9525" marB="0" anchor="ctr" anchorCtr="1">
-                    <a:lnL w="12700" cap="flat" cmpd="sng" algn="ctr">
-                      <a:solidFill>
-                        <a:schemeClr val="tx1"/>
-                      </a:solidFill>
-                      <a:prstDash val="solid"/>
-                      <a:round/>
-                      <a:headEnd type="none" w="med" len="med"/>
-                      <a:tailEnd type="none" w="med" len="med"/>
-                    </a:lnL>
-                    <a:lnR w="12700" cap="flat" cmpd="sng" algn="ctr">
-                      <a:solidFill>
-                        <a:schemeClr val="tx1"/>
-                      </a:solidFill>
-                      <a:prstDash val="solid"/>
-                      <a:round/>
-                      <a:headEnd type="none" w="med" len="med"/>
-                      <a:tailEnd type="none" w="med" len="med"/>
-                    </a:lnR>
-                    <a:lnT w="12700" cap="flat" cmpd="sng" algn="ctr">
-                      <a:solidFill>
-                        <a:schemeClr val="tx1"/>
-                      </a:solidFill>
-                      <a:prstDash val="solid"/>
-                      <a:round/>
-                      <a:headEnd type="none" w="med" len="med"/>
-                      <a:tailEnd type="none" w="med" len="med"/>
-                    </a:lnT>
-                    <a:lnB w="12700" cap="flat" cmpd="sng" algn="ctr">
-                      <a:solidFill>
-                        <a:schemeClr val="tx1"/>
-                      </a:solidFill>
-                      <a:prstDash val="solid"/>
-                      <a:round/>
-                      <a:headEnd type="none" w="med" len="med"/>
-                      <a:tailEnd type="none" w="med" len="med"/>
-                    </a:lnB>
-                    <a:lnTlToBr w="12700" cmpd="sng">
-                      <a:noFill/>
-                      <a:prstDash val="solid"/>
-                    </a:lnTlToBr>
-                    <a:lnBlToTr w="12700" cmpd="sng">
-                      <a:noFill/>
-                      <a:prstDash val="solid"/>
-                    </a:lnBlToTr>
-                    <a:solidFill>
-                      <a:schemeClr val="bg1"/>
-                    </a:solidFill>
-                  </a:tcPr>
-                </a:tc>
-                <a:tc gridSpan="3">
-                  <a:txBody>
-                    <a:bodyPr/>
-                    <a:lstStyle/>
-                    <a:p>
-                      <a:r>
-                        <a:rPr lang="en-US" sz="1600" b="0" smtClean="0">
-                          <a:solidFill>
-                            <a:schemeClr val="tx1"/>
-                          </a:solidFill>
-                        </a:rPr>
-                        <a:t>¬ /1</a:t>
-                      </a:r>
-                      <a:endParaRPr lang="en-US" sz="1600" b="0">
-                        <a:solidFill>
-                          <a:schemeClr val="tx1"/>
-                        </a:solidFill>
-                      </a:endParaRPr>
-                    </a:p>
-                  </a:txBody>
-                  <a:tcPr marL="0" marR="0" marT="0" marB="0" anchor="ctr" anchorCtr="1">
-                    <a:lnL w="12700" cap="flat" cmpd="sng" algn="ctr">
-                      <a:solidFill>
-                        <a:schemeClr val="tx1"/>
-                      </a:solidFill>
-                      <a:prstDash val="solid"/>
-                      <a:round/>
-                      <a:headEnd type="none" w="med" len="med"/>
-                      <a:tailEnd type="none" w="med" len="med"/>
-                    </a:lnL>
-                    <a:lnR w="12700" cap="flat" cmpd="sng" algn="ctr">
-                      <a:solidFill>
-                        <a:schemeClr val="tx1"/>
-                      </a:solidFill>
-                      <a:prstDash val="solid"/>
-                      <a:round/>
-                      <a:headEnd type="none" w="med" len="med"/>
-                      <a:tailEnd type="none" w="med" len="med"/>
-                    </a:lnR>
-                    <a:lnT w="12700" cap="flat" cmpd="sng" algn="ctr">
-                      <a:solidFill>
-                        <a:schemeClr val="tx1"/>
-                      </a:solidFill>
-                      <a:prstDash val="solid"/>
-                      <a:round/>
-                      <a:headEnd type="none" w="med" len="med"/>
-                      <a:tailEnd type="none" w="med" len="med"/>
-                    </a:lnT>
-                    <a:lnB w="12700" cap="flat" cmpd="sng" algn="ctr">
-                      <a:solidFill>
-                        <a:schemeClr val="tx1"/>
-                      </a:solidFill>
-                      <a:prstDash val="solid"/>
-                      <a:round/>
-                      <a:headEnd type="none" w="med" len="med"/>
-                      <a:tailEnd type="none" w="med" len="med"/>
-                    </a:lnB>
-                    <a:lnTlToBr w="12700" cmpd="sng">
-                      <a:noFill/>
-                      <a:prstDash val="solid"/>
-                    </a:lnTlToBr>
-                    <a:lnBlToTr w="12700" cmpd="sng">
-                      <a:noFill/>
-                      <a:prstDash val="solid"/>
-                    </a:lnBlToTr>
-                    <a:solidFill>
-                      <a:schemeClr val="bg1"/>
-                    </a:solidFill>
-                  </a:tcPr>
-                </a:tc>
-                <a:tc hMerge="1">
-                  <a:txBody>
-                    <a:bodyPr/>
-                    <a:lstStyle/>
-                    <a:p>
-                      <a:pPr marL="0" marR="0" indent="0" algn="l" defTabSz="914400" rtl="0" eaLnBrk="1" fontAlgn="auto" latinLnBrk="0" hangingPunct="1">
-                        <a:lnSpc>
-                          <a:spcPct val="100000"/>
-                        </a:lnSpc>
-                        <a:spcBef>
-                          <a:spcPts val="0"/>
-                        </a:spcBef>
-                        <a:spcAft>
-                          <a:spcPts val="0"/>
-                        </a:spcAft>
-                        <a:buClrTx/>
-                        <a:buSzTx/>
-                        <a:buFontTx/>
-                        <a:buNone/>
-                        <a:tabLst/>
-                        <a:defRPr/>
-                      </a:pPr>
-                      <a:endParaRPr lang="en-US" sz="1600" b="0">
-                        <a:solidFill>
-                          <a:schemeClr val="tx1"/>
-                        </a:solidFill>
-                      </a:endParaRPr>
-                    </a:p>
-                  </a:txBody>
-                  <a:tcPr marL="0" marR="0" marT="0" marB="0" anchor="ctr" anchorCtr="1">
-                    <a:lnL w="12700" cap="flat" cmpd="sng" algn="ctr">
-                      <a:solidFill>
-                        <a:schemeClr val="tx1"/>
-                      </a:solidFill>
-                      <a:prstDash val="solid"/>
-                      <a:round/>
-                      <a:headEnd type="none" w="med" len="med"/>
-                      <a:tailEnd type="none" w="med" len="med"/>
-                    </a:lnL>
-                    <a:lnR w="12700" cap="flat" cmpd="sng" algn="ctr">
-                      <a:solidFill>
-                        <a:schemeClr val="tx1"/>
-                      </a:solidFill>
-                      <a:prstDash val="solid"/>
-                      <a:round/>
-                      <a:headEnd type="none" w="med" len="med"/>
-                      <a:tailEnd type="none" w="med" len="med"/>
-                    </a:lnR>
-                    <a:lnT w="12700" cap="flat" cmpd="sng" algn="ctr">
-                      <a:solidFill>
-                        <a:schemeClr val="tx1"/>
-                      </a:solidFill>
-                      <a:prstDash val="solid"/>
-                      <a:round/>
-                      <a:headEnd type="none" w="med" len="med"/>
-                      <a:tailEnd type="none" w="med" len="med"/>
-                    </a:lnT>
-                    <a:lnB w="12700" cap="flat" cmpd="sng" algn="ctr">
-                      <a:solidFill>
-                        <a:schemeClr val="tx1"/>
-                      </a:solidFill>
-                      <a:prstDash val="solid"/>
-                      <a:round/>
-                      <a:headEnd type="none" w="med" len="med"/>
-                      <a:tailEnd type="none" w="med" len="med"/>
-                    </a:lnB>
-                    <a:lnTlToBr w="12700" cmpd="sng">
-                      <a:noFill/>
-                      <a:prstDash val="solid"/>
-                    </a:lnTlToBr>
-                    <a:lnBlToTr w="12700" cmpd="sng">
-                      <a:noFill/>
-                      <a:prstDash val="solid"/>
-                    </a:lnBlToTr>
-                    <a:solidFill>
-                      <a:schemeClr val="bg1"/>
-                    </a:solidFill>
-                  </a:tcPr>
-                </a:tc>
-                <a:tc hMerge="1">
-                  <a:txBody>
-                    <a:bodyPr/>
-                    <a:lstStyle/>
-                    <a:p>
-                      <a:endParaRPr lang="en-US"/>
-                    </a:p>
-                  </a:txBody>
-                  <a:tcPr/>
-                </a:tc>
-              </a:tr>
-              <a:tr h="220979">
-                <a:tc>
-                  <a:txBody>
-                    <a:bodyPr/>
-                    <a:lstStyle/>
-                    <a:p>
-                      <a:pPr algn="r" fontAlgn="b"/>
-                      <a:r>
-                        <a:rPr lang="en-US" sz="1600" b="0" i="0" u="none" strike="noStrike" smtClean="0">
-                          <a:solidFill>
-                            <a:srgbClr val="000000"/>
-                          </a:solidFill>
-                          <a:latin typeface="Calibri"/>
-                        </a:rPr>
-                        <a:t>8</a:t>
-                      </a:r>
-                      <a:endParaRPr lang="en-US" sz="1600" b="0" i="0" u="none" strike="noStrike">
-                        <a:solidFill>
-                          <a:srgbClr val="000000"/>
-                        </a:solidFill>
-                        <a:latin typeface="Calibri"/>
-                      </a:endParaRPr>
-                    </a:p>
-                  </a:txBody>
-                  <a:tcPr marL="9525" marR="9525" marT="9525" marB="0" anchor="ctr" anchorCtr="1">
-                    <a:lnL w="12700" cap="flat" cmpd="sng" algn="ctr">
-                      <a:solidFill>
-                        <a:schemeClr val="tx1"/>
-                      </a:solidFill>
-                      <a:prstDash val="solid"/>
-                      <a:round/>
-                      <a:headEnd type="none" w="med" len="med"/>
-                      <a:tailEnd type="none" w="med" len="med"/>
-                    </a:lnL>
-                    <a:lnR w="12700" cap="flat" cmpd="sng" algn="ctr">
-                      <a:solidFill>
-                        <a:schemeClr val="tx1"/>
-                      </a:solidFill>
-                      <a:prstDash val="solid"/>
-                      <a:round/>
-                      <a:headEnd type="none" w="med" len="med"/>
-                      <a:tailEnd type="none" w="med" len="med"/>
-                    </a:lnR>
-                    <a:lnT w="12700" cap="flat" cmpd="sng" algn="ctr">
-                      <a:solidFill>
-                        <a:schemeClr val="tx1"/>
-                      </a:solidFill>
-                      <a:prstDash val="solid"/>
-                      <a:round/>
-                      <a:headEnd type="none" w="med" len="med"/>
-                      <a:tailEnd type="none" w="med" len="med"/>
-                    </a:lnT>
-                    <a:lnB w="12700" cap="flat" cmpd="sng" algn="ctr">
-                      <a:solidFill>
-                        <a:schemeClr val="tx1"/>
-                      </a:solidFill>
-                      <a:prstDash val="solid"/>
-                      <a:round/>
-                      <a:headEnd type="none" w="med" len="med"/>
-                      <a:tailEnd type="none" w="med" len="med"/>
-                    </a:lnB>
-                    <a:lnTlToBr w="12700" cmpd="sng">
-                      <a:noFill/>
-                      <a:prstDash val="solid"/>
-                    </a:lnTlToBr>
-                    <a:lnBlToTr w="12700" cmpd="sng">
-                      <a:noFill/>
-                      <a:prstDash val="solid"/>
-                    </a:lnBlToTr>
-                    <a:solidFill>
-                      <a:schemeClr val="accent2"/>
-                    </a:solidFill>
-                  </a:tcPr>
-                </a:tc>
-                <a:tc gridSpan="2">
-                  <a:txBody>
-                    <a:bodyPr/>
-                    <a:lstStyle/>
-                    <a:p>
-                      <a:r>
-                        <a:rPr lang="en-US" sz="1600" b="0" smtClean="0">
-                          <a:solidFill>
-                            <a:schemeClr val="tx1"/>
-                          </a:solidFill>
-                        </a:rPr>
-                        <a:t>QUAN</a:t>
-                      </a:r>
-                      <a:endParaRPr lang="en-US" sz="1600" b="0">
-                        <a:solidFill>
-                          <a:schemeClr val="tx1"/>
-                        </a:solidFill>
-                      </a:endParaRPr>
-                    </a:p>
-                  </a:txBody>
-                  <a:tcPr marL="0" marR="0" marT="0" marB="0" anchor="ctr" anchorCtr="1">
-                    <a:lnL w="12700" cap="flat" cmpd="sng" algn="ctr">
-                      <a:solidFill>
-                        <a:schemeClr val="tx1"/>
-                      </a:solidFill>
-                      <a:prstDash val="solid"/>
-                      <a:round/>
-                      <a:headEnd type="none" w="med" len="med"/>
-                      <a:tailEnd type="none" w="med" len="med"/>
-                    </a:lnL>
-                    <a:lnR w="12700" cap="flat" cmpd="sng" algn="ctr">
-                      <a:solidFill>
-                        <a:schemeClr val="tx1"/>
-                      </a:solidFill>
-                      <a:prstDash val="solid"/>
-                      <a:round/>
-                      <a:headEnd type="none" w="med" len="med"/>
-                      <a:tailEnd type="none" w="med" len="med"/>
-                    </a:lnR>
-                    <a:lnT w="12700" cap="flat" cmpd="sng" algn="ctr">
-                      <a:solidFill>
-                        <a:schemeClr val="tx1"/>
-                      </a:solidFill>
-                      <a:prstDash val="solid"/>
-                      <a:round/>
-                      <a:headEnd type="none" w="med" len="med"/>
-                      <a:tailEnd type="none" w="med" len="med"/>
-                    </a:lnT>
-                    <a:lnB w="12700" cap="flat" cmpd="sng" algn="ctr">
-                      <a:solidFill>
-                        <a:schemeClr val="tx1"/>
-                      </a:solidFill>
-                      <a:prstDash val="solid"/>
-                      <a:round/>
-                      <a:headEnd type="none" w="med" len="med"/>
-                      <a:tailEnd type="none" w="med" len="med"/>
-                    </a:lnB>
-                    <a:lnTlToBr w="12700" cmpd="sng">
-                      <a:noFill/>
-                      <a:prstDash val="solid"/>
-                    </a:lnTlToBr>
-                    <a:lnBlToTr w="12700" cmpd="sng">
-                      <a:noFill/>
-                      <a:prstDash val="solid"/>
-                    </a:lnBlToTr>
-                    <a:solidFill>
-                      <a:schemeClr val="accent2"/>
-                    </a:solidFill>
-                  </a:tcPr>
-                </a:tc>
-                <a:tc hMerge="1">
-                  <a:txBody>
-                    <a:bodyPr/>
-                    <a:lstStyle/>
-                    <a:p>
-                      <a:endParaRPr lang="en-US"/>
-                    </a:p>
-                  </a:txBody>
-                  <a:tcPr/>
-                </a:tc>
-                <a:tc>
-                  <a:txBody>
-                    <a:bodyPr/>
-                    <a:lstStyle/>
-                    <a:p>
-                      <a:r>
-                        <a:rPr lang="en-US" sz="1600" b="0" smtClean="0">
-                          <a:solidFill>
-                            <a:schemeClr val="tx1"/>
-                          </a:solidFill>
-                        </a:rPr>
-                        <a:t>3</a:t>
-                      </a:r>
-                      <a:endParaRPr lang="en-US" sz="1600" b="0">
-                        <a:solidFill>
-                          <a:schemeClr val="tx1"/>
-                        </a:solidFill>
-                      </a:endParaRPr>
-                    </a:p>
-                  </a:txBody>
-                  <a:tcPr marL="0" marR="0" marT="0" marB="0" anchor="ctr" anchorCtr="1">
-                    <a:lnL w="12700" cap="flat" cmpd="sng" algn="ctr">
-                      <a:solidFill>
-                        <a:schemeClr val="tx1"/>
-                      </a:solidFill>
-                      <a:prstDash val="solid"/>
-                      <a:round/>
-                      <a:headEnd type="none" w="med" len="med"/>
-                      <a:tailEnd type="none" w="med" len="med"/>
-                    </a:lnL>
-                    <a:lnR w="12700" cap="flat" cmpd="sng" algn="ctr">
-                      <a:solidFill>
-                        <a:schemeClr val="tx1"/>
-                      </a:solidFill>
-                      <a:prstDash val="solid"/>
-                      <a:round/>
-                      <a:headEnd type="none" w="med" len="med"/>
-                      <a:tailEnd type="none" w="med" len="med"/>
-                    </a:lnR>
-                    <a:lnT w="12700" cap="flat" cmpd="sng" algn="ctr">
-                      <a:solidFill>
-                        <a:schemeClr val="tx1"/>
-                      </a:solidFill>
-                      <a:prstDash val="solid"/>
-                      <a:round/>
-                      <a:headEnd type="none" w="med" len="med"/>
-                      <a:tailEnd type="none" w="med" len="med"/>
-                    </a:lnT>
-                    <a:lnB w="12700" cap="flat" cmpd="sng" algn="ctr">
-                      <a:solidFill>
-                        <a:schemeClr val="tx1"/>
-                      </a:solidFill>
-                      <a:prstDash val="solid"/>
-                      <a:round/>
-                      <a:headEnd type="none" w="med" len="med"/>
-                      <a:tailEnd type="none" w="med" len="med"/>
-                    </a:lnB>
-                    <a:lnTlToBr w="12700" cmpd="sng">
-                      <a:noFill/>
-                      <a:prstDash val="solid"/>
-                    </a:lnTlToBr>
-                    <a:lnBlToTr w="12700" cmpd="sng">
-                      <a:noFill/>
-                      <a:prstDash val="solid"/>
-                    </a:lnBlToTr>
-                    <a:solidFill>
-                      <a:schemeClr val="accent2"/>
-                    </a:solidFill>
-                  </a:tcPr>
-                </a:tc>
-              </a:tr>
-              <a:tr h="220979">
-                <a:tc>
-                  <a:txBody>
-                    <a:bodyPr/>
-                    <a:lstStyle/>
-                    <a:p>
-                      <a:pPr algn="r" fontAlgn="b"/>
-                      <a:r>
-                        <a:rPr lang="en-US" sz="1600" b="0" i="0" u="none" strike="noStrike" smtClean="0">
-                          <a:solidFill>
-                            <a:srgbClr val="000000"/>
-                          </a:solidFill>
-                          <a:latin typeface="Calibri"/>
-                        </a:rPr>
-                        <a:t>9</a:t>
-                      </a:r>
-                      <a:endParaRPr lang="en-US" sz="1600" b="0" i="0" u="none" strike="noStrike">
-                        <a:solidFill>
-                          <a:srgbClr val="000000"/>
-                        </a:solidFill>
-                        <a:latin typeface="Calibri"/>
-                      </a:endParaRPr>
-                    </a:p>
-                  </a:txBody>
-                  <a:tcPr marL="9525" marR="9525" marT="9525" marB="0" anchor="ctr" anchorCtr="1">
-                    <a:lnL w="12700" cap="flat" cmpd="sng" algn="ctr">
-                      <a:solidFill>
-                        <a:schemeClr val="tx1"/>
-                      </a:solidFill>
-                      <a:prstDash val="solid"/>
-                      <a:round/>
-                      <a:headEnd type="none" w="med" len="med"/>
-                      <a:tailEnd type="none" w="med" len="med"/>
-                    </a:lnL>
-                    <a:lnR w="12700" cap="flat" cmpd="sng" algn="ctr">
-                      <a:solidFill>
-                        <a:schemeClr val="tx1"/>
-                      </a:solidFill>
-                      <a:prstDash val="solid"/>
-                      <a:round/>
-                      <a:headEnd type="none" w="med" len="med"/>
-                      <a:tailEnd type="none" w="med" len="med"/>
-                    </a:lnR>
-                    <a:lnT w="12700" cap="flat" cmpd="sng" algn="ctr">
-                      <a:solidFill>
-                        <a:schemeClr val="tx1"/>
-                      </a:solidFill>
-                      <a:prstDash val="solid"/>
-                      <a:round/>
-                      <a:headEnd type="none" w="med" len="med"/>
-                      <a:tailEnd type="none" w="med" len="med"/>
-                    </a:lnT>
-                    <a:lnB w="12700" cap="flat" cmpd="sng" algn="ctr">
-                      <a:solidFill>
-                        <a:schemeClr val="tx1"/>
-                      </a:solidFill>
-                      <a:prstDash val="solid"/>
-                      <a:round/>
-                      <a:headEnd type="none" w="med" len="med"/>
-                      <a:tailEnd type="none" w="med" len="med"/>
-                    </a:lnB>
-                    <a:lnTlToBr w="12700" cmpd="sng">
-                      <a:noFill/>
-                      <a:prstDash val="solid"/>
-                    </a:lnTlToBr>
-                    <a:lnBlToTr w="12700" cmpd="sng">
-                      <a:noFill/>
-                      <a:prstDash val="solid"/>
-                    </a:lnBlToTr>
-                    <a:solidFill>
-                      <a:schemeClr val="bg1"/>
-                    </a:solidFill>
-                  </a:tcPr>
-                </a:tc>
-                <a:tc gridSpan="2">
-                  <a:txBody>
-                    <a:bodyPr/>
-                    <a:lstStyle/>
-                    <a:p>
-                      <a:r>
-                        <a:rPr lang="en-US" sz="1600" b="0" smtClean="0">
-                          <a:solidFill>
-                            <a:schemeClr val="tx1"/>
-                          </a:solidFill>
-                        </a:rPr>
-                        <a:t>STR</a:t>
-                      </a:r>
-                      <a:endParaRPr lang="en-US" sz="1600" b="0">
-                        <a:solidFill>
-                          <a:schemeClr val="tx1"/>
-                        </a:solidFill>
-                      </a:endParaRPr>
-                    </a:p>
-                  </a:txBody>
-                  <a:tcPr marL="0" marR="0" marT="0" marB="0" anchor="ctr" anchorCtr="1">
-                    <a:lnL w="12700" cap="flat" cmpd="sng" algn="ctr">
-                      <a:solidFill>
-                        <a:schemeClr val="tx1"/>
-                      </a:solidFill>
-                      <a:prstDash val="solid"/>
-                      <a:round/>
-                      <a:headEnd type="none" w="med" len="med"/>
-                      <a:tailEnd type="none" w="med" len="med"/>
-                    </a:lnL>
-                    <a:lnR w="12700" cap="flat" cmpd="sng" algn="ctr">
-                      <a:solidFill>
-                        <a:schemeClr val="tx1"/>
-                      </a:solidFill>
-                      <a:prstDash val="solid"/>
-                      <a:round/>
-                      <a:headEnd type="none" w="med" len="med"/>
-                      <a:tailEnd type="none" w="med" len="med"/>
-                    </a:lnR>
-                    <a:lnT w="12700" cap="flat" cmpd="sng" algn="ctr">
-                      <a:solidFill>
-                        <a:schemeClr val="tx1"/>
-                      </a:solidFill>
-                      <a:prstDash val="solid"/>
-                      <a:round/>
-                      <a:headEnd type="none" w="med" len="med"/>
-                      <a:tailEnd type="none" w="med" len="med"/>
-                    </a:lnT>
-                    <a:lnB w="12700" cap="flat" cmpd="sng" algn="ctr">
-                      <a:solidFill>
-                        <a:schemeClr val="tx1"/>
-                      </a:solidFill>
-                      <a:prstDash val="solid"/>
-                      <a:round/>
-                      <a:headEnd type="none" w="med" len="med"/>
-                      <a:tailEnd type="none" w="med" len="med"/>
-                    </a:lnB>
-                    <a:lnTlToBr w="12700" cmpd="sng">
-                      <a:noFill/>
-                      <a:prstDash val="solid"/>
-                    </a:lnTlToBr>
-                    <a:lnBlToTr w="12700" cmpd="sng">
-                      <a:noFill/>
-                      <a:prstDash val="solid"/>
-                    </a:lnBlToTr>
-                    <a:solidFill>
-                      <a:schemeClr val="bg1"/>
-                    </a:solidFill>
-                  </a:tcPr>
-                </a:tc>
-                <a:tc hMerge="1">
-                  <a:txBody>
-                    <a:bodyPr/>
-                    <a:lstStyle/>
-                    <a:p>
-                      <a:endParaRPr lang="en-US"/>
-                    </a:p>
-                  </a:txBody>
-                  <a:tcPr/>
                 </a:tc>
                 <a:tc>
                   <a:txBody>
@@ -47602,7 +44594,7 @@
                       <a:prstDash val="solid"/>
                     </a:lnBlToTr>
                     <a:solidFill>
-                      <a:schemeClr val="bg1"/>
+                      <a:srgbClr val="00B0F0"/>
                     </a:solidFill>
                   </a:tcPr>
                 </a:tc>
@@ -47619,7 +44611,7 @@
         </p:nvSpPr>
         <p:spPr>
           <a:xfrm>
-            <a:off x="2133600" y="5143500"/>
+            <a:off x="4038600" y="5143500"/>
             <a:ext cx="1676400" cy="369332"/>
           </a:xfrm>
           <a:prstGeom prst="rect">
@@ -47666,7 +44658,7 @@
             <a:fld id="{A664601A-62C5-4813-906E-C773A9392B48}" type="slidenum">
               <a:rPr lang="en-US" smtClean="0"/>
               <a:pPr/>
-              <a:t>33</a:t>
+              <a:t>32</a:t>
             </a:fld>
             <a:endParaRPr lang="en-US"/>
           </a:p>
@@ -47681,8 +44673,8 @@
           <p:nvPr/>
         </p:nvGraphicFramePr>
         <p:xfrm>
-          <a:off x="5029200" y="3314700"/>
-          <a:ext cx="1447800" cy="2194560"/>
+          <a:off x="5029200" y="3162300"/>
+          <a:ext cx="1447800" cy="1097280"/>
         </p:xfrm>
         <a:graphic>
           <a:graphicData uri="http://schemas.openxmlformats.org/drawingml/2006/table">
@@ -47695,604 +44687,6 @@
                 <a:gridCol w="604520"/>
                 <a:gridCol w="386080"/>
               </a:tblGrid>
-              <a:tr h="356235">
-                <a:tc>
-                  <a:txBody>
-                    <a:bodyPr/>
-                    <a:lstStyle/>
-                    <a:p>
-                      <a:r>
-                        <a:rPr lang="en-US" b="0" smtClean="0">
-                          <a:solidFill>
-                            <a:schemeClr val="tx1"/>
-                          </a:solidFill>
-                        </a:rPr>
-                        <a:t>0</a:t>
-                      </a:r>
-                      <a:endParaRPr lang="en-US" b="0">
-                        <a:solidFill>
-                          <a:schemeClr val="tx1"/>
-                        </a:solidFill>
-                      </a:endParaRPr>
-                    </a:p>
-                  </a:txBody>
-                  <a:tcPr>
-                    <a:lnL w="12700" cap="flat" cmpd="sng" algn="ctr">
-                      <a:solidFill>
-                        <a:schemeClr val="tx1"/>
-                      </a:solidFill>
-                      <a:prstDash val="solid"/>
-                      <a:round/>
-                      <a:headEnd type="none" w="med" len="med"/>
-                      <a:tailEnd type="none" w="med" len="med"/>
-                    </a:lnL>
-                    <a:lnR w="12700" cap="flat" cmpd="sng" algn="ctr">
-                      <a:solidFill>
-                        <a:schemeClr val="tx1"/>
-                      </a:solidFill>
-                      <a:prstDash val="solid"/>
-                      <a:round/>
-                      <a:headEnd type="none" w="med" len="med"/>
-                      <a:tailEnd type="none" w="med" len="med"/>
-                    </a:lnR>
-                    <a:lnT w="12700" cap="flat" cmpd="sng" algn="ctr">
-                      <a:solidFill>
-                        <a:schemeClr val="tx1"/>
-                      </a:solidFill>
-                      <a:prstDash val="solid"/>
-                      <a:round/>
-                      <a:headEnd type="none" w="med" len="med"/>
-                      <a:tailEnd type="none" w="med" len="med"/>
-                    </a:lnT>
-                    <a:lnB w="12700" cap="flat" cmpd="sng" algn="ctr">
-                      <a:solidFill>
-                        <a:schemeClr val="tx1"/>
-                      </a:solidFill>
-                      <a:prstDash val="solid"/>
-                      <a:round/>
-                      <a:headEnd type="none" w="med" len="med"/>
-                      <a:tailEnd type="none" w="med" len="med"/>
-                    </a:lnB>
-                    <a:solidFill>
-                      <a:schemeClr val="bg1"/>
-                    </a:solidFill>
-                  </a:tcPr>
-                </a:tc>
-                <a:tc>
-                  <a:txBody>
-                    <a:bodyPr/>
-                    <a:lstStyle/>
-                    <a:p>
-                      <a:r>
-                        <a:rPr lang="en-US" b="0" smtClean="0">
-                          <a:solidFill>
-                            <a:schemeClr val="tx1"/>
-                          </a:solidFill>
-                        </a:rPr>
-                        <a:t>SIZE</a:t>
-                      </a:r>
-                      <a:endParaRPr lang="en-US" b="0">
-                        <a:solidFill>
-                          <a:schemeClr val="tx1"/>
-                        </a:solidFill>
-                      </a:endParaRPr>
-                    </a:p>
-                  </a:txBody>
-                  <a:tcPr>
-                    <a:lnL w="12700" cap="flat" cmpd="sng" algn="ctr">
-                      <a:solidFill>
-                        <a:schemeClr val="tx1"/>
-                      </a:solidFill>
-                      <a:prstDash val="solid"/>
-                      <a:round/>
-                      <a:headEnd type="none" w="med" len="med"/>
-                      <a:tailEnd type="none" w="med" len="med"/>
-                    </a:lnL>
-                    <a:lnR w="12700" cap="flat" cmpd="sng" algn="ctr">
-                      <a:solidFill>
-                        <a:schemeClr val="tx1"/>
-                      </a:solidFill>
-                      <a:prstDash val="solid"/>
-                      <a:round/>
-                      <a:headEnd type="none" w="med" len="med"/>
-                      <a:tailEnd type="none" w="med" len="med"/>
-                    </a:lnR>
-                    <a:lnT w="12700" cap="flat" cmpd="sng" algn="ctr">
-                      <a:solidFill>
-                        <a:schemeClr val="tx1"/>
-                      </a:solidFill>
-                      <a:prstDash val="solid"/>
-                      <a:round/>
-                      <a:headEnd type="none" w="med" len="med"/>
-                      <a:tailEnd type="none" w="med" len="med"/>
-                    </a:lnT>
-                    <a:lnB w="12700" cap="flat" cmpd="sng" algn="ctr">
-                      <a:solidFill>
-                        <a:schemeClr val="tx1"/>
-                      </a:solidFill>
-                      <a:prstDash val="solid"/>
-                      <a:round/>
-                      <a:headEnd type="none" w="med" len="med"/>
-                      <a:tailEnd type="none" w="med" len="med"/>
-                    </a:lnB>
-                    <a:solidFill>
-                      <a:schemeClr val="bg1"/>
-                    </a:solidFill>
-                  </a:tcPr>
-                </a:tc>
-                <a:tc>
-                  <a:txBody>
-                    <a:bodyPr/>
-                    <a:lstStyle/>
-                    <a:p>
-                      <a:r>
-                        <a:rPr lang="en-US" b="0" smtClean="0">
-                          <a:solidFill>
-                            <a:schemeClr val="tx1"/>
-                          </a:solidFill>
-                        </a:rPr>
-                        <a:t>1</a:t>
-                      </a:r>
-                      <a:endParaRPr lang="en-US" b="0">
-                        <a:solidFill>
-                          <a:schemeClr val="tx1"/>
-                        </a:solidFill>
-                      </a:endParaRPr>
-                    </a:p>
-                  </a:txBody>
-                  <a:tcPr>
-                    <a:lnL w="12700" cap="flat" cmpd="sng" algn="ctr">
-                      <a:solidFill>
-                        <a:schemeClr val="tx1"/>
-                      </a:solidFill>
-                      <a:prstDash val="solid"/>
-                      <a:round/>
-                      <a:headEnd type="none" w="med" len="med"/>
-                      <a:tailEnd type="none" w="med" len="med"/>
-                    </a:lnL>
-                    <a:lnR w="12700" cap="flat" cmpd="sng" algn="ctr">
-                      <a:solidFill>
-                        <a:schemeClr val="tx1"/>
-                      </a:solidFill>
-                      <a:prstDash val="solid"/>
-                      <a:round/>
-                      <a:headEnd type="none" w="med" len="med"/>
-                      <a:tailEnd type="none" w="med" len="med"/>
-                    </a:lnR>
-                    <a:lnT w="12700" cap="flat" cmpd="sng" algn="ctr">
-                      <a:solidFill>
-                        <a:schemeClr val="tx1"/>
-                      </a:solidFill>
-                      <a:prstDash val="solid"/>
-                      <a:round/>
-                      <a:headEnd type="none" w="med" len="med"/>
-                      <a:tailEnd type="none" w="med" len="med"/>
-                    </a:lnT>
-                    <a:lnB w="12700" cap="flat" cmpd="sng" algn="ctr">
-                      <a:solidFill>
-                        <a:schemeClr val="tx1"/>
-                      </a:solidFill>
-                      <a:prstDash val="solid"/>
-                      <a:round/>
-                      <a:headEnd type="none" w="med" len="med"/>
-                      <a:tailEnd type="none" w="med" len="med"/>
-                    </a:lnB>
-                    <a:solidFill>
-                      <a:schemeClr val="bg1"/>
-                    </a:solidFill>
-                  </a:tcPr>
-                </a:tc>
-              </a:tr>
-              <a:tr h="356235">
-                <a:tc>
-                  <a:txBody>
-                    <a:bodyPr/>
-                    <a:lstStyle/>
-                    <a:p>
-                      <a:r>
-                        <a:rPr lang="en-US" b="0" smtClean="0">
-                          <a:solidFill>
-                            <a:schemeClr val="tx1"/>
-                          </a:solidFill>
-                        </a:rPr>
-                        <a:t>1</a:t>
-                      </a:r>
-                      <a:endParaRPr lang="en-US" b="0">
-                        <a:solidFill>
-                          <a:schemeClr val="tx1"/>
-                        </a:solidFill>
-                      </a:endParaRPr>
-                    </a:p>
-                  </a:txBody>
-                  <a:tcPr>
-                    <a:lnL w="12700" cap="flat" cmpd="sng" algn="ctr">
-                      <a:solidFill>
-                        <a:schemeClr val="tx1"/>
-                      </a:solidFill>
-                      <a:prstDash val="solid"/>
-                      <a:round/>
-                      <a:headEnd type="none" w="med" len="med"/>
-                      <a:tailEnd type="none" w="med" len="med"/>
-                    </a:lnL>
-                    <a:lnR w="12700" cap="flat" cmpd="sng" algn="ctr">
-                      <a:solidFill>
-                        <a:schemeClr val="tx1"/>
-                      </a:solidFill>
-                      <a:prstDash val="solid"/>
-                      <a:round/>
-                      <a:headEnd type="none" w="med" len="med"/>
-                      <a:tailEnd type="none" w="med" len="med"/>
-                    </a:lnR>
-                    <a:lnT w="12700" cap="flat" cmpd="sng" algn="ctr">
-                      <a:solidFill>
-                        <a:schemeClr val="tx1"/>
-                      </a:solidFill>
-                      <a:prstDash val="solid"/>
-                      <a:round/>
-                      <a:headEnd type="none" w="med" len="med"/>
-                      <a:tailEnd type="none" w="med" len="med"/>
-                    </a:lnT>
-                    <a:lnB w="12700" cap="flat" cmpd="sng" algn="ctr">
-                      <a:solidFill>
-                        <a:schemeClr val="tx1"/>
-                      </a:solidFill>
-                      <a:prstDash val="solid"/>
-                      <a:round/>
-                      <a:headEnd type="none" w="med" len="med"/>
-                      <a:tailEnd type="none" w="med" len="med"/>
-                    </a:lnB>
-                    <a:solidFill>
-                      <a:schemeClr val="bg1"/>
-                    </a:solidFill>
-                  </a:tcPr>
-                </a:tc>
-                <a:tc>
-                  <a:txBody>
-                    <a:bodyPr/>
-                    <a:lstStyle/>
-                    <a:p>
-                      <a:r>
-                        <a:rPr lang="en-US" b="0" smtClean="0">
-                          <a:solidFill>
-                            <a:schemeClr val="tx1"/>
-                          </a:solidFill>
-                        </a:rPr>
-                        <a:t>REF</a:t>
-                      </a:r>
-                      <a:endParaRPr lang="en-US" b="0">
-                        <a:solidFill>
-                          <a:schemeClr val="tx1"/>
-                        </a:solidFill>
-                      </a:endParaRPr>
-                    </a:p>
-                  </a:txBody>
-                  <a:tcPr>
-                    <a:lnL w="12700" cap="flat" cmpd="sng" algn="ctr">
-                      <a:solidFill>
-                        <a:schemeClr val="tx1"/>
-                      </a:solidFill>
-                      <a:prstDash val="solid"/>
-                      <a:round/>
-                      <a:headEnd type="none" w="med" len="med"/>
-                      <a:tailEnd type="none" w="med" len="med"/>
-                    </a:lnL>
-                    <a:lnR w="12700" cap="flat" cmpd="sng" algn="ctr">
-                      <a:solidFill>
-                        <a:schemeClr val="tx1"/>
-                      </a:solidFill>
-                      <a:prstDash val="solid"/>
-                      <a:round/>
-                      <a:headEnd type="none" w="med" len="med"/>
-                      <a:tailEnd type="none" w="med" len="med"/>
-                    </a:lnR>
-                    <a:lnT w="12700" cap="flat" cmpd="sng" algn="ctr">
-                      <a:solidFill>
-                        <a:schemeClr val="tx1"/>
-                      </a:solidFill>
-                      <a:prstDash val="solid"/>
-                      <a:round/>
-                      <a:headEnd type="none" w="med" len="med"/>
-                      <a:tailEnd type="none" w="med" len="med"/>
-                    </a:lnT>
-                    <a:lnB w="12700" cap="flat" cmpd="sng" algn="ctr">
-                      <a:solidFill>
-                        <a:schemeClr val="tx1"/>
-                      </a:solidFill>
-                      <a:prstDash val="solid"/>
-                      <a:round/>
-                      <a:headEnd type="none" w="med" len="med"/>
-                      <a:tailEnd type="none" w="med" len="med"/>
-                    </a:lnB>
-                    <a:solidFill>
-                      <a:schemeClr val="bg1"/>
-                    </a:solidFill>
-                  </a:tcPr>
-                </a:tc>
-                <a:tc>
-                  <a:txBody>
-                    <a:bodyPr/>
-                    <a:lstStyle/>
-                    <a:p>
-                      <a:r>
-                        <a:rPr lang="en-US" b="0" smtClean="0">
-                          <a:solidFill>
-                            <a:schemeClr val="tx1"/>
-                          </a:solidFill>
-                        </a:rPr>
-                        <a:t>2</a:t>
-                      </a:r>
-                      <a:endParaRPr lang="en-US" b="0">
-                        <a:solidFill>
-                          <a:schemeClr val="tx1"/>
-                        </a:solidFill>
-                      </a:endParaRPr>
-                    </a:p>
-                  </a:txBody>
-                  <a:tcPr>
-                    <a:lnL w="12700" cap="flat" cmpd="sng" algn="ctr">
-                      <a:solidFill>
-                        <a:schemeClr val="tx1"/>
-                      </a:solidFill>
-                      <a:prstDash val="solid"/>
-                      <a:round/>
-                      <a:headEnd type="none" w="med" len="med"/>
-                      <a:tailEnd type="none" w="med" len="med"/>
-                    </a:lnL>
-                    <a:lnR w="12700" cap="flat" cmpd="sng" algn="ctr">
-                      <a:solidFill>
-                        <a:schemeClr val="tx1"/>
-                      </a:solidFill>
-                      <a:prstDash val="solid"/>
-                      <a:round/>
-                      <a:headEnd type="none" w="med" len="med"/>
-                      <a:tailEnd type="none" w="med" len="med"/>
-                    </a:lnR>
-                    <a:lnT w="12700" cap="flat" cmpd="sng" algn="ctr">
-                      <a:solidFill>
-                        <a:schemeClr val="tx1"/>
-                      </a:solidFill>
-                      <a:prstDash val="solid"/>
-                      <a:round/>
-                      <a:headEnd type="none" w="med" len="med"/>
-                      <a:tailEnd type="none" w="med" len="med"/>
-                    </a:lnT>
-                    <a:lnB w="12700" cap="flat" cmpd="sng" algn="ctr">
-                      <a:solidFill>
-                        <a:schemeClr val="tx1"/>
-                      </a:solidFill>
-                      <a:prstDash val="solid"/>
-                      <a:round/>
-                      <a:headEnd type="none" w="med" len="med"/>
-                      <a:tailEnd type="none" w="med" len="med"/>
-                    </a:lnB>
-                    <a:solidFill>
-                      <a:schemeClr val="bg1"/>
-                    </a:solidFill>
-                  </a:tcPr>
-                </a:tc>
-              </a:tr>
-              <a:tr h="335280">
-                <a:tc>
-                  <a:txBody>
-                    <a:bodyPr/>
-                    <a:lstStyle/>
-                    <a:p>
-                      <a:pPr marL="0" marR="0" indent="0" algn="l" defTabSz="914400" rtl="0" eaLnBrk="1" fontAlgn="auto" latinLnBrk="0" hangingPunct="1">
-                        <a:lnSpc>
-                          <a:spcPct val="100000"/>
-                        </a:lnSpc>
-                        <a:spcBef>
-                          <a:spcPts val="0"/>
-                        </a:spcBef>
-                        <a:spcAft>
-                          <a:spcPts val="0"/>
-                        </a:spcAft>
-                        <a:buClrTx/>
-                        <a:buSzTx/>
-                        <a:buFontTx/>
-                        <a:buNone/>
-                        <a:tabLst/>
-                        <a:defRPr/>
-                      </a:pPr>
-                      <a:r>
-                        <a:rPr lang="en-US" b="0" smtClean="0">
-                          <a:solidFill>
-                            <a:schemeClr val="tx1"/>
-                          </a:solidFill>
-                        </a:rPr>
-                        <a:t>2</a:t>
-                      </a:r>
-                      <a:endParaRPr lang="en-US" b="0">
-                        <a:solidFill>
-                          <a:schemeClr val="tx1"/>
-                        </a:solidFill>
-                      </a:endParaRPr>
-                    </a:p>
-                  </a:txBody>
-                  <a:tcPr>
-                    <a:lnL w="12700" cap="flat" cmpd="sng" algn="ctr">
-                      <a:solidFill>
-                        <a:schemeClr val="tx1"/>
-                      </a:solidFill>
-                      <a:prstDash val="solid"/>
-                      <a:round/>
-                      <a:headEnd type="none" w="med" len="med"/>
-                      <a:tailEnd type="none" w="med" len="med"/>
-                    </a:lnL>
-                    <a:lnR w="12700" cap="flat" cmpd="sng" algn="ctr">
-                      <a:solidFill>
-                        <a:schemeClr val="tx1"/>
-                      </a:solidFill>
-                      <a:prstDash val="solid"/>
-                      <a:round/>
-                      <a:headEnd type="none" w="med" len="med"/>
-                      <a:tailEnd type="none" w="med" len="med"/>
-                    </a:lnR>
-                    <a:lnT w="12700" cap="flat" cmpd="sng" algn="ctr">
-                      <a:solidFill>
-                        <a:schemeClr val="tx1"/>
-                      </a:solidFill>
-                      <a:prstDash val="solid"/>
-                      <a:round/>
-                      <a:headEnd type="none" w="med" len="med"/>
-                      <a:tailEnd type="none" w="med" len="med"/>
-                    </a:lnT>
-                    <a:lnB w="12700" cap="flat" cmpd="sng" algn="ctr">
-                      <a:solidFill>
-                        <a:schemeClr val="tx1"/>
-                      </a:solidFill>
-                      <a:prstDash val="solid"/>
-                      <a:round/>
-                      <a:headEnd type="none" w="med" len="med"/>
-                      <a:tailEnd type="none" w="med" len="med"/>
-                    </a:lnB>
-                    <a:solidFill>
-                      <a:schemeClr val="bg1"/>
-                    </a:solidFill>
-                  </a:tcPr>
-                </a:tc>
-                <a:tc>
-                  <a:txBody>
-                    <a:bodyPr/>
-                    <a:lstStyle/>
-                    <a:p>
-                      <a:pPr marL="0" marR="0" indent="0" algn="l" defTabSz="914400" rtl="0" eaLnBrk="1" fontAlgn="auto" latinLnBrk="0" hangingPunct="1">
-                        <a:lnSpc>
-                          <a:spcPct val="100000"/>
-                        </a:lnSpc>
-                        <a:spcBef>
-                          <a:spcPts val="0"/>
-                        </a:spcBef>
-                        <a:spcAft>
-                          <a:spcPts val="0"/>
-                        </a:spcAft>
-                        <a:buClrTx/>
-                        <a:buSzTx/>
-                        <a:buFontTx/>
-                        <a:buNone/>
-                        <a:tabLst/>
-                        <a:defRPr/>
-                      </a:pPr>
-                      <a:r>
-                        <a:rPr lang="en-US" b="0" smtClean="0">
-                          <a:solidFill>
-                            <a:schemeClr val="tx1"/>
-                          </a:solidFill>
-                        </a:rPr>
-                        <a:t>∃</a:t>
-                      </a:r>
-                      <a:endParaRPr lang="en-US" b="0">
-                        <a:solidFill>
-                          <a:schemeClr val="tx1"/>
-                        </a:solidFill>
-                      </a:endParaRPr>
-                    </a:p>
-                  </a:txBody>
-                  <a:tcPr>
-                    <a:lnL w="12700" cap="flat" cmpd="sng" algn="ctr">
-                      <a:solidFill>
-                        <a:schemeClr val="tx1"/>
-                      </a:solidFill>
-                      <a:prstDash val="solid"/>
-                      <a:round/>
-                      <a:headEnd type="none" w="med" len="med"/>
-                      <a:tailEnd type="none" w="med" len="med"/>
-                    </a:lnL>
-                    <a:lnR w="12700" cap="flat" cmpd="sng" algn="ctr">
-                      <a:solidFill>
-                        <a:schemeClr val="tx1"/>
-                      </a:solidFill>
-                      <a:prstDash val="solid"/>
-                      <a:round/>
-                      <a:headEnd type="none" w="med" len="med"/>
-                      <a:tailEnd type="none" w="med" len="med"/>
-                    </a:lnR>
-                    <a:lnT w="12700" cap="flat" cmpd="sng" algn="ctr">
-                      <a:solidFill>
-                        <a:schemeClr val="tx1"/>
-                      </a:solidFill>
-                      <a:prstDash val="solid"/>
-                      <a:round/>
-                      <a:headEnd type="none" w="med" len="med"/>
-                      <a:tailEnd type="none" w="med" len="med"/>
-                    </a:lnT>
-                    <a:lnB w="12700" cap="flat" cmpd="sng" algn="ctr">
-                      <a:solidFill>
-                        <a:schemeClr val="tx1"/>
-                      </a:solidFill>
-                      <a:prstDash val="solid"/>
-                      <a:round/>
-                      <a:headEnd type="none" w="med" len="med"/>
-                      <a:tailEnd type="none" w="med" len="med"/>
-                    </a:lnB>
-                    <a:solidFill>
-                      <a:schemeClr val="bg1"/>
-                    </a:solidFill>
-                  </a:tcPr>
-                </a:tc>
-                <a:tc>
-                  <a:txBody>
-                    <a:bodyPr/>
-                    <a:lstStyle/>
-                    <a:p>
-                      <a:r>
-                        <a:rPr lang="en-US" b="0" smtClean="0">
-                          <a:solidFill>
-                            <a:schemeClr val="tx1"/>
-                          </a:solidFill>
-                        </a:rPr>
-                        <a:t>x</a:t>
-                      </a:r>
-                      <a:endParaRPr lang="en-US" b="0">
-                        <a:solidFill>
-                          <a:schemeClr val="tx1"/>
-                        </a:solidFill>
-                      </a:endParaRPr>
-                    </a:p>
-                  </a:txBody>
-                  <a:tcPr>
-                    <a:lnL w="12700" cap="flat" cmpd="sng" algn="ctr">
-                      <a:solidFill>
-                        <a:schemeClr val="tx1"/>
-                      </a:solidFill>
-                      <a:prstDash val="solid"/>
-                      <a:round/>
-                      <a:headEnd type="none" w="med" len="med"/>
-                      <a:tailEnd type="none" w="med" len="med"/>
-                    </a:lnL>
-                    <a:lnR w="12700" cap="flat" cmpd="sng" algn="ctr">
-                      <a:solidFill>
-                        <a:schemeClr val="tx1"/>
-                      </a:solidFill>
-                      <a:prstDash val="solid"/>
-                      <a:round/>
-                      <a:headEnd type="none" w="med" len="med"/>
-                      <a:tailEnd type="none" w="med" len="med"/>
-                    </a:lnR>
-                    <a:lnT w="12700" cap="flat" cmpd="sng" algn="ctr">
-                      <a:solidFill>
-                        <a:schemeClr val="tx1"/>
-                      </a:solidFill>
-                      <a:prstDash val="solid"/>
-                      <a:round/>
-                      <a:headEnd type="none" w="med" len="med"/>
-                      <a:tailEnd type="none" w="med" len="med"/>
-                    </a:lnT>
-                    <a:lnB w="12700" cap="flat" cmpd="sng" algn="ctr">
-                      <a:solidFill>
-                        <a:schemeClr val="tx1"/>
-                      </a:solidFill>
-                      <a:prstDash val="solid"/>
-                      <a:round/>
-                      <a:headEnd type="none" w="med" len="med"/>
-                      <a:tailEnd type="none" w="med" len="med"/>
-                    </a:lnB>
-                    <a:solidFill>
-                      <a:schemeClr val="bg1"/>
-                    </a:solidFill>
-                  </a:tcPr>
-                </a:tc>
-              </a:tr>
               <a:tr h="335280">
                 <a:tc>
                   <a:txBody>
@@ -48369,7 +44763,7 @@
                       <a:tailEnd type="none" w="med" len="med"/>
                     </a:lnB>
                     <a:solidFill>
-                      <a:schemeClr val="bg1"/>
+                      <a:srgbClr val="00B0F0"/>
                     </a:solidFill>
                   </a:tcPr>
                 </a:tc>
@@ -48448,7 +44842,7 @@
                       <a:tailEnd type="none" w="med" len="med"/>
                     </a:lnB>
                     <a:solidFill>
-                      <a:schemeClr val="bg1"/>
+                      <a:srgbClr val="00B0F0"/>
                     </a:solidFill>
                   </a:tcPr>
                 </a:tc>
@@ -48510,7 +44904,7 @@
                       <a:tailEnd type="none" w="med" len="med"/>
                     </a:lnB>
                     <a:solidFill>
-                      <a:schemeClr val="bg1"/>
+                      <a:srgbClr val="00B0F0"/>
                     </a:solidFill>
                   </a:tcPr>
                 </a:tc>
@@ -48591,7 +44985,7 @@
                       <a:tailEnd type="none" w="med" len="med"/>
                     </a:lnB>
                     <a:solidFill>
-                      <a:schemeClr val="bg1"/>
+                      <a:srgbClr val="00B0F0"/>
                     </a:solidFill>
                   </a:tcPr>
                 </a:tc>
@@ -48670,7 +45064,7 @@
                       <a:tailEnd type="none" w="med" len="med"/>
                     </a:lnB>
                     <a:solidFill>
-                      <a:schemeClr val="bg1"/>
+                      <a:srgbClr val="00B0F0"/>
                     </a:solidFill>
                   </a:tcPr>
                 </a:tc>
@@ -48732,7 +45126,7 @@
                       <a:tailEnd type="none" w="med" len="med"/>
                     </a:lnB>
                     <a:solidFill>
-                      <a:schemeClr val="bg1"/>
+                      <a:srgbClr val="00B0F0"/>
                     </a:solidFill>
                   </a:tcPr>
                 </a:tc>
@@ -48813,7 +45207,7 @@
                       <a:tailEnd type="none" w="med" len="med"/>
                     </a:lnB>
                     <a:solidFill>
-                      <a:schemeClr val="bg1"/>
+                      <a:srgbClr val="00B0F0"/>
                     </a:solidFill>
                   </a:tcPr>
                 </a:tc>
@@ -48892,7 +45286,7 @@
                       <a:tailEnd type="none" w="med" len="med"/>
                     </a:lnB>
                     <a:solidFill>
-                      <a:schemeClr val="bg1"/>
+                      <a:srgbClr val="00B0F0"/>
                     </a:solidFill>
                   </a:tcPr>
                 </a:tc>
@@ -48954,7 +45348,7 @@
                       <a:tailEnd type="none" w="med" len="med"/>
                     </a:lnB>
                     <a:solidFill>
-                      <a:schemeClr val="bg1"/>
+                      <a:srgbClr val="00B0F0"/>
                     </a:solidFill>
                   </a:tcPr>
                 </a:tc>
@@ -49145,7 +45539,7 @@
 </p:sld>
 </file>
 
-<file path=ppt/slides/slide34.xml><?xml version="1.0" encoding="utf-8"?>
+<file path=ppt/slides/slide33.xml><?xml version="1.0" encoding="utf-8"?>
 <p:sld xmlns:a="http://schemas.openxmlformats.org/drawingml/2006/main" xmlns:r="http://schemas.openxmlformats.org/officeDocument/2006/relationships" xmlns:p="http://schemas.openxmlformats.org/presentationml/2006/main">
   <p:cSld>
     <p:spTree>
@@ -49359,7 +45753,7 @@
             <a:fld id="{A664601A-62C5-4813-906E-C773A9392B48}" type="slidenum">
               <a:rPr lang="en-US" smtClean="0"/>
               <a:pPr/>
-              <a:t>34</a:t>
+              <a:t>33</a:t>
             </a:fld>
             <a:endParaRPr lang="en-US"/>
           </a:p>
@@ -49380,7 +45774,7 @@
 </p:sld>
 </file>
 
-<file path=ppt/slides/slide35.xml><?xml version="1.0" encoding="utf-8"?>
+<file path=ppt/slides/slide34.xml><?xml version="1.0" encoding="utf-8"?>
 <p:sld xmlns:a="http://schemas.openxmlformats.org/drawingml/2006/main" xmlns:r="http://schemas.openxmlformats.org/officeDocument/2006/relationships" xmlns:p="http://schemas.openxmlformats.org/presentationml/2006/main">
   <p:cSld>
     <p:spTree>
@@ -49479,7 +45873,7 @@
             <a:fld id="{A664601A-62C5-4813-906E-C773A9392B48}" type="slidenum">
               <a:rPr lang="en-US" smtClean="0"/>
               <a:pPr/>
-              <a:t>35</a:t>
+              <a:t>34</a:t>
             </a:fld>
             <a:endParaRPr lang="en-US"/>
           </a:p>
@@ -49537,14 +45931,7 @@
                 <a:latin typeface="Times New Roman" pitchFamily="18" charset="0"/>
                 <a:cs typeface="Times New Roman" pitchFamily="18" charset="0"/>
               </a:rPr>
-              <a:t>DẪN NHẬP </a:t>
-            </a:r>
-            <a:r>
-              <a:rPr lang="en-US" smtClean="0">
-                <a:latin typeface="Times New Roman" pitchFamily="18" charset="0"/>
-                <a:cs typeface="Times New Roman" pitchFamily="18" charset="0"/>
-              </a:rPr>
-              <a:t>(3)</a:t>
+              <a:t>DẪN NHẬP (3)</a:t>
             </a:r>
             <a:endParaRPr lang="en-US">
               <a:latin typeface="Times New Roman" pitchFamily="18" charset="0"/>
@@ -49586,19 +45973,7 @@
             </a:pPr>
             <a:r>
               <a:rPr lang="en-US" smtClean="0"/>
-              <a:t>∀</a:t>
-            </a:r>
-            <a:r>
-              <a:rPr lang="en-US" smtClean="0"/>
-              <a:t>x (brazil(x)→</a:t>
-            </a:r>
-            <a:r>
-              <a:rPr lang="en-US" smtClean="0"/>
-              <a:t>wc(x</a:t>
-            </a:r>
-            <a:r>
-              <a:rPr lang="en-US" smtClean="0"/>
-              <a:t>))</a:t>
+              <a:t>∀x (brazil(x)→wc(x))</a:t>
             </a:r>
           </a:p>
           <a:p>
@@ -49608,19 +45983,7 @@
             </a:pPr>
             <a:r>
               <a:rPr lang="en-US" smtClean="0"/>
-              <a:t>∀</a:t>
-            </a:r>
-            <a:r>
-              <a:rPr lang="en-US" smtClean="0"/>
-              <a:t>x (barca(x) →</a:t>
-            </a:r>
-            <a:r>
-              <a:rPr lang="en-US" smtClean="0"/>
-              <a:t>c1(x</a:t>
-            </a:r>
-            <a:r>
-              <a:rPr lang="en-US" smtClean="0"/>
-              <a:t>))</a:t>
+              <a:t>∀x (barca(x) →c1(x))</a:t>
             </a:r>
           </a:p>
           <a:p>
@@ -49642,7 +46005,6 @@
               <a:rPr lang="en-US" smtClean="0"/>
               <a:t>barca(Ronaldinho)</a:t>
             </a:r>
-            <a:endParaRPr lang="en-US" smtClean="0"/>
           </a:p>
           <a:p>
             <a:pPr>
@@ -49659,29 +46021,8 @@
             </a:pPr>
             <a:r>
               <a:rPr lang="en-US" smtClean="0"/>
-              <a:t>	</a:t>
+              <a:t>	wc(Ronaldinho) ∧ c1(Ronaldinho)</a:t>
             </a:r>
-            <a:r>
-              <a:rPr lang="en-US" smtClean="0"/>
-              <a:t>wc(Ronaldinho</a:t>
-            </a:r>
-            <a:r>
-              <a:rPr lang="en-US" smtClean="0"/>
-              <a:t>) </a:t>
-            </a:r>
-            <a:r>
-              <a:rPr lang="en-US" smtClean="0"/>
-              <a:t>∧ </a:t>
-            </a:r>
-            <a:r>
-              <a:rPr lang="en-US" smtClean="0"/>
-              <a:t>c1(Ronaldinho</a:t>
-            </a:r>
-            <a:r>
-              <a:rPr lang="en-US" smtClean="0"/>
-              <a:t>)</a:t>
-            </a:r>
-            <a:endParaRPr lang="en-US" smtClean="0"/>
           </a:p>
           <a:p>
             <a:pPr marL="514350" indent="-514350">
@@ -49778,7 +46119,7 @@
               <a:rPr lang="en-US" smtClean="0">
                 <a:latin typeface="Times New Roman" pitchFamily="18" charset="0"/>
               </a:rPr>
-              <a:t>GIỚI THIỆU ĐỀ TÀI(2)</a:t>
+              <a:t>DẪN NHẬP (4)</a:t>
             </a:r>
             <a:endParaRPr lang="en-US">
               <a:latin typeface="Times New Roman" pitchFamily="18" charset="0"/>

--- a/trunk/Report/SUY LUẬN TỰ NHIÊN.pptx
+++ b/trunk/Report/SUY LUẬN TỰ NHIÊN.pptx
@@ -7079,7 +7079,11 @@
         <a:p>
           <a:r>
             <a:rPr lang="en-US" smtClean="0"/>
-            <a:t>ND System </a:t>
+            <a:t>ND </a:t>
+          </a:r>
+          <a:r>
+            <a:rPr lang="en-US" smtClean="0"/>
+            <a:t>Inferencer </a:t>
           </a:r>
           <a:endParaRPr lang="en-US"/>
         </a:p>
@@ -8506,8 +8510,8 @@
     <dgm:cxn modelId="{89567E82-6319-4DA2-9474-1BD3A8697C19}" type="presOf" srcId="{593248D9-0442-439F-9C3C-E048354EC003}" destId="{8E8D42DD-88F7-4F99-B601-10FA49CDF0D6}" srcOrd="0" destOrd="0" presId="urn:microsoft.com/office/officeart/2005/8/layout/radial4"/>
     <dgm:cxn modelId="{1EDCDCD6-A433-4B55-9723-EB2528846CF4}" srcId="{593248D9-0442-439F-9C3C-E048354EC003}" destId="{68187428-F245-4903-B920-C789A68C8D3C}" srcOrd="3" destOrd="0" parTransId="{5160E2D1-F6F4-46C6-9C6A-1C02B231075E}" sibTransId="{F6FC4D53-703A-4BD0-9E95-E34E162CBACE}"/>
     <dgm:cxn modelId="{126267F6-A5C7-4884-ADC2-F614F6FC5395}" type="presOf" srcId="{FB22D5B5-1963-42CA-BEEC-CC6B5EEE6D75}" destId="{090C4A32-0438-4880-B679-3F8DBEEB9D7D}" srcOrd="0" destOrd="0" presId="urn:microsoft.com/office/officeart/2005/8/layout/radial4"/>
+    <dgm:cxn modelId="{971BE77F-02C4-4BA1-8ADA-547442B159F5}" srcId="{593248D9-0442-439F-9C3C-E048354EC003}" destId="{D37D2FC7-415B-4072-86E8-C83D32EA50E4}" srcOrd="2" destOrd="0" parTransId="{427FAEEA-455B-413B-9851-06C6ECB1DF94}" sibTransId="{E9E9BD89-3898-4512-8C34-9AC2619F21B3}"/>
     <dgm:cxn modelId="{25282130-ACEF-4605-A5BE-61520CAB9A7C}" type="presOf" srcId="{68187428-F245-4903-B920-C789A68C8D3C}" destId="{4E3C4A2E-0BC9-470D-A6A5-902BC3D09A15}" srcOrd="0" destOrd="0" presId="urn:microsoft.com/office/officeart/2005/8/layout/radial4"/>
-    <dgm:cxn modelId="{971BE77F-02C4-4BA1-8ADA-547442B159F5}" srcId="{593248D9-0442-439F-9C3C-E048354EC003}" destId="{D37D2FC7-415B-4072-86E8-C83D32EA50E4}" srcOrd="2" destOrd="0" parTransId="{427FAEEA-455B-413B-9851-06C6ECB1DF94}" sibTransId="{E9E9BD89-3898-4512-8C34-9AC2619F21B3}"/>
     <dgm:cxn modelId="{A81BBCF7-EF39-4C78-942B-D01768698B8F}" srcId="{F2C478DF-C240-4FB1-BF51-481D74C285AB}" destId="{7C7B77A0-F8EF-4AB3-8E21-762440CD670D}" srcOrd="2" destOrd="0" parTransId="{CFD9E4CA-C06B-4FEB-85B5-37ED3E21B688}" sibTransId="{B9171FC6-571A-4057-BEE8-06B1FC26BC9E}"/>
     <dgm:cxn modelId="{87E7894E-E234-462A-A4E7-D24935567897}" type="presOf" srcId="{D37D2FC7-415B-4072-86E8-C83D32EA50E4}" destId="{28E6711B-2FCE-46DC-BC44-D63E2DC94367}" srcOrd="0" destOrd="0" presId="urn:microsoft.com/office/officeart/2005/8/layout/radial4"/>
     <dgm:cxn modelId="{EEDE7422-3D2D-4E06-B969-C396DBE5E04F}" srcId="{F2C478DF-C240-4FB1-BF51-481D74C285AB}" destId="{E1E64C65-5E15-4481-ACE4-5AD35F0A91CA}" srcOrd="1" destOrd="0" parTransId="{78A20770-3546-44F6-9749-1085968B3626}" sibTransId="{DC0048F6-D630-47B1-A0D4-514DD9288F59}"/>
@@ -16743,7 +16747,7 @@
             <a:fld id="{D4449DB8-AEDA-4522-9FBD-29239527051E}" type="datetimeFigureOut">
               <a:rPr lang="en-US" smtClean="0"/>
               <a:pPr/>
-              <a:t>1/8/2009</a:t>
+              <a:t>1/12/2009</a:t>
             </a:fld>
             <a:endParaRPr lang="en-US"/>
           </a:p>
@@ -16910,7 +16914,7 @@
             <a:fld id="{7F395179-3BA3-4F92-B443-FE0887EE905B}" type="datetimeFigureOut">
               <a:rPr lang="en-US" smtClean="0"/>
               <a:pPr/>
-              <a:t>1/8/2009</a:t>
+              <a:t>1/12/2009</a:t>
             </a:fld>
             <a:endParaRPr lang="en-US"/>
           </a:p>
@@ -17483,7 +17487,7 @@
             <a:fld id="{3CD4B6AE-2830-475D-9D98-17A6242FC48F}" type="datetime1">
               <a:rPr lang="en-US" smtClean="0"/>
               <a:pPr/>
-              <a:t>1/8/2009</a:t>
+              <a:t>1/12/2009</a:t>
             </a:fld>
             <a:endParaRPr lang="en-US"/>
           </a:p>
@@ -17654,7 +17658,7 @@
             <a:fld id="{316CB1DA-C240-4815-9A2E-CEC8A3ED7ECF}" type="datetime1">
               <a:rPr lang="en-US" smtClean="0"/>
               <a:pPr/>
-              <a:t>1/8/2009</a:t>
+              <a:t>1/12/2009</a:t>
             </a:fld>
             <a:endParaRPr lang="en-US"/>
           </a:p>
@@ -17835,7 +17839,7 @@
             <a:fld id="{38B71921-738B-4E44-89D7-BFE7DF46746C}" type="datetime1">
               <a:rPr lang="en-US" smtClean="0"/>
               <a:pPr/>
-              <a:t>1/8/2009</a:t>
+              <a:t>1/12/2009</a:t>
             </a:fld>
             <a:endParaRPr lang="en-US"/>
           </a:p>
@@ -18006,7 +18010,7 @@
             <a:fld id="{D728E92B-1706-43BA-A268-C771A67E99FD}" type="datetime1">
               <a:rPr lang="en-US" smtClean="0"/>
               <a:pPr/>
-              <a:t>1/8/2009</a:t>
+              <a:t>1/12/2009</a:t>
             </a:fld>
             <a:endParaRPr lang="en-US"/>
           </a:p>
@@ -18253,7 +18257,7 @@
             <a:fld id="{1E69C015-586A-4098-BCEE-1380104B5EDD}" type="datetime1">
               <a:rPr lang="en-US" smtClean="0"/>
               <a:pPr/>
-              <a:t>1/8/2009</a:t>
+              <a:t>1/12/2009</a:t>
             </a:fld>
             <a:endParaRPr lang="en-US"/>
           </a:p>
@@ -18542,7 +18546,7 @@
             <a:fld id="{8DF7BD1E-742D-43EF-8F68-DEA63834DDDA}" type="datetime1">
               <a:rPr lang="en-US" smtClean="0"/>
               <a:pPr/>
-              <a:t>1/8/2009</a:t>
+              <a:t>1/12/2009</a:t>
             </a:fld>
             <a:endParaRPr lang="en-US"/>
           </a:p>
@@ -18970,7 +18974,7 @@
             <a:fld id="{67D44CE6-C892-4CA5-BE53-D68FC00EB7E1}" type="datetime1">
               <a:rPr lang="en-US" smtClean="0"/>
               <a:pPr/>
-              <a:t>1/8/2009</a:t>
+              <a:t>1/12/2009</a:t>
             </a:fld>
             <a:endParaRPr lang="en-US"/>
           </a:p>
@@ -19089,7 +19093,7 @@
             <a:fld id="{30BBAE5E-795C-4E17-A7A1-34A158665FD3}" type="datetime1">
               <a:rPr lang="en-US" smtClean="0"/>
               <a:pPr/>
-              <a:t>1/8/2009</a:t>
+              <a:t>1/12/2009</a:t>
             </a:fld>
             <a:endParaRPr lang="en-US"/>
           </a:p>
@@ -19185,7 +19189,7 @@
             <a:fld id="{C0DD6DD4-F208-4607-AAFB-5F3A6EB00A62}" type="datetime1">
               <a:rPr lang="en-US" smtClean="0"/>
               <a:pPr/>
-              <a:t>1/8/2009</a:t>
+              <a:t>1/12/2009</a:t>
             </a:fld>
             <a:endParaRPr lang="en-US"/>
           </a:p>
@@ -19463,7 +19467,7 @@
             <a:fld id="{4FFF9357-7351-4A1B-8A2A-DBC4729FF646}" type="datetime1">
               <a:rPr lang="en-US" smtClean="0"/>
               <a:pPr/>
-              <a:t>1/8/2009</a:t>
+              <a:t>1/12/2009</a:t>
             </a:fld>
             <a:endParaRPr lang="en-US"/>
           </a:p>
@@ -19717,7 +19721,7 @@
             <a:fld id="{5E0BE99E-A6C3-47EA-9DBA-C17BE2EBA77C}" type="datetime1">
               <a:rPr lang="en-US" smtClean="0"/>
               <a:pPr/>
-              <a:t>1/8/2009</a:t>
+              <a:t>1/12/2009</a:t>
             </a:fld>
             <a:endParaRPr lang="en-US"/>
           </a:p>
@@ -19931,7 +19935,7 @@
             <a:fld id="{E14BB709-10DD-41BE-9A16-B4BC3C7FE4D5}" type="datetime1">
               <a:rPr lang="en-US" smtClean="0"/>
               <a:pPr/>
-              <a:t>1/8/2009</a:t>
+              <a:t>1/12/2009</a:t>
             </a:fld>
             <a:endParaRPr lang="en-US"/>
           </a:p>
@@ -32712,7 +32716,13 @@
               <a:rPr lang="en-US" smtClean="0">
                 <a:latin typeface="Times New Roman" pitchFamily="18" charset="0"/>
               </a:rPr>
-              <a:t>ND System</a:t>
+              <a:t>ND </a:t>
+            </a:r>
+            <a:r>
+              <a:rPr lang="en-US" smtClean="0">
+                <a:latin typeface="Times New Roman" pitchFamily="18" charset="0"/>
+              </a:rPr>
+              <a:t>Inferencer</a:t>
             </a:r>
             <a:endParaRPr lang="en-US">
               <a:latin typeface="Times New Roman" pitchFamily="18" charset="0"/>
@@ -33143,7 +33153,213 @@
   <p:timing>
     <p:tnLst>
       <p:par>
-        <p:cTn id="1" dur="indefinite" restart="never" nodeType="tmRoot"/>
+        <p:cTn id="1" dur="indefinite" restart="never" nodeType="tmRoot">
+          <p:childTnLst>
+            <p:seq concurrent="1" nextAc="seek">
+              <p:cTn id="2" dur="indefinite" nodeType="mainSeq">
+                <p:childTnLst>
+                  <p:par>
+                    <p:cTn id="3" fill="hold">
+                      <p:stCondLst>
+                        <p:cond delay="indefinite"/>
+                      </p:stCondLst>
+                      <p:childTnLst>
+                        <p:par>
+                          <p:cTn id="4" fill="hold">
+                            <p:stCondLst>
+                              <p:cond delay="0"/>
+                            </p:stCondLst>
+                            <p:childTnLst>
+                              <p:par>
+                                <p:cTn id="5" presetID="3" presetClass="entr" presetSubtype="10" fill="hold" nodeType="clickEffect">
+                                  <p:stCondLst>
+                                    <p:cond delay="0"/>
+                                  </p:stCondLst>
+                                  <p:childTnLst>
+                                    <p:set>
+                                      <p:cBhvr>
+                                        <p:cTn id="6" dur="1" fill="hold">
+                                          <p:stCondLst>
+                                            <p:cond delay="0"/>
+                                          </p:stCondLst>
+                                        </p:cTn>
+                                        <p:tgtEl>
+                                          <p:spTgt spid="12">
+                                            <p:txEl>
+                                              <p:pRg st="2" end="2"/>
+                                            </p:txEl>
+                                          </p:spTgt>
+                                        </p:tgtEl>
+                                        <p:attrNameLst>
+                                          <p:attrName>style.visibility</p:attrName>
+                                        </p:attrNameLst>
+                                      </p:cBhvr>
+                                      <p:to>
+                                        <p:strVal val="visible"/>
+                                      </p:to>
+                                    </p:set>
+                                    <p:animEffect transition="in" filter="blinds(horizontal)">
+                                      <p:cBhvr>
+                                        <p:cTn id="7" dur="500"/>
+                                        <p:tgtEl>
+                                          <p:spTgt spid="12">
+                                            <p:txEl>
+                                              <p:pRg st="2" end="2"/>
+                                            </p:txEl>
+                                          </p:spTgt>
+                                        </p:tgtEl>
+                                      </p:cBhvr>
+                                    </p:animEffect>
+                                  </p:childTnLst>
+                                </p:cTn>
+                              </p:par>
+                            </p:childTnLst>
+                          </p:cTn>
+                        </p:par>
+                      </p:childTnLst>
+                    </p:cTn>
+                  </p:par>
+                  <p:par>
+                    <p:cTn id="8" fill="hold">
+                      <p:stCondLst>
+                        <p:cond delay="indefinite"/>
+                      </p:stCondLst>
+                      <p:childTnLst>
+                        <p:par>
+                          <p:cTn id="9" fill="hold">
+                            <p:stCondLst>
+                              <p:cond delay="0"/>
+                            </p:stCondLst>
+                            <p:childTnLst>
+                              <p:par>
+                                <p:cTn id="10" presetID="3" presetClass="entr" presetSubtype="10" fill="hold" nodeType="clickEffect">
+                                  <p:stCondLst>
+                                    <p:cond delay="0"/>
+                                  </p:stCondLst>
+                                  <p:childTnLst>
+                                    <p:set>
+                                      <p:cBhvr>
+                                        <p:cTn id="11" dur="1" fill="hold">
+                                          <p:stCondLst>
+                                            <p:cond delay="0"/>
+                                          </p:stCondLst>
+                                        </p:cTn>
+                                        <p:tgtEl>
+                                          <p:spTgt spid="12">
+                                            <p:txEl>
+                                              <p:pRg st="3" end="3"/>
+                                            </p:txEl>
+                                          </p:spTgt>
+                                        </p:tgtEl>
+                                        <p:attrNameLst>
+                                          <p:attrName>style.visibility</p:attrName>
+                                        </p:attrNameLst>
+                                      </p:cBhvr>
+                                      <p:to>
+                                        <p:strVal val="visible"/>
+                                      </p:to>
+                                    </p:set>
+                                    <p:animEffect transition="in" filter="blinds(horizontal)">
+                                      <p:cBhvr>
+                                        <p:cTn id="12" dur="500"/>
+                                        <p:tgtEl>
+                                          <p:spTgt spid="12">
+                                            <p:txEl>
+                                              <p:pRg st="3" end="3"/>
+                                            </p:txEl>
+                                          </p:spTgt>
+                                        </p:tgtEl>
+                                      </p:cBhvr>
+                                    </p:animEffect>
+                                  </p:childTnLst>
+                                </p:cTn>
+                              </p:par>
+                            </p:childTnLst>
+                          </p:cTn>
+                        </p:par>
+                      </p:childTnLst>
+                    </p:cTn>
+                  </p:par>
+                  <p:par>
+                    <p:cTn id="13" fill="hold">
+                      <p:stCondLst>
+                        <p:cond delay="indefinite"/>
+                      </p:stCondLst>
+                      <p:childTnLst>
+                        <p:par>
+                          <p:cTn id="14" fill="hold">
+                            <p:stCondLst>
+                              <p:cond delay="0"/>
+                            </p:stCondLst>
+                            <p:childTnLst>
+                              <p:par>
+                                <p:cTn id="15" presetID="3" presetClass="entr" presetSubtype="10" fill="hold" nodeType="clickEffect">
+                                  <p:stCondLst>
+                                    <p:cond delay="0"/>
+                                  </p:stCondLst>
+                                  <p:childTnLst>
+                                    <p:set>
+                                      <p:cBhvr>
+                                        <p:cTn id="16" dur="1" fill="hold">
+                                          <p:stCondLst>
+                                            <p:cond delay="0"/>
+                                          </p:stCondLst>
+                                        </p:cTn>
+                                        <p:tgtEl>
+                                          <p:spTgt spid="12">
+                                            <p:txEl>
+                                              <p:pRg st="4" end="4"/>
+                                            </p:txEl>
+                                          </p:spTgt>
+                                        </p:tgtEl>
+                                        <p:attrNameLst>
+                                          <p:attrName>style.visibility</p:attrName>
+                                        </p:attrNameLst>
+                                      </p:cBhvr>
+                                      <p:to>
+                                        <p:strVal val="visible"/>
+                                      </p:to>
+                                    </p:set>
+                                    <p:animEffect transition="in" filter="blinds(horizontal)">
+                                      <p:cBhvr>
+                                        <p:cTn id="17" dur="500"/>
+                                        <p:tgtEl>
+                                          <p:spTgt spid="12">
+                                            <p:txEl>
+                                              <p:pRg st="4" end="4"/>
+                                            </p:txEl>
+                                          </p:spTgt>
+                                        </p:tgtEl>
+                                      </p:cBhvr>
+                                    </p:animEffect>
+                                  </p:childTnLst>
+                                </p:cTn>
+                              </p:par>
+                            </p:childTnLst>
+                          </p:cTn>
+                        </p:par>
+                      </p:childTnLst>
+                    </p:cTn>
+                  </p:par>
+                </p:childTnLst>
+              </p:cTn>
+              <p:prevCondLst>
+                <p:cond evt="onPrev" delay="0">
+                  <p:tgtEl>
+                    <p:sldTgt/>
+                  </p:tgtEl>
+                </p:cond>
+              </p:prevCondLst>
+              <p:nextCondLst>
+                <p:cond evt="onNext" delay="0">
+                  <p:tgtEl>
+                    <p:sldTgt/>
+                  </p:tgtEl>
+                </p:cond>
+              </p:nextCondLst>
+            </p:seq>
+          </p:childTnLst>
+        </p:cTn>
       </p:par>
     </p:tnLst>
   </p:timing>
@@ -33418,7 +33634,14 @@
                 <a:latin typeface="Times New Roman" pitchFamily="18" charset="0"/>
                 <a:cs typeface="Times New Roman" pitchFamily="18" charset="0"/>
               </a:rPr>
-              <a:t>ND System</a:t>
+              <a:t>ND </a:t>
+            </a:r>
+            <a:r>
+              <a:rPr lang="en-US" smtClean="0">
+                <a:latin typeface="Times New Roman" pitchFamily="18" charset="0"/>
+                <a:cs typeface="Times New Roman" pitchFamily="18" charset="0"/>
+              </a:rPr>
+              <a:t>Inferencer</a:t>
             </a:r>
             <a:endParaRPr lang="en-US">
               <a:latin typeface="Times New Roman" pitchFamily="18" charset="0"/>
@@ -40521,19 +40744,8 @@
                 <a:latin typeface="Times New Roman" pitchFamily="18" charset="0"/>
                 <a:cs typeface="Times New Roman" pitchFamily="18" charset="0"/>
               </a:rPr>
-              <a:t>Hiệu quả hơn </a:t>
+              <a:t>Hiệu quả hơn OOP</a:t>
             </a:r>
-            <a:r>
-              <a:rPr lang="en-US" sz="2000" smtClean="0">
-                <a:latin typeface="Times New Roman" pitchFamily="18" charset="0"/>
-                <a:cs typeface="Times New Roman" pitchFamily="18" charset="0"/>
-              </a:rPr>
-              <a:t>OOP</a:t>
-            </a:r>
-            <a:endParaRPr lang="en-US" sz="2000" smtClean="0">
-              <a:latin typeface="Times New Roman" pitchFamily="18" charset="0"/>
-              <a:cs typeface="Times New Roman" pitchFamily="18" charset="0"/>
-            </a:endParaRPr>
           </a:p>
         </p:txBody>
       </p:sp>
@@ -46345,12 +46557,7 @@
             <p:ph type="title"/>
           </p:nvPr>
         </p:nvSpPr>
-        <p:spPr>
-          <a:xfrm>
-            <a:off x="762000" y="228865"/>
-            <a:ext cx="8229600" cy="952500"/>
-          </a:xfrm>
-        </p:spPr>
+        <p:spPr/>
         <p:txBody>
           <a:bodyPr/>
           <a:lstStyle/>
@@ -46407,6 +46614,46 @@
               <a:pPr/>
               <a:t>6</a:t>
             </a:fld>
+            <a:endParaRPr lang="en-US"/>
+          </a:p>
+        </p:txBody>
+      </p:sp>
+      <p:sp>
+        <p:nvSpPr>
+          <p:cNvPr id="5" name="TextBox 4"/>
+          <p:cNvSpPr txBox="1"/>
+          <p:nvPr/>
+        </p:nvSpPr>
+        <p:spPr>
+          <a:xfrm>
+            <a:off x="609600" y="1257300"/>
+            <a:ext cx="6858000" cy="369332"/>
+          </a:xfrm>
+          <a:prstGeom prst="rect">
+            <a:avLst/>
+          </a:prstGeom>
+          <a:noFill/>
+        </p:spPr>
+        <p:txBody>
+          <a:bodyPr wrap="square" rtlCol="0">
+            <a:spAutoFit/>
+          </a:bodyPr>
+          <a:lstStyle/>
+          <a:p>
+            <a:r>
+              <a:rPr lang="en-US" smtClean="0">
+                <a:latin typeface="Times New Roman" pitchFamily="18" charset="0"/>
+                <a:cs typeface="Times New Roman" pitchFamily="18" charset="0"/>
+              </a:rPr>
+              <a:t>H</a:t>
+            </a:r>
+            <a:r>
+              <a:rPr lang="en-US" smtClean="0">
+                <a:latin typeface="Times New Roman" pitchFamily="18" charset="0"/>
+                <a:cs typeface="Times New Roman" pitchFamily="18" charset="0"/>
+              </a:rPr>
+              <a:t>iện thực hệ thống ND (hệ thống tự động sinh ra chuỗi lập luận logic) </a:t>
+            </a:r>
             <a:endParaRPr lang="en-US"/>
           </a:p>
         </p:txBody>
@@ -46889,6 +47136,42 @@
               <a:t>7</a:t>
             </a:fld>
             <a:endParaRPr lang="en-US"/>
+          </a:p>
+        </p:txBody>
+      </p:sp>
+      <p:sp>
+        <p:nvSpPr>
+          <p:cNvPr id="19" name="TextBox 18"/>
+          <p:cNvSpPr txBox="1"/>
+          <p:nvPr/>
+        </p:nvSpPr>
+        <p:spPr>
+          <a:xfrm>
+            <a:off x="609600" y="1257300"/>
+            <a:ext cx="7467600" cy="369332"/>
+          </a:xfrm>
+          <a:prstGeom prst="rect">
+            <a:avLst/>
+          </a:prstGeom>
+          <a:noFill/>
+        </p:spPr>
+        <p:txBody>
+          <a:bodyPr wrap="square" rtlCol="0">
+            <a:spAutoFit/>
+          </a:bodyPr>
+          <a:lstStyle/>
+          <a:p>
+            <a:r>
+              <a:rPr lang="en-US" smtClean="0">
+                <a:latin typeface="Times New Roman" pitchFamily="18" charset="0"/>
+                <a:cs typeface="Times New Roman" pitchFamily="18" charset="0"/>
+              </a:rPr>
+              <a:t>Kiến trúc tổng quát hệ thống ND</a:t>
+            </a:r>
+            <a:endParaRPr lang="en-US">
+              <a:latin typeface="Times New Roman" pitchFamily="18" charset="0"/>
+              <a:cs typeface="Times New Roman" pitchFamily="18" charset="0"/>
+            </a:endParaRPr>
           </a:p>
         </p:txBody>
       </p:sp>
